--- a/DsDotNet/src/UnitTest/UnitTest.Model/ImportOfficeExample/Sample/s.pptx
+++ b/DsDotNet/src/UnitTest/UnitTest.Model/ImportOfficeExample/Sample/s.pptx
@@ -232,7 +232,7 @@
           <a:p>
             <a:fld id="{DD503887-5801-43A0-AEF9-041E8DDC2558}" type="datetimeFigureOut">
               <a:rPr lang="ko-KR" altLang="en-US" smtClean="0"/>
-              <a:t>2023-02-01</a:t>
+              <a:t>2023-03-27</a:t>
             </a:fld>
             <a:endParaRPr lang="ko-KR" altLang="en-US" dirty="0"/>
           </a:p>
@@ -409,7 +409,7 @@
           <a:p>
             <a:fld id="{95336A0E-57B1-4D4C-BD9B-2F72B5943464}" type="datetimeFigureOut">
               <a:rPr lang="ko-KR" altLang="en-US" smtClean="0"/>
-              <a:t>2023-02-01</a:t>
+              <a:t>2023-03-27</a:t>
             </a:fld>
             <a:endParaRPr lang="ko-KR" altLang="en-US" dirty="0"/>
           </a:p>
@@ -907,7 +907,7 @@
           <a:p>
             <a:fld id="{229D12C7-0FF5-4972-A033-474EFFC79F40}" type="datetime1">
               <a:rPr lang="ko-KR" altLang="en-US" smtClean="0"/>
-              <a:t>2023-02-01</a:t>
+              <a:t>2023-03-27</a:t>
             </a:fld>
             <a:endParaRPr lang="ko-KR" altLang="en-US" dirty="0"/>
           </a:p>
@@ -1105,7 +1105,7 @@
           <a:p>
             <a:fld id="{5BA19FD4-B052-4F56-8FD8-EAFD078DEFB0}" type="datetime1">
               <a:rPr lang="ko-KR" altLang="en-US" smtClean="0"/>
-              <a:t>2023-02-01</a:t>
+              <a:t>2023-03-27</a:t>
             </a:fld>
             <a:endParaRPr lang="ko-KR" altLang="en-US" dirty="0"/>
           </a:p>
@@ -1313,7 +1313,7 @@
           <a:p>
             <a:fld id="{024994B9-23A6-4B0A-A038-AC140E83DAA3}" type="datetime1">
               <a:rPr lang="ko-KR" altLang="en-US" smtClean="0"/>
-              <a:t>2023-02-01</a:t>
+              <a:t>2023-03-27</a:t>
             </a:fld>
             <a:endParaRPr lang="ko-KR" altLang="en-US" dirty="0"/>
           </a:p>
@@ -1455,7 +1455,7 @@
           <a:p>
             <a:fld id="{B5B1BBC2-B738-4C35-AEE5-660EB2DEB482}" type="datetime1">
               <a:rPr lang="ko-KR" altLang="en-US" smtClean="0"/>
-              <a:t>2023-02-01</a:t>
+              <a:t>2023-03-27</a:t>
             </a:fld>
             <a:endParaRPr lang="ko-KR" altLang="en-US" dirty="0"/>
           </a:p>
@@ -6122,7 +6122,7 @@
           <a:p>
             <a:fld id="{70D0DAB2-87CB-4028-B965-3AA710ADF2CB}" type="datetime1">
               <a:rPr lang="ko-KR" altLang="en-US" smtClean="0"/>
-              <a:t>2023-02-01</a:t>
+              <a:t>2023-03-27</a:t>
             </a:fld>
             <a:endParaRPr lang="ko-KR" altLang="en-US" dirty="0"/>
           </a:p>
@@ -6397,7 +6397,7 @@
           <a:p>
             <a:fld id="{63FA3D71-FEA8-477F-9D1E-EA860F411BC7}" type="datetime1">
               <a:rPr lang="ko-KR" altLang="en-US" smtClean="0"/>
-              <a:t>2023-02-01</a:t>
+              <a:t>2023-03-27</a:t>
             </a:fld>
             <a:endParaRPr lang="ko-KR" altLang="en-US" dirty="0"/>
           </a:p>
@@ -6662,7 +6662,7 @@
           <a:p>
             <a:fld id="{F58E3EF4-7980-4C97-BA64-EC66995BB574}" type="datetime1">
               <a:rPr lang="ko-KR" altLang="en-US" smtClean="0"/>
-              <a:t>2023-02-01</a:t>
+              <a:t>2023-03-27</a:t>
             </a:fld>
             <a:endParaRPr lang="ko-KR" altLang="en-US" dirty="0"/>
           </a:p>
@@ -7074,7 +7074,7 @@
           <a:p>
             <a:fld id="{FC9BC1D0-7D6B-4634-9D19-644040D74EAE}" type="datetime1">
               <a:rPr lang="ko-KR" altLang="en-US" smtClean="0"/>
-              <a:t>2023-02-01</a:t>
+              <a:t>2023-03-27</a:t>
             </a:fld>
             <a:endParaRPr lang="ko-KR" altLang="en-US" dirty="0"/>
           </a:p>
@@ -7215,7 +7215,7 @@
           <a:p>
             <a:fld id="{B5B1BBC2-B738-4C35-AEE5-660EB2DEB482}" type="datetime1">
               <a:rPr lang="ko-KR" altLang="en-US" smtClean="0"/>
-              <a:t>2023-02-01</a:t>
+              <a:t>2023-03-27</a:t>
             </a:fld>
             <a:endParaRPr lang="ko-KR" altLang="en-US" dirty="0"/>
           </a:p>
@@ -11797,7 +11797,7 @@
           <a:p>
             <a:fld id="{C60E9F93-7E77-4F36-B88C-A425F00C8D91}" type="datetime1">
               <a:rPr lang="ko-KR" altLang="en-US" smtClean="0"/>
-              <a:t>2023-02-01</a:t>
+              <a:t>2023-03-27</a:t>
             </a:fld>
             <a:endParaRPr lang="ko-KR" altLang="en-US" dirty="0"/>
           </a:p>
@@ -12108,7 +12108,7 @@
           <a:p>
             <a:fld id="{36BCCD0E-2A54-4016-BFFC-FEAABCDA6915}" type="datetime1">
               <a:rPr lang="ko-KR" altLang="en-US" smtClean="0"/>
-              <a:t>2023-02-01</a:t>
+              <a:t>2023-03-27</a:t>
             </a:fld>
             <a:endParaRPr lang="ko-KR" altLang="en-US" dirty="0"/>
           </a:p>
@@ -12396,7 +12396,7 @@
           <a:p>
             <a:fld id="{C984B0C4-64BA-4E4C-B5E6-A51EE3F6ED95}" type="datetime1">
               <a:rPr lang="ko-KR" altLang="en-US" smtClean="0"/>
-              <a:t>2023-02-01</a:t>
+              <a:t>2023-03-27</a:t>
             </a:fld>
             <a:endParaRPr lang="ko-KR" altLang="en-US" dirty="0"/>
           </a:p>
@@ -12638,7 +12638,7 @@
           <a:p>
             <a:fld id="{C984B0C4-64BA-4E4C-B5E6-A51EE3F6ED95}" type="datetime1">
               <a:rPr lang="ko-KR" altLang="en-US" smtClean="0"/>
-              <a:t>2023-02-01</a:t>
+              <a:t>2023-03-27</a:t>
             </a:fld>
             <a:endParaRPr lang="ko-KR" altLang="en-US" dirty="0"/>
           </a:p>
@@ -13041,7 +13041,7 @@
 </file>
 
 <file path=ppt/slides/slide1.xml><?xml version="1.0" encoding="utf-8"?>
-<p:sld xmlns:a="http://schemas.openxmlformats.org/drawingml/2006/main" xmlns:r="http://schemas.openxmlformats.org/officeDocument/2006/relationships" xmlns:p="http://schemas.openxmlformats.org/presentationml/2006/main" show="0">
+<p:sld xmlns:a="http://schemas.openxmlformats.org/drawingml/2006/main" xmlns:r="http://schemas.openxmlformats.org/officeDocument/2006/relationships" xmlns:p="http://schemas.openxmlformats.org/presentationml/2006/main">
   <p:cSld>
     <p:spTree>
       <p:nvGrpSpPr>
@@ -13129,7 +13129,7 @@
 </file>
 
 <file path=ppt/slides/slide10.xml><?xml version="1.0" encoding="utf-8"?>
-<p:sld xmlns:a="http://schemas.openxmlformats.org/drawingml/2006/main" xmlns:r="http://schemas.openxmlformats.org/officeDocument/2006/relationships" xmlns:p="http://schemas.openxmlformats.org/presentationml/2006/main" show="0">
+<p:sld xmlns:a="http://schemas.openxmlformats.org/drawingml/2006/main" xmlns:r="http://schemas.openxmlformats.org/officeDocument/2006/relationships" xmlns:p="http://schemas.openxmlformats.org/presentationml/2006/main">
   <p:cSld>
     <p:spTree>
       <p:nvGrpSpPr>
@@ -13674,7 +13674,7 @@
 </file>
 
 <file path=ppt/slides/slide11.xml><?xml version="1.0" encoding="utf-8"?>
-<p:sld xmlns:a="http://schemas.openxmlformats.org/drawingml/2006/main" xmlns:r="http://schemas.openxmlformats.org/officeDocument/2006/relationships" xmlns:p="http://schemas.openxmlformats.org/presentationml/2006/main" show="0">
+<p:sld xmlns:a="http://schemas.openxmlformats.org/drawingml/2006/main" xmlns:r="http://schemas.openxmlformats.org/officeDocument/2006/relationships" xmlns:p="http://schemas.openxmlformats.org/presentationml/2006/main">
   <p:cSld>
     <p:spTree>
       <p:nvGrpSpPr>
@@ -13982,7 +13982,7 @@
                 </a:r>
                 <a:r>
                   <a:rPr lang="en-US" altLang="ko-KR" dirty="0"/>
-                  <a:t> $Home</a:t>
+                  <a:t> $HOME</a:t>
                 </a:r>
                 <a:endParaRPr lang="ko-KR" altLang="en-US" dirty="0"/>
               </a:p>
@@ -14042,7 +14042,7 @@
                 </a:r>
                 <a:r>
                   <a:rPr lang="en-US" altLang="ko-KR" dirty="0"/>
-                  <a:t> $Reset</a:t>
+                  <a:t> $RESET</a:t>
                 </a:r>
                 <a:endParaRPr lang="ko-KR" altLang="en-US" dirty="0"/>
               </a:p>
@@ -14102,7 +14102,7 @@
                 </a:r>
                 <a:r>
                   <a:rPr lang="en-US" altLang="ko-KR" dirty="0"/>
-                  <a:t> $Weld</a:t>
+                  <a:t> $WELD</a:t>
                 </a:r>
                 <a:endParaRPr lang="ko-KR" altLang="en-US" dirty="0"/>
               </a:p>
@@ -14253,7 +14253,7 @@
 </file>
 
 <file path=ppt/slides/slide12.xml><?xml version="1.0" encoding="utf-8"?>
-<p:sld xmlns:a="http://schemas.openxmlformats.org/drawingml/2006/main" xmlns:r="http://schemas.openxmlformats.org/officeDocument/2006/relationships" xmlns:p="http://schemas.openxmlformats.org/presentationml/2006/main" show="0">
+<p:sld xmlns:a="http://schemas.openxmlformats.org/drawingml/2006/main" xmlns:r="http://schemas.openxmlformats.org/officeDocument/2006/relationships" xmlns:p="http://schemas.openxmlformats.org/presentationml/2006/main">
   <p:cSld>
     <p:spTree>
       <p:nvGrpSpPr>
@@ -14789,7 +14789,7 @@
 </file>
 
 <file path=ppt/slides/slide13.xml><?xml version="1.0" encoding="utf-8"?>
-<p:sld xmlns:a="http://schemas.openxmlformats.org/drawingml/2006/main" xmlns:r="http://schemas.openxmlformats.org/officeDocument/2006/relationships" xmlns:p="http://schemas.openxmlformats.org/presentationml/2006/main" show="0">
+<p:sld xmlns:a="http://schemas.openxmlformats.org/drawingml/2006/main" xmlns:r="http://schemas.openxmlformats.org/officeDocument/2006/relationships" xmlns:p="http://schemas.openxmlformats.org/presentationml/2006/main">
   <p:cSld>
     <p:spTree>
       <p:nvGrpSpPr>
@@ -15836,7 +15836,7 @@
 </file>
 
 <file path=ppt/slides/slide14.xml><?xml version="1.0" encoding="utf-8"?>
-<p:sld xmlns:a="http://schemas.openxmlformats.org/drawingml/2006/main" xmlns:r="http://schemas.openxmlformats.org/officeDocument/2006/relationships" xmlns:p="http://schemas.openxmlformats.org/presentationml/2006/main" show="0">
+<p:sld xmlns:a="http://schemas.openxmlformats.org/drawingml/2006/main" xmlns:r="http://schemas.openxmlformats.org/officeDocument/2006/relationships" xmlns:p="http://schemas.openxmlformats.org/presentationml/2006/main">
   <p:cSld>
     <p:spTree>
       <p:nvGrpSpPr>
@@ -16647,7 +16647,7 @@
 </file>
 
 <file path=ppt/slides/slide15.xml><?xml version="1.0" encoding="utf-8"?>
-<p:sld xmlns:a="http://schemas.openxmlformats.org/drawingml/2006/main" xmlns:r="http://schemas.openxmlformats.org/officeDocument/2006/relationships" xmlns:p="http://schemas.openxmlformats.org/presentationml/2006/main" show="0">
+<p:sld xmlns:a="http://schemas.openxmlformats.org/drawingml/2006/main" xmlns:r="http://schemas.openxmlformats.org/officeDocument/2006/relationships" xmlns:p="http://schemas.openxmlformats.org/presentationml/2006/main">
   <p:cSld>
     <p:spTree>
       <p:nvGrpSpPr>
@@ -17152,7 +17152,7 @@
 </file>
 
 <file path=ppt/slides/slide16.xml><?xml version="1.0" encoding="utf-8"?>
-<p:sld xmlns:a="http://schemas.openxmlformats.org/drawingml/2006/main" xmlns:r="http://schemas.openxmlformats.org/officeDocument/2006/relationships" xmlns:p="http://schemas.openxmlformats.org/presentationml/2006/main" show="0">
+<p:sld xmlns:a="http://schemas.openxmlformats.org/drawingml/2006/main" xmlns:r="http://schemas.openxmlformats.org/officeDocument/2006/relationships" xmlns:p="http://schemas.openxmlformats.org/presentationml/2006/main">
   <p:cSld>
     <p:spTree>
       <p:nvGrpSpPr>
@@ -17507,7 +17507,7 @@
 </file>
 
 <file path=ppt/slides/slide17.xml><?xml version="1.0" encoding="utf-8"?>
-<p:sld xmlns:a="http://schemas.openxmlformats.org/drawingml/2006/main" xmlns:r="http://schemas.openxmlformats.org/officeDocument/2006/relationships" xmlns:p="http://schemas.openxmlformats.org/presentationml/2006/main" show="0">
+<p:sld xmlns:a="http://schemas.openxmlformats.org/drawingml/2006/main" xmlns:r="http://schemas.openxmlformats.org/officeDocument/2006/relationships" xmlns:p="http://schemas.openxmlformats.org/presentationml/2006/main">
   <p:cSld>
     <p:spTree>
       <p:nvGrpSpPr>
@@ -17862,7 +17862,7 @@
 </file>
 
 <file path=ppt/slides/slide18.xml><?xml version="1.0" encoding="utf-8"?>
-<p:sld xmlns:a="http://schemas.openxmlformats.org/drawingml/2006/main" xmlns:r="http://schemas.openxmlformats.org/officeDocument/2006/relationships" xmlns:p="http://schemas.openxmlformats.org/presentationml/2006/main" show="0">
+<p:sld xmlns:a="http://schemas.openxmlformats.org/drawingml/2006/main" xmlns:r="http://schemas.openxmlformats.org/officeDocument/2006/relationships" xmlns:p="http://schemas.openxmlformats.org/presentationml/2006/main">
   <p:cSld>
     <p:spTree>
       <p:nvGrpSpPr>
@@ -18458,7 +18458,7 @@
 </file>
 
 <file path=ppt/slides/slide2.xml><?xml version="1.0" encoding="utf-8"?>
-<p:sld xmlns:a="http://schemas.openxmlformats.org/drawingml/2006/main" xmlns:r="http://schemas.openxmlformats.org/officeDocument/2006/relationships" xmlns:p="http://schemas.openxmlformats.org/presentationml/2006/main" show="0">
+<p:sld xmlns:a="http://schemas.openxmlformats.org/drawingml/2006/main" xmlns:r="http://schemas.openxmlformats.org/officeDocument/2006/relationships" xmlns:p="http://schemas.openxmlformats.org/presentationml/2006/main">
   <p:cSld>
     <p:spTree>
       <p:nvGrpSpPr>
@@ -18851,7 +18851,7 @@
 </file>
 
 <file path=ppt/slides/slide3.xml><?xml version="1.0" encoding="utf-8"?>
-<p:sld xmlns:a="http://schemas.openxmlformats.org/drawingml/2006/main" xmlns:r="http://schemas.openxmlformats.org/officeDocument/2006/relationships" xmlns:p="http://schemas.openxmlformats.org/presentationml/2006/main" show="0">
+<p:sld xmlns:a="http://schemas.openxmlformats.org/drawingml/2006/main" xmlns:r="http://schemas.openxmlformats.org/officeDocument/2006/relationships" xmlns:p="http://schemas.openxmlformats.org/presentationml/2006/main">
   <p:cSld>
     <p:spTree>
       <p:nvGrpSpPr>
@@ -20664,7 +20664,7 @@
 </file>
 
 <file path=ppt/slides/slide6.xml><?xml version="1.0" encoding="utf-8"?>
-<p:sld xmlns:a="http://schemas.openxmlformats.org/drawingml/2006/main" xmlns:r="http://schemas.openxmlformats.org/officeDocument/2006/relationships" xmlns:p="http://schemas.openxmlformats.org/presentationml/2006/main" show="0">
+<p:sld xmlns:a="http://schemas.openxmlformats.org/drawingml/2006/main" xmlns:r="http://schemas.openxmlformats.org/officeDocument/2006/relationships" xmlns:p="http://schemas.openxmlformats.org/presentationml/2006/main">
   <p:cSld>
     <p:spTree>
       <p:nvGrpSpPr>
@@ -21861,7 +21861,7 @@
 </file>
 
 <file path=ppt/slides/slide7.xml><?xml version="1.0" encoding="utf-8"?>
-<p:sld xmlns:a="http://schemas.openxmlformats.org/drawingml/2006/main" xmlns:r="http://schemas.openxmlformats.org/officeDocument/2006/relationships" xmlns:p="http://schemas.openxmlformats.org/presentationml/2006/main" show="0">
+<p:sld xmlns:a="http://schemas.openxmlformats.org/drawingml/2006/main" xmlns:r="http://schemas.openxmlformats.org/officeDocument/2006/relationships" xmlns:p="http://schemas.openxmlformats.org/presentationml/2006/main">
   <p:cSld>
     <p:spTree>
       <p:nvGrpSpPr>
@@ -22354,7 +22354,7 @@
 </file>
 
 <file path=ppt/slides/slide8.xml><?xml version="1.0" encoding="utf-8"?>
-<p:sld xmlns:a="http://schemas.openxmlformats.org/drawingml/2006/main" xmlns:r="http://schemas.openxmlformats.org/officeDocument/2006/relationships" xmlns:p="http://schemas.openxmlformats.org/presentationml/2006/main" show="0">
+<p:sld xmlns:a="http://schemas.openxmlformats.org/drawingml/2006/main" xmlns:r="http://schemas.openxmlformats.org/officeDocument/2006/relationships" xmlns:p="http://schemas.openxmlformats.org/presentationml/2006/main">
   <p:cSld>
     <p:spTree>
       <p:nvGrpSpPr>
@@ -22903,7 +22903,7 @@
 </file>
 
 <file path=ppt/slides/slide9.xml><?xml version="1.0" encoding="utf-8"?>
-<p:sld xmlns:a="http://schemas.openxmlformats.org/drawingml/2006/main" xmlns:r="http://schemas.openxmlformats.org/officeDocument/2006/relationships" xmlns:p="http://schemas.openxmlformats.org/presentationml/2006/main" show="0">
+<p:sld xmlns:a="http://schemas.openxmlformats.org/drawingml/2006/main" xmlns:r="http://schemas.openxmlformats.org/officeDocument/2006/relationships" xmlns:p="http://schemas.openxmlformats.org/presentationml/2006/main">
   <p:cSld>
     <p:spTree>
       <p:nvGrpSpPr>

--- a/DsDotNet/src/UnitTest/UnitTest.Model/ImportOfficeExample/Sample/s.pptx
+++ b/DsDotNet/src/UnitTest/UnitTest.Model/ImportOfficeExample/Sample/s.pptx
@@ -232,7 +232,7 @@
           <a:p>
             <a:fld id="{DD503887-5801-43A0-AEF9-041E8DDC2558}" type="datetimeFigureOut">
               <a:rPr lang="ko-KR" altLang="en-US" smtClean="0"/>
-              <a:t>2023-03-27</a:t>
+              <a:t>2023-03-28</a:t>
             </a:fld>
             <a:endParaRPr lang="ko-KR" altLang="en-US" dirty="0"/>
           </a:p>
@@ -409,7 +409,7 @@
           <a:p>
             <a:fld id="{95336A0E-57B1-4D4C-BD9B-2F72B5943464}" type="datetimeFigureOut">
               <a:rPr lang="ko-KR" altLang="en-US" smtClean="0"/>
-              <a:t>2023-03-27</a:t>
+              <a:t>2023-03-28</a:t>
             </a:fld>
             <a:endParaRPr lang="ko-KR" altLang="en-US" dirty="0"/>
           </a:p>
@@ -907,7 +907,7 @@
           <a:p>
             <a:fld id="{229D12C7-0FF5-4972-A033-474EFFC79F40}" type="datetime1">
               <a:rPr lang="ko-KR" altLang="en-US" smtClean="0"/>
-              <a:t>2023-03-27</a:t>
+              <a:t>2023-03-28</a:t>
             </a:fld>
             <a:endParaRPr lang="ko-KR" altLang="en-US" dirty="0"/>
           </a:p>
@@ -1105,7 +1105,7 @@
           <a:p>
             <a:fld id="{5BA19FD4-B052-4F56-8FD8-EAFD078DEFB0}" type="datetime1">
               <a:rPr lang="ko-KR" altLang="en-US" smtClean="0"/>
-              <a:t>2023-03-27</a:t>
+              <a:t>2023-03-28</a:t>
             </a:fld>
             <a:endParaRPr lang="ko-KR" altLang="en-US" dirty="0"/>
           </a:p>
@@ -1313,7 +1313,7 @@
           <a:p>
             <a:fld id="{024994B9-23A6-4B0A-A038-AC140E83DAA3}" type="datetime1">
               <a:rPr lang="ko-KR" altLang="en-US" smtClean="0"/>
-              <a:t>2023-03-27</a:t>
+              <a:t>2023-03-28</a:t>
             </a:fld>
             <a:endParaRPr lang="ko-KR" altLang="en-US" dirty="0"/>
           </a:p>
@@ -1455,7 +1455,7 @@
           <a:p>
             <a:fld id="{B5B1BBC2-B738-4C35-AEE5-660EB2DEB482}" type="datetime1">
               <a:rPr lang="ko-KR" altLang="en-US" smtClean="0"/>
-              <a:t>2023-03-27</a:t>
+              <a:t>2023-03-28</a:t>
             </a:fld>
             <a:endParaRPr lang="ko-KR" altLang="en-US" dirty="0"/>
           </a:p>
@@ -6122,7 +6122,7 @@
           <a:p>
             <a:fld id="{70D0DAB2-87CB-4028-B965-3AA710ADF2CB}" type="datetime1">
               <a:rPr lang="ko-KR" altLang="en-US" smtClean="0"/>
-              <a:t>2023-03-27</a:t>
+              <a:t>2023-03-28</a:t>
             </a:fld>
             <a:endParaRPr lang="ko-KR" altLang="en-US" dirty="0"/>
           </a:p>
@@ -6397,7 +6397,7 @@
           <a:p>
             <a:fld id="{63FA3D71-FEA8-477F-9D1E-EA860F411BC7}" type="datetime1">
               <a:rPr lang="ko-KR" altLang="en-US" smtClean="0"/>
-              <a:t>2023-03-27</a:t>
+              <a:t>2023-03-28</a:t>
             </a:fld>
             <a:endParaRPr lang="ko-KR" altLang="en-US" dirty="0"/>
           </a:p>
@@ -6662,7 +6662,7 @@
           <a:p>
             <a:fld id="{F58E3EF4-7980-4C97-BA64-EC66995BB574}" type="datetime1">
               <a:rPr lang="ko-KR" altLang="en-US" smtClean="0"/>
-              <a:t>2023-03-27</a:t>
+              <a:t>2023-03-28</a:t>
             </a:fld>
             <a:endParaRPr lang="ko-KR" altLang="en-US" dirty="0"/>
           </a:p>
@@ -7074,7 +7074,7 @@
           <a:p>
             <a:fld id="{FC9BC1D0-7D6B-4634-9D19-644040D74EAE}" type="datetime1">
               <a:rPr lang="ko-KR" altLang="en-US" smtClean="0"/>
-              <a:t>2023-03-27</a:t>
+              <a:t>2023-03-28</a:t>
             </a:fld>
             <a:endParaRPr lang="ko-KR" altLang="en-US" dirty="0"/>
           </a:p>
@@ -7215,7 +7215,7 @@
           <a:p>
             <a:fld id="{B5B1BBC2-B738-4C35-AEE5-660EB2DEB482}" type="datetime1">
               <a:rPr lang="ko-KR" altLang="en-US" smtClean="0"/>
-              <a:t>2023-03-27</a:t>
+              <a:t>2023-03-28</a:t>
             </a:fld>
             <a:endParaRPr lang="ko-KR" altLang="en-US" dirty="0"/>
           </a:p>
@@ -11797,7 +11797,7 @@
           <a:p>
             <a:fld id="{C60E9F93-7E77-4F36-B88C-A425F00C8D91}" type="datetime1">
               <a:rPr lang="ko-KR" altLang="en-US" smtClean="0"/>
-              <a:t>2023-03-27</a:t>
+              <a:t>2023-03-28</a:t>
             </a:fld>
             <a:endParaRPr lang="ko-KR" altLang="en-US" dirty="0"/>
           </a:p>
@@ -12108,7 +12108,7 @@
           <a:p>
             <a:fld id="{36BCCD0E-2A54-4016-BFFC-FEAABCDA6915}" type="datetime1">
               <a:rPr lang="ko-KR" altLang="en-US" smtClean="0"/>
-              <a:t>2023-03-27</a:t>
+              <a:t>2023-03-28</a:t>
             </a:fld>
             <a:endParaRPr lang="ko-KR" altLang="en-US" dirty="0"/>
           </a:p>
@@ -12396,7 +12396,7 @@
           <a:p>
             <a:fld id="{C984B0C4-64BA-4E4C-B5E6-A51EE3F6ED95}" type="datetime1">
               <a:rPr lang="ko-KR" altLang="en-US" smtClean="0"/>
-              <a:t>2023-03-27</a:t>
+              <a:t>2023-03-28</a:t>
             </a:fld>
             <a:endParaRPr lang="ko-KR" altLang="en-US" dirty="0"/>
           </a:p>
@@ -12638,7 +12638,7 @@
           <a:p>
             <a:fld id="{C984B0C4-64BA-4E4C-B5E6-A51EE3F6ED95}" type="datetime1">
               <a:rPr lang="ko-KR" altLang="en-US" smtClean="0"/>
-              <a:t>2023-03-27</a:t>
+              <a:t>2023-03-28</a:t>
             </a:fld>
             <a:endParaRPr lang="ko-KR" altLang="en-US" dirty="0"/>
           </a:p>
@@ -13129,7 +13129,7 @@
 </file>
 
 <file path=ppt/slides/slide10.xml><?xml version="1.0" encoding="utf-8"?>
-<p:sld xmlns:a="http://schemas.openxmlformats.org/drawingml/2006/main" xmlns:r="http://schemas.openxmlformats.org/officeDocument/2006/relationships" xmlns:p="http://schemas.openxmlformats.org/presentationml/2006/main">
+<p:sld xmlns:a="http://schemas.openxmlformats.org/drawingml/2006/main" xmlns:r="http://schemas.openxmlformats.org/officeDocument/2006/relationships" xmlns:p="http://schemas.openxmlformats.org/presentationml/2006/main" show="0">
   <p:cSld>
     <p:spTree>
       <p:nvGrpSpPr>
@@ -13674,7 +13674,7 @@
 </file>
 
 <file path=ppt/slides/slide11.xml><?xml version="1.0" encoding="utf-8"?>
-<p:sld xmlns:a="http://schemas.openxmlformats.org/drawingml/2006/main" xmlns:r="http://schemas.openxmlformats.org/officeDocument/2006/relationships" xmlns:p="http://schemas.openxmlformats.org/presentationml/2006/main">
+<p:sld xmlns:a="http://schemas.openxmlformats.org/drawingml/2006/main" xmlns:r="http://schemas.openxmlformats.org/officeDocument/2006/relationships" xmlns:p="http://schemas.openxmlformats.org/presentationml/2006/main" show="0">
   <p:cSld>
     <p:spTree>
       <p:nvGrpSpPr>
@@ -14253,7 +14253,7 @@
 </file>
 
 <file path=ppt/slides/slide12.xml><?xml version="1.0" encoding="utf-8"?>
-<p:sld xmlns:a="http://schemas.openxmlformats.org/drawingml/2006/main" xmlns:r="http://schemas.openxmlformats.org/officeDocument/2006/relationships" xmlns:p="http://schemas.openxmlformats.org/presentationml/2006/main">
+<p:sld xmlns:a="http://schemas.openxmlformats.org/drawingml/2006/main" xmlns:r="http://schemas.openxmlformats.org/officeDocument/2006/relationships" xmlns:p="http://schemas.openxmlformats.org/presentationml/2006/main" show="0">
   <p:cSld>
     <p:spTree>
       <p:nvGrpSpPr>
@@ -14789,7 +14789,7 @@
 </file>
 
 <file path=ppt/slides/slide13.xml><?xml version="1.0" encoding="utf-8"?>
-<p:sld xmlns:a="http://schemas.openxmlformats.org/drawingml/2006/main" xmlns:r="http://schemas.openxmlformats.org/officeDocument/2006/relationships" xmlns:p="http://schemas.openxmlformats.org/presentationml/2006/main">
+<p:sld xmlns:a="http://schemas.openxmlformats.org/drawingml/2006/main" xmlns:r="http://schemas.openxmlformats.org/officeDocument/2006/relationships" xmlns:p="http://schemas.openxmlformats.org/presentationml/2006/main" show="0">
   <p:cSld>
     <p:spTree>
       <p:nvGrpSpPr>
@@ -15836,7 +15836,7 @@
 </file>
 
 <file path=ppt/slides/slide14.xml><?xml version="1.0" encoding="utf-8"?>
-<p:sld xmlns:a="http://schemas.openxmlformats.org/drawingml/2006/main" xmlns:r="http://schemas.openxmlformats.org/officeDocument/2006/relationships" xmlns:p="http://schemas.openxmlformats.org/presentationml/2006/main">
+<p:sld xmlns:a="http://schemas.openxmlformats.org/drawingml/2006/main" xmlns:r="http://schemas.openxmlformats.org/officeDocument/2006/relationships" xmlns:p="http://schemas.openxmlformats.org/presentationml/2006/main" show="0">
   <p:cSld>
     <p:spTree>
       <p:nvGrpSpPr>
@@ -16647,7 +16647,7 @@
 </file>
 
 <file path=ppt/slides/slide15.xml><?xml version="1.0" encoding="utf-8"?>
-<p:sld xmlns:a="http://schemas.openxmlformats.org/drawingml/2006/main" xmlns:r="http://schemas.openxmlformats.org/officeDocument/2006/relationships" xmlns:p="http://schemas.openxmlformats.org/presentationml/2006/main">
+<p:sld xmlns:a="http://schemas.openxmlformats.org/drawingml/2006/main" xmlns:r="http://schemas.openxmlformats.org/officeDocument/2006/relationships" xmlns:p="http://schemas.openxmlformats.org/presentationml/2006/main" show="0">
   <p:cSld>
     <p:spTree>
       <p:nvGrpSpPr>
@@ -17152,7 +17152,7 @@
 </file>
 
 <file path=ppt/slides/slide16.xml><?xml version="1.0" encoding="utf-8"?>
-<p:sld xmlns:a="http://schemas.openxmlformats.org/drawingml/2006/main" xmlns:r="http://schemas.openxmlformats.org/officeDocument/2006/relationships" xmlns:p="http://schemas.openxmlformats.org/presentationml/2006/main">
+<p:sld xmlns:a="http://schemas.openxmlformats.org/drawingml/2006/main" xmlns:r="http://schemas.openxmlformats.org/officeDocument/2006/relationships" xmlns:p="http://schemas.openxmlformats.org/presentationml/2006/main" show="0">
   <p:cSld>
     <p:spTree>
       <p:nvGrpSpPr>
@@ -17507,7 +17507,7 @@
 </file>
 
 <file path=ppt/slides/slide17.xml><?xml version="1.0" encoding="utf-8"?>
-<p:sld xmlns:a="http://schemas.openxmlformats.org/drawingml/2006/main" xmlns:r="http://schemas.openxmlformats.org/officeDocument/2006/relationships" xmlns:p="http://schemas.openxmlformats.org/presentationml/2006/main">
+<p:sld xmlns:a="http://schemas.openxmlformats.org/drawingml/2006/main" xmlns:r="http://schemas.openxmlformats.org/officeDocument/2006/relationships" xmlns:p="http://schemas.openxmlformats.org/presentationml/2006/main" show="0">
   <p:cSld>
     <p:spTree>
       <p:nvGrpSpPr>
@@ -17862,7 +17862,7 @@
 </file>
 
 <file path=ppt/slides/slide18.xml><?xml version="1.0" encoding="utf-8"?>
-<p:sld xmlns:a="http://schemas.openxmlformats.org/drawingml/2006/main" xmlns:r="http://schemas.openxmlformats.org/officeDocument/2006/relationships" xmlns:p="http://schemas.openxmlformats.org/presentationml/2006/main">
+<p:sld xmlns:a="http://schemas.openxmlformats.org/drawingml/2006/main" xmlns:r="http://schemas.openxmlformats.org/officeDocument/2006/relationships" xmlns:p="http://schemas.openxmlformats.org/presentationml/2006/main" show="0">
   <p:cSld>
     <p:spTree>
       <p:nvGrpSpPr>
@@ -18851,7 +18851,7 @@
 </file>
 
 <file path=ppt/slides/slide3.xml><?xml version="1.0" encoding="utf-8"?>
-<p:sld xmlns:a="http://schemas.openxmlformats.org/drawingml/2006/main" xmlns:r="http://schemas.openxmlformats.org/officeDocument/2006/relationships" xmlns:p="http://schemas.openxmlformats.org/presentationml/2006/main">
+<p:sld xmlns:a="http://schemas.openxmlformats.org/drawingml/2006/main" xmlns:r="http://schemas.openxmlformats.org/officeDocument/2006/relationships" xmlns:p="http://schemas.openxmlformats.org/presentationml/2006/main" show="0">
   <p:cSld>
     <p:spTree>
       <p:nvGrpSpPr>
@@ -19040,7 +19040,7 @@
 </file>
 
 <file path=ppt/slides/slide4.xml><?xml version="1.0" encoding="utf-8"?>
-<p:sld xmlns:a="http://schemas.openxmlformats.org/drawingml/2006/main" xmlns:r="http://schemas.openxmlformats.org/officeDocument/2006/relationships" xmlns:p="http://schemas.openxmlformats.org/presentationml/2006/main">
+<p:sld xmlns:a="http://schemas.openxmlformats.org/drawingml/2006/main" xmlns:r="http://schemas.openxmlformats.org/officeDocument/2006/relationships" xmlns:p="http://schemas.openxmlformats.org/presentationml/2006/main" show="0">
   <p:cSld>
     <p:spTree>
       <p:nvGrpSpPr>
@@ -19473,7 +19473,7 @@
 </file>
 
 <file path=ppt/slides/slide5.xml><?xml version="1.0" encoding="utf-8"?>
-<p:sld xmlns:a="http://schemas.openxmlformats.org/drawingml/2006/main" xmlns:r="http://schemas.openxmlformats.org/officeDocument/2006/relationships" xmlns:p="http://schemas.openxmlformats.org/presentationml/2006/main">
+<p:sld xmlns:a="http://schemas.openxmlformats.org/drawingml/2006/main" xmlns:r="http://schemas.openxmlformats.org/officeDocument/2006/relationships" xmlns:p="http://schemas.openxmlformats.org/presentationml/2006/main" show="0">
   <p:cSld>
     <p:spTree>
       <p:nvGrpSpPr>
@@ -20664,7 +20664,7 @@
 </file>
 
 <file path=ppt/slides/slide6.xml><?xml version="1.0" encoding="utf-8"?>
-<p:sld xmlns:a="http://schemas.openxmlformats.org/drawingml/2006/main" xmlns:r="http://schemas.openxmlformats.org/officeDocument/2006/relationships" xmlns:p="http://schemas.openxmlformats.org/presentationml/2006/main">
+<p:sld xmlns:a="http://schemas.openxmlformats.org/drawingml/2006/main" xmlns:r="http://schemas.openxmlformats.org/officeDocument/2006/relationships" xmlns:p="http://schemas.openxmlformats.org/presentationml/2006/main" show="0">
   <p:cSld>
     <p:spTree>
       <p:nvGrpSpPr>
@@ -21861,7 +21861,7 @@
 </file>
 
 <file path=ppt/slides/slide7.xml><?xml version="1.0" encoding="utf-8"?>
-<p:sld xmlns:a="http://schemas.openxmlformats.org/drawingml/2006/main" xmlns:r="http://schemas.openxmlformats.org/officeDocument/2006/relationships" xmlns:p="http://schemas.openxmlformats.org/presentationml/2006/main">
+<p:sld xmlns:a="http://schemas.openxmlformats.org/drawingml/2006/main" xmlns:r="http://schemas.openxmlformats.org/officeDocument/2006/relationships" xmlns:p="http://schemas.openxmlformats.org/presentationml/2006/main" show="0">
   <p:cSld>
     <p:spTree>
       <p:nvGrpSpPr>
@@ -22354,7 +22354,7 @@
 </file>
 
 <file path=ppt/slides/slide8.xml><?xml version="1.0" encoding="utf-8"?>
-<p:sld xmlns:a="http://schemas.openxmlformats.org/drawingml/2006/main" xmlns:r="http://schemas.openxmlformats.org/officeDocument/2006/relationships" xmlns:p="http://schemas.openxmlformats.org/presentationml/2006/main">
+<p:sld xmlns:a="http://schemas.openxmlformats.org/drawingml/2006/main" xmlns:r="http://schemas.openxmlformats.org/officeDocument/2006/relationships" xmlns:p="http://schemas.openxmlformats.org/presentationml/2006/main" show="0">
   <p:cSld>
     <p:spTree>
       <p:nvGrpSpPr>
@@ -22903,7 +22903,7 @@
 </file>
 
 <file path=ppt/slides/slide9.xml><?xml version="1.0" encoding="utf-8"?>
-<p:sld xmlns:a="http://schemas.openxmlformats.org/drawingml/2006/main" xmlns:r="http://schemas.openxmlformats.org/officeDocument/2006/relationships" xmlns:p="http://schemas.openxmlformats.org/presentationml/2006/main">
+<p:sld xmlns:a="http://schemas.openxmlformats.org/drawingml/2006/main" xmlns:r="http://schemas.openxmlformats.org/officeDocument/2006/relationships" xmlns:p="http://schemas.openxmlformats.org/presentationml/2006/main" show="0">
   <p:cSld>
     <p:spTree>
       <p:nvGrpSpPr>

--- a/DsDotNet/src/UnitTest/UnitTest.Model/ImportOfficeExample/Sample/s.pptx
+++ b/DsDotNet/src/UnitTest/UnitTest.Model/ImportOfficeExample/Sample/s.pptx
@@ -5,30 +5,31 @@
     <p:sldMasterId id="2147483687" r:id="rId1"/>
   </p:sldMasterIdLst>
   <p:notesMasterIdLst>
-    <p:notesMasterId r:id="rId20"/>
+    <p:notesMasterId r:id="rId21"/>
   </p:notesMasterIdLst>
   <p:handoutMasterIdLst>
-    <p:handoutMasterId r:id="rId21"/>
+    <p:handoutMasterId r:id="rId22"/>
   </p:handoutMasterIdLst>
   <p:sldIdLst>
     <p:sldId id="614" r:id="rId2"/>
     <p:sldId id="258" r:id="rId3"/>
     <p:sldId id="259" r:id="rId4"/>
     <p:sldId id="630" r:id="rId5"/>
-    <p:sldId id="629" r:id="rId6"/>
-    <p:sldId id="716" r:id="rId7"/>
-    <p:sldId id="625" r:id="rId8"/>
-    <p:sldId id="627" r:id="rId9"/>
-    <p:sldId id="628" r:id="rId10"/>
-    <p:sldId id="631" r:id="rId11"/>
-    <p:sldId id="632" r:id="rId12"/>
-    <p:sldId id="618" r:id="rId13"/>
-    <p:sldId id="615" r:id="rId14"/>
-    <p:sldId id="621" r:id="rId15"/>
-    <p:sldId id="714" r:id="rId16"/>
-    <p:sldId id="715" r:id="rId17"/>
-    <p:sldId id="607" r:id="rId18"/>
-    <p:sldId id="633" r:id="rId19"/>
+    <p:sldId id="717" r:id="rId6"/>
+    <p:sldId id="629" r:id="rId7"/>
+    <p:sldId id="716" r:id="rId8"/>
+    <p:sldId id="625" r:id="rId9"/>
+    <p:sldId id="627" r:id="rId10"/>
+    <p:sldId id="628" r:id="rId11"/>
+    <p:sldId id="631" r:id="rId12"/>
+    <p:sldId id="632" r:id="rId13"/>
+    <p:sldId id="618" r:id="rId14"/>
+    <p:sldId id="615" r:id="rId15"/>
+    <p:sldId id="621" r:id="rId16"/>
+    <p:sldId id="714" r:id="rId17"/>
+    <p:sldId id="715" r:id="rId18"/>
+    <p:sldId id="607" r:id="rId19"/>
+    <p:sldId id="633" r:id="rId20"/>
   </p:sldIdLst>
   <p:sldSz cx="12192000" cy="6858000"/>
   <p:notesSz cx="6797675" cy="9926638"/>
@@ -232,7 +233,7 @@
           <a:p>
             <a:fld id="{DD503887-5801-43A0-AEF9-041E8DDC2558}" type="datetimeFigureOut">
               <a:rPr lang="ko-KR" altLang="en-US" smtClean="0"/>
-              <a:t>2023-03-28</a:t>
+              <a:t>2023-05-02</a:t>
             </a:fld>
             <a:endParaRPr lang="ko-KR" altLang="en-US" dirty="0"/>
           </a:p>
@@ -409,7 +410,7 @@
           <a:p>
             <a:fld id="{95336A0E-57B1-4D4C-BD9B-2F72B5943464}" type="datetimeFigureOut">
               <a:rPr lang="ko-KR" altLang="en-US" smtClean="0"/>
-              <a:t>2023-03-28</a:t>
+              <a:t>2023-05-02</a:t>
             </a:fld>
             <a:endParaRPr lang="ko-KR" altLang="en-US" dirty="0"/>
           </a:p>
@@ -907,7 +908,7 @@
           <a:p>
             <a:fld id="{229D12C7-0FF5-4972-A033-474EFFC79F40}" type="datetime1">
               <a:rPr lang="ko-KR" altLang="en-US" smtClean="0"/>
-              <a:t>2023-03-28</a:t>
+              <a:t>2023-05-02</a:t>
             </a:fld>
             <a:endParaRPr lang="ko-KR" altLang="en-US" dirty="0"/>
           </a:p>
@@ -1105,7 +1106,7 @@
           <a:p>
             <a:fld id="{5BA19FD4-B052-4F56-8FD8-EAFD078DEFB0}" type="datetime1">
               <a:rPr lang="ko-KR" altLang="en-US" smtClean="0"/>
-              <a:t>2023-03-28</a:t>
+              <a:t>2023-05-02</a:t>
             </a:fld>
             <a:endParaRPr lang="ko-KR" altLang="en-US" dirty="0"/>
           </a:p>
@@ -1313,7 +1314,7 @@
           <a:p>
             <a:fld id="{024994B9-23A6-4B0A-A038-AC140E83DAA3}" type="datetime1">
               <a:rPr lang="ko-KR" altLang="en-US" smtClean="0"/>
-              <a:t>2023-03-28</a:t>
+              <a:t>2023-05-02</a:t>
             </a:fld>
             <a:endParaRPr lang="ko-KR" altLang="en-US" dirty="0"/>
           </a:p>
@@ -1455,7 +1456,7 @@
           <a:p>
             <a:fld id="{B5B1BBC2-B738-4C35-AEE5-660EB2DEB482}" type="datetime1">
               <a:rPr lang="ko-KR" altLang="en-US" smtClean="0"/>
-              <a:t>2023-03-28</a:t>
+              <a:t>2023-05-02</a:t>
             </a:fld>
             <a:endParaRPr lang="ko-KR" altLang="en-US" dirty="0"/>
           </a:p>
@@ -6122,7 +6123,7 @@
           <a:p>
             <a:fld id="{70D0DAB2-87CB-4028-B965-3AA710ADF2CB}" type="datetime1">
               <a:rPr lang="ko-KR" altLang="en-US" smtClean="0"/>
-              <a:t>2023-03-28</a:t>
+              <a:t>2023-05-02</a:t>
             </a:fld>
             <a:endParaRPr lang="ko-KR" altLang="en-US" dirty="0"/>
           </a:p>
@@ -6397,7 +6398,7 @@
           <a:p>
             <a:fld id="{63FA3D71-FEA8-477F-9D1E-EA860F411BC7}" type="datetime1">
               <a:rPr lang="ko-KR" altLang="en-US" smtClean="0"/>
-              <a:t>2023-03-28</a:t>
+              <a:t>2023-05-02</a:t>
             </a:fld>
             <a:endParaRPr lang="ko-KR" altLang="en-US" dirty="0"/>
           </a:p>
@@ -6662,7 +6663,7 @@
           <a:p>
             <a:fld id="{F58E3EF4-7980-4C97-BA64-EC66995BB574}" type="datetime1">
               <a:rPr lang="ko-KR" altLang="en-US" smtClean="0"/>
-              <a:t>2023-03-28</a:t>
+              <a:t>2023-05-02</a:t>
             </a:fld>
             <a:endParaRPr lang="ko-KR" altLang="en-US" dirty="0"/>
           </a:p>
@@ -7074,7 +7075,7 @@
           <a:p>
             <a:fld id="{FC9BC1D0-7D6B-4634-9D19-644040D74EAE}" type="datetime1">
               <a:rPr lang="ko-KR" altLang="en-US" smtClean="0"/>
-              <a:t>2023-03-28</a:t>
+              <a:t>2023-05-02</a:t>
             </a:fld>
             <a:endParaRPr lang="ko-KR" altLang="en-US" dirty="0"/>
           </a:p>
@@ -7215,7 +7216,7 @@
           <a:p>
             <a:fld id="{B5B1BBC2-B738-4C35-AEE5-660EB2DEB482}" type="datetime1">
               <a:rPr lang="ko-KR" altLang="en-US" smtClean="0"/>
-              <a:t>2023-03-28</a:t>
+              <a:t>2023-05-02</a:t>
             </a:fld>
             <a:endParaRPr lang="ko-KR" altLang="en-US" dirty="0"/>
           </a:p>
@@ -11797,7 +11798,7 @@
           <a:p>
             <a:fld id="{C60E9F93-7E77-4F36-B88C-A425F00C8D91}" type="datetime1">
               <a:rPr lang="ko-KR" altLang="en-US" smtClean="0"/>
-              <a:t>2023-03-28</a:t>
+              <a:t>2023-05-02</a:t>
             </a:fld>
             <a:endParaRPr lang="ko-KR" altLang="en-US" dirty="0"/>
           </a:p>
@@ -12108,7 +12109,7 @@
           <a:p>
             <a:fld id="{36BCCD0E-2A54-4016-BFFC-FEAABCDA6915}" type="datetime1">
               <a:rPr lang="ko-KR" altLang="en-US" smtClean="0"/>
-              <a:t>2023-03-28</a:t>
+              <a:t>2023-05-02</a:t>
             </a:fld>
             <a:endParaRPr lang="ko-KR" altLang="en-US" dirty="0"/>
           </a:p>
@@ -12396,7 +12397,7 @@
           <a:p>
             <a:fld id="{C984B0C4-64BA-4E4C-B5E6-A51EE3F6ED95}" type="datetime1">
               <a:rPr lang="ko-KR" altLang="en-US" smtClean="0"/>
-              <a:t>2023-03-28</a:t>
+              <a:t>2023-05-02</a:t>
             </a:fld>
             <a:endParaRPr lang="ko-KR" altLang="en-US" dirty="0"/>
           </a:p>
@@ -12638,7 +12639,7 @@
           <a:p>
             <a:fld id="{C984B0C4-64BA-4E4C-B5E6-A51EE3F6ED95}" type="datetime1">
               <a:rPr lang="ko-KR" altLang="en-US" smtClean="0"/>
-              <a:t>2023-03-28</a:t>
+              <a:t>2023-05-02</a:t>
             </a:fld>
             <a:endParaRPr lang="ko-KR" altLang="en-US" dirty="0"/>
           </a:p>
@@ -13168,6 +13169,587 @@
           <a:p>
             <a:r>
               <a:rPr lang="en-US" altLang="ko-KR" dirty="0"/>
+              <a:t>S2</a:t>
+            </a:r>
+            <a:endParaRPr lang="ko-KR" altLang="en-US" dirty="0"/>
+          </a:p>
+        </p:txBody>
+      </p:sp>
+      <p:sp>
+        <p:nvSpPr>
+          <p:cNvPr id="5" name="직사각형 4">
+            <a:extLst>
+              <a:ext uri="{FF2B5EF4-FFF2-40B4-BE49-F238E27FC236}">
+                <a16:creationId xmlns:a16="http://schemas.microsoft.com/office/drawing/2014/main" id="{A2120A99-FD95-1369-3328-C124905A811D}"/>
+              </a:ext>
+            </a:extLst>
+          </p:cNvPr>
+          <p:cNvSpPr/>
+          <p:nvPr/>
+        </p:nvSpPr>
+        <p:spPr>
+          <a:xfrm>
+            <a:off x="7988400" y="4158041"/>
+            <a:ext cx="2437946" cy="1223682"/>
+          </a:xfrm>
+          <a:prstGeom prst="rect">
+            <a:avLst/>
+          </a:prstGeom>
+          <a:solidFill>
+            <a:schemeClr val="accent4">
+              <a:alpha val="50000"/>
+            </a:schemeClr>
+          </a:solidFill>
+          <a:ln>
+            <a:noFill/>
+          </a:ln>
+        </p:spPr>
+        <p:style>
+          <a:lnRef idx="0">
+            <a:scrgbClr r="0" g="0" b="0"/>
+          </a:lnRef>
+          <a:fillRef idx="0">
+            <a:scrgbClr r="0" g="0" b="0"/>
+          </a:fillRef>
+          <a:effectRef idx="0">
+            <a:scrgbClr r="0" g="0" b="0"/>
+          </a:effectRef>
+          <a:fontRef idx="minor">
+            <a:schemeClr val="lt1"/>
+          </a:fontRef>
+        </p:style>
+        <p:txBody>
+          <a:bodyPr rtlCol="0" anchor="ctr"/>
+          <a:lstStyle/>
+          <a:p>
+            <a:pPr algn="ctr"/>
+            <a:r>
+              <a:rPr lang="en-US" altLang="ko-KR" sz="1200" dirty="0"/>
+              <a:t>R2</a:t>
+            </a:r>
+            <a:endParaRPr lang="ko-KR" altLang="en-US" sz="1200" dirty="0"/>
+          </a:p>
+        </p:txBody>
+      </p:sp>
+      <p:cxnSp>
+        <p:nvCxnSpPr>
+          <p:cNvPr id="6" name="직선 화살표 연결선 5">
+            <a:extLst>
+              <a:ext uri="{FF2B5EF4-FFF2-40B4-BE49-F238E27FC236}">
+                <a16:creationId xmlns:a16="http://schemas.microsoft.com/office/drawing/2014/main" id="{E74E5CB1-7F24-0E65-9659-E049F77B2F9A}"/>
+              </a:ext>
+            </a:extLst>
+          </p:cNvPr>
+          <p:cNvCxnSpPr>
+            <a:cxnSpLocks/>
+            <a:stCxn id="7" idx="3"/>
+            <a:endCxn id="5" idx="1"/>
+          </p:cNvCxnSpPr>
+          <p:nvPr/>
+        </p:nvCxnSpPr>
+        <p:spPr>
+          <a:xfrm>
+            <a:off x="6534526" y="4220068"/>
+            <a:ext cx="1453874" cy="549814"/>
+          </a:xfrm>
+          <a:prstGeom prst="straightConnector1">
+            <a:avLst/>
+          </a:prstGeom>
+          <a:ln w="28575">
+            <a:solidFill>
+              <a:schemeClr val="tx1">
+                <a:lumMod val="75000"/>
+                <a:lumOff val="25000"/>
+              </a:schemeClr>
+            </a:solidFill>
+            <a:tailEnd type="triangle"/>
+          </a:ln>
+        </p:spPr>
+        <p:style>
+          <a:lnRef idx="1">
+            <a:schemeClr val="dk1"/>
+          </a:lnRef>
+          <a:fillRef idx="3">
+            <a:schemeClr val="dk1"/>
+          </a:fillRef>
+          <a:effectRef idx="2">
+            <a:schemeClr val="dk1"/>
+          </a:effectRef>
+          <a:fontRef idx="minor">
+            <a:schemeClr val="lt1"/>
+          </a:fontRef>
+        </p:style>
+      </p:cxnSp>
+      <p:grpSp>
+        <p:nvGrpSpPr>
+          <p:cNvPr id="8" name="그룹 7">
+            <a:extLst>
+              <a:ext uri="{FF2B5EF4-FFF2-40B4-BE49-F238E27FC236}">
+                <a16:creationId xmlns:a16="http://schemas.microsoft.com/office/drawing/2014/main" id="{E4E86703-9197-722D-B1EF-887463109F89}"/>
+              </a:ext>
+            </a:extLst>
+          </p:cNvPr>
+          <p:cNvGrpSpPr/>
+          <p:nvPr/>
+        </p:nvGrpSpPr>
+        <p:grpSpPr>
+          <a:xfrm>
+            <a:off x="810000" y="2424605"/>
+            <a:ext cx="5724526" cy="3590925"/>
+            <a:chOff x="848416" y="1962150"/>
+            <a:chExt cx="5724526" cy="3590925"/>
+          </a:xfrm>
+        </p:grpSpPr>
+        <p:sp>
+          <p:nvSpPr>
+            <p:cNvPr id="7" name="직사각형 6">
+              <a:extLst>
+                <a:ext uri="{FF2B5EF4-FFF2-40B4-BE49-F238E27FC236}">
+                  <a16:creationId xmlns:a16="http://schemas.microsoft.com/office/drawing/2014/main" id="{ABDB84CF-3826-2164-6107-3FAF7AEB955A}"/>
+                </a:ext>
+              </a:extLst>
+            </p:cNvPr>
+            <p:cNvSpPr/>
+            <p:nvPr/>
+          </p:nvSpPr>
+          <p:spPr>
+            <a:xfrm>
+              <a:off x="848416" y="1962150"/>
+              <a:ext cx="5724526" cy="3590925"/>
+            </a:xfrm>
+            <a:prstGeom prst="rect">
+              <a:avLst/>
+            </a:prstGeom>
+            <a:solidFill>
+              <a:schemeClr val="accent4">
+                <a:alpha val="50000"/>
+              </a:schemeClr>
+            </a:solidFill>
+            <a:ln>
+              <a:noFill/>
+            </a:ln>
+          </p:spPr>
+          <p:style>
+            <a:lnRef idx="0">
+              <a:scrgbClr r="0" g="0" b="0"/>
+            </a:lnRef>
+            <a:fillRef idx="0">
+              <a:scrgbClr r="0" g="0" b="0"/>
+            </a:fillRef>
+            <a:effectRef idx="0">
+              <a:scrgbClr r="0" g="0" b="0"/>
+            </a:effectRef>
+            <a:fontRef idx="minor">
+              <a:schemeClr val="lt1"/>
+            </a:fontRef>
+          </p:style>
+          <p:txBody>
+            <a:bodyPr rtlCol="0" anchor="t"/>
+            <a:lstStyle/>
+            <a:p>
+              <a:pPr algn="ctr"/>
+              <a:r>
+                <a:rPr lang="en-US" altLang="ko-KR" sz="2800" dirty="0">
+                  <a:solidFill>
+                    <a:schemeClr val="tx1"/>
+                  </a:solidFill>
+                </a:rPr>
+                <a:t>R1</a:t>
+              </a:r>
+              <a:endParaRPr lang="ko-KR" altLang="en-US" sz="1200" dirty="0">
+                <a:solidFill>
+                  <a:schemeClr val="tx1"/>
+                </a:solidFill>
+              </a:endParaRPr>
+            </a:p>
+          </p:txBody>
+        </p:sp>
+        <p:grpSp>
+          <p:nvGrpSpPr>
+            <p:cNvPr id="3" name="그룹 2">
+              <a:extLst>
+                <a:ext uri="{FF2B5EF4-FFF2-40B4-BE49-F238E27FC236}">
+                  <a16:creationId xmlns:a16="http://schemas.microsoft.com/office/drawing/2014/main" id="{217DAACF-5BCB-5A30-66B8-057CF83D7D6F}"/>
+                </a:ext>
+              </a:extLst>
+            </p:cNvPr>
+            <p:cNvGrpSpPr/>
+            <p:nvPr/>
+          </p:nvGrpSpPr>
+          <p:grpSpPr>
+            <a:xfrm>
+              <a:off x="1405973" y="2441441"/>
+              <a:ext cx="4398681" cy="2052964"/>
+              <a:chOff x="1314450" y="2476500"/>
+              <a:chExt cx="4476750" cy="2447925"/>
+            </a:xfrm>
+          </p:grpSpPr>
+          <p:sp>
+            <p:nvSpPr>
+              <p:cNvPr id="11" name="타원 10">
+                <a:extLst>
+                  <a:ext uri="{FF2B5EF4-FFF2-40B4-BE49-F238E27FC236}">
+                    <a16:creationId xmlns:a16="http://schemas.microsoft.com/office/drawing/2014/main" id="{A8DEAF01-6D94-28CA-7567-1D6E7A30C46B}"/>
+                  </a:ext>
+                </a:extLst>
+              </p:cNvPr>
+              <p:cNvSpPr/>
+              <p:nvPr/>
+            </p:nvSpPr>
+            <p:spPr>
+              <a:xfrm>
+                <a:off x="1314450" y="2476500"/>
+                <a:ext cx="1733550" cy="952500"/>
+              </a:xfrm>
+              <a:prstGeom prst="ellipse">
+                <a:avLst/>
+              </a:prstGeom>
+              <a:solidFill>
+                <a:schemeClr val="accent4">
+                  <a:alpha val="50000"/>
+                </a:schemeClr>
+              </a:solidFill>
+              <a:ln>
+                <a:noFill/>
+              </a:ln>
+            </p:spPr>
+            <p:style>
+              <a:lnRef idx="0">
+                <a:scrgbClr r="0" g="0" b="0"/>
+              </a:lnRef>
+              <a:fillRef idx="0">
+                <a:scrgbClr r="0" g="0" b="0"/>
+              </a:fillRef>
+              <a:effectRef idx="0">
+                <a:scrgbClr r="0" g="0" b="0"/>
+              </a:effectRef>
+              <a:fontRef idx="minor">
+                <a:schemeClr val="lt1"/>
+              </a:fontRef>
+            </p:style>
+            <p:txBody>
+              <a:bodyPr rtlCol="0" anchor="ctr"/>
+              <a:lstStyle/>
+              <a:p>
+                <a:pPr algn="ctr"/>
+                <a:r>
+                  <a:rPr lang="en-US" altLang="ko-KR" dirty="0" err="1"/>
+                  <a:t>Copy1</a:t>
+                </a:r>
+                <a:r>
+                  <a:rPr lang="en-US" altLang="ko-KR" dirty="0"/>
+                  <a:t> $ADV</a:t>
+                </a:r>
+                <a:endParaRPr lang="ko-KR" altLang="en-US" dirty="0"/>
+              </a:p>
+            </p:txBody>
+          </p:sp>
+          <p:sp>
+            <p:nvSpPr>
+              <p:cNvPr id="12" name="타원 11">
+                <a:extLst>
+                  <a:ext uri="{FF2B5EF4-FFF2-40B4-BE49-F238E27FC236}">
+                    <a16:creationId xmlns:a16="http://schemas.microsoft.com/office/drawing/2014/main" id="{97830B60-D108-9F85-29FC-869E4BDC5485}"/>
+                  </a:ext>
+                </a:extLst>
+              </p:cNvPr>
+              <p:cNvSpPr/>
+              <p:nvPr/>
+            </p:nvSpPr>
+            <p:spPr>
+              <a:xfrm>
+                <a:off x="4057650" y="3971925"/>
+                <a:ext cx="1733550" cy="952500"/>
+              </a:xfrm>
+              <a:prstGeom prst="ellipse">
+                <a:avLst/>
+              </a:prstGeom>
+              <a:solidFill>
+                <a:schemeClr val="accent4">
+                  <a:alpha val="50000"/>
+                </a:schemeClr>
+              </a:solidFill>
+              <a:ln>
+                <a:noFill/>
+              </a:ln>
+            </p:spPr>
+            <p:style>
+              <a:lnRef idx="0">
+                <a:scrgbClr r="0" g="0" b="0"/>
+              </a:lnRef>
+              <a:fillRef idx="0">
+                <a:scrgbClr r="0" g="0" b="0"/>
+              </a:fillRef>
+              <a:effectRef idx="0">
+                <a:scrgbClr r="0" g="0" b="0"/>
+              </a:effectRef>
+              <a:fontRef idx="minor">
+                <a:schemeClr val="lt1"/>
+              </a:fontRef>
+            </p:style>
+            <p:txBody>
+              <a:bodyPr rtlCol="0" anchor="ctr"/>
+              <a:lstStyle/>
+              <a:p>
+                <a:pPr algn="ctr"/>
+                <a:r>
+                  <a:rPr lang="en-US" altLang="ko-KR" dirty="0" err="1"/>
+                  <a:t>Copy2</a:t>
+                </a:r>
+                <a:r>
+                  <a:rPr lang="en-US" altLang="ko-KR" dirty="0"/>
+                  <a:t> $RET</a:t>
+                </a:r>
+                <a:endParaRPr lang="ko-KR" altLang="en-US" dirty="0"/>
+              </a:p>
+            </p:txBody>
+          </p:sp>
+          <p:cxnSp>
+            <p:nvCxnSpPr>
+              <p:cNvPr id="14" name="연결선: 꺾임 13">
+                <a:extLst>
+                  <a:ext uri="{FF2B5EF4-FFF2-40B4-BE49-F238E27FC236}">
+                    <a16:creationId xmlns:a16="http://schemas.microsoft.com/office/drawing/2014/main" id="{AA5A9BF2-AF58-9F27-CB69-91D64393C28C}"/>
+                  </a:ext>
+                </a:extLst>
+              </p:cNvPr>
+              <p:cNvCxnSpPr>
+                <a:stCxn id="11" idx="5"/>
+                <a:endCxn id="12" idx="1"/>
+              </p:cNvCxnSpPr>
+              <p:nvPr/>
+            </p:nvCxnSpPr>
+            <p:spPr>
+              <a:xfrm rot="16200000" flipH="1">
+                <a:off x="3141873" y="2941764"/>
+                <a:ext cx="821905" cy="1517396"/>
+              </a:xfrm>
+              <a:prstGeom prst="bentConnector3">
+                <a:avLst/>
+              </a:prstGeom>
+              <a:ln>
+                <a:tailEnd type="triangle"/>
+              </a:ln>
+            </p:spPr>
+            <p:style>
+              <a:lnRef idx="1">
+                <a:schemeClr val="accent4"/>
+              </a:lnRef>
+              <a:fillRef idx="0">
+                <a:schemeClr val="accent4"/>
+              </a:fillRef>
+              <a:effectRef idx="0">
+                <a:schemeClr val="accent4"/>
+              </a:effectRef>
+              <a:fontRef idx="minor">
+                <a:schemeClr val="tx1"/>
+              </a:fontRef>
+            </p:style>
+          </p:cxnSp>
+        </p:grpSp>
+      </p:grpSp>
+      <p:sp>
+        <p:nvSpPr>
+          <p:cNvPr id="9" name="사각형: 모서리가 접힌 도형 8">
+            <a:extLst>
+              <a:ext uri="{FF2B5EF4-FFF2-40B4-BE49-F238E27FC236}">
+                <a16:creationId xmlns:a16="http://schemas.microsoft.com/office/drawing/2014/main" id="{CD4551F7-015D-C082-6A49-B87E9C21A9AC}"/>
+              </a:ext>
+            </a:extLst>
+          </p:cNvPr>
+          <p:cNvSpPr/>
+          <p:nvPr/>
+        </p:nvSpPr>
+        <p:spPr>
+          <a:xfrm>
+            <a:off x="9316310" y="2557743"/>
+            <a:ext cx="2437946" cy="1223682"/>
+          </a:xfrm>
+          <a:prstGeom prst="foldedCorner">
+            <a:avLst/>
+          </a:prstGeom>
+          <a:solidFill>
+            <a:schemeClr val="accent3">
+              <a:alpha val="50000"/>
+            </a:schemeClr>
+          </a:solidFill>
+          <a:ln>
+            <a:noFill/>
+          </a:ln>
+        </p:spPr>
+        <p:style>
+          <a:lnRef idx="0">
+            <a:scrgbClr r="0" g="0" b="0"/>
+          </a:lnRef>
+          <a:fillRef idx="0">
+            <a:scrgbClr r="0" g="0" b="0"/>
+          </a:fillRef>
+          <a:effectRef idx="0">
+            <a:scrgbClr r="0" g="0" b="0"/>
+          </a:effectRef>
+          <a:fontRef idx="minor">
+            <a:schemeClr val="lt1"/>
+          </a:fontRef>
+        </p:style>
+        <p:txBody>
+          <a:bodyPr rtlCol="0" anchor="ctr"/>
+          <a:lstStyle/>
+          <a:p>
+            <a:pPr algn="ctr"/>
+            <a:r>
+              <a:rPr lang="en-US" altLang="ko-KR" dirty="0"/>
+              <a:t>lib/Cylinder/Single </a:t>
+            </a:r>
+          </a:p>
+          <a:p>
+            <a:pPr algn="ctr"/>
+            <a:r>
+              <a:rPr lang="en-US" altLang="ko-KR" dirty="0"/>
+              <a:t>[</a:t>
+            </a:r>
+            <a:r>
+              <a:rPr lang="en-US" altLang="ko-KR" dirty="0" err="1"/>
+              <a:t>Copy1</a:t>
+            </a:r>
+            <a:r>
+              <a:rPr lang="en-US" altLang="ko-KR" dirty="0"/>
+              <a:t>; </a:t>
+            </a:r>
+            <a:r>
+              <a:rPr lang="en-US" altLang="ko-KR" dirty="0" err="1"/>
+              <a:t>Copy2</a:t>
+            </a:r>
+            <a:r>
+              <a:rPr lang="en-US" altLang="ko-KR" dirty="0"/>
+              <a:t>]</a:t>
+            </a:r>
+            <a:endParaRPr lang="ko-KR" altLang="en-US" dirty="0"/>
+          </a:p>
+        </p:txBody>
+      </p:sp>
+      <p:sp>
+        <p:nvSpPr>
+          <p:cNvPr id="4" name="TextBox 3">
+            <a:extLst>
+              <a:ext uri="{FF2B5EF4-FFF2-40B4-BE49-F238E27FC236}">
+                <a16:creationId xmlns:a16="http://schemas.microsoft.com/office/drawing/2014/main" id="{9A03A722-5833-954B-9CFC-4E8A59AE5C36}"/>
+              </a:ext>
+            </a:extLst>
+          </p:cNvPr>
+          <p:cNvSpPr txBox="1"/>
+          <p:nvPr/>
+        </p:nvSpPr>
+        <p:spPr>
+          <a:xfrm>
+            <a:off x="6781801" y="1860544"/>
+            <a:ext cx="5410199" cy="646331"/>
+          </a:xfrm>
+          <a:prstGeom prst="rect">
+            <a:avLst/>
+          </a:prstGeom>
+          <a:noFill/>
+        </p:spPr>
+        <p:txBody>
+          <a:bodyPr wrap="square">
+            <a:spAutoFit/>
+          </a:bodyPr>
+          <a:lstStyle/>
+          <a:p>
+            <a:r>
+              <a:rPr lang="ko-KR" altLang="en-US" dirty="0"/>
+              <a:t>확장정의</a:t>
+            </a:r>
+            <a:r>
+              <a:rPr lang="en-US" altLang="ko-KR" dirty="0"/>
+              <a:t>1 : </a:t>
+            </a:r>
+            <a:r>
+              <a:rPr lang="ko-KR" altLang="en-US" dirty="0"/>
+              <a:t>복수의 </a:t>
+            </a:r>
+            <a:r>
+              <a:rPr lang="en-US" altLang="ko-KR" dirty="0"/>
+              <a:t>Copy</a:t>
+            </a:r>
+            <a:r>
+              <a:rPr lang="ko-KR" altLang="en-US" dirty="0"/>
+              <a:t>시스템을 만들 수 있다</a:t>
+            </a:r>
+            <a:r>
+              <a:rPr lang="en-US" altLang="ko-KR" dirty="0"/>
+              <a:t>.</a:t>
+            </a:r>
+          </a:p>
+          <a:p>
+            <a:r>
+              <a:rPr lang="en-US" altLang="ko-KR" dirty="0"/>
+              <a:t>‘ ; ‘  </a:t>
+            </a:r>
+            <a:r>
+              <a:rPr lang="ko-KR" altLang="en-US" dirty="0"/>
+              <a:t>구분하여 여러 시스템 로딩 한다</a:t>
+            </a:r>
+            <a:r>
+              <a:rPr lang="en-US" altLang="ko-KR" dirty="0"/>
+              <a:t>.</a:t>
+            </a:r>
+            <a:endParaRPr lang="ko-KR" altLang="en-US" dirty="0"/>
+          </a:p>
+        </p:txBody>
+      </p:sp>
+    </p:spTree>
+    <p:extLst>
+      <p:ext uri="{BB962C8B-B14F-4D97-AF65-F5344CB8AC3E}">
+        <p14:creationId xmlns:p14="http://schemas.microsoft.com/office/powerpoint/2010/main" val="2157853785"/>
+      </p:ext>
+    </p:extLst>
+  </p:cSld>
+  <p:clrMapOvr>
+    <a:masterClrMapping/>
+  </p:clrMapOvr>
+</p:sld>
+</file>
+
+<file path=ppt/slides/slide11.xml><?xml version="1.0" encoding="utf-8"?>
+<p:sld xmlns:a="http://schemas.openxmlformats.org/drawingml/2006/main" xmlns:r="http://schemas.openxmlformats.org/officeDocument/2006/relationships" xmlns:p="http://schemas.openxmlformats.org/presentationml/2006/main" show="0">
+  <p:cSld>
+    <p:spTree>
+      <p:nvGrpSpPr>
+        <p:cNvPr id="1" name=""/>
+        <p:cNvGrpSpPr/>
+        <p:nvPr/>
+      </p:nvGrpSpPr>
+      <p:grpSpPr>
+        <a:xfrm>
+          <a:off x="0" y="0"/>
+          <a:ext cx="0" cy="0"/>
+          <a:chOff x="0" y="0"/>
+          <a:chExt cx="0" cy="0"/>
+        </a:xfrm>
+      </p:grpSpPr>
+      <p:sp>
+        <p:nvSpPr>
+          <p:cNvPr id="2" name="제목 1">
+            <a:extLst>
+              <a:ext uri="{FF2B5EF4-FFF2-40B4-BE49-F238E27FC236}">
+                <a16:creationId xmlns:a16="http://schemas.microsoft.com/office/drawing/2014/main" id="{E35BEC89-0CFB-7F29-D8C7-71B3E64B4D66}"/>
+              </a:ext>
+            </a:extLst>
+          </p:cNvPr>
+          <p:cNvSpPr>
+            <a:spLocks noGrp="1"/>
+          </p:cNvSpPr>
+          <p:nvPr>
+            <p:ph type="title"/>
+          </p:nvPr>
+        </p:nvSpPr>
+        <p:spPr/>
+        <p:txBody>
+          <a:bodyPr/>
+          <a:lstStyle/>
+          <a:p>
+            <a:r>
+              <a:rPr lang="en-US" altLang="ko-KR" dirty="0"/>
               <a:t>S3</a:t>
             </a:r>
             <a:endParaRPr lang="ko-KR" altLang="en-US" dirty="0"/>
@@ -13673,7 +14255,7 @@
 </p:sld>
 </file>
 
-<file path=ppt/slides/slide11.xml><?xml version="1.0" encoding="utf-8"?>
+<file path=ppt/slides/slide12.xml><?xml version="1.0" encoding="utf-8"?>
 <p:sld xmlns:a="http://schemas.openxmlformats.org/drawingml/2006/main" xmlns:r="http://schemas.openxmlformats.org/officeDocument/2006/relationships" xmlns:p="http://schemas.openxmlformats.org/presentationml/2006/main" show="0">
   <p:cSld>
     <p:spTree>
@@ -14252,7 +14834,7 @@
 </p:sld>
 </file>
 
-<file path=ppt/slides/slide12.xml><?xml version="1.0" encoding="utf-8"?>
+<file path=ppt/slides/slide13.xml><?xml version="1.0" encoding="utf-8"?>
 <p:sld xmlns:a="http://schemas.openxmlformats.org/drawingml/2006/main" xmlns:r="http://schemas.openxmlformats.org/officeDocument/2006/relationships" xmlns:p="http://schemas.openxmlformats.org/presentationml/2006/main" show="0">
   <p:cSld>
     <p:spTree>
@@ -14788,7 +15370,7 @@
 </p:sld>
 </file>
 
-<file path=ppt/slides/slide13.xml><?xml version="1.0" encoding="utf-8"?>
+<file path=ppt/slides/slide14.xml><?xml version="1.0" encoding="utf-8"?>
 <p:sld xmlns:a="http://schemas.openxmlformats.org/drawingml/2006/main" xmlns:r="http://schemas.openxmlformats.org/officeDocument/2006/relationships" xmlns:p="http://schemas.openxmlformats.org/presentationml/2006/main" show="0">
   <p:cSld>
     <p:spTree>
@@ -15835,7 +16417,7 @@
 </p:sld>
 </file>
 
-<file path=ppt/slides/slide14.xml><?xml version="1.0" encoding="utf-8"?>
+<file path=ppt/slides/slide15.xml><?xml version="1.0" encoding="utf-8"?>
 <p:sld xmlns:a="http://schemas.openxmlformats.org/drawingml/2006/main" xmlns:r="http://schemas.openxmlformats.org/officeDocument/2006/relationships" xmlns:p="http://schemas.openxmlformats.org/presentationml/2006/main" show="0">
   <p:cSld>
     <p:spTree>
@@ -16646,7 +17228,7 @@
 </p:sld>
 </file>
 
-<file path=ppt/slides/slide15.xml><?xml version="1.0" encoding="utf-8"?>
+<file path=ppt/slides/slide16.xml><?xml version="1.0" encoding="utf-8"?>
 <p:sld xmlns:a="http://schemas.openxmlformats.org/drawingml/2006/main" xmlns:r="http://schemas.openxmlformats.org/officeDocument/2006/relationships" xmlns:p="http://schemas.openxmlformats.org/presentationml/2006/main" show="0">
   <p:cSld>
     <p:spTree>
@@ -17151,7 +17733,7 @@
 </p:sld>
 </file>
 
-<file path=ppt/slides/slide16.xml><?xml version="1.0" encoding="utf-8"?>
+<file path=ppt/slides/slide17.xml><?xml version="1.0" encoding="utf-8"?>
 <p:sld xmlns:a="http://schemas.openxmlformats.org/drawingml/2006/main" xmlns:r="http://schemas.openxmlformats.org/officeDocument/2006/relationships" xmlns:p="http://schemas.openxmlformats.org/presentationml/2006/main" show="0">
   <p:cSld>
     <p:spTree>
@@ -17506,7 +18088,7 @@
 </p:sld>
 </file>
 
-<file path=ppt/slides/slide17.xml><?xml version="1.0" encoding="utf-8"?>
+<file path=ppt/slides/slide18.xml><?xml version="1.0" encoding="utf-8"?>
 <p:sld xmlns:a="http://schemas.openxmlformats.org/drawingml/2006/main" xmlns:r="http://schemas.openxmlformats.org/officeDocument/2006/relationships" xmlns:p="http://schemas.openxmlformats.org/presentationml/2006/main" show="0">
   <p:cSld>
     <p:spTree>
@@ -17861,7 +18443,7 @@
 </p:sld>
 </file>
 
-<file path=ppt/slides/slide18.xml><?xml version="1.0" encoding="utf-8"?>
+<file path=ppt/slides/slide19.xml><?xml version="1.0" encoding="utf-8"?>
 <p:sld xmlns:a="http://schemas.openxmlformats.org/drawingml/2006/main" xmlns:r="http://schemas.openxmlformats.org/officeDocument/2006/relationships" xmlns:p="http://schemas.openxmlformats.org/presentationml/2006/main" show="0">
   <p:cSld>
     <p:spTree>
@@ -18458,7 +19040,7 @@
 </file>
 
 <file path=ppt/slides/slide2.xml><?xml version="1.0" encoding="utf-8"?>
-<p:sld xmlns:a="http://schemas.openxmlformats.org/drawingml/2006/main" xmlns:r="http://schemas.openxmlformats.org/officeDocument/2006/relationships" xmlns:p="http://schemas.openxmlformats.org/presentationml/2006/main">
+<p:sld xmlns:a="http://schemas.openxmlformats.org/drawingml/2006/main" xmlns:r="http://schemas.openxmlformats.org/officeDocument/2006/relationships" xmlns:p="http://schemas.openxmlformats.org/presentationml/2006/main" show="0">
   <p:cSld>
     <p:spTree>
       <p:nvGrpSpPr>
@@ -19040,7 +19622,7 @@
 </file>
 
 <file path=ppt/slides/slide4.xml><?xml version="1.0" encoding="utf-8"?>
-<p:sld xmlns:a="http://schemas.openxmlformats.org/drawingml/2006/main" xmlns:r="http://schemas.openxmlformats.org/officeDocument/2006/relationships" xmlns:p="http://schemas.openxmlformats.org/presentationml/2006/main" show="0">
+<p:sld xmlns:a="http://schemas.openxmlformats.org/drawingml/2006/main" xmlns:r="http://schemas.openxmlformats.org/officeDocument/2006/relationships" xmlns:p="http://schemas.openxmlformats.org/presentationml/2006/main">
   <p:cSld>
     <p:spTree>
       <p:nvGrpSpPr>
@@ -19079,7 +19661,7 @@
           <a:p>
             <a:r>
               <a:rPr lang="en-US" altLang="ko-KR" dirty="0"/>
-              <a:t>F0</a:t>
+              <a:t>S111</a:t>
             </a:r>
             <a:endParaRPr lang="ko-KR" altLang="en-US" dirty="0"/>
           </a:p>
@@ -19134,227 +19716,18 @@
           <a:p>
             <a:pPr algn="ctr"/>
             <a:r>
-              <a:rPr lang="en-US" altLang="ko-KR" sz="1200" dirty="0" err="1"/>
-              <a:t>R11</a:t>
-            </a:r>
-            <a:endParaRPr lang="ko-KR" altLang="en-US" sz="1200" dirty="0"/>
-          </a:p>
-        </p:txBody>
-      </p:sp>
-      <p:sp>
-        <p:nvSpPr>
-          <p:cNvPr id="3" name="직사각형 2">
-            <a:extLst>
-              <a:ext uri="{FF2B5EF4-FFF2-40B4-BE49-F238E27FC236}">
-                <a16:creationId xmlns:a16="http://schemas.microsoft.com/office/drawing/2014/main" id="{F7635A7D-094A-7E28-E7A6-0073FF8BBEC2}"/>
-              </a:ext>
-            </a:extLst>
-          </p:cNvPr>
-          <p:cNvSpPr/>
-          <p:nvPr/>
-        </p:nvSpPr>
-        <p:spPr>
-          <a:xfrm>
-            <a:off x="6326175" y="2993381"/>
-            <a:ext cx="1103086" cy="1066431"/>
-          </a:xfrm>
-          <a:prstGeom prst="rect">
-            <a:avLst/>
-          </a:prstGeom>
-          <a:solidFill>
-            <a:schemeClr val="accent4">
-              <a:alpha val="50000"/>
-            </a:schemeClr>
-          </a:solidFill>
-          <a:ln>
-            <a:noFill/>
-          </a:ln>
-        </p:spPr>
-        <p:style>
-          <a:lnRef idx="0">
-            <a:scrgbClr r="0" g="0" b="0"/>
-          </a:lnRef>
-          <a:fillRef idx="0">
-            <a:scrgbClr r="0" g="0" b="0"/>
-          </a:fillRef>
-          <a:effectRef idx="0">
-            <a:scrgbClr r="0" g="0" b="0"/>
-          </a:effectRef>
-          <a:fontRef idx="minor">
-            <a:schemeClr val="lt1"/>
-          </a:fontRef>
-        </p:style>
-        <p:txBody>
-          <a:bodyPr rtlCol="0" anchor="ctr"/>
-          <a:lstStyle/>
-          <a:p>
-            <a:pPr algn="ctr"/>
-            <a:r>
-              <a:rPr lang="en-US" altLang="ko-KR" sz="3200" dirty="0"/>
-              <a:t>FEX.R2</a:t>
-            </a:r>
-            <a:endParaRPr lang="ko-KR" altLang="en-US" sz="1200" dirty="0"/>
-          </a:p>
-        </p:txBody>
-      </p:sp>
-      <p:cxnSp>
-        <p:nvCxnSpPr>
-          <p:cNvPr id="5" name="연결선: 꺾임 4">
-            <a:extLst>
-              <a:ext uri="{FF2B5EF4-FFF2-40B4-BE49-F238E27FC236}">
-                <a16:creationId xmlns:a16="http://schemas.microsoft.com/office/drawing/2014/main" id="{A26142C6-04FA-DB58-2BDA-17C170B1E215}"/>
-              </a:ext>
-            </a:extLst>
-          </p:cNvPr>
-          <p:cNvCxnSpPr>
-            <a:stCxn id="56" idx="3"/>
-            <a:endCxn id="3" idx="1"/>
-          </p:cNvCxnSpPr>
-          <p:nvPr/>
-        </p:nvCxnSpPr>
-        <p:spPr>
-          <a:xfrm>
-            <a:off x="4470400" y="3155661"/>
-            <a:ext cx="1855775" cy="370936"/>
-          </a:xfrm>
-          <a:prstGeom prst="bentConnector3">
-            <a:avLst/>
-          </a:prstGeom>
-          <a:ln>
-            <a:tailEnd type="triangle"/>
-          </a:ln>
-        </p:spPr>
-        <p:style>
-          <a:lnRef idx="1">
-            <a:schemeClr val="accent1"/>
-          </a:lnRef>
-          <a:fillRef idx="0">
-            <a:schemeClr val="accent1"/>
-          </a:fillRef>
-          <a:effectRef idx="0">
-            <a:schemeClr val="accent1"/>
-          </a:effectRef>
-          <a:fontRef idx="minor">
-            <a:schemeClr val="tx1"/>
-          </a:fontRef>
-        </p:style>
-      </p:cxnSp>
-      <p:sp>
-        <p:nvSpPr>
-          <p:cNvPr id="7" name="사각형: 모서리가 접힌 도형 6">
-            <a:extLst>
-              <a:ext uri="{FF2B5EF4-FFF2-40B4-BE49-F238E27FC236}">
-                <a16:creationId xmlns:a16="http://schemas.microsoft.com/office/drawing/2014/main" id="{E20F75E5-4691-EC05-2730-B5EAC808B068}"/>
-              </a:ext>
-            </a:extLst>
-          </p:cNvPr>
-          <p:cNvSpPr/>
-          <p:nvPr/>
-        </p:nvSpPr>
-        <p:spPr>
-          <a:xfrm>
-            <a:off x="9316310" y="2557743"/>
-            <a:ext cx="2437946" cy="1223682"/>
-          </a:xfrm>
-          <a:prstGeom prst="foldedCorner">
-            <a:avLst/>
-          </a:prstGeom>
-          <a:solidFill>
-            <a:schemeClr val="accent3">
-              <a:alpha val="50000"/>
-            </a:schemeClr>
-          </a:solidFill>
-          <a:ln>
-            <a:noFill/>
-          </a:ln>
-        </p:spPr>
-        <p:style>
-          <a:lnRef idx="0">
-            <a:scrgbClr r="0" g="0" b="0"/>
-          </a:lnRef>
-          <a:fillRef idx="0">
-            <a:scrgbClr r="0" g="0" b="0"/>
-          </a:fillRef>
-          <a:effectRef idx="0">
-            <a:scrgbClr r="0" g="0" b="0"/>
-          </a:effectRef>
-          <a:fontRef idx="minor">
-            <a:schemeClr val="lt1"/>
-          </a:fontRef>
-        </p:style>
-        <p:txBody>
-          <a:bodyPr rtlCol="0" anchor="ctr"/>
-          <a:lstStyle/>
-          <a:p>
-            <a:pPr algn="ctr"/>
-            <a:r>
-              <a:rPr lang="en-US" altLang="ko-KR" dirty="0"/>
-              <a:t>lib/Cylinder/Single </a:t>
-            </a:r>
-          </a:p>
-          <a:p>
-            <a:pPr algn="ctr"/>
-            <a:r>
-              <a:rPr lang="en-US" altLang="ko-KR" dirty="0"/>
-              <a:t>[Pin]</a:t>
-            </a:r>
-            <a:endParaRPr lang="ko-KR" altLang="en-US" dirty="0"/>
-          </a:p>
-        </p:txBody>
-      </p:sp>
-      <p:sp>
-        <p:nvSpPr>
-          <p:cNvPr id="6" name="직사각형 5">
-            <a:extLst>
-              <a:ext uri="{FF2B5EF4-FFF2-40B4-BE49-F238E27FC236}">
-                <a16:creationId xmlns:a16="http://schemas.microsoft.com/office/drawing/2014/main" id="{217B25AD-148C-7929-3495-54B7F85C1125}"/>
-              </a:ext>
-            </a:extLst>
-          </p:cNvPr>
-          <p:cNvSpPr/>
-          <p:nvPr/>
-        </p:nvSpPr>
-        <p:spPr>
-          <a:xfrm>
-            <a:off x="971018" y="4222092"/>
-            <a:ext cx="4427269" cy="2126950"/>
-          </a:xfrm>
-          <a:prstGeom prst="rect">
-            <a:avLst/>
-          </a:prstGeom>
-          <a:solidFill>
-            <a:schemeClr val="accent4">
-              <a:alpha val="50000"/>
-            </a:schemeClr>
-          </a:solidFill>
-          <a:ln>
-            <a:noFill/>
-          </a:ln>
-        </p:spPr>
-        <p:style>
-          <a:lnRef idx="0">
-            <a:scrgbClr r="0" g="0" b="0"/>
-          </a:lnRef>
-          <a:fillRef idx="0">
-            <a:scrgbClr r="0" g="0" b="0"/>
-          </a:fillRef>
-          <a:effectRef idx="0">
-            <a:scrgbClr r="0" g="0" b="0"/>
-          </a:effectRef>
-          <a:fontRef idx="minor">
-            <a:schemeClr val="lt1"/>
-          </a:fontRef>
-        </p:style>
-        <p:txBody>
-          <a:bodyPr rtlCol="0" anchor="ctr"/>
-          <a:lstStyle/>
-          <a:p>
-            <a:pPr algn="ctr"/>
-            <a:r>
-              <a:rPr lang="en-US" altLang="ko-KR" sz="1200" dirty="0"/>
-              <a:t>FEX.R2</a:t>
-            </a:r>
-            <a:endParaRPr lang="ko-KR" altLang="en-US" sz="800" dirty="0"/>
+              <a:rPr lang="en-US" altLang="ko-KR" sz="1600" dirty="0">
+                <a:solidFill>
+                  <a:schemeClr val="tx1"/>
+                </a:solidFill>
+              </a:rPr>
+              <a:t>R2</a:t>
+            </a:r>
+            <a:endParaRPr lang="ko-KR" altLang="en-US" sz="1600" dirty="0">
+              <a:solidFill>
+                <a:schemeClr val="tx1"/>
+              </a:solidFill>
+            </a:endParaRPr>
           </a:p>
         </p:txBody>
       </p:sp>
@@ -19407,10 +19780,18 @@
           <a:p>
             <a:pPr algn="ctr"/>
             <a:r>
-              <a:rPr lang="en-US" altLang="ko-KR" sz="1200" dirty="0" err="1"/>
-              <a:t>R22</a:t>
-            </a:r>
-            <a:endParaRPr lang="ko-KR" altLang="en-US" sz="1200" dirty="0"/>
+              <a:rPr lang="en-US" altLang="ko-KR" sz="1600" dirty="0">
+                <a:solidFill>
+                  <a:schemeClr val="tx1"/>
+                </a:solidFill>
+              </a:rPr>
+              <a:t>R1</a:t>
+            </a:r>
+            <a:endParaRPr lang="ko-KR" altLang="en-US" sz="1600" dirty="0">
+              <a:solidFill>
+                <a:schemeClr val="tx1"/>
+              </a:solidFill>
+            </a:endParaRPr>
           </a:p>
         </p:txBody>
       </p:sp>
@@ -19425,15 +19806,15 @@
           </p:cNvPr>
           <p:cNvCxnSpPr>
             <a:cxnSpLocks/>
-            <a:stCxn id="10" idx="2"/>
-            <a:endCxn id="6" idx="0"/>
+            <a:stCxn id="10" idx="3"/>
+            <a:endCxn id="56" idx="1"/>
           </p:cNvCxnSpPr>
           <p:nvPr/>
         </p:nvCxnSpPr>
         <p:spPr>
-          <a:xfrm rot="16200000" flipH="1">
-            <a:off x="1774179" y="2811617"/>
-            <a:ext cx="880963" cy="1939985"/>
+          <a:xfrm>
+            <a:off x="1796211" y="2807914"/>
+            <a:ext cx="1571103" cy="347747"/>
           </a:xfrm>
           <a:prstGeom prst="bentConnector3">
             <a:avLst>
@@ -19511,6 +19892,439 @@
           <a:lstStyle/>
           <a:p>
             <a:r>
+              <a:rPr lang="en-US" altLang="ko-KR" dirty="0"/>
+              <a:t>F0</a:t>
+            </a:r>
+            <a:endParaRPr lang="ko-KR" altLang="en-US" dirty="0"/>
+          </a:p>
+        </p:txBody>
+      </p:sp>
+      <p:sp>
+        <p:nvSpPr>
+          <p:cNvPr id="56" name="직사각형 55">
+            <a:extLst>
+              <a:ext uri="{FF2B5EF4-FFF2-40B4-BE49-F238E27FC236}">
+                <a16:creationId xmlns:a16="http://schemas.microsoft.com/office/drawing/2014/main" id="{B59930BF-EFE8-0861-D55E-FEAC7FD46A32}"/>
+              </a:ext>
+            </a:extLst>
+          </p:cNvPr>
+          <p:cNvSpPr/>
+          <p:nvPr/>
+        </p:nvSpPr>
+        <p:spPr>
+          <a:xfrm>
+            <a:off x="3367314" y="2622445"/>
+            <a:ext cx="1103086" cy="1066431"/>
+          </a:xfrm>
+          <a:prstGeom prst="rect">
+            <a:avLst/>
+          </a:prstGeom>
+          <a:solidFill>
+            <a:schemeClr val="accent4">
+              <a:alpha val="50000"/>
+            </a:schemeClr>
+          </a:solidFill>
+          <a:ln>
+            <a:noFill/>
+          </a:ln>
+        </p:spPr>
+        <p:style>
+          <a:lnRef idx="0">
+            <a:scrgbClr r="0" g="0" b="0"/>
+          </a:lnRef>
+          <a:fillRef idx="0">
+            <a:scrgbClr r="0" g="0" b="0"/>
+          </a:fillRef>
+          <a:effectRef idx="0">
+            <a:scrgbClr r="0" g="0" b="0"/>
+          </a:effectRef>
+          <a:fontRef idx="minor">
+            <a:schemeClr val="lt1"/>
+          </a:fontRef>
+        </p:style>
+        <p:txBody>
+          <a:bodyPr rtlCol="0" anchor="ctr"/>
+          <a:lstStyle/>
+          <a:p>
+            <a:pPr algn="ctr"/>
+            <a:r>
+              <a:rPr lang="en-US" altLang="ko-KR" sz="1200" dirty="0" err="1"/>
+              <a:t>R11</a:t>
+            </a:r>
+            <a:endParaRPr lang="ko-KR" altLang="en-US" sz="1200" dirty="0"/>
+          </a:p>
+        </p:txBody>
+      </p:sp>
+      <p:sp>
+        <p:nvSpPr>
+          <p:cNvPr id="3" name="직사각형 2">
+            <a:extLst>
+              <a:ext uri="{FF2B5EF4-FFF2-40B4-BE49-F238E27FC236}">
+                <a16:creationId xmlns:a16="http://schemas.microsoft.com/office/drawing/2014/main" id="{F7635A7D-094A-7E28-E7A6-0073FF8BBEC2}"/>
+              </a:ext>
+            </a:extLst>
+          </p:cNvPr>
+          <p:cNvSpPr/>
+          <p:nvPr/>
+        </p:nvSpPr>
+        <p:spPr>
+          <a:xfrm>
+            <a:off x="6326175" y="2993381"/>
+            <a:ext cx="1103086" cy="1066431"/>
+          </a:xfrm>
+          <a:prstGeom prst="rect">
+            <a:avLst/>
+          </a:prstGeom>
+          <a:solidFill>
+            <a:schemeClr val="accent4">
+              <a:alpha val="50000"/>
+            </a:schemeClr>
+          </a:solidFill>
+          <a:ln>
+            <a:noFill/>
+          </a:ln>
+        </p:spPr>
+        <p:style>
+          <a:lnRef idx="0">
+            <a:scrgbClr r="0" g="0" b="0"/>
+          </a:lnRef>
+          <a:fillRef idx="0">
+            <a:scrgbClr r="0" g="0" b="0"/>
+          </a:fillRef>
+          <a:effectRef idx="0">
+            <a:scrgbClr r="0" g="0" b="0"/>
+          </a:effectRef>
+          <a:fontRef idx="minor">
+            <a:schemeClr val="lt1"/>
+          </a:fontRef>
+        </p:style>
+        <p:txBody>
+          <a:bodyPr rtlCol="0" anchor="ctr"/>
+          <a:lstStyle/>
+          <a:p>
+            <a:pPr algn="ctr"/>
+            <a:r>
+              <a:rPr lang="en-US" altLang="ko-KR" sz="3200" dirty="0"/>
+              <a:t>FEX.R2</a:t>
+            </a:r>
+            <a:endParaRPr lang="ko-KR" altLang="en-US" sz="1200" dirty="0"/>
+          </a:p>
+        </p:txBody>
+      </p:sp>
+      <p:cxnSp>
+        <p:nvCxnSpPr>
+          <p:cNvPr id="5" name="연결선: 꺾임 4">
+            <a:extLst>
+              <a:ext uri="{FF2B5EF4-FFF2-40B4-BE49-F238E27FC236}">
+                <a16:creationId xmlns:a16="http://schemas.microsoft.com/office/drawing/2014/main" id="{A26142C6-04FA-DB58-2BDA-17C170B1E215}"/>
+              </a:ext>
+            </a:extLst>
+          </p:cNvPr>
+          <p:cNvCxnSpPr>
+            <a:stCxn id="56" idx="3"/>
+            <a:endCxn id="3" idx="1"/>
+          </p:cNvCxnSpPr>
+          <p:nvPr/>
+        </p:nvCxnSpPr>
+        <p:spPr>
+          <a:xfrm>
+            <a:off x="4470400" y="3155661"/>
+            <a:ext cx="1855775" cy="370936"/>
+          </a:xfrm>
+          <a:prstGeom prst="bentConnector3">
+            <a:avLst/>
+          </a:prstGeom>
+          <a:ln>
+            <a:tailEnd type="triangle"/>
+          </a:ln>
+        </p:spPr>
+        <p:style>
+          <a:lnRef idx="1">
+            <a:schemeClr val="accent1"/>
+          </a:lnRef>
+          <a:fillRef idx="0">
+            <a:schemeClr val="accent1"/>
+          </a:fillRef>
+          <a:effectRef idx="0">
+            <a:schemeClr val="accent1"/>
+          </a:effectRef>
+          <a:fontRef idx="minor">
+            <a:schemeClr val="tx1"/>
+          </a:fontRef>
+        </p:style>
+      </p:cxnSp>
+      <p:sp>
+        <p:nvSpPr>
+          <p:cNvPr id="7" name="사각형: 모서리가 접힌 도형 6">
+            <a:extLst>
+              <a:ext uri="{FF2B5EF4-FFF2-40B4-BE49-F238E27FC236}">
+                <a16:creationId xmlns:a16="http://schemas.microsoft.com/office/drawing/2014/main" id="{E20F75E5-4691-EC05-2730-B5EAC808B068}"/>
+              </a:ext>
+            </a:extLst>
+          </p:cNvPr>
+          <p:cNvSpPr/>
+          <p:nvPr/>
+        </p:nvSpPr>
+        <p:spPr>
+          <a:xfrm>
+            <a:off x="9316310" y="2557743"/>
+            <a:ext cx="2437946" cy="1223682"/>
+          </a:xfrm>
+          <a:prstGeom prst="foldedCorner">
+            <a:avLst/>
+          </a:prstGeom>
+          <a:solidFill>
+            <a:schemeClr val="accent3">
+              <a:alpha val="50000"/>
+            </a:schemeClr>
+          </a:solidFill>
+          <a:ln>
+            <a:noFill/>
+          </a:ln>
+        </p:spPr>
+        <p:style>
+          <a:lnRef idx="0">
+            <a:scrgbClr r="0" g="0" b="0"/>
+          </a:lnRef>
+          <a:fillRef idx="0">
+            <a:scrgbClr r="0" g="0" b="0"/>
+          </a:fillRef>
+          <a:effectRef idx="0">
+            <a:scrgbClr r="0" g="0" b="0"/>
+          </a:effectRef>
+          <a:fontRef idx="minor">
+            <a:schemeClr val="lt1"/>
+          </a:fontRef>
+        </p:style>
+        <p:txBody>
+          <a:bodyPr rtlCol="0" anchor="ctr"/>
+          <a:lstStyle/>
+          <a:p>
+            <a:pPr algn="ctr"/>
+            <a:r>
+              <a:rPr lang="en-US" altLang="ko-KR" dirty="0"/>
+              <a:t>lib/Cylinder/Single </a:t>
+            </a:r>
+          </a:p>
+          <a:p>
+            <a:pPr algn="ctr"/>
+            <a:r>
+              <a:rPr lang="en-US" altLang="ko-KR" dirty="0"/>
+              <a:t>[Pin]</a:t>
+            </a:r>
+            <a:endParaRPr lang="ko-KR" altLang="en-US" dirty="0"/>
+          </a:p>
+        </p:txBody>
+      </p:sp>
+      <p:sp>
+        <p:nvSpPr>
+          <p:cNvPr id="6" name="직사각형 5">
+            <a:extLst>
+              <a:ext uri="{FF2B5EF4-FFF2-40B4-BE49-F238E27FC236}">
+                <a16:creationId xmlns:a16="http://schemas.microsoft.com/office/drawing/2014/main" id="{217B25AD-148C-7929-3495-54B7F85C1125}"/>
+              </a:ext>
+            </a:extLst>
+          </p:cNvPr>
+          <p:cNvSpPr/>
+          <p:nvPr/>
+        </p:nvSpPr>
+        <p:spPr>
+          <a:xfrm>
+            <a:off x="971018" y="4222092"/>
+            <a:ext cx="4427269" cy="2126950"/>
+          </a:xfrm>
+          <a:prstGeom prst="rect">
+            <a:avLst/>
+          </a:prstGeom>
+          <a:solidFill>
+            <a:schemeClr val="accent4">
+              <a:alpha val="50000"/>
+            </a:schemeClr>
+          </a:solidFill>
+          <a:ln>
+            <a:noFill/>
+          </a:ln>
+        </p:spPr>
+        <p:style>
+          <a:lnRef idx="0">
+            <a:scrgbClr r="0" g="0" b="0"/>
+          </a:lnRef>
+          <a:fillRef idx="0">
+            <a:scrgbClr r="0" g="0" b="0"/>
+          </a:fillRef>
+          <a:effectRef idx="0">
+            <a:scrgbClr r="0" g="0" b="0"/>
+          </a:effectRef>
+          <a:fontRef idx="minor">
+            <a:schemeClr val="lt1"/>
+          </a:fontRef>
+        </p:style>
+        <p:txBody>
+          <a:bodyPr rtlCol="0" anchor="ctr"/>
+          <a:lstStyle/>
+          <a:p>
+            <a:pPr algn="ctr"/>
+            <a:r>
+              <a:rPr lang="en-US" altLang="ko-KR" sz="1200" dirty="0"/>
+              <a:t>FEX.R2</a:t>
+            </a:r>
+            <a:endParaRPr lang="ko-KR" altLang="en-US" sz="800" dirty="0"/>
+          </a:p>
+        </p:txBody>
+      </p:sp>
+      <p:sp>
+        <p:nvSpPr>
+          <p:cNvPr id="10" name="직사각형 9">
+            <a:extLst>
+              <a:ext uri="{FF2B5EF4-FFF2-40B4-BE49-F238E27FC236}">
+                <a16:creationId xmlns:a16="http://schemas.microsoft.com/office/drawing/2014/main" id="{E85E75D1-2DF9-FB75-21C7-741E94A65347}"/>
+              </a:ext>
+            </a:extLst>
+          </p:cNvPr>
+          <p:cNvSpPr/>
+          <p:nvPr/>
+        </p:nvSpPr>
+        <p:spPr>
+          <a:xfrm>
+            <a:off x="693125" y="2274698"/>
+            <a:ext cx="1103086" cy="1066431"/>
+          </a:xfrm>
+          <a:prstGeom prst="rect">
+            <a:avLst/>
+          </a:prstGeom>
+          <a:solidFill>
+            <a:schemeClr val="accent4">
+              <a:alpha val="50000"/>
+            </a:schemeClr>
+          </a:solidFill>
+          <a:ln>
+            <a:noFill/>
+          </a:ln>
+        </p:spPr>
+        <p:style>
+          <a:lnRef idx="0">
+            <a:scrgbClr r="0" g="0" b="0"/>
+          </a:lnRef>
+          <a:fillRef idx="0">
+            <a:scrgbClr r="0" g="0" b="0"/>
+          </a:fillRef>
+          <a:effectRef idx="0">
+            <a:scrgbClr r="0" g="0" b="0"/>
+          </a:effectRef>
+          <a:fontRef idx="minor">
+            <a:schemeClr val="lt1"/>
+          </a:fontRef>
+        </p:style>
+        <p:txBody>
+          <a:bodyPr rtlCol="0" anchor="ctr"/>
+          <a:lstStyle/>
+          <a:p>
+            <a:pPr algn="ctr"/>
+            <a:r>
+              <a:rPr lang="en-US" altLang="ko-KR" sz="1200" dirty="0" err="1"/>
+              <a:t>R22</a:t>
+            </a:r>
+            <a:endParaRPr lang="ko-KR" altLang="en-US" sz="1200" dirty="0"/>
+          </a:p>
+        </p:txBody>
+      </p:sp>
+      <p:cxnSp>
+        <p:nvCxnSpPr>
+          <p:cNvPr id="13" name="연결선: 꺾임 12">
+            <a:extLst>
+              <a:ext uri="{FF2B5EF4-FFF2-40B4-BE49-F238E27FC236}">
+                <a16:creationId xmlns:a16="http://schemas.microsoft.com/office/drawing/2014/main" id="{2D930A9F-61E6-7F98-35DD-922935F9670D}"/>
+              </a:ext>
+            </a:extLst>
+          </p:cNvPr>
+          <p:cNvCxnSpPr>
+            <a:cxnSpLocks/>
+            <a:stCxn id="10" idx="2"/>
+            <a:endCxn id="6" idx="0"/>
+          </p:cNvCxnSpPr>
+          <p:nvPr/>
+        </p:nvCxnSpPr>
+        <p:spPr>
+          <a:xfrm rot="16200000" flipH="1">
+            <a:off x="1774179" y="2811617"/>
+            <a:ext cx="880963" cy="1939985"/>
+          </a:xfrm>
+          <a:prstGeom prst="bentConnector3">
+            <a:avLst>
+              <a:gd name="adj1" fmla="val 50000"/>
+            </a:avLst>
+          </a:prstGeom>
+          <a:ln>
+            <a:tailEnd type="triangle"/>
+          </a:ln>
+        </p:spPr>
+        <p:style>
+          <a:lnRef idx="1">
+            <a:schemeClr val="accent1"/>
+          </a:lnRef>
+          <a:fillRef idx="0">
+            <a:schemeClr val="accent1"/>
+          </a:fillRef>
+          <a:effectRef idx="0">
+            <a:schemeClr val="accent1"/>
+          </a:effectRef>
+          <a:fontRef idx="minor">
+            <a:schemeClr val="tx1"/>
+          </a:fontRef>
+        </p:style>
+      </p:cxnSp>
+    </p:spTree>
+    <p:extLst>
+      <p:ext uri="{BB962C8B-B14F-4D97-AF65-F5344CB8AC3E}">
+        <p14:creationId xmlns:p14="http://schemas.microsoft.com/office/powerpoint/2010/main" val="2276412121"/>
+      </p:ext>
+    </p:extLst>
+  </p:cSld>
+  <p:clrMapOvr>
+    <a:masterClrMapping/>
+  </p:clrMapOvr>
+</p:sld>
+</file>
+
+<file path=ppt/slides/slide6.xml><?xml version="1.0" encoding="utf-8"?>
+<p:sld xmlns:a="http://schemas.openxmlformats.org/drawingml/2006/main" xmlns:r="http://schemas.openxmlformats.org/officeDocument/2006/relationships" xmlns:p="http://schemas.openxmlformats.org/presentationml/2006/main" show="0">
+  <p:cSld>
+    <p:spTree>
+      <p:nvGrpSpPr>
+        <p:cNvPr id="1" name=""/>
+        <p:cNvGrpSpPr/>
+        <p:nvPr/>
+      </p:nvGrpSpPr>
+      <p:grpSpPr>
+        <a:xfrm>
+          <a:off x="0" y="0"/>
+          <a:ext cx="0" cy="0"/>
+          <a:chOff x="0" y="0"/>
+          <a:chExt cx="0" cy="0"/>
+        </a:xfrm>
+      </p:grpSpPr>
+      <p:sp>
+        <p:nvSpPr>
+          <p:cNvPr id="2" name="제목 1">
+            <a:extLst>
+              <a:ext uri="{FF2B5EF4-FFF2-40B4-BE49-F238E27FC236}">
+                <a16:creationId xmlns:a16="http://schemas.microsoft.com/office/drawing/2014/main" id="{5E8FE27E-4086-E570-1BA4-F2B433CAA376}"/>
+              </a:ext>
+            </a:extLst>
+          </p:cNvPr>
+          <p:cNvSpPr>
+            <a:spLocks noGrp="1"/>
+          </p:cNvSpPr>
+          <p:nvPr>
+            <p:ph type="title"/>
+          </p:nvPr>
+        </p:nvSpPr>
+        <p:spPr/>
+        <p:txBody>
+          <a:bodyPr/>
+          <a:lstStyle/>
+          <a:p>
+            <a:r>
               <a:rPr lang="en-US" altLang="ko-KR" sz="4400" dirty="0"/>
               <a:t>FEX</a:t>
             </a:r>
@@ -20663,7 +21477,7 @@
 </p:sld>
 </file>
 
-<file path=ppt/slides/slide6.xml><?xml version="1.0" encoding="utf-8"?>
+<file path=ppt/slides/slide7.xml><?xml version="1.0" encoding="utf-8"?>
 <p:sld xmlns:a="http://schemas.openxmlformats.org/drawingml/2006/main" xmlns:r="http://schemas.openxmlformats.org/officeDocument/2006/relationships" xmlns:p="http://schemas.openxmlformats.org/presentationml/2006/main" show="0">
   <p:cSld>
     <p:spTree>
@@ -21860,7 +22674,7 @@
 </p:sld>
 </file>
 
-<file path=ppt/slides/slide7.xml><?xml version="1.0" encoding="utf-8"?>
+<file path=ppt/slides/slide8.xml><?xml version="1.0" encoding="utf-8"?>
 <p:sld xmlns:a="http://schemas.openxmlformats.org/drawingml/2006/main" xmlns:r="http://schemas.openxmlformats.org/officeDocument/2006/relationships" xmlns:p="http://schemas.openxmlformats.org/presentationml/2006/main" show="0">
   <p:cSld>
     <p:spTree>
@@ -22353,7 +23167,7 @@
 </p:sld>
 </file>
 
-<file path=ppt/slides/slide8.xml><?xml version="1.0" encoding="utf-8"?>
+<file path=ppt/slides/slide9.xml><?xml version="1.0" encoding="utf-8"?>
 <p:sld xmlns:a="http://schemas.openxmlformats.org/drawingml/2006/main" xmlns:r="http://schemas.openxmlformats.org/officeDocument/2006/relationships" xmlns:p="http://schemas.openxmlformats.org/presentationml/2006/main" show="0">
   <p:cSld>
     <p:spTree>
@@ -22893,587 +23707,6 @@
     <p:extLst>
       <p:ext uri="{BB962C8B-B14F-4D97-AF65-F5344CB8AC3E}">
         <p14:creationId xmlns:p14="http://schemas.microsoft.com/office/powerpoint/2010/main" val="805683712"/>
-      </p:ext>
-    </p:extLst>
-  </p:cSld>
-  <p:clrMapOvr>
-    <a:masterClrMapping/>
-  </p:clrMapOvr>
-</p:sld>
-</file>
-
-<file path=ppt/slides/slide9.xml><?xml version="1.0" encoding="utf-8"?>
-<p:sld xmlns:a="http://schemas.openxmlformats.org/drawingml/2006/main" xmlns:r="http://schemas.openxmlformats.org/officeDocument/2006/relationships" xmlns:p="http://schemas.openxmlformats.org/presentationml/2006/main" show="0">
-  <p:cSld>
-    <p:spTree>
-      <p:nvGrpSpPr>
-        <p:cNvPr id="1" name=""/>
-        <p:cNvGrpSpPr/>
-        <p:nvPr/>
-      </p:nvGrpSpPr>
-      <p:grpSpPr>
-        <a:xfrm>
-          <a:off x="0" y="0"/>
-          <a:ext cx="0" cy="0"/>
-          <a:chOff x="0" y="0"/>
-          <a:chExt cx="0" cy="0"/>
-        </a:xfrm>
-      </p:grpSpPr>
-      <p:sp>
-        <p:nvSpPr>
-          <p:cNvPr id="2" name="제목 1">
-            <a:extLst>
-              <a:ext uri="{FF2B5EF4-FFF2-40B4-BE49-F238E27FC236}">
-                <a16:creationId xmlns:a16="http://schemas.microsoft.com/office/drawing/2014/main" id="{E35BEC89-0CFB-7F29-D8C7-71B3E64B4D66}"/>
-              </a:ext>
-            </a:extLst>
-          </p:cNvPr>
-          <p:cNvSpPr>
-            <a:spLocks noGrp="1"/>
-          </p:cNvSpPr>
-          <p:nvPr>
-            <p:ph type="title"/>
-          </p:nvPr>
-        </p:nvSpPr>
-        <p:spPr/>
-        <p:txBody>
-          <a:bodyPr/>
-          <a:lstStyle/>
-          <a:p>
-            <a:r>
-              <a:rPr lang="en-US" altLang="ko-KR" dirty="0"/>
-              <a:t>S2</a:t>
-            </a:r>
-            <a:endParaRPr lang="ko-KR" altLang="en-US" dirty="0"/>
-          </a:p>
-        </p:txBody>
-      </p:sp>
-      <p:sp>
-        <p:nvSpPr>
-          <p:cNvPr id="5" name="직사각형 4">
-            <a:extLst>
-              <a:ext uri="{FF2B5EF4-FFF2-40B4-BE49-F238E27FC236}">
-                <a16:creationId xmlns:a16="http://schemas.microsoft.com/office/drawing/2014/main" id="{A2120A99-FD95-1369-3328-C124905A811D}"/>
-              </a:ext>
-            </a:extLst>
-          </p:cNvPr>
-          <p:cNvSpPr/>
-          <p:nvPr/>
-        </p:nvSpPr>
-        <p:spPr>
-          <a:xfrm>
-            <a:off x="7988400" y="4158041"/>
-            <a:ext cx="2437946" cy="1223682"/>
-          </a:xfrm>
-          <a:prstGeom prst="rect">
-            <a:avLst/>
-          </a:prstGeom>
-          <a:solidFill>
-            <a:schemeClr val="accent4">
-              <a:alpha val="50000"/>
-            </a:schemeClr>
-          </a:solidFill>
-          <a:ln>
-            <a:noFill/>
-          </a:ln>
-        </p:spPr>
-        <p:style>
-          <a:lnRef idx="0">
-            <a:scrgbClr r="0" g="0" b="0"/>
-          </a:lnRef>
-          <a:fillRef idx="0">
-            <a:scrgbClr r="0" g="0" b="0"/>
-          </a:fillRef>
-          <a:effectRef idx="0">
-            <a:scrgbClr r="0" g="0" b="0"/>
-          </a:effectRef>
-          <a:fontRef idx="minor">
-            <a:schemeClr val="lt1"/>
-          </a:fontRef>
-        </p:style>
-        <p:txBody>
-          <a:bodyPr rtlCol="0" anchor="ctr"/>
-          <a:lstStyle/>
-          <a:p>
-            <a:pPr algn="ctr"/>
-            <a:r>
-              <a:rPr lang="en-US" altLang="ko-KR" sz="1200" dirty="0"/>
-              <a:t>R2</a:t>
-            </a:r>
-            <a:endParaRPr lang="ko-KR" altLang="en-US" sz="1200" dirty="0"/>
-          </a:p>
-        </p:txBody>
-      </p:sp>
-      <p:cxnSp>
-        <p:nvCxnSpPr>
-          <p:cNvPr id="6" name="직선 화살표 연결선 5">
-            <a:extLst>
-              <a:ext uri="{FF2B5EF4-FFF2-40B4-BE49-F238E27FC236}">
-                <a16:creationId xmlns:a16="http://schemas.microsoft.com/office/drawing/2014/main" id="{E74E5CB1-7F24-0E65-9659-E049F77B2F9A}"/>
-              </a:ext>
-            </a:extLst>
-          </p:cNvPr>
-          <p:cNvCxnSpPr>
-            <a:cxnSpLocks/>
-            <a:stCxn id="7" idx="3"/>
-            <a:endCxn id="5" idx="1"/>
-          </p:cNvCxnSpPr>
-          <p:nvPr/>
-        </p:nvCxnSpPr>
-        <p:spPr>
-          <a:xfrm>
-            <a:off x="6534526" y="4220068"/>
-            <a:ext cx="1453874" cy="549814"/>
-          </a:xfrm>
-          <a:prstGeom prst="straightConnector1">
-            <a:avLst/>
-          </a:prstGeom>
-          <a:ln w="28575">
-            <a:solidFill>
-              <a:schemeClr val="tx1">
-                <a:lumMod val="75000"/>
-                <a:lumOff val="25000"/>
-              </a:schemeClr>
-            </a:solidFill>
-            <a:tailEnd type="triangle"/>
-          </a:ln>
-        </p:spPr>
-        <p:style>
-          <a:lnRef idx="1">
-            <a:schemeClr val="dk1"/>
-          </a:lnRef>
-          <a:fillRef idx="3">
-            <a:schemeClr val="dk1"/>
-          </a:fillRef>
-          <a:effectRef idx="2">
-            <a:schemeClr val="dk1"/>
-          </a:effectRef>
-          <a:fontRef idx="minor">
-            <a:schemeClr val="lt1"/>
-          </a:fontRef>
-        </p:style>
-      </p:cxnSp>
-      <p:grpSp>
-        <p:nvGrpSpPr>
-          <p:cNvPr id="8" name="그룹 7">
-            <a:extLst>
-              <a:ext uri="{FF2B5EF4-FFF2-40B4-BE49-F238E27FC236}">
-                <a16:creationId xmlns:a16="http://schemas.microsoft.com/office/drawing/2014/main" id="{E4E86703-9197-722D-B1EF-887463109F89}"/>
-              </a:ext>
-            </a:extLst>
-          </p:cNvPr>
-          <p:cNvGrpSpPr/>
-          <p:nvPr/>
-        </p:nvGrpSpPr>
-        <p:grpSpPr>
-          <a:xfrm>
-            <a:off x="810000" y="2424605"/>
-            <a:ext cx="5724526" cy="3590925"/>
-            <a:chOff x="848416" y="1962150"/>
-            <a:chExt cx="5724526" cy="3590925"/>
-          </a:xfrm>
-        </p:grpSpPr>
-        <p:sp>
-          <p:nvSpPr>
-            <p:cNvPr id="7" name="직사각형 6">
-              <a:extLst>
-                <a:ext uri="{FF2B5EF4-FFF2-40B4-BE49-F238E27FC236}">
-                  <a16:creationId xmlns:a16="http://schemas.microsoft.com/office/drawing/2014/main" id="{ABDB84CF-3826-2164-6107-3FAF7AEB955A}"/>
-                </a:ext>
-              </a:extLst>
-            </p:cNvPr>
-            <p:cNvSpPr/>
-            <p:nvPr/>
-          </p:nvSpPr>
-          <p:spPr>
-            <a:xfrm>
-              <a:off x="848416" y="1962150"/>
-              <a:ext cx="5724526" cy="3590925"/>
-            </a:xfrm>
-            <a:prstGeom prst="rect">
-              <a:avLst/>
-            </a:prstGeom>
-            <a:solidFill>
-              <a:schemeClr val="accent4">
-                <a:alpha val="50000"/>
-              </a:schemeClr>
-            </a:solidFill>
-            <a:ln>
-              <a:noFill/>
-            </a:ln>
-          </p:spPr>
-          <p:style>
-            <a:lnRef idx="0">
-              <a:scrgbClr r="0" g="0" b="0"/>
-            </a:lnRef>
-            <a:fillRef idx="0">
-              <a:scrgbClr r="0" g="0" b="0"/>
-            </a:fillRef>
-            <a:effectRef idx="0">
-              <a:scrgbClr r="0" g="0" b="0"/>
-            </a:effectRef>
-            <a:fontRef idx="minor">
-              <a:schemeClr val="lt1"/>
-            </a:fontRef>
-          </p:style>
-          <p:txBody>
-            <a:bodyPr rtlCol="0" anchor="t"/>
-            <a:lstStyle/>
-            <a:p>
-              <a:pPr algn="ctr"/>
-              <a:r>
-                <a:rPr lang="en-US" altLang="ko-KR" sz="2800" dirty="0">
-                  <a:solidFill>
-                    <a:schemeClr val="tx1"/>
-                  </a:solidFill>
-                </a:rPr>
-                <a:t>R1</a:t>
-              </a:r>
-              <a:endParaRPr lang="ko-KR" altLang="en-US" sz="1200" dirty="0">
-                <a:solidFill>
-                  <a:schemeClr val="tx1"/>
-                </a:solidFill>
-              </a:endParaRPr>
-            </a:p>
-          </p:txBody>
-        </p:sp>
-        <p:grpSp>
-          <p:nvGrpSpPr>
-            <p:cNvPr id="3" name="그룹 2">
-              <a:extLst>
-                <a:ext uri="{FF2B5EF4-FFF2-40B4-BE49-F238E27FC236}">
-                  <a16:creationId xmlns:a16="http://schemas.microsoft.com/office/drawing/2014/main" id="{217DAACF-5BCB-5A30-66B8-057CF83D7D6F}"/>
-                </a:ext>
-              </a:extLst>
-            </p:cNvPr>
-            <p:cNvGrpSpPr/>
-            <p:nvPr/>
-          </p:nvGrpSpPr>
-          <p:grpSpPr>
-            <a:xfrm>
-              <a:off x="1405973" y="2441441"/>
-              <a:ext cx="4398681" cy="2052964"/>
-              <a:chOff x="1314450" y="2476500"/>
-              <a:chExt cx="4476750" cy="2447925"/>
-            </a:xfrm>
-          </p:grpSpPr>
-          <p:sp>
-            <p:nvSpPr>
-              <p:cNvPr id="11" name="타원 10">
-                <a:extLst>
-                  <a:ext uri="{FF2B5EF4-FFF2-40B4-BE49-F238E27FC236}">
-                    <a16:creationId xmlns:a16="http://schemas.microsoft.com/office/drawing/2014/main" id="{A8DEAF01-6D94-28CA-7567-1D6E7A30C46B}"/>
-                  </a:ext>
-                </a:extLst>
-              </p:cNvPr>
-              <p:cNvSpPr/>
-              <p:nvPr/>
-            </p:nvSpPr>
-            <p:spPr>
-              <a:xfrm>
-                <a:off x="1314450" y="2476500"/>
-                <a:ext cx="1733550" cy="952500"/>
-              </a:xfrm>
-              <a:prstGeom prst="ellipse">
-                <a:avLst/>
-              </a:prstGeom>
-              <a:solidFill>
-                <a:schemeClr val="accent4">
-                  <a:alpha val="50000"/>
-                </a:schemeClr>
-              </a:solidFill>
-              <a:ln>
-                <a:noFill/>
-              </a:ln>
-            </p:spPr>
-            <p:style>
-              <a:lnRef idx="0">
-                <a:scrgbClr r="0" g="0" b="0"/>
-              </a:lnRef>
-              <a:fillRef idx="0">
-                <a:scrgbClr r="0" g="0" b="0"/>
-              </a:fillRef>
-              <a:effectRef idx="0">
-                <a:scrgbClr r="0" g="0" b="0"/>
-              </a:effectRef>
-              <a:fontRef idx="minor">
-                <a:schemeClr val="lt1"/>
-              </a:fontRef>
-            </p:style>
-            <p:txBody>
-              <a:bodyPr rtlCol="0" anchor="ctr"/>
-              <a:lstStyle/>
-              <a:p>
-                <a:pPr algn="ctr"/>
-                <a:r>
-                  <a:rPr lang="en-US" altLang="ko-KR" dirty="0" err="1"/>
-                  <a:t>Copy1</a:t>
-                </a:r>
-                <a:r>
-                  <a:rPr lang="en-US" altLang="ko-KR" dirty="0"/>
-                  <a:t> $ADV</a:t>
-                </a:r>
-                <a:endParaRPr lang="ko-KR" altLang="en-US" dirty="0"/>
-              </a:p>
-            </p:txBody>
-          </p:sp>
-          <p:sp>
-            <p:nvSpPr>
-              <p:cNvPr id="12" name="타원 11">
-                <a:extLst>
-                  <a:ext uri="{FF2B5EF4-FFF2-40B4-BE49-F238E27FC236}">
-                    <a16:creationId xmlns:a16="http://schemas.microsoft.com/office/drawing/2014/main" id="{97830B60-D108-9F85-29FC-869E4BDC5485}"/>
-                  </a:ext>
-                </a:extLst>
-              </p:cNvPr>
-              <p:cNvSpPr/>
-              <p:nvPr/>
-            </p:nvSpPr>
-            <p:spPr>
-              <a:xfrm>
-                <a:off x="4057650" y="3971925"/>
-                <a:ext cx="1733550" cy="952500"/>
-              </a:xfrm>
-              <a:prstGeom prst="ellipse">
-                <a:avLst/>
-              </a:prstGeom>
-              <a:solidFill>
-                <a:schemeClr val="accent4">
-                  <a:alpha val="50000"/>
-                </a:schemeClr>
-              </a:solidFill>
-              <a:ln>
-                <a:noFill/>
-              </a:ln>
-            </p:spPr>
-            <p:style>
-              <a:lnRef idx="0">
-                <a:scrgbClr r="0" g="0" b="0"/>
-              </a:lnRef>
-              <a:fillRef idx="0">
-                <a:scrgbClr r="0" g="0" b="0"/>
-              </a:fillRef>
-              <a:effectRef idx="0">
-                <a:scrgbClr r="0" g="0" b="0"/>
-              </a:effectRef>
-              <a:fontRef idx="minor">
-                <a:schemeClr val="lt1"/>
-              </a:fontRef>
-            </p:style>
-            <p:txBody>
-              <a:bodyPr rtlCol="0" anchor="ctr"/>
-              <a:lstStyle/>
-              <a:p>
-                <a:pPr algn="ctr"/>
-                <a:r>
-                  <a:rPr lang="en-US" altLang="ko-KR" dirty="0" err="1"/>
-                  <a:t>Copy2</a:t>
-                </a:r>
-                <a:r>
-                  <a:rPr lang="en-US" altLang="ko-KR" dirty="0"/>
-                  <a:t> $RET</a:t>
-                </a:r>
-                <a:endParaRPr lang="ko-KR" altLang="en-US" dirty="0"/>
-              </a:p>
-            </p:txBody>
-          </p:sp>
-          <p:cxnSp>
-            <p:nvCxnSpPr>
-              <p:cNvPr id="14" name="연결선: 꺾임 13">
-                <a:extLst>
-                  <a:ext uri="{FF2B5EF4-FFF2-40B4-BE49-F238E27FC236}">
-                    <a16:creationId xmlns:a16="http://schemas.microsoft.com/office/drawing/2014/main" id="{AA5A9BF2-AF58-9F27-CB69-91D64393C28C}"/>
-                  </a:ext>
-                </a:extLst>
-              </p:cNvPr>
-              <p:cNvCxnSpPr>
-                <a:stCxn id="11" idx="5"/>
-                <a:endCxn id="12" idx="1"/>
-              </p:cNvCxnSpPr>
-              <p:nvPr/>
-            </p:nvCxnSpPr>
-            <p:spPr>
-              <a:xfrm rot="16200000" flipH="1">
-                <a:off x="3141873" y="2941764"/>
-                <a:ext cx="821905" cy="1517396"/>
-              </a:xfrm>
-              <a:prstGeom prst="bentConnector3">
-                <a:avLst/>
-              </a:prstGeom>
-              <a:ln>
-                <a:tailEnd type="triangle"/>
-              </a:ln>
-            </p:spPr>
-            <p:style>
-              <a:lnRef idx="1">
-                <a:schemeClr val="accent4"/>
-              </a:lnRef>
-              <a:fillRef idx="0">
-                <a:schemeClr val="accent4"/>
-              </a:fillRef>
-              <a:effectRef idx="0">
-                <a:schemeClr val="accent4"/>
-              </a:effectRef>
-              <a:fontRef idx="minor">
-                <a:schemeClr val="tx1"/>
-              </a:fontRef>
-            </p:style>
-          </p:cxnSp>
-        </p:grpSp>
-      </p:grpSp>
-      <p:sp>
-        <p:nvSpPr>
-          <p:cNvPr id="9" name="사각형: 모서리가 접힌 도형 8">
-            <a:extLst>
-              <a:ext uri="{FF2B5EF4-FFF2-40B4-BE49-F238E27FC236}">
-                <a16:creationId xmlns:a16="http://schemas.microsoft.com/office/drawing/2014/main" id="{CD4551F7-015D-C082-6A49-B87E9C21A9AC}"/>
-              </a:ext>
-            </a:extLst>
-          </p:cNvPr>
-          <p:cNvSpPr/>
-          <p:nvPr/>
-        </p:nvSpPr>
-        <p:spPr>
-          <a:xfrm>
-            <a:off x="9316310" y="2557743"/>
-            <a:ext cx="2437946" cy="1223682"/>
-          </a:xfrm>
-          <a:prstGeom prst="foldedCorner">
-            <a:avLst/>
-          </a:prstGeom>
-          <a:solidFill>
-            <a:schemeClr val="accent3">
-              <a:alpha val="50000"/>
-            </a:schemeClr>
-          </a:solidFill>
-          <a:ln>
-            <a:noFill/>
-          </a:ln>
-        </p:spPr>
-        <p:style>
-          <a:lnRef idx="0">
-            <a:scrgbClr r="0" g="0" b="0"/>
-          </a:lnRef>
-          <a:fillRef idx="0">
-            <a:scrgbClr r="0" g="0" b="0"/>
-          </a:fillRef>
-          <a:effectRef idx="0">
-            <a:scrgbClr r="0" g="0" b="0"/>
-          </a:effectRef>
-          <a:fontRef idx="minor">
-            <a:schemeClr val="lt1"/>
-          </a:fontRef>
-        </p:style>
-        <p:txBody>
-          <a:bodyPr rtlCol="0" anchor="ctr"/>
-          <a:lstStyle/>
-          <a:p>
-            <a:pPr algn="ctr"/>
-            <a:r>
-              <a:rPr lang="en-US" altLang="ko-KR" dirty="0"/>
-              <a:t>lib/Cylinder/Single </a:t>
-            </a:r>
-          </a:p>
-          <a:p>
-            <a:pPr algn="ctr"/>
-            <a:r>
-              <a:rPr lang="en-US" altLang="ko-KR" dirty="0"/>
-              <a:t>[</a:t>
-            </a:r>
-            <a:r>
-              <a:rPr lang="en-US" altLang="ko-KR" dirty="0" err="1"/>
-              <a:t>Copy1</a:t>
-            </a:r>
-            <a:r>
-              <a:rPr lang="en-US" altLang="ko-KR" dirty="0"/>
-              <a:t>; </a:t>
-            </a:r>
-            <a:r>
-              <a:rPr lang="en-US" altLang="ko-KR" dirty="0" err="1"/>
-              <a:t>Copy2</a:t>
-            </a:r>
-            <a:r>
-              <a:rPr lang="en-US" altLang="ko-KR" dirty="0"/>
-              <a:t>]</a:t>
-            </a:r>
-            <a:endParaRPr lang="ko-KR" altLang="en-US" dirty="0"/>
-          </a:p>
-        </p:txBody>
-      </p:sp>
-      <p:sp>
-        <p:nvSpPr>
-          <p:cNvPr id="4" name="TextBox 3">
-            <a:extLst>
-              <a:ext uri="{FF2B5EF4-FFF2-40B4-BE49-F238E27FC236}">
-                <a16:creationId xmlns:a16="http://schemas.microsoft.com/office/drawing/2014/main" id="{9A03A722-5833-954B-9CFC-4E8A59AE5C36}"/>
-              </a:ext>
-            </a:extLst>
-          </p:cNvPr>
-          <p:cNvSpPr txBox="1"/>
-          <p:nvPr/>
-        </p:nvSpPr>
-        <p:spPr>
-          <a:xfrm>
-            <a:off x="6781801" y="1860544"/>
-            <a:ext cx="5410199" cy="646331"/>
-          </a:xfrm>
-          <a:prstGeom prst="rect">
-            <a:avLst/>
-          </a:prstGeom>
-          <a:noFill/>
-        </p:spPr>
-        <p:txBody>
-          <a:bodyPr wrap="square">
-            <a:spAutoFit/>
-          </a:bodyPr>
-          <a:lstStyle/>
-          <a:p>
-            <a:r>
-              <a:rPr lang="ko-KR" altLang="en-US" dirty="0"/>
-              <a:t>확장정의</a:t>
-            </a:r>
-            <a:r>
-              <a:rPr lang="en-US" altLang="ko-KR" dirty="0"/>
-              <a:t>1 : </a:t>
-            </a:r>
-            <a:r>
-              <a:rPr lang="ko-KR" altLang="en-US" dirty="0"/>
-              <a:t>복수의 </a:t>
-            </a:r>
-            <a:r>
-              <a:rPr lang="en-US" altLang="ko-KR" dirty="0"/>
-              <a:t>Copy</a:t>
-            </a:r>
-            <a:r>
-              <a:rPr lang="ko-KR" altLang="en-US" dirty="0"/>
-              <a:t>시스템을 만들 수 있다</a:t>
-            </a:r>
-            <a:r>
-              <a:rPr lang="en-US" altLang="ko-KR" dirty="0"/>
-              <a:t>.</a:t>
-            </a:r>
-          </a:p>
-          <a:p>
-            <a:r>
-              <a:rPr lang="en-US" altLang="ko-KR" dirty="0"/>
-              <a:t>‘ ; ‘  </a:t>
-            </a:r>
-            <a:r>
-              <a:rPr lang="ko-KR" altLang="en-US" dirty="0"/>
-              <a:t>구분하여 여러 시스템 로딩 한다</a:t>
-            </a:r>
-            <a:r>
-              <a:rPr lang="en-US" altLang="ko-KR" dirty="0"/>
-              <a:t>.</a:t>
-            </a:r>
-            <a:endParaRPr lang="ko-KR" altLang="en-US" dirty="0"/>
-          </a:p>
-        </p:txBody>
-      </p:sp>
-    </p:spTree>
-    <p:extLst>
-      <p:ext uri="{BB962C8B-B14F-4D97-AF65-F5344CB8AC3E}">
-        <p14:creationId xmlns:p14="http://schemas.microsoft.com/office/powerpoint/2010/main" val="2157853785"/>
       </p:ext>
     </p:extLst>
   </p:cSld>

--- a/DsDotNet/src/UnitTest/UnitTest.Model/ImportOfficeExample/Sample/s.pptx
+++ b/DsDotNet/src/UnitTest/UnitTest.Model/ImportOfficeExample/Sample/s.pptx
@@ -233,7 +233,7 @@
           <a:p>
             <a:fld id="{DD503887-5801-43A0-AEF9-041E8DDC2558}" type="datetimeFigureOut">
               <a:rPr lang="ko-KR" altLang="en-US" smtClean="0"/>
-              <a:t>2023-05-02</a:t>
+              <a:t>2023-06-13</a:t>
             </a:fld>
             <a:endParaRPr lang="ko-KR" altLang="en-US" dirty="0"/>
           </a:p>
@@ -410,7 +410,7 @@
           <a:p>
             <a:fld id="{95336A0E-57B1-4D4C-BD9B-2F72B5943464}" type="datetimeFigureOut">
               <a:rPr lang="ko-KR" altLang="en-US" smtClean="0"/>
-              <a:t>2023-05-02</a:t>
+              <a:t>2023-06-13</a:t>
             </a:fld>
             <a:endParaRPr lang="ko-KR" altLang="en-US" dirty="0"/>
           </a:p>
@@ -908,7 +908,7 @@
           <a:p>
             <a:fld id="{229D12C7-0FF5-4972-A033-474EFFC79F40}" type="datetime1">
               <a:rPr lang="ko-KR" altLang="en-US" smtClean="0"/>
-              <a:t>2023-05-02</a:t>
+              <a:t>2023-06-13</a:t>
             </a:fld>
             <a:endParaRPr lang="ko-KR" altLang="en-US" dirty="0"/>
           </a:p>
@@ -1106,7 +1106,7 @@
           <a:p>
             <a:fld id="{5BA19FD4-B052-4F56-8FD8-EAFD078DEFB0}" type="datetime1">
               <a:rPr lang="ko-KR" altLang="en-US" smtClean="0"/>
-              <a:t>2023-05-02</a:t>
+              <a:t>2023-06-13</a:t>
             </a:fld>
             <a:endParaRPr lang="ko-KR" altLang="en-US" dirty="0"/>
           </a:p>
@@ -1314,7 +1314,7 @@
           <a:p>
             <a:fld id="{024994B9-23A6-4B0A-A038-AC140E83DAA3}" type="datetime1">
               <a:rPr lang="ko-KR" altLang="en-US" smtClean="0"/>
-              <a:t>2023-05-02</a:t>
+              <a:t>2023-06-13</a:t>
             </a:fld>
             <a:endParaRPr lang="ko-KR" altLang="en-US" dirty="0"/>
           </a:p>
@@ -1456,7 +1456,7 @@
           <a:p>
             <a:fld id="{B5B1BBC2-B738-4C35-AEE5-660EB2DEB482}" type="datetime1">
               <a:rPr lang="ko-KR" altLang="en-US" smtClean="0"/>
-              <a:t>2023-05-02</a:t>
+              <a:t>2023-06-13</a:t>
             </a:fld>
             <a:endParaRPr lang="ko-KR" altLang="en-US" dirty="0"/>
           </a:p>
@@ -6123,7 +6123,7 @@
           <a:p>
             <a:fld id="{70D0DAB2-87CB-4028-B965-3AA710ADF2CB}" type="datetime1">
               <a:rPr lang="ko-KR" altLang="en-US" smtClean="0"/>
-              <a:t>2023-05-02</a:t>
+              <a:t>2023-06-13</a:t>
             </a:fld>
             <a:endParaRPr lang="ko-KR" altLang="en-US" dirty="0"/>
           </a:p>
@@ -6398,7 +6398,7 @@
           <a:p>
             <a:fld id="{63FA3D71-FEA8-477F-9D1E-EA860F411BC7}" type="datetime1">
               <a:rPr lang="ko-KR" altLang="en-US" smtClean="0"/>
-              <a:t>2023-05-02</a:t>
+              <a:t>2023-06-13</a:t>
             </a:fld>
             <a:endParaRPr lang="ko-KR" altLang="en-US" dirty="0"/>
           </a:p>
@@ -6663,7 +6663,7 @@
           <a:p>
             <a:fld id="{F58E3EF4-7980-4C97-BA64-EC66995BB574}" type="datetime1">
               <a:rPr lang="ko-KR" altLang="en-US" smtClean="0"/>
-              <a:t>2023-05-02</a:t>
+              <a:t>2023-06-13</a:t>
             </a:fld>
             <a:endParaRPr lang="ko-KR" altLang="en-US" dirty="0"/>
           </a:p>
@@ -7075,7 +7075,7 @@
           <a:p>
             <a:fld id="{FC9BC1D0-7D6B-4634-9D19-644040D74EAE}" type="datetime1">
               <a:rPr lang="ko-KR" altLang="en-US" smtClean="0"/>
-              <a:t>2023-05-02</a:t>
+              <a:t>2023-06-13</a:t>
             </a:fld>
             <a:endParaRPr lang="ko-KR" altLang="en-US" dirty="0"/>
           </a:p>
@@ -7216,7 +7216,7 @@
           <a:p>
             <a:fld id="{B5B1BBC2-B738-4C35-AEE5-660EB2DEB482}" type="datetime1">
               <a:rPr lang="ko-KR" altLang="en-US" smtClean="0"/>
-              <a:t>2023-05-02</a:t>
+              <a:t>2023-06-13</a:t>
             </a:fld>
             <a:endParaRPr lang="ko-KR" altLang="en-US" dirty="0"/>
           </a:p>
@@ -11798,7 +11798,7 @@
           <a:p>
             <a:fld id="{C60E9F93-7E77-4F36-B88C-A425F00C8D91}" type="datetime1">
               <a:rPr lang="ko-KR" altLang="en-US" smtClean="0"/>
-              <a:t>2023-05-02</a:t>
+              <a:t>2023-06-13</a:t>
             </a:fld>
             <a:endParaRPr lang="ko-KR" altLang="en-US" dirty="0"/>
           </a:p>
@@ -12109,7 +12109,7 @@
           <a:p>
             <a:fld id="{36BCCD0E-2A54-4016-BFFC-FEAABCDA6915}" type="datetime1">
               <a:rPr lang="ko-KR" altLang="en-US" smtClean="0"/>
-              <a:t>2023-05-02</a:t>
+              <a:t>2023-06-13</a:t>
             </a:fld>
             <a:endParaRPr lang="ko-KR" altLang="en-US" dirty="0"/>
           </a:p>
@@ -12397,7 +12397,7 @@
           <a:p>
             <a:fld id="{C984B0C4-64BA-4E4C-B5E6-A51EE3F6ED95}" type="datetime1">
               <a:rPr lang="ko-KR" altLang="en-US" smtClean="0"/>
-              <a:t>2023-05-02</a:t>
+              <a:t>2023-06-13</a:t>
             </a:fld>
             <a:endParaRPr lang="ko-KR" altLang="en-US" dirty="0"/>
           </a:p>
@@ -12639,7 +12639,7 @@
           <a:p>
             <a:fld id="{C984B0C4-64BA-4E4C-B5E6-A51EE3F6ED95}" type="datetime1">
               <a:rPr lang="ko-KR" altLang="en-US" smtClean="0"/>
-              <a:t>2023-05-02</a:t>
+              <a:t>2023-06-13</a:t>
             </a:fld>
             <a:endParaRPr lang="ko-KR" altLang="en-US" dirty="0"/>
           </a:p>
@@ -19681,7 +19681,7 @@
         </p:nvSpPr>
         <p:spPr>
           <a:xfrm>
-            <a:off x="3367314" y="2622445"/>
+            <a:off x="3227977" y="2274697"/>
             <a:ext cx="1103086" cy="1066431"/>
           </a:xfrm>
           <a:prstGeom prst="rect">
@@ -19812,9 +19812,9 @@
           <p:nvPr/>
         </p:nvCxnSpPr>
         <p:spPr>
-          <a:xfrm>
-            <a:off x="1796211" y="2807914"/>
-            <a:ext cx="1571103" cy="347747"/>
+          <a:xfrm flipV="1">
+            <a:off x="1796211" y="2807913"/>
+            <a:ext cx="1431766" cy="1"/>
           </a:xfrm>
           <a:prstGeom prst="bentConnector3">
             <a:avLst>
@@ -19822,7 +19822,118 @@
             </a:avLst>
           </a:prstGeom>
           <a:ln>
-            <a:tailEnd type="triangle"/>
+            <a:headEnd type="none" w="med" len="med"/>
+            <a:tailEnd type="triangle" w="med" len="med"/>
+          </a:ln>
+        </p:spPr>
+        <p:style>
+          <a:lnRef idx="1">
+            <a:schemeClr val="accent1"/>
+          </a:lnRef>
+          <a:fillRef idx="0">
+            <a:schemeClr val="accent1"/>
+          </a:fillRef>
+          <a:effectRef idx="0">
+            <a:schemeClr val="accent1"/>
+          </a:effectRef>
+          <a:fontRef idx="minor">
+            <a:schemeClr val="tx1"/>
+          </a:fontRef>
+        </p:style>
+      </p:cxnSp>
+      <p:sp>
+        <p:nvSpPr>
+          <p:cNvPr id="3" name="직사각형 2">
+            <a:extLst>
+              <a:ext uri="{FF2B5EF4-FFF2-40B4-BE49-F238E27FC236}">
+                <a16:creationId xmlns:a16="http://schemas.microsoft.com/office/drawing/2014/main" id="{92973B4E-6265-CB2E-D836-18E58A7D6F40}"/>
+              </a:ext>
+            </a:extLst>
+          </p:cNvPr>
+          <p:cNvSpPr/>
+          <p:nvPr/>
+        </p:nvSpPr>
+        <p:spPr>
+          <a:xfrm>
+            <a:off x="5476596" y="2274696"/>
+            <a:ext cx="1103086" cy="1066431"/>
+          </a:xfrm>
+          <a:prstGeom prst="rect">
+            <a:avLst/>
+          </a:prstGeom>
+          <a:solidFill>
+            <a:schemeClr val="accent4">
+              <a:alpha val="50000"/>
+            </a:schemeClr>
+          </a:solidFill>
+          <a:ln>
+            <a:noFill/>
+          </a:ln>
+        </p:spPr>
+        <p:style>
+          <a:lnRef idx="0">
+            <a:scrgbClr r="0" g="0" b="0"/>
+          </a:lnRef>
+          <a:fillRef idx="0">
+            <a:scrgbClr r="0" g="0" b="0"/>
+          </a:fillRef>
+          <a:effectRef idx="0">
+            <a:scrgbClr r="0" g="0" b="0"/>
+          </a:effectRef>
+          <a:fontRef idx="minor">
+            <a:schemeClr val="lt1"/>
+          </a:fontRef>
+        </p:style>
+        <p:txBody>
+          <a:bodyPr rtlCol="0" anchor="ctr"/>
+          <a:lstStyle/>
+          <a:p>
+            <a:pPr algn="ctr"/>
+            <a:r>
+              <a:rPr lang="en-US" altLang="ko-KR" sz="1600" dirty="0">
+                <a:solidFill>
+                  <a:schemeClr val="tx1"/>
+                </a:solidFill>
+              </a:rPr>
+              <a:t>R3</a:t>
+            </a:r>
+            <a:endParaRPr lang="ko-KR" altLang="en-US" sz="1600" dirty="0">
+              <a:solidFill>
+                <a:schemeClr val="tx1"/>
+              </a:solidFill>
+            </a:endParaRPr>
+          </a:p>
+        </p:txBody>
+      </p:sp>
+      <p:cxnSp>
+        <p:nvCxnSpPr>
+          <p:cNvPr id="4" name="연결선: 꺾임 3">
+            <a:extLst>
+              <a:ext uri="{FF2B5EF4-FFF2-40B4-BE49-F238E27FC236}">
+                <a16:creationId xmlns:a16="http://schemas.microsoft.com/office/drawing/2014/main" id="{BCCD389C-495C-4C89-F008-87C44EB90BB5}"/>
+              </a:ext>
+            </a:extLst>
+          </p:cNvPr>
+          <p:cNvCxnSpPr>
+            <a:cxnSpLocks/>
+            <a:stCxn id="56" idx="3"/>
+            <a:endCxn id="3" idx="1"/>
+          </p:cNvCxnSpPr>
+          <p:nvPr/>
+        </p:nvCxnSpPr>
+        <p:spPr>
+          <a:xfrm flipV="1">
+            <a:off x="4331063" y="2807912"/>
+            <a:ext cx="1145533" cy="1"/>
+          </a:xfrm>
+          <a:prstGeom prst="bentConnector3">
+            <a:avLst>
+              <a:gd name="adj1" fmla="val 50000"/>
+            </a:avLst>
+          </a:prstGeom>
+          <a:ln>
+            <a:headEnd type="none" w="med" len="med"/>
+            <a:tailEnd type="triangle" w="med" len="med"/>
           </a:ln>
         </p:spPr>
         <p:style>

--- a/DsDotNet/src/UnitTest/UnitTest.Model/ImportOfficeExample/Sample/s.pptx
+++ b/DsDotNet/src/UnitTest/UnitTest.Model/ImportOfficeExample/Sample/s.pptx
@@ -19667,12 +19667,141 @@
           </a:p>
         </p:txBody>
       </p:sp>
+      <p:cxnSp>
+        <p:nvCxnSpPr>
+          <p:cNvPr id="88" name="직선 화살표 연결선 87">
+            <a:extLst>
+              <a:ext uri="{FF2B5EF4-FFF2-40B4-BE49-F238E27FC236}">
+                <a16:creationId xmlns:a16="http://schemas.microsoft.com/office/drawing/2014/main" id="{24EB2559-5269-758A-43DC-8F070D695E5C}"/>
+              </a:ext>
+            </a:extLst>
+          </p:cNvPr>
+          <p:cNvCxnSpPr>
+            <a:cxnSpLocks/>
+            <a:stCxn id="94" idx="3"/>
+            <a:endCxn id="91" idx="1"/>
+          </p:cNvCxnSpPr>
+          <p:nvPr/>
+        </p:nvCxnSpPr>
+        <p:spPr>
+          <a:xfrm>
+            <a:off x="4789355" y="4229382"/>
+            <a:ext cx="1306645" cy="9623"/>
+          </a:xfrm>
+          <a:prstGeom prst="straightConnector1">
+            <a:avLst/>
+          </a:prstGeom>
+          <a:ln w="28575">
+            <a:tailEnd type="triangle"/>
+          </a:ln>
+        </p:spPr>
+        <p:style>
+          <a:lnRef idx="1">
+            <a:schemeClr val="accent6"/>
+          </a:lnRef>
+          <a:fillRef idx="0">
+            <a:schemeClr val="accent6"/>
+          </a:fillRef>
+          <a:effectRef idx="0">
+            <a:schemeClr val="accent6"/>
+          </a:effectRef>
+          <a:fontRef idx="minor">
+            <a:schemeClr val="tx1"/>
+          </a:fontRef>
+        </p:style>
+      </p:cxnSp>
+      <p:cxnSp>
+        <p:nvCxnSpPr>
+          <p:cNvPr id="89" name="연결선: 꺾임 88">
+            <a:extLst>
+              <a:ext uri="{FF2B5EF4-FFF2-40B4-BE49-F238E27FC236}">
+                <a16:creationId xmlns:a16="http://schemas.microsoft.com/office/drawing/2014/main" id="{70E19988-A560-1C73-A9DA-A98263654D7A}"/>
+              </a:ext>
+            </a:extLst>
+          </p:cNvPr>
+          <p:cNvCxnSpPr>
+            <a:cxnSpLocks/>
+            <a:stCxn id="95" idx="3"/>
+            <a:endCxn id="92" idx="1"/>
+          </p:cNvCxnSpPr>
+          <p:nvPr/>
+        </p:nvCxnSpPr>
+        <p:spPr>
+          <a:xfrm>
+            <a:off x="4789355" y="3092650"/>
+            <a:ext cx="1306645" cy="314171"/>
+          </a:xfrm>
+          <a:prstGeom prst="bentConnector3">
+            <a:avLst/>
+          </a:prstGeom>
+          <a:ln w="28575">
+            <a:tailEnd type="triangle"/>
+          </a:ln>
+        </p:spPr>
+        <p:style>
+          <a:lnRef idx="1">
+            <a:schemeClr val="accent6"/>
+          </a:lnRef>
+          <a:fillRef idx="0">
+            <a:schemeClr val="accent6"/>
+          </a:fillRef>
+          <a:effectRef idx="0">
+            <a:schemeClr val="accent6"/>
+          </a:effectRef>
+          <a:fontRef idx="minor">
+            <a:schemeClr val="tx1"/>
+          </a:fontRef>
+        </p:style>
+      </p:cxnSp>
+      <p:cxnSp>
+        <p:nvCxnSpPr>
+          <p:cNvPr id="90" name="연결선: 꺾임 89">
+            <a:extLst>
+              <a:ext uri="{FF2B5EF4-FFF2-40B4-BE49-F238E27FC236}">
+                <a16:creationId xmlns:a16="http://schemas.microsoft.com/office/drawing/2014/main" id="{F3298B17-7A27-A38B-AA62-F0F7A08EE1D0}"/>
+              </a:ext>
+            </a:extLst>
+          </p:cNvPr>
+          <p:cNvCxnSpPr>
+            <a:cxnSpLocks/>
+            <a:stCxn id="93" idx="3"/>
+            <a:endCxn id="92" idx="1"/>
+          </p:cNvCxnSpPr>
+          <p:nvPr/>
+        </p:nvCxnSpPr>
+        <p:spPr>
+          <a:xfrm flipV="1">
+            <a:off x="4789355" y="3406821"/>
+            <a:ext cx="1306645" cy="260927"/>
+          </a:xfrm>
+          <a:prstGeom prst="bentConnector3">
+            <a:avLst/>
+          </a:prstGeom>
+          <a:ln w="28575">
+            <a:tailEnd type="triangle"/>
+          </a:ln>
+        </p:spPr>
+        <p:style>
+          <a:lnRef idx="1">
+            <a:schemeClr val="accent6"/>
+          </a:lnRef>
+          <a:fillRef idx="0">
+            <a:schemeClr val="accent6"/>
+          </a:fillRef>
+          <a:effectRef idx="0">
+            <a:schemeClr val="accent6"/>
+          </a:effectRef>
+          <a:fontRef idx="minor">
+            <a:schemeClr val="tx1"/>
+          </a:fontRef>
+        </p:style>
+      </p:cxnSp>
       <p:sp>
         <p:nvSpPr>
-          <p:cNvPr id="56" name="직사각형 55">
-            <a:extLst>
-              <a:ext uri="{FF2B5EF4-FFF2-40B4-BE49-F238E27FC236}">
-                <a16:creationId xmlns:a16="http://schemas.microsoft.com/office/drawing/2014/main" id="{B59930BF-EFE8-0861-D55E-FEAC7FD46A32}"/>
+          <p:cNvPr id="91" name="직사각형 90">
+            <a:extLst>
+              <a:ext uri="{FF2B5EF4-FFF2-40B4-BE49-F238E27FC236}">
+                <a16:creationId xmlns:a16="http://schemas.microsoft.com/office/drawing/2014/main" id="{1902CC42-6799-D372-F372-07BB72F2BF14}"/>
               </a:ext>
             </a:extLst>
           </p:cNvPr>
@@ -19681,30 +19810,24 @@
         </p:nvSpPr>
         <p:spPr>
           <a:xfrm>
-            <a:off x="3227977" y="2274697"/>
-            <a:ext cx="1103086" cy="1066431"/>
+            <a:off x="6096000" y="3991314"/>
+            <a:ext cx="847742" cy="495381"/>
           </a:xfrm>
           <a:prstGeom prst="rect">
             <a:avLst/>
           </a:prstGeom>
-          <a:solidFill>
-            <a:schemeClr val="accent4">
-              <a:alpha val="50000"/>
-            </a:schemeClr>
-          </a:solidFill>
-          <a:ln>
-            <a:noFill/>
-          </a:ln>
         </p:spPr>
         <p:style>
-          <a:lnRef idx="0">
-            <a:scrgbClr r="0" g="0" b="0"/>
+          <a:lnRef idx="2">
+            <a:schemeClr val="accent1">
+              <a:shade val="15000"/>
+            </a:schemeClr>
           </a:lnRef>
-          <a:fillRef idx="0">
-            <a:scrgbClr r="0" g="0" b="0"/>
+          <a:fillRef idx="1">
+            <a:schemeClr val="accent1"/>
           </a:fillRef>
           <a:effectRef idx="0">
-            <a:scrgbClr r="0" g="0" b="0"/>
+            <a:schemeClr val="accent1"/>
           </a:effectRef>
           <a:fontRef idx="minor">
             <a:schemeClr val="lt1"/>
@@ -19716,27 +19839,19 @@
           <a:p>
             <a:pPr algn="ctr"/>
             <a:r>
-              <a:rPr lang="en-US" altLang="ko-KR" sz="1600" dirty="0">
-                <a:solidFill>
-                  <a:schemeClr val="tx1"/>
-                </a:solidFill>
-              </a:rPr>
-              <a:t>R2</a:t>
-            </a:r>
-            <a:endParaRPr lang="ko-KR" altLang="en-US" sz="1600" dirty="0">
-              <a:solidFill>
-                <a:schemeClr val="tx1"/>
-              </a:solidFill>
-            </a:endParaRPr>
+              <a:rPr lang="en-US" altLang="ko-KR" dirty="0"/>
+              <a:t>R4</a:t>
+            </a:r>
+            <a:endParaRPr lang="ko-KR" altLang="en-US" dirty="0"/>
           </a:p>
         </p:txBody>
       </p:sp>
       <p:sp>
         <p:nvSpPr>
-          <p:cNvPr id="10" name="직사각형 9">
-            <a:extLst>
-              <a:ext uri="{FF2B5EF4-FFF2-40B4-BE49-F238E27FC236}">
-                <a16:creationId xmlns:a16="http://schemas.microsoft.com/office/drawing/2014/main" id="{E85E75D1-2DF9-FB75-21C7-741E94A65347}"/>
+          <p:cNvPr id="92" name="직사각형 91">
+            <a:extLst>
+              <a:ext uri="{FF2B5EF4-FFF2-40B4-BE49-F238E27FC236}">
+                <a16:creationId xmlns:a16="http://schemas.microsoft.com/office/drawing/2014/main" id="{E327010F-2C68-B84D-87C3-1BF729A7800F}"/>
               </a:ext>
             </a:extLst>
           </p:cNvPr>
@@ -19745,30 +19860,24 @@
         </p:nvSpPr>
         <p:spPr>
           <a:xfrm>
-            <a:off x="693125" y="2274698"/>
-            <a:ext cx="1103086" cy="1066431"/>
+            <a:off x="6096000" y="3159130"/>
+            <a:ext cx="847742" cy="495381"/>
           </a:xfrm>
           <a:prstGeom prst="rect">
             <a:avLst/>
           </a:prstGeom>
-          <a:solidFill>
-            <a:schemeClr val="accent4">
-              <a:alpha val="50000"/>
-            </a:schemeClr>
-          </a:solidFill>
-          <a:ln>
-            <a:noFill/>
-          </a:ln>
         </p:spPr>
         <p:style>
-          <a:lnRef idx="0">
-            <a:scrgbClr r="0" g="0" b="0"/>
+          <a:lnRef idx="2">
+            <a:schemeClr val="accent1">
+              <a:shade val="15000"/>
+            </a:schemeClr>
           </a:lnRef>
-          <a:fillRef idx="0">
-            <a:scrgbClr r="0" g="0" b="0"/>
+          <a:fillRef idx="1">
+            <a:schemeClr val="accent1"/>
           </a:fillRef>
           <a:effectRef idx="0">
-            <a:scrgbClr r="0" g="0" b="0"/>
+            <a:schemeClr val="accent1"/>
           </a:effectRef>
           <a:fontRef idx="minor">
             <a:schemeClr val="lt1"/>
@@ -19780,73 +19889,19 @@
           <a:p>
             <a:pPr algn="ctr"/>
             <a:r>
-              <a:rPr lang="en-US" altLang="ko-KR" sz="1600" dirty="0">
-                <a:solidFill>
-                  <a:schemeClr val="tx1"/>
-                </a:solidFill>
-              </a:rPr>
-              <a:t>R1</a:t>
-            </a:r>
-            <a:endParaRPr lang="ko-KR" altLang="en-US" sz="1600" dirty="0">
-              <a:solidFill>
-                <a:schemeClr val="tx1"/>
-              </a:solidFill>
-            </a:endParaRPr>
+              <a:rPr lang="en-US" altLang="ko-KR" dirty="0"/>
+              <a:t>R4</a:t>
+            </a:r>
+            <a:endParaRPr lang="ko-KR" altLang="en-US" dirty="0"/>
           </a:p>
         </p:txBody>
       </p:sp>
-      <p:cxnSp>
-        <p:nvCxnSpPr>
-          <p:cNvPr id="13" name="연결선: 꺾임 12">
-            <a:extLst>
-              <a:ext uri="{FF2B5EF4-FFF2-40B4-BE49-F238E27FC236}">
-                <a16:creationId xmlns:a16="http://schemas.microsoft.com/office/drawing/2014/main" id="{2D930A9F-61E6-7F98-35DD-922935F9670D}"/>
-              </a:ext>
-            </a:extLst>
-          </p:cNvPr>
-          <p:cNvCxnSpPr>
-            <a:cxnSpLocks/>
-            <a:stCxn id="10" idx="3"/>
-            <a:endCxn id="56" idx="1"/>
-          </p:cNvCxnSpPr>
-          <p:nvPr/>
-        </p:nvCxnSpPr>
-        <p:spPr>
-          <a:xfrm flipV="1">
-            <a:off x="1796211" y="2807913"/>
-            <a:ext cx="1431766" cy="1"/>
-          </a:xfrm>
-          <a:prstGeom prst="bentConnector3">
-            <a:avLst>
-              <a:gd name="adj1" fmla="val 50000"/>
-            </a:avLst>
-          </a:prstGeom>
-          <a:ln>
-            <a:headEnd type="none" w="med" len="med"/>
-            <a:tailEnd type="triangle" w="med" len="med"/>
-          </a:ln>
-        </p:spPr>
-        <p:style>
-          <a:lnRef idx="1">
-            <a:schemeClr val="accent1"/>
-          </a:lnRef>
-          <a:fillRef idx="0">
-            <a:schemeClr val="accent1"/>
-          </a:fillRef>
-          <a:effectRef idx="0">
-            <a:schemeClr val="accent1"/>
-          </a:effectRef>
-          <a:fontRef idx="minor">
-            <a:schemeClr val="tx1"/>
-          </a:fontRef>
-        </p:style>
-      </p:cxnSp>
       <p:sp>
         <p:nvSpPr>
-          <p:cNvPr id="3" name="직사각형 2">
-            <a:extLst>
-              <a:ext uri="{FF2B5EF4-FFF2-40B4-BE49-F238E27FC236}">
-                <a16:creationId xmlns:a16="http://schemas.microsoft.com/office/drawing/2014/main" id="{92973B4E-6265-CB2E-D836-18E58A7D6F40}"/>
+          <p:cNvPr id="93" name="직사각형 92">
+            <a:extLst>
+              <a:ext uri="{FF2B5EF4-FFF2-40B4-BE49-F238E27FC236}">
+                <a16:creationId xmlns:a16="http://schemas.microsoft.com/office/drawing/2014/main" id="{41A9E054-CB69-A1EE-9530-6C144EE8DD35}"/>
               </a:ext>
             </a:extLst>
           </p:cNvPr>
@@ -19855,30 +19910,24 @@
         </p:nvSpPr>
         <p:spPr>
           <a:xfrm>
-            <a:off x="5476596" y="2274696"/>
-            <a:ext cx="1103086" cy="1066431"/>
+            <a:off x="3941613" y="3420057"/>
+            <a:ext cx="847742" cy="495381"/>
           </a:xfrm>
           <a:prstGeom prst="rect">
             <a:avLst/>
           </a:prstGeom>
-          <a:solidFill>
-            <a:schemeClr val="accent4">
-              <a:alpha val="50000"/>
-            </a:schemeClr>
-          </a:solidFill>
-          <a:ln>
-            <a:noFill/>
-          </a:ln>
         </p:spPr>
         <p:style>
-          <a:lnRef idx="0">
-            <a:scrgbClr r="0" g="0" b="0"/>
+          <a:lnRef idx="2">
+            <a:schemeClr val="accent1">
+              <a:shade val="15000"/>
+            </a:schemeClr>
           </a:lnRef>
-          <a:fillRef idx="0">
-            <a:scrgbClr r="0" g="0" b="0"/>
+          <a:fillRef idx="1">
+            <a:schemeClr val="accent1"/>
           </a:fillRef>
           <a:effectRef idx="0">
-            <a:scrgbClr r="0" g="0" b="0"/>
+            <a:schemeClr val="accent1"/>
           </a:effectRef>
           <a:fontRef idx="minor">
             <a:schemeClr val="lt1"/>
@@ -19890,67 +19939,113 @@
           <a:p>
             <a:pPr algn="ctr"/>
             <a:r>
-              <a:rPr lang="en-US" altLang="ko-KR" sz="1600" dirty="0">
-                <a:solidFill>
-                  <a:schemeClr val="tx1"/>
-                </a:solidFill>
-              </a:rPr>
-              <a:t>R3</a:t>
-            </a:r>
-            <a:endParaRPr lang="ko-KR" altLang="en-US" sz="1600" dirty="0">
-              <a:solidFill>
-                <a:schemeClr val="tx1"/>
-              </a:solidFill>
-            </a:endParaRPr>
+              <a:rPr lang="en-US" altLang="ko-KR" dirty="0"/>
+              <a:t>R2</a:t>
+            </a:r>
+            <a:endParaRPr lang="ko-KR" altLang="en-US" dirty="0"/>
           </a:p>
         </p:txBody>
       </p:sp>
-      <p:cxnSp>
-        <p:nvCxnSpPr>
-          <p:cNvPr id="4" name="연결선: 꺾임 3">
-            <a:extLst>
-              <a:ext uri="{FF2B5EF4-FFF2-40B4-BE49-F238E27FC236}">
-                <a16:creationId xmlns:a16="http://schemas.microsoft.com/office/drawing/2014/main" id="{BCCD389C-495C-4C89-F008-87C44EB90BB5}"/>
-              </a:ext>
-            </a:extLst>
-          </p:cNvPr>
-          <p:cNvCxnSpPr>
-            <a:cxnSpLocks/>
-            <a:stCxn id="56" idx="3"/>
-            <a:endCxn id="3" idx="1"/>
-          </p:cNvCxnSpPr>
+      <p:sp>
+        <p:nvSpPr>
+          <p:cNvPr id="94" name="직사각형 93">
+            <a:extLst>
+              <a:ext uri="{FF2B5EF4-FFF2-40B4-BE49-F238E27FC236}">
+                <a16:creationId xmlns:a16="http://schemas.microsoft.com/office/drawing/2014/main" id="{50002DFC-06DB-5F32-EB21-2D6DF916CB2E}"/>
+              </a:ext>
+            </a:extLst>
+          </p:cNvPr>
+          <p:cNvSpPr/>
           <p:nvPr/>
-        </p:nvCxnSpPr>
+        </p:nvSpPr>
         <p:spPr>
-          <a:xfrm flipV="1">
-            <a:off x="4331063" y="2807912"/>
-            <a:ext cx="1145533" cy="1"/>
+          <a:xfrm>
+            <a:off x="3941613" y="3981691"/>
+            <a:ext cx="847742" cy="495381"/>
           </a:xfrm>
-          <a:prstGeom prst="bentConnector3">
-            <a:avLst>
-              <a:gd name="adj1" fmla="val 50000"/>
-            </a:avLst>
+          <a:prstGeom prst="rect">
+            <a:avLst/>
           </a:prstGeom>
-          <a:ln>
-            <a:headEnd type="none" w="med" len="med"/>
-            <a:tailEnd type="triangle" w="med" len="med"/>
-          </a:ln>
         </p:spPr>
         <p:style>
-          <a:lnRef idx="1">
-            <a:schemeClr val="accent1"/>
+          <a:lnRef idx="2">
+            <a:schemeClr val="accent1">
+              <a:shade val="15000"/>
+            </a:schemeClr>
           </a:lnRef>
-          <a:fillRef idx="0">
+          <a:fillRef idx="1">
             <a:schemeClr val="accent1"/>
           </a:fillRef>
           <a:effectRef idx="0">
             <a:schemeClr val="accent1"/>
           </a:effectRef>
           <a:fontRef idx="minor">
-            <a:schemeClr val="tx1"/>
+            <a:schemeClr val="lt1"/>
           </a:fontRef>
         </p:style>
-      </p:cxnSp>
+        <p:txBody>
+          <a:bodyPr rtlCol="0" anchor="ctr"/>
+          <a:lstStyle/>
+          <a:p>
+            <a:pPr algn="ctr"/>
+            <a:r>
+              <a:rPr lang="en-US" altLang="ko-KR" dirty="0"/>
+              <a:t>R3</a:t>
+            </a:r>
+            <a:endParaRPr lang="ko-KR" altLang="en-US" dirty="0"/>
+          </a:p>
+        </p:txBody>
+      </p:sp>
+      <p:sp>
+        <p:nvSpPr>
+          <p:cNvPr id="95" name="직사각형 94">
+            <a:extLst>
+              <a:ext uri="{FF2B5EF4-FFF2-40B4-BE49-F238E27FC236}">
+                <a16:creationId xmlns:a16="http://schemas.microsoft.com/office/drawing/2014/main" id="{41E17FE5-DDC3-2623-5242-55F82FBEE655}"/>
+              </a:ext>
+            </a:extLst>
+          </p:cNvPr>
+          <p:cNvSpPr/>
+          <p:nvPr/>
+        </p:nvSpPr>
+        <p:spPr>
+          <a:xfrm>
+            <a:off x="3941613" y="2844959"/>
+            <a:ext cx="847742" cy="495381"/>
+          </a:xfrm>
+          <a:prstGeom prst="rect">
+            <a:avLst/>
+          </a:prstGeom>
+        </p:spPr>
+        <p:style>
+          <a:lnRef idx="2">
+            <a:schemeClr val="accent1">
+              <a:shade val="15000"/>
+            </a:schemeClr>
+          </a:lnRef>
+          <a:fillRef idx="1">
+            <a:schemeClr val="accent1"/>
+          </a:fillRef>
+          <a:effectRef idx="0">
+            <a:schemeClr val="accent1"/>
+          </a:effectRef>
+          <a:fontRef idx="minor">
+            <a:schemeClr val="lt1"/>
+          </a:fontRef>
+        </p:style>
+        <p:txBody>
+          <a:bodyPr rtlCol="0" anchor="ctr"/>
+          <a:lstStyle/>
+          <a:p>
+            <a:pPr algn="ctr"/>
+            <a:r>
+              <a:rPr lang="en-US" altLang="ko-KR" dirty="0"/>
+              <a:t>R1</a:t>
+            </a:r>
+            <a:endParaRPr lang="ko-KR" altLang="en-US" dirty="0"/>
+          </a:p>
+        </p:txBody>
+      </p:sp>
     </p:spTree>
     <p:extLst>
       <p:ext uri="{BB962C8B-B14F-4D97-AF65-F5344CB8AC3E}">

--- a/DsDotNet/src/UnitTest/UnitTest.Model/ImportOfficeExample/Sample/s.pptx
+++ b/DsDotNet/src/UnitTest/UnitTest.Model/ImportOfficeExample/Sample/s.pptx
@@ -19667,135 +19667,6 @@
           </a:p>
         </p:txBody>
       </p:sp>
-      <p:cxnSp>
-        <p:nvCxnSpPr>
-          <p:cNvPr id="88" name="직선 화살표 연결선 87">
-            <a:extLst>
-              <a:ext uri="{FF2B5EF4-FFF2-40B4-BE49-F238E27FC236}">
-                <a16:creationId xmlns:a16="http://schemas.microsoft.com/office/drawing/2014/main" id="{24EB2559-5269-758A-43DC-8F070D695E5C}"/>
-              </a:ext>
-            </a:extLst>
-          </p:cNvPr>
-          <p:cNvCxnSpPr>
-            <a:cxnSpLocks/>
-            <a:stCxn id="94" idx="3"/>
-            <a:endCxn id="91" idx="1"/>
-          </p:cNvCxnSpPr>
-          <p:nvPr/>
-        </p:nvCxnSpPr>
-        <p:spPr>
-          <a:xfrm>
-            <a:off x="4789355" y="4229382"/>
-            <a:ext cx="1306645" cy="9623"/>
-          </a:xfrm>
-          <a:prstGeom prst="straightConnector1">
-            <a:avLst/>
-          </a:prstGeom>
-          <a:ln w="28575">
-            <a:tailEnd type="triangle"/>
-          </a:ln>
-        </p:spPr>
-        <p:style>
-          <a:lnRef idx="1">
-            <a:schemeClr val="accent6"/>
-          </a:lnRef>
-          <a:fillRef idx="0">
-            <a:schemeClr val="accent6"/>
-          </a:fillRef>
-          <a:effectRef idx="0">
-            <a:schemeClr val="accent6"/>
-          </a:effectRef>
-          <a:fontRef idx="minor">
-            <a:schemeClr val="tx1"/>
-          </a:fontRef>
-        </p:style>
-      </p:cxnSp>
-      <p:cxnSp>
-        <p:nvCxnSpPr>
-          <p:cNvPr id="89" name="연결선: 꺾임 88">
-            <a:extLst>
-              <a:ext uri="{FF2B5EF4-FFF2-40B4-BE49-F238E27FC236}">
-                <a16:creationId xmlns:a16="http://schemas.microsoft.com/office/drawing/2014/main" id="{70E19988-A560-1C73-A9DA-A98263654D7A}"/>
-              </a:ext>
-            </a:extLst>
-          </p:cNvPr>
-          <p:cNvCxnSpPr>
-            <a:cxnSpLocks/>
-            <a:stCxn id="95" idx="3"/>
-            <a:endCxn id="92" idx="1"/>
-          </p:cNvCxnSpPr>
-          <p:nvPr/>
-        </p:nvCxnSpPr>
-        <p:spPr>
-          <a:xfrm>
-            <a:off x="4789355" y="3092650"/>
-            <a:ext cx="1306645" cy="314171"/>
-          </a:xfrm>
-          <a:prstGeom prst="bentConnector3">
-            <a:avLst/>
-          </a:prstGeom>
-          <a:ln w="28575">
-            <a:tailEnd type="triangle"/>
-          </a:ln>
-        </p:spPr>
-        <p:style>
-          <a:lnRef idx="1">
-            <a:schemeClr val="accent6"/>
-          </a:lnRef>
-          <a:fillRef idx="0">
-            <a:schemeClr val="accent6"/>
-          </a:fillRef>
-          <a:effectRef idx="0">
-            <a:schemeClr val="accent6"/>
-          </a:effectRef>
-          <a:fontRef idx="minor">
-            <a:schemeClr val="tx1"/>
-          </a:fontRef>
-        </p:style>
-      </p:cxnSp>
-      <p:cxnSp>
-        <p:nvCxnSpPr>
-          <p:cNvPr id="90" name="연결선: 꺾임 89">
-            <a:extLst>
-              <a:ext uri="{FF2B5EF4-FFF2-40B4-BE49-F238E27FC236}">
-                <a16:creationId xmlns:a16="http://schemas.microsoft.com/office/drawing/2014/main" id="{F3298B17-7A27-A38B-AA62-F0F7A08EE1D0}"/>
-              </a:ext>
-            </a:extLst>
-          </p:cNvPr>
-          <p:cNvCxnSpPr>
-            <a:cxnSpLocks/>
-            <a:stCxn id="93" idx="3"/>
-            <a:endCxn id="92" idx="1"/>
-          </p:cNvCxnSpPr>
-          <p:nvPr/>
-        </p:nvCxnSpPr>
-        <p:spPr>
-          <a:xfrm flipV="1">
-            <a:off x="4789355" y="3406821"/>
-            <a:ext cx="1306645" cy="260927"/>
-          </a:xfrm>
-          <a:prstGeom prst="bentConnector3">
-            <a:avLst/>
-          </a:prstGeom>
-          <a:ln w="28575">
-            <a:tailEnd type="triangle"/>
-          </a:ln>
-        </p:spPr>
-        <p:style>
-          <a:lnRef idx="1">
-            <a:schemeClr val="accent6"/>
-          </a:lnRef>
-          <a:fillRef idx="0">
-            <a:schemeClr val="accent6"/>
-          </a:fillRef>
-          <a:effectRef idx="0">
-            <a:schemeClr val="accent6"/>
-          </a:effectRef>
-          <a:fontRef idx="minor">
-            <a:schemeClr val="tx1"/>
-          </a:fontRef>
-        </p:style>
-      </p:cxnSp>
       <p:sp>
         <p:nvSpPr>
           <p:cNvPr id="91" name="직사각형 90">
@@ -19810,7 +19681,7 @@
         </p:nvSpPr>
         <p:spPr>
           <a:xfrm>
-            <a:off x="6096000" y="3991314"/>
+            <a:off x="8250387" y="3981654"/>
             <a:ext cx="847742" cy="495381"/>
           </a:xfrm>
           <a:prstGeom prst="rect">
@@ -19840,107 +19711,7 @@
             <a:pPr algn="ctr"/>
             <a:r>
               <a:rPr lang="en-US" altLang="ko-KR" dirty="0"/>
-              <a:t>R4</a:t>
-            </a:r>
-            <a:endParaRPr lang="ko-KR" altLang="en-US" dirty="0"/>
-          </a:p>
-        </p:txBody>
-      </p:sp>
-      <p:sp>
-        <p:nvSpPr>
-          <p:cNvPr id="92" name="직사각형 91">
-            <a:extLst>
-              <a:ext uri="{FF2B5EF4-FFF2-40B4-BE49-F238E27FC236}">
-                <a16:creationId xmlns:a16="http://schemas.microsoft.com/office/drawing/2014/main" id="{E327010F-2C68-B84D-87C3-1BF729A7800F}"/>
-              </a:ext>
-            </a:extLst>
-          </p:cNvPr>
-          <p:cNvSpPr/>
-          <p:nvPr/>
-        </p:nvSpPr>
-        <p:spPr>
-          <a:xfrm>
-            <a:off x="6096000" y="3159130"/>
-            <a:ext cx="847742" cy="495381"/>
-          </a:xfrm>
-          <a:prstGeom prst="rect">
-            <a:avLst/>
-          </a:prstGeom>
-        </p:spPr>
-        <p:style>
-          <a:lnRef idx="2">
-            <a:schemeClr val="accent1">
-              <a:shade val="15000"/>
-            </a:schemeClr>
-          </a:lnRef>
-          <a:fillRef idx="1">
-            <a:schemeClr val="accent1"/>
-          </a:fillRef>
-          <a:effectRef idx="0">
-            <a:schemeClr val="accent1"/>
-          </a:effectRef>
-          <a:fontRef idx="minor">
-            <a:schemeClr val="lt1"/>
-          </a:fontRef>
-        </p:style>
-        <p:txBody>
-          <a:bodyPr rtlCol="0" anchor="ctr"/>
-          <a:lstStyle/>
-          <a:p>
-            <a:pPr algn="ctr"/>
-            <a:r>
-              <a:rPr lang="en-US" altLang="ko-KR" dirty="0"/>
-              <a:t>R4</a:t>
-            </a:r>
-            <a:endParaRPr lang="ko-KR" altLang="en-US" dirty="0"/>
-          </a:p>
-        </p:txBody>
-      </p:sp>
-      <p:sp>
-        <p:nvSpPr>
-          <p:cNvPr id="93" name="직사각형 92">
-            <a:extLst>
-              <a:ext uri="{FF2B5EF4-FFF2-40B4-BE49-F238E27FC236}">
-                <a16:creationId xmlns:a16="http://schemas.microsoft.com/office/drawing/2014/main" id="{41A9E054-CB69-A1EE-9530-6C144EE8DD35}"/>
-              </a:ext>
-            </a:extLst>
-          </p:cNvPr>
-          <p:cNvSpPr/>
-          <p:nvPr/>
-        </p:nvSpPr>
-        <p:spPr>
-          <a:xfrm>
-            <a:off x="3941613" y="3420057"/>
-            <a:ext cx="847742" cy="495381"/>
-          </a:xfrm>
-          <a:prstGeom prst="rect">
-            <a:avLst/>
-          </a:prstGeom>
-        </p:spPr>
-        <p:style>
-          <a:lnRef idx="2">
-            <a:schemeClr val="accent1">
-              <a:shade val="15000"/>
-            </a:schemeClr>
-          </a:lnRef>
-          <a:fillRef idx="1">
-            <a:schemeClr val="accent1"/>
-          </a:fillRef>
-          <a:effectRef idx="0">
-            <a:schemeClr val="accent1"/>
-          </a:effectRef>
-          <a:fontRef idx="minor">
-            <a:schemeClr val="lt1"/>
-          </a:fontRef>
-        </p:style>
-        <p:txBody>
-          <a:bodyPr rtlCol="0" anchor="ctr"/>
-          <a:lstStyle/>
-          <a:p>
-            <a:pPr algn="ctr"/>
-            <a:r>
-              <a:rPr lang="en-US" altLang="ko-KR" dirty="0"/>
-              <a:t>R2</a:t>
+              <a:t>R3</a:t>
             </a:r>
             <a:endParaRPr lang="ko-KR" altLang="en-US" dirty="0"/>
           </a:p>
@@ -19990,7 +19761,7 @@
             <a:pPr algn="ctr"/>
             <a:r>
               <a:rPr lang="en-US" altLang="ko-KR" dirty="0"/>
-              <a:t>R3</a:t>
+              <a:t>R1</a:t>
             </a:r>
             <a:endParaRPr lang="ko-KR" altLang="en-US" dirty="0"/>
           </a:p>
@@ -19998,10 +19769,10 @@
       </p:sp>
       <p:sp>
         <p:nvSpPr>
-          <p:cNvPr id="95" name="직사각형 94">
-            <a:extLst>
-              <a:ext uri="{FF2B5EF4-FFF2-40B4-BE49-F238E27FC236}">
-                <a16:creationId xmlns:a16="http://schemas.microsoft.com/office/drawing/2014/main" id="{41E17FE5-DDC3-2623-5242-55F82FBEE655}"/>
+          <p:cNvPr id="107" name="직사각형 106">
+            <a:extLst>
+              <a:ext uri="{FF2B5EF4-FFF2-40B4-BE49-F238E27FC236}">
+                <a16:creationId xmlns:a16="http://schemas.microsoft.com/office/drawing/2014/main" id="{915BD835-DF4D-92B2-20EE-E079F839EBBE}"/>
               </a:ext>
             </a:extLst>
           </p:cNvPr>
@@ -20010,7 +19781,7 @@
         </p:nvSpPr>
         <p:spPr>
           <a:xfrm>
-            <a:off x="3941613" y="2844959"/>
+            <a:off x="5921255" y="3998832"/>
             <a:ext cx="847742" cy="495381"/>
           </a:xfrm>
           <a:prstGeom prst="rect">
@@ -20040,12 +19811,106 @@
             <a:pPr algn="ctr"/>
             <a:r>
               <a:rPr lang="en-US" altLang="ko-KR" dirty="0"/>
-              <a:t>R1</a:t>
+              <a:t>R2</a:t>
             </a:r>
             <a:endParaRPr lang="ko-KR" altLang="en-US" dirty="0"/>
           </a:p>
         </p:txBody>
       </p:sp>
+      <p:cxnSp>
+        <p:nvCxnSpPr>
+          <p:cNvPr id="109" name="직선 화살표 연결선 108">
+            <a:extLst>
+              <a:ext uri="{FF2B5EF4-FFF2-40B4-BE49-F238E27FC236}">
+                <a16:creationId xmlns:a16="http://schemas.microsoft.com/office/drawing/2014/main" id="{962C7EAD-50AB-B451-7AB8-AD60B0C48A7C}"/>
+              </a:ext>
+            </a:extLst>
+          </p:cNvPr>
+          <p:cNvCxnSpPr>
+            <a:cxnSpLocks/>
+            <a:stCxn id="107" idx="3"/>
+            <a:endCxn id="91" idx="1"/>
+          </p:cNvCxnSpPr>
+          <p:nvPr/>
+        </p:nvCxnSpPr>
+        <p:spPr>
+          <a:xfrm flipV="1">
+            <a:off x="6768997" y="4229345"/>
+            <a:ext cx="1481390" cy="17178"/>
+          </a:xfrm>
+          <a:prstGeom prst="straightConnector1">
+            <a:avLst/>
+          </a:prstGeom>
+          <a:ln w="38100">
+            <a:solidFill>
+              <a:srgbClr val="FFC000"/>
+            </a:solidFill>
+            <a:headEnd type="diamond" w="med" len="med"/>
+            <a:tailEnd type="triangle" w="med" len="med"/>
+          </a:ln>
+        </p:spPr>
+        <p:style>
+          <a:lnRef idx="1">
+            <a:schemeClr val="accent6"/>
+          </a:lnRef>
+          <a:fillRef idx="0">
+            <a:schemeClr val="accent6"/>
+          </a:fillRef>
+          <a:effectRef idx="0">
+            <a:schemeClr val="accent6"/>
+          </a:effectRef>
+          <a:fontRef idx="minor">
+            <a:schemeClr val="tx1"/>
+          </a:fontRef>
+        </p:style>
+      </p:cxnSp>
+      <p:cxnSp>
+        <p:nvCxnSpPr>
+          <p:cNvPr id="120" name="직선 화살표 연결선 119">
+            <a:extLst>
+              <a:ext uri="{FF2B5EF4-FFF2-40B4-BE49-F238E27FC236}">
+                <a16:creationId xmlns:a16="http://schemas.microsoft.com/office/drawing/2014/main" id="{D780E1C2-0E12-A5CD-2B49-A959AB42330A}"/>
+              </a:ext>
+            </a:extLst>
+          </p:cNvPr>
+          <p:cNvCxnSpPr>
+            <a:cxnSpLocks/>
+            <a:stCxn id="94" idx="3"/>
+            <a:endCxn id="107" idx="1"/>
+          </p:cNvCxnSpPr>
+          <p:nvPr/>
+        </p:nvCxnSpPr>
+        <p:spPr>
+          <a:xfrm>
+            <a:off x="4789355" y="4229382"/>
+            <a:ext cx="1131900" cy="17141"/>
+          </a:xfrm>
+          <a:prstGeom prst="straightConnector1">
+            <a:avLst/>
+          </a:prstGeom>
+          <a:ln w="38100">
+            <a:solidFill>
+              <a:srgbClr val="FFC000"/>
+            </a:solidFill>
+            <a:headEnd type="diamond" w="med" len="med"/>
+            <a:tailEnd type="triangle" w="med" len="med"/>
+          </a:ln>
+        </p:spPr>
+        <p:style>
+          <a:lnRef idx="1">
+            <a:schemeClr val="accent6"/>
+          </a:lnRef>
+          <a:fillRef idx="0">
+            <a:schemeClr val="accent6"/>
+          </a:fillRef>
+          <a:effectRef idx="0">
+            <a:schemeClr val="accent6"/>
+          </a:effectRef>
+          <a:fontRef idx="minor">
+            <a:schemeClr val="tx1"/>
+          </a:fontRef>
+        </p:style>
+      </p:cxnSp>
     </p:spTree>
     <p:extLst>
       <p:ext uri="{BB962C8B-B14F-4D97-AF65-F5344CB8AC3E}">

--- a/DsDotNet/src/UnitTest/UnitTest.Model/ImportOfficeExample/Sample/s.pptx
+++ b/DsDotNet/src/UnitTest/UnitTest.Model/ImportOfficeExample/Sample/s.pptx
@@ -233,7 +233,7 @@
           <a:p>
             <a:fld id="{DD503887-5801-43A0-AEF9-041E8DDC2558}" type="datetimeFigureOut">
               <a:rPr lang="ko-KR" altLang="en-US" smtClean="0"/>
-              <a:t>2023-06-13</a:t>
+              <a:t>2023-06-14</a:t>
             </a:fld>
             <a:endParaRPr lang="ko-KR" altLang="en-US" dirty="0"/>
           </a:p>
@@ -410,7 +410,7 @@
           <a:p>
             <a:fld id="{95336A0E-57B1-4D4C-BD9B-2F72B5943464}" type="datetimeFigureOut">
               <a:rPr lang="ko-KR" altLang="en-US" smtClean="0"/>
-              <a:t>2023-06-13</a:t>
+              <a:t>2023-06-14</a:t>
             </a:fld>
             <a:endParaRPr lang="ko-KR" altLang="en-US" dirty="0"/>
           </a:p>
@@ -908,7 +908,7 @@
           <a:p>
             <a:fld id="{229D12C7-0FF5-4972-A033-474EFFC79F40}" type="datetime1">
               <a:rPr lang="ko-KR" altLang="en-US" smtClean="0"/>
-              <a:t>2023-06-13</a:t>
+              <a:t>2023-06-14</a:t>
             </a:fld>
             <a:endParaRPr lang="ko-KR" altLang="en-US" dirty="0"/>
           </a:p>
@@ -1106,7 +1106,7 @@
           <a:p>
             <a:fld id="{5BA19FD4-B052-4F56-8FD8-EAFD078DEFB0}" type="datetime1">
               <a:rPr lang="ko-KR" altLang="en-US" smtClean="0"/>
-              <a:t>2023-06-13</a:t>
+              <a:t>2023-06-14</a:t>
             </a:fld>
             <a:endParaRPr lang="ko-KR" altLang="en-US" dirty="0"/>
           </a:p>
@@ -1314,7 +1314,7 @@
           <a:p>
             <a:fld id="{024994B9-23A6-4B0A-A038-AC140E83DAA3}" type="datetime1">
               <a:rPr lang="ko-KR" altLang="en-US" smtClean="0"/>
-              <a:t>2023-06-13</a:t>
+              <a:t>2023-06-14</a:t>
             </a:fld>
             <a:endParaRPr lang="ko-KR" altLang="en-US" dirty="0"/>
           </a:p>
@@ -1456,7 +1456,7 @@
           <a:p>
             <a:fld id="{B5B1BBC2-B738-4C35-AEE5-660EB2DEB482}" type="datetime1">
               <a:rPr lang="ko-KR" altLang="en-US" smtClean="0"/>
-              <a:t>2023-06-13</a:t>
+              <a:t>2023-06-14</a:t>
             </a:fld>
             <a:endParaRPr lang="ko-KR" altLang="en-US" dirty="0"/>
           </a:p>
@@ -6123,7 +6123,7 @@
           <a:p>
             <a:fld id="{70D0DAB2-87CB-4028-B965-3AA710ADF2CB}" type="datetime1">
               <a:rPr lang="ko-KR" altLang="en-US" smtClean="0"/>
-              <a:t>2023-06-13</a:t>
+              <a:t>2023-06-14</a:t>
             </a:fld>
             <a:endParaRPr lang="ko-KR" altLang="en-US" dirty="0"/>
           </a:p>
@@ -6398,7 +6398,7 @@
           <a:p>
             <a:fld id="{63FA3D71-FEA8-477F-9D1E-EA860F411BC7}" type="datetime1">
               <a:rPr lang="ko-KR" altLang="en-US" smtClean="0"/>
-              <a:t>2023-06-13</a:t>
+              <a:t>2023-06-14</a:t>
             </a:fld>
             <a:endParaRPr lang="ko-KR" altLang="en-US" dirty="0"/>
           </a:p>
@@ -6663,7 +6663,7 @@
           <a:p>
             <a:fld id="{F58E3EF4-7980-4C97-BA64-EC66995BB574}" type="datetime1">
               <a:rPr lang="ko-KR" altLang="en-US" smtClean="0"/>
-              <a:t>2023-06-13</a:t>
+              <a:t>2023-06-14</a:t>
             </a:fld>
             <a:endParaRPr lang="ko-KR" altLang="en-US" dirty="0"/>
           </a:p>
@@ -7075,7 +7075,7 @@
           <a:p>
             <a:fld id="{FC9BC1D0-7D6B-4634-9D19-644040D74EAE}" type="datetime1">
               <a:rPr lang="ko-KR" altLang="en-US" smtClean="0"/>
-              <a:t>2023-06-13</a:t>
+              <a:t>2023-06-14</a:t>
             </a:fld>
             <a:endParaRPr lang="ko-KR" altLang="en-US" dirty="0"/>
           </a:p>
@@ -7216,7 +7216,7 @@
           <a:p>
             <a:fld id="{B5B1BBC2-B738-4C35-AEE5-660EB2DEB482}" type="datetime1">
               <a:rPr lang="ko-KR" altLang="en-US" smtClean="0"/>
-              <a:t>2023-06-13</a:t>
+              <a:t>2023-06-14</a:t>
             </a:fld>
             <a:endParaRPr lang="ko-KR" altLang="en-US" dirty="0"/>
           </a:p>
@@ -11798,7 +11798,7 @@
           <a:p>
             <a:fld id="{C60E9F93-7E77-4F36-B88C-A425F00C8D91}" type="datetime1">
               <a:rPr lang="ko-KR" altLang="en-US" smtClean="0"/>
-              <a:t>2023-06-13</a:t>
+              <a:t>2023-06-14</a:t>
             </a:fld>
             <a:endParaRPr lang="ko-KR" altLang="en-US" dirty="0"/>
           </a:p>
@@ -12109,7 +12109,7 @@
           <a:p>
             <a:fld id="{36BCCD0E-2A54-4016-BFFC-FEAABCDA6915}" type="datetime1">
               <a:rPr lang="ko-KR" altLang="en-US" smtClean="0"/>
-              <a:t>2023-06-13</a:t>
+              <a:t>2023-06-14</a:t>
             </a:fld>
             <a:endParaRPr lang="ko-KR" altLang="en-US" dirty="0"/>
           </a:p>
@@ -12397,7 +12397,7 @@
           <a:p>
             <a:fld id="{C984B0C4-64BA-4E4C-B5E6-A51EE3F6ED95}" type="datetime1">
               <a:rPr lang="ko-KR" altLang="en-US" smtClean="0"/>
-              <a:t>2023-06-13</a:t>
+              <a:t>2023-06-14</a:t>
             </a:fld>
             <a:endParaRPr lang="ko-KR" altLang="en-US" dirty="0"/>
           </a:p>
@@ -12639,7 +12639,7 @@
           <a:p>
             <a:fld id="{C984B0C4-64BA-4E4C-B5E6-A51EE3F6ED95}" type="datetime1">
               <a:rPr lang="ko-KR" altLang="en-US" smtClean="0"/>
-              <a:t>2023-06-13</a:t>
+              <a:t>2023-06-14</a:t>
             </a:fld>
             <a:endParaRPr lang="ko-KR" altLang="en-US" dirty="0"/>
           </a:p>
@@ -19681,7 +19681,7 @@
         </p:nvSpPr>
         <p:spPr>
           <a:xfrm>
-            <a:off x="8250387" y="3981654"/>
+            <a:off x="5489934" y="2023458"/>
             <a:ext cx="847742" cy="495381"/>
           </a:xfrm>
           <a:prstGeom prst="rect">
@@ -19731,7 +19731,7 @@
         </p:nvSpPr>
         <p:spPr>
           <a:xfrm>
-            <a:off x="3941613" y="3981691"/>
+            <a:off x="1181160" y="2023495"/>
             <a:ext cx="847742" cy="495381"/>
           </a:xfrm>
           <a:prstGeom prst="rect">
@@ -19781,7 +19781,7 @@
         </p:nvSpPr>
         <p:spPr>
           <a:xfrm>
-            <a:off x="5921255" y="3998832"/>
+            <a:off x="3160802" y="2040636"/>
             <a:ext cx="847742" cy="495381"/>
           </a:xfrm>
           <a:prstGeom prst="rect">
@@ -19835,7 +19835,7 @@
         </p:nvCxnSpPr>
         <p:spPr>
           <a:xfrm flipV="1">
-            <a:off x="6768997" y="4229345"/>
+            <a:off x="4008544" y="2271149"/>
             <a:ext cx="1481390" cy="17178"/>
           </a:xfrm>
           <a:prstGeom prst="straightConnector1">
@@ -19882,11 +19882,353 @@
         </p:nvCxnSpPr>
         <p:spPr>
           <a:xfrm>
-            <a:off x="4789355" y="4229382"/>
+            <a:off x="2028902" y="2271186"/>
             <a:ext cx="1131900" cy="17141"/>
           </a:xfrm>
           <a:prstGeom prst="straightConnector1">
             <a:avLst/>
+          </a:prstGeom>
+          <a:ln w="38100">
+            <a:solidFill>
+              <a:srgbClr val="FFC000"/>
+            </a:solidFill>
+            <a:headEnd type="diamond" w="med" len="med"/>
+            <a:tailEnd type="triangle" w="med" len="med"/>
+          </a:ln>
+        </p:spPr>
+        <p:style>
+          <a:lnRef idx="1">
+            <a:schemeClr val="accent6"/>
+          </a:lnRef>
+          <a:fillRef idx="0">
+            <a:schemeClr val="accent6"/>
+          </a:fillRef>
+          <a:effectRef idx="0">
+            <a:schemeClr val="accent6"/>
+          </a:effectRef>
+          <a:fontRef idx="minor">
+            <a:schemeClr val="tx1"/>
+          </a:fontRef>
+        </p:style>
+      </p:cxnSp>
+      <p:cxnSp>
+        <p:nvCxnSpPr>
+          <p:cNvPr id="7" name="연결선: 꺾임 6">
+            <a:extLst>
+              <a:ext uri="{FF2B5EF4-FFF2-40B4-BE49-F238E27FC236}">
+                <a16:creationId xmlns:a16="http://schemas.microsoft.com/office/drawing/2014/main" id="{62FEB3A4-5754-5A63-C67F-2193B4C473EF}"/>
+              </a:ext>
+            </a:extLst>
+          </p:cNvPr>
+          <p:cNvCxnSpPr>
+            <a:cxnSpLocks/>
+            <a:stCxn id="91" idx="2"/>
+            <a:endCxn id="14" idx="0"/>
+          </p:cNvCxnSpPr>
+          <p:nvPr/>
+        </p:nvCxnSpPr>
+        <p:spPr>
+          <a:xfrm rot="5400000">
+            <a:off x="4227064" y="2225938"/>
+            <a:ext cx="1393841" cy="1979642"/>
+          </a:xfrm>
+          <a:prstGeom prst="bentConnector3">
+            <a:avLst>
+              <a:gd name="adj1" fmla="val 50000"/>
+            </a:avLst>
+          </a:prstGeom>
+          <a:ln w="38100">
+            <a:solidFill>
+              <a:srgbClr val="FFC000"/>
+            </a:solidFill>
+            <a:headEnd type="diamond" w="med" len="med"/>
+            <a:tailEnd type="triangle" w="med" len="med"/>
+          </a:ln>
+        </p:spPr>
+        <p:style>
+          <a:lnRef idx="1">
+            <a:schemeClr val="accent6"/>
+          </a:lnRef>
+          <a:fillRef idx="0">
+            <a:schemeClr val="accent6"/>
+          </a:fillRef>
+          <a:effectRef idx="0">
+            <a:schemeClr val="accent6"/>
+          </a:effectRef>
+          <a:fontRef idx="minor">
+            <a:schemeClr val="tx1"/>
+          </a:fontRef>
+        </p:style>
+      </p:cxnSp>
+      <p:sp>
+        <p:nvSpPr>
+          <p:cNvPr id="13" name="직사각형 12">
+            <a:extLst>
+              <a:ext uri="{FF2B5EF4-FFF2-40B4-BE49-F238E27FC236}">
+                <a16:creationId xmlns:a16="http://schemas.microsoft.com/office/drawing/2014/main" id="{20D4B5AF-E245-475A-47A6-1314F9D73EE8}"/>
+              </a:ext>
+            </a:extLst>
+          </p:cNvPr>
+          <p:cNvSpPr/>
+          <p:nvPr/>
+        </p:nvSpPr>
+        <p:spPr>
+          <a:xfrm>
+            <a:off x="7819066" y="3912643"/>
+            <a:ext cx="847742" cy="495381"/>
+          </a:xfrm>
+          <a:prstGeom prst="rect">
+            <a:avLst/>
+          </a:prstGeom>
+        </p:spPr>
+        <p:style>
+          <a:lnRef idx="2">
+            <a:schemeClr val="accent1">
+              <a:shade val="15000"/>
+            </a:schemeClr>
+          </a:lnRef>
+          <a:fillRef idx="1">
+            <a:schemeClr val="accent1"/>
+          </a:fillRef>
+          <a:effectRef idx="0">
+            <a:schemeClr val="accent1"/>
+          </a:effectRef>
+          <a:fontRef idx="minor">
+            <a:schemeClr val="lt1"/>
+          </a:fontRef>
+        </p:style>
+        <p:txBody>
+          <a:bodyPr rtlCol="0" anchor="ctr"/>
+          <a:lstStyle/>
+          <a:p>
+            <a:pPr algn="ctr"/>
+            <a:r>
+              <a:rPr lang="en-US" altLang="ko-KR" dirty="0"/>
+              <a:t>R6</a:t>
+            </a:r>
+            <a:endParaRPr lang="ko-KR" altLang="en-US" dirty="0"/>
+          </a:p>
+        </p:txBody>
+      </p:sp>
+      <p:sp>
+        <p:nvSpPr>
+          <p:cNvPr id="14" name="직사각형 13">
+            <a:extLst>
+              <a:ext uri="{FF2B5EF4-FFF2-40B4-BE49-F238E27FC236}">
+                <a16:creationId xmlns:a16="http://schemas.microsoft.com/office/drawing/2014/main" id="{7F0FAA92-96A9-A5D3-0A1E-4545883E9E65}"/>
+              </a:ext>
+            </a:extLst>
+          </p:cNvPr>
+          <p:cNvSpPr/>
+          <p:nvPr/>
+        </p:nvSpPr>
+        <p:spPr>
+          <a:xfrm>
+            <a:off x="3510292" y="3912680"/>
+            <a:ext cx="847742" cy="495381"/>
+          </a:xfrm>
+          <a:prstGeom prst="rect">
+            <a:avLst/>
+          </a:prstGeom>
+        </p:spPr>
+        <p:style>
+          <a:lnRef idx="2">
+            <a:schemeClr val="accent1">
+              <a:shade val="15000"/>
+            </a:schemeClr>
+          </a:lnRef>
+          <a:fillRef idx="1">
+            <a:schemeClr val="accent1"/>
+          </a:fillRef>
+          <a:effectRef idx="0">
+            <a:schemeClr val="accent1"/>
+          </a:effectRef>
+          <a:fontRef idx="minor">
+            <a:schemeClr val="lt1"/>
+          </a:fontRef>
+        </p:style>
+        <p:txBody>
+          <a:bodyPr rtlCol="0" anchor="ctr"/>
+          <a:lstStyle/>
+          <a:p>
+            <a:pPr algn="ctr"/>
+            <a:r>
+              <a:rPr lang="en-US" altLang="ko-KR" dirty="0"/>
+              <a:t>R4</a:t>
+            </a:r>
+            <a:endParaRPr lang="ko-KR" altLang="en-US" dirty="0"/>
+          </a:p>
+        </p:txBody>
+      </p:sp>
+      <p:sp>
+        <p:nvSpPr>
+          <p:cNvPr id="15" name="직사각형 14">
+            <a:extLst>
+              <a:ext uri="{FF2B5EF4-FFF2-40B4-BE49-F238E27FC236}">
+                <a16:creationId xmlns:a16="http://schemas.microsoft.com/office/drawing/2014/main" id="{60198781-EBB0-10CE-8B2F-9ABD8A632D5C}"/>
+              </a:ext>
+            </a:extLst>
+          </p:cNvPr>
+          <p:cNvSpPr/>
+          <p:nvPr/>
+        </p:nvSpPr>
+        <p:spPr>
+          <a:xfrm>
+            <a:off x="5489934" y="3929821"/>
+            <a:ext cx="847742" cy="495381"/>
+          </a:xfrm>
+          <a:prstGeom prst="rect">
+            <a:avLst/>
+          </a:prstGeom>
+        </p:spPr>
+        <p:style>
+          <a:lnRef idx="2">
+            <a:schemeClr val="accent1">
+              <a:shade val="15000"/>
+            </a:schemeClr>
+          </a:lnRef>
+          <a:fillRef idx="1">
+            <a:schemeClr val="accent1"/>
+          </a:fillRef>
+          <a:effectRef idx="0">
+            <a:schemeClr val="accent1"/>
+          </a:effectRef>
+          <a:fontRef idx="minor">
+            <a:schemeClr val="lt1"/>
+          </a:fontRef>
+        </p:style>
+        <p:txBody>
+          <a:bodyPr rtlCol="0" anchor="ctr"/>
+          <a:lstStyle/>
+          <a:p>
+            <a:pPr algn="ctr"/>
+            <a:r>
+              <a:rPr lang="en-US" altLang="ko-KR" dirty="0"/>
+              <a:t>R5</a:t>
+            </a:r>
+            <a:endParaRPr lang="ko-KR" altLang="en-US" dirty="0"/>
+          </a:p>
+        </p:txBody>
+      </p:sp>
+      <p:cxnSp>
+        <p:nvCxnSpPr>
+          <p:cNvPr id="16" name="직선 화살표 연결선 15">
+            <a:extLst>
+              <a:ext uri="{FF2B5EF4-FFF2-40B4-BE49-F238E27FC236}">
+                <a16:creationId xmlns:a16="http://schemas.microsoft.com/office/drawing/2014/main" id="{C45D019B-68D3-9AE8-96C6-B4507B26DA6C}"/>
+              </a:ext>
+            </a:extLst>
+          </p:cNvPr>
+          <p:cNvCxnSpPr>
+            <a:cxnSpLocks/>
+            <a:stCxn id="15" idx="3"/>
+            <a:endCxn id="13" idx="1"/>
+          </p:cNvCxnSpPr>
+          <p:nvPr/>
+        </p:nvCxnSpPr>
+        <p:spPr>
+          <a:xfrm flipV="1">
+            <a:off x="6337676" y="4160334"/>
+            <a:ext cx="1481390" cy="17178"/>
+          </a:xfrm>
+          <a:prstGeom prst="straightConnector1">
+            <a:avLst/>
+          </a:prstGeom>
+          <a:ln w="38100">
+            <a:solidFill>
+              <a:srgbClr val="FFC000"/>
+            </a:solidFill>
+            <a:headEnd type="diamond" w="med" len="med"/>
+            <a:tailEnd type="triangle" w="med" len="med"/>
+          </a:ln>
+        </p:spPr>
+        <p:style>
+          <a:lnRef idx="1">
+            <a:schemeClr val="accent6"/>
+          </a:lnRef>
+          <a:fillRef idx="0">
+            <a:schemeClr val="accent6"/>
+          </a:fillRef>
+          <a:effectRef idx="0">
+            <a:schemeClr val="accent6"/>
+          </a:effectRef>
+          <a:fontRef idx="minor">
+            <a:schemeClr val="tx1"/>
+          </a:fontRef>
+        </p:style>
+      </p:cxnSp>
+      <p:cxnSp>
+        <p:nvCxnSpPr>
+          <p:cNvPr id="17" name="직선 화살표 연결선 16">
+            <a:extLst>
+              <a:ext uri="{FF2B5EF4-FFF2-40B4-BE49-F238E27FC236}">
+                <a16:creationId xmlns:a16="http://schemas.microsoft.com/office/drawing/2014/main" id="{53FD0009-1BB9-73E4-9FF0-276A5B9EDE68}"/>
+              </a:ext>
+            </a:extLst>
+          </p:cNvPr>
+          <p:cNvCxnSpPr>
+            <a:cxnSpLocks/>
+            <a:stCxn id="14" idx="3"/>
+            <a:endCxn id="15" idx="1"/>
+          </p:cNvCxnSpPr>
+          <p:nvPr/>
+        </p:nvCxnSpPr>
+        <p:spPr>
+          <a:xfrm>
+            <a:off x="4358034" y="4160371"/>
+            <a:ext cx="1131900" cy="17141"/>
+          </a:xfrm>
+          <a:prstGeom prst="straightConnector1">
+            <a:avLst/>
+          </a:prstGeom>
+          <a:ln w="38100">
+            <a:solidFill>
+              <a:srgbClr val="FFC000"/>
+            </a:solidFill>
+            <a:headEnd type="diamond" w="med" len="med"/>
+            <a:tailEnd type="triangle" w="med" len="med"/>
+          </a:ln>
+        </p:spPr>
+        <p:style>
+          <a:lnRef idx="1">
+            <a:schemeClr val="accent6"/>
+          </a:lnRef>
+          <a:fillRef idx="0">
+            <a:schemeClr val="accent6"/>
+          </a:fillRef>
+          <a:effectRef idx="0">
+            <a:schemeClr val="accent6"/>
+          </a:effectRef>
+          <a:fontRef idx="minor">
+            <a:schemeClr val="tx1"/>
+          </a:fontRef>
+        </p:style>
+      </p:cxnSp>
+      <p:cxnSp>
+        <p:nvCxnSpPr>
+          <p:cNvPr id="23" name="연결선: 꺾임 22">
+            <a:extLst>
+              <a:ext uri="{FF2B5EF4-FFF2-40B4-BE49-F238E27FC236}">
+                <a16:creationId xmlns:a16="http://schemas.microsoft.com/office/drawing/2014/main" id="{7784514C-ED5E-0B18-1D1B-F544B46E59B0}"/>
+              </a:ext>
+            </a:extLst>
+          </p:cNvPr>
+          <p:cNvCxnSpPr>
+            <a:cxnSpLocks/>
+            <a:stCxn id="13" idx="2"/>
+            <a:endCxn id="94" idx="2"/>
+          </p:cNvCxnSpPr>
+          <p:nvPr/>
+        </p:nvCxnSpPr>
+        <p:spPr>
+          <a:xfrm rot="5400000" flipH="1">
+            <a:off x="3979410" y="144497"/>
+            <a:ext cx="1889148" cy="6637906"/>
+          </a:xfrm>
+          <a:prstGeom prst="bentConnector3">
+            <a:avLst>
+              <a:gd name="adj1" fmla="val -12101"/>
+            </a:avLst>
           </a:prstGeom>
           <a:ln w="38100">
             <a:solidFill>

--- a/DsDotNet/src/UnitTest/UnitTest.Model/ImportOfficeExample/Sample/s.pptx
+++ b/DsDotNet/src/UnitTest/UnitTest.Model/ImportOfficeExample/Sample/s.pptx
@@ -19681,7 +19681,7 @@
         </p:nvSpPr>
         <p:spPr>
           <a:xfrm>
-            <a:off x="5489934" y="2023458"/>
+            <a:off x="3613428" y="1376425"/>
             <a:ext cx="847742" cy="495381"/>
           </a:xfrm>
           <a:prstGeom prst="rect">
@@ -19719,10 +19719,10 @@
       </p:sp>
       <p:sp>
         <p:nvSpPr>
-          <p:cNvPr id="94" name="직사각형 93">
-            <a:extLst>
-              <a:ext uri="{FF2B5EF4-FFF2-40B4-BE49-F238E27FC236}">
-                <a16:creationId xmlns:a16="http://schemas.microsoft.com/office/drawing/2014/main" id="{50002DFC-06DB-5F32-EB21-2D6DF916CB2E}"/>
+          <p:cNvPr id="107" name="직사각형 106">
+            <a:extLst>
+              <a:ext uri="{FF2B5EF4-FFF2-40B4-BE49-F238E27FC236}">
+                <a16:creationId xmlns:a16="http://schemas.microsoft.com/office/drawing/2014/main" id="{915BD835-DF4D-92B2-20EE-E079F839EBBE}"/>
               </a:ext>
             </a:extLst>
           </p:cNvPr>
@@ -19731,7 +19731,7 @@
         </p:nvSpPr>
         <p:spPr>
           <a:xfrm>
-            <a:off x="1181160" y="2023495"/>
+            <a:off x="3563504" y="2449827"/>
             <a:ext cx="847742" cy="495381"/>
           </a:xfrm>
           <a:prstGeom prst="rect">
@@ -19761,56 +19761,6 @@
             <a:pPr algn="ctr"/>
             <a:r>
               <a:rPr lang="en-US" altLang="ko-KR" dirty="0"/>
-              <a:t>R1</a:t>
-            </a:r>
-            <a:endParaRPr lang="ko-KR" altLang="en-US" dirty="0"/>
-          </a:p>
-        </p:txBody>
-      </p:sp>
-      <p:sp>
-        <p:nvSpPr>
-          <p:cNvPr id="107" name="직사각형 106">
-            <a:extLst>
-              <a:ext uri="{FF2B5EF4-FFF2-40B4-BE49-F238E27FC236}">
-                <a16:creationId xmlns:a16="http://schemas.microsoft.com/office/drawing/2014/main" id="{915BD835-DF4D-92B2-20EE-E079F839EBBE}"/>
-              </a:ext>
-            </a:extLst>
-          </p:cNvPr>
-          <p:cNvSpPr/>
-          <p:nvPr/>
-        </p:nvSpPr>
-        <p:spPr>
-          <a:xfrm>
-            <a:off x="3160802" y="2040636"/>
-            <a:ext cx="847742" cy="495381"/>
-          </a:xfrm>
-          <a:prstGeom prst="rect">
-            <a:avLst/>
-          </a:prstGeom>
-        </p:spPr>
-        <p:style>
-          <a:lnRef idx="2">
-            <a:schemeClr val="accent1">
-              <a:shade val="15000"/>
-            </a:schemeClr>
-          </a:lnRef>
-          <a:fillRef idx="1">
-            <a:schemeClr val="accent1"/>
-          </a:fillRef>
-          <a:effectRef idx="0">
-            <a:schemeClr val="accent1"/>
-          </a:effectRef>
-          <a:fontRef idx="minor">
-            <a:schemeClr val="lt1"/>
-          </a:fontRef>
-        </p:style>
-        <p:txBody>
-          <a:bodyPr rtlCol="0" anchor="ctr"/>
-          <a:lstStyle/>
-          <a:p>
-            <a:pPr algn="ctr"/>
-            <a:r>
-              <a:rPr lang="en-US" altLang="ko-KR" dirty="0"/>
               <a:t>R2</a:t>
             </a:r>
             <a:endParaRPr lang="ko-KR" altLang="en-US" dirty="0"/>
@@ -19828,15 +19778,15 @@
           </p:cNvPr>
           <p:cNvCxnSpPr>
             <a:cxnSpLocks/>
-            <a:stCxn id="107" idx="3"/>
+            <a:stCxn id="94" idx="3"/>
             <a:endCxn id="91" idx="1"/>
           </p:cNvCxnSpPr>
           <p:nvPr/>
         </p:nvCxnSpPr>
         <p:spPr>
           <a:xfrm flipV="1">
-            <a:off x="4008544" y="2271149"/>
-            <a:ext cx="1481390" cy="17178"/>
+            <a:off x="2765686" y="1624116"/>
+            <a:ext cx="847742" cy="1195766"/>
           </a:xfrm>
           <a:prstGeom prst="straightConnector1">
             <a:avLst/>
@@ -19881,61 +19831,12 @@
           <p:nvPr/>
         </p:nvCxnSpPr>
         <p:spPr>
-          <a:xfrm>
-            <a:off x="2028902" y="2271186"/>
-            <a:ext cx="1131900" cy="17141"/>
+          <a:xfrm flipV="1">
+            <a:off x="2765686" y="2697518"/>
+            <a:ext cx="797818" cy="122364"/>
           </a:xfrm>
           <a:prstGeom prst="straightConnector1">
             <a:avLst/>
-          </a:prstGeom>
-          <a:ln w="38100">
-            <a:solidFill>
-              <a:srgbClr val="FFC000"/>
-            </a:solidFill>
-            <a:headEnd type="diamond" w="med" len="med"/>
-            <a:tailEnd type="triangle" w="med" len="med"/>
-          </a:ln>
-        </p:spPr>
-        <p:style>
-          <a:lnRef idx="1">
-            <a:schemeClr val="accent6"/>
-          </a:lnRef>
-          <a:fillRef idx="0">
-            <a:schemeClr val="accent6"/>
-          </a:fillRef>
-          <a:effectRef idx="0">
-            <a:schemeClr val="accent6"/>
-          </a:effectRef>
-          <a:fontRef idx="minor">
-            <a:schemeClr val="tx1"/>
-          </a:fontRef>
-        </p:style>
-      </p:cxnSp>
-      <p:cxnSp>
-        <p:nvCxnSpPr>
-          <p:cNvPr id="7" name="연결선: 꺾임 6">
-            <a:extLst>
-              <a:ext uri="{FF2B5EF4-FFF2-40B4-BE49-F238E27FC236}">
-                <a16:creationId xmlns:a16="http://schemas.microsoft.com/office/drawing/2014/main" id="{62FEB3A4-5754-5A63-C67F-2193B4C473EF}"/>
-              </a:ext>
-            </a:extLst>
-          </p:cNvPr>
-          <p:cNvCxnSpPr>
-            <a:cxnSpLocks/>
-            <a:stCxn id="91" idx="2"/>
-            <a:endCxn id="14" idx="0"/>
-          </p:cNvCxnSpPr>
-          <p:nvPr/>
-        </p:nvCxnSpPr>
-        <p:spPr>
-          <a:xfrm rot="5400000">
-            <a:off x="4227064" y="2225938"/>
-            <a:ext cx="1393841" cy="1979642"/>
-          </a:xfrm>
-          <a:prstGeom prst="bentConnector3">
-            <a:avLst>
-              <a:gd name="adj1" fmla="val 50000"/>
-            </a:avLst>
           </a:prstGeom>
           <a:ln w="38100">
             <a:solidFill>
@@ -20024,7 +19925,57 @@
         </p:nvSpPr>
         <p:spPr>
           <a:xfrm>
-            <a:off x="3510292" y="3912680"/>
+            <a:off x="5543770" y="1921201"/>
+            <a:ext cx="1534601" cy="495381"/>
+          </a:xfrm>
+          <a:prstGeom prst="rect">
+            <a:avLst/>
+          </a:prstGeom>
+        </p:spPr>
+        <p:style>
+          <a:lnRef idx="2">
+            <a:schemeClr val="accent1">
+              <a:shade val="15000"/>
+            </a:schemeClr>
+          </a:lnRef>
+          <a:fillRef idx="1">
+            <a:schemeClr val="accent1"/>
+          </a:fillRef>
+          <a:effectRef idx="0">
+            <a:schemeClr val="accent1"/>
+          </a:effectRef>
+          <a:fontRef idx="minor">
+            <a:schemeClr val="lt1"/>
+          </a:fontRef>
+        </p:style>
+        <p:txBody>
+          <a:bodyPr rtlCol="0" anchor="ctr"/>
+          <a:lstStyle/>
+          <a:p>
+            <a:pPr algn="ctr"/>
+            <a:r>
+              <a:rPr lang="en-US" altLang="ko-KR" dirty="0"/>
+              <a:t>R4</a:t>
+            </a:r>
+            <a:endParaRPr lang="ko-KR" altLang="en-US" dirty="0"/>
+          </a:p>
+        </p:txBody>
+      </p:sp>
+      <p:sp>
+        <p:nvSpPr>
+          <p:cNvPr id="15" name="직사각형 14">
+            <a:extLst>
+              <a:ext uri="{FF2B5EF4-FFF2-40B4-BE49-F238E27FC236}">
+                <a16:creationId xmlns:a16="http://schemas.microsoft.com/office/drawing/2014/main" id="{60198781-EBB0-10CE-8B2F-9ABD8A632D5C}"/>
+              </a:ext>
+            </a:extLst>
+          </p:cNvPr>
+          <p:cNvSpPr/>
+          <p:nvPr/>
+        </p:nvSpPr>
+        <p:spPr>
+          <a:xfrm>
+            <a:off x="6758017" y="3181309"/>
             <a:ext cx="847742" cy="495381"/>
           </a:xfrm>
           <a:prstGeom prst="rect">
@@ -20054,56 +20005,6 @@
             <a:pPr algn="ctr"/>
             <a:r>
               <a:rPr lang="en-US" altLang="ko-KR" dirty="0"/>
-              <a:t>R4</a:t>
-            </a:r>
-            <a:endParaRPr lang="ko-KR" altLang="en-US" dirty="0"/>
-          </a:p>
-        </p:txBody>
-      </p:sp>
-      <p:sp>
-        <p:nvSpPr>
-          <p:cNvPr id="15" name="직사각형 14">
-            <a:extLst>
-              <a:ext uri="{FF2B5EF4-FFF2-40B4-BE49-F238E27FC236}">
-                <a16:creationId xmlns:a16="http://schemas.microsoft.com/office/drawing/2014/main" id="{60198781-EBB0-10CE-8B2F-9ABD8A632D5C}"/>
-              </a:ext>
-            </a:extLst>
-          </p:cNvPr>
-          <p:cNvSpPr/>
-          <p:nvPr/>
-        </p:nvSpPr>
-        <p:spPr>
-          <a:xfrm>
-            <a:off x="5489934" y="3929821"/>
-            <a:ext cx="847742" cy="495381"/>
-          </a:xfrm>
-          <a:prstGeom prst="rect">
-            <a:avLst/>
-          </a:prstGeom>
-        </p:spPr>
-        <p:style>
-          <a:lnRef idx="2">
-            <a:schemeClr val="accent1">
-              <a:shade val="15000"/>
-            </a:schemeClr>
-          </a:lnRef>
-          <a:fillRef idx="1">
-            <a:schemeClr val="accent1"/>
-          </a:fillRef>
-          <a:effectRef idx="0">
-            <a:schemeClr val="accent1"/>
-          </a:effectRef>
-          <a:fontRef idx="minor">
-            <a:schemeClr val="lt1"/>
-          </a:fontRef>
-        </p:style>
-        <p:txBody>
-          <a:bodyPr rtlCol="0" anchor="ctr"/>
-          <a:lstStyle/>
-          <a:p>
-            <a:pPr algn="ctr"/>
-            <a:r>
-              <a:rPr lang="en-US" altLang="ko-KR" dirty="0"/>
               <a:t>R5</a:t>
             </a:r>
             <a:endParaRPr lang="ko-KR" altLang="en-US" dirty="0"/>
@@ -20112,26 +20013,26 @@
       </p:sp>
       <p:cxnSp>
         <p:nvCxnSpPr>
-          <p:cNvPr id="16" name="직선 화살표 연결선 15">
-            <a:extLst>
-              <a:ext uri="{FF2B5EF4-FFF2-40B4-BE49-F238E27FC236}">
-                <a16:creationId xmlns:a16="http://schemas.microsoft.com/office/drawing/2014/main" id="{C45D019B-68D3-9AE8-96C6-B4507B26DA6C}"/>
+          <p:cNvPr id="23" name="연결선: 꺾임 22">
+            <a:extLst>
+              <a:ext uri="{FF2B5EF4-FFF2-40B4-BE49-F238E27FC236}">
+                <a16:creationId xmlns:a16="http://schemas.microsoft.com/office/drawing/2014/main" id="{7784514C-ED5E-0B18-1D1B-F544B46E59B0}"/>
               </a:ext>
             </a:extLst>
           </p:cNvPr>
           <p:cNvCxnSpPr>
             <a:cxnSpLocks/>
-            <a:stCxn id="15" idx="3"/>
-            <a:endCxn id="13" idx="1"/>
+            <a:stCxn id="91" idx="2"/>
+            <a:endCxn id="14" idx="1"/>
           </p:cNvCxnSpPr>
           <p:nvPr/>
         </p:nvCxnSpPr>
         <p:spPr>
-          <a:xfrm flipV="1">
-            <a:off x="6337676" y="4160334"/>
-            <a:ext cx="1481390" cy="17178"/>
+          <a:xfrm rot="16200000" flipH="1">
+            <a:off x="4641991" y="1267113"/>
+            <a:ext cx="297086" cy="1506471"/>
           </a:xfrm>
-          <a:prstGeom prst="straightConnector1">
+          <a:prstGeom prst="bentConnector2">
             <a:avLst/>
           </a:prstGeom>
           <a:ln w="38100">
@@ -20159,26 +20060,75 @@
       </p:cxnSp>
       <p:cxnSp>
         <p:nvCxnSpPr>
-          <p:cNvPr id="17" name="직선 화살표 연결선 16">
-            <a:extLst>
-              <a:ext uri="{FF2B5EF4-FFF2-40B4-BE49-F238E27FC236}">
-                <a16:creationId xmlns:a16="http://schemas.microsoft.com/office/drawing/2014/main" id="{53FD0009-1BB9-73E4-9FF0-276A5B9EDE68}"/>
+          <p:cNvPr id="32" name="연결선: 꺾임 31">
+            <a:extLst>
+              <a:ext uri="{FF2B5EF4-FFF2-40B4-BE49-F238E27FC236}">
+                <a16:creationId xmlns:a16="http://schemas.microsoft.com/office/drawing/2014/main" id="{55996CE5-7EBC-3246-9029-B8870B968B13}"/>
               </a:ext>
             </a:extLst>
           </p:cNvPr>
           <p:cNvCxnSpPr>
             <a:cxnSpLocks/>
-            <a:stCxn id="14" idx="3"/>
-            <a:endCxn id="15" idx="1"/>
+            <a:stCxn id="13" idx="2"/>
+            <a:endCxn id="94" idx="2"/>
           </p:cNvCxnSpPr>
           <p:nvPr/>
         </p:nvCxnSpPr>
         <p:spPr>
-          <a:xfrm>
-            <a:off x="4358034" y="4160371"/>
-            <a:ext cx="1131900" cy="17141"/>
+          <a:xfrm rot="5400000" flipH="1">
+            <a:off x="4783827" y="948915"/>
+            <a:ext cx="129323" cy="6788897"/>
           </a:xfrm>
-          <a:prstGeom prst="straightConnector1">
+          <a:prstGeom prst="bentConnector3">
+            <a:avLst>
+              <a:gd name="adj1" fmla="val -176767"/>
+            </a:avLst>
+          </a:prstGeom>
+          <a:ln w="38100">
+            <a:solidFill>
+              <a:srgbClr val="FFC000"/>
+            </a:solidFill>
+            <a:headEnd type="diamond" w="med" len="med"/>
+            <a:tailEnd type="triangle" w="med" len="med"/>
+          </a:ln>
+        </p:spPr>
+        <p:style>
+          <a:lnRef idx="1">
+            <a:schemeClr val="accent6"/>
+          </a:lnRef>
+          <a:fillRef idx="0">
+            <a:schemeClr val="accent6"/>
+          </a:fillRef>
+          <a:effectRef idx="0">
+            <a:schemeClr val="accent6"/>
+          </a:effectRef>
+          <a:fontRef idx="minor">
+            <a:schemeClr val="tx1"/>
+          </a:fontRef>
+        </p:style>
+      </p:cxnSp>
+      <p:cxnSp>
+        <p:nvCxnSpPr>
+          <p:cNvPr id="48" name="연결선: 꺾임 47">
+            <a:extLst>
+              <a:ext uri="{FF2B5EF4-FFF2-40B4-BE49-F238E27FC236}">
+                <a16:creationId xmlns:a16="http://schemas.microsoft.com/office/drawing/2014/main" id="{ADAD1270-D18E-4A9B-90EA-E912E63A3DEA}"/>
+              </a:ext>
+            </a:extLst>
+          </p:cNvPr>
+          <p:cNvCxnSpPr>
+            <a:cxnSpLocks/>
+            <a:stCxn id="107" idx="0"/>
+            <a:endCxn id="14" idx="1"/>
+          </p:cNvCxnSpPr>
+          <p:nvPr/>
+        </p:nvCxnSpPr>
+        <p:spPr>
+          <a:xfrm rot="5400000" flipH="1" flipV="1">
+            <a:off x="4625105" y="1531163"/>
+            <a:ext cx="280935" cy="1556395"/>
+          </a:xfrm>
+          <a:prstGeom prst="bentConnector2">
             <a:avLst/>
           </a:prstGeom>
           <a:ln w="38100">
@@ -20206,28 +20156,28 @@
       </p:cxnSp>
       <p:cxnSp>
         <p:nvCxnSpPr>
-          <p:cNvPr id="23" name="연결선: 꺾임 22">
-            <a:extLst>
-              <a:ext uri="{FF2B5EF4-FFF2-40B4-BE49-F238E27FC236}">
-                <a16:creationId xmlns:a16="http://schemas.microsoft.com/office/drawing/2014/main" id="{7784514C-ED5E-0B18-1D1B-F544B46E59B0}"/>
+          <p:cNvPr id="62" name="연결선: 꺾임 61">
+            <a:extLst>
+              <a:ext uri="{FF2B5EF4-FFF2-40B4-BE49-F238E27FC236}">
+                <a16:creationId xmlns:a16="http://schemas.microsoft.com/office/drawing/2014/main" id="{D2BBF1BC-3F9C-FDD1-40CF-9CFE10E49737}"/>
               </a:ext>
             </a:extLst>
           </p:cNvPr>
           <p:cNvCxnSpPr>
             <a:cxnSpLocks/>
-            <a:stCxn id="13" idx="2"/>
-            <a:endCxn id="94" idx="2"/>
+            <a:stCxn id="14" idx="2"/>
+            <a:endCxn id="15" idx="0"/>
           </p:cNvCxnSpPr>
           <p:nvPr/>
         </p:nvCxnSpPr>
         <p:spPr>
-          <a:xfrm rot="5400000" flipH="1">
-            <a:off x="3979410" y="144497"/>
-            <a:ext cx="1889148" cy="6637906"/>
+          <a:xfrm rot="16200000" flipH="1">
+            <a:off x="6364116" y="2363536"/>
+            <a:ext cx="764727" cy="870817"/>
           </a:xfrm>
           <a:prstGeom prst="bentConnector3">
             <a:avLst>
-              <a:gd name="adj1" fmla="val -12101"/>
+              <a:gd name="adj1" fmla="val 50000"/>
             </a:avLst>
           </a:prstGeom>
           <a:ln w="38100">
@@ -20253,6 +20203,362 @@
           </a:fontRef>
         </p:style>
       </p:cxnSp>
+      <p:cxnSp>
+        <p:nvCxnSpPr>
+          <p:cNvPr id="68" name="연결선: 꺾임 67">
+            <a:extLst>
+              <a:ext uri="{FF2B5EF4-FFF2-40B4-BE49-F238E27FC236}">
+                <a16:creationId xmlns:a16="http://schemas.microsoft.com/office/drawing/2014/main" id="{B956E1CD-20B7-0672-1444-72F5F9EB34F5}"/>
+              </a:ext>
+            </a:extLst>
+          </p:cNvPr>
+          <p:cNvCxnSpPr>
+            <a:cxnSpLocks/>
+            <a:stCxn id="15" idx="2"/>
+            <a:endCxn id="13" idx="1"/>
+          </p:cNvCxnSpPr>
+          <p:nvPr/>
+        </p:nvCxnSpPr>
+        <p:spPr>
+          <a:xfrm rot="16200000" flipH="1">
+            <a:off x="7258655" y="3599923"/>
+            <a:ext cx="483644" cy="637178"/>
+          </a:xfrm>
+          <a:prstGeom prst="bentConnector2">
+            <a:avLst/>
+          </a:prstGeom>
+          <a:ln w="38100">
+            <a:solidFill>
+              <a:srgbClr val="FFC000"/>
+            </a:solidFill>
+            <a:headEnd type="diamond" w="med" len="med"/>
+            <a:tailEnd type="triangle" w="med" len="med"/>
+          </a:ln>
+        </p:spPr>
+        <p:style>
+          <a:lnRef idx="1">
+            <a:schemeClr val="accent6"/>
+          </a:lnRef>
+          <a:fillRef idx="0">
+            <a:schemeClr val="accent6"/>
+          </a:fillRef>
+          <a:effectRef idx="0">
+            <a:schemeClr val="accent6"/>
+          </a:effectRef>
+          <a:fontRef idx="minor">
+            <a:schemeClr val="tx1"/>
+          </a:fontRef>
+        </p:style>
+      </p:cxnSp>
+      <p:grpSp>
+        <p:nvGrpSpPr>
+          <p:cNvPr id="99" name="그룹 98">
+            <a:extLst>
+              <a:ext uri="{FF2B5EF4-FFF2-40B4-BE49-F238E27FC236}">
+                <a16:creationId xmlns:a16="http://schemas.microsoft.com/office/drawing/2014/main" id="{FD7E39E9-51AD-582C-A88D-7EA24B06A0AD}"/>
+              </a:ext>
+            </a:extLst>
+          </p:cNvPr>
+          <p:cNvGrpSpPr/>
+          <p:nvPr/>
+        </p:nvGrpSpPr>
+        <p:grpSpPr>
+          <a:xfrm>
+            <a:off x="142394" y="1361062"/>
+            <a:ext cx="2623292" cy="2917639"/>
+            <a:chOff x="142394" y="1361062"/>
+            <a:chExt cx="2623292" cy="2917639"/>
+          </a:xfrm>
+        </p:grpSpPr>
+        <p:sp>
+          <p:nvSpPr>
+            <p:cNvPr id="94" name="직사각형 93">
+              <a:extLst>
+                <a:ext uri="{FF2B5EF4-FFF2-40B4-BE49-F238E27FC236}">
+                  <a16:creationId xmlns:a16="http://schemas.microsoft.com/office/drawing/2014/main" id="{50002DFC-06DB-5F32-EB21-2D6DF916CB2E}"/>
+                </a:ext>
+              </a:extLst>
+            </p:cNvPr>
+            <p:cNvSpPr/>
+            <p:nvPr/>
+          </p:nvSpPr>
+          <p:spPr>
+            <a:xfrm>
+              <a:off x="142394" y="1361062"/>
+              <a:ext cx="2623292" cy="2917639"/>
+            </a:xfrm>
+            <a:prstGeom prst="rect">
+              <a:avLst/>
+            </a:prstGeom>
+          </p:spPr>
+          <p:style>
+            <a:lnRef idx="2">
+              <a:schemeClr val="accent1">
+                <a:shade val="15000"/>
+              </a:schemeClr>
+            </a:lnRef>
+            <a:fillRef idx="1">
+              <a:schemeClr val="accent1"/>
+            </a:fillRef>
+            <a:effectRef idx="0">
+              <a:schemeClr val="accent1"/>
+            </a:effectRef>
+            <a:fontRef idx="minor">
+              <a:schemeClr val="lt1"/>
+            </a:fontRef>
+          </p:style>
+          <p:txBody>
+            <a:bodyPr rtlCol="0" anchor="ctr"/>
+            <a:lstStyle/>
+            <a:p>
+              <a:pPr algn="ctr"/>
+              <a:r>
+                <a:rPr lang="en-US" altLang="ko-KR" dirty="0"/>
+                <a:t>R1</a:t>
+              </a:r>
+              <a:endParaRPr lang="ko-KR" altLang="en-US" dirty="0"/>
+            </a:p>
+          </p:txBody>
+        </p:sp>
+        <p:grpSp>
+          <p:nvGrpSpPr>
+            <p:cNvPr id="75" name="그룹 74">
+              <a:extLst>
+                <a:ext uri="{FF2B5EF4-FFF2-40B4-BE49-F238E27FC236}">
+                  <a16:creationId xmlns:a16="http://schemas.microsoft.com/office/drawing/2014/main" id="{C4C08674-3276-2917-5E53-8945DF3F4C0B}"/>
+                </a:ext>
+              </a:extLst>
+            </p:cNvPr>
+            <p:cNvGrpSpPr/>
+            <p:nvPr/>
+          </p:nvGrpSpPr>
+          <p:grpSpPr>
+            <a:xfrm>
+              <a:off x="404561" y="2005704"/>
+              <a:ext cx="1872263" cy="1458220"/>
+              <a:chOff x="1864319" y="2141847"/>
+              <a:chExt cx="3926881" cy="2782578"/>
+            </a:xfrm>
+          </p:grpSpPr>
+          <p:sp>
+            <p:nvSpPr>
+              <p:cNvPr id="76" name="타원 75">
+                <a:extLst>
+                  <a:ext uri="{FF2B5EF4-FFF2-40B4-BE49-F238E27FC236}">
+                    <a16:creationId xmlns:a16="http://schemas.microsoft.com/office/drawing/2014/main" id="{9F44B0E2-3F95-035D-1487-608C5157C71D}"/>
+                  </a:ext>
+                </a:extLst>
+              </p:cNvPr>
+              <p:cNvSpPr/>
+              <p:nvPr/>
+            </p:nvSpPr>
+            <p:spPr>
+              <a:xfrm>
+                <a:off x="1864319" y="2141847"/>
+                <a:ext cx="1733550" cy="952500"/>
+              </a:xfrm>
+              <a:prstGeom prst="ellipse">
+                <a:avLst/>
+              </a:prstGeom>
+              <a:solidFill>
+                <a:schemeClr val="accent4">
+                  <a:alpha val="50000"/>
+                </a:schemeClr>
+              </a:solidFill>
+              <a:ln>
+                <a:noFill/>
+              </a:ln>
+            </p:spPr>
+            <p:style>
+              <a:lnRef idx="0">
+                <a:scrgbClr r="0" g="0" b="0"/>
+              </a:lnRef>
+              <a:fillRef idx="0">
+                <a:scrgbClr r="0" g="0" b="0"/>
+              </a:fillRef>
+              <a:effectRef idx="0">
+                <a:scrgbClr r="0" g="0" b="0"/>
+              </a:effectRef>
+              <a:fontRef idx="minor">
+                <a:schemeClr val="lt1"/>
+              </a:fontRef>
+            </p:style>
+            <p:txBody>
+              <a:bodyPr rtlCol="0" anchor="ctr"/>
+              <a:lstStyle/>
+              <a:p>
+                <a:pPr algn="ctr"/>
+                <a:r>
+                  <a:rPr lang="en-US" altLang="ko-KR" sz="1050" dirty="0"/>
+                  <a:t>Pin $ADV</a:t>
+                </a:r>
+                <a:endParaRPr lang="ko-KR" altLang="en-US" sz="1050" dirty="0"/>
+              </a:p>
+            </p:txBody>
+          </p:sp>
+          <p:sp>
+            <p:nvSpPr>
+              <p:cNvPr id="77" name="타원 76">
+                <a:extLst>
+                  <a:ext uri="{FF2B5EF4-FFF2-40B4-BE49-F238E27FC236}">
+                    <a16:creationId xmlns:a16="http://schemas.microsoft.com/office/drawing/2014/main" id="{D5DD5869-0E63-8171-CEB0-D2BD1F2C5E1A}"/>
+                  </a:ext>
+                </a:extLst>
+              </p:cNvPr>
+              <p:cNvSpPr/>
+              <p:nvPr/>
+            </p:nvSpPr>
+            <p:spPr>
+              <a:xfrm>
+                <a:off x="4057650" y="3971925"/>
+                <a:ext cx="1733550" cy="952500"/>
+              </a:xfrm>
+              <a:prstGeom prst="ellipse">
+                <a:avLst/>
+              </a:prstGeom>
+              <a:solidFill>
+                <a:schemeClr val="accent4">
+                  <a:alpha val="50000"/>
+                </a:schemeClr>
+              </a:solidFill>
+              <a:ln>
+                <a:noFill/>
+              </a:ln>
+            </p:spPr>
+            <p:style>
+              <a:lnRef idx="0">
+                <a:scrgbClr r="0" g="0" b="0"/>
+              </a:lnRef>
+              <a:fillRef idx="0">
+                <a:scrgbClr r="0" g="0" b="0"/>
+              </a:fillRef>
+              <a:effectRef idx="0">
+                <a:scrgbClr r="0" g="0" b="0"/>
+              </a:effectRef>
+              <a:fontRef idx="minor">
+                <a:schemeClr val="lt1"/>
+              </a:fontRef>
+            </p:style>
+            <p:txBody>
+              <a:bodyPr rtlCol="0" anchor="ctr"/>
+              <a:lstStyle/>
+              <a:p>
+                <a:pPr algn="ctr"/>
+                <a:r>
+                  <a:rPr lang="en-US" altLang="ko-KR" sz="1050" dirty="0"/>
+                  <a:t>Pin $RET</a:t>
+                </a:r>
+                <a:endParaRPr lang="ko-KR" altLang="en-US" sz="1050" dirty="0"/>
+              </a:p>
+            </p:txBody>
+          </p:sp>
+          <p:cxnSp>
+            <p:nvCxnSpPr>
+              <p:cNvPr id="78" name="연결선: 꺾임 77">
+                <a:extLst>
+                  <a:ext uri="{FF2B5EF4-FFF2-40B4-BE49-F238E27FC236}">
+                    <a16:creationId xmlns:a16="http://schemas.microsoft.com/office/drawing/2014/main" id="{BDB44556-A94D-7BD5-4AA5-43BB1B26AC04}"/>
+                  </a:ext>
+                </a:extLst>
+              </p:cNvPr>
+              <p:cNvCxnSpPr>
+                <a:stCxn id="76" idx="5"/>
+                <a:endCxn id="77" idx="1"/>
+              </p:cNvCxnSpPr>
+              <p:nvPr/>
+            </p:nvCxnSpPr>
+            <p:spPr>
+              <a:xfrm rot="16200000" flipH="1">
+                <a:off x="3249480" y="3049371"/>
+                <a:ext cx="1156557" cy="967528"/>
+              </a:xfrm>
+              <a:prstGeom prst="bentConnector3">
+                <a:avLst/>
+              </a:prstGeom>
+              <a:ln>
+                <a:tailEnd type="triangle"/>
+              </a:ln>
+            </p:spPr>
+            <p:style>
+              <a:lnRef idx="1">
+                <a:schemeClr val="accent4"/>
+              </a:lnRef>
+              <a:fillRef idx="0">
+                <a:schemeClr val="accent4"/>
+              </a:fillRef>
+              <a:effectRef idx="0">
+                <a:schemeClr val="accent4"/>
+              </a:effectRef>
+              <a:fontRef idx="minor">
+                <a:schemeClr val="tx1"/>
+              </a:fontRef>
+            </p:style>
+          </p:cxnSp>
+        </p:grpSp>
+      </p:grpSp>
+      <p:sp>
+        <p:nvSpPr>
+          <p:cNvPr id="79" name="사각형: 모서리가 접힌 도형 78">
+            <a:extLst>
+              <a:ext uri="{FF2B5EF4-FFF2-40B4-BE49-F238E27FC236}">
+                <a16:creationId xmlns:a16="http://schemas.microsoft.com/office/drawing/2014/main" id="{4FFFC34E-AB5C-2EA7-5DA2-90E276198FD1}"/>
+              </a:ext>
+            </a:extLst>
+          </p:cNvPr>
+          <p:cNvSpPr/>
+          <p:nvPr/>
+        </p:nvSpPr>
+        <p:spPr>
+          <a:xfrm>
+            <a:off x="9316310" y="2557743"/>
+            <a:ext cx="2437946" cy="1223682"/>
+          </a:xfrm>
+          <a:prstGeom prst="foldedCorner">
+            <a:avLst/>
+          </a:prstGeom>
+          <a:solidFill>
+            <a:schemeClr val="accent3">
+              <a:alpha val="50000"/>
+            </a:schemeClr>
+          </a:solidFill>
+          <a:ln>
+            <a:noFill/>
+          </a:ln>
+        </p:spPr>
+        <p:style>
+          <a:lnRef idx="0">
+            <a:scrgbClr r="0" g="0" b="0"/>
+          </a:lnRef>
+          <a:fillRef idx="0">
+            <a:scrgbClr r="0" g="0" b="0"/>
+          </a:fillRef>
+          <a:effectRef idx="0">
+            <a:scrgbClr r="0" g="0" b="0"/>
+          </a:effectRef>
+          <a:fontRef idx="minor">
+            <a:schemeClr val="lt1"/>
+          </a:fontRef>
+        </p:style>
+        <p:txBody>
+          <a:bodyPr rtlCol="0" anchor="ctr"/>
+          <a:lstStyle/>
+          <a:p>
+            <a:pPr algn="ctr"/>
+            <a:r>
+              <a:rPr lang="en-US" altLang="ko-KR" dirty="0"/>
+              <a:t>lib/Cylinder/Single </a:t>
+            </a:r>
+          </a:p>
+          <a:p>
+            <a:pPr algn="ctr"/>
+            <a:r>
+              <a:rPr lang="en-US" altLang="ko-KR" dirty="0"/>
+              <a:t>[Pin]</a:t>
+            </a:r>
+            <a:endParaRPr lang="ko-KR" altLang="en-US" dirty="0"/>
+          </a:p>
+        </p:txBody>
+      </p:sp>
     </p:spTree>
     <p:extLst>
       <p:ext uri="{BB962C8B-B14F-4D97-AF65-F5344CB8AC3E}">

--- a/DsDotNet/src/UnitTest/UnitTest.Model/ImportOfficeExample/Sample/s.pptx
+++ b/DsDotNet/src/UnitTest/UnitTest.Model/ImportOfficeExample/Sample/s.pptx
@@ -14,7 +14,7 @@
     <p:sldId id="614" r:id="rId2"/>
     <p:sldId id="258" r:id="rId3"/>
     <p:sldId id="259" r:id="rId4"/>
-    <p:sldId id="630" r:id="rId5"/>
+    <p:sldId id="718" r:id="rId5"/>
     <p:sldId id="717" r:id="rId6"/>
     <p:sldId id="629" r:id="rId7"/>
     <p:sldId id="716" r:id="rId8"/>
@@ -19660,7 +19660,7 @@
           <a:lstStyle/>
           <a:p>
             <a:r>
-              <a:rPr lang="en-US" altLang="ko-KR" dirty="0"/>
+              <a:rPr lang="en-US" altLang="ko-KR"/>
               <a:t>S111</a:t>
             </a:r>
             <a:endParaRPr lang="ko-KR" altLang="en-US" dirty="0"/>
@@ -20462,6 +20462,7 @@
                 </a:extLst>
               </p:cNvPr>
               <p:cNvCxnSpPr>
+                <a:cxnSpLocks/>
                 <a:stCxn id="76" idx="5"/>
                 <a:endCxn id="77" idx="1"/>
               </p:cNvCxnSpPr>
@@ -20562,7 +20563,7 @@
     </p:spTree>
     <p:extLst>
       <p:ext uri="{BB962C8B-B14F-4D97-AF65-F5344CB8AC3E}">
-        <p14:creationId xmlns:p14="http://schemas.microsoft.com/office/powerpoint/2010/main" val="709387161"/>
+        <p14:creationId xmlns:p14="http://schemas.microsoft.com/office/powerpoint/2010/main" val="2289107100"/>
       </p:ext>
     </p:extLst>
   </p:cSld>

--- a/DsDotNet/src/UnitTest/UnitTest.Model/ImportOfficeExample/Sample/s.pptx
+++ b/DsDotNet/src/UnitTest/UnitTest.Model/ImportOfficeExample/Sample/s.pptx
@@ -20547,13 +20547,13 @@
             <a:pPr algn="ctr"/>
             <a:r>
               <a:rPr lang="en-US" altLang="ko-KR" dirty="0"/>
-              <a:t>lib/Cylinder/Single </a:t>
+              <a:t>lib/Cylinder/Double </a:t>
             </a:r>
           </a:p>
           <a:p>
             <a:pPr algn="ctr"/>
             <a:r>
-              <a:rPr lang="en-US" altLang="ko-KR" dirty="0"/>
+              <a:rPr lang="en-US" altLang="ko-KR"/>
               <a:t>[Pin]</a:t>
             </a:r>
             <a:endParaRPr lang="ko-KR" altLang="en-US" dirty="0"/>

--- a/DsDotNet/src/UnitTest/UnitTest.Model/ImportOfficeExample/Sample/s.pptx
+++ b/DsDotNet/src/UnitTest/UnitTest.Model/ImportOfficeExample/Sample/s.pptx
@@ -233,7 +233,7 @@
           <a:p>
             <a:fld id="{DD503887-5801-43A0-AEF9-041E8DDC2558}" type="datetimeFigureOut">
               <a:rPr lang="ko-KR" altLang="en-US" smtClean="0"/>
-              <a:t>2023-06-14</a:t>
+              <a:t>2023-06-16</a:t>
             </a:fld>
             <a:endParaRPr lang="ko-KR" altLang="en-US" dirty="0"/>
           </a:p>
@@ -410,7 +410,7 @@
           <a:p>
             <a:fld id="{95336A0E-57B1-4D4C-BD9B-2F72B5943464}" type="datetimeFigureOut">
               <a:rPr lang="ko-KR" altLang="en-US" smtClean="0"/>
-              <a:t>2023-06-14</a:t>
+              <a:t>2023-06-16</a:t>
             </a:fld>
             <a:endParaRPr lang="ko-KR" altLang="en-US" dirty="0"/>
           </a:p>
@@ -908,7 +908,7 @@
           <a:p>
             <a:fld id="{229D12C7-0FF5-4972-A033-474EFFC79F40}" type="datetime1">
               <a:rPr lang="ko-KR" altLang="en-US" smtClean="0"/>
-              <a:t>2023-06-14</a:t>
+              <a:t>2023-06-16</a:t>
             </a:fld>
             <a:endParaRPr lang="ko-KR" altLang="en-US" dirty="0"/>
           </a:p>
@@ -1106,7 +1106,7 @@
           <a:p>
             <a:fld id="{5BA19FD4-B052-4F56-8FD8-EAFD078DEFB0}" type="datetime1">
               <a:rPr lang="ko-KR" altLang="en-US" smtClean="0"/>
-              <a:t>2023-06-14</a:t>
+              <a:t>2023-06-16</a:t>
             </a:fld>
             <a:endParaRPr lang="ko-KR" altLang="en-US" dirty="0"/>
           </a:p>
@@ -1314,7 +1314,7 @@
           <a:p>
             <a:fld id="{024994B9-23A6-4B0A-A038-AC140E83DAA3}" type="datetime1">
               <a:rPr lang="ko-KR" altLang="en-US" smtClean="0"/>
-              <a:t>2023-06-14</a:t>
+              <a:t>2023-06-16</a:t>
             </a:fld>
             <a:endParaRPr lang="ko-KR" altLang="en-US" dirty="0"/>
           </a:p>
@@ -1456,7 +1456,7 @@
           <a:p>
             <a:fld id="{B5B1BBC2-B738-4C35-AEE5-660EB2DEB482}" type="datetime1">
               <a:rPr lang="ko-KR" altLang="en-US" smtClean="0"/>
-              <a:t>2023-06-14</a:t>
+              <a:t>2023-06-16</a:t>
             </a:fld>
             <a:endParaRPr lang="ko-KR" altLang="en-US" dirty="0"/>
           </a:p>
@@ -6123,7 +6123,7 @@
           <a:p>
             <a:fld id="{70D0DAB2-87CB-4028-B965-3AA710ADF2CB}" type="datetime1">
               <a:rPr lang="ko-KR" altLang="en-US" smtClean="0"/>
-              <a:t>2023-06-14</a:t>
+              <a:t>2023-06-16</a:t>
             </a:fld>
             <a:endParaRPr lang="ko-KR" altLang="en-US" dirty="0"/>
           </a:p>
@@ -6398,7 +6398,7 @@
           <a:p>
             <a:fld id="{63FA3D71-FEA8-477F-9D1E-EA860F411BC7}" type="datetime1">
               <a:rPr lang="ko-KR" altLang="en-US" smtClean="0"/>
-              <a:t>2023-06-14</a:t>
+              <a:t>2023-06-16</a:t>
             </a:fld>
             <a:endParaRPr lang="ko-KR" altLang="en-US" dirty="0"/>
           </a:p>
@@ -6663,7 +6663,7 @@
           <a:p>
             <a:fld id="{F58E3EF4-7980-4C97-BA64-EC66995BB574}" type="datetime1">
               <a:rPr lang="ko-KR" altLang="en-US" smtClean="0"/>
-              <a:t>2023-06-14</a:t>
+              <a:t>2023-06-16</a:t>
             </a:fld>
             <a:endParaRPr lang="ko-KR" altLang="en-US" dirty="0"/>
           </a:p>
@@ -7075,7 +7075,7 @@
           <a:p>
             <a:fld id="{FC9BC1D0-7D6B-4634-9D19-644040D74EAE}" type="datetime1">
               <a:rPr lang="ko-KR" altLang="en-US" smtClean="0"/>
-              <a:t>2023-06-14</a:t>
+              <a:t>2023-06-16</a:t>
             </a:fld>
             <a:endParaRPr lang="ko-KR" altLang="en-US" dirty="0"/>
           </a:p>
@@ -7216,7 +7216,7 @@
           <a:p>
             <a:fld id="{B5B1BBC2-B738-4C35-AEE5-660EB2DEB482}" type="datetime1">
               <a:rPr lang="ko-KR" altLang="en-US" smtClean="0"/>
-              <a:t>2023-06-14</a:t>
+              <a:t>2023-06-16</a:t>
             </a:fld>
             <a:endParaRPr lang="ko-KR" altLang="en-US" dirty="0"/>
           </a:p>
@@ -11798,7 +11798,7 @@
           <a:p>
             <a:fld id="{C60E9F93-7E77-4F36-B88C-A425F00C8D91}" type="datetime1">
               <a:rPr lang="ko-KR" altLang="en-US" smtClean="0"/>
-              <a:t>2023-06-14</a:t>
+              <a:t>2023-06-16</a:t>
             </a:fld>
             <a:endParaRPr lang="ko-KR" altLang="en-US" dirty="0"/>
           </a:p>
@@ -12109,7 +12109,7 @@
           <a:p>
             <a:fld id="{36BCCD0E-2A54-4016-BFFC-FEAABCDA6915}" type="datetime1">
               <a:rPr lang="ko-KR" altLang="en-US" smtClean="0"/>
-              <a:t>2023-06-14</a:t>
+              <a:t>2023-06-16</a:t>
             </a:fld>
             <a:endParaRPr lang="ko-KR" altLang="en-US" dirty="0"/>
           </a:p>
@@ -12397,7 +12397,7 @@
           <a:p>
             <a:fld id="{C984B0C4-64BA-4E4C-B5E6-A51EE3F6ED95}" type="datetime1">
               <a:rPr lang="ko-KR" altLang="en-US" smtClean="0"/>
-              <a:t>2023-06-14</a:t>
+              <a:t>2023-06-16</a:t>
             </a:fld>
             <a:endParaRPr lang="ko-KR" altLang="en-US" dirty="0"/>
           </a:p>
@@ -12639,7 +12639,7 @@
           <a:p>
             <a:fld id="{C984B0C4-64BA-4E4C-B5E6-A51EE3F6ED95}" type="datetime1">
               <a:rPr lang="ko-KR" altLang="en-US" smtClean="0"/>
-              <a:t>2023-06-14</a:t>
+              <a:t>2023-06-16</a:t>
             </a:fld>
             <a:endParaRPr lang="ko-KR" altLang="en-US" dirty="0"/>
           </a:p>
@@ -20553,8 +20553,8 @@
           <a:p>
             <a:pPr algn="ctr"/>
             <a:r>
-              <a:rPr lang="en-US" altLang="ko-KR"/>
-              <a:t>[Pin]</a:t>
+              <a:rPr lang="en-US" altLang="ko-KR" dirty="0"/>
+              <a:t>[Pin]2</a:t>
             </a:r>
             <a:endParaRPr lang="ko-KR" altLang="en-US" dirty="0"/>
           </a:p>

--- a/DsDotNet/src/UnitTest/UnitTest.Model/ImportOfficeExample/Sample/s.pptx
+++ b/DsDotNet/src/UnitTest/UnitTest.Model/ImportOfficeExample/Sample/s.pptx
@@ -19681,7 +19681,7 @@
         </p:nvSpPr>
         <p:spPr>
           <a:xfrm>
-            <a:off x="3613428" y="1376425"/>
+            <a:off x="6087687" y="988960"/>
             <a:ext cx="847742" cy="495381"/>
           </a:xfrm>
           <a:prstGeom prst="rect">
@@ -19731,7 +19731,7 @@
         </p:nvSpPr>
         <p:spPr>
           <a:xfrm>
-            <a:off x="3563504" y="2449827"/>
+            <a:off x="6037763" y="2062362"/>
             <a:ext cx="847742" cy="495381"/>
           </a:xfrm>
           <a:prstGeom prst="rect">
@@ -19785,8 +19785,8 @@
         </p:nvCxnSpPr>
         <p:spPr>
           <a:xfrm flipV="1">
-            <a:off x="2765686" y="1624116"/>
-            <a:ext cx="847742" cy="1195766"/>
+            <a:off x="5613892" y="1236651"/>
+            <a:ext cx="473795" cy="1458819"/>
           </a:xfrm>
           <a:prstGeom prst="straightConnector1">
             <a:avLst/>
@@ -19832,8 +19832,8 @@
         </p:nvCxnSpPr>
         <p:spPr>
           <a:xfrm flipV="1">
-            <a:off x="2765686" y="2697518"/>
-            <a:ext cx="797818" cy="122364"/>
+            <a:off x="5613892" y="2310053"/>
+            <a:ext cx="423871" cy="385417"/>
           </a:xfrm>
           <a:prstGeom prst="straightConnector1">
             <a:avLst/>
@@ -19875,7 +19875,7 @@
         </p:nvSpPr>
         <p:spPr>
           <a:xfrm>
-            <a:off x="7819066" y="3912643"/>
+            <a:off x="10293325" y="3525178"/>
             <a:ext cx="847742" cy="495381"/>
           </a:xfrm>
           <a:prstGeom prst="rect">
@@ -19925,7 +19925,7 @@
         </p:nvSpPr>
         <p:spPr>
           <a:xfrm>
-            <a:off x="5543770" y="1921201"/>
+            <a:off x="8018029" y="1533736"/>
             <a:ext cx="1534601" cy="495381"/>
           </a:xfrm>
           <a:prstGeom prst="rect">
@@ -19975,7 +19975,7 @@
         </p:nvSpPr>
         <p:spPr>
           <a:xfrm>
-            <a:off x="6758017" y="3181309"/>
+            <a:off x="9232276" y="2793844"/>
             <a:ext cx="847742" cy="495381"/>
           </a:xfrm>
           <a:prstGeom prst="rect">
@@ -20029,7 +20029,7 @@
         </p:nvCxnSpPr>
         <p:spPr>
           <a:xfrm rot="16200000" flipH="1">
-            <a:off x="4641991" y="1267113"/>
+            <a:off x="7116250" y="879648"/>
             <a:ext cx="297086" cy="1506471"/>
           </a:xfrm>
           <a:prstGeom prst="bentConnector2">
@@ -20075,13 +20075,13 @@
           <p:nvPr/>
         </p:nvCxnSpPr>
         <p:spPr>
-          <a:xfrm rot="5400000" flipH="1">
-            <a:off x="4783827" y="948915"/>
-            <a:ext cx="129323" cy="6788897"/>
+          <a:xfrm rot="5400000">
+            <a:off x="6778134" y="215227"/>
+            <a:ext cx="133730" cy="7744394"/>
           </a:xfrm>
           <a:prstGeom prst="bentConnector3">
             <a:avLst>
-              <a:gd name="adj1" fmla="val -176767"/>
+              <a:gd name="adj1" fmla="val 270941"/>
             </a:avLst>
           </a:prstGeom>
           <a:ln w="38100">
@@ -20125,7 +20125,7 @@
         </p:nvCxnSpPr>
         <p:spPr>
           <a:xfrm rot="5400000" flipH="1" flipV="1">
-            <a:off x="4625105" y="1531163"/>
+            <a:off x="7099364" y="1143698"/>
             <a:ext cx="280935" cy="1556395"/>
           </a:xfrm>
           <a:prstGeom prst="bentConnector2">
@@ -20172,7 +20172,7 @@
         </p:nvCxnSpPr>
         <p:spPr>
           <a:xfrm rot="16200000" flipH="1">
-            <a:off x="6364116" y="2363536"/>
+            <a:off x="8838375" y="1976071"/>
             <a:ext cx="764727" cy="870817"/>
           </a:xfrm>
           <a:prstGeom prst="bentConnector3">
@@ -20221,7 +20221,7 @@
         </p:nvCxnSpPr>
         <p:spPr>
           <a:xfrm rot="16200000" flipH="1">
-            <a:off x="7258655" y="3599923"/>
+            <a:off x="9732914" y="3212458"/>
             <a:ext cx="483644" cy="637178"/>
           </a:xfrm>
           <a:prstGeom prst="bentConnector2">
@@ -20250,12 +20250,138 @@
           </a:fontRef>
         </p:style>
       </p:cxnSp>
+      <p:sp>
+        <p:nvSpPr>
+          <p:cNvPr id="79" name="사각형: 모서리가 접힌 도형 78">
+            <a:extLst>
+              <a:ext uri="{FF2B5EF4-FFF2-40B4-BE49-F238E27FC236}">
+                <a16:creationId xmlns:a16="http://schemas.microsoft.com/office/drawing/2014/main" id="{4FFFC34E-AB5C-2EA7-5DA2-90E276198FD1}"/>
+              </a:ext>
+            </a:extLst>
+          </p:cNvPr>
+          <p:cNvSpPr/>
+          <p:nvPr/>
+        </p:nvSpPr>
+        <p:spPr>
+          <a:xfrm>
+            <a:off x="9232276" y="4803028"/>
+            <a:ext cx="2437946" cy="568378"/>
+          </a:xfrm>
+          <a:prstGeom prst="foldedCorner">
+            <a:avLst/>
+          </a:prstGeom>
+          <a:solidFill>
+            <a:schemeClr val="accent3">
+              <a:alpha val="50000"/>
+            </a:schemeClr>
+          </a:solidFill>
+          <a:ln>
+            <a:noFill/>
+          </a:ln>
+        </p:spPr>
+        <p:style>
+          <a:lnRef idx="0">
+            <a:scrgbClr r="0" g="0" b="0"/>
+          </a:lnRef>
+          <a:fillRef idx="0">
+            <a:scrgbClr r="0" g="0" b="0"/>
+          </a:fillRef>
+          <a:effectRef idx="0">
+            <a:scrgbClr r="0" g="0" b="0"/>
+          </a:effectRef>
+          <a:fontRef idx="minor">
+            <a:schemeClr val="lt1"/>
+          </a:fontRef>
+        </p:style>
+        <p:txBody>
+          <a:bodyPr rtlCol="0" anchor="ctr"/>
+          <a:lstStyle/>
+          <a:p>
+            <a:pPr algn="ctr"/>
+            <a:r>
+              <a:rPr lang="en-US" altLang="ko-KR" dirty="0"/>
+              <a:t>lib/Cylinder/Double </a:t>
+            </a:r>
+          </a:p>
+          <a:p>
+            <a:pPr algn="ctr"/>
+            <a:r>
+              <a:rPr lang="en-US" altLang="ko-KR" dirty="0"/>
+              <a:t>[Pin]</a:t>
+            </a:r>
+            <a:endParaRPr lang="ko-KR" altLang="en-US" dirty="0"/>
+          </a:p>
+        </p:txBody>
+      </p:sp>
+      <p:sp>
+        <p:nvSpPr>
+          <p:cNvPr id="7" name="사각형: 모서리가 접힌 도형 6">
+            <a:extLst>
+              <a:ext uri="{FF2B5EF4-FFF2-40B4-BE49-F238E27FC236}">
+                <a16:creationId xmlns:a16="http://schemas.microsoft.com/office/drawing/2014/main" id="{714117EE-2573-5F95-0ABC-EE82E082580E}"/>
+              </a:ext>
+            </a:extLst>
+          </p:cNvPr>
+          <p:cNvSpPr/>
+          <p:nvPr/>
+        </p:nvSpPr>
+        <p:spPr>
+          <a:xfrm>
+            <a:off x="9232276" y="5690985"/>
+            <a:ext cx="2437946" cy="568378"/>
+          </a:xfrm>
+          <a:prstGeom prst="foldedCorner">
+            <a:avLst/>
+          </a:prstGeom>
+          <a:solidFill>
+            <a:schemeClr val="accent3">
+              <a:alpha val="50000"/>
+            </a:schemeClr>
+          </a:solidFill>
+          <a:ln>
+            <a:noFill/>
+          </a:ln>
+        </p:spPr>
+        <p:style>
+          <a:lnRef idx="0">
+            <a:scrgbClr r="0" g="0" b="0"/>
+          </a:lnRef>
+          <a:fillRef idx="0">
+            <a:scrgbClr r="0" g="0" b="0"/>
+          </a:fillRef>
+          <a:effectRef idx="0">
+            <a:scrgbClr r="0" g="0" b="0"/>
+          </a:effectRef>
+          <a:fontRef idx="minor">
+            <a:schemeClr val="lt1"/>
+          </a:fontRef>
+        </p:style>
+        <p:txBody>
+          <a:bodyPr rtlCol="0" anchor="ctr"/>
+          <a:lstStyle/>
+          <a:p>
+            <a:pPr algn="ctr"/>
+            <a:r>
+              <a:rPr lang="en-US" altLang="ko-KR" dirty="0"/>
+              <a:t>lib/Cylinder/Double </a:t>
+            </a:r>
+          </a:p>
+          <a:p>
+            <a:pPr algn="ctr"/>
+            <a:r>
+              <a:rPr lang="en-US" altLang="ko-KR" dirty="0"/>
+              <a:t>[Clamp]2</a:t>
+            </a:r>
+            <a:endParaRPr lang="ko-KR" altLang="en-US" dirty="0"/>
+          </a:p>
+        </p:txBody>
+      </p:sp>
       <p:grpSp>
         <p:nvGrpSpPr>
-          <p:cNvPr id="99" name="그룹 98">
-            <a:extLst>
-              <a:ext uri="{FF2B5EF4-FFF2-40B4-BE49-F238E27FC236}">
-                <a16:creationId xmlns:a16="http://schemas.microsoft.com/office/drawing/2014/main" id="{FD7E39E9-51AD-582C-A88D-7EA24B06A0AD}"/>
+          <p:cNvPr id="26" name="그룹 25">
+            <a:extLst>
+              <a:ext uri="{FF2B5EF4-FFF2-40B4-BE49-F238E27FC236}">
+                <a16:creationId xmlns:a16="http://schemas.microsoft.com/office/drawing/2014/main" id="{8CC9DEC2-7173-EBD9-90A8-D53B4F359840}"/>
               </a:ext>
             </a:extLst>
           </p:cNvPr>
@@ -20264,10 +20390,10 @@
         </p:nvGrpSpPr>
         <p:grpSpPr>
           <a:xfrm>
-            <a:off x="142394" y="1361062"/>
-            <a:ext cx="2623292" cy="2917639"/>
+            <a:off x="331712" y="1236650"/>
+            <a:ext cx="5282180" cy="2917639"/>
             <a:chOff x="142394" y="1361062"/>
-            <a:chExt cx="2623292" cy="2917639"/>
+            <a:chExt cx="5282180" cy="2917639"/>
           </a:xfrm>
         </p:grpSpPr>
         <p:sp>
@@ -20285,7 +20411,7 @@
           <p:spPr>
             <a:xfrm>
               <a:off x="142394" y="1361062"/>
-              <a:ext cx="2623292" cy="2917639"/>
+              <a:ext cx="5282180" cy="2917639"/>
             </a:xfrm>
             <a:prstGeom prst="rect">
               <a:avLst/>
@@ -20334,10 +20460,10 @@
           </p:nvGrpSpPr>
           <p:grpSpPr>
             <a:xfrm>
-              <a:off x="404561" y="2005704"/>
-              <a:ext cx="1872263" cy="1458220"/>
+              <a:off x="670285" y="2005704"/>
+              <a:ext cx="1797997" cy="1674765"/>
               <a:chOff x="1864319" y="2141847"/>
-              <a:chExt cx="3926881" cy="2782578"/>
+              <a:chExt cx="4107811" cy="3195790"/>
             </a:xfrm>
           </p:grpSpPr>
           <p:sp>
@@ -20410,7 +20536,7 @@
             </p:nvSpPr>
             <p:spPr>
               <a:xfrm>
-                <a:off x="4057650" y="3971925"/>
+                <a:off x="4238580" y="4385137"/>
                 <a:ext cx="1733550" cy="952500"/>
               </a:xfrm>
               <a:prstGeom prst="ellipse">
@@ -20470,8 +20596,8 @@
             </p:nvCxnSpPr>
             <p:spPr>
               <a:xfrm rot="16200000" flipH="1">
-                <a:off x="3249480" y="3049371"/>
-                <a:ext cx="1156557" cy="967528"/>
+                <a:off x="3133340" y="3165511"/>
+                <a:ext cx="1569769" cy="1148458"/>
               </a:xfrm>
               <a:prstGeom prst="bentConnector3">
                 <a:avLst/>
@@ -20496,70 +20622,248 @@
             </p:style>
           </p:cxnSp>
         </p:grpSp>
+        <p:sp>
+          <p:nvSpPr>
+            <p:cNvPr id="9" name="타원 8">
+              <a:extLst>
+                <a:ext uri="{FF2B5EF4-FFF2-40B4-BE49-F238E27FC236}">
+                  <a16:creationId xmlns:a16="http://schemas.microsoft.com/office/drawing/2014/main" id="{26611B60-A99F-3947-C0E2-68882864B5CB}"/>
+                </a:ext>
+              </a:extLst>
+            </p:cNvPr>
+            <p:cNvSpPr/>
+            <p:nvPr/>
+          </p:nvSpPr>
+          <p:spPr>
+            <a:xfrm>
+              <a:off x="2465740" y="1727584"/>
+              <a:ext cx="1028492" cy="499161"/>
+            </a:xfrm>
+            <a:prstGeom prst="ellipse">
+              <a:avLst/>
+            </a:prstGeom>
+            <a:solidFill>
+              <a:schemeClr val="accent4">
+                <a:alpha val="50000"/>
+              </a:schemeClr>
+            </a:solidFill>
+            <a:ln>
+              <a:noFill/>
+            </a:ln>
+          </p:spPr>
+          <p:style>
+            <a:lnRef idx="0">
+              <a:scrgbClr r="0" g="0" b="0"/>
+            </a:lnRef>
+            <a:fillRef idx="0">
+              <a:scrgbClr r="0" g="0" b="0"/>
+            </a:fillRef>
+            <a:effectRef idx="0">
+              <a:scrgbClr r="0" g="0" b="0"/>
+            </a:effectRef>
+            <a:fontRef idx="minor">
+              <a:schemeClr val="lt1"/>
+            </a:fontRef>
+          </p:style>
+          <p:txBody>
+            <a:bodyPr rtlCol="0" anchor="ctr"/>
+            <a:lstStyle/>
+            <a:p>
+              <a:pPr algn="ctr"/>
+              <a:r>
+                <a:rPr lang="en-US" altLang="ko-KR" sz="1050" dirty="0"/>
+                <a:t>Clamp $ADV</a:t>
+              </a:r>
+              <a:endParaRPr lang="ko-KR" altLang="en-US" sz="1050" dirty="0"/>
+            </a:p>
+          </p:txBody>
+        </p:sp>
+        <p:sp>
+          <p:nvSpPr>
+            <p:cNvPr id="10" name="타원 9">
+              <a:extLst>
+                <a:ext uri="{FF2B5EF4-FFF2-40B4-BE49-F238E27FC236}">
+                  <a16:creationId xmlns:a16="http://schemas.microsoft.com/office/drawing/2014/main" id="{868F3D59-8F62-CFFC-7971-D687E504C0EB}"/>
+                </a:ext>
+              </a:extLst>
+            </p:cNvPr>
+            <p:cNvSpPr/>
+            <p:nvPr/>
+          </p:nvSpPr>
+          <p:spPr>
+            <a:xfrm>
+              <a:off x="3739705" y="2984695"/>
+              <a:ext cx="995323" cy="499161"/>
+            </a:xfrm>
+            <a:prstGeom prst="ellipse">
+              <a:avLst/>
+            </a:prstGeom>
+            <a:solidFill>
+              <a:schemeClr val="accent4">
+                <a:alpha val="50000"/>
+              </a:schemeClr>
+            </a:solidFill>
+            <a:ln>
+              <a:noFill/>
+            </a:ln>
+          </p:spPr>
+          <p:style>
+            <a:lnRef idx="0">
+              <a:scrgbClr r="0" g="0" b="0"/>
+            </a:lnRef>
+            <a:fillRef idx="0">
+              <a:scrgbClr r="0" g="0" b="0"/>
+            </a:fillRef>
+            <a:effectRef idx="0">
+              <a:scrgbClr r="0" g="0" b="0"/>
+            </a:effectRef>
+            <a:fontRef idx="minor">
+              <a:schemeClr val="lt1"/>
+            </a:fontRef>
+          </p:style>
+          <p:txBody>
+            <a:bodyPr rtlCol="0" anchor="ctr"/>
+            <a:lstStyle/>
+            <a:p>
+              <a:pPr algn="ctr"/>
+              <a:r>
+                <a:rPr lang="en-US" altLang="ko-KR" sz="1050" dirty="0"/>
+                <a:t>Clamp $RET</a:t>
+              </a:r>
+              <a:endParaRPr lang="ko-KR" altLang="en-US" sz="1050" dirty="0"/>
+            </a:p>
+          </p:txBody>
+        </p:sp>
+        <p:cxnSp>
+          <p:nvCxnSpPr>
+            <p:cNvPr id="11" name="연결선: 꺾임 10">
+              <a:extLst>
+                <a:ext uri="{FF2B5EF4-FFF2-40B4-BE49-F238E27FC236}">
+                  <a16:creationId xmlns:a16="http://schemas.microsoft.com/office/drawing/2014/main" id="{0AE77AFE-5016-BE91-20E7-B6B4F0D5CC59}"/>
+                </a:ext>
+              </a:extLst>
+            </p:cNvPr>
+            <p:cNvCxnSpPr>
+              <a:cxnSpLocks/>
+              <a:stCxn id="9" idx="5"/>
+              <a:endCxn id="10" idx="1"/>
+            </p:cNvCxnSpPr>
+            <p:nvPr/>
+          </p:nvCxnSpPr>
+          <p:spPr>
+            <a:xfrm rot="16200000" flipH="1">
+              <a:off x="3162465" y="2334793"/>
+              <a:ext cx="904150" cy="541854"/>
+            </a:xfrm>
+            <a:prstGeom prst="bentConnector3">
+              <a:avLst/>
+            </a:prstGeom>
+            <a:ln>
+              <a:tailEnd type="triangle"/>
+            </a:ln>
+          </p:spPr>
+          <p:style>
+            <a:lnRef idx="1">
+              <a:schemeClr val="accent4"/>
+            </a:lnRef>
+            <a:fillRef idx="0">
+              <a:schemeClr val="accent4"/>
+            </a:fillRef>
+            <a:effectRef idx="0">
+              <a:schemeClr val="accent4"/>
+            </a:effectRef>
+            <a:fontRef idx="minor">
+              <a:schemeClr val="tx1"/>
+            </a:fontRef>
+          </p:style>
+        </p:cxnSp>
+        <p:cxnSp>
+          <p:nvCxnSpPr>
+            <p:cNvPr id="12" name="연결선: 꺾임 11">
+              <a:extLst>
+                <a:ext uri="{FF2B5EF4-FFF2-40B4-BE49-F238E27FC236}">
+                  <a16:creationId xmlns:a16="http://schemas.microsoft.com/office/drawing/2014/main" id="{A7AF8172-2DA9-C8AB-51B5-1B064E259432}"/>
+                </a:ext>
+              </a:extLst>
+            </p:cNvPr>
+            <p:cNvCxnSpPr>
+              <a:cxnSpLocks/>
+              <a:stCxn id="77" idx="6"/>
+              <a:endCxn id="10" idx="2"/>
+            </p:cNvCxnSpPr>
+            <p:nvPr/>
+          </p:nvCxnSpPr>
+          <p:spPr>
+            <a:xfrm flipV="1">
+              <a:off x="2468282" y="3234276"/>
+              <a:ext cx="1271423" cy="196613"/>
+            </a:xfrm>
+            <a:prstGeom prst="bentConnector3">
+              <a:avLst/>
+            </a:prstGeom>
+            <a:ln>
+              <a:tailEnd type="triangle"/>
+            </a:ln>
+          </p:spPr>
+          <p:style>
+            <a:lnRef idx="1">
+              <a:schemeClr val="accent4"/>
+            </a:lnRef>
+            <a:fillRef idx="0">
+              <a:schemeClr val="accent4"/>
+            </a:fillRef>
+            <a:effectRef idx="0">
+              <a:schemeClr val="accent4"/>
+            </a:effectRef>
+            <a:fontRef idx="minor">
+              <a:schemeClr val="tx1"/>
+            </a:fontRef>
+          </p:style>
+        </p:cxnSp>
+        <p:cxnSp>
+          <p:nvCxnSpPr>
+            <p:cNvPr id="18" name="연결선: 꺾임 17">
+              <a:extLst>
+                <a:ext uri="{FF2B5EF4-FFF2-40B4-BE49-F238E27FC236}">
+                  <a16:creationId xmlns:a16="http://schemas.microsoft.com/office/drawing/2014/main" id="{94B1343B-0ADC-3A14-0FBA-2CF8208F7781}"/>
+                </a:ext>
+              </a:extLst>
+            </p:cNvPr>
+            <p:cNvCxnSpPr>
+              <a:cxnSpLocks/>
+              <a:stCxn id="76" idx="6"/>
+              <a:endCxn id="9" idx="2"/>
+            </p:cNvCxnSpPr>
+            <p:nvPr/>
+          </p:nvCxnSpPr>
+          <p:spPr>
+            <a:xfrm flipV="1">
+              <a:off x="1429063" y="1977165"/>
+              <a:ext cx="1036677" cy="278120"/>
+            </a:xfrm>
+            <a:prstGeom prst="bentConnector3">
+              <a:avLst/>
+            </a:prstGeom>
+            <a:ln>
+              <a:tailEnd type="triangle"/>
+            </a:ln>
+          </p:spPr>
+          <p:style>
+            <a:lnRef idx="1">
+              <a:schemeClr val="accent4"/>
+            </a:lnRef>
+            <a:fillRef idx="0">
+              <a:schemeClr val="accent4"/>
+            </a:fillRef>
+            <a:effectRef idx="0">
+              <a:schemeClr val="accent4"/>
+            </a:effectRef>
+            <a:fontRef idx="minor">
+              <a:schemeClr val="tx1"/>
+            </a:fontRef>
+          </p:style>
+        </p:cxnSp>
       </p:grpSp>
-      <p:sp>
-        <p:nvSpPr>
-          <p:cNvPr id="79" name="사각형: 모서리가 접힌 도형 78">
-            <a:extLst>
-              <a:ext uri="{FF2B5EF4-FFF2-40B4-BE49-F238E27FC236}">
-                <a16:creationId xmlns:a16="http://schemas.microsoft.com/office/drawing/2014/main" id="{4FFFC34E-AB5C-2EA7-5DA2-90E276198FD1}"/>
-              </a:ext>
-            </a:extLst>
-          </p:cNvPr>
-          <p:cNvSpPr/>
-          <p:nvPr/>
-        </p:nvSpPr>
-        <p:spPr>
-          <a:xfrm>
-            <a:off x="9316310" y="2557743"/>
-            <a:ext cx="2437946" cy="1223682"/>
-          </a:xfrm>
-          <a:prstGeom prst="foldedCorner">
-            <a:avLst/>
-          </a:prstGeom>
-          <a:solidFill>
-            <a:schemeClr val="accent3">
-              <a:alpha val="50000"/>
-            </a:schemeClr>
-          </a:solidFill>
-          <a:ln>
-            <a:noFill/>
-          </a:ln>
-        </p:spPr>
-        <p:style>
-          <a:lnRef idx="0">
-            <a:scrgbClr r="0" g="0" b="0"/>
-          </a:lnRef>
-          <a:fillRef idx="0">
-            <a:scrgbClr r="0" g="0" b="0"/>
-          </a:fillRef>
-          <a:effectRef idx="0">
-            <a:scrgbClr r="0" g="0" b="0"/>
-          </a:effectRef>
-          <a:fontRef idx="minor">
-            <a:schemeClr val="lt1"/>
-          </a:fontRef>
-        </p:style>
-        <p:txBody>
-          <a:bodyPr rtlCol="0" anchor="ctr"/>
-          <a:lstStyle/>
-          <a:p>
-            <a:pPr algn="ctr"/>
-            <a:r>
-              <a:rPr lang="en-US" altLang="ko-KR" dirty="0"/>
-              <a:t>lib/Cylinder/Double </a:t>
-            </a:r>
-          </a:p>
-          <a:p>
-            <a:pPr algn="ctr"/>
-            <a:r>
-              <a:rPr lang="en-US" altLang="ko-KR" dirty="0"/>
-              <a:t>[Pin]2</a:t>
-            </a:r>
-            <a:endParaRPr lang="ko-KR" altLang="en-US" dirty="0"/>
-          </a:p>
-        </p:txBody>
-      </p:sp>
     </p:spTree>
     <p:extLst>
       <p:ext uri="{BB962C8B-B14F-4D97-AF65-F5344CB8AC3E}">

--- a/DsDotNet/src/UnitTest/UnitTest.Model/ImportOfficeExample/Sample/s.pptx
+++ b/DsDotNet/src/UnitTest/UnitTest.Model/ImportOfficeExample/Sample/s.pptx
@@ -5,31 +5,33 @@
     <p:sldMasterId id="2147483687" r:id="rId1"/>
   </p:sldMasterIdLst>
   <p:notesMasterIdLst>
-    <p:notesMasterId r:id="rId21"/>
+    <p:notesMasterId r:id="rId23"/>
   </p:notesMasterIdLst>
   <p:handoutMasterIdLst>
-    <p:handoutMasterId r:id="rId22"/>
+    <p:handoutMasterId r:id="rId24"/>
   </p:handoutMasterIdLst>
   <p:sldIdLst>
     <p:sldId id="614" r:id="rId2"/>
     <p:sldId id="258" r:id="rId3"/>
     <p:sldId id="259" r:id="rId4"/>
     <p:sldId id="718" r:id="rId5"/>
-    <p:sldId id="717" r:id="rId6"/>
-    <p:sldId id="629" r:id="rId7"/>
-    <p:sldId id="716" r:id="rId8"/>
-    <p:sldId id="625" r:id="rId9"/>
-    <p:sldId id="627" r:id="rId10"/>
-    <p:sldId id="628" r:id="rId11"/>
-    <p:sldId id="631" r:id="rId12"/>
-    <p:sldId id="632" r:id="rId13"/>
-    <p:sldId id="618" r:id="rId14"/>
-    <p:sldId id="615" r:id="rId15"/>
-    <p:sldId id="621" r:id="rId16"/>
-    <p:sldId id="714" r:id="rId17"/>
-    <p:sldId id="715" r:id="rId18"/>
-    <p:sldId id="607" r:id="rId19"/>
-    <p:sldId id="633" r:id="rId20"/>
+    <p:sldId id="721" r:id="rId6"/>
+    <p:sldId id="719" r:id="rId7"/>
+    <p:sldId id="717" r:id="rId8"/>
+    <p:sldId id="629" r:id="rId9"/>
+    <p:sldId id="716" r:id="rId10"/>
+    <p:sldId id="625" r:id="rId11"/>
+    <p:sldId id="627" r:id="rId12"/>
+    <p:sldId id="628" r:id="rId13"/>
+    <p:sldId id="631" r:id="rId14"/>
+    <p:sldId id="632" r:id="rId15"/>
+    <p:sldId id="618" r:id="rId16"/>
+    <p:sldId id="615" r:id="rId17"/>
+    <p:sldId id="621" r:id="rId18"/>
+    <p:sldId id="714" r:id="rId19"/>
+    <p:sldId id="715" r:id="rId20"/>
+    <p:sldId id="607" r:id="rId21"/>
+    <p:sldId id="633" r:id="rId22"/>
   </p:sldIdLst>
   <p:sldSz cx="12192000" cy="6858000"/>
   <p:notesSz cx="6797675" cy="9926638"/>
@@ -13151,6 +13153,1048 @@
           <p:cNvPr id="2" name="제목 1">
             <a:extLst>
               <a:ext uri="{FF2B5EF4-FFF2-40B4-BE49-F238E27FC236}">
+                <a16:creationId xmlns:a16="http://schemas.microsoft.com/office/drawing/2014/main" id="{5E8FE27E-4086-E570-1BA4-F2B433CAA376}"/>
+              </a:ext>
+            </a:extLst>
+          </p:cNvPr>
+          <p:cNvSpPr>
+            <a:spLocks noGrp="1"/>
+          </p:cNvSpPr>
+          <p:nvPr>
+            <p:ph type="title"/>
+          </p:nvPr>
+        </p:nvSpPr>
+        <p:spPr/>
+        <p:txBody>
+          <a:bodyPr/>
+          <a:lstStyle/>
+          <a:p>
+            <a:r>
+              <a:rPr lang="en-US" altLang="ko-KR" dirty="0"/>
+              <a:t>F2</a:t>
+            </a:r>
+            <a:endParaRPr lang="ko-KR" altLang="en-US" dirty="0"/>
+          </a:p>
+        </p:txBody>
+      </p:sp>
+      <p:sp>
+        <p:nvSpPr>
+          <p:cNvPr id="49" name="화살표: 오각형 48">
+            <a:extLst>
+              <a:ext uri="{FF2B5EF4-FFF2-40B4-BE49-F238E27FC236}">
+                <a16:creationId xmlns:a16="http://schemas.microsoft.com/office/drawing/2014/main" id="{7D85F617-2D54-97CF-8202-CC305633CFA2}"/>
+              </a:ext>
+            </a:extLst>
+          </p:cNvPr>
+          <p:cNvSpPr/>
+          <p:nvPr/>
+        </p:nvSpPr>
+        <p:spPr>
+          <a:xfrm flipH="1">
+            <a:off x="-283308" y="2304510"/>
+            <a:ext cx="1990302" cy="690024"/>
+          </a:xfrm>
+          <a:prstGeom prst="homePlate">
+            <a:avLst/>
+          </a:prstGeom>
+          <a:solidFill>
+            <a:schemeClr val="accent2">
+              <a:alpha val="50000"/>
+            </a:schemeClr>
+          </a:solidFill>
+          <a:ln>
+            <a:noFill/>
+          </a:ln>
+        </p:spPr>
+        <p:style>
+          <a:lnRef idx="0">
+            <a:scrgbClr r="0" g="0" b="0"/>
+          </a:lnRef>
+          <a:fillRef idx="0">
+            <a:scrgbClr r="0" g="0" b="0"/>
+          </a:fillRef>
+          <a:effectRef idx="0">
+            <a:scrgbClr r="0" g="0" b="0"/>
+          </a:effectRef>
+          <a:fontRef idx="minor">
+            <a:schemeClr val="lt1"/>
+          </a:fontRef>
+        </p:style>
+        <p:txBody>
+          <a:bodyPr vert="horz" wrap="none" lIns="91440" tIns="45720" rIns="91440" bIns="45720" numCol="1" rtlCol="0" anchor="ctr" anchorCtr="0" compatLnSpc="1">
+            <a:prstTxWarp prst="textNoShape">
+              <a:avLst/>
+            </a:prstTxWarp>
+          </a:bodyPr>
+          <a:lstStyle/>
+          <a:p>
+            <a:pPr algn="ctr"/>
+            <a:r>
+              <a:rPr lang="en-US" altLang="ko-KR" dirty="0">
+                <a:ea typeface="현대하모니 M" panose="02020603020101020101"/>
+              </a:rPr>
+              <a:t>API5</a:t>
+            </a:r>
+          </a:p>
+          <a:p>
+            <a:pPr algn="ctr"/>
+            <a:r>
+              <a:rPr lang="en-US" altLang="ko-KR" sz="1800" dirty="0">
+                <a:ea typeface="현대하모니 M" panose="02020603020101020101"/>
+              </a:rPr>
+              <a:t>[F1.R4~F1.R6]</a:t>
+            </a:r>
+            <a:endParaRPr lang="ko-KR" altLang="en-US" sz="1800" dirty="0">
+              <a:ea typeface="현대하모니 M" panose="02020603020101020101"/>
+            </a:endParaRPr>
+          </a:p>
+        </p:txBody>
+      </p:sp>
+      <p:sp>
+        <p:nvSpPr>
+          <p:cNvPr id="51" name="화살표: 오각형 50">
+            <a:extLst>
+              <a:ext uri="{FF2B5EF4-FFF2-40B4-BE49-F238E27FC236}">
+                <a16:creationId xmlns:a16="http://schemas.microsoft.com/office/drawing/2014/main" id="{DB0F150F-42D3-9BA7-CBD8-A0E171BEF7CE}"/>
+              </a:ext>
+            </a:extLst>
+          </p:cNvPr>
+          <p:cNvSpPr/>
+          <p:nvPr/>
+        </p:nvSpPr>
+        <p:spPr>
+          <a:xfrm flipH="1">
+            <a:off x="-283309" y="3083988"/>
+            <a:ext cx="1990302" cy="690024"/>
+          </a:xfrm>
+          <a:prstGeom prst="homePlate">
+            <a:avLst/>
+          </a:prstGeom>
+          <a:solidFill>
+            <a:schemeClr val="accent2">
+              <a:alpha val="50000"/>
+            </a:schemeClr>
+          </a:solidFill>
+          <a:ln>
+            <a:noFill/>
+          </a:ln>
+        </p:spPr>
+        <p:style>
+          <a:lnRef idx="0">
+            <a:scrgbClr r="0" g="0" b="0"/>
+          </a:lnRef>
+          <a:fillRef idx="0">
+            <a:scrgbClr r="0" g="0" b="0"/>
+          </a:fillRef>
+          <a:effectRef idx="0">
+            <a:scrgbClr r="0" g="0" b="0"/>
+          </a:effectRef>
+          <a:fontRef idx="minor">
+            <a:schemeClr val="lt1"/>
+          </a:fontRef>
+        </p:style>
+        <p:txBody>
+          <a:bodyPr vert="horz" wrap="none" lIns="91440" tIns="45720" rIns="91440" bIns="45720" numCol="1" rtlCol="0" anchor="ctr" anchorCtr="0" compatLnSpc="1">
+            <a:prstTxWarp prst="textNoShape">
+              <a:avLst/>
+            </a:prstTxWarp>
+          </a:bodyPr>
+          <a:lstStyle/>
+          <a:p>
+            <a:pPr algn="ctr"/>
+            <a:r>
+              <a:rPr lang="en-US" altLang="ko-KR" dirty="0">
+                <a:ea typeface="현대하모니 M" panose="02020603020101020101"/>
+              </a:rPr>
+              <a:t>API6</a:t>
+            </a:r>
+          </a:p>
+          <a:p>
+            <a:pPr algn="ctr"/>
+            <a:r>
+              <a:rPr lang="en-US" altLang="ko-KR" sz="1800" dirty="0">
+                <a:ea typeface="현대하모니 M" panose="02020603020101020101"/>
+              </a:rPr>
+              <a:t>[F1.R3~F1.R5]</a:t>
+            </a:r>
+            <a:endParaRPr lang="ko-KR" altLang="en-US" sz="1800" dirty="0">
+              <a:ea typeface="현대하모니 M" panose="02020603020101020101"/>
+            </a:endParaRPr>
+          </a:p>
+        </p:txBody>
+      </p:sp>
+      <p:cxnSp>
+        <p:nvCxnSpPr>
+          <p:cNvPr id="53" name="연결선: 꺾임 52">
+            <a:extLst>
+              <a:ext uri="{FF2B5EF4-FFF2-40B4-BE49-F238E27FC236}">
+                <a16:creationId xmlns:a16="http://schemas.microsoft.com/office/drawing/2014/main" id="{656CAF52-FC69-F978-7A4C-B868995299B3}"/>
+              </a:ext>
+            </a:extLst>
+          </p:cNvPr>
+          <p:cNvCxnSpPr>
+            <a:cxnSpLocks/>
+            <a:stCxn id="51" idx="1"/>
+            <a:endCxn id="49" idx="1"/>
+          </p:cNvCxnSpPr>
+          <p:nvPr/>
+        </p:nvCxnSpPr>
+        <p:spPr>
+          <a:xfrm flipV="1">
+            <a:off x="1706993" y="2649522"/>
+            <a:ext cx="1" cy="779478"/>
+          </a:xfrm>
+          <a:prstGeom prst="bentConnector3">
+            <a:avLst>
+              <a:gd name="adj1" fmla="val 22860100000"/>
+            </a:avLst>
+          </a:prstGeom>
+          <a:ln w="57150" cmpd="dbl">
+            <a:prstDash val="dashDot"/>
+            <a:headEnd type="none" w="med" len="med"/>
+            <a:tailEnd type="triangle" w="med" len="med"/>
+          </a:ln>
+        </p:spPr>
+        <p:style>
+          <a:lnRef idx="1">
+            <a:schemeClr val="accent1"/>
+          </a:lnRef>
+          <a:fillRef idx="0">
+            <a:schemeClr val="accent1"/>
+          </a:fillRef>
+          <a:effectRef idx="0">
+            <a:schemeClr val="accent1"/>
+          </a:effectRef>
+          <a:fontRef idx="minor">
+            <a:schemeClr val="tx1"/>
+          </a:fontRef>
+        </p:style>
+      </p:cxnSp>
+      <p:sp>
+        <p:nvSpPr>
+          <p:cNvPr id="8" name="화살표: 오각형 7">
+            <a:extLst>
+              <a:ext uri="{FF2B5EF4-FFF2-40B4-BE49-F238E27FC236}">
+                <a16:creationId xmlns:a16="http://schemas.microsoft.com/office/drawing/2014/main" id="{882A9CD2-3A56-FEF8-8EF9-DEA2D4947390}"/>
+              </a:ext>
+            </a:extLst>
+          </p:cNvPr>
+          <p:cNvSpPr/>
+          <p:nvPr/>
+        </p:nvSpPr>
+        <p:spPr>
+          <a:xfrm flipH="1">
+            <a:off x="-283309" y="3863466"/>
+            <a:ext cx="1990302" cy="690024"/>
+          </a:xfrm>
+          <a:prstGeom prst="homePlate">
+            <a:avLst/>
+          </a:prstGeom>
+          <a:solidFill>
+            <a:schemeClr val="accent2">
+              <a:alpha val="50000"/>
+            </a:schemeClr>
+          </a:solidFill>
+          <a:ln>
+            <a:noFill/>
+          </a:ln>
+        </p:spPr>
+        <p:style>
+          <a:lnRef idx="0">
+            <a:scrgbClr r="0" g="0" b="0"/>
+          </a:lnRef>
+          <a:fillRef idx="0">
+            <a:scrgbClr r="0" g="0" b="0"/>
+          </a:fillRef>
+          <a:effectRef idx="0">
+            <a:scrgbClr r="0" g="0" b="0"/>
+          </a:effectRef>
+          <a:fontRef idx="minor">
+            <a:schemeClr val="lt1"/>
+          </a:fontRef>
+        </p:style>
+        <p:txBody>
+          <a:bodyPr vert="horz" wrap="none" lIns="91440" tIns="45720" rIns="91440" bIns="45720" numCol="1" rtlCol="0" anchor="ctr" anchorCtr="0" compatLnSpc="1">
+            <a:prstTxWarp prst="textNoShape">
+              <a:avLst/>
+            </a:prstTxWarp>
+          </a:bodyPr>
+          <a:lstStyle/>
+          <a:p>
+            <a:pPr algn="ctr"/>
+            <a:r>
+              <a:rPr lang="en-US" altLang="ko-KR" sz="1800" dirty="0" err="1">
+                <a:ea typeface="현대하모니 M" panose="02020603020101020101"/>
+              </a:rPr>
+              <a:t>API9</a:t>
+            </a:r>
+            <a:endParaRPr lang="en-US" altLang="ko-KR" sz="1800" dirty="0">
+              <a:ea typeface="현대하모니 M" panose="02020603020101020101"/>
+            </a:endParaRPr>
+          </a:p>
+          <a:p>
+            <a:pPr algn="ctr"/>
+            <a:r>
+              <a:rPr lang="en-US" altLang="ko-KR" sz="1800" dirty="0">
+                <a:ea typeface="현대하모니 M" panose="02020603020101020101"/>
+              </a:rPr>
+              <a:t>[</a:t>
+            </a:r>
+            <a:r>
+              <a:rPr lang="en-US" altLang="ko-KR" sz="1800" dirty="0" err="1">
+                <a:ea typeface="현대하모니 M" panose="02020603020101020101"/>
+              </a:rPr>
+              <a:t>F1.R3~F1.R5</a:t>
+            </a:r>
+            <a:r>
+              <a:rPr lang="en-US" altLang="ko-KR" sz="1800" dirty="0">
+                <a:ea typeface="현대하모니 M" panose="02020603020101020101"/>
+              </a:rPr>
+              <a:t>]</a:t>
+            </a:r>
+            <a:endParaRPr lang="ko-KR" altLang="en-US" sz="1800" dirty="0">
+              <a:ea typeface="현대하모니 M" panose="02020603020101020101"/>
+            </a:endParaRPr>
+          </a:p>
+        </p:txBody>
+      </p:sp>
+      <p:sp>
+        <p:nvSpPr>
+          <p:cNvPr id="12" name="TextBox 11">
+            <a:extLst>
+              <a:ext uri="{FF2B5EF4-FFF2-40B4-BE49-F238E27FC236}">
+                <a16:creationId xmlns:a16="http://schemas.microsoft.com/office/drawing/2014/main" id="{F01B3072-E72D-A59C-94A1-6FD0D41160B0}"/>
+              </a:ext>
+            </a:extLst>
+          </p:cNvPr>
+          <p:cNvSpPr txBox="1"/>
+          <p:nvPr/>
+        </p:nvSpPr>
+        <p:spPr>
+          <a:xfrm>
+            <a:off x="2104292" y="2700322"/>
+            <a:ext cx="4444092" cy="646331"/>
+          </a:xfrm>
+          <a:prstGeom prst="rect">
+            <a:avLst/>
+          </a:prstGeom>
+          <a:noFill/>
+        </p:spPr>
+        <p:txBody>
+          <a:bodyPr wrap="square" rtlCol="0">
+            <a:spAutoFit/>
+          </a:bodyPr>
+          <a:lstStyle/>
+          <a:p>
+            <a:r>
+              <a:rPr lang="en-US" altLang="ko-KR" sz="1800" dirty="0"/>
+              <a:t> “ . ” </a:t>
+            </a:r>
+            <a:r>
+              <a:rPr lang="ko-KR" altLang="en-US" sz="1800" dirty="0"/>
+              <a:t>을 사용하여</a:t>
+            </a:r>
+            <a:endParaRPr lang="en-US" altLang="ko-KR" sz="1800" dirty="0"/>
+          </a:p>
+          <a:p>
+            <a:r>
+              <a:rPr lang="ko-KR" altLang="en-US" sz="1800" dirty="0"/>
+              <a:t>다른 </a:t>
+            </a:r>
+            <a:r>
+              <a:rPr lang="en-US" altLang="ko-KR" sz="1800" dirty="0"/>
+              <a:t>Flow Real</a:t>
+            </a:r>
+            <a:r>
+              <a:rPr lang="ko-KR" altLang="en-US" sz="1800" dirty="0"/>
+              <a:t>을 가져올 수 있다</a:t>
+            </a:r>
+            <a:r>
+              <a:rPr lang="en-US" altLang="ko-KR" sz="1800" dirty="0"/>
+              <a:t>.</a:t>
+            </a:r>
+          </a:p>
+        </p:txBody>
+      </p:sp>
+      <p:sp>
+        <p:nvSpPr>
+          <p:cNvPr id="18" name="TextBox 17">
+            <a:extLst>
+              <a:ext uri="{FF2B5EF4-FFF2-40B4-BE49-F238E27FC236}">
+                <a16:creationId xmlns:a16="http://schemas.microsoft.com/office/drawing/2014/main" id="{7E15F0DD-669B-8C25-9B56-BBA5168E3EA5}"/>
+              </a:ext>
+            </a:extLst>
+          </p:cNvPr>
+          <p:cNvSpPr txBox="1"/>
+          <p:nvPr/>
+        </p:nvSpPr>
+        <p:spPr>
+          <a:xfrm>
+            <a:off x="1629840" y="4552233"/>
+            <a:ext cx="4444092" cy="369332"/>
+          </a:xfrm>
+          <a:prstGeom prst="rect">
+            <a:avLst/>
+          </a:prstGeom>
+          <a:noFill/>
+        </p:spPr>
+        <p:txBody>
+          <a:bodyPr wrap="square" rtlCol="0">
+            <a:spAutoFit/>
+          </a:bodyPr>
+          <a:lstStyle/>
+          <a:p>
+            <a:r>
+              <a:rPr lang="en-US" altLang="ko-KR" sz="1800" dirty="0"/>
+              <a:t>TXs ~ </a:t>
+            </a:r>
+            <a:r>
+              <a:rPr lang="en-US" altLang="ko-KR" sz="1800" dirty="0" err="1"/>
+              <a:t>RXs</a:t>
+            </a:r>
+            <a:r>
+              <a:rPr lang="en-US" altLang="ko-KR" sz="1800" dirty="0"/>
+              <a:t> </a:t>
+            </a:r>
+            <a:r>
+              <a:rPr lang="ko-KR" altLang="en-US" sz="1800" dirty="0"/>
+              <a:t>생략불가능</a:t>
+            </a:r>
+            <a:endParaRPr lang="en-US" altLang="ko-KR" sz="1800" dirty="0"/>
+          </a:p>
+        </p:txBody>
+      </p:sp>
+      <p:cxnSp>
+        <p:nvCxnSpPr>
+          <p:cNvPr id="19" name="연결선: 꺾임 18">
+            <a:extLst>
+              <a:ext uri="{FF2B5EF4-FFF2-40B4-BE49-F238E27FC236}">
+                <a16:creationId xmlns:a16="http://schemas.microsoft.com/office/drawing/2014/main" id="{11766DCD-49D7-FC98-3F73-36B4116505FA}"/>
+              </a:ext>
+            </a:extLst>
+          </p:cNvPr>
+          <p:cNvCxnSpPr>
+            <a:cxnSpLocks/>
+            <a:stCxn id="51" idx="1"/>
+            <a:endCxn id="8" idx="1"/>
+          </p:cNvCxnSpPr>
+          <p:nvPr/>
+        </p:nvCxnSpPr>
+        <p:spPr>
+          <a:xfrm>
+            <a:off x="1706993" y="3429000"/>
+            <a:ext cx="12700" cy="779478"/>
+          </a:xfrm>
+          <a:prstGeom prst="bentConnector3">
+            <a:avLst>
+              <a:gd name="adj1" fmla="val 1800000"/>
+            </a:avLst>
+          </a:prstGeom>
+          <a:ln w="57150" cmpd="dbl">
+            <a:prstDash val="dashDot"/>
+            <a:headEnd type="none" w="med" len="med"/>
+            <a:tailEnd type="triangle" w="med" len="med"/>
+          </a:ln>
+        </p:spPr>
+        <p:style>
+          <a:lnRef idx="1">
+            <a:schemeClr val="accent1"/>
+          </a:lnRef>
+          <a:fillRef idx="0">
+            <a:schemeClr val="accent1"/>
+          </a:fillRef>
+          <a:effectRef idx="0">
+            <a:schemeClr val="accent1"/>
+          </a:effectRef>
+          <a:fontRef idx="minor">
+            <a:schemeClr val="tx1"/>
+          </a:fontRef>
+        </p:style>
+      </p:cxnSp>
+    </p:spTree>
+    <p:extLst>
+      <p:ext uri="{BB962C8B-B14F-4D97-AF65-F5344CB8AC3E}">
+        <p14:creationId xmlns:p14="http://schemas.microsoft.com/office/powerpoint/2010/main" val="232903512"/>
+      </p:ext>
+    </p:extLst>
+  </p:cSld>
+  <p:clrMapOvr>
+    <a:masterClrMapping/>
+  </p:clrMapOvr>
+</p:sld>
+</file>
+
+<file path=ppt/slides/slide11.xml><?xml version="1.0" encoding="utf-8"?>
+<p:sld xmlns:a="http://schemas.openxmlformats.org/drawingml/2006/main" xmlns:r="http://schemas.openxmlformats.org/officeDocument/2006/relationships" xmlns:p="http://schemas.openxmlformats.org/presentationml/2006/main" show="0">
+  <p:cSld>
+    <p:spTree>
+      <p:nvGrpSpPr>
+        <p:cNvPr id="1" name=""/>
+        <p:cNvGrpSpPr/>
+        <p:nvPr/>
+      </p:nvGrpSpPr>
+      <p:grpSpPr>
+        <a:xfrm>
+          <a:off x="0" y="0"/>
+          <a:ext cx="0" cy="0"/>
+          <a:chOff x="0" y="0"/>
+          <a:chExt cx="0" cy="0"/>
+        </a:xfrm>
+      </p:grpSpPr>
+      <p:sp>
+        <p:nvSpPr>
+          <p:cNvPr id="2" name="제목 1">
+            <a:extLst>
+              <a:ext uri="{FF2B5EF4-FFF2-40B4-BE49-F238E27FC236}">
+                <a16:creationId xmlns:a16="http://schemas.microsoft.com/office/drawing/2014/main" id="{E35BEC89-0CFB-7F29-D8C7-71B3E64B4D66}"/>
+              </a:ext>
+            </a:extLst>
+          </p:cNvPr>
+          <p:cNvSpPr>
+            <a:spLocks noGrp="1"/>
+          </p:cNvSpPr>
+          <p:nvPr>
+            <p:ph type="title"/>
+          </p:nvPr>
+        </p:nvSpPr>
+        <p:spPr/>
+        <p:txBody>
+          <a:bodyPr/>
+          <a:lstStyle/>
+          <a:p>
+            <a:r>
+              <a:rPr lang="en-US" altLang="ko-KR" dirty="0"/>
+              <a:t>T1</a:t>
+            </a:r>
+            <a:endParaRPr lang="ko-KR" altLang="en-US" dirty="0"/>
+          </a:p>
+        </p:txBody>
+      </p:sp>
+      <p:sp>
+        <p:nvSpPr>
+          <p:cNvPr id="5" name="직사각형 4">
+            <a:extLst>
+              <a:ext uri="{FF2B5EF4-FFF2-40B4-BE49-F238E27FC236}">
+                <a16:creationId xmlns:a16="http://schemas.microsoft.com/office/drawing/2014/main" id="{A2120A99-FD95-1369-3328-C124905A811D}"/>
+              </a:ext>
+            </a:extLst>
+          </p:cNvPr>
+          <p:cNvSpPr/>
+          <p:nvPr/>
+        </p:nvSpPr>
+        <p:spPr>
+          <a:xfrm>
+            <a:off x="7988400" y="4158041"/>
+            <a:ext cx="2437946" cy="1223682"/>
+          </a:xfrm>
+          <a:prstGeom prst="rect">
+            <a:avLst/>
+          </a:prstGeom>
+          <a:solidFill>
+            <a:schemeClr val="accent4">
+              <a:alpha val="50000"/>
+            </a:schemeClr>
+          </a:solidFill>
+          <a:ln>
+            <a:noFill/>
+          </a:ln>
+        </p:spPr>
+        <p:style>
+          <a:lnRef idx="0">
+            <a:scrgbClr r="0" g="0" b="0"/>
+          </a:lnRef>
+          <a:fillRef idx="0">
+            <a:scrgbClr r="0" g="0" b="0"/>
+          </a:fillRef>
+          <a:effectRef idx="0">
+            <a:scrgbClr r="0" g="0" b="0"/>
+          </a:effectRef>
+          <a:fontRef idx="minor">
+            <a:schemeClr val="lt1"/>
+          </a:fontRef>
+        </p:style>
+        <p:txBody>
+          <a:bodyPr rtlCol="0" anchor="ctr"/>
+          <a:lstStyle/>
+          <a:p>
+            <a:pPr algn="ctr"/>
+            <a:r>
+              <a:rPr lang="en-US" altLang="ko-KR" sz="1200" dirty="0" err="1"/>
+              <a:t>W2</a:t>
+            </a:r>
+            <a:endParaRPr lang="ko-KR" altLang="en-US" sz="1200" dirty="0"/>
+          </a:p>
+        </p:txBody>
+      </p:sp>
+      <p:cxnSp>
+        <p:nvCxnSpPr>
+          <p:cNvPr id="6" name="직선 화살표 연결선 5">
+            <a:extLst>
+              <a:ext uri="{FF2B5EF4-FFF2-40B4-BE49-F238E27FC236}">
+                <a16:creationId xmlns:a16="http://schemas.microsoft.com/office/drawing/2014/main" id="{E74E5CB1-7F24-0E65-9659-E049F77B2F9A}"/>
+              </a:ext>
+            </a:extLst>
+          </p:cNvPr>
+          <p:cNvCxnSpPr>
+            <a:cxnSpLocks/>
+            <a:stCxn id="7" idx="3"/>
+            <a:endCxn id="5" idx="1"/>
+          </p:cNvCxnSpPr>
+          <p:nvPr/>
+        </p:nvCxnSpPr>
+        <p:spPr>
+          <a:xfrm>
+            <a:off x="6534526" y="4220068"/>
+            <a:ext cx="1453874" cy="549814"/>
+          </a:xfrm>
+          <a:prstGeom prst="straightConnector1">
+            <a:avLst/>
+          </a:prstGeom>
+          <a:ln w="28575">
+            <a:solidFill>
+              <a:schemeClr val="tx1">
+                <a:lumMod val="75000"/>
+                <a:lumOff val="25000"/>
+              </a:schemeClr>
+            </a:solidFill>
+            <a:tailEnd type="triangle"/>
+          </a:ln>
+        </p:spPr>
+        <p:style>
+          <a:lnRef idx="1">
+            <a:schemeClr val="dk1"/>
+          </a:lnRef>
+          <a:fillRef idx="3">
+            <a:schemeClr val="dk1"/>
+          </a:fillRef>
+          <a:effectRef idx="2">
+            <a:schemeClr val="dk1"/>
+          </a:effectRef>
+          <a:fontRef idx="minor">
+            <a:schemeClr val="lt1"/>
+          </a:fontRef>
+        </p:style>
+      </p:cxnSp>
+      <p:grpSp>
+        <p:nvGrpSpPr>
+          <p:cNvPr id="8" name="그룹 7">
+            <a:extLst>
+              <a:ext uri="{FF2B5EF4-FFF2-40B4-BE49-F238E27FC236}">
+                <a16:creationId xmlns:a16="http://schemas.microsoft.com/office/drawing/2014/main" id="{E4E86703-9197-722D-B1EF-887463109F89}"/>
+              </a:ext>
+            </a:extLst>
+          </p:cNvPr>
+          <p:cNvGrpSpPr/>
+          <p:nvPr/>
+        </p:nvGrpSpPr>
+        <p:grpSpPr>
+          <a:xfrm>
+            <a:off x="810000" y="2424605"/>
+            <a:ext cx="5724526" cy="3590925"/>
+            <a:chOff x="848416" y="1962150"/>
+            <a:chExt cx="5724526" cy="3590925"/>
+          </a:xfrm>
+        </p:grpSpPr>
+        <p:sp>
+          <p:nvSpPr>
+            <p:cNvPr id="7" name="직사각형 6">
+              <a:extLst>
+                <a:ext uri="{FF2B5EF4-FFF2-40B4-BE49-F238E27FC236}">
+                  <a16:creationId xmlns:a16="http://schemas.microsoft.com/office/drawing/2014/main" id="{ABDB84CF-3826-2164-6107-3FAF7AEB955A}"/>
+                </a:ext>
+              </a:extLst>
+            </p:cNvPr>
+            <p:cNvSpPr/>
+            <p:nvPr/>
+          </p:nvSpPr>
+          <p:spPr>
+            <a:xfrm>
+              <a:off x="848416" y="1962150"/>
+              <a:ext cx="5724526" cy="3590925"/>
+            </a:xfrm>
+            <a:prstGeom prst="rect">
+              <a:avLst/>
+            </a:prstGeom>
+            <a:solidFill>
+              <a:schemeClr val="accent4">
+                <a:alpha val="50000"/>
+              </a:schemeClr>
+            </a:solidFill>
+            <a:ln>
+              <a:noFill/>
+            </a:ln>
+          </p:spPr>
+          <p:style>
+            <a:lnRef idx="0">
+              <a:scrgbClr r="0" g="0" b="0"/>
+            </a:lnRef>
+            <a:fillRef idx="0">
+              <a:scrgbClr r="0" g="0" b="0"/>
+            </a:fillRef>
+            <a:effectRef idx="0">
+              <a:scrgbClr r="0" g="0" b="0"/>
+            </a:effectRef>
+            <a:fontRef idx="minor">
+              <a:schemeClr val="lt1"/>
+            </a:fontRef>
+          </p:style>
+          <p:txBody>
+            <a:bodyPr rtlCol="0" anchor="t"/>
+            <a:lstStyle/>
+            <a:p>
+              <a:pPr algn="ctr"/>
+              <a:r>
+                <a:rPr lang="en-US" altLang="ko-KR" sz="2800" dirty="0" err="1">
+                  <a:solidFill>
+                    <a:schemeClr val="tx1"/>
+                  </a:solidFill>
+                </a:rPr>
+                <a:t>W1</a:t>
+              </a:r>
+              <a:endParaRPr lang="ko-KR" altLang="en-US" sz="1200" dirty="0">
+                <a:solidFill>
+                  <a:schemeClr val="tx1"/>
+                </a:solidFill>
+              </a:endParaRPr>
+            </a:p>
+          </p:txBody>
+        </p:sp>
+        <p:grpSp>
+          <p:nvGrpSpPr>
+            <p:cNvPr id="3" name="그룹 2">
+              <a:extLst>
+                <a:ext uri="{FF2B5EF4-FFF2-40B4-BE49-F238E27FC236}">
+                  <a16:creationId xmlns:a16="http://schemas.microsoft.com/office/drawing/2014/main" id="{217DAACF-5BCB-5A30-66B8-057CF83D7D6F}"/>
+                </a:ext>
+              </a:extLst>
+            </p:cNvPr>
+            <p:cNvGrpSpPr/>
+            <p:nvPr/>
+          </p:nvGrpSpPr>
+          <p:grpSpPr>
+            <a:xfrm>
+              <a:off x="1405973" y="2441441"/>
+              <a:ext cx="4398681" cy="2052964"/>
+              <a:chOff x="1314450" y="2476500"/>
+              <a:chExt cx="4476750" cy="2447925"/>
+            </a:xfrm>
+          </p:grpSpPr>
+          <p:sp>
+            <p:nvSpPr>
+              <p:cNvPr id="11" name="타원 10">
+                <a:extLst>
+                  <a:ext uri="{FF2B5EF4-FFF2-40B4-BE49-F238E27FC236}">
+                    <a16:creationId xmlns:a16="http://schemas.microsoft.com/office/drawing/2014/main" id="{A8DEAF01-6D94-28CA-7567-1D6E7A30C46B}"/>
+                  </a:ext>
+                </a:extLst>
+              </p:cNvPr>
+              <p:cNvSpPr/>
+              <p:nvPr/>
+            </p:nvSpPr>
+            <p:spPr>
+              <a:xfrm>
+                <a:off x="1314450" y="2476500"/>
+                <a:ext cx="1733550" cy="952500"/>
+              </a:xfrm>
+              <a:prstGeom prst="ellipse">
+                <a:avLst/>
+              </a:prstGeom>
+              <a:solidFill>
+                <a:schemeClr val="accent4">
+                  <a:alpha val="50000"/>
+                </a:schemeClr>
+              </a:solidFill>
+              <a:ln>
+                <a:noFill/>
+              </a:ln>
+            </p:spPr>
+            <p:style>
+              <a:lnRef idx="0">
+                <a:scrgbClr r="0" g="0" b="0"/>
+              </a:lnRef>
+              <a:fillRef idx="0">
+                <a:scrgbClr r="0" g="0" b="0"/>
+              </a:fillRef>
+              <a:effectRef idx="0">
+                <a:scrgbClr r="0" g="0" b="0"/>
+              </a:effectRef>
+              <a:fontRef idx="minor">
+                <a:schemeClr val="lt1"/>
+              </a:fontRef>
+            </p:style>
+            <p:txBody>
+              <a:bodyPr rtlCol="0" anchor="ctr"/>
+              <a:lstStyle/>
+              <a:p>
+                <a:pPr algn="ctr"/>
+                <a:r>
+                  <a:rPr lang="en-US" altLang="ko-KR" dirty="0"/>
+                  <a:t>Pin $ADV</a:t>
+                </a:r>
+                <a:endParaRPr lang="ko-KR" altLang="en-US" dirty="0"/>
+              </a:p>
+            </p:txBody>
+          </p:sp>
+          <p:sp>
+            <p:nvSpPr>
+              <p:cNvPr id="12" name="타원 11">
+                <a:extLst>
+                  <a:ext uri="{FF2B5EF4-FFF2-40B4-BE49-F238E27FC236}">
+                    <a16:creationId xmlns:a16="http://schemas.microsoft.com/office/drawing/2014/main" id="{97830B60-D108-9F85-29FC-869E4BDC5485}"/>
+                  </a:ext>
+                </a:extLst>
+              </p:cNvPr>
+              <p:cNvSpPr/>
+              <p:nvPr/>
+            </p:nvSpPr>
+            <p:spPr>
+              <a:xfrm>
+                <a:off x="4057650" y="3971925"/>
+                <a:ext cx="1733550" cy="952500"/>
+              </a:xfrm>
+              <a:prstGeom prst="ellipse">
+                <a:avLst/>
+              </a:prstGeom>
+              <a:solidFill>
+                <a:schemeClr val="accent4">
+                  <a:alpha val="50000"/>
+                </a:schemeClr>
+              </a:solidFill>
+              <a:ln>
+                <a:noFill/>
+              </a:ln>
+            </p:spPr>
+            <p:style>
+              <a:lnRef idx="0">
+                <a:scrgbClr r="0" g="0" b="0"/>
+              </a:lnRef>
+              <a:fillRef idx="0">
+                <a:scrgbClr r="0" g="0" b="0"/>
+              </a:fillRef>
+              <a:effectRef idx="0">
+                <a:scrgbClr r="0" g="0" b="0"/>
+              </a:effectRef>
+              <a:fontRef idx="minor">
+                <a:schemeClr val="lt1"/>
+              </a:fontRef>
+            </p:style>
+            <p:txBody>
+              <a:bodyPr rtlCol="0" anchor="ctr"/>
+              <a:lstStyle/>
+              <a:p>
+                <a:pPr algn="ctr"/>
+                <a:r>
+                  <a:rPr lang="en-US" altLang="ko-KR" dirty="0"/>
+                  <a:t>Pin $RET</a:t>
+                </a:r>
+                <a:endParaRPr lang="ko-KR" altLang="en-US" dirty="0"/>
+              </a:p>
+            </p:txBody>
+          </p:sp>
+          <p:cxnSp>
+            <p:nvCxnSpPr>
+              <p:cNvPr id="14" name="연결선: 꺾임 13">
+                <a:extLst>
+                  <a:ext uri="{FF2B5EF4-FFF2-40B4-BE49-F238E27FC236}">
+                    <a16:creationId xmlns:a16="http://schemas.microsoft.com/office/drawing/2014/main" id="{AA5A9BF2-AF58-9F27-CB69-91D64393C28C}"/>
+                  </a:ext>
+                </a:extLst>
+              </p:cNvPr>
+              <p:cNvCxnSpPr>
+                <a:stCxn id="11" idx="5"/>
+                <a:endCxn id="12" idx="1"/>
+              </p:cNvCxnSpPr>
+              <p:nvPr/>
+            </p:nvCxnSpPr>
+            <p:spPr>
+              <a:xfrm rot="16200000" flipH="1">
+                <a:off x="3141873" y="2941764"/>
+                <a:ext cx="821905" cy="1517396"/>
+              </a:xfrm>
+              <a:prstGeom prst="bentConnector3">
+                <a:avLst/>
+              </a:prstGeom>
+              <a:ln>
+                <a:tailEnd type="triangle"/>
+              </a:ln>
+            </p:spPr>
+            <p:style>
+              <a:lnRef idx="1">
+                <a:schemeClr val="accent4"/>
+              </a:lnRef>
+              <a:fillRef idx="0">
+                <a:schemeClr val="accent4"/>
+              </a:fillRef>
+              <a:effectRef idx="0">
+                <a:schemeClr val="accent4"/>
+              </a:effectRef>
+              <a:fontRef idx="minor">
+                <a:schemeClr val="tx1"/>
+              </a:fontRef>
+            </p:style>
+          </p:cxnSp>
+        </p:grpSp>
+      </p:grpSp>
+      <p:sp>
+        <p:nvSpPr>
+          <p:cNvPr id="10" name="TextBox 9">
+            <a:extLst>
+              <a:ext uri="{FF2B5EF4-FFF2-40B4-BE49-F238E27FC236}">
+                <a16:creationId xmlns:a16="http://schemas.microsoft.com/office/drawing/2014/main" id="{44715A5F-0AA2-A939-886D-6B28A93D09EB}"/>
+              </a:ext>
+            </a:extLst>
+          </p:cNvPr>
+          <p:cNvSpPr txBox="1"/>
+          <p:nvPr/>
+        </p:nvSpPr>
+        <p:spPr>
+          <a:xfrm>
+            <a:off x="6899712" y="5764481"/>
+            <a:ext cx="5023945" cy="646331"/>
+          </a:xfrm>
+          <a:prstGeom prst="rect">
+            <a:avLst/>
+          </a:prstGeom>
+          <a:noFill/>
+        </p:spPr>
+        <p:txBody>
+          <a:bodyPr wrap="square" rtlCol="0">
+            <a:spAutoFit/>
+          </a:bodyPr>
+          <a:lstStyle/>
+          <a:p>
+            <a:r>
+              <a:rPr lang="en-US" altLang="ko-KR" dirty="0"/>
+              <a:t>Loading Name $ Api </a:t>
+            </a:r>
+          </a:p>
+          <a:p>
+            <a:r>
+              <a:rPr lang="ko-KR" altLang="en-US" dirty="0"/>
+              <a:t>시스템 </a:t>
+            </a:r>
+            <a:r>
+              <a:rPr lang="en-US" altLang="ko-KR" dirty="0"/>
+              <a:t>API </a:t>
+            </a:r>
+            <a:r>
+              <a:rPr lang="ko-KR" altLang="en-US" dirty="0"/>
+              <a:t>는 </a:t>
+            </a:r>
+            <a:r>
+              <a:rPr lang="en-US" altLang="ko-KR" dirty="0"/>
+              <a:t>’$ ‘ </a:t>
+            </a:r>
+            <a:r>
+              <a:rPr lang="ko-KR" altLang="en-US" dirty="0"/>
+              <a:t>기호로 호출한다</a:t>
+            </a:r>
+            <a:r>
+              <a:rPr lang="en-US" altLang="ko-KR" dirty="0"/>
+              <a:t>.</a:t>
+            </a:r>
+            <a:endParaRPr lang="ko-KR" altLang="en-US" dirty="0"/>
+          </a:p>
+        </p:txBody>
+      </p:sp>
+      <p:sp>
+        <p:nvSpPr>
+          <p:cNvPr id="9" name="사각형: 모서리가 접힌 도형 8">
+            <a:extLst>
+              <a:ext uri="{FF2B5EF4-FFF2-40B4-BE49-F238E27FC236}">
+                <a16:creationId xmlns:a16="http://schemas.microsoft.com/office/drawing/2014/main" id="{CD4551F7-015D-C082-6A49-B87E9C21A9AC}"/>
+              </a:ext>
+            </a:extLst>
+          </p:cNvPr>
+          <p:cNvSpPr/>
+          <p:nvPr/>
+        </p:nvSpPr>
+        <p:spPr>
+          <a:xfrm>
+            <a:off x="9316310" y="2557743"/>
+            <a:ext cx="2437946" cy="1223682"/>
+          </a:xfrm>
+          <a:prstGeom prst="foldedCorner">
+            <a:avLst/>
+          </a:prstGeom>
+          <a:solidFill>
+            <a:schemeClr val="accent3">
+              <a:alpha val="50000"/>
+            </a:schemeClr>
+          </a:solidFill>
+          <a:ln>
+            <a:noFill/>
+          </a:ln>
+        </p:spPr>
+        <p:style>
+          <a:lnRef idx="0">
+            <a:scrgbClr r="0" g="0" b="0"/>
+          </a:lnRef>
+          <a:fillRef idx="0">
+            <a:scrgbClr r="0" g="0" b="0"/>
+          </a:fillRef>
+          <a:effectRef idx="0">
+            <a:scrgbClr r="0" g="0" b="0"/>
+          </a:effectRef>
+          <a:fontRef idx="minor">
+            <a:schemeClr val="lt1"/>
+          </a:fontRef>
+        </p:style>
+        <p:txBody>
+          <a:bodyPr rtlCol="0" anchor="ctr"/>
+          <a:lstStyle/>
+          <a:p>
+            <a:pPr algn="ctr"/>
+            <a:r>
+              <a:rPr lang="en-US" altLang="ko-KR" dirty="0"/>
+              <a:t>lib/Cylinder/Single </a:t>
+            </a:r>
+          </a:p>
+          <a:p>
+            <a:pPr algn="ctr"/>
+            <a:r>
+              <a:rPr lang="en-US" altLang="ko-KR" dirty="0"/>
+              <a:t>[Pin]</a:t>
+            </a:r>
+            <a:endParaRPr lang="ko-KR" altLang="en-US" dirty="0"/>
+          </a:p>
+        </p:txBody>
+      </p:sp>
+    </p:spTree>
+    <p:extLst>
+      <p:ext uri="{BB962C8B-B14F-4D97-AF65-F5344CB8AC3E}">
+        <p14:creationId xmlns:p14="http://schemas.microsoft.com/office/powerpoint/2010/main" val="805683712"/>
+      </p:ext>
+    </p:extLst>
+  </p:cSld>
+  <p:clrMapOvr>
+    <a:masterClrMapping/>
+  </p:clrMapOvr>
+</p:sld>
+</file>
+
+<file path=ppt/slides/slide12.xml><?xml version="1.0" encoding="utf-8"?>
+<p:sld xmlns:a="http://schemas.openxmlformats.org/drawingml/2006/main" xmlns:r="http://schemas.openxmlformats.org/officeDocument/2006/relationships" xmlns:p="http://schemas.openxmlformats.org/presentationml/2006/main" show="0">
+  <p:cSld>
+    <p:spTree>
+      <p:nvGrpSpPr>
+        <p:cNvPr id="1" name=""/>
+        <p:cNvGrpSpPr/>
+        <p:nvPr/>
+      </p:nvGrpSpPr>
+      <p:grpSpPr>
+        <a:xfrm>
+          <a:off x="0" y="0"/>
+          <a:ext cx="0" cy="0"/>
+          <a:chOff x="0" y="0"/>
+          <a:chExt cx="0" cy="0"/>
+        </a:xfrm>
+      </p:grpSpPr>
+      <p:sp>
+        <p:nvSpPr>
+          <p:cNvPr id="2" name="제목 1">
+            <a:extLst>
+              <a:ext uri="{FF2B5EF4-FFF2-40B4-BE49-F238E27FC236}">
                 <a16:creationId xmlns:a16="http://schemas.microsoft.com/office/drawing/2014/main" id="{E35BEC89-0CFB-7F29-D8C7-71B3E64B4D66}"/>
               </a:ext>
             </a:extLst>
@@ -13710,7 +14754,7 @@
 </p:sld>
 </file>
 
-<file path=ppt/slides/slide11.xml><?xml version="1.0" encoding="utf-8"?>
+<file path=ppt/slides/slide13.xml><?xml version="1.0" encoding="utf-8"?>
 <p:sld xmlns:a="http://schemas.openxmlformats.org/drawingml/2006/main" xmlns:r="http://schemas.openxmlformats.org/officeDocument/2006/relationships" xmlns:p="http://schemas.openxmlformats.org/presentationml/2006/main" show="0">
   <p:cSld>
     <p:spTree>
@@ -14255,7 +15299,7 @@
 </p:sld>
 </file>
 
-<file path=ppt/slides/slide12.xml><?xml version="1.0" encoding="utf-8"?>
+<file path=ppt/slides/slide14.xml><?xml version="1.0" encoding="utf-8"?>
 <p:sld xmlns:a="http://schemas.openxmlformats.org/drawingml/2006/main" xmlns:r="http://schemas.openxmlformats.org/officeDocument/2006/relationships" xmlns:p="http://schemas.openxmlformats.org/presentationml/2006/main" show="0">
   <p:cSld>
     <p:spTree>
@@ -14834,7 +15878,7 @@
 </p:sld>
 </file>
 
-<file path=ppt/slides/slide13.xml><?xml version="1.0" encoding="utf-8"?>
+<file path=ppt/slides/slide15.xml><?xml version="1.0" encoding="utf-8"?>
 <p:sld xmlns:a="http://schemas.openxmlformats.org/drawingml/2006/main" xmlns:r="http://schemas.openxmlformats.org/officeDocument/2006/relationships" xmlns:p="http://schemas.openxmlformats.org/presentationml/2006/main" show="0">
   <p:cSld>
     <p:spTree>
@@ -15370,7 +16414,7 @@
 </p:sld>
 </file>
 
-<file path=ppt/slides/slide14.xml><?xml version="1.0" encoding="utf-8"?>
+<file path=ppt/slides/slide16.xml><?xml version="1.0" encoding="utf-8"?>
 <p:sld xmlns:a="http://schemas.openxmlformats.org/drawingml/2006/main" xmlns:r="http://schemas.openxmlformats.org/officeDocument/2006/relationships" xmlns:p="http://schemas.openxmlformats.org/presentationml/2006/main" show="0">
   <p:cSld>
     <p:spTree>
@@ -16417,7 +17461,7 @@
 </p:sld>
 </file>
 
-<file path=ppt/slides/slide15.xml><?xml version="1.0" encoding="utf-8"?>
+<file path=ppt/slides/slide17.xml><?xml version="1.0" encoding="utf-8"?>
 <p:sld xmlns:a="http://schemas.openxmlformats.org/drawingml/2006/main" xmlns:r="http://schemas.openxmlformats.org/officeDocument/2006/relationships" xmlns:p="http://schemas.openxmlformats.org/presentationml/2006/main" show="0">
   <p:cSld>
     <p:spTree>
@@ -17228,7 +18272,7 @@
 </p:sld>
 </file>
 
-<file path=ppt/slides/slide16.xml><?xml version="1.0" encoding="utf-8"?>
+<file path=ppt/slides/slide18.xml><?xml version="1.0" encoding="utf-8"?>
 <p:sld xmlns:a="http://schemas.openxmlformats.org/drawingml/2006/main" xmlns:r="http://schemas.openxmlformats.org/officeDocument/2006/relationships" xmlns:p="http://schemas.openxmlformats.org/presentationml/2006/main" show="0">
   <p:cSld>
     <p:spTree>
@@ -17733,7 +18777,7 @@
 </p:sld>
 </file>
 
-<file path=ppt/slides/slide17.xml><?xml version="1.0" encoding="utf-8"?>
+<file path=ppt/slides/slide19.xml><?xml version="1.0" encoding="utf-8"?>
 <p:sld xmlns:a="http://schemas.openxmlformats.org/drawingml/2006/main" xmlns:r="http://schemas.openxmlformats.org/officeDocument/2006/relationships" xmlns:p="http://schemas.openxmlformats.org/presentationml/2006/main" show="0">
   <p:cSld>
     <p:spTree>
@@ -18088,7 +19132,400 @@
 </p:sld>
 </file>
 
-<file path=ppt/slides/slide18.xml><?xml version="1.0" encoding="utf-8"?>
+<file path=ppt/slides/slide2.xml><?xml version="1.0" encoding="utf-8"?>
+<p:sld xmlns:a="http://schemas.openxmlformats.org/drawingml/2006/main" xmlns:r="http://schemas.openxmlformats.org/officeDocument/2006/relationships" xmlns:p="http://schemas.openxmlformats.org/presentationml/2006/main" show="0">
+  <p:cSld>
+    <p:spTree>
+      <p:nvGrpSpPr>
+        <p:cNvPr id="1" name=""/>
+        <p:cNvGrpSpPr/>
+        <p:nvPr/>
+      </p:nvGrpSpPr>
+      <p:grpSpPr>
+        <a:xfrm>
+          <a:off x="0" y="0"/>
+          <a:ext cx="0" cy="0"/>
+          <a:chOff x="0" y="0"/>
+          <a:chExt cx="0" cy="0"/>
+        </a:xfrm>
+      </p:grpSpPr>
+      <p:sp>
+        <p:nvSpPr>
+          <p:cNvPr id="2" name="제목 1">
+            <a:extLst>
+              <a:ext uri="{FF2B5EF4-FFF2-40B4-BE49-F238E27FC236}">
+                <a16:creationId xmlns:a16="http://schemas.microsoft.com/office/drawing/2014/main" id="{0E7EE7A1-7B14-06A7-414F-ACB9F852EA89}"/>
+              </a:ext>
+            </a:extLst>
+          </p:cNvPr>
+          <p:cNvSpPr>
+            <a:spLocks noGrp="1"/>
+          </p:cNvSpPr>
+          <p:nvPr>
+            <p:ph type="title"/>
+          </p:nvPr>
+        </p:nvSpPr>
+        <p:spPr/>
+        <p:txBody>
+          <a:bodyPr/>
+          <a:lstStyle/>
+          <a:p>
+            <a:r>
+              <a:rPr lang="en-US" altLang="ko-KR" dirty="0"/>
+              <a:t>S101</a:t>
+            </a:r>
+            <a:endParaRPr lang="ko-KR" altLang="en-US" dirty="0"/>
+          </a:p>
+        </p:txBody>
+      </p:sp>
+      <p:sp>
+        <p:nvSpPr>
+          <p:cNvPr id="8" name="TextBox 7">
+            <a:extLst>
+              <a:ext uri="{FF2B5EF4-FFF2-40B4-BE49-F238E27FC236}">
+                <a16:creationId xmlns:a16="http://schemas.microsoft.com/office/drawing/2014/main" id="{3B6BBB1D-8F33-F2F4-5E18-D4FAFA795448}"/>
+              </a:ext>
+            </a:extLst>
+          </p:cNvPr>
+          <p:cNvSpPr txBox="1"/>
+          <p:nvPr/>
+        </p:nvSpPr>
+        <p:spPr>
+          <a:xfrm>
+            <a:off x="3985297" y="4008142"/>
+            <a:ext cx="3917732" cy="646331"/>
+          </a:xfrm>
+          <a:prstGeom prst="rect">
+            <a:avLst/>
+          </a:prstGeom>
+          <a:noFill/>
+        </p:spPr>
+        <p:txBody>
+          <a:bodyPr wrap="square" rtlCol="0">
+            <a:spAutoFit/>
+          </a:bodyPr>
+          <a:lstStyle/>
+          <a:p>
+            <a:r>
+              <a:rPr lang="en-US" altLang="ko-KR" dirty="0"/>
+              <a:t>Loading </a:t>
+            </a:r>
+            <a:r>
+              <a:rPr lang="ko-KR" altLang="en-US" dirty="0"/>
+              <a:t>시스템 경로   →</a:t>
+            </a:r>
+            <a:endParaRPr lang="en-US" altLang="ko-KR" dirty="0"/>
+          </a:p>
+          <a:p>
+            <a:r>
+              <a:rPr lang="en-US" altLang="ko-KR" dirty="0"/>
+              <a:t>[</a:t>
+            </a:r>
+            <a:r>
+              <a:rPr lang="ko-KR" altLang="en-US" dirty="0"/>
+              <a:t>이름지정</a:t>
+            </a:r>
+            <a:r>
+              <a:rPr lang="en-US" altLang="ko-KR" dirty="0"/>
+              <a:t>]   	        </a:t>
+            </a:r>
+            <a:r>
+              <a:rPr lang="ko-KR" altLang="en-US" dirty="0"/>
+              <a:t>→</a:t>
+            </a:r>
+          </a:p>
+        </p:txBody>
+      </p:sp>
+      <p:sp>
+        <p:nvSpPr>
+          <p:cNvPr id="9" name="TextBox 8">
+            <a:extLst>
+              <a:ext uri="{FF2B5EF4-FFF2-40B4-BE49-F238E27FC236}">
+                <a16:creationId xmlns:a16="http://schemas.microsoft.com/office/drawing/2014/main" id="{DEBCA628-F50A-2352-F68D-0EA3A5DEBE9B}"/>
+              </a:ext>
+            </a:extLst>
+          </p:cNvPr>
+          <p:cNvSpPr txBox="1"/>
+          <p:nvPr/>
+        </p:nvSpPr>
+        <p:spPr>
+          <a:xfrm>
+            <a:off x="652831" y="2904181"/>
+            <a:ext cx="9676274" cy="646331"/>
+          </a:xfrm>
+          <a:prstGeom prst="rect">
+            <a:avLst/>
+          </a:prstGeom>
+          <a:noFill/>
+        </p:spPr>
+        <p:txBody>
+          <a:bodyPr wrap="square" rtlCol="0">
+            <a:spAutoFit/>
+          </a:bodyPr>
+          <a:lstStyle/>
+          <a:p>
+            <a:r>
+              <a:rPr lang="ko-KR" altLang="en-US" dirty="0"/>
+              <a:t>외부 시스템 </a:t>
+            </a:r>
+            <a:r>
+              <a:rPr lang="en-US" altLang="ko-KR" dirty="0"/>
+              <a:t>Call </a:t>
+            </a:r>
+            <a:r>
+              <a:rPr lang="ko-KR" altLang="en-US" dirty="0"/>
+              <a:t>경우에는 시스템을 </a:t>
+            </a:r>
+            <a:r>
+              <a:rPr lang="en-US" altLang="ko-KR" dirty="0"/>
+              <a:t>Loading </a:t>
+            </a:r>
+            <a:r>
+              <a:rPr lang="ko-KR" altLang="en-US" dirty="0"/>
+              <a:t>해야 한다</a:t>
+            </a:r>
+            <a:r>
+              <a:rPr lang="en-US" altLang="ko-KR" dirty="0"/>
+              <a:t>.</a:t>
+            </a:r>
+          </a:p>
+          <a:p>
+            <a:r>
+              <a:rPr lang="en-US" altLang="ko-KR" dirty="0"/>
+              <a:t>Loading </a:t>
+            </a:r>
+            <a:r>
+              <a:rPr lang="ko-KR" altLang="en-US" dirty="0"/>
+              <a:t>도형 </a:t>
+            </a:r>
+            <a:r>
+              <a:rPr lang="en-US" altLang="ko-KR" dirty="0"/>
+              <a:t>: </a:t>
+            </a:r>
+            <a:r>
+              <a:rPr lang="ko-KR" altLang="en-US" dirty="0"/>
+              <a:t>모서리가 접힌 사각형  사용</a:t>
+            </a:r>
+          </a:p>
+        </p:txBody>
+      </p:sp>
+      <p:sp>
+        <p:nvSpPr>
+          <p:cNvPr id="11" name="사각형: 모서리가 접힌 도형 10">
+            <a:extLst>
+              <a:ext uri="{FF2B5EF4-FFF2-40B4-BE49-F238E27FC236}">
+                <a16:creationId xmlns:a16="http://schemas.microsoft.com/office/drawing/2014/main" id="{315E1109-CE1F-AED5-1B4F-B96C02A1EF9A}"/>
+              </a:ext>
+            </a:extLst>
+          </p:cNvPr>
+          <p:cNvSpPr/>
+          <p:nvPr/>
+        </p:nvSpPr>
+        <p:spPr>
+          <a:xfrm>
+            <a:off x="6846575" y="3930359"/>
+            <a:ext cx="2265308" cy="927391"/>
+          </a:xfrm>
+          <a:prstGeom prst="foldedCorner">
+            <a:avLst>
+              <a:gd name="adj" fmla="val 27487"/>
+            </a:avLst>
+          </a:prstGeom>
+          <a:solidFill>
+            <a:schemeClr val="accent3">
+              <a:alpha val="50000"/>
+            </a:schemeClr>
+          </a:solidFill>
+          <a:ln>
+            <a:noFill/>
+          </a:ln>
+        </p:spPr>
+        <p:style>
+          <a:lnRef idx="0">
+            <a:scrgbClr r="0" g="0" b="0"/>
+          </a:lnRef>
+          <a:fillRef idx="0">
+            <a:scrgbClr r="0" g="0" b="0"/>
+          </a:fillRef>
+          <a:effectRef idx="0">
+            <a:scrgbClr r="0" g="0" b="0"/>
+          </a:effectRef>
+          <a:fontRef idx="minor">
+            <a:schemeClr val="lt1"/>
+          </a:fontRef>
+        </p:style>
+        <p:txBody>
+          <a:bodyPr rtlCol="0" anchor="ctr"/>
+          <a:lstStyle/>
+          <a:p>
+            <a:pPr algn="ctr"/>
+            <a:r>
+              <a:rPr lang="en-US" altLang="ko-KR" sz="1600" dirty="0"/>
+              <a:t>lib/Cylinder/Double</a:t>
+            </a:r>
+          </a:p>
+          <a:p>
+            <a:pPr algn="ctr"/>
+            <a:r>
+              <a:rPr lang="en-US" altLang="ko-KR" sz="1600" dirty="0"/>
+              <a:t>[Pin]</a:t>
+            </a:r>
+            <a:endParaRPr lang="ko-KR" altLang="en-US" sz="1600" dirty="0"/>
+          </a:p>
+        </p:txBody>
+      </p:sp>
+      <p:sp>
+        <p:nvSpPr>
+          <p:cNvPr id="3" name="사각형: 모서리가 접힌 도형 2">
+            <a:extLst>
+              <a:ext uri="{FF2B5EF4-FFF2-40B4-BE49-F238E27FC236}">
+                <a16:creationId xmlns:a16="http://schemas.microsoft.com/office/drawing/2014/main" id="{03FFF656-9483-33FC-B597-3A02BDD38418}"/>
+              </a:ext>
+            </a:extLst>
+          </p:cNvPr>
+          <p:cNvSpPr/>
+          <p:nvPr/>
+        </p:nvSpPr>
+        <p:spPr>
+          <a:xfrm>
+            <a:off x="6846575" y="5237597"/>
+            <a:ext cx="2265308" cy="927391"/>
+          </a:xfrm>
+          <a:prstGeom prst="foldedCorner">
+            <a:avLst>
+              <a:gd name="adj" fmla="val 27487"/>
+            </a:avLst>
+          </a:prstGeom>
+          <a:solidFill>
+            <a:schemeClr val="accent3">
+              <a:alpha val="50000"/>
+            </a:schemeClr>
+          </a:solidFill>
+          <a:ln>
+            <a:noFill/>
+          </a:ln>
+        </p:spPr>
+        <p:style>
+          <a:lnRef idx="0">
+            <a:scrgbClr r="0" g="0" b="0"/>
+          </a:lnRef>
+          <a:fillRef idx="0">
+            <a:scrgbClr r="0" g="0" b="0"/>
+          </a:fillRef>
+          <a:effectRef idx="0">
+            <a:scrgbClr r="0" g="0" b="0"/>
+          </a:effectRef>
+          <a:fontRef idx="minor">
+            <a:schemeClr val="lt1"/>
+          </a:fontRef>
+        </p:style>
+        <p:txBody>
+          <a:bodyPr rtlCol="0" anchor="ctr"/>
+          <a:lstStyle/>
+          <a:p>
+            <a:pPr algn="ctr"/>
+            <a:r>
+              <a:rPr lang="en-US" altLang="ko-KR" sz="1600" dirty="0"/>
+              <a:t>lib/Robot/Weld</a:t>
+            </a:r>
+          </a:p>
+          <a:p>
+            <a:pPr algn="ctr"/>
+            <a:r>
+              <a:rPr lang="en-US" altLang="ko-KR" sz="1600" dirty="0"/>
+              <a:t>[Rbt1]</a:t>
+            </a:r>
+            <a:endParaRPr lang="ko-KR" altLang="en-US" sz="1600" dirty="0"/>
+          </a:p>
+        </p:txBody>
+      </p:sp>
+      <p:sp>
+        <p:nvSpPr>
+          <p:cNvPr id="4" name="사각형: 모서리가 접힌 도형 3">
+            <a:extLst>
+              <a:ext uri="{FF2B5EF4-FFF2-40B4-BE49-F238E27FC236}">
+                <a16:creationId xmlns:a16="http://schemas.microsoft.com/office/drawing/2014/main" id="{479D59D1-5025-C5B1-ED3B-A0ECB4F8AAB2}"/>
+              </a:ext>
+            </a:extLst>
+          </p:cNvPr>
+          <p:cNvSpPr/>
+          <p:nvPr/>
+        </p:nvSpPr>
+        <p:spPr>
+          <a:xfrm>
+            <a:off x="7579820" y="2213702"/>
+            <a:ext cx="2265308" cy="927391"/>
+          </a:xfrm>
+          <a:prstGeom prst="foldedCorner">
+            <a:avLst>
+              <a:gd name="adj" fmla="val 27487"/>
+            </a:avLst>
+          </a:prstGeom>
+          <a:solidFill>
+            <a:schemeClr val="accent3">
+              <a:alpha val="50000"/>
+            </a:schemeClr>
+          </a:solidFill>
+          <a:ln>
+            <a:noFill/>
+          </a:ln>
+        </p:spPr>
+        <p:style>
+          <a:lnRef idx="0">
+            <a:scrgbClr r="0" g="0" b="0"/>
+          </a:lnRef>
+          <a:fillRef idx="0">
+            <a:scrgbClr r="0" g="0" b="0"/>
+          </a:fillRef>
+          <a:effectRef idx="0">
+            <a:scrgbClr r="0" g="0" b="0"/>
+          </a:effectRef>
+          <a:fontRef idx="minor">
+            <a:schemeClr val="lt1"/>
+          </a:fontRef>
+        </p:style>
+        <p:txBody>
+          <a:bodyPr rtlCol="0" anchor="ctr"/>
+          <a:lstStyle/>
+          <a:p>
+            <a:pPr algn="ctr"/>
+            <a:r>
+              <a:rPr lang="en-US" altLang="ko-KR" sz="1600" dirty="0"/>
+              <a:t>lib/Cylinder/Double</a:t>
+            </a:r>
+          </a:p>
+          <a:p>
+            <a:pPr algn="ctr"/>
+            <a:r>
+              <a:rPr lang="en-US" altLang="ko-KR" sz="1600" dirty="0"/>
+              <a:t>[</a:t>
+            </a:r>
+            <a:r>
+              <a:rPr lang="en-US" altLang="ko-KR" sz="1600" dirty="0" err="1"/>
+              <a:t>Pin2</a:t>
+            </a:r>
+            <a:r>
+              <a:rPr lang="en-US" altLang="ko-KR" sz="1600" dirty="0"/>
+              <a:t>]</a:t>
+            </a:r>
+            <a:endParaRPr lang="ko-KR" altLang="en-US" sz="1600" dirty="0"/>
+          </a:p>
+        </p:txBody>
+      </p:sp>
+    </p:spTree>
+    <p:extLst>
+      <p:ext uri="{BB962C8B-B14F-4D97-AF65-F5344CB8AC3E}">
+        <p14:creationId xmlns:p14="http://schemas.microsoft.com/office/powerpoint/2010/main" val="2346780900"/>
+      </p:ext>
+    </p:extLst>
+  </p:cSld>
+  <p:clrMapOvr>
+    <a:masterClrMapping/>
+  </p:clrMapOvr>
+</p:sld>
+</file>
+
+<file path=ppt/slides/slide20.xml><?xml version="1.0" encoding="utf-8"?>
 <p:sld xmlns:a="http://schemas.openxmlformats.org/drawingml/2006/main" xmlns:r="http://schemas.openxmlformats.org/officeDocument/2006/relationships" xmlns:p="http://schemas.openxmlformats.org/presentationml/2006/main" show="0">
   <p:cSld>
     <p:spTree>
@@ -18443,7 +19880,7 @@
 </p:sld>
 </file>
 
-<file path=ppt/slides/slide19.xml><?xml version="1.0" encoding="utf-8"?>
+<file path=ppt/slides/slide21.xml><?xml version="1.0" encoding="utf-8"?>
 <p:sld xmlns:a="http://schemas.openxmlformats.org/drawingml/2006/main" xmlns:r="http://schemas.openxmlformats.org/officeDocument/2006/relationships" xmlns:p="http://schemas.openxmlformats.org/presentationml/2006/main" show="0">
   <p:cSld>
     <p:spTree>
@@ -19039,7 +20476,7 @@
 </p:sld>
 </file>
 
-<file path=ppt/slides/slide2.xml><?xml version="1.0" encoding="utf-8"?>
+<file path=ppt/slides/slide3.xml><?xml version="1.0" encoding="utf-8"?>
 <p:sld xmlns:a="http://schemas.openxmlformats.org/drawingml/2006/main" xmlns:r="http://schemas.openxmlformats.org/officeDocument/2006/relationships" xmlns:p="http://schemas.openxmlformats.org/presentationml/2006/main" show="0">
   <p:cSld>
     <p:spTree>
@@ -19079,140 +20516,9 @@
           <a:p>
             <a:r>
               <a:rPr lang="en-US" altLang="ko-KR" dirty="0"/>
-              <a:t>S101</a:t>
+              <a:t>S102</a:t>
             </a:r>
             <a:endParaRPr lang="ko-KR" altLang="en-US" dirty="0"/>
-          </a:p>
-        </p:txBody>
-      </p:sp>
-      <p:sp>
-        <p:nvSpPr>
-          <p:cNvPr id="8" name="TextBox 7">
-            <a:extLst>
-              <a:ext uri="{FF2B5EF4-FFF2-40B4-BE49-F238E27FC236}">
-                <a16:creationId xmlns:a16="http://schemas.microsoft.com/office/drawing/2014/main" id="{3B6BBB1D-8F33-F2F4-5E18-D4FAFA795448}"/>
-              </a:ext>
-            </a:extLst>
-          </p:cNvPr>
-          <p:cNvSpPr txBox="1"/>
-          <p:nvPr/>
-        </p:nvSpPr>
-        <p:spPr>
-          <a:xfrm>
-            <a:off x="3985297" y="4008142"/>
-            <a:ext cx="3917732" cy="646331"/>
-          </a:xfrm>
-          <a:prstGeom prst="rect">
-            <a:avLst/>
-          </a:prstGeom>
-          <a:noFill/>
-        </p:spPr>
-        <p:txBody>
-          <a:bodyPr wrap="square" rtlCol="0">
-            <a:spAutoFit/>
-          </a:bodyPr>
-          <a:lstStyle/>
-          <a:p>
-            <a:r>
-              <a:rPr lang="en-US" altLang="ko-KR" dirty="0"/>
-              <a:t>Loading </a:t>
-            </a:r>
-            <a:r>
-              <a:rPr lang="ko-KR" altLang="en-US" dirty="0"/>
-              <a:t>시스템 경로   →</a:t>
-            </a:r>
-            <a:endParaRPr lang="en-US" altLang="ko-KR" dirty="0"/>
-          </a:p>
-          <a:p>
-            <a:r>
-              <a:rPr lang="en-US" altLang="ko-KR" dirty="0"/>
-              <a:t>[</a:t>
-            </a:r>
-            <a:r>
-              <a:rPr lang="ko-KR" altLang="en-US" dirty="0"/>
-              <a:t>이름지정</a:t>
-            </a:r>
-            <a:r>
-              <a:rPr lang="en-US" altLang="ko-KR" dirty="0"/>
-              <a:t>]   	        </a:t>
-            </a:r>
-            <a:r>
-              <a:rPr lang="ko-KR" altLang="en-US" dirty="0"/>
-              <a:t>→</a:t>
-            </a:r>
-          </a:p>
-        </p:txBody>
-      </p:sp>
-      <p:sp>
-        <p:nvSpPr>
-          <p:cNvPr id="9" name="TextBox 8">
-            <a:extLst>
-              <a:ext uri="{FF2B5EF4-FFF2-40B4-BE49-F238E27FC236}">
-                <a16:creationId xmlns:a16="http://schemas.microsoft.com/office/drawing/2014/main" id="{DEBCA628-F50A-2352-F68D-0EA3A5DEBE9B}"/>
-              </a:ext>
-            </a:extLst>
-          </p:cNvPr>
-          <p:cNvSpPr txBox="1"/>
-          <p:nvPr/>
-        </p:nvSpPr>
-        <p:spPr>
-          <a:xfrm>
-            <a:off x="652831" y="2904181"/>
-            <a:ext cx="9676274" cy="646331"/>
-          </a:xfrm>
-          <a:prstGeom prst="rect">
-            <a:avLst/>
-          </a:prstGeom>
-          <a:noFill/>
-        </p:spPr>
-        <p:txBody>
-          <a:bodyPr wrap="square" rtlCol="0">
-            <a:spAutoFit/>
-          </a:bodyPr>
-          <a:lstStyle/>
-          <a:p>
-            <a:r>
-              <a:rPr lang="ko-KR" altLang="en-US" dirty="0"/>
-              <a:t>외부 시스템 </a:t>
-            </a:r>
-            <a:r>
-              <a:rPr lang="en-US" altLang="ko-KR" dirty="0"/>
-              <a:t>Call </a:t>
-            </a:r>
-            <a:r>
-              <a:rPr lang="ko-KR" altLang="en-US" dirty="0"/>
-              <a:t>경우에는 시스템을 </a:t>
-            </a:r>
-            <a:r>
-              <a:rPr lang="en-US" altLang="ko-KR" dirty="0"/>
-              <a:t>Loading </a:t>
-            </a:r>
-            <a:r>
-              <a:rPr lang="ko-KR" altLang="en-US" dirty="0"/>
-              <a:t>해야 한다</a:t>
-            </a:r>
-            <a:r>
-              <a:rPr lang="en-US" altLang="ko-KR" dirty="0"/>
-              <a:t>.</a:t>
-            </a:r>
-          </a:p>
-          <a:p>
-            <a:r>
-              <a:rPr lang="en-US" altLang="ko-KR" dirty="0"/>
-              <a:t>Loading </a:t>
-            </a:r>
-            <a:r>
-              <a:rPr lang="ko-KR" altLang="en-US" dirty="0"/>
-              <a:t>도형 </a:t>
-            </a:r>
-            <a:r>
-              <a:rPr lang="en-US" altLang="ko-KR" dirty="0"/>
-              <a:t>: </a:t>
-            </a:r>
-            <a:r>
-              <a:rPr lang="ko-KR" altLang="en-US" dirty="0"/>
-              <a:t>모서리가 접힌 사각형  사용</a:t>
-            </a:r>
           </a:p>
         </p:txBody>
       </p:sp>
@@ -19346,83 +20652,10 @@
           </a:p>
         </p:txBody>
       </p:sp>
-      <p:sp>
-        <p:nvSpPr>
-          <p:cNvPr id="4" name="사각형: 모서리가 접힌 도형 3">
-            <a:extLst>
-              <a:ext uri="{FF2B5EF4-FFF2-40B4-BE49-F238E27FC236}">
-                <a16:creationId xmlns:a16="http://schemas.microsoft.com/office/drawing/2014/main" id="{479D59D1-5025-C5B1-ED3B-A0ECB4F8AAB2}"/>
-              </a:ext>
-            </a:extLst>
-          </p:cNvPr>
-          <p:cNvSpPr/>
-          <p:nvPr/>
-        </p:nvSpPr>
-        <p:spPr>
-          <a:xfrm>
-            <a:off x="7579820" y="2213702"/>
-            <a:ext cx="2265308" cy="927391"/>
-          </a:xfrm>
-          <a:prstGeom prst="foldedCorner">
-            <a:avLst>
-              <a:gd name="adj" fmla="val 27487"/>
-            </a:avLst>
-          </a:prstGeom>
-          <a:solidFill>
-            <a:schemeClr val="accent3">
-              <a:alpha val="50000"/>
-            </a:schemeClr>
-          </a:solidFill>
-          <a:ln>
-            <a:noFill/>
-          </a:ln>
-        </p:spPr>
-        <p:style>
-          <a:lnRef idx="0">
-            <a:scrgbClr r="0" g="0" b="0"/>
-          </a:lnRef>
-          <a:fillRef idx="0">
-            <a:scrgbClr r="0" g="0" b="0"/>
-          </a:fillRef>
-          <a:effectRef idx="0">
-            <a:scrgbClr r="0" g="0" b="0"/>
-          </a:effectRef>
-          <a:fontRef idx="minor">
-            <a:schemeClr val="lt1"/>
-          </a:fontRef>
-        </p:style>
-        <p:txBody>
-          <a:bodyPr rtlCol="0" anchor="ctr"/>
-          <a:lstStyle/>
-          <a:p>
-            <a:pPr algn="ctr"/>
-            <a:r>
-              <a:rPr lang="en-US" altLang="ko-KR" sz="1600" dirty="0"/>
-              <a:t>lib/Cylinder/Double</a:t>
-            </a:r>
-          </a:p>
-          <a:p>
-            <a:pPr algn="ctr"/>
-            <a:r>
-              <a:rPr lang="en-US" altLang="ko-KR" sz="1600" dirty="0"/>
-              <a:t>[</a:t>
-            </a:r>
-            <a:r>
-              <a:rPr lang="en-US" altLang="ko-KR" sz="1600" dirty="0" err="1"/>
-              <a:t>Pin2</a:t>
-            </a:r>
-            <a:r>
-              <a:rPr lang="en-US" altLang="ko-KR" sz="1600" dirty="0"/>
-              <a:t>]</a:t>
-            </a:r>
-            <a:endParaRPr lang="ko-KR" altLang="en-US" sz="1600" dirty="0"/>
-          </a:p>
-        </p:txBody>
-      </p:sp>
     </p:spTree>
     <p:extLst>
       <p:ext uri="{BB962C8B-B14F-4D97-AF65-F5344CB8AC3E}">
-        <p14:creationId xmlns:p14="http://schemas.microsoft.com/office/powerpoint/2010/main" val="2346780900"/>
+        <p14:creationId xmlns:p14="http://schemas.microsoft.com/office/powerpoint/2010/main" val="799963828"/>
       </p:ext>
     </p:extLst>
   </p:cSld>
@@ -19432,7 +20665,7 @@
 </p:sld>
 </file>
 
-<file path=ppt/slides/slide3.xml><?xml version="1.0" encoding="utf-8"?>
+<file path=ppt/slides/slide4.xml><?xml version="1.0" encoding="utf-8"?>
 <p:sld xmlns:a="http://schemas.openxmlformats.org/drawingml/2006/main" xmlns:r="http://schemas.openxmlformats.org/officeDocument/2006/relationships" xmlns:p="http://schemas.openxmlformats.org/presentationml/2006/main" show="0">
   <p:cSld>
     <p:spTree>
@@ -19454,7 +20687,7 @@
           <p:cNvPr id="2" name="제목 1">
             <a:extLst>
               <a:ext uri="{FF2B5EF4-FFF2-40B4-BE49-F238E27FC236}">
-                <a16:creationId xmlns:a16="http://schemas.microsoft.com/office/drawing/2014/main" id="{0E7EE7A1-7B14-06A7-414F-ACB9F852EA89}"/>
+                <a16:creationId xmlns:a16="http://schemas.microsoft.com/office/drawing/2014/main" id="{5E8FE27E-4086-E570-1BA4-F2B433CAA376}"/>
               </a:ext>
             </a:extLst>
           </p:cNvPr>
@@ -19471,785 +20704,13 @@
           <a:lstStyle/>
           <a:p>
             <a:r>
-              <a:rPr lang="en-US" altLang="ko-KR" dirty="0"/>
-              <a:t>S102</a:t>
+              <a:rPr lang="en-US" altLang="ko-KR"/>
+              <a:t>S111</a:t>
             </a:r>
             <a:endParaRPr lang="ko-KR" altLang="en-US" dirty="0"/>
           </a:p>
         </p:txBody>
       </p:sp>
-      <p:sp>
-        <p:nvSpPr>
-          <p:cNvPr id="11" name="사각형: 모서리가 접힌 도형 10">
-            <a:extLst>
-              <a:ext uri="{FF2B5EF4-FFF2-40B4-BE49-F238E27FC236}">
-                <a16:creationId xmlns:a16="http://schemas.microsoft.com/office/drawing/2014/main" id="{315E1109-CE1F-AED5-1B4F-B96C02A1EF9A}"/>
-              </a:ext>
-            </a:extLst>
-          </p:cNvPr>
-          <p:cNvSpPr/>
-          <p:nvPr/>
-        </p:nvSpPr>
-        <p:spPr>
-          <a:xfrm>
-            <a:off x="6846575" y="3930359"/>
-            <a:ext cx="2265308" cy="927391"/>
-          </a:xfrm>
-          <a:prstGeom prst="foldedCorner">
-            <a:avLst>
-              <a:gd name="adj" fmla="val 27487"/>
-            </a:avLst>
-          </a:prstGeom>
-          <a:solidFill>
-            <a:schemeClr val="accent3">
-              <a:alpha val="50000"/>
-            </a:schemeClr>
-          </a:solidFill>
-          <a:ln>
-            <a:noFill/>
-          </a:ln>
-        </p:spPr>
-        <p:style>
-          <a:lnRef idx="0">
-            <a:scrgbClr r="0" g="0" b="0"/>
-          </a:lnRef>
-          <a:fillRef idx="0">
-            <a:scrgbClr r="0" g="0" b="0"/>
-          </a:fillRef>
-          <a:effectRef idx="0">
-            <a:scrgbClr r="0" g="0" b="0"/>
-          </a:effectRef>
-          <a:fontRef idx="minor">
-            <a:schemeClr val="lt1"/>
-          </a:fontRef>
-        </p:style>
-        <p:txBody>
-          <a:bodyPr rtlCol="0" anchor="ctr"/>
-          <a:lstStyle/>
-          <a:p>
-            <a:pPr algn="ctr"/>
-            <a:r>
-              <a:rPr lang="en-US" altLang="ko-KR" sz="1600" dirty="0"/>
-              <a:t>lib/Cylinder/Double</a:t>
-            </a:r>
-          </a:p>
-          <a:p>
-            <a:pPr algn="ctr"/>
-            <a:r>
-              <a:rPr lang="en-US" altLang="ko-KR" sz="1600" dirty="0"/>
-              <a:t>[Pin]</a:t>
-            </a:r>
-            <a:endParaRPr lang="ko-KR" altLang="en-US" sz="1600" dirty="0"/>
-          </a:p>
-        </p:txBody>
-      </p:sp>
-      <p:sp>
-        <p:nvSpPr>
-          <p:cNvPr id="3" name="사각형: 모서리가 접힌 도형 2">
-            <a:extLst>
-              <a:ext uri="{FF2B5EF4-FFF2-40B4-BE49-F238E27FC236}">
-                <a16:creationId xmlns:a16="http://schemas.microsoft.com/office/drawing/2014/main" id="{03FFF656-9483-33FC-B597-3A02BDD38418}"/>
-              </a:ext>
-            </a:extLst>
-          </p:cNvPr>
-          <p:cNvSpPr/>
-          <p:nvPr/>
-        </p:nvSpPr>
-        <p:spPr>
-          <a:xfrm>
-            <a:off x="6846575" y="5237597"/>
-            <a:ext cx="2265308" cy="927391"/>
-          </a:xfrm>
-          <a:prstGeom prst="foldedCorner">
-            <a:avLst>
-              <a:gd name="adj" fmla="val 27487"/>
-            </a:avLst>
-          </a:prstGeom>
-          <a:solidFill>
-            <a:schemeClr val="accent3">
-              <a:alpha val="50000"/>
-            </a:schemeClr>
-          </a:solidFill>
-          <a:ln>
-            <a:noFill/>
-          </a:ln>
-        </p:spPr>
-        <p:style>
-          <a:lnRef idx="0">
-            <a:scrgbClr r="0" g="0" b="0"/>
-          </a:lnRef>
-          <a:fillRef idx="0">
-            <a:scrgbClr r="0" g="0" b="0"/>
-          </a:fillRef>
-          <a:effectRef idx="0">
-            <a:scrgbClr r="0" g="0" b="0"/>
-          </a:effectRef>
-          <a:fontRef idx="minor">
-            <a:schemeClr val="lt1"/>
-          </a:fontRef>
-        </p:style>
-        <p:txBody>
-          <a:bodyPr rtlCol="0" anchor="ctr"/>
-          <a:lstStyle/>
-          <a:p>
-            <a:pPr algn="ctr"/>
-            <a:r>
-              <a:rPr lang="en-US" altLang="ko-KR" sz="1600" dirty="0"/>
-              <a:t>lib/Robot/Weld</a:t>
-            </a:r>
-          </a:p>
-          <a:p>
-            <a:pPr algn="ctr"/>
-            <a:r>
-              <a:rPr lang="en-US" altLang="ko-KR" sz="1600" dirty="0"/>
-              <a:t>[Rbt1]</a:t>
-            </a:r>
-            <a:endParaRPr lang="ko-KR" altLang="en-US" sz="1600" dirty="0"/>
-          </a:p>
-        </p:txBody>
-      </p:sp>
-    </p:spTree>
-    <p:extLst>
-      <p:ext uri="{BB962C8B-B14F-4D97-AF65-F5344CB8AC3E}">
-        <p14:creationId xmlns:p14="http://schemas.microsoft.com/office/powerpoint/2010/main" val="799963828"/>
-      </p:ext>
-    </p:extLst>
-  </p:cSld>
-  <p:clrMapOvr>
-    <a:masterClrMapping/>
-  </p:clrMapOvr>
-</p:sld>
-</file>
-
-<file path=ppt/slides/slide4.xml><?xml version="1.0" encoding="utf-8"?>
-<p:sld xmlns:a="http://schemas.openxmlformats.org/drawingml/2006/main" xmlns:r="http://schemas.openxmlformats.org/officeDocument/2006/relationships" xmlns:p="http://schemas.openxmlformats.org/presentationml/2006/main">
-  <p:cSld>
-    <p:spTree>
-      <p:nvGrpSpPr>
-        <p:cNvPr id="1" name=""/>
-        <p:cNvGrpSpPr/>
-        <p:nvPr/>
-      </p:nvGrpSpPr>
-      <p:grpSpPr>
-        <a:xfrm>
-          <a:off x="0" y="0"/>
-          <a:ext cx="0" cy="0"/>
-          <a:chOff x="0" y="0"/>
-          <a:chExt cx="0" cy="0"/>
-        </a:xfrm>
-      </p:grpSpPr>
-      <p:sp>
-        <p:nvSpPr>
-          <p:cNvPr id="2" name="제목 1">
-            <a:extLst>
-              <a:ext uri="{FF2B5EF4-FFF2-40B4-BE49-F238E27FC236}">
-                <a16:creationId xmlns:a16="http://schemas.microsoft.com/office/drawing/2014/main" id="{5E8FE27E-4086-E570-1BA4-F2B433CAA376}"/>
-              </a:ext>
-            </a:extLst>
-          </p:cNvPr>
-          <p:cNvSpPr>
-            <a:spLocks noGrp="1"/>
-          </p:cNvSpPr>
-          <p:nvPr>
-            <p:ph type="title"/>
-          </p:nvPr>
-        </p:nvSpPr>
-        <p:spPr/>
-        <p:txBody>
-          <a:bodyPr/>
-          <a:lstStyle/>
-          <a:p>
-            <a:r>
-              <a:rPr lang="en-US" altLang="ko-KR"/>
-              <a:t>S111</a:t>
-            </a:r>
-            <a:endParaRPr lang="ko-KR" altLang="en-US" dirty="0"/>
-          </a:p>
-        </p:txBody>
-      </p:sp>
-      <p:sp>
-        <p:nvSpPr>
-          <p:cNvPr id="91" name="직사각형 90">
-            <a:extLst>
-              <a:ext uri="{FF2B5EF4-FFF2-40B4-BE49-F238E27FC236}">
-                <a16:creationId xmlns:a16="http://schemas.microsoft.com/office/drawing/2014/main" id="{1902CC42-6799-D372-F372-07BB72F2BF14}"/>
-              </a:ext>
-            </a:extLst>
-          </p:cNvPr>
-          <p:cNvSpPr/>
-          <p:nvPr/>
-        </p:nvSpPr>
-        <p:spPr>
-          <a:xfrm>
-            <a:off x="6087687" y="988960"/>
-            <a:ext cx="847742" cy="495381"/>
-          </a:xfrm>
-          <a:prstGeom prst="rect">
-            <a:avLst/>
-          </a:prstGeom>
-        </p:spPr>
-        <p:style>
-          <a:lnRef idx="2">
-            <a:schemeClr val="accent1">
-              <a:shade val="15000"/>
-            </a:schemeClr>
-          </a:lnRef>
-          <a:fillRef idx="1">
-            <a:schemeClr val="accent1"/>
-          </a:fillRef>
-          <a:effectRef idx="0">
-            <a:schemeClr val="accent1"/>
-          </a:effectRef>
-          <a:fontRef idx="minor">
-            <a:schemeClr val="lt1"/>
-          </a:fontRef>
-        </p:style>
-        <p:txBody>
-          <a:bodyPr rtlCol="0" anchor="ctr"/>
-          <a:lstStyle/>
-          <a:p>
-            <a:pPr algn="ctr"/>
-            <a:r>
-              <a:rPr lang="en-US" altLang="ko-KR" dirty="0"/>
-              <a:t>R3</a:t>
-            </a:r>
-            <a:endParaRPr lang="ko-KR" altLang="en-US" dirty="0"/>
-          </a:p>
-        </p:txBody>
-      </p:sp>
-      <p:sp>
-        <p:nvSpPr>
-          <p:cNvPr id="107" name="직사각형 106">
-            <a:extLst>
-              <a:ext uri="{FF2B5EF4-FFF2-40B4-BE49-F238E27FC236}">
-                <a16:creationId xmlns:a16="http://schemas.microsoft.com/office/drawing/2014/main" id="{915BD835-DF4D-92B2-20EE-E079F839EBBE}"/>
-              </a:ext>
-            </a:extLst>
-          </p:cNvPr>
-          <p:cNvSpPr/>
-          <p:nvPr/>
-        </p:nvSpPr>
-        <p:spPr>
-          <a:xfrm>
-            <a:off x="6037763" y="2062362"/>
-            <a:ext cx="847742" cy="495381"/>
-          </a:xfrm>
-          <a:prstGeom prst="rect">
-            <a:avLst/>
-          </a:prstGeom>
-        </p:spPr>
-        <p:style>
-          <a:lnRef idx="2">
-            <a:schemeClr val="accent1">
-              <a:shade val="15000"/>
-            </a:schemeClr>
-          </a:lnRef>
-          <a:fillRef idx="1">
-            <a:schemeClr val="accent1"/>
-          </a:fillRef>
-          <a:effectRef idx="0">
-            <a:schemeClr val="accent1"/>
-          </a:effectRef>
-          <a:fontRef idx="minor">
-            <a:schemeClr val="lt1"/>
-          </a:fontRef>
-        </p:style>
-        <p:txBody>
-          <a:bodyPr rtlCol="0" anchor="ctr"/>
-          <a:lstStyle/>
-          <a:p>
-            <a:pPr algn="ctr"/>
-            <a:r>
-              <a:rPr lang="en-US" altLang="ko-KR" dirty="0"/>
-              <a:t>R2</a:t>
-            </a:r>
-            <a:endParaRPr lang="ko-KR" altLang="en-US" dirty="0"/>
-          </a:p>
-        </p:txBody>
-      </p:sp>
-      <p:cxnSp>
-        <p:nvCxnSpPr>
-          <p:cNvPr id="109" name="직선 화살표 연결선 108">
-            <a:extLst>
-              <a:ext uri="{FF2B5EF4-FFF2-40B4-BE49-F238E27FC236}">
-                <a16:creationId xmlns:a16="http://schemas.microsoft.com/office/drawing/2014/main" id="{962C7EAD-50AB-B451-7AB8-AD60B0C48A7C}"/>
-              </a:ext>
-            </a:extLst>
-          </p:cNvPr>
-          <p:cNvCxnSpPr>
-            <a:cxnSpLocks/>
-            <a:stCxn id="94" idx="3"/>
-            <a:endCxn id="91" idx="1"/>
-          </p:cNvCxnSpPr>
-          <p:nvPr/>
-        </p:nvCxnSpPr>
-        <p:spPr>
-          <a:xfrm flipV="1">
-            <a:off x="5613892" y="1236651"/>
-            <a:ext cx="473795" cy="1458819"/>
-          </a:xfrm>
-          <a:prstGeom prst="straightConnector1">
-            <a:avLst/>
-          </a:prstGeom>
-          <a:ln w="38100">
-            <a:solidFill>
-              <a:srgbClr val="FFC000"/>
-            </a:solidFill>
-            <a:headEnd type="diamond" w="med" len="med"/>
-            <a:tailEnd type="triangle" w="med" len="med"/>
-          </a:ln>
-        </p:spPr>
-        <p:style>
-          <a:lnRef idx="1">
-            <a:schemeClr val="accent6"/>
-          </a:lnRef>
-          <a:fillRef idx="0">
-            <a:schemeClr val="accent6"/>
-          </a:fillRef>
-          <a:effectRef idx="0">
-            <a:schemeClr val="accent6"/>
-          </a:effectRef>
-          <a:fontRef idx="minor">
-            <a:schemeClr val="tx1"/>
-          </a:fontRef>
-        </p:style>
-      </p:cxnSp>
-      <p:cxnSp>
-        <p:nvCxnSpPr>
-          <p:cNvPr id="120" name="직선 화살표 연결선 119">
-            <a:extLst>
-              <a:ext uri="{FF2B5EF4-FFF2-40B4-BE49-F238E27FC236}">
-                <a16:creationId xmlns:a16="http://schemas.microsoft.com/office/drawing/2014/main" id="{D780E1C2-0E12-A5CD-2B49-A959AB42330A}"/>
-              </a:ext>
-            </a:extLst>
-          </p:cNvPr>
-          <p:cNvCxnSpPr>
-            <a:cxnSpLocks/>
-            <a:stCxn id="94" idx="3"/>
-            <a:endCxn id="107" idx="1"/>
-          </p:cNvCxnSpPr>
-          <p:nvPr/>
-        </p:nvCxnSpPr>
-        <p:spPr>
-          <a:xfrm flipV="1">
-            <a:off x="5613892" y="2310053"/>
-            <a:ext cx="423871" cy="385417"/>
-          </a:xfrm>
-          <a:prstGeom prst="straightConnector1">
-            <a:avLst/>
-          </a:prstGeom>
-          <a:ln w="38100">
-            <a:solidFill>
-              <a:srgbClr val="FFC000"/>
-            </a:solidFill>
-            <a:headEnd type="diamond" w="med" len="med"/>
-            <a:tailEnd type="triangle" w="med" len="med"/>
-          </a:ln>
-        </p:spPr>
-        <p:style>
-          <a:lnRef idx="1">
-            <a:schemeClr val="accent6"/>
-          </a:lnRef>
-          <a:fillRef idx="0">
-            <a:schemeClr val="accent6"/>
-          </a:fillRef>
-          <a:effectRef idx="0">
-            <a:schemeClr val="accent6"/>
-          </a:effectRef>
-          <a:fontRef idx="minor">
-            <a:schemeClr val="tx1"/>
-          </a:fontRef>
-        </p:style>
-      </p:cxnSp>
-      <p:sp>
-        <p:nvSpPr>
-          <p:cNvPr id="13" name="직사각형 12">
-            <a:extLst>
-              <a:ext uri="{FF2B5EF4-FFF2-40B4-BE49-F238E27FC236}">
-                <a16:creationId xmlns:a16="http://schemas.microsoft.com/office/drawing/2014/main" id="{20D4B5AF-E245-475A-47A6-1314F9D73EE8}"/>
-              </a:ext>
-            </a:extLst>
-          </p:cNvPr>
-          <p:cNvSpPr/>
-          <p:nvPr/>
-        </p:nvSpPr>
-        <p:spPr>
-          <a:xfrm>
-            <a:off x="10293325" y="3525178"/>
-            <a:ext cx="847742" cy="495381"/>
-          </a:xfrm>
-          <a:prstGeom prst="rect">
-            <a:avLst/>
-          </a:prstGeom>
-        </p:spPr>
-        <p:style>
-          <a:lnRef idx="2">
-            <a:schemeClr val="accent1">
-              <a:shade val="15000"/>
-            </a:schemeClr>
-          </a:lnRef>
-          <a:fillRef idx="1">
-            <a:schemeClr val="accent1"/>
-          </a:fillRef>
-          <a:effectRef idx="0">
-            <a:schemeClr val="accent1"/>
-          </a:effectRef>
-          <a:fontRef idx="minor">
-            <a:schemeClr val="lt1"/>
-          </a:fontRef>
-        </p:style>
-        <p:txBody>
-          <a:bodyPr rtlCol="0" anchor="ctr"/>
-          <a:lstStyle/>
-          <a:p>
-            <a:pPr algn="ctr"/>
-            <a:r>
-              <a:rPr lang="en-US" altLang="ko-KR" dirty="0"/>
-              <a:t>R6</a:t>
-            </a:r>
-            <a:endParaRPr lang="ko-KR" altLang="en-US" dirty="0"/>
-          </a:p>
-        </p:txBody>
-      </p:sp>
-      <p:sp>
-        <p:nvSpPr>
-          <p:cNvPr id="14" name="직사각형 13">
-            <a:extLst>
-              <a:ext uri="{FF2B5EF4-FFF2-40B4-BE49-F238E27FC236}">
-                <a16:creationId xmlns:a16="http://schemas.microsoft.com/office/drawing/2014/main" id="{7F0FAA92-96A9-A5D3-0A1E-4545883E9E65}"/>
-              </a:ext>
-            </a:extLst>
-          </p:cNvPr>
-          <p:cNvSpPr/>
-          <p:nvPr/>
-        </p:nvSpPr>
-        <p:spPr>
-          <a:xfrm>
-            <a:off x="8018029" y="1533736"/>
-            <a:ext cx="1534601" cy="495381"/>
-          </a:xfrm>
-          <a:prstGeom prst="rect">
-            <a:avLst/>
-          </a:prstGeom>
-        </p:spPr>
-        <p:style>
-          <a:lnRef idx="2">
-            <a:schemeClr val="accent1">
-              <a:shade val="15000"/>
-            </a:schemeClr>
-          </a:lnRef>
-          <a:fillRef idx="1">
-            <a:schemeClr val="accent1"/>
-          </a:fillRef>
-          <a:effectRef idx="0">
-            <a:schemeClr val="accent1"/>
-          </a:effectRef>
-          <a:fontRef idx="minor">
-            <a:schemeClr val="lt1"/>
-          </a:fontRef>
-        </p:style>
-        <p:txBody>
-          <a:bodyPr rtlCol="0" anchor="ctr"/>
-          <a:lstStyle/>
-          <a:p>
-            <a:pPr algn="ctr"/>
-            <a:r>
-              <a:rPr lang="en-US" altLang="ko-KR" dirty="0"/>
-              <a:t>R4</a:t>
-            </a:r>
-            <a:endParaRPr lang="ko-KR" altLang="en-US" dirty="0"/>
-          </a:p>
-        </p:txBody>
-      </p:sp>
-      <p:sp>
-        <p:nvSpPr>
-          <p:cNvPr id="15" name="직사각형 14">
-            <a:extLst>
-              <a:ext uri="{FF2B5EF4-FFF2-40B4-BE49-F238E27FC236}">
-                <a16:creationId xmlns:a16="http://schemas.microsoft.com/office/drawing/2014/main" id="{60198781-EBB0-10CE-8B2F-9ABD8A632D5C}"/>
-              </a:ext>
-            </a:extLst>
-          </p:cNvPr>
-          <p:cNvSpPr/>
-          <p:nvPr/>
-        </p:nvSpPr>
-        <p:spPr>
-          <a:xfrm>
-            <a:off x="9232276" y="2793844"/>
-            <a:ext cx="847742" cy="495381"/>
-          </a:xfrm>
-          <a:prstGeom prst="rect">
-            <a:avLst/>
-          </a:prstGeom>
-        </p:spPr>
-        <p:style>
-          <a:lnRef idx="2">
-            <a:schemeClr val="accent1">
-              <a:shade val="15000"/>
-            </a:schemeClr>
-          </a:lnRef>
-          <a:fillRef idx="1">
-            <a:schemeClr val="accent1"/>
-          </a:fillRef>
-          <a:effectRef idx="0">
-            <a:schemeClr val="accent1"/>
-          </a:effectRef>
-          <a:fontRef idx="minor">
-            <a:schemeClr val="lt1"/>
-          </a:fontRef>
-        </p:style>
-        <p:txBody>
-          <a:bodyPr rtlCol="0" anchor="ctr"/>
-          <a:lstStyle/>
-          <a:p>
-            <a:pPr algn="ctr"/>
-            <a:r>
-              <a:rPr lang="en-US" altLang="ko-KR" dirty="0"/>
-              <a:t>R5</a:t>
-            </a:r>
-            <a:endParaRPr lang="ko-KR" altLang="en-US" dirty="0"/>
-          </a:p>
-        </p:txBody>
-      </p:sp>
-      <p:cxnSp>
-        <p:nvCxnSpPr>
-          <p:cNvPr id="23" name="연결선: 꺾임 22">
-            <a:extLst>
-              <a:ext uri="{FF2B5EF4-FFF2-40B4-BE49-F238E27FC236}">
-                <a16:creationId xmlns:a16="http://schemas.microsoft.com/office/drawing/2014/main" id="{7784514C-ED5E-0B18-1D1B-F544B46E59B0}"/>
-              </a:ext>
-            </a:extLst>
-          </p:cNvPr>
-          <p:cNvCxnSpPr>
-            <a:cxnSpLocks/>
-            <a:stCxn id="91" idx="2"/>
-            <a:endCxn id="14" idx="1"/>
-          </p:cNvCxnSpPr>
-          <p:nvPr/>
-        </p:nvCxnSpPr>
-        <p:spPr>
-          <a:xfrm rot="16200000" flipH="1">
-            <a:off x="7116250" y="879648"/>
-            <a:ext cx="297086" cy="1506471"/>
-          </a:xfrm>
-          <a:prstGeom prst="bentConnector2">
-            <a:avLst/>
-          </a:prstGeom>
-          <a:ln w="38100">
-            <a:solidFill>
-              <a:srgbClr val="FFC000"/>
-            </a:solidFill>
-            <a:headEnd type="diamond" w="med" len="med"/>
-            <a:tailEnd type="triangle" w="med" len="med"/>
-          </a:ln>
-        </p:spPr>
-        <p:style>
-          <a:lnRef idx="1">
-            <a:schemeClr val="accent6"/>
-          </a:lnRef>
-          <a:fillRef idx="0">
-            <a:schemeClr val="accent6"/>
-          </a:fillRef>
-          <a:effectRef idx="0">
-            <a:schemeClr val="accent6"/>
-          </a:effectRef>
-          <a:fontRef idx="minor">
-            <a:schemeClr val="tx1"/>
-          </a:fontRef>
-        </p:style>
-      </p:cxnSp>
-      <p:cxnSp>
-        <p:nvCxnSpPr>
-          <p:cNvPr id="32" name="연결선: 꺾임 31">
-            <a:extLst>
-              <a:ext uri="{FF2B5EF4-FFF2-40B4-BE49-F238E27FC236}">
-                <a16:creationId xmlns:a16="http://schemas.microsoft.com/office/drawing/2014/main" id="{55996CE5-7EBC-3246-9029-B8870B968B13}"/>
-              </a:ext>
-            </a:extLst>
-          </p:cNvPr>
-          <p:cNvCxnSpPr>
-            <a:cxnSpLocks/>
-            <a:stCxn id="13" idx="2"/>
-            <a:endCxn id="94" idx="2"/>
-          </p:cNvCxnSpPr>
-          <p:nvPr/>
-        </p:nvCxnSpPr>
-        <p:spPr>
-          <a:xfrm rot="5400000">
-            <a:off x="6778134" y="215227"/>
-            <a:ext cx="133730" cy="7744394"/>
-          </a:xfrm>
-          <a:prstGeom prst="bentConnector3">
-            <a:avLst>
-              <a:gd name="adj1" fmla="val 270941"/>
-            </a:avLst>
-          </a:prstGeom>
-          <a:ln w="38100">
-            <a:solidFill>
-              <a:srgbClr val="FFC000"/>
-            </a:solidFill>
-            <a:headEnd type="diamond" w="med" len="med"/>
-            <a:tailEnd type="triangle" w="med" len="med"/>
-          </a:ln>
-        </p:spPr>
-        <p:style>
-          <a:lnRef idx="1">
-            <a:schemeClr val="accent6"/>
-          </a:lnRef>
-          <a:fillRef idx="0">
-            <a:schemeClr val="accent6"/>
-          </a:fillRef>
-          <a:effectRef idx="0">
-            <a:schemeClr val="accent6"/>
-          </a:effectRef>
-          <a:fontRef idx="minor">
-            <a:schemeClr val="tx1"/>
-          </a:fontRef>
-        </p:style>
-      </p:cxnSp>
-      <p:cxnSp>
-        <p:nvCxnSpPr>
-          <p:cNvPr id="48" name="연결선: 꺾임 47">
-            <a:extLst>
-              <a:ext uri="{FF2B5EF4-FFF2-40B4-BE49-F238E27FC236}">
-                <a16:creationId xmlns:a16="http://schemas.microsoft.com/office/drawing/2014/main" id="{ADAD1270-D18E-4A9B-90EA-E912E63A3DEA}"/>
-              </a:ext>
-            </a:extLst>
-          </p:cNvPr>
-          <p:cNvCxnSpPr>
-            <a:cxnSpLocks/>
-            <a:stCxn id="107" idx="0"/>
-            <a:endCxn id="14" idx="1"/>
-          </p:cNvCxnSpPr>
-          <p:nvPr/>
-        </p:nvCxnSpPr>
-        <p:spPr>
-          <a:xfrm rot="5400000" flipH="1" flipV="1">
-            <a:off x="7099364" y="1143698"/>
-            <a:ext cx="280935" cy="1556395"/>
-          </a:xfrm>
-          <a:prstGeom prst="bentConnector2">
-            <a:avLst/>
-          </a:prstGeom>
-          <a:ln w="38100">
-            <a:solidFill>
-              <a:srgbClr val="FFC000"/>
-            </a:solidFill>
-            <a:headEnd type="diamond" w="med" len="med"/>
-            <a:tailEnd type="triangle" w="med" len="med"/>
-          </a:ln>
-        </p:spPr>
-        <p:style>
-          <a:lnRef idx="1">
-            <a:schemeClr val="accent6"/>
-          </a:lnRef>
-          <a:fillRef idx="0">
-            <a:schemeClr val="accent6"/>
-          </a:fillRef>
-          <a:effectRef idx="0">
-            <a:schemeClr val="accent6"/>
-          </a:effectRef>
-          <a:fontRef idx="minor">
-            <a:schemeClr val="tx1"/>
-          </a:fontRef>
-        </p:style>
-      </p:cxnSp>
-      <p:cxnSp>
-        <p:nvCxnSpPr>
-          <p:cNvPr id="62" name="연결선: 꺾임 61">
-            <a:extLst>
-              <a:ext uri="{FF2B5EF4-FFF2-40B4-BE49-F238E27FC236}">
-                <a16:creationId xmlns:a16="http://schemas.microsoft.com/office/drawing/2014/main" id="{D2BBF1BC-3F9C-FDD1-40CF-9CFE10E49737}"/>
-              </a:ext>
-            </a:extLst>
-          </p:cNvPr>
-          <p:cNvCxnSpPr>
-            <a:cxnSpLocks/>
-            <a:stCxn id="14" idx="2"/>
-            <a:endCxn id="15" idx="0"/>
-          </p:cNvCxnSpPr>
-          <p:nvPr/>
-        </p:nvCxnSpPr>
-        <p:spPr>
-          <a:xfrm rot="16200000" flipH="1">
-            <a:off x="8838375" y="1976071"/>
-            <a:ext cx="764727" cy="870817"/>
-          </a:xfrm>
-          <a:prstGeom prst="bentConnector3">
-            <a:avLst>
-              <a:gd name="adj1" fmla="val 50000"/>
-            </a:avLst>
-          </a:prstGeom>
-          <a:ln w="38100">
-            <a:solidFill>
-              <a:srgbClr val="FFC000"/>
-            </a:solidFill>
-            <a:headEnd type="diamond" w="med" len="med"/>
-            <a:tailEnd type="triangle" w="med" len="med"/>
-          </a:ln>
-        </p:spPr>
-        <p:style>
-          <a:lnRef idx="1">
-            <a:schemeClr val="accent6"/>
-          </a:lnRef>
-          <a:fillRef idx="0">
-            <a:schemeClr val="accent6"/>
-          </a:fillRef>
-          <a:effectRef idx="0">
-            <a:schemeClr val="accent6"/>
-          </a:effectRef>
-          <a:fontRef idx="minor">
-            <a:schemeClr val="tx1"/>
-          </a:fontRef>
-        </p:style>
-      </p:cxnSp>
-      <p:cxnSp>
-        <p:nvCxnSpPr>
-          <p:cNvPr id="68" name="연결선: 꺾임 67">
-            <a:extLst>
-              <a:ext uri="{FF2B5EF4-FFF2-40B4-BE49-F238E27FC236}">
-                <a16:creationId xmlns:a16="http://schemas.microsoft.com/office/drawing/2014/main" id="{B956E1CD-20B7-0672-1444-72F5F9EB34F5}"/>
-              </a:ext>
-            </a:extLst>
-          </p:cNvPr>
-          <p:cNvCxnSpPr>
-            <a:cxnSpLocks/>
-            <a:stCxn id="15" idx="2"/>
-            <a:endCxn id="13" idx="1"/>
-          </p:cNvCxnSpPr>
-          <p:nvPr/>
-        </p:nvCxnSpPr>
-        <p:spPr>
-          <a:xfrm rot="16200000" flipH="1">
-            <a:off x="9732914" y="3212458"/>
-            <a:ext cx="483644" cy="637178"/>
-          </a:xfrm>
-          <a:prstGeom prst="bentConnector2">
-            <a:avLst/>
-          </a:prstGeom>
-          <a:ln w="38100">
-            <a:solidFill>
-              <a:srgbClr val="FFC000"/>
-            </a:solidFill>
-            <a:headEnd type="diamond" w="med" len="med"/>
-            <a:tailEnd type="triangle" w="med" len="med"/>
-          </a:ln>
-        </p:spPr>
-        <p:style>
-          <a:lnRef idx="1">
-            <a:schemeClr val="accent6"/>
-          </a:lnRef>
-          <a:fillRef idx="0">
-            <a:schemeClr val="accent6"/>
-          </a:fillRef>
-          <a:effectRef idx="0">
-            <a:schemeClr val="accent6"/>
-          </a:effectRef>
-          <a:fontRef idx="minor">
-            <a:schemeClr val="tx1"/>
-          </a:fontRef>
-        </p:style>
-      </p:cxnSp>
       <p:sp>
         <p:nvSpPr>
           <p:cNvPr id="79" name="사각형: 모서리가 접힌 도형 78">
@@ -20462,6 +20923,1839 @@
             <a:xfrm>
               <a:off x="670285" y="2005704"/>
               <a:ext cx="1797997" cy="1674765"/>
+              <a:chOff x="1864319" y="2141847"/>
+              <a:chExt cx="4107811" cy="3195790"/>
+            </a:xfrm>
+          </p:grpSpPr>
+          <p:sp>
+            <p:nvSpPr>
+              <p:cNvPr id="76" name="타원 75">
+                <a:extLst>
+                  <a:ext uri="{FF2B5EF4-FFF2-40B4-BE49-F238E27FC236}">
+                    <a16:creationId xmlns:a16="http://schemas.microsoft.com/office/drawing/2014/main" id="{9F44B0E2-3F95-035D-1487-608C5157C71D}"/>
+                  </a:ext>
+                </a:extLst>
+              </p:cNvPr>
+              <p:cNvSpPr/>
+              <p:nvPr/>
+            </p:nvSpPr>
+            <p:spPr>
+              <a:xfrm>
+                <a:off x="1864319" y="2141847"/>
+                <a:ext cx="1733550" cy="952500"/>
+              </a:xfrm>
+              <a:prstGeom prst="ellipse">
+                <a:avLst/>
+              </a:prstGeom>
+              <a:solidFill>
+                <a:schemeClr val="accent4">
+                  <a:alpha val="50000"/>
+                </a:schemeClr>
+              </a:solidFill>
+              <a:ln>
+                <a:noFill/>
+              </a:ln>
+            </p:spPr>
+            <p:style>
+              <a:lnRef idx="0">
+                <a:scrgbClr r="0" g="0" b="0"/>
+              </a:lnRef>
+              <a:fillRef idx="0">
+                <a:scrgbClr r="0" g="0" b="0"/>
+              </a:fillRef>
+              <a:effectRef idx="0">
+                <a:scrgbClr r="0" g="0" b="0"/>
+              </a:effectRef>
+              <a:fontRef idx="minor">
+                <a:schemeClr val="lt1"/>
+              </a:fontRef>
+            </p:style>
+            <p:txBody>
+              <a:bodyPr rtlCol="0" anchor="ctr"/>
+              <a:lstStyle/>
+              <a:p>
+                <a:pPr algn="ctr"/>
+                <a:r>
+                  <a:rPr lang="en-US" altLang="ko-KR" sz="1050" dirty="0"/>
+                  <a:t>Pin $ADV</a:t>
+                </a:r>
+                <a:endParaRPr lang="ko-KR" altLang="en-US" sz="1050" dirty="0"/>
+              </a:p>
+            </p:txBody>
+          </p:sp>
+          <p:sp>
+            <p:nvSpPr>
+              <p:cNvPr id="77" name="타원 76">
+                <a:extLst>
+                  <a:ext uri="{FF2B5EF4-FFF2-40B4-BE49-F238E27FC236}">
+                    <a16:creationId xmlns:a16="http://schemas.microsoft.com/office/drawing/2014/main" id="{D5DD5869-0E63-8171-CEB0-D2BD1F2C5E1A}"/>
+                  </a:ext>
+                </a:extLst>
+              </p:cNvPr>
+              <p:cNvSpPr/>
+              <p:nvPr/>
+            </p:nvSpPr>
+            <p:spPr>
+              <a:xfrm>
+                <a:off x="4238580" y="4385137"/>
+                <a:ext cx="1733550" cy="952500"/>
+              </a:xfrm>
+              <a:prstGeom prst="ellipse">
+                <a:avLst/>
+              </a:prstGeom>
+              <a:solidFill>
+                <a:schemeClr val="accent4">
+                  <a:alpha val="50000"/>
+                </a:schemeClr>
+              </a:solidFill>
+              <a:ln>
+                <a:noFill/>
+              </a:ln>
+            </p:spPr>
+            <p:style>
+              <a:lnRef idx="0">
+                <a:scrgbClr r="0" g="0" b="0"/>
+              </a:lnRef>
+              <a:fillRef idx="0">
+                <a:scrgbClr r="0" g="0" b="0"/>
+              </a:fillRef>
+              <a:effectRef idx="0">
+                <a:scrgbClr r="0" g="0" b="0"/>
+              </a:effectRef>
+              <a:fontRef idx="minor">
+                <a:schemeClr val="lt1"/>
+              </a:fontRef>
+            </p:style>
+            <p:txBody>
+              <a:bodyPr rtlCol="0" anchor="ctr"/>
+              <a:lstStyle/>
+              <a:p>
+                <a:pPr algn="ctr"/>
+                <a:r>
+                  <a:rPr lang="en-US" altLang="ko-KR" sz="1050" dirty="0"/>
+                  <a:t>Pin $RET</a:t>
+                </a:r>
+                <a:endParaRPr lang="ko-KR" altLang="en-US" sz="1050" dirty="0"/>
+              </a:p>
+            </p:txBody>
+          </p:sp>
+          <p:cxnSp>
+            <p:nvCxnSpPr>
+              <p:cNvPr id="78" name="연결선: 꺾임 77">
+                <a:extLst>
+                  <a:ext uri="{FF2B5EF4-FFF2-40B4-BE49-F238E27FC236}">
+                    <a16:creationId xmlns:a16="http://schemas.microsoft.com/office/drawing/2014/main" id="{BDB44556-A94D-7BD5-4AA5-43BB1B26AC04}"/>
+                  </a:ext>
+                </a:extLst>
+              </p:cNvPr>
+              <p:cNvCxnSpPr>
+                <a:cxnSpLocks/>
+                <a:stCxn id="76" idx="5"/>
+                <a:endCxn id="77" idx="1"/>
+              </p:cNvCxnSpPr>
+              <p:nvPr/>
+            </p:nvCxnSpPr>
+            <p:spPr>
+              <a:xfrm rot="16200000" flipH="1">
+                <a:off x="3133340" y="3165511"/>
+                <a:ext cx="1569769" cy="1148458"/>
+              </a:xfrm>
+              <a:prstGeom prst="bentConnector3">
+                <a:avLst/>
+              </a:prstGeom>
+              <a:ln>
+                <a:tailEnd type="triangle"/>
+              </a:ln>
+            </p:spPr>
+            <p:style>
+              <a:lnRef idx="1">
+                <a:schemeClr val="accent4"/>
+              </a:lnRef>
+              <a:fillRef idx="0">
+                <a:schemeClr val="accent4"/>
+              </a:fillRef>
+              <a:effectRef idx="0">
+                <a:schemeClr val="accent4"/>
+              </a:effectRef>
+              <a:fontRef idx="minor">
+                <a:schemeClr val="tx1"/>
+              </a:fontRef>
+            </p:style>
+          </p:cxnSp>
+        </p:grpSp>
+      </p:grpSp>
+    </p:spTree>
+    <p:extLst>
+      <p:ext uri="{BB962C8B-B14F-4D97-AF65-F5344CB8AC3E}">
+        <p14:creationId xmlns:p14="http://schemas.microsoft.com/office/powerpoint/2010/main" val="2289107100"/>
+      </p:ext>
+    </p:extLst>
+  </p:cSld>
+  <p:clrMapOvr>
+    <a:masterClrMapping/>
+  </p:clrMapOvr>
+</p:sld>
+</file>
+
+<file path=ppt/slides/slide5.xml><?xml version="1.0" encoding="utf-8"?>
+<p:sld xmlns:a="http://schemas.openxmlformats.org/drawingml/2006/main" xmlns:r="http://schemas.openxmlformats.org/officeDocument/2006/relationships" xmlns:p="http://schemas.openxmlformats.org/presentationml/2006/main">
+  <p:cSld>
+    <p:spTree>
+      <p:nvGrpSpPr>
+        <p:cNvPr id="1" name=""/>
+        <p:cNvGrpSpPr/>
+        <p:nvPr/>
+      </p:nvGrpSpPr>
+      <p:grpSpPr>
+        <a:xfrm>
+          <a:off x="0" y="0"/>
+          <a:ext cx="0" cy="0"/>
+          <a:chOff x="0" y="0"/>
+          <a:chExt cx="0" cy="0"/>
+        </a:xfrm>
+      </p:grpSpPr>
+      <p:sp>
+        <p:nvSpPr>
+          <p:cNvPr id="2" name="제목 1">
+            <a:extLst>
+              <a:ext uri="{FF2B5EF4-FFF2-40B4-BE49-F238E27FC236}">
+                <a16:creationId xmlns:a16="http://schemas.microsoft.com/office/drawing/2014/main" id="{5E8FE27E-4086-E570-1BA4-F2B433CAA376}"/>
+              </a:ext>
+            </a:extLst>
+          </p:cNvPr>
+          <p:cNvSpPr>
+            <a:spLocks noGrp="1"/>
+          </p:cNvSpPr>
+          <p:nvPr>
+            <p:ph type="title"/>
+          </p:nvPr>
+        </p:nvSpPr>
+        <p:spPr/>
+        <p:txBody>
+          <a:bodyPr/>
+          <a:lstStyle/>
+          <a:p>
+            <a:r>
+              <a:rPr lang="en-US" altLang="ko-KR"/>
+              <a:t>S111</a:t>
+            </a:r>
+            <a:endParaRPr lang="ko-KR" altLang="en-US" dirty="0"/>
+          </a:p>
+        </p:txBody>
+      </p:sp>
+      <p:sp>
+        <p:nvSpPr>
+          <p:cNvPr id="91" name="직사각형 90">
+            <a:extLst>
+              <a:ext uri="{FF2B5EF4-FFF2-40B4-BE49-F238E27FC236}">
+                <a16:creationId xmlns:a16="http://schemas.microsoft.com/office/drawing/2014/main" id="{1902CC42-6799-D372-F372-07BB72F2BF14}"/>
+              </a:ext>
+            </a:extLst>
+          </p:cNvPr>
+          <p:cNvSpPr/>
+          <p:nvPr/>
+        </p:nvSpPr>
+        <p:spPr>
+          <a:xfrm>
+            <a:off x="6087687" y="988960"/>
+            <a:ext cx="847742" cy="495381"/>
+          </a:xfrm>
+          <a:prstGeom prst="rect">
+            <a:avLst/>
+          </a:prstGeom>
+        </p:spPr>
+        <p:style>
+          <a:lnRef idx="2">
+            <a:schemeClr val="accent1">
+              <a:shade val="15000"/>
+            </a:schemeClr>
+          </a:lnRef>
+          <a:fillRef idx="1">
+            <a:schemeClr val="accent1"/>
+          </a:fillRef>
+          <a:effectRef idx="0">
+            <a:schemeClr val="accent1"/>
+          </a:effectRef>
+          <a:fontRef idx="minor">
+            <a:schemeClr val="lt1"/>
+          </a:fontRef>
+        </p:style>
+        <p:txBody>
+          <a:bodyPr rtlCol="0" anchor="ctr"/>
+          <a:lstStyle/>
+          <a:p>
+            <a:pPr algn="ctr"/>
+            <a:r>
+              <a:rPr lang="en-US" altLang="ko-KR" dirty="0"/>
+              <a:t>R3</a:t>
+            </a:r>
+            <a:endParaRPr lang="ko-KR" altLang="en-US" dirty="0"/>
+          </a:p>
+        </p:txBody>
+      </p:sp>
+      <p:sp>
+        <p:nvSpPr>
+          <p:cNvPr id="107" name="직사각형 106">
+            <a:extLst>
+              <a:ext uri="{FF2B5EF4-FFF2-40B4-BE49-F238E27FC236}">
+                <a16:creationId xmlns:a16="http://schemas.microsoft.com/office/drawing/2014/main" id="{915BD835-DF4D-92B2-20EE-E079F839EBBE}"/>
+              </a:ext>
+            </a:extLst>
+          </p:cNvPr>
+          <p:cNvSpPr/>
+          <p:nvPr/>
+        </p:nvSpPr>
+        <p:spPr>
+          <a:xfrm>
+            <a:off x="6037763" y="2062362"/>
+            <a:ext cx="847742" cy="495381"/>
+          </a:xfrm>
+          <a:prstGeom prst="rect">
+            <a:avLst/>
+          </a:prstGeom>
+        </p:spPr>
+        <p:style>
+          <a:lnRef idx="2">
+            <a:schemeClr val="accent1">
+              <a:shade val="15000"/>
+            </a:schemeClr>
+          </a:lnRef>
+          <a:fillRef idx="1">
+            <a:schemeClr val="accent1"/>
+          </a:fillRef>
+          <a:effectRef idx="0">
+            <a:schemeClr val="accent1"/>
+          </a:effectRef>
+          <a:fontRef idx="minor">
+            <a:schemeClr val="lt1"/>
+          </a:fontRef>
+        </p:style>
+        <p:txBody>
+          <a:bodyPr rtlCol="0" anchor="ctr"/>
+          <a:lstStyle/>
+          <a:p>
+            <a:pPr algn="ctr"/>
+            <a:r>
+              <a:rPr lang="en-US" altLang="ko-KR" dirty="0"/>
+              <a:t>R2</a:t>
+            </a:r>
+            <a:endParaRPr lang="ko-KR" altLang="en-US" dirty="0"/>
+          </a:p>
+        </p:txBody>
+      </p:sp>
+      <p:cxnSp>
+        <p:nvCxnSpPr>
+          <p:cNvPr id="109" name="직선 화살표 연결선 108">
+            <a:extLst>
+              <a:ext uri="{FF2B5EF4-FFF2-40B4-BE49-F238E27FC236}">
+                <a16:creationId xmlns:a16="http://schemas.microsoft.com/office/drawing/2014/main" id="{962C7EAD-50AB-B451-7AB8-AD60B0C48A7C}"/>
+              </a:ext>
+            </a:extLst>
+          </p:cNvPr>
+          <p:cNvCxnSpPr>
+            <a:cxnSpLocks/>
+            <a:stCxn id="94" idx="3"/>
+            <a:endCxn id="91" idx="1"/>
+          </p:cNvCxnSpPr>
+          <p:nvPr/>
+        </p:nvCxnSpPr>
+        <p:spPr>
+          <a:xfrm flipV="1">
+            <a:off x="5511722" y="1236651"/>
+            <a:ext cx="575965" cy="2107558"/>
+          </a:xfrm>
+          <a:prstGeom prst="straightConnector1">
+            <a:avLst/>
+          </a:prstGeom>
+          <a:ln w="38100">
+            <a:solidFill>
+              <a:srgbClr val="FFC000"/>
+            </a:solidFill>
+            <a:headEnd type="diamond" w="med" len="med"/>
+            <a:tailEnd type="triangle" w="med" len="med"/>
+          </a:ln>
+        </p:spPr>
+        <p:style>
+          <a:lnRef idx="1">
+            <a:schemeClr val="accent6"/>
+          </a:lnRef>
+          <a:fillRef idx="0">
+            <a:schemeClr val="accent6"/>
+          </a:fillRef>
+          <a:effectRef idx="0">
+            <a:schemeClr val="accent6"/>
+          </a:effectRef>
+          <a:fontRef idx="minor">
+            <a:schemeClr val="tx1"/>
+          </a:fontRef>
+        </p:style>
+      </p:cxnSp>
+      <p:cxnSp>
+        <p:nvCxnSpPr>
+          <p:cNvPr id="120" name="직선 화살표 연결선 119">
+            <a:extLst>
+              <a:ext uri="{FF2B5EF4-FFF2-40B4-BE49-F238E27FC236}">
+                <a16:creationId xmlns:a16="http://schemas.microsoft.com/office/drawing/2014/main" id="{D780E1C2-0E12-A5CD-2B49-A959AB42330A}"/>
+              </a:ext>
+            </a:extLst>
+          </p:cNvPr>
+          <p:cNvCxnSpPr>
+            <a:cxnSpLocks/>
+            <a:stCxn id="94" idx="3"/>
+            <a:endCxn id="107" idx="1"/>
+          </p:cNvCxnSpPr>
+          <p:nvPr/>
+        </p:nvCxnSpPr>
+        <p:spPr>
+          <a:xfrm flipV="1">
+            <a:off x="5511722" y="2310053"/>
+            <a:ext cx="526041" cy="1034156"/>
+          </a:xfrm>
+          <a:prstGeom prst="straightConnector1">
+            <a:avLst/>
+          </a:prstGeom>
+          <a:ln w="38100">
+            <a:solidFill>
+              <a:srgbClr val="FFC000"/>
+            </a:solidFill>
+            <a:headEnd type="diamond" w="med" len="med"/>
+            <a:tailEnd type="triangle" w="med" len="med"/>
+          </a:ln>
+        </p:spPr>
+        <p:style>
+          <a:lnRef idx="1">
+            <a:schemeClr val="accent6"/>
+          </a:lnRef>
+          <a:fillRef idx="0">
+            <a:schemeClr val="accent6"/>
+          </a:fillRef>
+          <a:effectRef idx="0">
+            <a:schemeClr val="accent6"/>
+          </a:effectRef>
+          <a:fontRef idx="minor">
+            <a:schemeClr val="tx1"/>
+          </a:fontRef>
+        </p:style>
+      </p:cxnSp>
+      <p:sp>
+        <p:nvSpPr>
+          <p:cNvPr id="13" name="직사각형 12">
+            <a:extLst>
+              <a:ext uri="{FF2B5EF4-FFF2-40B4-BE49-F238E27FC236}">
+                <a16:creationId xmlns:a16="http://schemas.microsoft.com/office/drawing/2014/main" id="{20D4B5AF-E245-475A-47A6-1314F9D73EE8}"/>
+              </a:ext>
+            </a:extLst>
+          </p:cNvPr>
+          <p:cNvSpPr/>
+          <p:nvPr/>
+        </p:nvSpPr>
+        <p:spPr>
+          <a:xfrm>
+            <a:off x="10293325" y="3525178"/>
+            <a:ext cx="847742" cy="495381"/>
+          </a:xfrm>
+          <a:prstGeom prst="rect">
+            <a:avLst/>
+          </a:prstGeom>
+        </p:spPr>
+        <p:style>
+          <a:lnRef idx="2">
+            <a:schemeClr val="accent1">
+              <a:shade val="15000"/>
+            </a:schemeClr>
+          </a:lnRef>
+          <a:fillRef idx="1">
+            <a:schemeClr val="accent1"/>
+          </a:fillRef>
+          <a:effectRef idx="0">
+            <a:schemeClr val="accent1"/>
+          </a:effectRef>
+          <a:fontRef idx="minor">
+            <a:schemeClr val="lt1"/>
+          </a:fontRef>
+        </p:style>
+        <p:txBody>
+          <a:bodyPr rtlCol="0" anchor="ctr"/>
+          <a:lstStyle/>
+          <a:p>
+            <a:pPr algn="ctr"/>
+            <a:r>
+              <a:rPr lang="en-US" altLang="ko-KR" dirty="0"/>
+              <a:t>R6</a:t>
+            </a:r>
+            <a:endParaRPr lang="ko-KR" altLang="en-US" dirty="0"/>
+          </a:p>
+        </p:txBody>
+      </p:sp>
+      <p:sp>
+        <p:nvSpPr>
+          <p:cNvPr id="14" name="직사각형 13">
+            <a:extLst>
+              <a:ext uri="{FF2B5EF4-FFF2-40B4-BE49-F238E27FC236}">
+                <a16:creationId xmlns:a16="http://schemas.microsoft.com/office/drawing/2014/main" id="{7F0FAA92-96A9-A5D3-0A1E-4545883E9E65}"/>
+              </a:ext>
+            </a:extLst>
+          </p:cNvPr>
+          <p:cNvSpPr/>
+          <p:nvPr/>
+        </p:nvSpPr>
+        <p:spPr>
+          <a:xfrm>
+            <a:off x="8018029" y="1533736"/>
+            <a:ext cx="1534601" cy="495381"/>
+          </a:xfrm>
+          <a:prstGeom prst="rect">
+            <a:avLst/>
+          </a:prstGeom>
+        </p:spPr>
+        <p:style>
+          <a:lnRef idx="2">
+            <a:schemeClr val="accent1">
+              <a:shade val="15000"/>
+            </a:schemeClr>
+          </a:lnRef>
+          <a:fillRef idx="1">
+            <a:schemeClr val="accent1"/>
+          </a:fillRef>
+          <a:effectRef idx="0">
+            <a:schemeClr val="accent1"/>
+          </a:effectRef>
+          <a:fontRef idx="minor">
+            <a:schemeClr val="lt1"/>
+          </a:fontRef>
+        </p:style>
+        <p:txBody>
+          <a:bodyPr rtlCol="0" anchor="ctr"/>
+          <a:lstStyle/>
+          <a:p>
+            <a:pPr algn="ctr"/>
+            <a:r>
+              <a:rPr lang="en-US" altLang="ko-KR" dirty="0"/>
+              <a:t>R4</a:t>
+            </a:r>
+            <a:endParaRPr lang="ko-KR" altLang="en-US" dirty="0"/>
+          </a:p>
+        </p:txBody>
+      </p:sp>
+      <p:sp>
+        <p:nvSpPr>
+          <p:cNvPr id="15" name="직사각형 14">
+            <a:extLst>
+              <a:ext uri="{FF2B5EF4-FFF2-40B4-BE49-F238E27FC236}">
+                <a16:creationId xmlns:a16="http://schemas.microsoft.com/office/drawing/2014/main" id="{60198781-EBB0-10CE-8B2F-9ABD8A632D5C}"/>
+              </a:ext>
+            </a:extLst>
+          </p:cNvPr>
+          <p:cNvSpPr/>
+          <p:nvPr/>
+        </p:nvSpPr>
+        <p:spPr>
+          <a:xfrm>
+            <a:off x="9232276" y="2793844"/>
+            <a:ext cx="847742" cy="495381"/>
+          </a:xfrm>
+          <a:prstGeom prst="rect">
+            <a:avLst/>
+          </a:prstGeom>
+        </p:spPr>
+        <p:style>
+          <a:lnRef idx="2">
+            <a:schemeClr val="accent1">
+              <a:shade val="15000"/>
+            </a:schemeClr>
+          </a:lnRef>
+          <a:fillRef idx="1">
+            <a:schemeClr val="accent1"/>
+          </a:fillRef>
+          <a:effectRef idx="0">
+            <a:schemeClr val="accent1"/>
+          </a:effectRef>
+          <a:fontRef idx="minor">
+            <a:schemeClr val="lt1"/>
+          </a:fontRef>
+        </p:style>
+        <p:txBody>
+          <a:bodyPr rtlCol="0" anchor="ctr"/>
+          <a:lstStyle/>
+          <a:p>
+            <a:pPr algn="ctr"/>
+            <a:r>
+              <a:rPr lang="en-US" altLang="ko-KR" dirty="0"/>
+              <a:t>R5</a:t>
+            </a:r>
+            <a:endParaRPr lang="ko-KR" altLang="en-US" dirty="0"/>
+          </a:p>
+        </p:txBody>
+      </p:sp>
+      <p:cxnSp>
+        <p:nvCxnSpPr>
+          <p:cNvPr id="23" name="연결선: 꺾임 22">
+            <a:extLst>
+              <a:ext uri="{FF2B5EF4-FFF2-40B4-BE49-F238E27FC236}">
+                <a16:creationId xmlns:a16="http://schemas.microsoft.com/office/drawing/2014/main" id="{7784514C-ED5E-0B18-1D1B-F544B46E59B0}"/>
+              </a:ext>
+            </a:extLst>
+          </p:cNvPr>
+          <p:cNvCxnSpPr>
+            <a:cxnSpLocks/>
+            <a:stCxn id="91" idx="2"/>
+            <a:endCxn id="14" idx="1"/>
+          </p:cNvCxnSpPr>
+          <p:nvPr/>
+        </p:nvCxnSpPr>
+        <p:spPr>
+          <a:xfrm rot="16200000" flipH="1">
+            <a:off x="7116250" y="879648"/>
+            <a:ext cx="297086" cy="1506471"/>
+          </a:xfrm>
+          <a:prstGeom prst="bentConnector2">
+            <a:avLst/>
+          </a:prstGeom>
+          <a:ln w="38100">
+            <a:solidFill>
+              <a:srgbClr val="FFC000"/>
+            </a:solidFill>
+            <a:headEnd type="diamond" w="med" len="med"/>
+            <a:tailEnd type="triangle" w="med" len="med"/>
+          </a:ln>
+        </p:spPr>
+        <p:style>
+          <a:lnRef idx="1">
+            <a:schemeClr val="accent6"/>
+          </a:lnRef>
+          <a:fillRef idx="0">
+            <a:schemeClr val="accent6"/>
+          </a:fillRef>
+          <a:effectRef idx="0">
+            <a:schemeClr val="accent6"/>
+          </a:effectRef>
+          <a:fontRef idx="minor">
+            <a:schemeClr val="tx1"/>
+          </a:fontRef>
+        </p:style>
+      </p:cxnSp>
+      <p:cxnSp>
+        <p:nvCxnSpPr>
+          <p:cNvPr id="32" name="연결선: 꺾임 31">
+            <a:extLst>
+              <a:ext uri="{FF2B5EF4-FFF2-40B4-BE49-F238E27FC236}">
+                <a16:creationId xmlns:a16="http://schemas.microsoft.com/office/drawing/2014/main" id="{55996CE5-7EBC-3246-9029-B8870B968B13}"/>
+              </a:ext>
+            </a:extLst>
+          </p:cNvPr>
+          <p:cNvCxnSpPr>
+            <a:cxnSpLocks/>
+            <a:stCxn id="13" idx="2"/>
+            <a:endCxn id="94" idx="2"/>
+          </p:cNvCxnSpPr>
+          <p:nvPr/>
+        </p:nvCxnSpPr>
+        <p:spPr>
+          <a:xfrm rot="5400000">
+            <a:off x="6402680" y="488511"/>
+            <a:ext cx="782469" cy="7846564"/>
+          </a:xfrm>
+          <a:prstGeom prst="bentConnector3">
+            <a:avLst>
+              <a:gd name="adj1" fmla="val 129215"/>
+            </a:avLst>
+          </a:prstGeom>
+          <a:ln w="38100">
+            <a:solidFill>
+              <a:srgbClr val="FFC000"/>
+            </a:solidFill>
+            <a:headEnd type="diamond" w="med" len="med"/>
+            <a:tailEnd type="triangle" w="med" len="med"/>
+          </a:ln>
+        </p:spPr>
+        <p:style>
+          <a:lnRef idx="1">
+            <a:schemeClr val="accent6"/>
+          </a:lnRef>
+          <a:fillRef idx="0">
+            <a:schemeClr val="accent6"/>
+          </a:fillRef>
+          <a:effectRef idx="0">
+            <a:schemeClr val="accent6"/>
+          </a:effectRef>
+          <a:fontRef idx="minor">
+            <a:schemeClr val="tx1"/>
+          </a:fontRef>
+        </p:style>
+      </p:cxnSp>
+      <p:cxnSp>
+        <p:nvCxnSpPr>
+          <p:cNvPr id="48" name="연결선: 꺾임 47">
+            <a:extLst>
+              <a:ext uri="{FF2B5EF4-FFF2-40B4-BE49-F238E27FC236}">
+                <a16:creationId xmlns:a16="http://schemas.microsoft.com/office/drawing/2014/main" id="{ADAD1270-D18E-4A9B-90EA-E912E63A3DEA}"/>
+              </a:ext>
+            </a:extLst>
+          </p:cNvPr>
+          <p:cNvCxnSpPr>
+            <a:cxnSpLocks/>
+            <a:stCxn id="107" idx="0"/>
+            <a:endCxn id="14" idx="1"/>
+          </p:cNvCxnSpPr>
+          <p:nvPr/>
+        </p:nvCxnSpPr>
+        <p:spPr>
+          <a:xfrm rot="5400000" flipH="1" flipV="1">
+            <a:off x="7099364" y="1143698"/>
+            <a:ext cx="280935" cy="1556395"/>
+          </a:xfrm>
+          <a:prstGeom prst="bentConnector2">
+            <a:avLst/>
+          </a:prstGeom>
+          <a:ln w="38100">
+            <a:solidFill>
+              <a:srgbClr val="FFC000"/>
+            </a:solidFill>
+            <a:headEnd type="diamond" w="med" len="med"/>
+            <a:tailEnd type="triangle" w="med" len="med"/>
+          </a:ln>
+        </p:spPr>
+        <p:style>
+          <a:lnRef idx="1">
+            <a:schemeClr val="accent6"/>
+          </a:lnRef>
+          <a:fillRef idx="0">
+            <a:schemeClr val="accent6"/>
+          </a:fillRef>
+          <a:effectRef idx="0">
+            <a:schemeClr val="accent6"/>
+          </a:effectRef>
+          <a:fontRef idx="minor">
+            <a:schemeClr val="tx1"/>
+          </a:fontRef>
+        </p:style>
+      </p:cxnSp>
+      <p:cxnSp>
+        <p:nvCxnSpPr>
+          <p:cNvPr id="62" name="연결선: 꺾임 61">
+            <a:extLst>
+              <a:ext uri="{FF2B5EF4-FFF2-40B4-BE49-F238E27FC236}">
+                <a16:creationId xmlns:a16="http://schemas.microsoft.com/office/drawing/2014/main" id="{D2BBF1BC-3F9C-FDD1-40CF-9CFE10E49737}"/>
+              </a:ext>
+            </a:extLst>
+          </p:cNvPr>
+          <p:cNvCxnSpPr>
+            <a:cxnSpLocks/>
+            <a:stCxn id="14" idx="2"/>
+            <a:endCxn id="15" idx="0"/>
+          </p:cNvCxnSpPr>
+          <p:nvPr/>
+        </p:nvCxnSpPr>
+        <p:spPr>
+          <a:xfrm rot="16200000" flipH="1">
+            <a:off x="8838375" y="1976071"/>
+            <a:ext cx="764727" cy="870817"/>
+          </a:xfrm>
+          <a:prstGeom prst="bentConnector3">
+            <a:avLst>
+              <a:gd name="adj1" fmla="val 50000"/>
+            </a:avLst>
+          </a:prstGeom>
+          <a:ln w="38100">
+            <a:solidFill>
+              <a:srgbClr val="FFC000"/>
+            </a:solidFill>
+            <a:headEnd type="diamond" w="med" len="med"/>
+            <a:tailEnd type="triangle" w="med" len="med"/>
+          </a:ln>
+        </p:spPr>
+        <p:style>
+          <a:lnRef idx="1">
+            <a:schemeClr val="accent6"/>
+          </a:lnRef>
+          <a:fillRef idx="0">
+            <a:schemeClr val="accent6"/>
+          </a:fillRef>
+          <a:effectRef idx="0">
+            <a:schemeClr val="accent6"/>
+          </a:effectRef>
+          <a:fontRef idx="minor">
+            <a:schemeClr val="tx1"/>
+          </a:fontRef>
+        </p:style>
+      </p:cxnSp>
+      <p:cxnSp>
+        <p:nvCxnSpPr>
+          <p:cNvPr id="68" name="연결선: 꺾임 67">
+            <a:extLst>
+              <a:ext uri="{FF2B5EF4-FFF2-40B4-BE49-F238E27FC236}">
+                <a16:creationId xmlns:a16="http://schemas.microsoft.com/office/drawing/2014/main" id="{B956E1CD-20B7-0672-1444-72F5F9EB34F5}"/>
+              </a:ext>
+            </a:extLst>
+          </p:cNvPr>
+          <p:cNvCxnSpPr>
+            <a:cxnSpLocks/>
+            <a:stCxn id="15" idx="2"/>
+            <a:endCxn id="13" idx="1"/>
+          </p:cNvCxnSpPr>
+          <p:nvPr/>
+        </p:nvCxnSpPr>
+        <p:spPr>
+          <a:xfrm rot="16200000" flipH="1">
+            <a:off x="9732914" y="3212458"/>
+            <a:ext cx="483644" cy="637178"/>
+          </a:xfrm>
+          <a:prstGeom prst="bentConnector2">
+            <a:avLst/>
+          </a:prstGeom>
+          <a:ln w="38100">
+            <a:solidFill>
+              <a:srgbClr val="FFC000"/>
+            </a:solidFill>
+            <a:headEnd type="diamond" w="med" len="med"/>
+            <a:tailEnd type="triangle" w="med" len="med"/>
+          </a:ln>
+        </p:spPr>
+        <p:style>
+          <a:lnRef idx="1">
+            <a:schemeClr val="accent6"/>
+          </a:lnRef>
+          <a:fillRef idx="0">
+            <a:schemeClr val="accent6"/>
+          </a:fillRef>
+          <a:effectRef idx="0">
+            <a:schemeClr val="accent6"/>
+          </a:effectRef>
+          <a:fontRef idx="minor">
+            <a:schemeClr val="tx1"/>
+          </a:fontRef>
+        </p:style>
+      </p:cxnSp>
+      <p:sp>
+        <p:nvSpPr>
+          <p:cNvPr id="79" name="사각형: 모서리가 접힌 도형 78">
+            <a:extLst>
+              <a:ext uri="{FF2B5EF4-FFF2-40B4-BE49-F238E27FC236}">
+                <a16:creationId xmlns:a16="http://schemas.microsoft.com/office/drawing/2014/main" id="{4FFFC34E-AB5C-2EA7-5DA2-90E276198FD1}"/>
+              </a:ext>
+            </a:extLst>
+          </p:cNvPr>
+          <p:cNvSpPr/>
+          <p:nvPr/>
+        </p:nvSpPr>
+        <p:spPr>
+          <a:xfrm>
+            <a:off x="9232276" y="4803028"/>
+            <a:ext cx="2437946" cy="568378"/>
+          </a:xfrm>
+          <a:prstGeom prst="foldedCorner">
+            <a:avLst/>
+          </a:prstGeom>
+          <a:solidFill>
+            <a:schemeClr val="accent3">
+              <a:alpha val="50000"/>
+            </a:schemeClr>
+          </a:solidFill>
+          <a:ln>
+            <a:noFill/>
+          </a:ln>
+        </p:spPr>
+        <p:style>
+          <a:lnRef idx="0">
+            <a:scrgbClr r="0" g="0" b="0"/>
+          </a:lnRef>
+          <a:fillRef idx="0">
+            <a:scrgbClr r="0" g="0" b="0"/>
+          </a:fillRef>
+          <a:effectRef idx="0">
+            <a:scrgbClr r="0" g="0" b="0"/>
+          </a:effectRef>
+          <a:fontRef idx="minor">
+            <a:schemeClr val="lt1"/>
+          </a:fontRef>
+        </p:style>
+        <p:txBody>
+          <a:bodyPr rtlCol="0" anchor="ctr"/>
+          <a:lstStyle/>
+          <a:p>
+            <a:pPr algn="ctr"/>
+            <a:r>
+              <a:rPr lang="en-US" altLang="ko-KR" dirty="0"/>
+              <a:t>lib/Cylinder/Double </a:t>
+            </a:r>
+          </a:p>
+          <a:p>
+            <a:pPr algn="ctr"/>
+            <a:r>
+              <a:rPr lang="en-US" altLang="ko-KR" dirty="0"/>
+              <a:t>[Pin]</a:t>
+            </a:r>
+            <a:endParaRPr lang="ko-KR" altLang="en-US" dirty="0"/>
+          </a:p>
+        </p:txBody>
+      </p:sp>
+      <p:sp>
+        <p:nvSpPr>
+          <p:cNvPr id="7" name="사각형: 모서리가 접힌 도형 6">
+            <a:extLst>
+              <a:ext uri="{FF2B5EF4-FFF2-40B4-BE49-F238E27FC236}">
+                <a16:creationId xmlns:a16="http://schemas.microsoft.com/office/drawing/2014/main" id="{714117EE-2573-5F95-0ABC-EE82E082580E}"/>
+              </a:ext>
+            </a:extLst>
+          </p:cNvPr>
+          <p:cNvSpPr/>
+          <p:nvPr/>
+        </p:nvSpPr>
+        <p:spPr>
+          <a:xfrm>
+            <a:off x="9232276" y="5690985"/>
+            <a:ext cx="2437946" cy="568378"/>
+          </a:xfrm>
+          <a:prstGeom prst="foldedCorner">
+            <a:avLst/>
+          </a:prstGeom>
+          <a:solidFill>
+            <a:schemeClr val="accent3">
+              <a:alpha val="50000"/>
+            </a:schemeClr>
+          </a:solidFill>
+          <a:ln>
+            <a:noFill/>
+          </a:ln>
+        </p:spPr>
+        <p:style>
+          <a:lnRef idx="0">
+            <a:scrgbClr r="0" g="0" b="0"/>
+          </a:lnRef>
+          <a:fillRef idx="0">
+            <a:scrgbClr r="0" g="0" b="0"/>
+          </a:fillRef>
+          <a:effectRef idx="0">
+            <a:scrgbClr r="0" g="0" b="0"/>
+          </a:effectRef>
+          <a:fontRef idx="minor">
+            <a:schemeClr val="lt1"/>
+          </a:fontRef>
+        </p:style>
+        <p:txBody>
+          <a:bodyPr rtlCol="0" anchor="ctr"/>
+          <a:lstStyle/>
+          <a:p>
+            <a:pPr algn="ctr"/>
+            <a:r>
+              <a:rPr lang="en-US" altLang="ko-KR" dirty="0"/>
+              <a:t>lib/Cylinder/Double </a:t>
+            </a:r>
+          </a:p>
+          <a:p>
+            <a:pPr algn="ctr"/>
+            <a:r>
+              <a:rPr lang="en-US" altLang="ko-KR" dirty="0"/>
+              <a:t>[Clamp]2</a:t>
+            </a:r>
+            <a:endParaRPr lang="ko-KR" altLang="en-US" dirty="0"/>
+          </a:p>
+        </p:txBody>
+      </p:sp>
+      <p:sp>
+        <p:nvSpPr>
+          <p:cNvPr id="94" name="직사각형 93">
+            <a:extLst>
+              <a:ext uri="{FF2B5EF4-FFF2-40B4-BE49-F238E27FC236}">
+                <a16:creationId xmlns:a16="http://schemas.microsoft.com/office/drawing/2014/main" id="{50002DFC-06DB-5F32-EB21-2D6DF916CB2E}"/>
+              </a:ext>
+            </a:extLst>
+          </p:cNvPr>
+          <p:cNvSpPr/>
+          <p:nvPr/>
+        </p:nvSpPr>
+        <p:spPr>
+          <a:xfrm>
+            <a:off x="229542" y="1885389"/>
+            <a:ext cx="5282180" cy="2917639"/>
+          </a:xfrm>
+          <a:prstGeom prst="rect">
+            <a:avLst/>
+          </a:prstGeom>
+        </p:spPr>
+        <p:style>
+          <a:lnRef idx="2">
+            <a:schemeClr val="accent1">
+              <a:shade val="15000"/>
+            </a:schemeClr>
+          </a:lnRef>
+          <a:fillRef idx="1">
+            <a:schemeClr val="accent1"/>
+          </a:fillRef>
+          <a:effectRef idx="0">
+            <a:schemeClr val="accent1"/>
+          </a:effectRef>
+          <a:fontRef idx="minor">
+            <a:schemeClr val="lt1"/>
+          </a:fontRef>
+        </p:style>
+        <p:txBody>
+          <a:bodyPr rtlCol="0" anchor="ctr"/>
+          <a:lstStyle/>
+          <a:p>
+            <a:pPr algn="ctr"/>
+            <a:r>
+              <a:rPr lang="en-US" altLang="ko-KR" dirty="0"/>
+              <a:t>R1</a:t>
+            </a:r>
+            <a:endParaRPr lang="ko-KR" altLang="en-US" dirty="0"/>
+          </a:p>
+        </p:txBody>
+      </p:sp>
+    </p:spTree>
+    <p:extLst>
+      <p:ext uri="{BB962C8B-B14F-4D97-AF65-F5344CB8AC3E}">
+        <p14:creationId xmlns:p14="http://schemas.microsoft.com/office/powerpoint/2010/main" val="3698650550"/>
+      </p:ext>
+    </p:extLst>
+  </p:cSld>
+  <p:clrMapOvr>
+    <a:masterClrMapping/>
+  </p:clrMapOvr>
+</p:sld>
+</file>
+
+<file path=ppt/slides/slide6.xml><?xml version="1.0" encoding="utf-8"?>
+<p:sld xmlns:a="http://schemas.openxmlformats.org/drawingml/2006/main" xmlns:r="http://schemas.openxmlformats.org/officeDocument/2006/relationships" xmlns:p="http://schemas.openxmlformats.org/presentationml/2006/main" show="0">
+  <p:cSld>
+    <p:spTree>
+      <p:nvGrpSpPr>
+        <p:cNvPr id="1" name=""/>
+        <p:cNvGrpSpPr/>
+        <p:nvPr/>
+      </p:nvGrpSpPr>
+      <p:grpSpPr>
+        <a:xfrm>
+          <a:off x="0" y="0"/>
+          <a:ext cx="0" cy="0"/>
+          <a:chOff x="0" y="0"/>
+          <a:chExt cx="0" cy="0"/>
+        </a:xfrm>
+      </p:grpSpPr>
+      <p:sp>
+        <p:nvSpPr>
+          <p:cNvPr id="2" name="제목 1">
+            <a:extLst>
+              <a:ext uri="{FF2B5EF4-FFF2-40B4-BE49-F238E27FC236}">
+                <a16:creationId xmlns:a16="http://schemas.microsoft.com/office/drawing/2014/main" id="{5E8FE27E-4086-E570-1BA4-F2B433CAA376}"/>
+              </a:ext>
+            </a:extLst>
+          </p:cNvPr>
+          <p:cNvSpPr>
+            <a:spLocks noGrp="1"/>
+          </p:cNvSpPr>
+          <p:nvPr>
+            <p:ph type="title"/>
+          </p:nvPr>
+        </p:nvSpPr>
+        <p:spPr/>
+        <p:txBody>
+          <a:bodyPr/>
+          <a:lstStyle/>
+          <a:p>
+            <a:r>
+              <a:rPr lang="en-US" altLang="ko-KR"/>
+              <a:t>S111</a:t>
+            </a:r>
+            <a:endParaRPr lang="ko-KR" altLang="en-US" dirty="0"/>
+          </a:p>
+        </p:txBody>
+      </p:sp>
+      <p:sp>
+        <p:nvSpPr>
+          <p:cNvPr id="91" name="직사각형 90">
+            <a:extLst>
+              <a:ext uri="{FF2B5EF4-FFF2-40B4-BE49-F238E27FC236}">
+                <a16:creationId xmlns:a16="http://schemas.microsoft.com/office/drawing/2014/main" id="{1902CC42-6799-D372-F372-07BB72F2BF14}"/>
+              </a:ext>
+            </a:extLst>
+          </p:cNvPr>
+          <p:cNvSpPr/>
+          <p:nvPr/>
+        </p:nvSpPr>
+        <p:spPr>
+          <a:xfrm>
+            <a:off x="6087687" y="988960"/>
+            <a:ext cx="847742" cy="495381"/>
+          </a:xfrm>
+          <a:prstGeom prst="rect">
+            <a:avLst/>
+          </a:prstGeom>
+        </p:spPr>
+        <p:style>
+          <a:lnRef idx="2">
+            <a:schemeClr val="accent1">
+              <a:shade val="15000"/>
+            </a:schemeClr>
+          </a:lnRef>
+          <a:fillRef idx="1">
+            <a:schemeClr val="accent1"/>
+          </a:fillRef>
+          <a:effectRef idx="0">
+            <a:schemeClr val="accent1"/>
+          </a:effectRef>
+          <a:fontRef idx="minor">
+            <a:schemeClr val="lt1"/>
+          </a:fontRef>
+        </p:style>
+        <p:txBody>
+          <a:bodyPr rtlCol="0" anchor="ctr"/>
+          <a:lstStyle/>
+          <a:p>
+            <a:pPr algn="ctr"/>
+            <a:r>
+              <a:rPr lang="en-US" altLang="ko-KR" dirty="0"/>
+              <a:t>R3</a:t>
+            </a:r>
+            <a:endParaRPr lang="ko-KR" altLang="en-US" dirty="0"/>
+          </a:p>
+        </p:txBody>
+      </p:sp>
+      <p:sp>
+        <p:nvSpPr>
+          <p:cNvPr id="107" name="직사각형 106">
+            <a:extLst>
+              <a:ext uri="{FF2B5EF4-FFF2-40B4-BE49-F238E27FC236}">
+                <a16:creationId xmlns:a16="http://schemas.microsoft.com/office/drawing/2014/main" id="{915BD835-DF4D-92B2-20EE-E079F839EBBE}"/>
+              </a:ext>
+            </a:extLst>
+          </p:cNvPr>
+          <p:cNvSpPr/>
+          <p:nvPr/>
+        </p:nvSpPr>
+        <p:spPr>
+          <a:xfrm>
+            <a:off x="6037763" y="2062362"/>
+            <a:ext cx="847742" cy="495381"/>
+          </a:xfrm>
+          <a:prstGeom prst="rect">
+            <a:avLst/>
+          </a:prstGeom>
+        </p:spPr>
+        <p:style>
+          <a:lnRef idx="2">
+            <a:schemeClr val="accent1">
+              <a:shade val="15000"/>
+            </a:schemeClr>
+          </a:lnRef>
+          <a:fillRef idx="1">
+            <a:schemeClr val="accent1"/>
+          </a:fillRef>
+          <a:effectRef idx="0">
+            <a:schemeClr val="accent1"/>
+          </a:effectRef>
+          <a:fontRef idx="minor">
+            <a:schemeClr val="lt1"/>
+          </a:fontRef>
+        </p:style>
+        <p:txBody>
+          <a:bodyPr rtlCol="0" anchor="ctr"/>
+          <a:lstStyle/>
+          <a:p>
+            <a:pPr algn="ctr"/>
+            <a:r>
+              <a:rPr lang="en-US" altLang="ko-KR" dirty="0"/>
+              <a:t>R2</a:t>
+            </a:r>
+            <a:endParaRPr lang="ko-KR" altLang="en-US" dirty="0"/>
+          </a:p>
+        </p:txBody>
+      </p:sp>
+      <p:cxnSp>
+        <p:nvCxnSpPr>
+          <p:cNvPr id="109" name="직선 화살표 연결선 108">
+            <a:extLst>
+              <a:ext uri="{FF2B5EF4-FFF2-40B4-BE49-F238E27FC236}">
+                <a16:creationId xmlns:a16="http://schemas.microsoft.com/office/drawing/2014/main" id="{962C7EAD-50AB-B451-7AB8-AD60B0C48A7C}"/>
+              </a:ext>
+            </a:extLst>
+          </p:cNvPr>
+          <p:cNvCxnSpPr>
+            <a:cxnSpLocks/>
+            <a:stCxn id="94" idx="3"/>
+            <a:endCxn id="91" idx="1"/>
+          </p:cNvCxnSpPr>
+          <p:nvPr/>
+        </p:nvCxnSpPr>
+        <p:spPr>
+          <a:xfrm flipV="1">
+            <a:off x="5613892" y="1236651"/>
+            <a:ext cx="473795" cy="1458819"/>
+          </a:xfrm>
+          <a:prstGeom prst="straightConnector1">
+            <a:avLst/>
+          </a:prstGeom>
+          <a:ln w="38100">
+            <a:solidFill>
+              <a:srgbClr val="FFC000"/>
+            </a:solidFill>
+            <a:headEnd type="diamond" w="med" len="med"/>
+            <a:tailEnd type="triangle" w="med" len="med"/>
+          </a:ln>
+        </p:spPr>
+        <p:style>
+          <a:lnRef idx="1">
+            <a:schemeClr val="accent6"/>
+          </a:lnRef>
+          <a:fillRef idx="0">
+            <a:schemeClr val="accent6"/>
+          </a:fillRef>
+          <a:effectRef idx="0">
+            <a:schemeClr val="accent6"/>
+          </a:effectRef>
+          <a:fontRef idx="minor">
+            <a:schemeClr val="tx1"/>
+          </a:fontRef>
+        </p:style>
+      </p:cxnSp>
+      <p:cxnSp>
+        <p:nvCxnSpPr>
+          <p:cNvPr id="120" name="직선 화살표 연결선 119">
+            <a:extLst>
+              <a:ext uri="{FF2B5EF4-FFF2-40B4-BE49-F238E27FC236}">
+                <a16:creationId xmlns:a16="http://schemas.microsoft.com/office/drawing/2014/main" id="{D780E1C2-0E12-A5CD-2B49-A959AB42330A}"/>
+              </a:ext>
+            </a:extLst>
+          </p:cNvPr>
+          <p:cNvCxnSpPr>
+            <a:cxnSpLocks/>
+            <a:stCxn id="94" idx="3"/>
+            <a:endCxn id="107" idx="1"/>
+          </p:cNvCxnSpPr>
+          <p:nvPr/>
+        </p:nvCxnSpPr>
+        <p:spPr>
+          <a:xfrm flipV="1">
+            <a:off x="5613892" y="2310053"/>
+            <a:ext cx="423871" cy="385417"/>
+          </a:xfrm>
+          <a:prstGeom prst="straightConnector1">
+            <a:avLst/>
+          </a:prstGeom>
+          <a:ln w="38100">
+            <a:solidFill>
+              <a:srgbClr val="FFC000"/>
+            </a:solidFill>
+            <a:headEnd type="diamond" w="med" len="med"/>
+            <a:tailEnd type="triangle" w="med" len="med"/>
+          </a:ln>
+        </p:spPr>
+        <p:style>
+          <a:lnRef idx="1">
+            <a:schemeClr val="accent6"/>
+          </a:lnRef>
+          <a:fillRef idx="0">
+            <a:schemeClr val="accent6"/>
+          </a:fillRef>
+          <a:effectRef idx="0">
+            <a:schemeClr val="accent6"/>
+          </a:effectRef>
+          <a:fontRef idx="minor">
+            <a:schemeClr val="tx1"/>
+          </a:fontRef>
+        </p:style>
+      </p:cxnSp>
+      <p:sp>
+        <p:nvSpPr>
+          <p:cNvPr id="13" name="직사각형 12">
+            <a:extLst>
+              <a:ext uri="{FF2B5EF4-FFF2-40B4-BE49-F238E27FC236}">
+                <a16:creationId xmlns:a16="http://schemas.microsoft.com/office/drawing/2014/main" id="{20D4B5AF-E245-475A-47A6-1314F9D73EE8}"/>
+              </a:ext>
+            </a:extLst>
+          </p:cNvPr>
+          <p:cNvSpPr/>
+          <p:nvPr/>
+        </p:nvSpPr>
+        <p:spPr>
+          <a:xfrm>
+            <a:off x="10293325" y="3525178"/>
+            <a:ext cx="847742" cy="495381"/>
+          </a:xfrm>
+          <a:prstGeom prst="rect">
+            <a:avLst/>
+          </a:prstGeom>
+        </p:spPr>
+        <p:style>
+          <a:lnRef idx="2">
+            <a:schemeClr val="accent1">
+              <a:shade val="15000"/>
+            </a:schemeClr>
+          </a:lnRef>
+          <a:fillRef idx="1">
+            <a:schemeClr val="accent1"/>
+          </a:fillRef>
+          <a:effectRef idx="0">
+            <a:schemeClr val="accent1"/>
+          </a:effectRef>
+          <a:fontRef idx="minor">
+            <a:schemeClr val="lt1"/>
+          </a:fontRef>
+        </p:style>
+        <p:txBody>
+          <a:bodyPr rtlCol="0" anchor="ctr"/>
+          <a:lstStyle/>
+          <a:p>
+            <a:pPr algn="ctr"/>
+            <a:r>
+              <a:rPr lang="en-US" altLang="ko-KR" dirty="0"/>
+              <a:t>R6</a:t>
+            </a:r>
+            <a:endParaRPr lang="ko-KR" altLang="en-US" dirty="0"/>
+          </a:p>
+        </p:txBody>
+      </p:sp>
+      <p:sp>
+        <p:nvSpPr>
+          <p:cNvPr id="14" name="직사각형 13">
+            <a:extLst>
+              <a:ext uri="{FF2B5EF4-FFF2-40B4-BE49-F238E27FC236}">
+                <a16:creationId xmlns:a16="http://schemas.microsoft.com/office/drawing/2014/main" id="{7F0FAA92-96A9-A5D3-0A1E-4545883E9E65}"/>
+              </a:ext>
+            </a:extLst>
+          </p:cNvPr>
+          <p:cNvSpPr/>
+          <p:nvPr/>
+        </p:nvSpPr>
+        <p:spPr>
+          <a:xfrm>
+            <a:off x="8018029" y="1533736"/>
+            <a:ext cx="1534601" cy="495381"/>
+          </a:xfrm>
+          <a:prstGeom prst="rect">
+            <a:avLst/>
+          </a:prstGeom>
+        </p:spPr>
+        <p:style>
+          <a:lnRef idx="2">
+            <a:schemeClr val="accent1">
+              <a:shade val="15000"/>
+            </a:schemeClr>
+          </a:lnRef>
+          <a:fillRef idx="1">
+            <a:schemeClr val="accent1"/>
+          </a:fillRef>
+          <a:effectRef idx="0">
+            <a:schemeClr val="accent1"/>
+          </a:effectRef>
+          <a:fontRef idx="minor">
+            <a:schemeClr val="lt1"/>
+          </a:fontRef>
+        </p:style>
+        <p:txBody>
+          <a:bodyPr rtlCol="0" anchor="ctr"/>
+          <a:lstStyle/>
+          <a:p>
+            <a:pPr algn="ctr"/>
+            <a:r>
+              <a:rPr lang="en-US" altLang="ko-KR" dirty="0"/>
+              <a:t>R4</a:t>
+            </a:r>
+            <a:endParaRPr lang="ko-KR" altLang="en-US" dirty="0"/>
+          </a:p>
+        </p:txBody>
+      </p:sp>
+      <p:sp>
+        <p:nvSpPr>
+          <p:cNvPr id="15" name="직사각형 14">
+            <a:extLst>
+              <a:ext uri="{FF2B5EF4-FFF2-40B4-BE49-F238E27FC236}">
+                <a16:creationId xmlns:a16="http://schemas.microsoft.com/office/drawing/2014/main" id="{60198781-EBB0-10CE-8B2F-9ABD8A632D5C}"/>
+              </a:ext>
+            </a:extLst>
+          </p:cNvPr>
+          <p:cNvSpPr/>
+          <p:nvPr/>
+        </p:nvSpPr>
+        <p:spPr>
+          <a:xfrm>
+            <a:off x="9232276" y="2793844"/>
+            <a:ext cx="847742" cy="495381"/>
+          </a:xfrm>
+          <a:prstGeom prst="rect">
+            <a:avLst/>
+          </a:prstGeom>
+        </p:spPr>
+        <p:style>
+          <a:lnRef idx="2">
+            <a:schemeClr val="accent1">
+              <a:shade val="15000"/>
+            </a:schemeClr>
+          </a:lnRef>
+          <a:fillRef idx="1">
+            <a:schemeClr val="accent1"/>
+          </a:fillRef>
+          <a:effectRef idx="0">
+            <a:schemeClr val="accent1"/>
+          </a:effectRef>
+          <a:fontRef idx="minor">
+            <a:schemeClr val="lt1"/>
+          </a:fontRef>
+        </p:style>
+        <p:txBody>
+          <a:bodyPr rtlCol="0" anchor="ctr"/>
+          <a:lstStyle/>
+          <a:p>
+            <a:pPr algn="ctr"/>
+            <a:r>
+              <a:rPr lang="en-US" altLang="ko-KR" dirty="0"/>
+              <a:t>R5</a:t>
+            </a:r>
+            <a:endParaRPr lang="ko-KR" altLang="en-US" dirty="0"/>
+          </a:p>
+        </p:txBody>
+      </p:sp>
+      <p:cxnSp>
+        <p:nvCxnSpPr>
+          <p:cNvPr id="23" name="연결선: 꺾임 22">
+            <a:extLst>
+              <a:ext uri="{FF2B5EF4-FFF2-40B4-BE49-F238E27FC236}">
+                <a16:creationId xmlns:a16="http://schemas.microsoft.com/office/drawing/2014/main" id="{7784514C-ED5E-0B18-1D1B-F544B46E59B0}"/>
+              </a:ext>
+            </a:extLst>
+          </p:cNvPr>
+          <p:cNvCxnSpPr>
+            <a:cxnSpLocks/>
+            <a:stCxn id="91" idx="2"/>
+            <a:endCxn id="14" idx="1"/>
+          </p:cNvCxnSpPr>
+          <p:nvPr/>
+        </p:nvCxnSpPr>
+        <p:spPr>
+          <a:xfrm rot="16200000" flipH="1">
+            <a:off x="7116250" y="879648"/>
+            <a:ext cx="297086" cy="1506471"/>
+          </a:xfrm>
+          <a:prstGeom prst="bentConnector2">
+            <a:avLst/>
+          </a:prstGeom>
+          <a:ln w="38100">
+            <a:solidFill>
+              <a:srgbClr val="FFC000"/>
+            </a:solidFill>
+            <a:headEnd type="diamond" w="med" len="med"/>
+            <a:tailEnd type="triangle" w="med" len="med"/>
+          </a:ln>
+        </p:spPr>
+        <p:style>
+          <a:lnRef idx="1">
+            <a:schemeClr val="accent6"/>
+          </a:lnRef>
+          <a:fillRef idx="0">
+            <a:schemeClr val="accent6"/>
+          </a:fillRef>
+          <a:effectRef idx="0">
+            <a:schemeClr val="accent6"/>
+          </a:effectRef>
+          <a:fontRef idx="minor">
+            <a:schemeClr val="tx1"/>
+          </a:fontRef>
+        </p:style>
+      </p:cxnSp>
+      <p:cxnSp>
+        <p:nvCxnSpPr>
+          <p:cNvPr id="32" name="연결선: 꺾임 31">
+            <a:extLst>
+              <a:ext uri="{FF2B5EF4-FFF2-40B4-BE49-F238E27FC236}">
+                <a16:creationId xmlns:a16="http://schemas.microsoft.com/office/drawing/2014/main" id="{55996CE5-7EBC-3246-9029-B8870B968B13}"/>
+              </a:ext>
+            </a:extLst>
+          </p:cNvPr>
+          <p:cNvCxnSpPr>
+            <a:cxnSpLocks/>
+            <a:stCxn id="13" idx="2"/>
+            <a:endCxn id="94" idx="2"/>
+          </p:cNvCxnSpPr>
+          <p:nvPr/>
+        </p:nvCxnSpPr>
+        <p:spPr>
+          <a:xfrm rot="5400000">
+            <a:off x="6778134" y="215227"/>
+            <a:ext cx="133730" cy="7744394"/>
+          </a:xfrm>
+          <a:prstGeom prst="bentConnector3">
+            <a:avLst>
+              <a:gd name="adj1" fmla="val 270941"/>
+            </a:avLst>
+          </a:prstGeom>
+          <a:ln w="38100">
+            <a:solidFill>
+              <a:srgbClr val="FFC000"/>
+            </a:solidFill>
+            <a:headEnd type="diamond" w="med" len="med"/>
+            <a:tailEnd type="triangle" w="med" len="med"/>
+          </a:ln>
+        </p:spPr>
+        <p:style>
+          <a:lnRef idx="1">
+            <a:schemeClr val="accent6"/>
+          </a:lnRef>
+          <a:fillRef idx="0">
+            <a:schemeClr val="accent6"/>
+          </a:fillRef>
+          <a:effectRef idx="0">
+            <a:schemeClr val="accent6"/>
+          </a:effectRef>
+          <a:fontRef idx="minor">
+            <a:schemeClr val="tx1"/>
+          </a:fontRef>
+        </p:style>
+      </p:cxnSp>
+      <p:cxnSp>
+        <p:nvCxnSpPr>
+          <p:cNvPr id="48" name="연결선: 꺾임 47">
+            <a:extLst>
+              <a:ext uri="{FF2B5EF4-FFF2-40B4-BE49-F238E27FC236}">
+                <a16:creationId xmlns:a16="http://schemas.microsoft.com/office/drawing/2014/main" id="{ADAD1270-D18E-4A9B-90EA-E912E63A3DEA}"/>
+              </a:ext>
+            </a:extLst>
+          </p:cNvPr>
+          <p:cNvCxnSpPr>
+            <a:cxnSpLocks/>
+            <a:stCxn id="107" idx="0"/>
+            <a:endCxn id="14" idx="1"/>
+          </p:cNvCxnSpPr>
+          <p:nvPr/>
+        </p:nvCxnSpPr>
+        <p:spPr>
+          <a:xfrm rot="5400000" flipH="1" flipV="1">
+            <a:off x="7099364" y="1143698"/>
+            <a:ext cx="280935" cy="1556395"/>
+          </a:xfrm>
+          <a:prstGeom prst="bentConnector2">
+            <a:avLst/>
+          </a:prstGeom>
+          <a:ln w="38100">
+            <a:solidFill>
+              <a:srgbClr val="FFC000"/>
+            </a:solidFill>
+            <a:headEnd type="diamond" w="med" len="med"/>
+            <a:tailEnd type="triangle" w="med" len="med"/>
+          </a:ln>
+        </p:spPr>
+        <p:style>
+          <a:lnRef idx="1">
+            <a:schemeClr val="accent6"/>
+          </a:lnRef>
+          <a:fillRef idx="0">
+            <a:schemeClr val="accent6"/>
+          </a:fillRef>
+          <a:effectRef idx="0">
+            <a:schemeClr val="accent6"/>
+          </a:effectRef>
+          <a:fontRef idx="minor">
+            <a:schemeClr val="tx1"/>
+          </a:fontRef>
+        </p:style>
+      </p:cxnSp>
+      <p:cxnSp>
+        <p:nvCxnSpPr>
+          <p:cNvPr id="62" name="연결선: 꺾임 61">
+            <a:extLst>
+              <a:ext uri="{FF2B5EF4-FFF2-40B4-BE49-F238E27FC236}">
+                <a16:creationId xmlns:a16="http://schemas.microsoft.com/office/drawing/2014/main" id="{D2BBF1BC-3F9C-FDD1-40CF-9CFE10E49737}"/>
+              </a:ext>
+            </a:extLst>
+          </p:cNvPr>
+          <p:cNvCxnSpPr>
+            <a:cxnSpLocks/>
+            <a:stCxn id="14" idx="2"/>
+            <a:endCxn id="15" idx="0"/>
+          </p:cNvCxnSpPr>
+          <p:nvPr/>
+        </p:nvCxnSpPr>
+        <p:spPr>
+          <a:xfrm rot="16200000" flipH="1">
+            <a:off x="8838375" y="1976071"/>
+            <a:ext cx="764727" cy="870817"/>
+          </a:xfrm>
+          <a:prstGeom prst="bentConnector3">
+            <a:avLst>
+              <a:gd name="adj1" fmla="val 50000"/>
+            </a:avLst>
+          </a:prstGeom>
+          <a:ln w="38100">
+            <a:solidFill>
+              <a:srgbClr val="FFC000"/>
+            </a:solidFill>
+            <a:headEnd type="diamond" w="med" len="med"/>
+            <a:tailEnd type="triangle" w="med" len="med"/>
+          </a:ln>
+        </p:spPr>
+        <p:style>
+          <a:lnRef idx="1">
+            <a:schemeClr val="accent6"/>
+          </a:lnRef>
+          <a:fillRef idx="0">
+            <a:schemeClr val="accent6"/>
+          </a:fillRef>
+          <a:effectRef idx="0">
+            <a:schemeClr val="accent6"/>
+          </a:effectRef>
+          <a:fontRef idx="minor">
+            <a:schemeClr val="tx1"/>
+          </a:fontRef>
+        </p:style>
+      </p:cxnSp>
+      <p:cxnSp>
+        <p:nvCxnSpPr>
+          <p:cNvPr id="68" name="연결선: 꺾임 67">
+            <a:extLst>
+              <a:ext uri="{FF2B5EF4-FFF2-40B4-BE49-F238E27FC236}">
+                <a16:creationId xmlns:a16="http://schemas.microsoft.com/office/drawing/2014/main" id="{B956E1CD-20B7-0672-1444-72F5F9EB34F5}"/>
+              </a:ext>
+            </a:extLst>
+          </p:cNvPr>
+          <p:cNvCxnSpPr>
+            <a:cxnSpLocks/>
+            <a:stCxn id="15" idx="2"/>
+            <a:endCxn id="13" idx="1"/>
+          </p:cNvCxnSpPr>
+          <p:nvPr/>
+        </p:nvCxnSpPr>
+        <p:spPr>
+          <a:xfrm rot="16200000" flipH="1">
+            <a:off x="9732914" y="3212458"/>
+            <a:ext cx="483644" cy="637178"/>
+          </a:xfrm>
+          <a:prstGeom prst="bentConnector2">
+            <a:avLst/>
+          </a:prstGeom>
+          <a:ln w="38100">
+            <a:solidFill>
+              <a:srgbClr val="FFC000"/>
+            </a:solidFill>
+            <a:headEnd type="diamond" w="med" len="med"/>
+            <a:tailEnd type="triangle" w="med" len="med"/>
+          </a:ln>
+        </p:spPr>
+        <p:style>
+          <a:lnRef idx="1">
+            <a:schemeClr val="accent6"/>
+          </a:lnRef>
+          <a:fillRef idx="0">
+            <a:schemeClr val="accent6"/>
+          </a:fillRef>
+          <a:effectRef idx="0">
+            <a:schemeClr val="accent6"/>
+          </a:effectRef>
+          <a:fontRef idx="minor">
+            <a:schemeClr val="tx1"/>
+          </a:fontRef>
+        </p:style>
+      </p:cxnSp>
+      <p:sp>
+        <p:nvSpPr>
+          <p:cNvPr id="79" name="사각형: 모서리가 접힌 도형 78">
+            <a:extLst>
+              <a:ext uri="{FF2B5EF4-FFF2-40B4-BE49-F238E27FC236}">
+                <a16:creationId xmlns:a16="http://schemas.microsoft.com/office/drawing/2014/main" id="{4FFFC34E-AB5C-2EA7-5DA2-90E276198FD1}"/>
+              </a:ext>
+            </a:extLst>
+          </p:cNvPr>
+          <p:cNvSpPr/>
+          <p:nvPr/>
+        </p:nvSpPr>
+        <p:spPr>
+          <a:xfrm>
+            <a:off x="9232276" y="4803028"/>
+            <a:ext cx="2437946" cy="568378"/>
+          </a:xfrm>
+          <a:prstGeom prst="foldedCorner">
+            <a:avLst/>
+          </a:prstGeom>
+          <a:solidFill>
+            <a:schemeClr val="accent3">
+              <a:alpha val="50000"/>
+            </a:schemeClr>
+          </a:solidFill>
+          <a:ln>
+            <a:noFill/>
+          </a:ln>
+        </p:spPr>
+        <p:style>
+          <a:lnRef idx="0">
+            <a:scrgbClr r="0" g="0" b="0"/>
+          </a:lnRef>
+          <a:fillRef idx="0">
+            <a:scrgbClr r="0" g="0" b="0"/>
+          </a:fillRef>
+          <a:effectRef idx="0">
+            <a:scrgbClr r="0" g="0" b="0"/>
+          </a:effectRef>
+          <a:fontRef idx="minor">
+            <a:schemeClr val="lt1"/>
+          </a:fontRef>
+        </p:style>
+        <p:txBody>
+          <a:bodyPr rtlCol="0" anchor="ctr"/>
+          <a:lstStyle/>
+          <a:p>
+            <a:pPr algn="ctr"/>
+            <a:r>
+              <a:rPr lang="en-US" altLang="ko-KR" dirty="0"/>
+              <a:t>lib/Cylinder/Double </a:t>
+            </a:r>
+          </a:p>
+          <a:p>
+            <a:pPr algn="ctr"/>
+            <a:r>
+              <a:rPr lang="en-US" altLang="ko-KR" dirty="0"/>
+              <a:t>[Pin]</a:t>
+            </a:r>
+            <a:endParaRPr lang="ko-KR" altLang="en-US" dirty="0"/>
+          </a:p>
+        </p:txBody>
+      </p:sp>
+      <p:sp>
+        <p:nvSpPr>
+          <p:cNvPr id="7" name="사각형: 모서리가 접힌 도형 6">
+            <a:extLst>
+              <a:ext uri="{FF2B5EF4-FFF2-40B4-BE49-F238E27FC236}">
+                <a16:creationId xmlns:a16="http://schemas.microsoft.com/office/drawing/2014/main" id="{714117EE-2573-5F95-0ABC-EE82E082580E}"/>
+              </a:ext>
+            </a:extLst>
+          </p:cNvPr>
+          <p:cNvSpPr/>
+          <p:nvPr/>
+        </p:nvSpPr>
+        <p:spPr>
+          <a:xfrm>
+            <a:off x="9232276" y="5690985"/>
+            <a:ext cx="2437946" cy="568378"/>
+          </a:xfrm>
+          <a:prstGeom prst="foldedCorner">
+            <a:avLst/>
+          </a:prstGeom>
+          <a:solidFill>
+            <a:schemeClr val="accent3">
+              <a:alpha val="50000"/>
+            </a:schemeClr>
+          </a:solidFill>
+          <a:ln>
+            <a:noFill/>
+          </a:ln>
+        </p:spPr>
+        <p:style>
+          <a:lnRef idx="0">
+            <a:scrgbClr r="0" g="0" b="0"/>
+          </a:lnRef>
+          <a:fillRef idx="0">
+            <a:scrgbClr r="0" g="0" b="0"/>
+          </a:fillRef>
+          <a:effectRef idx="0">
+            <a:scrgbClr r="0" g="0" b="0"/>
+          </a:effectRef>
+          <a:fontRef idx="minor">
+            <a:schemeClr val="lt1"/>
+          </a:fontRef>
+        </p:style>
+        <p:txBody>
+          <a:bodyPr rtlCol="0" anchor="ctr"/>
+          <a:lstStyle/>
+          <a:p>
+            <a:pPr algn="ctr"/>
+            <a:r>
+              <a:rPr lang="en-US" altLang="ko-KR" dirty="0"/>
+              <a:t>lib/Cylinder/Double </a:t>
+            </a:r>
+          </a:p>
+          <a:p>
+            <a:pPr algn="ctr"/>
+            <a:r>
+              <a:rPr lang="en-US" altLang="ko-KR" dirty="0"/>
+              <a:t>[Clamp]2</a:t>
+            </a:r>
+            <a:endParaRPr lang="ko-KR" altLang="en-US" dirty="0"/>
+          </a:p>
+        </p:txBody>
+      </p:sp>
+      <p:grpSp>
+        <p:nvGrpSpPr>
+          <p:cNvPr id="26" name="그룹 25">
+            <a:extLst>
+              <a:ext uri="{FF2B5EF4-FFF2-40B4-BE49-F238E27FC236}">
+                <a16:creationId xmlns:a16="http://schemas.microsoft.com/office/drawing/2014/main" id="{8CC9DEC2-7173-EBD9-90A8-D53B4F359840}"/>
+              </a:ext>
+            </a:extLst>
+          </p:cNvPr>
+          <p:cNvGrpSpPr/>
+          <p:nvPr/>
+        </p:nvGrpSpPr>
+        <p:grpSpPr>
+          <a:xfrm>
+            <a:off x="331712" y="1236650"/>
+            <a:ext cx="5282180" cy="2917639"/>
+            <a:chOff x="142394" y="1361062"/>
+            <a:chExt cx="5282180" cy="2917639"/>
+          </a:xfrm>
+        </p:grpSpPr>
+        <p:sp>
+          <p:nvSpPr>
+            <p:cNvPr id="94" name="직사각형 93">
+              <a:extLst>
+                <a:ext uri="{FF2B5EF4-FFF2-40B4-BE49-F238E27FC236}">
+                  <a16:creationId xmlns:a16="http://schemas.microsoft.com/office/drawing/2014/main" id="{50002DFC-06DB-5F32-EB21-2D6DF916CB2E}"/>
+                </a:ext>
+              </a:extLst>
+            </p:cNvPr>
+            <p:cNvSpPr/>
+            <p:nvPr/>
+          </p:nvSpPr>
+          <p:spPr>
+            <a:xfrm>
+              <a:off x="142394" y="1361062"/>
+              <a:ext cx="5282180" cy="2917639"/>
+            </a:xfrm>
+            <a:prstGeom prst="rect">
+              <a:avLst/>
+            </a:prstGeom>
+          </p:spPr>
+          <p:style>
+            <a:lnRef idx="2">
+              <a:schemeClr val="accent1">
+                <a:shade val="15000"/>
+              </a:schemeClr>
+            </a:lnRef>
+            <a:fillRef idx="1">
+              <a:schemeClr val="accent1"/>
+            </a:fillRef>
+            <a:effectRef idx="0">
+              <a:schemeClr val="accent1"/>
+            </a:effectRef>
+            <a:fontRef idx="minor">
+              <a:schemeClr val="lt1"/>
+            </a:fontRef>
+          </p:style>
+          <p:txBody>
+            <a:bodyPr rtlCol="0" anchor="ctr"/>
+            <a:lstStyle/>
+            <a:p>
+              <a:pPr algn="ctr"/>
+              <a:r>
+                <a:rPr lang="en-US" altLang="ko-KR" dirty="0"/>
+                <a:t>R1</a:t>
+              </a:r>
+              <a:endParaRPr lang="ko-KR" altLang="en-US" dirty="0"/>
+            </a:p>
+          </p:txBody>
+        </p:sp>
+        <p:grpSp>
+          <p:nvGrpSpPr>
+            <p:cNvPr id="75" name="그룹 74">
+              <a:extLst>
+                <a:ext uri="{FF2B5EF4-FFF2-40B4-BE49-F238E27FC236}">
+                  <a16:creationId xmlns:a16="http://schemas.microsoft.com/office/drawing/2014/main" id="{C4C08674-3276-2917-5E53-8945DF3F4C0B}"/>
+                </a:ext>
+              </a:extLst>
+            </p:cNvPr>
+            <p:cNvGrpSpPr/>
+            <p:nvPr/>
+          </p:nvGrpSpPr>
+          <p:grpSpPr>
+            <a:xfrm>
+              <a:off x="670285" y="2005704"/>
+              <a:ext cx="1797998" cy="1674765"/>
               <a:chOff x="1864319" y="2141847"/>
               <a:chExt cx="4107811" cy="3195790"/>
             </a:xfrm>
@@ -20867,7 +23161,7 @@
     </p:spTree>
     <p:extLst>
       <p:ext uri="{BB962C8B-B14F-4D97-AF65-F5344CB8AC3E}">
-        <p14:creationId xmlns:p14="http://schemas.microsoft.com/office/powerpoint/2010/main" val="2289107100"/>
+        <p14:creationId xmlns:p14="http://schemas.microsoft.com/office/powerpoint/2010/main" val="3425183248"/>
       </p:ext>
     </p:extLst>
   </p:cSld>
@@ -20877,7 +23171,7 @@
 </p:sld>
 </file>
 
-<file path=ppt/slides/slide5.xml><?xml version="1.0" encoding="utf-8"?>
+<file path=ppt/slides/slide7.xml><?xml version="1.0" encoding="utf-8"?>
 <p:sld xmlns:a="http://schemas.openxmlformats.org/drawingml/2006/main" xmlns:r="http://schemas.openxmlformats.org/officeDocument/2006/relationships" xmlns:p="http://schemas.openxmlformats.org/presentationml/2006/main" show="0">
   <p:cSld>
     <p:spTree>
@@ -21310,7 +23604,7 @@
 </p:sld>
 </file>
 
-<file path=ppt/slides/slide6.xml><?xml version="1.0" encoding="utf-8"?>
+<file path=ppt/slides/slide8.xml><?xml version="1.0" encoding="utf-8"?>
 <p:sld xmlns:a="http://schemas.openxmlformats.org/drawingml/2006/main" xmlns:r="http://schemas.openxmlformats.org/officeDocument/2006/relationships" xmlns:p="http://schemas.openxmlformats.org/presentationml/2006/main" show="0">
   <p:cSld>
     <p:spTree>
@@ -22501,7 +24795,7 @@
 </p:sld>
 </file>
 
-<file path=ppt/slides/slide7.xml><?xml version="1.0" encoding="utf-8"?>
+<file path=ppt/slides/slide9.xml><?xml version="1.0" encoding="utf-8"?>
 <p:sld xmlns:a="http://schemas.openxmlformats.org/drawingml/2006/main" xmlns:r="http://schemas.openxmlformats.org/officeDocument/2006/relationships" xmlns:p="http://schemas.openxmlformats.org/presentationml/2006/main" show="0">
   <p:cSld>
     <p:spTree>
@@ -23689,1048 +25983,6 @@
     <p:extLst>
       <p:ext uri="{BB962C8B-B14F-4D97-AF65-F5344CB8AC3E}">
         <p14:creationId xmlns:p14="http://schemas.microsoft.com/office/powerpoint/2010/main" val="1652240457"/>
-      </p:ext>
-    </p:extLst>
-  </p:cSld>
-  <p:clrMapOvr>
-    <a:masterClrMapping/>
-  </p:clrMapOvr>
-</p:sld>
-</file>
-
-<file path=ppt/slides/slide8.xml><?xml version="1.0" encoding="utf-8"?>
-<p:sld xmlns:a="http://schemas.openxmlformats.org/drawingml/2006/main" xmlns:r="http://schemas.openxmlformats.org/officeDocument/2006/relationships" xmlns:p="http://schemas.openxmlformats.org/presentationml/2006/main" show="0">
-  <p:cSld>
-    <p:spTree>
-      <p:nvGrpSpPr>
-        <p:cNvPr id="1" name=""/>
-        <p:cNvGrpSpPr/>
-        <p:nvPr/>
-      </p:nvGrpSpPr>
-      <p:grpSpPr>
-        <a:xfrm>
-          <a:off x="0" y="0"/>
-          <a:ext cx="0" cy="0"/>
-          <a:chOff x="0" y="0"/>
-          <a:chExt cx="0" cy="0"/>
-        </a:xfrm>
-      </p:grpSpPr>
-      <p:sp>
-        <p:nvSpPr>
-          <p:cNvPr id="2" name="제목 1">
-            <a:extLst>
-              <a:ext uri="{FF2B5EF4-FFF2-40B4-BE49-F238E27FC236}">
-                <a16:creationId xmlns:a16="http://schemas.microsoft.com/office/drawing/2014/main" id="{5E8FE27E-4086-E570-1BA4-F2B433CAA376}"/>
-              </a:ext>
-            </a:extLst>
-          </p:cNvPr>
-          <p:cNvSpPr>
-            <a:spLocks noGrp="1"/>
-          </p:cNvSpPr>
-          <p:nvPr>
-            <p:ph type="title"/>
-          </p:nvPr>
-        </p:nvSpPr>
-        <p:spPr/>
-        <p:txBody>
-          <a:bodyPr/>
-          <a:lstStyle/>
-          <a:p>
-            <a:r>
-              <a:rPr lang="en-US" altLang="ko-KR" dirty="0"/>
-              <a:t>F2</a:t>
-            </a:r>
-            <a:endParaRPr lang="ko-KR" altLang="en-US" dirty="0"/>
-          </a:p>
-        </p:txBody>
-      </p:sp>
-      <p:sp>
-        <p:nvSpPr>
-          <p:cNvPr id="49" name="화살표: 오각형 48">
-            <a:extLst>
-              <a:ext uri="{FF2B5EF4-FFF2-40B4-BE49-F238E27FC236}">
-                <a16:creationId xmlns:a16="http://schemas.microsoft.com/office/drawing/2014/main" id="{7D85F617-2D54-97CF-8202-CC305633CFA2}"/>
-              </a:ext>
-            </a:extLst>
-          </p:cNvPr>
-          <p:cNvSpPr/>
-          <p:nvPr/>
-        </p:nvSpPr>
-        <p:spPr>
-          <a:xfrm flipH="1">
-            <a:off x="-283308" y="2304510"/>
-            <a:ext cx="1990302" cy="690024"/>
-          </a:xfrm>
-          <a:prstGeom prst="homePlate">
-            <a:avLst/>
-          </a:prstGeom>
-          <a:solidFill>
-            <a:schemeClr val="accent2">
-              <a:alpha val="50000"/>
-            </a:schemeClr>
-          </a:solidFill>
-          <a:ln>
-            <a:noFill/>
-          </a:ln>
-        </p:spPr>
-        <p:style>
-          <a:lnRef idx="0">
-            <a:scrgbClr r="0" g="0" b="0"/>
-          </a:lnRef>
-          <a:fillRef idx="0">
-            <a:scrgbClr r="0" g="0" b="0"/>
-          </a:fillRef>
-          <a:effectRef idx="0">
-            <a:scrgbClr r="0" g="0" b="0"/>
-          </a:effectRef>
-          <a:fontRef idx="minor">
-            <a:schemeClr val="lt1"/>
-          </a:fontRef>
-        </p:style>
-        <p:txBody>
-          <a:bodyPr vert="horz" wrap="none" lIns="91440" tIns="45720" rIns="91440" bIns="45720" numCol="1" rtlCol="0" anchor="ctr" anchorCtr="0" compatLnSpc="1">
-            <a:prstTxWarp prst="textNoShape">
-              <a:avLst/>
-            </a:prstTxWarp>
-          </a:bodyPr>
-          <a:lstStyle/>
-          <a:p>
-            <a:pPr algn="ctr"/>
-            <a:r>
-              <a:rPr lang="en-US" altLang="ko-KR" dirty="0">
-                <a:ea typeface="현대하모니 M" panose="02020603020101020101"/>
-              </a:rPr>
-              <a:t>API5</a:t>
-            </a:r>
-          </a:p>
-          <a:p>
-            <a:pPr algn="ctr"/>
-            <a:r>
-              <a:rPr lang="en-US" altLang="ko-KR" sz="1800" dirty="0">
-                <a:ea typeface="현대하모니 M" panose="02020603020101020101"/>
-              </a:rPr>
-              <a:t>[F1.R4~F1.R6]</a:t>
-            </a:r>
-            <a:endParaRPr lang="ko-KR" altLang="en-US" sz="1800" dirty="0">
-              <a:ea typeface="현대하모니 M" panose="02020603020101020101"/>
-            </a:endParaRPr>
-          </a:p>
-        </p:txBody>
-      </p:sp>
-      <p:sp>
-        <p:nvSpPr>
-          <p:cNvPr id="51" name="화살표: 오각형 50">
-            <a:extLst>
-              <a:ext uri="{FF2B5EF4-FFF2-40B4-BE49-F238E27FC236}">
-                <a16:creationId xmlns:a16="http://schemas.microsoft.com/office/drawing/2014/main" id="{DB0F150F-42D3-9BA7-CBD8-A0E171BEF7CE}"/>
-              </a:ext>
-            </a:extLst>
-          </p:cNvPr>
-          <p:cNvSpPr/>
-          <p:nvPr/>
-        </p:nvSpPr>
-        <p:spPr>
-          <a:xfrm flipH="1">
-            <a:off x="-283309" y="3083988"/>
-            <a:ext cx="1990302" cy="690024"/>
-          </a:xfrm>
-          <a:prstGeom prst="homePlate">
-            <a:avLst/>
-          </a:prstGeom>
-          <a:solidFill>
-            <a:schemeClr val="accent2">
-              <a:alpha val="50000"/>
-            </a:schemeClr>
-          </a:solidFill>
-          <a:ln>
-            <a:noFill/>
-          </a:ln>
-        </p:spPr>
-        <p:style>
-          <a:lnRef idx="0">
-            <a:scrgbClr r="0" g="0" b="0"/>
-          </a:lnRef>
-          <a:fillRef idx="0">
-            <a:scrgbClr r="0" g="0" b="0"/>
-          </a:fillRef>
-          <a:effectRef idx="0">
-            <a:scrgbClr r="0" g="0" b="0"/>
-          </a:effectRef>
-          <a:fontRef idx="minor">
-            <a:schemeClr val="lt1"/>
-          </a:fontRef>
-        </p:style>
-        <p:txBody>
-          <a:bodyPr vert="horz" wrap="none" lIns="91440" tIns="45720" rIns="91440" bIns="45720" numCol="1" rtlCol="0" anchor="ctr" anchorCtr="0" compatLnSpc="1">
-            <a:prstTxWarp prst="textNoShape">
-              <a:avLst/>
-            </a:prstTxWarp>
-          </a:bodyPr>
-          <a:lstStyle/>
-          <a:p>
-            <a:pPr algn="ctr"/>
-            <a:r>
-              <a:rPr lang="en-US" altLang="ko-KR" dirty="0">
-                <a:ea typeface="현대하모니 M" panose="02020603020101020101"/>
-              </a:rPr>
-              <a:t>API6</a:t>
-            </a:r>
-          </a:p>
-          <a:p>
-            <a:pPr algn="ctr"/>
-            <a:r>
-              <a:rPr lang="en-US" altLang="ko-KR" sz="1800" dirty="0">
-                <a:ea typeface="현대하모니 M" panose="02020603020101020101"/>
-              </a:rPr>
-              <a:t>[F1.R3~F1.R5]</a:t>
-            </a:r>
-            <a:endParaRPr lang="ko-KR" altLang="en-US" sz="1800" dirty="0">
-              <a:ea typeface="현대하모니 M" panose="02020603020101020101"/>
-            </a:endParaRPr>
-          </a:p>
-        </p:txBody>
-      </p:sp>
-      <p:cxnSp>
-        <p:nvCxnSpPr>
-          <p:cNvPr id="53" name="연결선: 꺾임 52">
-            <a:extLst>
-              <a:ext uri="{FF2B5EF4-FFF2-40B4-BE49-F238E27FC236}">
-                <a16:creationId xmlns:a16="http://schemas.microsoft.com/office/drawing/2014/main" id="{656CAF52-FC69-F978-7A4C-B868995299B3}"/>
-              </a:ext>
-            </a:extLst>
-          </p:cNvPr>
-          <p:cNvCxnSpPr>
-            <a:cxnSpLocks/>
-            <a:stCxn id="51" idx="1"/>
-            <a:endCxn id="49" idx="1"/>
-          </p:cNvCxnSpPr>
-          <p:nvPr/>
-        </p:nvCxnSpPr>
-        <p:spPr>
-          <a:xfrm flipV="1">
-            <a:off x="1706993" y="2649522"/>
-            <a:ext cx="1" cy="779478"/>
-          </a:xfrm>
-          <a:prstGeom prst="bentConnector3">
-            <a:avLst>
-              <a:gd name="adj1" fmla="val 22860100000"/>
-            </a:avLst>
-          </a:prstGeom>
-          <a:ln w="57150" cmpd="dbl">
-            <a:prstDash val="dashDot"/>
-            <a:headEnd type="none" w="med" len="med"/>
-            <a:tailEnd type="triangle" w="med" len="med"/>
-          </a:ln>
-        </p:spPr>
-        <p:style>
-          <a:lnRef idx="1">
-            <a:schemeClr val="accent1"/>
-          </a:lnRef>
-          <a:fillRef idx="0">
-            <a:schemeClr val="accent1"/>
-          </a:fillRef>
-          <a:effectRef idx="0">
-            <a:schemeClr val="accent1"/>
-          </a:effectRef>
-          <a:fontRef idx="minor">
-            <a:schemeClr val="tx1"/>
-          </a:fontRef>
-        </p:style>
-      </p:cxnSp>
-      <p:sp>
-        <p:nvSpPr>
-          <p:cNvPr id="8" name="화살표: 오각형 7">
-            <a:extLst>
-              <a:ext uri="{FF2B5EF4-FFF2-40B4-BE49-F238E27FC236}">
-                <a16:creationId xmlns:a16="http://schemas.microsoft.com/office/drawing/2014/main" id="{882A9CD2-3A56-FEF8-8EF9-DEA2D4947390}"/>
-              </a:ext>
-            </a:extLst>
-          </p:cNvPr>
-          <p:cNvSpPr/>
-          <p:nvPr/>
-        </p:nvSpPr>
-        <p:spPr>
-          <a:xfrm flipH="1">
-            <a:off x="-283309" y="3863466"/>
-            <a:ext cx="1990302" cy="690024"/>
-          </a:xfrm>
-          <a:prstGeom prst="homePlate">
-            <a:avLst/>
-          </a:prstGeom>
-          <a:solidFill>
-            <a:schemeClr val="accent2">
-              <a:alpha val="50000"/>
-            </a:schemeClr>
-          </a:solidFill>
-          <a:ln>
-            <a:noFill/>
-          </a:ln>
-        </p:spPr>
-        <p:style>
-          <a:lnRef idx="0">
-            <a:scrgbClr r="0" g="0" b="0"/>
-          </a:lnRef>
-          <a:fillRef idx="0">
-            <a:scrgbClr r="0" g="0" b="0"/>
-          </a:fillRef>
-          <a:effectRef idx="0">
-            <a:scrgbClr r="0" g="0" b="0"/>
-          </a:effectRef>
-          <a:fontRef idx="minor">
-            <a:schemeClr val="lt1"/>
-          </a:fontRef>
-        </p:style>
-        <p:txBody>
-          <a:bodyPr vert="horz" wrap="none" lIns="91440" tIns="45720" rIns="91440" bIns="45720" numCol="1" rtlCol="0" anchor="ctr" anchorCtr="0" compatLnSpc="1">
-            <a:prstTxWarp prst="textNoShape">
-              <a:avLst/>
-            </a:prstTxWarp>
-          </a:bodyPr>
-          <a:lstStyle/>
-          <a:p>
-            <a:pPr algn="ctr"/>
-            <a:r>
-              <a:rPr lang="en-US" altLang="ko-KR" sz="1800" dirty="0" err="1">
-                <a:ea typeface="현대하모니 M" panose="02020603020101020101"/>
-              </a:rPr>
-              <a:t>API9</a:t>
-            </a:r>
-            <a:endParaRPr lang="en-US" altLang="ko-KR" sz="1800" dirty="0">
-              <a:ea typeface="현대하모니 M" panose="02020603020101020101"/>
-            </a:endParaRPr>
-          </a:p>
-          <a:p>
-            <a:pPr algn="ctr"/>
-            <a:r>
-              <a:rPr lang="en-US" altLang="ko-KR" sz="1800" dirty="0">
-                <a:ea typeface="현대하모니 M" panose="02020603020101020101"/>
-              </a:rPr>
-              <a:t>[</a:t>
-            </a:r>
-            <a:r>
-              <a:rPr lang="en-US" altLang="ko-KR" sz="1800" dirty="0" err="1">
-                <a:ea typeface="현대하모니 M" panose="02020603020101020101"/>
-              </a:rPr>
-              <a:t>F1.R3~F1.R5</a:t>
-            </a:r>
-            <a:r>
-              <a:rPr lang="en-US" altLang="ko-KR" sz="1800" dirty="0">
-                <a:ea typeface="현대하모니 M" panose="02020603020101020101"/>
-              </a:rPr>
-              <a:t>]</a:t>
-            </a:r>
-            <a:endParaRPr lang="ko-KR" altLang="en-US" sz="1800" dirty="0">
-              <a:ea typeface="현대하모니 M" panose="02020603020101020101"/>
-            </a:endParaRPr>
-          </a:p>
-        </p:txBody>
-      </p:sp>
-      <p:sp>
-        <p:nvSpPr>
-          <p:cNvPr id="12" name="TextBox 11">
-            <a:extLst>
-              <a:ext uri="{FF2B5EF4-FFF2-40B4-BE49-F238E27FC236}">
-                <a16:creationId xmlns:a16="http://schemas.microsoft.com/office/drawing/2014/main" id="{F01B3072-E72D-A59C-94A1-6FD0D41160B0}"/>
-              </a:ext>
-            </a:extLst>
-          </p:cNvPr>
-          <p:cNvSpPr txBox="1"/>
-          <p:nvPr/>
-        </p:nvSpPr>
-        <p:spPr>
-          <a:xfrm>
-            <a:off x="2104292" y="2700322"/>
-            <a:ext cx="4444092" cy="646331"/>
-          </a:xfrm>
-          <a:prstGeom prst="rect">
-            <a:avLst/>
-          </a:prstGeom>
-          <a:noFill/>
-        </p:spPr>
-        <p:txBody>
-          <a:bodyPr wrap="square" rtlCol="0">
-            <a:spAutoFit/>
-          </a:bodyPr>
-          <a:lstStyle/>
-          <a:p>
-            <a:r>
-              <a:rPr lang="en-US" altLang="ko-KR" sz="1800" dirty="0"/>
-              <a:t> “ . ” </a:t>
-            </a:r>
-            <a:r>
-              <a:rPr lang="ko-KR" altLang="en-US" sz="1800" dirty="0"/>
-              <a:t>을 사용하여</a:t>
-            </a:r>
-            <a:endParaRPr lang="en-US" altLang="ko-KR" sz="1800" dirty="0"/>
-          </a:p>
-          <a:p>
-            <a:r>
-              <a:rPr lang="ko-KR" altLang="en-US" sz="1800" dirty="0"/>
-              <a:t>다른 </a:t>
-            </a:r>
-            <a:r>
-              <a:rPr lang="en-US" altLang="ko-KR" sz="1800" dirty="0"/>
-              <a:t>Flow Real</a:t>
-            </a:r>
-            <a:r>
-              <a:rPr lang="ko-KR" altLang="en-US" sz="1800" dirty="0"/>
-              <a:t>을 가져올 수 있다</a:t>
-            </a:r>
-            <a:r>
-              <a:rPr lang="en-US" altLang="ko-KR" sz="1800" dirty="0"/>
-              <a:t>.</a:t>
-            </a:r>
-          </a:p>
-        </p:txBody>
-      </p:sp>
-      <p:sp>
-        <p:nvSpPr>
-          <p:cNvPr id="18" name="TextBox 17">
-            <a:extLst>
-              <a:ext uri="{FF2B5EF4-FFF2-40B4-BE49-F238E27FC236}">
-                <a16:creationId xmlns:a16="http://schemas.microsoft.com/office/drawing/2014/main" id="{7E15F0DD-669B-8C25-9B56-BBA5168E3EA5}"/>
-              </a:ext>
-            </a:extLst>
-          </p:cNvPr>
-          <p:cNvSpPr txBox="1"/>
-          <p:nvPr/>
-        </p:nvSpPr>
-        <p:spPr>
-          <a:xfrm>
-            <a:off x="1629840" y="4552233"/>
-            <a:ext cx="4444092" cy="369332"/>
-          </a:xfrm>
-          <a:prstGeom prst="rect">
-            <a:avLst/>
-          </a:prstGeom>
-          <a:noFill/>
-        </p:spPr>
-        <p:txBody>
-          <a:bodyPr wrap="square" rtlCol="0">
-            <a:spAutoFit/>
-          </a:bodyPr>
-          <a:lstStyle/>
-          <a:p>
-            <a:r>
-              <a:rPr lang="en-US" altLang="ko-KR" sz="1800" dirty="0"/>
-              <a:t>TXs ~ </a:t>
-            </a:r>
-            <a:r>
-              <a:rPr lang="en-US" altLang="ko-KR" sz="1800" dirty="0" err="1"/>
-              <a:t>RXs</a:t>
-            </a:r>
-            <a:r>
-              <a:rPr lang="en-US" altLang="ko-KR" sz="1800" dirty="0"/>
-              <a:t> </a:t>
-            </a:r>
-            <a:r>
-              <a:rPr lang="ko-KR" altLang="en-US" sz="1800" dirty="0"/>
-              <a:t>생략불가능</a:t>
-            </a:r>
-            <a:endParaRPr lang="en-US" altLang="ko-KR" sz="1800" dirty="0"/>
-          </a:p>
-        </p:txBody>
-      </p:sp>
-      <p:cxnSp>
-        <p:nvCxnSpPr>
-          <p:cNvPr id="19" name="연결선: 꺾임 18">
-            <a:extLst>
-              <a:ext uri="{FF2B5EF4-FFF2-40B4-BE49-F238E27FC236}">
-                <a16:creationId xmlns:a16="http://schemas.microsoft.com/office/drawing/2014/main" id="{11766DCD-49D7-FC98-3F73-36B4116505FA}"/>
-              </a:ext>
-            </a:extLst>
-          </p:cNvPr>
-          <p:cNvCxnSpPr>
-            <a:cxnSpLocks/>
-            <a:stCxn id="51" idx="1"/>
-            <a:endCxn id="8" idx="1"/>
-          </p:cNvCxnSpPr>
-          <p:nvPr/>
-        </p:nvCxnSpPr>
-        <p:spPr>
-          <a:xfrm>
-            <a:off x="1706993" y="3429000"/>
-            <a:ext cx="12700" cy="779478"/>
-          </a:xfrm>
-          <a:prstGeom prst="bentConnector3">
-            <a:avLst>
-              <a:gd name="adj1" fmla="val 1800000"/>
-            </a:avLst>
-          </a:prstGeom>
-          <a:ln w="57150" cmpd="dbl">
-            <a:prstDash val="dashDot"/>
-            <a:headEnd type="none" w="med" len="med"/>
-            <a:tailEnd type="triangle" w="med" len="med"/>
-          </a:ln>
-        </p:spPr>
-        <p:style>
-          <a:lnRef idx="1">
-            <a:schemeClr val="accent1"/>
-          </a:lnRef>
-          <a:fillRef idx="0">
-            <a:schemeClr val="accent1"/>
-          </a:fillRef>
-          <a:effectRef idx="0">
-            <a:schemeClr val="accent1"/>
-          </a:effectRef>
-          <a:fontRef idx="minor">
-            <a:schemeClr val="tx1"/>
-          </a:fontRef>
-        </p:style>
-      </p:cxnSp>
-    </p:spTree>
-    <p:extLst>
-      <p:ext uri="{BB962C8B-B14F-4D97-AF65-F5344CB8AC3E}">
-        <p14:creationId xmlns:p14="http://schemas.microsoft.com/office/powerpoint/2010/main" val="232903512"/>
-      </p:ext>
-    </p:extLst>
-  </p:cSld>
-  <p:clrMapOvr>
-    <a:masterClrMapping/>
-  </p:clrMapOvr>
-</p:sld>
-</file>
-
-<file path=ppt/slides/slide9.xml><?xml version="1.0" encoding="utf-8"?>
-<p:sld xmlns:a="http://schemas.openxmlformats.org/drawingml/2006/main" xmlns:r="http://schemas.openxmlformats.org/officeDocument/2006/relationships" xmlns:p="http://schemas.openxmlformats.org/presentationml/2006/main" show="0">
-  <p:cSld>
-    <p:spTree>
-      <p:nvGrpSpPr>
-        <p:cNvPr id="1" name=""/>
-        <p:cNvGrpSpPr/>
-        <p:nvPr/>
-      </p:nvGrpSpPr>
-      <p:grpSpPr>
-        <a:xfrm>
-          <a:off x="0" y="0"/>
-          <a:ext cx="0" cy="0"/>
-          <a:chOff x="0" y="0"/>
-          <a:chExt cx="0" cy="0"/>
-        </a:xfrm>
-      </p:grpSpPr>
-      <p:sp>
-        <p:nvSpPr>
-          <p:cNvPr id="2" name="제목 1">
-            <a:extLst>
-              <a:ext uri="{FF2B5EF4-FFF2-40B4-BE49-F238E27FC236}">
-                <a16:creationId xmlns:a16="http://schemas.microsoft.com/office/drawing/2014/main" id="{E35BEC89-0CFB-7F29-D8C7-71B3E64B4D66}"/>
-              </a:ext>
-            </a:extLst>
-          </p:cNvPr>
-          <p:cNvSpPr>
-            <a:spLocks noGrp="1"/>
-          </p:cNvSpPr>
-          <p:nvPr>
-            <p:ph type="title"/>
-          </p:nvPr>
-        </p:nvSpPr>
-        <p:spPr/>
-        <p:txBody>
-          <a:bodyPr/>
-          <a:lstStyle/>
-          <a:p>
-            <a:r>
-              <a:rPr lang="en-US" altLang="ko-KR" dirty="0"/>
-              <a:t>T1</a:t>
-            </a:r>
-            <a:endParaRPr lang="ko-KR" altLang="en-US" dirty="0"/>
-          </a:p>
-        </p:txBody>
-      </p:sp>
-      <p:sp>
-        <p:nvSpPr>
-          <p:cNvPr id="5" name="직사각형 4">
-            <a:extLst>
-              <a:ext uri="{FF2B5EF4-FFF2-40B4-BE49-F238E27FC236}">
-                <a16:creationId xmlns:a16="http://schemas.microsoft.com/office/drawing/2014/main" id="{A2120A99-FD95-1369-3328-C124905A811D}"/>
-              </a:ext>
-            </a:extLst>
-          </p:cNvPr>
-          <p:cNvSpPr/>
-          <p:nvPr/>
-        </p:nvSpPr>
-        <p:spPr>
-          <a:xfrm>
-            <a:off x="7988400" y="4158041"/>
-            <a:ext cx="2437946" cy="1223682"/>
-          </a:xfrm>
-          <a:prstGeom prst="rect">
-            <a:avLst/>
-          </a:prstGeom>
-          <a:solidFill>
-            <a:schemeClr val="accent4">
-              <a:alpha val="50000"/>
-            </a:schemeClr>
-          </a:solidFill>
-          <a:ln>
-            <a:noFill/>
-          </a:ln>
-        </p:spPr>
-        <p:style>
-          <a:lnRef idx="0">
-            <a:scrgbClr r="0" g="0" b="0"/>
-          </a:lnRef>
-          <a:fillRef idx="0">
-            <a:scrgbClr r="0" g="0" b="0"/>
-          </a:fillRef>
-          <a:effectRef idx="0">
-            <a:scrgbClr r="0" g="0" b="0"/>
-          </a:effectRef>
-          <a:fontRef idx="minor">
-            <a:schemeClr val="lt1"/>
-          </a:fontRef>
-        </p:style>
-        <p:txBody>
-          <a:bodyPr rtlCol="0" anchor="ctr"/>
-          <a:lstStyle/>
-          <a:p>
-            <a:pPr algn="ctr"/>
-            <a:r>
-              <a:rPr lang="en-US" altLang="ko-KR" sz="1200" dirty="0" err="1"/>
-              <a:t>W2</a:t>
-            </a:r>
-            <a:endParaRPr lang="ko-KR" altLang="en-US" sz="1200" dirty="0"/>
-          </a:p>
-        </p:txBody>
-      </p:sp>
-      <p:cxnSp>
-        <p:nvCxnSpPr>
-          <p:cNvPr id="6" name="직선 화살표 연결선 5">
-            <a:extLst>
-              <a:ext uri="{FF2B5EF4-FFF2-40B4-BE49-F238E27FC236}">
-                <a16:creationId xmlns:a16="http://schemas.microsoft.com/office/drawing/2014/main" id="{E74E5CB1-7F24-0E65-9659-E049F77B2F9A}"/>
-              </a:ext>
-            </a:extLst>
-          </p:cNvPr>
-          <p:cNvCxnSpPr>
-            <a:cxnSpLocks/>
-            <a:stCxn id="7" idx="3"/>
-            <a:endCxn id="5" idx="1"/>
-          </p:cNvCxnSpPr>
-          <p:nvPr/>
-        </p:nvCxnSpPr>
-        <p:spPr>
-          <a:xfrm>
-            <a:off x="6534526" y="4220068"/>
-            <a:ext cx="1453874" cy="549814"/>
-          </a:xfrm>
-          <a:prstGeom prst="straightConnector1">
-            <a:avLst/>
-          </a:prstGeom>
-          <a:ln w="28575">
-            <a:solidFill>
-              <a:schemeClr val="tx1">
-                <a:lumMod val="75000"/>
-                <a:lumOff val="25000"/>
-              </a:schemeClr>
-            </a:solidFill>
-            <a:tailEnd type="triangle"/>
-          </a:ln>
-        </p:spPr>
-        <p:style>
-          <a:lnRef idx="1">
-            <a:schemeClr val="dk1"/>
-          </a:lnRef>
-          <a:fillRef idx="3">
-            <a:schemeClr val="dk1"/>
-          </a:fillRef>
-          <a:effectRef idx="2">
-            <a:schemeClr val="dk1"/>
-          </a:effectRef>
-          <a:fontRef idx="minor">
-            <a:schemeClr val="lt1"/>
-          </a:fontRef>
-        </p:style>
-      </p:cxnSp>
-      <p:grpSp>
-        <p:nvGrpSpPr>
-          <p:cNvPr id="8" name="그룹 7">
-            <a:extLst>
-              <a:ext uri="{FF2B5EF4-FFF2-40B4-BE49-F238E27FC236}">
-                <a16:creationId xmlns:a16="http://schemas.microsoft.com/office/drawing/2014/main" id="{E4E86703-9197-722D-B1EF-887463109F89}"/>
-              </a:ext>
-            </a:extLst>
-          </p:cNvPr>
-          <p:cNvGrpSpPr/>
-          <p:nvPr/>
-        </p:nvGrpSpPr>
-        <p:grpSpPr>
-          <a:xfrm>
-            <a:off x="810000" y="2424605"/>
-            <a:ext cx="5724526" cy="3590925"/>
-            <a:chOff x="848416" y="1962150"/>
-            <a:chExt cx="5724526" cy="3590925"/>
-          </a:xfrm>
-        </p:grpSpPr>
-        <p:sp>
-          <p:nvSpPr>
-            <p:cNvPr id="7" name="직사각형 6">
-              <a:extLst>
-                <a:ext uri="{FF2B5EF4-FFF2-40B4-BE49-F238E27FC236}">
-                  <a16:creationId xmlns:a16="http://schemas.microsoft.com/office/drawing/2014/main" id="{ABDB84CF-3826-2164-6107-3FAF7AEB955A}"/>
-                </a:ext>
-              </a:extLst>
-            </p:cNvPr>
-            <p:cNvSpPr/>
-            <p:nvPr/>
-          </p:nvSpPr>
-          <p:spPr>
-            <a:xfrm>
-              <a:off x="848416" y="1962150"/>
-              <a:ext cx="5724526" cy="3590925"/>
-            </a:xfrm>
-            <a:prstGeom prst="rect">
-              <a:avLst/>
-            </a:prstGeom>
-            <a:solidFill>
-              <a:schemeClr val="accent4">
-                <a:alpha val="50000"/>
-              </a:schemeClr>
-            </a:solidFill>
-            <a:ln>
-              <a:noFill/>
-            </a:ln>
-          </p:spPr>
-          <p:style>
-            <a:lnRef idx="0">
-              <a:scrgbClr r="0" g="0" b="0"/>
-            </a:lnRef>
-            <a:fillRef idx="0">
-              <a:scrgbClr r="0" g="0" b="0"/>
-            </a:fillRef>
-            <a:effectRef idx="0">
-              <a:scrgbClr r="0" g="0" b="0"/>
-            </a:effectRef>
-            <a:fontRef idx="minor">
-              <a:schemeClr val="lt1"/>
-            </a:fontRef>
-          </p:style>
-          <p:txBody>
-            <a:bodyPr rtlCol="0" anchor="t"/>
-            <a:lstStyle/>
-            <a:p>
-              <a:pPr algn="ctr"/>
-              <a:r>
-                <a:rPr lang="en-US" altLang="ko-KR" sz="2800" dirty="0" err="1">
-                  <a:solidFill>
-                    <a:schemeClr val="tx1"/>
-                  </a:solidFill>
-                </a:rPr>
-                <a:t>W1</a:t>
-              </a:r>
-              <a:endParaRPr lang="ko-KR" altLang="en-US" sz="1200" dirty="0">
-                <a:solidFill>
-                  <a:schemeClr val="tx1"/>
-                </a:solidFill>
-              </a:endParaRPr>
-            </a:p>
-          </p:txBody>
-        </p:sp>
-        <p:grpSp>
-          <p:nvGrpSpPr>
-            <p:cNvPr id="3" name="그룹 2">
-              <a:extLst>
-                <a:ext uri="{FF2B5EF4-FFF2-40B4-BE49-F238E27FC236}">
-                  <a16:creationId xmlns:a16="http://schemas.microsoft.com/office/drawing/2014/main" id="{217DAACF-5BCB-5A30-66B8-057CF83D7D6F}"/>
-                </a:ext>
-              </a:extLst>
-            </p:cNvPr>
-            <p:cNvGrpSpPr/>
-            <p:nvPr/>
-          </p:nvGrpSpPr>
-          <p:grpSpPr>
-            <a:xfrm>
-              <a:off x="1405973" y="2441441"/>
-              <a:ext cx="4398681" cy="2052964"/>
-              <a:chOff x="1314450" y="2476500"/>
-              <a:chExt cx="4476750" cy="2447925"/>
-            </a:xfrm>
-          </p:grpSpPr>
-          <p:sp>
-            <p:nvSpPr>
-              <p:cNvPr id="11" name="타원 10">
-                <a:extLst>
-                  <a:ext uri="{FF2B5EF4-FFF2-40B4-BE49-F238E27FC236}">
-                    <a16:creationId xmlns:a16="http://schemas.microsoft.com/office/drawing/2014/main" id="{A8DEAF01-6D94-28CA-7567-1D6E7A30C46B}"/>
-                  </a:ext>
-                </a:extLst>
-              </p:cNvPr>
-              <p:cNvSpPr/>
-              <p:nvPr/>
-            </p:nvSpPr>
-            <p:spPr>
-              <a:xfrm>
-                <a:off x="1314450" y="2476500"/>
-                <a:ext cx="1733550" cy="952500"/>
-              </a:xfrm>
-              <a:prstGeom prst="ellipse">
-                <a:avLst/>
-              </a:prstGeom>
-              <a:solidFill>
-                <a:schemeClr val="accent4">
-                  <a:alpha val="50000"/>
-                </a:schemeClr>
-              </a:solidFill>
-              <a:ln>
-                <a:noFill/>
-              </a:ln>
-            </p:spPr>
-            <p:style>
-              <a:lnRef idx="0">
-                <a:scrgbClr r="0" g="0" b="0"/>
-              </a:lnRef>
-              <a:fillRef idx="0">
-                <a:scrgbClr r="0" g="0" b="0"/>
-              </a:fillRef>
-              <a:effectRef idx="0">
-                <a:scrgbClr r="0" g="0" b="0"/>
-              </a:effectRef>
-              <a:fontRef idx="minor">
-                <a:schemeClr val="lt1"/>
-              </a:fontRef>
-            </p:style>
-            <p:txBody>
-              <a:bodyPr rtlCol="0" anchor="ctr"/>
-              <a:lstStyle/>
-              <a:p>
-                <a:pPr algn="ctr"/>
-                <a:r>
-                  <a:rPr lang="en-US" altLang="ko-KR" dirty="0"/>
-                  <a:t>Pin $ADV</a:t>
-                </a:r>
-                <a:endParaRPr lang="ko-KR" altLang="en-US" dirty="0"/>
-              </a:p>
-            </p:txBody>
-          </p:sp>
-          <p:sp>
-            <p:nvSpPr>
-              <p:cNvPr id="12" name="타원 11">
-                <a:extLst>
-                  <a:ext uri="{FF2B5EF4-FFF2-40B4-BE49-F238E27FC236}">
-                    <a16:creationId xmlns:a16="http://schemas.microsoft.com/office/drawing/2014/main" id="{97830B60-D108-9F85-29FC-869E4BDC5485}"/>
-                  </a:ext>
-                </a:extLst>
-              </p:cNvPr>
-              <p:cNvSpPr/>
-              <p:nvPr/>
-            </p:nvSpPr>
-            <p:spPr>
-              <a:xfrm>
-                <a:off x="4057650" y="3971925"/>
-                <a:ext cx="1733550" cy="952500"/>
-              </a:xfrm>
-              <a:prstGeom prst="ellipse">
-                <a:avLst/>
-              </a:prstGeom>
-              <a:solidFill>
-                <a:schemeClr val="accent4">
-                  <a:alpha val="50000"/>
-                </a:schemeClr>
-              </a:solidFill>
-              <a:ln>
-                <a:noFill/>
-              </a:ln>
-            </p:spPr>
-            <p:style>
-              <a:lnRef idx="0">
-                <a:scrgbClr r="0" g="0" b="0"/>
-              </a:lnRef>
-              <a:fillRef idx="0">
-                <a:scrgbClr r="0" g="0" b="0"/>
-              </a:fillRef>
-              <a:effectRef idx="0">
-                <a:scrgbClr r="0" g="0" b="0"/>
-              </a:effectRef>
-              <a:fontRef idx="minor">
-                <a:schemeClr val="lt1"/>
-              </a:fontRef>
-            </p:style>
-            <p:txBody>
-              <a:bodyPr rtlCol="0" anchor="ctr"/>
-              <a:lstStyle/>
-              <a:p>
-                <a:pPr algn="ctr"/>
-                <a:r>
-                  <a:rPr lang="en-US" altLang="ko-KR" dirty="0"/>
-                  <a:t>Pin $RET</a:t>
-                </a:r>
-                <a:endParaRPr lang="ko-KR" altLang="en-US" dirty="0"/>
-              </a:p>
-            </p:txBody>
-          </p:sp>
-          <p:cxnSp>
-            <p:nvCxnSpPr>
-              <p:cNvPr id="14" name="연결선: 꺾임 13">
-                <a:extLst>
-                  <a:ext uri="{FF2B5EF4-FFF2-40B4-BE49-F238E27FC236}">
-                    <a16:creationId xmlns:a16="http://schemas.microsoft.com/office/drawing/2014/main" id="{AA5A9BF2-AF58-9F27-CB69-91D64393C28C}"/>
-                  </a:ext>
-                </a:extLst>
-              </p:cNvPr>
-              <p:cNvCxnSpPr>
-                <a:stCxn id="11" idx="5"/>
-                <a:endCxn id="12" idx="1"/>
-              </p:cNvCxnSpPr>
-              <p:nvPr/>
-            </p:nvCxnSpPr>
-            <p:spPr>
-              <a:xfrm rot="16200000" flipH="1">
-                <a:off x="3141873" y="2941764"/>
-                <a:ext cx="821905" cy="1517396"/>
-              </a:xfrm>
-              <a:prstGeom prst="bentConnector3">
-                <a:avLst/>
-              </a:prstGeom>
-              <a:ln>
-                <a:tailEnd type="triangle"/>
-              </a:ln>
-            </p:spPr>
-            <p:style>
-              <a:lnRef idx="1">
-                <a:schemeClr val="accent4"/>
-              </a:lnRef>
-              <a:fillRef idx="0">
-                <a:schemeClr val="accent4"/>
-              </a:fillRef>
-              <a:effectRef idx="0">
-                <a:schemeClr val="accent4"/>
-              </a:effectRef>
-              <a:fontRef idx="minor">
-                <a:schemeClr val="tx1"/>
-              </a:fontRef>
-            </p:style>
-          </p:cxnSp>
-        </p:grpSp>
-      </p:grpSp>
-      <p:sp>
-        <p:nvSpPr>
-          <p:cNvPr id="10" name="TextBox 9">
-            <a:extLst>
-              <a:ext uri="{FF2B5EF4-FFF2-40B4-BE49-F238E27FC236}">
-                <a16:creationId xmlns:a16="http://schemas.microsoft.com/office/drawing/2014/main" id="{44715A5F-0AA2-A939-886D-6B28A93D09EB}"/>
-              </a:ext>
-            </a:extLst>
-          </p:cNvPr>
-          <p:cNvSpPr txBox="1"/>
-          <p:nvPr/>
-        </p:nvSpPr>
-        <p:spPr>
-          <a:xfrm>
-            <a:off x="6899712" y="5764481"/>
-            <a:ext cx="5023945" cy="646331"/>
-          </a:xfrm>
-          <a:prstGeom prst="rect">
-            <a:avLst/>
-          </a:prstGeom>
-          <a:noFill/>
-        </p:spPr>
-        <p:txBody>
-          <a:bodyPr wrap="square" rtlCol="0">
-            <a:spAutoFit/>
-          </a:bodyPr>
-          <a:lstStyle/>
-          <a:p>
-            <a:r>
-              <a:rPr lang="en-US" altLang="ko-KR" dirty="0"/>
-              <a:t>Loading Name $ Api </a:t>
-            </a:r>
-          </a:p>
-          <a:p>
-            <a:r>
-              <a:rPr lang="ko-KR" altLang="en-US" dirty="0"/>
-              <a:t>시스템 </a:t>
-            </a:r>
-            <a:r>
-              <a:rPr lang="en-US" altLang="ko-KR" dirty="0"/>
-              <a:t>API </a:t>
-            </a:r>
-            <a:r>
-              <a:rPr lang="ko-KR" altLang="en-US" dirty="0"/>
-              <a:t>는 </a:t>
-            </a:r>
-            <a:r>
-              <a:rPr lang="en-US" altLang="ko-KR" dirty="0"/>
-              <a:t>’$ ‘ </a:t>
-            </a:r>
-            <a:r>
-              <a:rPr lang="ko-KR" altLang="en-US" dirty="0"/>
-              <a:t>기호로 호출한다</a:t>
-            </a:r>
-            <a:r>
-              <a:rPr lang="en-US" altLang="ko-KR" dirty="0"/>
-              <a:t>.</a:t>
-            </a:r>
-            <a:endParaRPr lang="ko-KR" altLang="en-US" dirty="0"/>
-          </a:p>
-        </p:txBody>
-      </p:sp>
-      <p:sp>
-        <p:nvSpPr>
-          <p:cNvPr id="9" name="사각형: 모서리가 접힌 도형 8">
-            <a:extLst>
-              <a:ext uri="{FF2B5EF4-FFF2-40B4-BE49-F238E27FC236}">
-                <a16:creationId xmlns:a16="http://schemas.microsoft.com/office/drawing/2014/main" id="{CD4551F7-015D-C082-6A49-B87E9C21A9AC}"/>
-              </a:ext>
-            </a:extLst>
-          </p:cNvPr>
-          <p:cNvSpPr/>
-          <p:nvPr/>
-        </p:nvSpPr>
-        <p:spPr>
-          <a:xfrm>
-            <a:off x="9316310" y="2557743"/>
-            <a:ext cx="2437946" cy="1223682"/>
-          </a:xfrm>
-          <a:prstGeom prst="foldedCorner">
-            <a:avLst/>
-          </a:prstGeom>
-          <a:solidFill>
-            <a:schemeClr val="accent3">
-              <a:alpha val="50000"/>
-            </a:schemeClr>
-          </a:solidFill>
-          <a:ln>
-            <a:noFill/>
-          </a:ln>
-        </p:spPr>
-        <p:style>
-          <a:lnRef idx="0">
-            <a:scrgbClr r="0" g="0" b="0"/>
-          </a:lnRef>
-          <a:fillRef idx="0">
-            <a:scrgbClr r="0" g="0" b="0"/>
-          </a:fillRef>
-          <a:effectRef idx="0">
-            <a:scrgbClr r="0" g="0" b="0"/>
-          </a:effectRef>
-          <a:fontRef idx="minor">
-            <a:schemeClr val="lt1"/>
-          </a:fontRef>
-        </p:style>
-        <p:txBody>
-          <a:bodyPr rtlCol="0" anchor="ctr"/>
-          <a:lstStyle/>
-          <a:p>
-            <a:pPr algn="ctr"/>
-            <a:r>
-              <a:rPr lang="en-US" altLang="ko-KR" dirty="0"/>
-              <a:t>lib/Cylinder/Single </a:t>
-            </a:r>
-          </a:p>
-          <a:p>
-            <a:pPr algn="ctr"/>
-            <a:r>
-              <a:rPr lang="en-US" altLang="ko-KR" dirty="0"/>
-              <a:t>[Pin]</a:t>
-            </a:r>
-            <a:endParaRPr lang="ko-KR" altLang="en-US" dirty="0"/>
-          </a:p>
-        </p:txBody>
-      </p:sp>
-    </p:spTree>
-    <p:extLst>
-      <p:ext uri="{BB962C8B-B14F-4D97-AF65-F5344CB8AC3E}">
-        <p14:creationId xmlns:p14="http://schemas.microsoft.com/office/powerpoint/2010/main" val="805683712"/>
       </p:ext>
     </p:extLst>
   </p:cSld>

--- a/DsDotNet/src/UnitTest/UnitTest.Model/ImportOfficeExample/Sample/s.pptx
+++ b/DsDotNet/src/UnitTest/UnitTest.Model/ImportOfficeExample/Sample/s.pptx
@@ -21098,7 +21098,7 @@
 </file>
 
 <file path=ppt/slides/slide5.xml><?xml version="1.0" encoding="utf-8"?>
-<p:sld xmlns:a="http://schemas.openxmlformats.org/drawingml/2006/main" xmlns:r="http://schemas.openxmlformats.org/officeDocument/2006/relationships" xmlns:p="http://schemas.openxmlformats.org/presentationml/2006/main">
+<p:sld xmlns:a="http://schemas.openxmlformats.org/drawingml/2006/main" xmlns:r="http://schemas.openxmlformats.org/officeDocument/2006/relationships" xmlns:p="http://schemas.openxmlformats.org/presentationml/2006/main" show="0">
   <p:cSld>
     <p:spTree>
       <p:nvGrpSpPr>
@@ -21916,7 +21916,7 @@
 </file>
 
 <file path=ppt/slides/slide6.xml><?xml version="1.0" encoding="utf-8"?>
-<p:sld xmlns:a="http://schemas.openxmlformats.org/drawingml/2006/main" xmlns:r="http://schemas.openxmlformats.org/officeDocument/2006/relationships" xmlns:p="http://schemas.openxmlformats.org/presentationml/2006/main" show="0">
+<p:sld xmlns:a="http://schemas.openxmlformats.org/drawingml/2006/main" xmlns:r="http://schemas.openxmlformats.org/officeDocument/2006/relationships" xmlns:p="http://schemas.openxmlformats.org/presentationml/2006/main">
   <p:cSld>
     <p:spTree>
       <p:nvGrpSpPr>
@@ -22207,56 +22207,6 @@
       </p:sp>
       <p:sp>
         <p:nvSpPr>
-          <p:cNvPr id="14" name="직사각형 13">
-            <a:extLst>
-              <a:ext uri="{FF2B5EF4-FFF2-40B4-BE49-F238E27FC236}">
-                <a16:creationId xmlns:a16="http://schemas.microsoft.com/office/drawing/2014/main" id="{7F0FAA92-96A9-A5D3-0A1E-4545883E9E65}"/>
-              </a:ext>
-            </a:extLst>
-          </p:cNvPr>
-          <p:cNvSpPr/>
-          <p:nvPr/>
-        </p:nvSpPr>
-        <p:spPr>
-          <a:xfrm>
-            <a:off x="8018029" y="1533736"/>
-            <a:ext cx="1534601" cy="495381"/>
-          </a:xfrm>
-          <a:prstGeom prst="rect">
-            <a:avLst/>
-          </a:prstGeom>
-        </p:spPr>
-        <p:style>
-          <a:lnRef idx="2">
-            <a:schemeClr val="accent1">
-              <a:shade val="15000"/>
-            </a:schemeClr>
-          </a:lnRef>
-          <a:fillRef idx="1">
-            <a:schemeClr val="accent1"/>
-          </a:fillRef>
-          <a:effectRef idx="0">
-            <a:schemeClr val="accent1"/>
-          </a:effectRef>
-          <a:fontRef idx="minor">
-            <a:schemeClr val="lt1"/>
-          </a:fontRef>
-        </p:style>
-        <p:txBody>
-          <a:bodyPr rtlCol="0" anchor="ctr"/>
-          <a:lstStyle/>
-          <a:p>
-            <a:pPr algn="ctr"/>
-            <a:r>
-              <a:rPr lang="en-US" altLang="ko-KR" dirty="0"/>
-              <a:t>R4</a:t>
-            </a:r>
-            <a:endParaRPr lang="ko-KR" altLang="en-US" dirty="0"/>
-          </a:p>
-        </p:txBody>
-      </p:sp>
-      <p:sp>
-        <p:nvSpPr>
           <p:cNvPr id="15" name="직사각형 14">
             <a:extLst>
               <a:ext uri="{FF2B5EF4-FFF2-40B4-BE49-F238E27FC236}">
@@ -22316,18 +22266,20 @@
           </p:cNvPr>
           <p:cNvCxnSpPr>
             <a:cxnSpLocks/>
-            <a:stCxn id="91" idx="2"/>
+            <a:stCxn id="91" idx="3"/>
             <a:endCxn id="14" idx="1"/>
           </p:cNvCxnSpPr>
           <p:nvPr/>
         </p:nvCxnSpPr>
         <p:spPr>
-          <a:xfrm rot="16200000" flipH="1">
-            <a:off x="7116250" y="879648"/>
-            <a:ext cx="297086" cy="1506471"/>
+          <a:xfrm flipV="1">
+            <a:off x="6935429" y="1197122"/>
+            <a:ext cx="1082600" cy="39529"/>
           </a:xfrm>
-          <a:prstGeom prst="bentConnector2">
-            <a:avLst/>
+          <a:prstGeom prst="bentConnector3">
+            <a:avLst>
+              <a:gd name="adj1" fmla="val 50000"/>
+            </a:avLst>
           </a:prstGeom>
           <a:ln w="38100">
             <a:solidFill>
@@ -22412,18 +22364,20 @@
           </p:cNvPr>
           <p:cNvCxnSpPr>
             <a:cxnSpLocks/>
-            <a:stCxn id="107" idx="0"/>
+            <a:stCxn id="107" idx="3"/>
             <a:endCxn id="14" idx="1"/>
           </p:cNvCxnSpPr>
           <p:nvPr/>
         </p:nvCxnSpPr>
         <p:spPr>
-          <a:xfrm rot="5400000" flipH="1" flipV="1">
-            <a:off x="7099364" y="1143698"/>
-            <a:ext cx="280935" cy="1556395"/>
+          <a:xfrm flipV="1">
+            <a:off x="6885505" y="1197122"/>
+            <a:ext cx="1132524" cy="1112931"/>
           </a:xfrm>
-          <a:prstGeom prst="bentConnector2">
-            <a:avLst/>
+          <a:prstGeom prst="bentConnector3">
+            <a:avLst>
+              <a:gd name="adj1" fmla="val 50000"/>
+            </a:avLst>
           </a:prstGeom>
           <a:ln w="38100">
             <a:solidFill>
@@ -22465,9 +22419,9 @@
           <p:nvPr/>
         </p:nvCxnSpPr>
         <p:spPr>
-          <a:xfrm rot="16200000" flipH="1">
-            <a:off x="8838375" y="1976071"/>
-            <a:ext cx="764727" cy="870817"/>
+          <a:xfrm rot="5400000">
+            <a:off x="9333597" y="2351668"/>
+            <a:ext cx="764726" cy="119626"/>
           </a:xfrm>
           <a:prstGeom prst="bentConnector3">
             <a:avLst>
@@ -22621,7 +22575,7 @@
         </p:nvSpPr>
         <p:spPr>
           <a:xfrm>
-            <a:off x="9232276" y="5690985"/>
+            <a:off x="9232276" y="5531195"/>
             <a:ext cx="2437946" cy="568378"/>
           </a:xfrm>
           <a:prstGeom prst="foldedCorner">
@@ -23134,6 +23088,295 @@
             <a:xfrm flipV="1">
               <a:off x="1429063" y="1977165"/>
               <a:ext cx="1036677" cy="278120"/>
+            </a:xfrm>
+            <a:prstGeom prst="bentConnector3">
+              <a:avLst/>
+            </a:prstGeom>
+            <a:ln>
+              <a:tailEnd type="triangle"/>
+            </a:ln>
+          </p:spPr>
+          <p:style>
+            <a:lnRef idx="1">
+              <a:schemeClr val="accent4"/>
+            </a:lnRef>
+            <a:fillRef idx="0">
+              <a:schemeClr val="accent4"/>
+            </a:fillRef>
+            <a:effectRef idx="0">
+              <a:schemeClr val="accent4"/>
+            </a:effectRef>
+            <a:fontRef idx="minor">
+              <a:schemeClr val="tx1"/>
+            </a:fontRef>
+          </p:style>
+        </p:cxnSp>
+      </p:grpSp>
+      <p:sp>
+        <p:nvSpPr>
+          <p:cNvPr id="17" name="사각형: 모서리가 접힌 도형 16">
+            <a:extLst>
+              <a:ext uri="{FF2B5EF4-FFF2-40B4-BE49-F238E27FC236}">
+                <a16:creationId xmlns:a16="http://schemas.microsoft.com/office/drawing/2014/main" id="{E1CA3431-7566-D83F-3452-2359472A35A2}"/>
+              </a:ext>
+            </a:extLst>
+          </p:cNvPr>
+          <p:cNvSpPr/>
+          <p:nvPr/>
+        </p:nvSpPr>
+        <p:spPr>
+          <a:xfrm>
+            <a:off x="9232276" y="6259363"/>
+            <a:ext cx="2437946" cy="568378"/>
+          </a:xfrm>
+          <a:prstGeom prst="foldedCorner">
+            <a:avLst/>
+          </a:prstGeom>
+          <a:solidFill>
+            <a:schemeClr val="accent3">
+              <a:alpha val="50000"/>
+            </a:schemeClr>
+          </a:solidFill>
+          <a:ln>
+            <a:noFill/>
+          </a:ln>
+        </p:spPr>
+        <p:style>
+          <a:lnRef idx="0">
+            <a:scrgbClr r="0" g="0" b="0"/>
+          </a:lnRef>
+          <a:fillRef idx="0">
+            <a:scrgbClr r="0" g="0" b="0"/>
+          </a:fillRef>
+          <a:effectRef idx="0">
+            <a:scrgbClr r="0" g="0" b="0"/>
+          </a:effectRef>
+          <a:fontRef idx="minor">
+            <a:schemeClr val="lt1"/>
+          </a:fontRef>
+        </p:style>
+        <p:txBody>
+          <a:bodyPr rtlCol="0" anchor="ctr"/>
+          <a:lstStyle/>
+          <a:p>
+            <a:pPr algn="ctr"/>
+            <a:r>
+              <a:rPr lang="en-US" altLang="ko-KR" dirty="0"/>
+              <a:t>lib/Cylinder/Double </a:t>
+            </a:r>
+          </a:p>
+          <a:p>
+            <a:pPr algn="ctr"/>
+            <a:r>
+              <a:rPr lang="en-US" altLang="ko-KR" dirty="0"/>
+              <a:t>[Latch]5</a:t>
+            </a:r>
+            <a:endParaRPr lang="ko-KR" altLang="en-US" dirty="0"/>
+          </a:p>
+        </p:txBody>
+      </p:sp>
+      <p:grpSp>
+        <p:nvGrpSpPr>
+          <p:cNvPr id="24" name="그룹 23">
+            <a:extLst>
+              <a:ext uri="{FF2B5EF4-FFF2-40B4-BE49-F238E27FC236}">
+                <a16:creationId xmlns:a16="http://schemas.microsoft.com/office/drawing/2014/main" id="{3AD596C7-B23D-8564-AE7A-C53BFA4E6BB4}"/>
+              </a:ext>
+            </a:extLst>
+          </p:cNvPr>
+          <p:cNvGrpSpPr/>
+          <p:nvPr/>
+        </p:nvGrpSpPr>
+        <p:grpSpPr>
+          <a:xfrm>
+            <a:off x="8018029" y="365126"/>
+            <a:ext cx="3515488" cy="1663992"/>
+            <a:chOff x="8018029" y="365126"/>
+            <a:chExt cx="3515488" cy="1663992"/>
+          </a:xfrm>
+        </p:grpSpPr>
+        <p:sp>
+          <p:nvSpPr>
+            <p:cNvPr id="14" name="직사각형 13">
+              <a:extLst>
+                <a:ext uri="{FF2B5EF4-FFF2-40B4-BE49-F238E27FC236}">
+                  <a16:creationId xmlns:a16="http://schemas.microsoft.com/office/drawing/2014/main" id="{7F0FAA92-96A9-A5D3-0A1E-4545883E9E65}"/>
+                </a:ext>
+              </a:extLst>
+            </p:cNvPr>
+            <p:cNvSpPr/>
+            <p:nvPr/>
+          </p:nvSpPr>
+          <p:spPr>
+            <a:xfrm>
+              <a:off x="8018029" y="365126"/>
+              <a:ext cx="3515488" cy="1663992"/>
+            </a:xfrm>
+            <a:prstGeom prst="rect">
+              <a:avLst/>
+            </a:prstGeom>
+          </p:spPr>
+          <p:style>
+            <a:lnRef idx="2">
+              <a:schemeClr val="accent1">
+                <a:shade val="15000"/>
+              </a:schemeClr>
+            </a:lnRef>
+            <a:fillRef idx="1">
+              <a:schemeClr val="accent1"/>
+            </a:fillRef>
+            <a:effectRef idx="0">
+              <a:schemeClr val="accent1"/>
+            </a:effectRef>
+            <a:fontRef idx="minor">
+              <a:schemeClr val="lt1"/>
+            </a:fontRef>
+          </p:style>
+          <p:txBody>
+            <a:bodyPr rtlCol="0" anchor="ctr"/>
+            <a:lstStyle/>
+            <a:p>
+              <a:pPr algn="ctr"/>
+              <a:r>
+                <a:rPr lang="en-US" altLang="ko-KR" dirty="0"/>
+                <a:t>R4</a:t>
+              </a:r>
+              <a:endParaRPr lang="ko-KR" altLang="en-US" dirty="0"/>
+            </a:p>
+          </p:txBody>
+        </p:sp>
+        <p:sp>
+          <p:nvSpPr>
+            <p:cNvPr id="19" name="타원 18">
+              <a:extLst>
+                <a:ext uri="{FF2B5EF4-FFF2-40B4-BE49-F238E27FC236}">
+                  <a16:creationId xmlns:a16="http://schemas.microsoft.com/office/drawing/2014/main" id="{17C9D332-BCEB-1843-5438-40BB1BF9E1E3}"/>
+                </a:ext>
+              </a:extLst>
+            </p:cNvPr>
+            <p:cNvSpPr/>
+            <p:nvPr/>
+          </p:nvSpPr>
+          <p:spPr>
+            <a:xfrm>
+              <a:off x="8675527" y="544360"/>
+              <a:ext cx="1028492" cy="499161"/>
+            </a:xfrm>
+            <a:prstGeom prst="ellipse">
+              <a:avLst/>
+            </a:prstGeom>
+            <a:solidFill>
+              <a:schemeClr val="accent4">
+                <a:alpha val="50000"/>
+              </a:schemeClr>
+            </a:solidFill>
+            <a:ln>
+              <a:noFill/>
+            </a:ln>
+          </p:spPr>
+          <p:style>
+            <a:lnRef idx="0">
+              <a:scrgbClr r="0" g="0" b="0"/>
+            </a:lnRef>
+            <a:fillRef idx="0">
+              <a:scrgbClr r="0" g="0" b="0"/>
+            </a:fillRef>
+            <a:effectRef idx="0">
+              <a:scrgbClr r="0" g="0" b="0"/>
+            </a:effectRef>
+            <a:fontRef idx="minor">
+              <a:schemeClr val="lt1"/>
+            </a:fontRef>
+          </p:style>
+          <p:txBody>
+            <a:bodyPr rtlCol="0" anchor="ctr"/>
+            <a:lstStyle/>
+            <a:p>
+              <a:pPr algn="ctr"/>
+              <a:r>
+                <a:rPr lang="en-US" altLang="ko-KR" sz="1050" dirty="0"/>
+                <a:t>Latch $ADV</a:t>
+              </a:r>
+              <a:endParaRPr lang="ko-KR" altLang="en-US" sz="1050" dirty="0"/>
+            </a:p>
+          </p:txBody>
+        </p:sp>
+        <p:sp>
+          <p:nvSpPr>
+            <p:cNvPr id="20" name="타원 19">
+              <a:extLst>
+                <a:ext uri="{FF2B5EF4-FFF2-40B4-BE49-F238E27FC236}">
+                  <a16:creationId xmlns:a16="http://schemas.microsoft.com/office/drawing/2014/main" id="{E2F78C0A-AABA-0255-B958-496940E701A6}"/>
+                </a:ext>
+              </a:extLst>
+            </p:cNvPr>
+            <p:cNvSpPr/>
+            <p:nvPr/>
+          </p:nvSpPr>
+          <p:spPr>
+            <a:xfrm>
+              <a:off x="10219534" y="1374844"/>
+              <a:ext cx="995323" cy="499161"/>
+            </a:xfrm>
+            <a:prstGeom prst="ellipse">
+              <a:avLst/>
+            </a:prstGeom>
+            <a:solidFill>
+              <a:schemeClr val="accent4">
+                <a:alpha val="50000"/>
+              </a:schemeClr>
+            </a:solidFill>
+            <a:ln>
+              <a:noFill/>
+            </a:ln>
+          </p:spPr>
+          <p:style>
+            <a:lnRef idx="0">
+              <a:scrgbClr r="0" g="0" b="0"/>
+            </a:lnRef>
+            <a:fillRef idx="0">
+              <a:scrgbClr r="0" g="0" b="0"/>
+            </a:fillRef>
+            <a:effectRef idx="0">
+              <a:scrgbClr r="0" g="0" b="0"/>
+            </a:effectRef>
+            <a:fontRef idx="minor">
+              <a:schemeClr val="lt1"/>
+            </a:fontRef>
+          </p:style>
+          <p:txBody>
+            <a:bodyPr rtlCol="0" anchor="ctr"/>
+            <a:lstStyle/>
+            <a:p>
+              <a:pPr algn="ctr"/>
+              <a:r>
+                <a:rPr lang="en-US" altLang="ko-KR" sz="1050" dirty="0"/>
+                <a:t>Latch $RET</a:t>
+              </a:r>
+              <a:endParaRPr lang="ko-KR" altLang="en-US" sz="1050" dirty="0"/>
+            </a:p>
+          </p:txBody>
+        </p:sp>
+        <p:cxnSp>
+          <p:nvCxnSpPr>
+            <p:cNvPr id="21" name="연결선: 꺾임 20">
+              <a:extLst>
+                <a:ext uri="{FF2B5EF4-FFF2-40B4-BE49-F238E27FC236}">
+                  <a16:creationId xmlns:a16="http://schemas.microsoft.com/office/drawing/2014/main" id="{EB7DB47C-5711-0847-4B62-9D306BC87E55}"/>
+                </a:ext>
+              </a:extLst>
+            </p:cNvPr>
+            <p:cNvCxnSpPr>
+              <a:cxnSpLocks/>
+              <a:stCxn id="19" idx="5"/>
+              <a:endCxn id="20" idx="1"/>
+            </p:cNvCxnSpPr>
+            <p:nvPr/>
+          </p:nvCxnSpPr>
+          <p:spPr>
+            <a:xfrm rot="16200000" flipH="1">
+              <a:off x="9720587" y="803234"/>
+              <a:ext cx="477523" cy="811896"/>
             </a:xfrm>
             <a:prstGeom prst="bentConnector3">
               <a:avLst/>

--- a/DsDotNet/src/UnitTest/UnitTest.Model/ImportOfficeExample/Sample/s.pptx
+++ b/DsDotNet/src/UnitTest/UnitTest.Model/ImportOfficeExample/Sample/s.pptx
@@ -235,7 +235,7 @@
           <a:p>
             <a:fld id="{DD503887-5801-43A0-AEF9-041E8DDC2558}" type="datetimeFigureOut">
               <a:rPr lang="ko-KR" altLang="en-US" smtClean="0"/>
-              <a:t>2023-06-16</a:t>
+              <a:t>2023-07-10</a:t>
             </a:fld>
             <a:endParaRPr lang="ko-KR" altLang="en-US" dirty="0"/>
           </a:p>
@@ -412,7 +412,7 @@
           <a:p>
             <a:fld id="{95336A0E-57B1-4D4C-BD9B-2F72B5943464}" type="datetimeFigureOut">
               <a:rPr lang="ko-KR" altLang="en-US" smtClean="0"/>
-              <a:t>2023-06-16</a:t>
+              <a:t>2023-07-10</a:t>
             </a:fld>
             <a:endParaRPr lang="ko-KR" altLang="en-US" dirty="0"/>
           </a:p>
@@ -910,7 +910,7 @@
           <a:p>
             <a:fld id="{229D12C7-0FF5-4972-A033-474EFFC79F40}" type="datetime1">
               <a:rPr lang="ko-KR" altLang="en-US" smtClean="0"/>
-              <a:t>2023-06-16</a:t>
+              <a:t>2023-07-10</a:t>
             </a:fld>
             <a:endParaRPr lang="ko-KR" altLang="en-US" dirty="0"/>
           </a:p>
@@ -1108,7 +1108,7 @@
           <a:p>
             <a:fld id="{5BA19FD4-B052-4F56-8FD8-EAFD078DEFB0}" type="datetime1">
               <a:rPr lang="ko-KR" altLang="en-US" smtClean="0"/>
-              <a:t>2023-06-16</a:t>
+              <a:t>2023-07-10</a:t>
             </a:fld>
             <a:endParaRPr lang="ko-KR" altLang="en-US" dirty="0"/>
           </a:p>
@@ -1316,7 +1316,7 @@
           <a:p>
             <a:fld id="{024994B9-23A6-4B0A-A038-AC140E83DAA3}" type="datetime1">
               <a:rPr lang="ko-KR" altLang="en-US" smtClean="0"/>
-              <a:t>2023-06-16</a:t>
+              <a:t>2023-07-10</a:t>
             </a:fld>
             <a:endParaRPr lang="ko-KR" altLang="en-US" dirty="0"/>
           </a:p>
@@ -1458,7 +1458,7 @@
           <a:p>
             <a:fld id="{B5B1BBC2-B738-4C35-AEE5-660EB2DEB482}" type="datetime1">
               <a:rPr lang="ko-KR" altLang="en-US" smtClean="0"/>
-              <a:t>2023-06-16</a:t>
+              <a:t>2023-07-10</a:t>
             </a:fld>
             <a:endParaRPr lang="ko-KR" altLang="en-US" dirty="0"/>
           </a:p>
@@ -6125,7 +6125,7 @@
           <a:p>
             <a:fld id="{70D0DAB2-87CB-4028-B965-3AA710ADF2CB}" type="datetime1">
               <a:rPr lang="ko-KR" altLang="en-US" smtClean="0"/>
-              <a:t>2023-06-16</a:t>
+              <a:t>2023-07-10</a:t>
             </a:fld>
             <a:endParaRPr lang="ko-KR" altLang="en-US" dirty="0"/>
           </a:p>
@@ -6400,7 +6400,7 @@
           <a:p>
             <a:fld id="{63FA3D71-FEA8-477F-9D1E-EA860F411BC7}" type="datetime1">
               <a:rPr lang="ko-KR" altLang="en-US" smtClean="0"/>
-              <a:t>2023-06-16</a:t>
+              <a:t>2023-07-10</a:t>
             </a:fld>
             <a:endParaRPr lang="ko-KR" altLang="en-US" dirty="0"/>
           </a:p>
@@ -6665,7 +6665,7 @@
           <a:p>
             <a:fld id="{F58E3EF4-7980-4C97-BA64-EC66995BB574}" type="datetime1">
               <a:rPr lang="ko-KR" altLang="en-US" smtClean="0"/>
-              <a:t>2023-06-16</a:t>
+              <a:t>2023-07-10</a:t>
             </a:fld>
             <a:endParaRPr lang="ko-KR" altLang="en-US" dirty="0"/>
           </a:p>
@@ -7077,7 +7077,7 @@
           <a:p>
             <a:fld id="{FC9BC1D0-7D6B-4634-9D19-644040D74EAE}" type="datetime1">
               <a:rPr lang="ko-KR" altLang="en-US" smtClean="0"/>
-              <a:t>2023-06-16</a:t>
+              <a:t>2023-07-10</a:t>
             </a:fld>
             <a:endParaRPr lang="ko-KR" altLang="en-US" dirty="0"/>
           </a:p>
@@ -7218,7 +7218,7 @@
           <a:p>
             <a:fld id="{B5B1BBC2-B738-4C35-AEE5-660EB2DEB482}" type="datetime1">
               <a:rPr lang="ko-KR" altLang="en-US" smtClean="0"/>
-              <a:t>2023-06-16</a:t>
+              <a:t>2023-07-10</a:t>
             </a:fld>
             <a:endParaRPr lang="ko-KR" altLang="en-US" dirty="0"/>
           </a:p>
@@ -11800,7 +11800,7 @@
           <a:p>
             <a:fld id="{C60E9F93-7E77-4F36-B88C-A425F00C8D91}" type="datetime1">
               <a:rPr lang="ko-KR" altLang="en-US" smtClean="0"/>
-              <a:t>2023-06-16</a:t>
+              <a:t>2023-07-10</a:t>
             </a:fld>
             <a:endParaRPr lang="ko-KR" altLang="en-US" dirty="0"/>
           </a:p>
@@ -12111,7 +12111,7 @@
           <a:p>
             <a:fld id="{36BCCD0E-2A54-4016-BFFC-FEAABCDA6915}" type="datetime1">
               <a:rPr lang="ko-KR" altLang="en-US" smtClean="0"/>
-              <a:t>2023-06-16</a:t>
+              <a:t>2023-07-10</a:t>
             </a:fld>
             <a:endParaRPr lang="ko-KR" altLang="en-US" dirty="0"/>
           </a:p>
@@ -12399,7 +12399,7 @@
           <a:p>
             <a:fld id="{C984B0C4-64BA-4E4C-B5E6-A51EE3F6ED95}" type="datetime1">
               <a:rPr lang="ko-KR" altLang="en-US" smtClean="0"/>
-              <a:t>2023-06-16</a:t>
+              <a:t>2023-07-10</a:t>
             </a:fld>
             <a:endParaRPr lang="ko-KR" altLang="en-US" dirty="0"/>
           </a:p>
@@ -12641,7 +12641,7 @@
           <a:p>
             <a:fld id="{C984B0C4-64BA-4E4C-B5E6-A51EE3F6ED95}" type="datetime1">
               <a:rPr lang="ko-KR" altLang="en-US" smtClean="0"/>
-              <a:t>2023-06-16</a:t>
+              <a:t>2023-07-10</a:t>
             </a:fld>
             <a:endParaRPr lang="ko-KR" altLang="en-US" dirty="0"/>
           </a:p>
@@ -22079,8 +22079,8 @@
         </p:nvCxnSpPr>
         <p:spPr>
           <a:xfrm flipV="1">
-            <a:off x="5613892" y="1236651"/>
-            <a:ext cx="473795" cy="1458819"/>
+            <a:off x="5638854" y="1236651"/>
+            <a:ext cx="448833" cy="1439055"/>
           </a:xfrm>
           <a:prstGeom prst="straightConnector1">
             <a:avLst/>
@@ -22126,8 +22126,8 @@
         </p:nvCxnSpPr>
         <p:spPr>
           <a:xfrm flipV="1">
-            <a:off x="5613892" y="2310053"/>
-            <a:ext cx="423871" cy="385417"/>
+            <a:off x="5638854" y="2310053"/>
+            <a:ext cx="398909" cy="365653"/>
           </a:xfrm>
           <a:prstGeom prst="straightConnector1">
             <a:avLst/>
@@ -22322,12 +22322,12 @@
         </p:nvCxnSpPr>
         <p:spPr>
           <a:xfrm rot="5400000">
-            <a:off x="6778134" y="215227"/>
-            <a:ext cx="133730" cy="7744394"/>
+            <a:off x="6800497" y="217826"/>
+            <a:ext cx="113966" cy="7719432"/>
           </a:xfrm>
           <a:prstGeom prst="bentConnector3">
             <a:avLst>
-              <a:gd name="adj1" fmla="val 270941"/>
+              <a:gd name="adj1" fmla="val 300586"/>
             </a:avLst>
           </a:prstGeom>
           <a:ln w="38100">
@@ -22624,494 +22624,6 @@
           </a:p>
         </p:txBody>
       </p:sp>
-      <p:grpSp>
-        <p:nvGrpSpPr>
-          <p:cNvPr id="26" name="그룹 25">
-            <a:extLst>
-              <a:ext uri="{FF2B5EF4-FFF2-40B4-BE49-F238E27FC236}">
-                <a16:creationId xmlns:a16="http://schemas.microsoft.com/office/drawing/2014/main" id="{8CC9DEC2-7173-EBD9-90A8-D53B4F359840}"/>
-              </a:ext>
-            </a:extLst>
-          </p:cNvPr>
-          <p:cNvGrpSpPr/>
-          <p:nvPr/>
-        </p:nvGrpSpPr>
-        <p:grpSpPr>
-          <a:xfrm>
-            <a:off x="331712" y="1236650"/>
-            <a:ext cx="5282180" cy="2917639"/>
-            <a:chOff x="142394" y="1361062"/>
-            <a:chExt cx="5282180" cy="2917639"/>
-          </a:xfrm>
-        </p:grpSpPr>
-        <p:sp>
-          <p:nvSpPr>
-            <p:cNvPr id="94" name="직사각형 93">
-              <a:extLst>
-                <a:ext uri="{FF2B5EF4-FFF2-40B4-BE49-F238E27FC236}">
-                  <a16:creationId xmlns:a16="http://schemas.microsoft.com/office/drawing/2014/main" id="{50002DFC-06DB-5F32-EB21-2D6DF916CB2E}"/>
-                </a:ext>
-              </a:extLst>
-            </p:cNvPr>
-            <p:cNvSpPr/>
-            <p:nvPr/>
-          </p:nvSpPr>
-          <p:spPr>
-            <a:xfrm>
-              <a:off x="142394" y="1361062"/>
-              <a:ext cx="5282180" cy="2917639"/>
-            </a:xfrm>
-            <a:prstGeom prst="rect">
-              <a:avLst/>
-            </a:prstGeom>
-          </p:spPr>
-          <p:style>
-            <a:lnRef idx="2">
-              <a:schemeClr val="accent1">
-                <a:shade val="15000"/>
-              </a:schemeClr>
-            </a:lnRef>
-            <a:fillRef idx="1">
-              <a:schemeClr val="accent1"/>
-            </a:fillRef>
-            <a:effectRef idx="0">
-              <a:schemeClr val="accent1"/>
-            </a:effectRef>
-            <a:fontRef idx="minor">
-              <a:schemeClr val="lt1"/>
-            </a:fontRef>
-          </p:style>
-          <p:txBody>
-            <a:bodyPr rtlCol="0" anchor="ctr"/>
-            <a:lstStyle/>
-            <a:p>
-              <a:pPr algn="ctr"/>
-              <a:r>
-                <a:rPr lang="en-US" altLang="ko-KR" dirty="0"/>
-                <a:t>R1</a:t>
-              </a:r>
-              <a:endParaRPr lang="ko-KR" altLang="en-US" dirty="0"/>
-            </a:p>
-          </p:txBody>
-        </p:sp>
-        <p:grpSp>
-          <p:nvGrpSpPr>
-            <p:cNvPr id="75" name="그룹 74">
-              <a:extLst>
-                <a:ext uri="{FF2B5EF4-FFF2-40B4-BE49-F238E27FC236}">
-                  <a16:creationId xmlns:a16="http://schemas.microsoft.com/office/drawing/2014/main" id="{C4C08674-3276-2917-5E53-8945DF3F4C0B}"/>
-                </a:ext>
-              </a:extLst>
-            </p:cNvPr>
-            <p:cNvGrpSpPr/>
-            <p:nvPr/>
-          </p:nvGrpSpPr>
-          <p:grpSpPr>
-            <a:xfrm>
-              <a:off x="670285" y="2005704"/>
-              <a:ext cx="1797998" cy="1674765"/>
-              <a:chOff x="1864319" y="2141847"/>
-              <a:chExt cx="4107811" cy="3195790"/>
-            </a:xfrm>
-          </p:grpSpPr>
-          <p:sp>
-            <p:nvSpPr>
-              <p:cNvPr id="76" name="타원 75">
-                <a:extLst>
-                  <a:ext uri="{FF2B5EF4-FFF2-40B4-BE49-F238E27FC236}">
-                    <a16:creationId xmlns:a16="http://schemas.microsoft.com/office/drawing/2014/main" id="{9F44B0E2-3F95-035D-1487-608C5157C71D}"/>
-                  </a:ext>
-                </a:extLst>
-              </p:cNvPr>
-              <p:cNvSpPr/>
-              <p:nvPr/>
-            </p:nvSpPr>
-            <p:spPr>
-              <a:xfrm>
-                <a:off x="1864319" y="2141847"/>
-                <a:ext cx="1733550" cy="952500"/>
-              </a:xfrm>
-              <a:prstGeom prst="ellipse">
-                <a:avLst/>
-              </a:prstGeom>
-              <a:solidFill>
-                <a:schemeClr val="accent4">
-                  <a:alpha val="50000"/>
-                </a:schemeClr>
-              </a:solidFill>
-              <a:ln>
-                <a:noFill/>
-              </a:ln>
-            </p:spPr>
-            <p:style>
-              <a:lnRef idx="0">
-                <a:scrgbClr r="0" g="0" b="0"/>
-              </a:lnRef>
-              <a:fillRef idx="0">
-                <a:scrgbClr r="0" g="0" b="0"/>
-              </a:fillRef>
-              <a:effectRef idx="0">
-                <a:scrgbClr r="0" g="0" b="0"/>
-              </a:effectRef>
-              <a:fontRef idx="minor">
-                <a:schemeClr val="lt1"/>
-              </a:fontRef>
-            </p:style>
-            <p:txBody>
-              <a:bodyPr rtlCol="0" anchor="ctr"/>
-              <a:lstStyle/>
-              <a:p>
-                <a:pPr algn="ctr"/>
-                <a:r>
-                  <a:rPr lang="en-US" altLang="ko-KR" sz="1050" dirty="0"/>
-                  <a:t>Pin $ADV</a:t>
-                </a:r>
-                <a:endParaRPr lang="ko-KR" altLang="en-US" sz="1050" dirty="0"/>
-              </a:p>
-            </p:txBody>
-          </p:sp>
-          <p:sp>
-            <p:nvSpPr>
-              <p:cNvPr id="77" name="타원 76">
-                <a:extLst>
-                  <a:ext uri="{FF2B5EF4-FFF2-40B4-BE49-F238E27FC236}">
-                    <a16:creationId xmlns:a16="http://schemas.microsoft.com/office/drawing/2014/main" id="{D5DD5869-0E63-8171-CEB0-D2BD1F2C5E1A}"/>
-                  </a:ext>
-                </a:extLst>
-              </p:cNvPr>
-              <p:cNvSpPr/>
-              <p:nvPr/>
-            </p:nvSpPr>
-            <p:spPr>
-              <a:xfrm>
-                <a:off x="4238580" y="4385137"/>
-                <a:ext cx="1733550" cy="952500"/>
-              </a:xfrm>
-              <a:prstGeom prst="ellipse">
-                <a:avLst/>
-              </a:prstGeom>
-              <a:solidFill>
-                <a:schemeClr val="accent4">
-                  <a:alpha val="50000"/>
-                </a:schemeClr>
-              </a:solidFill>
-              <a:ln>
-                <a:noFill/>
-              </a:ln>
-            </p:spPr>
-            <p:style>
-              <a:lnRef idx="0">
-                <a:scrgbClr r="0" g="0" b="0"/>
-              </a:lnRef>
-              <a:fillRef idx="0">
-                <a:scrgbClr r="0" g="0" b="0"/>
-              </a:fillRef>
-              <a:effectRef idx="0">
-                <a:scrgbClr r="0" g="0" b="0"/>
-              </a:effectRef>
-              <a:fontRef idx="minor">
-                <a:schemeClr val="lt1"/>
-              </a:fontRef>
-            </p:style>
-            <p:txBody>
-              <a:bodyPr rtlCol="0" anchor="ctr"/>
-              <a:lstStyle/>
-              <a:p>
-                <a:pPr algn="ctr"/>
-                <a:r>
-                  <a:rPr lang="en-US" altLang="ko-KR" sz="1050" dirty="0"/>
-                  <a:t>Pin $RET</a:t>
-                </a:r>
-                <a:endParaRPr lang="ko-KR" altLang="en-US" sz="1050" dirty="0"/>
-              </a:p>
-            </p:txBody>
-          </p:sp>
-          <p:cxnSp>
-            <p:nvCxnSpPr>
-              <p:cNvPr id="78" name="연결선: 꺾임 77">
-                <a:extLst>
-                  <a:ext uri="{FF2B5EF4-FFF2-40B4-BE49-F238E27FC236}">
-                    <a16:creationId xmlns:a16="http://schemas.microsoft.com/office/drawing/2014/main" id="{BDB44556-A94D-7BD5-4AA5-43BB1B26AC04}"/>
-                  </a:ext>
-                </a:extLst>
-              </p:cNvPr>
-              <p:cNvCxnSpPr>
-                <a:cxnSpLocks/>
-                <a:stCxn id="76" idx="5"/>
-                <a:endCxn id="77" idx="1"/>
-              </p:cNvCxnSpPr>
-              <p:nvPr/>
-            </p:nvCxnSpPr>
-            <p:spPr>
-              <a:xfrm rot="16200000" flipH="1">
-                <a:off x="3133340" y="3165511"/>
-                <a:ext cx="1569769" cy="1148458"/>
-              </a:xfrm>
-              <a:prstGeom prst="bentConnector3">
-                <a:avLst/>
-              </a:prstGeom>
-              <a:ln>
-                <a:tailEnd type="triangle"/>
-              </a:ln>
-            </p:spPr>
-            <p:style>
-              <a:lnRef idx="1">
-                <a:schemeClr val="accent4"/>
-              </a:lnRef>
-              <a:fillRef idx="0">
-                <a:schemeClr val="accent4"/>
-              </a:fillRef>
-              <a:effectRef idx="0">
-                <a:schemeClr val="accent4"/>
-              </a:effectRef>
-              <a:fontRef idx="minor">
-                <a:schemeClr val="tx1"/>
-              </a:fontRef>
-            </p:style>
-          </p:cxnSp>
-        </p:grpSp>
-        <p:sp>
-          <p:nvSpPr>
-            <p:cNvPr id="9" name="타원 8">
-              <a:extLst>
-                <a:ext uri="{FF2B5EF4-FFF2-40B4-BE49-F238E27FC236}">
-                  <a16:creationId xmlns:a16="http://schemas.microsoft.com/office/drawing/2014/main" id="{26611B60-A99F-3947-C0E2-68882864B5CB}"/>
-                </a:ext>
-              </a:extLst>
-            </p:cNvPr>
-            <p:cNvSpPr/>
-            <p:nvPr/>
-          </p:nvSpPr>
-          <p:spPr>
-            <a:xfrm>
-              <a:off x="2465740" y="1727584"/>
-              <a:ext cx="1028492" cy="499161"/>
-            </a:xfrm>
-            <a:prstGeom prst="ellipse">
-              <a:avLst/>
-            </a:prstGeom>
-            <a:solidFill>
-              <a:schemeClr val="accent4">
-                <a:alpha val="50000"/>
-              </a:schemeClr>
-            </a:solidFill>
-            <a:ln>
-              <a:noFill/>
-            </a:ln>
-          </p:spPr>
-          <p:style>
-            <a:lnRef idx="0">
-              <a:scrgbClr r="0" g="0" b="0"/>
-            </a:lnRef>
-            <a:fillRef idx="0">
-              <a:scrgbClr r="0" g="0" b="0"/>
-            </a:fillRef>
-            <a:effectRef idx="0">
-              <a:scrgbClr r="0" g="0" b="0"/>
-            </a:effectRef>
-            <a:fontRef idx="minor">
-              <a:schemeClr val="lt1"/>
-            </a:fontRef>
-          </p:style>
-          <p:txBody>
-            <a:bodyPr rtlCol="0" anchor="ctr"/>
-            <a:lstStyle/>
-            <a:p>
-              <a:pPr algn="ctr"/>
-              <a:r>
-                <a:rPr lang="en-US" altLang="ko-KR" sz="1050" dirty="0"/>
-                <a:t>Clamp $ADV</a:t>
-              </a:r>
-              <a:endParaRPr lang="ko-KR" altLang="en-US" sz="1050" dirty="0"/>
-            </a:p>
-          </p:txBody>
-        </p:sp>
-        <p:sp>
-          <p:nvSpPr>
-            <p:cNvPr id="10" name="타원 9">
-              <a:extLst>
-                <a:ext uri="{FF2B5EF4-FFF2-40B4-BE49-F238E27FC236}">
-                  <a16:creationId xmlns:a16="http://schemas.microsoft.com/office/drawing/2014/main" id="{868F3D59-8F62-CFFC-7971-D687E504C0EB}"/>
-                </a:ext>
-              </a:extLst>
-            </p:cNvPr>
-            <p:cNvSpPr/>
-            <p:nvPr/>
-          </p:nvSpPr>
-          <p:spPr>
-            <a:xfrm>
-              <a:off x="3739705" y="2984695"/>
-              <a:ext cx="995323" cy="499161"/>
-            </a:xfrm>
-            <a:prstGeom prst="ellipse">
-              <a:avLst/>
-            </a:prstGeom>
-            <a:solidFill>
-              <a:schemeClr val="accent4">
-                <a:alpha val="50000"/>
-              </a:schemeClr>
-            </a:solidFill>
-            <a:ln>
-              <a:noFill/>
-            </a:ln>
-          </p:spPr>
-          <p:style>
-            <a:lnRef idx="0">
-              <a:scrgbClr r="0" g="0" b="0"/>
-            </a:lnRef>
-            <a:fillRef idx="0">
-              <a:scrgbClr r="0" g="0" b="0"/>
-            </a:fillRef>
-            <a:effectRef idx="0">
-              <a:scrgbClr r="0" g="0" b="0"/>
-            </a:effectRef>
-            <a:fontRef idx="minor">
-              <a:schemeClr val="lt1"/>
-            </a:fontRef>
-          </p:style>
-          <p:txBody>
-            <a:bodyPr rtlCol="0" anchor="ctr"/>
-            <a:lstStyle/>
-            <a:p>
-              <a:pPr algn="ctr"/>
-              <a:r>
-                <a:rPr lang="en-US" altLang="ko-KR" sz="1050" dirty="0"/>
-                <a:t>Clamp $RET</a:t>
-              </a:r>
-              <a:endParaRPr lang="ko-KR" altLang="en-US" sz="1050" dirty="0"/>
-            </a:p>
-          </p:txBody>
-        </p:sp>
-        <p:cxnSp>
-          <p:nvCxnSpPr>
-            <p:cNvPr id="11" name="연결선: 꺾임 10">
-              <a:extLst>
-                <a:ext uri="{FF2B5EF4-FFF2-40B4-BE49-F238E27FC236}">
-                  <a16:creationId xmlns:a16="http://schemas.microsoft.com/office/drawing/2014/main" id="{0AE77AFE-5016-BE91-20E7-B6B4F0D5CC59}"/>
-                </a:ext>
-              </a:extLst>
-            </p:cNvPr>
-            <p:cNvCxnSpPr>
-              <a:cxnSpLocks/>
-              <a:stCxn id="9" idx="5"/>
-              <a:endCxn id="10" idx="1"/>
-            </p:cNvCxnSpPr>
-            <p:nvPr/>
-          </p:nvCxnSpPr>
-          <p:spPr>
-            <a:xfrm rot="16200000" flipH="1">
-              <a:off x="3162465" y="2334793"/>
-              <a:ext cx="904150" cy="541854"/>
-            </a:xfrm>
-            <a:prstGeom prst="bentConnector3">
-              <a:avLst/>
-            </a:prstGeom>
-            <a:ln>
-              <a:tailEnd type="triangle"/>
-            </a:ln>
-          </p:spPr>
-          <p:style>
-            <a:lnRef idx="1">
-              <a:schemeClr val="accent4"/>
-            </a:lnRef>
-            <a:fillRef idx="0">
-              <a:schemeClr val="accent4"/>
-            </a:fillRef>
-            <a:effectRef idx="0">
-              <a:schemeClr val="accent4"/>
-            </a:effectRef>
-            <a:fontRef idx="minor">
-              <a:schemeClr val="tx1"/>
-            </a:fontRef>
-          </p:style>
-        </p:cxnSp>
-        <p:cxnSp>
-          <p:nvCxnSpPr>
-            <p:cNvPr id="12" name="연결선: 꺾임 11">
-              <a:extLst>
-                <a:ext uri="{FF2B5EF4-FFF2-40B4-BE49-F238E27FC236}">
-                  <a16:creationId xmlns:a16="http://schemas.microsoft.com/office/drawing/2014/main" id="{A7AF8172-2DA9-C8AB-51B5-1B064E259432}"/>
-                </a:ext>
-              </a:extLst>
-            </p:cNvPr>
-            <p:cNvCxnSpPr>
-              <a:cxnSpLocks/>
-              <a:stCxn id="77" idx="6"/>
-              <a:endCxn id="10" idx="2"/>
-            </p:cNvCxnSpPr>
-            <p:nvPr/>
-          </p:nvCxnSpPr>
-          <p:spPr>
-            <a:xfrm flipV="1">
-              <a:off x="2468282" y="3234276"/>
-              <a:ext cx="1271423" cy="196613"/>
-            </a:xfrm>
-            <a:prstGeom prst="bentConnector3">
-              <a:avLst/>
-            </a:prstGeom>
-            <a:ln>
-              <a:tailEnd type="triangle"/>
-            </a:ln>
-          </p:spPr>
-          <p:style>
-            <a:lnRef idx="1">
-              <a:schemeClr val="accent4"/>
-            </a:lnRef>
-            <a:fillRef idx="0">
-              <a:schemeClr val="accent4"/>
-            </a:fillRef>
-            <a:effectRef idx="0">
-              <a:schemeClr val="accent4"/>
-            </a:effectRef>
-            <a:fontRef idx="minor">
-              <a:schemeClr val="tx1"/>
-            </a:fontRef>
-          </p:style>
-        </p:cxnSp>
-        <p:cxnSp>
-          <p:nvCxnSpPr>
-            <p:cNvPr id="18" name="연결선: 꺾임 17">
-              <a:extLst>
-                <a:ext uri="{FF2B5EF4-FFF2-40B4-BE49-F238E27FC236}">
-                  <a16:creationId xmlns:a16="http://schemas.microsoft.com/office/drawing/2014/main" id="{94B1343B-0ADC-3A14-0FBA-2CF8208F7781}"/>
-                </a:ext>
-              </a:extLst>
-            </p:cNvPr>
-            <p:cNvCxnSpPr>
-              <a:cxnSpLocks/>
-              <a:stCxn id="76" idx="6"/>
-              <a:endCxn id="9" idx="2"/>
-            </p:cNvCxnSpPr>
-            <p:nvPr/>
-          </p:nvCxnSpPr>
-          <p:spPr>
-            <a:xfrm flipV="1">
-              <a:off x="1429063" y="1977165"/>
-              <a:ext cx="1036677" cy="278120"/>
-            </a:xfrm>
-            <a:prstGeom prst="bentConnector3">
-              <a:avLst/>
-            </a:prstGeom>
-            <a:ln>
-              <a:tailEnd type="triangle"/>
-            </a:ln>
-          </p:spPr>
-          <p:style>
-            <a:lnRef idx="1">
-              <a:schemeClr val="accent4"/>
-            </a:lnRef>
-            <a:fillRef idx="0">
-              <a:schemeClr val="accent4"/>
-            </a:fillRef>
-            <a:effectRef idx="0">
-              <a:schemeClr val="accent4"/>
-            </a:effectRef>
-            <a:fontRef idx="minor">
-              <a:schemeClr val="tx1"/>
-            </a:fontRef>
-          </p:style>
-        </p:cxnSp>
-      </p:grpSp>
       <p:sp>
         <p:nvSpPr>
           <p:cNvPr id="17" name="사각형: 모서리가 접힌 도형 16">
@@ -23175,12 +22687,62 @@
           </a:p>
         </p:txBody>
       </p:sp>
+      <p:sp>
+        <p:nvSpPr>
+          <p:cNvPr id="14" name="직사각형 13">
+            <a:extLst>
+              <a:ext uri="{FF2B5EF4-FFF2-40B4-BE49-F238E27FC236}">
+                <a16:creationId xmlns:a16="http://schemas.microsoft.com/office/drawing/2014/main" id="{7F0FAA92-96A9-A5D3-0A1E-4545883E9E65}"/>
+              </a:ext>
+            </a:extLst>
+          </p:cNvPr>
+          <p:cNvSpPr/>
+          <p:nvPr/>
+        </p:nvSpPr>
+        <p:spPr>
+          <a:xfrm>
+            <a:off x="8018029" y="365126"/>
+            <a:ext cx="3515488" cy="1663992"/>
+          </a:xfrm>
+          <a:prstGeom prst="rect">
+            <a:avLst/>
+          </a:prstGeom>
+        </p:spPr>
+        <p:style>
+          <a:lnRef idx="2">
+            <a:schemeClr val="accent1">
+              <a:shade val="15000"/>
+            </a:schemeClr>
+          </a:lnRef>
+          <a:fillRef idx="1">
+            <a:schemeClr val="accent1"/>
+          </a:fillRef>
+          <a:effectRef idx="0">
+            <a:schemeClr val="accent1"/>
+          </a:effectRef>
+          <a:fontRef idx="minor">
+            <a:schemeClr val="lt1"/>
+          </a:fontRef>
+        </p:style>
+        <p:txBody>
+          <a:bodyPr rtlCol="0" anchor="ctr"/>
+          <a:lstStyle/>
+          <a:p>
+            <a:pPr algn="ctr"/>
+            <a:r>
+              <a:rPr lang="en-US" altLang="ko-KR" dirty="0"/>
+              <a:t>R4</a:t>
+            </a:r>
+            <a:endParaRPr lang="ko-KR" altLang="en-US" dirty="0"/>
+          </a:p>
+        </p:txBody>
+      </p:sp>
       <p:grpSp>
         <p:nvGrpSpPr>
-          <p:cNvPr id="24" name="그룹 23">
-            <a:extLst>
-              <a:ext uri="{FF2B5EF4-FFF2-40B4-BE49-F238E27FC236}">
-                <a16:creationId xmlns:a16="http://schemas.microsoft.com/office/drawing/2014/main" id="{3AD596C7-B23D-8564-AE7A-C53BFA4E6BB4}"/>
+          <p:cNvPr id="16" name="그룹 15">
+            <a:extLst>
+              <a:ext uri="{FF2B5EF4-FFF2-40B4-BE49-F238E27FC236}">
+                <a16:creationId xmlns:a16="http://schemas.microsoft.com/office/drawing/2014/main" id="{90FC8CF1-2B85-11A3-58EB-E351DAA6A162}"/>
               </a:ext>
             </a:extLst>
           </p:cNvPr>
@@ -23189,18 +22751,18 @@
         </p:nvGrpSpPr>
         <p:grpSpPr>
           <a:xfrm>
-            <a:off x="8018029" y="365126"/>
-            <a:ext cx="3515488" cy="1663992"/>
-            <a:chOff x="8018029" y="365126"/>
-            <a:chExt cx="3515488" cy="1663992"/>
+            <a:off x="356674" y="1216886"/>
+            <a:ext cx="5282180" cy="2917639"/>
+            <a:chOff x="356674" y="1216886"/>
+            <a:chExt cx="5282180" cy="2917639"/>
           </a:xfrm>
         </p:grpSpPr>
         <p:sp>
           <p:nvSpPr>
-            <p:cNvPr id="14" name="직사각형 13">
+            <p:cNvPr id="94" name="직사각형 93">
               <a:extLst>
                 <a:ext uri="{FF2B5EF4-FFF2-40B4-BE49-F238E27FC236}">
-                  <a16:creationId xmlns:a16="http://schemas.microsoft.com/office/drawing/2014/main" id="{7F0FAA92-96A9-A5D3-0A1E-4545883E9E65}"/>
+                  <a16:creationId xmlns:a16="http://schemas.microsoft.com/office/drawing/2014/main" id="{50002DFC-06DB-5F32-EB21-2D6DF916CB2E}"/>
                 </a:ext>
               </a:extLst>
             </p:cNvPr>
@@ -23209,8 +22771,8 @@
           </p:nvSpPr>
           <p:spPr>
             <a:xfrm>
-              <a:off x="8018029" y="365126"/>
-              <a:ext cx="3515488" cy="1663992"/>
+              <a:off x="356674" y="1216886"/>
+              <a:ext cx="5282180" cy="2917639"/>
             </a:xfrm>
             <a:prstGeom prst="rect">
               <a:avLst/>
@@ -23239,7 +22801,7 @@
               <a:pPr algn="ctr"/>
               <a:r>
                 <a:rPr lang="en-US" altLang="ko-KR" dirty="0"/>
-                <a:t>R4</a:t>
+                <a:t>R1</a:t>
               </a:r>
               <a:endParaRPr lang="ko-KR" altLang="en-US" dirty="0"/>
             </a:p>
@@ -23247,10 +22809,10 @@
         </p:sp>
         <p:sp>
           <p:nvSpPr>
-            <p:cNvPr id="19" name="타원 18">
+            <p:cNvPr id="10" name="타원 9">
               <a:extLst>
                 <a:ext uri="{FF2B5EF4-FFF2-40B4-BE49-F238E27FC236}">
-                  <a16:creationId xmlns:a16="http://schemas.microsoft.com/office/drawing/2014/main" id="{17C9D332-BCEB-1843-5438-40BB1BF9E1E3}"/>
+                  <a16:creationId xmlns:a16="http://schemas.microsoft.com/office/drawing/2014/main" id="{FCDAA94B-9830-4764-06B1-1D60DCB829DC}"/>
                 </a:ext>
               </a:extLst>
             </p:cNvPr>
@@ -23259,8 +22821,8 @@
           </p:nvSpPr>
           <p:spPr>
             <a:xfrm>
-              <a:off x="8675527" y="544360"/>
-              <a:ext cx="1028492" cy="499161"/>
+              <a:off x="859603" y="1881292"/>
+              <a:ext cx="758778" cy="499161"/>
             </a:xfrm>
             <a:prstGeom prst="ellipse">
               <a:avLst/>
@@ -23295,7 +22857,7 @@
               <a:pPr algn="ctr"/>
               <a:r>
                 <a:rPr lang="en-US" altLang="ko-KR" sz="1050" dirty="0"/>
-                <a:t>Latch $ADV</a:t>
+                <a:t>Pin $ADV</a:t>
               </a:r>
               <a:endParaRPr lang="ko-KR" altLang="en-US" sz="1050" dirty="0"/>
             </a:p>
@@ -23303,10 +22865,10 @@
         </p:sp>
         <p:sp>
           <p:nvSpPr>
-            <p:cNvPr id="20" name="타원 19">
+            <p:cNvPr id="11" name="타원 10">
               <a:extLst>
                 <a:ext uri="{FF2B5EF4-FFF2-40B4-BE49-F238E27FC236}">
-                  <a16:creationId xmlns:a16="http://schemas.microsoft.com/office/drawing/2014/main" id="{E2F78C0A-AABA-0255-B958-496940E701A6}"/>
+                  <a16:creationId xmlns:a16="http://schemas.microsoft.com/office/drawing/2014/main" id="{97560454-D4B5-A91B-3FF0-846F2FC2FD93}"/>
                 </a:ext>
               </a:extLst>
             </p:cNvPr>
@@ -23315,8 +22877,8 @@
           </p:nvSpPr>
           <p:spPr>
             <a:xfrm>
-              <a:off x="10219534" y="1374844"/>
-              <a:ext cx="995323" cy="499161"/>
+              <a:off x="1898822" y="3056896"/>
+              <a:ext cx="758778" cy="499161"/>
             </a:xfrm>
             <a:prstGeom prst="ellipse">
               <a:avLst/>
@@ -23351,7 +22913,7 @@
               <a:pPr algn="ctr"/>
               <a:r>
                 <a:rPr lang="en-US" altLang="ko-KR" sz="1050" dirty="0"/>
-                <a:t>Latch $RET</a:t>
+                <a:t>Pin $RET</a:t>
               </a:r>
               <a:endParaRPr lang="ko-KR" altLang="en-US" sz="1050" dirty="0"/>
             </a:p>
@@ -23359,24 +22921,24 @@
         </p:sp>
         <p:cxnSp>
           <p:nvCxnSpPr>
-            <p:cNvPr id="21" name="연결선: 꺾임 20">
+            <p:cNvPr id="12" name="연결선: 꺾임 11">
               <a:extLst>
                 <a:ext uri="{FF2B5EF4-FFF2-40B4-BE49-F238E27FC236}">
-                  <a16:creationId xmlns:a16="http://schemas.microsoft.com/office/drawing/2014/main" id="{EB7DB47C-5711-0847-4B62-9D306BC87E55}"/>
+                  <a16:creationId xmlns:a16="http://schemas.microsoft.com/office/drawing/2014/main" id="{B82D86F6-686A-9B3A-FAFB-D9CA95D6B9EE}"/>
                 </a:ext>
               </a:extLst>
             </p:cNvPr>
             <p:cNvCxnSpPr>
               <a:cxnSpLocks/>
-              <a:stCxn id="19" idx="5"/>
-              <a:endCxn id="20" idx="1"/>
+              <a:stCxn id="10" idx="5"/>
+              <a:endCxn id="11" idx="1"/>
             </p:cNvCxnSpPr>
             <p:nvPr/>
           </p:nvCxnSpPr>
           <p:spPr>
             <a:xfrm rot="16200000" flipH="1">
-              <a:off x="9720587" y="803234"/>
-              <a:ext cx="477523" cy="811896"/>
+              <a:off x="1347280" y="2467332"/>
+              <a:ext cx="822643" cy="502682"/>
             </a:xfrm>
             <a:prstGeom prst="bentConnector3">
               <a:avLst/>

--- a/DsDotNet/src/UnitTest/UnitTest.Model/ImportOfficeExample/Sample/s.pptx
+++ b/DsDotNet/src/UnitTest/UnitTest.Model/ImportOfficeExample/Sample/s.pptx
@@ -235,7 +235,7 @@
           <a:p>
             <a:fld id="{DD503887-5801-43A0-AEF9-041E8DDC2558}" type="datetimeFigureOut">
               <a:rPr lang="ko-KR" altLang="en-US" smtClean="0"/>
-              <a:t>2023-07-10</a:t>
+              <a:t>2023-08-09</a:t>
             </a:fld>
             <a:endParaRPr lang="ko-KR" altLang="en-US" dirty="0"/>
           </a:p>
@@ -412,7 +412,7 @@
           <a:p>
             <a:fld id="{95336A0E-57B1-4D4C-BD9B-2F72B5943464}" type="datetimeFigureOut">
               <a:rPr lang="ko-KR" altLang="en-US" smtClean="0"/>
-              <a:t>2023-07-10</a:t>
+              <a:t>2023-08-09</a:t>
             </a:fld>
             <a:endParaRPr lang="ko-KR" altLang="en-US" dirty="0"/>
           </a:p>
@@ -910,7 +910,7 @@
           <a:p>
             <a:fld id="{229D12C7-0FF5-4972-A033-474EFFC79F40}" type="datetime1">
               <a:rPr lang="ko-KR" altLang="en-US" smtClean="0"/>
-              <a:t>2023-07-10</a:t>
+              <a:t>2023-08-09</a:t>
             </a:fld>
             <a:endParaRPr lang="ko-KR" altLang="en-US" dirty="0"/>
           </a:p>
@@ -1108,7 +1108,7 @@
           <a:p>
             <a:fld id="{5BA19FD4-B052-4F56-8FD8-EAFD078DEFB0}" type="datetime1">
               <a:rPr lang="ko-KR" altLang="en-US" smtClean="0"/>
-              <a:t>2023-07-10</a:t>
+              <a:t>2023-08-09</a:t>
             </a:fld>
             <a:endParaRPr lang="ko-KR" altLang="en-US" dirty="0"/>
           </a:p>
@@ -1316,7 +1316,7 @@
           <a:p>
             <a:fld id="{024994B9-23A6-4B0A-A038-AC140E83DAA3}" type="datetime1">
               <a:rPr lang="ko-KR" altLang="en-US" smtClean="0"/>
-              <a:t>2023-07-10</a:t>
+              <a:t>2023-08-09</a:t>
             </a:fld>
             <a:endParaRPr lang="ko-KR" altLang="en-US" dirty="0"/>
           </a:p>
@@ -1458,7 +1458,7 @@
           <a:p>
             <a:fld id="{B5B1BBC2-B738-4C35-AEE5-660EB2DEB482}" type="datetime1">
               <a:rPr lang="ko-KR" altLang="en-US" smtClean="0"/>
-              <a:t>2023-07-10</a:t>
+              <a:t>2023-08-09</a:t>
             </a:fld>
             <a:endParaRPr lang="ko-KR" altLang="en-US" dirty="0"/>
           </a:p>
@@ -6125,7 +6125,7 @@
           <a:p>
             <a:fld id="{70D0DAB2-87CB-4028-B965-3AA710ADF2CB}" type="datetime1">
               <a:rPr lang="ko-KR" altLang="en-US" smtClean="0"/>
-              <a:t>2023-07-10</a:t>
+              <a:t>2023-08-09</a:t>
             </a:fld>
             <a:endParaRPr lang="ko-KR" altLang="en-US" dirty="0"/>
           </a:p>
@@ -6400,7 +6400,7 @@
           <a:p>
             <a:fld id="{63FA3D71-FEA8-477F-9D1E-EA860F411BC7}" type="datetime1">
               <a:rPr lang="ko-KR" altLang="en-US" smtClean="0"/>
-              <a:t>2023-07-10</a:t>
+              <a:t>2023-08-09</a:t>
             </a:fld>
             <a:endParaRPr lang="ko-KR" altLang="en-US" dirty="0"/>
           </a:p>
@@ -6665,7 +6665,7 @@
           <a:p>
             <a:fld id="{F58E3EF4-7980-4C97-BA64-EC66995BB574}" type="datetime1">
               <a:rPr lang="ko-KR" altLang="en-US" smtClean="0"/>
-              <a:t>2023-07-10</a:t>
+              <a:t>2023-08-09</a:t>
             </a:fld>
             <a:endParaRPr lang="ko-KR" altLang="en-US" dirty="0"/>
           </a:p>
@@ -7077,7 +7077,7 @@
           <a:p>
             <a:fld id="{FC9BC1D0-7D6B-4634-9D19-644040D74EAE}" type="datetime1">
               <a:rPr lang="ko-KR" altLang="en-US" smtClean="0"/>
-              <a:t>2023-07-10</a:t>
+              <a:t>2023-08-09</a:t>
             </a:fld>
             <a:endParaRPr lang="ko-KR" altLang="en-US" dirty="0"/>
           </a:p>
@@ -7218,7 +7218,7 @@
           <a:p>
             <a:fld id="{B5B1BBC2-B738-4C35-AEE5-660EB2DEB482}" type="datetime1">
               <a:rPr lang="ko-KR" altLang="en-US" smtClean="0"/>
-              <a:t>2023-07-10</a:t>
+              <a:t>2023-08-09</a:t>
             </a:fld>
             <a:endParaRPr lang="ko-KR" altLang="en-US" dirty="0"/>
           </a:p>
@@ -11800,7 +11800,7 @@
           <a:p>
             <a:fld id="{C60E9F93-7E77-4F36-B88C-A425F00C8D91}" type="datetime1">
               <a:rPr lang="ko-KR" altLang="en-US" smtClean="0"/>
-              <a:t>2023-07-10</a:t>
+              <a:t>2023-08-09</a:t>
             </a:fld>
             <a:endParaRPr lang="ko-KR" altLang="en-US" dirty="0"/>
           </a:p>
@@ -12111,7 +12111,7 @@
           <a:p>
             <a:fld id="{36BCCD0E-2A54-4016-BFFC-FEAABCDA6915}" type="datetime1">
               <a:rPr lang="ko-KR" altLang="en-US" smtClean="0"/>
-              <a:t>2023-07-10</a:t>
+              <a:t>2023-08-09</a:t>
             </a:fld>
             <a:endParaRPr lang="ko-KR" altLang="en-US" dirty="0"/>
           </a:p>
@@ -12399,7 +12399,7 @@
           <a:p>
             <a:fld id="{C984B0C4-64BA-4E4C-B5E6-A51EE3F6ED95}" type="datetime1">
               <a:rPr lang="ko-KR" altLang="en-US" smtClean="0"/>
-              <a:t>2023-07-10</a:t>
+              <a:t>2023-08-09</a:t>
             </a:fld>
             <a:endParaRPr lang="ko-KR" altLang="en-US" dirty="0"/>
           </a:p>
@@ -12641,7 +12641,7 @@
           <a:p>
             <a:fld id="{C984B0C4-64BA-4E4C-B5E6-A51EE3F6ED95}" type="datetime1">
               <a:rPr lang="ko-KR" altLang="en-US" smtClean="0"/>
-              <a:t>2023-07-10</a:t>
+              <a:t>2023-08-09</a:t>
             </a:fld>
             <a:endParaRPr lang="ko-KR" altLang="en-US" dirty="0"/>
           </a:p>
@@ -21098,7 +21098,7 @@
 </file>
 
 <file path=ppt/slides/slide5.xml><?xml version="1.0" encoding="utf-8"?>
-<p:sld xmlns:a="http://schemas.openxmlformats.org/drawingml/2006/main" xmlns:r="http://schemas.openxmlformats.org/officeDocument/2006/relationships" xmlns:p="http://schemas.openxmlformats.org/presentationml/2006/main" show="0">
+<p:sld xmlns:a="http://schemas.openxmlformats.org/drawingml/2006/main" xmlns:r="http://schemas.openxmlformats.org/officeDocument/2006/relationships" xmlns:p="http://schemas.openxmlformats.org/presentationml/2006/main">
   <p:cSld>
     <p:spTree>
       <p:nvGrpSpPr>
@@ -21290,53 +21290,6 @@
           </a:fontRef>
         </p:style>
       </p:cxnSp>
-      <p:cxnSp>
-        <p:nvCxnSpPr>
-          <p:cNvPr id="120" name="직선 화살표 연결선 119">
-            <a:extLst>
-              <a:ext uri="{FF2B5EF4-FFF2-40B4-BE49-F238E27FC236}">
-                <a16:creationId xmlns:a16="http://schemas.microsoft.com/office/drawing/2014/main" id="{D780E1C2-0E12-A5CD-2B49-A959AB42330A}"/>
-              </a:ext>
-            </a:extLst>
-          </p:cNvPr>
-          <p:cNvCxnSpPr>
-            <a:cxnSpLocks/>
-            <a:stCxn id="94" idx="3"/>
-            <a:endCxn id="107" idx="1"/>
-          </p:cNvCxnSpPr>
-          <p:nvPr/>
-        </p:nvCxnSpPr>
-        <p:spPr>
-          <a:xfrm flipV="1">
-            <a:off x="5511722" y="2310053"/>
-            <a:ext cx="526041" cy="1034156"/>
-          </a:xfrm>
-          <a:prstGeom prst="straightConnector1">
-            <a:avLst/>
-          </a:prstGeom>
-          <a:ln w="38100">
-            <a:solidFill>
-              <a:srgbClr val="FFC000"/>
-            </a:solidFill>
-            <a:headEnd type="diamond" w="med" len="med"/>
-            <a:tailEnd type="triangle" w="med" len="med"/>
-          </a:ln>
-        </p:spPr>
-        <p:style>
-          <a:lnRef idx="1">
-            <a:schemeClr val="accent6"/>
-          </a:lnRef>
-          <a:fillRef idx="0">
-            <a:schemeClr val="accent6"/>
-          </a:fillRef>
-          <a:effectRef idx="0">
-            <a:schemeClr val="accent6"/>
-          </a:effectRef>
-          <a:fontRef idx="minor">
-            <a:schemeClr val="tx1"/>
-          </a:fontRef>
-        </p:style>
-      </p:cxnSp>
       <p:sp>
         <p:nvSpPr>
           <p:cNvPr id="13" name="직사각형 12">
@@ -21507,102 +21460,6 @@
           <a:xfrm rot="16200000" flipH="1">
             <a:off x="7116250" y="879648"/>
             <a:ext cx="297086" cy="1506471"/>
-          </a:xfrm>
-          <a:prstGeom prst="bentConnector2">
-            <a:avLst/>
-          </a:prstGeom>
-          <a:ln w="38100">
-            <a:solidFill>
-              <a:srgbClr val="FFC000"/>
-            </a:solidFill>
-            <a:headEnd type="diamond" w="med" len="med"/>
-            <a:tailEnd type="triangle" w="med" len="med"/>
-          </a:ln>
-        </p:spPr>
-        <p:style>
-          <a:lnRef idx="1">
-            <a:schemeClr val="accent6"/>
-          </a:lnRef>
-          <a:fillRef idx="0">
-            <a:schemeClr val="accent6"/>
-          </a:fillRef>
-          <a:effectRef idx="0">
-            <a:schemeClr val="accent6"/>
-          </a:effectRef>
-          <a:fontRef idx="minor">
-            <a:schemeClr val="tx1"/>
-          </a:fontRef>
-        </p:style>
-      </p:cxnSp>
-      <p:cxnSp>
-        <p:nvCxnSpPr>
-          <p:cNvPr id="32" name="연결선: 꺾임 31">
-            <a:extLst>
-              <a:ext uri="{FF2B5EF4-FFF2-40B4-BE49-F238E27FC236}">
-                <a16:creationId xmlns:a16="http://schemas.microsoft.com/office/drawing/2014/main" id="{55996CE5-7EBC-3246-9029-B8870B968B13}"/>
-              </a:ext>
-            </a:extLst>
-          </p:cNvPr>
-          <p:cNvCxnSpPr>
-            <a:cxnSpLocks/>
-            <a:stCxn id="13" idx="2"/>
-            <a:endCxn id="94" idx="2"/>
-          </p:cNvCxnSpPr>
-          <p:nvPr/>
-        </p:nvCxnSpPr>
-        <p:spPr>
-          <a:xfrm rot="5400000">
-            <a:off x="6402680" y="488511"/>
-            <a:ext cx="782469" cy="7846564"/>
-          </a:xfrm>
-          <a:prstGeom prst="bentConnector3">
-            <a:avLst>
-              <a:gd name="adj1" fmla="val 129215"/>
-            </a:avLst>
-          </a:prstGeom>
-          <a:ln w="38100">
-            <a:solidFill>
-              <a:srgbClr val="FFC000"/>
-            </a:solidFill>
-            <a:headEnd type="diamond" w="med" len="med"/>
-            <a:tailEnd type="triangle" w="med" len="med"/>
-          </a:ln>
-        </p:spPr>
-        <p:style>
-          <a:lnRef idx="1">
-            <a:schemeClr val="accent6"/>
-          </a:lnRef>
-          <a:fillRef idx="0">
-            <a:schemeClr val="accent6"/>
-          </a:fillRef>
-          <a:effectRef idx="0">
-            <a:schemeClr val="accent6"/>
-          </a:effectRef>
-          <a:fontRef idx="minor">
-            <a:schemeClr val="tx1"/>
-          </a:fontRef>
-        </p:style>
-      </p:cxnSp>
-      <p:cxnSp>
-        <p:nvCxnSpPr>
-          <p:cNvPr id="48" name="연결선: 꺾임 47">
-            <a:extLst>
-              <a:ext uri="{FF2B5EF4-FFF2-40B4-BE49-F238E27FC236}">
-                <a16:creationId xmlns:a16="http://schemas.microsoft.com/office/drawing/2014/main" id="{ADAD1270-D18E-4A9B-90EA-E912E63A3DEA}"/>
-              </a:ext>
-            </a:extLst>
-          </p:cNvPr>
-          <p:cNvCxnSpPr>
-            <a:cxnSpLocks/>
-            <a:stCxn id="107" idx="0"/>
-            <a:endCxn id="14" idx="1"/>
-          </p:cNvCxnSpPr>
-          <p:nvPr/>
-        </p:nvCxnSpPr>
-        <p:spPr>
-          <a:xfrm rot="5400000" flipH="1" flipV="1">
-            <a:off x="7099364" y="1143698"/>
-            <a:ext cx="280935" cy="1556395"/>
           </a:xfrm>
           <a:prstGeom prst="bentConnector2">
             <a:avLst/>
@@ -21916,7 +21773,7 @@
 </file>
 
 <file path=ppt/slides/slide6.xml><?xml version="1.0" encoding="utf-8"?>
-<p:sld xmlns:a="http://schemas.openxmlformats.org/drawingml/2006/main" xmlns:r="http://schemas.openxmlformats.org/officeDocument/2006/relationships" xmlns:p="http://schemas.openxmlformats.org/presentationml/2006/main">
+<p:sld xmlns:a="http://schemas.openxmlformats.org/drawingml/2006/main" xmlns:r="http://schemas.openxmlformats.org/officeDocument/2006/relationships" xmlns:p="http://schemas.openxmlformats.org/presentationml/2006/main" show="0">
   <p:cSld>
     <p:spTree>
       <p:nvGrpSpPr>

--- a/DsDotNet/src/UnitTest/UnitTest.Model/ImportOfficeExample/Sample/s.pptx
+++ b/DsDotNet/src/UnitTest/UnitTest.Model/ImportOfficeExample/Sample/s.pptx
@@ -21193,56 +21193,6 @@
           </a:p>
         </p:txBody>
       </p:sp>
-      <p:sp>
-        <p:nvSpPr>
-          <p:cNvPr id="107" name="직사각형 106">
-            <a:extLst>
-              <a:ext uri="{FF2B5EF4-FFF2-40B4-BE49-F238E27FC236}">
-                <a16:creationId xmlns:a16="http://schemas.microsoft.com/office/drawing/2014/main" id="{915BD835-DF4D-92B2-20EE-E079F839EBBE}"/>
-              </a:ext>
-            </a:extLst>
-          </p:cNvPr>
-          <p:cNvSpPr/>
-          <p:nvPr/>
-        </p:nvSpPr>
-        <p:spPr>
-          <a:xfrm>
-            <a:off x="6037763" y="2062362"/>
-            <a:ext cx="847742" cy="495381"/>
-          </a:xfrm>
-          <a:prstGeom prst="rect">
-            <a:avLst/>
-          </a:prstGeom>
-        </p:spPr>
-        <p:style>
-          <a:lnRef idx="2">
-            <a:schemeClr val="accent1">
-              <a:shade val="15000"/>
-            </a:schemeClr>
-          </a:lnRef>
-          <a:fillRef idx="1">
-            <a:schemeClr val="accent1"/>
-          </a:fillRef>
-          <a:effectRef idx="0">
-            <a:schemeClr val="accent1"/>
-          </a:effectRef>
-          <a:fontRef idx="minor">
-            <a:schemeClr val="lt1"/>
-          </a:fontRef>
-        </p:style>
-        <p:txBody>
-          <a:bodyPr rtlCol="0" anchor="ctr"/>
-          <a:lstStyle/>
-          <a:p>
-            <a:pPr algn="ctr"/>
-            <a:r>
-              <a:rPr lang="en-US" altLang="ko-KR" dirty="0"/>
-              <a:t>R2</a:t>
-            </a:r>
-            <a:endParaRPr lang="ko-KR" altLang="en-US" dirty="0"/>
-          </a:p>
-        </p:txBody>
-      </p:sp>
       <p:cxnSp>
         <p:nvCxnSpPr>
           <p:cNvPr id="109" name="직선 화살표 연결선 108">
@@ -21265,299 +21215,6 @@
             <a:ext cx="575965" cy="2107558"/>
           </a:xfrm>
           <a:prstGeom prst="straightConnector1">
-            <a:avLst/>
-          </a:prstGeom>
-          <a:ln w="38100">
-            <a:solidFill>
-              <a:srgbClr val="FFC000"/>
-            </a:solidFill>
-            <a:headEnd type="diamond" w="med" len="med"/>
-            <a:tailEnd type="triangle" w="med" len="med"/>
-          </a:ln>
-        </p:spPr>
-        <p:style>
-          <a:lnRef idx="1">
-            <a:schemeClr val="accent6"/>
-          </a:lnRef>
-          <a:fillRef idx="0">
-            <a:schemeClr val="accent6"/>
-          </a:fillRef>
-          <a:effectRef idx="0">
-            <a:schemeClr val="accent6"/>
-          </a:effectRef>
-          <a:fontRef idx="minor">
-            <a:schemeClr val="tx1"/>
-          </a:fontRef>
-        </p:style>
-      </p:cxnSp>
-      <p:sp>
-        <p:nvSpPr>
-          <p:cNvPr id="13" name="직사각형 12">
-            <a:extLst>
-              <a:ext uri="{FF2B5EF4-FFF2-40B4-BE49-F238E27FC236}">
-                <a16:creationId xmlns:a16="http://schemas.microsoft.com/office/drawing/2014/main" id="{20D4B5AF-E245-475A-47A6-1314F9D73EE8}"/>
-              </a:ext>
-            </a:extLst>
-          </p:cNvPr>
-          <p:cNvSpPr/>
-          <p:nvPr/>
-        </p:nvSpPr>
-        <p:spPr>
-          <a:xfrm>
-            <a:off x="10293325" y="3525178"/>
-            <a:ext cx="847742" cy="495381"/>
-          </a:xfrm>
-          <a:prstGeom prst="rect">
-            <a:avLst/>
-          </a:prstGeom>
-        </p:spPr>
-        <p:style>
-          <a:lnRef idx="2">
-            <a:schemeClr val="accent1">
-              <a:shade val="15000"/>
-            </a:schemeClr>
-          </a:lnRef>
-          <a:fillRef idx="1">
-            <a:schemeClr val="accent1"/>
-          </a:fillRef>
-          <a:effectRef idx="0">
-            <a:schemeClr val="accent1"/>
-          </a:effectRef>
-          <a:fontRef idx="minor">
-            <a:schemeClr val="lt1"/>
-          </a:fontRef>
-        </p:style>
-        <p:txBody>
-          <a:bodyPr rtlCol="0" anchor="ctr"/>
-          <a:lstStyle/>
-          <a:p>
-            <a:pPr algn="ctr"/>
-            <a:r>
-              <a:rPr lang="en-US" altLang="ko-KR" dirty="0"/>
-              <a:t>R6</a:t>
-            </a:r>
-            <a:endParaRPr lang="ko-KR" altLang="en-US" dirty="0"/>
-          </a:p>
-        </p:txBody>
-      </p:sp>
-      <p:sp>
-        <p:nvSpPr>
-          <p:cNvPr id="14" name="직사각형 13">
-            <a:extLst>
-              <a:ext uri="{FF2B5EF4-FFF2-40B4-BE49-F238E27FC236}">
-                <a16:creationId xmlns:a16="http://schemas.microsoft.com/office/drawing/2014/main" id="{7F0FAA92-96A9-A5D3-0A1E-4545883E9E65}"/>
-              </a:ext>
-            </a:extLst>
-          </p:cNvPr>
-          <p:cNvSpPr/>
-          <p:nvPr/>
-        </p:nvSpPr>
-        <p:spPr>
-          <a:xfrm>
-            <a:off x="8018029" y="1533736"/>
-            <a:ext cx="1534601" cy="495381"/>
-          </a:xfrm>
-          <a:prstGeom prst="rect">
-            <a:avLst/>
-          </a:prstGeom>
-        </p:spPr>
-        <p:style>
-          <a:lnRef idx="2">
-            <a:schemeClr val="accent1">
-              <a:shade val="15000"/>
-            </a:schemeClr>
-          </a:lnRef>
-          <a:fillRef idx="1">
-            <a:schemeClr val="accent1"/>
-          </a:fillRef>
-          <a:effectRef idx="0">
-            <a:schemeClr val="accent1"/>
-          </a:effectRef>
-          <a:fontRef idx="minor">
-            <a:schemeClr val="lt1"/>
-          </a:fontRef>
-        </p:style>
-        <p:txBody>
-          <a:bodyPr rtlCol="0" anchor="ctr"/>
-          <a:lstStyle/>
-          <a:p>
-            <a:pPr algn="ctr"/>
-            <a:r>
-              <a:rPr lang="en-US" altLang="ko-KR" dirty="0"/>
-              <a:t>R4</a:t>
-            </a:r>
-            <a:endParaRPr lang="ko-KR" altLang="en-US" dirty="0"/>
-          </a:p>
-        </p:txBody>
-      </p:sp>
-      <p:sp>
-        <p:nvSpPr>
-          <p:cNvPr id="15" name="직사각형 14">
-            <a:extLst>
-              <a:ext uri="{FF2B5EF4-FFF2-40B4-BE49-F238E27FC236}">
-                <a16:creationId xmlns:a16="http://schemas.microsoft.com/office/drawing/2014/main" id="{60198781-EBB0-10CE-8B2F-9ABD8A632D5C}"/>
-              </a:ext>
-            </a:extLst>
-          </p:cNvPr>
-          <p:cNvSpPr/>
-          <p:nvPr/>
-        </p:nvSpPr>
-        <p:spPr>
-          <a:xfrm>
-            <a:off x="9232276" y="2793844"/>
-            <a:ext cx="847742" cy="495381"/>
-          </a:xfrm>
-          <a:prstGeom prst="rect">
-            <a:avLst/>
-          </a:prstGeom>
-        </p:spPr>
-        <p:style>
-          <a:lnRef idx="2">
-            <a:schemeClr val="accent1">
-              <a:shade val="15000"/>
-            </a:schemeClr>
-          </a:lnRef>
-          <a:fillRef idx="1">
-            <a:schemeClr val="accent1"/>
-          </a:fillRef>
-          <a:effectRef idx="0">
-            <a:schemeClr val="accent1"/>
-          </a:effectRef>
-          <a:fontRef idx="minor">
-            <a:schemeClr val="lt1"/>
-          </a:fontRef>
-        </p:style>
-        <p:txBody>
-          <a:bodyPr rtlCol="0" anchor="ctr"/>
-          <a:lstStyle/>
-          <a:p>
-            <a:pPr algn="ctr"/>
-            <a:r>
-              <a:rPr lang="en-US" altLang="ko-KR" dirty="0"/>
-              <a:t>R5</a:t>
-            </a:r>
-            <a:endParaRPr lang="ko-KR" altLang="en-US" dirty="0"/>
-          </a:p>
-        </p:txBody>
-      </p:sp>
-      <p:cxnSp>
-        <p:nvCxnSpPr>
-          <p:cNvPr id="23" name="연결선: 꺾임 22">
-            <a:extLst>
-              <a:ext uri="{FF2B5EF4-FFF2-40B4-BE49-F238E27FC236}">
-                <a16:creationId xmlns:a16="http://schemas.microsoft.com/office/drawing/2014/main" id="{7784514C-ED5E-0B18-1D1B-F544B46E59B0}"/>
-              </a:ext>
-            </a:extLst>
-          </p:cNvPr>
-          <p:cNvCxnSpPr>
-            <a:cxnSpLocks/>
-            <a:stCxn id="91" idx="2"/>
-            <a:endCxn id="14" idx="1"/>
-          </p:cNvCxnSpPr>
-          <p:nvPr/>
-        </p:nvCxnSpPr>
-        <p:spPr>
-          <a:xfrm rot="16200000" flipH="1">
-            <a:off x="7116250" y="879648"/>
-            <a:ext cx="297086" cy="1506471"/>
-          </a:xfrm>
-          <a:prstGeom prst="bentConnector2">
-            <a:avLst/>
-          </a:prstGeom>
-          <a:ln w="38100">
-            <a:solidFill>
-              <a:srgbClr val="FFC000"/>
-            </a:solidFill>
-            <a:headEnd type="diamond" w="med" len="med"/>
-            <a:tailEnd type="triangle" w="med" len="med"/>
-          </a:ln>
-        </p:spPr>
-        <p:style>
-          <a:lnRef idx="1">
-            <a:schemeClr val="accent6"/>
-          </a:lnRef>
-          <a:fillRef idx="0">
-            <a:schemeClr val="accent6"/>
-          </a:fillRef>
-          <a:effectRef idx="0">
-            <a:schemeClr val="accent6"/>
-          </a:effectRef>
-          <a:fontRef idx="minor">
-            <a:schemeClr val="tx1"/>
-          </a:fontRef>
-        </p:style>
-      </p:cxnSp>
-      <p:cxnSp>
-        <p:nvCxnSpPr>
-          <p:cNvPr id="62" name="연결선: 꺾임 61">
-            <a:extLst>
-              <a:ext uri="{FF2B5EF4-FFF2-40B4-BE49-F238E27FC236}">
-                <a16:creationId xmlns:a16="http://schemas.microsoft.com/office/drawing/2014/main" id="{D2BBF1BC-3F9C-FDD1-40CF-9CFE10E49737}"/>
-              </a:ext>
-            </a:extLst>
-          </p:cNvPr>
-          <p:cNvCxnSpPr>
-            <a:cxnSpLocks/>
-            <a:stCxn id="14" idx="2"/>
-            <a:endCxn id="15" idx="0"/>
-          </p:cNvCxnSpPr>
-          <p:nvPr/>
-        </p:nvCxnSpPr>
-        <p:spPr>
-          <a:xfrm rot="16200000" flipH="1">
-            <a:off x="8838375" y="1976071"/>
-            <a:ext cx="764727" cy="870817"/>
-          </a:xfrm>
-          <a:prstGeom prst="bentConnector3">
-            <a:avLst>
-              <a:gd name="adj1" fmla="val 50000"/>
-            </a:avLst>
-          </a:prstGeom>
-          <a:ln w="38100">
-            <a:solidFill>
-              <a:srgbClr val="FFC000"/>
-            </a:solidFill>
-            <a:headEnd type="diamond" w="med" len="med"/>
-            <a:tailEnd type="triangle" w="med" len="med"/>
-          </a:ln>
-        </p:spPr>
-        <p:style>
-          <a:lnRef idx="1">
-            <a:schemeClr val="accent6"/>
-          </a:lnRef>
-          <a:fillRef idx="0">
-            <a:schemeClr val="accent6"/>
-          </a:fillRef>
-          <a:effectRef idx="0">
-            <a:schemeClr val="accent6"/>
-          </a:effectRef>
-          <a:fontRef idx="minor">
-            <a:schemeClr val="tx1"/>
-          </a:fontRef>
-        </p:style>
-      </p:cxnSp>
-      <p:cxnSp>
-        <p:nvCxnSpPr>
-          <p:cNvPr id="68" name="연결선: 꺾임 67">
-            <a:extLst>
-              <a:ext uri="{FF2B5EF4-FFF2-40B4-BE49-F238E27FC236}">
-                <a16:creationId xmlns:a16="http://schemas.microsoft.com/office/drawing/2014/main" id="{B956E1CD-20B7-0672-1444-72F5F9EB34F5}"/>
-              </a:ext>
-            </a:extLst>
-          </p:cNvPr>
-          <p:cNvCxnSpPr>
-            <a:cxnSpLocks/>
-            <a:stCxn id="15" idx="2"/>
-            <a:endCxn id="13" idx="1"/>
-          </p:cNvCxnSpPr>
-          <p:nvPr/>
-        </p:nvCxnSpPr>
-        <p:spPr>
-          <a:xfrm rot="16200000" flipH="1">
-            <a:off x="9732914" y="3212458"/>
-            <a:ext cx="483644" cy="637178"/>
-          </a:xfrm>
-          <a:prstGeom prst="bentConnector2">
             <a:avLst/>
           </a:prstGeom>
           <a:ln w="38100">

--- a/DsDotNet/src/UnitTest/UnitTest.Model/ImportOfficeExample/Sample/s.pptx
+++ b/DsDotNet/src/UnitTest/UnitTest.Model/ImportOfficeExample/Sample/s.pptx
@@ -21143,103 +21143,6 @@
           </a:p>
         </p:txBody>
       </p:sp>
-      <p:sp>
-        <p:nvSpPr>
-          <p:cNvPr id="91" name="직사각형 90">
-            <a:extLst>
-              <a:ext uri="{FF2B5EF4-FFF2-40B4-BE49-F238E27FC236}">
-                <a16:creationId xmlns:a16="http://schemas.microsoft.com/office/drawing/2014/main" id="{1902CC42-6799-D372-F372-07BB72F2BF14}"/>
-              </a:ext>
-            </a:extLst>
-          </p:cNvPr>
-          <p:cNvSpPr/>
-          <p:nvPr/>
-        </p:nvSpPr>
-        <p:spPr>
-          <a:xfrm>
-            <a:off x="6087687" y="988960"/>
-            <a:ext cx="847742" cy="495381"/>
-          </a:xfrm>
-          <a:prstGeom prst="rect">
-            <a:avLst/>
-          </a:prstGeom>
-        </p:spPr>
-        <p:style>
-          <a:lnRef idx="2">
-            <a:schemeClr val="accent1">
-              <a:shade val="15000"/>
-            </a:schemeClr>
-          </a:lnRef>
-          <a:fillRef idx="1">
-            <a:schemeClr val="accent1"/>
-          </a:fillRef>
-          <a:effectRef idx="0">
-            <a:schemeClr val="accent1"/>
-          </a:effectRef>
-          <a:fontRef idx="minor">
-            <a:schemeClr val="lt1"/>
-          </a:fontRef>
-        </p:style>
-        <p:txBody>
-          <a:bodyPr rtlCol="0" anchor="ctr"/>
-          <a:lstStyle/>
-          <a:p>
-            <a:pPr algn="ctr"/>
-            <a:r>
-              <a:rPr lang="en-US" altLang="ko-KR" dirty="0"/>
-              <a:t>R3</a:t>
-            </a:r>
-            <a:endParaRPr lang="ko-KR" altLang="en-US" dirty="0"/>
-          </a:p>
-        </p:txBody>
-      </p:sp>
-      <p:cxnSp>
-        <p:nvCxnSpPr>
-          <p:cNvPr id="109" name="직선 화살표 연결선 108">
-            <a:extLst>
-              <a:ext uri="{FF2B5EF4-FFF2-40B4-BE49-F238E27FC236}">
-                <a16:creationId xmlns:a16="http://schemas.microsoft.com/office/drawing/2014/main" id="{962C7EAD-50AB-B451-7AB8-AD60B0C48A7C}"/>
-              </a:ext>
-            </a:extLst>
-          </p:cNvPr>
-          <p:cNvCxnSpPr>
-            <a:cxnSpLocks/>
-            <a:stCxn id="94" idx="3"/>
-            <a:endCxn id="91" idx="1"/>
-          </p:cNvCxnSpPr>
-          <p:nvPr/>
-        </p:nvCxnSpPr>
-        <p:spPr>
-          <a:xfrm flipV="1">
-            <a:off x="5511722" y="1236651"/>
-            <a:ext cx="575965" cy="2107558"/>
-          </a:xfrm>
-          <a:prstGeom prst="straightConnector1">
-            <a:avLst/>
-          </a:prstGeom>
-          <a:ln w="38100">
-            <a:solidFill>
-              <a:srgbClr val="FFC000"/>
-            </a:solidFill>
-            <a:headEnd type="diamond" w="med" len="med"/>
-            <a:tailEnd type="triangle" w="med" len="med"/>
-          </a:ln>
-        </p:spPr>
-        <p:style>
-          <a:lnRef idx="1">
-            <a:schemeClr val="accent6"/>
-          </a:lnRef>
-          <a:fillRef idx="0">
-            <a:schemeClr val="accent6"/>
-          </a:fillRef>
-          <a:effectRef idx="0">
-            <a:schemeClr val="accent6"/>
-          </a:effectRef>
-          <a:fontRef idx="minor">
-            <a:schemeClr val="tx1"/>
-          </a:fontRef>
-        </p:style>
-      </p:cxnSp>
       <p:sp>
         <p:nvSpPr>
           <p:cNvPr id="79" name="사각형: 모서리가 접힌 도형 78">

--- a/DsDotNet/src/UnitTest/UnitTest.Model/ImportOfficeExample/Sample/s.pptx
+++ b/DsDotNet/src/UnitTest/UnitTest.Model/ImportOfficeExample/Sample/s.pptx
@@ -21271,10 +21271,10 @@
       </p:sp>
       <p:sp>
         <p:nvSpPr>
-          <p:cNvPr id="94" name="직사각형 93">
-            <a:extLst>
-              <a:ext uri="{FF2B5EF4-FFF2-40B4-BE49-F238E27FC236}">
-                <a16:creationId xmlns:a16="http://schemas.microsoft.com/office/drawing/2014/main" id="{50002DFC-06DB-5F32-EB21-2D6DF916CB2E}"/>
+          <p:cNvPr id="10" name="직사각형 9">
+            <a:extLst>
+              <a:ext uri="{FF2B5EF4-FFF2-40B4-BE49-F238E27FC236}">
+                <a16:creationId xmlns:a16="http://schemas.microsoft.com/office/drawing/2014/main" id="{2BFD6DE8-60E1-EA2A-106F-49538D086172}"/>
               </a:ext>
             </a:extLst>
           </p:cNvPr>
@@ -21283,7 +21283,594 @@
         </p:nvSpPr>
         <p:spPr>
           <a:xfrm>
-            <a:off x="229542" y="1885389"/>
+            <a:off x="6087687" y="988960"/>
+            <a:ext cx="847742" cy="495381"/>
+          </a:xfrm>
+          <a:prstGeom prst="rect">
+            <a:avLst/>
+          </a:prstGeom>
+        </p:spPr>
+        <p:style>
+          <a:lnRef idx="2">
+            <a:schemeClr val="accent1">
+              <a:shade val="15000"/>
+            </a:schemeClr>
+          </a:lnRef>
+          <a:fillRef idx="1">
+            <a:schemeClr val="accent1"/>
+          </a:fillRef>
+          <a:effectRef idx="0">
+            <a:schemeClr val="accent1"/>
+          </a:effectRef>
+          <a:fontRef idx="minor">
+            <a:schemeClr val="lt1"/>
+          </a:fontRef>
+        </p:style>
+        <p:txBody>
+          <a:bodyPr rtlCol="0" anchor="ctr"/>
+          <a:lstStyle/>
+          <a:p>
+            <a:pPr algn="ctr"/>
+            <a:r>
+              <a:rPr lang="en-US" altLang="ko-KR" dirty="0"/>
+              <a:t>R3</a:t>
+            </a:r>
+            <a:endParaRPr lang="ko-KR" altLang="en-US" dirty="0"/>
+          </a:p>
+        </p:txBody>
+      </p:sp>
+      <p:sp>
+        <p:nvSpPr>
+          <p:cNvPr id="11" name="직사각형 10">
+            <a:extLst>
+              <a:ext uri="{FF2B5EF4-FFF2-40B4-BE49-F238E27FC236}">
+                <a16:creationId xmlns:a16="http://schemas.microsoft.com/office/drawing/2014/main" id="{939C5109-91A4-DAF4-6927-25376F910865}"/>
+              </a:ext>
+            </a:extLst>
+          </p:cNvPr>
+          <p:cNvSpPr/>
+          <p:nvPr/>
+        </p:nvSpPr>
+        <p:spPr>
+          <a:xfrm>
+            <a:off x="6037763" y="2062362"/>
+            <a:ext cx="847742" cy="495381"/>
+          </a:xfrm>
+          <a:prstGeom prst="rect">
+            <a:avLst/>
+          </a:prstGeom>
+        </p:spPr>
+        <p:style>
+          <a:lnRef idx="2">
+            <a:schemeClr val="accent1">
+              <a:shade val="15000"/>
+            </a:schemeClr>
+          </a:lnRef>
+          <a:fillRef idx="1">
+            <a:schemeClr val="accent1"/>
+          </a:fillRef>
+          <a:effectRef idx="0">
+            <a:schemeClr val="accent1"/>
+          </a:effectRef>
+          <a:fontRef idx="minor">
+            <a:schemeClr val="lt1"/>
+          </a:fontRef>
+        </p:style>
+        <p:txBody>
+          <a:bodyPr rtlCol="0" anchor="ctr"/>
+          <a:lstStyle/>
+          <a:p>
+            <a:pPr algn="ctr"/>
+            <a:r>
+              <a:rPr lang="en-US" altLang="ko-KR" dirty="0"/>
+              <a:t>R2</a:t>
+            </a:r>
+            <a:endParaRPr lang="ko-KR" altLang="en-US" dirty="0"/>
+          </a:p>
+        </p:txBody>
+      </p:sp>
+      <p:cxnSp>
+        <p:nvCxnSpPr>
+          <p:cNvPr id="12" name="직선 화살표 연결선 11">
+            <a:extLst>
+              <a:ext uri="{FF2B5EF4-FFF2-40B4-BE49-F238E27FC236}">
+                <a16:creationId xmlns:a16="http://schemas.microsoft.com/office/drawing/2014/main" id="{4468889E-790C-7F1E-F3D7-E81AEC8B5AFA}"/>
+              </a:ext>
+            </a:extLst>
+          </p:cNvPr>
+          <p:cNvCxnSpPr>
+            <a:cxnSpLocks/>
+            <a:stCxn id="27" idx="3"/>
+            <a:endCxn id="10" idx="1"/>
+          </p:cNvCxnSpPr>
+          <p:nvPr/>
+        </p:nvCxnSpPr>
+        <p:spPr>
+          <a:xfrm flipV="1">
+            <a:off x="5638854" y="1236651"/>
+            <a:ext cx="448833" cy="1439055"/>
+          </a:xfrm>
+          <a:prstGeom prst="straightConnector1">
+            <a:avLst/>
+          </a:prstGeom>
+          <a:ln w="38100">
+            <a:solidFill>
+              <a:srgbClr val="FFC000"/>
+            </a:solidFill>
+            <a:headEnd type="diamond" w="med" len="med"/>
+            <a:tailEnd type="triangle" w="med" len="med"/>
+          </a:ln>
+        </p:spPr>
+        <p:style>
+          <a:lnRef idx="1">
+            <a:schemeClr val="accent6"/>
+          </a:lnRef>
+          <a:fillRef idx="0">
+            <a:schemeClr val="accent6"/>
+          </a:fillRef>
+          <a:effectRef idx="0">
+            <a:schemeClr val="accent6"/>
+          </a:effectRef>
+          <a:fontRef idx="minor">
+            <a:schemeClr val="tx1"/>
+          </a:fontRef>
+        </p:style>
+      </p:cxnSp>
+      <p:cxnSp>
+        <p:nvCxnSpPr>
+          <p:cNvPr id="16" name="직선 화살표 연결선 15">
+            <a:extLst>
+              <a:ext uri="{FF2B5EF4-FFF2-40B4-BE49-F238E27FC236}">
+                <a16:creationId xmlns:a16="http://schemas.microsoft.com/office/drawing/2014/main" id="{C2F3B99B-0E48-2A97-FBF6-D08A2E8C20CC}"/>
+              </a:ext>
+            </a:extLst>
+          </p:cNvPr>
+          <p:cNvCxnSpPr>
+            <a:cxnSpLocks/>
+            <a:stCxn id="27" idx="3"/>
+            <a:endCxn id="11" idx="1"/>
+          </p:cNvCxnSpPr>
+          <p:nvPr/>
+        </p:nvCxnSpPr>
+        <p:spPr>
+          <a:xfrm flipV="1">
+            <a:off x="5638854" y="2310053"/>
+            <a:ext cx="398909" cy="365653"/>
+          </a:xfrm>
+          <a:prstGeom prst="straightConnector1">
+            <a:avLst/>
+          </a:prstGeom>
+          <a:ln w="38100">
+            <a:solidFill>
+              <a:srgbClr val="FFC000"/>
+            </a:solidFill>
+            <a:headEnd type="diamond" w="med" len="med"/>
+            <a:tailEnd type="triangle" w="med" len="med"/>
+          </a:ln>
+        </p:spPr>
+        <p:style>
+          <a:lnRef idx="1">
+            <a:schemeClr val="accent6"/>
+          </a:lnRef>
+          <a:fillRef idx="0">
+            <a:schemeClr val="accent6"/>
+          </a:fillRef>
+          <a:effectRef idx="0">
+            <a:schemeClr val="accent6"/>
+          </a:effectRef>
+          <a:fontRef idx="minor">
+            <a:schemeClr val="tx1"/>
+          </a:fontRef>
+        </p:style>
+      </p:cxnSp>
+      <p:sp>
+        <p:nvSpPr>
+          <p:cNvPr id="17" name="직사각형 16">
+            <a:extLst>
+              <a:ext uri="{FF2B5EF4-FFF2-40B4-BE49-F238E27FC236}">
+                <a16:creationId xmlns:a16="http://schemas.microsoft.com/office/drawing/2014/main" id="{6044C355-C383-3F63-E6D9-F928508F3888}"/>
+              </a:ext>
+            </a:extLst>
+          </p:cNvPr>
+          <p:cNvSpPr/>
+          <p:nvPr/>
+        </p:nvSpPr>
+        <p:spPr>
+          <a:xfrm>
+            <a:off x="10293325" y="3525178"/>
+            <a:ext cx="847742" cy="495381"/>
+          </a:xfrm>
+          <a:prstGeom prst="rect">
+            <a:avLst/>
+          </a:prstGeom>
+        </p:spPr>
+        <p:style>
+          <a:lnRef idx="2">
+            <a:schemeClr val="accent1">
+              <a:shade val="15000"/>
+            </a:schemeClr>
+          </a:lnRef>
+          <a:fillRef idx="1">
+            <a:schemeClr val="accent1"/>
+          </a:fillRef>
+          <a:effectRef idx="0">
+            <a:schemeClr val="accent1"/>
+          </a:effectRef>
+          <a:fontRef idx="minor">
+            <a:schemeClr val="lt1"/>
+          </a:fontRef>
+        </p:style>
+        <p:txBody>
+          <a:bodyPr rtlCol="0" anchor="ctr"/>
+          <a:lstStyle/>
+          <a:p>
+            <a:pPr algn="ctr"/>
+            <a:r>
+              <a:rPr lang="en-US" altLang="ko-KR" dirty="0"/>
+              <a:t>R6</a:t>
+            </a:r>
+            <a:endParaRPr lang="ko-KR" altLang="en-US" dirty="0"/>
+          </a:p>
+        </p:txBody>
+      </p:sp>
+      <p:sp>
+        <p:nvSpPr>
+          <p:cNvPr id="18" name="직사각형 17">
+            <a:extLst>
+              <a:ext uri="{FF2B5EF4-FFF2-40B4-BE49-F238E27FC236}">
+                <a16:creationId xmlns:a16="http://schemas.microsoft.com/office/drawing/2014/main" id="{B4E60B72-645C-100F-6931-CDEE5F21A903}"/>
+              </a:ext>
+            </a:extLst>
+          </p:cNvPr>
+          <p:cNvSpPr/>
+          <p:nvPr/>
+        </p:nvSpPr>
+        <p:spPr>
+          <a:xfrm>
+            <a:off x="9232276" y="2793844"/>
+            <a:ext cx="847742" cy="495381"/>
+          </a:xfrm>
+          <a:prstGeom prst="rect">
+            <a:avLst/>
+          </a:prstGeom>
+        </p:spPr>
+        <p:style>
+          <a:lnRef idx="2">
+            <a:schemeClr val="accent1">
+              <a:shade val="15000"/>
+            </a:schemeClr>
+          </a:lnRef>
+          <a:fillRef idx="1">
+            <a:schemeClr val="accent1"/>
+          </a:fillRef>
+          <a:effectRef idx="0">
+            <a:schemeClr val="accent1"/>
+          </a:effectRef>
+          <a:fontRef idx="minor">
+            <a:schemeClr val="lt1"/>
+          </a:fontRef>
+        </p:style>
+        <p:txBody>
+          <a:bodyPr rtlCol="0" anchor="ctr"/>
+          <a:lstStyle/>
+          <a:p>
+            <a:pPr algn="ctr"/>
+            <a:r>
+              <a:rPr lang="en-US" altLang="ko-KR" dirty="0"/>
+              <a:t>R5</a:t>
+            </a:r>
+            <a:endParaRPr lang="ko-KR" altLang="en-US" dirty="0"/>
+          </a:p>
+        </p:txBody>
+      </p:sp>
+      <p:cxnSp>
+        <p:nvCxnSpPr>
+          <p:cNvPr id="19" name="연결선: 꺾임 18">
+            <a:extLst>
+              <a:ext uri="{FF2B5EF4-FFF2-40B4-BE49-F238E27FC236}">
+                <a16:creationId xmlns:a16="http://schemas.microsoft.com/office/drawing/2014/main" id="{59E5B900-5BBA-9E28-F3CC-A99BB96F75F7}"/>
+              </a:ext>
+            </a:extLst>
+          </p:cNvPr>
+          <p:cNvCxnSpPr>
+            <a:cxnSpLocks/>
+            <a:stCxn id="10" idx="3"/>
+            <a:endCxn id="25" idx="1"/>
+          </p:cNvCxnSpPr>
+          <p:nvPr/>
+        </p:nvCxnSpPr>
+        <p:spPr>
+          <a:xfrm flipV="1">
+            <a:off x="6935429" y="1197122"/>
+            <a:ext cx="1082600" cy="39529"/>
+          </a:xfrm>
+          <a:prstGeom prst="bentConnector3">
+            <a:avLst>
+              <a:gd name="adj1" fmla="val 50000"/>
+            </a:avLst>
+          </a:prstGeom>
+          <a:ln w="38100">
+            <a:solidFill>
+              <a:srgbClr val="FFC000"/>
+            </a:solidFill>
+            <a:headEnd type="diamond" w="med" len="med"/>
+            <a:tailEnd type="triangle" w="med" len="med"/>
+          </a:ln>
+        </p:spPr>
+        <p:style>
+          <a:lnRef idx="1">
+            <a:schemeClr val="accent6"/>
+          </a:lnRef>
+          <a:fillRef idx="0">
+            <a:schemeClr val="accent6"/>
+          </a:fillRef>
+          <a:effectRef idx="0">
+            <a:schemeClr val="accent6"/>
+          </a:effectRef>
+          <a:fontRef idx="minor">
+            <a:schemeClr val="tx1"/>
+          </a:fontRef>
+        </p:style>
+      </p:cxnSp>
+      <p:cxnSp>
+        <p:nvCxnSpPr>
+          <p:cNvPr id="20" name="연결선: 꺾임 19">
+            <a:extLst>
+              <a:ext uri="{FF2B5EF4-FFF2-40B4-BE49-F238E27FC236}">
+                <a16:creationId xmlns:a16="http://schemas.microsoft.com/office/drawing/2014/main" id="{C62F2434-0E78-356E-5BBE-25CF5159E0C8}"/>
+              </a:ext>
+            </a:extLst>
+          </p:cNvPr>
+          <p:cNvCxnSpPr>
+            <a:cxnSpLocks/>
+            <a:stCxn id="17" idx="2"/>
+            <a:endCxn id="27" idx="2"/>
+          </p:cNvCxnSpPr>
+          <p:nvPr/>
+        </p:nvCxnSpPr>
+        <p:spPr>
+          <a:xfrm rot="5400000">
+            <a:off x="6800497" y="217826"/>
+            <a:ext cx="113966" cy="7719432"/>
+          </a:xfrm>
+          <a:prstGeom prst="bentConnector3">
+            <a:avLst>
+              <a:gd name="adj1" fmla="val 300586"/>
+            </a:avLst>
+          </a:prstGeom>
+          <a:ln w="38100">
+            <a:solidFill>
+              <a:srgbClr val="FFC000"/>
+            </a:solidFill>
+            <a:headEnd type="diamond" w="med" len="med"/>
+            <a:tailEnd type="triangle" w="med" len="med"/>
+          </a:ln>
+        </p:spPr>
+        <p:style>
+          <a:lnRef idx="1">
+            <a:schemeClr val="accent6"/>
+          </a:lnRef>
+          <a:fillRef idx="0">
+            <a:schemeClr val="accent6"/>
+          </a:fillRef>
+          <a:effectRef idx="0">
+            <a:schemeClr val="accent6"/>
+          </a:effectRef>
+          <a:fontRef idx="minor">
+            <a:schemeClr val="tx1"/>
+          </a:fontRef>
+        </p:style>
+      </p:cxnSp>
+      <p:cxnSp>
+        <p:nvCxnSpPr>
+          <p:cNvPr id="21" name="연결선: 꺾임 20">
+            <a:extLst>
+              <a:ext uri="{FF2B5EF4-FFF2-40B4-BE49-F238E27FC236}">
+                <a16:creationId xmlns:a16="http://schemas.microsoft.com/office/drawing/2014/main" id="{CC5E09AB-0A48-8C7F-8FD5-7B705056E82D}"/>
+              </a:ext>
+            </a:extLst>
+          </p:cNvPr>
+          <p:cNvCxnSpPr>
+            <a:cxnSpLocks/>
+            <a:stCxn id="11" idx="3"/>
+            <a:endCxn id="25" idx="1"/>
+          </p:cNvCxnSpPr>
+          <p:nvPr/>
+        </p:nvCxnSpPr>
+        <p:spPr>
+          <a:xfrm flipV="1">
+            <a:off x="6885505" y="1197122"/>
+            <a:ext cx="1132524" cy="1112931"/>
+          </a:xfrm>
+          <a:prstGeom prst="bentConnector3">
+            <a:avLst>
+              <a:gd name="adj1" fmla="val 50000"/>
+            </a:avLst>
+          </a:prstGeom>
+          <a:ln w="38100">
+            <a:solidFill>
+              <a:srgbClr val="FFC000"/>
+            </a:solidFill>
+            <a:headEnd type="diamond" w="med" len="med"/>
+            <a:tailEnd type="triangle" w="med" len="med"/>
+          </a:ln>
+        </p:spPr>
+        <p:style>
+          <a:lnRef idx="1">
+            <a:schemeClr val="accent6"/>
+          </a:lnRef>
+          <a:fillRef idx="0">
+            <a:schemeClr val="accent6"/>
+          </a:fillRef>
+          <a:effectRef idx="0">
+            <a:schemeClr val="accent6"/>
+          </a:effectRef>
+          <a:fontRef idx="minor">
+            <a:schemeClr val="tx1"/>
+          </a:fontRef>
+        </p:style>
+      </p:cxnSp>
+      <p:cxnSp>
+        <p:nvCxnSpPr>
+          <p:cNvPr id="22" name="연결선: 꺾임 21">
+            <a:extLst>
+              <a:ext uri="{FF2B5EF4-FFF2-40B4-BE49-F238E27FC236}">
+                <a16:creationId xmlns:a16="http://schemas.microsoft.com/office/drawing/2014/main" id="{2733490B-BE9B-D311-2050-6BF53AA83853}"/>
+              </a:ext>
+            </a:extLst>
+          </p:cNvPr>
+          <p:cNvCxnSpPr>
+            <a:cxnSpLocks/>
+            <a:stCxn id="25" idx="2"/>
+            <a:endCxn id="18" idx="0"/>
+          </p:cNvCxnSpPr>
+          <p:nvPr/>
+        </p:nvCxnSpPr>
+        <p:spPr>
+          <a:xfrm rot="5400000">
+            <a:off x="9333597" y="2351668"/>
+            <a:ext cx="764726" cy="119626"/>
+          </a:xfrm>
+          <a:prstGeom prst="bentConnector3">
+            <a:avLst>
+              <a:gd name="adj1" fmla="val 50000"/>
+            </a:avLst>
+          </a:prstGeom>
+          <a:ln w="38100">
+            <a:solidFill>
+              <a:srgbClr val="FFC000"/>
+            </a:solidFill>
+            <a:headEnd type="diamond" w="med" len="med"/>
+            <a:tailEnd type="triangle" w="med" len="med"/>
+          </a:ln>
+        </p:spPr>
+        <p:style>
+          <a:lnRef idx="1">
+            <a:schemeClr val="accent6"/>
+          </a:lnRef>
+          <a:fillRef idx="0">
+            <a:schemeClr val="accent6"/>
+          </a:fillRef>
+          <a:effectRef idx="0">
+            <a:schemeClr val="accent6"/>
+          </a:effectRef>
+          <a:fontRef idx="minor">
+            <a:schemeClr val="tx1"/>
+          </a:fontRef>
+        </p:style>
+      </p:cxnSp>
+      <p:cxnSp>
+        <p:nvCxnSpPr>
+          <p:cNvPr id="24" name="연결선: 꺾임 23">
+            <a:extLst>
+              <a:ext uri="{FF2B5EF4-FFF2-40B4-BE49-F238E27FC236}">
+                <a16:creationId xmlns:a16="http://schemas.microsoft.com/office/drawing/2014/main" id="{3C5B2C2F-B720-6A92-09CF-A51FC3D0F0A0}"/>
+              </a:ext>
+            </a:extLst>
+          </p:cNvPr>
+          <p:cNvCxnSpPr>
+            <a:cxnSpLocks/>
+            <a:stCxn id="18" idx="2"/>
+            <a:endCxn id="17" idx="1"/>
+          </p:cNvCxnSpPr>
+          <p:nvPr/>
+        </p:nvCxnSpPr>
+        <p:spPr>
+          <a:xfrm rot="16200000" flipH="1">
+            <a:off x="9732914" y="3212458"/>
+            <a:ext cx="483644" cy="637178"/>
+          </a:xfrm>
+          <a:prstGeom prst="bentConnector2">
+            <a:avLst/>
+          </a:prstGeom>
+          <a:ln w="38100">
+            <a:solidFill>
+              <a:srgbClr val="FFC000"/>
+            </a:solidFill>
+            <a:headEnd type="diamond" w="med" len="med"/>
+            <a:tailEnd type="triangle" w="med" len="med"/>
+          </a:ln>
+        </p:spPr>
+        <p:style>
+          <a:lnRef idx="1">
+            <a:schemeClr val="accent6"/>
+          </a:lnRef>
+          <a:fillRef idx="0">
+            <a:schemeClr val="accent6"/>
+          </a:fillRef>
+          <a:effectRef idx="0">
+            <a:schemeClr val="accent6"/>
+          </a:effectRef>
+          <a:fontRef idx="minor">
+            <a:schemeClr val="tx1"/>
+          </a:fontRef>
+        </p:style>
+      </p:cxnSp>
+      <p:sp>
+        <p:nvSpPr>
+          <p:cNvPr id="25" name="직사각형 24">
+            <a:extLst>
+              <a:ext uri="{FF2B5EF4-FFF2-40B4-BE49-F238E27FC236}">
+                <a16:creationId xmlns:a16="http://schemas.microsoft.com/office/drawing/2014/main" id="{B06B46FB-04BB-7140-D6ED-7D2BC816F7FA}"/>
+              </a:ext>
+            </a:extLst>
+          </p:cNvPr>
+          <p:cNvSpPr/>
+          <p:nvPr/>
+        </p:nvSpPr>
+        <p:spPr>
+          <a:xfrm>
+            <a:off x="8018029" y="365126"/>
+            <a:ext cx="3515488" cy="1663992"/>
+          </a:xfrm>
+          <a:prstGeom prst="rect">
+            <a:avLst/>
+          </a:prstGeom>
+        </p:spPr>
+        <p:style>
+          <a:lnRef idx="2">
+            <a:schemeClr val="accent1">
+              <a:shade val="15000"/>
+            </a:schemeClr>
+          </a:lnRef>
+          <a:fillRef idx="1">
+            <a:schemeClr val="accent1"/>
+          </a:fillRef>
+          <a:effectRef idx="0">
+            <a:schemeClr val="accent1"/>
+          </a:effectRef>
+          <a:fontRef idx="minor">
+            <a:schemeClr val="lt1"/>
+          </a:fontRef>
+        </p:style>
+        <p:txBody>
+          <a:bodyPr rtlCol="0" anchor="ctr"/>
+          <a:lstStyle/>
+          <a:p>
+            <a:pPr algn="ctr"/>
+            <a:r>
+              <a:rPr lang="en-US" altLang="ko-KR" dirty="0"/>
+              <a:t>R4</a:t>
+            </a:r>
+            <a:endParaRPr lang="ko-KR" altLang="en-US" dirty="0"/>
+          </a:p>
+        </p:txBody>
+      </p:sp>
+      <p:sp>
+        <p:nvSpPr>
+          <p:cNvPr id="27" name="직사각형 26">
+            <a:extLst>
+              <a:ext uri="{FF2B5EF4-FFF2-40B4-BE49-F238E27FC236}">
+                <a16:creationId xmlns:a16="http://schemas.microsoft.com/office/drawing/2014/main" id="{826F89DD-563D-236A-C49C-746AC992DDB6}"/>
+              </a:ext>
+            </a:extLst>
+          </p:cNvPr>
+          <p:cNvSpPr/>
+          <p:nvPr/>
+        </p:nvSpPr>
+        <p:spPr>
+          <a:xfrm>
+            <a:off x="356674" y="1216886"/>
             <a:ext cx="5282180" cy="2917639"/>
           </a:xfrm>
           <a:prstGeom prst="rect">

--- a/DsDotNet/src/UnitTest/UnitTest.Model/ImportOfficeExample/Sample/s.pptx
+++ b/DsDotNet/src/UnitTest/UnitTest.Model/ImportOfficeExample/Sample/s.pptx
@@ -5,10 +5,10 @@
     <p:sldMasterId id="2147483687" r:id="rId1"/>
   </p:sldMasterIdLst>
   <p:notesMasterIdLst>
-    <p:notesMasterId r:id="rId23"/>
+    <p:notesMasterId r:id="rId24"/>
   </p:notesMasterIdLst>
   <p:handoutMasterIdLst>
-    <p:handoutMasterId r:id="rId24"/>
+    <p:handoutMasterId r:id="rId25"/>
   </p:handoutMasterIdLst>
   <p:sldIdLst>
     <p:sldId id="614" r:id="rId2"/>
@@ -16,22 +16,23 @@
     <p:sldId id="259" r:id="rId4"/>
     <p:sldId id="718" r:id="rId5"/>
     <p:sldId id="721" r:id="rId6"/>
-    <p:sldId id="719" r:id="rId7"/>
-    <p:sldId id="717" r:id="rId8"/>
-    <p:sldId id="629" r:id="rId9"/>
-    <p:sldId id="716" r:id="rId10"/>
-    <p:sldId id="625" r:id="rId11"/>
-    <p:sldId id="627" r:id="rId12"/>
-    <p:sldId id="628" r:id="rId13"/>
-    <p:sldId id="631" r:id="rId14"/>
-    <p:sldId id="632" r:id="rId15"/>
-    <p:sldId id="618" r:id="rId16"/>
-    <p:sldId id="615" r:id="rId17"/>
-    <p:sldId id="621" r:id="rId18"/>
-    <p:sldId id="714" r:id="rId19"/>
-    <p:sldId id="715" r:id="rId20"/>
-    <p:sldId id="607" r:id="rId21"/>
-    <p:sldId id="633" r:id="rId22"/>
+    <p:sldId id="722" r:id="rId7"/>
+    <p:sldId id="719" r:id="rId8"/>
+    <p:sldId id="717" r:id="rId9"/>
+    <p:sldId id="629" r:id="rId10"/>
+    <p:sldId id="716" r:id="rId11"/>
+    <p:sldId id="625" r:id="rId12"/>
+    <p:sldId id="627" r:id="rId13"/>
+    <p:sldId id="628" r:id="rId14"/>
+    <p:sldId id="631" r:id="rId15"/>
+    <p:sldId id="632" r:id="rId16"/>
+    <p:sldId id="618" r:id="rId17"/>
+    <p:sldId id="615" r:id="rId18"/>
+    <p:sldId id="621" r:id="rId19"/>
+    <p:sldId id="714" r:id="rId20"/>
+    <p:sldId id="715" r:id="rId21"/>
+    <p:sldId id="607" r:id="rId22"/>
+    <p:sldId id="633" r:id="rId23"/>
   </p:sldIdLst>
   <p:sldSz cx="12192000" cy="6858000"/>
   <p:notesSz cx="6797675" cy="9926638"/>
@@ -235,7 +236,7 @@
           <a:p>
             <a:fld id="{DD503887-5801-43A0-AEF9-041E8DDC2558}" type="datetimeFigureOut">
               <a:rPr lang="ko-KR" altLang="en-US" smtClean="0"/>
-              <a:t>2023-08-09</a:t>
+              <a:t>2023-08-10</a:t>
             </a:fld>
             <a:endParaRPr lang="ko-KR" altLang="en-US" dirty="0"/>
           </a:p>
@@ -412,7 +413,7 @@
           <a:p>
             <a:fld id="{95336A0E-57B1-4D4C-BD9B-2F72B5943464}" type="datetimeFigureOut">
               <a:rPr lang="ko-KR" altLang="en-US" smtClean="0"/>
-              <a:t>2023-08-09</a:t>
+              <a:t>2023-08-10</a:t>
             </a:fld>
             <a:endParaRPr lang="ko-KR" altLang="en-US" dirty="0"/>
           </a:p>
@@ -910,7 +911,7 @@
           <a:p>
             <a:fld id="{229D12C7-0FF5-4972-A033-474EFFC79F40}" type="datetime1">
               <a:rPr lang="ko-KR" altLang="en-US" smtClean="0"/>
-              <a:t>2023-08-09</a:t>
+              <a:t>2023-08-10</a:t>
             </a:fld>
             <a:endParaRPr lang="ko-KR" altLang="en-US" dirty="0"/>
           </a:p>
@@ -1108,7 +1109,7 @@
           <a:p>
             <a:fld id="{5BA19FD4-B052-4F56-8FD8-EAFD078DEFB0}" type="datetime1">
               <a:rPr lang="ko-KR" altLang="en-US" smtClean="0"/>
-              <a:t>2023-08-09</a:t>
+              <a:t>2023-08-10</a:t>
             </a:fld>
             <a:endParaRPr lang="ko-KR" altLang="en-US" dirty="0"/>
           </a:p>
@@ -1316,7 +1317,7 @@
           <a:p>
             <a:fld id="{024994B9-23A6-4B0A-A038-AC140E83DAA3}" type="datetime1">
               <a:rPr lang="ko-KR" altLang="en-US" smtClean="0"/>
-              <a:t>2023-08-09</a:t>
+              <a:t>2023-08-10</a:t>
             </a:fld>
             <a:endParaRPr lang="ko-KR" altLang="en-US" dirty="0"/>
           </a:p>
@@ -1458,7 +1459,7 @@
           <a:p>
             <a:fld id="{B5B1BBC2-B738-4C35-AEE5-660EB2DEB482}" type="datetime1">
               <a:rPr lang="ko-KR" altLang="en-US" smtClean="0"/>
-              <a:t>2023-08-09</a:t>
+              <a:t>2023-08-10</a:t>
             </a:fld>
             <a:endParaRPr lang="ko-KR" altLang="en-US" dirty="0"/>
           </a:p>
@@ -6125,7 +6126,7 @@
           <a:p>
             <a:fld id="{70D0DAB2-87CB-4028-B965-3AA710ADF2CB}" type="datetime1">
               <a:rPr lang="ko-KR" altLang="en-US" smtClean="0"/>
-              <a:t>2023-08-09</a:t>
+              <a:t>2023-08-10</a:t>
             </a:fld>
             <a:endParaRPr lang="ko-KR" altLang="en-US" dirty="0"/>
           </a:p>
@@ -6400,7 +6401,7 @@
           <a:p>
             <a:fld id="{63FA3D71-FEA8-477F-9D1E-EA860F411BC7}" type="datetime1">
               <a:rPr lang="ko-KR" altLang="en-US" smtClean="0"/>
-              <a:t>2023-08-09</a:t>
+              <a:t>2023-08-10</a:t>
             </a:fld>
             <a:endParaRPr lang="ko-KR" altLang="en-US" dirty="0"/>
           </a:p>
@@ -6665,7 +6666,7 @@
           <a:p>
             <a:fld id="{F58E3EF4-7980-4C97-BA64-EC66995BB574}" type="datetime1">
               <a:rPr lang="ko-KR" altLang="en-US" smtClean="0"/>
-              <a:t>2023-08-09</a:t>
+              <a:t>2023-08-10</a:t>
             </a:fld>
             <a:endParaRPr lang="ko-KR" altLang="en-US" dirty="0"/>
           </a:p>
@@ -7077,7 +7078,7 @@
           <a:p>
             <a:fld id="{FC9BC1D0-7D6B-4634-9D19-644040D74EAE}" type="datetime1">
               <a:rPr lang="ko-KR" altLang="en-US" smtClean="0"/>
-              <a:t>2023-08-09</a:t>
+              <a:t>2023-08-10</a:t>
             </a:fld>
             <a:endParaRPr lang="ko-KR" altLang="en-US" dirty="0"/>
           </a:p>
@@ -7218,7 +7219,7 @@
           <a:p>
             <a:fld id="{B5B1BBC2-B738-4C35-AEE5-660EB2DEB482}" type="datetime1">
               <a:rPr lang="ko-KR" altLang="en-US" smtClean="0"/>
-              <a:t>2023-08-09</a:t>
+              <a:t>2023-08-10</a:t>
             </a:fld>
             <a:endParaRPr lang="ko-KR" altLang="en-US" dirty="0"/>
           </a:p>
@@ -11800,7 +11801,7 @@
           <a:p>
             <a:fld id="{C60E9F93-7E77-4F36-B88C-A425F00C8D91}" type="datetime1">
               <a:rPr lang="ko-KR" altLang="en-US" smtClean="0"/>
-              <a:t>2023-08-09</a:t>
+              <a:t>2023-08-10</a:t>
             </a:fld>
             <a:endParaRPr lang="ko-KR" altLang="en-US" dirty="0"/>
           </a:p>
@@ -12111,7 +12112,7 @@
           <a:p>
             <a:fld id="{36BCCD0E-2A54-4016-BFFC-FEAABCDA6915}" type="datetime1">
               <a:rPr lang="ko-KR" altLang="en-US" smtClean="0"/>
-              <a:t>2023-08-09</a:t>
+              <a:t>2023-08-10</a:t>
             </a:fld>
             <a:endParaRPr lang="ko-KR" altLang="en-US" dirty="0"/>
           </a:p>
@@ -12399,7 +12400,7 @@
           <a:p>
             <a:fld id="{C984B0C4-64BA-4E4C-B5E6-A51EE3F6ED95}" type="datetime1">
               <a:rPr lang="ko-KR" altLang="en-US" smtClean="0"/>
-              <a:t>2023-08-09</a:t>
+              <a:t>2023-08-10</a:t>
             </a:fld>
             <a:endParaRPr lang="ko-KR" altLang="en-US" dirty="0"/>
           </a:p>
@@ -12641,7 +12642,7 @@
           <a:p>
             <a:fld id="{C984B0C4-64BA-4E4C-B5E6-A51EE3F6ED95}" type="datetime1">
               <a:rPr lang="ko-KR" altLang="en-US" smtClean="0"/>
-              <a:t>2023-08-09</a:t>
+              <a:t>2023-08-10</a:t>
             </a:fld>
             <a:endParaRPr lang="ko-KR" altLang="en-US" dirty="0"/>
           </a:p>
@@ -13170,6 +13171,1203 @@
           <a:lstStyle/>
           <a:p>
             <a:r>
+              <a:rPr lang="en-US" altLang="ko-KR" sz="4400" dirty="0"/>
+              <a:t>F1</a:t>
+            </a:r>
+            <a:endParaRPr lang="ko-KR" altLang="en-US" dirty="0"/>
+          </a:p>
+        </p:txBody>
+      </p:sp>
+      <p:sp>
+        <p:nvSpPr>
+          <p:cNvPr id="42" name="화살표: 오각형 41">
+            <a:extLst>
+              <a:ext uri="{FF2B5EF4-FFF2-40B4-BE49-F238E27FC236}">
+                <a16:creationId xmlns:a16="http://schemas.microsoft.com/office/drawing/2014/main" id="{2F89300B-092D-5CED-C5FE-5B8BE106F031}"/>
+              </a:ext>
+            </a:extLst>
+          </p:cNvPr>
+          <p:cNvSpPr/>
+          <p:nvPr/>
+        </p:nvSpPr>
+        <p:spPr>
+          <a:xfrm flipH="1">
+            <a:off x="-71505" y="3121460"/>
+            <a:ext cx="1233582" cy="690024"/>
+          </a:xfrm>
+          <a:prstGeom prst="homePlate">
+            <a:avLst/>
+          </a:prstGeom>
+          <a:solidFill>
+            <a:schemeClr val="accent2">
+              <a:alpha val="50000"/>
+            </a:schemeClr>
+          </a:solidFill>
+          <a:ln>
+            <a:noFill/>
+          </a:ln>
+        </p:spPr>
+        <p:style>
+          <a:lnRef idx="0">
+            <a:scrgbClr r="0" g="0" b="0"/>
+          </a:lnRef>
+          <a:fillRef idx="0">
+            <a:scrgbClr r="0" g="0" b="0"/>
+          </a:fillRef>
+          <a:effectRef idx="0">
+            <a:scrgbClr r="0" g="0" b="0"/>
+          </a:effectRef>
+          <a:fontRef idx="minor">
+            <a:schemeClr val="lt1"/>
+          </a:fontRef>
+        </p:style>
+        <p:txBody>
+          <a:bodyPr vert="horz" wrap="none" lIns="91440" tIns="45720" rIns="91440" bIns="45720" numCol="1" rtlCol="0" anchor="ctr" anchorCtr="0" compatLnSpc="1">
+            <a:prstTxWarp prst="textNoShape">
+              <a:avLst/>
+            </a:prstTxWarp>
+          </a:bodyPr>
+          <a:lstStyle/>
+          <a:p>
+            <a:pPr algn="ctr"/>
+            <a:r>
+              <a:rPr lang="en-US" altLang="ko-KR" sz="1200" dirty="0" err="1">
+                <a:ea typeface="현대하모니 M" panose="02020603020101020101"/>
+              </a:rPr>
+              <a:t>API11</a:t>
+            </a:r>
+            <a:endParaRPr lang="en-US" altLang="ko-KR" sz="1200" dirty="0">
+              <a:ea typeface="현대하모니 M" panose="02020603020101020101"/>
+            </a:endParaRPr>
+          </a:p>
+          <a:p>
+            <a:pPr algn="ctr"/>
+            <a:r>
+              <a:rPr lang="en-US" altLang="ko-KR" sz="1200" dirty="0">
+                <a:ea typeface="현대하모니 M" panose="02020603020101020101"/>
+              </a:rPr>
+              <a:t>[</a:t>
+            </a:r>
+            <a:r>
+              <a:rPr lang="en-US" altLang="ko-KR" sz="1200" dirty="0" err="1">
+                <a:ea typeface="현대하모니 M" panose="02020603020101020101"/>
+              </a:rPr>
+              <a:t>R1~R2</a:t>
+            </a:r>
+            <a:r>
+              <a:rPr lang="en-US" altLang="ko-KR" sz="1200" dirty="0">
+                <a:ea typeface="현대하모니 M" panose="02020603020101020101"/>
+              </a:rPr>
+              <a:t>]</a:t>
+            </a:r>
+            <a:endParaRPr lang="ko-KR" altLang="en-US" sz="1200" dirty="0">
+              <a:ea typeface="현대하모니 M" panose="02020603020101020101"/>
+            </a:endParaRPr>
+          </a:p>
+        </p:txBody>
+      </p:sp>
+      <p:sp>
+        <p:nvSpPr>
+          <p:cNvPr id="44" name="화살표: 오각형 43">
+            <a:extLst>
+              <a:ext uri="{FF2B5EF4-FFF2-40B4-BE49-F238E27FC236}">
+                <a16:creationId xmlns:a16="http://schemas.microsoft.com/office/drawing/2014/main" id="{AA65BDF8-B9CD-00FB-C4EB-97887425723E}"/>
+              </a:ext>
+            </a:extLst>
+          </p:cNvPr>
+          <p:cNvSpPr/>
+          <p:nvPr/>
+        </p:nvSpPr>
+        <p:spPr>
+          <a:xfrm flipH="1">
+            <a:off x="-71506" y="3900938"/>
+            <a:ext cx="1233582" cy="690024"/>
+          </a:xfrm>
+          <a:prstGeom prst="homePlate">
+            <a:avLst/>
+          </a:prstGeom>
+          <a:solidFill>
+            <a:schemeClr val="accent2">
+              <a:alpha val="50000"/>
+            </a:schemeClr>
+          </a:solidFill>
+          <a:ln>
+            <a:noFill/>
+          </a:ln>
+        </p:spPr>
+        <p:style>
+          <a:lnRef idx="0">
+            <a:scrgbClr r="0" g="0" b="0"/>
+          </a:lnRef>
+          <a:fillRef idx="0">
+            <a:scrgbClr r="0" g="0" b="0"/>
+          </a:fillRef>
+          <a:effectRef idx="0">
+            <a:scrgbClr r="0" g="0" b="0"/>
+          </a:effectRef>
+          <a:fontRef idx="minor">
+            <a:schemeClr val="lt1"/>
+          </a:fontRef>
+        </p:style>
+        <p:txBody>
+          <a:bodyPr vert="horz" wrap="none" lIns="91440" tIns="45720" rIns="91440" bIns="45720" numCol="1" rtlCol="0" anchor="ctr" anchorCtr="0" compatLnSpc="1">
+            <a:prstTxWarp prst="textNoShape">
+              <a:avLst/>
+            </a:prstTxWarp>
+          </a:bodyPr>
+          <a:lstStyle/>
+          <a:p>
+            <a:pPr algn="ctr"/>
+            <a:r>
+              <a:rPr lang="en-US" altLang="ko-KR" sz="1200" dirty="0" err="1">
+                <a:ea typeface="현대하모니 M" panose="02020603020101020101"/>
+              </a:rPr>
+              <a:t>API12</a:t>
+            </a:r>
+            <a:endParaRPr lang="en-US" altLang="ko-KR" sz="1200" dirty="0">
+              <a:ea typeface="현대하모니 M" panose="02020603020101020101"/>
+            </a:endParaRPr>
+          </a:p>
+          <a:p>
+            <a:pPr algn="ctr"/>
+            <a:r>
+              <a:rPr lang="en-US" altLang="ko-KR" sz="1200" dirty="0">
+                <a:ea typeface="현대하모니 M" panose="02020603020101020101"/>
+              </a:rPr>
+              <a:t>[</a:t>
+            </a:r>
+            <a:r>
+              <a:rPr lang="en-US" altLang="ko-KR" sz="1200" dirty="0" err="1">
+                <a:ea typeface="현대하모니 M" panose="02020603020101020101"/>
+              </a:rPr>
+              <a:t>R4~R6</a:t>
+            </a:r>
+            <a:r>
+              <a:rPr lang="en-US" altLang="ko-KR" sz="1200" dirty="0">
+                <a:ea typeface="현대하모니 M" panose="02020603020101020101"/>
+              </a:rPr>
+              <a:t>]</a:t>
+            </a:r>
+            <a:endParaRPr lang="ko-KR" altLang="en-US" sz="1200" dirty="0">
+              <a:ea typeface="현대하모니 M" panose="02020603020101020101"/>
+            </a:endParaRPr>
+          </a:p>
+        </p:txBody>
+      </p:sp>
+      <p:cxnSp>
+        <p:nvCxnSpPr>
+          <p:cNvPr id="45" name="연결선: 꺾임 44">
+            <a:extLst>
+              <a:ext uri="{FF2B5EF4-FFF2-40B4-BE49-F238E27FC236}">
+                <a16:creationId xmlns:a16="http://schemas.microsoft.com/office/drawing/2014/main" id="{B2E87DD6-491A-DFA6-EF05-57E3DE69FB3E}"/>
+              </a:ext>
+            </a:extLst>
+          </p:cNvPr>
+          <p:cNvCxnSpPr>
+            <a:cxnSpLocks/>
+            <a:stCxn id="44" idx="1"/>
+            <a:endCxn id="42" idx="1"/>
+          </p:cNvCxnSpPr>
+          <p:nvPr/>
+        </p:nvCxnSpPr>
+        <p:spPr>
+          <a:xfrm flipV="1">
+            <a:off x="1162076" y="3466472"/>
+            <a:ext cx="1" cy="779478"/>
+          </a:xfrm>
+          <a:prstGeom prst="bentConnector3">
+            <a:avLst>
+              <a:gd name="adj1" fmla="val 22860100000"/>
+            </a:avLst>
+          </a:prstGeom>
+          <a:ln w="57150">
+            <a:solidFill>
+              <a:schemeClr val="accent6"/>
+            </a:solidFill>
+            <a:prstDash val="dash"/>
+            <a:headEnd type="triangle" w="med" len="med"/>
+            <a:tailEnd type="triangle" w="med" len="med"/>
+          </a:ln>
+        </p:spPr>
+        <p:style>
+          <a:lnRef idx="1">
+            <a:schemeClr val="accent1"/>
+          </a:lnRef>
+          <a:fillRef idx="0">
+            <a:schemeClr val="accent1"/>
+          </a:fillRef>
+          <a:effectRef idx="0">
+            <a:schemeClr val="accent1"/>
+          </a:effectRef>
+          <a:fontRef idx="minor">
+            <a:schemeClr val="tx1"/>
+          </a:fontRef>
+        </p:style>
+      </p:cxnSp>
+      <p:sp>
+        <p:nvSpPr>
+          <p:cNvPr id="56" name="직사각형 55">
+            <a:extLst>
+              <a:ext uri="{FF2B5EF4-FFF2-40B4-BE49-F238E27FC236}">
+                <a16:creationId xmlns:a16="http://schemas.microsoft.com/office/drawing/2014/main" id="{B59930BF-EFE8-0861-D55E-FEAC7FD46A32}"/>
+              </a:ext>
+            </a:extLst>
+          </p:cNvPr>
+          <p:cNvSpPr/>
+          <p:nvPr/>
+        </p:nvSpPr>
+        <p:spPr>
+          <a:xfrm>
+            <a:off x="3367314" y="2622445"/>
+            <a:ext cx="1103086" cy="1066431"/>
+          </a:xfrm>
+          <a:prstGeom prst="rect">
+            <a:avLst/>
+          </a:prstGeom>
+          <a:solidFill>
+            <a:schemeClr val="accent4">
+              <a:alpha val="50000"/>
+            </a:schemeClr>
+          </a:solidFill>
+          <a:ln>
+            <a:noFill/>
+          </a:ln>
+        </p:spPr>
+        <p:style>
+          <a:lnRef idx="0">
+            <a:scrgbClr r="0" g="0" b="0"/>
+          </a:lnRef>
+          <a:fillRef idx="0">
+            <a:scrgbClr r="0" g="0" b="0"/>
+          </a:fillRef>
+          <a:effectRef idx="0">
+            <a:scrgbClr r="0" g="0" b="0"/>
+          </a:effectRef>
+          <a:fontRef idx="minor">
+            <a:schemeClr val="lt1"/>
+          </a:fontRef>
+        </p:style>
+        <p:txBody>
+          <a:bodyPr rtlCol="0" anchor="ctr"/>
+          <a:lstStyle/>
+          <a:p>
+            <a:pPr algn="ctr"/>
+            <a:r>
+              <a:rPr lang="en-US" altLang="ko-KR" sz="1200" dirty="0"/>
+              <a:t>R1</a:t>
+            </a:r>
+            <a:endParaRPr lang="ko-KR" altLang="en-US" sz="1200" dirty="0"/>
+          </a:p>
+        </p:txBody>
+      </p:sp>
+      <p:sp>
+        <p:nvSpPr>
+          <p:cNvPr id="57" name="직사각형 56">
+            <a:extLst>
+              <a:ext uri="{FF2B5EF4-FFF2-40B4-BE49-F238E27FC236}">
+                <a16:creationId xmlns:a16="http://schemas.microsoft.com/office/drawing/2014/main" id="{BC6400FF-5524-4038-3024-EDBA75033DA4}"/>
+              </a:ext>
+            </a:extLst>
+          </p:cNvPr>
+          <p:cNvSpPr/>
+          <p:nvPr/>
+        </p:nvSpPr>
+        <p:spPr>
+          <a:xfrm>
+            <a:off x="5152571" y="2622445"/>
+            <a:ext cx="1103086" cy="1066431"/>
+          </a:xfrm>
+          <a:prstGeom prst="rect">
+            <a:avLst/>
+          </a:prstGeom>
+          <a:solidFill>
+            <a:schemeClr val="accent4">
+              <a:alpha val="50000"/>
+            </a:schemeClr>
+          </a:solidFill>
+          <a:ln>
+            <a:noFill/>
+          </a:ln>
+        </p:spPr>
+        <p:style>
+          <a:lnRef idx="0">
+            <a:scrgbClr r="0" g="0" b="0"/>
+          </a:lnRef>
+          <a:fillRef idx="0">
+            <a:scrgbClr r="0" g="0" b="0"/>
+          </a:fillRef>
+          <a:effectRef idx="0">
+            <a:scrgbClr r="0" g="0" b="0"/>
+          </a:effectRef>
+          <a:fontRef idx="minor">
+            <a:schemeClr val="lt1"/>
+          </a:fontRef>
+        </p:style>
+        <p:txBody>
+          <a:bodyPr rtlCol="0" anchor="ctr"/>
+          <a:lstStyle/>
+          <a:p>
+            <a:pPr algn="ctr"/>
+            <a:r>
+              <a:rPr lang="en-US" altLang="ko-KR" sz="1200" dirty="0"/>
+              <a:t>R2</a:t>
+            </a:r>
+            <a:endParaRPr lang="ko-KR" altLang="en-US" sz="1200" dirty="0"/>
+          </a:p>
+        </p:txBody>
+      </p:sp>
+      <p:sp>
+        <p:nvSpPr>
+          <p:cNvPr id="58" name="직사각형 57">
+            <a:extLst>
+              <a:ext uri="{FF2B5EF4-FFF2-40B4-BE49-F238E27FC236}">
+                <a16:creationId xmlns:a16="http://schemas.microsoft.com/office/drawing/2014/main" id="{AC60E36D-ED89-20DC-649C-AC6A71988D99}"/>
+              </a:ext>
+            </a:extLst>
+          </p:cNvPr>
+          <p:cNvSpPr/>
+          <p:nvPr/>
+        </p:nvSpPr>
+        <p:spPr>
+          <a:xfrm>
+            <a:off x="6937828" y="2622445"/>
+            <a:ext cx="1103086" cy="1066431"/>
+          </a:xfrm>
+          <a:prstGeom prst="rect">
+            <a:avLst/>
+          </a:prstGeom>
+          <a:solidFill>
+            <a:schemeClr val="accent4">
+              <a:alpha val="50000"/>
+            </a:schemeClr>
+          </a:solidFill>
+          <a:ln>
+            <a:noFill/>
+          </a:ln>
+        </p:spPr>
+        <p:style>
+          <a:lnRef idx="0">
+            <a:scrgbClr r="0" g="0" b="0"/>
+          </a:lnRef>
+          <a:fillRef idx="0">
+            <a:scrgbClr r="0" g="0" b="0"/>
+          </a:fillRef>
+          <a:effectRef idx="0">
+            <a:scrgbClr r="0" g="0" b="0"/>
+          </a:effectRef>
+          <a:fontRef idx="minor">
+            <a:schemeClr val="lt1"/>
+          </a:fontRef>
+        </p:style>
+        <p:txBody>
+          <a:bodyPr rtlCol="0" anchor="ctr"/>
+          <a:lstStyle/>
+          <a:p>
+            <a:pPr algn="ctr"/>
+            <a:r>
+              <a:rPr lang="en-US" altLang="ko-KR" sz="1200" dirty="0"/>
+              <a:t>R3</a:t>
+            </a:r>
+            <a:endParaRPr lang="ko-KR" altLang="en-US" sz="1200" dirty="0"/>
+          </a:p>
+        </p:txBody>
+      </p:sp>
+      <p:cxnSp>
+        <p:nvCxnSpPr>
+          <p:cNvPr id="60" name="직선 화살표 연결선 59">
+            <a:extLst>
+              <a:ext uri="{FF2B5EF4-FFF2-40B4-BE49-F238E27FC236}">
+                <a16:creationId xmlns:a16="http://schemas.microsoft.com/office/drawing/2014/main" id="{212CABAB-11EC-E692-772C-DCB98D8A7446}"/>
+              </a:ext>
+            </a:extLst>
+          </p:cNvPr>
+          <p:cNvCxnSpPr>
+            <a:cxnSpLocks/>
+            <a:stCxn id="56" idx="3"/>
+            <a:endCxn id="57" idx="1"/>
+          </p:cNvCxnSpPr>
+          <p:nvPr/>
+        </p:nvCxnSpPr>
+        <p:spPr>
+          <a:xfrm>
+            <a:off x="4470400" y="3155661"/>
+            <a:ext cx="682171" cy="0"/>
+          </a:xfrm>
+          <a:prstGeom prst="straightConnector1">
+            <a:avLst/>
+          </a:prstGeom>
+          <a:ln w="57150">
+            <a:tailEnd type="triangle"/>
+          </a:ln>
+        </p:spPr>
+        <p:style>
+          <a:lnRef idx="1">
+            <a:schemeClr val="accent1"/>
+          </a:lnRef>
+          <a:fillRef idx="0">
+            <a:schemeClr val="accent1"/>
+          </a:fillRef>
+          <a:effectRef idx="0">
+            <a:schemeClr val="accent1"/>
+          </a:effectRef>
+          <a:fontRef idx="minor">
+            <a:schemeClr val="tx1"/>
+          </a:fontRef>
+        </p:style>
+      </p:cxnSp>
+      <p:cxnSp>
+        <p:nvCxnSpPr>
+          <p:cNvPr id="61" name="직선 화살표 연결선 60">
+            <a:extLst>
+              <a:ext uri="{FF2B5EF4-FFF2-40B4-BE49-F238E27FC236}">
+                <a16:creationId xmlns:a16="http://schemas.microsoft.com/office/drawing/2014/main" id="{3DD5BD68-5DED-63DC-6E32-E19170A965EF}"/>
+              </a:ext>
+            </a:extLst>
+          </p:cNvPr>
+          <p:cNvCxnSpPr>
+            <a:cxnSpLocks/>
+            <a:stCxn id="57" idx="3"/>
+            <a:endCxn id="58" idx="1"/>
+          </p:cNvCxnSpPr>
+          <p:nvPr/>
+        </p:nvCxnSpPr>
+        <p:spPr>
+          <a:xfrm>
+            <a:off x="6255657" y="3155661"/>
+            <a:ext cx="682171" cy="0"/>
+          </a:xfrm>
+          <a:prstGeom prst="straightConnector1">
+            <a:avLst/>
+          </a:prstGeom>
+          <a:ln w="57150">
+            <a:tailEnd type="triangle"/>
+          </a:ln>
+        </p:spPr>
+        <p:style>
+          <a:lnRef idx="1">
+            <a:schemeClr val="accent1"/>
+          </a:lnRef>
+          <a:fillRef idx="0">
+            <a:schemeClr val="accent1"/>
+          </a:fillRef>
+          <a:effectRef idx="0">
+            <a:schemeClr val="accent1"/>
+          </a:effectRef>
+          <a:fontRef idx="minor">
+            <a:schemeClr val="tx1"/>
+          </a:fontRef>
+        </p:style>
+      </p:cxnSp>
+      <p:sp>
+        <p:nvSpPr>
+          <p:cNvPr id="67" name="직사각형 66">
+            <a:extLst>
+              <a:ext uri="{FF2B5EF4-FFF2-40B4-BE49-F238E27FC236}">
+                <a16:creationId xmlns:a16="http://schemas.microsoft.com/office/drawing/2014/main" id="{6CD07698-261E-1C80-B0B9-45488C6F0EF0}"/>
+              </a:ext>
+            </a:extLst>
+          </p:cNvPr>
+          <p:cNvSpPr/>
+          <p:nvPr/>
+        </p:nvSpPr>
+        <p:spPr>
+          <a:xfrm>
+            <a:off x="4310743" y="4778872"/>
+            <a:ext cx="1103086" cy="1066431"/>
+          </a:xfrm>
+          <a:prstGeom prst="rect">
+            <a:avLst/>
+          </a:prstGeom>
+          <a:solidFill>
+            <a:schemeClr val="accent4">
+              <a:alpha val="50000"/>
+            </a:schemeClr>
+          </a:solidFill>
+          <a:ln>
+            <a:noFill/>
+          </a:ln>
+        </p:spPr>
+        <p:style>
+          <a:lnRef idx="0">
+            <a:scrgbClr r="0" g="0" b="0"/>
+          </a:lnRef>
+          <a:fillRef idx="0">
+            <a:scrgbClr r="0" g="0" b="0"/>
+          </a:fillRef>
+          <a:effectRef idx="0">
+            <a:scrgbClr r="0" g="0" b="0"/>
+          </a:effectRef>
+          <a:fontRef idx="minor">
+            <a:schemeClr val="lt1"/>
+          </a:fontRef>
+        </p:style>
+        <p:txBody>
+          <a:bodyPr rtlCol="0" anchor="ctr"/>
+          <a:lstStyle/>
+          <a:p>
+            <a:pPr algn="ctr"/>
+            <a:r>
+              <a:rPr lang="en-US" altLang="ko-KR" sz="1200" dirty="0"/>
+              <a:t>R4</a:t>
+            </a:r>
+            <a:endParaRPr lang="ko-KR" altLang="en-US" sz="1200" dirty="0"/>
+          </a:p>
+        </p:txBody>
+      </p:sp>
+      <p:sp>
+        <p:nvSpPr>
+          <p:cNvPr id="68" name="직사각형 67">
+            <a:extLst>
+              <a:ext uri="{FF2B5EF4-FFF2-40B4-BE49-F238E27FC236}">
+                <a16:creationId xmlns:a16="http://schemas.microsoft.com/office/drawing/2014/main" id="{B94BB7DD-A7A7-F819-BF18-8F8A7E87882F}"/>
+              </a:ext>
+            </a:extLst>
+          </p:cNvPr>
+          <p:cNvSpPr/>
+          <p:nvPr/>
+        </p:nvSpPr>
+        <p:spPr>
+          <a:xfrm>
+            <a:off x="6096000" y="4778872"/>
+            <a:ext cx="1103086" cy="1066431"/>
+          </a:xfrm>
+          <a:prstGeom prst="rect">
+            <a:avLst/>
+          </a:prstGeom>
+          <a:solidFill>
+            <a:schemeClr val="accent4">
+              <a:alpha val="50000"/>
+            </a:schemeClr>
+          </a:solidFill>
+          <a:ln>
+            <a:noFill/>
+          </a:ln>
+        </p:spPr>
+        <p:style>
+          <a:lnRef idx="0">
+            <a:scrgbClr r="0" g="0" b="0"/>
+          </a:lnRef>
+          <a:fillRef idx="0">
+            <a:scrgbClr r="0" g="0" b="0"/>
+          </a:fillRef>
+          <a:effectRef idx="0">
+            <a:scrgbClr r="0" g="0" b="0"/>
+          </a:effectRef>
+          <a:fontRef idx="minor">
+            <a:schemeClr val="lt1"/>
+          </a:fontRef>
+        </p:style>
+        <p:txBody>
+          <a:bodyPr rtlCol="0" anchor="ctr"/>
+          <a:lstStyle/>
+          <a:p>
+            <a:pPr algn="ctr"/>
+            <a:r>
+              <a:rPr lang="en-US" altLang="ko-KR" sz="1200" dirty="0"/>
+              <a:t>R5</a:t>
+            </a:r>
+            <a:endParaRPr lang="ko-KR" altLang="en-US" sz="1200" dirty="0"/>
+          </a:p>
+        </p:txBody>
+      </p:sp>
+      <p:sp>
+        <p:nvSpPr>
+          <p:cNvPr id="69" name="직사각형 68">
+            <a:extLst>
+              <a:ext uri="{FF2B5EF4-FFF2-40B4-BE49-F238E27FC236}">
+                <a16:creationId xmlns:a16="http://schemas.microsoft.com/office/drawing/2014/main" id="{E6BDE77E-6A37-11C1-D34D-AD3171D69A07}"/>
+              </a:ext>
+            </a:extLst>
+          </p:cNvPr>
+          <p:cNvSpPr/>
+          <p:nvPr/>
+        </p:nvSpPr>
+        <p:spPr>
+          <a:xfrm>
+            <a:off x="7881257" y="4778872"/>
+            <a:ext cx="1103086" cy="1066431"/>
+          </a:xfrm>
+          <a:prstGeom prst="rect">
+            <a:avLst/>
+          </a:prstGeom>
+          <a:solidFill>
+            <a:schemeClr val="accent4">
+              <a:alpha val="50000"/>
+            </a:schemeClr>
+          </a:solidFill>
+          <a:ln>
+            <a:noFill/>
+          </a:ln>
+        </p:spPr>
+        <p:style>
+          <a:lnRef idx="0">
+            <a:scrgbClr r="0" g="0" b="0"/>
+          </a:lnRef>
+          <a:fillRef idx="0">
+            <a:scrgbClr r="0" g="0" b="0"/>
+          </a:fillRef>
+          <a:effectRef idx="0">
+            <a:scrgbClr r="0" g="0" b="0"/>
+          </a:effectRef>
+          <a:fontRef idx="minor">
+            <a:schemeClr val="lt1"/>
+          </a:fontRef>
+        </p:style>
+        <p:txBody>
+          <a:bodyPr rtlCol="0" anchor="ctr"/>
+          <a:lstStyle/>
+          <a:p>
+            <a:pPr algn="ctr"/>
+            <a:r>
+              <a:rPr lang="en-US" altLang="ko-KR" sz="1200" dirty="0"/>
+              <a:t>R6</a:t>
+            </a:r>
+            <a:endParaRPr lang="ko-KR" altLang="en-US" sz="1200" dirty="0"/>
+          </a:p>
+        </p:txBody>
+      </p:sp>
+      <p:cxnSp>
+        <p:nvCxnSpPr>
+          <p:cNvPr id="70" name="직선 화살표 연결선 69">
+            <a:extLst>
+              <a:ext uri="{FF2B5EF4-FFF2-40B4-BE49-F238E27FC236}">
+                <a16:creationId xmlns:a16="http://schemas.microsoft.com/office/drawing/2014/main" id="{624AE606-11A5-F72E-34D2-5DFDEE5E8C33}"/>
+              </a:ext>
+            </a:extLst>
+          </p:cNvPr>
+          <p:cNvCxnSpPr>
+            <a:cxnSpLocks/>
+            <a:stCxn id="67" idx="3"/>
+            <a:endCxn id="68" idx="1"/>
+          </p:cNvCxnSpPr>
+          <p:nvPr/>
+        </p:nvCxnSpPr>
+        <p:spPr>
+          <a:xfrm>
+            <a:off x="5413829" y="5312088"/>
+            <a:ext cx="682171" cy="0"/>
+          </a:xfrm>
+          <a:prstGeom prst="straightConnector1">
+            <a:avLst/>
+          </a:prstGeom>
+          <a:ln w="57150">
+            <a:tailEnd type="triangle"/>
+          </a:ln>
+        </p:spPr>
+        <p:style>
+          <a:lnRef idx="1">
+            <a:schemeClr val="accent1"/>
+          </a:lnRef>
+          <a:fillRef idx="0">
+            <a:schemeClr val="accent1"/>
+          </a:fillRef>
+          <a:effectRef idx="0">
+            <a:schemeClr val="accent1"/>
+          </a:effectRef>
+          <a:fontRef idx="minor">
+            <a:schemeClr val="tx1"/>
+          </a:fontRef>
+        </p:style>
+      </p:cxnSp>
+      <p:cxnSp>
+        <p:nvCxnSpPr>
+          <p:cNvPr id="71" name="직선 화살표 연결선 70">
+            <a:extLst>
+              <a:ext uri="{FF2B5EF4-FFF2-40B4-BE49-F238E27FC236}">
+                <a16:creationId xmlns:a16="http://schemas.microsoft.com/office/drawing/2014/main" id="{2D3C963E-2D9B-C387-0BCA-7F22ACDF94D2}"/>
+              </a:ext>
+            </a:extLst>
+          </p:cNvPr>
+          <p:cNvCxnSpPr>
+            <a:cxnSpLocks/>
+            <a:stCxn id="68" idx="3"/>
+            <a:endCxn id="69" idx="1"/>
+          </p:cNvCxnSpPr>
+          <p:nvPr/>
+        </p:nvCxnSpPr>
+        <p:spPr>
+          <a:xfrm>
+            <a:off x="7199086" y="5312088"/>
+            <a:ext cx="682171" cy="0"/>
+          </a:xfrm>
+          <a:prstGeom prst="straightConnector1">
+            <a:avLst/>
+          </a:prstGeom>
+          <a:ln w="57150">
+            <a:tailEnd type="triangle"/>
+          </a:ln>
+        </p:spPr>
+        <p:style>
+          <a:lnRef idx="1">
+            <a:schemeClr val="accent1"/>
+          </a:lnRef>
+          <a:fillRef idx="0">
+            <a:schemeClr val="accent1"/>
+          </a:fillRef>
+          <a:effectRef idx="0">
+            <a:schemeClr val="accent1"/>
+          </a:effectRef>
+          <a:fontRef idx="minor">
+            <a:schemeClr val="tx1"/>
+          </a:fontRef>
+        </p:style>
+      </p:cxnSp>
+      <p:sp>
+        <p:nvSpPr>
+          <p:cNvPr id="80" name="화살표: 오각형 79">
+            <a:extLst>
+              <a:ext uri="{FF2B5EF4-FFF2-40B4-BE49-F238E27FC236}">
+                <a16:creationId xmlns:a16="http://schemas.microsoft.com/office/drawing/2014/main" id="{CB5747B3-AC8A-5B6E-FCF3-6ABFB0F2E1BE}"/>
+              </a:ext>
+            </a:extLst>
+          </p:cNvPr>
+          <p:cNvSpPr/>
+          <p:nvPr/>
+        </p:nvSpPr>
+        <p:spPr>
+          <a:xfrm>
+            <a:off x="10948270" y="3179519"/>
+            <a:ext cx="1233577" cy="690024"/>
+          </a:xfrm>
+          <a:prstGeom prst="homePlate">
+            <a:avLst/>
+          </a:prstGeom>
+          <a:solidFill>
+            <a:schemeClr val="accent2">
+              <a:alpha val="50000"/>
+            </a:schemeClr>
+          </a:solidFill>
+          <a:ln>
+            <a:noFill/>
+          </a:ln>
+        </p:spPr>
+        <p:style>
+          <a:lnRef idx="0">
+            <a:scrgbClr r="0" g="0" b="0"/>
+          </a:lnRef>
+          <a:fillRef idx="0">
+            <a:scrgbClr r="0" g="0" b="0"/>
+          </a:fillRef>
+          <a:effectRef idx="0">
+            <a:scrgbClr r="0" g="0" b="0"/>
+          </a:effectRef>
+          <a:fontRef idx="minor">
+            <a:schemeClr val="lt1"/>
+          </a:fontRef>
+        </p:style>
+        <p:txBody>
+          <a:bodyPr vert="horz" wrap="none" lIns="91440" tIns="45720" rIns="91440" bIns="45720" numCol="1" rtlCol="0" anchor="ctr" anchorCtr="0" compatLnSpc="1">
+            <a:prstTxWarp prst="textNoShape">
+              <a:avLst/>
+            </a:prstTxWarp>
+          </a:bodyPr>
+          <a:lstStyle/>
+          <a:p>
+            <a:pPr algn="ctr"/>
+            <a:r>
+              <a:rPr lang="en-US" altLang="ko-KR" sz="1200" dirty="0" err="1">
+                <a:ea typeface="현대하모니 M" panose="02020603020101020101"/>
+              </a:rPr>
+              <a:t>API13</a:t>
+            </a:r>
+            <a:endParaRPr lang="en-US" altLang="ko-KR" sz="1200" dirty="0">
+              <a:ea typeface="현대하모니 M" panose="02020603020101020101"/>
+            </a:endParaRPr>
+          </a:p>
+          <a:p>
+            <a:pPr algn="ctr"/>
+            <a:r>
+              <a:rPr lang="en-US" altLang="ko-KR" sz="1200" dirty="0">
+                <a:ea typeface="현대하모니 M" panose="02020603020101020101"/>
+              </a:rPr>
+              <a:t>[</a:t>
+            </a:r>
+            <a:r>
+              <a:rPr lang="en-US" altLang="ko-KR" sz="1200" dirty="0" err="1">
+                <a:ea typeface="현대하모니 M" panose="02020603020101020101"/>
+              </a:rPr>
+              <a:t>R2~R5</a:t>
+            </a:r>
+            <a:r>
+              <a:rPr lang="en-US" altLang="ko-KR" sz="1200" dirty="0">
+                <a:ea typeface="현대하모니 M" panose="02020603020101020101"/>
+              </a:rPr>
+              <a:t>]</a:t>
+            </a:r>
+            <a:endParaRPr lang="ko-KR" altLang="en-US" sz="1200" dirty="0">
+              <a:ea typeface="현대하모니 M" panose="02020603020101020101"/>
+            </a:endParaRPr>
+          </a:p>
+        </p:txBody>
+      </p:sp>
+      <p:sp>
+        <p:nvSpPr>
+          <p:cNvPr id="81" name="화살표: 오각형 80">
+            <a:extLst>
+              <a:ext uri="{FF2B5EF4-FFF2-40B4-BE49-F238E27FC236}">
+                <a16:creationId xmlns:a16="http://schemas.microsoft.com/office/drawing/2014/main" id="{11D9824B-9C79-1754-1358-CAFCD5BF3EA9}"/>
+              </a:ext>
+            </a:extLst>
+          </p:cNvPr>
+          <p:cNvSpPr/>
+          <p:nvPr/>
+        </p:nvSpPr>
+        <p:spPr>
+          <a:xfrm>
+            <a:off x="10948269" y="3958997"/>
+            <a:ext cx="1233577" cy="690024"/>
+          </a:xfrm>
+          <a:prstGeom prst="homePlate">
+            <a:avLst/>
+          </a:prstGeom>
+          <a:solidFill>
+            <a:schemeClr val="accent2">
+              <a:alpha val="50000"/>
+            </a:schemeClr>
+          </a:solidFill>
+          <a:ln>
+            <a:noFill/>
+          </a:ln>
+        </p:spPr>
+        <p:style>
+          <a:lnRef idx="0">
+            <a:scrgbClr r="0" g="0" b="0"/>
+          </a:lnRef>
+          <a:fillRef idx="0">
+            <a:scrgbClr r="0" g="0" b="0"/>
+          </a:fillRef>
+          <a:effectRef idx="0">
+            <a:scrgbClr r="0" g="0" b="0"/>
+          </a:effectRef>
+          <a:fontRef idx="minor">
+            <a:schemeClr val="lt1"/>
+          </a:fontRef>
+        </p:style>
+        <p:txBody>
+          <a:bodyPr vert="horz" wrap="none" lIns="91440" tIns="45720" rIns="91440" bIns="45720" numCol="1" rtlCol="0" anchor="ctr" anchorCtr="0" compatLnSpc="1">
+            <a:prstTxWarp prst="textNoShape">
+              <a:avLst/>
+            </a:prstTxWarp>
+          </a:bodyPr>
+          <a:lstStyle/>
+          <a:p>
+            <a:pPr algn="ctr"/>
+            <a:r>
+              <a:rPr lang="en-US" altLang="ko-KR" sz="1200" dirty="0" err="1">
+                <a:ea typeface="현대하모니 M" panose="02020603020101020101"/>
+              </a:rPr>
+              <a:t>API14</a:t>
+            </a:r>
+            <a:endParaRPr lang="en-US" altLang="ko-KR" sz="1200" dirty="0">
+              <a:ea typeface="현대하모니 M" panose="02020603020101020101"/>
+            </a:endParaRPr>
+          </a:p>
+          <a:p>
+            <a:pPr algn="ctr"/>
+            <a:r>
+              <a:rPr lang="en-US" altLang="ko-KR" sz="1200" dirty="0">
+                <a:ea typeface="현대하모니 M" panose="02020603020101020101"/>
+              </a:rPr>
+              <a:t>[R1;R4~]</a:t>
+            </a:r>
+            <a:endParaRPr lang="ko-KR" altLang="en-US" sz="1200" dirty="0">
+              <a:ea typeface="현대하모니 M" panose="02020603020101020101"/>
+            </a:endParaRPr>
+          </a:p>
+        </p:txBody>
+      </p:sp>
+      <p:cxnSp>
+        <p:nvCxnSpPr>
+          <p:cNvPr id="82" name="연결선: 꺾임 81">
+            <a:extLst>
+              <a:ext uri="{FF2B5EF4-FFF2-40B4-BE49-F238E27FC236}">
+                <a16:creationId xmlns:a16="http://schemas.microsoft.com/office/drawing/2014/main" id="{F7145B42-2C09-D6CE-2298-12CF80CB6686}"/>
+              </a:ext>
+            </a:extLst>
+          </p:cNvPr>
+          <p:cNvCxnSpPr>
+            <a:cxnSpLocks/>
+            <a:stCxn id="81" idx="1"/>
+            <a:endCxn id="80" idx="1"/>
+          </p:cNvCxnSpPr>
+          <p:nvPr/>
+        </p:nvCxnSpPr>
+        <p:spPr>
+          <a:xfrm rot="10800000" flipH="1">
+            <a:off x="10948268" y="3524531"/>
+            <a:ext cx="1" cy="779478"/>
+          </a:xfrm>
+          <a:prstGeom prst="bentConnector3">
+            <a:avLst>
+              <a:gd name="adj1" fmla="val -22860000000"/>
+            </a:avLst>
+          </a:prstGeom>
+          <a:ln w="57150">
+            <a:solidFill>
+              <a:schemeClr val="accent6"/>
+            </a:solidFill>
+            <a:prstDash val="dash"/>
+            <a:headEnd type="triangle" w="med" len="med"/>
+            <a:tailEnd type="triangle" w="med" len="med"/>
+          </a:ln>
+        </p:spPr>
+        <p:style>
+          <a:lnRef idx="1">
+            <a:schemeClr val="accent1"/>
+          </a:lnRef>
+          <a:fillRef idx="0">
+            <a:schemeClr val="accent1"/>
+          </a:fillRef>
+          <a:effectRef idx="0">
+            <a:schemeClr val="accent1"/>
+          </a:effectRef>
+          <a:fontRef idx="minor">
+            <a:schemeClr val="tx1"/>
+          </a:fontRef>
+        </p:style>
+      </p:cxnSp>
+      <p:cxnSp>
+        <p:nvCxnSpPr>
+          <p:cNvPr id="4" name="연결선: 꺾임 3">
+            <a:extLst>
+              <a:ext uri="{FF2B5EF4-FFF2-40B4-BE49-F238E27FC236}">
+                <a16:creationId xmlns:a16="http://schemas.microsoft.com/office/drawing/2014/main" id="{4E54C3BB-7447-B34B-FBA0-7CDE26CE0B30}"/>
+              </a:ext>
+            </a:extLst>
+          </p:cNvPr>
+          <p:cNvCxnSpPr>
+            <a:cxnSpLocks/>
+            <a:stCxn id="68" idx="0"/>
+            <a:endCxn id="57" idx="2"/>
+          </p:cNvCxnSpPr>
+          <p:nvPr/>
+        </p:nvCxnSpPr>
+        <p:spPr>
+          <a:xfrm rot="16200000" flipV="1">
+            <a:off x="5630831" y="3762159"/>
+            <a:ext cx="1089996" cy="943429"/>
+          </a:xfrm>
+          <a:prstGeom prst="bentConnector3">
+            <a:avLst>
+              <a:gd name="adj1" fmla="val 50000"/>
+            </a:avLst>
+          </a:prstGeom>
+          <a:ln w="57150">
+            <a:solidFill>
+              <a:schemeClr val="accent6"/>
+            </a:solidFill>
+            <a:prstDash val="dash"/>
+            <a:headEnd type="triangle" w="med" len="med"/>
+            <a:tailEnd type="triangle" w="med" len="med"/>
+          </a:ln>
+        </p:spPr>
+        <p:style>
+          <a:lnRef idx="1">
+            <a:schemeClr val="accent1"/>
+          </a:lnRef>
+          <a:fillRef idx="0">
+            <a:schemeClr val="accent1"/>
+          </a:fillRef>
+          <a:effectRef idx="0">
+            <a:schemeClr val="accent1"/>
+          </a:effectRef>
+          <a:fontRef idx="minor">
+            <a:schemeClr val="tx1"/>
+          </a:fontRef>
+        </p:style>
+      </p:cxnSp>
+      <p:cxnSp>
+        <p:nvCxnSpPr>
+          <p:cNvPr id="12" name="연결선: 꺾임 11">
+            <a:extLst>
+              <a:ext uri="{FF2B5EF4-FFF2-40B4-BE49-F238E27FC236}">
+                <a16:creationId xmlns:a16="http://schemas.microsoft.com/office/drawing/2014/main" id="{7F33A159-63C2-73E5-0693-383E04CD8793}"/>
+              </a:ext>
+            </a:extLst>
+          </p:cNvPr>
+          <p:cNvCxnSpPr>
+            <a:cxnSpLocks/>
+            <a:stCxn id="67" idx="0"/>
+            <a:endCxn id="56" idx="2"/>
+          </p:cNvCxnSpPr>
+          <p:nvPr/>
+        </p:nvCxnSpPr>
+        <p:spPr>
+          <a:xfrm rot="16200000" flipV="1">
+            <a:off x="3845574" y="3762159"/>
+            <a:ext cx="1089996" cy="943429"/>
+          </a:xfrm>
+          <a:prstGeom prst="bentConnector3">
+            <a:avLst>
+              <a:gd name="adj1" fmla="val 50000"/>
+            </a:avLst>
+          </a:prstGeom>
+          <a:ln w="57150">
+            <a:solidFill>
+              <a:schemeClr val="accent6"/>
+            </a:solidFill>
+            <a:prstDash val="dash"/>
+            <a:headEnd type="triangle" w="med" len="med"/>
+            <a:tailEnd type="triangle" w="med" len="med"/>
+          </a:ln>
+        </p:spPr>
+        <p:style>
+          <a:lnRef idx="1">
+            <a:schemeClr val="accent1"/>
+          </a:lnRef>
+          <a:fillRef idx="0">
+            <a:schemeClr val="accent1"/>
+          </a:fillRef>
+          <a:effectRef idx="0">
+            <a:schemeClr val="accent1"/>
+          </a:effectRef>
+          <a:fontRef idx="minor">
+            <a:schemeClr val="tx1"/>
+          </a:fontRef>
+        </p:style>
+      </p:cxnSp>
+      <p:cxnSp>
+        <p:nvCxnSpPr>
+          <p:cNvPr id="6" name="직선 화살표 연결선 5">
+            <a:extLst>
+              <a:ext uri="{FF2B5EF4-FFF2-40B4-BE49-F238E27FC236}">
+                <a16:creationId xmlns:a16="http://schemas.microsoft.com/office/drawing/2014/main" id="{DF280476-EF41-7429-66AB-F6B3AF2625F8}"/>
+              </a:ext>
+            </a:extLst>
+          </p:cNvPr>
+          <p:cNvCxnSpPr>
+            <a:cxnSpLocks/>
+            <a:stCxn id="56" idx="2"/>
+            <a:endCxn id="69" idx="0"/>
+          </p:cNvCxnSpPr>
+          <p:nvPr/>
+        </p:nvCxnSpPr>
+        <p:spPr>
+          <a:xfrm>
+            <a:off x="3918857" y="3688876"/>
+            <a:ext cx="4513943" cy="1089996"/>
+          </a:xfrm>
+          <a:prstGeom prst="straightConnector1">
+            <a:avLst/>
+          </a:prstGeom>
+          <a:ln w="57150" cmpd="dbl">
+            <a:prstDash val="dashDot"/>
+            <a:headEnd type="none" w="med" len="med"/>
+            <a:tailEnd type="triangle" w="med" len="med"/>
+          </a:ln>
+        </p:spPr>
+        <p:style>
+          <a:lnRef idx="1">
+            <a:schemeClr val="accent1"/>
+          </a:lnRef>
+          <a:fillRef idx="0">
+            <a:schemeClr val="accent1"/>
+          </a:fillRef>
+          <a:effectRef idx="0">
+            <a:schemeClr val="accent1"/>
+          </a:effectRef>
+          <a:fontRef idx="minor">
+            <a:schemeClr val="tx1"/>
+          </a:fontRef>
+        </p:style>
+      </p:cxnSp>
+      <p:cxnSp>
+        <p:nvCxnSpPr>
+          <p:cNvPr id="7" name="직선 화살표 연결선 6">
+            <a:extLst>
+              <a:ext uri="{FF2B5EF4-FFF2-40B4-BE49-F238E27FC236}">
+                <a16:creationId xmlns:a16="http://schemas.microsoft.com/office/drawing/2014/main" id="{EE7EB334-56BE-83F0-B0C4-34EB1942DC1A}"/>
+              </a:ext>
+            </a:extLst>
+          </p:cNvPr>
+          <p:cNvCxnSpPr>
+            <a:cxnSpLocks/>
+            <a:stCxn id="67" idx="0"/>
+            <a:endCxn id="58" idx="2"/>
+          </p:cNvCxnSpPr>
+          <p:nvPr/>
+        </p:nvCxnSpPr>
+        <p:spPr>
+          <a:xfrm flipV="1">
+            <a:off x="4862286" y="3688876"/>
+            <a:ext cx="2627085" cy="1089996"/>
+          </a:xfrm>
+          <a:prstGeom prst="straightConnector1">
+            <a:avLst/>
+          </a:prstGeom>
+          <a:ln w="57150" cmpd="dbl">
+            <a:prstDash val="dashDot"/>
+            <a:headEnd type="none" w="med" len="med"/>
+            <a:tailEnd type="triangle" w="med" len="med"/>
+          </a:ln>
+        </p:spPr>
+        <p:style>
+          <a:lnRef idx="1">
+            <a:schemeClr val="accent1"/>
+          </a:lnRef>
+          <a:fillRef idx="0">
+            <a:schemeClr val="accent1"/>
+          </a:fillRef>
+          <a:effectRef idx="0">
+            <a:schemeClr val="accent1"/>
+          </a:effectRef>
+          <a:fontRef idx="minor">
+            <a:schemeClr val="tx1"/>
+          </a:fontRef>
+        </p:style>
+      </p:cxnSp>
+    </p:spTree>
+    <p:extLst>
+      <p:ext uri="{BB962C8B-B14F-4D97-AF65-F5344CB8AC3E}">
+        <p14:creationId xmlns:p14="http://schemas.microsoft.com/office/powerpoint/2010/main" val="1652240457"/>
+      </p:ext>
+    </p:extLst>
+  </p:cSld>
+  <p:clrMapOvr>
+    <a:masterClrMapping/>
+  </p:clrMapOvr>
+</p:sld>
+</file>
+
+<file path=ppt/slides/slide11.xml><?xml version="1.0" encoding="utf-8"?>
+<p:sld xmlns:a="http://schemas.openxmlformats.org/drawingml/2006/main" xmlns:r="http://schemas.openxmlformats.org/officeDocument/2006/relationships" xmlns:p="http://schemas.openxmlformats.org/presentationml/2006/main" show="0">
+  <p:cSld>
+    <p:spTree>
+      <p:nvGrpSpPr>
+        <p:cNvPr id="1" name=""/>
+        <p:cNvGrpSpPr/>
+        <p:nvPr/>
+      </p:nvGrpSpPr>
+      <p:grpSpPr>
+        <a:xfrm>
+          <a:off x="0" y="0"/>
+          <a:ext cx="0" cy="0"/>
+          <a:chOff x="0" y="0"/>
+          <a:chExt cx="0" cy="0"/>
+        </a:xfrm>
+      </p:grpSpPr>
+      <p:sp>
+        <p:nvSpPr>
+          <p:cNvPr id="2" name="제목 1">
+            <a:extLst>
+              <a:ext uri="{FF2B5EF4-FFF2-40B4-BE49-F238E27FC236}">
+                <a16:creationId xmlns:a16="http://schemas.microsoft.com/office/drawing/2014/main" id="{5E8FE27E-4086-E570-1BA4-F2B433CAA376}"/>
+              </a:ext>
+            </a:extLst>
+          </p:cNvPr>
+          <p:cNvSpPr>
+            <a:spLocks noGrp="1"/>
+          </p:cNvSpPr>
+          <p:nvPr>
+            <p:ph type="title"/>
+          </p:nvPr>
+        </p:nvSpPr>
+        <p:spPr/>
+        <p:txBody>
+          <a:bodyPr/>
+          <a:lstStyle/>
+          <a:p>
+            <a:r>
               <a:rPr lang="en-US" altLang="ko-KR" dirty="0"/>
               <a:t>F2</a:t>
             </a:r>
@@ -13624,7 +14822,7 @@
 </p:sld>
 </file>
 
-<file path=ppt/slides/slide11.xml><?xml version="1.0" encoding="utf-8"?>
+<file path=ppt/slides/slide12.xml><?xml version="1.0" encoding="utf-8"?>
 <p:sld xmlns:a="http://schemas.openxmlformats.org/drawingml/2006/main" xmlns:r="http://schemas.openxmlformats.org/officeDocument/2006/relationships" xmlns:p="http://schemas.openxmlformats.org/presentationml/2006/main" show="0">
   <p:cSld>
     <p:spTree>
@@ -14173,7 +15371,7 @@
 </p:sld>
 </file>
 
-<file path=ppt/slides/slide12.xml><?xml version="1.0" encoding="utf-8"?>
+<file path=ppt/slides/slide13.xml><?xml version="1.0" encoding="utf-8"?>
 <p:sld xmlns:a="http://schemas.openxmlformats.org/drawingml/2006/main" xmlns:r="http://schemas.openxmlformats.org/officeDocument/2006/relationships" xmlns:p="http://schemas.openxmlformats.org/presentationml/2006/main" show="0">
   <p:cSld>
     <p:spTree>
@@ -14754,7 +15952,7 @@
 </p:sld>
 </file>
 
-<file path=ppt/slides/slide13.xml><?xml version="1.0" encoding="utf-8"?>
+<file path=ppt/slides/slide14.xml><?xml version="1.0" encoding="utf-8"?>
 <p:sld xmlns:a="http://schemas.openxmlformats.org/drawingml/2006/main" xmlns:r="http://schemas.openxmlformats.org/officeDocument/2006/relationships" xmlns:p="http://schemas.openxmlformats.org/presentationml/2006/main" show="0">
   <p:cSld>
     <p:spTree>
@@ -15299,7 +16497,7 @@
 </p:sld>
 </file>
 
-<file path=ppt/slides/slide14.xml><?xml version="1.0" encoding="utf-8"?>
+<file path=ppt/slides/slide15.xml><?xml version="1.0" encoding="utf-8"?>
 <p:sld xmlns:a="http://schemas.openxmlformats.org/drawingml/2006/main" xmlns:r="http://schemas.openxmlformats.org/officeDocument/2006/relationships" xmlns:p="http://schemas.openxmlformats.org/presentationml/2006/main" show="0">
   <p:cSld>
     <p:spTree>
@@ -15878,7 +17076,7 @@
 </p:sld>
 </file>
 
-<file path=ppt/slides/slide15.xml><?xml version="1.0" encoding="utf-8"?>
+<file path=ppt/slides/slide16.xml><?xml version="1.0" encoding="utf-8"?>
 <p:sld xmlns:a="http://schemas.openxmlformats.org/drawingml/2006/main" xmlns:r="http://schemas.openxmlformats.org/officeDocument/2006/relationships" xmlns:p="http://schemas.openxmlformats.org/presentationml/2006/main" show="0">
   <p:cSld>
     <p:spTree>
@@ -16414,7 +17612,7 @@
 </p:sld>
 </file>
 
-<file path=ppt/slides/slide16.xml><?xml version="1.0" encoding="utf-8"?>
+<file path=ppt/slides/slide17.xml><?xml version="1.0" encoding="utf-8"?>
 <p:sld xmlns:a="http://schemas.openxmlformats.org/drawingml/2006/main" xmlns:r="http://schemas.openxmlformats.org/officeDocument/2006/relationships" xmlns:p="http://schemas.openxmlformats.org/presentationml/2006/main" show="0">
   <p:cSld>
     <p:spTree>
@@ -17461,7 +18659,7 @@
 </p:sld>
 </file>
 
-<file path=ppt/slides/slide17.xml><?xml version="1.0" encoding="utf-8"?>
+<file path=ppt/slides/slide18.xml><?xml version="1.0" encoding="utf-8"?>
 <p:sld xmlns:a="http://schemas.openxmlformats.org/drawingml/2006/main" xmlns:r="http://schemas.openxmlformats.org/officeDocument/2006/relationships" xmlns:p="http://schemas.openxmlformats.org/presentationml/2006/main" show="0">
   <p:cSld>
     <p:spTree>
@@ -18272,7 +19470,7 @@
 </p:sld>
 </file>
 
-<file path=ppt/slides/slide18.xml><?xml version="1.0" encoding="utf-8"?>
+<file path=ppt/slides/slide19.xml><?xml version="1.0" encoding="utf-8"?>
 <p:sld xmlns:a="http://schemas.openxmlformats.org/drawingml/2006/main" xmlns:r="http://schemas.openxmlformats.org/officeDocument/2006/relationships" xmlns:p="http://schemas.openxmlformats.org/presentationml/2006/main" show="0">
   <p:cSld>
     <p:spTree>
@@ -18768,361 +19966,6 @@
     <p:extLst>
       <p:ext uri="{BB962C8B-B14F-4D97-AF65-F5344CB8AC3E}">
         <p14:creationId xmlns:p14="http://schemas.microsoft.com/office/powerpoint/2010/main" val="3992733833"/>
-      </p:ext>
-    </p:extLst>
-  </p:cSld>
-  <p:clrMapOvr>
-    <a:masterClrMapping/>
-  </p:clrMapOvr>
-</p:sld>
-</file>
-
-<file path=ppt/slides/slide19.xml><?xml version="1.0" encoding="utf-8"?>
-<p:sld xmlns:a="http://schemas.openxmlformats.org/drawingml/2006/main" xmlns:r="http://schemas.openxmlformats.org/officeDocument/2006/relationships" xmlns:p="http://schemas.openxmlformats.org/presentationml/2006/main" show="0">
-  <p:cSld>
-    <p:spTree>
-      <p:nvGrpSpPr>
-        <p:cNvPr id="1" name=""/>
-        <p:cNvGrpSpPr/>
-        <p:nvPr/>
-      </p:nvGrpSpPr>
-      <p:grpSpPr>
-        <a:xfrm>
-          <a:off x="0" y="0"/>
-          <a:ext cx="0" cy="0"/>
-          <a:chOff x="0" y="0"/>
-          <a:chExt cx="0" cy="0"/>
-        </a:xfrm>
-      </p:grpSpPr>
-      <p:sp>
-        <p:nvSpPr>
-          <p:cNvPr id="2" name="제목 1">
-            <a:extLst>
-              <a:ext uri="{FF2B5EF4-FFF2-40B4-BE49-F238E27FC236}">
-                <a16:creationId xmlns:a16="http://schemas.microsoft.com/office/drawing/2014/main" id="{E35BEC89-0CFB-7F29-D8C7-71B3E64B4D66}"/>
-              </a:ext>
-            </a:extLst>
-          </p:cNvPr>
-          <p:cNvSpPr>
-            <a:spLocks noGrp="1"/>
-          </p:cNvSpPr>
-          <p:nvPr>
-            <p:ph type="title"/>
-          </p:nvPr>
-        </p:nvSpPr>
-        <p:spPr/>
-        <p:txBody>
-          <a:bodyPr/>
-          <a:lstStyle/>
-          <a:p>
-            <a:r>
-              <a:rPr lang="en-US" altLang="ko-KR" dirty="0" err="1"/>
-              <a:t>S02</a:t>
-            </a:r>
-            <a:endParaRPr lang="ko-KR" altLang="en-US" dirty="0"/>
-          </a:p>
-        </p:txBody>
-      </p:sp>
-      <p:sp>
-        <p:nvSpPr>
-          <p:cNvPr id="4" name="사각형: 빗면 3">
-            <a:extLst>
-              <a:ext uri="{FF2B5EF4-FFF2-40B4-BE49-F238E27FC236}">
-                <a16:creationId xmlns:a16="http://schemas.microsoft.com/office/drawing/2014/main" id="{43F727FF-A1DD-341C-11C2-1AF95E71B98C}"/>
-              </a:ext>
-            </a:extLst>
-          </p:cNvPr>
-          <p:cNvSpPr/>
-          <p:nvPr/>
-        </p:nvSpPr>
-        <p:spPr>
-          <a:xfrm>
-            <a:off x="1658871" y="2561303"/>
-            <a:ext cx="3591555" cy="3534697"/>
-          </a:xfrm>
-          <a:prstGeom prst="bevel">
-            <a:avLst>
-              <a:gd name="adj" fmla="val 16754"/>
-            </a:avLst>
-          </a:prstGeom>
-          <a:ln>
-            <a:solidFill>
-              <a:schemeClr val="tx1"/>
-            </a:solidFill>
-          </a:ln>
-        </p:spPr>
-        <p:style>
-          <a:lnRef idx="2">
-            <a:schemeClr val="accent1">
-              <a:shade val="50000"/>
-            </a:schemeClr>
-          </a:lnRef>
-          <a:fillRef idx="1">
-            <a:schemeClr val="accent1"/>
-          </a:fillRef>
-          <a:effectRef idx="0">
-            <a:schemeClr val="accent1"/>
-          </a:effectRef>
-          <a:fontRef idx="minor">
-            <a:schemeClr val="lt1"/>
-          </a:fontRef>
-        </p:style>
-        <p:txBody>
-          <a:bodyPr rtlCol="0" anchor="ctr"/>
-          <a:lstStyle/>
-          <a:p>
-            <a:pPr algn="ctr"/>
-            <a:r>
-              <a:rPr lang="en-US" altLang="ko-KR" sz="1400" dirty="0">
-                <a:solidFill>
-                  <a:schemeClr val="bg2"/>
-                </a:solidFill>
-              </a:rPr>
-              <a:t>[A]autoBtn1</a:t>
-            </a:r>
-          </a:p>
-          <a:p>
-            <a:pPr algn="ctr"/>
-            <a:r>
-              <a:rPr lang="en-US" altLang="ko-KR" sz="1400" dirty="0">
-                <a:solidFill>
-                  <a:schemeClr val="bg2"/>
-                </a:solidFill>
-              </a:rPr>
-              <a:t>[M]</a:t>
-            </a:r>
-            <a:r>
-              <a:rPr lang="en-US" altLang="ko-KR" sz="1400" dirty="0" err="1">
-                <a:solidFill>
-                  <a:schemeClr val="bg2"/>
-                </a:solidFill>
-              </a:rPr>
-              <a:t>manualBtn1</a:t>
-            </a:r>
-            <a:endParaRPr lang="en-US" altLang="ko-KR" sz="1400" dirty="0">
-              <a:solidFill>
-                <a:schemeClr val="bg2"/>
-              </a:solidFill>
-            </a:endParaRPr>
-          </a:p>
-          <a:p>
-            <a:pPr algn="ctr"/>
-            <a:r>
-              <a:rPr lang="en-US" altLang="ko-KR" sz="1400" dirty="0">
-                <a:solidFill>
-                  <a:schemeClr val="bg2"/>
-                </a:solidFill>
-              </a:rPr>
-              <a:t>[D] driveBtn1</a:t>
-            </a:r>
-          </a:p>
-          <a:p>
-            <a:pPr algn="ctr"/>
-            <a:r>
-              <a:rPr lang="en-US" altLang="ko-KR" sz="1400" dirty="0">
-                <a:solidFill>
-                  <a:schemeClr val="bg2"/>
-                </a:solidFill>
-              </a:rPr>
-              <a:t>[H] </a:t>
-            </a:r>
-            <a:r>
-              <a:rPr lang="en-US" altLang="ko-KR" sz="1400" dirty="0" err="1">
-                <a:solidFill>
-                  <a:schemeClr val="bg2"/>
-                </a:solidFill>
-              </a:rPr>
-              <a:t>homeBtn1</a:t>
-            </a:r>
-            <a:endParaRPr lang="en-US" altLang="ko-KR" sz="1100" dirty="0">
-              <a:solidFill>
-                <a:schemeClr val="bg2"/>
-              </a:solidFill>
-            </a:endParaRPr>
-          </a:p>
-        </p:txBody>
-      </p:sp>
-      <p:sp>
-        <p:nvSpPr>
-          <p:cNvPr id="5" name="사각형: 빗면 4">
-            <a:extLst>
-              <a:ext uri="{FF2B5EF4-FFF2-40B4-BE49-F238E27FC236}">
-                <a16:creationId xmlns:a16="http://schemas.microsoft.com/office/drawing/2014/main" id="{CC109A94-E99B-595B-64CD-E549C28F0B12}"/>
-              </a:ext>
-            </a:extLst>
-          </p:cNvPr>
-          <p:cNvSpPr/>
-          <p:nvPr/>
-        </p:nvSpPr>
-        <p:spPr>
-          <a:xfrm>
-            <a:off x="6427516" y="2561302"/>
-            <a:ext cx="3591555" cy="3534697"/>
-          </a:xfrm>
-          <a:prstGeom prst="bevel">
-            <a:avLst>
-              <a:gd name="adj" fmla="val 0"/>
-            </a:avLst>
-          </a:prstGeom>
-          <a:ln>
-            <a:solidFill>
-              <a:schemeClr val="tx1"/>
-            </a:solidFill>
-          </a:ln>
-        </p:spPr>
-        <p:style>
-          <a:lnRef idx="2">
-            <a:schemeClr val="accent1">
-              <a:shade val="50000"/>
-            </a:schemeClr>
-          </a:lnRef>
-          <a:fillRef idx="1">
-            <a:schemeClr val="accent1"/>
-          </a:fillRef>
-          <a:effectRef idx="0">
-            <a:schemeClr val="accent1"/>
-          </a:effectRef>
-          <a:fontRef idx="minor">
-            <a:schemeClr val="lt1"/>
-          </a:fontRef>
-        </p:style>
-        <p:txBody>
-          <a:bodyPr rtlCol="0" anchor="ctr"/>
-          <a:lstStyle/>
-          <a:p>
-            <a:pPr algn="ctr"/>
-            <a:r>
-              <a:rPr lang="en-US" altLang="ko-KR" dirty="0">
-                <a:solidFill>
-                  <a:schemeClr val="bg2"/>
-                </a:solidFill>
-              </a:rPr>
-              <a:t>[A] </a:t>
-            </a:r>
-            <a:r>
-              <a:rPr lang="en-US" altLang="ko-KR" dirty="0" err="1">
-                <a:solidFill>
-                  <a:schemeClr val="bg2"/>
-                </a:solidFill>
-              </a:rPr>
-              <a:t>autoLamp2</a:t>
-            </a:r>
-            <a:endParaRPr lang="en-US" altLang="ko-KR" dirty="0">
-              <a:solidFill>
-                <a:schemeClr val="bg2"/>
-              </a:solidFill>
-            </a:endParaRPr>
-          </a:p>
-          <a:p>
-            <a:pPr algn="ctr"/>
-            <a:r>
-              <a:rPr lang="en-US" altLang="ko-KR" dirty="0">
-                <a:solidFill>
-                  <a:schemeClr val="bg2"/>
-                </a:solidFill>
-              </a:rPr>
-              <a:t>[M] </a:t>
-            </a:r>
-            <a:r>
-              <a:rPr lang="en-US" altLang="ko-KR" dirty="0" err="1">
-                <a:solidFill>
-                  <a:schemeClr val="bg2"/>
-                </a:solidFill>
-              </a:rPr>
-              <a:t>manualLamp2</a:t>
-            </a:r>
-            <a:endParaRPr lang="en-US" altLang="ko-KR" dirty="0">
-              <a:solidFill>
-                <a:schemeClr val="bg2"/>
-              </a:solidFill>
-            </a:endParaRPr>
-          </a:p>
-          <a:p>
-            <a:pPr algn="ctr"/>
-            <a:r>
-              <a:rPr lang="en-US" altLang="ko-KR" dirty="0">
-                <a:solidFill>
-                  <a:schemeClr val="bg2"/>
-                </a:solidFill>
-              </a:rPr>
-              <a:t>[T] </a:t>
-            </a:r>
-            <a:r>
-              <a:rPr lang="en-US" altLang="ko-KR" dirty="0" err="1">
-                <a:solidFill>
-                  <a:schemeClr val="bg2"/>
-                </a:solidFill>
-              </a:rPr>
-              <a:t>testrunLamp2</a:t>
-            </a:r>
-            <a:endParaRPr lang="en-US" altLang="ko-KR" dirty="0">
-              <a:solidFill>
-                <a:schemeClr val="bg2"/>
-              </a:solidFill>
-            </a:endParaRPr>
-          </a:p>
-          <a:p>
-            <a:pPr algn="ctr"/>
-            <a:r>
-              <a:rPr lang="en-US" altLang="ko-KR" dirty="0">
-                <a:solidFill>
-                  <a:schemeClr val="bg2"/>
-                </a:solidFill>
-              </a:rPr>
-              <a:t>[R] </a:t>
-            </a:r>
-            <a:r>
-              <a:rPr lang="en-US" altLang="ko-KR" dirty="0" err="1">
-                <a:solidFill>
-                  <a:schemeClr val="bg2"/>
-                </a:solidFill>
-              </a:rPr>
-              <a:t>readyLamp2</a:t>
-            </a:r>
-            <a:endParaRPr lang="en-US" altLang="ko-KR" dirty="0">
-              <a:solidFill>
-                <a:schemeClr val="bg2"/>
-              </a:solidFill>
-            </a:endParaRPr>
-          </a:p>
-          <a:p>
-            <a:pPr algn="ctr"/>
-            <a:r>
-              <a:rPr lang="en-US" altLang="ko-KR" dirty="0">
-                <a:solidFill>
-                  <a:schemeClr val="bg2"/>
-                </a:solidFill>
-              </a:rPr>
-              <a:t>[I] </a:t>
-            </a:r>
-            <a:r>
-              <a:rPr lang="en-US" altLang="ko-KR" dirty="0" err="1">
-                <a:solidFill>
-                  <a:schemeClr val="bg2"/>
-                </a:solidFill>
-              </a:rPr>
-              <a:t>idleLamp2</a:t>
-            </a:r>
-            <a:endParaRPr lang="en-US" altLang="ko-KR" dirty="0">
-              <a:solidFill>
-                <a:schemeClr val="bg2"/>
-              </a:solidFill>
-            </a:endParaRPr>
-          </a:p>
-          <a:p>
-            <a:pPr algn="ctr"/>
-            <a:endParaRPr lang="en-US" altLang="ko-KR" dirty="0">
-              <a:solidFill>
-                <a:schemeClr val="bg2"/>
-              </a:solidFill>
-            </a:endParaRPr>
-          </a:p>
-        </p:txBody>
-      </p:sp>
-    </p:spTree>
-    <p:extLst>
-      <p:ext uri="{BB962C8B-B14F-4D97-AF65-F5344CB8AC3E}">
-        <p14:creationId xmlns:p14="http://schemas.microsoft.com/office/powerpoint/2010/main" val="1499651881"/>
       </p:ext>
     </p:extLst>
   </p:cSld>
@@ -19526,6 +20369,361 @@
 </file>
 
 <file path=ppt/slides/slide20.xml><?xml version="1.0" encoding="utf-8"?>
+<p:sld xmlns:a="http://schemas.openxmlformats.org/drawingml/2006/main" xmlns:r="http://schemas.openxmlformats.org/officeDocument/2006/relationships" xmlns:p="http://schemas.openxmlformats.org/presentationml/2006/main" show="0">
+  <p:cSld>
+    <p:spTree>
+      <p:nvGrpSpPr>
+        <p:cNvPr id="1" name=""/>
+        <p:cNvGrpSpPr/>
+        <p:nvPr/>
+      </p:nvGrpSpPr>
+      <p:grpSpPr>
+        <a:xfrm>
+          <a:off x="0" y="0"/>
+          <a:ext cx="0" cy="0"/>
+          <a:chOff x="0" y="0"/>
+          <a:chExt cx="0" cy="0"/>
+        </a:xfrm>
+      </p:grpSpPr>
+      <p:sp>
+        <p:nvSpPr>
+          <p:cNvPr id="2" name="제목 1">
+            <a:extLst>
+              <a:ext uri="{FF2B5EF4-FFF2-40B4-BE49-F238E27FC236}">
+                <a16:creationId xmlns:a16="http://schemas.microsoft.com/office/drawing/2014/main" id="{E35BEC89-0CFB-7F29-D8C7-71B3E64B4D66}"/>
+              </a:ext>
+            </a:extLst>
+          </p:cNvPr>
+          <p:cNvSpPr>
+            <a:spLocks noGrp="1"/>
+          </p:cNvSpPr>
+          <p:nvPr>
+            <p:ph type="title"/>
+          </p:nvPr>
+        </p:nvSpPr>
+        <p:spPr/>
+        <p:txBody>
+          <a:bodyPr/>
+          <a:lstStyle/>
+          <a:p>
+            <a:r>
+              <a:rPr lang="en-US" altLang="ko-KR" dirty="0" err="1"/>
+              <a:t>S02</a:t>
+            </a:r>
+            <a:endParaRPr lang="ko-KR" altLang="en-US" dirty="0"/>
+          </a:p>
+        </p:txBody>
+      </p:sp>
+      <p:sp>
+        <p:nvSpPr>
+          <p:cNvPr id="4" name="사각형: 빗면 3">
+            <a:extLst>
+              <a:ext uri="{FF2B5EF4-FFF2-40B4-BE49-F238E27FC236}">
+                <a16:creationId xmlns:a16="http://schemas.microsoft.com/office/drawing/2014/main" id="{43F727FF-A1DD-341C-11C2-1AF95E71B98C}"/>
+              </a:ext>
+            </a:extLst>
+          </p:cNvPr>
+          <p:cNvSpPr/>
+          <p:nvPr/>
+        </p:nvSpPr>
+        <p:spPr>
+          <a:xfrm>
+            <a:off x="1658871" y="2561303"/>
+            <a:ext cx="3591555" cy="3534697"/>
+          </a:xfrm>
+          <a:prstGeom prst="bevel">
+            <a:avLst>
+              <a:gd name="adj" fmla="val 16754"/>
+            </a:avLst>
+          </a:prstGeom>
+          <a:ln>
+            <a:solidFill>
+              <a:schemeClr val="tx1"/>
+            </a:solidFill>
+          </a:ln>
+        </p:spPr>
+        <p:style>
+          <a:lnRef idx="2">
+            <a:schemeClr val="accent1">
+              <a:shade val="50000"/>
+            </a:schemeClr>
+          </a:lnRef>
+          <a:fillRef idx="1">
+            <a:schemeClr val="accent1"/>
+          </a:fillRef>
+          <a:effectRef idx="0">
+            <a:schemeClr val="accent1"/>
+          </a:effectRef>
+          <a:fontRef idx="minor">
+            <a:schemeClr val="lt1"/>
+          </a:fontRef>
+        </p:style>
+        <p:txBody>
+          <a:bodyPr rtlCol="0" anchor="ctr"/>
+          <a:lstStyle/>
+          <a:p>
+            <a:pPr algn="ctr"/>
+            <a:r>
+              <a:rPr lang="en-US" altLang="ko-KR" sz="1400" dirty="0">
+                <a:solidFill>
+                  <a:schemeClr val="bg2"/>
+                </a:solidFill>
+              </a:rPr>
+              <a:t>[A]autoBtn1</a:t>
+            </a:r>
+          </a:p>
+          <a:p>
+            <a:pPr algn="ctr"/>
+            <a:r>
+              <a:rPr lang="en-US" altLang="ko-KR" sz="1400" dirty="0">
+                <a:solidFill>
+                  <a:schemeClr val="bg2"/>
+                </a:solidFill>
+              </a:rPr>
+              <a:t>[M]</a:t>
+            </a:r>
+            <a:r>
+              <a:rPr lang="en-US" altLang="ko-KR" sz="1400" dirty="0" err="1">
+                <a:solidFill>
+                  <a:schemeClr val="bg2"/>
+                </a:solidFill>
+              </a:rPr>
+              <a:t>manualBtn1</a:t>
+            </a:r>
+            <a:endParaRPr lang="en-US" altLang="ko-KR" sz="1400" dirty="0">
+              <a:solidFill>
+                <a:schemeClr val="bg2"/>
+              </a:solidFill>
+            </a:endParaRPr>
+          </a:p>
+          <a:p>
+            <a:pPr algn="ctr"/>
+            <a:r>
+              <a:rPr lang="en-US" altLang="ko-KR" sz="1400" dirty="0">
+                <a:solidFill>
+                  <a:schemeClr val="bg2"/>
+                </a:solidFill>
+              </a:rPr>
+              <a:t>[D] driveBtn1</a:t>
+            </a:r>
+          </a:p>
+          <a:p>
+            <a:pPr algn="ctr"/>
+            <a:r>
+              <a:rPr lang="en-US" altLang="ko-KR" sz="1400" dirty="0">
+                <a:solidFill>
+                  <a:schemeClr val="bg2"/>
+                </a:solidFill>
+              </a:rPr>
+              <a:t>[H] </a:t>
+            </a:r>
+            <a:r>
+              <a:rPr lang="en-US" altLang="ko-KR" sz="1400" dirty="0" err="1">
+                <a:solidFill>
+                  <a:schemeClr val="bg2"/>
+                </a:solidFill>
+              </a:rPr>
+              <a:t>homeBtn1</a:t>
+            </a:r>
+            <a:endParaRPr lang="en-US" altLang="ko-KR" sz="1100" dirty="0">
+              <a:solidFill>
+                <a:schemeClr val="bg2"/>
+              </a:solidFill>
+            </a:endParaRPr>
+          </a:p>
+        </p:txBody>
+      </p:sp>
+      <p:sp>
+        <p:nvSpPr>
+          <p:cNvPr id="5" name="사각형: 빗면 4">
+            <a:extLst>
+              <a:ext uri="{FF2B5EF4-FFF2-40B4-BE49-F238E27FC236}">
+                <a16:creationId xmlns:a16="http://schemas.microsoft.com/office/drawing/2014/main" id="{CC109A94-E99B-595B-64CD-E549C28F0B12}"/>
+              </a:ext>
+            </a:extLst>
+          </p:cNvPr>
+          <p:cNvSpPr/>
+          <p:nvPr/>
+        </p:nvSpPr>
+        <p:spPr>
+          <a:xfrm>
+            <a:off x="6427516" y="2561302"/>
+            <a:ext cx="3591555" cy="3534697"/>
+          </a:xfrm>
+          <a:prstGeom prst="bevel">
+            <a:avLst>
+              <a:gd name="adj" fmla="val 0"/>
+            </a:avLst>
+          </a:prstGeom>
+          <a:ln>
+            <a:solidFill>
+              <a:schemeClr val="tx1"/>
+            </a:solidFill>
+          </a:ln>
+        </p:spPr>
+        <p:style>
+          <a:lnRef idx="2">
+            <a:schemeClr val="accent1">
+              <a:shade val="50000"/>
+            </a:schemeClr>
+          </a:lnRef>
+          <a:fillRef idx="1">
+            <a:schemeClr val="accent1"/>
+          </a:fillRef>
+          <a:effectRef idx="0">
+            <a:schemeClr val="accent1"/>
+          </a:effectRef>
+          <a:fontRef idx="minor">
+            <a:schemeClr val="lt1"/>
+          </a:fontRef>
+        </p:style>
+        <p:txBody>
+          <a:bodyPr rtlCol="0" anchor="ctr"/>
+          <a:lstStyle/>
+          <a:p>
+            <a:pPr algn="ctr"/>
+            <a:r>
+              <a:rPr lang="en-US" altLang="ko-KR" dirty="0">
+                <a:solidFill>
+                  <a:schemeClr val="bg2"/>
+                </a:solidFill>
+              </a:rPr>
+              <a:t>[A] </a:t>
+            </a:r>
+            <a:r>
+              <a:rPr lang="en-US" altLang="ko-KR" dirty="0" err="1">
+                <a:solidFill>
+                  <a:schemeClr val="bg2"/>
+                </a:solidFill>
+              </a:rPr>
+              <a:t>autoLamp2</a:t>
+            </a:r>
+            <a:endParaRPr lang="en-US" altLang="ko-KR" dirty="0">
+              <a:solidFill>
+                <a:schemeClr val="bg2"/>
+              </a:solidFill>
+            </a:endParaRPr>
+          </a:p>
+          <a:p>
+            <a:pPr algn="ctr"/>
+            <a:r>
+              <a:rPr lang="en-US" altLang="ko-KR" dirty="0">
+                <a:solidFill>
+                  <a:schemeClr val="bg2"/>
+                </a:solidFill>
+              </a:rPr>
+              <a:t>[M] </a:t>
+            </a:r>
+            <a:r>
+              <a:rPr lang="en-US" altLang="ko-KR" dirty="0" err="1">
+                <a:solidFill>
+                  <a:schemeClr val="bg2"/>
+                </a:solidFill>
+              </a:rPr>
+              <a:t>manualLamp2</a:t>
+            </a:r>
+            <a:endParaRPr lang="en-US" altLang="ko-KR" dirty="0">
+              <a:solidFill>
+                <a:schemeClr val="bg2"/>
+              </a:solidFill>
+            </a:endParaRPr>
+          </a:p>
+          <a:p>
+            <a:pPr algn="ctr"/>
+            <a:r>
+              <a:rPr lang="en-US" altLang="ko-KR" dirty="0">
+                <a:solidFill>
+                  <a:schemeClr val="bg2"/>
+                </a:solidFill>
+              </a:rPr>
+              <a:t>[T] </a:t>
+            </a:r>
+            <a:r>
+              <a:rPr lang="en-US" altLang="ko-KR" dirty="0" err="1">
+                <a:solidFill>
+                  <a:schemeClr val="bg2"/>
+                </a:solidFill>
+              </a:rPr>
+              <a:t>testrunLamp2</a:t>
+            </a:r>
+            <a:endParaRPr lang="en-US" altLang="ko-KR" dirty="0">
+              <a:solidFill>
+                <a:schemeClr val="bg2"/>
+              </a:solidFill>
+            </a:endParaRPr>
+          </a:p>
+          <a:p>
+            <a:pPr algn="ctr"/>
+            <a:r>
+              <a:rPr lang="en-US" altLang="ko-KR" dirty="0">
+                <a:solidFill>
+                  <a:schemeClr val="bg2"/>
+                </a:solidFill>
+              </a:rPr>
+              <a:t>[R] </a:t>
+            </a:r>
+            <a:r>
+              <a:rPr lang="en-US" altLang="ko-KR" dirty="0" err="1">
+                <a:solidFill>
+                  <a:schemeClr val="bg2"/>
+                </a:solidFill>
+              </a:rPr>
+              <a:t>readyLamp2</a:t>
+            </a:r>
+            <a:endParaRPr lang="en-US" altLang="ko-KR" dirty="0">
+              <a:solidFill>
+                <a:schemeClr val="bg2"/>
+              </a:solidFill>
+            </a:endParaRPr>
+          </a:p>
+          <a:p>
+            <a:pPr algn="ctr"/>
+            <a:r>
+              <a:rPr lang="en-US" altLang="ko-KR" dirty="0">
+                <a:solidFill>
+                  <a:schemeClr val="bg2"/>
+                </a:solidFill>
+              </a:rPr>
+              <a:t>[I] </a:t>
+            </a:r>
+            <a:r>
+              <a:rPr lang="en-US" altLang="ko-KR" dirty="0" err="1">
+                <a:solidFill>
+                  <a:schemeClr val="bg2"/>
+                </a:solidFill>
+              </a:rPr>
+              <a:t>idleLamp2</a:t>
+            </a:r>
+            <a:endParaRPr lang="en-US" altLang="ko-KR" dirty="0">
+              <a:solidFill>
+                <a:schemeClr val="bg2"/>
+              </a:solidFill>
+            </a:endParaRPr>
+          </a:p>
+          <a:p>
+            <a:pPr algn="ctr"/>
+            <a:endParaRPr lang="en-US" altLang="ko-KR" dirty="0">
+              <a:solidFill>
+                <a:schemeClr val="bg2"/>
+              </a:solidFill>
+            </a:endParaRPr>
+          </a:p>
+        </p:txBody>
+      </p:sp>
+    </p:spTree>
+    <p:extLst>
+      <p:ext uri="{BB962C8B-B14F-4D97-AF65-F5344CB8AC3E}">
+        <p14:creationId xmlns:p14="http://schemas.microsoft.com/office/powerpoint/2010/main" val="1499651881"/>
+      </p:ext>
+    </p:extLst>
+  </p:cSld>
+  <p:clrMapOvr>
+    <a:masterClrMapping/>
+  </p:clrMapOvr>
+</p:sld>
+</file>
+
+<file path=ppt/slides/slide21.xml><?xml version="1.0" encoding="utf-8"?>
 <p:sld xmlns:a="http://schemas.openxmlformats.org/drawingml/2006/main" xmlns:r="http://schemas.openxmlformats.org/officeDocument/2006/relationships" xmlns:p="http://schemas.openxmlformats.org/presentationml/2006/main" show="0">
   <p:cSld>
     <p:spTree>
@@ -19880,7 +21078,7 @@
 </p:sld>
 </file>
 
-<file path=ppt/slides/slide21.xml><?xml version="1.0" encoding="utf-8"?>
+<file path=ppt/slides/slide22.xml><?xml version="1.0" encoding="utf-8"?>
 <p:sld xmlns:a="http://schemas.openxmlformats.org/drawingml/2006/main" xmlns:r="http://schemas.openxmlformats.org/officeDocument/2006/relationships" xmlns:p="http://schemas.openxmlformats.org/presentationml/2006/main" show="0">
   <p:cSld>
     <p:spTree>
@@ -21098,7 +22296,7 @@
 </file>
 
 <file path=ppt/slides/slide5.xml><?xml version="1.0" encoding="utf-8"?>
-<p:sld xmlns:a="http://schemas.openxmlformats.org/drawingml/2006/main" xmlns:r="http://schemas.openxmlformats.org/officeDocument/2006/relationships" xmlns:p="http://schemas.openxmlformats.org/presentationml/2006/main">
+<p:sld xmlns:a="http://schemas.openxmlformats.org/drawingml/2006/main" xmlns:r="http://schemas.openxmlformats.org/officeDocument/2006/relationships" xmlns:p="http://schemas.openxmlformats.org/presentationml/2006/main" show="0">
   <p:cSld>
     <p:spTree>
       <p:nvGrpSpPr>
@@ -21920,6 +23118,918 @@
 </file>
 
 <file path=ppt/slides/slide6.xml><?xml version="1.0" encoding="utf-8"?>
+<p:sld xmlns:a="http://schemas.openxmlformats.org/drawingml/2006/main" xmlns:r="http://schemas.openxmlformats.org/officeDocument/2006/relationships" xmlns:p="http://schemas.openxmlformats.org/presentationml/2006/main">
+  <p:cSld>
+    <p:spTree>
+      <p:nvGrpSpPr>
+        <p:cNvPr id="1" name=""/>
+        <p:cNvGrpSpPr/>
+        <p:nvPr/>
+      </p:nvGrpSpPr>
+      <p:grpSpPr>
+        <a:xfrm>
+          <a:off x="0" y="0"/>
+          <a:ext cx="0" cy="0"/>
+          <a:chOff x="0" y="0"/>
+          <a:chExt cx="0" cy="0"/>
+        </a:xfrm>
+      </p:grpSpPr>
+      <p:sp>
+        <p:nvSpPr>
+          <p:cNvPr id="2" name="제목 1">
+            <a:extLst>
+              <a:ext uri="{FF2B5EF4-FFF2-40B4-BE49-F238E27FC236}">
+                <a16:creationId xmlns:a16="http://schemas.microsoft.com/office/drawing/2014/main" id="{5E8FE27E-4086-E570-1BA4-F2B433CAA376}"/>
+              </a:ext>
+            </a:extLst>
+          </p:cNvPr>
+          <p:cNvSpPr>
+            <a:spLocks noGrp="1"/>
+          </p:cNvSpPr>
+          <p:nvPr>
+            <p:ph type="title"/>
+          </p:nvPr>
+        </p:nvSpPr>
+        <p:spPr/>
+        <p:txBody>
+          <a:bodyPr/>
+          <a:lstStyle/>
+          <a:p>
+            <a:r>
+              <a:rPr lang="en-US" altLang="ko-KR"/>
+              <a:t>S111</a:t>
+            </a:r>
+            <a:endParaRPr lang="ko-KR" altLang="en-US" dirty="0"/>
+          </a:p>
+        </p:txBody>
+      </p:sp>
+      <p:sp>
+        <p:nvSpPr>
+          <p:cNvPr id="79" name="사각형: 모서리가 접힌 도형 78">
+            <a:extLst>
+              <a:ext uri="{FF2B5EF4-FFF2-40B4-BE49-F238E27FC236}">
+                <a16:creationId xmlns:a16="http://schemas.microsoft.com/office/drawing/2014/main" id="{4FFFC34E-AB5C-2EA7-5DA2-90E276198FD1}"/>
+              </a:ext>
+            </a:extLst>
+          </p:cNvPr>
+          <p:cNvSpPr/>
+          <p:nvPr/>
+        </p:nvSpPr>
+        <p:spPr>
+          <a:xfrm>
+            <a:off x="9232276" y="4803028"/>
+            <a:ext cx="2437946" cy="568378"/>
+          </a:xfrm>
+          <a:prstGeom prst="foldedCorner">
+            <a:avLst/>
+          </a:prstGeom>
+          <a:solidFill>
+            <a:schemeClr val="accent3">
+              <a:alpha val="50000"/>
+            </a:schemeClr>
+          </a:solidFill>
+          <a:ln>
+            <a:noFill/>
+          </a:ln>
+        </p:spPr>
+        <p:style>
+          <a:lnRef idx="0">
+            <a:scrgbClr r="0" g="0" b="0"/>
+          </a:lnRef>
+          <a:fillRef idx="0">
+            <a:scrgbClr r="0" g="0" b="0"/>
+          </a:fillRef>
+          <a:effectRef idx="0">
+            <a:scrgbClr r="0" g="0" b="0"/>
+          </a:effectRef>
+          <a:fontRef idx="minor">
+            <a:schemeClr val="lt1"/>
+          </a:fontRef>
+        </p:style>
+        <p:txBody>
+          <a:bodyPr rtlCol="0" anchor="ctr"/>
+          <a:lstStyle/>
+          <a:p>
+            <a:pPr algn="ctr"/>
+            <a:r>
+              <a:rPr lang="en-US" altLang="ko-KR" dirty="0"/>
+              <a:t>lib/Cylinder/Double </a:t>
+            </a:r>
+          </a:p>
+          <a:p>
+            <a:pPr algn="ctr"/>
+            <a:r>
+              <a:rPr lang="en-US" altLang="ko-KR" dirty="0"/>
+              <a:t>[Pin]</a:t>
+            </a:r>
+            <a:endParaRPr lang="ko-KR" altLang="en-US" dirty="0"/>
+          </a:p>
+        </p:txBody>
+      </p:sp>
+      <p:sp>
+        <p:nvSpPr>
+          <p:cNvPr id="7" name="사각형: 모서리가 접힌 도형 6">
+            <a:extLst>
+              <a:ext uri="{FF2B5EF4-FFF2-40B4-BE49-F238E27FC236}">
+                <a16:creationId xmlns:a16="http://schemas.microsoft.com/office/drawing/2014/main" id="{714117EE-2573-5F95-0ABC-EE82E082580E}"/>
+              </a:ext>
+            </a:extLst>
+          </p:cNvPr>
+          <p:cNvSpPr/>
+          <p:nvPr/>
+        </p:nvSpPr>
+        <p:spPr>
+          <a:xfrm>
+            <a:off x="9232276" y="5690985"/>
+            <a:ext cx="2437946" cy="568378"/>
+          </a:xfrm>
+          <a:prstGeom prst="foldedCorner">
+            <a:avLst/>
+          </a:prstGeom>
+          <a:solidFill>
+            <a:schemeClr val="accent3">
+              <a:alpha val="50000"/>
+            </a:schemeClr>
+          </a:solidFill>
+          <a:ln>
+            <a:noFill/>
+          </a:ln>
+        </p:spPr>
+        <p:style>
+          <a:lnRef idx="0">
+            <a:scrgbClr r="0" g="0" b="0"/>
+          </a:lnRef>
+          <a:fillRef idx="0">
+            <a:scrgbClr r="0" g="0" b="0"/>
+          </a:fillRef>
+          <a:effectRef idx="0">
+            <a:scrgbClr r="0" g="0" b="0"/>
+          </a:effectRef>
+          <a:fontRef idx="minor">
+            <a:schemeClr val="lt1"/>
+          </a:fontRef>
+        </p:style>
+        <p:txBody>
+          <a:bodyPr rtlCol="0" anchor="ctr"/>
+          <a:lstStyle/>
+          <a:p>
+            <a:pPr algn="ctr"/>
+            <a:r>
+              <a:rPr lang="en-US" altLang="ko-KR" dirty="0"/>
+              <a:t>lib/Cylinder/Double </a:t>
+            </a:r>
+          </a:p>
+          <a:p>
+            <a:pPr algn="ctr"/>
+            <a:r>
+              <a:rPr lang="en-US" altLang="ko-KR" dirty="0"/>
+              <a:t>[Clamp]2</a:t>
+            </a:r>
+            <a:endParaRPr lang="ko-KR" altLang="en-US" dirty="0"/>
+          </a:p>
+        </p:txBody>
+      </p:sp>
+      <p:sp>
+        <p:nvSpPr>
+          <p:cNvPr id="10" name="직사각형 9">
+            <a:extLst>
+              <a:ext uri="{FF2B5EF4-FFF2-40B4-BE49-F238E27FC236}">
+                <a16:creationId xmlns:a16="http://schemas.microsoft.com/office/drawing/2014/main" id="{2BFD6DE8-60E1-EA2A-106F-49538D086172}"/>
+              </a:ext>
+            </a:extLst>
+          </p:cNvPr>
+          <p:cNvSpPr/>
+          <p:nvPr/>
+        </p:nvSpPr>
+        <p:spPr>
+          <a:xfrm>
+            <a:off x="1867238" y="2620733"/>
+            <a:ext cx="663433" cy="592469"/>
+          </a:xfrm>
+          <a:prstGeom prst="rect">
+            <a:avLst/>
+          </a:prstGeom>
+        </p:spPr>
+        <p:style>
+          <a:lnRef idx="2">
+            <a:schemeClr val="accent1">
+              <a:shade val="15000"/>
+            </a:schemeClr>
+          </a:lnRef>
+          <a:fillRef idx="1">
+            <a:schemeClr val="accent1"/>
+          </a:fillRef>
+          <a:effectRef idx="0">
+            <a:schemeClr val="accent1"/>
+          </a:effectRef>
+          <a:fontRef idx="minor">
+            <a:schemeClr val="lt1"/>
+          </a:fontRef>
+        </p:style>
+        <p:txBody>
+          <a:bodyPr rtlCol="0" anchor="ctr"/>
+          <a:lstStyle/>
+          <a:p>
+            <a:pPr algn="ctr"/>
+            <a:r>
+              <a:rPr lang="en-US" altLang="ko-KR" dirty="0"/>
+              <a:t>R2</a:t>
+            </a:r>
+            <a:endParaRPr lang="ko-KR" altLang="en-US" dirty="0"/>
+          </a:p>
+        </p:txBody>
+      </p:sp>
+      <p:cxnSp>
+        <p:nvCxnSpPr>
+          <p:cNvPr id="12" name="직선 화살표 연결선 11">
+            <a:extLst>
+              <a:ext uri="{FF2B5EF4-FFF2-40B4-BE49-F238E27FC236}">
+                <a16:creationId xmlns:a16="http://schemas.microsoft.com/office/drawing/2014/main" id="{4468889E-790C-7F1E-F3D7-E81AEC8B5AFA}"/>
+              </a:ext>
+            </a:extLst>
+          </p:cNvPr>
+          <p:cNvCxnSpPr>
+            <a:cxnSpLocks/>
+            <a:stCxn id="27" idx="3"/>
+            <a:endCxn id="10" idx="1"/>
+          </p:cNvCxnSpPr>
+          <p:nvPr/>
+        </p:nvCxnSpPr>
+        <p:spPr>
+          <a:xfrm flipV="1">
+            <a:off x="1256316" y="2916968"/>
+            <a:ext cx="610922" cy="6351"/>
+          </a:xfrm>
+          <a:prstGeom prst="straightConnector1">
+            <a:avLst/>
+          </a:prstGeom>
+          <a:ln w="38100">
+            <a:solidFill>
+              <a:srgbClr val="FFC000"/>
+            </a:solidFill>
+            <a:headEnd type="diamond" w="med" len="med"/>
+            <a:tailEnd type="triangle" w="med" len="med"/>
+          </a:ln>
+        </p:spPr>
+        <p:style>
+          <a:lnRef idx="1">
+            <a:schemeClr val="accent6"/>
+          </a:lnRef>
+          <a:fillRef idx="0">
+            <a:schemeClr val="accent6"/>
+          </a:fillRef>
+          <a:effectRef idx="0">
+            <a:schemeClr val="accent6"/>
+          </a:effectRef>
+          <a:fontRef idx="minor">
+            <a:schemeClr val="tx1"/>
+          </a:fontRef>
+        </p:style>
+      </p:cxnSp>
+      <p:sp>
+        <p:nvSpPr>
+          <p:cNvPr id="17" name="직사각형 16">
+            <a:extLst>
+              <a:ext uri="{FF2B5EF4-FFF2-40B4-BE49-F238E27FC236}">
+                <a16:creationId xmlns:a16="http://schemas.microsoft.com/office/drawing/2014/main" id="{6044C355-C383-3F63-E6D9-F928508F3888}"/>
+              </a:ext>
+            </a:extLst>
+          </p:cNvPr>
+          <p:cNvSpPr/>
+          <p:nvPr/>
+        </p:nvSpPr>
+        <p:spPr>
+          <a:xfrm>
+            <a:off x="7402138" y="2627084"/>
+            <a:ext cx="663433" cy="592469"/>
+          </a:xfrm>
+          <a:prstGeom prst="rect">
+            <a:avLst/>
+          </a:prstGeom>
+        </p:spPr>
+        <p:style>
+          <a:lnRef idx="2">
+            <a:schemeClr val="accent1">
+              <a:shade val="15000"/>
+            </a:schemeClr>
+          </a:lnRef>
+          <a:fillRef idx="1">
+            <a:schemeClr val="accent1"/>
+          </a:fillRef>
+          <a:effectRef idx="0">
+            <a:schemeClr val="accent1"/>
+          </a:effectRef>
+          <a:fontRef idx="minor">
+            <a:schemeClr val="lt1"/>
+          </a:fontRef>
+        </p:style>
+        <p:txBody>
+          <a:bodyPr rtlCol="0" anchor="ctr"/>
+          <a:lstStyle/>
+          <a:p>
+            <a:pPr algn="ctr"/>
+            <a:r>
+              <a:rPr lang="en-US" altLang="ko-KR" dirty="0"/>
+              <a:t>R6</a:t>
+            </a:r>
+            <a:endParaRPr lang="ko-KR" altLang="en-US" dirty="0"/>
+          </a:p>
+        </p:txBody>
+      </p:sp>
+      <p:sp>
+        <p:nvSpPr>
+          <p:cNvPr id="18" name="직사각형 17">
+            <a:extLst>
+              <a:ext uri="{FF2B5EF4-FFF2-40B4-BE49-F238E27FC236}">
+                <a16:creationId xmlns:a16="http://schemas.microsoft.com/office/drawing/2014/main" id="{B4E60B72-645C-100F-6931-CDEE5F21A903}"/>
+              </a:ext>
+            </a:extLst>
+          </p:cNvPr>
+          <p:cNvSpPr/>
+          <p:nvPr/>
+        </p:nvSpPr>
+        <p:spPr>
+          <a:xfrm>
+            <a:off x="5871898" y="2622360"/>
+            <a:ext cx="663433" cy="592469"/>
+          </a:xfrm>
+          <a:prstGeom prst="rect">
+            <a:avLst/>
+          </a:prstGeom>
+        </p:spPr>
+        <p:style>
+          <a:lnRef idx="2">
+            <a:schemeClr val="accent1">
+              <a:shade val="15000"/>
+            </a:schemeClr>
+          </a:lnRef>
+          <a:fillRef idx="1">
+            <a:schemeClr val="accent1"/>
+          </a:fillRef>
+          <a:effectRef idx="0">
+            <a:schemeClr val="accent1"/>
+          </a:effectRef>
+          <a:fontRef idx="minor">
+            <a:schemeClr val="lt1"/>
+          </a:fontRef>
+        </p:style>
+        <p:txBody>
+          <a:bodyPr rtlCol="0" anchor="ctr"/>
+          <a:lstStyle/>
+          <a:p>
+            <a:pPr algn="ctr"/>
+            <a:r>
+              <a:rPr lang="en-US" altLang="ko-KR" dirty="0"/>
+              <a:t>R5</a:t>
+            </a:r>
+            <a:endParaRPr lang="ko-KR" altLang="en-US" dirty="0"/>
+          </a:p>
+        </p:txBody>
+      </p:sp>
+      <p:cxnSp>
+        <p:nvCxnSpPr>
+          <p:cNvPr id="19" name="연결선: 꺾임 18">
+            <a:extLst>
+              <a:ext uri="{FF2B5EF4-FFF2-40B4-BE49-F238E27FC236}">
+                <a16:creationId xmlns:a16="http://schemas.microsoft.com/office/drawing/2014/main" id="{59E5B900-5BBA-9E28-F3CC-A99BB96F75F7}"/>
+              </a:ext>
+            </a:extLst>
+          </p:cNvPr>
+          <p:cNvCxnSpPr>
+            <a:cxnSpLocks/>
+            <a:stCxn id="87" idx="3"/>
+            <a:endCxn id="25" idx="1"/>
+          </p:cNvCxnSpPr>
+          <p:nvPr/>
+        </p:nvCxnSpPr>
+        <p:spPr>
+          <a:xfrm flipV="1">
+            <a:off x="3881103" y="2923319"/>
+            <a:ext cx="587727" cy="6350"/>
+          </a:xfrm>
+          <a:prstGeom prst="bentConnector3">
+            <a:avLst>
+              <a:gd name="adj1" fmla="val 50000"/>
+            </a:avLst>
+          </a:prstGeom>
+          <a:ln w="38100">
+            <a:solidFill>
+              <a:srgbClr val="FFC000"/>
+            </a:solidFill>
+            <a:headEnd type="diamond" w="med" len="med"/>
+            <a:tailEnd type="triangle" w="med" len="med"/>
+          </a:ln>
+        </p:spPr>
+        <p:style>
+          <a:lnRef idx="1">
+            <a:schemeClr val="accent6"/>
+          </a:lnRef>
+          <a:fillRef idx="0">
+            <a:schemeClr val="accent6"/>
+          </a:fillRef>
+          <a:effectRef idx="0">
+            <a:schemeClr val="accent6"/>
+          </a:effectRef>
+          <a:fontRef idx="minor">
+            <a:schemeClr val="tx1"/>
+          </a:fontRef>
+        </p:style>
+      </p:cxnSp>
+      <p:cxnSp>
+        <p:nvCxnSpPr>
+          <p:cNvPr id="22" name="연결선: 꺾임 21">
+            <a:extLst>
+              <a:ext uri="{FF2B5EF4-FFF2-40B4-BE49-F238E27FC236}">
+                <a16:creationId xmlns:a16="http://schemas.microsoft.com/office/drawing/2014/main" id="{2733490B-BE9B-D311-2050-6BF53AA83853}"/>
+              </a:ext>
+            </a:extLst>
+          </p:cNvPr>
+          <p:cNvCxnSpPr>
+            <a:cxnSpLocks/>
+            <a:stCxn id="25" idx="3"/>
+            <a:endCxn id="18" idx="1"/>
+          </p:cNvCxnSpPr>
+          <p:nvPr/>
+        </p:nvCxnSpPr>
+        <p:spPr>
+          <a:xfrm flipV="1">
+            <a:off x="5132263" y="2918595"/>
+            <a:ext cx="739635" cy="4724"/>
+          </a:xfrm>
+          <a:prstGeom prst="bentConnector3">
+            <a:avLst>
+              <a:gd name="adj1" fmla="val 50000"/>
+            </a:avLst>
+          </a:prstGeom>
+          <a:ln w="38100">
+            <a:solidFill>
+              <a:srgbClr val="FFC000"/>
+            </a:solidFill>
+            <a:headEnd type="diamond" w="med" len="med"/>
+            <a:tailEnd type="triangle" w="med" len="med"/>
+          </a:ln>
+        </p:spPr>
+        <p:style>
+          <a:lnRef idx="1">
+            <a:schemeClr val="accent6"/>
+          </a:lnRef>
+          <a:fillRef idx="0">
+            <a:schemeClr val="accent6"/>
+          </a:fillRef>
+          <a:effectRef idx="0">
+            <a:schemeClr val="accent6"/>
+          </a:effectRef>
+          <a:fontRef idx="minor">
+            <a:schemeClr val="tx1"/>
+          </a:fontRef>
+        </p:style>
+      </p:cxnSp>
+      <p:cxnSp>
+        <p:nvCxnSpPr>
+          <p:cNvPr id="24" name="연결선: 꺾임 23">
+            <a:extLst>
+              <a:ext uri="{FF2B5EF4-FFF2-40B4-BE49-F238E27FC236}">
+                <a16:creationId xmlns:a16="http://schemas.microsoft.com/office/drawing/2014/main" id="{3C5B2C2F-B720-6A92-09CF-A51FC3D0F0A0}"/>
+              </a:ext>
+            </a:extLst>
+          </p:cNvPr>
+          <p:cNvCxnSpPr>
+            <a:cxnSpLocks/>
+            <a:stCxn id="18" idx="3"/>
+            <a:endCxn id="17" idx="1"/>
+          </p:cNvCxnSpPr>
+          <p:nvPr/>
+        </p:nvCxnSpPr>
+        <p:spPr>
+          <a:xfrm>
+            <a:off x="6535331" y="2918595"/>
+            <a:ext cx="866807" cy="4724"/>
+          </a:xfrm>
+          <a:prstGeom prst="bentConnector3">
+            <a:avLst>
+              <a:gd name="adj1" fmla="val 50000"/>
+            </a:avLst>
+          </a:prstGeom>
+          <a:ln w="38100">
+            <a:solidFill>
+              <a:srgbClr val="FFC000"/>
+            </a:solidFill>
+            <a:headEnd type="diamond" w="med" len="med"/>
+            <a:tailEnd type="triangle" w="med" len="med"/>
+          </a:ln>
+        </p:spPr>
+        <p:style>
+          <a:lnRef idx="1">
+            <a:schemeClr val="accent6"/>
+          </a:lnRef>
+          <a:fillRef idx="0">
+            <a:schemeClr val="accent6"/>
+          </a:fillRef>
+          <a:effectRef idx="0">
+            <a:schemeClr val="accent6"/>
+          </a:effectRef>
+          <a:fontRef idx="minor">
+            <a:schemeClr val="tx1"/>
+          </a:fontRef>
+        </p:style>
+      </p:cxnSp>
+      <p:sp>
+        <p:nvSpPr>
+          <p:cNvPr id="25" name="직사각형 24">
+            <a:extLst>
+              <a:ext uri="{FF2B5EF4-FFF2-40B4-BE49-F238E27FC236}">
+                <a16:creationId xmlns:a16="http://schemas.microsoft.com/office/drawing/2014/main" id="{B06B46FB-04BB-7140-D6ED-7D2BC816F7FA}"/>
+              </a:ext>
+            </a:extLst>
+          </p:cNvPr>
+          <p:cNvSpPr/>
+          <p:nvPr/>
+        </p:nvSpPr>
+        <p:spPr>
+          <a:xfrm>
+            <a:off x="4468830" y="2627084"/>
+            <a:ext cx="663433" cy="592469"/>
+          </a:xfrm>
+          <a:prstGeom prst="rect">
+            <a:avLst/>
+          </a:prstGeom>
+        </p:spPr>
+        <p:style>
+          <a:lnRef idx="2">
+            <a:schemeClr val="accent1">
+              <a:shade val="15000"/>
+            </a:schemeClr>
+          </a:lnRef>
+          <a:fillRef idx="1">
+            <a:schemeClr val="accent1"/>
+          </a:fillRef>
+          <a:effectRef idx="0">
+            <a:schemeClr val="accent1"/>
+          </a:effectRef>
+          <a:fontRef idx="minor">
+            <a:schemeClr val="lt1"/>
+          </a:fontRef>
+        </p:style>
+        <p:txBody>
+          <a:bodyPr rtlCol="0" anchor="ctr"/>
+          <a:lstStyle/>
+          <a:p>
+            <a:pPr algn="ctr"/>
+            <a:r>
+              <a:rPr lang="en-US" altLang="ko-KR" dirty="0"/>
+              <a:t>R4</a:t>
+            </a:r>
+            <a:endParaRPr lang="ko-KR" altLang="en-US" dirty="0"/>
+          </a:p>
+        </p:txBody>
+      </p:sp>
+      <p:sp>
+        <p:nvSpPr>
+          <p:cNvPr id="27" name="직사각형 26">
+            <a:extLst>
+              <a:ext uri="{FF2B5EF4-FFF2-40B4-BE49-F238E27FC236}">
+                <a16:creationId xmlns:a16="http://schemas.microsoft.com/office/drawing/2014/main" id="{826F89DD-563D-236A-C49C-746AC992DDB6}"/>
+              </a:ext>
+            </a:extLst>
+          </p:cNvPr>
+          <p:cNvSpPr/>
+          <p:nvPr/>
+        </p:nvSpPr>
+        <p:spPr>
+          <a:xfrm>
+            <a:off x="592883" y="2627084"/>
+            <a:ext cx="663433" cy="592469"/>
+          </a:xfrm>
+          <a:prstGeom prst="rect">
+            <a:avLst/>
+          </a:prstGeom>
+        </p:spPr>
+        <p:style>
+          <a:lnRef idx="2">
+            <a:schemeClr val="accent1">
+              <a:shade val="15000"/>
+            </a:schemeClr>
+          </a:lnRef>
+          <a:fillRef idx="1">
+            <a:schemeClr val="accent1"/>
+          </a:fillRef>
+          <a:effectRef idx="0">
+            <a:schemeClr val="accent1"/>
+          </a:effectRef>
+          <a:fontRef idx="minor">
+            <a:schemeClr val="lt1"/>
+          </a:fontRef>
+        </p:style>
+        <p:txBody>
+          <a:bodyPr rtlCol="0" anchor="ctr"/>
+          <a:lstStyle/>
+          <a:p>
+            <a:pPr algn="ctr"/>
+            <a:r>
+              <a:rPr lang="en-US" altLang="ko-KR" dirty="0"/>
+              <a:t>R1</a:t>
+            </a:r>
+            <a:endParaRPr lang="ko-KR" altLang="en-US" dirty="0"/>
+          </a:p>
+        </p:txBody>
+      </p:sp>
+      <p:cxnSp>
+        <p:nvCxnSpPr>
+          <p:cNvPr id="67" name="연결선: 꺾임 66">
+            <a:extLst>
+              <a:ext uri="{FF2B5EF4-FFF2-40B4-BE49-F238E27FC236}">
+                <a16:creationId xmlns:a16="http://schemas.microsoft.com/office/drawing/2014/main" id="{1FA73A2C-6F5B-2F31-94EF-1027901263AB}"/>
+              </a:ext>
+            </a:extLst>
+          </p:cNvPr>
+          <p:cNvCxnSpPr>
+            <a:cxnSpLocks/>
+            <a:stCxn id="17" idx="2"/>
+            <a:endCxn id="25" idx="2"/>
+          </p:cNvCxnSpPr>
+          <p:nvPr/>
+        </p:nvCxnSpPr>
+        <p:spPr>
+          <a:xfrm rot="5400000">
+            <a:off x="6267201" y="1752899"/>
+            <a:ext cx="12700" cy="2933308"/>
+          </a:xfrm>
+          <a:prstGeom prst="bentConnector3">
+            <a:avLst>
+              <a:gd name="adj1" fmla="val 1800000"/>
+            </a:avLst>
+          </a:prstGeom>
+          <a:ln>
+            <a:prstDash val="dash"/>
+            <a:tailEnd type="triangle"/>
+          </a:ln>
+        </p:spPr>
+        <p:style>
+          <a:lnRef idx="1">
+            <a:schemeClr val="accent1"/>
+          </a:lnRef>
+          <a:fillRef idx="0">
+            <a:schemeClr val="accent1"/>
+          </a:fillRef>
+          <a:effectRef idx="0">
+            <a:schemeClr val="accent1"/>
+          </a:effectRef>
+          <a:fontRef idx="minor">
+            <a:schemeClr val="tx1"/>
+          </a:fontRef>
+        </p:style>
+      </p:cxnSp>
+      <p:cxnSp>
+        <p:nvCxnSpPr>
+          <p:cNvPr id="73" name="연결선: 꺾임 72">
+            <a:extLst>
+              <a:ext uri="{FF2B5EF4-FFF2-40B4-BE49-F238E27FC236}">
+                <a16:creationId xmlns:a16="http://schemas.microsoft.com/office/drawing/2014/main" id="{12177539-0155-32E8-083F-16AEBAC97ABF}"/>
+              </a:ext>
+            </a:extLst>
+          </p:cNvPr>
+          <p:cNvCxnSpPr>
+            <a:cxnSpLocks/>
+            <a:stCxn id="17" idx="0"/>
+            <a:endCxn id="10" idx="0"/>
+          </p:cNvCxnSpPr>
+          <p:nvPr/>
+        </p:nvCxnSpPr>
+        <p:spPr>
+          <a:xfrm rot="16200000" flipV="1">
+            <a:off x="4963230" y="-143541"/>
+            <a:ext cx="6351" cy="5534900"/>
+          </a:xfrm>
+          <a:prstGeom prst="bentConnector3">
+            <a:avLst>
+              <a:gd name="adj1" fmla="val 3699433"/>
+            </a:avLst>
+          </a:prstGeom>
+          <a:ln>
+            <a:prstDash val="dash"/>
+            <a:tailEnd type="triangle"/>
+          </a:ln>
+        </p:spPr>
+        <p:style>
+          <a:lnRef idx="1">
+            <a:schemeClr val="accent1"/>
+          </a:lnRef>
+          <a:fillRef idx="0">
+            <a:schemeClr val="accent1"/>
+          </a:fillRef>
+          <a:effectRef idx="0">
+            <a:schemeClr val="accent1"/>
+          </a:effectRef>
+          <a:fontRef idx="minor">
+            <a:schemeClr val="tx1"/>
+          </a:fontRef>
+        </p:style>
+      </p:cxnSp>
+      <p:cxnSp>
+        <p:nvCxnSpPr>
+          <p:cNvPr id="77" name="연결선: 꺾임 76">
+            <a:extLst>
+              <a:ext uri="{FF2B5EF4-FFF2-40B4-BE49-F238E27FC236}">
+                <a16:creationId xmlns:a16="http://schemas.microsoft.com/office/drawing/2014/main" id="{340496CB-9EDB-E0D7-AB3B-F05A3591A864}"/>
+              </a:ext>
+            </a:extLst>
+          </p:cNvPr>
+          <p:cNvCxnSpPr>
+            <a:cxnSpLocks/>
+            <a:stCxn id="17" idx="0"/>
+            <a:endCxn id="27" idx="0"/>
+          </p:cNvCxnSpPr>
+          <p:nvPr/>
+        </p:nvCxnSpPr>
+        <p:spPr>
+          <a:xfrm rot="16200000" flipV="1">
+            <a:off x="4329228" y="-777544"/>
+            <a:ext cx="12700" cy="6809255"/>
+          </a:xfrm>
+          <a:prstGeom prst="bentConnector3">
+            <a:avLst>
+              <a:gd name="adj1" fmla="val 6159630"/>
+            </a:avLst>
+          </a:prstGeom>
+          <a:ln>
+            <a:prstDash val="dash"/>
+            <a:tailEnd type="triangle"/>
+          </a:ln>
+        </p:spPr>
+        <p:style>
+          <a:lnRef idx="1">
+            <a:schemeClr val="accent1"/>
+          </a:lnRef>
+          <a:fillRef idx="0">
+            <a:schemeClr val="accent1"/>
+          </a:fillRef>
+          <a:effectRef idx="0">
+            <a:schemeClr val="accent1"/>
+          </a:effectRef>
+          <a:fontRef idx="minor">
+            <a:schemeClr val="tx1"/>
+          </a:fontRef>
+        </p:style>
+      </p:cxnSp>
+      <p:sp>
+        <p:nvSpPr>
+          <p:cNvPr id="87" name="직사각형 86">
+            <a:extLst>
+              <a:ext uri="{FF2B5EF4-FFF2-40B4-BE49-F238E27FC236}">
+                <a16:creationId xmlns:a16="http://schemas.microsoft.com/office/drawing/2014/main" id="{5A6CBCEF-C909-1A64-34EE-DBD29842C684}"/>
+              </a:ext>
+            </a:extLst>
+          </p:cNvPr>
+          <p:cNvSpPr/>
+          <p:nvPr/>
+        </p:nvSpPr>
+        <p:spPr>
+          <a:xfrm>
+            <a:off x="3217670" y="2633434"/>
+            <a:ext cx="663433" cy="592469"/>
+          </a:xfrm>
+          <a:prstGeom prst="rect">
+            <a:avLst/>
+          </a:prstGeom>
+        </p:spPr>
+        <p:style>
+          <a:lnRef idx="2">
+            <a:schemeClr val="accent1">
+              <a:shade val="15000"/>
+            </a:schemeClr>
+          </a:lnRef>
+          <a:fillRef idx="1">
+            <a:schemeClr val="accent1"/>
+          </a:fillRef>
+          <a:effectRef idx="0">
+            <a:schemeClr val="accent1"/>
+          </a:effectRef>
+          <a:fontRef idx="minor">
+            <a:schemeClr val="lt1"/>
+          </a:fontRef>
+        </p:style>
+        <p:txBody>
+          <a:bodyPr rtlCol="0" anchor="ctr"/>
+          <a:lstStyle/>
+          <a:p>
+            <a:pPr algn="ctr"/>
+            <a:r>
+              <a:rPr lang="en-US" altLang="ko-KR" dirty="0"/>
+              <a:t>R3</a:t>
+            </a:r>
+            <a:endParaRPr lang="ko-KR" altLang="en-US" dirty="0"/>
+          </a:p>
+        </p:txBody>
+      </p:sp>
+      <p:cxnSp>
+        <p:nvCxnSpPr>
+          <p:cNvPr id="89" name="연결선: 꺾임 88">
+            <a:extLst>
+              <a:ext uri="{FF2B5EF4-FFF2-40B4-BE49-F238E27FC236}">
+                <a16:creationId xmlns:a16="http://schemas.microsoft.com/office/drawing/2014/main" id="{7E2665E8-D403-D8FB-9969-944A31F68D20}"/>
+              </a:ext>
+            </a:extLst>
+          </p:cNvPr>
+          <p:cNvCxnSpPr>
+            <a:cxnSpLocks/>
+            <a:stCxn id="10" idx="3"/>
+            <a:endCxn id="87" idx="1"/>
+          </p:cNvCxnSpPr>
+          <p:nvPr/>
+        </p:nvCxnSpPr>
+        <p:spPr>
+          <a:xfrm>
+            <a:off x="2530671" y="2916968"/>
+            <a:ext cx="686999" cy="12701"/>
+          </a:xfrm>
+          <a:prstGeom prst="bentConnector3">
+            <a:avLst>
+              <a:gd name="adj1" fmla="val 50000"/>
+            </a:avLst>
+          </a:prstGeom>
+          <a:ln w="38100">
+            <a:solidFill>
+              <a:srgbClr val="FFC000"/>
+            </a:solidFill>
+            <a:headEnd type="diamond" w="med" len="med"/>
+            <a:tailEnd type="triangle" w="med" len="med"/>
+          </a:ln>
+        </p:spPr>
+        <p:style>
+          <a:lnRef idx="1">
+            <a:schemeClr val="accent6"/>
+          </a:lnRef>
+          <a:fillRef idx="0">
+            <a:schemeClr val="accent6"/>
+          </a:fillRef>
+          <a:effectRef idx="0">
+            <a:schemeClr val="accent6"/>
+          </a:effectRef>
+          <a:fontRef idx="minor">
+            <a:schemeClr val="tx1"/>
+          </a:fontRef>
+        </p:style>
+      </p:cxnSp>
+      <p:cxnSp>
+        <p:nvCxnSpPr>
+          <p:cNvPr id="97" name="연결선: 꺾임 96">
+            <a:extLst>
+              <a:ext uri="{FF2B5EF4-FFF2-40B4-BE49-F238E27FC236}">
+                <a16:creationId xmlns:a16="http://schemas.microsoft.com/office/drawing/2014/main" id="{1A94C3A6-3400-5D86-232C-98A63CE7697F}"/>
+              </a:ext>
+            </a:extLst>
+          </p:cNvPr>
+          <p:cNvCxnSpPr>
+            <a:cxnSpLocks/>
+            <a:stCxn id="17" idx="2"/>
+            <a:endCxn id="87" idx="2"/>
+          </p:cNvCxnSpPr>
+          <p:nvPr/>
+        </p:nvCxnSpPr>
+        <p:spPr>
+          <a:xfrm rot="5400000">
+            <a:off x="5638446" y="1130494"/>
+            <a:ext cx="6350" cy="4184468"/>
+          </a:xfrm>
+          <a:prstGeom prst="bentConnector3">
+            <a:avLst>
+              <a:gd name="adj1" fmla="val 13872488"/>
+            </a:avLst>
+          </a:prstGeom>
+          <a:ln>
+            <a:prstDash val="dash"/>
+            <a:tailEnd type="triangle"/>
+          </a:ln>
+        </p:spPr>
+        <p:style>
+          <a:lnRef idx="1">
+            <a:schemeClr val="accent1"/>
+          </a:lnRef>
+          <a:fillRef idx="0">
+            <a:schemeClr val="accent1"/>
+          </a:fillRef>
+          <a:effectRef idx="0">
+            <a:schemeClr val="accent1"/>
+          </a:effectRef>
+          <a:fontRef idx="minor">
+            <a:schemeClr val="tx1"/>
+          </a:fontRef>
+        </p:style>
+      </p:cxnSp>
+    </p:spTree>
+    <p:extLst>
+      <p:ext uri="{BB962C8B-B14F-4D97-AF65-F5344CB8AC3E}">
+        <p14:creationId xmlns:p14="http://schemas.microsoft.com/office/powerpoint/2010/main" val="3650688264"/>
+      </p:ext>
+    </p:extLst>
+  </p:cSld>
+  <p:clrMapOvr>
+    <a:masterClrMapping/>
+  </p:clrMapOvr>
+</p:sld>
+</file>
+
+<file path=ppt/slides/slide7.xml><?xml version="1.0" encoding="utf-8"?>
 <p:sld xmlns:a="http://schemas.openxmlformats.org/drawingml/2006/main" xmlns:r="http://schemas.openxmlformats.org/officeDocument/2006/relationships" xmlns:p="http://schemas.openxmlformats.org/presentationml/2006/main" show="0">
   <p:cSld>
     <p:spTree>
@@ -22980,7 +25090,7 @@
 </p:sld>
 </file>
 
-<file path=ppt/slides/slide7.xml><?xml version="1.0" encoding="utf-8"?>
+<file path=ppt/slides/slide8.xml><?xml version="1.0" encoding="utf-8"?>
 <p:sld xmlns:a="http://schemas.openxmlformats.org/drawingml/2006/main" xmlns:r="http://schemas.openxmlformats.org/officeDocument/2006/relationships" xmlns:p="http://schemas.openxmlformats.org/presentationml/2006/main" show="0">
   <p:cSld>
     <p:spTree>
@@ -23413,7 +25523,7 @@
 </p:sld>
 </file>
 
-<file path=ppt/slides/slide8.xml><?xml version="1.0" encoding="utf-8"?>
+<file path=ppt/slides/slide9.xml><?xml version="1.0" encoding="utf-8"?>
 <p:sld xmlns:a="http://schemas.openxmlformats.org/drawingml/2006/main" xmlns:r="http://schemas.openxmlformats.org/officeDocument/2006/relationships" xmlns:p="http://schemas.openxmlformats.org/presentationml/2006/main" show="0">
   <p:cSld>
     <p:spTree>
@@ -24595,1203 +26705,6 @@
     <p:extLst>
       <p:ext uri="{BB962C8B-B14F-4D97-AF65-F5344CB8AC3E}">
         <p14:creationId xmlns:p14="http://schemas.microsoft.com/office/powerpoint/2010/main" val="1094555352"/>
-      </p:ext>
-    </p:extLst>
-  </p:cSld>
-  <p:clrMapOvr>
-    <a:masterClrMapping/>
-  </p:clrMapOvr>
-</p:sld>
-</file>
-
-<file path=ppt/slides/slide9.xml><?xml version="1.0" encoding="utf-8"?>
-<p:sld xmlns:a="http://schemas.openxmlformats.org/drawingml/2006/main" xmlns:r="http://schemas.openxmlformats.org/officeDocument/2006/relationships" xmlns:p="http://schemas.openxmlformats.org/presentationml/2006/main" show="0">
-  <p:cSld>
-    <p:spTree>
-      <p:nvGrpSpPr>
-        <p:cNvPr id="1" name=""/>
-        <p:cNvGrpSpPr/>
-        <p:nvPr/>
-      </p:nvGrpSpPr>
-      <p:grpSpPr>
-        <a:xfrm>
-          <a:off x="0" y="0"/>
-          <a:ext cx="0" cy="0"/>
-          <a:chOff x="0" y="0"/>
-          <a:chExt cx="0" cy="0"/>
-        </a:xfrm>
-      </p:grpSpPr>
-      <p:sp>
-        <p:nvSpPr>
-          <p:cNvPr id="2" name="제목 1">
-            <a:extLst>
-              <a:ext uri="{FF2B5EF4-FFF2-40B4-BE49-F238E27FC236}">
-                <a16:creationId xmlns:a16="http://schemas.microsoft.com/office/drawing/2014/main" id="{5E8FE27E-4086-E570-1BA4-F2B433CAA376}"/>
-              </a:ext>
-            </a:extLst>
-          </p:cNvPr>
-          <p:cNvSpPr>
-            <a:spLocks noGrp="1"/>
-          </p:cNvSpPr>
-          <p:nvPr>
-            <p:ph type="title"/>
-          </p:nvPr>
-        </p:nvSpPr>
-        <p:spPr/>
-        <p:txBody>
-          <a:bodyPr/>
-          <a:lstStyle/>
-          <a:p>
-            <a:r>
-              <a:rPr lang="en-US" altLang="ko-KR" sz="4400" dirty="0"/>
-              <a:t>F1</a:t>
-            </a:r>
-            <a:endParaRPr lang="ko-KR" altLang="en-US" dirty="0"/>
-          </a:p>
-        </p:txBody>
-      </p:sp>
-      <p:sp>
-        <p:nvSpPr>
-          <p:cNvPr id="42" name="화살표: 오각형 41">
-            <a:extLst>
-              <a:ext uri="{FF2B5EF4-FFF2-40B4-BE49-F238E27FC236}">
-                <a16:creationId xmlns:a16="http://schemas.microsoft.com/office/drawing/2014/main" id="{2F89300B-092D-5CED-C5FE-5B8BE106F031}"/>
-              </a:ext>
-            </a:extLst>
-          </p:cNvPr>
-          <p:cNvSpPr/>
-          <p:nvPr/>
-        </p:nvSpPr>
-        <p:spPr>
-          <a:xfrm flipH="1">
-            <a:off x="-71505" y="3121460"/>
-            <a:ext cx="1233582" cy="690024"/>
-          </a:xfrm>
-          <a:prstGeom prst="homePlate">
-            <a:avLst/>
-          </a:prstGeom>
-          <a:solidFill>
-            <a:schemeClr val="accent2">
-              <a:alpha val="50000"/>
-            </a:schemeClr>
-          </a:solidFill>
-          <a:ln>
-            <a:noFill/>
-          </a:ln>
-        </p:spPr>
-        <p:style>
-          <a:lnRef idx="0">
-            <a:scrgbClr r="0" g="0" b="0"/>
-          </a:lnRef>
-          <a:fillRef idx="0">
-            <a:scrgbClr r="0" g="0" b="0"/>
-          </a:fillRef>
-          <a:effectRef idx="0">
-            <a:scrgbClr r="0" g="0" b="0"/>
-          </a:effectRef>
-          <a:fontRef idx="minor">
-            <a:schemeClr val="lt1"/>
-          </a:fontRef>
-        </p:style>
-        <p:txBody>
-          <a:bodyPr vert="horz" wrap="none" lIns="91440" tIns="45720" rIns="91440" bIns="45720" numCol="1" rtlCol="0" anchor="ctr" anchorCtr="0" compatLnSpc="1">
-            <a:prstTxWarp prst="textNoShape">
-              <a:avLst/>
-            </a:prstTxWarp>
-          </a:bodyPr>
-          <a:lstStyle/>
-          <a:p>
-            <a:pPr algn="ctr"/>
-            <a:r>
-              <a:rPr lang="en-US" altLang="ko-KR" sz="1200" dirty="0" err="1">
-                <a:ea typeface="현대하모니 M" panose="02020603020101020101"/>
-              </a:rPr>
-              <a:t>API11</a:t>
-            </a:r>
-            <a:endParaRPr lang="en-US" altLang="ko-KR" sz="1200" dirty="0">
-              <a:ea typeface="현대하모니 M" panose="02020603020101020101"/>
-            </a:endParaRPr>
-          </a:p>
-          <a:p>
-            <a:pPr algn="ctr"/>
-            <a:r>
-              <a:rPr lang="en-US" altLang="ko-KR" sz="1200" dirty="0">
-                <a:ea typeface="현대하모니 M" panose="02020603020101020101"/>
-              </a:rPr>
-              <a:t>[</a:t>
-            </a:r>
-            <a:r>
-              <a:rPr lang="en-US" altLang="ko-KR" sz="1200" dirty="0" err="1">
-                <a:ea typeface="현대하모니 M" panose="02020603020101020101"/>
-              </a:rPr>
-              <a:t>R1~R2</a:t>
-            </a:r>
-            <a:r>
-              <a:rPr lang="en-US" altLang="ko-KR" sz="1200" dirty="0">
-                <a:ea typeface="현대하모니 M" panose="02020603020101020101"/>
-              </a:rPr>
-              <a:t>]</a:t>
-            </a:r>
-            <a:endParaRPr lang="ko-KR" altLang="en-US" sz="1200" dirty="0">
-              <a:ea typeface="현대하모니 M" panose="02020603020101020101"/>
-            </a:endParaRPr>
-          </a:p>
-        </p:txBody>
-      </p:sp>
-      <p:sp>
-        <p:nvSpPr>
-          <p:cNvPr id="44" name="화살표: 오각형 43">
-            <a:extLst>
-              <a:ext uri="{FF2B5EF4-FFF2-40B4-BE49-F238E27FC236}">
-                <a16:creationId xmlns:a16="http://schemas.microsoft.com/office/drawing/2014/main" id="{AA65BDF8-B9CD-00FB-C4EB-97887425723E}"/>
-              </a:ext>
-            </a:extLst>
-          </p:cNvPr>
-          <p:cNvSpPr/>
-          <p:nvPr/>
-        </p:nvSpPr>
-        <p:spPr>
-          <a:xfrm flipH="1">
-            <a:off x="-71506" y="3900938"/>
-            <a:ext cx="1233582" cy="690024"/>
-          </a:xfrm>
-          <a:prstGeom prst="homePlate">
-            <a:avLst/>
-          </a:prstGeom>
-          <a:solidFill>
-            <a:schemeClr val="accent2">
-              <a:alpha val="50000"/>
-            </a:schemeClr>
-          </a:solidFill>
-          <a:ln>
-            <a:noFill/>
-          </a:ln>
-        </p:spPr>
-        <p:style>
-          <a:lnRef idx="0">
-            <a:scrgbClr r="0" g="0" b="0"/>
-          </a:lnRef>
-          <a:fillRef idx="0">
-            <a:scrgbClr r="0" g="0" b="0"/>
-          </a:fillRef>
-          <a:effectRef idx="0">
-            <a:scrgbClr r="0" g="0" b="0"/>
-          </a:effectRef>
-          <a:fontRef idx="minor">
-            <a:schemeClr val="lt1"/>
-          </a:fontRef>
-        </p:style>
-        <p:txBody>
-          <a:bodyPr vert="horz" wrap="none" lIns="91440" tIns="45720" rIns="91440" bIns="45720" numCol="1" rtlCol="0" anchor="ctr" anchorCtr="0" compatLnSpc="1">
-            <a:prstTxWarp prst="textNoShape">
-              <a:avLst/>
-            </a:prstTxWarp>
-          </a:bodyPr>
-          <a:lstStyle/>
-          <a:p>
-            <a:pPr algn="ctr"/>
-            <a:r>
-              <a:rPr lang="en-US" altLang="ko-KR" sz="1200" dirty="0" err="1">
-                <a:ea typeface="현대하모니 M" panose="02020603020101020101"/>
-              </a:rPr>
-              <a:t>API12</a:t>
-            </a:r>
-            <a:endParaRPr lang="en-US" altLang="ko-KR" sz="1200" dirty="0">
-              <a:ea typeface="현대하모니 M" panose="02020603020101020101"/>
-            </a:endParaRPr>
-          </a:p>
-          <a:p>
-            <a:pPr algn="ctr"/>
-            <a:r>
-              <a:rPr lang="en-US" altLang="ko-KR" sz="1200" dirty="0">
-                <a:ea typeface="현대하모니 M" panose="02020603020101020101"/>
-              </a:rPr>
-              <a:t>[</a:t>
-            </a:r>
-            <a:r>
-              <a:rPr lang="en-US" altLang="ko-KR" sz="1200" dirty="0" err="1">
-                <a:ea typeface="현대하모니 M" panose="02020603020101020101"/>
-              </a:rPr>
-              <a:t>R4~R6</a:t>
-            </a:r>
-            <a:r>
-              <a:rPr lang="en-US" altLang="ko-KR" sz="1200" dirty="0">
-                <a:ea typeface="현대하모니 M" panose="02020603020101020101"/>
-              </a:rPr>
-              <a:t>]</a:t>
-            </a:r>
-            <a:endParaRPr lang="ko-KR" altLang="en-US" sz="1200" dirty="0">
-              <a:ea typeface="현대하모니 M" panose="02020603020101020101"/>
-            </a:endParaRPr>
-          </a:p>
-        </p:txBody>
-      </p:sp>
-      <p:cxnSp>
-        <p:nvCxnSpPr>
-          <p:cNvPr id="45" name="연결선: 꺾임 44">
-            <a:extLst>
-              <a:ext uri="{FF2B5EF4-FFF2-40B4-BE49-F238E27FC236}">
-                <a16:creationId xmlns:a16="http://schemas.microsoft.com/office/drawing/2014/main" id="{B2E87DD6-491A-DFA6-EF05-57E3DE69FB3E}"/>
-              </a:ext>
-            </a:extLst>
-          </p:cNvPr>
-          <p:cNvCxnSpPr>
-            <a:cxnSpLocks/>
-            <a:stCxn id="44" idx="1"/>
-            <a:endCxn id="42" idx="1"/>
-          </p:cNvCxnSpPr>
-          <p:nvPr/>
-        </p:nvCxnSpPr>
-        <p:spPr>
-          <a:xfrm flipV="1">
-            <a:off x="1162076" y="3466472"/>
-            <a:ext cx="1" cy="779478"/>
-          </a:xfrm>
-          <a:prstGeom prst="bentConnector3">
-            <a:avLst>
-              <a:gd name="adj1" fmla="val 22860100000"/>
-            </a:avLst>
-          </a:prstGeom>
-          <a:ln w="57150">
-            <a:solidFill>
-              <a:schemeClr val="accent6"/>
-            </a:solidFill>
-            <a:prstDash val="dash"/>
-            <a:headEnd type="triangle" w="med" len="med"/>
-            <a:tailEnd type="triangle" w="med" len="med"/>
-          </a:ln>
-        </p:spPr>
-        <p:style>
-          <a:lnRef idx="1">
-            <a:schemeClr val="accent1"/>
-          </a:lnRef>
-          <a:fillRef idx="0">
-            <a:schemeClr val="accent1"/>
-          </a:fillRef>
-          <a:effectRef idx="0">
-            <a:schemeClr val="accent1"/>
-          </a:effectRef>
-          <a:fontRef idx="minor">
-            <a:schemeClr val="tx1"/>
-          </a:fontRef>
-        </p:style>
-      </p:cxnSp>
-      <p:sp>
-        <p:nvSpPr>
-          <p:cNvPr id="56" name="직사각형 55">
-            <a:extLst>
-              <a:ext uri="{FF2B5EF4-FFF2-40B4-BE49-F238E27FC236}">
-                <a16:creationId xmlns:a16="http://schemas.microsoft.com/office/drawing/2014/main" id="{B59930BF-EFE8-0861-D55E-FEAC7FD46A32}"/>
-              </a:ext>
-            </a:extLst>
-          </p:cNvPr>
-          <p:cNvSpPr/>
-          <p:nvPr/>
-        </p:nvSpPr>
-        <p:spPr>
-          <a:xfrm>
-            <a:off x="3367314" y="2622445"/>
-            <a:ext cx="1103086" cy="1066431"/>
-          </a:xfrm>
-          <a:prstGeom prst="rect">
-            <a:avLst/>
-          </a:prstGeom>
-          <a:solidFill>
-            <a:schemeClr val="accent4">
-              <a:alpha val="50000"/>
-            </a:schemeClr>
-          </a:solidFill>
-          <a:ln>
-            <a:noFill/>
-          </a:ln>
-        </p:spPr>
-        <p:style>
-          <a:lnRef idx="0">
-            <a:scrgbClr r="0" g="0" b="0"/>
-          </a:lnRef>
-          <a:fillRef idx="0">
-            <a:scrgbClr r="0" g="0" b="0"/>
-          </a:fillRef>
-          <a:effectRef idx="0">
-            <a:scrgbClr r="0" g="0" b="0"/>
-          </a:effectRef>
-          <a:fontRef idx="minor">
-            <a:schemeClr val="lt1"/>
-          </a:fontRef>
-        </p:style>
-        <p:txBody>
-          <a:bodyPr rtlCol="0" anchor="ctr"/>
-          <a:lstStyle/>
-          <a:p>
-            <a:pPr algn="ctr"/>
-            <a:r>
-              <a:rPr lang="en-US" altLang="ko-KR" sz="1200" dirty="0"/>
-              <a:t>R1</a:t>
-            </a:r>
-            <a:endParaRPr lang="ko-KR" altLang="en-US" sz="1200" dirty="0"/>
-          </a:p>
-        </p:txBody>
-      </p:sp>
-      <p:sp>
-        <p:nvSpPr>
-          <p:cNvPr id="57" name="직사각형 56">
-            <a:extLst>
-              <a:ext uri="{FF2B5EF4-FFF2-40B4-BE49-F238E27FC236}">
-                <a16:creationId xmlns:a16="http://schemas.microsoft.com/office/drawing/2014/main" id="{BC6400FF-5524-4038-3024-EDBA75033DA4}"/>
-              </a:ext>
-            </a:extLst>
-          </p:cNvPr>
-          <p:cNvSpPr/>
-          <p:nvPr/>
-        </p:nvSpPr>
-        <p:spPr>
-          <a:xfrm>
-            <a:off x="5152571" y="2622445"/>
-            <a:ext cx="1103086" cy="1066431"/>
-          </a:xfrm>
-          <a:prstGeom prst="rect">
-            <a:avLst/>
-          </a:prstGeom>
-          <a:solidFill>
-            <a:schemeClr val="accent4">
-              <a:alpha val="50000"/>
-            </a:schemeClr>
-          </a:solidFill>
-          <a:ln>
-            <a:noFill/>
-          </a:ln>
-        </p:spPr>
-        <p:style>
-          <a:lnRef idx="0">
-            <a:scrgbClr r="0" g="0" b="0"/>
-          </a:lnRef>
-          <a:fillRef idx="0">
-            <a:scrgbClr r="0" g="0" b="0"/>
-          </a:fillRef>
-          <a:effectRef idx="0">
-            <a:scrgbClr r="0" g="0" b="0"/>
-          </a:effectRef>
-          <a:fontRef idx="minor">
-            <a:schemeClr val="lt1"/>
-          </a:fontRef>
-        </p:style>
-        <p:txBody>
-          <a:bodyPr rtlCol="0" anchor="ctr"/>
-          <a:lstStyle/>
-          <a:p>
-            <a:pPr algn="ctr"/>
-            <a:r>
-              <a:rPr lang="en-US" altLang="ko-KR" sz="1200" dirty="0"/>
-              <a:t>R2</a:t>
-            </a:r>
-            <a:endParaRPr lang="ko-KR" altLang="en-US" sz="1200" dirty="0"/>
-          </a:p>
-        </p:txBody>
-      </p:sp>
-      <p:sp>
-        <p:nvSpPr>
-          <p:cNvPr id="58" name="직사각형 57">
-            <a:extLst>
-              <a:ext uri="{FF2B5EF4-FFF2-40B4-BE49-F238E27FC236}">
-                <a16:creationId xmlns:a16="http://schemas.microsoft.com/office/drawing/2014/main" id="{AC60E36D-ED89-20DC-649C-AC6A71988D99}"/>
-              </a:ext>
-            </a:extLst>
-          </p:cNvPr>
-          <p:cNvSpPr/>
-          <p:nvPr/>
-        </p:nvSpPr>
-        <p:spPr>
-          <a:xfrm>
-            <a:off x="6937828" y="2622445"/>
-            <a:ext cx="1103086" cy="1066431"/>
-          </a:xfrm>
-          <a:prstGeom prst="rect">
-            <a:avLst/>
-          </a:prstGeom>
-          <a:solidFill>
-            <a:schemeClr val="accent4">
-              <a:alpha val="50000"/>
-            </a:schemeClr>
-          </a:solidFill>
-          <a:ln>
-            <a:noFill/>
-          </a:ln>
-        </p:spPr>
-        <p:style>
-          <a:lnRef idx="0">
-            <a:scrgbClr r="0" g="0" b="0"/>
-          </a:lnRef>
-          <a:fillRef idx="0">
-            <a:scrgbClr r="0" g="0" b="0"/>
-          </a:fillRef>
-          <a:effectRef idx="0">
-            <a:scrgbClr r="0" g="0" b="0"/>
-          </a:effectRef>
-          <a:fontRef idx="minor">
-            <a:schemeClr val="lt1"/>
-          </a:fontRef>
-        </p:style>
-        <p:txBody>
-          <a:bodyPr rtlCol="0" anchor="ctr"/>
-          <a:lstStyle/>
-          <a:p>
-            <a:pPr algn="ctr"/>
-            <a:r>
-              <a:rPr lang="en-US" altLang="ko-KR" sz="1200" dirty="0"/>
-              <a:t>R3</a:t>
-            </a:r>
-            <a:endParaRPr lang="ko-KR" altLang="en-US" sz="1200" dirty="0"/>
-          </a:p>
-        </p:txBody>
-      </p:sp>
-      <p:cxnSp>
-        <p:nvCxnSpPr>
-          <p:cNvPr id="60" name="직선 화살표 연결선 59">
-            <a:extLst>
-              <a:ext uri="{FF2B5EF4-FFF2-40B4-BE49-F238E27FC236}">
-                <a16:creationId xmlns:a16="http://schemas.microsoft.com/office/drawing/2014/main" id="{212CABAB-11EC-E692-772C-DCB98D8A7446}"/>
-              </a:ext>
-            </a:extLst>
-          </p:cNvPr>
-          <p:cNvCxnSpPr>
-            <a:cxnSpLocks/>
-            <a:stCxn id="56" idx="3"/>
-            <a:endCxn id="57" idx="1"/>
-          </p:cNvCxnSpPr>
-          <p:nvPr/>
-        </p:nvCxnSpPr>
-        <p:spPr>
-          <a:xfrm>
-            <a:off x="4470400" y="3155661"/>
-            <a:ext cx="682171" cy="0"/>
-          </a:xfrm>
-          <a:prstGeom prst="straightConnector1">
-            <a:avLst/>
-          </a:prstGeom>
-          <a:ln w="57150">
-            <a:tailEnd type="triangle"/>
-          </a:ln>
-        </p:spPr>
-        <p:style>
-          <a:lnRef idx="1">
-            <a:schemeClr val="accent1"/>
-          </a:lnRef>
-          <a:fillRef idx="0">
-            <a:schemeClr val="accent1"/>
-          </a:fillRef>
-          <a:effectRef idx="0">
-            <a:schemeClr val="accent1"/>
-          </a:effectRef>
-          <a:fontRef idx="minor">
-            <a:schemeClr val="tx1"/>
-          </a:fontRef>
-        </p:style>
-      </p:cxnSp>
-      <p:cxnSp>
-        <p:nvCxnSpPr>
-          <p:cNvPr id="61" name="직선 화살표 연결선 60">
-            <a:extLst>
-              <a:ext uri="{FF2B5EF4-FFF2-40B4-BE49-F238E27FC236}">
-                <a16:creationId xmlns:a16="http://schemas.microsoft.com/office/drawing/2014/main" id="{3DD5BD68-5DED-63DC-6E32-E19170A965EF}"/>
-              </a:ext>
-            </a:extLst>
-          </p:cNvPr>
-          <p:cNvCxnSpPr>
-            <a:cxnSpLocks/>
-            <a:stCxn id="57" idx="3"/>
-            <a:endCxn id="58" idx="1"/>
-          </p:cNvCxnSpPr>
-          <p:nvPr/>
-        </p:nvCxnSpPr>
-        <p:spPr>
-          <a:xfrm>
-            <a:off x="6255657" y="3155661"/>
-            <a:ext cx="682171" cy="0"/>
-          </a:xfrm>
-          <a:prstGeom prst="straightConnector1">
-            <a:avLst/>
-          </a:prstGeom>
-          <a:ln w="57150">
-            <a:tailEnd type="triangle"/>
-          </a:ln>
-        </p:spPr>
-        <p:style>
-          <a:lnRef idx="1">
-            <a:schemeClr val="accent1"/>
-          </a:lnRef>
-          <a:fillRef idx="0">
-            <a:schemeClr val="accent1"/>
-          </a:fillRef>
-          <a:effectRef idx="0">
-            <a:schemeClr val="accent1"/>
-          </a:effectRef>
-          <a:fontRef idx="minor">
-            <a:schemeClr val="tx1"/>
-          </a:fontRef>
-        </p:style>
-      </p:cxnSp>
-      <p:sp>
-        <p:nvSpPr>
-          <p:cNvPr id="67" name="직사각형 66">
-            <a:extLst>
-              <a:ext uri="{FF2B5EF4-FFF2-40B4-BE49-F238E27FC236}">
-                <a16:creationId xmlns:a16="http://schemas.microsoft.com/office/drawing/2014/main" id="{6CD07698-261E-1C80-B0B9-45488C6F0EF0}"/>
-              </a:ext>
-            </a:extLst>
-          </p:cNvPr>
-          <p:cNvSpPr/>
-          <p:nvPr/>
-        </p:nvSpPr>
-        <p:spPr>
-          <a:xfrm>
-            <a:off x="4310743" y="4778872"/>
-            <a:ext cx="1103086" cy="1066431"/>
-          </a:xfrm>
-          <a:prstGeom prst="rect">
-            <a:avLst/>
-          </a:prstGeom>
-          <a:solidFill>
-            <a:schemeClr val="accent4">
-              <a:alpha val="50000"/>
-            </a:schemeClr>
-          </a:solidFill>
-          <a:ln>
-            <a:noFill/>
-          </a:ln>
-        </p:spPr>
-        <p:style>
-          <a:lnRef idx="0">
-            <a:scrgbClr r="0" g="0" b="0"/>
-          </a:lnRef>
-          <a:fillRef idx="0">
-            <a:scrgbClr r="0" g="0" b="0"/>
-          </a:fillRef>
-          <a:effectRef idx="0">
-            <a:scrgbClr r="0" g="0" b="0"/>
-          </a:effectRef>
-          <a:fontRef idx="minor">
-            <a:schemeClr val="lt1"/>
-          </a:fontRef>
-        </p:style>
-        <p:txBody>
-          <a:bodyPr rtlCol="0" anchor="ctr"/>
-          <a:lstStyle/>
-          <a:p>
-            <a:pPr algn="ctr"/>
-            <a:r>
-              <a:rPr lang="en-US" altLang="ko-KR" sz="1200" dirty="0"/>
-              <a:t>R4</a:t>
-            </a:r>
-            <a:endParaRPr lang="ko-KR" altLang="en-US" sz="1200" dirty="0"/>
-          </a:p>
-        </p:txBody>
-      </p:sp>
-      <p:sp>
-        <p:nvSpPr>
-          <p:cNvPr id="68" name="직사각형 67">
-            <a:extLst>
-              <a:ext uri="{FF2B5EF4-FFF2-40B4-BE49-F238E27FC236}">
-                <a16:creationId xmlns:a16="http://schemas.microsoft.com/office/drawing/2014/main" id="{B94BB7DD-A7A7-F819-BF18-8F8A7E87882F}"/>
-              </a:ext>
-            </a:extLst>
-          </p:cNvPr>
-          <p:cNvSpPr/>
-          <p:nvPr/>
-        </p:nvSpPr>
-        <p:spPr>
-          <a:xfrm>
-            <a:off x="6096000" y="4778872"/>
-            <a:ext cx="1103086" cy="1066431"/>
-          </a:xfrm>
-          <a:prstGeom prst="rect">
-            <a:avLst/>
-          </a:prstGeom>
-          <a:solidFill>
-            <a:schemeClr val="accent4">
-              <a:alpha val="50000"/>
-            </a:schemeClr>
-          </a:solidFill>
-          <a:ln>
-            <a:noFill/>
-          </a:ln>
-        </p:spPr>
-        <p:style>
-          <a:lnRef idx="0">
-            <a:scrgbClr r="0" g="0" b="0"/>
-          </a:lnRef>
-          <a:fillRef idx="0">
-            <a:scrgbClr r="0" g="0" b="0"/>
-          </a:fillRef>
-          <a:effectRef idx="0">
-            <a:scrgbClr r="0" g="0" b="0"/>
-          </a:effectRef>
-          <a:fontRef idx="minor">
-            <a:schemeClr val="lt1"/>
-          </a:fontRef>
-        </p:style>
-        <p:txBody>
-          <a:bodyPr rtlCol="0" anchor="ctr"/>
-          <a:lstStyle/>
-          <a:p>
-            <a:pPr algn="ctr"/>
-            <a:r>
-              <a:rPr lang="en-US" altLang="ko-KR" sz="1200" dirty="0"/>
-              <a:t>R5</a:t>
-            </a:r>
-            <a:endParaRPr lang="ko-KR" altLang="en-US" sz="1200" dirty="0"/>
-          </a:p>
-        </p:txBody>
-      </p:sp>
-      <p:sp>
-        <p:nvSpPr>
-          <p:cNvPr id="69" name="직사각형 68">
-            <a:extLst>
-              <a:ext uri="{FF2B5EF4-FFF2-40B4-BE49-F238E27FC236}">
-                <a16:creationId xmlns:a16="http://schemas.microsoft.com/office/drawing/2014/main" id="{E6BDE77E-6A37-11C1-D34D-AD3171D69A07}"/>
-              </a:ext>
-            </a:extLst>
-          </p:cNvPr>
-          <p:cNvSpPr/>
-          <p:nvPr/>
-        </p:nvSpPr>
-        <p:spPr>
-          <a:xfrm>
-            <a:off x="7881257" y="4778872"/>
-            <a:ext cx="1103086" cy="1066431"/>
-          </a:xfrm>
-          <a:prstGeom prst="rect">
-            <a:avLst/>
-          </a:prstGeom>
-          <a:solidFill>
-            <a:schemeClr val="accent4">
-              <a:alpha val="50000"/>
-            </a:schemeClr>
-          </a:solidFill>
-          <a:ln>
-            <a:noFill/>
-          </a:ln>
-        </p:spPr>
-        <p:style>
-          <a:lnRef idx="0">
-            <a:scrgbClr r="0" g="0" b="0"/>
-          </a:lnRef>
-          <a:fillRef idx="0">
-            <a:scrgbClr r="0" g="0" b="0"/>
-          </a:fillRef>
-          <a:effectRef idx="0">
-            <a:scrgbClr r="0" g="0" b="0"/>
-          </a:effectRef>
-          <a:fontRef idx="minor">
-            <a:schemeClr val="lt1"/>
-          </a:fontRef>
-        </p:style>
-        <p:txBody>
-          <a:bodyPr rtlCol="0" anchor="ctr"/>
-          <a:lstStyle/>
-          <a:p>
-            <a:pPr algn="ctr"/>
-            <a:r>
-              <a:rPr lang="en-US" altLang="ko-KR" sz="1200" dirty="0"/>
-              <a:t>R6</a:t>
-            </a:r>
-            <a:endParaRPr lang="ko-KR" altLang="en-US" sz="1200" dirty="0"/>
-          </a:p>
-        </p:txBody>
-      </p:sp>
-      <p:cxnSp>
-        <p:nvCxnSpPr>
-          <p:cNvPr id="70" name="직선 화살표 연결선 69">
-            <a:extLst>
-              <a:ext uri="{FF2B5EF4-FFF2-40B4-BE49-F238E27FC236}">
-                <a16:creationId xmlns:a16="http://schemas.microsoft.com/office/drawing/2014/main" id="{624AE606-11A5-F72E-34D2-5DFDEE5E8C33}"/>
-              </a:ext>
-            </a:extLst>
-          </p:cNvPr>
-          <p:cNvCxnSpPr>
-            <a:cxnSpLocks/>
-            <a:stCxn id="67" idx="3"/>
-            <a:endCxn id="68" idx="1"/>
-          </p:cNvCxnSpPr>
-          <p:nvPr/>
-        </p:nvCxnSpPr>
-        <p:spPr>
-          <a:xfrm>
-            <a:off x="5413829" y="5312088"/>
-            <a:ext cx="682171" cy="0"/>
-          </a:xfrm>
-          <a:prstGeom prst="straightConnector1">
-            <a:avLst/>
-          </a:prstGeom>
-          <a:ln w="57150">
-            <a:tailEnd type="triangle"/>
-          </a:ln>
-        </p:spPr>
-        <p:style>
-          <a:lnRef idx="1">
-            <a:schemeClr val="accent1"/>
-          </a:lnRef>
-          <a:fillRef idx="0">
-            <a:schemeClr val="accent1"/>
-          </a:fillRef>
-          <a:effectRef idx="0">
-            <a:schemeClr val="accent1"/>
-          </a:effectRef>
-          <a:fontRef idx="minor">
-            <a:schemeClr val="tx1"/>
-          </a:fontRef>
-        </p:style>
-      </p:cxnSp>
-      <p:cxnSp>
-        <p:nvCxnSpPr>
-          <p:cNvPr id="71" name="직선 화살표 연결선 70">
-            <a:extLst>
-              <a:ext uri="{FF2B5EF4-FFF2-40B4-BE49-F238E27FC236}">
-                <a16:creationId xmlns:a16="http://schemas.microsoft.com/office/drawing/2014/main" id="{2D3C963E-2D9B-C387-0BCA-7F22ACDF94D2}"/>
-              </a:ext>
-            </a:extLst>
-          </p:cNvPr>
-          <p:cNvCxnSpPr>
-            <a:cxnSpLocks/>
-            <a:stCxn id="68" idx="3"/>
-            <a:endCxn id="69" idx="1"/>
-          </p:cNvCxnSpPr>
-          <p:nvPr/>
-        </p:nvCxnSpPr>
-        <p:spPr>
-          <a:xfrm>
-            <a:off x="7199086" y="5312088"/>
-            <a:ext cx="682171" cy="0"/>
-          </a:xfrm>
-          <a:prstGeom prst="straightConnector1">
-            <a:avLst/>
-          </a:prstGeom>
-          <a:ln w="57150">
-            <a:tailEnd type="triangle"/>
-          </a:ln>
-        </p:spPr>
-        <p:style>
-          <a:lnRef idx="1">
-            <a:schemeClr val="accent1"/>
-          </a:lnRef>
-          <a:fillRef idx="0">
-            <a:schemeClr val="accent1"/>
-          </a:fillRef>
-          <a:effectRef idx="0">
-            <a:schemeClr val="accent1"/>
-          </a:effectRef>
-          <a:fontRef idx="minor">
-            <a:schemeClr val="tx1"/>
-          </a:fontRef>
-        </p:style>
-      </p:cxnSp>
-      <p:sp>
-        <p:nvSpPr>
-          <p:cNvPr id="80" name="화살표: 오각형 79">
-            <a:extLst>
-              <a:ext uri="{FF2B5EF4-FFF2-40B4-BE49-F238E27FC236}">
-                <a16:creationId xmlns:a16="http://schemas.microsoft.com/office/drawing/2014/main" id="{CB5747B3-AC8A-5B6E-FCF3-6ABFB0F2E1BE}"/>
-              </a:ext>
-            </a:extLst>
-          </p:cNvPr>
-          <p:cNvSpPr/>
-          <p:nvPr/>
-        </p:nvSpPr>
-        <p:spPr>
-          <a:xfrm>
-            <a:off x="10948270" y="3179519"/>
-            <a:ext cx="1233577" cy="690024"/>
-          </a:xfrm>
-          <a:prstGeom prst="homePlate">
-            <a:avLst/>
-          </a:prstGeom>
-          <a:solidFill>
-            <a:schemeClr val="accent2">
-              <a:alpha val="50000"/>
-            </a:schemeClr>
-          </a:solidFill>
-          <a:ln>
-            <a:noFill/>
-          </a:ln>
-        </p:spPr>
-        <p:style>
-          <a:lnRef idx="0">
-            <a:scrgbClr r="0" g="0" b="0"/>
-          </a:lnRef>
-          <a:fillRef idx="0">
-            <a:scrgbClr r="0" g="0" b="0"/>
-          </a:fillRef>
-          <a:effectRef idx="0">
-            <a:scrgbClr r="0" g="0" b="0"/>
-          </a:effectRef>
-          <a:fontRef idx="minor">
-            <a:schemeClr val="lt1"/>
-          </a:fontRef>
-        </p:style>
-        <p:txBody>
-          <a:bodyPr vert="horz" wrap="none" lIns="91440" tIns="45720" rIns="91440" bIns="45720" numCol="1" rtlCol="0" anchor="ctr" anchorCtr="0" compatLnSpc="1">
-            <a:prstTxWarp prst="textNoShape">
-              <a:avLst/>
-            </a:prstTxWarp>
-          </a:bodyPr>
-          <a:lstStyle/>
-          <a:p>
-            <a:pPr algn="ctr"/>
-            <a:r>
-              <a:rPr lang="en-US" altLang="ko-KR" sz="1200" dirty="0" err="1">
-                <a:ea typeface="현대하모니 M" panose="02020603020101020101"/>
-              </a:rPr>
-              <a:t>API13</a:t>
-            </a:r>
-            <a:endParaRPr lang="en-US" altLang="ko-KR" sz="1200" dirty="0">
-              <a:ea typeface="현대하모니 M" panose="02020603020101020101"/>
-            </a:endParaRPr>
-          </a:p>
-          <a:p>
-            <a:pPr algn="ctr"/>
-            <a:r>
-              <a:rPr lang="en-US" altLang="ko-KR" sz="1200" dirty="0">
-                <a:ea typeface="현대하모니 M" panose="02020603020101020101"/>
-              </a:rPr>
-              <a:t>[</a:t>
-            </a:r>
-            <a:r>
-              <a:rPr lang="en-US" altLang="ko-KR" sz="1200" dirty="0" err="1">
-                <a:ea typeface="현대하모니 M" panose="02020603020101020101"/>
-              </a:rPr>
-              <a:t>R2~R5</a:t>
-            </a:r>
-            <a:r>
-              <a:rPr lang="en-US" altLang="ko-KR" sz="1200" dirty="0">
-                <a:ea typeface="현대하모니 M" panose="02020603020101020101"/>
-              </a:rPr>
-              <a:t>]</a:t>
-            </a:r>
-            <a:endParaRPr lang="ko-KR" altLang="en-US" sz="1200" dirty="0">
-              <a:ea typeface="현대하모니 M" panose="02020603020101020101"/>
-            </a:endParaRPr>
-          </a:p>
-        </p:txBody>
-      </p:sp>
-      <p:sp>
-        <p:nvSpPr>
-          <p:cNvPr id="81" name="화살표: 오각형 80">
-            <a:extLst>
-              <a:ext uri="{FF2B5EF4-FFF2-40B4-BE49-F238E27FC236}">
-                <a16:creationId xmlns:a16="http://schemas.microsoft.com/office/drawing/2014/main" id="{11D9824B-9C79-1754-1358-CAFCD5BF3EA9}"/>
-              </a:ext>
-            </a:extLst>
-          </p:cNvPr>
-          <p:cNvSpPr/>
-          <p:nvPr/>
-        </p:nvSpPr>
-        <p:spPr>
-          <a:xfrm>
-            <a:off x="10948269" y="3958997"/>
-            <a:ext cx="1233577" cy="690024"/>
-          </a:xfrm>
-          <a:prstGeom prst="homePlate">
-            <a:avLst/>
-          </a:prstGeom>
-          <a:solidFill>
-            <a:schemeClr val="accent2">
-              <a:alpha val="50000"/>
-            </a:schemeClr>
-          </a:solidFill>
-          <a:ln>
-            <a:noFill/>
-          </a:ln>
-        </p:spPr>
-        <p:style>
-          <a:lnRef idx="0">
-            <a:scrgbClr r="0" g="0" b="0"/>
-          </a:lnRef>
-          <a:fillRef idx="0">
-            <a:scrgbClr r="0" g="0" b="0"/>
-          </a:fillRef>
-          <a:effectRef idx="0">
-            <a:scrgbClr r="0" g="0" b="0"/>
-          </a:effectRef>
-          <a:fontRef idx="minor">
-            <a:schemeClr val="lt1"/>
-          </a:fontRef>
-        </p:style>
-        <p:txBody>
-          <a:bodyPr vert="horz" wrap="none" lIns="91440" tIns="45720" rIns="91440" bIns="45720" numCol="1" rtlCol="0" anchor="ctr" anchorCtr="0" compatLnSpc="1">
-            <a:prstTxWarp prst="textNoShape">
-              <a:avLst/>
-            </a:prstTxWarp>
-          </a:bodyPr>
-          <a:lstStyle/>
-          <a:p>
-            <a:pPr algn="ctr"/>
-            <a:r>
-              <a:rPr lang="en-US" altLang="ko-KR" sz="1200" dirty="0" err="1">
-                <a:ea typeface="현대하모니 M" panose="02020603020101020101"/>
-              </a:rPr>
-              <a:t>API14</a:t>
-            </a:r>
-            <a:endParaRPr lang="en-US" altLang="ko-KR" sz="1200" dirty="0">
-              <a:ea typeface="현대하모니 M" panose="02020603020101020101"/>
-            </a:endParaRPr>
-          </a:p>
-          <a:p>
-            <a:pPr algn="ctr"/>
-            <a:r>
-              <a:rPr lang="en-US" altLang="ko-KR" sz="1200" dirty="0">
-                <a:ea typeface="현대하모니 M" panose="02020603020101020101"/>
-              </a:rPr>
-              <a:t>[R1;R4~]</a:t>
-            </a:r>
-            <a:endParaRPr lang="ko-KR" altLang="en-US" sz="1200" dirty="0">
-              <a:ea typeface="현대하모니 M" panose="02020603020101020101"/>
-            </a:endParaRPr>
-          </a:p>
-        </p:txBody>
-      </p:sp>
-      <p:cxnSp>
-        <p:nvCxnSpPr>
-          <p:cNvPr id="82" name="연결선: 꺾임 81">
-            <a:extLst>
-              <a:ext uri="{FF2B5EF4-FFF2-40B4-BE49-F238E27FC236}">
-                <a16:creationId xmlns:a16="http://schemas.microsoft.com/office/drawing/2014/main" id="{F7145B42-2C09-D6CE-2298-12CF80CB6686}"/>
-              </a:ext>
-            </a:extLst>
-          </p:cNvPr>
-          <p:cNvCxnSpPr>
-            <a:cxnSpLocks/>
-            <a:stCxn id="81" idx="1"/>
-            <a:endCxn id="80" idx="1"/>
-          </p:cNvCxnSpPr>
-          <p:nvPr/>
-        </p:nvCxnSpPr>
-        <p:spPr>
-          <a:xfrm rot="10800000" flipH="1">
-            <a:off x="10948268" y="3524531"/>
-            <a:ext cx="1" cy="779478"/>
-          </a:xfrm>
-          <a:prstGeom prst="bentConnector3">
-            <a:avLst>
-              <a:gd name="adj1" fmla="val -22860000000"/>
-            </a:avLst>
-          </a:prstGeom>
-          <a:ln w="57150">
-            <a:solidFill>
-              <a:schemeClr val="accent6"/>
-            </a:solidFill>
-            <a:prstDash val="dash"/>
-            <a:headEnd type="triangle" w="med" len="med"/>
-            <a:tailEnd type="triangle" w="med" len="med"/>
-          </a:ln>
-        </p:spPr>
-        <p:style>
-          <a:lnRef idx="1">
-            <a:schemeClr val="accent1"/>
-          </a:lnRef>
-          <a:fillRef idx="0">
-            <a:schemeClr val="accent1"/>
-          </a:fillRef>
-          <a:effectRef idx="0">
-            <a:schemeClr val="accent1"/>
-          </a:effectRef>
-          <a:fontRef idx="minor">
-            <a:schemeClr val="tx1"/>
-          </a:fontRef>
-        </p:style>
-      </p:cxnSp>
-      <p:cxnSp>
-        <p:nvCxnSpPr>
-          <p:cNvPr id="4" name="연결선: 꺾임 3">
-            <a:extLst>
-              <a:ext uri="{FF2B5EF4-FFF2-40B4-BE49-F238E27FC236}">
-                <a16:creationId xmlns:a16="http://schemas.microsoft.com/office/drawing/2014/main" id="{4E54C3BB-7447-B34B-FBA0-7CDE26CE0B30}"/>
-              </a:ext>
-            </a:extLst>
-          </p:cNvPr>
-          <p:cNvCxnSpPr>
-            <a:cxnSpLocks/>
-            <a:stCxn id="68" idx="0"/>
-            <a:endCxn id="57" idx="2"/>
-          </p:cNvCxnSpPr>
-          <p:nvPr/>
-        </p:nvCxnSpPr>
-        <p:spPr>
-          <a:xfrm rot="16200000" flipV="1">
-            <a:off x="5630831" y="3762159"/>
-            <a:ext cx="1089996" cy="943429"/>
-          </a:xfrm>
-          <a:prstGeom prst="bentConnector3">
-            <a:avLst>
-              <a:gd name="adj1" fmla="val 50000"/>
-            </a:avLst>
-          </a:prstGeom>
-          <a:ln w="57150">
-            <a:solidFill>
-              <a:schemeClr val="accent6"/>
-            </a:solidFill>
-            <a:prstDash val="dash"/>
-            <a:headEnd type="triangle" w="med" len="med"/>
-            <a:tailEnd type="triangle" w="med" len="med"/>
-          </a:ln>
-        </p:spPr>
-        <p:style>
-          <a:lnRef idx="1">
-            <a:schemeClr val="accent1"/>
-          </a:lnRef>
-          <a:fillRef idx="0">
-            <a:schemeClr val="accent1"/>
-          </a:fillRef>
-          <a:effectRef idx="0">
-            <a:schemeClr val="accent1"/>
-          </a:effectRef>
-          <a:fontRef idx="minor">
-            <a:schemeClr val="tx1"/>
-          </a:fontRef>
-        </p:style>
-      </p:cxnSp>
-      <p:cxnSp>
-        <p:nvCxnSpPr>
-          <p:cNvPr id="12" name="연결선: 꺾임 11">
-            <a:extLst>
-              <a:ext uri="{FF2B5EF4-FFF2-40B4-BE49-F238E27FC236}">
-                <a16:creationId xmlns:a16="http://schemas.microsoft.com/office/drawing/2014/main" id="{7F33A159-63C2-73E5-0693-383E04CD8793}"/>
-              </a:ext>
-            </a:extLst>
-          </p:cNvPr>
-          <p:cNvCxnSpPr>
-            <a:cxnSpLocks/>
-            <a:stCxn id="67" idx="0"/>
-            <a:endCxn id="56" idx="2"/>
-          </p:cNvCxnSpPr>
-          <p:nvPr/>
-        </p:nvCxnSpPr>
-        <p:spPr>
-          <a:xfrm rot="16200000" flipV="1">
-            <a:off x="3845574" y="3762159"/>
-            <a:ext cx="1089996" cy="943429"/>
-          </a:xfrm>
-          <a:prstGeom prst="bentConnector3">
-            <a:avLst>
-              <a:gd name="adj1" fmla="val 50000"/>
-            </a:avLst>
-          </a:prstGeom>
-          <a:ln w="57150">
-            <a:solidFill>
-              <a:schemeClr val="accent6"/>
-            </a:solidFill>
-            <a:prstDash val="dash"/>
-            <a:headEnd type="triangle" w="med" len="med"/>
-            <a:tailEnd type="triangle" w="med" len="med"/>
-          </a:ln>
-        </p:spPr>
-        <p:style>
-          <a:lnRef idx="1">
-            <a:schemeClr val="accent1"/>
-          </a:lnRef>
-          <a:fillRef idx="0">
-            <a:schemeClr val="accent1"/>
-          </a:fillRef>
-          <a:effectRef idx="0">
-            <a:schemeClr val="accent1"/>
-          </a:effectRef>
-          <a:fontRef idx="minor">
-            <a:schemeClr val="tx1"/>
-          </a:fontRef>
-        </p:style>
-      </p:cxnSp>
-      <p:cxnSp>
-        <p:nvCxnSpPr>
-          <p:cNvPr id="6" name="직선 화살표 연결선 5">
-            <a:extLst>
-              <a:ext uri="{FF2B5EF4-FFF2-40B4-BE49-F238E27FC236}">
-                <a16:creationId xmlns:a16="http://schemas.microsoft.com/office/drawing/2014/main" id="{DF280476-EF41-7429-66AB-F6B3AF2625F8}"/>
-              </a:ext>
-            </a:extLst>
-          </p:cNvPr>
-          <p:cNvCxnSpPr>
-            <a:cxnSpLocks/>
-            <a:stCxn id="56" idx="2"/>
-            <a:endCxn id="69" idx="0"/>
-          </p:cNvCxnSpPr>
-          <p:nvPr/>
-        </p:nvCxnSpPr>
-        <p:spPr>
-          <a:xfrm>
-            <a:off x="3918857" y="3688876"/>
-            <a:ext cx="4513943" cy="1089996"/>
-          </a:xfrm>
-          <a:prstGeom prst="straightConnector1">
-            <a:avLst/>
-          </a:prstGeom>
-          <a:ln w="57150" cmpd="dbl">
-            <a:prstDash val="dashDot"/>
-            <a:headEnd type="none" w="med" len="med"/>
-            <a:tailEnd type="triangle" w="med" len="med"/>
-          </a:ln>
-        </p:spPr>
-        <p:style>
-          <a:lnRef idx="1">
-            <a:schemeClr val="accent1"/>
-          </a:lnRef>
-          <a:fillRef idx="0">
-            <a:schemeClr val="accent1"/>
-          </a:fillRef>
-          <a:effectRef idx="0">
-            <a:schemeClr val="accent1"/>
-          </a:effectRef>
-          <a:fontRef idx="minor">
-            <a:schemeClr val="tx1"/>
-          </a:fontRef>
-        </p:style>
-      </p:cxnSp>
-      <p:cxnSp>
-        <p:nvCxnSpPr>
-          <p:cNvPr id="7" name="직선 화살표 연결선 6">
-            <a:extLst>
-              <a:ext uri="{FF2B5EF4-FFF2-40B4-BE49-F238E27FC236}">
-                <a16:creationId xmlns:a16="http://schemas.microsoft.com/office/drawing/2014/main" id="{EE7EB334-56BE-83F0-B0C4-34EB1942DC1A}"/>
-              </a:ext>
-            </a:extLst>
-          </p:cNvPr>
-          <p:cNvCxnSpPr>
-            <a:cxnSpLocks/>
-            <a:stCxn id="67" idx="0"/>
-            <a:endCxn id="58" idx="2"/>
-          </p:cNvCxnSpPr>
-          <p:nvPr/>
-        </p:nvCxnSpPr>
-        <p:spPr>
-          <a:xfrm flipV="1">
-            <a:off x="4862286" y="3688876"/>
-            <a:ext cx="2627085" cy="1089996"/>
-          </a:xfrm>
-          <a:prstGeom prst="straightConnector1">
-            <a:avLst/>
-          </a:prstGeom>
-          <a:ln w="57150" cmpd="dbl">
-            <a:prstDash val="dashDot"/>
-            <a:headEnd type="none" w="med" len="med"/>
-            <a:tailEnd type="triangle" w="med" len="med"/>
-          </a:ln>
-        </p:spPr>
-        <p:style>
-          <a:lnRef idx="1">
-            <a:schemeClr val="accent1"/>
-          </a:lnRef>
-          <a:fillRef idx="0">
-            <a:schemeClr val="accent1"/>
-          </a:fillRef>
-          <a:effectRef idx="0">
-            <a:schemeClr val="accent1"/>
-          </a:effectRef>
-          <a:fontRef idx="minor">
-            <a:schemeClr val="tx1"/>
-          </a:fontRef>
-        </p:style>
-      </p:cxnSp>
-    </p:spTree>
-    <p:extLst>
-      <p:ext uri="{BB962C8B-B14F-4D97-AF65-F5344CB8AC3E}">
-        <p14:creationId xmlns:p14="http://schemas.microsoft.com/office/powerpoint/2010/main" val="1652240457"/>
       </p:ext>
     </p:extLst>
   </p:cSld>

--- a/DsDotNet/src/UnitTest/UnitTest.Model/ImportOfficeExample/Sample/s.pptx
+++ b/DsDotNet/src/UnitTest/UnitTest.Model/ImportOfficeExample/Sample/s.pptx
@@ -23289,56 +23289,6 @@
           </a:p>
         </p:txBody>
       </p:sp>
-      <p:sp>
-        <p:nvSpPr>
-          <p:cNvPr id="10" name="직사각형 9">
-            <a:extLst>
-              <a:ext uri="{FF2B5EF4-FFF2-40B4-BE49-F238E27FC236}">
-                <a16:creationId xmlns:a16="http://schemas.microsoft.com/office/drawing/2014/main" id="{2BFD6DE8-60E1-EA2A-106F-49538D086172}"/>
-              </a:ext>
-            </a:extLst>
-          </p:cNvPr>
-          <p:cNvSpPr/>
-          <p:nvPr/>
-        </p:nvSpPr>
-        <p:spPr>
-          <a:xfrm>
-            <a:off x="1867238" y="2620733"/>
-            <a:ext cx="663433" cy="592469"/>
-          </a:xfrm>
-          <a:prstGeom prst="rect">
-            <a:avLst/>
-          </a:prstGeom>
-        </p:spPr>
-        <p:style>
-          <a:lnRef idx="2">
-            <a:schemeClr val="accent1">
-              <a:shade val="15000"/>
-            </a:schemeClr>
-          </a:lnRef>
-          <a:fillRef idx="1">
-            <a:schemeClr val="accent1"/>
-          </a:fillRef>
-          <a:effectRef idx="0">
-            <a:schemeClr val="accent1"/>
-          </a:effectRef>
-          <a:fontRef idx="minor">
-            <a:schemeClr val="lt1"/>
-          </a:fontRef>
-        </p:style>
-        <p:txBody>
-          <a:bodyPr rtlCol="0" anchor="ctr"/>
-          <a:lstStyle/>
-          <a:p>
-            <a:pPr algn="ctr"/>
-            <a:r>
-              <a:rPr lang="en-US" altLang="ko-KR" dirty="0"/>
-              <a:t>R2</a:t>
-            </a:r>
-            <a:endParaRPr lang="ko-KR" altLang="en-US" dirty="0"/>
-          </a:p>
-        </p:txBody>
-      </p:sp>
       <p:cxnSp>
         <p:nvCxnSpPr>
           <p:cNvPr id="12" name="직선 화살표 연결선 11">
@@ -23351,14 +23301,14 @@
           <p:cNvCxnSpPr>
             <a:cxnSpLocks/>
             <a:stCxn id="27" idx="3"/>
-            <a:endCxn id="10" idx="1"/>
+            <a:endCxn id="107" idx="1"/>
           </p:cNvCxnSpPr>
           <p:nvPr/>
         </p:nvCxnSpPr>
         <p:spPr>
-          <a:xfrm flipV="1">
-            <a:off x="1256316" y="2916968"/>
-            <a:ext cx="610922" cy="6351"/>
+          <a:xfrm>
+            <a:off x="1256316" y="2923319"/>
+            <a:ext cx="648960" cy="27304"/>
           </a:xfrm>
           <a:prstGeom prst="straightConnector1">
             <a:avLst/>
@@ -23386,56 +23336,6 @@
           </a:fontRef>
         </p:style>
       </p:cxnSp>
-      <p:sp>
-        <p:nvSpPr>
-          <p:cNvPr id="17" name="직사각형 16">
-            <a:extLst>
-              <a:ext uri="{FF2B5EF4-FFF2-40B4-BE49-F238E27FC236}">
-                <a16:creationId xmlns:a16="http://schemas.microsoft.com/office/drawing/2014/main" id="{6044C355-C383-3F63-E6D9-F928508F3888}"/>
-              </a:ext>
-            </a:extLst>
-          </p:cNvPr>
-          <p:cNvSpPr/>
-          <p:nvPr/>
-        </p:nvSpPr>
-        <p:spPr>
-          <a:xfrm>
-            <a:off x="7402138" y="2627084"/>
-            <a:ext cx="663433" cy="592469"/>
-          </a:xfrm>
-          <a:prstGeom prst="rect">
-            <a:avLst/>
-          </a:prstGeom>
-        </p:spPr>
-        <p:style>
-          <a:lnRef idx="2">
-            <a:schemeClr val="accent1">
-              <a:shade val="15000"/>
-            </a:schemeClr>
-          </a:lnRef>
-          <a:fillRef idx="1">
-            <a:schemeClr val="accent1"/>
-          </a:fillRef>
-          <a:effectRef idx="0">
-            <a:schemeClr val="accent1"/>
-          </a:effectRef>
-          <a:fontRef idx="minor">
-            <a:schemeClr val="lt1"/>
-          </a:fontRef>
-        </p:style>
-        <p:txBody>
-          <a:bodyPr rtlCol="0" anchor="ctr"/>
-          <a:lstStyle/>
-          <a:p>
-            <a:pPr algn="ctr"/>
-            <a:r>
-              <a:rPr lang="en-US" altLang="ko-KR" dirty="0"/>
-              <a:t>R6</a:t>
-            </a:r>
-            <a:endParaRPr lang="ko-KR" altLang="en-US" dirty="0"/>
-          </a:p>
-        </p:txBody>
-      </p:sp>
       <p:sp>
         <p:nvSpPr>
           <p:cNvPr id="18" name="직사각형 17">
@@ -23498,14 +23398,14 @@
           <p:cNvCxnSpPr>
             <a:cxnSpLocks/>
             <a:stCxn id="87" idx="3"/>
-            <a:endCxn id="25" idx="1"/>
+            <a:endCxn id="108" idx="1"/>
           </p:cNvCxnSpPr>
           <p:nvPr/>
         </p:nvCxnSpPr>
         <p:spPr>
-          <a:xfrm flipV="1">
-            <a:off x="3881103" y="2923319"/>
-            <a:ext cx="587727" cy="6350"/>
+          <a:xfrm>
+            <a:off x="3881103" y="2929669"/>
+            <a:ext cx="648960" cy="81521"/>
           </a:xfrm>
           <a:prstGeom prst="bentConnector3">
             <a:avLst>
@@ -23546,64 +23446,15 @@
           </p:cNvPr>
           <p:cNvCxnSpPr>
             <a:cxnSpLocks/>
-            <a:stCxn id="25" idx="3"/>
+            <a:stCxn id="108" idx="3"/>
             <a:endCxn id="18" idx="1"/>
           </p:cNvCxnSpPr>
           <p:nvPr/>
         </p:nvCxnSpPr>
         <p:spPr>
           <a:xfrm flipV="1">
-            <a:off x="5132263" y="2918595"/>
-            <a:ext cx="739635" cy="4724"/>
-          </a:xfrm>
-          <a:prstGeom prst="bentConnector3">
-            <a:avLst>
-              <a:gd name="adj1" fmla="val 50000"/>
-            </a:avLst>
-          </a:prstGeom>
-          <a:ln w="38100">
-            <a:solidFill>
-              <a:srgbClr val="FFC000"/>
-            </a:solidFill>
-            <a:headEnd type="diamond" w="med" len="med"/>
-            <a:tailEnd type="triangle" w="med" len="med"/>
-          </a:ln>
-        </p:spPr>
-        <p:style>
-          <a:lnRef idx="1">
-            <a:schemeClr val="accent6"/>
-          </a:lnRef>
-          <a:fillRef idx="0">
-            <a:schemeClr val="accent6"/>
-          </a:fillRef>
-          <a:effectRef idx="0">
-            <a:schemeClr val="accent6"/>
-          </a:effectRef>
-          <a:fontRef idx="minor">
-            <a:schemeClr val="tx1"/>
-          </a:fontRef>
-        </p:style>
-      </p:cxnSp>
-      <p:cxnSp>
-        <p:nvCxnSpPr>
-          <p:cNvPr id="24" name="연결선: 꺾임 23">
-            <a:extLst>
-              <a:ext uri="{FF2B5EF4-FFF2-40B4-BE49-F238E27FC236}">
-                <a16:creationId xmlns:a16="http://schemas.microsoft.com/office/drawing/2014/main" id="{3C5B2C2F-B720-6A92-09CF-A51FC3D0F0A0}"/>
-              </a:ext>
-            </a:extLst>
-          </p:cNvPr>
-          <p:cNvCxnSpPr>
-            <a:cxnSpLocks/>
-            <a:stCxn id="18" idx="3"/>
-            <a:endCxn id="17" idx="1"/>
-          </p:cNvCxnSpPr>
-          <p:nvPr/>
-        </p:nvCxnSpPr>
-        <p:spPr>
-          <a:xfrm>
-            <a:off x="6535331" y="2918595"/>
-            <a:ext cx="866807" cy="4724"/>
+            <a:off x="5193496" y="2918595"/>
+            <a:ext cx="678402" cy="92595"/>
           </a:xfrm>
           <a:prstGeom prst="bentConnector3">
             <a:avLst>
@@ -23635,56 +23486,6 @@
       </p:cxnSp>
       <p:sp>
         <p:nvSpPr>
-          <p:cNvPr id="25" name="직사각형 24">
-            <a:extLst>
-              <a:ext uri="{FF2B5EF4-FFF2-40B4-BE49-F238E27FC236}">
-                <a16:creationId xmlns:a16="http://schemas.microsoft.com/office/drawing/2014/main" id="{B06B46FB-04BB-7140-D6ED-7D2BC816F7FA}"/>
-              </a:ext>
-            </a:extLst>
-          </p:cNvPr>
-          <p:cNvSpPr/>
-          <p:nvPr/>
-        </p:nvSpPr>
-        <p:spPr>
-          <a:xfrm>
-            <a:off x="4468830" y="2627084"/>
-            <a:ext cx="663433" cy="592469"/>
-          </a:xfrm>
-          <a:prstGeom prst="rect">
-            <a:avLst/>
-          </a:prstGeom>
-        </p:spPr>
-        <p:style>
-          <a:lnRef idx="2">
-            <a:schemeClr val="accent1">
-              <a:shade val="15000"/>
-            </a:schemeClr>
-          </a:lnRef>
-          <a:fillRef idx="1">
-            <a:schemeClr val="accent1"/>
-          </a:fillRef>
-          <a:effectRef idx="0">
-            <a:schemeClr val="accent1"/>
-          </a:effectRef>
-          <a:fontRef idx="minor">
-            <a:schemeClr val="lt1"/>
-          </a:fontRef>
-        </p:style>
-        <p:txBody>
-          <a:bodyPr rtlCol="0" anchor="ctr"/>
-          <a:lstStyle/>
-          <a:p>
-            <a:pPr algn="ctr"/>
-            <a:r>
-              <a:rPr lang="en-US" altLang="ko-KR" dirty="0"/>
-              <a:t>R4</a:t>
-            </a:r>
-            <a:endParaRPr lang="ko-KR" altLang="en-US" dirty="0"/>
-          </a:p>
-        </p:txBody>
-      </p:sp>
-      <p:sp>
-        <p:nvSpPr>
           <p:cNvPr id="27" name="직사각형 26">
             <a:extLst>
               <a:ext uri="{FF2B5EF4-FFF2-40B4-BE49-F238E27FC236}">
@@ -23733,144 +23534,6 @@
           </a:p>
         </p:txBody>
       </p:sp>
-      <p:cxnSp>
-        <p:nvCxnSpPr>
-          <p:cNvPr id="67" name="연결선: 꺾임 66">
-            <a:extLst>
-              <a:ext uri="{FF2B5EF4-FFF2-40B4-BE49-F238E27FC236}">
-                <a16:creationId xmlns:a16="http://schemas.microsoft.com/office/drawing/2014/main" id="{1FA73A2C-6F5B-2F31-94EF-1027901263AB}"/>
-              </a:ext>
-            </a:extLst>
-          </p:cNvPr>
-          <p:cNvCxnSpPr>
-            <a:cxnSpLocks/>
-            <a:stCxn id="17" idx="2"/>
-            <a:endCxn id="25" idx="2"/>
-          </p:cNvCxnSpPr>
-          <p:nvPr/>
-        </p:nvCxnSpPr>
-        <p:spPr>
-          <a:xfrm rot="5400000">
-            <a:off x="6267201" y="1752899"/>
-            <a:ext cx="12700" cy="2933308"/>
-          </a:xfrm>
-          <a:prstGeom prst="bentConnector3">
-            <a:avLst>
-              <a:gd name="adj1" fmla="val 1800000"/>
-            </a:avLst>
-          </a:prstGeom>
-          <a:ln>
-            <a:prstDash val="dash"/>
-            <a:tailEnd type="triangle"/>
-          </a:ln>
-        </p:spPr>
-        <p:style>
-          <a:lnRef idx="1">
-            <a:schemeClr val="accent1"/>
-          </a:lnRef>
-          <a:fillRef idx="0">
-            <a:schemeClr val="accent1"/>
-          </a:fillRef>
-          <a:effectRef idx="0">
-            <a:schemeClr val="accent1"/>
-          </a:effectRef>
-          <a:fontRef idx="minor">
-            <a:schemeClr val="tx1"/>
-          </a:fontRef>
-        </p:style>
-      </p:cxnSp>
-      <p:cxnSp>
-        <p:nvCxnSpPr>
-          <p:cNvPr id="73" name="연결선: 꺾임 72">
-            <a:extLst>
-              <a:ext uri="{FF2B5EF4-FFF2-40B4-BE49-F238E27FC236}">
-                <a16:creationId xmlns:a16="http://schemas.microsoft.com/office/drawing/2014/main" id="{12177539-0155-32E8-083F-16AEBAC97ABF}"/>
-              </a:ext>
-            </a:extLst>
-          </p:cNvPr>
-          <p:cNvCxnSpPr>
-            <a:cxnSpLocks/>
-            <a:stCxn id="17" idx="0"/>
-            <a:endCxn id="10" idx="0"/>
-          </p:cNvCxnSpPr>
-          <p:nvPr/>
-        </p:nvCxnSpPr>
-        <p:spPr>
-          <a:xfrm rot="16200000" flipV="1">
-            <a:off x="4963230" y="-143541"/>
-            <a:ext cx="6351" cy="5534900"/>
-          </a:xfrm>
-          <a:prstGeom prst="bentConnector3">
-            <a:avLst>
-              <a:gd name="adj1" fmla="val 3699433"/>
-            </a:avLst>
-          </a:prstGeom>
-          <a:ln>
-            <a:prstDash val="dash"/>
-            <a:tailEnd type="triangle"/>
-          </a:ln>
-        </p:spPr>
-        <p:style>
-          <a:lnRef idx="1">
-            <a:schemeClr val="accent1"/>
-          </a:lnRef>
-          <a:fillRef idx="0">
-            <a:schemeClr val="accent1"/>
-          </a:fillRef>
-          <a:effectRef idx="0">
-            <a:schemeClr val="accent1"/>
-          </a:effectRef>
-          <a:fontRef idx="minor">
-            <a:schemeClr val="tx1"/>
-          </a:fontRef>
-        </p:style>
-      </p:cxnSp>
-      <p:cxnSp>
-        <p:nvCxnSpPr>
-          <p:cNvPr id="77" name="연결선: 꺾임 76">
-            <a:extLst>
-              <a:ext uri="{FF2B5EF4-FFF2-40B4-BE49-F238E27FC236}">
-                <a16:creationId xmlns:a16="http://schemas.microsoft.com/office/drawing/2014/main" id="{340496CB-9EDB-E0D7-AB3B-F05A3591A864}"/>
-              </a:ext>
-            </a:extLst>
-          </p:cNvPr>
-          <p:cNvCxnSpPr>
-            <a:cxnSpLocks/>
-            <a:stCxn id="17" idx="0"/>
-            <a:endCxn id="27" idx="0"/>
-          </p:cNvCxnSpPr>
-          <p:nvPr/>
-        </p:nvCxnSpPr>
-        <p:spPr>
-          <a:xfrm rot="16200000" flipV="1">
-            <a:off x="4329228" y="-777544"/>
-            <a:ext cx="12700" cy="6809255"/>
-          </a:xfrm>
-          <a:prstGeom prst="bentConnector3">
-            <a:avLst>
-              <a:gd name="adj1" fmla="val 6159630"/>
-            </a:avLst>
-          </a:prstGeom>
-          <a:ln>
-            <a:prstDash val="dash"/>
-            <a:tailEnd type="triangle"/>
-          </a:ln>
-        </p:spPr>
-        <p:style>
-          <a:lnRef idx="1">
-            <a:schemeClr val="accent1"/>
-          </a:lnRef>
-          <a:fillRef idx="0">
-            <a:schemeClr val="accent1"/>
-          </a:fillRef>
-          <a:effectRef idx="0">
-            <a:schemeClr val="accent1"/>
-          </a:effectRef>
-          <a:fontRef idx="minor">
-            <a:schemeClr val="tx1"/>
-          </a:fontRef>
-        </p:style>
-      </p:cxnSp>
       <p:sp>
         <p:nvSpPr>
           <p:cNvPr id="87" name="직사각형 86">
@@ -23932,15 +23595,15 @@
           </p:cNvPr>
           <p:cNvCxnSpPr>
             <a:cxnSpLocks/>
-            <a:stCxn id="10" idx="3"/>
+            <a:stCxn id="107" idx="3"/>
             <a:endCxn id="87" idx="1"/>
           </p:cNvCxnSpPr>
           <p:nvPr/>
         </p:nvCxnSpPr>
         <p:spPr>
-          <a:xfrm>
-            <a:off x="2530671" y="2916968"/>
-            <a:ext cx="686999" cy="12701"/>
+          <a:xfrm flipV="1">
+            <a:off x="2568709" y="2929669"/>
+            <a:ext cx="648961" cy="20954"/>
           </a:xfrm>
           <a:prstGeom prst="bentConnector3">
             <a:avLst>
@@ -23970,46 +23633,149 @@
           </a:fontRef>
         </p:style>
       </p:cxnSp>
+      <p:sp>
+        <p:nvSpPr>
+          <p:cNvPr id="107" name="직사각형 106">
+            <a:extLst>
+              <a:ext uri="{FF2B5EF4-FFF2-40B4-BE49-F238E27FC236}">
+                <a16:creationId xmlns:a16="http://schemas.microsoft.com/office/drawing/2014/main" id="{A091B7AE-E73D-1D90-9DE2-56A94A00C346}"/>
+              </a:ext>
+            </a:extLst>
+          </p:cNvPr>
+          <p:cNvSpPr/>
+          <p:nvPr/>
+        </p:nvSpPr>
+        <p:spPr>
+          <a:xfrm>
+            <a:off x="1905276" y="2654388"/>
+            <a:ext cx="663433" cy="592469"/>
+          </a:xfrm>
+          <a:prstGeom prst="rect">
+            <a:avLst/>
+          </a:prstGeom>
+        </p:spPr>
+        <p:style>
+          <a:lnRef idx="2">
+            <a:schemeClr val="accent1">
+              <a:shade val="15000"/>
+            </a:schemeClr>
+          </a:lnRef>
+          <a:fillRef idx="1">
+            <a:schemeClr val="accent1"/>
+          </a:fillRef>
+          <a:effectRef idx="0">
+            <a:schemeClr val="accent1"/>
+          </a:effectRef>
+          <a:fontRef idx="minor">
+            <a:schemeClr val="lt1"/>
+          </a:fontRef>
+        </p:style>
+        <p:txBody>
+          <a:bodyPr rtlCol="0" anchor="ctr"/>
+          <a:lstStyle/>
+          <a:p>
+            <a:pPr algn="ctr"/>
+            <a:r>
+              <a:rPr lang="en-US" altLang="ko-KR" dirty="0"/>
+              <a:t>R2</a:t>
+            </a:r>
+            <a:endParaRPr lang="ko-KR" altLang="en-US" dirty="0"/>
+          </a:p>
+        </p:txBody>
+      </p:sp>
+      <p:sp>
+        <p:nvSpPr>
+          <p:cNvPr id="108" name="직사각형 107">
+            <a:extLst>
+              <a:ext uri="{FF2B5EF4-FFF2-40B4-BE49-F238E27FC236}">
+                <a16:creationId xmlns:a16="http://schemas.microsoft.com/office/drawing/2014/main" id="{CDFBA7D5-2A1A-E3CC-2FD9-53C9A2CF6711}"/>
+              </a:ext>
+            </a:extLst>
+          </p:cNvPr>
+          <p:cNvSpPr/>
+          <p:nvPr/>
+        </p:nvSpPr>
+        <p:spPr>
+          <a:xfrm>
+            <a:off x="4530063" y="2714955"/>
+            <a:ext cx="663433" cy="592469"/>
+          </a:xfrm>
+          <a:prstGeom prst="rect">
+            <a:avLst/>
+          </a:prstGeom>
+        </p:spPr>
+        <p:style>
+          <a:lnRef idx="2">
+            <a:schemeClr val="accent1">
+              <a:shade val="15000"/>
+            </a:schemeClr>
+          </a:lnRef>
+          <a:fillRef idx="1">
+            <a:schemeClr val="accent1"/>
+          </a:fillRef>
+          <a:effectRef idx="0">
+            <a:schemeClr val="accent1"/>
+          </a:effectRef>
+          <a:fontRef idx="minor">
+            <a:schemeClr val="lt1"/>
+          </a:fontRef>
+        </p:style>
+        <p:txBody>
+          <a:bodyPr rtlCol="0" anchor="ctr"/>
+          <a:lstStyle/>
+          <a:p>
+            <a:pPr algn="ctr"/>
+            <a:r>
+              <a:rPr lang="en-US" altLang="ko-KR" dirty="0"/>
+              <a:t>R4</a:t>
+            </a:r>
+            <a:endParaRPr lang="ko-KR" altLang="en-US" dirty="0"/>
+          </a:p>
+        </p:txBody>
+      </p:sp>
       <p:cxnSp>
         <p:nvCxnSpPr>
-          <p:cNvPr id="97" name="연결선: 꺾임 96">
-            <a:extLst>
-              <a:ext uri="{FF2B5EF4-FFF2-40B4-BE49-F238E27FC236}">
-                <a16:creationId xmlns:a16="http://schemas.microsoft.com/office/drawing/2014/main" id="{1A94C3A6-3400-5D86-232C-98A63CE7697F}"/>
+          <p:cNvPr id="120" name="연결선: 꺾임 119">
+            <a:extLst>
+              <a:ext uri="{FF2B5EF4-FFF2-40B4-BE49-F238E27FC236}">
+                <a16:creationId xmlns:a16="http://schemas.microsoft.com/office/drawing/2014/main" id="{4EA8B378-3BF3-995C-14E5-599C29136133}"/>
               </a:ext>
             </a:extLst>
           </p:cNvPr>
           <p:cNvCxnSpPr>
             <a:cxnSpLocks/>
-            <a:stCxn id="17" idx="2"/>
-            <a:endCxn id="87" idx="2"/>
+            <a:stCxn id="18" idx="2"/>
+            <a:endCxn id="27" idx="2"/>
           </p:cNvCxnSpPr>
           <p:nvPr/>
         </p:nvCxnSpPr>
         <p:spPr>
           <a:xfrm rot="5400000">
-            <a:off x="5638446" y="1130494"/>
-            <a:ext cx="6350" cy="4184468"/>
+            <a:off x="3561746" y="577684"/>
+            <a:ext cx="4724" cy="5279015"/>
           </a:xfrm>
           <a:prstGeom prst="bentConnector3">
             <a:avLst>
-              <a:gd name="adj1" fmla="val 13872488"/>
+              <a:gd name="adj1" fmla="val 4939119"/>
             </a:avLst>
           </a:prstGeom>
-          <a:ln>
-            <a:prstDash val="dash"/>
-            <a:tailEnd type="triangle"/>
+          <a:ln w="38100">
+            <a:solidFill>
+              <a:srgbClr val="FFC000"/>
+            </a:solidFill>
+            <a:headEnd type="diamond" w="med" len="med"/>
+            <a:tailEnd type="triangle" w="med" len="med"/>
           </a:ln>
         </p:spPr>
         <p:style>
           <a:lnRef idx="1">
-            <a:schemeClr val="accent1"/>
+            <a:schemeClr val="accent6"/>
           </a:lnRef>
           <a:fillRef idx="0">
-            <a:schemeClr val="accent1"/>
+            <a:schemeClr val="accent6"/>
           </a:fillRef>
           <a:effectRef idx="0">
-            <a:schemeClr val="accent1"/>
+            <a:schemeClr val="accent6"/>
           </a:effectRef>
           <a:fontRef idx="minor">
             <a:schemeClr val="tx1"/>

--- a/DsDotNet/src/UnitTest/UnitTest.Model/ImportOfficeExample/Sample/s.pptx
+++ b/DsDotNet/src/UnitTest/UnitTest.Model/ImportOfficeExample/Sample/s.pptx
@@ -23150,7 +23150,12 @@
             <p:ph type="title"/>
           </p:nvPr>
         </p:nvSpPr>
-        <p:spPr/>
+        <p:spPr>
+          <a:xfrm>
+            <a:off x="838200" y="383414"/>
+            <a:ext cx="10515600" cy="1325563"/>
+          </a:xfrm>
+        </p:spPr>
         <p:txBody>
           <a:bodyPr/>
           <a:lstStyle/>
@@ -23306,9 +23311,9 @@
           <p:nvPr/>
         </p:nvCxnSpPr>
         <p:spPr>
-          <a:xfrm>
-            <a:off x="1256316" y="2923319"/>
-            <a:ext cx="648960" cy="27304"/>
+          <a:xfrm flipV="1">
+            <a:off x="1313006" y="1622003"/>
+            <a:ext cx="743272" cy="514665"/>
           </a:xfrm>
           <a:prstGeom prst="straightConnector1">
             <a:avLst/>
@@ -23350,7 +23355,7 @@
         </p:nvSpPr>
         <p:spPr>
           <a:xfrm>
-            <a:off x="5871898" y="2622360"/>
+            <a:off x="6096000" y="2823866"/>
             <a:ext cx="663433" cy="592469"/>
           </a:xfrm>
           <a:prstGeom prst="rect">
@@ -23379,8 +23384,8 @@
           <a:p>
             <a:pPr algn="ctr"/>
             <a:r>
-              <a:rPr lang="en-US" altLang="ko-KR" dirty="0"/>
-              <a:t>R5</a:t>
+              <a:rPr lang="en-US" altLang="ko-KR"/>
+              <a:t>R6</a:t>
             </a:r>
             <a:endParaRPr lang="ko-KR" altLang="en-US" dirty="0"/>
           </a:p>
@@ -23404,8 +23409,8 @@
         </p:nvCxnSpPr>
         <p:spPr>
           <a:xfrm>
-            <a:off x="3881103" y="2929669"/>
-            <a:ext cx="648960" cy="81521"/>
+            <a:off x="3984075" y="2112853"/>
+            <a:ext cx="663433" cy="170305"/>
           </a:xfrm>
           <a:prstGeom prst="bentConnector3">
             <a:avLst>
@@ -23452,9 +23457,9 @@
           <p:nvPr/>
         </p:nvCxnSpPr>
         <p:spPr>
-          <a:xfrm flipV="1">
-            <a:off x="5193496" y="2918595"/>
-            <a:ext cx="678402" cy="92595"/>
+          <a:xfrm>
+            <a:off x="5310941" y="2283158"/>
+            <a:ext cx="785059" cy="836943"/>
           </a:xfrm>
           <a:prstGeom prst="bentConnector3">
             <a:avLst>
@@ -23498,7 +23503,7 @@
         </p:nvSpPr>
         <p:spPr>
           <a:xfrm>
-            <a:off x="592883" y="2627084"/>
+            <a:off x="649573" y="1840433"/>
             <a:ext cx="663433" cy="592469"/>
           </a:xfrm>
           <a:prstGeom prst="rect">
@@ -23548,7 +23553,7 @@
         </p:nvSpPr>
         <p:spPr>
           <a:xfrm>
-            <a:off x="3217670" y="2633434"/>
+            <a:off x="3320642" y="1816618"/>
             <a:ext cx="663433" cy="592469"/>
           </a:xfrm>
           <a:prstGeom prst="rect">
@@ -23578,7 +23583,107 @@
             <a:pPr algn="ctr"/>
             <a:r>
               <a:rPr lang="en-US" altLang="ko-KR" dirty="0"/>
-              <a:t>R3</a:t>
+              <a:t>R4</a:t>
+            </a:r>
+            <a:endParaRPr lang="ko-KR" altLang="en-US" dirty="0"/>
+          </a:p>
+        </p:txBody>
+      </p:sp>
+      <p:sp>
+        <p:nvSpPr>
+          <p:cNvPr id="107" name="직사각형 106">
+            <a:extLst>
+              <a:ext uri="{FF2B5EF4-FFF2-40B4-BE49-F238E27FC236}">
+                <a16:creationId xmlns:a16="http://schemas.microsoft.com/office/drawing/2014/main" id="{A091B7AE-E73D-1D90-9DE2-56A94A00C346}"/>
+              </a:ext>
+            </a:extLst>
+          </p:cNvPr>
+          <p:cNvSpPr/>
+          <p:nvPr/>
+        </p:nvSpPr>
+        <p:spPr>
+          <a:xfrm>
+            <a:off x="2056278" y="1325768"/>
+            <a:ext cx="663433" cy="592469"/>
+          </a:xfrm>
+          <a:prstGeom prst="rect">
+            <a:avLst/>
+          </a:prstGeom>
+        </p:spPr>
+        <p:style>
+          <a:lnRef idx="2">
+            <a:schemeClr val="accent1">
+              <a:shade val="15000"/>
+            </a:schemeClr>
+          </a:lnRef>
+          <a:fillRef idx="1">
+            <a:schemeClr val="accent1"/>
+          </a:fillRef>
+          <a:effectRef idx="0">
+            <a:schemeClr val="accent1"/>
+          </a:effectRef>
+          <a:fontRef idx="minor">
+            <a:schemeClr val="lt1"/>
+          </a:fontRef>
+        </p:style>
+        <p:txBody>
+          <a:bodyPr rtlCol="0" anchor="ctr"/>
+          <a:lstStyle/>
+          <a:p>
+            <a:pPr algn="ctr"/>
+            <a:r>
+              <a:rPr lang="en-US" altLang="ko-KR" dirty="0"/>
+              <a:t>R2</a:t>
+            </a:r>
+            <a:endParaRPr lang="ko-KR" altLang="en-US" dirty="0"/>
+          </a:p>
+        </p:txBody>
+      </p:sp>
+      <p:sp>
+        <p:nvSpPr>
+          <p:cNvPr id="108" name="직사각형 107">
+            <a:extLst>
+              <a:ext uri="{FF2B5EF4-FFF2-40B4-BE49-F238E27FC236}">
+                <a16:creationId xmlns:a16="http://schemas.microsoft.com/office/drawing/2014/main" id="{CDFBA7D5-2A1A-E3CC-2FD9-53C9A2CF6711}"/>
+              </a:ext>
+            </a:extLst>
+          </p:cNvPr>
+          <p:cNvSpPr/>
+          <p:nvPr/>
+        </p:nvSpPr>
+        <p:spPr>
+          <a:xfrm>
+            <a:off x="4647508" y="1986923"/>
+            <a:ext cx="663433" cy="592469"/>
+          </a:xfrm>
+          <a:prstGeom prst="rect">
+            <a:avLst/>
+          </a:prstGeom>
+        </p:spPr>
+        <p:style>
+          <a:lnRef idx="2">
+            <a:schemeClr val="accent1">
+              <a:shade val="15000"/>
+            </a:schemeClr>
+          </a:lnRef>
+          <a:fillRef idx="1">
+            <a:schemeClr val="accent1"/>
+          </a:fillRef>
+          <a:effectRef idx="0">
+            <a:schemeClr val="accent1"/>
+          </a:effectRef>
+          <a:fontRef idx="minor">
+            <a:schemeClr val="lt1"/>
+          </a:fontRef>
+        </p:style>
+        <p:txBody>
+          <a:bodyPr rtlCol="0" anchor="ctr"/>
+          <a:lstStyle/>
+          <a:p>
+            <a:pPr algn="ctr"/>
+            <a:r>
+              <a:rPr lang="en-US" altLang="ko-KR" dirty="0"/>
+              <a:t>R5</a:t>
             </a:r>
             <a:endParaRPr lang="ko-KR" altLang="en-US" dirty="0"/>
           </a:p>
@@ -23586,28 +23691,28 @@
       </p:sp>
       <p:cxnSp>
         <p:nvCxnSpPr>
-          <p:cNvPr id="89" name="연결선: 꺾임 88">
-            <a:extLst>
-              <a:ext uri="{FF2B5EF4-FFF2-40B4-BE49-F238E27FC236}">
-                <a16:creationId xmlns:a16="http://schemas.microsoft.com/office/drawing/2014/main" id="{7E2665E8-D403-D8FB-9969-944A31F68D20}"/>
+          <p:cNvPr id="120" name="연결선: 꺾임 119">
+            <a:extLst>
+              <a:ext uri="{FF2B5EF4-FFF2-40B4-BE49-F238E27FC236}">
+                <a16:creationId xmlns:a16="http://schemas.microsoft.com/office/drawing/2014/main" id="{4EA8B378-3BF3-995C-14E5-599C29136133}"/>
               </a:ext>
             </a:extLst>
           </p:cNvPr>
           <p:cNvCxnSpPr>
             <a:cxnSpLocks/>
-            <a:stCxn id="107" idx="3"/>
-            <a:endCxn id="87" idx="1"/>
+            <a:stCxn id="18" idx="2"/>
+            <a:endCxn id="27" idx="2"/>
           </p:cNvCxnSpPr>
           <p:nvPr/>
         </p:nvCxnSpPr>
         <p:spPr>
-          <a:xfrm flipV="1">
-            <a:off x="2568709" y="2929669"/>
-            <a:ext cx="648961" cy="20954"/>
+          <a:xfrm rot="5400000" flipH="1">
+            <a:off x="3212787" y="201406"/>
+            <a:ext cx="983433" cy="5446427"/>
           </a:xfrm>
           <a:prstGeom prst="bentConnector3">
             <a:avLst>
-              <a:gd name="adj1" fmla="val 50000"/>
+              <a:gd name="adj1" fmla="val -23245"/>
             </a:avLst>
           </a:prstGeom>
           <a:ln w="38100">
@@ -23635,10 +23740,10 @@
       </p:cxnSp>
       <p:sp>
         <p:nvSpPr>
-          <p:cNvPr id="107" name="직사각형 106">
-            <a:extLst>
-              <a:ext uri="{FF2B5EF4-FFF2-40B4-BE49-F238E27FC236}">
-                <a16:creationId xmlns:a16="http://schemas.microsoft.com/office/drawing/2014/main" id="{A091B7AE-E73D-1D90-9DE2-56A94A00C346}"/>
+          <p:cNvPr id="129" name="직사각형 128">
+            <a:extLst>
+              <a:ext uri="{FF2B5EF4-FFF2-40B4-BE49-F238E27FC236}">
+                <a16:creationId xmlns:a16="http://schemas.microsoft.com/office/drawing/2014/main" id="{75243FED-1F7B-274A-48C0-33EE3D7631CF}"/>
               </a:ext>
             </a:extLst>
           </p:cNvPr>
@@ -23647,7 +23752,7 @@
         </p:nvSpPr>
         <p:spPr>
           <a:xfrm>
-            <a:off x="1905276" y="2654388"/>
+            <a:off x="2084759" y="2527632"/>
             <a:ext cx="663433" cy="592469"/>
           </a:xfrm>
           <a:prstGeom prst="rect">
@@ -23677,57 +23782,7 @@
             <a:pPr algn="ctr"/>
             <a:r>
               <a:rPr lang="en-US" altLang="ko-KR" dirty="0"/>
-              <a:t>R2</a:t>
-            </a:r>
-            <a:endParaRPr lang="ko-KR" altLang="en-US" dirty="0"/>
-          </a:p>
-        </p:txBody>
-      </p:sp>
-      <p:sp>
-        <p:nvSpPr>
-          <p:cNvPr id="108" name="직사각형 107">
-            <a:extLst>
-              <a:ext uri="{FF2B5EF4-FFF2-40B4-BE49-F238E27FC236}">
-                <a16:creationId xmlns:a16="http://schemas.microsoft.com/office/drawing/2014/main" id="{CDFBA7D5-2A1A-E3CC-2FD9-53C9A2CF6711}"/>
-              </a:ext>
-            </a:extLst>
-          </p:cNvPr>
-          <p:cNvSpPr/>
-          <p:nvPr/>
-        </p:nvSpPr>
-        <p:spPr>
-          <a:xfrm>
-            <a:off x="4530063" y="2714955"/>
-            <a:ext cx="663433" cy="592469"/>
-          </a:xfrm>
-          <a:prstGeom prst="rect">
-            <a:avLst/>
-          </a:prstGeom>
-        </p:spPr>
-        <p:style>
-          <a:lnRef idx="2">
-            <a:schemeClr val="accent1">
-              <a:shade val="15000"/>
-            </a:schemeClr>
-          </a:lnRef>
-          <a:fillRef idx="1">
-            <a:schemeClr val="accent1"/>
-          </a:fillRef>
-          <a:effectRef idx="0">
-            <a:schemeClr val="accent1"/>
-          </a:effectRef>
-          <a:fontRef idx="minor">
-            <a:schemeClr val="lt1"/>
-          </a:fontRef>
-        </p:style>
-        <p:txBody>
-          <a:bodyPr rtlCol="0" anchor="ctr"/>
-          <a:lstStyle/>
-          <a:p>
-            <a:pPr algn="ctr"/>
-            <a:r>
-              <a:rPr lang="en-US" altLang="ko-KR" dirty="0"/>
-              <a:t>R4</a:t>
+              <a:t>R3</a:t>
             </a:r>
             <a:endParaRPr lang="ko-KR" altLang="en-US" dirty="0"/>
           </a:p>
@@ -23735,29 +23790,168 @@
       </p:sp>
       <p:cxnSp>
         <p:nvCxnSpPr>
-          <p:cNvPr id="120" name="연결선: 꺾임 119">
-            <a:extLst>
-              <a:ext uri="{FF2B5EF4-FFF2-40B4-BE49-F238E27FC236}">
-                <a16:creationId xmlns:a16="http://schemas.microsoft.com/office/drawing/2014/main" id="{4EA8B378-3BF3-995C-14E5-599C29136133}"/>
+          <p:cNvPr id="130" name="직선 화살표 연결선 129">
+            <a:extLst>
+              <a:ext uri="{FF2B5EF4-FFF2-40B4-BE49-F238E27FC236}">
+                <a16:creationId xmlns:a16="http://schemas.microsoft.com/office/drawing/2014/main" id="{F3F26473-69E9-5982-CBB0-8876603EB2FB}"/>
               </a:ext>
             </a:extLst>
           </p:cNvPr>
           <p:cNvCxnSpPr>
             <a:cxnSpLocks/>
-            <a:stCxn id="18" idx="2"/>
-            <a:endCxn id="27" idx="2"/>
+            <a:stCxn id="27" idx="3"/>
+            <a:endCxn id="129" idx="1"/>
           </p:cNvCxnSpPr>
           <p:nvPr/>
         </p:nvCxnSpPr>
         <p:spPr>
-          <a:xfrm rot="5400000">
-            <a:off x="3561746" y="577684"/>
-            <a:ext cx="4724" cy="5279015"/>
+          <a:xfrm>
+            <a:off x="1313006" y="2136668"/>
+            <a:ext cx="771753" cy="687199"/>
           </a:xfrm>
-          <a:prstGeom prst="bentConnector3">
-            <a:avLst>
-              <a:gd name="adj1" fmla="val 4939119"/>
-            </a:avLst>
+          <a:prstGeom prst="straightConnector1">
+            <a:avLst/>
+          </a:prstGeom>
+          <a:ln w="38100">
+            <a:solidFill>
+              <a:srgbClr val="FFC000"/>
+            </a:solidFill>
+            <a:headEnd type="diamond" w="med" len="med"/>
+            <a:tailEnd type="triangle" w="med" len="med"/>
+          </a:ln>
+        </p:spPr>
+        <p:style>
+          <a:lnRef idx="1">
+            <a:schemeClr val="accent6"/>
+          </a:lnRef>
+          <a:fillRef idx="0">
+            <a:schemeClr val="accent6"/>
+          </a:fillRef>
+          <a:effectRef idx="0">
+            <a:schemeClr val="accent6"/>
+          </a:effectRef>
+          <a:fontRef idx="minor">
+            <a:schemeClr val="tx1"/>
+          </a:fontRef>
+        </p:style>
+      </p:cxnSp>
+      <p:cxnSp>
+        <p:nvCxnSpPr>
+          <p:cNvPr id="138" name="직선 화살표 연결선 137">
+            <a:extLst>
+              <a:ext uri="{FF2B5EF4-FFF2-40B4-BE49-F238E27FC236}">
+                <a16:creationId xmlns:a16="http://schemas.microsoft.com/office/drawing/2014/main" id="{1B92FA53-FF0D-5479-24F6-3EAD5C5F6854}"/>
+              </a:ext>
+            </a:extLst>
+          </p:cNvPr>
+          <p:cNvCxnSpPr>
+            <a:cxnSpLocks/>
+            <a:stCxn id="107" idx="3"/>
+            <a:endCxn id="87" idx="1"/>
+          </p:cNvCxnSpPr>
+          <p:nvPr/>
+        </p:nvCxnSpPr>
+        <p:spPr>
+          <a:xfrm>
+            <a:off x="2719711" y="1622003"/>
+            <a:ext cx="600931" cy="490850"/>
+          </a:xfrm>
+          <a:prstGeom prst="straightConnector1">
+            <a:avLst/>
+          </a:prstGeom>
+          <a:ln w="38100">
+            <a:solidFill>
+              <a:srgbClr val="FFC000"/>
+            </a:solidFill>
+            <a:headEnd type="diamond" w="med" len="med"/>
+            <a:tailEnd type="triangle" w="med" len="med"/>
+          </a:ln>
+        </p:spPr>
+        <p:style>
+          <a:lnRef idx="1">
+            <a:schemeClr val="accent6"/>
+          </a:lnRef>
+          <a:fillRef idx="0">
+            <a:schemeClr val="accent6"/>
+          </a:fillRef>
+          <a:effectRef idx="0">
+            <a:schemeClr val="accent6"/>
+          </a:effectRef>
+          <a:fontRef idx="minor">
+            <a:schemeClr val="tx1"/>
+          </a:fontRef>
+        </p:style>
+      </p:cxnSp>
+      <p:cxnSp>
+        <p:nvCxnSpPr>
+          <p:cNvPr id="142" name="직선 화살표 연결선 141">
+            <a:extLst>
+              <a:ext uri="{FF2B5EF4-FFF2-40B4-BE49-F238E27FC236}">
+                <a16:creationId xmlns:a16="http://schemas.microsoft.com/office/drawing/2014/main" id="{FCCA92E5-FA73-AF8D-CD5B-27CD3509D097}"/>
+              </a:ext>
+            </a:extLst>
+          </p:cNvPr>
+          <p:cNvCxnSpPr>
+            <a:cxnSpLocks/>
+            <a:stCxn id="129" idx="3"/>
+            <a:endCxn id="87" idx="1"/>
+          </p:cNvCxnSpPr>
+          <p:nvPr/>
+        </p:nvCxnSpPr>
+        <p:spPr>
+          <a:xfrm flipV="1">
+            <a:off x="2748192" y="2112853"/>
+            <a:ext cx="572450" cy="711014"/>
+          </a:xfrm>
+          <a:prstGeom prst="straightConnector1">
+            <a:avLst/>
+          </a:prstGeom>
+          <a:ln w="38100">
+            <a:solidFill>
+              <a:srgbClr val="FFC000"/>
+            </a:solidFill>
+            <a:headEnd type="diamond" w="med" len="med"/>
+            <a:tailEnd type="triangle" w="med" len="med"/>
+          </a:ln>
+        </p:spPr>
+        <p:style>
+          <a:lnRef idx="1">
+            <a:schemeClr val="accent6"/>
+          </a:lnRef>
+          <a:fillRef idx="0">
+            <a:schemeClr val="accent6"/>
+          </a:fillRef>
+          <a:effectRef idx="0">
+            <a:schemeClr val="accent6"/>
+          </a:effectRef>
+          <a:fontRef idx="minor">
+            <a:schemeClr val="tx1"/>
+          </a:fontRef>
+        </p:style>
+      </p:cxnSp>
+      <p:cxnSp>
+        <p:nvCxnSpPr>
+          <p:cNvPr id="146" name="직선 화살표 연결선 145">
+            <a:extLst>
+              <a:ext uri="{FF2B5EF4-FFF2-40B4-BE49-F238E27FC236}">
+                <a16:creationId xmlns:a16="http://schemas.microsoft.com/office/drawing/2014/main" id="{39E1EF52-0BF3-A5B9-D57F-4E78DE695956}"/>
+              </a:ext>
+            </a:extLst>
+          </p:cNvPr>
+          <p:cNvCxnSpPr>
+            <a:cxnSpLocks/>
+            <a:stCxn id="27" idx="3"/>
+            <a:endCxn id="87" idx="1"/>
+          </p:cNvCxnSpPr>
+          <p:nvPr/>
+        </p:nvCxnSpPr>
+        <p:spPr>
+          <a:xfrm flipV="1">
+            <a:off x="1313006" y="2112853"/>
+            <a:ext cx="2007636" cy="23815"/>
+          </a:xfrm>
+          <a:prstGeom prst="straightConnector1">
+            <a:avLst/>
           </a:prstGeom>
           <a:ln w="38100">
             <a:solidFill>

--- a/DsDotNet/src/UnitTest/UnitTest.Model/ImportOfficeExample/Sample/s.pptx
+++ b/DsDotNet/src/UnitTest/UnitTest.Model/ImportOfficeExample/Sample/s.pptx
@@ -22050,7 +22050,7 @@
         <p:grpSpPr>
           <a:xfrm>
             <a:off x="331712" y="1236650"/>
-            <a:ext cx="5282180" cy="2917639"/>
+            <a:ext cx="4710071" cy="2917639"/>
             <a:chOff x="142394" y="1361062"/>
             <a:chExt cx="5282180" cy="2917639"/>
           </a:xfrm>
@@ -23118,7 +23118,7 @@
 </file>
 
 <file path=ppt/slides/slide6.xml><?xml version="1.0" encoding="utf-8"?>
-<p:sld xmlns:a="http://schemas.openxmlformats.org/drawingml/2006/main" xmlns:r="http://schemas.openxmlformats.org/officeDocument/2006/relationships" xmlns:p="http://schemas.openxmlformats.org/presentationml/2006/main">
+<p:sld xmlns:a="http://schemas.openxmlformats.org/drawingml/2006/main" xmlns:r="http://schemas.openxmlformats.org/officeDocument/2006/relationships" xmlns:p="http://schemas.openxmlformats.org/presentationml/2006/main" show="0">
   <p:cSld>
     <p:spTree>
       <p:nvGrpSpPr>
@@ -23384,7 +23384,7 @@
           <a:p>
             <a:pPr algn="ctr"/>
             <a:r>
-              <a:rPr lang="en-US" altLang="ko-KR"/>
+              <a:rPr lang="en-US" altLang="ko-KR" dirty="0"/>
               <a:t>R6</a:t>
             </a:r>
             <a:endParaRPr lang="ko-KR" altLang="en-US" dirty="0"/>
@@ -23990,7 +23990,7 @@
 </file>
 
 <file path=ppt/slides/slide7.xml><?xml version="1.0" encoding="utf-8"?>
-<p:sld xmlns:a="http://schemas.openxmlformats.org/drawingml/2006/main" xmlns:r="http://schemas.openxmlformats.org/officeDocument/2006/relationships" xmlns:p="http://schemas.openxmlformats.org/presentationml/2006/main" show="0">
+<p:sld xmlns:a="http://schemas.openxmlformats.org/drawingml/2006/main" xmlns:r="http://schemas.openxmlformats.org/officeDocument/2006/relationships" xmlns:p="http://schemas.openxmlformats.org/presentationml/2006/main">
   <p:cSld>
     <p:spTree>
       <p:nvGrpSpPr>
@@ -24085,56 +24085,6 @@
           </a:p>
         </p:txBody>
       </p:sp>
-      <p:sp>
-        <p:nvSpPr>
-          <p:cNvPr id="107" name="직사각형 106">
-            <a:extLst>
-              <a:ext uri="{FF2B5EF4-FFF2-40B4-BE49-F238E27FC236}">
-                <a16:creationId xmlns:a16="http://schemas.microsoft.com/office/drawing/2014/main" id="{915BD835-DF4D-92B2-20EE-E079F839EBBE}"/>
-              </a:ext>
-            </a:extLst>
-          </p:cNvPr>
-          <p:cNvSpPr/>
-          <p:nvPr/>
-        </p:nvSpPr>
-        <p:spPr>
-          <a:xfrm>
-            <a:off x="6037763" y="2062362"/>
-            <a:ext cx="847742" cy="495381"/>
-          </a:xfrm>
-          <a:prstGeom prst="rect">
-            <a:avLst/>
-          </a:prstGeom>
-        </p:spPr>
-        <p:style>
-          <a:lnRef idx="2">
-            <a:schemeClr val="accent1">
-              <a:shade val="15000"/>
-            </a:schemeClr>
-          </a:lnRef>
-          <a:fillRef idx="1">
-            <a:schemeClr val="accent1"/>
-          </a:fillRef>
-          <a:effectRef idx="0">
-            <a:schemeClr val="accent1"/>
-          </a:effectRef>
-          <a:fontRef idx="minor">
-            <a:schemeClr val="lt1"/>
-          </a:fontRef>
-        </p:style>
-        <p:txBody>
-          <a:bodyPr rtlCol="0" anchor="ctr"/>
-          <a:lstStyle/>
-          <a:p>
-            <a:pPr algn="ctr"/>
-            <a:r>
-              <a:rPr lang="en-US" altLang="ko-KR" dirty="0"/>
-              <a:t>R2</a:t>
-            </a:r>
-            <a:endParaRPr lang="ko-KR" altLang="en-US" dirty="0"/>
-          </a:p>
-        </p:txBody>
-      </p:sp>
       <p:cxnSp>
         <p:nvCxnSpPr>
           <p:cNvPr id="109" name="직선 화살표 연결선 108">
@@ -24153,8 +24103,8 @@
         </p:nvCxnSpPr>
         <p:spPr>
           <a:xfrm flipV="1">
-            <a:off x="5638854" y="1236651"/>
-            <a:ext cx="448833" cy="1439055"/>
+            <a:off x="5613666" y="1236651"/>
+            <a:ext cx="474021" cy="1458820"/>
           </a:xfrm>
           <a:prstGeom prst="straightConnector1">
             <a:avLst/>
@@ -24199,9 +24149,9 @@
           <p:nvPr/>
         </p:nvCxnSpPr>
         <p:spPr>
-          <a:xfrm flipV="1">
-            <a:off x="5638854" y="2310053"/>
-            <a:ext cx="398909" cy="365653"/>
+          <a:xfrm>
+            <a:off x="5613666" y="2695471"/>
+            <a:ext cx="416750" cy="110667"/>
           </a:xfrm>
           <a:prstGeom prst="straightConnector1">
             <a:avLst/>
@@ -24243,7 +24193,7 @@
         </p:nvSpPr>
         <p:spPr>
           <a:xfrm>
-            <a:off x="10293325" y="3525178"/>
+            <a:off x="10080018" y="3931852"/>
             <a:ext cx="847742" cy="495381"/>
           </a:xfrm>
           <a:prstGeom prst="rect">
@@ -24293,7 +24243,7 @@
         </p:nvSpPr>
         <p:spPr>
           <a:xfrm>
-            <a:off x="9232276" y="2793844"/>
+            <a:off x="7542218" y="3556057"/>
             <a:ext cx="847742" cy="495381"/>
           </a:xfrm>
           <a:prstGeom prst="rect">
@@ -24347,8 +24297,8 @@
         </p:nvCxnSpPr>
         <p:spPr>
           <a:xfrm flipV="1">
-            <a:off x="6935429" y="1197122"/>
-            <a:ext cx="1082600" cy="39529"/>
+            <a:off x="6935429" y="1094583"/>
+            <a:ext cx="1269587" cy="142068"/>
           </a:xfrm>
           <a:prstGeom prst="bentConnector3">
             <a:avLst>
@@ -24395,13 +24345,13 @@
           <p:nvPr/>
         </p:nvCxnSpPr>
         <p:spPr>
-          <a:xfrm rot="5400000">
-            <a:off x="6800497" y="217826"/>
-            <a:ext cx="113966" cy="7719432"/>
+          <a:xfrm rot="5400000" flipH="1">
+            <a:off x="6601761" y="525106"/>
+            <a:ext cx="272943" cy="7531313"/>
           </a:xfrm>
           <a:prstGeom prst="bentConnector3">
             <a:avLst>
-              <a:gd name="adj1" fmla="val 300586"/>
+              <a:gd name="adj1" fmla="val -83754"/>
             </a:avLst>
           </a:prstGeom>
           <a:ln w="38100">
@@ -24445,8 +24395,8 @@
         </p:nvCxnSpPr>
         <p:spPr>
           <a:xfrm flipV="1">
-            <a:off x="6885505" y="1197122"/>
-            <a:ext cx="1132524" cy="1112931"/>
+            <a:off x="7561849" y="1094583"/>
+            <a:ext cx="643167" cy="1711555"/>
           </a:xfrm>
           <a:prstGeom prst="bentConnector3">
             <a:avLst>
@@ -24494,8 +24444,8 @@
         </p:nvCxnSpPr>
         <p:spPr>
           <a:xfrm rot="5400000">
-            <a:off x="9333597" y="2351668"/>
-            <a:ext cx="764726" cy="119626"/>
+            <a:off x="8278945" y="1872242"/>
+            <a:ext cx="1370960" cy="1996671"/>
           </a:xfrm>
           <a:prstGeom prst="bentConnector3">
             <a:avLst>
@@ -24543,8 +24493,8 @@
         </p:nvCxnSpPr>
         <p:spPr>
           <a:xfrm rot="16200000" flipH="1">
-            <a:off x="9732914" y="3212458"/>
-            <a:ext cx="483644" cy="637178"/>
+            <a:off x="8959001" y="3058525"/>
+            <a:ext cx="128105" cy="2113929"/>
           </a:xfrm>
           <a:prstGeom prst="bentConnector2">
             <a:avLst/>
@@ -24629,7 +24579,15 @@
             <a:pPr algn="ctr"/>
             <a:r>
               <a:rPr lang="en-US" altLang="ko-KR" dirty="0"/>
-              <a:t>[Pin]</a:t>
+              <a:t>[</a:t>
+            </a:r>
+            <a:r>
+              <a:rPr lang="en-US" altLang="ko-KR" dirty="0" err="1"/>
+              <a:t>PinB</a:t>
+            </a:r>
+            <a:r>
+              <a:rPr lang="en-US" altLang="ko-KR" dirty="0"/>
+              <a:t>]</a:t>
             </a:r>
             <a:endParaRPr lang="ko-KR" altLang="en-US" dirty="0"/>
           </a:p>
@@ -24761,62 +24719,12 @@
           </a:p>
         </p:txBody>
       </p:sp>
-      <p:sp>
-        <p:nvSpPr>
-          <p:cNvPr id="14" name="직사각형 13">
-            <a:extLst>
-              <a:ext uri="{FF2B5EF4-FFF2-40B4-BE49-F238E27FC236}">
-                <a16:creationId xmlns:a16="http://schemas.microsoft.com/office/drawing/2014/main" id="{7F0FAA92-96A9-A5D3-0A1E-4545883E9E65}"/>
-              </a:ext>
-            </a:extLst>
-          </p:cNvPr>
-          <p:cNvSpPr/>
-          <p:nvPr/>
-        </p:nvSpPr>
-        <p:spPr>
-          <a:xfrm>
-            <a:off x="8018029" y="365126"/>
-            <a:ext cx="3515488" cy="1663992"/>
-          </a:xfrm>
-          <a:prstGeom prst="rect">
-            <a:avLst/>
-          </a:prstGeom>
-        </p:spPr>
-        <p:style>
-          <a:lnRef idx="2">
-            <a:schemeClr val="accent1">
-              <a:shade val="15000"/>
-            </a:schemeClr>
-          </a:lnRef>
-          <a:fillRef idx="1">
-            <a:schemeClr val="accent1"/>
-          </a:fillRef>
-          <a:effectRef idx="0">
-            <a:schemeClr val="accent1"/>
-          </a:effectRef>
-          <a:fontRef idx="minor">
-            <a:schemeClr val="lt1"/>
-          </a:fontRef>
-        </p:style>
-        <p:txBody>
-          <a:bodyPr rtlCol="0" anchor="ctr"/>
-          <a:lstStyle/>
-          <a:p>
-            <a:pPr algn="ctr"/>
-            <a:r>
-              <a:rPr lang="en-US" altLang="ko-KR" dirty="0"/>
-              <a:t>R4</a:t>
-            </a:r>
-            <a:endParaRPr lang="ko-KR" altLang="en-US" dirty="0"/>
-          </a:p>
-        </p:txBody>
-      </p:sp>
       <p:grpSp>
         <p:nvGrpSpPr>
-          <p:cNvPr id="16" name="그룹 15">
-            <a:extLst>
-              <a:ext uri="{FF2B5EF4-FFF2-40B4-BE49-F238E27FC236}">
-                <a16:creationId xmlns:a16="http://schemas.microsoft.com/office/drawing/2014/main" id="{90FC8CF1-2B85-11A3-58EB-E351DAA6A162}"/>
+          <p:cNvPr id="55" name="그룹 54">
+            <a:extLst>
+              <a:ext uri="{FF2B5EF4-FFF2-40B4-BE49-F238E27FC236}">
+                <a16:creationId xmlns:a16="http://schemas.microsoft.com/office/drawing/2014/main" id="{8EE34B0D-22C8-066B-F07B-3C16D4B975E4}"/>
               </a:ext>
             </a:extLst>
           </p:cNvPr>
@@ -24825,18 +24733,18 @@
         </p:nvGrpSpPr>
         <p:grpSpPr>
           <a:xfrm>
-            <a:off x="356674" y="1216886"/>
-            <a:ext cx="5282180" cy="2917639"/>
-            <a:chOff x="356674" y="1216886"/>
-            <a:chExt cx="5282180" cy="2917639"/>
+            <a:off x="8205016" y="4069"/>
+            <a:ext cx="3515488" cy="2181028"/>
+            <a:chOff x="8205016" y="4069"/>
+            <a:chExt cx="3515488" cy="2181028"/>
           </a:xfrm>
         </p:grpSpPr>
         <p:sp>
           <p:nvSpPr>
-            <p:cNvPr id="94" name="직사각형 93">
+            <p:cNvPr id="14" name="직사각형 13">
               <a:extLst>
                 <a:ext uri="{FF2B5EF4-FFF2-40B4-BE49-F238E27FC236}">
-                  <a16:creationId xmlns:a16="http://schemas.microsoft.com/office/drawing/2014/main" id="{50002DFC-06DB-5F32-EB21-2D6DF916CB2E}"/>
+                  <a16:creationId xmlns:a16="http://schemas.microsoft.com/office/drawing/2014/main" id="{7F0FAA92-96A9-A5D3-0A1E-4545883E9E65}"/>
                 </a:ext>
               </a:extLst>
             </p:cNvPr>
@@ -24845,8 +24753,8 @@
           </p:nvSpPr>
           <p:spPr>
             <a:xfrm>
-              <a:off x="356674" y="1216886"/>
-              <a:ext cx="5282180" cy="2917639"/>
+              <a:off x="8205016" y="4069"/>
+              <a:ext cx="3515488" cy="2181028"/>
             </a:xfrm>
             <a:prstGeom prst="rect">
               <a:avLst/>
@@ -24875,7 +24783,7 @@
               <a:pPr algn="ctr"/>
               <a:r>
                 <a:rPr lang="en-US" altLang="ko-KR" dirty="0"/>
-                <a:t>R1</a:t>
+                <a:t>R4</a:t>
               </a:r>
               <a:endParaRPr lang="ko-KR" altLang="en-US" dirty="0"/>
             </a:p>
@@ -24883,10 +24791,10 @@
         </p:sp>
         <p:sp>
           <p:nvSpPr>
-            <p:cNvPr id="10" name="타원 9">
+            <p:cNvPr id="3" name="타원 2">
               <a:extLst>
                 <a:ext uri="{FF2B5EF4-FFF2-40B4-BE49-F238E27FC236}">
-                  <a16:creationId xmlns:a16="http://schemas.microsoft.com/office/drawing/2014/main" id="{FCDAA94B-9830-4764-06B1-1D60DCB829DC}"/>
+                  <a16:creationId xmlns:a16="http://schemas.microsoft.com/office/drawing/2014/main" id="{40045D59-AC9F-C1A5-B4B3-519490FD2B7A}"/>
                 </a:ext>
               </a:extLst>
             </p:cNvPr>
@@ -24895,7 +24803,7 @@
           </p:nvSpPr>
           <p:spPr>
             <a:xfrm>
-              <a:off x="859603" y="1881292"/>
+              <a:off x="8282021" y="407432"/>
               <a:ext cx="758778" cy="499161"/>
             </a:xfrm>
             <a:prstGeom prst="ellipse">
@@ -24931,7 +24839,7 @@
               <a:pPr algn="ctr"/>
               <a:r>
                 <a:rPr lang="en-US" altLang="ko-KR" sz="1050" dirty="0"/>
-                <a:t>Pin $ADV</a:t>
+                <a:t>Latch $ADV</a:t>
               </a:r>
               <a:endParaRPr lang="ko-KR" altLang="en-US" sz="1050" dirty="0"/>
             </a:p>
@@ -24939,10 +24847,10 @@
         </p:sp>
         <p:sp>
           <p:nvSpPr>
-            <p:cNvPr id="11" name="타원 10">
+            <p:cNvPr id="4" name="타원 3">
               <a:extLst>
                 <a:ext uri="{FF2B5EF4-FFF2-40B4-BE49-F238E27FC236}">
-                  <a16:creationId xmlns:a16="http://schemas.microsoft.com/office/drawing/2014/main" id="{97560454-D4B5-A91B-3FF0-846F2FC2FD93}"/>
+                  <a16:creationId xmlns:a16="http://schemas.microsoft.com/office/drawing/2014/main" id="{8DEA1278-35F2-757D-3B7E-B8F3D3BA7CA2}"/>
                 </a:ext>
               </a:extLst>
             </p:cNvPr>
@@ -24951,7 +24859,7 @@
           </p:nvSpPr>
           <p:spPr>
             <a:xfrm>
-              <a:off x="1898822" y="3056896"/>
+              <a:off x="9321240" y="1583036"/>
               <a:ext cx="758778" cy="499161"/>
             </a:xfrm>
             <a:prstGeom prst="ellipse">
@@ -24987,7 +24895,7 @@
               <a:pPr algn="ctr"/>
               <a:r>
                 <a:rPr lang="en-US" altLang="ko-KR" sz="1050" dirty="0"/>
-                <a:t>Pin $RET</a:t>
+                <a:t>Latch $RET</a:t>
               </a:r>
               <a:endParaRPr lang="ko-KR" altLang="en-US" sz="1050" dirty="0"/>
             </a:p>
@@ -24995,27 +24903,832 @@
         </p:sp>
         <p:cxnSp>
           <p:nvCxnSpPr>
-            <p:cNvPr id="12" name="연결선: 꺾임 11">
+            <p:cNvPr id="5" name="연결선: 꺾임 4">
               <a:extLst>
                 <a:ext uri="{FF2B5EF4-FFF2-40B4-BE49-F238E27FC236}">
-                  <a16:creationId xmlns:a16="http://schemas.microsoft.com/office/drawing/2014/main" id="{B82D86F6-686A-9B3A-FAFB-D9CA95D6B9EE}"/>
+                  <a16:creationId xmlns:a16="http://schemas.microsoft.com/office/drawing/2014/main" id="{027F9686-3E3D-8C25-BCE0-DFEA98B13F0F}"/>
                 </a:ext>
               </a:extLst>
             </p:cNvPr>
             <p:cNvCxnSpPr>
               <a:cxnSpLocks/>
-              <a:stCxn id="10" idx="5"/>
-              <a:endCxn id="11" idx="1"/>
+              <a:stCxn id="3" idx="5"/>
+              <a:endCxn id="4" idx="1"/>
             </p:cNvCxnSpPr>
             <p:nvPr/>
           </p:nvCxnSpPr>
           <p:spPr>
             <a:xfrm rot="16200000" flipH="1">
-              <a:off x="1347280" y="2467332"/>
+              <a:off x="8769698" y="993472"/>
               <a:ext cx="822643" cy="502682"/>
             </a:xfrm>
             <a:prstGeom prst="bentConnector3">
               <a:avLst/>
+            </a:prstGeom>
+            <a:ln>
+              <a:tailEnd type="triangle"/>
+            </a:ln>
+          </p:spPr>
+          <p:style>
+            <a:lnRef idx="1">
+              <a:schemeClr val="accent4"/>
+            </a:lnRef>
+            <a:fillRef idx="0">
+              <a:schemeClr val="accent4"/>
+            </a:fillRef>
+            <a:effectRef idx="0">
+              <a:schemeClr val="accent4"/>
+            </a:effectRef>
+            <a:fontRef idx="minor">
+              <a:schemeClr val="tx1"/>
+            </a:fontRef>
+          </p:style>
+        </p:cxnSp>
+      </p:grpSp>
+      <p:grpSp>
+        <p:nvGrpSpPr>
+          <p:cNvPr id="33" name="그룹 32">
+            <a:extLst>
+              <a:ext uri="{FF2B5EF4-FFF2-40B4-BE49-F238E27FC236}">
+                <a16:creationId xmlns:a16="http://schemas.microsoft.com/office/drawing/2014/main" id="{6BFA305D-2D6E-C23C-D8C8-884D81F2F964}"/>
+              </a:ext>
+            </a:extLst>
+          </p:cNvPr>
+          <p:cNvGrpSpPr/>
+          <p:nvPr/>
+        </p:nvGrpSpPr>
+        <p:grpSpPr>
+          <a:xfrm>
+            <a:off x="6030416" y="2262565"/>
+            <a:ext cx="1601397" cy="1087145"/>
+            <a:chOff x="6037762" y="2062362"/>
+            <a:chExt cx="1601397" cy="1087145"/>
+          </a:xfrm>
+        </p:grpSpPr>
+        <p:sp>
+          <p:nvSpPr>
+            <p:cNvPr id="107" name="직사각형 106">
+              <a:extLst>
+                <a:ext uri="{FF2B5EF4-FFF2-40B4-BE49-F238E27FC236}">
+                  <a16:creationId xmlns:a16="http://schemas.microsoft.com/office/drawing/2014/main" id="{915BD835-DF4D-92B2-20EE-E079F839EBBE}"/>
+                </a:ext>
+              </a:extLst>
+            </p:cNvPr>
+            <p:cNvSpPr/>
+            <p:nvPr/>
+          </p:nvSpPr>
+          <p:spPr>
+            <a:xfrm>
+              <a:off x="6037762" y="2062362"/>
+              <a:ext cx="1531433" cy="1087145"/>
+            </a:xfrm>
+            <a:prstGeom prst="rect">
+              <a:avLst/>
+            </a:prstGeom>
+          </p:spPr>
+          <p:style>
+            <a:lnRef idx="2">
+              <a:schemeClr val="accent1">
+                <a:shade val="15000"/>
+              </a:schemeClr>
+            </a:lnRef>
+            <a:fillRef idx="1">
+              <a:schemeClr val="accent1"/>
+            </a:fillRef>
+            <a:effectRef idx="0">
+              <a:schemeClr val="accent1"/>
+            </a:effectRef>
+            <a:fontRef idx="minor">
+              <a:schemeClr val="lt1"/>
+            </a:fontRef>
+          </p:style>
+          <p:txBody>
+            <a:bodyPr rtlCol="0" anchor="ctr"/>
+            <a:lstStyle/>
+            <a:p>
+              <a:pPr algn="ctr"/>
+              <a:r>
+                <a:rPr lang="en-US" altLang="ko-KR" dirty="0"/>
+                <a:t>R2</a:t>
+              </a:r>
+              <a:endParaRPr lang="ko-KR" altLang="en-US" dirty="0"/>
+            </a:p>
+          </p:txBody>
+        </p:sp>
+        <p:sp>
+          <p:nvSpPr>
+            <p:cNvPr id="26" name="타원 25">
+              <a:extLst>
+                <a:ext uri="{FF2B5EF4-FFF2-40B4-BE49-F238E27FC236}">
+                  <a16:creationId xmlns:a16="http://schemas.microsoft.com/office/drawing/2014/main" id="{ABEE2C8E-BA8C-2B76-DD09-42AF1BB5187D}"/>
+                </a:ext>
+              </a:extLst>
+            </p:cNvPr>
+            <p:cNvSpPr/>
+            <p:nvPr/>
+          </p:nvSpPr>
+          <p:spPr>
+            <a:xfrm>
+              <a:off x="6069663" y="2124211"/>
+              <a:ext cx="758778" cy="499161"/>
+            </a:xfrm>
+            <a:prstGeom prst="ellipse">
+              <a:avLst/>
+            </a:prstGeom>
+            <a:solidFill>
+              <a:schemeClr val="accent4">
+                <a:alpha val="50000"/>
+              </a:schemeClr>
+            </a:solidFill>
+            <a:ln>
+              <a:noFill/>
+            </a:ln>
+          </p:spPr>
+          <p:style>
+            <a:lnRef idx="0">
+              <a:scrgbClr r="0" g="0" b="0"/>
+            </a:lnRef>
+            <a:fillRef idx="0">
+              <a:scrgbClr r="0" g="0" b="0"/>
+            </a:fillRef>
+            <a:effectRef idx="0">
+              <a:scrgbClr r="0" g="0" b="0"/>
+            </a:effectRef>
+            <a:fontRef idx="minor">
+              <a:schemeClr val="lt1"/>
+            </a:fontRef>
+          </p:style>
+          <p:txBody>
+            <a:bodyPr rtlCol="0" anchor="ctr"/>
+            <a:lstStyle/>
+            <a:p>
+              <a:pPr algn="ctr"/>
+              <a:r>
+                <a:rPr lang="en-US" altLang="ko-KR" sz="1050" dirty="0"/>
+                <a:t>Clamp $ADV</a:t>
+              </a:r>
+              <a:endParaRPr lang="ko-KR" altLang="en-US" sz="1050" dirty="0"/>
+            </a:p>
+          </p:txBody>
+        </p:sp>
+        <p:sp>
+          <p:nvSpPr>
+            <p:cNvPr id="28" name="타원 27">
+              <a:extLst>
+                <a:ext uri="{FF2B5EF4-FFF2-40B4-BE49-F238E27FC236}">
+                  <a16:creationId xmlns:a16="http://schemas.microsoft.com/office/drawing/2014/main" id="{D4DAA7DC-6192-4D1B-35A5-F5D032D07073}"/>
+                </a:ext>
+              </a:extLst>
+            </p:cNvPr>
+            <p:cNvSpPr/>
+            <p:nvPr/>
+          </p:nvSpPr>
+          <p:spPr>
+            <a:xfrm>
+              <a:off x="6880381" y="2575343"/>
+              <a:ext cx="758778" cy="499161"/>
+            </a:xfrm>
+            <a:prstGeom prst="ellipse">
+              <a:avLst/>
+            </a:prstGeom>
+            <a:solidFill>
+              <a:schemeClr val="accent4">
+                <a:alpha val="50000"/>
+              </a:schemeClr>
+            </a:solidFill>
+            <a:ln>
+              <a:noFill/>
+            </a:ln>
+          </p:spPr>
+          <p:style>
+            <a:lnRef idx="0">
+              <a:scrgbClr r="0" g="0" b="0"/>
+            </a:lnRef>
+            <a:fillRef idx="0">
+              <a:scrgbClr r="0" g="0" b="0"/>
+            </a:fillRef>
+            <a:effectRef idx="0">
+              <a:scrgbClr r="0" g="0" b="0"/>
+            </a:effectRef>
+            <a:fontRef idx="minor">
+              <a:schemeClr val="lt1"/>
+            </a:fontRef>
+          </p:style>
+          <p:txBody>
+            <a:bodyPr rtlCol="0" anchor="ctr"/>
+            <a:lstStyle/>
+            <a:p>
+              <a:pPr algn="ctr"/>
+              <a:r>
+                <a:rPr lang="en-US" altLang="ko-KR" sz="1050" dirty="0"/>
+                <a:t>Clamp $RET</a:t>
+              </a:r>
+              <a:endParaRPr lang="ko-KR" altLang="en-US" sz="1050" dirty="0"/>
+            </a:p>
+          </p:txBody>
+        </p:sp>
+        <p:cxnSp>
+          <p:nvCxnSpPr>
+            <p:cNvPr id="29" name="연결선: 꺾임 28">
+              <a:extLst>
+                <a:ext uri="{FF2B5EF4-FFF2-40B4-BE49-F238E27FC236}">
+                  <a16:creationId xmlns:a16="http://schemas.microsoft.com/office/drawing/2014/main" id="{2C7C2411-0A06-CFA6-9C89-8E6C7FB3F216}"/>
+                </a:ext>
+              </a:extLst>
+            </p:cNvPr>
+            <p:cNvCxnSpPr>
+              <a:cxnSpLocks/>
+              <a:stCxn id="26" idx="4"/>
+              <a:endCxn id="28" idx="3"/>
+            </p:cNvCxnSpPr>
+            <p:nvPr/>
+          </p:nvCxnSpPr>
+          <p:spPr>
+            <a:xfrm rot="16200000" flipH="1">
+              <a:off x="6531260" y="2541163"/>
+              <a:ext cx="378032" cy="542449"/>
+            </a:xfrm>
+            <a:prstGeom prst="bentConnector3">
+              <a:avLst>
+                <a:gd name="adj1" fmla="val 179808"/>
+              </a:avLst>
+            </a:prstGeom>
+            <a:ln>
+              <a:tailEnd type="triangle"/>
+            </a:ln>
+          </p:spPr>
+          <p:style>
+            <a:lnRef idx="1">
+              <a:schemeClr val="accent4"/>
+            </a:lnRef>
+            <a:fillRef idx="0">
+              <a:schemeClr val="accent4"/>
+            </a:fillRef>
+            <a:effectRef idx="0">
+              <a:schemeClr val="accent4"/>
+            </a:effectRef>
+            <a:fontRef idx="minor">
+              <a:schemeClr val="tx1"/>
+            </a:fontRef>
+          </p:style>
+        </p:cxnSp>
+      </p:grpSp>
+      <p:sp>
+        <p:nvSpPr>
+          <p:cNvPr id="34" name="사각형: 모서리가 접힌 도형 33">
+            <a:extLst>
+              <a:ext uri="{FF2B5EF4-FFF2-40B4-BE49-F238E27FC236}">
+                <a16:creationId xmlns:a16="http://schemas.microsoft.com/office/drawing/2014/main" id="{C3D2AFE5-0603-1136-2006-76B1E50AD071}"/>
+              </a:ext>
+            </a:extLst>
+          </p:cNvPr>
+          <p:cNvSpPr/>
+          <p:nvPr/>
+        </p:nvSpPr>
+        <p:spPr>
+          <a:xfrm>
+            <a:off x="6677415" y="4803028"/>
+            <a:ext cx="2437946" cy="568378"/>
+          </a:xfrm>
+          <a:prstGeom prst="foldedCorner">
+            <a:avLst/>
+          </a:prstGeom>
+          <a:solidFill>
+            <a:schemeClr val="accent3">
+              <a:alpha val="50000"/>
+            </a:schemeClr>
+          </a:solidFill>
+          <a:ln>
+            <a:noFill/>
+          </a:ln>
+        </p:spPr>
+        <p:style>
+          <a:lnRef idx="0">
+            <a:scrgbClr r="0" g="0" b="0"/>
+          </a:lnRef>
+          <a:fillRef idx="0">
+            <a:scrgbClr r="0" g="0" b="0"/>
+          </a:fillRef>
+          <a:effectRef idx="0">
+            <a:scrgbClr r="0" g="0" b="0"/>
+          </a:effectRef>
+          <a:fontRef idx="minor">
+            <a:schemeClr val="lt1"/>
+          </a:fontRef>
+        </p:style>
+        <p:txBody>
+          <a:bodyPr rtlCol="0" anchor="ctr"/>
+          <a:lstStyle/>
+          <a:p>
+            <a:pPr algn="ctr"/>
+            <a:r>
+              <a:rPr lang="en-US" altLang="ko-KR" dirty="0"/>
+              <a:t>lib/Cylinder/Double </a:t>
+            </a:r>
+          </a:p>
+          <a:p>
+            <a:pPr algn="ctr"/>
+            <a:r>
+              <a:rPr lang="en-US" altLang="ko-KR" dirty="0"/>
+              <a:t>[</a:t>
+            </a:r>
+            <a:r>
+              <a:rPr lang="en-US" altLang="ko-KR" dirty="0" err="1"/>
+              <a:t>PinA</a:t>
+            </a:r>
+            <a:r>
+              <a:rPr lang="en-US" altLang="ko-KR" dirty="0"/>
+              <a:t>]</a:t>
+            </a:r>
+            <a:endParaRPr lang="ko-KR" altLang="en-US" dirty="0"/>
+          </a:p>
+        </p:txBody>
+      </p:sp>
+      <p:grpSp>
+        <p:nvGrpSpPr>
+          <p:cNvPr id="44" name="그룹 43">
+            <a:extLst>
+              <a:ext uri="{FF2B5EF4-FFF2-40B4-BE49-F238E27FC236}">
+                <a16:creationId xmlns:a16="http://schemas.microsoft.com/office/drawing/2014/main" id="{E2B50E5B-2B39-4E96-458F-85B96ABBB3B4}"/>
+              </a:ext>
+            </a:extLst>
+          </p:cNvPr>
+          <p:cNvGrpSpPr/>
+          <p:nvPr/>
+        </p:nvGrpSpPr>
+        <p:grpSpPr>
+          <a:xfrm>
+            <a:off x="331486" y="1236651"/>
+            <a:ext cx="5282180" cy="2917639"/>
+            <a:chOff x="331486" y="1236651"/>
+            <a:chExt cx="5282180" cy="2917639"/>
+          </a:xfrm>
+        </p:grpSpPr>
+        <p:grpSp>
+          <p:nvGrpSpPr>
+            <p:cNvPr id="16" name="그룹 15">
+              <a:extLst>
+                <a:ext uri="{FF2B5EF4-FFF2-40B4-BE49-F238E27FC236}">
+                  <a16:creationId xmlns:a16="http://schemas.microsoft.com/office/drawing/2014/main" id="{90FC8CF1-2B85-11A3-58EB-E351DAA6A162}"/>
+                </a:ext>
+              </a:extLst>
+            </p:cNvPr>
+            <p:cNvGrpSpPr/>
+            <p:nvPr/>
+          </p:nvGrpSpPr>
+          <p:grpSpPr>
+            <a:xfrm>
+              <a:off x="331486" y="1236651"/>
+              <a:ext cx="5282180" cy="2917639"/>
+              <a:chOff x="356674" y="1216886"/>
+              <a:chExt cx="5282180" cy="2917639"/>
+            </a:xfrm>
+          </p:grpSpPr>
+          <p:sp>
+            <p:nvSpPr>
+              <p:cNvPr id="94" name="직사각형 93">
+                <a:extLst>
+                  <a:ext uri="{FF2B5EF4-FFF2-40B4-BE49-F238E27FC236}">
+                    <a16:creationId xmlns:a16="http://schemas.microsoft.com/office/drawing/2014/main" id="{50002DFC-06DB-5F32-EB21-2D6DF916CB2E}"/>
+                  </a:ext>
+                </a:extLst>
+              </p:cNvPr>
+              <p:cNvSpPr/>
+              <p:nvPr/>
+            </p:nvSpPr>
+            <p:spPr>
+              <a:xfrm>
+                <a:off x="356674" y="1216886"/>
+                <a:ext cx="5282180" cy="2917639"/>
+              </a:xfrm>
+              <a:prstGeom prst="rect">
+                <a:avLst/>
+              </a:prstGeom>
+            </p:spPr>
+            <p:style>
+              <a:lnRef idx="2">
+                <a:schemeClr val="accent1">
+                  <a:shade val="15000"/>
+                </a:schemeClr>
+              </a:lnRef>
+              <a:fillRef idx="1">
+                <a:schemeClr val="accent1"/>
+              </a:fillRef>
+              <a:effectRef idx="0">
+                <a:schemeClr val="accent1"/>
+              </a:effectRef>
+              <a:fontRef idx="minor">
+                <a:schemeClr val="lt1"/>
+              </a:fontRef>
+            </p:style>
+            <p:txBody>
+              <a:bodyPr rtlCol="0" anchor="ctr"/>
+              <a:lstStyle/>
+              <a:p>
+                <a:pPr algn="ctr"/>
+                <a:r>
+                  <a:rPr lang="en-US" altLang="ko-KR" dirty="0"/>
+                  <a:t>R1</a:t>
+                </a:r>
+                <a:endParaRPr lang="ko-KR" altLang="en-US" dirty="0"/>
+              </a:p>
+            </p:txBody>
+          </p:sp>
+          <p:sp>
+            <p:nvSpPr>
+              <p:cNvPr id="10" name="타원 9">
+                <a:extLst>
+                  <a:ext uri="{FF2B5EF4-FFF2-40B4-BE49-F238E27FC236}">
+                    <a16:creationId xmlns:a16="http://schemas.microsoft.com/office/drawing/2014/main" id="{FCDAA94B-9830-4764-06B1-1D60DCB829DC}"/>
+                  </a:ext>
+                </a:extLst>
+              </p:cNvPr>
+              <p:cNvSpPr/>
+              <p:nvPr/>
+            </p:nvSpPr>
+            <p:spPr>
+              <a:xfrm>
+                <a:off x="859603" y="1881292"/>
+                <a:ext cx="758778" cy="499161"/>
+              </a:xfrm>
+              <a:prstGeom prst="ellipse">
+                <a:avLst/>
+              </a:prstGeom>
+              <a:solidFill>
+                <a:schemeClr val="accent4">
+                  <a:alpha val="50000"/>
+                </a:schemeClr>
+              </a:solidFill>
+              <a:ln>
+                <a:noFill/>
+              </a:ln>
+            </p:spPr>
+            <p:style>
+              <a:lnRef idx="0">
+                <a:scrgbClr r="0" g="0" b="0"/>
+              </a:lnRef>
+              <a:fillRef idx="0">
+                <a:scrgbClr r="0" g="0" b="0"/>
+              </a:fillRef>
+              <a:effectRef idx="0">
+                <a:scrgbClr r="0" g="0" b="0"/>
+              </a:effectRef>
+              <a:fontRef idx="minor">
+                <a:schemeClr val="lt1"/>
+              </a:fontRef>
+            </p:style>
+            <p:txBody>
+              <a:bodyPr rtlCol="0" anchor="ctr"/>
+              <a:lstStyle/>
+              <a:p>
+                <a:pPr algn="ctr"/>
+                <a:r>
+                  <a:rPr lang="en-US" altLang="ko-KR" sz="1050" dirty="0" err="1"/>
+                  <a:t>PinA</a:t>
+                </a:r>
+                <a:r>
+                  <a:rPr lang="en-US" altLang="ko-KR" sz="1050" dirty="0"/>
+                  <a:t> $ADV</a:t>
+                </a:r>
+                <a:endParaRPr lang="ko-KR" altLang="en-US" sz="1050" dirty="0"/>
+              </a:p>
+            </p:txBody>
+          </p:sp>
+          <p:sp>
+            <p:nvSpPr>
+              <p:cNvPr id="11" name="타원 10">
+                <a:extLst>
+                  <a:ext uri="{FF2B5EF4-FFF2-40B4-BE49-F238E27FC236}">
+                    <a16:creationId xmlns:a16="http://schemas.microsoft.com/office/drawing/2014/main" id="{97560454-D4B5-A91B-3FF0-846F2FC2FD93}"/>
+                  </a:ext>
+                </a:extLst>
+              </p:cNvPr>
+              <p:cNvSpPr/>
+              <p:nvPr/>
+            </p:nvSpPr>
+            <p:spPr>
+              <a:xfrm>
+                <a:off x="1898822" y="3056896"/>
+                <a:ext cx="758778" cy="499161"/>
+              </a:xfrm>
+              <a:prstGeom prst="ellipse">
+                <a:avLst/>
+              </a:prstGeom>
+              <a:solidFill>
+                <a:schemeClr val="accent4">
+                  <a:alpha val="50000"/>
+                </a:schemeClr>
+              </a:solidFill>
+              <a:ln>
+                <a:noFill/>
+              </a:ln>
+            </p:spPr>
+            <p:style>
+              <a:lnRef idx="0">
+                <a:scrgbClr r="0" g="0" b="0"/>
+              </a:lnRef>
+              <a:fillRef idx="0">
+                <a:scrgbClr r="0" g="0" b="0"/>
+              </a:fillRef>
+              <a:effectRef idx="0">
+                <a:scrgbClr r="0" g="0" b="0"/>
+              </a:effectRef>
+              <a:fontRef idx="minor">
+                <a:schemeClr val="lt1"/>
+              </a:fontRef>
+            </p:style>
+            <p:txBody>
+              <a:bodyPr rtlCol="0" anchor="ctr"/>
+              <a:lstStyle/>
+              <a:p>
+                <a:pPr algn="ctr"/>
+                <a:r>
+                  <a:rPr lang="en-US" altLang="ko-KR" sz="1050" dirty="0" err="1"/>
+                  <a:t>PinA</a:t>
+                </a:r>
+                <a:r>
+                  <a:rPr lang="en-US" altLang="ko-KR" sz="1050" dirty="0"/>
+                  <a:t> $RET</a:t>
+                </a:r>
+                <a:endParaRPr lang="ko-KR" altLang="en-US" sz="1050" dirty="0"/>
+              </a:p>
+            </p:txBody>
+          </p:sp>
+          <p:cxnSp>
+            <p:nvCxnSpPr>
+              <p:cNvPr id="12" name="연결선: 꺾임 11">
+                <a:extLst>
+                  <a:ext uri="{FF2B5EF4-FFF2-40B4-BE49-F238E27FC236}">
+                    <a16:creationId xmlns:a16="http://schemas.microsoft.com/office/drawing/2014/main" id="{B82D86F6-686A-9B3A-FAFB-D9CA95D6B9EE}"/>
+                  </a:ext>
+                </a:extLst>
+              </p:cNvPr>
+              <p:cNvCxnSpPr>
+                <a:cxnSpLocks/>
+                <a:stCxn id="10" idx="5"/>
+                <a:endCxn id="11" idx="1"/>
+              </p:cNvCxnSpPr>
+              <p:nvPr/>
+            </p:nvCxnSpPr>
+            <p:spPr>
+              <a:xfrm rot="16200000" flipH="1">
+                <a:off x="1347280" y="2467332"/>
+                <a:ext cx="822643" cy="502682"/>
+              </a:xfrm>
+              <a:prstGeom prst="bentConnector3">
+                <a:avLst/>
+              </a:prstGeom>
+              <a:ln>
+                <a:tailEnd type="triangle"/>
+              </a:ln>
+            </p:spPr>
+            <p:style>
+              <a:lnRef idx="1">
+                <a:schemeClr val="accent4"/>
+              </a:lnRef>
+              <a:fillRef idx="0">
+                <a:schemeClr val="accent4"/>
+              </a:fillRef>
+              <a:effectRef idx="0">
+                <a:schemeClr val="accent4"/>
+              </a:effectRef>
+              <a:fontRef idx="minor">
+                <a:schemeClr val="tx1"/>
+              </a:fontRef>
+            </p:style>
+          </p:cxnSp>
+        </p:grpSp>
+        <p:sp>
+          <p:nvSpPr>
+            <p:cNvPr id="35" name="타원 34">
+              <a:extLst>
+                <a:ext uri="{FF2B5EF4-FFF2-40B4-BE49-F238E27FC236}">
+                  <a16:creationId xmlns:a16="http://schemas.microsoft.com/office/drawing/2014/main" id="{012DE983-D75D-B7F5-3F82-C437BB089E4F}"/>
+                </a:ext>
+              </a:extLst>
+            </p:cNvPr>
+            <p:cNvSpPr/>
+            <p:nvPr/>
+          </p:nvSpPr>
+          <p:spPr>
+            <a:xfrm>
+              <a:off x="2779948" y="1729131"/>
+              <a:ext cx="758778" cy="499161"/>
+            </a:xfrm>
+            <a:prstGeom prst="ellipse">
+              <a:avLst/>
+            </a:prstGeom>
+            <a:solidFill>
+              <a:schemeClr val="accent4">
+                <a:alpha val="50000"/>
+              </a:schemeClr>
+            </a:solidFill>
+            <a:ln>
+              <a:noFill/>
+            </a:ln>
+          </p:spPr>
+          <p:style>
+            <a:lnRef idx="0">
+              <a:scrgbClr r="0" g="0" b="0"/>
+            </a:lnRef>
+            <a:fillRef idx="0">
+              <a:scrgbClr r="0" g="0" b="0"/>
+            </a:fillRef>
+            <a:effectRef idx="0">
+              <a:scrgbClr r="0" g="0" b="0"/>
+            </a:effectRef>
+            <a:fontRef idx="minor">
+              <a:schemeClr val="lt1"/>
+            </a:fontRef>
+          </p:style>
+          <p:txBody>
+            <a:bodyPr rtlCol="0" anchor="ctr"/>
+            <a:lstStyle/>
+            <a:p>
+              <a:pPr algn="ctr"/>
+              <a:r>
+                <a:rPr lang="en-US" altLang="ko-KR" sz="1050" dirty="0" err="1"/>
+                <a:t>PinB</a:t>
+              </a:r>
+              <a:r>
+                <a:rPr lang="en-US" altLang="ko-KR" sz="1050" dirty="0"/>
+                <a:t> $ADV</a:t>
+              </a:r>
+              <a:endParaRPr lang="ko-KR" altLang="en-US" sz="1050" dirty="0"/>
+            </a:p>
+          </p:txBody>
+        </p:sp>
+        <p:sp>
+          <p:nvSpPr>
+            <p:cNvPr id="36" name="타원 35">
+              <a:extLst>
+                <a:ext uri="{FF2B5EF4-FFF2-40B4-BE49-F238E27FC236}">
+                  <a16:creationId xmlns:a16="http://schemas.microsoft.com/office/drawing/2014/main" id="{7E254FA6-B087-A662-0AA6-33D09FCECEDF}"/>
+                </a:ext>
+              </a:extLst>
+            </p:cNvPr>
+            <p:cNvSpPr/>
+            <p:nvPr/>
+          </p:nvSpPr>
+          <p:spPr>
+            <a:xfrm>
+              <a:off x="3819167" y="2904735"/>
+              <a:ext cx="758778" cy="499161"/>
+            </a:xfrm>
+            <a:prstGeom prst="ellipse">
+              <a:avLst/>
+            </a:prstGeom>
+            <a:solidFill>
+              <a:schemeClr val="accent4">
+                <a:alpha val="50000"/>
+              </a:schemeClr>
+            </a:solidFill>
+            <a:ln>
+              <a:noFill/>
+            </a:ln>
+          </p:spPr>
+          <p:style>
+            <a:lnRef idx="0">
+              <a:scrgbClr r="0" g="0" b="0"/>
+            </a:lnRef>
+            <a:fillRef idx="0">
+              <a:scrgbClr r="0" g="0" b="0"/>
+            </a:fillRef>
+            <a:effectRef idx="0">
+              <a:scrgbClr r="0" g="0" b="0"/>
+            </a:effectRef>
+            <a:fontRef idx="minor">
+              <a:schemeClr val="lt1"/>
+            </a:fontRef>
+          </p:style>
+          <p:txBody>
+            <a:bodyPr rtlCol="0" anchor="ctr"/>
+            <a:lstStyle/>
+            <a:p>
+              <a:pPr algn="ctr"/>
+              <a:r>
+                <a:rPr lang="en-US" altLang="ko-KR" sz="1050" dirty="0" err="1"/>
+                <a:t>PinB</a:t>
+              </a:r>
+              <a:r>
+                <a:rPr lang="en-US" altLang="ko-KR" sz="1050" dirty="0"/>
+                <a:t> $RET</a:t>
+              </a:r>
+              <a:endParaRPr lang="ko-KR" altLang="en-US" sz="1050" dirty="0"/>
+            </a:p>
+          </p:txBody>
+        </p:sp>
+        <p:cxnSp>
+          <p:nvCxnSpPr>
+            <p:cNvPr id="37" name="연결선: 꺾임 36">
+              <a:extLst>
+                <a:ext uri="{FF2B5EF4-FFF2-40B4-BE49-F238E27FC236}">
+                  <a16:creationId xmlns:a16="http://schemas.microsoft.com/office/drawing/2014/main" id="{B154AC2D-B472-8895-75AE-FC5DCF5D6EDB}"/>
+                </a:ext>
+              </a:extLst>
+            </p:cNvPr>
+            <p:cNvCxnSpPr>
+              <a:cxnSpLocks/>
+              <a:stCxn id="35" idx="5"/>
+              <a:endCxn id="36" idx="1"/>
+            </p:cNvCxnSpPr>
+            <p:nvPr/>
+          </p:nvCxnSpPr>
+          <p:spPr>
+            <a:xfrm rot="16200000" flipH="1">
+              <a:off x="3267625" y="2315171"/>
+              <a:ext cx="822643" cy="502682"/>
+            </a:xfrm>
+            <a:prstGeom prst="bentConnector3">
+              <a:avLst/>
+            </a:prstGeom>
+            <a:ln>
+              <a:tailEnd type="triangle"/>
+            </a:ln>
+          </p:spPr>
+          <p:style>
+            <a:lnRef idx="1">
+              <a:schemeClr val="accent4"/>
+            </a:lnRef>
+            <a:fillRef idx="0">
+              <a:schemeClr val="accent4"/>
+            </a:fillRef>
+            <a:effectRef idx="0">
+              <a:schemeClr val="accent4"/>
+            </a:effectRef>
+            <a:fontRef idx="minor">
+              <a:schemeClr val="tx1"/>
+            </a:fontRef>
+          </p:style>
+        </p:cxnSp>
+        <p:cxnSp>
+          <p:nvCxnSpPr>
+            <p:cNvPr id="38" name="연결선: 꺾임 37">
+              <a:extLst>
+                <a:ext uri="{FF2B5EF4-FFF2-40B4-BE49-F238E27FC236}">
+                  <a16:creationId xmlns:a16="http://schemas.microsoft.com/office/drawing/2014/main" id="{9FEC5249-886D-4E91-096E-1136ED2A4E38}"/>
+                </a:ext>
+              </a:extLst>
+            </p:cNvPr>
+            <p:cNvCxnSpPr>
+              <a:cxnSpLocks/>
+              <a:stCxn id="10" idx="6"/>
+              <a:endCxn id="35" idx="2"/>
+            </p:cNvCxnSpPr>
+            <p:nvPr/>
+          </p:nvCxnSpPr>
+          <p:spPr>
+            <a:xfrm flipV="1">
+              <a:off x="1593193" y="1978712"/>
+              <a:ext cx="1186755" cy="171926"/>
+            </a:xfrm>
+            <a:prstGeom prst="bentConnector3">
+              <a:avLst/>
+            </a:prstGeom>
+            <a:ln>
+              <a:tailEnd type="triangle"/>
+            </a:ln>
+          </p:spPr>
+          <p:style>
+            <a:lnRef idx="1">
+              <a:schemeClr val="accent4"/>
+            </a:lnRef>
+            <a:fillRef idx="0">
+              <a:schemeClr val="accent4"/>
+            </a:fillRef>
+            <a:effectRef idx="0">
+              <a:schemeClr val="accent4"/>
+            </a:effectRef>
+            <a:fontRef idx="minor">
+              <a:schemeClr val="tx1"/>
+            </a:fontRef>
+          </p:style>
+        </p:cxnSp>
+        <p:cxnSp>
+          <p:nvCxnSpPr>
+            <p:cNvPr id="41" name="연결선: 꺾임 40">
+              <a:extLst>
+                <a:ext uri="{FF2B5EF4-FFF2-40B4-BE49-F238E27FC236}">
+                  <a16:creationId xmlns:a16="http://schemas.microsoft.com/office/drawing/2014/main" id="{0FB9EC74-793F-271C-E581-BC517FD8F9E9}"/>
+                </a:ext>
+              </a:extLst>
+            </p:cNvPr>
+            <p:cNvCxnSpPr>
+              <a:cxnSpLocks/>
+              <a:stCxn id="11" idx="6"/>
+              <a:endCxn id="36" idx="2"/>
+            </p:cNvCxnSpPr>
+            <p:nvPr/>
+          </p:nvCxnSpPr>
+          <p:spPr>
+            <a:xfrm flipV="1">
+              <a:off x="2632412" y="3154316"/>
+              <a:ext cx="1186755" cy="171926"/>
+            </a:xfrm>
+            <a:prstGeom prst="bentConnector3">
+              <a:avLst>
+                <a:gd name="adj1" fmla="val 50000"/>
+              </a:avLst>
             </a:prstGeom>
             <a:ln>
               <a:tailEnd type="triangle"/>

--- a/DsDotNet/src/UnitTest/UnitTest.Model/ImportOfficeExample/Sample/s.pptx
+++ b/DsDotNet/src/UnitTest/UnitTest.Model/ImportOfficeExample/Sample/s.pptx
@@ -5,10 +5,10 @@
     <p:sldMasterId id="2147483687" r:id="rId1"/>
   </p:sldMasterIdLst>
   <p:notesMasterIdLst>
-    <p:notesMasterId r:id="rId24"/>
+    <p:notesMasterId r:id="rId25"/>
   </p:notesMasterIdLst>
   <p:handoutMasterIdLst>
-    <p:handoutMasterId r:id="rId25"/>
+    <p:handoutMasterId r:id="rId26"/>
   </p:handoutMasterIdLst>
   <p:sldIdLst>
     <p:sldId id="614" r:id="rId2"/>
@@ -18,21 +18,22 @@
     <p:sldId id="721" r:id="rId6"/>
     <p:sldId id="722" r:id="rId7"/>
     <p:sldId id="719" r:id="rId8"/>
-    <p:sldId id="717" r:id="rId9"/>
-    <p:sldId id="629" r:id="rId10"/>
-    <p:sldId id="716" r:id="rId11"/>
-    <p:sldId id="625" r:id="rId12"/>
-    <p:sldId id="627" r:id="rId13"/>
-    <p:sldId id="628" r:id="rId14"/>
-    <p:sldId id="631" r:id="rId15"/>
-    <p:sldId id="632" r:id="rId16"/>
-    <p:sldId id="618" r:id="rId17"/>
-    <p:sldId id="615" r:id="rId18"/>
-    <p:sldId id="621" r:id="rId19"/>
-    <p:sldId id="714" r:id="rId20"/>
-    <p:sldId id="715" r:id="rId21"/>
-    <p:sldId id="607" r:id="rId22"/>
-    <p:sldId id="633" r:id="rId23"/>
+    <p:sldId id="723" r:id="rId9"/>
+    <p:sldId id="717" r:id="rId10"/>
+    <p:sldId id="629" r:id="rId11"/>
+    <p:sldId id="716" r:id="rId12"/>
+    <p:sldId id="625" r:id="rId13"/>
+    <p:sldId id="627" r:id="rId14"/>
+    <p:sldId id="628" r:id="rId15"/>
+    <p:sldId id="631" r:id="rId16"/>
+    <p:sldId id="632" r:id="rId17"/>
+    <p:sldId id="618" r:id="rId18"/>
+    <p:sldId id="615" r:id="rId19"/>
+    <p:sldId id="621" r:id="rId20"/>
+    <p:sldId id="714" r:id="rId21"/>
+    <p:sldId id="715" r:id="rId22"/>
+    <p:sldId id="607" r:id="rId23"/>
+    <p:sldId id="633" r:id="rId24"/>
   </p:sldIdLst>
   <p:sldSz cx="12192000" cy="6858000"/>
   <p:notesSz cx="6797675" cy="9926638"/>
@@ -13172,6 +13173,1197 @@
           <a:p>
             <a:r>
               <a:rPr lang="en-US" altLang="ko-KR" sz="4400" dirty="0"/>
+              <a:t>FEX</a:t>
+            </a:r>
+            <a:endParaRPr lang="ko-KR" altLang="en-US" dirty="0"/>
+          </a:p>
+        </p:txBody>
+      </p:sp>
+      <p:sp>
+        <p:nvSpPr>
+          <p:cNvPr id="42" name="화살표: 오각형 41">
+            <a:extLst>
+              <a:ext uri="{FF2B5EF4-FFF2-40B4-BE49-F238E27FC236}">
+                <a16:creationId xmlns:a16="http://schemas.microsoft.com/office/drawing/2014/main" id="{2F89300B-092D-5CED-C5FE-5B8BE106F031}"/>
+              </a:ext>
+            </a:extLst>
+          </p:cNvPr>
+          <p:cNvSpPr/>
+          <p:nvPr/>
+        </p:nvSpPr>
+        <p:spPr>
+          <a:xfrm flipH="1">
+            <a:off x="-71505" y="3121460"/>
+            <a:ext cx="1233582" cy="690024"/>
+          </a:xfrm>
+          <a:prstGeom prst="homePlate">
+            <a:avLst/>
+          </a:prstGeom>
+          <a:solidFill>
+            <a:schemeClr val="accent2">
+              <a:alpha val="50000"/>
+            </a:schemeClr>
+          </a:solidFill>
+          <a:ln>
+            <a:noFill/>
+          </a:ln>
+        </p:spPr>
+        <p:style>
+          <a:lnRef idx="0">
+            <a:scrgbClr r="0" g="0" b="0"/>
+          </a:lnRef>
+          <a:fillRef idx="0">
+            <a:scrgbClr r="0" g="0" b="0"/>
+          </a:fillRef>
+          <a:effectRef idx="0">
+            <a:scrgbClr r="0" g="0" b="0"/>
+          </a:effectRef>
+          <a:fontRef idx="minor">
+            <a:schemeClr val="lt1"/>
+          </a:fontRef>
+        </p:style>
+        <p:txBody>
+          <a:bodyPr vert="horz" wrap="none" lIns="91440" tIns="45720" rIns="91440" bIns="45720" numCol="1" rtlCol="0" anchor="ctr" anchorCtr="0" compatLnSpc="1">
+            <a:prstTxWarp prst="textNoShape">
+              <a:avLst/>
+            </a:prstTxWarp>
+          </a:bodyPr>
+          <a:lstStyle/>
+          <a:p>
+            <a:pPr algn="ctr"/>
+            <a:r>
+              <a:rPr lang="en-US" altLang="ko-KR" sz="1200" dirty="0">
+                <a:ea typeface="현대하모니 M" panose="02020603020101020101"/>
+              </a:rPr>
+              <a:t>API1</a:t>
+            </a:r>
+          </a:p>
+          <a:p>
+            <a:pPr algn="ctr"/>
+            <a:r>
+              <a:rPr lang="en-US" altLang="ko-KR" sz="1200" dirty="0">
+                <a:ea typeface="현대하모니 M" panose="02020603020101020101"/>
+              </a:rPr>
+              <a:t>[</a:t>
+            </a:r>
+            <a:r>
+              <a:rPr lang="en-US" altLang="ko-KR" sz="1200" dirty="0" err="1">
+                <a:ea typeface="현대하모니 M" panose="02020603020101020101"/>
+              </a:rPr>
+              <a:t>R1~R2</a:t>
+            </a:r>
+            <a:r>
+              <a:rPr lang="en-US" altLang="ko-KR" sz="1200" dirty="0">
+                <a:ea typeface="현대하모니 M" panose="02020603020101020101"/>
+              </a:rPr>
+              <a:t>]</a:t>
+            </a:r>
+            <a:endParaRPr lang="ko-KR" altLang="en-US" sz="1200" dirty="0">
+              <a:ea typeface="현대하모니 M" panose="02020603020101020101"/>
+            </a:endParaRPr>
+          </a:p>
+        </p:txBody>
+      </p:sp>
+      <p:sp>
+        <p:nvSpPr>
+          <p:cNvPr id="44" name="화살표: 오각형 43">
+            <a:extLst>
+              <a:ext uri="{FF2B5EF4-FFF2-40B4-BE49-F238E27FC236}">
+                <a16:creationId xmlns:a16="http://schemas.microsoft.com/office/drawing/2014/main" id="{AA65BDF8-B9CD-00FB-C4EB-97887425723E}"/>
+              </a:ext>
+            </a:extLst>
+          </p:cNvPr>
+          <p:cNvSpPr/>
+          <p:nvPr/>
+        </p:nvSpPr>
+        <p:spPr>
+          <a:xfrm flipH="1">
+            <a:off x="-71506" y="3900938"/>
+            <a:ext cx="1233582" cy="690024"/>
+          </a:xfrm>
+          <a:prstGeom prst="homePlate">
+            <a:avLst/>
+          </a:prstGeom>
+          <a:solidFill>
+            <a:schemeClr val="accent2">
+              <a:alpha val="50000"/>
+            </a:schemeClr>
+          </a:solidFill>
+          <a:ln>
+            <a:noFill/>
+          </a:ln>
+        </p:spPr>
+        <p:style>
+          <a:lnRef idx="0">
+            <a:scrgbClr r="0" g="0" b="0"/>
+          </a:lnRef>
+          <a:fillRef idx="0">
+            <a:scrgbClr r="0" g="0" b="0"/>
+          </a:fillRef>
+          <a:effectRef idx="0">
+            <a:scrgbClr r="0" g="0" b="0"/>
+          </a:effectRef>
+          <a:fontRef idx="minor">
+            <a:schemeClr val="lt1"/>
+          </a:fontRef>
+        </p:style>
+        <p:txBody>
+          <a:bodyPr vert="horz" wrap="none" lIns="91440" tIns="45720" rIns="91440" bIns="45720" numCol="1" rtlCol="0" anchor="ctr" anchorCtr="0" compatLnSpc="1">
+            <a:prstTxWarp prst="textNoShape">
+              <a:avLst/>
+            </a:prstTxWarp>
+          </a:bodyPr>
+          <a:lstStyle/>
+          <a:p>
+            <a:pPr algn="ctr"/>
+            <a:r>
+              <a:rPr lang="en-US" altLang="ko-KR" sz="1200" dirty="0">
+                <a:ea typeface="현대하모니 M" panose="02020603020101020101"/>
+              </a:rPr>
+              <a:t>API2</a:t>
+            </a:r>
+          </a:p>
+          <a:p>
+            <a:pPr algn="ctr"/>
+            <a:r>
+              <a:rPr lang="en-US" altLang="ko-KR" sz="1200" dirty="0">
+                <a:ea typeface="현대하모니 M" panose="02020603020101020101"/>
+              </a:rPr>
+              <a:t>[</a:t>
+            </a:r>
+            <a:r>
+              <a:rPr lang="en-US" altLang="ko-KR" sz="1200" dirty="0" err="1">
+                <a:ea typeface="현대하모니 M" panose="02020603020101020101"/>
+              </a:rPr>
+              <a:t>R4~R6</a:t>
+            </a:r>
+            <a:r>
+              <a:rPr lang="en-US" altLang="ko-KR" sz="1200" dirty="0">
+                <a:ea typeface="현대하모니 M" panose="02020603020101020101"/>
+              </a:rPr>
+              <a:t>]</a:t>
+            </a:r>
+            <a:endParaRPr lang="ko-KR" altLang="en-US" sz="1200" dirty="0">
+              <a:ea typeface="현대하모니 M" panose="02020603020101020101"/>
+            </a:endParaRPr>
+          </a:p>
+        </p:txBody>
+      </p:sp>
+      <p:cxnSp>
+        <p:nvCxnSpPr>
+          <p:cNvPr id="45" name="연결선: 꺾임 44">
+            <a:extLst>
+              <a:ext uri="{FF2B5EF4-FFF2-40B4-BE49-F238E27FC236}">
+                <a16:creationId xmlns:a16="http://schemas.microsoft.com/office/drawing/2014/main" id="{B2E87DD6-491A-DFA6-EF05-57E3DE69FB3E}"/>
+              </a:ext>
+            </a:extLst>
+          </p:cNvPr>
+          <p:cNvCxnSpPr>
+            <a:cxnSpLocks/>
+            <a:stCxn id="44" idx="1"/>
+            <a:endCxn id="42" idx="1"/>
+          </p:cNvCxnSpPr>
+          <p:nvPr/>
+        </p:nvCxnSpPr>
+        <p:spPr>
+          <a:xfrm flipV="1">
+            <a:off x="1162076" y="3466472"/>
+            <a:ext cx="1" cy="779478"/>
+          </a:xfrm>
+          <a:prstGeom prst="bentConnector3">
+            <a:avLst>
+              <a:gd name="adj1" fmla="val 22860100000"/>
+            </a:avLst>
+          </a:prstGeom>
+          <a:ln w="57150">
+            <a:solidFill>
+              <a:schemeClr val="accent6"/>
+            </a:solidFill>
+            <a:prstDash val="dash"/>
+            <a:headEnd type="triangle" w="med" len="med"/>
+            <a:tailEnd type="triangle" w="med" len="med"/>
+          </a:ln>
+        </p:spPr>
+        <p:style>
+          <a:lnRef idx="1">
+            <a:schemeClr val="accent1"/>
+          </a:lnRef>
+          <a:fillRef idx="0">
+            <a:schemeClr val="accent1"/>
+          </a:fillRef>
+          <a:effectRef idx="0">
+            <a:schemeClr val="accent1"/>
+          </a:effectRef>
+          <a:fontRef idx="minor">
+            <a:schemeClr val="tx1"/>
+          </a:fontRef>
+        </p:style>
+      </p:cxnSp>
+      <p:sp>
+        <p:nvSpPr>
+          <p:cNvPr id="56" name="직사각형 55">
+            <a:extLst>
+              <a:ext uri="{FF2B5EF4-FFF2-40B4-BE49-F238E27FC236}">
+                <a16:creationId xmlns:a16="http://schemas.microsoft.com/office/drawing/2014/main" id="{B59930BF-EFE8-0861-D55E-FEAC7FD46A32}"/>
+              </a:ext>
+            </a:extLst>
+          </p:cNvPr>
+          <p:cNvSpPr/>
+          <p:nvPr/>
+        </p:nvSpPr>
+        <p:spPr>
+          <a:xfrm>
+            <a:off x="3367314" y="2622445"/>
+            <a:ext cx="1103086" cy="1066431"/>
+          </a:xfrm>
+          <a:prstGeom prst="rect">
+            <a:avLst/>
+          </a:prstGeom>
+          <a:solidFill>
+            <a:schemeClr val="accent4">
+              <a:alpha val="50000"/>
+            </a:schemeClr>
+          </a:solidFill>
+          <a:ln>
+            <a:noFill/>
+          </a:ln>
+        </p:spPr>
+        <p:style>
+          <a:lnRef idx="0">
+            <a:scrgbClr r="0" g="0" b="0"/>
+          </a:lnRef>
+          <a:fillRef idx="0">
+            <a:scrgbClr r="0" g="0" b="0"/>
+          </a:fillRef>
+          <a:effectRef idx="0">
+            <a:scrgbClr r="0" g="0" b="0"/>
+          </a:effectRef>
+          <a:fontRef idx="minor">
+            <a:schemeClr val="lt1"/>
+          </a:fontRef>
+        </p:style>
+        <p:txBody>
+          <a:bodyPr rtlCol="0" anchor="ctr"/>
+          <a:lstStyle/>
+          <a:p>
+            <a:pPr algn="ctr"/>
+            <a:r>
+              <a:rPr lang="en-US" altLang="ko-KR" sz="1200" dirty="0"/>
+              <a:t>R1</a:t>
+            </a:r>
+            <a:endParaRPr lang="ko-KR" altLang="en-US" sz="1200" dirty="0"/>
+          </a:p>
+        </p:txBody>
+      </p:sp>
+      <p:sp>
+        <p:nvSpPr>
+          <p:cNvPr id="57" name="직사각형 56">
+            <a:extLst>
+              <a:ext uri="{FF2B5EF4-FFF2-40B4-BE49-F238E27FC236}">
+                <a16:creationId xmlns:a16="http://schemas.microsoft.com/office/drawing/2014/main" id="{BC6400FF-5524-4038-3024-EDBA75033DA4}"/>
+              </a:ext>
+            </a:extLst>
+          </p:cNvPr>
+          <p:cNvSpPr/>
+          <p:nvPr/>
+        </p:nvSpPr>
+        <p:spPr>
+          <a:xfrm>
+            <a:off x="5152571" y="2622445"/>
+            <a:ext cx="1103086" cy="1066431"/>
+          </a:xfrm>
+          <a:prstGeom prst="rect">
+            <a:avLst/>
+          </a:prstGeom>
+          <a:solidFill>
+            <a:schemeClr val="accent4">
+              <a:alpha val="50000"/>
+            </a:schemeClr>
+          </a:solidFill>
+          <a:ln>
+            <a:noFill/>
+          </a:ln>
+        </p:spPr>
+        <p:style>
+          <a:lnRef idx="0">
+            <a:scrgbClr r="0" g="0" b="0"/>
+          </a:lnRef>
+          <a:fillRef idx="0">
+            <a:scrgbClr r="0" g="0" b="0"/>
+          </a:fillRef>
+          <a:effectRef idx="0">
+            <a:scrgbClr r="0" g="0" b="0"/>
+          </a:effectRef>
+          <a:fontRef idx="minor">
+            <a:schemeClr val="lt1"/>
+          </a:fontRef>
+        </p:style>
+        <p:txBody>
+          <a:bodyPr rtlCol="0" anchor="ctr"/>
+          <a:lstStyle/>
+          <a:p>
+            <a:pPr algn="ctr"/>
+            <a:r>
+              <a:rPr lang="en-US" altLang="ko-KR" sz="1200" dirty="0"/>
+              <a:t>R2</a:t>
+            </a:r>
+            <a:endParaRPr lang="ko-KR" altLang="en-US" sz="1200" dirty="0"/>
+          </a:p>
+        </p:txBody>
+      </p:sp>
+      <p:sp>
+        <p:nvSpPr>
+          <p:cNvPr id="58" name="직사각형 57">
+            <a:extLst>
+              <a:ext uri="{FF2B5EF4-FFF2-40B4-BE49-F238E27FC236}">
+                <a16:creationId xmlns:a16="http://schemas.microsoft.com/office/drawing/2014/main" id="{AC60E36D-ED89-20DC-649C-AC6A71988D99}"/>
+              </a:ext>
+            </a:extLst>
+          </p:cNvPr>
+          <p:cNvSpPr/>
+          <p:nvPr/>
+        </p:nvSpPr>
+        <p:spPr>
+          <a:xfrm>
+            <a:off x="6937828" y="2622445"/>
+            <a:ext cx="1103086" cy="1066431"/>
+          </a:xfrm>
+          <a:prstGeom prst="rect">
+            <a:avLst/>
+          </a:prstGeom>
+          <a:solidFill>
+            <a:schemeClr val="accent4">
+              <a:alpha val="50000"/>
+            </a:schemeClr>
+          </a:solidFill>
+          <a:ln>
+            <a:noFill/>
+          </a:ln>
+        </p:spPr>
+        <p:style>
+          <a:lnRef idx="0">
+            <a:scrgbClr r="0" g="0" b="0"/>
+          </a:lnRef>
+          <a:fillRef idx="0">
+            <a:scrgbClr r="0" g="0" b="0"/>
+          </a:fillRef>
+          <a:effectRef idx="0">
+            <a:scrgbClr r="0" g="0" b="0"/>
+          </a:effectRef>
+          <a:fontRef idx="minor">
+            <a:schemeClr val="lt1"/>
+          </a:fontRef>
+        </p:style>
+        <p:txBody>
+          <a:bodyPr rtlCol="0" anchor="ctr"/>
+          <a:lstStyle/>
+          <a:p>
+            <a:pPr algn="ctr"/>
+            <a:r>
+              <a:rPr lang="en-US" altLang="ko-KR" sz="1200" dirty="0"/>
+              <a:t>R3</a:t>
+            </a:r>
+            <a:endParaRPr lang="ko-KR" altLang="en-US" sz="1200" dirty="0"/>
+          </a:p>
+        </p:txBody>
+      </p:sp>
+      <p:cxnSp>
+        <p:nvCxnSpPr>
+          <p:cNvPr id="60" name="직선 화살표 연결선 59">
+            <a:extLst>
+              <a:ext uri="{FF2B5EF4-FFF2-40B4-BE49-F238E27FC236}">
+                <a16:creationId xmlns:a16="http://schemas.microsoft.com/office/drawing/2014/main" id="{212CABAB-11EC-E692-772C-DCB98D8A7446}"/>
+              </a:ext>
+            </a:extLst>
+          </p:cNvPr>
+          <p:cNvCxnSpPr>
+            <a:cxnSpLocks/>
+            <a:stCxn id="56" idx="3"/>
+            <a:endCxn id="57" idx="1"/>
+          </p:cNvCxnSpPr>
+          <p:nvPr/>
+        </p:nvCxnSpPr>
+        <p:spPr>
+          <a:xfrm>
+            <a:off x="4470400" y="3155661"/>
+            <a:ext cx="682171" cy="0"/>
+          </a:xfrm>
+          <a:prstGeom prst="straightConnector1">
+            <a:avLst/>
+          </a:prstGeom>
+          <a:ln w="57150">
+            <a:tailEnd type="triangle"/>
+          </a:ln>
+        </p:spPr>
+        <p:style>
+          <a:lnRef idx="1">
+            <a:schemeClr val="accent1"/>
+          </a:lnRef>
+          <a:fillRef idx="0">
+            <a:schemeClr val="accent1"/>
+          </a:fillRef>
+          <a:effectRef idx="0">
+            <a:schemeClr val="accent1"/>
+          </a:effectRef>
+          <a:fontRef idx="minor">
+            <a:schemeClr val="tx1"/>
+          </a:fontRef>
+        </p:style>
+      </p:cxnSp>
+      <p:cxnSp>
+        <p:nvCxnSpPr>
+          <p:cNvPr id="61" name="직선 화살표 연결선 60">
+            <a:extLst>
+              <a:ext uri="{FF2B5EF4-FFF2-40B4-BE49-F238E27FC236}">
+                <a16:creationId xmlns:a16="http://schemas.microsoft.com/office/drawing/2014/main" id="{3DD5BD68-5DED-63DC-6E32-E19170A965EF}"/>
+              </a:ext>
+            </a:extLst>
+          </p:cNvPr>
+          <p:cNvCxnSpPr>
+            <a:cxnSpLocks/>
+            <a:stCxn id="57" idx="3"/>
+            <a:endCxn id="58" idx="1"/>
+          </p:cNvCxnSpPr>
+          <p:nvPr/>
+        </p:nvCxnSpPr>
+        <p:spPr>
+          <a:xfrm>
+            <a:off x="6255657" y="3155661"/>
+            <a:ext cx="682171" cy="0"/>
+          </a:xfrm>
+          <a:prstGeom prst="straightConnector1">
+            <a:avLst/>
+          </a:prstGeom>
+          <a:ln w="57150">
+            <a:tailEnd type="triangle"/>
+          </a:ln>
+        </p:spPr>
+        <p:style>
+          <a:lnRef idx="1">
+            <a:schemeClr val="accent1"/>
+          </a:lnRef>
+          <a:fillRef idx="0">
+            <a:schemeClr val="accent1"/>
+          </a:fillRef>
+          <a:effectRef idx="0">
+            <a:schemeClr val="accent1"/>
+          </a:effectRef>
+          <a:fontRef idx="minor">
+            <a:schemeClr val="tx1"/>
+          </a:fontRef>
+        </p:style>
+      </p:cxnSp>
+      <p:sp>
+        <p:nvSpPr>
+          <p:cNvPr id="67" name="직사각형 66">
+            <a:extLst>
+              <a:ext uri="{FF2B5EF4-FFF2-40B4-BE49-F238E27FC236}">
+                <a16:creationId xmlns:a16="http://schemas.microsoft.com/office/drawing/2014/main" id="{6CD07698-261E-1C80-B0B9-45488C6F0EF0}"/>
+              </a:ext>
+            </a:extLst>
+          </p:cNvPr>
+          <p:cNvSpPr/>
+          <p:nvPr/>
+        </p:nvSpPr>
+        <p:spPr>
+          <a:xfrm>
+            <a:off x="4310743" y="4778872"/>
+            <a:ext cx="1103086" cy="1066431"/>
+          </a:xfrm>
+          <a:prstGeom prst="rect">
+            <a:avLst/>
+          </a:prstGeom>
+          <a:solidFill>
+            <a:schemeClr val="accent4">
+              <a:alpha val="50000"/>
+            </a:schemeClr>
+          </a:solidFill>
+          <a:ln>
+            <a:noFill/>
+          </a:ln>
+        </p:spPr>
+        <p:style>
+          <a:lnRef idx="0">
+            <a:scrgbClr r="0" g="0" b="0"/>
+          </a:lnRef>
+          <a:fillRef idx="0">
+            <a:scrgbClr r="0" g="0" b="0"/>
+          </a:fillRef>
+          <a:effectRef idx="0">
+            <a:scrgbClr r="0" g="0" b="0"/>
+          </a:effectRef>
+          <a:fontRef idx="minor">
+            <a:schemeClr val="lt1"/>
+          </a:fontRef>
+        </p:style>
+        <p:txBody>
+          <a:bodyPr rtlCol="0" anchor="ctr"/>
+          <a:lstStyle/>
+          <a:p>
+            <a:pPr algn="ctr"/>
+            <a:r>
+              <a:rPr lang="en-US" altLang="ko-KR" sz="1200" dirty="0"/>
+              <a:t>R4</a:t>
+            </a:r>
+            <a:endParaRPr lang="ko-KR" altLang="en-US" sz="1200" dirty="0"/>
+          </a:p>
+        </p:txBody>
+      </p:sp>
+      <p:sp>
+        <p:nvSpPr>
+          <p:cNvPr id="68" name="직사각형 67">
+            <a:extLst>
+              <a:ext uri="{FF2B5EF4-FFF2-40B4-BE49-F238E27FC236}">
+                <a16:creationId xmlns:a16="http://schemas.microsoft.com/office/drawing/2014/main" id="{B94BB7DD-A7A7-F819-BF18-8F8A7E87882F}"/>
+              </a:ext>
+            </a:extLst>
+          </p:cNvPr>
+          <p:cNvSpPr/>
+          <p:nvPr/>
+        </p:nvSpPr>
+        <p:spPr>
+          <a:xfrm>
+            <a:off x="6096000" y="4778872"/>
+            <a:ext cx="1103086" cy="1066431"/>
+          </a:xfrm>
+          <a:prstGeom prst="rect">
+            <a:avLst/>
+          </a:prstGeom>
+          <a:solidFill>
+            <a:schemeClr val="accent4">
+              <a:alpha val="50000"/>
+            </a:schemeClr>
+          </a:solidFill>
+          <a:ln>
+            <a:noFill/>
+          </a:ln>
+        </p:spPr>
+        <p:style>
+          <a:lnRef idx="0">
+            <a:scrgbClr r="0" g="0" b="0"/>
+          </a:lnRef>
+          <a:fillRef idx="0">
+            <a:scrgbClr r="0" g="0" b="0"/>
+          </a:fillRef>
+          <a:effectRef idx="0">
+            <a:scrgbClr r="0" g="0" b="0"/>
+          </a:effectRef>
+          <a:fontRef idx="minor">
+            <a:schemeClr val="lt1"/>
+          </a:fontRef>
+        </p:style>
+        <p:txBody>
+          <a:bodyPr rtlCol="0" anchor="ctr"/>
+          <a:lstStyle/>
+          <a:p>
+            <a:pPr algn="ctr"/>
+            <a:r>
+              <a:rPr lang="en-US" altLang="ko-KR" sz="1200" dirty="0"/>
+              <a:t>R5</a:t>
+            </a:r>
+            <a:endParaRPr lang="ko-KR" altLang="en-US" sz="1200" dirty="0"/>
+          </a:p>
+        </p:txBody>
+      </p:sp>
+      <p:sp>
+        <p:nvSpPr>
+          <p:cNvPr id="69" name="직사각형 68">
+            <a:extLst>
+              <a:ext uri="{FF2B5EF4-FFF2-40B4-BE49-F238E27FC236}">
+                <a16:creationId xmlns:a16="http://schemas.microsoft.com/office/drawing/2014/main" id="{E6BDE77E-6A37-11C1-D34D-AD3171D69A07}"/>
+              </a:ext>
+            </a:extLst>
+          </p:cNvPr>
+          <p:cNvSpPr/>
+          <p:nvPr/>
+        </p:nvSpPr>
+        <p:spPr>
+          <a:xfrm>
+            <a:off x="7881257" y="4778872"/>
+            <a:ext cx="1103086" cy="1066431"/>
+          </a:xfrm>
+          <a:prstGeom prst="rect">
+            <a:avLst/>
+          </a:prstGeom>
+          <a:solidFill>
+            <a:schemeClr val="accent4">
+              <a:alpha val="50000"/>
+            </a:schemeClr>
+          </a:solidFill>
+          <a:ln>
+            <a:noFill/>
+          </a:ln>
+        </p:spPr>
+        <p:style>
+          <a:lnRef idx="0">
+            <a:scrgbClr r="0" g="0" b="0"/>
+          </a:lnRef>
+          <a:fillRef idx="0">
+            <a:scrgbClr r="0" g="0" b="0"/>
+          </a:fillRef>
+          <a:effectRef idx="0">
+            <a:scrgbClr r="0" g="0" b="0"/>
+          </a:effectRef>
+          <a:fontRef idx="minor">
+            <a:schemeClr val="lt1"/>
+          </a:fontRef>
+        </p:style>
+        <p:txBody>
+          <a:bodyPr rtlCol="0" anchor="ctr"/>
+          <a:lstStyle/>
+          <a:p>
+            <a:pPr algn="ctr"/>
+            <a:r>
+              <a:rPr lang="en-US" altLang="ko-KR" sz="1200" dirty="0"/>
+              <a:t>R6</a:t>
+            </a:r>
+            <a:endParaRPr lang="ko-KR" altLang="en-US" sz="1200" dirty="0"/>
+          </a:p>
+        </p:txBody>
+      </p:sp>
+      <p:cxnSp>
+        <p:nvCxnSpPr>
+          <p:cNvPr id="70" name="직선 화살표 연결선 69">
+            <a:extLst>
+              <a:ext uri="{FF2B5EF4-FFF2-40B4-BE49-F238E27FC236}">
+                <a16:creationId xmlns:a16="http://schemas.microsoft.com/office/drawing/2014/main" id="{624AE606-11A5-F72E-34D2-5DFDEE5E8C33}"/>
+              </a:ext>
+            </a:extLst>
+          </p:cNvPr>
+          <p:cNvCxnSpPr>
+            <a:cxnSpLocks/>
+            <a:stCxn id="67" idx="3"/>
+            <a:endCxn id="68" idx="1"/>
+          </p:cNvCxnSpPr>
+          <p:nvPr/>
+        </p:nvCxnSpPr>
+        <p:spPr>
+          <a:xfrm>
+            <a:off x="5413829" y="5312088"/>
+            <a:ext cx="682171" cy="0"/>
+          </a:xfrm>
+          <a:prstGeom prst="straightConnector1">
+            <a:avLst/>
+          </a:prstGeom>
+          <a:ln w="57150">
+            <a:tailEnd type="triangle"/>
+          </a:ln>
+        </p:spPr>
+        <p:style>
+          <a:lnRef idx="1">
+            <a:schemeClr val="accent1"/>
+          </a:lnRef>
+          <a:fillRef idx="0">
+            <a:schemeClr val="accent1"/>
+          </a:fillRef>
+          <a:effectRef idx="0">
+            <a:schemeClr val="accent1"/>
+          </a:effectRef>
+          <a:fontRef idx="minor">
+            <a:schemeClr val="tx1"/>
+          </a:fontRef>
+        </p:style>
+      </p:cxnSp>
+      <p:cxnSp>
+        <p:nvCxnSpPr>
+          <p:cNvPr id="71" name="직선 화살표 연결선 70">
+            <a:extLst>
+              <a:ext uri="{FF2B5EF4-FFF2-40B4-BE49-F238E27FC236}">
+                <a16:creationId xmlns:a16="http://schemas.microsoft.com/office/drawing/2014/main" id="{2D3C963E-2D9B-C387-0BCA-7F22ACDF94D2}"/>
+              </a:ext>
+            </a:extLst>
+          </p:cNvPr>
+          <p:cNvCxnSpPr>
+            <a:cxnSpLocks/>
+            <a:stCxn id="68" idx="3"/>
+            <a:endCxn id="69" idx="1"/>
+          </p:cNvCxnSpPr>
+          <p:nvPr/>
+        </p:nvCxnSpPr>
+        <p:spPr>
+          <a:xfrm>
+            <a:off x="7199086" y="5312088"/>
+            <a:ext cx="682171" cy="0"/>
+          </a:xfrm>
+          <a:prstGeom prst="straightConnector1">
+            <a:avLst/>
+          </a:prstGeom>
+          <a:ln w="57150">
+            <a:tailEnd type="triangle"/>
+          </a:ln>
+        </p:spPr>
+        <p:style>
+          <a:lnRef idx="1">
+            <a:schemeClr val="accent1"/>
+          </a:lnRef>
+          <a:fillRef idx="0">
+            <a:schemeClr val="accent1"/>
+          </a:fillRef>
+          <a:effectRef idx="0">
+            <a:schemeClr val="accent1"/>
+          </a:effectRef>
+          <a:fontRef idx="minor">
+            <a:schemeClr val="tx1"/>
+          </a:fontRef>
+        </p:style>
+      </p:cxnSp>
+      <p:sp>
+        <p:nvSpPr>
+          <p:cNvPr id="80" name="화살표: 오각형 79">
+            <a:extLst>
+              <a:ext uri="{FF2B5EF4-FFF2-40B4-BE49-F238E27FC236}">
+                <a16:creationId xmlns:a16="http://schemas.microsoft.com/office/drawing/2014/main" id="{CB5747B3-AC8A-5B6E-FCF3-6ABFB0F2E1BE}"/>
+              </a:ext>
+            </a:extLst>
+          </p:cNvPr>
+          <p:cNvSpPr/>
+          <p:nvPr/>
+        </p:nvSpPr>
+        <p:spPr>
+          <a:xfrm>
+            <a:off x="10948270" y="3179519"/>
+            <a:ext cx="1233577" cy="690024"/>
+          </a:xfrm>
+          <a:prstGeom prst="homePlate">
+            <a:avLst/>
+          </a:prstGeom>
+          <a:solidFill>
+            <a:schemeClr val="accent2">
+              <a:alpha val="50000"/>
+            </a:schemeClr>
+          </a:solidFill>
+          <a:ln>
+            <a:noFill/>
+          </a:ln>
+        </p:spPr>
+        <p:style>
+          <a:lnRef idx="0">
+            <a:scrgbClr r="0" g="0" b="0"/>
+          </a:lnRef>
+          <a:fillRef idx="0">
+            <a:scrgbClr r="0" g="0" b="0"/>
+          </a:fillRef>
+          <a:effectRef idx="0">
+            <a:scrgbClr r="0" g="0" b="0"/>
+          </a:effectRef>
+          <a:fontRef idx="minor">
+            <a:schemeClr val="lt1"/>
+          </a:fontRef>
+        </p:style>
+        <p:txBody>
+          <a:bodyPr vert="horz" wrap="none" lIns="91440" tIns="45720" rIns="91440" bIns="45720" numCol="1" rtlCol="0" anchor="ctr" anchorCtr="0" compatLnSpc="1">
+            <a:prstTxWarp prst="textNoShape">
+              <a:avLst/>
+            </a:prstTxWarp>
+          </a:bodyPr>
+          <a:lstStyle/>
+          <a:p>
+            <a:pPr algn="ctr"/>
+            <a:r>
+              <a:rPr lang="en-US" altLang="ko-KR" sz="1200" dirty="0" err="1">
+                <a:ea typeface="현대하모니 M" panose="02020603020101020101"/>
+              </a:rPr>
+              <a:t>API3</a:t>
+            </a:r>
+            <a:endParaRPr lang="en-US" altLang="ko-KR" sz="1200" dirty="0">
+              <a:ea typeface="현대하모니 M" panose="02020603020101020101"/>
+            </a:endParaRPr>
+          </a:p>
+          <a:p>
+            <a:pPr algn="ctr"/>
+            <a:r>
+              <a:rPr lang="en-US" altLang="ko-KR" sz="1200" dirty="0">
+                <a:ea typeface="현대하모니 M" panose="02020603020101020101"/>
+              </a:rPr>
+              <a:t>[</a:t>
+            </a:r>
+            <a:r>
+              <a:rPr lang="en-US" altLang="ko-KR" sz="1200" dirty="0" err="1">
+                <a:ea typeface="현대하모니 M" panose="02020603020101020101"/>
+              </a:rPr>
+              <a:t>R2~R5</a:t>
+            </a:r>
+            <a:r>
+              <a:rPr lang="en-US" altLang="ko-KR" sz="1200" dirty="0">
+                <a:ea typeface="현대하모니 M" panose="02020603020101020101"/>
+              </a:rPr>
+              <a:t>]</a:t>
+            </a:r>
+            <a:endParaRPr lang="ko-KR" altLang="en-US" sz="1200" dirty="0">
+              <a:ea typeface="현대하모니 M" panose="02020603020101020101"/>
+            </a:endParaRPr>
+          </a:p>
+        </p:txBody>
+      </p:sp>
+      <p:sp>
+        <p:nvSpPr>
+          <p:cNvPr id="81" name="화살표: 오각형 80">
+            <a:extLst>
+              <a:ext uri="{FF2B5EF4-FFF2-40B4-BE49-F238E27FC236}">
+                <a16:creationId xmlns:a16="http://schemas.microsoft.com/office/drawing/2014/main" id="{11D9824B-9C79-1754-1358-CAFCD5BF3EA9}"/>
+              </a:ext>
+            </a:extLst>
+          </p:cNvPr>
+          <p:cNvSpPr/>
+          <p:nvPr/>
+        </p:nvSpPr>
+        <p:spPr>
+          <a:xfrm>
+            <a:off x="10948269" y="3958997"/>
+            <a:ext cx="1233577" cy="690024"/>
+          </a:xfrm>
+          <a:prstGeom prst="homePlate">
+            <a:avLst/>
+          </a:prstGeom>
+          <a:solidFill>
+            <a:schemeClr val="accent2">
+              <a:alpha val="50000"/>
+            </a:schemeClr>
+          </a:solidFill>
+          <a:ln>
+            <a:noFill/>
+          </a:ln>
+        </p:spPr>
+        <p:style>
+          <a:lnRef idx="0">
+            <a:scrgbClr r="0" g="0" b="0"/>
+          </a:lnRef>
+          <a:fillRef idx="0">
+            <a:scrgbClr r="0" g="0" b="0"/>
+          </a:fillRef>
+          <a:effectRef idx="0">
+            <a:scrgbClr r="0" g="0" b="0"/>
+          </a:effectRef>
+          <a:fontRef idx="minor">
+            <a:schemeClr val="lt1"/>
+          </a:fontRef>
+        </p:style>
+        <p:txBody>
+          <a:bodyPr vert="horz" wrap="none" lIns="91440" tIns="45720" rIns="91440" bIns="45720" numCol="1" rtlCol="0" anchor="ctr" anchorCtr="0" compatLnSpc="1">
+            <a:prstTxWarp prst="textNoShape">
+              <a:avLst/>
+            </a:prstTxWarp>
+          </a:bodyPr>
+          <a:lstStyle/>
+          <a:p>
+            <a:pPr algn="ctr"/>
+            <a:r>
+              <a:rPr lang="en-US" altLang="ko-KR" sz="1200" dirty="0" err="1">
+                <a:ea typeface="현대하모니 M" panose="02020603020101020101"/>
+              </a:rPr>
+              <a:t>API4</a:t>
+            </a:r>
+            <a:endParaRPr lang="en-US" altLang="ko-KR" sz="1200" dirty="0">
+              <a:ea typeface="현대하모니 M" panose="02020603020101020101"/>
+            </a:endParaRPr>
+          </a:p>
+          <a:p>
+            <a:pPr algn="ctr"/>
+            <a:r>
+              <a:rPr lang="en-US" altLang="ko-KR" sz="1200" dirty="0">
+                <a:ea typeface="현대하모니 M" panose="02020603020101020101"/>
+              </a:rPr>
+              <a:t>[R1;R4~]</a:t>
+            </a:r>
+            <a:endParaRPr lang="ko-KR" altLang="en-US" sz="1200" dirty="0">
+              <a:ea typeface="현대하모니 M" panose="02020603020101020101"/>
+            </a:endParaRPr>
+          </a:p>
+        </p:txBody>
+      </p:sp>
+      <p:cxnSp>
+        <p:nvCxnSpPr>
+          <p:cNvPr id="82" name="연결선: 꺾임 81">
+            <a:extLst>
+              <a:ext uri="{FF2B5EF4-FFF2-40B4-BE49-F238E27FC236}">
+                <a16:creationId xmlns:a16="http://schemas.microsoft.com/office/drawing/2014/main" id="{F7145B42-2C09-D6CE-2298-12CF80CB6686}"/>
+              </a:ext>
+            </a:extLst>
+          </p:cNvPr>
+          <p:cNvCxnSpPr>
+            <a:cxnSpLocks/>
+            <a:stCxn id="81" idx="1"/>
+            <a:endCxn id="80" idx="1"/>
+          </p:cNvCxnSpPr>
+          <p:nvPr/>
+        </p:nvCxnSpPr>
+        <p:spPr>
+          <a:xfrm rot="10800000" flipH="1">
+            <a:off x="10948268" y="3524531"/>
+            <a:ext cx="1" cy="779478"/>
+          </a:xfrm>
+          <a:prstGeom prst="bentConnector3">
+            <a:avLst>
+              <a:gd name="adj1" fmla="val -22860000000"/>
+            </a:avLst>
+          </a:prstGeom>
+          <a:ln w="57150">
+            <a:solidFill>
+              <a:schemeClr val="accent6"/>
+            </a:solidFill>
+            <a:prstDash val="dash"/>
+            <a:headEnd type="triangle" w="med" len="med"/>
+            <a:tailEnd type="triangle" w="med" len="med"/>
+          </a:ln>
+        </p:spPr>
+        <p:style>
+          <a:lnRef idx="1">
+            <a:schemeClr val="accent1"/>
+          </a:lnRef>
+          <a:fillRef idx="0">
+            <a:schemeClr val="accent1"/>
+          </a:fillRef>
+          <a:effectRef idx="0">
+            <a:schemeClr val="accent1"/>
+          </a:effectRef>
+          <a:fontRef idx="minor">
+            <a:schemeClr val="tx1"/>
+          </a:fontRef>
+        </p:style>
+      </p:cxnSp>
+      <p:cxnSp>
+        <p:nvCxnSpPr>
+          <p:cNvPr id="4" name="연결선: 꺾임 3">
+            <a:extLst>
+              <a:ext uri="{FF2B5EF4-FFF2-40B4-BE49-F238E27FC236}">
+                <a16:creationId xmlns:a16="http://schemas.microsoft.com/office/drawing/2014/main" id="{4E54C3BB-7447-B34B-FBA0-7CDE26CE0B30}"/>
+              </a:ext>
+            </a:extLst>
+          </p:cNvPr>
+          <p:cNvCxnSpPr>
+            <a:cxnSpLocks/>
+            <a:stCxn id="68" idx="0"/>
+            <a:endCxn id="57" idx="2"/>
+          </p:cNvCxnSpPr>
+          <p:nvPr/>
+        </p:nvCxnSpPr>
+        <p:spPr>
+          <a:xfrm rot="16200000" flipV="1">
+            <a:off x="5630831" y="3762159"/>
+            <a:ext cx="1089996" cy="943429"/>
+          </a:xfrm>
+          <a:prstGeom prst="bentConnector3">
+            <a:avLst>
+              <a:gd name="adj1" fmla="val 50000"/>
+            </a:avLst>
+          </a:prstGeom>
+          <a:ln w="57150">
+            <a:solidFill>
+              <a:schemeClr val="accent6"/>
+            </a:solidFill>
+            <a:prstDash val="dash"/>
+            <a:headEnd type="triangle" w="med" len="med"/>
+            <a:tailEnd type="triangle" w="med" len="med"/>
+          </a:ln>
+        </p:spPr>
+        <p:style>
+          <a:lnRef idx="1">
+            <a:schemeClr val="accent1"/>
+          </a:lnRef>
+          <a:fillRef idx="0">
+            <a:schemeClr val="accent1"/>
+          </a:fillRef>
+          <a:effectRef idx="0">
+            <a:schemeClr val="accent1"/>
+          </a:effectRef>
+          <a:fontRef idx="minor">
+            <a:schemeClr val="tx1"/>
+          </a:fontRef>
+        </p:style>
+      </p:cxnSp>
+      <p:cxnSp>
+        <p:nvCxnSpPr>
+          <p:cNvPr id="12" name="연결선: 꺾임 11">
+            <a:extLst>
+              <a:ext uri="{FF2B5EF4-FFF2-40B4-BE49-F238E27FC236}">
+                <a16:creationId xmlns:a16="http://schemas.microsoft.com/office/drawing/2014/main" id="{7F33A159-63C2-73E5-0693-383E04CD8793}"/>
+              </a:ext>
+            </a:extLst>
+          </p:cNvPr>
+          <p:cNvCxnSpPr>
+            <a:cxnSpLocks/>
+            <a:stCxn id="67" idx="0"/>
+            <a:endCxn id="56" idx="2"/>
+          </p:cNvCxnSpPr>
+          <p:nvPr/>
+        </p:nvCxnSpPr>
+        <p:spPr>
+          <a:xfrm rot="16200000" flipV="1">
+            <a:off x="3845574" y="3762159"/>
+            <a:ext cx="1089996" cy="943429"/>
+          </a:xfrm>
+          <a:prstGeom prst="bentConnector3">
+            <a:avLst>
+              <a:gd name="adj1" fmla="val 50000"/>
+            </a:avLst>
+          </a:prstGeom>
+          <a:ln w="57150">
+            <a:solidFill>
+              <a:schemeClr val="accent6"/>
+            </a:solidFill>
+            <a:prstDash val="dash"/>
+            <a:headEnd type="triangle" w="med" len="med"/>
+            <a:tailEnd type="triangle" w="med" len="med"/>
+          </a:ln>
+        </p:spPr>
+        <p:style>
+          <a:lnRef idx="1">
+            <a:schemeClr val="accent1"/>
+          </a:lnRef>
+          <a:fillRef idx="0">
+            <a:schemeClr val="accent1"/>
+          </a:fillRef>
+          <a:effectRef idx="0">
+            <a:schemeClr val="accent1"/>
+          </a:effectRef>
+          <a:fontRef idx="minor">
+            <a:schemeClr val="tx1"/>
+          </a:fontRef>
+        </p:style>
+      </p:cxnSp>
+      <p:cxnSp>
+        <p:nvCxnSpPr>
+          <p:cNvPr id="6" name="직선 화살표 연결선 5">
+            <a:extLst>
+              <a:ext uri="{FF2B5EF4-FFF2-40B4-BE49-F238E27FC236}">
+                <a16:creationId xmlns:a16="http://schemas.microsoft.com/office/drawing/2014/main" id="{DF280476-EF41-7429-66AB-F6B3AF2625F8}"/>
+              </a:ext>
+            </a:extLst>
+          </p:cNvPr>
+          <p:cNvCxnSpPr>
+            <a:cxnSpLocks/>
+            <a:stCxn id="56" idx="2"/>
+            <a:endCxn id="69" idx="0"/>
+          </p:cNvCxnSpPr>
+          <p:nvPr/>
+        </p:nvCxnSpPr>
+        <p:spPr>
+          <a:xfrm>
+            <a:off x="3918857" y="3688876"/>
+            <a:ext cx="4513943" cy="1089996"/>
+          </a:xfrm>
+          <a:prstGeom prst="straightConnector1">
+            <a:avLst/>
+          </a:prstGeom>
+          <a:ln w="57150" cmpd="dbl">
+            <a:prstDash val="dashDot"/>
+            <a:headEnd type="none" w="med" len="med"/>
+            <a:tailEnd type="triangle" w="med" len="med"/>
+          </a:ln>
+        </p:spPr>
+        <p:style>
+          <a:lnRef idx="1">
+            <a:schemeClr val="accent1"/>
+          </a:lnRef>
+          <a:fillRef idx="0">
+            <a:schemeClr val="accent1"/>
+          </a:fillRef>
+          <a:effectRef idx="0">
+            <a:schemeClr val="accent1"/>
+          </a:effectRef>
+          <a:fontRef idx="minor">
+            <a:schemeClr val="tx1"/>
+          </a:fontRef>
+        </p:style>
+      </p:cxnSp>
+      <p:cxnSp>
+        <p:nvCxnSpPr>
+          <p:cNvPr id="7" name="직선 화살표 연결선 6">
+            <a:extLst>
+              <a:ext uri="{FF2B5EF4-FFF2-40B4-BE49-F238E27FC236}">
+                <a16:creationId xmlns:a16="http://schemas.microsoft.com/office/drawing/2014/main" id="{EE7EB334-56BE-83F0-B0C4-34EB1942DC1A}"/>
+              </a:ext>
+            </a:extLst>
+          </p:cNvPr>
+          <p:cNvCxnSpPr>
+            <a:cxnSpLocks/>
+            <a:stCxn id="67" idx="0"/>
+            <a:endCxn id="58" idx="2"/>
+          </p:cNvCxnSpPr>
+          <p:nvPr/>
+        </p:nvCxnSpPr>
+        <p:spPr>
+          <a:xfrm flipV="1">
+            <a:off x="4862286" y="3688876"/>
+            <a:ext cx="2627085" cy="1089996"/>
+          </a:xfrm>
+          <a:prstGeom prst="straightConnector1">
+            <a:avLst/>
+          </a:prstGeom>
+          <a:ln w="57150" cmpd="dbl">
+            <a:prstDash val="dashDot"/>
+            <a:headEnd type="none" w="med" len="med"/>
+            <a:tailEnd type="triangle" w="med" len="med"/>
+          </a:ln>
+        </p:spPr>
+        <p:style>
+          <a:lnRef idx="1">
+            <a:schemeClr val="accent1"/>
+          </a:lnRef>
+          <a:fillRef idx="0">
+            <a:schemeClr val="accent1"/>
+          </a:fillRef>
+          <a:effectRef idx="0">
+            <a:schemeClr val="accent1"/>
+          </a:effectRef>
+          <a:fontRef idx="minor">
+            <a:schemeClr val="tx1"/>
+          </a:fontRef>
+        </p:style>
+      </p:cxnSp>
+    </p:spTree>
+    <p:extLst>
+      <p:ext uri="{BB962C8B-B14F-4D97-AF65-F5344CB8AC3E}">
+        <p14:creationId xmlns:p14="http://schemas.microsoft.com/office/powerpoint/2010/main" val="1094555352"/>
+      </p:ext>
+    </p:extLst>
+  </p:cSld>
+  <p:clrMapOvr>
+    <a:masterClrMapping/>
+  </p:clrMapOvr>
+</p:sld>
+</file>
+
+<file path=ppt/slides/slide11.xml><?xml version="1.0" encoding="utf-8"?>
+<p:sld xmlns:a="http://schemas.openxmlformats.org/drawingml/2006/main" xmlns:r="http://schemas.openxmlformats.org/officeDocument/2006/relationships" xmlns:p="http://schemas.openxmlformats.org/presentationml/2006/main" show="0">
+  <p:cSld>
+    <p:spTree>
+      <p:nvGrpSpPr>
+        <p:cNvPr id="1" name=""/>
+        <p:cNvGrpSpPr/>
+        <p:nvPr/>
+      </p:nvGrpSpPr>
+      <p:grpSpPr>
+        <a:xfrm>
+          <a:off x="0" y="0"/>
+          <a:ext cx="0" cy="0"/>
+          <a:chOff x="0" y="0"/>
+          <a:chExt cx="0" cy="0"/>
+        </a:xfrm>
+      </p:grpSpPr>
+      <p:sp>
+        <p:nvSpPr>
+          <p:cNvPr id="2" name="제목 1">
+            <a:extLst>
+              <a:ext uri="{FF2B5EF4-FFF2-40B4-BE49-F238E27FC236}">
+                <a16:creationId xmlns:a16="http://schemas.microsoft.com/office/drawing/2014/main" id="{5E8FE27E-4086-E570-1BA4-F2B433CAA376}"/>
+              </a:ext>
+            </a:extLst>
+          </p:cNvPr>
+          <p:cNvSpPr>
+            <a:spLocks noGrp="1"/>
+          </p:cNvSpPr>
+          <p:nvPr>
+            <p:ph type="title"/>
+          </p:nvPr>
+        </p:nvSpPr>
+        <p:spPr/>
+        <p:txBody>
+          <a:bodyPr/>
+          <a:lstStyle/>
+          <a:p>
+            <a:r>
+              <a:rPr lang="en-US" altLang="ko-KR" sz="4400" dirty="0"/>
               <a:t>F1</a:t>
             </a:r>
             <a:endParaRPr lang="ko-KR" altLang="en-US" dirty="0"/>
@@ -14329,7 +15521,7 @@
 </p:sld>
 </file>
 
-<file path=ppt/slides/slide11.xml><?xml version="1.0" encoding="utf-8"?>
+<file path=ppt/slides/slide12.xml><?xml version="1.0" encoding="utf-8"?>
 <p:sld xmlns:a="http://schemas.openxmlformats.org/drawingml/2006/main" xmlns:r="http://schemas.openxmlformats.org/officeDocument/2006/relationships" xmlns:p="http://schemas.openxmlformats.org/presentationml/2006/main" show="0">
   <p:cSld>
     <p:spTree>
@@ -14822,7 +16014,7 @@
 </p:sld>
 </file>
 
-<file path=ppt/slides/slide12.xml><?xml version="1.0" encoding="utf-8"?>
+<file path=ppt/slides/slide13.xml><?xml version="1.0" encoding="utf-8"?>
 <p:sld xmlns:a="http://schemas.openxmlformats.org/drawingml/2006/main" xmlns:r="http://schemas.openxmlformats.org/officeDocument/2006/relationships" xmlns:p="http://schemas.openxmlformats.org/presentationml/2006/main" show="0">
   <p:cSld>
     <p:spTree>
@@ -15371,7 +16563,7 @@
 </p:sld>
 </file>
 
-<file path=ppt/slides/slide13.xml><?xml version="1.0" encoding="utf-8"?>
+<file path=ppt/slides/slide14.xml><?xml version="1.0" encoding="utf-8"?>
 <p:sld xmlns:a="http://schemas.openxmlformats.org/drawingml/2006/main" xmlns:r="http://schemas.openxmlformats.org/officeDocument/2006/relationships" xmlns:p="http://schemas.openxmlformats.org/presentationml/2006/main" show="0">
   <p:cSld>
     <p:spTree>
@@ -15952,7 +17144,7 @@
 </p:sld>
 </file>
 
-<file path=ppt/slides/slide14.xml><?xml version="1.0" encoding="utf-8"?>
+<file path=ppt/slides/slide15.xml><?xml version="1.0" encoding="utf-8"?>
 <p:sld xmlns:a="http://schemas.openxmlformats.org/drawingml/2006/main" xmlns:r="http://schemas.openxmlformats.org/officeDocument/2006/relationships" xmlns:p="http://schemas.openxmlformats.org/presentationml/2006/main" show="0">
   <p:cSld>
     <p:spTree>
@@ -16497,7 +17689,7 @@
 </p:sld>
 </file>
 
-<file path=ppt/slides/slide15.xml><?xml version="1.0" encoding="utf-8"?>
+<file path=ppt/slides/slide16.xml><?xml version="1.0" encoding="utf-8"?>
 <p:sld xmlns:a="http://schemas.openxmlformats.org/drawingml/2006/main" xmlns:r="http://schemas.openxmlformats.org/officeDocument/2006/relationships" xmlns:p="http://schemas.openxmlformats.org/presentationml/2006/main" show="0">
   <p:cSld>
     <p:spTree>
@@ -17076,7 +18268,7 @@
 </p:sld>
 </file>
 
-<file path=ppt/slides/slide16.xml><?xml version="1.0" encoding="utf-8"?>
+<file path=ppt/slides/slide17.xml><?xml version="1.0" encoding="utf-8"?>
 <p:sld xmlns:a="http://schemas.openxmlformats.org/drawingml/2006/main" xmlns:r="http://schemas.openxmlformats.org/officeDocument/2006/relationships" xmlns:p="http://schemas.openxmlformats.org/presentationml/2006/main" show="0">
   <p:cSld>
     <p:spTree>
@@ -17612,7 +18804,7 @@
 </p:sld>
 </file>
 
-<file path=ppt/slides/slide17.xml><?xml version="1.0" encoding="utf-8"?>
+<file path=ppt/slides/slide18.xml><?xml version="1.0" encoding="utf-8"?>
 <p:sld xmlns:a="http://schemas.openxmlformats.org/drawingml/2006/main" xmlns:r="http://schemas.openxmlformats.org/officeDocument/2006/relationships" xmlns:p="http://schemas.openxmlformats.org/presentationml/2006/main" show="0">
   <p:cSld>
     <p:spTree>
@@ -18659,7 +19851,7 @@
 </p:sld>
 </file>
 
-<file path=ppt/slides/slide18.xml><?xml version="1.0" encoding="utf-8"?>
+<file path=ppt/slides/slide19.xml><?xml version="1.0" encoding="utf-8"?>
 <p:sld xmlns:a="http://schemas.openxmlformats.org/drawingml/2006/main" xmlns:r="http://schemas.openxmlformats.org/officeDocument/2006/relationships" xmlns:p="http://schemas.openxmlformats.org/presentationml/2006/main" show="0">
   <p:cSld>
     <p:spTree>
@@ -19461,511 +20653,6 @@
     <p:extLst>
       <p:ext uri="{BB962C8B-B14F-4D97-AF65-F5344CB8AC3E}">
         <p14:creationId xmlns:p14="http://schemas.microsoft.com/office/powerpoint/2010/main" val="2071418565"/>
-      </p:ext>
-    </p:extLst>
-  </p:cSld>
-  <p:clrMapOvr>
-    <a:masterClrMapping/>
-  </p:clrMapOvr>
-</p:sld>
-</file>
-
-<file path=ppt/slides/slide19.xml><?xml version="1.0" encoding="utf-8"?>
-<p:sld xmlns:a="http://schemas.openxmlformats.org/drawingml/2006/main" xmlns:r="http://schemas.openxmlformats.org/officeDocument/2006/relationships" xmlns:p="http://schemas.openxmlformats.org/presentationml/2006/main" show="0">
-  <p:cSld>
-    <p:spTree>
-      <p:nvGrpSpPr>
-        <p:cNvPr id="1" name=""/>
-        <p:cNvGrpSpPr/>
-        <p:nvPr/>
-      </p:nvGrpSpPr>
-      <p:grpSpPr>
-        <a:xfrm>
-          <a:off x="0" y="0"/>
-          <a:ext cx="0" cy="0"/>
-          <a:chOff x="0" y="0"/>
-          <a:chExt cx="0" cy="0"/>
-        </a:xfrm>
-      </p:grpSpPr>
-      <p:sp>
-        <p:nvSpPr>
-          <p:cNvPr id="2" name="제목 1">
-            <a:extLst>
-              <a:ext uri="{FF2B5EF4-FFF2-40B4-BE49-F238E27FC236}">
-                <a16:creationId xmlns:a16="http://schemas.microsoft.com/office/drawing/2014/main" id="{E35BEC89-0CFB-7F29-D8C7-71B3E64B4D66}"/>
-              </a:ext>
-            </a:extLst>
-          </p:cNvPr>
-          <p:cNvSpPr>
-            <a:spLocks noGrp="1"/>
-          </p:cNvSpPr>
-          <p:nvPr>
-            <p:ph type="title"/>
-          </p:nvPr>
-        </p:nvSpPr>
-        <p:spPr/>
-        <p:txBody>
-          <a:bodyPr/>
-          <a:lstStyle/>
-          <a:p>
-            <a:r>
-              <a:rPr lang="en-US" altLang="ko-KR" dirty="0" err="1"/>
-              <a:t>S01</a:t>
-            </a:r>
-            <a:endParaRPr lang="ko-KR" altLang="en-US" dirty="0"/>
-          </a:p>
-        </p:txBody>
-      </p:sp>
-      <p:sp>
-        <p:nvSpPr>
-          <p:cNvPr id="4" name="사각형: 빗면 3">
-            <a:extLst>
-              <a:ext uri="{FF2B5EF4-FFF2-40B4-BE49-F238E27FC236}">
-                <a16:creationId xmlns:a16="http://schemas.microsoft.com/office/drawing/2014/main" id="{43F727FF-A1DD-341C-11C2-1AF95E71B98C}"/>
-              </a:ext>
-            </a:extLst>
-          </p:cNvPr>
-          <p:cNvSpPr/>
-          <p:nvPr/>
-        </p:nvSpPr>
-        <p:spPr>
-          <a:xfrm>
-            <a:off x="1658871" y="2561303"/>
-            <a:ext cx="3591555" cy="3534697"/>
-          </a:xfrm>
-          <a:prstGeom prst="bevel">
-            <a:avLst>
-              <a:gd name="adj" fmla="val 16754"/>
-            </a:avLst>
-          </a:prstGeom>
-          <a:ln>
-            <a:solidFill>
-              <a:schemeClr val="tx1"/>
-            </a:solidFill>
-          </a:ln>
-        </p:spPr>
-        <p:style>
-          <a:lnRef idx="2">
-            <a:schemeClr val="accent1">
-              <a:shade val="50000"/>
-            </a:schemeClr>
-          </a:lnRef>
-          <a:fillRef idx="1">
-            <a:schemeClr val="accent1"/>
-          </a:fillRef>
-          <a:effectRef idx="0">
-            <a:schemeClr val="accent1"/>
-          </a:effectRef>
-          <a:fontRef idx="minor">
-            <a:schemeClr val="lt1"/>
-          </a:fontRef>
-        </p:style>
-        <p:txBody>
-          <a:bodyPr rtlCol="0" anchor="ctr"/>
-          <a:lstStyle/>
-          <a:p>
-            <a:pPr algn="ctr"/>
-            <a:r>
-              <a:rPr lang="en-US" altLang="ko-KR" sz="1400" dirty="0">
-                <a:solidFill>
-                  <a:schemeClr val="bg2"/>
-                </a:solidFill>
-              </a:rPr>
-              <a:t>[A]autoBtn1</a:t>
-            </a:r>
-          </a:p>
-          <a:p>
-            <a:pPr algn="ctr"/>
-            <a:r>
-              <a:rPr lang="en-US" altLang="ko-KR" sz="1400" dirty="0">
-                <a:solidFill>
-                  <a:schemeClr val="bg2"/>
-                </a:solidFill>
-              </a:rPr>
-              <a:t>[M]</a:t>
-            </a:r>
-            <a:r>
-              <a:rPr lang="en-US" altLang="ko-KR" sz="1400" dirty="0" err="1">
-                <a:solidFill>
-                  <a:schemeClr val="bg2"/>
-                </a:solidFill>
-              </a:rPr>
-              <a:t>manualBtn1</a:t>
-            </a:r>
-            <a:endParaRPr lang="en-US" altLang="ko-KR" sz="1400" dirty="0">
-              <a:solidFill>
-                <a:schemeClr val="bg2"/>
-              </a:solidFill>
-            </a:endParaRPr>
-          </a:p>
-          <a:p>
-            <a:pPr algn="ctr"/>
-            <a:r>
-              <a:rPr lang="en-US" altLang="ko-KR" sz="1400" dirty="0">
-                <a:solidFill>
-                  <a:schemeClr val="bg2"/>
-                </a:solidFill>
-              </a:rPr>
-              <a:t>[D] driveBtn1</a:t>
-            </a:r>
-          </a:p>
-          <a:p>
-            <a:pPr algn="ctr"/>
-            <a:r>
-              <a:rPr lang="en-US" altLang="ko-KR" sz="1400" dirty="0">
-                <a:solidFill>
-                  <a:schemeClr val="bg2"/>
-                </a:solidFill>
-              </a:rPr>
-              <a:t>[S]stopBtn1</a:t>
-            </a:r>
-          </a:p>
-          <a:p>
-            <a:pPr algn="ctr"/>
-            <a:r>
-              <a:rPr lang="en-US" altLang="ko-KR" sz="1400" dirty="0">
-                <a:solidFill>
-                  <a:schemeClr val="bg2"/>
-                </a:solidFill>
-              </a:rPr>
-              <a:t>[E] emgBtn1</a:t>
-            </a:r>
-          </a:p>
-          <a:p>
-            <a:pPr algn="ctr"/>
-            <a:r>
-              <a:rPr lang="en-US" altLang="ko-KR" sz="1400" dirty="0">
-                <a:solidFill>
-                  <a:schemeClr val="bg2"/>
-                </a:solidFill>
-              </a:rPr>
-              <a:t>[T] testrunBtn1</a:t>
-            </a:r>
-          </a:p>
-          <a:p>
-            <a:pPr algn="ctr"/>
-            <a:r>
-              <a:rPr lang="en-US" altLang="ko-KR" sz="1400" dirty="0">
-                <a:solidFill>
-                  <a:schemeClr val="bg2"/>
-                </a:solidFill>
-              </a:rPr>
-              <a:t>[R] readyBtn1</a:t>
-            </a:r>
-          </a:p>
-          <a:p>
-            <a:pPr algn="ctr"/>
-            <a:r>
-              <a:rPr lang="en-US" altLang="ko-KR" sz="1400" dirty="0">
-                <a:solidFill>
-                  <a:schemeClr val="bg2"/>
-                </a:solidFill>
-              </a:rPr>
-              <a:t>[C] </a:t>
-            </a:r>
-            <a:r>
-              <a:rPr lang="en-US" altLang="ko-KR" sz="1400" dirty="0" err="1">
-                <a:solidFill>
-                  <a:schemeClr val="bg2"/>
-                </a:solidFill>
-              </a:rPr>
-              <a:t>clearBtn1</a:t>
-            </a:r>
-            <a:endParaRPr lang="en-US" altLang="ko-KR" sz="1400" dirty="0">
-              <a:solidFill>
-                <a:schemeClr val="bg2"/>
-              </a:solidFill>
-            </a:endParaRPr>
-          </a:p>
-          <a:p>
-            <a:pPr algn="ctr"/>
-            <a:r>
-              <a:rPr lang="en-US" altLang="ko-KR" sz="1400" dirty="0">
-                <a:solidFill>
-                  <a:schemeClr val="bg2"/>
-                </a:solidFill>
-              </a:rPr>
-              <a:t>[H] </a:t>
-            </a:r>
-            <a:r>
-              <a:rPr lang="en-US" altLang="ko-KR" sz="1400" dirty="0" err="1">
-                <a:solidFill>
-                  <a:schemeClr val="bg2"/>
-                </a:solidFill>
-              </a:rPr>
-              <a:t>homeBtn1</a:t>
-            </a:r>
-            <a:endParaRPr lang="en-US" altLang="ko-KR" sz="1100" dirty="0">
-              <a:solidFill>
-                <a:schemeClr val="bg2"/>
-              </a:solidFill>
-            </a:endParaRPr>
-          </a:p>
-        </p:txBody>
-      </p:sp>
-      <p:sp>
-        <p:nvSpPr>
-          <p:cNvPr id="5" name="사각형: 빗면 4">
-            <a:extLst>
-              <a:ext uri="{FF2B5EF4-FFF2-40B4-BE49-F238E27FC236}">
-                <a16:creationId xmlns:a16="http://schemas.microsoft.com/office/drawing/2014/main" id="{CC109A94-E99B-595B-64CD-E549C28F0B12}"/>
-              </a:ext>
-            </a:extLst>
-          </p:cNvPr>
-          <p:cNvSpPr/>
-          <p:nvPr/>
-        </p:nvSpPr>
-        <p:spPr>
-          <a:xfrm>
-            <a:off x="6427516" y="2561302"/>
-            <a:ext cx="3591555" cy="3534697"/>
-          </a:xfrm>
-          <a:prstGeom prst="bevel">
-            <a:avLst>
-              <a:gd name="adj" fmla="val 0"/>
-            </a:avLst>
-          </a:prstGeom>
-          <a:ln>
-            <a:solidFill>
-              <a:schemeClr val="tx1"/>
-            </a:solidFill>
-          </a:ln>
-        </p:spPr>
-        <p:style>
-          <a:lnRef idx="2">
-            <a:schemeClr val="accent1">
-              <a:shade val="50000"/>
-            </a:schemeClr>
-          </a:lnRef>
-          <a:fillRef idx="1">
-            <a:schemeClr val="accent1"/>
-          </a:fillRef>
-          <a:effectRef idx="0">
-            <a:schemeClr val="accent1"/>
-          </a:effectRef>
-          <a:fontRef idx="minor">
-            <a:schemeClr val="lt1"/>
-          </a:fontRef>
-        </p:style>
-        <p:txBody>
-          <a:bodyPr rtlCol="0" anchor="ctr"/>
-          <a:lstStyle/>
-          <a:p>
-            <a:pPr algn="ctr"/>
-            <a:r>
-              <a:rPr lang="en-US" altLang="ko-KR" dirty="0">
-                <a:solidFill>
-                  <a:schemeClr val="bg2"/>
-                </a:solidFill>
-              </a:rPr>
-              <a:t>[A] autoLamp1</a:t>
-            </a:r>
-          </a:p>
-          <a:p>
-            <a:pPr algn="ctr"/>
-            <a:r>
-              <a:rPr lang="en-US" altLang="ko-KR" dirty="0">
-                <a:solidFill>
-                  <a:schemeClr val="bg2"/>
-                </a:solidFill>
-              </a:rPr>
-              <a:t>[M] </a:t>
-            </a:r>
-            <a:r>
-              <a:rPr lang="en-US" altLang="ko-KR" dirty="0" err="1">
-                <a:solidFill>
-                  <a:schemeClr val="bg2"/>
-                </a:solidFill>
-              </a:rPr>
-              <a:t>manualLamp1</a:t>
-            </a:r>
-            <a:endParaRPr lang="en-US" altLang="ko-KR" dirty="0">
-              <a:solidFill>
-                <a:schemeClr val="bg2"/>
-              </a:solidFill>
-            </a:endParaRPr>
-          </a:p>
-          <a:p>
-            <a:pPr algn="ctr"/>
-            <a:r>
-              <a:rPr lang="en-US" altLang="ko-KR" dirty="0">
-                <a:solidFill>
-                  <a:schemeClr val="bg2"/>
-                </a:solidFill>
-              </a:rPr>
-              <a:t>[D] driveLamp1</a:t>
-            </a:r>
-          </a:p>
-          <a:p>
-            <a:pPr algn="ctr"/>
-            <a:r>
-              <a:rPr lang="en-US" altLang="ko-KR" dirty="0">
-                <a:solidFill>
-                  <a:schemeClr val="bg2"/>
-                </a:solidFill>
-              </a:rPr>
-              <a:t>[S] stopLamp1 </a:t>
-            </a:r>
-          </a:p>
-          <a:p>
-            <a:pPr algn="ctr"/>
-            <a:r>
-              <a:rPr lang="en-US" altLang="ko-KR" dirty="0">
-                <a:solidFill>
-                  <a:schemeClr val="bg2"/>
-                </a:solidFill>
-              </a:rPr>
-              <a:t>[E] emgLamp1</a:t>
-            </a:r>
-          </a:p>
-          <a:p>
-            <a:pPr algn="ctr"/>
-            <a:r>
-              <a:rPr lang="en-US" altLang="ko-KR" dirty="0">
-                <a:solidFill>
-                  <a:schemeClr val="bg2"/>
-                </a:solidFill>
-              </a:rPr>
-              <a:t>[T] testrunLamp1</a:t>
-            </a:r>
-          </a:p>
-          <a:p>
-            <a:pPr algn="ctr"/>
-            <a:r>
-              <a:rPr lang="en-US" altLang="ko-KR" dirty="0">
-                <a:solidFill>
-                  <a:schemeClr val="bg2"/>
-                </a:solidFill>
-              </a:rPr>
-              <a:t>[R] readyLamp1</a:t>
-            </a:r>
-          </a:p>
-          <a:p>
-            <a:pPr algn="ctr"/>
-            <a:r>
-              <a:rPr lang="en-US" altLang="ko-KR" dirty="0">
-                <a:solidFill>
-                  <a:schemeClr val="bg2"/>
-                </a:solidFill>
-              </a:rPr>
-              <a:t>[I] </a:t>
-            </a:r>
-            <a:r>
-              <a:rPr lang="en-US" altLang="ko-KR" dirty="0" err="1">
-                <a:solidFill>
-                  <a:schemeClr val="bg2"/>
-                </a:solidFill>
-              </a:rPr>
-              <a:t>idleLamp1</a:t>
-            </a:r>
-            <a:endParaRPr lang="en-US" altLang="ko-KR" dirty="0">
-              <a:solidFill>
-                <a:schemeClr val="bg2"/>
-              </a:solidFill>
-            </a:endParaRPr>
-          </a:p>
-          <a:p>
-            <a:pPr algn="ctr"/>
-            <a:endParaRPr lang="en-US" altLang="ko-KR" dirty="0">
-              <a:solidFill>
-                <a:schemeClr val="bg2"/>
-              </a:solidFill>
-            </a:endParaRPr>
-          </a:p>
-        </p:txBody>
-      </p:sp>
-      <p:sp>
-        <p:nvSpPr>
-          <p:cNvPr id="3" name="TextBox 2">
-            <a:extLst>
-              <a:ext uri="{FF2B5EF4-FFF2-40B4-BE49-F238E27FC236}">
-                <a16:creationId xmlns:a16="http://schemas.microsoft.com/office/drawing/2014/main" id="{EAE317E8-83B7-4022-A1E1-5B0C847EADAE}"/>
-              </a:ext>
-            </a:extLst>
-          </p:cNvPr>
-          <p:cNvSpPr txBox="1"/>
-          <p:nvPr/>
-        </p:nvSpPr>
-        <p:spPr>
-          <a:xfrm>
-            <a:off x="2890685" y="2045109"/>
-            <a:ext cx="2073003" cy="369332"/>
-          </a:xfrm>
-          <a:prstGeom prst="rect">
-            <a:avLst/>
-          </a:prstGeom>
-          <a:noFill/>
-        </p:spPr>
-        <p:txBody>
-          <a:bodyPr wrap="none" rtlCol="0">
-            <a:spAutoFit/>
-          </a:bodyPr>
-          <a:lstStyle/>
-          <a:p>
-            <a:r>
-              <a:rPr lang="en-US" altLang="ko-KR" dirty="0">
-                <a:solidFill>
-                  <a:schemeClr val="accent1"/>
-                </a:solidFill>
-              </a:rPr>
-              <a:t>A M D S E T R </a:t>
-            </a:r>
-            <a:r>
-              <a:rPr lang="en-US" altLang="ko-KR" dirty="0"/>
-              <a:t>C H</a:t>
-            </a:r>
-            <a:endParaRPr lang="ko-KR" altLang="en-US" dirty="0"/>
-          </a:p>
-        </p:txBody>
-      </p:sp>
-      <p:sp>
-        <p:nvSpPr>
-          <p:cNvPr id="6" name="TextBox 5">
-            <a:extLst>
-              <a:ext uri="{FF2B5EF4-FFF2-40B4-BE49-F238E27FC236}">
-                <a16:creationId xmlns:a16="http://schemas.microsoft.com/office/drawing/2014/main" id="{3DBFDA71-0EDF-EBB0-264D-9F64B93F7B24}"/>
-              </a:ext>
-            </a:extLst>
-          </p:cNvPr>
-          <p:cNvSpPr txBox="1"/>
-          <p:nvPr/>
-        </p:nvSpPr>
-        <p:spPr>
-          <a:xfrm>
-            <a:off x="7079227" y="2045109"/>
-            <a:ext cx="1856598" cy="369332"/>
-          </a:xfrm>
-          <a:prstGeom prst="rect">
-            <a:avLst/>
-          </a:prstGeom>
-          <a:noFill/>
-        </p:spPr>
-        <p:txBody>
-          <a:bodyPr wrap="none" rtlCol="0">
-            <a:spAutoFit/>
-          </a:bodyPr>
-          <a:lstStyle/>
-          <a:p>
-            <a:r>
-              <a:rPr lang="en-US" altLang="ko-KR" dirty="0">
-                <a:solidFill>
-                  <a:schemeClr val="accent1"/>
-                </a:solidFill>
-              </a:rPr>
-              <a:t>A M D S E T R I</a:t>
-            </a:r>
-            <a:endParaRPr lang="ko-KR" altLang="en-US" dirty="0">
-              <a:solidFill>
-                <a:schemeClr val="accent1"/>
-              </a:solidFill>
-            </a:endParaRPr>
-          </a:p>
-        </p:txBody>
-      </p:sp>
-    </p:spTree>
-    <p:extLst>
-      <p:ext uri="{BB962C8B-B14F-4D97-AF65-F5344CB8AC3E}">
-        <p14:creationId xmlns:p14="http://schemas.microsoft.com/office/powerpoint/2010/main" val="3992733833"/>
       </p:ext>
     </p:extLst>
   </p:cSld>
@@ -20408,7 +21095,7 @@
           <a:p>
             <a:r>
               <a:rPr lang="en-US" altLang="ko-KR" dirty="0" err="1"/>
-              <a:t>S02</a:t>
+              <a:t>S01</a:t>
             </a:r>
             <a:endParaRPr lang="ko-KR" altLang="en-US" dirty="0"/>
           </a:p>
@@ -20515,6 +21202,74 @@
                   <a:schemeClr val="bg2"/>
                 </a:solidFill>
               </a:rPr>
+              <a:t>[S]stopBtn1</a:t>
+            </a:r>
+          </a:p>
+          <a:p>
+            <a:pPr algn="ctr"/>
+            <a:r>
+              <a:rPr lang="en-US" altLang="ko-KR" sz="1400" dirty="0">
+                <a:solidFill>
+                  <a:schemeClr val="bg2"/>
+                </a:solidFill>
+              </a:rPr>
+              <a:t>[E] emgBtn1</a:t>
+            </a:r>
+          </a:p>
+          <a:p>
+            <a:pPr algn="ctr"/>
+            <a:r>
+              <a:rPr lang="en-US" altLang="ko-KR" sz="1400" dirty="0">
+                <a:solidFill>
+                  <a:schemeClr val="bg2"/>
+                </a:solidFill>
+              </a:rPr>
+              <a:t>[T] testrunBtn1</a:t>
+            </a:r>
+          </a:p>
+          <a:p>
+            <a:pPr algn="ctr"/>
+            <a:r>
+              <a:rPr lang="en-US" altLang="ko-KR" sz="1400" dirty="0">
+                <a:solidFill>
+                  <a:schemeClr val="bg2"/>
+                </a:solidFill>
+              </a:rPr>
+              <a:t>[R] readyBtn1</a:t>
+            </a:r>
+          </a:p>
+          <a:p>
+            <a:pPr algn="ctr"/>
+            <a:r>
+              <a:rPr lang="en-US" altLang="ko-KR" sz="1400" dirty="0">
+                <a:solidFill>
+                  <a:schemeClr val="bg2"/>
+                </a:solidFill>
+              </a:rPr>
+              <a:t>[C] </a:t>
+            </a:r>
+            <a:r>
+              <a:rPr lang="en-US" altLang="ko-KR" sz="1400" dirty="0" err="1">
+                <a:solidFill>
+                  <a:schemeClr val="bg2"/>
+                </a:solidFill>
+              </a:rPr>
+              <a:t>clearBtn1</a:t>
+            </a:r>
+            <a:endParaRPr lang="en-US" altLang="ko-KR" sz="1400" dirty="0">
+              <a:solidFill>
+                <a:schemeClr val="bg2"/>
+              </a:solidFill>
+            </a:endParaRPr>
+          </a:p>
+          <a:p>
+            <a:pPr algn="ctr"/>
+            <a:r>
+              <a:rPr lang="en-US" altLang="ko-KR" sz="1400" dirty="0">
+                <a:solidFill>
+                  <a:schemeClr val="bg2"/>
+                </a:solidFill>
+              </a:rPr>
               <a:t>[H] </a:t>
             </a:r>
             <a:r>
@@ -20588,6 +21343,443 @@
                   <a:schemeClr val="bg2"/>
                 </a:solidFill>
               </a:rPr>
+              <a:t>[A] autoLamp1</a:t>
+            </a:r>
+          </a:p>
+          <a:p>
+            <a:pPr algn="ctr"/>
+            <a:r>
+              <a:rPr lang="en-US" altLang="ko-KR" dirty="0">
+                <a:solidFill>
+                  <a:schemeClr val="bg2"/>
+                </a:solidFill>
+              </a:rPr>
+              <a:t>[M] </a:t>
+            </a:r>
+            <a:r>
+              <a:rPr lang="en-US" altLang="ko-KR" dirty="0" err="1">
+                <a:solidFill>
+                  <a:schemeClr val="bg2"/>
+                </a:solidFill>
+              </a:rPr>
+              <a:t>manualLamp1</a:t>
+            </a:r>
+            <a:endParaRPr lang="en-US" altLang="ko-KR" dirty="0">
+              <a:solidFill>
+                <a:schemeClr val="bg2"/>
+              </a:solidFill>
+            </a:endParaRPr>
+          </a:p>
+          <a:p>
+            <a:pPr algn="ctr"/>
+            <a:r>
+              <a:rPr lang="en-US" altLang="ko-KR" dirty="0">
+                <a:solidFill>
+                  <a:schemeClr val="bg2"/>
+                </a:solidFill>
+              </a:rPr>
+              <a:t>[D] driveLamp1</a:t>
+            </a:r>
+          </a:p>
+          <a:p>
+            <a:pPr algn="ctr"/>
+            <a:r>
+              <a:rPr lang="en-US" altLang="ko-KR" dirty="0">
+                <a:solidFill>
+                  <a:schemeClr val="bg2"/>
+                </a:solidFill>
+              </a:rPr>
+              <a:t>[S] stopLamp1 </a:t>
+            </a:r>
+          </a:p>
+          <a:p>
+            <a:pPr algn="ctr"/>
+            <a:r>
+              <a:rPr lang="en-US" altLang="ko-KR" dirty="0">
+                <a:solidFill>
+                  <a:schemeClr val="bg2"/>
+                </a:solidFill>
+              </a:rPr>
+              <a:t>[E] emgLamp1</a:t>
+            </a:r>
+          </a:p>
+          <a:p>
+            <a:pPr algn="ctr"/>
+            <a:r>
+              <a:rPr lang="en-US" altLang="ko-KR" dirty="0">
+                <a:solidFill>
+                  <a:schemeClr val="bg2"/>
+                </a:solidFill>
+              </a:rPr>
+              <a:t>[T] testrunLamp1</a:t>
+            </a:r>
+          </a:p>
+          <a:p>
+            <a:pPr algn="ctr"/>
+            <a:r>
+              <a:rPr lang="en-US" altLang="ko-KR" dirty="0">
+                <a:solidFill>
+                  <a:schemeClr val="bg2"/>
+                </a:solidFill>
+              </a:rPr>
+              <a:t>[R] readyLamp1</a:t>
+            </a:r>
+          </a:p>
+          <a:p>
+            <a:pPr algn="ctr"/>
+            <a:r>
+              <a:rPr lang="en-US" altLang="ko-KR" dirty="0">
+                <a:solidFill>
+                  <a:schemeClr val="bg2"/>
+                </a:solidFill>
+              </a:rPr>
+              <a:t>[I] </a:t>
+            </a:r>
+            <a:r>
+              <a:rPr lang="en-US" altLang="ko-KR" dirty="0" err="1">
+                <a:solidFill>
+                  <a:schemeClr val="bg2"/>
+                </a:solidFill>
+              </a:rPr>
+              <a:t>idleLamp1</a:t>
+            </a:r>
+            <a:endParaRPr lang="en-US" altLang="ko-KR" dirty="0">
+              <a:solidFill>
+                <a:schemeClr val="bg2"/>
+              </a:solidFill>
+            </a:endParaRPr>
+          </a:p>
+          <a:p>
+            <a:pPr algn="ctr"/>
+            <a:endParaRPr lang="en-US" altLang="ko-KR" dirty="0">
+              <a:solidFill>
+                <a:schemeClr val="bg2"/>
+              </a:solidFill>
+            </a:endParaRPr>
+          </a:p>
+        </p:txBody>
+      </p:sp>
+      <p:sp>
+        <p:nvSpPr>
+          <p:cNvPr id="3" name="TextBox 2">
+            <a:extLst>
+              <a:ext uri="{FF2B5EF4-FFF2-40B4-BE49-F238E27FC236}">
+                <a16:creationId xmlns:a16="http://schemas.microsoft.com/office/drawing/2014/main" id="{EAE317E8-83B7-4022-A1E1-5B0C847EADAE}"/>
+              </a:ext>
+            </a:extLst>
+          </p:cNvPr>
+          <p:cNvSpPr txBox="1"/>
+          <p:nvPr/>
+        </p:nvSpPr>
+        <p:spPr>
+          <a:xfrm>
+            <a:off x="2890685" y="2045109"/>
+            <a:ext cx="2073003" cy="369332"/>
+          </a:xfrm>
+          <a:prstGeom prst="rect">
+            <a:avLst/>
+          </a:prstGeom>
+          <a:noFill/>
+        </p:spPr>
+        <p:txBody>
+          <a:bodyPr wrap="none" rtlCol="0">
+            <a:spAutoFit/>
+          </a:bodyPr>
+          <a:lstStyle/>
+          <a:p>
+            <a:r>
+              <a:rPr lang="en-US" altLang="ko-KR" dirty="0">
+                <a:solidFill>
+                  <a:schemeClr val="accent1"/>
+                </a:solidFill>
+              </a:rPr>
+              <a:t>A M D S E T R </a:t>
+            </a:r>
+            <a:r>
+              <a:rPr lang="en-US" altLang="ko-KR" dirty="0"/>
+              <a:t>C H</a:t>
+            </a:r>
+            <a:endParaRPr lang="ko-KR" altLang="en-US" dirty="0"/>
+          </a:p>
+        </p:txBody>
+      </p:sp>
+      <p:sp>
+        <p:nvSpPr>
+          <p:cNvPr id="6" name="TextBox 5">
+            <a:extLst>
+              <a:ext uri="{FF2B5EF4-FFF2-40B4-BE49-F238E27FC236}">
+                <a16:creationId xmlns:a16="http://schemas.microsoft.com/office/drawing/2014/main" id="{3DBFDA71-0EDF-EBB0-264D-9F64B93F7B24}"/>
+              </a:ext>
+            </a:extLst>
+          </p:cNvPr>
+          <p:cNvSpPr txBox="1"/>
+          <p:nvPr/>
+        </p:nvSpPr>
+        <p:spPr>
+          <a:xfrm>
+            <a:off x="7079227" y="2045109"/>
+            <a:ext cx="1856598" cy="369332"/>
+          </a:xfrm>
+          <a:prstGeom prst="rect">
+            <a:avLst/>
+          </a:prstGeom>
+          <a:noFill/>
+        </p:spPr>
+        <p:txBody>
+          <a:bodyPr wrap="none" rtlCol="0">
+            <a:spAutoFit/>
+          </a:bodyPr>
+          <a:lstStyle/>
+          <a:p>
+            <a:r>
+              <a:rPr lang="en-US" altLang="ko-KR" dirty="0">
+                <a:solidFill>
+                  <a:schemeClr val="accent1"/>
+                </a:solidFill>
+              </a:rPr>
+              <a:t>A M D S E T R I</a:t>
+            </a:r>
+            <a:endParaRPr lang="ko-KR" altLang="en-US" dirty="0">
+              <a:solidFill>
+                <a:schemeClr val="accent1"/>
+              </a:solidFill>
+            </a:endParaRPr>
+          </a:p>
+        </p:txBody>
+      </p:sp>
+    </p:spTree>
+    <p:extLst>
+      <p:ext uri="{BB962C8B-B14F-4D97-AF65-F5344CB8AC3E}">
+        <p14:creationId xmlns:p14="http://schemas.microsoft.com/office/powerpoint/2010/main" val="3992733833"/>
+      </p:ext>
+    </p:extLst>
+  </p:cSld>
+  <p:clrMapOvr>
+    <a:masterClrMapping/>
+  </p:clrMapOvr>
+</p:sld>
+</file>
+
+<file path=ppt/slides/slide21.xml><?xml version="1.0" encoding="utf-8"?>
+<p:sld xmlns:a="http://schemas.openxmlformats.org/drawingml/2006/main" xmlns:r="http://schemas.openxmlformats.org/officeDocument/2006/relationships" xmlns:p="http://schemas.openxmlformats.org/presentationml/2006/main" show="0">
+  <p:cSld>
+    <p:spTree>
+      <p:nvGrpSpPr>
+        <p:cNvPr id="1" name=""/>
+        <p:cNvGrpSpPr/>
+        <p:nvPr/>
+      </p:nvGrpSpPr>
+      <p:grpSpPr>
+        <a:xfrm>
+          <a:off x="0" y="0"/>
+          <a:ext cx="0" cy="0"/>
+          <a:chOff x="0" y="0"/>
+          <a:chExt cx="0" cy="0"/>
+        </a:xfrm>
+      </p:grpSpPr>
+      <p:sp>
+        <p:nvSpPr>
+          <p:cNvPr id="2" name="제목 1">
+            <a:extLst>
+              <a:ext uri="{FF2B5EF4-FFF2-40B4-BE49-F238E27FC236}">
+                <a16:creationId xmlns:a16="http://schemas.microsoft.com/office/drawing/2014/main" id="{E35BEC89-0CFB-7F29-D8C7-71B3E64B4D66}"/>
+              </a:ext>
+            </a:extLst>
+          </p:cNvPr>
+          <p:cNvSpPr>
+            <a:spLocks noGrp="1"/>
+          </p:cNvSpPr>
+          <p:nvPr>
+            <p:ph type="title"/>
+          </p:nvPr>
+        </p:nvSpPr>
+        <p:spPr/>
+        <p:txBody>
+          <a:bodyPr/>
+          <a:lstStyle/>
+          <a:p>
+            <a:r>
+              <a:rPr lang="en-US" altLang="ko-KR" dirty="0" err="1"/>
+              <a:t>S02</a:t>
+            </a:r>
+            <a:endParaRPr lang="ko-KR" altLang="en-US" dirty="0"/>
+          </a:p>
+        </p:txBody>
+      </p:sp>
+      <p:sp>
+        <p:nvSpPr>
+          <p:cNvPr id="4" name="사각형: 빗면 3">
+            <a:extLst>
+              <a:ext uri="{FF2B5EF4-FFF2-40B4-BE49-F238E27FC236}">
+                <a16:creationId xmlns:a16="http://schemas.microsoft.com/office/drawing/2014/main" id="{43F727FF-A1DD-341C-11C2-1AF95E71B98C}"/>
+              </a:ext>
+            </a:extLst>
+          </p:cNvPr>
+          <p:cNvSpPr/>
+          <p:nvPr/>
+        </p:nvSpPr>
+        <p:spPr>
+          <a:xfrm>
+            <a:off x="1658871" y="2561303"/>
+            <a:ext cx="3591555" cy="3534697"/>
+          </a:xfrm>
+          <a:prstGeom prst="bevel">
+            <a:avLst>
+              <a:gd name="adj" fmla="val 16754"/>
+            </a:avLst>
+          </a:prstGeom>
+          <a:ln>
+            <a:solidFill>
+              <a:schemeClr val="tx1"/>
+            </a:solidFill>
+          </a:ln>
+        </p:spPr>
+        <p:style>
+          <a:lnRef idx="2">
+            <a:schemeClr val="accent1">
+              <a:shade val="50000"/>
+            </a:schemeClr>
+          </a:lnRef>
+          <a:fillRef idx="1">
+            <a:schemeClr val="accent1"/>
+          </a:fillRef>
+          <a:effectRef idx="0">
+            <a:schemeClr val="accent1"/>
+          </a:effectRef>
+          <a:fontRef idx="minor">
+            <a:schemeClr val="lt1"/>
+          </a:fontRef>
+        </p:style>
+        <p:txBody>
+          <a:bodyPr rtlCol="0" anchor="ctr"/>
+          <a:lstStyle/>
+          <a:p>
+            <a:pPr algn="ctr"/>
+            <a:r>
+              <a:rPr lang="en-US" altLang="ko-KR" sz="1400" dirty="0">
+                <a:solidFill>
+                  <a:schemeClr val="bg2"/>
+                </a:solidFill>
+              </a:rPr>
+              <a:t>[A]autoBtn1</a:t>
+            </a:r>
+          </a:p>
+          <a:p>
+            <a:pPr algn="ctr"/>
+            <a:r>
+              <a:rPr lang="en-US" altLang="ko-KR" sz="1400" dirty="0">
+                <a:solidFill>
+                  <a:schemeClr val="bg2"/>
+                </a:solidFill>
+              </a:rPr>
+              <a:t>[M]</a:t>
+            </a:r>
+            <a:r>
+              <a:rPr lang="en-US" altLang="ko-KR" sz="1400" dirty="0" err="1">
+                <a:solidFill>
+                  <a:schemeClr val="bg2"/>
+                </a:solidFill>
+              </a:rPr>
+              <a:t>manualBtn1</a:t>
+            </a:r>
+            <a:endParaRPr lang="en-US" altLang="ko-KR" sz="1400" dirty="0">
+              <a:solidFill>
+                <a:schemeClr val="bg2"/>
+              </a:solidFill>
+            </a:endParaRPr>
+          </a:p>
+          <a:p>
+            <a:pPr algn="ctr"/>
+            <a:r>
+              <a:rPr lang="en-US" altLang="ko-KR" sz="1400" dirty="0">
+                <a:solidFill>
+                  <a:schemeClr val="bg2"/>
+                </a:solidFill>
+              </a:rPr>
+              <a:t>[D] driveBtn1</a:t>
+            </a:r>
+          </a:p>
+          <a:p>
+            <a:pPr algn="ctr"/>
+            <a:r>
+              <a:rPr lang="en-US" altLang="ko-KR" sz="1400" dirty="0">
+                <a:solidFill>
+                  <a:schemeClr val="bg2"/>
+                </a:solidFill>
+              </a:rPr>
+              <a:t>[H] </a:t>
+            </a:r>
+            <a:r>
+              <a:rPr lang="en-US" altLang="ko-KR" sz="1400" dirty="0" err="1">
+                <a:solidFill>
+                  <a:schemeClr val="bg2"/>
+                </a:solidFill>
+              </a:rPr>
+              <a:t>homeBtn1</a:t>
+            </a:r>
+            <a:endParaRPr lang="en-US" altLang="ko-KR" sz="1100" dirty="0">
+              <a:solidFill>
+                <a:schemeClr val="bg2"/>
+              </a:solidFill>
+            </a:endParaRPr>
+          </a:p>
+        </p:txBody>
+      </p:sp>
+      <p:sp>
+        <p:nvSpPr>
+          <p:cNvPr id="5" name="사각형: 빗면 4">
+            <a:extLst>
+              <a:ext uri="{FF2B5EF4-FFF2-40B4-BE49-F238E27FC236}">
+                <a16:creationId xmlns:a16="http://schemas.microsoft.com/office/drawing/2014/main" id="{CC109A94-E99B-595B-64CD-E549C28F0B12}"/>
+              </a:ext>
+            </a:extLst>
+          </p:cNvPr>
+          <p:cNvSpPr/>
+          <p:nvPr/>
+        </p:nvSpPr>
+        <p:spPr>
+          <a:xfrm>
+            <a:off x="6427516" y="2561302"/>
+            <a:ext cx="3591555" cy="3534697"/>
+          </a:xfrm>
+          <a:prstGeom prst="bevel">
+            <a:avLst>
+              <a:gd name="adj" fmla="val 0"/>
+            </a:avLst>
+          </a:prstGeom>
+          <a:ln>
+            <a:solidFill>
+              <a:schemeClr val="tx1"/>
+            </a:solidFill>
+          </a:ln>
+        </p:spPr>
+        <p:style>
+          <a:lnRef idx="2">
+            <a:schemeClr val="accent1">
+              <a:shade val="50000"/>
+            </a:schemeClr>
+          </a:lnRef>
+          <a:fillRef idx="1">
+            <a:schemeClr val="accent1"/>
+          </a:fillRef>
+          <a:effectRef idx="0">
+            <a:schemeClr val="accent1"/>
+          </a:effectRef>
+          <a:fontRef idx="minor">
+            <a:schemeClr val="lt1"/>
+          </a:fontRef>
+        </p:style>
+        <p:txBody>
+          <a:bodyPr rtlCol="0" anchor="ctr"/>
+          <a:lstStyle/>
+          <a:p>
+            <a:pPr algn="ctr"/>
+            <a:r>
+              <a:rPr lang="en-US" altLang="ko-KR" dirty="0">
+                <a:solidFill>
+                  <a:schemeClr val="bg2"/>
+                </a:solidFill>
+              </a:rPr>
               <a:t>[A] </a:t>
             </a:r>
             <a:r>
@@ -20723,7 +21915,7 @@
 </p:sld>
 </file>
 
-<file path=ppt/slides/slide21.xml><?xml version="1.0" encoding="utf-8"?>
+<file path=ppt/slides/slide22.xml><?xml version="1.0" encoding="utf-8"?>
 <p:sld xmlns:a="http://schemas.openxmlformats.org/drawingml/2006/main" xmlns:r="http://schemas.openxmlformats.org/officeDocument/2006/relationships" xmlns:p="http://schemas.openxmlformats.org/presentationml/2006/main" show="0">
   <p:cSld>
     <p:spTree>
@@ -21078,7 +22270,7 @@
 </p:sld>
 </file>
 
-<file path=ppt/slides/slide22.xml><?xml version="1.0" encoding="utf-8"?>
+<file path=ppt/slides/slide23.xml><?xml version="1.0" encoding="utf-8"?>
 <p:sld xmlns:a="http://schemas.openxmlformats.org/drawingml/2006/main" xmlns:r="http://schemas.openxmlformats.org/officeDocument/2006/relationships" xmlns:p="http://schemas.openxmlformats.org/presentationml/2006/main" show="0">
   <p:cSld>
     <p:spTree>
@@ -25764,6 +26956,1780 @@
 </file>
 
 <file path=ppt/slides/slide8.xml><?xml version="1.0" encoding="utf-8"?>
+<p:sld xmlns:a="http://schemas.openxmlformats.org/drawingml/2006/main" xmlns:r="http://schemas.openxmlformats.org/officeDocument/2006/relationships" xmlns:p="http://schemas.openxmlformats.org/presentationml/2006/main">
+  <p:cSld>
+    <p:spTree>
+      <p:nvGrpSpPr>
+        <p:cNvPr id="1" name=""/>
+        <p:cNvGrpSpPr/>
+        <p:nvPr/>
+      </p:nvGrpSpPr>
+      <p:grpSpPr>
+        <a:xfrm>
+          <a:off x="0" y="0"/>
+          <a:ext cx="0" cy="0"/>
+          <a:chOff x="0" y="0"/>
+          <a:chExt cx="0" cy="0"/>
+        </a:xfrm>
+      </p:grpSpPr>
+      <p:sp>
+        <p:nvSpPr>
+          <p:cNvPr id="2" name="제목 1">
+            <a:extLst>
+              <a:ext uri="{FF2B5EF4-FFF2-40B4-BE49-F238E27FC236}">
+                <a16:creationId xmlns:a16="http://schemas.microsoft.com/office/drawing/2014/main" id="{5E8FE27E-4086-E570-1BA4-F2B433CAA376}"/>
+              </a:ext>
+            </a:extLst>
+          </p:cNvPr>
+          <p:cNvSpPr>
+            <a:spLocks noGrp="1"/>
+          </p:cNvSpPr>
+          <p:nvPr>
+            <p:ph type="title"/>
+          </p:nvPr>
+        </p:nvSpPr>
+        <p:spPr/>
+        <p:txBody>
+          <a:bodyPr/>
+          <a:lstStyle/>
+          <a:p>
+            <a:r>
+              <a:rPr lang="en-US" altLang="ko-KR" dirty="0"/>
+              <a:t>S222</a:t>
+            </a:r>
+            <a:endParaRPr lang="ko-KR" altLang="en-US" dirty="0"/>
+          </a:p>
+        </p:txBody>
+      </p:sp>
+      <p:sp>
+        <p:nvSpPr>
+          <p:cNvPr id="91" name="직사각형 90">
+            <a:extLst>
+              <a:ext uri="{FF2B5EF4-FFF2-40B4-BE49-F238E27FC236}">
+                <a16:creationId xmlns:a16="http://schemas.microsoft.com/office/drawing/2014/main" id="{1902CC42-6799-D372-F372-07BB72F2BF14}"/>
+              </a:ext>
+            </a:extLst>
+          </p:cNvPr>
+          <p:cNvSpPr/>
+          <p:nvPr/>
+        </p:nvSpPr>
+        <p:spPr>
+          <a:xfrm>
+            <a:off x="6087687" y="988960"/>
+            <a:ext cx="847742" cy="495381"/>
+          </a:xfrm>
+          <a:prstGeom prst="rect">
+            <a:avLst/>
+          </a:prstGeom>
+        </p:spPr>
+        <p:style>
+          <a:lnRef idx="2">
+            <a:schemeClr val="accent1">
+              <a:shade val="15000"/>
+            </a:schemeClr>
+          </a:lnRef>
+          <a:fillRef idx="1">
+            <a:schemeClr val="accent1"/>
+          </a:fillRef>
+          <a:effectRef idx="0">
+            <a:schemeClr val="accent1"/>
+          </a:effectRef>
+          <a:fontRef idx="minor">
+            <a:schemeClr val="lt1"/>
+          </a:fontRef>
+        </p:style>
+        <p:txBody>
+          <a:bodyPr rtlCol="0" anchor="ctr"/>
+          <a:lstStyle/>
+          <a:p>
+            <a:pPr algn="ctr"/>
+            <a:r>
+              <a:rPr lang="en-US" altLang="ko-KR" dirty="0"/>
+              <a:t>R3</a:t>
+            </a:r>
+            <a:endParaRPr lang="ko-KR" altLang="en-US" dirty="0"/>
+          </a:p>
+        </p:txBody>
+      </p:sp>
+      <p:cxnSp>
+        <p:nvCxnSpPr>
+          <p:cNvPr id="109" name="직선 화살표 연결선 108">
+            <a:extLst>
+              <a:ext uri="{FF2B5EF4-FFF2-40B4-BE49-F238E27FC236}">
+                <a16:creationId xmlns:a16="http://schemas.microsoft.com/office/drawing/2014/main" id="{962C7EAD-50AB-B451-7AB8-AD60B0C48A7C}"/>
+              </a:ext>
+            </a:extLst>
+          </p:cNvPr>
+          <p:cNvCxnSpPr>
+            <a:cxnSpLocks/>
+            <a:stCxn id="94" idx="3"/>
+            <a:endCxn id="91" idx="1"/>
+          </p:cNvCxnSpPr>
+          <p:nvPr/>
+        </p:nvCxnSpPr>
+        <p:spPr>
+          <a:xfrm flipV="1">
+            <a:off x="5613666" y="1236651"/>
+            <a:ext cx="474021" cy="1458820"/>
+          </a:xfrm>
+          <a:prstGeom prst="straightConnector1">
+            <a:avLst/>
+          </a:prstGeom>
+          <a:ln w="38100">
+            <a:solidFill>
+              <a:srgbClr val="FFC000"/>
+            </a:solidFill>
+            <a:headEnd type="diamond" w="med" len="med"/>
+            <a:tailEnd type="triangle" w="med" len="med"/>
+          </a:ln>
+        </p:spPr>
+        <p:style>
+          <a:lnRef idx="1">
+            <a:schemeClr val="accent6"/>
+          </a:lnRef>
+          <a:fillRef idx="0">
+            <a:schemeClr val="accent6"/>
+          </a:fillRef>
+          <a:effectRef idx="0">
+            <a:schemeClr val="accent6"/>
+          </a:effectRef>
+          <a:fontRef idx="minor">
+            <a:schemeClr val="tx1"/>
+          </a:fontRef>
+        </p:style>
+      </p:cxnSp>
+      <p:cxnSp>
+        <p:nvCxnSpPr>
+          <p:cNvPr id="120" name="직선 화살표 연결선 119">
+            <a:extLst>
+              <a:ext uri="{FF2B5EF4-FFF2-40B4-BE49-F238E27FC236}">
+                <a16:creationId xmlns:a16="http://schemas.microsoft.com/office/drawing/2014/main" id="{D780E1C2-0E12-A5CD-2B49-A959AB42330A}"/>
+              </a:ext>
+            </a:extLst>
+          </p:cNvPr>
+          <p:cNvCxnSpPr>
+            <a:cxnSpLocks/>
+            <a:stCxn id="94" idx="3"/>
+            <a:endCxn id="107" idx="1"/>
+          </p:cNvCxnSpPr>
+          <p:nvPr/>
+        </p:nvCxnSpPr>
+        <p:spPr>
+          <a:xfrm>
+            <a:off x="5613666" y="2695471"/>
+            <a:ext cx="416750" cy="110667"/>
+          </a:xfrm>
+          <a:prstGeom prst="straightConnector1">
+            <a:avLst/>
+          </a:prstGeom>
+          <a:ln w="38100">
+            <a:solidFill>
+              <a:srgbClr val="FFC000"/>
+            </a:solidFill>
+            <a:headEnd type="diamond" w="med" len="med"/>
+            <a:tailEnd type="triangle" w="med" len="med"/>
+          </a:ln>
+        </p:spPr>
+        <p:style>
+          <a:lnRef idx="1">
+            <a:schemeClr val="accent6"/>
+          </a:lnRef>
+          <a:fillRef idx="0">
+            <a:schemeClr val="accent6"/>
+          </a:fillRef>
+          <a:effectRef idx="0">
+            <a:schemeClr val="accent6"/>
+          </a:effectRef>
+          <a:fontRef idx="minor">
+            <a:schemeClr val="tx1"/>
+          </a:fontRef>
+        </p:style>
+      </p:cxnSp>
+      <p:sp>
+        <p:nvSpPr>
+          <p:cNvPr id="13" name="직사각형 12">
+            <a:extLst>
+              <a:ext uri="{FF2B5EF4-FFF2-40B4-BE49-F238E27FC236}">
+                <a16:creationId xmlns:a16="http://schemas.microsoft.com/office/drawing/2014/main" id="{20D4B5AF-E245-475A-47A6-1314F9D73EE8}"/>
+              </a:ext>
+            </a:extLst>
+          </p:cNvPr>
+          <p:cNvSpPr/>
+          <p:nvPr/>
+        </p:nvSpPr>
+        <p:spPr>
+          <a:xfrm>
+            <a:off x="10080018" y="3931852"/>
+            <a:ext cx="847742" cy="495381"/>
+          </a:xfrm>
+          <a:prstGeom prst="rect">
+            <a:avLst/>
+          </a:prstGeom>
+        </p:spPr>
+        <p:style>
+          <a:lnRef idx="2">
+            <a:schemeClr val="accent1">
+              <a:shade val="15000"/>
+            </a:schemeClr>
+          </a:lnRef>
+          <a:fillRef idx="1">
+            <a:schemeClr val="accent1"/>
+          </a:fillRef>
+          <a:effectRef idx="0">
+            <a:schemeClr val="accent1"/>
+          </a:effectRef>
+          <a:fontRef idx="minor">
+            <a:schemeClr val="lt1"/>
+          </a:fontRef>
+        </p:style>
+        <p:txBody>
+          <a:bodyPr rtlCol="0" anchor="ctr"/>
+          <a:lstStyle/>
+          <a:p>
+            <a:pPr algn="ctr"/>
+            <a:r>
+              <a:rPr lang="en-US" altLang="ko-KR" dirty="0"/>
+              <a:t>R6</a:t>
+            </a:r>
+            <a:endParaRPr lang="ko-KR" altLang="en-US" dirty="0"/>
+          </a:p>
+        </p:txBody>
+      </p:sp>
+      <p:sp>
+        <p:nvSpPr>
+          <p:cNvPr id="15" name="직사각형 14">
+            <a:extLst>
+              <a:ext uri="{FF2B5EF4-FFF2-40B4-BE49-F238E27FC236}">
+                <a16:creationId xmlns:a16="http://schemas.microsoft.com/office/drawing/2014/main" id="{60198781-EBB0-10CE-8B2F-9ABD8A632D5C}"/>
+              </a:ext>
+            </a:extLst>
+          </p:cNvPr>
+          <p:cNvSpPr/>
+          <p:nvPr/>
+        </p:nvSpPr>
+        <p:spPr>
+          <a:xfrm>
+            <a:off x="7542218" y="3556057"/>
+            <a:ext cx="847742" cy="495381"/>
+          </a:xfrm>
+          <a:prstGeom prst="rect">
+            <a:avLst/>
+          </a:prstGeom>
+        </p:spPr>
+        <p:style>
+          <a:lnRef idx="2">
+            <a:schemeClr val="accent1">
+              <a:shade val="15000"/>
+            </a:schemeClr>
+          </a:lnRef>
+          <a:fillRef idx="1">
+            <a:schemeClr val="accent1"/>
+          </a:fillRef>
+          <a:effectRef idx="0">
+            <a:schemeClr val="accent1"/>
+          </a:effectRef>
+          <a:fontRef idx="minor">
+            <a:schemeClr val="lt1"/>
+          </a:fontRef>
+        </p:style>
+        <p:txBody>
+          <a:bodyPr rtlCol="0" anchor="ctr"/>
+          <a:lstStyle/>
+          <a:p>
+            <a:pPr algn="ctr"/>
+            <a:r>
+              <a:rPr lang="en-US" altLang="ko-KR" dirty="0"/>
+              <a:t>R5</a:t>
+            </a:r>
+            <a:endParaRPr lang="ko-KR" altLang="en-US" dirty="0"/>
+          </a:p>
+        </p:txBody>
+      </p:sp>
+      <p:cxnSp>
+        <p:nvCxnSpPr>
+          <p:cNvPr id="23" name="연결선: 꺾임 22">
+            <a:extLst>
+              <a:ext uri="{FF2B5EF4-FFF2-40B4-BE49-F238E27FC236}">
+                <a16:creationId xmlns:a16="http://schemas.microsoft.com/office/drawing/2014/main" id="{7784514C-ED5E-0B18-1D1B-F544B46E59B0}"/>
+              </a:ext>
+            </a:extLst>
+          </p:cNvPr>
+          <p:cNvCxnSpPr>
+            <a:cxnSpLocks/>
+            <a:stCxn id="91" idx="3"/>
+            <a:endCxn id="14" idx="1"/>
+          </p:cNvCxnSpPr>
+          <p:nvPr/>
+        </p:nvCxnSpPr>
+        <p:spPr>
+          <a:xfrm flipV="1">
+            <a:off x="6935429" y="1094583"/>
+            <a:ext cx="1269587" cy="142068"/>
+          </a:xfrm>
+          <a:prstGeom prst="bentConnector3">
+            <a:avLst>
+              <a:gd name="adj1" fmla="val 50000"/>
+            </a:avLst>
+          </a:prstGeom>
+          <a:ln w="38100">
+            <a:solidFill>
+              <a:srgbClr val="FFC000"/>
+            </a:solidFill>
+            <a:headEnd type="diamond" w="med" len="med"/>
+            <a:tailEnd type="triangle" w="med" len="med"/>
+          </a:ln>
+        </p:spPr>
+        <p:style>
+          <a:lnRef idx="1">
+            <a:schemeClr val="accent6"/>
+          </a:lnRef>
+          <a:fillRef idx="0">
+            <a:schemeClr val="accent6"/>
+          </a:fillRef>
+          <a:effectRef idx="0">
+            <a:schemeClr val="accent6"/>
+          </a:effectRef>
+          <a:fontRef idx="minor">
+            <a:schemeClr val="tx1"/>
+          </a:fontRef>
+        </p:style>
+      </p:cxnSp>
+      <p:cxnSp>
+        <p:nvCxnSpPr>
+          <p:cNvPr id="32" name="연결선: 꺾임 31">
+            <a:extLst>
+              <a:ext uri="{FF2B5EF4-FFF2-40B4-BE49-F238E27FC236}">
+                <a16:creationId xmlns:a16="http://schemas.microsoft.com/office/drawing/2014/main" id="{55996CE5-7EBC-3246-9029-B8870B968B13}"/>
+              </a:ext>
+            </a:extLst>
+          </p:cNvPr>
+          <p:cNvCxnSpPr>
+            <a:cxnSpLocks/>
+            <a:stCxn id="13" idx="2"/>
+            <a:endCxn id="94" idx="2"/>
+          </p:cNvCxnSpPr>
+          <p:nvPr/>
+        </p:nvCxnSpPr>
+        <p:spPr>
+          <a:xfrm rot="5400000" flipH="1">
+            <a:off x="6601761" y="525106"/>
+            <a:ext cx="272943" cy="7531313"/>
+          </a:xfrm>
+          <a:prstGeom prst="bentConnector3">
+            <a:avLst>
+              <a:gd name="adj1" fmla="val -83754"/>
+            </a:avLst>
+          </a:prstGeom>
+          <a:ln w="38100">
+            <a:solidFill>
+              <a:srgbClr val="FFC000"/>
+            </a:solidFill>
+            <a:headEnd type="diamond" w="med" len="med"/>
+            <a:tailEnd type="triangle" w="med" len="med"/>
+          </a:ln>
+        </p:spPr>
+        <p:style>
+          <a:lnRef idx="1">
+            <a:schemeClr val="accent6"/>
+          </a:lnRef>
+          <a:fillRef idx="0">
+            <a:schemeClr val="accent6"/>
+          </a:fillRef>
+          <a:effectRef idx="0">
+            <a:schemeClr val="accent6"/>
+          </a:effectRef>
+          <a:fontRef idx="minor">
+            <a:schemeClr val="tx1"/>
+          </a:fontRef>
+        </p:style>
+      </p:cxnSp>
+      <p:cxnSp>
+        <p:nvCxnSpPr>
+          <p:cNvPr id="48" name="연결선: 꺾임 47">
+            <a:extLst>
+              <a:ext uri="{FF2B5EF4-FFF2-40B4-BE49-F238E27FC236}">
+                <a16:creationId xmlns:a16="http://schemas.microsoft.com/office/drawing/2014/main" id="{ADAD1270-D18E-4A9B-90EA-E912E63A3DEA}"/>
+              </a:ext>
+            </a:extLst>
+          </p:cNvPr>
+          <p:cNvCxnSpPr>
+            <a:cxnSpLocks/>
+            <a:stCxn id="107" idx="3"/>
+            <a:endCxn id="14" idx="1"/>
+          </p:cNvCxnSpPr>
+          <p:nvPr/>
+        </p:nvCxnSpPr>
+        <p:spPr>
+          <a:xfrm flipV="1">
+            <a:off x="7561849" y="1094583"/>
+            <a:ext cx="643167" cy="1711555"/>
+          </a:xfrm>
+          <a:prstGeom prst="bentConnector3">
+            <a:avLst>
+              <a:gd name="adj1" fmla="val 50000"/>
+            </a:avLst>
+          </a:prstGeom>
+          <a:ln w="38100">
+            <a:solidFill>
+              <a:srgbClr val="FFC000"/>
+            </a:solidFill>
+            <a:headEnd type="diamond" w="med" len="med"/>
+            <a:tailEnd type="triangle" w="med" len="med"/>
+          </a:ln>
+        </p:spPr>
+        <p:style>
+          <a:lnRef idx="1">
+            <a:schemeClr val="accent6"/>
+          </a:lnRef>
+          <a:fillRef idx="0">
+            <a:schemeClr val="accent6"/>
+          </a:fillRef>
+          <a:effectRef idx="0">
+            <a:schemeClr val="accent6"/>
+          </a:effectRef>
+          <a:fontRef idx="minor">
+            <a:schemeClr val="tx1"/>
+          </a:fontRef>
+        </p:style>
+      </p:cxnSp>
+      <p:cxnSp>
+        <p:nvCxnSpPr>
+          <p:cNvPr id="62" name="연결선: 꺾임 61">
+            <a:extLst>
+              <a:ext uri="{FF2B5EF4-FFF2-40B4-BE49-F238E27FC236}">
+                <a16:creationId xmlns:a16="http://schemas.microsoft.com/office/drawing/2014/main" id="{D2BBF1BC-3F9C-FDD1-40CF-9CFE10E49737}"/>
+              </a:ext>
+            </a:extLst>
+          </p:cNvPr>
+          <p:cNvCxnSpPr>
+            <a:cxnSpLocks/>
+            <a:stCxn id="14" idx="2"/>
+            <a:endCxn id="15" idx="0"/>
+          </p:cNvCxnSpPr>
+          <p:nvPr/>
+        </p:nvCxnSpPr>
+        <p:spPr>
+          <a:xfrm rot="5400000">
+            <a:off x="8278945" y="1872242"/>
+            <a:ext cx="1370960" cy="1996671"/>
+          </a:xfrm>
+          <a:prstGeom prst="bentConnector3">
+            <a:avLst>
+              <a:gd name="adj1" fmla="val 50000"/>
+            </a:avLst>
+          </a:prstGeom>
+          <a:ln w="38100">
+            <a:solidFill>
+              <a:srgbClr val="FFC000"/>
+            </a:solidFill>
+            <a:headEnd type="diamond" w="med" len="med"/>
+            <a:tailEnd type="triangle" w="med" len="med"/>
+          </a:ln>
+        </p:spPr>
+        <p:style>
+          <a:lnRef idx="1">
+            <a:schemeClr val="accent6"/>
+          </a:lnRef>
+          <a:fillRef idx="0">
+            <a:schemeClr val="accent6"/>
+          </a:fillRef>
+          <a:effectRef idx="0">
+            <a:schemeClr val="accent6"/>
+          </a:effectRef>
+          <a:fontRef idx="minor">
+            <a:schemeClr val="tx1"/>
+          </a:fontRef>
+        </p:style>
+      </p:cxnSp>
+      <p:cxnSp>
+        <p:nvCxnSpPr>
+          <p:cNvPr id="68" name="연결선: 꺾임 67">
+            <a:extLst>
+              <a:ext uri="{FF2B5EF4-FFF2-40B4-BE49-F238E27FC236}">
+                <a16:creationId xmlns:a16="http://schemas.microsoft.com/office/drawing/2014/main" id="{B956E1CD-20B7-0672-1444-72F5F9EB34F5}"/>
+              </a:ext>
+            </a:extLst>
+          </p:cNvPr>
+          <p:cNvCxnSpPr>
+            <a:cxnSpLocks/>
+            <a:stCxn id="15" idx="2"/>
+            <a:endCxn id="13" idx="1"/>
+          </p:cNvCxnSpPr>
+          <p:nvPr/>
+        </p:nvCxnSpPr>
+        <p:spPr>
+          <a:xfrm rot="16200000" flipH="1">
+            <a:off x="8959001" y="3058525"/>
+            <a:ext cx="128105" cy="2113929"/>
+          </a:xfrm>
+          <a:prstGeom prst="bentConnector2">
+            <a:avLst/>
+          </a:prstGeom>
+          <a:ln w="38100">
+            <a:solidFill>
+              <a:srgbClr val="FFC000"/>
+            </a:solidFill>
+            <a:headEnd type="diamond" w="med" len="med"/>
+            <a:tailEnd type="triangle" w="med" len="med"/>
+          </a:ln>
+        </p:spPr>
+        <p:style>
+          <a:lnRef idx="1">
+            <a:schemeClr val="accent6"/>
+          </a:lnRef>
+          <a:fillRef idx="0">
+            <a:schemeClr val="accent6"/>
+          </a:fillRef>
+          <a:effectRef idx="0">
+            <a:schemeClr val="accent6"/>
+          </a:effectRef>
+          <a:fontRef idx="minor">
+            <a:schemeClr val="tx1"/>
+          </a:fontRef>
+        </p:style>
+      </p:cxnSp>
+      <p:sp>
+        <p:nvSpPr>
+          <p:cNvPr id="79" name="사각형: 모서리가 접힌 도형 78">
+            <a:extLst>
+              <a:ext uri="{FF2B5EF4-FFF2-40B4-BE49-F238E27FC236}">
+                <a16:creationId xmlns:a16="http://schemas.microsoft.com/office/drawing/2014/main" id="{4FFFC34E-AB5C-2EA7-5DA2-90E276198FD1}"/>
+              </a:ext>
+            </a:extLst>
+          </p:cNvPr>
+          <p:cNvSpPr/>
+          <p:nvPr/>
+        </p:nvSpPr>
+        <p:spPr>
+          <a:xfrm>
+            <a:off x="9232276" y="4803028"/>
+            <a:ext cx="2437946" cy="568378"/>
+          </a:xfrm>
+          <a:prstGeom prst="foldedCorner">
+            <a:avLst/>
+          </a:prstGeom>
+          <a:solidFill>
+            <a:schemeClr val="accent3">
+              <a:alpha val="50000"/>
+            </a:schemeClr>
+          </a:solidFill>
+          <a:ln>
+            <a:noFill/>
+          </a:ln>
+        </p:spPr>
+        <p:style>
+          <a:lnRef idx="0">
+            <a:scrgbClr r="0" g="0" b="0"/>
+          </a:lnRef>
+          <a:fillRef idx="0">
+            <a:scrgbClr r="0" g="0" b="0"/>
+          </a:fillRef>
+          <a:effectRef idx="0">
+            <a:scrgbClr r="0" g="0" b="0"/>
+          </a:effectRef>
+          <a:fontRef idx="minor">
+            <a:schemeClr val="lt1"/>
+          </a:fontRef>
+        </p:style>
+        <p:txBody>
+          <a:bodyPr rtlCol="0" anchor="ctr"/>
+          <a:lstStyle/>
+          <a:p>
+            <a:pPr algn="ctr"/>
+            <a:r>
+              <a:rPr lang="en-US" altLang="ko-KR" dirty="0"/>
+              <a:t>lib/Cylinder/Double </a:t>
+            </a:r>
+          </a:p>
+          <a:p>
+            <a:pPr algn="ctr"/>
+            <a:r>
+              <a:rPr lang="en-US" altLang="ko-KR" dirty="0"/>
+              <a:t>[</a:t>
+            </a:r>
+            <a:r>
+              <a:rPr lang="en-US" altLang="ko-KR" dirty="0" err="1"/>
+              <a:t>PinB</a:t>
+            </a:r>
+            <a:r>
+              <a:rPr lang="en-US" altLang="ko-KR" dirty="0"/>
+              <a:t>]</a:t>
+            </a:r>
+            <a:endParaRPr lang="ko-KR" altLang="en-US" dirty="0"/>
+          </a:p>
+        </p:txBody>
+      </p:sp>
+      <p:sp>
+        <p:nvSpPr>
+          <p:cNvPr id="7" name="사각형: 모서리가 접힌 도형 6">
+            <a:extLst>
+              <a:ext uri="{FF2B5EF4-FFF2-40B4-BE49-F238E27FC236}">
+                <a16:creationId xmlns:a16="http://schemas.microsoft.com/office/drawing/2014/main" id="{714117EE-2573-5F95-0ABC-EE82E082580E}"/>
+              </a:ext>
+            </a:extLst>
+          </p:cNvPr>
+          <p:cNvSpPr/>
+          <p:nvPr/>
+        </p:nvSpPr>
+        <p:spPr>
+          <a:xfrm>
+            <a:off x="9232276" y="5531195"/>
+            <a:ext cx="2437946" cy="568378"/>
+          </a:xfrm>
+          <a:prstGeom prst="foldedCorner">
+            <a:avLst/>
+          </a:prstGeom>
+          <a:solidFill>
+            <a:schemeClr val="accent3">
+              <a:alpha val="50000"/>
+            </a:schemeClr>
+          </a:solidFill>
+          <a:ln>
+            <a:noFill/>
+          </a:ln>
+        </p:spPr>
+        <p:style>
+          <a:lnRef idx="0">
+            <a:scrgbClr r="0" g="0" b="0"/>
+          </a:lnRef>
+          <a:fillRef idx="0">
+            <a:scrgbClr r="0" g="0" b="0"/>
+          </a:fillRef>
+          <a:effectRef idx="0">
+            <a:scrgbClr r="0" g="0" b="0"/>
+          </a:effectRef>
+          <a:fontRef idx="minor">
+            <a:schemeClr val="lt1"/>
+          </a:fontRef>
+        </p:style>
+        <p:txBody>
+          <a:bodyPr rtlCol="0" anchor="ctr"/>
+          <a:lstStyle/>
+          <a:p>
+            <a:pPr algn="ctr"/>
+            <a:r>
+              <a:rPr lang="en-US" altLang="ko-KR" dirty="0"/>
+              <a:t>lib/Cylinder/Double </a:t>
+            </a:r>
+          </a:p>
+          <a:p>
+            <a:pPr algn="ctr"/>
+            <a:r>
+              <a:rPr lang="en-US" altLang="ko-KR" dirty="0"/>
+              <a:t>[Clamp]2</a:t>
+            </a:r>
+            <a:endParaRPr lang="ko-KR" altLang="en-US" dirty="0"/>
+          </a:p>
+        </p:txBody>
+      </p:sp>
+      <p:sp>
+        <p:nvSpPr>
+          <p:cNvPr id="17" name="사각형: 모서리가 접힌 도형 16">
+            <a:extLst>
+              <a:ext uri="{FF2B5EF4-FFF2-40B4-BE49-F238E27FC236}">
+                <a16:creationId xmlns:a16="http://schemas.microsoft.com/office/drawing/2014/main" id="{E1CA3431-7566-D83F-3452-2359472A35A2}"/>
+              </a:ext>
+            </a:extLst>
+          </p:cNvPr>
+          <p:cNvSpPr/>
+          <p:nvPr/>
+        </p:nvSpPr>
+        <p:spPr>
+          <a:xfrm>
+            <a:off x="9232276" y="6259363"/>
+            <a:ext cx="2437946" cy="568378"/>
+          </a:xfrm>
+          <a:prstGeom prst="foldedCorner">
+            <a:avLst/>
+          </a:prstGeom>
+          <a:solidFill>
+            <a:schemeClr val="accent3">
+              <a:alpha val="50000"/>
+            </a:schemeClr>
+          </a:solidFill>
+          <a:ln>
+            <a:noFill/>
+          </a:ln>
+        </p:spPr>
+        <p:style>
+          <a:lnRef idx="0">
+            <a:scrgbClr r="0" g="0" b="0"/>
+          </a:lnRef>
+          <a:fillRef idx="0">
+            <a:scrgbClr r="0" g="0" b="0"/>
+          </a:fillRef>
+          <a:effectRef idx="0">
+            <a:scrgbClr r="0" g="0" b="0"/>
+          </a:effectRef>
+          <a:fontRef idx="minor">
+            <a:schemeClr val="lt1"/>
+          </a:fontRef>
+        </p:style>
+        <p:txBody>
+          <a:bodyPr rtlCol="0" anchor="ctr"/>
+          <a:lstStyle/>
+          <a:p>
+            <a:pPr algn="ctr"/>
+            <a:r>
+              <a:rPr lang="en-US" altLang="ko-KR" dirty="0"/>
+              <a:t>lib/Cylinder/Double </a:t>
+            </a:r>
+          </a:p>
+          <a:p>
+            <a:pPr algn="ctr"/>
+            <a:r>
+              <a:rPr lang="en-US" altLang="ko-KR" dirty="0"/>
+              <a:t>[Latch]5</a:t>
+            </a:r>
+            <a:endParaRPr lang="ko-KR" altLang="en-US" dirty="0"/>
+          </a:p>
+        </p:txBody>
+      </p:sp>
+      <p:grpSp>
+        <p:nvGrpSpPr>
+          <p:cNvPr id="55" name="그룹 54">
+            <a:extLst>
+              <a:ext uri="{FF2B5EF4-FFF2-40B4-BE49-F238E27FC236}">
+                <a16:creationId xmlns:a16="http://schemas.microsoft.com/office/drawing/2014/main" id="{8EE34B0D-22C8-066B-F07B-3C16D4B975E4}"/>
+              </a:ext>
+            </a:extLst>
+          </p:cNvPr>
+          <p:cNvGrpSpPr/>
+          <p:nvPr/>
+        </p:nvGrpSpPr>
+        <p:grpSpPr>
+          <a:xfrm>
+            <a:off x="8205016" y="4069"/>
+            <a:ext cx="3515488" cy="2181028"/>
+            <a:chOff x="8205016" y="4069"/>
+            <a:chExt cx="3515488" cy="2181028"/>
+          </a:xfrm>
+        </p:grpSpPr>
+        <p:sp>
+          <p:nvSpPr>
+            <p:cNvPr id="14" name="직사각형 13">
+              <a:extLst>
+                <a:ext uri="{FF2B5EF4-FFF2-40B4-BE49-F238E27FC236}">
+                  <a16:creationId xmlns:a16="http://schemas.microsoft.com/office/drawing/2014/main" id="{7F0FAA92-96A9-A5D3-0A1E-4545883E9E65}"/>
+                </a:ext>
+              </a:extLst>
+            </p:cNvPr>
+            <p:cNvSpPr/>
+            <p:nvPr/>
+          </p:nvSpPr>
+          <p:spPr>
+            <a:xfrm>
+              <a:off x="8205016" y="4069"/>
+              <a:ext cx="3515488" cy="2181028"/>
+            </a:xfrm>
+            <a:prstGeom prst="rect">
+              <a:avLst/>
+            </a:prstGeom>
+          </p:spPr>
+          <p:style>
+            <a:lnRef idx="2">
+              <a:schemeClr val="accent1">
+                <a:shade val="15000"/>
+              </a:schemeClr>
+            </a:lnRef>
+            <a:fillRef idx="1">
+              <a:schemeClr val="accent1"/>
+            </a:fillRef>
+            <a:effectRef idx="0">
+              <a:schemeClr val="accent1"/>
+            </a:effectRef>
+            <a:fontRef idx="minor">
+              <a:schemeClr val="lt1"/>
+            </a:fontRef>
+          </p:style>
+          <p:txBody>
+            <a:bodyPr rtlCol="0" anchor="ctr"/>
+            <a:lstStyle/>
+            <a:p>
+              <a:pPr algn="ctr"/>
+              <a:r>
+                <a:rPr lang="en-US" altLang="ko-KR" dirty="0"/>
+                <a:t>R4</a:t>
+              </a:r>
+              <a:endParaRPr lang="ko-KR" altLang="en-US" dirty="0"/>
+            </a:p>
+          </p:txBody>
+        </p:sp>
+        <p:sp>
+          <p:nvSpPr>
+            <p:cNvPr id="3" name="타원 2">
+              <a:extLst>
+                <a:ext uri="{FF2B5EF4-FFF2-40B4-BE49-F238E27FC236}">
+                  <a16:creationId xmlns:a16="http://schemas.microsoft.com/office/drawing/2014/main" id="{40045D59-AC9F-C1A5-B4B3-519490FD2B7A}"/>
+                </a:ext>
+              </a:extLst>
+            </p:cNvPr>
+            <p:cNvSpPr/>
+            <p:nvPr/>
+          </p:nvSpPr>
+          <p:spPr>
+            <a:xfrm>
+              <a:off x="8282021" y="407432"/>
+              <a:ext cx="758778" cy="499161"/>
+            </a:xfrm>
+            <a:prstGeom prst="ellipse">
+              <a:avLst/>
+            </a:prstGeom>
+            <a:solidFill>
+              <a:schemeClr val="accent4">
+                <a:alpha val="50000"/>
+              </a:schemeClr>
+            </a:solidFill>
+            <a:ln>
+              <a:noFill/>
+            </a:ln>
+          </p:spPr>
+          <p:style>
+            <a:lnRef idx="0">
+              <a:scrgbClr r="0" g="0" b="0"/>
+            </a:lnRef>
+            <a:fillRef idx="0">
+              <a:scrgbClr r="0" g="0" b="0"/>
+            </a:fillRef>
+            <a:effectRef idx="0">
+              <a:scrgbClr r="0" g="0" b="0"/>
+            </a:effectRef>
+            <a:fontRef idx="minor">
+              <a:schemeClr val="lt1"/>
+            </a:fontRef>
+          </p:style>
+          <p:txBody>
+            <a:bodyPr rtlCol="0" anchor="ctr"/>
+            <a:lstStyle/>
+            <a:p>
+              <a:pPr algn="ctr"/>
+              <a:r>
+                <a:rPr lang="en-US" altLang="ko-KR" sz="1050" dirty="0"/>
+                <a:t>Latch $ADV</a:t>
+              </a:r>
+              <a:endParaRPr lang="ko-KR" altLang="en-US" sz="1050" dirty="0"/>
+            </a:p>
+          </p:txBody>
+        </p:sp>
+        <p:sp>
+          <p:nvSpPr>
+            <p:cNvPr id="4" name="타원 3">
+              <a:extLst>
+                <a:ext uri="{FF2B5EF4-FFF2-40B4-BE49-F238E27FC236}">
+                  <a16:creationId xmlns:a16="http://schemas.microsoft.com/office/drawing/2014/main" id="{8DEA1278-35F2-757D-3B7E-B8F3D3BA7CA2}"/>
+                </a:ext>
+              </a:extLst>
+            </p:cNvPr>
+            <p:cNvSpPr/>
+            <p:nvPr/>
+          </p:nvSpPr>
+          <p:spPr>
+            <a:xfrm>
+              <a:off x="9321240" y="1583036"/>
+              <a:ext cx="758778" cy="499161"/>
+            </a:xfrm>
+            <a:prstGeom prst="ellipse">
+              <a:avLst/>
+            </a:prstGeom>
+            <a:solidFill>
+              <a:schemeClr val="accent4">
+                <a:alpha val="50000"/>
+              </a:schemeClr>
+            </a:solidFill>
+            <a:ln>
+              <a:noFill/>
+            </a:ln>
+          </p:spPr>
+          <p:style>
+            <a:lnRef idx="0">
+              <a:scrgbClr r="0" g="0" b="0"/>
+            </a:lnRef>
+            <a:fillRef idx="0">
+              <a:scrgbClr r="0" g="0" b="0"/>
+            </a:fillRef>
+            <a:effectRef idx="0">
+              <a:scrgbClr r="0" g="0" b="0"/>
+            </a:effectRef>
+            <a:fontRef idx="minor">
+              <a:schemeClr val="lt1"/>
+            </a:fontRef>
+          </p:style>
+          <p:txBody>
+            <a:bodyPr rtlCol="0" anchor="ctr"/>
+            <a:lstStyle/>
+            <a:p>
+              <a:pPr algn="ctr"/>
+              <a:r>
+                <a:rPr lang="en-US" altLang="ko-KR" sz="1050" dirty="0"/>
+                <a:t>Latch $RET</a:t>
+              </a:r>
+              <a:endParaRPr lang="ko-KR" altLang="en-US" sz="1050" dirty="0"/>
+            </a:p>
+          </p:txBody>
+        </p:sp>
+        <p:cxnSp>
+          <p:nvCxnSpPr>
+            <p:cNvPr id="5" name="연결선: 꺾임 4">
+              <a:extLst>
+                <a:ext uri="{FF2B5EF4-FFF2-40B4-BE49-F238E27FC236}">
+                  <a16:creationId xmlns:a16="http://schemas.microsoft.com/office/drawing/2014/main" id="{027F9686-3E3D-8C25-BCE0-DFEA98B13F0F}"/>
+                </a:ext>
+              </a:extLst>
+            </p:cNvPr>
+            <p:cNvCxnSpPr>
+              <a:cxnSpLocks/>
+              <a:stCxn id="3" idx="5"/>
+              <a:endCxn id="4" idx="1"/>
+            </p:cNvCxnSpPr>
+            <p:nvPr/>
+          </p:nvCxnSpPr>
+          <p:spPr>
+            <a:xfrm rot="16200000" flipH="1">
+              <a:off x="8769698" y="993472"/>
+              <a:ext cx="822643" cy="502682"/>
+            </a:xfrm>
+            <a:prstGeom prst="bentConnector3">
+              <a:avLst/>
+            </a:prstGeom>
+            <a:ln>
+              <a:tailEnd type="triangle"/>
+            </a:ln>
+          </p:spPr>
+          <p:style>
+            <a:lnRef idx="1">
+              <a:schemeClr val="accent4"/>
+            </a:lnRef>
+            <a:fillRef idx="0">
+              <a:schemeClr val="accent4"/>
+            </a:fillRef>
+            <a:effectRef idx="0">
+              <a:schemeClr val="accent4"/>
+            </a:effectRef>
+            <a:fontRef idx="minor">
+              <a:schemeClr val="tx1"/>
+            </a:fontRef>
+          </p:style>
+        </p:cxnSp>
+      </p:grpSp>
+      <p:grpSp>
+        <p:nvGrpSpPr>
+          <p:cNvPr id="33" name="그룹 32">
+            <a:extLst>
+              <a:ext uri="{FF2B5EF4-FFF2-40B4-BE49-F238E27FC236}">
+                <a16:creationId xmlns:a16="http://schemas.microsoft.com/office/drawing/2014/main" id="{6BFA305D-2D6E-C23C-D8C8-884D81F2F964}"/>
+              </a:ext>
+            </a:extLst>
+          </p:cNvPr>
+          <p:cNvGrpSpPr/>
+          <p:nvPr/>
+        </p:nvGrpSpPr>
+        <p:grpSpPr>
+          <a:xfrm>
+            <a:off x="6030416" y="2262565"/>
+            <a:ext cx="1601397" cy="1087145"/>
+            <a:chOff x="6037762" y="2062362"/>
+            <a:chExt cx="1601397" cy="1087145"/>
+          </a:xfrm>
+        </p:grpSpPr>
+        <p:sp>
+          <p:nvSpPr>
+            <p:cNvPr id="107" name="직사각형 106">
+              <a:extLst>
+                <a:ext uri="{FF2B5EF4-FFF2-40B4-BE49-F238E27FC236}">
+                  <a16:creationId xmlns:a16="http://schemas.microsoft.com/office/drawing/2014/main" id="{915BD835-DF4D-92B2-20EE-E079F839EBBE}"/>
+                </a:ext>
+              </a:extLst>
+            </p:cNvPr>
+            <p:cNvSpPr/>
+            <p:nvPr/>
+          </p:nvSpPr>
+          <p:spPr>
+            <a:xfrm>
+              <a:off x="6037762" y="2062362"/>
+              <a:ext cx="1531433" cy="1087145"/>
+            </a:xfrm>
+            <a:prstGeom prst="rect">
+              <a:avLst/>
+            </a:prstGeom>
+          </p:spPr>
+          <p:style>
+            <a:lnRef idx="2">
+              <a:schemeClr val="accent1">
+                <a:shade val="15000"/>
+              </a:schemeClr>
+            </a:lnRef>
+            <a:fillRef idx="1">
+              <a:schemeClr val="accent1"/>
+            </a:fillRef>
+            <a:effectRef idx="0">
+              <a:schemeClr val="accent1"/>
+            </a:effectRef>
+            <a:fontRef idx="minor">
+              <a:schemeClr val="lt1"/>
+            </a:fontRef>
+          </p:style>
+          <p:txBody>
+            <a:bodyPr rtlCol="0" anchor="ctr"/>
+            <a:lstStyle/>
+            <a:p>
+              <a:pPr algn="ctr"/>
+              <a:r>
+                <a:rPr lang="en-US" altLang="ko-KR" dirty="0"/>
+                <a:t>R2</a:t>
+              </a:r>
+              <a:endParaRPr lang="ko-KR" altLang="en-US" dirty="0"/>
+            </a:p>
+          </p:txBody>
+        </p:sp>
+        <p:sp>
+          <p:nvSpPr>
+            <p:cNvPr id="26" name="타원 25">
+              <a:extLst>
+                <a:ext uri="{FF2B5EF4-FFF2-40B4-BE49-F238E27FC236}">
+                  <a16:creationId xmlns:a16="http://schemas.microsoft.com/office/drawing/2014/main" id="{ABEE2C8E-BA8C-2B76-DD09-42AF1BB5187D}"/>
+                </a:ext>
+              </a:extLst>
+            </p:cNvPr>
+            <p:cNvSpPr/>
+            <p:nvPr/>
+          </p:nvSpPr>
+          <p:spPr>
+            <a:xfrm>
+              <a:off x="6069663" y="2124211"/>
+              <a:ext cx="758778" cy="499161"/>
+            </a:xfrm>
+            <a:prstGeom prst="ellipse">
+              <a:avLst/>
+            </a:prstGeom>
+            <a:solidFill>
+              <a:schemeClr val="accent4">
+                <a:alpha val="50000"/>
+              </a:schemeClr>
+            </a:solidFill>
+            <a:ln>
+              <a:noFill/>
+            </a:ln>
+          </p:spPr>
+          <p:style>
+            <a:lnRef idx="0">
+              <a:scrgbClr r="0" g="0" b="0"/>
+            </a:lnRef>
+            <a:fillRef idx="0">
+              <a:scrgbClr r="0" g="0" b="0"/>
+            </a:fillRef>
+            <a:effectRef idx="0">
+              <a:scrgbClr r="0" g="0" b="0"/>
+            </a:effectRef>
+            <a:fontRef idx="minor">
+              <a:schemeClr val="lt1"/>
+            </a:fontRef>
+          </p:style>
+          <p:txBody>
+            <a:bodyPr rtlCol="0" anchor="ctr"/>
+            <a:lstStyle/>
+            <a:p>
+              <a:pPr algn="ctr"/>
+              <a:r>
+                <a:rPr lang="en-US" altLang="ko-KR" sz="1050" dirty="0"/>
+                <a:t>Clamp $ADV</a:t>
+              </a:r>
+              <a:endParaRPr lang="ko-KR" altLang="en-US" sz="1050" dirty="0"/>
+            </a:p>
+          </p:txBody>
+        </p:sp>
+        <p:sp>
+          <p:nvSpPr>
+            <p:cNvPr id="28" name="타원 27">
+              <a:extLst>
+                <a:ext uri="{FF2B5EF4-FFF2-40B4-BE49-F238E27FC236}">
+                  <a16:creationId xmlns:a16="http://schemas.microsoft.com/office/drawing/2014/main" id="{D4DAA7DC-6192-4D1B-35A5-F5D032D07073}"/>
+                </a:ext>
+              </a:extLst>
+            </p:cNvPr>
+            <p:cNvSpPr/>
+            <p:nvPr/>
+          </p:nvSpPr>
+          <p:spPr>
+            <a:xfrm>
+              <a:off x="6880381" y="2575343"/>
+              <a:ext cx="758778" cy="499161"/>
+            </a:xfrm>
+            <a:prstGeom prst="ellipse">
+              <a:avLst/>
+            </a:prstGeom>
+            <a:solidFill>
+              <a:schemeClr val="accent4">
+                <a:alpha val="50000"/>
+              </a:schemeClr>
+            </a:solidFill>
+            <a:ln>
+              <a:noFill/>
+            </a:ln>
+          </p:spPr>
+          <p:style>
+            <a:lnRef idx="0">
+              <a:scrgbClr r="0" g="0" b="0"/>
+            </a:lnRef>
+            <a:fillRef idx="0">
+              <a:scrgbClr r="0" g="0" b="0"/>
+            </a:fillRef>
+            <a:effectRef idx="0">
+              <a:scrgbClr r="0" g="0" b="0"/>
+            </a:effectRef>
+            <a:fontRef idx="minor">
+              <a:schemeClr val="lt1"/>
+            </a:fontRef>
+          </p:style>
+          <p:txBody>
+            <a:bodyPr rtlCol="0" anchor="ctr"/>
+            <a:lstStyle/>
+            <a:p>
+              <a:pPr algn="ctr"/>
+              <a:r>
+                <a:rPr lang="en-US" altLang="ko-KR" sz="1050" dirty="0"/>
+                <a:t>Clamp $RET</a:t>
+              </a:r>
+              <a:endParaRPr lang="ko-KR" altLang="en-US" sz="1050" dirty="0"/>
+            </a:p>
+          </p:txBody>
+        </p:sp>
+        <p:cxnSp>
+          <p:nvCxnSpPr>
+            <p:cNvPr id="29" name="연결선: 꺾임 28">
+              <a:extLst>
+                <a:ext uri="{FF2B5EF4-FFF2-40B4-BE49-F238E27FC236}">
+                  <a16:creationId xmlns:a16="http://schemas.microsoft.com/office/drawing/2014/main" id="{2C7C2411-0A06-CFA6-9C89-8E6C7FB3F216}"/>
+                </a:ext>
+              </a:extLst>
+            </p:cNvPr>
+            <p:cNvCxnSpPr>
+              <a:cxnSpLocks/>
+              <a:stCxn id="26" idx="4"/>
+              <a:endCxn id="28" idx="3"/>
+            </p:cNvCxnSpPr>
+            <p:nvPr/>
+          </p:nvCxnSpPr>
+          <p:spPr>
+            <a:xfrm rot="16200000" flipH="1">
+              <a:off x="6531260" y="2541163"/>
+              <a:ext cx="378032" cy="542449"/>
+            </a:xfrm>
+            <a:prstGeom prst="bentConnector3">
+              <a:avLst>
+                <a:gd name="adj1" fmla="val 179808"/>
+              </a:avLst>
+            </a:prstGeom>
+            <a:ln>
+              <a:tailEnd type="triangle"/>
+            </a:ln>
+          </p:spPr>
+          <p:style>
+            <a:lnRef idx="1">
+              <a:schemeClr val="accent4"/>
+            </a:lnRef>
+            <a:fillRef idx="0">
+              <a:schemeClr val="accent4"/>
+            </a:fillRef>
+            <a:effectRef idx="0">
+              <a:schemeClr val="accent4"/>
+            </a:effectRef>
+            <a:fontRef idx="minor">
+              <a:schemeClr val="tx1"/>
+            </a:fontRef>
+          </p:style>
+        </p:cxnSp>
+      </p:grpSp>
+      <p:sp>
+        <p:nvSpPr>
+          <p:cNvPr id="34" name="사각형: 모서리가 접힌 도형 33">
+            <a:extLst>
+              <a:ext uri="{FF2B5EF4-FFF2-40B4-BE49-F238E27FC236}">
+                <a16:creationId xmlns:a16="http://schemas.microsoft.com/office/drawing/2014/main" id="{C3D2AFE5-0603-1136-2006-76B1E50AD071}"/>
+              </a:ext>
+            </a:extLst>
+          </p:cNvPr>
+          <p:cNvSpPr/>
+          <p:nvPr/>
+        </p:nvSpPr>
+        <p:spPr>
+          <a:xfrm>
+            <a:off x="6677415" y="4803028"/>
+            <a:ext cx="2437946" cy="568378"/>
+          </a:xfrm>
+          <a:prstGeom prst="foldedCorner">
+            <a:avLst/>
+          </a:prstGeom>
+          <a:solidFill>
+            <a:schemeClr val="accent3">
+              <a:alpha val="50000"/>
+            </a:schemeClr>
+          </a:solidFill>
+          <a:ln>
+            <a:noFill/>
+          </a:ln>
+        </p:spPr>
+        <p:style>
+          <a:lnRef idx="0">
+            <a:scrgbClr r="0" g="0" b="0"/>
+          </a:lnRef>
+          <a:fillRef idx="0">
+            <a:scrgbClr r="0" g="0" b="0"/>
+          </a:fillRef>
+          <a:effectRef idx="0">
+            <a:scrgbClr r="0" g="0" b="0"/>
+          </a:effectRef>
+          <a:fontRef idx="minor">
+            <a:schemeClr val="lt1"/>
+          </a:fontRef>
+        </p:style>
+        <p:txBody>
+          <a:bodyPr rtlCol="0" anchor="ctr"/>
+          <a:lstStyle/>
+          <a:p>
+            <a:pPr algn="ctr"/>
+            <a:r>
+              <a:rPr lang="en-US" altLang="ko-KR" dirty="0"/>
+              <a:t>lib/Cylinder/Double </a:t>
+            </a:r>
+          </a:p>
+          <a:p>
+            <a:pPr algn="ctr"/>
+            <a:r>
+              <a:rPr lang="en-US" altLang="ko-KR" dirty="0"/>
+              <a:t>[</a:t>
+            </a:r>
+            <a:r>
+              <a:rPr lang="en-US" altLang="ko-KR" dirty="0" err="1"/>
+              <a:t>PinA</a:t>
+            </a:r>
+            <a:r>
+              <a:rPr lang="en-US" altLang="ko-KR" dirty="0"/>
+              <a:t>]</a:t>
+            </a:r>
+            <a:endParaRPr lang="ko-KR" altLang="en-US" dirty="0"/>
+          </a:p>
+        </p:txBody>
+      </p:sp>
+      <p:grpSp>
+        <p:nvGrpSpPr>
+          <p:cNvPr id="44" name="그룹 43">
+            <a:extLst>
+              <a:ext uri="{FF2B5EF4-FFF2-40B4-BE49-F238E27FC236}">
+                <a16:creationId xmlns:a16="http://schemas.microsoft.com/office/drawing/2014/main" id="{E2B50E5B-2B39-4E96-458F-85B96ABBB3B4}"/>
+              </a:ext>
+            </a:extLst>
+          </p:cNvPr>
+          <p:cNvGrpSpPr/>
+          <p:nvPr/>
+        </p:nvGrpSpPr>
+        <p:grpSpPr>
+          <a:xfrm>
+            <a:off x="331486" y="1236651"/>
+            <a:ext cx="5282180" cy="2917639"/>
+            <a:chOff x="331486" y="1236651"/>
+            <a:chExt cx="5282180" cy="2917639"/>
+          </a:xfrm>
+        </p:grpSpPr>
+        <p:grpSp>
+          <p:nvGrpSpPr>
+            <p:cNvPr id="16" name="그룹 15">
+              <a:extLst>
+                <a:ext uri="{FF2B5EF4-FFF2-40B4-BE49-F238E27FC236}">
+                  <a16:creationId xmlns:a16="http://schemas.microsoft.com/office/drawing/2014/main" id="{90FC8CF1-2B85-11A3-58EB-E351DAA6A162}"/>
+                </a:ext>
+              </a:extLst>
+            </p:cNvPr>
+            <p:cNvGrpSpPr/>
+            <p:nvPr/>
+          </p:nvGrpSpPr>
+          <p:grpSpPr>
+            <a:xfrm>
+              <a:off x="331486" y="1236651"/>
+              <a:ext cx="5282180" cy="2917639"/>
+              <a:chOff x="356674" y="1216886"/>
+              <a:chExt cx="5282180" cy="2917639"/>
+            </a:xfrm>
+          </p:grpSpPr>
+          <p:sp>
+            <p:nvSpPr>
+              <p:cNvPr id="94" name="직사각형 93">
+                <a:extLst>
+                  <a:ext uri="{FF2B5EF4-FFF2-40B4-BE49-F238E27FC236}">
+                    <a16:creationId xmlns:a16="http://schemas.microsoft.com/office/drawing/2014/main" id="{50002DFC-06DB-5F32-EB21-2D6DF916CB2E}"/>
+                  </a:ext>
+                </a:extLst>
+              </p:cNvPr>
+              <p:cNvSpPr/>
+              <p:nvPr/>
+            </p:nvSpPr>
+            <p:spPr>
+              <a:xfrm>
+                <a:off x="356674" y="1216886"/>
+                <a:ext cx="5282180" cy="2917639"/>
+              </a:xfrm>
+              <a:prstGeom prst="rect">
+                <a:avLst/>
+              </a:prstGeom>
+            </p:spPr>
+            <p:style>
+              <a:lnRef idx="2">
+                <a:schemeClr val="accent1">
+                  <a:shade val="15000"/>
+                </a:schemeClr>
+              </a:lnRef>
+              <a:fillRef idx="1">
+                <a:schemeClr val="accent1"/>
+              </a:fillRef>
+              <a:effectRef idx="0">
+                <a:schemeClr val="accent1"/>
+              </a:effectRef>
+              <a:fontRef idx="minor">
+                <a:schemeClr val="lt1"/>
+              </a:fontRef>
+            </p:style>
+            <p:txBody>
+              <a:bodyPr rtlCol="0" anchor="ctr"/>
+              <a:lstStyle/>
+              <a:p>
+                <a:pPr algn="ctr"/>
+                <a:r>
+                  <a:rPr lang="en-US" altLang="ko-KR" dirty="0"/>
+                  <a:t>R1</a:t>
+                </a:r>
+                <a:endParaRPr lang="ko-KR" altLang="en-US" dirty="0"/>
+              </a:p>
+            </p:txBody>
+          </p:sp>
+          <p:sp>
+            <p:nvSpPr>
+              <p:cNvPr id="10" name="타원 9">
+                <a:extLst>
+                  <a:ext uri="{FF2B5EF4-FFF2-40B4-BE49-F238E27FC236}">
+                    <a16:creationId xmlns:a16="http://schemas.microsoft.com/office/drawing/2014/main" id="{FCDAA94B-9830-4764-06B1-1D60DCB829DC}"/>
+                  </a:ext>
+                </a:extLst>
+              </p:cNvPr>
+              <p:cNvSpPr/>
+              <p:nvPr/>
+            </p:nvSpPr>
+            <p:spPr>
+              <a:xfrm>
+                <a:off x="859603" y="1881292"/>
+                <a:ext cx="758778" cy="499161"/>
+              </a:xfrm>
+              <a:prstGeom prst="ellipse">
+                <a:avLst/>
+              </a:prstGeom>
+              <a:solidFill>
+                <a:schemeClr val="accent4">
+                  <a:alpha val="50000"/>
+                </a:schemeClr>
+              </a:solidFill>
+              <a:ln>
+                <a:noFill/>
+              </a:ln>
+            </p:spPr>
+            <p:style>
+              <a:lnRef idx="0">
+                <a:scrgbClr r="0" g="0" b="0"/>
+              </a:lnRef>
+              <a:fillRef idx="0">
+                <a:scrgbClr r="0" g="0" b="0"/>
+              </a:fillRef>
+              <a:effectRef idx="0">
+                <a:scrgbClr r="0" g="0" b="0"/>
+              </a:effectRef>
+              <a:fontRef idx="minor">
+                <a:schemeClr val="lt1"/>
+              </a:fontRef>
+            </p:style>
+            <p:txBody>
+              <a:bodyPr rtlCol="0" anchor="ctr"/>
+              <a:lstStyle/>
+              <a:p>
+                <a:pPr algn="ctr"/>
+                <a:r>
+                  <a:rPr lang="en-US" altLang="ko-KR" sz="1050" dirty="0" err="1"/>
+                  <a:t>PinA</a:t>
+                </a:r>
+                <a:r>
+                  <a:rPr lang="en-US" altLang="ko-KR" sz="1050" dirty="0"/>
+                  <a:t> $ADV</a:t>
+                </a:r>
+                <a:endParaRPr lang="ko-KR" altLang="en-US" sz="1050" dirty="0"/>
+              </a:p>
+            </p:txBody>
+          </p:sp>
+          <p:sp>
+            <p:nvSpPr>
+              <p:cNvPr id="11" name="타원 10">
+                <a:extLst>
+                  <a:ext uri="{FF2B5EF4-FFF2-40B4-BE49-F238E27FC236}">
+                    <a16:creationId xmlns:a16="http://schemas.microsoft.com/office/drawing/2014/main" id="{97560454-D4B5-A91B-3FF0-846F2FC2FD93}"/>
+                  </a:ext>
+                </a:extLst>
+              </p:cNvPr>
+              <p:cNvSpPr/>
+              <p:nvPr/>
+            </p:nvSpPr>
+            <p:spPr>
+              <a:xfrm>
+                <a:off x="1898822" y="3056896"/>
+                <a:ext cx="758778" cy="499161"/>
+              </a:xfrm>
+              <a:prstGeom prst="ellipse">
+                <a:avLst/>
+              </a:prstGeom>
+              <a:solidFill>
+                <a:schemeClr val="accent4">
+                  <a:alpha val="50000"/>
+                </a:schemeClr>
+              </a:solidFill>
+              <a:ln>
+                <a:noFill/>
+              </a:ln>
+            </p:spPr>
+            <p:style>
+              <a:lnRef idx="0">
+                <a:scrgbClr r="0" g="0" b="0"/>
+              </a:lnRef>
+              <a:fillRef idx="0">
+                <a:scrgbClr r="0" g="0" b="0"/>
+              </a:fillRef>
+              <a:effectRef idx="0">
+                <a:scrgbClr r="0" g="0" b="0"/>
+              </a:effectRef>
+              <a:fontRef idx="minor">
+                <a:schemeClr val="lt1"/>
+              </a:fontRef>
+            </p:style>
+            <p:txBody>
+              <a:bodyPr rtlCol="0" anchor="ctr"/>
+              <a:lstStyle/>
+              <a:p>
+                <a:pPr algn="ctr"/>
+                <a:r>
+                  <a:rPr lang="en-US" altLang="ko-KR" sz="1050" dirty="0" err="1"/>
+                  <a:t>PinA</a:t>
+                </a:r>
+                <a:r>
+                  <a:rPr lang="en-US" altLang="ko-KR" sz="1050" dirty="0"/>
+                  <a:t> $RET</a:t>
+                </a:r>
+                <a:endParaRPr lang="ko-KR" altLang="en-US" sz="1050" dirty="0"/>
+              </a:p>
+            </p:txBody>
+          </p:sp>
+          <p:cxnSp>
+            <p:nvCxnSpPr>
+              <p:cNvPr id="12" name="연결선: 꺾임 11">
+                <a:extLst>
+                  <a:ext uri="{FF2B5EF4-FFF2-40B4-BE49-F238E27FC236}">
+                    <a16:creationId xmlns:a16="http://schemas.microsoft.com/office/drawing/2014/main" id="{B82D86F6-686A-9B3A-FAFB-D9CA95D6B9EE}"/>
+                  </a:ext>
+                </a:extLst>
+              </p:cNvPr>
+              <p:cNvCxnSpPr>
+                <a:cxnSpLocks/>
+                <a:stCxn id="10" idx="5"/>
+                <a:endCxn id="11" idx="1"/>
+              </p:cNvCxnSpPr>
+              <p:nvPr/>
+            </p:nvCxnSpPr>
+            <p:spPr>
+              <a:xfrm rot="16200000" flipH="1">
+                <a:off x="1347280" y="2467332"/>
+                <a:ext cx="822643" cy="502682"/>
+              </a:xfrm>
+              <a:prstGeom prst="bentConnector3">
+                <a:avLst/>
+              </a:prstGeom>
+              <a:ln>
+                <a:tailEnd type="triangle"/>
+              </a:ln>
+            </p:spPr>
+            <p:style>
+              <a:lnRef idx="1">
+                <a:schemeClr val="accent4"/>
+              </a:lnRef>
+              <a:fillRef idx="0">
+                <a:schemeClr val="accent4"/>
+              </a:fillRef>
+              <a:effectRef idx="0">
+                <a:schemeClr val="accent4"/>
+              </a:effectRef>
+              <a:fontRef idx="minor">
+                <a:schemeClr val="tx1"/>
+              </a:fontRef>
+            </p:style>
+          </p:cxnSp>
+        </p:grpSp>
+        <p:sp>
+          <p:nvSpPr>
+            <p:cNvPr id="35" name="타원 34">
+              <a:extLst>
+                <a:ext uri="{FF2B5EF4-FFF2-40B4-BE49-F238E27FC236}">
+                  <a16:creationId xmlns:a16="http://schemas.microsoft.com/office/drawing/2014/main" id="{012DE983-D75D-B7F5-3F82-C437BB089E4F}"/>
+                </a:ext>
+              </a:extLst>
+            </p:cNvPr>
+            <p:cNvSpPr/>
+            <p:nvPr/>
+          </p:nvSpPr>
+          <p:spPr>
+            <a:xfrm>
+              <a:off x="2779948" y="1729131"/>
+              <a:ext cx="758778" cy="499161"/>
+            </a:xfrm>
+            <a:prstGeom prst="ellipse">
+              <a:avLst/>
+            </a:prstGeom>
+            <a:solidFill>
+              <a:schemeClr val="accent4">
+                <a:alpha val="50000"/>
+              </a:schemeClr>
+            </a:solidFill>
+            <a:ln>
+              <a:noFill/>
+            </a:ln>
+          </p:spPr>
+          <p:style>
+            <a:lnRef idx="0">
+              <a:scrgbClr r="0" g="0" b="0"/>
+            </a:lnRef>
+            <a:fillRef idx="0">
+              <a:scrgbClr r="0" g="0" b="0"/>
+            </a:fillRef>
+            <a:effectRef idx="0">
+              <a:scrgbClr r="0" g="0" b="0"/>
+            </a:effectRef>
+            <a:fontRef idx="minor">
+              <a:schemeClr val="lt1"/>
+            </a:fontRef>
+          </p:style>
+          <p:txBody>
+            <a:bodyPr rtlCol="0" anchor="ctr"/>
+            <a:lstStyle/>
+            <a:p>
+              <a:pPr algn="ctr"/>
+              <a:r>
+                <a:rPr lang="en-US" altLang="ko-KR" sz="1050" dirty="0" err="1"/>
+                <a:t>PinB</a:t>
+              </a:r>
+              <a:r>
+                <a:rPr lang="en-US" altLang="ko-KR" sz="1050" dirty="0"/>
+                <a:t> $ADV</a:t>
+              </a:r>
+              <a:endParaRPr lang="ko-KR" altLang="en-US" sz="1050" dirty="0"/>
+            </a:p>
+          </p:txBody>
+        </p:sp>
+        <p:sp>
+          <p:nvSpPr>
+            <p:cNvPr id="36" name="타원 35">
+              <a:extLst>
+                <a:ext uri="{FF2B5EF4-FFF2-40B4-BE49-F238E27FC236}">
+                  <a16:creationId xmlns:a16="http://schemas.microsoft.com/office/drawing/2014/main" id="{7E254FA6-B087-A662-0AA6-33D09FCECEDF}"/>
+                </a:ext>
+              </a:extLst>
+            </p:cNvPr>
+            <p:cNvSpPr/>
+            <p:nvPr/>
+          </p:nvSpPr>
+          <p:spPr>
+            <a:xfrm>
+              <a:off x="3819167" y="2904735"/>
+              <a:ext cx="758778" cy="499161"/>
+            </a:xfrm>
+            <a:prstGeom prst="ellipse">
+              <a:avLst/>
+            </a:prstGeom>
+            <a:solidFill>
+              <a:schemeClr val="accent4">
+                <a:alpha val="50000"/>
+              </a:schemeClr>
+            </a:solidFill>
+            <a:ln>
+              <a:noFill/>
+            </a:ln>
+          </p:spPr>
+          <p:style>
+            <a:lnRef idx="0">
+              <a:scrgbClr r="0" g="0" b="0"/>
+            </a:lnRef>
+            <a:fillRef idx="0">
+              <a:scrgbClr r="0" g="0" b="0"/>
+            </a:fillRef>
+            <a:effectRef idx="0">
+              <a:scrgbClr r="0" g="0" b="0"/>
+            </a:effectRef>
+            <a:fontRef idx="minor">
+              <a:schemeClr val="lt1"/>
+            </a:fontRef>
+          </p:style>
+          <p:txBody>
+            <a:bodyPr rtlCol="0" anchor="ctr"/>
+            <a:lstStyle/>
+            <a:p>
+              <a:pPr algn="ctr"/>
+              <a:r>
+                <a:rPr lang="en-US" altLang="ko-KR" sz="1050" dirty="0" err="1"/>
+                <a:t>PinB</a:t>
+              </a:r>
+              <a:r>
+                <a:rPr lang="en-US" altLang="ko-KR" sz="1050" dirty="0"/>
+                <a:t> $RET</a:t>
+              </a:r>
+              <a:endParaRPr lang="ko-KR" altLang="en-US" sz="1050" dirty="0"/>
+            </a:p>
+          </p:txBody>
+        </p:sp>
+        <p:cxnSp>
+          <p:nvCxnSpPr>
+            <p:cNvPr id="37" name="연결선: 꺾임 36">
+              <a:extLst>
+                <a:ext uri="{FF2B5EF4-FFF2-40B4-BE49-F238E27FC236}">
+                  <a16:creationId xmlns:a16="http://schemas.microsoft.com/office/drawing/2014/main" id="{B154AC2D-B472-8895-75AE-FC5DCF5D6EDB}"/>
+                </a:ext>
+              </a:extLst>
+            </p:cNvPr>
+            <p:cNvCxnSpPr>
+              <a:cxnSpLocks/>
+              <a:stCxn id="35" idx="5"/>
+              <a:endCxn id="36" idx="1"/>
+            </p:cNvCxnSpPr>
+            <p:nvPr/>
+          </p:nvCxnSpPr>
+          <p:spPr>
+            <a:xfrm rot="16200000" flipH="1">
+              <a:off x="3267625" y="2315171"/>
+              <a:ext cx="822643" cy="502682"/>
+            </a:xfrm>
+            <a:prstGeom prst="bentConnector3">
+              <a:avLst/>
+            </a:prstGeom>
+            <a:ln>
+              <a:tailEnd type="triangle"/>
+            </a:ln>
+          </p:spPr>
+          <p:style>
+            <a:lnRef idx="1">
+              <a:schemeClr val="accent4"/>
+            </a:lnRef>
+            <a:fillRef idx="0">
+              <a:schemeClr val="accent4"/>
+            </a:fillRef>
+            <a:effectRef idx="0">
+              <a:schemeClr val="accent4"/>
+            </a:effectRef>
+            <a:fontRef idx="minor">
+              <a:schemeClr val="tx1"/>
+            </a:fontRef>
+          </p:style>
+        </p:cxnSp>
+        <p:cxnSp>
+          <p:nvCxnSpPr>
+            <p:cNvPr id="38" name="연결선: 꺾임 37">
+              <a:extLst>
+                <a:ext uri="{FF2B5EF4-FFF2-40B4-BE49-F238E27FC236}">
+                  <a16:creationId xmlns:a16="http://schemas.microsoft.com/office/drawing/2014/main" id="{9FEC5249-886D-4E91-096E-1136ED2A4E38}"/>
+                </a:ext>
+              </a:extLst>
+            </p:cNvPr>
+            <p:cNvCxnSpPr>
+              <a:cxnSpLocks/>
+              <a:stCxn id="10" idx="6"/>
+              <a:endCxn id="35" idx="2"/>
+            </p:cNvCxnSpPr>
+            <p:nvPr/>
+          </p:nvCxnSpPr>
+          <p:spPr>
+            <a:xfrm flipV="1">
+              <a:off x="1593193" y="1978712"/>
+              <a:ext cx="1186755" cy="171926"/>
+            </a:xfrm>
+            <a:prstGeom prst="bentConnector3">
+              <a:avLst/>
+            </a:prstGeom>
+            <a:ln>
+              <a:tailEnd type="triangle"/>
+            </a:ln>
+          </p:spPr>
+          <p:style>
+            <a:lnRef idx="1">
+              <a:schemeClr val="accent4"/>
+            </a:lnRef>
+            <a:fillRef idx="0">
+              <a:schemeClr val="accent4"/>
+            </a:fillRef>
+            <a:effectRef idx="0">
+              <a:schemeClr val="accent4"/>
+            </a:effectRef>
+            <a:fontRef idx="minor">
+              <a:schemeClr val="tx1"/>
+            </a:fontRef>
+          </p:style>
+        </p:cxnSp>
+        <p:cxnSp>
+          <p:nvCxnSpPr>
+            <p:cNvPr id="41" name="연결선: 꺾임 40">
+              <a:extLst>
+                <a:ext uri="{FF2B5EF4-FFF2-40B4-BE49-F238E27FC236}">
+                  <a16:creationId xmlns:a16="http://schemas.microsoft.com/office/drawing/2014/main" id="{0FB9EC74-793F-271C-E581-BC517FD8F9E9}"/>
+                </a:ext>
+              </a:extLst>
+            </p:cNvPr>
+            <p:cNvCxnSpPr>
+              <a:cxnSpLocks/>
+              <a:stCxn id="11" idx="6"/>
+              <a:endCxn id="36" idx="2"/>
+            </p:cNvCxnSpPr>
+            <p:nvPr/>
+          </p:nvCxnSpPr>
+          <p:spPr>
+            <a:xfrm flipV="1">
+              <a:off x="2632412" y="3154316"/>
+              <a:ext cx="1186755" cy="171926"/>
+            </a:xfrm>
+            <a:prstGeom prst="bentConnector3">
+              <a:avLst>
+                <a:gd name="adj1" fmla="val 50000"/>
+              </a:avLst>
+            </a:prstGeom>
+            <a:ln>
+              <a:tailEnd type="triangle"/>
+            </a:ln>
+          </p:spPr>
+          <p:style>
+            <a:lnRef idx="1">
+              <a:schemeClr val="accent4"/>
+            </a:lnRef>
+            <a:fillRef idx="0">
+              <a:schemeClr val="accent4"/>
+            </a:fillRef>
+            <a:effectRef idx="0">
+              <a:schemeClr val="accent4"/>
+            </a:effectRef>
+            <a:fontRef idx="minor">
+              <a:schemeClr val="tx1"/>
+            </a:fontRef>
+          </p:style>
+        </p:cxnSp>
+      </p:grpSp>
+    </p:spTree>
+    <p:extLst>
+      <p:ext uri="{BB962C8B-B14F-4D97-AF65-F5344CB8AC3E}">
+        <p14:creationId xmlns:p14="http://schemas.microsoft.com/office/powerpoint/2010/main" val="2547884442"/>
+      </p:ext>
+    </p:extLst>
+  </p:cSld>
+  <p:clrMapOvr>
+    <a:masterClrMapping/>
+  </p:clrMapOvr>
+</p:sld>
+</file>
+
+<file path=ppt/slides/slide9.xml><?xml version="1.0" encoding="utf-8"?>
 <p:sld xmlns:a="http://schemas.openxmlformats.org/drawingml/2006/main" xmlns:r="http://schemas.openxmlformats.org/officeDocument/2006/relationships" xmlns:p="http://schemas.openxmlformats.org/presentationml/2006/main" show="0">
   <p:cSld>
     <p:spTree>
@@ -26187,1197 +29153,6 @@
     <p:extLst>
       <p:ext uri="{BB962C8B-B14F-4D97-AF65-F5344CB8AC3E}">
         <p14:creationId xmlns:p14="http://schemas.microsoft.com/office/powerpoint/2010/main" val="2276412121"/>
-      </p:ext>
-    </p:extLst>
-  </p:cSld>
-  <p:clrMapOvr>
-    <a:masterClrMapping/>
-  </p:clrMapOvr>
-</p:sld>
-</file>
-
-<file path=ppt/slides/slide9.xml><?xml version="1.0" encoding="utf-8"?>
-<p:sld xmlns:a="http://schemas.openxmlformats.org/drawingml/2006/main" xmlns:r="http://schemas.openxmlformats.org/officeDocument/2006/relationships" xmlns:p="http://schemas.openxmlformats.org/presentationml/2006/main" show="0">
-  <p:cSld>
-    <p:spTree>
-      <p:nvGrpSpPr>
-        <p:cNvPr id="1" name=""/>
-        <p:cNvGrpSpPr/>
-        <p:nvPr/>
-      </p:nvGrpSpPr>
-      <p:grpSpPr>
-        <a:xfrm>
-          <a:off x="0" y="0"/>
-          <a:ext cx="0" cy="0"/>
-          <a:chOff x="0" y="0"/>
-          <a:chExt cx="0" cy="0"/>
-        </a:xfrm>
-      </p:grpSpPr>
-      <p:sp>
-        <p:nvSpPr>
-          <p:cNvPr id="2" name="제목 1">
-            <a:extLst>
-              <a:ext uri="{FF2B5EF4-FFF2-40B4-BE49-F238E27FC236}">
-                <a16:creationId xmlns:a16="http://schemas.microsoft.com/office/drawing/2014/main" id="{5E8FE27E-4086-E570-1BA4-F2B433CAA376}"/>
-              </a:ext>
-            </a:extLst>
-          </p:cNvPr>
-          <p:cNvSpPr>
-            <a:spLocks noGrp="1"/>
-          </p:cNvSpPr>
-          <p:nvPr>
-            <p:ph type="title"/>
-          </p:nvPr>
-        </p:nvSpPr>
-        <p:spPr/>
-        <p:txBody>
-          <a:bodyPr/>
-          <a:lstStyle/>
-          <a:p>
-            <a:r>
-              <a:rPr lang="en-US" altLang="ko-KR" sz="4400" dirty="0"/>
-              <a:t>FEX</a:t>
-            </a:r>
-            <a:endParaRPr lang="ko-KR" altLang="en-US" dirty="0"/>
-          </a:p>
-        </p:txBody>
-      </p:sp>
-      <p:sp>
-        <p:nvSpPr>
-          <p:cNvPr id="42" name="화살표: 오각형 41">
-            <a:extLst>
-              <a:ext uri="{FF2B5EF4-FFF2-40B4-BE49-F238E27FC236}">
-                <a16:creationId xmlns:a16="http://schemas.microsoft.com/office/drawing/2014/main" id="{2F89300B-092D-5CED-C5FE-5B8BE106F031}"/>
-              </a:ext>
-            </a:extLst>
-          </p:cNvPr>
-          <p:cNvSpPr/>
-          <p:nvPr/>
-        </p:nvSpPr>
-        <p:spPr>
-          <a:xfrm flipH="1">
-            <a:off x="-71505" y="3121460"/>
-            <a:ext cx="1233582" cy="690024"/>
-          </a:xfrm>
-          <a:prstGeom prst="homePlate">
-            <a:avLst/>
-          </a:prstGeom>
-          <a:solidFill>
-            <a:schemeClr val="accent2">
-              <a:alpha val="50000"/>
-            </a:schemeClr>
-          </a:solidFill>
-          <a:ln>
-            <a:noFill/>
-          </a:ln>
-        </p:spPr>
-        <p:style>
-          <a:lnRef idx="0">
-            <a:scrgbClr r="0" g="0" b="0"/>
-          </a:lnRef>
-          <a:fillRef idx="0">
-            <a:scrgbClr r="0" g="0" b="0"/>
-          </a:fillRef>
-          <a:effectRef idx="0">
-            <a:scrgbClr r="0" g="0" b="0"/>
-          </a:effectRef>
-          <a:fontRef idx="minor">
-            <a:schemeClr val="lt1"/>
-          </a:fontRef>
-        </p:style>
-        <p:txBody>
-          <a:bodyPr vert="horz" wrap="none" lIns="91440" tIns="45720" rIns="91440" bIns="45720" numCol="1" rtlCol="0" anchor="ctr" anchorCtr="0" compatLnSpc="1">
-            <a:prstTxWarp prst="textNoShape">
-              <a:avLst/>
-            </a:prstTxWarp>
-          </a:bodyPr>
-          <a:lstStyle/>
-          <a:p>
-            <a:pPr algn="ctr"/>
-            <a:r>
-              <a:rPr lang="en-US" altLang="ko-KR" sz="1200" dirty="0">
-                <a:ea typeface="현대하모니 M" panose="02020603020101020101"/>
-              </a:rPr>
-              <a:t>API1</a:t>
-            </a:r>
-          </a:p>
-          <a:p>
-            <a:pPr algn="ctr"/>
-            <a:r>
-              <a:rPr lang="en-US" altLang="ko-KR" sz="1200" dirty="0">
-                <a:ea typeface="현대하모니 M" panose="02020603020101020101"/>
-              </a:rPr>
-              <a:t>[</a:t>
-            </a:r>
-            <a:r>
-              <a:rPr lang="en-US" altLang="ko-KR" sz="1200" dirty="0" err="1">
-                <a:ea typeface="현대하모니 M" panose="02020603020101020101"/>
-              </a:rPr>
-              <a:t>R1~R2</a:t>
-            </a:r>
-            <a:r>
-              <a:rPr lang="en-US" altLang="ko-KR" sz="1200" dirty="0">
-                <a:ea typeface="현대하모니 M" panose="02020603020101020101"/>
-              </a:rPr>
-              <a:t>]</a:t>
-            </a:r>
-            <a:endParaRPr lang="ko-KR" altLang="en-US" sz="1200" dirty="0">
-              <a:ea typeface="현대하모니 M" panose="02020603020101020101"/>
-            </a:endParaRPr>
-          </a:p>
-        </p:txBody>
-      </p:sp>
-      <p:sp>
-        <p:nvSpPr>
-          <p:cNvPr id="44" name="화살표: 오각형 43">
-            <a:extLst>
-              <a:ext uri="{FF2B5EF4-FFF2-40B4-BE49-F238E27FC236}">
-                <a16:creationId xmlns:a16="http://schemas.microsoft.com/office/drawing/2014/main" id="{AA65BDF8-B9CD-00FB-C4EB-97887425723E}"/>
-              </a:ext>
-            </a:extLst>
-          </p:cNvPr>
-          <p:cNvSpPr/>
-          <p:nvPr/>
-        </p:nvSpPr>
-        <p:spPr>
-          <a:xfrm flipH="1">
-            <a:off x="-71506" y="3900938"/>
-            <a:ext cx="1233582" cy="690024"/>
-          </a:xfrm>
-          <a:prstGeom prst="homePlate">
-            <a:avLst/>
-          </a:prstGeom>
-          <a:solidFill>
-            <a:schemeClr val="accent2">
-              <a:alpha val="50000"/>
-            </a:schemeClr>
-          </a:solidFill>
-          <a:ln>
-            <a:noFill/>
-          </a:ln>
-        </p:spPr>
-        <p:style>
-          <a:lnRef idx="0">
-            <a:scrgbClr r="0" g="0" b="0"/>
-          </a:lnRef>
-          <a:fillRef idx="0">
-            <a:scrgbClr r="0" g="0" b="0"/>
-          </a:fillRef>
-          <a:effectRef idx="0">
-            <a:scrgbClr r="0" g="0" b="0"/>
-          </a:effectRef>
-          <a:fontRef idx="minor">
-            <a:schemeClr val="lt1"/>
-          </a:fontRef>
-        </p:style>
-        <p:txBody>
-          <a:bodyPr vert="horz" wrap="none" lIns="91440" tIns="45720" rIns="91440" bIns="45720" numCol="1" rtlCol="0" anchor="ctr" anchorCtr="0" compatLnSpc="1">
-            <a:prstTxWarp prst="textNoShape">
-              <a:avLst/>
-            </a:prstTxWarp>
-          </a:bodyPr>
-          <a:lstStyle/>
-          <a:p>
-            <a:pPr algn="ctr"/>
-            <a:r>
-              <a:rPr lang="en-US" altLang="ko-KR" sz="1200" dirty="0">
-                <a:ea typeface="현대하모니 M" panose="02020603020101020101"/>
-              </a:rPr>
-              <a:t>API2</a:t>
-            </a:r>
-          </a:p>
-          <a:p>
-            <a:pPr algn="ctr"/>
-            <a:r>
-              <a:rPr lang="en-US" altLang="ko-KR" sz="1200" dirty="0">
-                <a:ea typeface="현대하모니 M" panose="02020603020101020101"/>
-              </a:rPr>
-              <a:t>[</a:t>
-            </a:r>
-            <a:r>
-              <a:rPr lang="en-US" altLang="ko-KR" sz="1200" dirty="0" err="1">
-                <a:ea typeface="현대하모니 M" panose="02020603020101020101"/>
-              </a:rPr>
-              <a:t>R4~R6</a:t>
-            </a:r>
-            <a:r>
-              <a:rPr lang="en-US" altLang="ko-KR" sz="1200" dirty="0">
-                <a:ea typeface="현대하모니 M" panose="02020603020101020101"/>
-              </a:rPr>
-              <a:t>]</a:t>
-            </a:r>
-            <a:endParaRPr lang="ko-KR" altLang="en-US" sz="1200" dirty="0">
-              <a:ea typeface="현대하모니 M" panose="02020603020101020101"/>
-            </a:endParaRPr>
-          </a:p>
-        </p:txBody>
-      </p:sp>
-      <p:cxnSp>
-        <p:nvCxnSpPr>
-          <p:cNvPr id="45" name="연결선: 꺾임 44">
-            <a:extLst>
-              <a:ext uri="{FF2B5EF4-FFF2-40B4-BE49-F238E27FC236}">
-                <a16:creationId xmlns:a16="http://schemas.microsoft.com/office/drawing/2014/main" id="{B2E87DD6-491A-DFA6-EF05-57E3DE69FB3E}"/>
-              </a:ext>
-            </a:extLst>
-          </p:cNvPr>
-          <p:cNvCxnSpPr>
-            <a:cxnSpLocks/>
-            <a:stCxn id="44" idx="1"/>
-            <a:endCxn id="42" idx="1"/>
-          </p:cNvCxnSpPr>
-          <p:nvPr/>
-        </p:nvCxnSpPr>
-        <p:spPr>
-          <a:xfrm flipV="1">
-            <a:off x="1162076" y="3466472"/>
-            <a:ext cx="1" cy="779478"/>
-          </a:xfrm>
-          <a:prstGeom prst="bentConnector3">
-            <a:avLst>
-              <a:gd name="adj1" fmla="val 22860100000"/>
-            </a:avLst>
-          </a:prstGeom>
-          <a:ln w="57150">
-            <a:solidFill>
-              <a:schemeClr val="accent6"/>
-            </a:solidFill>
-            <a:prstDash val="dash"/>
-            <a:headEnd type="triangle" w="med" len="med"/>
-            <a:tailEnd type="triangle" w="med" len="med"/>
-          </a:ln>
-        </p:spPr>
-        <p:style>
-          <a:lnRef idx="1">
-            <a:schemeClr val="accent1"/>
-          </a:lnRef>
-          <a:fillRef idx="0">
-            <a:schemeClr val="accent1"/>
-          </a:fillRef>
-          <a:effectRef idx="0">
-            <a:schemeClr val="accent1"/>
-          </a:effectRef>
-          <a:fontRef idx="minor">
-            <a:schemeClr val="tx1"/>
-          </a:fontRef>
-        </p:style>
-      </p:cxnSp>
-      <p:sp>
-        <p:nvSpPr>
-          <p:cNvPr id="56" name="직사각형 55">
-            <a:extLst>
-              <a:ext uri="{FF2B5EF4-FFF2-40B4-BE49-F238E27FC236}">
-                <a16:creationId xmlns:a16="http://schemas.microsoft.com/office/drawing/2014/main" id="{B59930BF-EFE8-0861-D55E-FEAC7FD46A32}"/>
-              </a:ext>
-            </a:extLst>
-          </p:cNvPr>
-          <p:cNvSpPr/>
-          <p:nvPr/>
-        </p:nvSpPr>
-        <p:spPr>
-          <a:xfrm>
-            <a:off x="3367314" y="2622445"/>
-            <a:ext cx="1103086" cy="1066431"/>
-          </a:xfrm>
-          <a:prstGeom prst="rect">
-            <a:avLst/>
-          </a:prstGeom>
-          <a:solidFill>
-            <a:schemeClr val="accent4">
-              <a:alpha val="50000"/>
-            </a:schemeClr>
-          </a:solidFill>
-          <a:ln>
-            <a:noFill/>
-          </a:ln>
-        </p:spPr>
-        <p:style>
-          <a:lnRef idx="0">
-            <a:scrgbClr r="0" g="0" b="0"/>
-          </a:lnRef>
-          <a:fillRef idx="0">
-            <a:scrgbClr r="0" g="0" b="0"/>
-          </a:fillRef>
-          <a:effectRef idx="0">
-            <a:scrgbClr r="0" g="0" b="0"/>
-          </a:effectRef>
-          <a:fontRef idx="minor">
-            <a:schemeClr val="lt1"/>
-          </a:fontRef>
-        </p:style>
-        <p:txBody>
-          <a:bodyPr rtlCol="0" anchor="ctr"/>
-          <a:lstStyle/>
-          <a:p>
-            <a:pPr algn="ctr"/>
-            <a:r>
-              <a:rPr lang="en-US" altLang="ko-KR" sz="1200" dirty="0"/>
-              <a:t>R1</a:t>
-            </a:r>
-            <a:endParaRPr lang="ko-KR" altLang="en-US" sz="1200" dirty="0"/>
-          </a:p>
-        </p:txBody>
-      </p:sp>
-      <p:sp>
-        <p:nvSpPr>
-          <p:cNvPr id="57" name="직사각형 56">
-            <a:extLst>
-              <a:ext uri="{FF2B5EF4-FFF2-40B4-BE49-F238E27FC236}">
-                <a16:creationId xmlns:a16="http://schemas.microsoft.com/office/drawing/2014/main" id="{BC6400FF-5524-4038-3024-EDBA75033DA4}"/>
-              </a:ext>
-            </a:extLst>
-          </p:cNvPr>
-          <p:cNvSpPr/>
-          <p:nvPr/>
-        </p:nvSpPr>
-        <p:spPr>
-          <a:xfrm>
-            <a:off x="5152571" y="2622445"/>
-            <a:ext cx="1103086" cy="1066431"/>
-          </a:xfrm>
-          <a:prstGeom prst="rect">
-            <a:avLst/>
-          </a:prstGeom>
-          <a:solidFill>
-            <a:schemeClr val="accent4">
-              <a:alpha val="50000"/>
-            </a:schemeClr>
-          </a:solidFill>
-          <a:ln>
-            <a:noFill/>
-          </a:ln>
-        </p:spPr>
-        <p:style>
-          <a:lnRef idx="0">
-            <a:scrgbClr r="0" g="0" b="0"/>
-          </a:lnRef>
-          <a:fillRef idx="0">
-            <a:scrgbClr r="0" g="0" b="0"/>
-          </a:fillRef>
-          <a:effectRef idx="0">
-            <a:scrgbClr r="0" g="0" b="0"/>
-          </a:effectRef>
-          <a:fontRef idx="minor">
-            <a:schemeClr val="lt1"/>
-          </a:fontRef>
-        </p:style>
-        <p:txBody>
-          <a:bodyPr rtlCol="0" anchor="ctr"/>
-          <a:lstStyle/>
-          <a:p>
-            <a:pPr algn="ctr"/>
-            <a:r>
-              <a:rPr lang="en-US" altLang="ko-KR" sz="1200" dirty="0"/>
-              <a:t>R2</a:t>
-            </a:r>
-            <a:endParaRPr lang="ko-KR" altLang="en-US" sz="1200" dirty="0"/>
-          </a:p>
-        </p:txBody>
-      </p:sp>
-      <p:sp>
-        <p:nvSpPr>
-          <p:cNvPr id="58" name="직사각형 57">
-            <a:extLst>
-              <a:ext uri="{FF2B5EF4-FFF2-40B4-BE49-F238E27FC236}">
-                <a16:creationId xmlns:a16="http://schemas.microsoft.com/office/drawing/2014/main" id="{AC60E36D-ED89-20DC-649C-AC6A71988D99}"/>
-              </a:ext>
-            </a:extLst>
-          </p:cNvPr>
-          <p:cNvSpPr/>
-          <p:nvPr/>
-        </p:nvSpPr>
-        <p:spPr>
-          <a:xfrm>
-            <a:off x="6937828" y="2622445"/>
-            <a:ext cx="1103086" cy="1066431"/>
-          </a:xfrm>
-          <a:prstGeom prst="rect">
-            <a:avLst/>
-          </a:prstGeom>
-          <a:solidFill>
-            <a:schemeClr val="accent4">
-              <a:alpha val="50000"/>
-            </a:schemeClr>
-          </a:solidFill>
-          <a:ln>
-            <a:noFill/>
-          </a:ln>
-        </p:spPr>
-        <p:style>
-          <a:lnRef idx="0">
-            <a:scrgbClr r="0" g="0" b="0"/>
-          </a:lnRef>
-          <a:fillRef idx="0">
-            <a:scrgbClr r="0" g="0" b="0"/>
-          </a:fillRef>
-          <a:effectRef idx="0">
-            <a:scrgbClr r="0" g="0" b="0"/>
-          </a:effectRef>
-          <a:fontRef idx="minor">
-            <a:schemeClr val="lt1"/>
-          </a:fontRef>
-        </p:style>
-        <p:txBody>
-          <a:bodyPr rtlCol="0" anchor="ctr"/>
-          <a:lstStyle/>
-          <a:p>
-            <a:pPr algn="ctr"/>
-            <a:r>
-              <a:rPr lang="en-US" altLang="ko-KR" sz="1200" dirty="0"/>
-              <a:t>R3</a:t>
-            </a:r>
-            <a:endParaRPr lang="ko-KR" altLang="en-US" sz="1200" dirty="0"/>
-          </a:p>
-        </p:txBody>
-      </p:sp>
-      <p:cxnSp>
-        <p:nvCxnSpPr>
-          <p:cNvPr id="60" name="직선 화살표 연결선 59">
-            <a:extLst>
-              <a:ext uri="{FF2B5EF4-FFF2-40B4-BE49-F238E27FC236}">
-                <a16:creationId xmlns:a16="http://schemas.microsoft.com/office/drawing/2014/main" id="{212CABAB-11EC-E692-772C-DCB98D8A7446}"/>
-              </a:ext>
-            </a:extLst>
-          </p:cNvPr>
-          <p:cNvCxnSpPr>
-            <a:cxnSpLocks/>
-            <a:stCxn id="56" idx="3"/>
-            <a:endCxn id="57" idx="1"/>
-          </p:cNvCxnSpPr>
-          <p:nvPr/>
-        </p:nvCxnSpPr>
-        <p:spPr>
-          <a:xfrm>
-            <a:off x="4470400" y="3155661"/>
-            <a:ext cx="682171" cy="0"/>
-          </a:xfrm>
-          <a:prstGeom prst="straightConnector1">
-            <a:avLst/>
-          </a:prstGeom>
-          <a:ln w="57150">
-            <a:tailEnd type="triangle"/>
-          </a:ln>
-        </p:spPr>
-        <p:style>
-          <a:lnRef idx="1">
-            <a:schemeClr val="accent1"/>
-          </a:lnRef>
-          <a:fillRef idx="0">
-            <a:schemeClr val="accent1"/>
-          </a:fillRef>
-          <a:effectRef idx="0">
-            <a:schemeClr val="accent1"/>
-          </a:effectRef>
-          <a:fontRef idx="minor">
-            <a:schemeClr val="tx1"/>
-          </a:fontRef>
-        </p:style>
-      </p:cxnSp>
-      <p:cxnSp>
-        <p:nvCxnSpPr>
-          <p:cNvPr id="61" name="직선 화살표 연결선 60">
-            <a:extLst>
-              <a:ext uri="{FF2B5EF4-FFF2-40B4-BE49-F238E27FC236}">
-                <a16:creationId xmlns:a16="http://schemas.microsoft.com/office/drawing/2014/main" id="{3DD5BD68-5DED-63DC-6E32-E19170A965EF}"/>
-              </a:ext>
-            </a:extLst>
-          </p:cNvPr>
-          <p:cNvCxnSpPr>
-            <a:cxnSpLocks/>
-            <a:stCxn id="57" idx="3"/>
-            <a:endCxn id="58" idx="1"/>
-          </p:cNvCxnSpPr>
-          <p:nvPr/>
-        </p:nvCxnSpPr>
-        <p:spPr>
-          <a:xfrm>
-            <a:off x="6255657" y="3155661"/>
-            <a:ext cx="682171" cy="0"/>
-          </a:xfrm>
-          <a:prstGeom prst="straightConnector1">
-            <a:avLst/>
-          </a:prstGeom>
-          <a:ln w="57150">
-            <a:tailEnd type="triangle"/>
-          </a:ln>
-        </p:spPr>
-        <p:style>
-          <a:lnRef idx="1">
-            <a:schemeClr val="accent1"/>
-          </a:lnRef>
-          <a:fillRef idx="0">
-            <a:schemeClr val="accent1"/>
-          </a:fillRef>
-          <a:effectRef idx="0">
-            <a:schemeClr val="accent1"/>
-          </a:effectRef>
-          <a:fontRef idx="minor">
-            <a:schemeClr val="tx1"/>
-          </a:fontRef>
-        </p:style>
-      </p:cxnSp>
-      <p:sp>
-        <p:nvSpPr>
-          <p:cNvPr id="67" name="직사각형 66">
-            <a:extLst>
-              <a:ext uri="{FF2B5EF4-FFF2-40B4-BE49-F238E27FC236}">
-                <a16:creationId xmlns:a16="http://schemas.microsoft.com/office/drawing/2014/main" id="{6CD07698-261E-1C80-B0B9-45488C6F0EF0}"/>
-              </a:ext>
-            </a:extLst>
-          </p:cNvPr>
-          <p:cNvSpPr/>
-          <p:nvPr/>
-        </p:nvSpPr>
-        <p:spPr>
-          <a:xfrm>
-            <a:off x="4310743" y="4778872"/>
-            <a:ext cx="1103086" cy="1066431"/>
-          </a:xfrm>
-          <a:prstGeom prst="rect">
-            <a:avLst/>
-          </a:prstGeom>
-          <a:solidFill>
-            <a:schemeClr val="accent4">
-              <a:alpha val="50000"/>
-            </a:schemeClr>
-          </a:solidFill>
-          <a:ln>
-            <a:noFill/>
-          </a:ln>
-        </p:spPr>
-        <p:style>
-          <a:lnRef idx="0">
-            <a:scrgbClr r="0" g="0" b="0"/>
-          </a:lnRef>
-          <a:fillRef idx="0">
-            <a:scrgbClr r="0" g="0" b="0"/>
-          </a:fillRef>
-          <a:effectRef idx="0">
-            <a:scrgbClr r="0" g="0" b="0"/>
-          </a:effectRef>
-          <a:fontRef idx="minor">
-            <a:schemeClr val="lt1"/>
-          </a:fontRef>
-        </p:style>
-        <p:txBody>
-          <a:bodyPr rtlCol="0" anchor="ctr"/>
-          <a:lstStyle/>
-          <a:p>
-            <a:pPr algn="ctr"/>
-            <a:r>
-              <a:rPr lang="en-US" altLang="ko-KR" sz="1200" dirty="0"/>
-              <a:t>R4</a:t>
-            </a:r>
-            <a:endParaRPr lang="ko-KR" altLang="en-US" sz="1200" dirty="0"/>
-          </a:p>
-        </p:txBody>
-      </p:sp>
-      <p:sp>
-        <p:nvSpPr>
-          <p:cNvPr id="68" name="직사각형 67">
-            <a:extLst>
-              <a:ext uri="{FF2B5EF4-FFF2-40B4-BE49-F238E27FC236}">
-                <a16:creationId xmlns:a16="http://schemas.microsoft.com/office/drawing/2014/main" id="{B94BB7DD-A7A7-F819-BF18-8F8A7E87882F}"/>
-              </a:ext>
-            </a:extLst>
-          </p:cNvPr>
-          <p:cNvSpPr/>
-          <p:nvPr/>
-        </p:nvSpPr>
-        <p:spPr>
-          <a:xfrm>
-            <a:off x="6096000" y="4778872"/>
-            <a:ext cx="1103086" cy="1066431"/>
-          </a:xfrm>
-          <a:prstGeom prst="rect">
-            <a:avLst/>
-          </a:prstGeom>
-          <a:solidFill>
-            <a:schemeClr val="accent4">
-              <a:alpha val="50000"/>
-            </a:schemeClr>
-          </a:solidFill>
-          <a:ln>
-            <a:noFill/>
-          </a:ln>
-        </p:spPr>
-        <p:style>
-          <a:lnRef idx="0">
-            <a:scrgbClr r="0" g="0" b="0"/>
-          </a:lnRef>
-          <a:fillRef idx="0">
-            <a:scrgbClr r="0" g="0" b="0"/>
-          </a:fillRef>
-          <a:effectRef idx="0">
-            <a:scrgbClr r="0" g="0" b="0"/>
-          </a:effectRef>
-          <a:fontRef idx="minor">
-            <a:schemeClr val="lt1"/>
-          </a:fontRef>
-        </p:style>
-        <p:txBody>
-          <a:bodyPr rtlCol="0" anchor="ctr"/>
-          <a:lstStyle/>
-          <a:p>
-            <a:pPr algn="ctr"/>
-            <a:r>
-              <a:rPr lang="en-US" altLang="ko-KR" sz="1200" dirty="0"/>
-              <a:t>R5</a:t>
-            </a:r>
-            <a:endParaRPr lang="ko-KR" altLang="en-US" sz="1200" dirty="0"/>
-          </a:p>
-        </p:txBody>
-      </p:sp>
-      <p:sp>
-        <p:nvSpPr>
-          <p:cNvPr id="69" name="직사각형 68">
-            <a:extLst>
-              <a:ext uri="{FF2B5EF4-FFF2-40B4-BE49-F238E27FC236}">
-                <a16:creationId xmlns:a16="http://schemas.microsoft.com/office/drawing/2014/main" id="{E6BDE77E-6A37-11C1-D34D-AD3171D69A07}"/>
-              </a:ext>
-            </a:extLst>
-          </p:cNvPr>
-          <p:cNvSpPr/>
-          <p:nvPr/>
-        </p:nvSpPr>
-        <p:spPr>
-          <a:xfrm>
-            <a:off x="7881257" y="4778872"/>
-            <a:ext cx="1103086" cy="1066431"/>
-          </a:xfrm>
-          <a:prstGeom prst="rect">
-            <a:avLst/>
-          </a:prstGeom>
-          <a:solidFill>
-            <a:schemeClr val="accent4">
-              <a:alpha val="50000"/>
-            </a:schemeClr>
-          </a:solidFill>
-          <a:ln>
-            <a:noFill/>
-          </a:ln>
-        </p:spPr>
-        <p:style>
-          <a:lnRef idx="0">
-            <a:scrgbClr r="0" g="0" b="0"/>
-          </a:lnRef>
-          <a:fillRef idx="0">
-            <a:scrgbClr r="0" g="0" b="0"/>
-          </a:fillRef>
-          <a:effectRef idx="0">
-            <a:scrgbClr r="0" g="0" b="0"/>
-          </a:effectRef>
-          <a:fontRef idx="minor">
-            <a:schemeClr val="lt1"/>
-          </a:fontRef>
-        </p:style>
-        <p:txBody>
-          <a:bodyPr rtlCol="0" anchor="ctr"/>
-          <a:lstStyle/>
-          <a:p>
-            <a:pPr algn="ctr"/>
-            <a:r>
-              <a:rPr lang="en-US" altLang="ko-KR" sz="1200" dirty="0"/>
-              <a:t>R6</a:t>
-            </a:r>
-            <a:endParaRPr lang="ko-KR" altLang="en-US" sz="1200" dirty="0"/>
-          </a:p>
-        </p:txBody>
-      </p:sp>
-      <p:cxnSp>
-        <p:nvCxnSpPr>
-          <p:cNvPr id="70" name="직선 화살표 연결선 69">
-            <a:extLst>
-              <a:ext uri="{FF2B5EF4-FFF2-40B4-BE49-F238E27FC236}">
-                <a16:creationId xmlns:a16="http://schemas.microsoft.com/office/drawing/2014/main" id="{624AE606-11A5-F72E-34D2-5DFDEE5E8C33}"/>
-              </a:ext>
-            </a:extLst>
-          </p:cNvPr>
-          <p:cNvCxnSpPr>
-            <a:cxnSpLocks/>
-            <a:stCxn id="67" idx="3"/>
-            <a:endCxn id="68" idx="1"/>
-          </p:cNvCxnSpPr>
-          <p:nvPr/>
-        </p:nvCxnSpPr>
-        <p:spPr>
-          <a:xfrm>
-            <a:off x="5413829" y="5312088"/>
-            <a:ext cx="682171" cy="0"/>
-          </a:xfrm>
-          <a:prstGeom prst="straightConnector1">
-            <a:avLst/>
-          </a:prstGeom>
-          <a:ln w="57150">
-            <a:tailEnd type="triangle"/>
-          </a:ln>
-        </p:spPr>
-        <p:style>
-          <a:lnRef idx="1">
-            <a:schemeClr val="accent1"/>
-          </a:lnRef>
-          <a:fillRef idx="0">
-            <a:schemeClr val="accent1"/>
-          </a:fillRef>
-          <a:effectRef idx="0">
-            <a:schemeClr val="accent1"/>
-          </a:effectRef>
-          <a:fontRef idx="minor">
-            <a:schemeClr val="tx1"/>
-          </a:fontRef>
-        </p:style>
-      </p:cxnSp>
-      <p:cxnSp>
-        <p:nvCxnSpPr>
-          <p:cNvPr id="71" name="직선 화살표 연결선 70">
-            <a:extLst>
-              <a:ext uri="{FF2B5EF4-FFF2-40B4-BE49-F238E27FC236}">
-                <a16:creationId xmlns:a16="http://schemas.microsoft.com/office/drawing/2014/main" id="{2D3C963E-2D9B-C387-0BCA-7F22ACDF94D2}"/>
-              </a:ext>
-            </a:extLst>
-          </p:cNvPr>
-          <p:cNvCxnSpPr>
-            <a:cxnSpLocks/>
-            <a:stCxn id="68" idx="3"/>
-            <a:endCxn id="69" idx="1"/>
-          </p:cNvCxnSpPr>
-          <p:nvPr/>
-        </p:nvCxnSpPr>
-        <p:spPr>
-          <a:xfrm>
-            <a:off x="7199086" y="5312088"/>
-            <a:ext cx="682171" cy="0"/>
-          </a:xfrm>
-          <a:prstGeom prst="straightConnector1">
-            <a:avLst/>
-          </a:prstGeom>
-          <a:ln w="57150">
-            <a:tailEnd type="triangle"/>
-          </a:ln>
-        </p:spPr>
-        <p:style>
-          <a:lnRef idx="1">
-            <a:schemeClr val="accent1"/>
-          </a:lnRef>
-          <a:fillRef idx="0">
-            <a:schemeClr val="accent1"/>
-          </a:fillRef>
-          <a:effectRef idx="0">
-            <a:schemeClr val="accent1"/>
-          </a:effectRef>
-          <a:fontRef idx="minor">
-            <a:schemeClr val="tx1"/>
-          </a:fontRef>
-        </p:style>
-      </p:cxnSp>
-      <p:sp>
-        <p:nvSpPr>
-          <p:cNvPr id="80" name="화살표: 오각형 79">
-            <a:extLst>
-              <a:ext uri="{FF2B5EF4-FFF2-40B4-BE49-F238E27FC236}">
-                <a16:creationId xmlns:a16="http://schemas.microsoft.com/office/drawing/2014/main" id="{CB5747B3-AC8A-5B6E-FCF3-6ABFB0F2E1BE}"/>
-              </a:ext>
-            </a:extLst>
-          </p:cNvPr>
-          <p:cNvSpPr/>
-          <p:nvPr/>
-        </p:nvSpPr>
-        <p:spPr>
-          <a:xfrm>
-            <a:off x="10948270" y="3179519"/>
-            <a:ext cx="1233577" cy="690024"/>
-          </a:xfrm>
-          <a:prstGeom prst="homePlate">
-            <a:avLst/>
-          </a:prstGeom>
-          <a:solidFill>
-            <a:schemeClr val="accent2">
-              <a:alpha val="50000"/>
-            </a:schemeClr>
-          </a:solidFill>
-          <a:ln>
-            <a:noFill/>
-          </a:ln>
-        </p:spPr>
-        <p:style>
-          <a:lnRef idx="0">
-            <a:scrgbClr r="0" g="0" b="0"/>
-          </a:lnRef>
-          <a:fillRef idx="0">
-            <a:scrgbClr r="0" g="0" b="0"/>
-          </a:fillRef>
-          <a:effectRef idx="0">
-            <a:scrgbClr r="0" g="0" b="0"/>
-          </a:effectRef>
-          <a:fontRef idx="minor">
-            <a:schemeClr val="lt1"/>
-          </a:fontRef>
-        </p:style>
-        <p:txBody>
-          <a:bodyPr vert="horz" wrap="none" lIns="91440" tIns="45720" rIns="91440" bIns="45720" numCol="1" rtlCol="0" anchor="ctr" anchorCtr="0" compatLnSpc="1">
-            <a:prstTxWarp prst="textNoShape">
-              <a:avLst/>
-            </a:prstTxWarp>
-          </a:bodyPr>
-          <a:lstStyle/>
-          <a:p>
-            <a:pPr algn="ctr"/>
-            <a:r>
-              <a:rPr lang="en-US" altLang="ko-KR" sz="1200" dirty="0" err="1">
-                <a:ea typeface="현대하모니 M" panose="02020603020101020101"/>
-              </a:rPr>
-              <a:t>API3</a:t>
-            </a:r>
-            <a:endParaRPr lang="en-US" altLang="ko-KR" sz="1200" dirty="0">
-              <a:ea typeface="현대하모니 M" panose="02020603020101020101"/>
-            </a:endParaRPr>
-          </a:p>
-          <a:p>
-            <a:pPr algn="ctr"/>
-            <a:r>
-              <a:rPr lang="en-US" altLang="ko-KR" sz="1200" dirty="0">
-                <a:ea typeface="현대하모니 M" panose="02020603020101020101"/>
-              </a:rPr>
-              <a:t>[</a:t>
-            </a:r>
-            <a:r>
-              <a:rPr lang="en-US" altLang="ko-KR" sz="1200" dirty="0" err="1">
-                <a:ea typeface="현대하모니 M" panose="02020603020101020101"/>
-              </a:rPr>
-              <a:t>R2~R5</a:t>
-            </a:r>
-            <a:r>
-              <a:rPr lang="en-US" altLang="ko-KR" sz="1200" dirty="0">
-                <a:ea typeface="현대하모니 M" panose="02020603020101020101"/>
-              </a:rPr>
-              <a:t>]</a:t>
-            </a:r>
-            <a:endParaRPr lang="ko-KR" altLang="en-US" sz="1200" dirty="0">
-              <a:ea typeface="현대하모니 M" panose="02020603020101020101"/>
-            </a:endParaRPr>
-          </a:p>
-        </p:txBody>
-      </p:sp>
-      <p:sp>
-        <p:nvSpPr>
-          <p:cNvPr id="81" name="화살표: 오각형 80">
-            <a:extLst>
-              <a:ext uri="{FF2B5EF4-FFF2-40B4-BE49-F238E27FC236}">
-                <a16:creationId xmlns:a16="http://schemas.microsoft.com/office/drawing/2014/main" id="{11D9824B-9C79-1754-1358-CAFCD5BF3EA9}"/>
-              </a:ext>
-            </a:extLst>
-          </p:cNvPr>
-          <p:cNvSpPr/>
-          <p:nvPr/>
-        </p:nvSpPr>
-        <p:spPr>
-          <a:xfrm>
-            <a:off x="10948269" y="3958997"/>
-            <a:ext cx="1233577" cy="690024"/>
-          </a:xfrm>
-          <a:prstGeom prst="homePlate">
-            <a:avLst/>
-          </a:prstGeom>
-          <a:solidFill>
-            <a:schemeClr val="accent2">
-              <a:alpha val="50000"/>
-            </a:schemeClr>
-          </a:solidFill>
-          <a:ln>
-            <a:noFill/>
-          </a:ln>
-        </p:spPr>
-        <p:style>
-          <a:lnRef idx="0">
-            <a:scrgbClr r="0" g="0" b="0"/>
-          </a:lnRef>
-          <a:fillRef idx="0">
-            <a:scrgbClr r="0" g="0" b="0"/>
-          </a:fillRef>
-          <a:effectRef idx="0">
-            <a:scrgbClr r="0" g="0" b="0"/>
-          </a:effectRef>
-          <a:fontRef idx="minor">
-            <a:schemeClr val="lt1"/>
-          </a:fontRef>
-        </p:style>
-        <p:txBody>
-          <a:bodyPr vert="horz" wrap="none" lIns="91440" tIns="45720" rIns="91440" bIns="45720" numCol="1" rtlCol="0" anchor="ctr" anchorCtr="0" compatLnSpc="1">
-            <a:prstTxWarp prst="textNoShape">
-              <a:avLst/>
-            </a:prstTxWarp>
-          </a:bodyPr>
-          <a:lstStyle/>
-          <a:p>
-            <a:pPr algn="ctr"/>
-            <a:r>
-              <a:rPr lang="en-US" altLang="ko-KR" sz="1200" dirty="0" err="1">
-                <a:ea typeface="현대하모니 M" panose="02020603020101020101"/>
-              </a:rPr>
-              <a:t>API4</a:t>
-            </a:r>
-            <a:endParaRPr lang="en-US" altLang="ko-KR" sz="1200" dirty="0">
-              <a:ea typeface="현대하모니 M" panose="02020603020101020101"/>
-            </a:endParaRPr>
-          </a:p>
-          <a:p>
-            <a:pPr algn="ctr"/>
-            <a:r>
-              <a:rPr lang="en-US" altLang="ko-KR" sz="1200" dirty="0">
-                <a:ea typeface="현대하모니 M" panose="02020603020101020101"/>
-              </a:rPr>
-              <a:t>[R1;R4~]</a:t>
-            </a:r>
-            <a:endParaRPr lang="ko-KR" altLang="en-US" sz="1200" dirty="0">
-              <a:ea typeface="현대하모니 M" panose="02020603020101020101"/>
-            </a:endParaRPr>
-          </a:p>
-        </p:txBody>
-      </p:sp>
-      <p:cxnSp>
-        <p:nvCxnSpPr>
-          <p:cNvPr id="82" name="연결선: 꺾임 81">
-            <a:extLst>
-              <a:ext uri="{FF2B5EF4-FFF2-40B4-BE49-F238E27FC236}">
-                <a16:creationId xmlns:a16="http://schemas.microsoft.com/office/drawing/2014/main" id="{F7145B42-2C09-D6CE-2298-12CF80CB6686}"/>
-              </a:ext>
-            </a:extLst>
-          </p:cNvPr>
-          <p:cNvCxnSpPr>
-            <a:cxnSpLocks/>
-            <a:stCxn id="81" idx="1"/>
-            <a:endCxn id="80" idx="1"/>
-          </p:cNvCxnSpPr>
-          <p:nvPr/>
-        </p:nvCxnSpPr>
-        <p:spPr>
-          <a:xfrm rot="10800000" flipH="1">
-            <a:off x="10948268" y="3524531"/>
-            <a:ext cx="1" cy="779478"/>
-          </a:xfrm>
-          <a:prstGeom prst="bentConnector3">
-            <a:avLst>
-              <a:gd name="adj1" fmla="val -22860000000"/>
-            </a:avLst>
-          </a:prstGeom>
-          <a:ln w="57150">
-            <a:solidFill>
-              <a:schemeClr val="accent6"/>
-            </a:solidFill>
-            <a:prstDash val="dash"/>
-            <a:headEnd type="triangle" w="med" len="med"/>
-            <a:tailEnd type="triangle" w="med" len="med"/>
-          </a:ln>
-        </p:spPr>
-        <p:style>
-          <a:lnRef idx="1">
-            <a:schemeClr val="accent1"/>
-          </a:lnRef>
-          <a:fillRef idx="0">
-            <a:schemeClr val="accent1"/>
-          </a:fillRef>
-          <a:effectRef idx="0">
-            <a:schemeClr val="accent1"/>
-          </a:effectRef>
-          <a:fontRef idx="minor">
-            <a:schemeClr val="tx1"/>
-          </a:fontRef>
-        </p:style>
-      </p:cxnSp>
-      <p:cxnSp>
-        <p:nvCxnSpPr>
-          <p:cNvPr id="4" name="연결선: 꺾임 3">
-            <a:extLst>
-              <a:ext uri="{FF2B5EF4-FFF2-40B4-BE49-F238E27FC236}">
-                <a16:creationId xmlns:a16="http://schemas.microsoft.com/office/drawing/2014/main" id="{4E54C3BB-7447-B34B-FBA0-7CDE26CE0B30}"/>
-              </a:ext>
-            </a:extLst>
-          </p:cNvPr>
-          <p:cNvCxnSpPr>
-            <a:cxnSpLocks/>
-            <a:stCxn id="68" idx="0"/>
-            <a:endCxn id="57" idx="2"/>
-          </p:cNvCxnSpPr>
-          <p:nvPr/>
-        </p:nvCxnSpPr>
-        <p:spPr>
-          <a:xfrm rot="16200000" flipV="1">
-            <a:off x="5630831" y="3762159"/>
-            <a:ext cx="1089996" cy="943429"/>
-          </a:xfrm>
-          <a:prstGeom prst="bentConnector3">
-            <a:avLst>
-              <a:gd name="adj1" fmla="val 50000"/>
-            </a:avLst>
-          </a:prstGeom>
-          <a:ln w="57150">
-            <a:solidFill>
-              <a:schemeClr val="accent6"/>
-            </a:solidFill>
-            <a:prstDash val="dash"/>
-            <a:headEnd type="triangle" w="med" len="med"/>
-            <a:tailEnd type="triangle" w="med" len="med"/>
-          </a:ln>
-        </p:spPr>
-        <p:style>
-          <a:lnRef idx="1">
-            <a:schemeClr val="accent1"/>
-          </a:lnRef>
-          <a:fillRef idx="0">
-            <a:schemeClr val="accent1"/>
-          </a:fillRef>
-          <a:effectRef idx="0">
-            <a:schemeClr val="accent1"/>
-          </a:effectRef>
-          <a:fontRef idx="minor">
-            <a:schemeClr val="tx1"/>
-          </a:fontRef>
-        </p:style>
-      </p:cxnSp>
-      <p:cxnSp>
-        <p:nvCxnSpPr>
-          <p:cNvPr id="12" name="연결선: 꺾임 11">
-            <a:extLst>
-              <a:ext uri="{FF2B5EF4-FFF2-40B4-BE49-F238E27FC236}">
-                <a16:creationId xmlns:a16="http://schemas.microsoft.com/office/drawing/2014/main" id="{7F33A159-63C2-73E5-0693-383E04CD8793}"/>
-              </a:ext>
-            </a:extLst>
-          </p:cNvPr>
-          <p:cNvCxnSpPr>
-            <a:cxnSpLocks/>
-            <a:stCxn id="67" idx="0"/>
-            <a:endCxn id="56" idx="2"/>
-          </p:cNvCxnSpPr>
-          <p:nvPr/>
-        </p:nvCxnSpPr>
-        <p:spPr>
-          <a:xfrm rot="16200000" flipV="1">
-            <a:off x="3845574" y="3762159"/>
-            <a:ext cx="1089996" cy="943429"/>
-          </a:xfrm>
-          <a:prstGeom prst="bentConnector3">
-            <a:avLst>
-              <a:gd name="adj1" fmla="val 50000"/>
-            </a:avLst>
-          </a:prstGeom>
-          <a:ln w="57150">
-            <a:solidFill>
-              <a:schemeClr val="accent6"/>
-            </a:solidFill>
-            <a:prstDash val="dash"/>
-            <a:headEnd type="triangle" w="med" len="med"/>
-            <a:tailEnd type="triangle" w="med" len="med"/>
-          </a:ln>
-        </p:spPr>
-        <p:style>
-          <a:lnRef idx="1">
-            <a:schemeClr val="accent1"/>
-          </a:lnRef>
-          <a:fillRef idx="0">
-            <a:schemeClr val="accent1"/>
-          </a:fillRef>
-          <a:effectRef idx="0">
-            <a:schemeClr val="accent1"/>
-          </a:effectRef>
-          <a:fontRef idx="minor">
-            <a:schemeClr val="tx1"/>
-          </a:fontRef>
-        </p:style>
-      </p:cxnSp>
-      <p:cxnSp>
-        <p:nvCxnSpPr>
-          <p:cNvPr id="6" name="직선 화살표 연결선 5">
-            <a:extLst>
-              <a:ext uri="{FF2B5EF4-FFF2-40B4-BE49-F238E27FC236}">
-                <a16:creationId xmlns:a16="http://schemas.microsoft.com/office/drawing/2014/main" id="{DF280476-EF41-7429-66AB-F6B3AF2625F8}"/>
-              </a:ext>
-            </a:extLst>
-          </p:cNvPr>
-          <p:cNvCxnSpPr>
-            <a:cxnSpLocks/>
-            <a:stCxn id="56" idx="2"/>
-            <a:endCxn id="69" idx="0"/>
-          </p:cNvCxnSpPr>
-          <p:nvPr/>
-        </p:nvCxnSpPr>
-        <p:spPr>
-          <a:xfrm>
-            <a:off x="3918857" y="3688876"/>
-            <a:ext cx="4513943" cy="1089996"/>
-          </a:xfrm>
-          <a:prstGeom prst="straightConnector1">
-            <a:avLst/>
-          </a:prstGeom>
-          <a:ln w="57150" cmpd="dbl">
-            <a:prstDash val="dashDot"/>
-            <a:headEnd type="none" w="med" len="med"/>
-            <a:tailEnd type="triangle" w="med" len="med"/>
-          </a:ln>
-        </p:spPr>
-        <p:style>
-          <a:lnRef idx="1">
-            <a:schemeClr val="accent1"/>
-          </a:lnRef>
-          <a:fillRef idx="0">
-            <a:schemeClr val="accent1"/>
-          </a:fillRef>
-          <a:effectRef idx="0">
-            <a:schemeClr val="accent1"/>
-          </a:effectRef>
-          <a:fontRef idx="minor">
-            <a:schemeClr val="tx1"/>
-          </a:fontRef>
-        </p:style>
-      </p:cxnSp>
-      <p:cxnSp>
-        <p:nvCxnSpPr>
-          <p:cNvPr id="7" name="직선 화살표 연결선 6">
-            <a:extLst>
-              <a:ext uri="{FF2B5EF4-FFF2-40B4-BE49-F238E27FC236}">
-                <a16:creationId xmlns:a16="http://schemas.microsoft.com/office/drawing/2014/main" id="{EE7EB334-56BE-83F0-B0C4-34EB1942DC1A}"/>
-              </a:ext>
-            </a:extLst>
-          </p:cNvPr>
-          <p:cNvCxnSpPr>
-            <a:cxnSpLocks/>
-            <a:stCxn id="67" idx="0"/>
-            <a:endCxn id="58" idx="2"/>
-          </p:cNvCxnSpPr>
-          <p:nvPr/>
-        </p:nvCxnSpPr>
-        <p:spPr>
-          <a:xfrm flipV="1">
-            <a:off x="4862286" y="3688876"/>
-            <a:ext cx="2627085" cy="1089996"/>
-          </a:xfrm>
-          <a:prstGeom prst="straightConnector1">
-            <a:avLst/>
-          </a:prstGeom>
-          <a:ln w="57150" cmpd="dbl">
-            <a:prstDash val="dashDot"/>
-            <a:headEnd type="none" w="med" len="med"/>
-            <a:tailEnd type="triangle" w="med" len="med"/>
-          </a:ln>
-        </p:spPr>
-        <p:style>
-          <a:lnRef idx="1">
-            <a:schemeClr val="accent1"/>
-          </a:lnRef>
-          <a:fillRef idx="0">
-            <a:schemeClr val="accent1"/>
-          </a:fillRef>
-          <a:effectRef idx="0">
-            <a:schemeClr val="accent1"/>
-          </a:effectRef>
-          <a:fontRef idx="minor">
-            <a:schemeClr val="tx1"/>
-          </a:fontRef>
-        </p:style>
-      </p:cxnSp>
-    </p:spTree>
-    <p:extLst>
-      <p:ext uri="{BB962C8B-B14F-4D97-AF65-F5344CB8AC3E}">
-        <p14:creationId xmlns:p14="http://schemas.microsoft.com/office/powerpoint/2010/main" val="1094555352"/>
       </p:ext>
     </p:extLst>
   </p:cSld>

--- a/DsDotNet/src/UnitTest/UnitTest.Model/ImportOfficeExample/Sample/s.pptx
+++ b/DsDotNet/src/UnitTest/UnitTest.Model/ImportOfficeExample/Sample/s.pptx
@@ -5,10 +5,10 @@
     <p:sldMasterId id="2147483687" r:id="rId1"/>
   </p:sldMasterIdLst>
   <p:notesMasterIdLst>
-    <p:notesMasterId r:id="rId25"/>
+    <p:notesMasterId r:id="rId27"/>
   </p:notesMasterIdLst>
   <p:handoutMasterIdLst>
-    <p:handoutMasterId r:id="rId26"/>
+    <p:handoutMasterId r:id="rId28"/>
   </p:handoutMasterIdLst>
   <p:sldIdLst>
     <p:sldId id="614" r:id="rId2"/>
@@ -19,21 +19,23 @@
     <p:sldId id="722" r:id="rId7"/>
     <p:sldId id="719" r:id="rId8"/>
     <p:sldId id="723" r:id="rId9"/>
-    <p:sldId id="717" r:id="rId10"/>
-    <p:sldId id="629" r:id="rId11"/>
-    <p:sldId id="716" r:id="rId12"/>
-    <p:sldId id="625" r:id="rId13"/>
-    <p:sldId id="627" r:id="rId14"/>
-    <p:sldId id="628" r:id="rId15"/>
-    <p:sldId id="631" r:id="rId16"/>
-    <p:sldId id="632" r:id="rId17"/>
-    <p:sldId id="618" r:id="rId18"/>
-    <p:sldId id="615" r:id="rId19"/>
-    <p:sldId id="621" r:id="rId20"/>
-    <p:sldId id="714" r:id="rId21"/>
-    <p:sldId id="715" r:id="rId22"/>
-    <p:sldId id="607" r:id="rId23"/>
-    <p:sldId id="633" r:id="rId24"/>
+    <p:sldId id="724" r:id="rId10"/>
+    <p:sldId id="725" r:id="rId11"/>
+    <p:sldId id="717" r:id="rId12"/>
+    <p:sldId id="629" r:id="rId13"/>
+    <p:sldId id="716" r:id="rId14"/>
+    <p:sldId id="625" r:id="rId15"/>
+    <p:sldId id="627" r:id="rId16"/>
+    <p:sldId id="628" r:id="rId17"/>
+    <p:sldId id="631" r:id="rId18"/>
+    <p:sldId id="632" r:id="rId19"/>
+    <p:sldId id="618" r:id="rId20"/>
+    <p:sldId id="615" r:id="rId21"/>
+    <p:sldId id="621" r:id="rId22"/>
+    <p:sldId id="714" r:id="rId23"/>
+    <p:sldId id="715" r:id="rId24"/>
+    <p:sldId id="607" r:id="rId25"/>
+    <p:sldId id="633" r:id="rId26"/>
   </p:sldIdLst>
   <p:sldSz cx="12192000" cy="6858000"/>
   <p:notesSz cx="6797675" cy="9926638"/>
@@ -237,7 +239,7 @@
           <a:p>
             <a:fld id="{DD503887-5801-43A0-AEF9-041E8DDC2558}" type="datetimeFigureOut">
               <a:rPr lang="ko-KR" altLang="en-US" smtClean="0"/>
-              <a:t>2023-08-10</a:t>
+              <a:t>2023-08-17</a:t>
             </a:fld>
             <a:endParaRPr lang="ko-KR" altLang="en-US" dirty="0"/>
           </a:p>
@@ -414,7 +416,7 @@
           <a:p>
             <a:fld id="{95336A0E-57B1-4D4C-BD9B-2F72B5943464}" type="datetimeFigureOut">
               <a:rPr lang="ko-KR" altLang="en-US" smtClean="0"/>
-              <a:t>2023-08-10</a:t>
+              <a:t>2023-08-17</a:t>
             </a:fld>
             <a:endParaRPr lang="ko-KR" altLang="en-US" dirty="0"/>
           </a:p>
@@ -912,7 +914,7 @@
           <a:p>
             <a:fld id="{229D12C7-0FF5-4972-A033-474EFFC79F40}" type="datetime1">
               <a:rPr lang="ko-KR" altLang="en-US" smtClean="0"/>
-              <a:t>2023-08-10</a:t>
+              <a:t>2023-08-17</a:t>
             </a:fld>
             <a:endParaRPr lang="ko-KR" altLang="en-US" dirty="0"/>
           </a:p>
@@ -1110,7 +1112,7 @@
           <a:p>
             <a:fld id="{5BA19FD4-B052-4F56-8FD8-EAFD078DEFB0}" type="datetime1">
               <a:rPr lang="ko-KR" altLang="en-US" smtClean="0"/>
-              <a:t>2023-08-10</a:t>
+              <a:t>2023-08-17</a:t>
             </a:fld>
             <a:endParaRPr lang="ko-KR" altLang="en-US" dirty="0"/>
           </a:p>
@@ -1318,7 +1320,7 @@
           <a:p>
             <a:fld id="{024994B9-23A6-4B0A-A038-AC140E83DAA3}" type="datetime1">
               <a:rPr lang="ko-KR" altLang="en-US" smtClean="0"/>
-              <a:t>2023-08-10</a:t>
+              <a:t>2023-08-17</a:t>
             </a:fld>
             <a:endParaRPr lang="ko-KR" altLang="en-US" dirty="0"/>
           </a:p>
@@ -1460,7 +1462,7 @@
           <a:p>
             <a:fld id="{B5B1BBC2-B738-4C35-AEE5-660EB2DEB482}" type="datetime1">
               <a:rPr lang="ko-KR" altLang="en-US" smtClean="0"/>
-              <a:t>2023-08-10</a:t>
+              <a:t>2023-08-17</a:t>
             </a:fld>
             <a:endParaRPr lang="ko-KR" altLang="en-US" dirty="0"/>
           </a:p>
@@ -6127,7 +6129,7 @@
           <a:p>
             <a:fld id="{70D0DAB2-87CB-4028-B965-3AA710ADF2CB}" type="datetime1">
               <a:rPr lang="ko-KR" altLang="en-US" smtClean="0"/>
-              <a:t>2023-08-10</a:t>
+              <a:t>2023-08-17</a:t>
             </a:fld>
             <a:endParaRPr lang="ko-KR" altLang="en-US" dirty="0"/>
           </a:p>
@@ -6402,7 +6404,7 @@
           <a:p>
             <a:fld id="{63FA3D71-FEA8-477F-9D1E-EA860F411BC7}" type="datetime1">
               <a:rPr lang="ko-KR" altLang="en-US" smtClean="0"/>
-              <a:t>2023-08-10</a:t>
+              <a:t>2023-08-17</a:t>
             </a:fld>
             <a:endParaRPr lang="ko-KR" altLang="en-US" dirty="0"/>
           </a:p>
@@ -6667,7 +6669,7 @@
           <a:p>
             <a:fld id="{F58E3EF4-7980-4C97-BA64-EC66995BB574}" type="datetime1">
               <a:rPr lang="ko-KR" altLang="en-US" smtClean="0"/>
-              <a:t>2023-08-10</a:t>
+              <a:t>2023-08-17</a:t>
             </a:fld>
             <a:endParaRPr lang="ko-KR" altLang="en-US" dirty="0"/>
           </a:p>
@@ -7079,7 +7081,7 @@
           <a:p>
             <a:fld id="{FC9BC1D0-7D6B-4634-9D19-644040D74EAE}" type="datetime1">
               <a:rPr lang="ko-KR" altLang="en-US" smtClean="0"/>
-              <a:t>2023-08-10</a:t>
+              <a:t>2023-08-17</a:t>
             </a:fld>
             <a:endParaRPr lang="ko-KR" altLang="en-US" dirty="0"/>
           </a:p>
@@ -7220,7 +7222,7 @@
           <a:p>
             <a:fld id="{B5B1BBC2-B738-4C35-AEE5-660EB2DEB482}" type="datetime1">
               <a:rPr lang="ko-KR" altLang="en-US" smtClean="0"/>
-              <a:t>2023-08-10</a:t>
+              <a:t>2023-08-17</a:t>
             </a:fld>
             <a:endParaRPr lang="ko-KR" altLang="en-US" dirty="0"/>
           </a:p>
@@ -11802,7 +11804,7 @@
           <a:p>
             <a:fld id="{C60E9F93-7E77-4F36-B88C-A425F00C8D91}" type="datetime1">
               <a:rPr lang="ko-KR" altLang="en-US" smtClean="0"/>
-              <a:t>2023-08-10</a:t>
+              <a:t>2023-08-17</a:t>
             </a:fld>
             <a:endParaRPr lang="ko-KR" altLang="en-US" dirty="0"/>
           </a:p>
@@ -12113,7 +12115,7 @@
           <a:p>
             <a:fld id="{36BCCD0E-2A54-4016-BFFC-FEAABCDA6915}" type="datetime1">
               <a:rPr lang="ko-KR" altLang="en-US" smtClean="0"/>
-              <a:t>2023-08-10</a:t>
+              <a:t>2023-08-17</a:t>
             </a:fld>
             <a:endParaRPr lang="ko-KR" altLang="en-US" dirty="0"/>
           </a:p>
@@ -12401,7 +12403,7 @@
           <a:p>
             <a:fld id="{C984B0C4-64BA-4E4C-B5E6-A51EE3F6ED95}" type="datetime1">
               <a:rPr lang="ko-KR" altLang="en-US" smtClean="0"/>
-              <a:t>2023-08-10</a:t>
+              <a:t>2023-08-17</a:t>
             </a:fld>
             <a:endParaRPr lang="ko-KR" altLang="en-US" dirty="0"/>
           </a:p>
@@ -12643,7 +12645,7 @@
           <a:p>
             <a:fld id="{C984B0C4-64BA-4E4C-B5E6-A51EE3F6ED95}" type="datetime1">
               <a:rPr lang="ko-KR" altLang="en-US" smtClean="0"/>
-              <a:t>2023-08-10</a:t>
+              <a:t>2023-08-17</a:t>
             </a:fld>
             <a:endParaRPr lang="ko-KR" altLang="en-US" dirty="0"/>
           </a:p>
@@ -13134,6 +13136,2213 @@
 </file>
 
 <file path=ppt/slides/slide10.xml><?xml version="1.0" encoding="utf-8"?>
+<p:sld xmlns:a="http://schemas.openxmlformats.org/drawingml/2006/main" xmlns:r="http://schemas.openxmlformats.org/officeDocument/2006/relationships" xmlns:p="http://schemas.openxmlformats.org/presentationml/2006/main">
+  <p:cSld>
+    <p:spTree>
+      <p:nvGrpSpPr>
+        <p:cNvPr id="1" name=""/>
+        <p:cNvGrpSpPr/>
+        <p:nvPr/>
+      </p:nvGrpSpPr>
+      <p:grpSpPr>
+        <a:xfrm>
+          <a:off x="0" y="0"/>
+          <a:ext cx="0" cy="0"/>
+          <a:chOff x="0" y="0"/>
+          <a:chExt cx="0" cy="0"/>
+        </a:xfrm>
+      </p:grpSpPr>
+      <p:sp>
+        <p:nvSpPr>
+          <p:cNvPr id="2" name="제목 1">
+            <a:extLst>
+              <a:ext uri="{FF2B5EF4-FFF2-40B4-BE49-F238E27FC236}">
+                <a16:creationId xmlns:a16="http://schemas.microsoft.com/office/drawing/2014/main" id="{5E8FE27E-4086-E570-1BA4-F2B433CAA376}"/>
+              </a:ext>
+            </a:extLst>
+          </p:cNvPr>
+          <p:cNvSpPr>
+            <a:spLocks noGrp="1"/>
+          </p:cNvSpPr>
+          <p:nvPr>
+            <p:ph type="title"/>
+          </p:nvPr>
+        </p:nvSpPr>
+        <p:spPr/>
+        <p:txBody>
+          <a:bodyPr/>
+          <a:lstStyle/>
+          <a:p>
+            <a:r>
+              <a:rPr lang="en-US" altLang="ko-KR" dirty="0"/>
+              <a:t>S444</a:t>
+            </a:r>
+            <a:endParaRPr lang="ko-KR" altLang="en-US" dirty="0"/>
+          </a:p>
+        </p:txBody>
+      </p:sp>
+      <p:sp>
+        <p:nvSpPr>
+          <p:cNvPr id="91" name="직사각형 90">
+            <a:extLst>
+              <a:ext uri="{FF2B5EF4-FFF2-40B4-BE49-F238E27FC236}">
+                <a16:creationId xmlns:a16="http://schemas.microsoft.com/office/drawing/2014/main" id="{1902CC42-6799-D372-F372-07BB72F2BF14}"/>
+              </a:ext>
+            </a:extLst>
+          </p:cNvPr>
+          <p:cNvSpPr/>
+          <p:nvPr/>
+        </p:nvSpPr>
+        <p:spPr>
+          <a:xfrm>
+            <a:off x="6087687" y="988960"/>
+            <a:ext cx="847742" cy="495381"/>
+          </a:xfrm>
+          <a:prstGeom prst="rect">
+            <a:avLst/>
+          </a:prstGeom>
+        </p:spPr>
+        <p:style>
+          <a:lnRef idx="2">
+            <a:schemeClr val="accent1">
+              <a:shade val="15000"/>
+            </a:schemeClr>
+          </a:lnRef>
+          <a:fillRef idx="1">
+            <a:schemeClr val="accent1"/>
+          </a:fillRef>
+          <a:effectRef idx="0">
+            <a:schemeClr val="accent1"/>
+          </a:effectRef>
+          <a:fontRef idx="minor">
+            <a:schemeClr val="lt1"/>
+          </a:fontRef>
+        </p:style>
+        <p:txBody>
+          <a:bodyPr rtlCol="0" anchor="ctr"/>
+          <a:lstStyle/>
+          <a:p>
+            <a:pPr algn="ctr"/>
+            <a:r>
+              <a:rPr lang="en-US" altLang="ko-KR" dirty="0"/>
+              <a:t>R3</a:t>
+            </a:r>
+            <a:endParaRPr lang="ko-KR" altLang="en-US" dirty="0"/>
+          </a:p>
+        </p:txBody>
+      </p:sp>
+      <p:cxnSp>
+        <p:nvCxnSpPr>
+          <p:cNvPr id="109" name="직선 화살표 연결선 108">
+            <a:extLst>
+              <a:ext uri="{FF2B5EF4-FFF2-40B4-BE49-F238E27FC236}">
+                <a16:creationId xmlns:a16="http://schemas.microsoft.com/office/drawing/2014/main" id="{962C7EAD-50AB-B451-7AB8-AD60B0C48A7C}"/>
+              </a:ext>
+            </a:extLst>
+          </p:cNvPr>
+          <p:cNvCxnSpPr>
+            <a:cxnSpLocks/>
+            <a:stCxn id="94" idx="3"/>
+            <a:endCxn id="91" idx="1"/>
+          </p:cNvCxnSpPr>
+          <p:nvPr/>
+        </p:nvCxnSpPr>
+        <p:spPr>
+          <a:xfrm flipV="1">
+            <a:off x="5613666" y="1236651"/>
+            <a:ext cx="474021" cy="1458820"/>
+          </a:xfrm>
+          <a:prstGeom prst="straightConnector1">
+            <a:avLst/>
+          </a:prstGeom>
+          <a:ln w="38100">
+            <a:solidFill>
+              <a:srgbClr val="FFC000"/>
+            </a:solidFill>
+            <a:headEnd type="diamond" w="med" len="med"/>
+            <a:tailEnd type="triangle" w="med" len="med"/>
+          </a:ln>
+        </p:spPr>
+        <p:style>
+          <a:lnRef idx="1">
+            <a:schemeClr val="accent6"/>
+          </a:lnRef>
+          <a:fillRef idx="0">
+            <a:schemeClr val="accent6"/>
+          </a:fillRef>
+          <a:effectRef idx="0">
+            <a:schemeClr val="accent6"/>
+          </a:effectRef>
+          <a:fontRef idx="minor">
+            <a:schemeClr val="tx1"/>
+          </a:fontRef>
+        </p:style>
+      </p:cxnSp>
+      <p:cxnSp>
+        <p:nvCxnSpPr>
+          <p:cNvPr id="120" name="직선 화살표 연결선 119">
+            <a:extLst>
+              <a:ext uri="{FF2B5EF4-FFF2-40B4-BE49-F238E27FC236}">
+                <a16:creationId xmlns:a16="http://schemas.microsoft.com/office/drawing/2014/main" id="{D780E1C2-0E12-A5CD-2B49-A959AB42330A}"/>
+              </a:ext>
+            </a:extLst>
+          </p:cNvPr>
+          <p:cNvCxnSpPr>
+            <a:cxnSpLocks/>
+            <a:stCxn id="94" idx="3"/>
+            <a:endCxn id="107" idx="1"/>
+          </p:cNvCxnSpPr>
+          <p:nvPr/>
+        </p:nvCxnSpPr>
+        <p:spPr>
+          <a:xfrm>
+            <a:off x="5613666" y="2695471"/>
+            <a:ext cx="416750" cy="110667"/>
+          </a:xfrm>
+          <a:prstGeom prst="straightConnector1">
+            <a:avLst/>
+          </a:prstGeom>
+          <a:ln w="38100">
+            <a:solidFill>
+              <a:srgbClr val="FFC000"/>
+            </a:solidFill>
+            <a:headEnd type="diamond" w="med" len="med"/>
+            <a:tailEnd type="triangle" w="med" len="med"/>
+          </a:ln>
+        </p:spPr>
+        <p:style>
+          <a:lnRef idx="1">
+            <a:schemeClr val="accent6"/>
+          </a:lnRef>
+          <a:fillRef idx="0">
+            <a:schemeClr val="accent6"/>
+          </a:fillRef>
+          <a:effectRef idx="0">
+            <a:schemeClr val="accent6"/>
+          </a:effectRef>
+          <a:fontRef idx="minor">
+            <a:schemeClr val="tx1"/>
+          </a:fontRef>
+        </p:style>
+      </p:cxnSp>
+      <p:sp>
+        <p:nvSpPr>
+          <p:cNvPr id="13" name="직사각형 12">
+            <a:extLst>
+              <a:ext uri="{FF2B5EF4-FFF2-40B4-BE49-F238E27FC236}">
+                <a16:creationId xmlns:a16="http://schemas.microsoft.com/office/drawing/2014/main" id="{20D4B5AF-E245-475A-47A6-1314F9D73EE8}"/>
+              </a:ext>
+            </a:extLst>
+          </p:cNvPr>
+          <p:cNvSpPr/>
+          <p:nvPr/>
+        </p:nvSpPr>
+        <p:spPr>
+          <a:xfrm>
+            <a:off x="10080018" y="3931852"/>
+            <a:ext cx="847742" cy="495381"/>
+          </a:xfrm>
+          <a:prstGeom prst="rect">
+            <a:avLst/>
+          </a:prstGeom>
+        </p:spPr>
+        <p:style>
+          <a:lnRef idx="2">
+            <a:schemeClr val="accent1">
+              <a:shade val="15000"/>
+            </a:schemeClr>
+          </a:lnRef>
+          <a:fillRef idx="1">
+            <a:schemeClr val="accent1"/>
+          </a:fillRef>
+          <a:effectRef idx="0">
+            <a:schemeClr val="accent1"/>
+          </a:effectRef>
+          <a:fontRef idx="minor">
+            <a:schemeClr val="lt1"/>
+          </a:fontRef>
+        </p:style>
+        <p:txBody>
+          <a:bodyPr rtlCol="0" anchor="ctr"/>
+          <a:lstStyle/>
+          <a:p>
+            <a:pPr algn="ctr"/>
+            <a:r>
+              <a:rPr lang="en-US" altLang="ko-KR" dirty="0"/>
+              <a:t>R6</a:t>
+            </a:r>
+            <a:endParaRPr lang="ko-KR" altLang="en-US" dirty="0"/>
+          </a:p>
+        </p:txBody>
+      </p:sp>
+      <p:sp>
+        <p:nvSpPr>
+          <p:cNvPr id="15" name="직사각형 14">
+            <a:extLst>
+              <a:ext uri="{FF2B5EF4-FFF2-40B4-BE49-F238E27FC236}">
+                <a16:creationId xmlns:a16="http://schemas.microsoft.com/office/drawing/2014/main" id="{60198781-EBB0-10CE-8B2F-9ABD8A632D5C}"/>
+              </a:ext>
+            </a:extLst>
+          </p:cNvPr>
+          <p:cNvSpPr/>
+          <p:nvPr/>
+        </p:nvSpPr>
+        <p:spPr>
+          <a:xfrm>
+            <a:off x="7542218" y="3556057"/>
+            <a:ext cx="847742" cy="495381"/>
+          </a:xfrm>
+          <a:prstGeom prst="rect">
+            <a:avLst/>
+          </a:prstGeom>
+        </p:spPr>
+        <p:style>
+          <a:lnRef idx="2">
+            <a:schemeClr val="accent1">
+              <a:shade val="15000"/>
+            </a:schemeClr>
+          </a:lnRef>
+          <a:fillRef idx="1">
+            <a:schemeClr val="accent1"/>
+          </a:fillRef>
+          <a:effectRef idx="0">
+            <a:schemeClr val="accent1"/>
+          </a:effectRef>
+          <a:fontRef idx="minor">
+            <a:schemeClr val="lt1"/>
+          </a:fontRef>
+        </p:style>
+        <p:txBody>
+          <a:bodyPr rtlCol="0" anchor="ctr"/>
+          <a:lstStyle/>
+          <a:p>
+            <a:pPr algn="ctr"/>
+            <a:r>
+              <a:rPr lang="en-US" altLang="ko-KR" dirty="0"/>
+              <a:t>R5</a:t>
+            </a:r>
+            <a:endParaRPr lang="ko-KR" altLang="en-US" dirty="0"/>
+          </a:p>
+        </p:txBody>
+      </p:sp>
+      <p:cxnSp>
+        <p:nvCxnSpPr>
+          <p:cNvPr id="23" name="연결선: 꺾임 22">
+            <a:extLst>
+              <a:ext uri="{FF2B5EF4-FFF2-40B4-BE49-F238E27FC236}">
+                <a16:creationId xmlns:a16="http://schemas.microsoft.com/office/drawing/2014/main" id="{7784514C-ED5E-0B18-1D1B-F544B46E59B0}"/>
+              </a:ext>
+            </a:extLst>
+          </p:cNvPr>
+          <p:cNvCxnSpPr>
+            <a:cxnSpLocks/>
+            <a:stCxn id="91" idx="3"/>
+            <a:endCxn id="14" idx="1"/>
+          </p:cNvCxnSpPr>
+          <p:nvPr/>
+        </p:nvCxnSpPr>
+        <p:spPr>
+          <a:xfrm flipV="1">
+            <a:off x="6935429" y="1094583"/>
+            <a:ext cx="1269587" cy="142068"/>
+          </a:xfrm>
+          <a:prstGeom prst="bentConnector3">
+            <a:avLst>
+              <a:gd name="adj1" fmla="val 50000"/>
+            </a:avLst>
+          </a:prstGeom>
+          <a:ln w="38100">
+            <a:solidFill>
+              <a:srgbClr val="FFC000"/>
+            </a:solidFill>
+            <a:headEnd type="diamond" w="med" len="med"/>
+            <a:tailEnd type="triangle" w="med" len="med"/>
+          </a:ln>
+        </p:spPr>
+        <p:style>
+          <a:lnRef idx="1">
+            <a:schemeClr val="accent6"/>
+          </a:lnRef>
+          <a:fillRef idx="0">
+            <a:schemeClr val="accent6"/>
+          </a:fillRef>
+          <a:effectRef idx="0">
+            <a:schemeClr val="accent6"/>
+          </a:effectRef>
+          <a:fontRef idx="minor">
+            <a:schemeClr val="tx1"/>
+          </a:fontRef>
+        </p:style>
+      </p:cxnSp>
+      <p:cxnSp>
+        <p:nvCxnSpPr>
+          <p:cNvPr id="32" name="연결선: 꺾임 31">
+            <a:extLst>
+              <a:ext uri="{FF2B5EF4-FFF2-40B4-BE49-F238E27FC236}">
+                <a16:creationId xmlns:a16="http://schemas.microsoft.com/office/drawing/2014/main" id="{55996CE5-7EBC-3246-9029-B8870B968B13}"/>
+              </a:ext>
+            </a:extLst>
+          </p:cNvPr>
+          <p:cNvCxnSpPr>
+            <a:cxnSpLocks/>
+            <a:stCxn id="13" idx="2"/>
+            <a:endCxn id="94" idx="2"/>
+          </p:cNvCxnSpPr>
+          <p:nvPr/>
+        </p:nvCxnSpPr>
+        <p:spPr>
+          <a:xfrm rot="5400000" flipH="1">
+            <a:off x="6601761" y="525106"/>
+            <a:ext cx="272943" cy="7531313"/>
+          </a:xfrm>
+          <a:prstGeom prst="bentConnector3">
+            <a:avLst>
+              <a:gd name="adj1" fmla="val -83754"/>
+            </a:avLst>
+          </a:prstGeom>
+          <a:ln w="38100">
+            <a:solidFill>
+              <a:srgbClr val="FFC000"/>
+            </a:solidFill>
+            <a:headEnd type="diamond" w="med" len="med"/>
+            <a:tailEnd type="triangle" w="med" len="med"/>
+          </a:ln>
+        </p:spPr>
+        <p:style>
+          <a:lnRef idx="1">
+            <a:schemeClr val="accent6"/>
+          </a:lnRef>
+          <a:fillRef idx="0">
+            <a:schemeClr val="accent6"/>
+          </a:fillRef>
+          <a:effectRef idx="0">
+            <a:schemeClr val="accent6"/>
+          </a:effectRef>
+          <a:fontRef idx="minor">
+            <a:schemeClr val="tx1"/>
+          </a:fontRef>
+        </p:style>
+      </p:cxnSp>
+      <p:cxnSp>
+        <p:nvCxnSpPr>
+          <p:cNvPr id="48" name="연결선: 꺾임 47">
+            <a:extLst>
+              <a:ext uri="{FF2B5EF4-FFF2-40B4-BE49-F238E27FC236}">
+                <a16:creationId xmlns:a16="http://schemas.microsoft.com/office/drawing/2014/main" id="{ADAD1270-D18E-4A9B-90EA-E912E63A3DEA}"/>
+              </a:ext>
+            </a:extLst>
+          </p:cNvPr>
+          <p:cNvCxnSpPr>
+            <a:cxnSpLocks/>
+            <a:stCxn id="107" idx="3"/>
+            <a:endCxn id="14" idx="1"/>
+          </p:cNvCxnSpPr>
+          <p:nvPr/>
+        </p:nvCxnSpPr>
+        <p:spPr>
+          <a:xfrm flipV="1">
+            <a:off x="7561849" y="1094583"/>
+            <a:ext cx="643167" cy="1711555"/>
+          </a:xfrm>
+          <a:prstGeom prst="bentConnector3">
+            <a:avLst>
+              <a:gd name="adj1" fmla="val 50000"/>
+            </a:avLst>
+          </a:prstGeom>
+          <a:ln w="38100">
+            <a:solidFill>
+              <a:srgbClr val="FFC000"/>
+            </a:solidFill>
+            <a:headEnd type="diamond" w="med" len="med"/>
+            <a:tailEnd type="triangle" w="med" len="med"/>
+          </a:ln>
+        </p:spPr>
+        <p:style>
+          <a:lnRef idx="1">
+            <a:schemeClr val="accent6"/>
+          </a:lnRef>
+          <a:fillRef idx="0">
+            <a:schemeClr val="accent6"/>
+          </a:fillRef>
+          <a:effectRef idx="0">
+            <a:schemeClr val="accent6"/>
+          </a:effectRef>
+          <a:fontRef idx="minor">
+            <a:schemeClr val="tx1"/>
+          </a:fontRef>
+        </p:style>
+      </p:cxnSp>
+      <p:cxnSp>
+        <p:nvCxnSpPr>
+          <p:cNvPr id="62" name="연결선: 꺾임 61">
+            <a:extLst>
+              <a:ext uri="{FF2B5EF4-FFF2-40B4-BE49-F238E27FC236}">
+                <a16:creationId xmlns:a16="http://schemas.microsoft.com/office/drawing/2014/main" id="{D2BBF1BC-3F9C-FDD1-40CF-9CFE10E49737}"/>
+              </a:ext>
+            </a:extLst>
+          </p:cNvPr>
+          <p:cNvCxnSpPr>
+            <a:cxnSpLocks/>
+            <a:stCxn id="14" idx="2"/>
+            <a:endCxn id="15" idx="0"/>
+          </p:cNvCxnSpPr>
+          <p:nvPr/>
+        </p:nvCxnSpPr>
+        <p:spPr>
+          <a:xfrm rot="5400000">
+            <a:off x="8278945" y="1872242"/>
+            <a:ext cx="1370960" cy="1996671"/>
+          </a:xfrm>
+          <a:prstGeom prst="bentConnector3">
+            <a:avLst>
+              <a:gd name="adj1" fmla="val 50000"/>
+            </a:avLst>
+          </a:prstGeom>
+          <a:ln w="38100">
+            <a:solidFill>
+              <a:srgbClr val="FFC000"/>
+            </a:solidFill>
+            <a:headEnd type="diamond" w="med" len="med"/>
+            <a:tailEnd type="triangle" w="med" len="med"/>
+          </a:ln>
+        </p:spPr>
+        <p:style>
+          <a:lnRef idx="1">
+            <a:schemeClr val="accent6"/>
+          </a:lnRef>
+          <a:fillRef idx="0">
+            <a:schemeClr val="accent6"/>
+          </a:fillRef>
+          <a:effectRef idx="0">
+            <a:schemeClr val="accent6"/>
+          </a:effectRef>
+          <a:fontRef idx="minor">
+            <a:schemeClr val="tx1"/>
+          </a:fontRef>
+        </p:style>
+      </p:cxnSp>
+      <p:cxnSp>
+        <p:nvCxnSpPr>
+          <p:cNvPr id="68" name="연결선: 꺾임 67">
+            <a:extLst>
+              <a:ext uri="{FF2B5EF4-FFF2-40B4-BE49-F238E27FC236}">
+                <a16:creationId xmlns:a16="http://schemas.microsoft.com/office/drawing/2014/main" id="{B956E1CD-20B7-0672-1444-72F5F9EB34F5}"/>
+              </a:ext>
+            </a:extLst>
+          </p:cNvPr>
+          <p:cNvCxnSpPr>
+            <a:cxnSpLocks/>
+            <a:stCxn id="15" idx="2"/>
+            <a:endCxn id="13" idx="1"/>
+          </p:cNvCxnSpPr>
+          <p:nvPr/>
+        </p:nvCxnSpPr>
+        <p:spPr>
+          <a:xfrm rot="16200000" flipH="1">
+            <a:off x="8959001" y="3058525"/>
+            <a:ext cx="128105" cy="2113929"/>
+          </a:xfrm>
+          <a:prstGeom prst="bentConnector2">
+            <a:avLst/>
+          </a:prstGeom>
+          <a:ln w="38100">
+            <a:solidFill>
+              <a:srgbClr val="FFC000"/>
+            </a:solidFill>
+            <a:headEnd type="diamond" w="med" len="med"/>
+            <a:tailEnd type="triangle" w="med" len="med"/>
+          </a:ln>
+        </p:spPr>
+        <p:style>
+          <a:lnRef idx="1">
+            <a:schemeClr val="accent6"/>
+          </a:lnRef>
+          <a:fillRef idx="0">
+            <a:schemeClr val="accent6"/>
+          </a:fillRef>
+          <a:effectRef idx="0">
+            <a:schemeClr val="accent6"/>
+          </a:effectRef>
+          <a:fontRef idx="minor">
+            <a:schemeClr val="tx1"/>
+          </a:fontRef>
+        </p:style>
+      </p:cxnSp>
+      <p:sp>
+        <p:nvSpPr>
+          <p:cNvPr id="79" name="사각형: 모서리가 접힌 도형 78">
+            <a:extLst>
+              <a:ext uri="{FF2B5EF4-FFF2-40B4-BE49-F238E27FC236}">
+                <a16:creationId xmlns:a16="http://schemas.microsoft.com/office/drawing/2014/main" id="{4FFFC34E-AB5C-2EA7-5DA2-90E276198FD1}"/>
+              </a:ext>
+            </a:extLst>
+          </p:cNvPr>
+          <p:cNvSpPr/>
+          <p:nvPr/>
+        </p:nvSpPr>
+        <p:spPr>
+          <a:xfrm>
+            <a:off x="9232276" y="4803028"/>
+            <a:ext cx="2437946" cy="568378"/>
+          </a:xfrm>
+          <a:prstGeom prst="foldedCorner">
+            <a:avLst/>
+          </a:prstGeom>
+          <a:solidFill>
+            <a:schemeClr val="accent3">
+              <a:alpha val="50000"/>
+            </a:schemeClr>
+          </a:solidFill>
+          <a:ln>
+            <a:noFill/>
+          </a:ln>
+        </p:spPr>
+        <p:style>
+          <a:lnRef idx="0">
+            <a:scrgbClr r="0" g="0" b="0"/>
+          </a:lnRef>
+          <a:fillRef idx="0">
+            <a:scrgbClr r="0" g="0" b="0"/>
+          </a:fillRef>
+          <a:effectRef idx="0">
+            <a:scrgbClr r="0" g="0" b="0"/>
+          </a:effectRef>
+          <a:fontRef idx="minor">
+            <a:schemeClr val="lt1"/>
+          </a:fontRef>
+        </p:style>
+        <p:txBody>
+          <a:bodyPr rtlCol="0" anchor="ctr"/>
+          <a:lstStyle/>
+          <a:p>
+            <a:pPr algn="ctr"/>
+            <a:r>
+              <a:rPr lang="en-US" altLang="ko-KR" dirty="0"/>
+              <a:t>lib/Cylinder/Double </a:t>
+            </a:r>
+          </a:p>
+          <a:p>
+            <a:pPr algn="ctr"/>
+            <a:r>
+              <a:rPr lang="en-US" altLang="ko-KR" dirty="0"/>
+              <a:t>[</a:t>
+            </a:r>
+            <a:r>
+              <a:rPr lang="en-US" altLang="ko-KR" dirty="0" err="1"/>
+              <a:t>PinB</a:t>
+            </a:r>
+            <a:r>
+              <a:rPr lang="en-US" altLang="ko-KR" dirty="0"/>
+              <a:t>]</a:t>
+            </a:r>
+            <a:endParaRPr lang="ko-KR" altLang="en-US" dirty="0"/>
+          </a:p>
+        </p:txBody>
+      </p:sp>
+      <p:sp>
+        <p:nvSpPr>
+          <p:cNvPr id="7" name="사각형: 모서리가 접힌 도형 6">
+            <a:extLst>
+              <a:ext uri="{FF2B5EF4-FFF2-40B4-BE49-F238E27FC236}">
+                <a16:creationId xmlns:a16="http://schemas.microsoft.com/office/drawing/2014/main" id="{714117EE-2573-5F95-0ABC-EE82E082580E}"/>
+              </a:ext>
+            </a:extLst>
+          </p:cNvPr>
+          <p:cNvSpPr/>
+          <p:nvPr/>
+        </p:nvSpPr>
+        <p:spPr>
+          <a:xfrm>
+            <a:off x="9232276" y="5531195"/>
+            <a:ext cx="2437946" cy="568378"/>
+          </a:xfrm>
+          <a:prstGeom prst="foldedCorner">
+            <a:avLst/>
+          </a:prstGeom>
+          <a:solidFill>
+            <a:schemeClr val="accent3">
+              <a:alpha val="50000"/>
+            </a:schemeClr>
+          </a:solidFill>
+          <a:ln>
+            <a:noFill/>
+          </a:ln>
+        </p:spPr>
+        <p:style>
+          <a:lnRef idx="0">
+            <a:scrgbClr r="0" g="0" b="0"/>
+          </a:lnRef>
+          <a:fillRef idx="0">
+            <a:scrgbClr r="0" g="0" b="0"/>
+          </a:fillRef>
+          <a:effectRef idx="0">
+            <a:scrgbClr r="0" g="0" b="0"/>
+          </a:effectRef>
+          <a:fontRef idx="minor">
+            <a:schemeClr val="lt1"/>
+          </a:fontRef>
+        </p:style>
+        <p:txBody>
+          <a:bodyPr rtlCol="0" anchor="ctr"/>
+          <a:lstStyle/>
+          <a:p>
+            <a:pPr algn="ctr"/>
+            <a:r>
+              <a:rPr lang="en-US" altLang="ko-KR" dirty="0"/>
+              <a:t>lib/Cylinder/Double </a:t>
+            </a:r>
+          </a:p>
+          <a:p>
+            <a:pPr algn="ctr"/>
+            <a:r>
+              <a:rPr lang="en-US" altLang="ko-KR" dirty="0"/>
+              <a:t>[Clamp]2</a:t>
+            </a:r>
+            <a:endParaRPr lang="ko-KR" altLang="en-US" dirty="0"/>
+          </a:p>
+        </p:txBody>
+      </p:sp>
+      <p:sp>
+        <p:nvSpPr>
+          <p:cNvPr id="17" name="사각형: 모서리가 접힌 도형 16">
+            <a:extLst>
+              <a:ext uri="{FF2B5EF4-FFF2-40B4-BE49-F238E27FC236}">
+                <a16:creationId xmlns:a16="http://schemas.microsoft.com/office/drawing/2014/main" id="{E1CA3431-7566-D83F-3452-2359472A35A2}"/>
+              </a:ext>
+            </a:extLst>
+          </p:cNvPr>
+          <p:cNvSpPr/>
+          <p:nvPr/>
+        </p:nvSpPr>
+        <p:spPr>
+          <a:xfrm>
+            <a:off x="9232276" y="6259363"/>
+            <a:ext cx="2437946" cy="568378"/>
+          </a:xfrm>
+          <a:prstGeom prst="foldedCorner">
+            <a:avLst/>
+          </a:prstGeom>
+          <a:solidFill>
+            <a:schemeClr val="accent3">
+              <a:alpha val="50000"/>
+            </a:schemeClr>
+          </a:solidFill>
+          <a:ln>
+            <a:noFill/>
+          </a:ln>
+        </p:spPr>
+        <p:style>
+          <a:lnRef idx="0">
+            <a:scrgbClr r="0" g="0" b="0"/>
+          </a:lnRef>
+          <a:fillRef idx="0">
+            <a:scrgbClr r="0" g="0" b="0"/>
+          </a:fillRef>
+          <a:effectRef idx="0">
+            <a:scrgbClr r="0" g="0" b="0"/>
+          </a:effectRef>
+          <a:fontRef idx="minor">
+            <a:schemeClr val="lt1"/>
+          </a:fontRef>
+        </p:style>
+        <p:txBody>
+          <a:bodyPr rtlCol="0" anchor="ctr"/>
+          <a:lstStyle/>
+          <a:p>
+            <a:pPr algn="ctr"/>
+            <a:r>
+              <a:rPr lang="en-US" altLang="ko-KR" dirty="0"/>
+              <a:t>lib/Cylinder/Double </a:t>
+            </a:r>
+          </a:p>
+          <a:p>
+            <a:pPr algn="ctr"/>
+            <a:r>
+              <a:rPr lang="en-US" altLang="ko-KR" dirty="0"/>
+              <a:t>[Latch]5</a:t>
+            </a:r>
+            <a:endParaRPr lang="ko-KR" altLang="en-US" dirty="0"/>
+          </a:p>
+        </p:txBody>
+      </p:sp>
+      <p:grpSp>
+        <p:nvGrpSpPr>
+          <p:cNvPr id="55" name="그룹 54">
+            <a:extLst>
+              <a:ext uri="{FF2B5EF4-FFF2-40B4-BE49-F238E27FC236}">
+                <a16:creationId xmlns:a16="http://schemas.microsoft.com/office/drawing/2014/main" id="{8EE34B0D-22C8-066B-F07B-3C16D4B975E4}"/>
+              </a:ext>
+            </a:extLst>
+          </p:cNvPr>
+          <p:cNvGrpSpPr/>
+          <p:nvPr/>
+        </p:nvGrpSpPr>
+        <p:grpSpPr>
+          <a:xfrm>
+            <a:off x="8205016" y="4069"/>
+            <a:ext cx="3515488" cy="2181028"/>
+            <a:chOff x="8205016" y="4069"/>
+            <a:chExt cx="3515488" cy="2181028"/>
+          </a:xfrm>
+        </p:grpSpPr>
+        <p:sp>
+          <p:nvSpPr>
+            <p:cNvPr id="14" name="직사각형 13">
+              <a:extLst>
+                <a:ext uri="{FF2B5EF4-FFF2-40B4-BE49-F238E27FC236}">
+                  <a16:creationId xmlns:a16="http://schemas.microsoft.com/office/drawing/2014/main" id="{7F0FAA92-96A9-A5D3-0A1E-4545883E9E65}"/>
+                </a:ext>
+              </a:extLst>
+            </p:cNvPr>
+            <p:cNvSpPr/>
+            <p:nvPr/>
+          </p:nvSpPr>
+          <p:spPr>
+            <a:xfrm>
+              <a:off x="8205016" y="4069"/>
+              <a:ext cx="3515488" cy="2181028"/>
+            </a:xfrm>
+            <a:prstGeom prst="rect">
+              <a:avLst/>
+            </a:prstGeom>
+          </p:spPr>
+          <p:style>
+            <a:lnRef idx="2">
+              <a:schemeClr val="accent1">
+                <a:shade val="15000"/>
+              </a:schemeClr>
+            </a:lnRef>
+            <a:fillRef idx="1">
+              <a:schemeClr val="accent1"/>
+            </a:fillRef>
+            <a:effectRef idx="0">
+              <a:schemeClr val="accent1"/>
+            </a:effectRef>
+            <a:fontRef idx="minor">
+              <a:schemeClr val="lt1"/>
+            </a:fontRef>
+          </p:style>
+          <p:txBody>
+            <a:bodyPr rtlCol="0" anchor="ctr"/>
+            <a:lstStyle/>
+            <a:p>
+              <a:pPr algn="ctr"/>
+              <a:r>
+                <a:rPr lang="en-US" altLang="ko-KR" dirty="0"/>
+                <a:t>R4</a:t>
+              </a:r>
+              <a:endParaRPr lang="ko-KR" altLang="en-US" dirty="0"/>
+            </a:p>
+          </p:txBody>
+        </p:sp>
+        <p:sp>
+          <p:nvSpPr>
+            <p:cNvPr id="3" name="타원 2">
+              <a:extLst>
+                <a:ext uri="{FF2B5EF4-FFF2-40B4-BE49-F238E27FC236}">
+                  <a16:creationId xmlns:a16="http://schemas.microsoft.com/office/drawing/2014/main" id="{40045D59-AC9F-C1A5-B4B3-519490FD2B7A}"/>
+                </a:ext>
+              </a:extLst>
+            </p:cNvPr>
+            <p:cNvSpPr/>
+            <p:nvPr/>
+          </p:nvSpPr>
+          <p:spPr>
+            <a:xfrm>
+              <a:off x="8282021" y="407432"/>
+              <a:ext cx="758778" cy="499161"/>
+            </a:xfrm>
+            <a:prstGeom prst="ellipse">
+              <a:avLst/>
+            </a:prstGeom>
+            <a:solidFill>
+              <a:schemeClr val="accent4">
+                <a:alpha val="50000"/>
+              </a:schemeClr>
+            </a:solidFill>
+            <a:ln>
+              <a:noFill/>
+            </a:ln>
+          </p:spPr>
+          <p:style>
+            <a:lnRef idx="0">
+              <a:scrgbClr r="0" g="0" b="0"/>
+            </a:lnRef>
+            <a:fillRef idx="0">
+              <a:scrgbClr r="0" g="0" b="0"/>
+            </a:fillRef>
+            <a:effectRef idx="0">
+              <a:scrgbClr r="0" g="0" b="0"/>
+            </a:effectRef>
+            <a:fontRef idx="minor">
+              <a:schemeClr val="lt1"/>
+            </a:fontRef>
+          </p:style>
+          <p:txBody>
+            <a:bodyPr rtlCol="0" anchor="ctr"/>
+            <a:lstStyle/>
+            <a:p>
+              <a:pPr algn="ctr"/>
+              <a:r>
+                <a:rPr lang="en-US" altLang="ko-KR" sz="1050" dirty="0"/>
+                <a:t>Latch $ADV</a:t>
+              </a:r>
+              <a:endParaRPr lang="ko-KR" altLang="en-US" sz="1050" dirty="0"/>
+            </a:p>
+          </p:txBody>
+        </p:sp>
+        <p:sp>
+          <p:nvSpPr>
+            <p:cNvPr id="4" name="타원 3">
+              <a:extLst>
+                <a:ext uri="{FF2B5EF4-FFF2-40B4-BE49-F238E27FC236}">
+                  <a16:creationId xmlns:a16="http://schemas.microsoft.com/office/drawing/2014/main" id="{8DEA1278-35F2-757D-3B7E-B8F3D3BA7CA2}"/>
+                </a:ext>
+              </a:extLst>
+            </p:cNvPr>
+            <p:cNvSpPr/>
+            <p:nvPr/>
+          </p:nvSpPr>
+          <p:spPr>
+            <a:xfrm>
+              <a:off x="9321240" y="1583036"/>
+              <a:ext cx="758778" cy="499161"/>
+            </a:xfrm>
+            <a:prstGeom prst="ellipse">
+              <a:avLst/>
+            </a:prstGeom>
+            <a:solidFill>
+              <a:schemeClr val="accent4">
+                <a:alpha val="50000"/>
+              </a:schemeClr>
+            </a:solidFill>
+            <a:ln>
+              <a:noFill/>
+            </a:ln>
+          </p:spPr>
+          <p:style>
+            <a:lnRef idx="0">
+              <a:scrgbClr r="0" g="0" b="0"/>
+            </a:lnRef>
+            <a:fillRef idx="0">
+              <a:scrgbClr r="0" g="0" b="0"/>
+            </a:fillRef>
+            <a:effectRef idx="0">
+              <a:scrgbClr r="0" g="0" b="0"/>
+            </a:effectRef>
+            <a:fontRef idx="minor">
+              <a:schemeClr val="lt1"/>
+            </a:fontRef>
+          </p:style>
+          <p:txBody>
+            <a:bodyPr rtlCol="0" anchor="ctr"/>
+            <a:lstStyle/>
+            <a:p>
+              <a:pPr algn="ctr"/>
+              <a:r>
+                <a:rPr lang="en-US" altLang="ko-KR" sz="1050" dirty="0"/>
+                <a:t>Latch $RET</a:t>
+              </a:r>
+              <a:endParaRPr lang="ko-KR" altLang="en-US" sz="1050" dirty="0"/>
+            </a:p>
+          </p:txBody>
+        </p:sp>
+        <p:cxnSp>
+          <p:nvCxnSpPr>
+            <p:cNvPr id="5" name="연결선: 꺾임 4">
+              <a:extLst>
+                <a:ext uri="{FF2B5EF4-FFF2-40B4-BE49-F238E27FC236}">
+                  <a16:creationId xmlns:a16="http://schemas.microsoft.com/office/drawing/2014/main" id="{027F9686-3E3D-8C25-BCE0-DFEA98B13F0F}"/>
+                </a:ext>
+              </a:extLst>
+            </p:cNvPr>
+            <p:cNvCxnSpPr>
+              <a:cxnSpLocks/>
+              <a:stCxn id="3" idx="5"/>
+              <a:endCxn id="4" idx="1"/>
+            </p:cNvCxnSpPr>
+            <p:nvPr/>
+          </p:nvCxnSpPr>
+          <p:spPr>
+            <a:xfrm rot="16200000" flipH="1">
+              <a:off x="8769698" y="993472"/>
+              <a:ext cx="822643" cy="502682"/>
+            </a:xfrm>
+            <a:prstGeom prst="bentConnector3">
+              <a:avLst/>
+            </a:prstGeom>
+            <a:ln>
+              <a:tailEnd type="triangle"/>
+            </a:ln>
+          </p:spPr>
+          <p:style>
+            <a:lnRef idx="1">
+              <a:schemeClr val="accent4"/>
+            </a:lnRef>
+            <a:fillRef idx="0">
+              <a:schemeClr val="accent4"/>
+            </a:fillRef>
+            <a:effectRef idx="0">
+              <a:schemeClr val="accent4"/>
+            </a:effectRef>
+            <a:fontRef idx="minor">
+              <a:schemeClr val="tx1"/>
+            </a:fontRef>
+          </p:style>
+        </p:cxnSp>
+      </p:grpSp>
+      <p:grpSp>
+        <p:nvGrpSpPr>
+          <p:cNvPr id="33" name="그룹 32">
+            <a:extLst>
+              <a:ext uri="{FF2B5EF4-FFF2-40B4-BE49-F238E27FC236}">
+                <a16:creationId xmlns:a16="http://schemas.microsoft.com/office/drawing/2014/main" id="{6BFA305D-2D6E-C23C-D8C8-884D81F2F964}"/>
+              </a:ext>
+            </a:extLst>
+          </p:cNvPr>
+          <p:cNvGrpSpPr/>
+          <p:nvPr/>
+        </p:nvGrpSpPr>
+        <p:grpSpPr>
+          <a:xfrm>
+            <a:off x="6030416" y="2262565"/>
+            <a:ext cx="1601397" cy="1087145"/>
+            <a:chOff x="6037762" y="2062362"/>
+            <a:chExt cx="1601397" cy="1087145"/>
+          </a:xfrm>
+        </p:grpSpPr>
+        <p:sp>
+          <p:nvSpPr>
+            <p:cNvPr id="107" name="직사각형 106">
+              <a:extLst>
+                <a:ext uri="{FF2B5EF4-FFF2-40B4-BE49-F238E27FC236}">
+                  <a16:creationId xmlns:a16="http://schemas.microsoft.com/office/drawing/2014/main" id="{915BD835-DF4D-92B2-20EE-E079F839EBBE}"/>
+                </a:ext>
+              </a:extLst>
+            </p:cNvPr>
+            <p:cNvSpPr/>
+            <p:nvPr/>
+          </p:nvSpPr>
+          <p:spPr>
+            <a:xfrm>
+              <a:off x="6037762" y="2062362"/>
+              <a:ext cx="1531433" cy="1087145"/>
+            </a:xfrm>
+            <a:prstGeom prst="rect">
+              <a:avLst/>
+            </a:prstGeom>
+          </p:spPr>
+          <p:style>
+            <a:lnRef idx="2">
+              <a:schemeClr val="accent1">
+                <a:shade val="15000"/>
+              </a:schemeClr>
+            </a:lnRef>
+            <a:fillRef idx="1">
+              <a:schemeClr val="accent1"/>
+            </a:fillRef>
+            <a:effectRef idx="0">
+              <a:schemeClr val="accent1"/>
+            </a:effectRef>
+            <a:fontRef idx="minor">
+              <a:schemeClr val="lt1"/>
+            </a:fontRef>
+          </p:style>
+          <p:txBody>
+            <a:bodyPr rtlCol="0" anchor="ctr"/>
+            <a:lstStyle/>
+            <a:p>
+              <a:pPr algn="ctr"/>
+              <a:r>
+                <a:rPr lang="en-US" altLang="ko-KR" dirty="0"/>
+                <a:t>R2</a:t>
+              </a:r>
+              <a:endParaRPr lang="ko-KR" altLang="en-US" dirty="0"/>
+            </a:p>
+          </p:txBody>
+        </p:sp>
+        <p:sp>
+          <p:nvSpPr>
+            <p:cNvPr id="26" name="타원 25">
+              <a:extLst>
+                <a:ext uri="{FF2B5EF4-FFF2-40B4-BE49-F238E27FC236}">
+                  <a16:creationId xmlns:a16="http://schemas.microsoft.com/office/drawing/2014/main" id="{ABEE2C8E-BA8C-2B76-DD09-42AF1BB5187D}"/>
+                </a:ext>
+              </a:extLst>
+            </p:cNvPr>
+            <p:cNvSpPr/>
+            <p:nvPr/>
+          </p:nvSpPr>
+          <p:spPr>
+            <a:xfrm>
+              <a:off x="6069663" y="2124211"/>
+              <a:ext cx="758778" cy="499161"/>
+            </a:xfrm>
+            <a:prstGeom prst="ellipse">
+              <a:avLst/>
+            </a:prstGeom>
+            <a:solidFill>
+              <a:schemeClr val="accent4">
+                <a:alpha val="50000"/>
+              </a:schemeClr>
+            </a:solidFill>
+            <a:ln>
+              <a:noFill/>
+            </a:ln>
+          </p:spPr>
+          <p:style>
+            <a:lnRef idx="0">
+              <a:scrgbClr r="0" g="0" b="0"/>
+            </a:lnRef>
+            <a:fillRef idx="0">
+              <a:scrgbClr r="0" g="0" b="0"/>
+            </a:fillRef>
+            <a:effectRef idx="0">
+              <a:scrgbClr r="0" g="0" b="0"/>
+            </a:effectRef>
+            <a:fontRef idx="minor">
+              <a:schemeClr val="lt1"/>
+            </a:fontRef>
+          </p:style>
+          <p:txBody>
+            <a:bodyPr rtlCol="0" anchor="ctr"/>
+            <a:lstStyle/>
+            <a:p>
+              <a:pPr algn="ctr"/>
+              <a:r>
+                <a:rPr lang="en-US" altLang="ko-KR" sz="1050" dirty="0"/>
+                <a:t>Clamp $ADV</a:t>
+              </a:r>
+              <a:endParaRPr lang="ko-KR" altLang="en-US" sz="1050" dirty="0"/>
+            </a:p>
+          </p:txBody>
+        </p:sp>
+        <p:sp>
+          <p:nvSpPr>
+            <p:cNvPr id="28" name="타원 27">
+              <a:extLst>
+                <a:ext uri="{FF2B5EF4-FFF2-40B4-BE49-F238E27FC236}">
+                  <a16:creationId xmlns:a16="http://schemas.microsoft.com/office/drawing/2014/main" id="{D4DAA7DC-6192-4D1B-35A5-F5D032D07073}"/>
+                </a:ext>
+              </a:extLst>
+            </p:cNvPr>
+            <p:cNvSpPr/>
+            <p:nvPr/>
+          </p:nvSpPr>
+          <p:spPr>
+            <a:xfrm>
+              <a:off x="6880381" y="2575343"/>
+              <a:ext cx="758778" cy="499161"/>
+            </a:xfrm>
+            <a:prstGeom prst="ellipse">
+              <a:avLst/>
+            </a:prstGeom>
+            <a:solidFill>
+              <a:schemeClr val="accent4">
+                <a:alpha val="50000"/>
+              </a:schemeClr>
+            </a:solidFill>
+            <a:ln>
+              <a:noFill/>
+            </a:ln>
+          </p:spPr>
+          <p:style>
+            <a:lnRef idx="0">
+              <a:scrgbClr r="0" g="0" b="0"/>
+            </a:lnRef>
+            <a:fillRef idx="0">
+              <a:scrgbClr r="0" g="0" b="0"/>
+            </a:fillRef>
+            <a:effectRef idx="0">
+              <a:scrgbClr r="0" g="0" b="0"/>
+            </a:effectRef>
+            <a:fontRef idx="minor">
+              <a:schemeClr val="lt1"/>
+            </a:fontRef>
+          </p:style>
+          <p:txBody>
+            <a:bodyPr rtlCol="0" anchor="ctr"/>
+            <a:lstStyle/>
+            <a:p>
+              <a:pPr algn="ctr"/>
+              <a:r>
+                <a:rPr lang="en-US" altLang="ko-KR" sz="1050" dirty="0"/>
+                <a:t>Clamp $RET</a:t>
+              </a:r>
+              <a:endParaRPr lang="ko-KR" altLang="en-US" sz="1050" dirty="0"/>
+            </a:p>
+          </p:txBody>
+        </p:sp>
+        <p:cxnSp>
+          <p:nvCxnSpPr>
+            <p:cNvPr id="29" name="연결선: 꺾임 28">
+              <a:extLst>
+                <a:ext uri="{FF2B5EF4-FFF2-40B4-BE49-F238E27FC236}">
+                  <a16:creationId xmlns:a16="http://schemas.microsoft.com/office/drawing/2014/main" id="{2C7C2411-0A06-CFA6-9C89-8E6C7FB3F216}"/>
+                </a:ext>
+              </a:extLst>
+            </p:cNvPr>
+            <p:cNvCxnSpPr>
+              <a:cxnSpLocks/>
+              <a:stCxn id="26" idx="4"/>
+              <a:endCxn id="28" idx="3"/>
+            </p:cNvCxnSpPr>
+            <p:nvPr/>
+          </p:nvCxnSpPr>
+          <p:spPr>
+            <a:xfrm rot="16200000" flipH="1">
+              <a:off x="6531260" y="2541163"/>
+              <a:ext cx="378032" cy="542449"/>
+            </a:xfrm>
+            <a:prstGeom prst="bentConnector3">
+              <a:avLst>
+                <a:gd name="adj1" fmla="val 179808"/>
+              </a:avLst>
+            </a:prstGeom>
+            <a:ln>
+              <a:tailEnd type="triangle"/>
+            </a:ln>
+          </p:spPr>
+          <p:style>
+            <a:lnRef idx="1">
+              <a:schemeClr val="accent4"/>
+            </a:lnRef>
+            <a:fillRef idx="0">
+              <a:schemeClr val="accent4"/>
+            </a:fillRef>
+            <a:effectRef idx="0">
+              <a:schemeClr val="accent4"/>
+            </a:effectRef>
+            <a:fontRef idx="minor">
+              <a:schemeClr val="tx1"/>
+            </a:fontRef>
+          </p:style>
+        </p:cxnSp>
+      </p:grpSp>
+      <p:sp>
+        <p:nvSpPr>
+          <p:cNvPr id="34" name="사각형: 모서리가 접힌 도형 33">
+            <a:extLst>
+              <a:ext uri="{FF2B5EF4-FFF2-40B4-BE49-F238E27FC236}">
+                <a16:creationId xmlns:a16="http://schemas.microsoft.com/office/drawing/2014/main" id="{C3D2AFE5-0603-1136-2006-76B1E50AD071}"/>
+              </a:ext>
+            </a:extLst>
+          </p:cNvPr>
+          <p:cNvSpPr/>
+          <p:nvPr/>
+        </p:nvSpPr>
+        <p:spPr>
+          <a:xfrm>
+            <a:off x="6677415" y="4803028"/>
+            <a:ext cx="2437946" cy="568378"/>
+          </a:xfrm>
+          <a:prstGeom prst="foldedCorner">
+            <a:avLst/>
+          </a:prstGeom>
+          <a:solidFill>
+            <a:schemeClr val="accent3">
+              <a:alpha val="50000"/>
+            </a:schemeClr>
+          </a:solidFill>
+          <a:ln>
+            <a:noFill/>
+          </a:ln>
+        </p:spPr>
+        <p:style>
+          <a:lnRef idx="0">
+            <a:scrgbClr r="0" g="0" b="0"/>
+          </a:lnRef>
+          <a:fillRef idx="0">
+            <a:scrgbClr r="0" g="0" b="0"/>
+          </a:fillRef>
+          <a:effectRef idx="0">
+            <a:scrgbClr r="0" g="0" b="0"/>
+          </a:effectRef>
+          <a:fontRef idx="minor">
+            <a:schemeClr val="lt1"/>
+          </a:fontRef>
+        </p:style>
+        <p:txBody>
+          <a:bodyPr rtlCol="0" anchor="ctr"/>
+          <a:lstStyle/>
+          <a:p>
+            <a:pPr algn="ctr"/>
+            <a:r>
+              <a:rPr lang="en-US" altLang="ko-KR" dirty="0"/>
+              <a:t>lib/Cylinder/Double </a:t>
+            </a:r>
+          </a:p>
+          <a:p>
+            <a:pPr algn="ctr"/>
+            <a:r>
+              <a:rPr lang="en-US" altLang="ko-KR" dirty="0"/>
+              <a:t>[</a:t>
+            </a:r>
+            <a:r>
+              <a:rPr lang="en-US" altLang="ko-KR" dirty="0" err="1"/>
+              <a:t>PinA</a:t>
+            </a:r>
+            <a:r>
+              <a:rPr lang="en-US" altLang="ko-KR" dirty="0"/>
+              <a:t>]</a:t>
+            </a:r>
+            <a:endParaRPr lang="ko-KR" altLang="en-US" dirty="0"/>
+          </a:p>
+        </p:txBody>
+      </p:sp>
+      <p:grpSp>
+        <p:nvGrpSpPr>
+          <p:cNvPr id="44" name="그룹 43">
+            <a:extLst>
+              <a:ext uri="{FF2B5EF4-FFF2-40B4-BE49-F238E27FC236}">
+                <a16:creationId xmlns:a16="http://schemas.microsoft.com/office/drawing/2014/main" id="{E2B50E5B-2B39-4E96-458F-85B96ABBB3B4}"/>
+              </a:ext>
+            </a:extLst>
+          </p:cNvPr>
+          <p:cNvGrpSpPr/>
+          <p:nvPr/>
+        </p:nvGrpSpPr>
+        <p:grpSpPr>
+          <a:xfrm>
+            <a:off x="331486" y="1236651"/>
+            <a:ext cx="5282180" cy="2917639"/>
+            <a:chOff x="331486" y="1236651"/>
+            <a:chExt cx="5282180" cy="2917639"/>
+          </a:xfrm>
+        </p:grpSpPr>
+        <p:grpSp>
+          <p:nvGrpSpPr>
+            <p:cNvPr id="16" name="그룹 15">
+              <a:extLst>
+                <a:ext uri="{FF2B5EF4-FFF2-40B4-BE49-F238E27FC236}">
+                  <a16:creationId xmlns:a16="http://schemas.microsoft.com/office/drawing/2014/main" id="{90FC8CF1-2B85-11A3-58EB-E351DAA6A162}"/>
+                </a:ext>
+              </a:extLst>
+            </p:cNvPr>
+            <p:cNvGrpSpPr/>
+            <p:nvPr/>
+          </p:nvGrpSpPr>
+          <p:grpSpPr>
+            <a:xfrm>
+              <a:off x="331486" y="1236651"/>
+              <a:ext cx="5282180" cy="2917639"/>
+              <a:chOff x="356674" y="1216886"/>
+              <a:chExt cx="5282180" cy="2917639"/>
+            </a:xfrm>
+          </p:grpSpPr>
+          <p:sp>
+            <p:nvSpPr>
+              <p:cNvPr id="94" name="직사각형 93">
+                <a:extLst>
+                  <a:ext uri="{FF2B5EF4-FFF2-40B4-BE49-F238E27FC236}">
+                    <a16:creationId xmlns:a16="http://schemas.microsoft.com/office/drawing/2014/main" id="{50002DFC-06DB-5F32-EB21-2D6DF916CB2E}"/>
+                  </a:ext>
+                </a:extLst>
+              </p:cNvPr>
+              <p:cNvSpPr/>
+              <p:nvPr/>
+            </p:nvSpPr>
+            <p:spPr>
+              <a:xfrm>
+                <a:off x="356674" y="1216886"/>
+                <a:ext cx="5282180" cy="2917639"/>
+              </a:xfrm>
+              <a:prstGeom prst="rect">
+                <a:avLst/>
+              </a:prstGeom>
+            </p:spPr>
+            <p:style>
+              <a:lnRef idx="2">
+                <a:schemeClr val="accent1">
+                  <a:shade val="15000"/>
+                </a:schemeClr>
+              </a:lnRef>
+              <a:fillRef idx="1">
+                <a:schemeClr val="accent1"/>
+              </a:fillRef>
+              <a:effectRef idx="0">
+                <a:schemeClr val="accent1"/>
+              </a:effectRef>
+              <a:fontRef idx="minor">
+                <a:schemeClr val="lt1"/>
+              </a:fontRef>
+            </p:style>
+            <p:txBody>
+              <a:bodyPr rtlCol="0" anchor="ctr"/>
+              <a:lstStyle/>
+              <a:p>
+                <a:pPr algn="ctr"/>
+                <a:r>
+                  <a:rPr lang="en-US" altLang="ko-KR" dirty="0"/>
+                  <a:t>R1</a:t>
+                </a:r>
+                <a:endParaRPr lang="ko-KR" altLang="en-US" dirty="0"/>
+              </a:p>
+            </p:txBody>
+          </p:sp>
+          <p:sp>
+            <p:nvSpPr>
+              <p:cNvPr id="10" name="타원 9">
+                <a:extLst>
+                  <a:ext uri="{FF2B5EF4-FFF2-40B4-BE49-F238E27FC236}">
+                    <a16:creationId xmlns:a16="http://schemas.microsoft.com/office/drawing/2014/main" id="{FCDAA94B-9830-4764-06B1-1D60DCB829DC}"/>
+                  </a:ext>
+                </a:extLst>
+              </p:cNvPr>
+              <p:cNvSpPr/>
+              <p:nvPr/>
+            </p:nvSpPr>
+            <p:spPr>
+              <a:xfrm>
+                <a:off x="859603" y="1881292"/>
+                <a:ext cx="758778" cy="499161"/>
+              </a:xfrm>
+              <a:prstGeom prst="ellipse">
+                <a:avLst/>
+              </a:prstGeom>
+              <a:solidFill>
+                <a:schemeClr val="accent4">
+                  <a:alpha val="50000"/>
+                </a:schemeClr>
+              </a:solidFill>
+              <a:ln>
+                <a:noFill/>
+              </a:ln>
+            </p:spPr>
+            <p:style>
+              <a:lnRef idx="0">
+                <a:scrgbClr r="0" g="0" b="0"/>
+              </a:lnRef>
+              <a:fillRef idx="0">
+                <a:scrgbClr r="0" g="0" b="0"/>
+              </a:fillRef>
+              <a:effectRef idx="0">
+                <a:scrgbClr r="0" g="0" b="0"/>
+              </a:effectRef>
+              <a:fontRef idx="minor">
+                <a:schemeClr val="lt1"/>
+              </a:fontRef>
+            </p:style>
+            <p:txBody>
+              <a:bodyPr rtlCol="0" anchor="ctr"/>
+              <a:lstStyle/>
+              <a:p>
+                <a:pPr algn="ctr"/>
+                <a:r>
+                  <a:rPr lang="en-US" altLang="ko-KR" sz="1050" dirty="0" err="1"/>
+                  <a:t>PinA</a:t>
+                </a:r>
+                <a:r>
+                  <a:rPr lang="en-US" altLang="ko-KR" sz="1050" dirty="0"/>
+                  <a:t> $ADV</a:t>
+                </a:r>
+                <a:endParaRPr lang="ko-KR" altLang="en-US" sz="1050" dirty="0"/>
+              </a:p>
+            </p:txBody>
+          </p:sp>
+          <p:sp>
+            <p:nvSpPr>
+              <p:cNvPr id="11" name="타원 10">
+                <a:extLst>
+                  <a:ext uri="{FF2B5EF4-FFF2-40B4-BE49-F238E27FC236}">
+                    <a16:creationId xmlns:a16="http://schemas.microsoft.com/office/drawing/2014/main" id="{97560454-D4B5-A91B-3FF0-846F2FC2FD93}"/>
+                  </a:ext>
+                </a:extLst>
+              </p:cNvPr>
+              <p:cNvSpPr/>
+              <p:nvPr/>
+            </p:nvSpPr>
+            <p:spPr>
+              <a:xfrm>
+                <a:off x="1898822" y="3056896"/>
+                <a:ext cx="758778" cy="499161"/>
+              </a:xfrm>
+              <a:prstGeom prst="ellipse">
+                <a:avLst/>
+              </a:prstGeom>
+              <a:solidFill>
+                <a:schemeClr val="accent4">
+                  <a:alpha val="50000"/>
+                </a:schemeClr>
+              </a:solidFill>
+              <a:ln>
+                <a:noFill/>
+              </a:ln>
+            </p:spPr>
+            <p:style>
+              <a:lnRef idx="0">
+                <a:scrgbClr r="0" g="0" b="0"/>
+              </a:lnRef>
+              <a:fillRef idx="0">
+                <a:scrgbClr r="0" g="0" b="0"/>
+              </a:fillRef>
+              <a:effectRef idx="0">
+                <a:scrgbClr r="0" g="0" b="0"/>
+              </a:effectRef>
+              <a:fontRef idx="minor">
+                <a:schemeClr val="lt1"/>
+              </a:fontRef>
+            </p:style>
+            <p:txBody>
+              <a:bodyPr rtlCol="0" anchor="ctr"/>
+              <a:lstStyle/>
+              <a:p>
+                <a:pPr algn="ctr"/>
+                <a:r>
+                  <a:rPr lang="en-US" altLang="ko-KR" sz="1050" dirty="0" err="1"/>
+                  <a:t>PinA</a:t>
+                </a:r>
+                <a:r>
+                  <a:rPr lang="en-US" altLang="ko-KR" sz="1050" dirty="0"/>
+                  <a:t> $RET</a:t>
+                </a:r>
+                <a:endParaRPr lang="ko-KR" altLang="en-US" sz="1050" dirty="0"/>
+              </a:p>
+            </p:txBody>
+          </p:sp>
+          <p:cxnSp>
+            <p:nvCxnSpPr>
+              <p:cNvPr id="12" name="연결선: 꺾임 11">
+                <a:extLst>
+                  <a:ext uri="{FF2B5EF4-FFF2-40B4-BE49-F238E27FC236}">
+                    <a16:creationId xmlns:a16="http://schemas.microsoft.com/office/drawing/2014/main" id="{B82D86F6-686A-9B3A-FAFB-D9CA95D6B9EE}"/>
+                  </a:ext>
+                </a:extLst>
+              </p:cNvPr>
+              <p:cNvCxnSpPr>
+                <a:cxnSpLocks/>
+                <a:stCxn id="10" idx="5"/>
+                <a:endCxn id="11" idx="1"/>
+              </p:cNvCxnSpPr>
+              <p:nvPr/>
+            </p:nvCxnSpPr>
+            <p:spPr>
+              <a:xfrm rot="16200000" flipH="1">
+                <a:off x="1347280" y="2467332"/>
+                <a:ext cx="822643" cy="502682"/>
+              </a:xfrm>
+              <a:prstGeom prst="bentConnector3">
+                <a:avLst/>
+              </a:prstGeom>
+              <a:ln>
+                <a:tailEnd type="triangle"/>
+              </a:ln>
+            </p:spPr>
+            <p:style>
+              <a:lnRef idx="1">
+                <a:schemeClr val="accent4"/>
+              </a:lnRef>
+              <a:fillRef idx="0">
+                <a:schemeClr val="accent4"/>
+              </a:fillRef>
+              <a:effectRef idx="0">
+                <a:schemeClr val="accent4"/>
+              </a:effectRef>
+              <a:fontRef idx="minor">
+                <a:schemeClr val="tx1"/>
+              </a:fontRef>
+            </p:style>
+          </p:cxnSp>
+        </p:grpSp>
+        <p:sp>
+          <p:nvSpPr>
+            <p:cNvPr id="35" name="타원 34">
+              <a:extLst>
+                <a:ext uri="{FF2B5EF4-FFF2-40B4-BE49-F238E27FC236}">
+                  <a16:creationId xmlns:a16="http://schemas.microsoft.com/office/drawing/2014/main" id="{012DE983-D75D-B7F5-3F82-C437BB089E4F}"/>
+                </a:ext>
+              </a:extLst>
+            </p:cNvPr>
+            <p:cNvSpPr/>
+            <p:nvPr/>
+          </p:nvSpPr>
+          <p:spPr>
+            <a:xfrm>
+              <a:off x="2779948" y="1729131"/>
+              <a:ext cx="758778" cy="499161"/>
+            </a:xfrm>
+            <a:prstGeom prst="ellipse">
+              <a:avLst/>
+            </a:prstGeom>
+            <a:solidFill>
+              <a:schemeClr val="accent4">
+                <a:alpha val="50000"/>
+              </a:schemeClr>
+            </a:solidFill>
+            <a:ln>
+              <a:noFill/>
+            </a:ln>
+          </p:spPr>
+          <p:style>
+            <a:lnRef idx="0">
+              <a:scrgbClr r="0" g="0" b="0"/>
+            </a:lnRef>
+            <a:fillRef idx="0">
+              <a:scrgbClr r="0" g="0" b="0"/>
+            </a:fillRef>
+            <a:effectRef idx="0">
+              <a:scrgbClr r="0" g="0" b="0"/>
+            </a:effectRef>
+            <a:fontRef idx="minor">
+              <a:schemeClr val="lt1"/>
+            </a:fontRef>
+          </p:style>
+          <p:txBody>
+            <a:bodyPr rtlCol="0" anchor="ctr"/>
+            <a:lstStyle/>
+            <a:p>
+              <a:pPr algn="ctr"/>
+              <a:r>
+                <a:rPr lang="en-US" altLang="ko-KR" sz="1050" dirty="0" err="1"/>
+                <a:t>PinB</a:t>
+              </a:r>
+              <a:r>
+                <a:rPr lang="en-US" altLang="ko-KR" sz="1050" dirty="0"/>
+                <a:t> $ADV</a:t>
+              </a:r>
+              <a:endParaRPr lang="ko-KR" altLang="en-US" sz="1050" dirty="0"/>
+            </a:p>
+          </p:txBody>
+        </p:sp>
+        <p:sp>
+          <p:nvSpPr>
+            <p:cNvPr id="36" name="타원 35">
+              <a:extLst>
+                <a:ext uri="{FF2B5EF4-FFF2-40B4-BE49-F238E27FC236}">
+                  <a16:creationId xmlns:a16="http://schemas.microsoft.com/office/drawing/2014/main" id="{7E254FA6-B087-A662-0AA6-33D09FCECEDF}"/>
+                </a:ext>
+              </a:extLst>
+            </p:cNvPr>
+            <p:cNvSpPr/>
+            <p:nvPr/>
+          </p:nvSpPr>
+          <p:spPr>
+            <a:xfrm>
+              <a:off x="3819167" y="2904735"/>
+              <a:ext cx="758778" cy="499161"/>
+            </a:xfrm>
+            <a:prstGeom prst="ellipse">
+              <a:avLst/>
+            </a:prstGeom>
+            <a:solidFill>
+              <a:schemeClr val="accent4">
+                <a:alpha val="50000"/>
+              </a:schemeClr>
+            </a:solidFill>
+            <a:ln>
+              <a:noFill/>
+            </a:ln>
+          </p:spPr>
+          <p:style>
+            <a:lnRef idx="0">
+              <a:scrgbClr r="0" g="0" b="0"/>
+            </a:lnRef>
+            <a:fillRef idx="0">
+              <a:scrgbClr r="0" g="0" b="0"/>
+            </a:fillRef>
+            <a:effectRef idx="0">
+              <a:scrgbClr r="0" g="0" b="0"/>
+            </a:effectRef>
+            <a:fontRef idx="minor">
+              <a:schemeClr val="lt1"/>
+            </a:fontRef>
+          </p:style>
+          <p:txBody>
+            <a:bodyPr rtlCol="0" anchor="ctr"/>
+            <a:lstStyle/>
+            <a:p>
+              <a:pPr algn="ctr"/>
+              <a:r>
+                <a:rPr lang="en-US" altLang="ko-KR" sz="1050" dirty="0" err="1"/>
+                <a:t>PinB</a:t>
+              </a:r>
+              <a:r>
+                <a:rPr lang="en-US" altLang="ko-KR" sz="1050" dirty="0"/>
+                <a:t> $RET</a:t>
+              </a:r>
+              <a:endParaRPr lang="ko-KR" altLang="en-US" sz="1050" dirty="0"/>
+            </a:p>
+          </p:txBody>
+        </p:sp>
+        <p:cxnSp>
+          <p:nvCxnSpPr>
+            <p:cNvPr id="37" name="연결선: 꺾임 36">
+              <a:extLst>
+                <a:ext uri="{FF2B5EF4-FFF2-40B4-BE49-F238E27FC236}">
+                  <a16:creationId xmlns:a16="http://schemas.microsoft.com/office/drawing/2014/main" id="{B154AC2D-B472-8895-75AE-FC5DCF5D6EDB}"/>
+                </a:ext>
+              </a:extLst>
+            </p:cNvPr>
+            <p:cNvCxnSpPr>
+              <a:cxnSpLocks/>
+              <a:stCxn id="35" idx="5"/>
+              <a:endCxn id="36" idx="1"/>
+            </p:cNvCxnSpPr>
+            <p:nvPr/>
+          </p:nvCxnSpPr>
+          <p:spPr>
+            <a:xfrm rot="16200000" flipH="1">
+              <a:off x="3267625" y="2315171"/>
+              <a:ext cx="822643" cy="502682"/>
+            </a:xfrm>
+            <a:prstGeom prst="bentConnector3">
+              <a:avLst/>
+            </a:prstGeom>
+            <a:ln>
+              <a:tailEnd type="triangle"/>
+            </a:ln>
+          </p:spPr>
+          <p:style>
+            <a:lnRef idx="1">
+              <a:schemeClr val="accent4"/>
+            </a:lnRef>
+            <a:fillRef idx="0">
+              <a:schemeClr val="accent4"/>
+            </a:fillRef>
+            <a:effectRef idx="0">
+              <a:schemeClr val="accent4"/>
+            </a:effectRef>
+            <a:fontRef idx="minor">
+              <a:schemeClr val="tx1"/>
+            </a:fontRef>
+          </p:style>
+        </p:cxnSp>
+        <p:cxnSp>
+          <p:nvCxnSpPr>
+            <p:cNvPr id="38" name="연결선: 꺾임 37">
+              <a:extLst>
+                <a:ext uri="{FF2B5EF4-FFF2-40B4-BE49-F238E27FC236}">
+                  <a16:creationId xmlns:a16="http://schemas.microsoft.com/office/drawing/2014/main" id="{9FEC5249-886D-4E91-096E-1136ED2A4E38}"/>
+                </a:ext>
+              </a:extLst>
+            </p:cNvPr>
+            <p:cNvCxnSpPr>
+              <a:cxnSpLocks/>
+              <a:stCxn id="10" idx="6"/>
+              <a:endCxn id="35" idx="2"/>
+            </p:cNvCxnSpPr>
+            <p:nvPr/>
+          </p:nvCxnSpPr>
+          <p:spPr>
+            <a:xfrm flipV="1">
+              <a:off x="1593193" y="1978712"/>
+              <a:ext cx="1186755" cy="171926"/>
+            </a:xfrm>
+            <a:prstGeom prst="bentConnector3">
+              <a:avLst/>
+            </a:prstGeom>
+            <a:ln>
+              <a:tailEnd type="triangle"/>
+            </a:ln>
+          </p:spPr>
+          <p:style>
+            <a:lnRef idx="1">
+              <a:schemeClr val="accent4"/>
+            </a:lnRef>
+            <a:fillRef idx="0">
+              <a:schemeClr val="accent4"/>
+            </a:fillRef>
+            <a:effectRef idx="0">
+              <a:schemeClr val="accent4"/>
+            </a:effectRef>
+            <a:fontRef idx="minor">
+              <a:schemeClr val="tx1"/>
+            </a:fontRef>
+          </p:style>
+        </p:cxnSp>
+        <p:cxnSp>
+          <p:nvCxnSpPr>
+            <p:cNvPr id="41" name="연결선: 꺾임 40">
+              <a:extLst>
+                <a:ext uri="{FF2B5EF4-FFF2-40B4-BE49-F238E27FC236}">
+                  <a16:creationId xmlns:a16="http://schemas.microsoft.com/office/drawing/2014/main" id="{0FB9EC74-793F-271C-E581-BC517FD8F9E9}"/>
+                </a:ext>
+              </a:extLst>
+            </p:cNvPr>
+            <p:cNvCxnSpPr>
+              <a:cxnSpLocks/>
+              <a:stCxn id="11" idx="6"/>
+              <a:endCxn id="36" idx="2"/>
+            </p:cNvCxnSpPr>
+            <p:nvPr/>
+          </p:nvCxnSpPr>
+          <p:spPr>
+            <a:xfrm flipV="1">
+              <a:off x="2632412" y="3154316"/>
+              <a:ext cx="1186755" cy="171926"/>
+            </a:xfrm>
+            <a:prstGeom prst="bentConnector3">
+              <a:avLst>
+                <a:gd name="adj1" fmla="val 50000"/>
+              </a:avLst>
+            </a:prstGeom>
+            <a:ln>
+              <a:tailEnd type="triangle"/>
+            </a:ln>
+          </p:spPr>
+          <p:style>
+            <a:lnRef idx="1">
+              <a:schemeClr val="accent4"/>
+            </a:lnRef>
+            <a:fillRef idx="0">
+              <a:schemeClr val="accent4"/>
+            </a:fillRef>
+            <a:effectRef idx="0">
+              <a:schemeClr val="accent4"/>
+            </a:effectRef>
+            <a:fontRef idx="minor">
+              <a:schemeClr val="tx1"/>
+            </a:fontRef>
+          </p:style>
+        </p:cxnSp>
+      </p:grpSp>
+    </p:spTree>
+    <p:extLst>
+      <p:ext uri="{BB962C8B-B14F-4D97-AF65-F5344CB8AC3E}">
+        <p14:creationId xmlns:p14="http://schemas.microsoft.com/office/powerpoint/2010/main" val="1747930461"/>
+      </p:ext>
+    </p:extLst>
+  </p:cSld>
+  <p:clrMapOvr>
+    <a:masterClrMapping/>
+  </p:clrMapOvr>
+</p:sld>
+</file>
+
+<file path=ppt/slides/slide11.xml><?xml version="1.0" encoding="utf-8"?>
+<p:sld xmlns:a="http://schemas.openxmlformats.org/drawingml/2006/main" xmlns:r="http://schemas.openxmlformats.org/officeDocument/2006/relationships" xmlns:p="http://schemas.openxmlformats.org/presentationml/2006/main" show="0">
+  <p:cSld>
+    <p:spTree>
+      <p:nvGrpSpPr>
+        <p:cNvPr id="1" name=""/>
+        <p:cNvGrpSpPr/>
+        <p:nvPr/>
+      </p:nvGrpSpPr>
+      <p:grpSpPr>
+        <a:xfrm>
+          <a:off x="0" y="0"/>
+          <a:ext cx="0" cy="0"/>
+          <a:chOff x="0" y="0"/>
+          <a:chExt cx="0" cy="0"/>
+        </a:xfrm>
+      </p:grpSpPr>
+      <p:sp>
+        <p:nvSpPr>
+          <p:cNvPr id="2" name="제목 1">
+            <a:extLst>
+              <a:ext uri="{FF2B5EF4-FFF2-40B4-BE49-F238E27FC236}">
+                <a16:creationId xmlns:a16="http://schemas.microsoft.com/office/drawing/2014/main" id="{5E8FE27E-4086-E570-1BA4-F2B433CAA376}"/>
+              </a:ext>
+            </a:extLst>
+          </p:cNvPr>
+          <p:cNvSpPr>
+            <a:spLocks noGrp="1"/>
+          </p:cNvSpPr>
+          <p:nvPr>
+            <p:ph type="title"/>
+          </p:nvPr>
+        </p:nvSpPr>
+        <p:spPr/>
+        <p:txBody>
+          <a:bodyPr/>
+          <a:lstStyle/>
+          <a:p>
+            <a:r>
+              <a:rPr lang="en-US" altLang="ko-KR" dirty="0"/>
+              <a:t>F0</a:t>
+            </a:r>
+            <a:endParaRPr lang="ko-KR" altLang="en-US" dirty="0"/>
+          </a:p>
+        </p:txBody>
+      </p:sp>
+      <p:sp>
+        <p:nvSpPr>
+          <p:cNvPr id="56" name="직사각형 55">
+            <a:extLst>
+              <a:ext uri="{FF2B5EF4-FFF2-40B4-BE49-F238E27FC236}">
+                <a16:creationId xmlns:a16="http://schemas.microsoft.com/office/drawing/2014/main" id="{B59930BF-EFE8-0861-D55E-FEAC7FD46A32}"/>
+              </a:ext>
+            </a:extLst>
+          </p:cNvPr>
+          <p:cNvSpPr/>
+          <p:nvPr/>
+        </p:nvSpPr>
+        <p:spPr>
+          <a:xfrm>
+            <a:off x="3367314" y="2622445"/>
+            <a:ext cx="1103086" cy="1066431"/>
+          </a:xfrm>
+          <a:prstGeom prst="rect">
+            <a:avLst/>
+          </a:prstGeom>
+          <a:solidFill>
+            <a:schemeClr val="accent4">
+              <a:alpha val="50000"/>
+            </a:schemeClr>
+          </a:solidFill>
+          <a:ln>
+            <a:noFill/>
+          </a:ln>
+        </p:spPr>
+        <p:style>
+          <a:lnRef idx="0">
+            <a:scrgbClr r="0" g="0" b="0"/>
+          </a:lnRef>
+          <a:fillRef idx="0">
+            <a:scrgbClr r="0" g="0" b="0"/>
+          </a:fillRef>
+          <a:effectRef idx="0">
+            <a:scrgbClr r="0" g="0" b="0"/>
+          </a:effectRef>
+          <a:fontRef idx="minor">
+            <a:schemeClr val="lt1"/>
+          </a:fontRef>
+        </p:style>
+        <p:txBody>
+          <a:bodyPr rtlCol="0" anchor="ctr"/>
+          <a:lstStyle/>
+          <a:p>
+            <a:pPr algn="ctr"/>
+            <a:r>
+              <a:rPr lang="en-US" altLang="ko-KR" sz="1200" dirty="0" err="1"/>
+              <a:t>R11</a:t>
+            </a:r>
+            <a:endParaRPr lang="ko-KR" altLang="en-US" sz="1200" dirty="0"/>
+          </a:p>
+        </p:txBody>
+      </p:sp>
+      <p:sp>
+        <p:nvSpPr>
+          <p:cNvPr id="3" name="직사각형 2">
+            <a:extLst>
+              <a:ext uri="{FF2B5EF4-FFF2-40B4-BE49-F238E27FC236}">
+                <a16:creationId xmlns:a16="http://schemas.microsoft.com/office/drawing/2014/main" id="{F7635A7D-094A-7E28-E7A6-0073FF8BBEC2}"/>
+              </a:ext>
+            </a:extLst>
+          </p:cNvPr>
+          <p:cNvSpPr/>
+          <p:nvPr/>
+        </p:nvSpPr>
+        <p:spPr>
+          <a:xfrm>
+            <a:off x="6326175" y="2993381"/>
+            <a:ext cx="1103086" cy="1066431"/>
+          </a:xfrm>
+          <a:prstGeom prst="rect">
+            <a:avLst/>
+          </a:prstGeom>
+          <a:solidFill>
+            <a:schemeClr val="accent4">
+              <a:alpha val="50000"/>
+            </a:schemeClr>
+          </a:solidFill>
+          <a:ln>
+            <a:noFill/>
+          </a:ln>
+        </p:spPr>
+        <p:style>
+          <a:lnRef idx="0">
+            <a:scrgbClr r="0" g="0" b="0"/>
+          </a:lnRef>
+          <a:fillRef idx="0">
+            <a:scrgbClr r="0" g="0" b="0"/>
+          </a:fillRef>
+          <a:effectRef idx="0">
+            <a:scrgbClr r="0" g="0" b="0"/>
+          </a:effectRef>
+          <a:fontRef idx="minor">
+            <a:schemeClr val="lt1"/>
+          </a:fontRef>
+        </p:style>
+        <p:txBody>
+          <a:bodyPr rtlCol="0" anchor="ctr"/>
+          <a:lstStyle/>
+          <a:p>
+            <a:pPr algn="ctr"/>
+            <a:r>
+              <a:rPr lang="en-US" altLang="ko-KR" sz="3200" dirty="0"/>
+              <a:t>FEX.R2</a:t>
+            </a:r>
+            <a:endParaRPr lang="ko-KR" altLang="en-US" sz="1200" dirty="0"/>
+          </a:p>
+        </p:txBody>
+      </p:sp>
+      <p:cxnSp>
+        <p:nvCxnSpPr>
+          <p:cNvPr id="5" name="연결선: 꺾임 4">
+            <a:extLst>
+              <a:ext uri="{FF2B5EF4-FFF2-40B4-BE49-F238E27FC236}">
+                <a16:creationId xmlns:a16="http://schemas.microsoft.com/office/drawing/2014/main" id="{A26142C6-04FA-DB58-2BDA-17C170B1E215}"/>
+              </a:ext>
+            </a:extLst>
+          </p:cNvPr>
+          <p:cNvCxnSpPr>
+            <a:stCxn id="56" idx="3"/>
+            <a:endCxn id="3" idx="1"/>
+          </p:cNvCxnSpPr>
+          <p:nvPr/>
+        </p:nvCxnSpPr>
+        <p:spPr>
+          <a:xfrm>
+            <a:off x="4470400" y="3155661"/>
+            <a:ext cx="1855775" cy="370936"/>
+          </a:xfrm>
+          <a:prstGeom prst="bentConnector3">
+            <a:avLst/>
+          </a:prstGeom>
+          <a:ln>
+            <a:tailEnd type="triangle"/>
+          </a:ln>
+        </p:spPr>
+        <p:style>
+          <a:lnRef idx="1">
+            <a:schemeClr val="accent1"/>
+          </a:lnRef>
+          <a:fillRef idx="0">
+            <a:schemeClr val="accent1"/>
+          </a:fillRef>
+          <a:effectRef idx="0">
+            <a:schemeClr val="accent1"/>
+          </a:effectRef>
+          <a:fontRef idx="minor">
+            <a:schemeClr val="tx1"/>
+          </a:fontRef>
+        </p:style>
+      </p:cxnSp>
+      <p:sp>
+        <p:nvSpPr>
+          <p:cNvPr id="7" name="사각형: 모서리가 접힌 도형 6">
+            <a:extLst>
+              <a:ext uri="{FF2B5EF4-FFF2-40B4-BE49-F238E27FC236}">
+                <a16:creationId xmlns:a16="http://schemas.microsoft.com/office/drawing/2014/main" id="{E20F75E5-4691-EC05-2730-B5EAC808B068}"/>
+              </a:ext>
+            </a:extLst>
+          </p:cNvPr>
+          <p:cNvSpPr/>
+          <p:nvPr/>
+        </p:nvSpPr>
+        <p:spPr>
+          <a:xfrm>
+            <a:off x="9316310" y="2557743"/>
+            <a:ext cx="2437946" cy="1223682"/>
+          </a:xfrm>
+          <a:prstGeom prst="foldedCorner">
+            <a:avLst/>
+          </a:prstGeom>
+          <a:solidFill>
+            <a:schemeClr val="accent3">
+              <a:alpha val="50000"/>
+            </a:schemeClr>
+          </a:solidFill>
+          <a:ln>
+            <a:noFill/>
+          </a:ln>
+        </p:spPr>
+        <p:style>
+          <a:lnRef idx="0">
+            <a:scrgbClr r="0" g="0" b="0"/>
+          </a:lnRef>
+          <a:fillRef idx="0">
+            <a:scrgbClr r="0" g="0" b="0"/>
+          </a:fillRef>
+          <a:effectRef idx="0">
+            <a:scrgbClr r="0" g="0" b="0"/>
+          </a:effectRef>
+          <a:fontRef idx="minor">
+            <a:schemeClr val="lt1"/>
+          </a:fontRef>
+        </p:style>
+        <p:txBody>
+          <a:bodyPr rtlCol="0" anchor="ctr"/>
+          <a:lstStyle/>
+          <a:p>
+            <a:pPr algn="ctr"/>
+            <a:r>
+              <a:rPr lang="en-US" altLang="ko-KR" dirty="0"/>
+              <a:t>lib/Cylinder/Single </a:t>
+            </a:r>
+          </a:p>
+          <a:p>
+            <a:pPr algn="ctr"/>
+            <a:r>
+              <a:rPr lang="en-US" altLang="ko-KR" dirty="0"/>
+              <a:t>[Pin]</a:t>
+            </a:r>
+            <a:endParaRPr lang="ko-KR" altLang="en-US" dirty="0"/>
+          </a:p>
+        </p:txBody>
+      </p:sp>
+      <p:sp>
+        <p:nvSpPr>
+          <p:cNvPr id="6" name="직사각형 5">
+            <a:extLst>
+              <a:ext uri="{FF2B5EF4-FFF2-40B4-BE49-F238E27FC236}">
+                <a16:creationId xmlns:a16="http://schemas.microsoft.com/office/drawing/2014/main" id="{217B25AD-148C-7929-3495-54B7F85C1125}"/>
+              </a:ext>
+            </a:extLst>
+          </p:cNvPr>
+          <p:cNvSpPr/>
+          <p:nvPr/>
+        </p:nvSpPr>
+        <p:spPr>
+          <a:xfrm>
+            <a:off x="971018" y="4222092"/>
+            <a:ext cx="4427269" cy="2126950"/>
+          </a:xfrm>
+          <a:prstGeom prst="rect">
+            <a:avLst/>
+          </a:prstGeom>
+          <a:solidFill>
+            <a:schemeClr val="accent4">
+              <a:alpha val="50000"/>
+            </a:schemeClr>
+          </a:solidFill>
+          <a:ln>
+            <a:noFill/>
+          </a:ln>
+        </p:spPr>
+        <p:style>
+          <a:lnRef idx="0">
+            <a:scrgbClr r="0" g="0" b="0"/>
+          </a:lnRef>
+          <a:fillRef idx="0">
+            <a:scrgbClr r="0" g="0" b="0"/>
+          </a:fillRef>
+          <a:effectRef idx="0">
+            <a:scrgbClr r="0" g="0" b="0"/>
+          </a:effectRef>
+          <a:fontRef idx="minor">
+            <a:schemeClr val="lt1"/>
+          </a:fontRef>
+        </p:style>
+        <p:txBody>
+          <a:bodyPr rtlCol="0" anchor="ctr"/>
+          <a:lstStyle/>
+          <a:p>
+            <a:pPr algn="ctr"/>
+            <a:r>
+              <a:rPr lang="en-US" altLang="ko-KR" sz="1200" dirty="0"/>
+              <a:t>FEX.R2</a:t>
+            </a:r>
+            <a:endParaRPr lang="ko-KR" altLang="en-US" sz="800" dirty="0"/>
+          </a:p>
+        </p:txBody>
+      </p:sp>
+      <p:sp>
+        <p:nvSpPr>
+          <p:cNvPr id="10" name="직사각형 9">
+            <a:extLst>
+              <a:ext uri="{FF2B5EF4-FFF2-40B4-BE49-F238E27FC236}">
+                <a16:creationId xmlns:a16="http://schemas.microsoft.com/office/drawing/2014/main" id="{E85E75D1-2DF9-FB75-21C7-741E94A65347}"/>
+              </a:ext>
+            </a:extLst>
+          </p:cNvPr>
+          <p:cNvSpPr/>
+          <p:nvPr/>
+        </p:nvSpPr>
+        <p:spPr>
+          <a:xfrm>
+            <a:off x="693125" y="2274698"/>
+            <a:ext cx="1103086" cy="1066431"/>
+          </a:xfrm>
+          <a:prstGeom prst="rect">
+            <a:avLst/>
+          </a:prstGeom>
+          <a:solidFill>
+            <a:schemeClr val="accent4">
+              <a:alpha val="50000"/>
+            </a:schemeClr>
+          </a:solidFill>
+          <a:ln>
+            <a:noFill/>
+          </a:ln>
+        </p:spPr>
+        <p:style>
+          <a:lnRef idx="0">
+            <a:scrgbClr r="0" g="0" b="0"/>
+          </a:lnRef>
+          <a:fillRef idx="0">
+            <a:scrgbClr r="0" g="0" b="0"/>
+          </a:fillRef>
+          <a:effectRef idx="0">
+            <a:scrgbClr r="0" g="0" b="0"/>
+          </a:effectRef>
+          <a:fontRef idx="minor">
+            <a:schemeClr val="lt1"/>
+          </a:fontRef>
+        </p:style>
+        <p:txBody>
+          <a:bodyPr rtlCol="0" anchor="ctr"/>
+          <a:lstStyle/>
+          <a:p>
+            <a:pPr algn="ctr"/>
+            <a:r>
+              <a:rPr lang="en-US" altLang="ko-KR" sz="1200" dirty="0" err="1"/>
+              <a:t>R22</a:t>
+            </a:r>
+            <a:endParaRPr lang="ko-KR" altLang="en-US" sz="1200" dirty="0"/>
+          </a:p>
+        </p:txBody>
+      </p:sp>
+      <p:cxnSp>
+        <p:nvCxnSpPr>
+          <p:cNvPr id="13" name="연결선: 꺾임 12">
+            <a:extLst>
+              <a:ext uri="{FF2B5EF4-FFF2-40B4-BE49-F238E27FC236}">
+                <a16:creationId xmlns:a16="http://schemas.microsoft.com/office/drawing/2014/main" id="{2D930A9F-61E6-7F98-35DD-922935F9670D}"/>
+              </a:ext>
+            </a:extLst>
+          </p:cNvPr>
+          <p:cNvCxnSpPr>
+            <a:cxnSpLocks/>
+            <a:stCxn id="10" idx="2"/>
+            <a:endCxn id="6" idx="0"/>
+          </p:cNvCxnSpPr>
+          <p:nvPr/>
+        </p:nvCxnSpPr>
+        <p:spPr>
+          <a:xfrm rot="16200000" flipH="1">
+            <a:off x="1774179" y="2811617"/>
+            <a:ext cx="880963" cy="1939985"/>
+          </a:xfrm>
+          <a:prstGeom prst="bentConnector3">
+            <a:avLst>
+              <a:gd name="adj1" fmla="val 50000"/>
+            </a:avLst>
+          </a:prstGeom>
+          <a:ln>
+            <a:tailEnd type="triangle"/>
+          </a:ln>
+        </p:spPr>
+        <p:style>
+          <a:lnRef idx="1">
+            <a:schemeClr val="accent1"/>
+          </a:lnRef>
+          <a:fillRef idx="0">
+            <a:schemeClr val="accent1"/>
+          </a:fillRef>
+          <a:effectRef idx="0">
+            <a:schemeClr val="accent1"/>
+          </a:effectRef>
+          <a:fontRef idx="minor">
+            <a:schemeClr val="tx1"/>
+          </a:fontRef>
+        </p:style>
+      </p:cxnSp>
+    </p:spTree>
+    <p:extLst>
+      <p:ext uri="{BB962C8B-B14F-4D97-AF65-F5344CB8AC3E}">
+        <p14:creationId xmlns:p14="http://schemas.microsoft.com/office/powerpoint/2010/main" val="2276412121"/>
+      </p:ext>
+    </p:extLst>
+  </p:cSld>
+  <p:clrMapOvr>
+    <a:masterClrMapping/>
+  </p:clrMapOvr>
+</p:sld>
+</file>
+
+<file path=ppt/slides/slide12.xml><?xml version="1.0" encoding="utf-8"?>
 <p:sld xmlns:a="http://schemas.openxmlformats.org/drawingml/2006/main" xmlns:r="http://schemas.openxmlformats.org/officeDocument/2006/relationships" xmlns:p="http://schemas.openxmlformats.org/presentationml/2006/main" show="0">
   <p:cSld>
     <p:spTree>
@@ -14324,7 +16533,7 @@
 </p:sld>
 </file>
 
-<file path=ppt/slides/slide11.xml><?xml version="1.0" encoding="utf-8"?>
+<file path=ppt/slides/slide13.xml><?xml version="1.0" encoding="utf-8"?>
 <p:sld xmlns:a="http://schemas.openxmlformats.org/drawingml/2006/main" xmlns:r="http://schemas.openxmlformats.org/officeDocument/2006/relationships" xmlns:p="http://schemas.openxmlformats.org/presentationml/2006/main" show="0">
   <p:cSld>
     <p:spTree>
@@ -15521,7 +17730,7 @@
 </p:sld>
 </file>
 
-<file path=ppt/slides/slide12.xml><?xml version="1.0" encoding="utf-8"?>
+<file path=ppt/slides/slide14.xml><?xml version="1.0" encoding="utf-8"?>
 <p:sld xmlns:a="http://schemas.openxmlformats.org/drawingml/2006/main" xmlns:r="http://schemas.openxmlformats.org/officeDocument/2006/relationships" xmlns:p="http://schemas.openxmlformats.org/presentationml/2006/main" show="0">
   <p:cSld>
     <p:spTree>
@@ -16014,7 +18223,7 @@
 </p:sld>
 </file>
 
-<file path=ppt/slides/slide13.xml><?xml version="1.0" encoding="utf-8"?>
+<file path=ppt/slides/slide15.xml><?xml version="1.0" encoding="utf-8"?>
 <p:sld xmlns:a="http://schemas.openxmlformats.org/drawingml/2006/main" xmlns:r="http://schemas.openxmlformats.org/officeDocument/2006/relationships" xmlns:p="http://schemas.openxmlformats.org/presentationml/2006/main" show="0">
   <p:cSld>
     <p:spTree>
@@ -16563,7 +18772,7 @@
 </p:sld>
 </file>
 
-<file path=ppt/slides/slide14.xml><?xml version="1.0" encoding="utf-8"?>
+<file path=ppt/slides/slide16.xml><?xml version="1.0" encoding="utf-8"?>
 <p:sld xmlns:a="http://schemas.openxmlformats.org/drawingml/2006/main" xmlns:r="http://schemas.openxmlformats.org/officeDocument/2006/relationships" xmlns:p="http://schemas.openxmlformats.org/presentationml/2006/main" show="0">
   <p:cSld>
     <p:spTree>
@@ -17144,7 +19353,7 @@
 </p:sld>
 </file>
 
-<file path=ppt/slides/slide15.xml><?xml version="1.0" encoding="utf-8"?>
+<file path=ppt/slides/slide17.xml><?xml version="1.0" encoding="utf-8"?>
 <p:sld xmlns:a="http://schemas.openxmlformats.org/drawingml/2006/main" xmlns:r="http://schemas.openxmlformats.org/officeDocument/2006/relationships" xmlns:p="http://schemas.openxmlformats.org/presentationml/2006/main" show="0">
   <p:cSld>
     <p:spTree>
@@ -17689,7 +19898,7 @@
 </p:sld>
 </file>
 
-<file path=ppt/slides/slide16.xml><?xml version="1.0" encoding="utf-8"?>
+<file path=ppt/slides/slide18.xml><?xml version="1.0" encoding="utf-8"?>
 <p:sld xmlns:a="http://schemas.openxmlformats.org/drawingml/2006/main" xmlns:r="http://schemas.openxmlformats.org/officeDocument/2006/relationships" xmlns:p="http://schemas.openxmlformats.org/presentationml/2006/main" show="0">
   <p:cSld>
     <p:spTree>
@@ -18268,7 +20477,7 @@
 </p:sld>
 </file>
 
-<file path=ppt/slides/slide17.xml><?xml version="1.0" encoding="utf-8"?>
+<file path=ppt/slides/slide19.xml><?xml version="1.0" encoding="utf-8"?>
 <p:sld xmlns:a="http://schemas.openxmlformats.org/drawingml/2006/main" xmlns:r="http://schemas.openxmlformats.org/officeDocument/2006/relationships" xmlns:p="http://schemas.openxmlformats.org/presentationml/2006/main" show="0">
   <p:cSld>
     <p:spTree>
@@ -18804,7 +21013,400 @@
 </p:sld>
 </file>
 
-<file path=ppt/slides/slide18.xml><?xml version="1.0" encoding="utf-8"?>
+<file path=ppt/slides/slide2.xml><?xml version="1.0" encoding="utf-8"?>
+<p:sld xmlns:a="http://schemas.openxmlformats.org/drawingml/2006/main" xmlns:r="http://schemas.openxmlformats.org/officeDocument/2006/relationships" xmlns:p="http://schemas.openxmlformats.org/presentationml/2006/main" show="0">
+  <p:cSld>
+    <p:spTree>
+      <p:nvGrpSpPr>
+        <p:cNvPr id="1" name=""/>
+        <p:cNvGrpSpPr/>
+        <p:nvPr/>
+      </p:nvGrpSpPr>
+      <p:grpSpPr>
+        <a:xfrm>
+          <a:off x="0" y="0"/>
+          <a:ext cx="0" cy="0"/>
+          <a:chOff x="0" y="0"/>
+          <a:chExt cx="0" cy="0"/>
+        </a:xfrm>
+      </p:grpSpPr>
+      <p:sp>
+        <p:nvSpPr>
+          <p:cNvPr id="2" name="제목 1">
+            <a:extLst>
+              <a:ext uri="{FF2B5EF4-FFF2-40B4-BE49-F238E27FC236}">
+                <a16:creationId xmlns:a16="http://schemas.microsoft.com/office/drawing/2014/main" id="{0E7EE7A1-7B14-06A7-414F-ACB9F852EA89}"/>
+              </a:ext>
+            </a:extLst>
+          </p:cNvPr>
+          <p:cNvSpPr>
+            <a:spLocks noGrp="1"/>
+          </p:cNvSpPr>
+          <p:nvPr>
+            <p:ph type="title"/>
+          </p:nvPr>
+        </p:nvSpPr>
+        <p:spPr/>
+        <p:txBody>
+          <a:bodyPr/>
+          <a:lstStyle/>
+          <a:p>
+            <a:r>
+              <a:rPr lang="en-US" altLang="ko-KR" dirty="0"/>
+              <a:t>S101</a:t>
+            </a:r>
+            <a:endParaRPr lang="ko-KR" altLang="en-US" dirty="0"/>
+          </a:p>
+        </p:txBody>
+      </p:sp>
+      <p:sp>
+        <p:nvSpPr>
+          <p:cNvPr id="8" name="TextBox 7">
+            <a:extLst>
+              <a:ext uri="{FF2B5EF4-FFF2-40B4-BE49-F238E27FC236}">
+                <a16:creationId xmlns:a16="http://schemas.microsoft.com/office/drawing/2014/main" id="{3B6BBB1D-8F33-F2F4-5E18-D4FAFA795448}"/>
+              </a:ext>
+            </a:extLst>
+          </p:cNvPr>
+          <p:cNvSpPr txBox="1"/>
+          <p:nvPr/>
+        </p:nvSpPr>
+        <p:spPr>
+          <a:xfrm>
+            <a:off x="3985297" y="4008142"/>
+            <a:ext cx="3917732" cy="646331"/>
+          </a:xfrm>
+          <a:prstGeom prst="rect">
+            <a:avLst/>
+          </a:prstGeom>
+          <a:noFill/>
+        </p:spPr>
+        <p:txBody>
+          <a:bodyPr wrap="square" rtlCol="0">
+            <a:spAutoFit/>
+          </a:bodyPr>
+          <a:lstStyle/>
+          <a:p>
+            <a:r>
+              <a:rPr lang="en-US" altLang="ko-KR" dirty="0"/>
+              <a:t>Loading </a:t>
+            </a:r>
+            <a:r>
+              <a:rPr lang="ko-KR" altLang="en-US" dirty="0"/>
+              <a:t>시스템 경로   →</a:t>
+            </a:r>
+            <a:endParaRPr lang="en-US" altLang="ko-KR" dirty="0"/>
+          </a:p>
+          <a:p>
+            <a:r>
+              <a:rPr lang="en-US" altLang="ko-KR" dirty="0"/>
+              <a:t>[</a:t>
+            </a:r>
+            <a:r>
+              <a:rPr lang="ko-KR" altLang="en-US" dirty="0"/>
+              <a:t>이름지정</a:t>
+            </a:r>
+            <a:r>
+              <a:rPr lang="en-US" altLang="ko-KR" dirty="0"/>
+              <a:t>]   	        </a:t>
+            </a:r>
+            <a:r>
+              <a:rPr lang="ko-KR" altLang="en-US" dirty="0"/>
+              <a:t>→</a:t>
+            </a:r>
+          </a:p>
+        </p:txBody>
+      </p:sp>
+      <p:sp>
+        <p:nvSpPr>
+          <p:cNvPr id="9" name="TextBox 8">
+            <a:extLst>
+              <a:ext uri="{FF2B5EF4-FFF2-40B4-BE49-F238E27FC236}">
+                <a16:creationId xmlns:a16="http://schemas.microsoft.com/office/drawing/2014/main" id="{DEBCA628-F50A-2352-F68D-0EA3A5DEBE9B}"/>
+              </a:ext>
+            </a:extLst>
+          </p:cNvPr>
+          <p:cNvSpPr txBox="1"/>
+          <p:nvPr/>
+        </p:nvSpPr>
+        <p:spPr>
+          <a:xfrm>
+            <a:off x="652831" y="2904181"/>
+            <a:ext cx="9676274" cy="646331"/>
+          </a:xfrm>
+          <a:prstGeom prst="rect">
+            <a:avLst/>
+          </a:prstGeom>
+          <a:noFill/>
+        </p:spPr>
+        <p:txBody>
+          <a:bodyPr wrap="square" rtlCol="0">
+            <a:spAutoFit/>
+          </a:bodyPr>
+          <a:lstStyle/>
+          <a:p>
+            <a:r>
+              <a:rPr lang="ko-KR" altLang="en-US" dirty="0"/>
+              <a:t>외부 시스템 </a:t>
+            </a:r>
+            <a:r>
+              <a:rPr lang="en-US" altLang="ko-KR" dirty="0"/>
+              <a:t>Call </a:t>
+            </a:r>
+            <a:r>
+              <a:rPr lang="ko-KR" altLang="en-US" dirty="0"/>
+              <a:t>경우에는 시스템을 </a:t>
+            </a:r>
+            <a:r>
+              <a:rPr lang="en-US" altLang="ko-KR" dirty="0"/>
+              <a:t>Loading </a:t>
+            </a:r>
+            <a:r>
+              <a:rPr lang="ko-KR" altLang="en-US" dirty="0"/>
+              <a:t>해야 한다</a:t>
+            </a:r>
+            <a:r>
+              <a:rPr lang="en-US" altLang="ko-KR" dirty="0"/>
+              <a:t>.</a:t>
+            </a:r>
+          </a:p>
+          <a:p>
+            <a:r>
+              <a:rPr lang="en-US" altLang="ko-KR" dirty="0"/>
+              <a:t>Loading </a:t>
+            </a:r>
+            <a:r>
+              <a:rPr lang="ko-KR" altLang="en-US" dirty="0"/>
+              <a:t>도형 </a:t>
+            </a:r>
+            <a:r>
+              <a:rPr lang="en-US" altLang="ko-KR" dirty="0"/>
+              <a:t>: </a:t>
+            </a:r>
+            <a:r>
+              <a:rPr lang="ko-KR" altLang="en-US" dirty="0"/>
+              <a:t>모서리가 접힌 사각형  사용</a:t>
+            </a:r>
+          </a:p>
+        </p:txBody>
+      </p:sp>
+      <p:sp>
+        <p:nvSpPr>
+          <p:cNvPr id="11" name="사각형: 모서리가 접힌 도형 10">
+            <a:extLst>
+              <a:ext uri="{FF2B5EF4-FFF2-40B4-BE49-F238E27FC236}">
+                <a16:creationId xmlns:a16="http://schemas.microsoft.com/office/drawing/2014/main" id="{315E1109-CE1F-AED5-1B4F-B96C02A1EF9A}"/>
+              </a:ext>
+            </a:extLst>
+          </p:cNvPr>
+          <p:cNvSpPr/>
+          <p:nvPr/>
+        </p:nvSpPr>
+        <p:spPr>
+          <a:xfrm>
+            <a:off x="6846575" y="3930359"/>
+            <a:ext cx="2265308" cy="927391"/>
+          </a:xfrm>
+          <a:prstGeom prst="foldedCorner">
+            <a:avLst>
+              <a:gd name="adj" fmla="val 27487"/>
+            </a:avLst>
+          </a:prstGeom>
+          <a:solidFill>
+            <a:schemeClr val="accent3">
+              <a:alpha val="50000"/>
+            </a:schemeClr>
+          </a:solidFill>
+          <a:ln>
+            <a:noFill/>
+          </a:ln>
+        </p:spPr>
+        <p:style>
+          <a:lnRef idx="0">
+            <a:scrgbClr r="0" g="0" b="0"/>
+          </a:lnRef>
+          <a:fillRef idx="0">
+            <a:scrgbClr r="0" g="0" b="0"/>
+          </a:fillRef>
+          <a:effectRef idx="0">
+            <a:scrgbClr r="0" g="0" b="0"/>
+          </a:effectRef>
+          <a:fontRef idx="minor">
+            <a:schemeClr val="lt1"/>
+          </a:fontRef>
+        </p:style>
+        <p:txBody>
+          <a:bodyPr rtlCol="0" anchor="ctr"/>
+          <a:lstStyle/>
+          <a:p>
+            <a:pPr algn="ctr"/>
+            <a:r>
+              <a:rPr lang="en-US" altLang="ko-KR" sz="1600" dirty="0"/>
+              <a:t>lib/Cylinder/Double</a:t>
+            </a:r>
+          </a:p>
+          <a:p>
+            <a:pPr algn="ctr"/>
+            <a:r>
+              <a:rPr lang="en-US" altLang="ko-KR" sz="1600" dirty="0"/>
+              <a:t>[Pin]</a:t>
+            </a:r>
+            <a:endParaRPr lang="ko-KR" altLang="en-US" sz="1600" dirty="0"/>
+          </a:p>
+        </p:txBody>
+      </p:sp>
+      <p:sp>
+        <p:nvSpPr>
+          <p:cNvPr id="3" name="사각형: 모서리가 접힌 도형 2">
+            <a:extLst>
+              <a:ext uri="{FF2B5EF4-FFF2-40B4-BE49-F238E27FC236}">
+                <a16:creationId xmlns:a16="http://schemas.microsoft.com/office/drawing/2014/main" id="{03FFF656-9483-33FC-B597-3A02BDD38418}"/>
+              </a:ext>
+            </a:extLst>
+          </p:cNvPr>
+          <p:cNvSpPr/>
+          <p:nvPr/>
+        </p:nvSpPr>
+        <p:spPr>
+          <a:xfrm>
+            <a:off x="6846575" y="5237597"/>
+            <a:ext cx="2265308" cy="927391"/>
+          </a:xfrm>
+          <a:prstGeom prst="foldedCorner">
+            <a:avLst>
+              <a:gd name="adj" fmla="val 27487"/>
+            </a:avLst>
+          </a:prstGeom>
+          <a:solidFill>
+            <a:schemeClr val="accent3">
+              <a:alpha val="50000"/>
+            </a:schemeClr>
+          </a:solidFill>
+          <a:ln>
+            <a:noFill/>
+          </a:ln>
+        </p:spPr>
+        <p:style>
+          <a:lnRef idx="0">
+            <a:scrgbClr r="0" g="0" b="0"/>
+          </a:lnRef>
+          <a:fillRef idx="0">
+            <a:scrgbClr r="0" g="0" b="0"/>
+          </a:fillRef>
+          <a:effectRef idx="0">
+            <a:scrgbClr r="0" g="0" b="0"/>
+          </a:effectRef>
+          <a:fontRef idx="minor">
+            <a:schemeClr val="lt1"/>
+          </a:fontRef>
+        </p:style>
+        <p:txBody>
+          <a:bodyPr rtlCol="0" anchor="ctr"/>
+          <a:lstStyle/>
+          <a:p>
+            <a:pPr algn="ctr"/>
+            <a:r>
+              <a:rPr lang="en-US" altLang="ko-KR" sz="1600" dirty="0"/>
+              <a:t>lib/Robot/Weld</a:t>
+            </a:r>
+          </a:p>
+          <a:p>
+            <a:pPr algn="ctr"/>
+            <a:r>
+              <a:rPr lang="en-US" altLang="ko-KR" sz="1600" dirty="0"/>
+              <a:t>[Rbt1]</a:t>
+            </a:r>
+            <a:endParaRPr lang="ko-KR" altLang="en-US" sz="1600" dirty="0"/>
+          </a:p>
+        </p:txBody>
+      </p:sp>
+      <p:sp>
+        <p:nvSpPr>
+          <p:cNvPr id="4" name="사각형: 모서리가 접힌 도형 3">
+            <a:extLst>
+              <a:ext uri="{FF2B5EF4-FFF2-40B4-BE49-F238E27FC236}">
+                <a16:creationId xmlns:a16="http://schemas.microsoft.com/office/drawing/2014/main" id="{479D59D1-5025-C5B1-ED3B-A0ECB4F8AAB2}"/>
+              </a:ext>
+            </a:extLst>
+          </p:cNvPr>
+          <p:cNvSpPr/>
+          <p:nvPr/>
+        </p:nvSpPr>
+        <p:spPr>
+          <a:xfrm>
+            <a:off x="7579820" y="2213702"/>
+            <a:ext cx="2265308" cy="927391"/>
+          </a:xfrm>
+          <a:prstGeom prst="foldedCorner">
+            <a:avLst>
+              <a:gd name="adj" fmla="val 27487"/>
+            </a:avLst>
+          </a:prstGeom>
+          <a:solidFill>
+            <a:schemeClr val="accent3">
+              <a:alpha val="50000"/>
+            </a:schemeClr>
+          </a:solidFill>
+          <a:ln>
+            <a:noFill/>
+          </a:ln>
+        </p:spPr>
+        <p:style>
+          <a:lnRef idx="0">
+            <a:scrgbClr r="0" g="0" b="0"/>
+          </a:lnRef>
+          <a:fillRef idx="0">
+            <a:scrgbClr r="0" g="0" b="0"/>
+          </a:fillRef>
+          <a:effectRef idx="0">
+            <a:scrgbClr r="0" g="0" b="0"/>
+          </a:effectRef>
+          <a:fontRef idx="minor">
+            <a:schemeClr val="lt1"/>
+          </a:fontRef>
+        </p:style>
+        <p:txBody>
+          <a:bodyPr rtlCol="0" anchor="ctr"/>
+          <a:lstStyle/>
+          <a:p>
+            <a:pPr algn="ctr"/>
+            <a:r>
+              <a:rPr lang="en-US" altLang="ko-KR" sz="1600" dirty="0"/>
+              <a:t>lib/Cylinder/Double</a:t>
+            </a:r>
+          </a:p>
+          <a:p>
+            <a:pPr algn="ctr"/>
+            <a:r>
+              <a:rPr lang="en-US" altLang="ko-KR" sz="1600" dirty="0"/>
+              <a:t>[</a:t>
+            </a:r>
+            <a:r>
+              <a:rPr lang="en-US" altLang="ko-KR" sz="1600" dirty="0" err="1"/>
+              <a:t>Pin2</a:t>
+            </a:r>
+            <a:r>
+              <a:rPr lang="en-US" altLang="ko-KR" sz="1600" dirty="0"/>
+              <a:t>]</a:t>
+            </a:r>
+            <a:endParaRPr lang="ko-KR" altLang="en-US" sz="1600" dirty="0"/>
+          </a:p>
+        </p:txBody>
+      </p:sp>
+    </p:spTree>
+    <p:extLst>
+      <p:ext uri="{BB962C8B-B14F-4D97-AF65-F5344CB8AC3E}">
+        <p14:creationId xmlns:p14="http://schemas.microsoft.com/office/powerpoint/2010/main" val="2346780900"/>
+      </p:ext>
+    </p:extLst>
+  </p:cSld>
+  <p:clrMapOvr>
+    <a:masterClrMapping/>
+  </p:clrMapOvr>
+</p:sld>
+</file>
+
+<file path=ppt/slides/slide20.xml><?xml version="1.0" encoding="utf-8"?>
 <p:sld xmlns:a="http://schemas.openxmlformats.org/drawingml/2006/main" xmlns:r="http://schemas.openxmlformats.org/officeDocument/2006/relationships" xmlns:p="http://schemas.openxmlformats.org/presentationml/2006/main" show="0">
   <p:cSld>
     <p:spTree>
@@ -19851,7 +22453,7 @@
 </p:sld>
 </file>
 
-<file path=ppt/slides/slide19.xml><?xml version="1.0" encoding="utf-8"?>
+<file path=ppt/slides/slide21.xml><?xml version="1.0" encoding="utf-8"?>
 <p:sld xmlns:a="http://schemas.openxmlformats.org/drawingml/2006/main" xmlns:r="http://schemas.openxmlformats.org/officeDocument/2006/relationships" xmlns:p="http://schemas.openxmlformats.org/presentationml/2006/main" show="0">
   <p:cSld>
     <p:spTree>
@@ -20662,400 +23264,7 @@
 </p:sld>
 </file>
 
-<file path=ppt/slides/slide2.xml><?xml version="1.0" encoding="utf-8"?>
-<p:sld xmlns:a="http://schemas.openxmlformats.org/drawingml/2006/main" xmlns:r="http://schemas.openxmlformats.org/officeDocument/2006/relationships" xmlns:p="http://schemas.openxmlformats.org/presentationml/2006/main" show="0">
-  <p:cSld>
-    <p:spTree>
-      <p:nvGrpSpPr>
-        <p:cNvPr id="1" name=""/>
-        <p:cNvGrpSpPr/>
-        <p:nvPr/>
-      </p:nvGrpSpPr>
-      <p:grpSpPr>
-        <a:xfrm>
-          <a:off x="0" y="0"/>
-          <a:ext cx="0" cy="0"/>
-          <a:chOff x="0" y="0"/>
-          <a:chExt cx="0" cy="0"/>
-        </a:xfrm>
-      </p:grpSpPr>
-      <p:sp>
-        <p:nvSpPr>
-          <p:cNvPr id="2" name="제목 1">
-            <a:extLst>
-              <a:ext uri="{FF2B5EF4-FFF2-40B4-BE49-F238E27FC236}">
-                <a16:creationId xmlns:a16="http://schemas.microsoft.com/office/drawing/2014/main" id="{0E7EE7A1-7B14-06A7-414F-ACB9F852EA89}"/>
-              </a:ext>
-            </a:extLst>
-          </p:cNvPr>
-          <p:cNvSpPr>
-            <a:spLocks noGrp="1"/>
-          </p:cNvSpPr>
-          <p:nvPr>
-            <p:ph type="title"/>
-          </p:nvPr>
-        </p:nvSpPr>
-        <p:spPr/>
-        <p:txBody>
-          <a:bodyPr/>
-          <a:lstStyle/>
-          <a:p>
-            <a:r>
-              <a:rPr lang="en-US" altLang="ko-KR" dirty="0"/>
-              <a:t>S101</a:t>
-            </a:r>
-            <a:endParaRPr lang="ko-KR" altLang="en-US" dirty="0"/>
-          </a:p>
-        </p:txBody>
-      </p:sp>
-      <p:sp>
-        <p:nvSpPr>
-          <p:cNvPr id="8" name="TextBox 7">
-            <a:extLst>
-              <a:ext uri="{FF2B5EF4-FFF2-40B4-BE49-F238E27FC236}">
-                <a16:creationId xmlns:a16="http://schemas.microsoft.com/office/drawing/2014/main" id="{3B6BBB1D-8F33-F2F4-5E18-D4FAFA795448}"/>
-              </a:ext>
-            </a:extLst>
-          </p:cNvPr>
-          <p:cNvSpPr txBox="1"/>
-          <p:nvPr/>
-        </p:nvSpPr>
-        <p:spPr>
-          <a:xfrm>
-            <a:off x="3985297" y="4008142"/>
-            <a:ext cx="3917732" cy="646331"/>
-          </a:xfrm>
-          <a:prstGeom prst="rect">
-            <a:avLst/>
-          </a:prstGeom>
-          <a:noFill/>
-        </p:spPr>
-        <p:txBody>
-          <a:bodyPr wrap="square" rtlCol="0">
-            <a:spAutoFit/>
-          </a:bodyPr>
-          <a:lstStyle/>
-          <a:p>
-            <a:r>
-              <a:rPr lang="en-US" altLang="ko-KR" dirty="0"/>
-              <a:t>Loading </a:t>
-            </a:r>
-            <a:r>
-              <a:rPr lang="ko-KR" altLang="en-US" dirty="0"/>
-              <a:t>시스템 경로   →</a:t>
-            </a:r>
-            <a:endParaRPr lang="en-US" altLang="ko-KR" dirty="0"/>
-          </a:p>
-          <a:p>
-            <a:r>
-              <a:rPr lang="en-US" altLang="ko-KR" dirty="0"/>
-              <a:t>[</a:t>
-            </a:r>
-            <a:r>
-              <a:rPr lang="ko-KR" altLang="en-US" dirty="0"/>
-              <a:t>이름지정</a:t>
-            </a:r>
-            <a:r>
-              <a:rPr lang="en-US" altLang="ko-KR" dirty="0"/>
-              <a:t>]   	        </a:t>
-            </a:r>
-            <a:r>
-              <a:rPr lang="ko-KR" altLang="en-US" dirty="0"/>
-              <a:t>→</a:t>
-            </a:r>
-          </a:p>
-        </p:txBody>
-      </p:sp>
-      <p:sp>
-        <p:nvSpPr>
-          <p:cNvPr id="9" name="TextBox 8">
-            <a:extLst>
-              <a:ext uri="{FF2B5EF4-FFF2-40B4-BE49-F238E27FC236}">
-                <a16:creationId xmlns:a16="http://schemas.microsoft.com/office/drawing/2014/main" id="{DEBCA628-F50A-2352-F68D-0EA3A5DEBE9B}"/>
-              </a:ext>
-            </a:extLst>
-          </p:cNvPr>
-          <p:cNvSpPr txBox="1"/>
-          <p:nvPr/>
-        </p:nvSpPr>
-        <p:spPr>
-          <a:xfrm>
-            <a:off x="652831" y="2904181"/>
-            <a:ext cx="9676274" cy="646331"/>
-          </a:xfrm>
-          <a:prstGeom prst="rect">
-            <a:avLst/>
-          </a:prstGeom>
-          <a:noFill/>
-        </p:spPr>
-        <p:txBody>
-          <a:bodyPr wrap="square" rtlCol="0">
-            <a:spAutoFit/>
-          </a:bodyPr>
-          <a:lstStyle/>
-          <a:p>
-            <a:r>
-              <a:rPr lang="ko-KR" altLang="en-US" dirty="0"/>
-              <a:t>외부 시스템 </a:t>
-            </a:r>
-            <a:r>
-              <a:rPr lang="en-US" altLang="ko-KR" dirty="0"/>
-              <a:t>Call </a:t>
-            </a:r>
-            <a:r>
-              <a:rPr lang="ko-KR" altLang="en-US" dirty="0"/>
-              <a:t>경우에는 시스템을 </a:t>
-            </a:r>
-            <a:r>
-              <a:rPr lang="en-US" altLang="ko-KR" dirty="0"/>
-              <a:t>Loading </a:t>
-            </a:r>
-            <a:r>
-              <a:rPr lang="ko-KR" altLang="en-US" dirty="0"/>
-              <a:t>해야 한다</a:t>
-            </a:r>
-            <a:r>
-              <a:rPr lang="en-US" altLang="ko-KR" dirty="0"/>
-              <a:t>.</a:t>
-            </a:r>
-          </a:p>
-          <a:p>
-            <a:r>
-              <a:rPr lang="en-US" altLang="ko-KR" dirty="0"/>
-              <a:t>Loading </a:t>
-            </a:r>
-            <a:r>
-              <a:rPr lang="ko-KR" altLang="en-US" dirty="0"/>
-              <a:t>도형 </a:t>
-            </a:r>
-            <a:r>
-              <a:rPr lang="en-US" altLang="ko-KR" dirty="0"/>
-              <a:t>: </a:t>
-            </a:r>
-            <a:r>
-              <a:rPr lang="ko-KR" altLang="en-US" dirty="0"/>
-              <a:t>모서리가 접힌 사각형  사용</a:t>
-            </a:r>
-          </a:p>
-        </p:txBody>
-      </p:sp>
-      <p:sp>
-        <p:nvSpPr>
-          <p:cNvPr id="11" name="사각형: 모서리가 접힌 도형 10">
-            <a:extLst>
-              <a:ext uri="{FF2B5EF4-FFF2-40B4-BE49-F238E27FC236}">
-                <a16:creationId xmlns:a16="http://schemas.microsoft.com/office/drawing/2014/main" id="{315E1109-CE1F-AED5-1B4F-B96C02A1EF9A}"/>
-              </a:ext>
-            </a:extLst>
-          </p:cNvPr>
-          <p:cNvSpPr/>
-          <p:nvPr/>
-        </p:nvSpPr>
-        <p:spPr>
-          <a:xfrm>
-            <a:off x="6846575" y="3930359"/>
-            <a:ext cx="2265308" cy="927391"/>
-          </a:xfrm>
-          <a:prstGeom prst="foldedCorner">
-            <a:avLst>
-              <a:gd name="adj" fmla="val 27487"/>
-            </a:avLst>
-          </a:prstGeom>
-          <a:solidFill>
-            <a:schemeClr val="accent3">
-              <a:alpha val="50000"/>
-            </a:schemeClr>
-          </a:solidFill>
-          <a:ln>
-            <a:noFill/>
-          </a:ln>
-        </p:spPr>
-        <p:style>
-          <a:lnRef idx="0">
-            <a:scrgbClr r="0" g="0" b="0"/>
-          </a:lnRef>
-          <a:fillRef idx="0">
-            <a:scrgbClr r="0" g="0" b="0"/>
-          </a:fillRef>
-          <a:effectRef idx="0">
-            <a:scrgbClr r="0" g="0" b="0"/>
-          </a:effectRef>
-          <a:fontRef idx="minor">
-            <a:schemeClr val="lt1"/>
-          </a:fontRef>
-        </p:style>
-        <p:txBody>
-          <a:bodyPr rtlCol="0" anchor="ctr"/>
-          <a:lstStyle/>
-          <a:p>
-            <a:pPr algn="ctr"/>
-            <a:r>
-              <a:rPr lang="en-US" altLang="ko-KR" sz="1600" dirty="0"/>
-              <a:t>lib/Cylinder/Double</a:t>
-            </a:r>
-          </a:p>
-          <a:p>
-            <a:pPr algn="ctr"/>
-            <a:r>
-              <a:rPr lang="en-US" altLang="ko-KR" sz="1600" dirty="0"/>
-              <a:t>[Pin]</a:t>
-            </a:r>
-            <a:endParaRPr lang="ko-KR" altLang="en-US" sz="1600" dirty="0"/>
-          </a:p>
-        </p:txBody>
-      </p:sp>
-      <p:sp>
-        <p:nvSpPr>
-          <p:cNvPr id="3" name="사각형: 모서리가 접힌 도형 2">
-            <a:extLst>
-              <a:ext uri="{FF2B5EF4-FFF2-40B4-BE49-F238E27FC236}">
-                <a16:creationId xmlns:a16="http://schemas.microsoft.com/office/drawing/2014/main" id="{03FFF656-9483-33FC-B597-3A02BDD38418}"/>
-              </a:ext>
-            </a:extLst>
-          </p:cNvPr>
-          <p:cNvSpPr/>
-          <p:nvPr/>
-        </p:nvSpPr>
-        <p:spPr>
-          <a:xfrm>
-            <a:off x="6846575" y="5237597"/>
-            <a:ext cx="2265308" cy="927391"/>
-          </a:xfrm>
-          <a:prstGeom prst="foldedCorner">
-            <a:avLst>
-              <a:gd name="adj" fmla="val 27487"/>
-            </a:avLst>
-          </a:prstGeom>
-          <a:solidFill>
-            <a:schemeClr val="accent3">
-              <a:alpha val="50000"/>
-            </a:schemeClr>
-          </a:solidFill>
-          <a:ln>
-            <a:noFill/>
-          </a:ln>
-        </p:spPr>
-        <p:style>
-          <a:lnRef idx="0">
-            <a:scrgbClr r="0" g="0" b="0"/>
-          </a:lnRef>
-          <a:fillRef idx="0">
-            <a:scrgbClr r="0" g="0" b="0"/>
-          </a:fillRef>
-          <a:effectRef idx="0">
-            <a:scrgbClr r="0" g="0" b="0"/>
-          </a:effectRef>
-          <a:fontRef idx="minor">
-            <a:schemeClr val="lt1"/>
-          </a:fontRef>
-        </p:style>
-        <p:txBody>
-          <a:bodyPr rtlCol="0" anchor="ctr"/>
-          <a:lstStyle/>
-          <a:p>
-            <a:pPr algn="ctr"/>
-            <a:r>
-              <a:rPr lang="en-US" altLang="ko-KR" sz="1600" dirty="0"/>
-              <a:t>lib/Robot/Weld</a:t>
-            </a:r>
-          </a:p>
-          <a:p>
-            <a:pPr algn="ctr"/>
-            <a:r>
-              <a:rPr lang="en-US" altLang="ko-KR" sz="1600" dirty="0"/>
-              <a:t>[Rbt1]</a:t>
-            </a:r>
-            <a:endParaRPr lang="ko-KR" altLang="en-US" sz="1600" dirty="0"/>
-          </a:p>
-        </p:txBody>
-      </p:sp>
-      <p:sp>
-        <p:nvSpPr>
-          <p:cNvPr id="4" name="사각형: 모서리가 접힌 도형 3">
-            <a:extLst>
-              <a:ext uri="{FF2B5EF4-FFF2-40B4-BE49-F238E27FC236}">
-                <a16:creationId xmlns:a16="http://schemas.microsoft.com/office/drawing/2014/main" id="{479D59D1-5025-C5B1-ED3B-A0ECB4F8AAB2}"/>
-              </a:ext>
-            </a:extLst>
-          </p:cNvPr>
-          <p:cNvSpPr/>
-          <p:nvPr/>
-        </p:nvSpPr>
-        <p:spPr>
-          <a:xfrm>
-            <a:off x="7579820" y="2213702"/>
-            <a:ext cx="2265308" cy="927391"/>
-          </a:xfrm>
-          <a:prstGeom prst="foldedCorner">
-            <a:avLst>
-              <a:gd name="adj" fmla="val 27487"/>
-            </a:avLst>
-          </a:prstGeom>
-          <a:solidFill>
-            <a:schemeClr val="accent3">
-              <a:alpha val="50000"/>
-            </a:schemeClr>
-          </a:solidFill>
-          <a:ln>
-            <a:noFill/>
-          </a:ln>
-        </p:spPr>
-        <p:style>
-          <a:lnRef idx="0">
-            <a:scrgbClr r="0" g="0" b="0"/>
-          </a:lnRef>
-          <a:fillRef idx="0">
-            <a:scrgbClr r="0" g="0" b="0"/>
-          </a:fillRef>
-          <a:effectRef idx="0">
-            <a:scrgbClr r="0" g="0" b="0"/>
-          </a:effectRef>
-          <a:fontRef idx="minor">
-            <a:schemeClr val="lt1"/>
-          </a:fontRef>
-        </p:style>
-        <p:txBody>
-          <a:bodyPr rtlCol="0" anchor="ctr"/>
-          <a:lstStyle/>
-          <a:p>
-            <a:pPr algn="ctr"/>
-            <a:r>
-              <a:rPr lang="en-US" altLang="ko-KR" sz="1600" dirty="0"/>
-              <a:t>lib/Cylinder/Double</a:t>
-            </a:r>
-          </a:p>
-          <a:p>
-            <a:pPr algn="ctr"/>
-            <a:r>
-              <a:rPr lang="en-US" altLang="ko-KR" sz="1600" dirty="0"/>
-              <a:t>[</a:t>
-            </a:r>
-            <a:r>
-              <a:rPr lang="en-US" altLang="ko-KR" sz="1600" dirty="0" err="1"/>
-              <a:t>Pin2</a:t>
-            </a:r>
-            <a:r>
-              <a:rPr lang="en-US" altLang="ko-KR" sz="1600" dirty="0"/>
-              <a:t>]</a:t>
-            </a:r>
-            <a:endParaRPr lang="ko-KR" altLang="en-US" sz="1600" dirty="0"/>
-          </a:p>
-        </p:txBody>
-      </p:sp>
-    </p:spTree>
-    <p:extLst>
-      <p:ext uri="{BB962C8B-B14F-4D97-AF65-F5344CB8AC3E}">
-        <p14:creationId xmlns:p14="http://schemas.microsoft.com/office/powerpoint/2010/main" val="2346780900"/>
-      </p:ext>
-    </p:extLst>
-  </p:cSld>
-  <p:clrMapOvr>
-    <a:masterClrMapping/>
-  </p:clrMapOvr>
-</p:sld>
-</file>
-
-<file path=ppt/slides/slide20.xml><?xml version="1.0" encoding="utf-8"?>
+<file path=ppt/slides/slide22.xml><?xml version="1.0" encoding="utf-8"?>
 <p:sld xmlns:a="http://schemas.openxmlformats.org/drawingml/2006/main" xmlns:r="http://schemas.openxmlformats.org/officeDocument/2006/relationships" xmlns:p="http://schemas.openxmlformats.org/presentationml/2006/main" show="0">
   <p:cSld>
     <p:spTree>
@@ -21560,7 +23769,7 @@
 </p:sld>
 </file>
 
-<file path=ppt/slides/slide21.xml><?xml version="1.0" encoding="utf-8"?>
+<file path=ppt/slides/slide23.xml><?xml version="1.0" encoding="utf-8"?>
 <p:sld xmlns:a="http://schemas.openxmlformats.org/drawingml/2006/main" xmlns:r="http://schemas.openxmlformats.org/officeDocument/2006/relationships" xmlns:p="http://schemas.openxmlformats.org/presentationml/2006/main" show="0">
   <p:cSld>
     <p:spTree>
@@ -21915,7 +24124,7 @@
 </p:sld>
 </file>
 
-<file path=ppt/slides/slide22.xml><?xml version="1.0" encoding="utf-8"?>
+<file path=ppt/slides/slide24.xml><?xml version="1.0" encoding="utf-8"?>
 <p:sld xmlns:a="http://schemas.openxmlformats.org/drawingml/2006/main" xmlns:r="http://schemas.openxmlformats.org/officeDocument/2006/relationships" xmlns:p="http://schemas.openxmlformats.org/presentationml/2006/main" show="0">
   <p:cSld>
     <p:spTree>
@@ -22270,7 +24479,7 @@
 </p:sld>
 </file>
 
-<file path=ppt/slides/slide23.xml><?xml version="1.0" encoding="utf-8"?>
+<file path=ppt/slides/slide25.xml><?xml version="1.0" encoding="utf-8"?>
 <p:sld xmlns:a="http://schemas.openxmlformats.org/drawingml/2006/main" xmlns:r="http://schemas.openxmlformats.org/officeDocument/2006/relationships" xmlns:p="http://schemas.openxmlformats.org/presentationml/2006/main" show="0">
   <p:cSld>
     <p:spTree>
@@ -28730,7 +30939,7 @@
 </file>
 
 <file path=ppt/slides/slide9.xml><?xml version="1.0" encoding="utf-8"?>
-<p:sld xmlns:a="http://schemas.openxmlformats.org/drawingml/2006/main" xmlns:r="http://schemas.openxmlformats.org/officeDocument/2006/relationships" xmlns:p="http://schemas.openxmlformats.org/presentationml/2006/main" show="0">
+<p:sld xmlns:a="http://schemas.openxmlformats.org/drawingml/2006/main" xmlns:r="http://schemas.openxmlformats.org/officeDocument/2006/relationships" xmlns:p="http://schemas.openxmlformats.org/presentationml/2006/main">
   <p:cSld>
     <p:spTree>
       <p:nvGrpSpPr>
@@ -28769,7 +30978,7 @@
           <a:p>
             <a:r>
               <a:rPr lang="en-US" altLang="ko-KR" dirty="0"/>
-              <a:t>F0</a:t>
+              <a:t>S333</a:t>
             </a:r>
             <a:endParaRPr lang="ko-KR" altLang="en-US" dirty="0"/>
           </a:p>
@@ -28777,10 +30986,10 @@
       </p:sp>
       <p:sp>
         <p:nvSpPr>
-          <p:cNvPr id="56" name="직사각형 55">
-            <a:extLst>
-              <a:ext uri="{FF2B5EF4-FFF2-40B4-BE49-F238E27FC236}">
-                <a16:creationId xmlns:a16="http://schemas.microsoft.com/office/drawing/2014/main" id="{B59930BF-EFE8-0861-D55E-FEAC7FD46A32}"/>
+          <p:cNvPr id="91" name="직사각형 90">
+            <a:extLst>
+              <a:ext uri="{FF2B5EF4-FFF2-40B4-BE49-F238E27FC236}">
+                <a16:creationId xmlns:a16="http://schemas.microsoft.com/office/drawing/2014/main" id="{1902CC42-6799-D372-F372-07BB72F2BF14}"/>
               </a:ext>
             </a:extLst>
           </p:cNvPr>
@@ -28789,30 +30998,24 @@
         </p:nvSpPr>
         <p:spPr>
           <a:xfrm>
-            <a:off x="3367314" y="2622445"/>
-            <a:ext cx="1103086" cy="1066431"/>
+            <a:off x="6087687" y="988960"/>
+            <a:ext cx="847742" cy="495381"/>
           </a:xfrm>
           <a:prstGeom prst="rect">
             <a:avLst/>
           </a:prstGeom>
-          <a:solidFill>
-            <a:schemeClr val="accent4">
-              <a:alpha val="50000"/>
-            </a:schemeClr>
-          </a:solidFill>
-          <a:ln>
-            <a:noFill/>
-          </a:ln>
         </p:spPr>
         <p:style>
-          <a:lnRef idx="0">
-            <a:scrgbClr r="0" g="0" b="0"/>
+          <a:lnRef idx="2">
+            <a:schemeClr val="accent1">
+              <a:shade val="15000"/>
+            </a:schemeClr>
           </a:lnRef>
-          <a:fillRef idx="0">
-            <a:scrgbClr r="0" g="0" b="0"/>
+          <a:fillRef idx="1">
+            <a:schemeClr val="accent1"/>
           </a:fillRef>
           <a:effectRef idx="0">
-            <a:scrgbClr r="0" g="0" b="0"/>
+            <a:schemeClr val="accent1"/>
           </a:effectRef>
           <a:fontRef idx="minor">
             <a:schemeClr val="lt1"/>
@@ -28824,19 +31027,113 @@
           <a:p>
             <a:pPr algn="ctr"/>
             <a:r>
-              <a:rPr lang="en-US" altLang="ko-KR" sz="1200" dirty="0" err="1"/>
-              <a:t>R11</a:t>
-            </a:r>
-            <a:endParaRPr lang="ko-KR" altLang="en-US" sz="1200" dirty="0"/>
+              <a:rPr lang="en-US" altLang="ko-KR" dirty="0"/>
+              <a:t>R3</a:t>
+            </a:r>
+            <a:endParaRPr lang="ko-KR" altLang="en-US" dirty="0"/>
           </a:p>
         </p:txBody>
       </p:sp>
+      <p:cxnSp>
+        <p:nvCxnSpPr>
+          <p:cNvPr id="109" name="직선 화살표 연결선 108">
+            <a:extLst>
+              <a:ext uri="{FF2B5EF4-FFF2-40B4-BE49-F238E27FC236}">
+                <a16:creationId xmlns:a16="http://schemas.microsoft.com/office/drawing/2014/main" id="{962C7EAD-50AB-B451-7AB8-AD60B0C48A7C}"/>
+              </a:ext>
+            </a:extLst>
+          </p:cNvPr>
+          <p:cNvCxnSpPr>
+            <a:cxnSpLocks/>
+            <a:stCxn id="94" idx="3"/>
+            <a:endCxn id="91" idx="1"/>
+          </p:cNvCxnSpPr>
+          <p:nvPr/>
+        </p:nvCxnSpPr>
+        <p:spPr>
+          <a:xfrm flipV="1">
+            <a:off x="5613666" y="1236651"/>
+            <a:ext cx="474021" cy="1458820"/>
+          </a:xfrm>
+          <a:prstGeom prst="straightConnector1">
+            <a:avLst/>
+          </a:prstGeom>
+          <a:ln w="38100">
+            <a:solidFill>
+              <a:srgbClr val="FFC000"/>
+            </a:solidFill>
+            <a:headEnd type="diamond" w="med" len="med"/>
+            <a:tailEnd type="triangle" w="med" len="med"/>
+          </a:ln>
+        </p:spPr>
+        <p:style>
+          <a:lnRef idx="1">
+            <a:schemeClr val="accent6"/>
+          </a:lnRef>
+          <a:fillRef idx="0">
+            <a:schemeClr val="accent6"/>
+          </a:fillRef>
+          <a:effectRef idx="0">
+            <a:schemeClr val="accent6"/>
+          </a:effectRef>
+          <a:fontRef idx="minor">
+            <a:schemeClr val="tx1"/>
+          </a:fontRef>
+        </p:style>
+      </p:cxnSp>
+      <p:cxnSp>
+        <p:nvCxnSpPr>
+          <p:cNvPr id="120" name="직선 화살표 연결선 119">
+            <a:extLst>
+              <a:ext uri="{FF2B5EF4-FFF2-40B4-BE49-F238E27FC236}">
+                <a16:creationId xmlns:a16="http://schemas.microsoft.com/office/drawing/2014/main" id="{D780E1C2-0E12-A5CD-2B49-A959AB42330A}"/>
+              </a:ext>
+            </a:extLst>
+          </p:cNvPr>
+          <p:cNvCxnSpPr>
+            <a:cxnSpLocks/>
+            <a:stCxn id="94" idx="3"/>
+            <a:endCxn id="107" idx="1"/>
+          </p:cNvCxnSpPr>
+          <p:nvPr/>
+        </p:nvCxnSpPr>
+        <p:spPr>
+          <a:xfrm>
+            <a:off x="5613666" y="2695471"/>
+            <a:ext cx="416750" cy="110667"/>
+          </a:xfrm>
+          <a:prstGeom prst="straightConnector1">
+            <a:avLst/>
+          </a:prstGeom>
+          <a:ln w="38100">
+            <a:solidFill>
+              <a:srgbClr val="FFC000"/>
+            </a:solidFill>
+            <a:headEnd type="diamond" w="med" len="med"/>
+            <a:tailEnd type="triangle" w="med" len="med"/>
+          </a:ln>
+        </p:spPr>
+        <p:style>
+          <a:lnRef idx="1">
+            <a:schemeClr val="accent6"/>
+          </a:lnRef>
+          <a:fillRef idx="0">
+            <a:schemeClr val="accent6"/>
+          </a:fillRef>
+          <a:effectRef idx="0">
+            <a:schemeClr val="accent6"/>
+          </a:effectRef>
+          <a:fontRef idx="minor">
+            <a:schemeClr val="tx1"/>
+          </a:fontRef>
+        </p:style>
+      </p:cxnSp>
       <p:sp>
         <p:nvSpPr>
-          <p:cNvPr id="3" name="직사각형 2">
-            <a:extLst>
-              <a:ext uri="{FF2B5EF4-FFF2-40B4-BE49-F238E27FC236}">
-                <a16:creationId xmlns:a16="http://schemas.microsoft.com/office/drawing/2014/main" id="{F7635A7D-094A-7E28-E7A6-0073FF8BBEC2}"/>
+          <p:cNvPr id="13" name="직사각형 12">
+            <a:extLst>
+              <a:ext uri="{FF2B5EF4-FFF2-40B4-BE49-F238E27FC236}">
+                <a16:creationId xmlns:a16="http://schemas.microsoft.com/office/drawing/2014/main" id="{20D4B5AF-E245-475A-47A6-1314F9D73EE8}"/>
               </a:ext>
             </a:extLst>
           </p:cNvPr>
@@ -28845,30 +31142,24 @@
         </p:nvSpPr>
         <p:spPr>
           <a:xfrm>
-            <a:off x="6326175" y="2993381"/>
-            <a:ext cx="1103086" cy="1066431"/>
+            <a:off x="10080018" y="3931852"/>
+            <a:ext cx="847742" cy="495381"/>
           </a:xfrm>
           <a:prstGeom prst="rect">
             <a:avLst/>
           </a:prstGeom>
-          <a:solidFill>
-            <a:schemeClr val="accent4">
-              <a:alpha val="50000"/>
-            </a:schemeClr>
-          </a:solidFill>
-          <a:ln>
-            <a:noFill/>
-          </a:ln>
         </p:spPr>
         <p:style>
-          <a:lnRef idx="0">
-            <a:scrgbClr r="0" g="0" b="0"/>
+          <a:lnRef idx="2">
+            <a:schemeClr val="accent1">
+              <a:shade val="15000"/>
+            </a:schemeClr>
           </a:lnRef>
-          <a:fillRef idx="0">
-            <a:scrgbClr r="0" g="0" b="0"/>
+          <a:fillRef idx="1">
+            <a:schemeClr val="accent1"/>
           </a:fillRef>
           <a:effectRef idx="0">
-            <a:scrgbClr r="0" g="0" b="0"/>
+            <a:schemeClr val="accent1"/>
           </a:effectRef>
           <a:fontRef idx="minor">
             <a:schemeClr val="lt1"/>
@@ -28880,49 +31171,300 @@
           <a:p>
             <a:pPr algn="ctr"/>
             <a:r>
-              <a:rPr lang="en-US" altLang="ko-KR" sz="3200" dirty="0"/>
-              <a:t>FEX.R2</a:t>
-            </a:r>
-            <a:endParaRPr lang="ko-KR" altLang="en-US" sz="1200" dirty="0"/>
+              <a:rPr lang="en-US" altLang="ko-KR" dirty="0"/>
+              <a:t>R6</a:t>
+            </a:r>
+            <a:endParaRPr lang="ko-KR" altLang="en-US" dirty="0"/>
+          </a:p>
+        </p:txBody>
+      </p:sp>
+      <p:sp>
+        <p:nvSpPr>
+          <p:cNvPr id="15" name="직사각형 14">
+            <a:extLst>
+              <a:ext uri="{FF2B5EF4-FFF2-40B4-BE49-F238E27FC236}">
+                <a16:creationId xmlns:a16="http://schemas.microsoft.com/office/drawing/2014/main" id="{60198781-EBB0-10CE-8B2F-9ABD8A632D5C}"/>
+              </a:ext>
+            </a:extLst>
+          </p:cNvPr>
+          <p:cNvSpPr/>
+          <p:nvPr/>
+        </p:nvSpPr>
+        <p:spPr>
+          <a:xfrm>
+            <a:off x="7542218" y="3556057"/>
+            <a:ext cx="847742" cy="495381"/>
+          </a:xfrm>
+          <a:prstGeom prst="rect">
+            <a:avLst/>
+          </a:prstGeom>
+        </p:spPr>
+        <p:style>
+          <a:lnRef idx="2">
+            <a:schemeClr val="accent1">
+              <a:shade val="15000"/>
+            </a:schemeClr>
+          </a:lnRef>
+          <a:fillRef idx="1">
+            <a:schemeClr val="accent1"/>
+          </a:fillRef>
+          <a:effectRef idx="0">
+            <a:schemeClr val="accent1"/>
+          </a:effectRef>
+          <a:fontRef idx="minor">
+            <a:schemeClr val="lt1"/>
+          </a:fontRef>
+        </p:style>
+        <p:txBody>
+          <a:bodyPr rtlCol="0" anchor="ctr"/>
+          <a:lstStyle/>
+          <a:p>
+            <a:pPr algn="ctr"/>
+            <a:r>
+              <a:rPr lang="en-US" altLang="ko-KR" dirty="0"/>
+              <a:t>R5</a:t>
+            </a:r>
+            <a:endParaRPr lang="ko-KR" altLang="en-US" dirty="0"/>
           </a:p>
         </p:txBody>
       </p:sp>
       <p:cxnSp>
         <p:nvCxnSpPr>
-          <p:cNvPr id="5" name="연결선: 꺾임 4">
-            <a:extLst>
-              <a:ext uri="{FF2B5EF4-FFF2-40B4-BE49-F238E27FC236}">
-                <a16:creationId xmlns:a16="http://schemas.microsoft.com/office/drawing/2014/main" id="{A26142C6-04FA-DB58-2BDA-17C170B1E215}"/>
+          <p:cNvPr id="23" name="연결선: 꺾임 22">
+            <a:extLst>
+              <a:ext uri="{FF2B5EF4-FFF2-40B4-BE49-F238E27FC236}">
+                <a16:creationId xmlns:a16="http://schemas.microsoft.com/office/drawing/2014/main" id="{7784514C-ED5E-0B18-1D1B-F544B46E59B0}"/>
               </a:ext>
             </a:extLst>
           </p:cNvPr>
           <p:cNvCxnSpPr>
-            <a:stCxn id="56" idx="3"/>
-            <a:endCxn id="3" idx="1"/>
+            <a:cxnSpLocks/>
+            <a:stCxn id="91" idx="3"/>
+            <a:endCxn id="14" idx="1"/>
           </p:cNvCxnSpPr>
           <p:nvPr/>
         </p:nvCxnSpPr>
         <p:spPr>
-          <a:xfrm>
-            <a:off x="4470400" y="3155661"/>
-            <a:ext cx="1855775" cy="370936"/>
+          <a:xfrm flipV="1">
+            <a:off x="6935429" y="1094583"/>
+            <a:ext cx="1269587" cy="142068"/>
           </a:xfrm>
           <a:prstGeom prst="bentConnector3">
-            <a:avLst/>
+            <a:avLst>
+              <a:gd name="adj1" fmla="val 50000"/>
+            </a:avLst>
           </a:prstGeom>
-          <a:ln>
-            <a:tailEnd type="triangle"/>
+          <a:ln w="38100">
+            <a:solidFill>
+              <a:srgbClr val="FFC000"/>
+            </a:solidFill>
+            <a:headEnd type="diamond" w="med" len="med"/>
+            <a:tailEnd type="triangle" w="med" len="med"/>
           </a:ln>
         </p:spPr>
         <p:style>
           <a:lnRef idx="1">
-            <a:schemeClr val="accent1"/>
+            <a:schemeClr val="accent6"/>
           </a:lnRef>
           <a:fillRef idx="0">
-            <a:schemeClr val="accent1"/>
+            <a:schemeClr val="accent6"/>
           </a:fillRef>
           <a:effectRef idx="0">
-            <a:schemeClr val="accent1"/>
+            <a:schemeClr val="accent6"/>
+          </a:effectRef>
+          <a:fontRef idx="minor">
+            <a:schemeClr val="tx1"/>
+          </a:fontRef>
+        </p:style>
+      </p:cxnSp>
+      <p:cxnSp>
+        <p:nvCxnSpPr>
+          <p:cNvPr id="32" name="연결선: 꺾임 31">
+            <a:extLst>
+              <a:ext uri="{FF2B5EF4-FFF2-40B4-BE49-F238E27FC236}">
+                <a16:creationId xmlns:a16="http://schemas.microsoft.com/office/drawing/2014/main" id="{55996CE5-7EBC-3246-9029-B8870B968B13}"/>
+              </a:ext>
+            </a:extLst>
+          </p:cNvPr>
+          <p:cNvCxnSpPr>
+            <a:cxnSpLocks/>
+            <a:stCxn id="13" idx="2"/>
+            <a:endCxn id="94" idx="2"/>
+          </p:cNvCxnSpPr>
+          <p:nvPr/>
+        </p:nvCxnSpPr>
+        <p:spPr>
+          <a:xfrm rot="5400000" flipH="1">
+            <a:off x="6601761" y="525106"/>
+            <a:ext cx="272943" cy="7531313"/>
+          </a:xfrm>
+          <a:prstGeom prst="bentConnector3">
+            <a:avLst>
+              <a:gd name="adj1" fmla="val -83754"/>
+            </a:avLst>
+          </a:prstGeom>
+          <a:ln w="38100">
+            <a:solidFill>
+              <a:srgbClr val="FFC000"/>
+            </a:solidFill>
+            <a:headEnd type="diamond" w="med" len="med"/>
+            <a:tailEnd type="triangle" w="med" len="med"/>
+          </a:ln>
+        </p:spPr>
+        <p:style>
+          <a:lnRef idx="1">
+            <a:schemeClr val="accent6"/>
+          </a:lnRef>
+          <a:fillRef idx="0">
+            <a:schemeClr val="accent6"/>
+          </a:fillRef>
+          <a:effectRef idx="0">
+            <a:schemeClr val="accent6"/>
+          </a:effectRef>
+          <a:fontRef idx="minor">
+            <a:schemeClr val="tx1"/>
+          </a:fontRef>
+        </p:style>
+      </p:cxnSp>
+      <p:cxnSp>
+        <p:nvCxnSpPr>
+          <p:cNvPr id="48" name="연결선: 꺾임 47">
+            <a:extLst>
+              <a:ext uri="{FF2B5EF4-FFF2-40B4-BE49-F238E27FC236}">
+                <a16:creationId xmlns:a16="http://schemas.microsoft.com/office/drawing/2014/main" id="{ADAD1270-D18E-4A9B-90EA-E912E63A3DEA}"/>
+              </a:ext>
+            </a:extLst>
+          </p:cNvPr>
+          <p:cNvCxnSpPr>
+            <a:cxnSpLocks/>
+            <a:stCxn id="107" idx="3"/>
+            <a:endCxn id="14" idx="1"/>
+          </p:cNvCxnSpPr>
+          <p:nvPr/>
+        </p:nvCxnSpPr>
+        <p:spPr>
+          <a:xfrm flipV="1">
+            <a:off x="7561849" y="1094583"/>
+            <a:ext cx="643167" cy="1711555"/>
+          </a:xfrm>
+          <a:prstGeom prst="bentConnector3">
+            <a:avLst>
+              <a:gd name="adj1" fmla="val 50000"/>
+            </a:avLst>
+          </a:prstGeom>
+          <a:ln w="38100">
+            <a:solidFill>
+              <a:srgbClr val="FFC000"/>
+            </a:solidFill>
+            <a:headEnd type="diamond" w="med" len="med"/>
+            <a:tailEnd type="triangle" w="med" len="med"/>
+          </a:ln>
+        </p:spPr>
+        <p:style>
+          <a:lnRef idx="1">
+            <a:schemeClr val="accent6"/>
+          </a:lnRef>
+          <a:fillRef idx="0">
+            <a:schemeClr val="accent6"/>
+          </a:fillRef>
+          <a:effectRef idx="0">
+            <a:schemeClr val="accent6"/>
+          </a:effectRef>
+          <a:fontRef idx="minor">
+            <a:schemeClr val="tx1"/>
+          </a:fontRef>
+        </p:style>
+      </p:cxnSp>
+      <p:cxnSp>
+        <p:nvCxnSpPr>
+          <p:cNvPr id="62" name="연결선: 꺾임 61">
+            <a:extLst>
+              <a:ext uri="{FF2B5EF4-FFF2-40B4-BE49-F238E27FC236}">
+                <a16:creationId xmlns:a16="http://schemas.microsoft.com/office/drawing/2014/main" id="{D2BBF1BC-3F9C-FDD1-40CF-9CFE10E49737}"/>
+              </a:ext>
+            </a:extLst>
+          </p:cNvPr>
+          <p:cNvCxnSpPr>
+            <a:cxnSpLocks/>
+            <a:stCxn id="14" idx="2"/>
+            <a:endCxn id="15" idx="0"/>
+          </p:cNvCxnSpPr>
+          <p:nvPr/>
+        </p:nvCxnSpPr>
+        <p:spPr>
+          <a:xfrm rot="5400000">
+            <a:off x="8278945" y="1872242"/>
+            <a:ext cx="1370960" cy="1996671"/>
+          </a:xfrm>
+          <a:prstGeom prst="bentConnector3">
+            <a:avLst>
+              <a:gd name="adj1" fmla="val 50000"/>
+            </a:avLst>
+          </a:prstGeom>
+          <a:ln w="38100">
+            <a:solidFill>
+              <a:srgbClr val="FFC000"/>
+            </a:solidFill>
+            <a:headEnd type="diamond" w="med" len="med"/>
+            <a:tailEnd type="triangle" w="med" len="med"/>
+          </a:ln>
+        </p:spPr>
+        <p:style>
+          <a:lnRef idx="1">
+            <a:schemeClr val="accent6"/>
+          </a:lnRef>
+          <a:fillRef idx="0">
+            <a:schemeClr val="accent6"/>
+          </a:fillRef>
+          <a:effectRef idx="0">
+            <a:schemeClr val="accent6"/>
+          </a:effectRef>
+          <a:fontRef idx="minor">
+            <a:schemeClr val="tx1"/>
+          </a:fontRef>
+        </p:style>
+      </p:cxnSp>
+      <p:cxnSp>
+        <p:nvCxnSpPr>
+          <p:cNvPr id="68" name="연결선: 꺾임 67">
+            <a:extLst>
+              <a:ext uri="{FF2B5EF4-FFF2-40B4-BE49-F238E27FC236}">
+                <a16:creationId xmlns:a16="http://schemas.microsoft.com/office/drawing/2014/main" id="{B956E1CD-20B7-0672-1444-72F5F9EB34F5}"/>
+              </a:ext>
+            </a:extLst>
+          </p:cNvPr>
+          <p:cNvCxnSpPr>
+            <a:cxnSpLocks/>
+            <a:stCxn id="15" idx="2"/>
+            <a:endCxn id="13" idx="1"/>
+          </p:cNvCxnSpPr>
+          <p:nvPr/>
+        </p:nvCxnSpPr>
+        <p:spPr>
+          <a:xfrm rot="16200000" flipH="1">
+            <a:off x="8959001" y="3058525"/>
+            <a:ext cx="128105" cy="2113929"/>
+          </a:xfrm>
+          <a:prstGeom prst="bentConnector2">
+            <a:avLst/>
+          </a:prstGeom>
+          <a:ln w="38100">
+            <a:solidFill>
+              <a:srgbClr val="FFC000"/>
+            </a:solidFill>
+            <a:headEnd type="diamond" w="med" len="med"/>
+            <a:tailEnd type="triangle" w="med" len="med"/>
+          </a:ln>
+        </p:spPr>
+        <p:style>
+          <a:lnRef idx="1">
+            <a:schemeClr val="accent6"/>
+          </a:lnRef>
+          <a:fillRef idx="0">
+            <a:schemeClr val="accent6"/>
+          </a:fillRef>
+          <a:effectRef idx="0">
+            <a:schemeClr val="accent6"/>
           </a:effectRef>
           <a:fontRef idx="minor">
             <a:schemeClr val="tx1"/>
@@ -28931,10 +31473,10 @@
       </p:cxnSp>
       <p:sp>
         <p:nvSpPr>
-          <p:cNvPr id="7" name="사각형: 모서리가 접힌 도형 6">
-            <a:extLst>
-              <a:ext uri="{FF2B5EF4-FFF2-40B4-BE49-F238E27FC236}">
-                <a16:creationId xmlns:a16="http://schemas.microsoft.com/office/drawing/2014/main" id="{E20F75E5-4691-EC05-2730-B5EAC808B068}"/>
+          <p:cNvPr id="79" name="사각형: 모서리가 접힌 도형 78">
+            <a:extLst>
+              <a:ext uri="{FF2B5EF4-FFF2-40B4-BE49-F238E27FC236}">
+                <a16:creationId xmlns:a16="http://schemas.microsoft.com/office/drawing/2014/main" id="{4FFFC34E-AB5C-2EA7-5DA2-90E276198FD1}"/>
               </a:ext>
             </a:extLst>
           </p:cNvPr>
@@ -28943,8 +31485,8 @@
         </p:nvSpPr>
         <p:spPr>
           <a:xfrm>
-            <a:off x="9316310" y="2557743"/>
-            <a:ext cx="2437946" cy="1223682"/>
+            <a:off x="9232276" y="4803028"/>
+            <a:ext cx="2437946" cy="568378"/>
           </a:xfrm>
           <a:prstGeom prst="foldedCorner">
             <a:avLst/>
@@ -28979,14 +31521,22 @@
             <a:pPr algn="ctr"/>
             <a:r>
               <a:rPr lang="en-US" altLang="ko-KR" dirty="0"/>
-              <a:t>lib/Cylinder/Single </a:t>
+              <a:t>lib/Cylinder/Double </a:t>
             </a:r>
           </a:p>
           <a:p>
             <a:pPr algn="ctr"/>
             <a:r>
               <a:rPr lang="en-US" altLang="ko-KR" dirty="0"/>
-              <a:t>[Pin]</a:t>
+              <a:t>[</a:t>
+            </a:r>
+            <a:r>
+              <a:rPr lang="en-US" altLang="ko-KR" dirty="0" err="1"/>
+              <a:t>PinB</a:t>
+            </a:r>
+            <a:r>
+              <a:rPr lang="en-US" altLang="ko-KR" dirty="0"/>
+              <a:t>]</a:t>
             </a:r>
             <a:endParaRPr lang="ko-KR" altLang="en-US" dirty="0"/>
           </a:p>
@@ -28994,10 +31544,10 @@
       </p:sp>
       <p:sp>
         <p:nvSpPr>
-          <p:cNvPr id="6" name="직사각형 5">
-            <a:extLst>
-              <a:ext uri="{FF2B5EF4-FFF2-40B4-BE49-F238E27FC236}">
-                <a16:creationId xmlns:a16="http://schemas.microsoft.com/office/drawing/2014/main" id="{217B25AD-148C-7929-3495-54B7F85C1125}"/>
+          <p:cNvPr id="7" name="사각형: 모서리가 접힌 도형 6">
+            <a:extLst>
+              <a:ext uri="{FF2B5EF4-FFF2-40B4-BE49-F238E27FC236}">
+                <a16:creationId xmlns:a16="http://schemas.microsoft.com/office/drawing/2014/main" id="{714117EE-2573-5F95-0ABC-EE82E082580E}"/>
               </a:ext>
             </a:extLst>
           </p:cNvPr>
@@ -29006,14 +31556,14 @@
         </p:nvSpPr>
         <p:spPr>
           <a:xfrm>
-            <a:off x="971018" y="4222092"/>
-            <a:ext cx="4427269" cy="2126950"/>
+            <a:off x="9232276" y="5531195"/>
+            <a:ext cx="2437946" cy="568378"/>
           </a:xfrm>
-          <a:prstGeom prst="rect">
+          <a:prstGeom prst="foldedCorner">
             <a:avLst/>
           </a:prstGeom>
           <a:solidFill>
-            <a:schemeClr val="accent4">
+            <a:schemeClr val="accent3">
               <a:alpha val="50000"/>
             </a:schemeClr>
           </a:solidFill>
@@ -29041,19 +31591,26 @@
           <a:p>
             <a:pPr algn="ctr"/>
             <a:r>
-              <a:rPr lang="en-US" altLang="ko-KR" sz="1200" dirty="0"/>
-              <a:t>FEX.R2</a:t>
-            </a:r>
-            <a:endParaRPr lang="ko-KR" altLang="en-US" sz="800" dirty="0"/>
+              <a:rPr lang="en-US" altLang="ko-KR" dirty="0"/>
+              <a:t>lib/Cylinder/Double </a:t>
+            </a:r>
+          </a:p>
+          <a:p>
+            <a:pPr algn="ctr"/>
+            <a:r>
+              <a:rPr lang="en-US" altLang="ko-KR" dirty="0"/>
+              <a:t>[Clamp]2</a:t>
+            </a:r>
+            <a:endParaRPr lang="ko-KR" altLang="en-US" dirty="0"/>
           </a:p>
         </p:txBody>
       </p:sp>
       <p:sp>
         <p:nvSpPr>
-          <p:cNvPr id="10" name="직사각형 9">
-            <a:extLst>
-              <a:ext uri="{FF2B5EF4-FFF2-40B4-BE49-F238E27FC236}">
-                <a16:creationId xmlns:a16="http://schemas.microsoft.com/office/drawing/2014/main" id="{E85E75D1-2DF9-FB75-21C7-741E94A65347}"/>
+          <p:cNvPr id="17" name="사각형: 모서리가 접힌 도형 16">
+            <a:extLst>
+              <a:ext uri="{FF2B5EF4-FFF2-40B4-BE49-F238E27FC236}">
+                <a16:creationId xmlns:a16="http://schemas.microsoft.com/office/drawing/2014/main" id="{E1CA3431-7566-D83F-3452-2359472A35A2}"/>
               </a:ext>
             </a:extLst>
           </p:cNvPr>
@@ -29062,14 +31619,14 @@
         </p:nvSpPr>
         <p:spPr>
           <a:xfrm>
-            <a:off x="693125" y="2274698"/>
-            <a:ext cx="1103086" cy="1066431"/>
+            <a:off x="9232276" y="6259363"/>
+            <a:ext cx="2437946" cy="568378"/>
           </a:xfrm>
-          <a:prstGeom prst="rect">
+          <a:prstGeom prst="foldedCorner">
             <a:avLst/>
           </a:prstGeom>
           <a:solidFill>
-            <a:schemeClr val="accent4">
+            <a:schemeClr val="accent3">
               <a:alpha val="50000"/>
             </a:schemeClr>
           </a:solidFill>
@@ -29097,62 +31654,1055 @@
           <a:p>
             <a:pPr algn="ctr"/>
             <a:r>
-              <a:rPr lang="en-US" altLang="ko-KR" sz="1200" dirty="0" err="1"/>
-              <a:t>R22</a:t>
-            </a:r>
-            <a:endParaRPr lang="ko-KR" altLang="en-US" sz="1200" dirty="0"/>
+              <a:rPr lang="en-US" altLang="ko-KR" dirty="0"/>
+              <a:t>lib/Cylinder/Double </a:t>
+            </a:r>
+          </a:p>
+          <a:p>
+            <a:pPr algn="ctr"/>
+            <a:r>
+              <a:rPr lang="en-US" altLang="ko-KR" dirty="0"/>
+              <a:t>[Latch]5</a:t>
+            </a:r>
+            <a:endParaRPr lang="ko-KR" altLang="en-US" dirty="0"/>
           </a:p>
         </p:txBody>
       </p:sp>
-      <p:cxnSp>
-        <p:nvCxnSpPr>
-          <p:cNvPr id="13" name="연결선: 꺾임 12">
-            <a:extLst>
-              <a:ext uri="{FF2B5EF4-FFF2-40B4-BE49-F238E27FC236}">
-                <a16:creationId xmlns:a16="http://schemas.microsoft.com/office/drawing/2014/main" id="{2D930A9F-61E6-7F98-35DD-922935F9670D}"/>
-              </a:ext>
-            </a:extLst>
-          </p:cNvPr>
-          <p:cNvCxnSpPr>
-            <a:cxnSpLocks/>
-            <a:stCxn id="10" idx="2"/>
-            <a:endCxn id="6" idx="0"/>
-          </p:cNvCxnSpPr>
+      <p:grpSp>
+        <p:nvGrpSpPr>
+          <p:cNvPr id="55" name="그룹 54">
+            <a:extLst>
+              <a:ext uri="{FF2B5EF4-FFF2-40B4-BE49-F238E27FC236}">
+                <a16:creationId xmlns:a16="http://schemas.microsoft.com/office/drawing/2014/main" id="{8EE34B0D-22C8-066B-F07B-3C16D4B975E4}"/>
+              </a:ext>
+            </a:extLst>
+          </p:cNvPr>
+          <p:cNvGrpSpPr/>
           <p:nvPr/>
-        </p:nvCxnSpPr>
+        </p:nvGrpSpPr>
+        <p:grpSpPr>
+          <a:xfrm>
+            <a:off x="8205016" y="4069"/>
+            <a:ext cx="3515488" cy="2181028"/>
+            <a:chOff x="8205016" y="4069"/>
+            <a:chExt cx="3515488" cy="2181028"/>
+          </a:xfrm>
+        </p:grpSpPr>
+        <p:sp>
+          <p:nvSpPr>
+            <p:cNvPr id="14" name="직사각형 13">
+              <a:extLst>
+                <a:ext uri="{FF2B5EF4-FFF2-40B4-BE49-F238E27FC236}">
+                  <a16:creationId xmlns:a16="http://schemas.microsoft.com/office/drawing/2014/main" id="{7F0FAA92-96A9-A5D3-0A1E-4545883E9E65}"/>
+                </a:ext>
+              </a:extLst>
+            </p:cNvPr>
+            <p:cNvSpPr/>
+            <p:nvPr/>
+          </p:nvSpPr>
+          <p:spPr>
+            <a:xfrm>
+              <a:off x="8205016" y="4069"/>
+              <a:ext cx="3515488" cy="2181028"/>
+            </a:xfrm>
+            <a:prstGeom prst="rect">
+              <a:avLst/>
+            </a:prstGeom>
+          </p:spPr>
+          <p:style>
+            <a:lnRef idx="2">
+              <a:schemeClr val="accent1">
+                <a:shade val="15000"/>
+              </a:schemeClr>
+            </a:lnRef>
+            <a:fillRef idx="1">
+              <a:schemeClr val="accent1"/>
+            </a:fillRef>
+            <a:effectRef idx="0">
+              <a:schemeClr val="accent1"/>
+            </a:effectRef>
+            <a:fontRef idx="minor">
+              <a:schemeClr val="lt1"/>
+            </a:fontRef>
+          </p:style>
+          <p:txBody>
+            <a:bodyPr rtlCol="0" anchor="ctr"/>
+            <a:lstStyle/>
+            <a:p>
+              <a:pPr algn="ctr"/>
+              <a:r>
+                <a:rPr lang="en-US" altLang="ko-KR" dirty="0"/>
+                <a:t>R4</a:t>
+              </a:r>
+              <a:endParaRPr lang="ko-KR" altLang="en-US" dirty="0"/>
+            </a:p>
+          </p:txBody>
+        </p:sp>
+        <p:sp>
+          <p:nvSpPr>
+            <p:cNvPr id="3" name="타원 2">
+              <a:extLst>
+                <a:ext uri="{FF2B5EF4-FFF2-40B4-BE49-F238E27FC236}">
+                  <a16:creationId xmlns:a16="http://schemas.microsoft.com/office/drawing/2014/main" id="{40045D59-AC9F-C1A5-B4B3-519490FD2B7A}"/>
+                </a:ext>
+              </a:extLst>
+            </p:cNvPr>
+            <p:cNvSpPr/>
+            <p:nvPr/>
+          </p:nvSpPr>
+          <p:spPr>
+            <a:xfrm>
+              <a:off x="8282021" y="407432"/>
+              <a:ext cx="758778" cy="499161"/>
+            </a:xfrm>
+            <a:prstGeom prst="ellipse">
+              <a:avLst/>
+            </a:prstGeom>
+            <a:solidFill>
+              <a:schemeClr val="accent4">
+                <a:alpha val="50000"/>
+              </a:schemeClr>
+            </a:solidFill>
+            <a:ln>
+              <a:noFill/>
+            </a:ln>
+          </p:spPr>
+          <p:style>
+            <a:lnRef idx="0">
+              <a:scrgbClr r="0" g="0" b="0"/>
+            </a:lnRef>
+            <a:fillRef idx="0">
+              <a:scrgbClr r="0" g="0" b="0"/>
+            </a:fillRef>
+            <a:effectRef idx="0">
+              <a:scrgbClr r="0" g="0" b="0"/>
+            </a:effectRef>
+            <a:fontRef idx="minor">
+              <a:schemeClr val="lt1"/>
+            </a:fontRef>
+          </p:style>
+          <p:txBody>
+            <a:bodyPr rtlCol="0" anchor="ctr"/>
+            <a:lstStyle/>
+            <a:p>
+              <a:pPr algn="ctr"/>
+              <a:r>
+                <a:rPr lang="en-US" altLang="ko-KR" sz="1050" dirty="0"/>
+                <a:t>Latch $ADV</a:t>
+              </a:r>
+              <a:endParaRPr lang="ko-KR" altLang="en-US" sz="1050" dirty="0"/>
+            </a:p>
+          </p:txBody>
+        </p:sp>
+        <p:sp>
+          <p:nvSpPr>
+            <p:cNvPr id="4" name="타원 3">
+              <a:extLst>
+                <a:ext uri="{FF2B5EF4-FFF2-40B4-BE49-F238E27FC236}">
+                  <a16:creationId xmlns:a16="http://schemas.microsoft.com/office/drawing/2014/main" id="{8DEA1278-35F2-757D-3B7E-B8F3D3BA7CA2}"/>
+                </a:ext>
+              </a:extLst>
+            </p:cNvPr>
+            <p:cNvSpPr/>
+            <p:nvPr/>
+          </p:nvSpPr>
+          <p:spPr>
+            <a:xfrm>
+              <a:off x="9321240" y="1583036"/>
+              <a:ext cx="758778" cy="499161"/>
+            </a:xfrm>
+            <a:prstGeom prst="ellipse">
+              <a:avLst/>
+            </a:prstGeom>
+            <a:solidFill>
+              <a:schemeClr val="accent4">
+                <a:alpha val="50000"/>
+              </a:schemeClr>
+            </a:solidFill>
+            <a:ln>
+              <a:noFill/>
+            </a:ln>
+          </p:spPr>
+          <p:style>
+            <a:lnRef idx="0">
+              <a:scrgbClr r="0" g="0" b="0"/>
+            </a:lnRef>
+            <a:fillRef idx="0">
+              <a:scrgbClr r="0" g="0" b="0"/>
+            </a:fillRef>
+            <a:effectRef idx="0">
+              <a:scrgbClr r="0" g="0" b="0"/>
+            </a:effectRef>
+            <a:fontRef idx="minor">
+              <a:schemeClr val="lt1"/>
+            </a:fontRef>
+          </p:style>
+          <p:txBody>
+            <a:bodyPr rtlCol="0" anchor="ctr"/>
+            <a:lstStyle/>
+            <a:p>
+              <a:pPr algn="ctr"/>
+              <a:r>
+                <a:rPr lang="en-US" altLang="ko-KR" sz="1050" dirty="0"/>
+                <a:t>Latch $RET</a:t>
+              </a:r>
+              <a:endParaRPr lang="ko-KR" altLang="en-US" sz="1050" dirty="0"/>
+            </a:p>
+          </p:txBody>
+        </p:sp>
+        <p:cxnSp>
+          <p:nvCxnSpPr>
+            <p:cNvPr id="5" name="연결선: 꺾임 4">
+              <a:extLst>
+                <a:ext uri="{FF2B5EF4-FFF2-40B4-BE49-F238E27FC236}">
+                  <a16:creationId xmlns:a16="http://schemas.microsoft.com/office/drawing/2014/main" id="{027F9686-3E3D-8C25-BCE0-DFEA98B13F0F}"/>
+                </a:ext>
+              </a:extLst>
+            </p:cNvPr>
+            <p:cNvCxnSpPr>
+              <a:cxnSpLocks/>
+              <a:stCxn id="3" idx="5"/>
+              <a:endCxn id="4" idx="1"/>
+            </p:cNvCxnSpPr>
+            <p:nvPr/>
+          </p:nvCxnSpPr>
+          <p:spPr>
+            <a:xfrm rot="16200000" flipH="1">
+              <a:off x="8769698" y="993472"/>
+              <a:ext cx="822643" cy="502682"/>
+            </a:xfrm>
+            <a:prstGeom prst="bentConnector3">
+              <a:avLst/>
+            </a:prstGeom>
+            <a:ln>
+              <a:tailEnd type="triangle"/>
+            </a:ln>
+          </p:spPr>
+          <p:style>
+            <a:lnRef idx="1">
+              <a:schemeClr val="accent4"/>
+            </a:lnRef>
+            <a:fillRef idx="0">
+              <a:schemeClr val="accent4"/>
+            </a:fillRef>
+            <a:effectRef idx="0">
+              <a:schemeClr val="accent4"/>
+            </a:effectRef>
+            <a:fontRef idx="minor">
+              <a:schemeClr val="tx1"/>
+            </a:fontRef>
+          </p:style>
+        </p:cxnSp>
+      </p:grpSp>
+      <p:grpSp>
+        <p:nvGrpSpPr>
+          <p:cNvPr id="33" name="그룹 32">
+            <a:extLst>
+              <a:ext uri="{FF2B5EF4-FFF2-40B4-BE49-F238E27FC236}">
+                <a16:creationId xmlns:a16="http://schemas.microsoft.com/office/drawing/2014/main" id="{6BFA305D-2D6E-C23C-D8C8-884D81F2F964}"/>
+              </a:ext>
+            </a:extLst>
+          </p:cNvPr>
+          <p:cNvGrpSpPr/>
+          <p:nvPr/>
+        </p:nvGrpSpPr>
+        <p:grpSpPr>
+          <a:xfrm>
+            <a:off x="6030416" y="2262565"/>
+            <a:ext cx="1601397" cy="1087145"/>
+            <a:chOff x="6037762" y="2062362"/>
+            <a:chExt cx="1601397" cy="1087145"/>
+          </a:xfrm>
+        </p:grpSpPr>
+        <p:sp>
+          <p:nvSpPr>
+            <p:cNvPr id="107" name="직사각형 106">
+              <a:extLst>
+                <a:ext uri="{FF2B5EF4-FFF2-40B4-BE49-F238E27FC236}">
+                  <a16:creationId xmlns:a16="http://schemas.microsoft.com/office/drawing/2014/main" id="{915BD835-DF4D-92B2-20EE-E079F839EBBE}"/>
+                </a:ext>
+              </a:extLst>
+            </p:cNvPr>
+            <p:cNvSpPr/>
+            <p:nvPr/>
+          </p:nvSpPr>
+          <p:spPr>
+            <a:xfrm>
+              <a:off x="6037762" y="2062362"/>
+              <a:ext cx="1531433" cy="1087145"/>
+            </a:xfrm>
+            <a:prstGeom prst="rect">
+              <a:avLst/>
+            </a:prstGeom>
+          </p:spPr>
+          <p:style>
+            <a:lnRef idx="2">
+              <a:schemeClr val="accent1">
+                <a:shade val="15000"/>
+              </a:schemeClr>
+            </a:lnRef>
+            <a:fillRef idx="1">
+              <a:schemeClr val="accent1"/>
+            </a:fillRef>
+            <a:effectRef idx="0">
+              <a:schemeClr val="accent1"/>
+            </a:effectRef>
+            <a:fontRef idx="minor">
+              <a:schemeClr val="lt1"/>
+            </a:fontRef>
+          </p:style>
+          <p:txBody>
+            <a:bodyPr rtlCol="0" anchor="ctr"/>
+            <a:lstStyle/>
+            <a:p>
+              <a:pPr algn="ctr"/>
+              <a:r>
+                <a:rPr lang="en-US" altLang="ko-KR" dirty="0"/>
+                <a:t>R2</a:t>
+              </a:r>
+              <a:endParaRPr lang="ko-KR" altLang="en-US" dirty="0"/>
+            </a:p>
+          </p:txBody>
+        </p:sp>
+        <p:sp>
+          <p:nvSpPr>
+            <p:cNvPr id="26" name="타원 25">
+              <a:extLst>
+                <a:ext uri="{FF2B5EF4-FFF2-40B4-BE49-F238E27FC236}">
+                  <a16:creationId xmlns:a16="http://schemas.microsoft.com/office/drawing/2014/main" id="{ABEE2C8E-BA8C-2B76-DD09-42AF1BB5187D}"/>
+                </a:ext>
+              </a:extLst>
+            </p:cNvPr>
+            <p:cNvSpPr/>
+            <p:nvPr/>
+          </p:nvSpPr>
+          <p:spPr>
+            <a:xfrm>
+              <a:off x="6069663" y="2124211"/>
+              <a:ext cx="758778" cy="499161"/>
+            </a:xfrm>
+            <a:prstGeom prst="ellipse">
+              <a:avLst/>
+            </a:prstGeom>
+            <a:solidFill>
+              <a:schemeClr val="accent4">
+                <a:alpha val="50000"/>
+              </a:schemeClr>
+            </a:solidFill>
+            <a:ln>
+              <a:noFill/>
+            </a:ln>
+          </p:spPr>
+          <p:style>
+            <a:lnRef idx="0">
+              <a:scrgbClr r="0" g="0" b="0"/>
+            </a:lnRef>
+            <a:fillRef idx="0">
+              <a:scrgbClr r="0" g="0" b="0"/>
+            </a:fillRef>
+            <a:effectRef idx="0">
+              <a:scrgbClr r="0" g="0" b="0"/>
+            </a:effectRef>
+            <a:fontRef idx="minor">
+              <a:schemeClr val="lt1"/>
+            </a:fontRef>
+          </p:style>
+          <p:txBody>
+            <a:bodyPr rtlCol="0" anchor="ctr"/>
+            <a:lstStyle/>
+            <a:p>
+              <a:pPr algn="ctr"/>
+              <a:r>
+                <a:rPr lang="en-US" altLang="ko-KR" sz="1050" dirty="0"/>
+                <a:t>Clamp $ADV</a:t>
+              </a:r>
+              <a:endParaRPr lang="ko-KR" altLang="en-US" sz="1050" dirty="0"/>
+            </a:p>
+          </p:txBody>
+        </p:sp>
+        <p:sp>
+          <p:nvSpPr>
+            <p:cNvPr id="28" name="타원 27">
+              <a:extLst>
+                <a:ext uri="{FF2B5EF4-FFF2-40B4-BE49-F238E27FC236}">
+                  <a16:creationId xmlns:a16="http://schemas.microsoft.com/office/drawing/2014/main" id="{D4DAA7DC-6192-4D1B-35A5-F5D032D07073}"/>
+                </a:ext>
+              </a:extLst>
+            </p:cNvPr>
+            <p:cNvSpPr/>
+            <p:nvPr/>
+          </p:nvSpPr>
+          <p:spPr>
+            <a:xfrm>
+              <a:off x="6880381" y="2575343"/>
+              <a:ext cx="758778" cy="499161"/>
+            </a:xfrm>
+            <a:prstGeom prst="ellipse">
+              <a:avLst/>
+            </a:prstGeom>
+            <a:solidFill>
+              <a:schemeClr val="accent4">
+                <a:alpha val="50000"/>
+              </a:schemeClr>
+            </a:solidFill>
+            <a:ln>
+              <a:noFill/>
+            </a:ln>
+          </p:spPr>
+          <p:style>
+            <a:lnRef idx="0">
+              <a:scrgbClr r="0" g="0" b="0"/>
+            </a:lnRef>
+            <a:fillRef idx="0">
+              <a:scrgbClr r="0" g="0" b="0"/>
+            </a:fillRef>
+            <a:effectRef idx="0">
+              <a:scrgbClr r="0" g="0" b="0"/>
+            </a:effectRef>
+            <a:fontRef idx="minor">
+              <a:schemeClr val="lt1"/>
+            </a:fontRef>
+          </p:style>
+          <p:txBody>
+            <a:bodyPr rtlCol="0" anchor="ctr"/>
+            <a:lstStyle/>
+            <a:p>
+              <a:pPr algn="ctr"/>
+              <a:r>
+                <a:rPr lang="en-US" altLang="ko-KR" sz="1050" dirty="0"/>
+                <a:t>Clamp $RET</a:t>
+              </a:r>
+              <a:endParaRPr lang="ko-KR" altLang="en-US" sz="1050" dirty="0"/>
+            </a:p>
+          </p:txBody>
+        </p:sp>
+        <p:cxnSp>
+          <p:nvCxnSpPr>
+            <p:cNvPr id="29" name="연결선: 꺾임 28">
+              <a:extLst>
+                <a:ext uri="{FF2B5EF4-FFF2-40B4-BE49-F238E27FC236}">
+                  <a16:creationId xmlns:a16="http://schemas.microsoft.com/office/drawing/2014/main" id="{2C7C2411-0A06-CFA6-9C89-8E6C7FB3F216}"/>
+                </a:ext>
+              </a:extLst>
+            </p:cNvPr>
+            <p:cNvCxnSpPr>
+              <a:cxnSpLocks/>
+              <a:stCxn id="26" idx="4"/>
+              <a:endCxn id="28" idx="3"/>
+            </p:cNvCxnSpPr>
+            <p:nvPr/>
+          </p:nvCxnSpPr>
+          <p:spPr>
+            <a:xfrm rot="16200000" flipH="1">
+              <a:off x="6531260" y="2541163"/>
+              <a:ext cx="378032" cy="542449"/>
+            </a:xfrm>
+            <a:prstGeom prst="bentConnector3">
+              <a:avLst>
+                <a:gd name="adj1" fmla="val 179808"/>
+              </a:avLst>
+            </a:prstGeom>
+            <a:ln>
+              <a:tailEnd type="triangle"/>
+            </a:ln>
+          </p:spPr>
+          <p:style>
+            <a:lnRef idx="1">
+              <a:schemeClr val="accent4"/>
+            </a:lnRef>
+            <a:fillRef idx="0">
+              <a:schemeClr val="accent4"/>
+            </a:fillRef>
+            <a:effectRef idx="0">
+              <a:schemeClr val="accent4"/>
+            </a:effectRef>
+            <a:fontRef idx="minor">
+              <a:schemeClr val="tx1"/>
+            </a:fontRef>
+          </p:style>
+        </p:cxnSp>
+      </p:grpSp>
+      <p:sp>
+        <p:nvSpPr>
+          <p:cNvPr id="34" name="사각형: 모서리가 접힌 도형 33">
+            <a:extLst>
+              <a:ext uri="{FF2B5EF4-FFF2-40B4-BE49-F238E27FC236}">
+                <a16:creationId xmlns:a16="http://schemas.microsoft.com/office/drawing/2014/main" id="{C3D2AFE5-0603-1136-2006-76B1E50AD071}"/>
+              </a:ext>
+            </a:extLst>
+          </p:cNvPr>
+          <p:cNvSpPr/>
+          <p:nvPr/>
+        </p:nvSpPr>
         <p:spPr>
-          <a:xfrm rot="16200000" flipH="1">
-            <a:off x="1774179" y="2811617"/>
-            <a:ext cx="880963" cy="1939985"/>
+          <a:xfrm>
+            <a:off x="6677415" y="4803028"/>
+            <a:ext cx="2437946" cy="568378"/>
           </a:xfrm>
-          <a:prstGeom prst="bentConnector3">
-            <a:avLst>
-              <a:gd name="adj1" fmla="val 50000"/>
-            </a:avLst>
+          <a:prstGeom prst="foldedCorner">
+            <a:avLst/>
           </a:prstGeom>
+          <a:solidFill>
+            <a:schemeClr val="accent3">
+              <a:alpha val="50000"/>
+            </a:schemeClr>
+          </a:solidFill>
           <a:ln>
-            <a:tailEnd type="triangle"/>
+            <a:noFill/>
           </a:ln>
         </p:spPr>
         <p:style>
-          <a:lnRef idx="1">
-            <a:schemeClr val="accent1"/>
+          <a:lnRef idx="0">
+            <a:scrgbClr r="0" g="0" b="0"/>
           </a:lnRef>
           <a:fillRef idx="0">
-            <a:schemeClr val="accent1"/>
+            <a:scrgbClr r="0" g="0" b="0"/>
           </a:fillRef>
           <a:effectRef idx="0">
-            <a:schemeClr val="accent1"/>
+            <a:scrgbClr r="0" g="0" b="0"/>
           </a:effectRef>
           <a:fontRef idx="minor">
-            <a:schemeClr val="tx1"/>
+            <a:schemeClr val="lt1"/>
           </a:fontRef>
         </p:style>
-      </p:cxnSp>
+        <p:txBody>
+          <a:bodyPr rtlCol="0" anchor="ctr"/>
+          <a:lstStyle/>
+          <a:p>
+            <a:pPr algn="ctr"/>
+            <a:r>
+              <a:rPr lang="en-US" altLang="ko-KR" dirty="0"/>
+              <a:t>lib/Cylinder/Double </a:t>
+            </a:r>
+          </a:p>
+          <a:p>
+            <a:pPr algn="ctr"/>
+            <a:r>
+              <a:rPr lang="en-US" altLang="ko-KR" dirty="0"/>
+              <a:t>[</a:t>
+            </a:r>
+            <a:r>
+              <a:rPr lang="en-US" altLang="ko-KR" dirty="0" err="1"/>
+              <a:t>PinA</a:t>
+            </a:r>
+            <a:r>
+              <a:rPr lang="en-US" altLang="ko-KR" dirty="0"/>
+              <a:t>]</a:t>
+            </a:r>
+            <a:endParaRPr lang="ko-KR" altLang="en-US" dirty="0"/>
+          </a:p>
+        </p:txBody>
+      </p:sp>
+      <p:grpSp>
+        <p:nvGrpSpPr>
+          <p:cNvPr id="44" name="그룹 43">
+            <a:extLst>
+              <a:ext uri="{FF2B5EF4-FFF2-40B4-BE49-F238E27FC236}">
+                <a16:creationId xmlns:a16="http://schemas.microsoft.com/office/drawing/2014/main" id="{E2B50E5B-2B39-4E96-458F-85B96ABBB3B4}"/>
+              </a:ext>
+            </a:extLst>
+          </p:cNvPr>
+          <p:cNvGrpSpPr/>
+          <p:nvPr/>
+        </p:nvGrpSpPr>
+        <p:grpSpPr>
+          <a:xfrm>
+            <a:off x="331486" y="1236651"/>
+            <a:ext cx="5282180" cy="2917639"/>
+            <a:chOff x="331486" y="1236651"/>
+            <a:chExt cx="5282180" cy="2917639"/>
+          </a:xfrm>
+        </p:grpSpPr>
+        <p:grpSp>
+          <p:nvGrpSpPr>
+            <p:cNvPr id="16" name="그룹 15">
+              <a:extLst>
+                <a:ext uri="{FF2B5EF4-FFF2-40B4-BE49-F238E27FC236}">
+                  <a16:creationId xmlns:a16="http://schemas.microsoft.com/office/drawing/2014/main" id="{90FC8CF1-2B85-11A3-58EB-E351DAA6A162}"/>
+                </a:ext>
+              </a:extLst>
+            </p:cNvPr>
+            <p:cNvGrpSpPr/>
+            <p:nvPr/>
+          </p:nvGrpSpPr>
+          <p:grpSpPr>
+            <a:xfrm>
+              <a:off x="331486" y="1236651"/>
+              <a:ext cx="5282180" cy="2917639"/>
+              <a:chOff x="356674" y="1216886"/>
+              <a:chExt cx="5282180" cy="2917639"/>
+            </a:xfrm>
+          </p:grpSpPr>
+          <p:sp>
+            <p:nvSpPr>
+              <p:cNvPr id="94" name="직사각형 93">
+                <a:extLst>
+                  <a:ext uri="{FF2B5EF4-FFF2-40B4-BE49-F238E27FC236}">
+                    <a16:creationId xmlns:a16="http://schemas.microsoft.com/office/drawing/2014/main" id="{50002DFC-06DB-5F32-EB21-2D6DF916CB2E}"/>
+                  </a:ext>
+                </a:extLst>
+              </p:cNvPr>
+              <p:cNvSpPr/>
+              <p:nvPr/>
+            </p:nvSpPr>
+            <p:spPr>
+              <a:xfrm>
+                <a:off x="356674" y="1216886"/>
+                <a:ext cx="5282180" cy="2917639"/>
+              </a:xfrm>
+              <a:prstGeom prst="rect">
+                <a:avLst/>
+              </a:prstGeom>
+            </p:spPr>
+            <p:style>
+              <a:lnRef idx="2">
+                <a:schemeClr val="accent1">
+                  <a:shade val="15000"/>
+                </a:schemeClr>
+              </a:lnRef>
+              <a:fillRef idx="1">
+                <a:schemeClr val="accent1"/>
+              </a:fillRef>
+              <a:effectRef idx="0">
+                <a:schemeClr val="accent1"/>
+              </a:effectRef>
+              <a:fontRef idx="minor">
+                <a:schemeClr val="lt1"/>
+              </a:fontRef>
+            </p:style>
+            <p:txBody>
+              <a:bodyPr rtlCol="0" anchor="ctr"/>
+              <a:lstStyle/>
+              <a:p>
+                <a:pPr algn="ctr"/>
+                <a:r>
+                  <a:rPr lang="en-US" altLang="ko-KR" dirty="0"/>
+                  <a:t>R1</a:t>
+                </a:r>
+                <a:endParaRPr lang="ko-KR" altLang="en-US" dirty="0"/>
+              </a:p>
+            </p:txBody>
+          </p:sp>
+          <p:sp>
+            <p:nvSpPr>
+              <p:cNvPr id="10" name="타원 9">
+                <a:extLst>
+                  <a:ext uri="{FF2B5EF4-FFF2-40B4-BE49-F238E27FC236}">
+                    <a16:creationId xmlns:a16="http://schemas.microsoft.com/office/drawing/2014/main" id="{FCDAA94B-9830-4764-06B1-1D60DCB829DC}"/>
+                  </a:ext>
+                </a:extLst>
+              </p:cNvPr>
+              <p:cNvSpPr/>
+              <p:nvPr/>
+            </p:nvSpPr>
+            <p:spPr>
+              <a:xfrm>
+                <a:off x="859603" y="1881292"/>
+                <a:ext cx="758778" cy="499161"/>
+              </a:xfrm>
+              <a:prstGeom prst="ellipse">
+                <a:avLst/>
+              </a:prstGeom>
+              <a:solidFill>
+                <a:schemeClr val="accent4">
+                  <a:alpha val="50000"/>
+                </a:schemeClr>
+              </a:solidFill>
+              <a:ln>
+                <a:noFill/>
+              </a:ln>
+            </p:spPr>
+            <p:style>
+              <a:lnRef idx="0">
+                <a:scrgbClr r="0" g="0" b="0"/>
+              </a:lnRef>
+              <a:fillRef idx="0">
+                <a:scrgbClr r="0" g="0" b="0"/>
+              </a:fillRef>
+              <a:effectRef idx="0">
+                <a:scrgbClr r="0" g="0" b="0"/>
+              </a:effectRef>
+              <a:fontRef idx="minor">
+                <a:schemeClr val="lt1"/>
+              </a:fontRef>
+            </p:style>
+            <p:txBody>
+              <a:bodyPr rtlCol="0" anchor="ctr"/>
+              <a:lstStyle/>
+              <a:p>
+                <a:pPr algn="ctr"/>
+                <a:r>
+                  <a:rPr lang="en-US" altLang="ko-KR" sz="1050" dirty="0" err="1"/>
+                  <a:t>PinA</a:t>
+                </a:r>
+                <a:r>
+                  <a:rPr lang="en-US" altLang="ko-KR" sz="1050" dirty="0"/>
+                  <a:t> $ADV</a:t>
+                </a:r>
+                <a:endParaRPr lang="ko-KR" altLang="en-US" sz="1050" dirty="0"/>
+              </a:p>
+            </p:txBody>
+          </p:sp>
+          <p:sp>
+            <p:nvSpPr>
+              <p:cNvPr id="11" name="타원 10">
+                <a:extLst>
+                  <a:ext uri="{FF2B5EF4-FFF2-40B4-BE49-F238E27FC236}">
+                    <a16:creationId xmlns:a16="http://schemas.microsoft.com/office/drawing/2014/main" id="{97560454-D4B5-A91B-3FF0-846F2FC2FD93}"/>
+                  </a:ext>
+                </a:extLst>
+              </p:cNvPr>
+              <p:cNvSpPr/>
+              <p:nvPr/>
+            </p:nvSpPr>
+            <p:spPr>
+              <a:xfrm>
+                <a:off x="1898822" y="3056896"/>
+                <a:ext cx="758778" cy="499161"/>
+              </a:xfrm>
+              <a:prstGeom prst="ellipse">
+                <a:avLst/>
+              </a:prstGeom>
+              <a:solidFill>
+                <a:schemeClr val="accent4">
+                  <a:alpha val="50000"/>
+                </a:schemeClr>
+              </a:solidFill>
+              <a:ln>
+                <a:noFill/>
+              </a:ln>
+            </p:spPr>
+            <p:style>
+              <a:lnRef idx="0">
+                <a:scrgbClr r="0" g="0" b="0"/>
+              </a:lnRef>
+              <a:fillRef idx="0">
+                <a:scrgbClr r="0" g="0" b="0"/>
+              </a:fillRef>
+              <a:effectRef idx="0">
+                <a:scrgbClr r="0" g="0" b="0"/>
+              </a:effectRef>
+              <a:fontRef idx="minor">
+                <a:schemeClr val="lt1"/>
+              </a:fontRef>
+            </p:style>
+            <p:txBody>
+              <a:bodyPr rtlCol="0" anchor="ctr"/>
+              <a:lstStyle/>
+              <a:p>
+                <a:pPr algn="ctr"/>
+                <a:r>
+                  <a:rPr lang="en-US" altLang="ko-KR" sz="1050" dirty="0" err="1"/>
+                  <a:t>PinA</a:t>
+                </a:r>
+                <a:r>
+                  <a:rPr lang="en-US" altLang="ko-KR" sz="1050" dirty="0"/>
+                  <a:t> $RET</a:t>
+                </a:r>
+                <a:endParaRPr lang="ko-KR" altLang="en-US" sz="1050" dirty="0"/>
+              </a:p>
+            </p:txBody>
+          </p:sp>
+          <p:cxnSp>
+            <p:nvCxnSpPr>
+              <p:cNvPr id="12" name="연결선: 꺾임 11">
+                <a:extLst>
+                  <a:ext uri="{FF2B5EF4-FFF2-40B4-BE49-F238E27FC236}">
+                    <a16:creationId xmlns:a16="http://schemas.microsoft.com/office/drawing/2014/main" id="{B82D86F6-686A-9B3A-FAFB-D9CA95D6B9EE}"/>
+                  </a:ext>
+                </a:extLst>
+              </p:cNvPr>
+              <p:cNvCxnSpPr>
+                <a:cxnSpLocks/>
+                <a:stCxn id="10" idx="5"/>
+                <a:endCxn id="11" idx="1"/>
+              </p:cNvCxnSpPr>
+              <p:nvPr/>
+            </p:nvCxnSpPr>
+            <p:spPr>
+              <a:xfrm rot="16200000" flipH="1">
+                <a:off x="1347280" y="2467332"/>
+                <a:ext cx="822643" cy="502682"/>
+              </a:xfrm>
+              <a:prstGeom prst="bentConnector3">
+                <a:avLst/>
+              </a:prstGeom>
+              <a:ln>
+                <a:tailEnd type="triangle"/>
+              </a:ln>
+            </p:spPr>
+            <p:style>
+              <a:lnRef idx="1">
+                <a:schemeClr val="accent4"/>
+              </a:lnRef>
+              <a:fillRef idx="0">
+                <a:schemeClr val="accent4"/>
+              </a:fillRef>
+              <a:effectRef idx="0">
+                <a:schemeClr val="accent4"/>
+              </a:effectRef>
+              <a:fontRef idx="minor">
+                <a:schemeClr val="tx1"/>
+              </a:fontRef>
+            </p:style>
+          </p:cxnSp>
+        </p:grpSp>
+        <p:sp>
+          <p:nvSpPr>
+            <p:cNvPr id="35" name="타원 34">
+              <a:extLst>
+                <a:ext uri="{FF2B5EF4-FFF2-40B4-BE49-F238E27FC236}">
+                  <a16:creationId xmlns:a16="http://schemas.microsoft.com/office/drawing/2014/main" id="{012DE983-D75D-B7F5-3F82-C437BB089E4F}"/>
+                </a:ext>
+              </a:extLst>
+            </p:cNvPr>
+            <p:cNvSpPr/>
+            <p:nvPr/>
+          </p:nvSpPr>
+          <p:spPr>
+            <a:xfrm>
+              <a:off x="2779948" y="1729131"/>
+              <a:ext cx="758778" cy="499161"/>
+            </a:xfrm>
+            <a:prstGeom prst="ellipse">
+              <a:avLst/>
+            </a:prstGeom>
+            <a:solidFill>
+              <a:schemeClr val="accent4">
+                <a:alpha val="50000"/>
+              </a:schemeClr>
+            </a:solidFill>
+            <a:ln>
+              <a:noFill/>
+            </a:ln>
+          </p:spPr>
+          <p:style>
+            <a:lnRef idx="0">
+              <a:scrgbClr r="0" g="0" b="0"/>
+            </a:lnRef>
+            <a:fillRef idx="0">
+              <a:scrgbClr r="0" g="0" b="0"/>
+            </a:fillRef>
+            <a:effectRef idx="0">
+              <a:scrgbClr r="0" g="0" b="0"/>
+            </a:effectRef>
+            <a:fontRef idx="minor">
+              <a:schemeClr val="lt1"/>
+            </a:fontRef>
+          </p:style>
+          <p:txBody>
+            <a:bodyPr rtlCol="0" anchor="ctr"/>
+            <a:lstStyle/>
+            <a:p>
+              <a:pPr algn="ctr"/>
+              <a:r>
+                <a:rPr lang="en-US" altLang="ko-KR" sz="1050" dirty="0" err="1"/>
+                <a:t>PinB</a:t>
+              </a:r>
+              <a:r>
+                <a:rPr lang="en-US" altLang="ko-KR" sz="1050" dirty="0"/>
+                <a:t> $ADV</a:t>
+              </a:r>
+              <a:endParaRPr lang="ko-KR" altLang="en-US" sz="1050" dirty="0"/>
+            </a:p>
+          </p:txBody>
+        </p:sp>
+        <p:sp>
+          <p:nvSpPr>
+            <p:cNvPr id="36" name="타원 35">
+              <a:extLst>
+                <a:ext uri="{FF2B5EF4-FFF2-40B4-BE49-F238E27FC236}">
+                  <a16:creationId xmlns:a16="http://schemas.microsoft.com/office/drawing/2014/main" id="{7E254FA6-B087-A662-0AA6-33D09FCECEDF}"/>
+                </a:ext>
+              </a:extLst>
+            </p:cNvPr>
+            <p:cNvSpPr/>
+            <p:nvPr/>
+          </p:nvSpPr>
+          <p:spPr>
+            <a:xfrm>
+              <a:off x="3819167" y="2904735"/>
+              <a:ext cx="758778" cy="499161"/>
+            </a:xfrm>
+            <a:prstGeom prst="ellipse">
+              <a:avLst/>
+            </a:prstGeom>
+            <a:solidFill>
+              <a:schemeClr val="accent4">
+                <a:alpha val="50000"/>
+              </a:schemeClr>
+            </a:solidFill>
+            <a:ln>
+              <a:noFill/>
+            </a:ln>
+          </p:spPr>
+          <p:style>
+            <a:lnRef idx="0">
+              <a:scrgbClr r="0" g="0" b="0"/>
+            </a:lnRef>
+            <a:fillRef idx="0">
+              <a:scrgbClr r="0" g="0" b="0"/>
+            </a:fillRef>
+            <a:effectRef idx="0">
+              <a:scrgbClr r="0" g="0" b="0"/>
+            </a:effectRef>
+            <a:fontRef idx="minor">
+              <a:schemeClr val="lt1"/>
+            </a:fontRef>
+          </p:style>
+          <p:txBody>
+            <a:bodyPr rtlCol="0" anchor="ctr"/>
+            <a:lstStyle/>
+            <a:p>
+              <a:pPr algn="ctr"/>
+              <a:r>
+                <a:rPr lang="en-US" altLang="ko-KR" sz="1050" dirty="0" err="1"/>
+                <a:t>PinB</a:t>
+              </a:r>
+              <a:r>
+                <a:rPr lang="en-US" altLang="ko-KR" sz="1050" dirty="0"/>
+                <a:t> $RET</a:t>
+              </a:r>
+              <a:endParaRPr lang="ko-KR" altLang="en-US" sz="1050" dirty="0"/>
+            </a:p>
+          </p:txBody>
+        </p:sp>
+        <p:cxnSp>
+          <p:nvCxnSpPr>
+            <p:cNvPr id="37" name="연결선: 꺾임 36">
+              <a:extLst>
+                <a:ext uri="{FF2B5EF4-FFF2-40B4-BE49-F238E27FC236}">
+                  <a16:creationId xmlns:a16="http://schemas.microsoft.com/office/drawing/2014/main" id="{B154AC2D-B472-8895-75AE-FC5DCF5D6EDB}"/>
+                </a:ext>
+              </a:extLst>
+            </p:cNvPr>
+            <p:cNvCxnSpPr>
+              <a:cxnSpLocks/>
+              <a:stCxn id="35" idx="5"/>
+              <a:endCxn id="36" idx="1"/>
+            </p:cNvCxnSpPr>
+            <p:nvPr/>
+          </p:nvCxnSpPr>
+          <p:spPr>
+            <a:xfrm rot="16200000" flipH="1">
+              <a:off x="3267625" y="2315171"/>
+              <a:ext cx="822643" cy="502682"/>
+            </a:xfrm>
+            <a:prstGeom prst="bentConnector3">
+              <a:avLst/>
+            </a:prstGeom>
+            <a:ln>
+              <a:tailEnd type="triangle"/>
+            </a:ln>
+          </p:spPr>
+          <p:style>
+            <a:lnRef idx="1">
+              <a:schemeClr val="accent4"/>
+            </a:lnRef>
+            <a:fillRef idx="0">
+              <a:schemeClr val="accent4"/>
+            </a:fillRef>
+            <a:effectRef idx="0">
+              <a:schemeClr val="accent4"/>
+            </a:effectRef>
+            <a:fontRef idx="minor">
+              <a:schemeClr val="tx1"/>
+            </a:fontRef>
+          </p:style>
+        </p:cxnSp>
+        <p:cxnSp>
+          <p:nvCxnSpPr>
+            <p:cNvPr id="38" name="연결선: 꺾임 37">
+              <a:extLst>
+                <a:ext uri="{FF2B5EF4-FFF2-40B4-BE49-F238E27FC236}">
+                  <a16:creationId xmlns:a16="http://schemas.microsoft.com/office/drawing/2014/main" id="{9FEC5249-886D-4E91-096E-1136ED2A4E38}"/>
+                </a:ext>
+              </a:extLst>
+            </p:cNvPr>
+            <p:cNvCxnSpPr>
+              <a:cxnSpLocks/>
+              <a:stCxn id="10" idx="6"/>
+              <a:endCxn id="35" idx="2"/>
+            </p:cNvCxnSpPr>
+            <p:nvPr/>
+          </p:nvCxnSpPr>
+          <p:spPr>
+            <a:xfrm flipV="1">
+              <a:off x="1593193" y="1978712"/>
+              <a:ext cx="1186755" cy="171926"/>
+            </a:xfrm>
+            <a:prstGeom prst="bentConnector3">
+              <a:avLst/>
+            </a:prstGeom>
+            <a:ln>
+              <a:tailEnd type="triangle"/>
+            </a:ln>
+          </p:spPr>
+          <p:style>
+            <a:lnRef idx="1">
+              <a:schemeClr val="accent4"/>
+            </a:lnRef>
+            <a:fillRef idx="0">
+              <a:schemeClr val="accent4"/>
+            </a:fillRef>
+            <a:effectRef idx="0">
+              <a:schemeClr val="accent4"/>
+            </a:effectRef>
+            <a:fontRef idx="minor">
+              <a:schemeClr val="tx1"/>
+            </a:fontRef>
+          </p:style>
+        </p:cxnSp>
+        <p:cxnSp>
+          <p:nvCxnSpPr>
+            <p:cNvPr id="41" name="연결선: 꺾임 40">
+              <a:extLst>
+                <a:ext uri="{FF2B5EF4-FFF2-40B4-BE49-F238E27FC236}">
+                  <a16:creationId xmlns:a16="http://schemas.microsoft.com/office/drawing/2014/main" id="{0FB9EC74-793F-271C-E581-BC517FD8F9E9}"/>
+                </a:ext>
+              </a:extLst>
+            </p:cNvPr>
+            <p:cNvCxnSpPr>
+              <a:cxnSpLocks/>
+              <a:stCxn id="11" idx="6"/>
+              <a:endCxn id="36" idx="2"/>
+            </p:cNvCxnSpPr>
+            <p:nvPr/>
+          </p:nvCxnSpPr>
+          <p:spPr>
+            <a:xfrm flipV="1">
+              <a:off x="2632412" y="3154316"/>
+              <a:ext cx="1186755" cy="171926"/>
+            </a:xfrm>
+            <a:prstGeom prst="bentConnector3">
+              <a:avLst>
+                <a:gd name="adj1" fmla="val 50000"/>
+              </a:avLst>
+            </a:prstGeom>
+            <a:ln>
+              <a:tailEnd type="triangle"/>
+            </a:ln>
+          </p:spPr>
+          <p:style>
+            <a:lnRef idx="1">
+              <a:schemeClr val="accent4"/>
+            </a:lnRef>
+            <a:fillRef idx="0">
+              <a:schemeClr val="accent4"/>
+            </a:fillRef>
+            <a:effectRef idx="0">
+              <a:schemeClr val="accent4"/>
+            </a:effectRef>
+            <a:fontRef idx="minor">
+              <a:schemeClr val="tx1"/>
+            </a:fontRef>
+          </p:style>
+        </p:cxnSp>
+      </p:grpSp>
     </p:spTree>
     <p:extLst>
       <p:ext uri="{BB962C8B-B14F-4D97-AF65-F5344CB8AC3E}">
-        <p14:creationId xmlns:p14="http://schemas.microsoft.com/office/powerpoint/2010/main" val="2276412121"/>
+        <p14:creationId xmlns:p14="http://schemas.microsoft.com/office/powerpoint/2010/main" val="233941044"/>
       </p:ext>
     </p:extLst>
   </p:cSld>

--- a/DsDotNet/src/UnitTest/UnitTest.Model/ImportOfficeExample/Sample/s.pptx
+++ b/DsDotNet/src/UnitTest/UnitTest.Model/ImportOfficeExample/Sample/s.pptx
@@ -5,10 +5,10 @@
     <p:sldMasterId id="2147483687" r:id="rId1"/>
   </p:sldMasterIdLst>
   <p:notesMasterIdLst>
-    <p:notesMasterId r:id="rId27"/>
+    <p:notesMasterId r:id="rId29"/>
   </p:notesMasterIdLst>
   <p:handoutMasterIdLst>
-    <p:handoutMasterId r:id="rId28"/>
+    <p:handoutMasterId r:id="rId30"/>
   </p:handoutMasterIdLst>
   <p:sldIdLst>
     <p:sldId id="614" r:id="rId2"/>
@@ -21,21 +21,23 @@
     <p:sldId id="723" r:id="rId9"/>
     <p:sldId id="724" r:id="rId10"/>
     <p:sldId id="725" r:id="rId11"/>
-    <p:sldId id="717" r:id="rId12"/>
-    <p:sldId id="629" r:id="rId13"/>
-    <p:sldId id="716" r:id="rId14"/>
-    <p:sldId id="625" r:id="rId15"/>
-    <p:sldId id="627" r:id="rId16"/>
-    <p:sldId id="628" r:id="rId17"/>
-    <p:sldId id="631" r:id="rId18"/>
-    <p:sldId id="632" r:id="rId19"/>
-    <p:sldId id="618" r:id="rId20"/>
-    <p:sldId id="615" r:id="rId21"/>
-    <p:sldId id="621" r:id="rId22"/>
-    <p:sldId id="714" r:id="rId23"/>
-    <p:sldId id="715" r:id="rId24"/>
-    <p:sldId id="607" r:id="rId25"/>
-    <p:sldId id="633" r:id="rId26"/>
+    <p:sldId id="726" r:id="rId12"/>
+    <p:sldId id="727" r:id="rId13"/>
+    <p:sldId id="717" r:id="rId14"/>
+    <p:sldId id="629" r:id="rId15"/>
+    <p:sldId id="716" r:id="rId16"/>
+    <p:sldId id="625" r:id="rId17"/>
+    <p:sldId id="627" r:id="rId18"/>
+    <p:sldId id="628" r:id="rId19"/>
+    <p:sldId id="631" r:id="rId20"/>
+    <p:sldId id="632" r:id="rId21"/>
+    <p:sldId id="618" r:id="rId22"/>
+    <p:sldId id="615" r:id="rId23"/>
+    <p:sldId id="621" r:id="rId24"/>
+    <p:sldId id="714" r:id="rId25"/>
+    <p:sldId id="715" r:id="rId26"/>
+    <p:sldId id="607" r:id="rId27"/>
+    <p:sldId id="633" r:id="rId28"/>
   </p:sldIdLst>
   <p:sldSz cx="12192000" cy="6858000"/>
   <p:notesSz cx="6797675" cy="9926638"/>
@@ -13136,7 +13138,7 @@
 </file>
 
 <file path=ppt/slides/slide10.xml><?xml version="1.0" encoding="utf-8"?>
-<p:sld xmlns:a="http://schemas.openxmlformats.org/drawingml/2006/main" xmlns:r="http://schemas.openxmlformats.org/officeDocument/2006/relationships" xmlns:p="http://schemas.openxmlformats.org/presentationml/2006/main">
+<p:sld xmlns:a="http://schemas.openxmlformats.org/drawingml/2006/main" xmlns:r="http://schemas.openxmlformats.org/officeDocument/2006/relationships" xmlns:p="http://schemas.openxmlformats.org/presentationml/2006/main" show="0">
   <p:cSld>
     <p:spTree>
       <p:nvGrpSpPr>
@@ -13175,7 +13177,7 @@
           <a:p>
             <a:r>
               <a:rPr lang="en-US" altLang="ko-KR" dirty="0"/>
-              <a:t>S444</a:t>
+              <a:t>S44</a:t>
             </a:r>
             <a:endParaRPr lang="ko-KR" altLang="en-US" dirty="0"/>
           </a:p>
@@ -14899,7 +14901,7 @@
     </p:spTree>
     <p:extLst>
       <p:ext uri="{BB962C8B-B14F-4D97-AF65-F5344CB8AC3E}">
-        <p14:creationId xmlns:p14="http://schemas.microsoft.com/office/powerpoint/2010/main" val="1747930461"/>
+        <p14:creationId xmlns:p14="http://schemas.microsoft.com/office/powerpoint/2010/main" val="1631518080"/>
       </p:ext>
     </p:extLst>
   </p:cSld>
@@ -14910,6 +14912,3554 @@
 </file>
 
 <file path=ppt/slides/slide11.xml><?xml version="1.0" encoding="utf-8"?>
+<p:sld xmlns:a="http://schemas.openxmlformats.org/drawingml/2006/main" xmlns:r="http://schemas.openxmlformats.org/officeDocument/2006/relationships" xmlns:p="http://schemas.openxmlformats.org/presentationml/2006/main" show="0">
+  <p:cSld>
+    <p:spTree>
+      <p:nvGrpSpPr>
+        <p:cNvPr id="1" name=""/>
+        <p:cNvGrpSpPr/>
+        <p:nvPr/>
+      </p:nvGrpSpPr>
+      <p:grpSpPr>
+        <a:xfrm>
+          <a:off x="0" y="0"/>
+          <a:ext cx="0" cy="0"/>
+          <a:chOff x="0" y="0"/>
+          <a:chExt cx="0" cy="0"/>
+        </a:xfrm>
+      </p:grpSpPr>
+      <p:sp>
+        <p:nvSpPr>
+          <p:cNvPr id="2" name="제목 1">
+            <a:extLst>
+              <a:ext uri="{FF2B5EF4-FFF2-40B4-BE49-F238E27FC236}">
+                <a16:creationId xmlns:a16="http://schemas.microsoft.com/office/drawing/2014/main" id="{5E8FE27E-4086-E570-1BA4-F2B433CAA376}"/>
+              </a:ext>
+            </a:extLst>
+          </p:cNvPr>
+          <p:cNvSpPr>
+            <a:spLocks noGrp="1"/>
+          </p:cNvSpPr>
+          <p:nvPr>
+            <p:ph type="title"/>
+          </p:nvPr>
+        </p:nvSpPr>
+        <p:spPr/>
+        <p:txBody>
+          <a:bodyPr/>
+          <a:lstStyle/>
+          <a:p>
+            <a:r>
+              <a:rPr lang="en-US" altLang="ko-KR" dirty="0"/>
+              <a:t>S55</a:t>
+            </a:r>
+            <a:endParaRPr lang="ko-KR" altLang="en-US" dirty="0"/>
+          </a:p>
+        </p:txBody>
+      </p:sp>
+      <p:sp>
+        <p:nvSpPr>
+          <p:cNvPr id="91" name="직사각형 90">
+            <a:extLst>
+              <a:ext uri="{FF2B5EF4-FFF2-40B4-BE49-F238E27FC236}">
+                <a16:creationId xmlns:a16="http://schemas.microsoft.com/office/drawing/2014/main" id="{1902CC42-6799-D372-F372-07BB72F2BF14}"/>
+              </a:ext>
+            </a:extLst>
+          </p:cNvPr>
+          <p:cNvSpPr/>
+          <p:nvPr/>
+        </p:nvSpPr>
+        <p:spPr>
+          <a:xfrm>
+            <a:off x="6087687" y="988960"/>
+            <a:ext cx="847742" cy="495381"/>
+          </a:xfrm>
+          <a:prstGeom prst="rect">
+            <a:avLst/>
+          </a:prstGeom>
+        </p:spPr>
+        <p:style>
+          <a:lnRef idx="2">
+            <a:schemeClr val="accent1">
+              <a:shade val="15000"/>
+            </a:schemeClr>
+          </a:lnRef>
+          <a:fillRef idx="1">
+            <a:schemeClr val="accent1"/>
+          </a:fillRef>
+          <a:effectRef idx="0">
+            <a:schemeClr val="accent1"/>
+          </a:effectRef>
+          <a:fontRef idx="minor">
+            <a:schemeClr val="lt1"/>
+          </a:fontRef>
+        </p:style>
+        <p:txBody>
+          <a:bodyPr rtlCol="0" anchor="ctr"/>
+          <a:lstStyle/>
+          <a:p>
+            <a:pPr algn="ctr"/>
+            <a:r>
+              <a:rPr lang="en-US" altLang="ko-KR" dirty="0"/>
+              <a:t>R3</a:t>
+            </a:r>
+            <a:endParaRPr lang="ko-KR" altLang="en-US" dirty="0"/>
+          </a:p>
+        </p:txBody>
+      </p:sp>
+      <p:cxnSp>
+        <p:nvCxnSpPr>
+          <p:cNvPr id="109" name="직선 화살표 연결선 108">
+            <a:extLst>
+              <a:ext uri="{FF2B5EF4-FFF2-40B4-BE49-F238E27FC236}">
+                <a16:creationId xmlns:a16="http://schemas.microsoft.com/office/drawing/2014/main" id="{962C7EAD-50AB-B451-7AB8-AD60B0C48A7C}"/>
+              </a:ext>
+            </a:extLst>
+          </p:cNvPr>
+          <p:cNvCxnSpPr>
+            <a:cxnSpLocks/>
+            <a:stCxn id="94" idx="3"/>
+            <a:endCxn id="91" idx="1"/>
+          </p:cNvCxnSpPr>
+          <p:nvPr/>
+        </p:nvCxnSpPr>
+        <p:spPr>
+          <a:xfrm flipV="1">
+            <a:off x="5613666" y="1236651"/>
+            <a:ext cx="474021" cy="1458820"/>
+          </a:xfrm>
+          <a:prstGeom prst="straightConnector1">
+            <a:avLst/>
+          </a:prstGeom>
+          <a:ln w="38100">
+            <a:solidFill>
+              <a:srgbClr val="FFC000"/>
+            </a:solidFill>
+            <a:headEnd type="diamond" w="med" len="med"/>
+            <a:tailEnd type="triangle" w="med" len="med"/>
+          </a:ln>
+        </p:spPr>
+        <p:style>
+          <a:lnRef idx="1">
+            <a:schemeClr val="accent6"/>
+          </a:lnRef>
+          <a:fillRef idx="0">
+            <a:schemeClr val="accent6"/>
+          </a:fillRef>
+          <a:effectRef idx="0">
+            <a:schemeClr val="accent6"/>
+          </a:effectRef>
+          <a:fontRef idx="minor">
+            <a:schemeClr val="tx1"/>
+          </a:fontRef>
+        </p:style>
+      </p:cxnSp>
+      <p:cxnSp>
+        <p:nvCxnSpPr>
+          <p:cNvPr id="120" name="직선 화살표 연결선 119">
+            <a:extLst>
+              <a:ext uri="{FF2B5EF4-FFF2-40B4-BE49-F238E27FC236}">
+                <a16:creationId xmlns:a16="http://schemas.microsoft.com/office/drawing/2014/main" id="{D780E1C2-0E12-A5CD-2B49-A959AB42330A}"/>
+              </a:ext>
+            </a:extLst>
+          </p:cNvPr>
+          <p:cNvCxnSpPr>
+            <a:cxnSpLocks/>
+            <a:stCxn id="94" idx="3"/>
+            <a:endCxn id="107" idx="1"/>
+          </p:cNvCxnSpPr>
+          <p:nvPr/>
+        </p:nvCxnSpPr>
+        <p:spPr>
+          <a:xfrm>
+            <a:off x="5613666" y="2695471"/>
+            <a:ext cx="416750" cy="110667"/>
+          </a:xfrm>
+          <a:prstGeom prst="straightConnector1">
+            <a:avLst/>
+          </a:prstGeom>
+          <a:ln w="38100">
+            <a:solidFill>
+              <a:srgbClr val="FFC000"/>
+            </a:solidFill>
+            <a:headEnd type="diamond" w="med" len="med"/>
+            <a:tailEnd type="triangle" w="med" len="med"/>
+          </a:ln>
+        </p:spPr>
+        <p:style>
+          <a:lnRef idx="1">
+            <a:schemeClr val="accent6"/>
+          </a:lnRef>
+          <a:fillRef idx="0">
+            <a:schemeClr val="accent6"/>
+          </a:fillRef>
+          <a:effectRef idx="0">
+            <a:schemeClr val="accent6"/>
+          </a:effectRef>
+          <a:fontRef idx="minor">
+            <a:schemeClr val="tx1"/>
+          </a:fontRef>
+        </p:style>
+      </p:cxnSp>
+      <p:sp>
+        <p:nvSpPr>
+          <p:cNvPr id="13" name="직사각형 12">
+            <a:extLst>
+              <a:ext uri="{FF2B5EF4-FFF2-40B4-BE49-F238E27FC236}">
+                <a16:creationId xmlns:a16="http://schemas.microsoft.com/office/drawing/2014/main" id="{20D4B5AF-E245-475A-47A6-1314F9D73EE8}"/>
+              </a:ext>
+            </a:extLst>
+          </p:cNvPr>
+          <p:cNvSpPr/>
+          <p:nvPr/>
+        </p:nvSpPr>
+        <p:spPr>
+          <a:xfrm>
+            <a:off x="10080018" y="3931852"/>
+            <a:ext cx="847742" cy="495381"/>
+          </a:xfrm>
+          <a:prstGeom prst="rect">
+            <a:avLst/>
+          </a:prstGeom>
+        </p:spPr>
+        <p:style>
+          <a:lnRef idx="2">
+            <a:schemeClr val="accent1">
+              <a:shade val="15000"/>
+            </a:schemeClr>
+          </a:lnRef>
+          <a:fillRef idx="1">
+            <a:schemeClr val="accent1"/>
+          </a:fillRef>
+          <a:effectRef idx="0">
+            <a:schemeClr val="accent1"/>
+          </a:effectRef>
+          <a:fontRef idx="minor">
+            <a:schemeClr val="lt1"/>
+          </a:fontRef>
+        </p:style>
+        <p:txBody>
+          <a:bodyPr rtlCol="0" anchor="ctr"/>
+          <a:lstStyle/>
+          <a:p>
+            <a:pPr algn="ctr"/>
+            <a:r>
+              <a:rPr lang="en-US" altLang="ko-KR" dirty="0"/>
+              <a:t>R6</a:t>
+            </a:r>
+            <a:endParaRPr lang="ko-KR" altLang="en-US" dirty="0"/>
+          </a:p>
+        </p:txBody>
+      </p:sp>
+      <p:sp>
+        <p:nvSpPr>
+          <p:cNvPr id="15" name="직사각형 14">
+            <a:extLst>
+              <a:ext uri="{FF2B5EF4-FFF2-40B4-BE49-F238E27FC236}">
+                <a16:creationId xmlns:a16="http://schemas.microsoft.com/office/drawing/2014/main" id="{60198781-EBB0-10CE-8B2F-9ABD8A632D5C}"/>
+              </a:ext>
+            </a:extLst>
+          </p:cNvPr>
+          <p:cNvSpPr/>
+          <p:nvPr/>
+        </p:nvSpPr>
+        <p:spPr>
+          <a:xfrm>
+            <a:off x="7542218" y="3556057"/>
+            <a:ext cx="847742" cy="495381"/>
+          </a:xfrm>
+          <a:prstGeom prst="rect">
+            <a:avLst/>
+          </a:prstGeom>
+        </p:spPr>
+        <p:style>
+          <a:lnRef idx="2">
+            <a:schemeClr val="accent1">
+              <a:shade val="15000"/>
+            </a:schemeClr>
+          </a:lnRef>
+          <a:fillRef idx="1">
+            <a:schemeClr val="accent1"/>
+          </a:fillRef>
+          <a:effectRef idx="0">
+            <a:schemeClr val="accent1"/>
+          </a:effectRef>
+          <a:fontRef idx="minor">
+            <a:schemeClr val="lt1"/>
+          </a:fontRef>
+        </p:style>
+        <p:txBody>
+          <a:bodyPr rtlCol="0" anchor="ctr"/>
+          <a:lstStyle/>
+          <a:p>
+            <a:pPr algn="ctr"/>
+            <a:r>
+              <a:rPr lang="en-US" altLang="ko-KR" dirty="0"/>
+              <a:t>R5</a:t>
+            </a:r>
+            <a:endParaRPr lang="ko-KR" altLang="en-US" dirty="0"/>
+          </a:p>
+        </p:txBody>
+      </p:sp>
+      <p:cxnSp>
+        <p:nvCxnSpPr>
+          <p:cNvPr id="23" name="연결선: 꺾임 22">
+            <a:extLst>
+              <a:ext uri="{FF2B5EF4-FFF2-40B4-BE49-F238E27FC236}">
+                <a16:creationId xmlns:a16="http://schemas.microsoft.com/office/drawing/2014/main" id="{7784514C-ED5E-0B18-1D1B-F544B46E59B0}"/>
+              </a:ext>
+            </a:extLst>
+          </p:cNvPr>
+          <p:cNvCxnSpPr>
+            <a:cxnSpLocks/>
+            <a:stCxn id="91" idx="3"/>
+            <a:endCxn id="14" idx="1"/>
+          </p:cNvCxnSpPr>
+          <p:nvPr/>
+        </p:nvCxnSpPr>
+        <p:spPr>
+          <a:xfrm flipV="1">
+            <a:off x="6935429" y="1094583"/>
+            <a:ext cx="1269587" cy="142068"/>
+          </a:xfrm>
+          <a:prstGeom prst="bentConnector3">
+            <a:avLst>
+              <a:gd name="adj1" fmla="val 50000"/>
+            </a:avLst>
+          </a:prstGeom>
+          <a:ln w="38100">
+            <a:solidFill>
+              <a:srgbClr val="FFC000"/>
+            </a:solidFill>
+            <a:headEnd type="diamond" w="med" len="med"/>
+            <a:tailEnd type="triangle" w="med" len="med"/>
+          </a:ln>
+        </p:spPr>
+        <p:style>
+          <a:lnRef idx="1">
+            <a:schemeClr val="accent6"/>
+          </a:lnRef>
+          <a:fillRef idx="0">
+            <a:schemeClr val="accent6"/>
+          </a:fillRef>
+          <a:effectRef idx="0">
+            <a:schemeClr val="accent6"/>
+          </a:effectRef>
+          <a:fontRef idx="minor">
+            <a:schemeClr val="tx1"/>
+          </a:fontRef>
+        </p:style>
+      </p:cxnSp>
+      <p:cxnSp>
+        <p:nvCxnSpPr>
+          <p:cNvPr id="32" name="연결선: 꺾임 31">
+            <a:extLst>
+              <a:ext uri="{FF2B5EF4-FFF2-40B4-BE49-F238E27FC236}">
+                <a16:creationId xmlns:a16="http://schemas.microsoft.com/office/drawing/2014/main" id="{55996CE5-7EBC-3246-9029-B8870B968B13}"/>
+              </a:ext>
+            </a:extLst>
+          </p:cNvPr>
+          <p:cNvCxnSpPr>
+            <a:cxnSpLocks/>
+            <a:stCxn id="13" idx="2"/>
+            <a:endCxn id="94" idx="2"/>
+          </p:cNvCxnSpPr>
+          <p:nvPr/>
+        </p:nvCxnSpPr>
+        <p:spPr>
+          <a:xfrm rot="5400000" flipH="1">
+            <a:off x="6601761" y="525106"/>
+            <a:ext cx="272943" cy="7531313"/>
+          </a:xfrm>
+          <a:prstGeom prst="bentConnector3">
+            <a:avLst>
+              <a:gd name="adj1" fmla="val -83754"/>
+            </a:avLst>
+          </a:prstGeom>
+          <a:ln w="38100">
+            <a:solidFill>
+              <a:srgbClr val="FFC000"/>
+            </a:solidFill>
+            <a:headEnd type="diamond" w="med" len="med"/>
+            <a:tailEnd type="triangle" w="med" len="med"/>
+          </a:ln>
+        </p:spPr>
+        <p:style>
+          <a:lnRef idx="1">
+            <a:schemeClr val="accent6"/>
+          </a:lnRef>
+          <a:fillRef idx="0">
+            <a:schemeClr val="accent6"/>
+          </a:fillRef>
+          <a:effectRef idx="0">
+            <a:schemeClr val="accent6"/>
+          </a:effectRef>
+          <a:fontRef idx="minor">
+            <a:schemeClr val="tx1"/>
+          </a:fontRef>
+        </p:style>
+      </p:cxnSp>
+      <p:cxnSp>
+        <p:nvCxnSpPr>
+          <p:cNvPr id="48" name="연결선: 꺾임 47">
+            <a:extLst>
+              <a:ext uri="{FF2B5EF4-FFF2-40B4-BE49-F238E27FC236}">
+                <a16:creationId xmlns:a16="http://schemas.microsoft.com/office/drawing/2014/main" id="{ADAD1270-D18E-4A9B-90EA-E912E63A3DEA}"/>
+              </a:ext>
+            </a:extLst>
+          </p:cNvPr>
+          <p:cNvCxnSpPr>
+            <a:cxnSpLocks/>
+            <a:stCxn id="107" idx="3"/>
+            <a:endCxn id="14" idx="1"/>
+          </p:cNvCxnSpPr>
+          <p:nvPr/>
+        </p:nvCxnSpPr>
+        <p:spPr>
+          <a:xfrm flipV="1">
+            <a:off x="7561849" y="1094583"/>
+            <a:ext cx="643167" cy="1711555"/>
+          </a:xfrm>
+          <a:prstGeom prst="bentConnector3">
+            <a:avLst>
+              <a:gd name="adj1" fmla="val 50000"/>
+            </a:avLst>
+          </a:prstGeom>
+          <a:ln w="38100">
+            <a:solidFill>
+              <a:srgbClr val="FFC000"/>
+            </a:solidFill>
+            <a:headEnd type="diamond" w="med" len="med"/>
+            <a:tailEnd type="triangle" w="med" len="med"/>
+          </a:ln>
+        </p:spPr>
+        <p:style>
+          <a:lnRef idx="1">
+            <a:schemeClr val="accent6"/>
+          </a:lnRef>
+          <a:fillRef idx="0">
+            <a:schemeClr val="accent6"/>
+          </a:fillRef>
+          <a:effectRef idx="0">
+            <a:schemeClr val="accent6"/>
+          </a:effectRef>
+          <a:fontRef idx="minor">
+            <a:schemeClr val="tx1"/>
+          </a:fontRef>
+        </p:style>
+      </p:cxnSp>
+      <p:cxnSp>
+        <p:nvCxnSpPr>
+          <p:cNvPr id="62" name="연결선: 꺾임 61">
+            <a:extLst>
+              <a:ext uri="{FF2B5EF4-FFF2-40B4-BE49-F238E27FC236}">
+                <a16:creationId xmlns:a16="http://schemas.microsoft.com/office/drawing/2014/main" id="{D2BBF1BC-3F9C-FDD1-40CF-9CFE10E49737}"/>
+              </a:ext>
+            </a:extLst>
+          </p:cNvPr>
+          <p:cNvCxnSpPr>
+            <a:cxnSpLocks/>
+            <a:stCxn id="14" idx="2"/>
+            <a:endCxn id="15" idx="0"/>
+          </p:cNvCxnSpPr>
+          <p:nvPr/>
+        </p:nvCxnSpPr>
+        <p:spPr>
+          <a:xfrm rot="5400000">
+            <a:off x="8278945" y="1872242"/>
+            <a:ext cx="1370960" cy="1996671"/>
+          </a:xfrm>
+          <a:prstGeom prst="bentConnector3">
+            <a:avLst>
+              <a:gd name="adj1" fmla="val 50000"/>
+            </a:avLst>
+          </a:prstGeom>
+          <a:ln w="38100">
+            <a:solidFill>
+              <a:srgbClr val="FFC000"/>
+            </a:solidFill>
+            <a:headEnd type="diamond" w="med" len="med"/>
+            <a:tailEnd type="triangle" w="med" len="med"/>
+          </a:ln>
+        </p:spPr>
+        <p:style>
+          <a:lnRef idx="1">
+            <a:schemeClr val="accent6"/>
+          </a:lnRef>
+          <a:fillRef idx="0">
+            <a:schemeClr val="accent6"/>
+          </a:fillRef>
+          <a:effectRef idx="0">
+            <a:schemeClr val="accent6"/>
+          </a:effectRef>
+          <a:fontRef idx="minor">
+            <a:schemeClr val="tx1"/>
+          </a:fontRef>
+        </p:style>
+      </p:cxnSp>
+      <p:cxnSp>
+        <p:nvCxnSpPr>
+          <p:cNvPr id="68" name="연결선: 꺾임 67">
+            <a:extLst>
+              <a:ext uri="{FF2B5EF4-FFF2-40B4-BE49-F238E27FC236}">
+                <a16:creationId xmlns:a16="http://schemas.microsoft.com/office/drawing/2014/main" id="{B956E1CD-20B7-0672-1444-72F5F9EB34F5}"/>
+              </a:ext>
+            </a:extLst>
+          </p:cNvPr>
+          <p:cNvCxnSpPr>
+            <a:cxnSpLocks/>
+            <a:stCxn id="15" idx="2"/>
+            <a:endCxn id="13" idx="1"/>
+          </p:cNvCxnSpPr>
+          <p:nvPr/>
+        </p:nvCxnSpPr>
+        <p:spPr>
+          <a:xfrm rot="16200000" flipH="1">
+            <a:off x="8959001" y="3058525"/>
+            <a:ext cx="128105" cy="2113929"/>
+          </a:xfrm>
+          <a:prstGeom prst="bentConnector2">
+            <a:avLst/>
+          </a:prstGeom>
+          <a:ln w="38100">
+            <a:solidFill>
+              <a:srgbClr val="FFC000"/>
+            </a:solidFill>
+            <a:headEnd type="diamond" w="med" len="med"/>
+            <a:tailEnd type="triangle" w="med" len="med"/>
+          </a:ln>
+        </p:spPr>
+        <p:style>
+          <a:lnRef idx="1">
+            <a:schemeClr val="accent6"/>
+          </a:lnRef>
+          <a:fillRef idx="0">
+            <a:schemeClr val="accent6"/>
+          </a:fillRef>
+          <a:effectRef idx="0">
+            <a:schemeClr val="accent6"/>
+          </a:effectRef>
+          <a:fontRef idx="minor">
+            <a:schemeClr val="tx1"/>
+          </a:fontRef>
+        </p:style>
+      </p:cxnSp>
+      <p:sp>
+        <p:nvSpPr>
+          <p:cNvPr id="79" name="사각형: 모서리가 접힌 도형 78">
+            <a:extLst>
+              <a:ext uri="{FF2B5EF4-FFF2-40B4-BE49-F238E27FC236}">
+                <a16:creationId xmlns:a16="http://schemas.microsoft.com/office/drawing/2014/main" id="{4FFFC34E-AB5C-2EA7-5DA2-90E276198FD1}"/>
+              </a:ext>
+            </a:extLst>
+          </p:cNvPr>
+          <p:cNvSpPr/>
+          <p:nvPr/>
+        </p:nvSpPr>
+        <p:spPr>
+          <a:xfrm>
+            <a:off x="9232276" y="4803028"/>
+            <a:ext cx="2437946" cy="568378"/>
+          </a:xfrm>
+          <a:prstGeom prst="foldedCorner">
+            <a:avLst/>
+          </a:prstGeom>
+          <a:solidFill>
+            <a:schemeClr val="accent3">
+              <a:alpha val="50000"/>
+            </a:schemeClr>
+          </a:solidFill>
+          <a:ln>
+            <a:noFill/>
+          </a:ln>
+        </p:spPr>
+        <p:style>
+          <a:lnRef idx="0">
+            <a:scrgbClr r="0" g="0" b="0"/>
+          </a:lnRef>
+          <a:fillRef idx="0">
+            <a:scrgbClr r="0" g="0" b="0"/>
+          </a:fillRef>
+          <a:effectRef idx="0">
+            <a:scrgbClr r="0" g="0" b="0"/>
+          </a:effectRef>
+          <a:fontRef idx="minor">
+            <a:schemeClr val="lt1"/>
+          </a:fontRef>
+        </p:style>
+        <p:txBody>
+          <a:bodyPr rtlCol="0" anchor="ctr"/>
+          <a:lstStyle/>
+          <a:p>
+            <a:pPr algn="ctr"/>
+            <a:r>
+              <a:rPr lang="en-US" altLang="ko-KR" dirty="0"/>
+              <a:t>lib/Cylinder/Double </a:t>
+            </a:r>
+          </a:p>
+          <a:p>
+            <a:pPr algn="ctr"/>
+            <a:r>
+              <a:rPr lang="en-US" altLang="ko-KR" dirty="0"/>
+              <a:t>[</a:t>
+            </a:r>
+            <a:r>
+              <a:rPr lang="en-US" altLang="ko-KR" dirty="0" err="1"/>
+              <a:t>PinB</a:t>
+            </a:r>
+            <a:r>
+              <a:rPr lang="en-US" altLang="ko-KR" dirty="0"/>
+              <a:t>]</a:t>
+            </a:r>
+            <a:endParaRPr lang="ko-KR" altLang="en-US" dirty="0"/>
+          </a:p>
+        </p:txBody>
+      </p:sp>
+      <p:sp>
+        <p:nvSpPr>
+          <p:cNvPr id="7" name="사각형: 모서리가 접힌 도형 6">
+            <a:extLst>
+              <a:ext uri="{FF2B5EF4-FFF2-40B4-BE49-F238E27FC236}">
+                <a16:creationId xmlns:a16="http://schemas.microsoft.com/office/drawing/2014/main" id="{714117EE-2573-5F95-0ABC-EE82E082580E}"/>
+              </a:ext>
+            </a:extLst>
+          </p:cNvPr>
+          <p:cNvSpPr/>
+          <p:nvPr/>
+        </p:nvSpPr>
+        <p:spPr>
+          <a:xfrm>
+            <a:off x="9232276" y="5531195"/>
+            <a:ext cx="2437946" cy="568378"/>
+          </a:xfrm>
+          <a:prstGeom prst="foldedCorner">
+            <a:avLst/>
+          </a:prstGeom>
+          <a:solidFill>
+            <a:schemeClr val="accent3">
+              <a:alpha val="50000"/>
+            </a:schemeClr>
+          </a:solidFill>
+          <a:ln>
+            <a:noFill/>
+          </a:ln>
+        </p:spPr>
+        <p:style>
+          <a:lnRef idx="0">
+            <a:scrgbClr r="0" g="0" b="0"/>
+          </a:lnRef>
+          <a:fillRef idx="0">
+            <a:scrgbClr r="0" g="0" b="0"/>
+          </a:fillRef>
+          <a:effectRef idx="0">
+            <a:scrgbClr r="0" g="0" b="0"/>
+          </a:effectRef>
+          <a:fontRef idx="minor">
+            <a:schemeClr val="lt1"/>
+          </a:fontRef>
+        </p:style>
+        <p:txBody>
+          <a:bodyPr rtlCol="0" anchor="ctr"/>
+          <a:lstStyle/>
+          <a:p>
+            <a:pPr algn="ctr"/>
+            <a:r>
+              <a:rPr lang="en-US" altLang="ko-KR" dirty="0"/>
+              <a:t>lib/Cylinder/Double </a:t>
+            </a:r>
+          </a:p>
+          <a:p>
+            <a:pPr algn="ctr"/>
+            <a:r>
+              <a:rPr lang="en-US" altLang="ko-KR" dirty="0"/>
+              <a:t>[Clamp]2</a:t>
+            </a:r>
+            <a:endParaRPr lang="ko-KR" altLang="en-US" dirty="0"/>
+          </a:p>
+        </p:txBody>
+      </p:sp>
+      <p:sp>
+        <p:nvSpPr>
+          <p:cNvPr id="17" name="사각형: 모서리가 접힌 도형 16">
+            <a:extLst>
+              <a:ext uri="{FF2B5EF4-FFF2-40B4-BE49-F238E27FC236}">
+                <a16:creationId xmlns:a16="http://schemas.microsoft.com/office/drawing/2014/main" id="{E1CA3431-7566-D83F-3452-2359472A35A2}"/>
+              </a:ext>
+            </a:extLst>
+          </p:cNvPr>
+          <p:cNvSpPr/>
+          <p:nvPr/>
+        </p:nvSpPr>
+        <p:spPr>
+          <a:xfrm>
+            <a:off x="9232276" y="6259363"/>
+            <a:ext cx="2437946" cy="568378"/>
+          </a:xfrm>
+          <a:prstGeom prst="foldedCorner">
+            <a:avLst/>
+          </a:prstGeom>
+          <a:solidFill>
+            <a:schemeClr val="accent3">
+              <a:alpha val="50000"/>
+            </a:schemeClr>
+          </a:solidFill>
+          <a:ln>
+            <a:noFill/>
+          </a:ln>
+        </p:spPr>
+        <p:style>
+          <a:lnRef idx="0">
+            <a:scrgbClr r="0" g="0" b="0"/>
+          </a:lnRef>
+          <a:fillRef idx="0">
+            <a:scrgbClr r="0" g="0" b="0"/>
+          </a:fillRef>
+          <a:effectRef idx="0">
+            <a:scrgbClr r="0" g="0" b="0"/>
+          </a:effectRef>
+          <a:fontRef idx="minor">
+            <a:schemeClr val="lt1"/>
+          </a:fontRef>
+        </p:style>
+        <p:txBody>
+          <a:bodyPr rtlCol="0" anchor="ctr"/>
+          <a:lstStyle/>
+          <a:p>
+            <a:pPr algn="ctr"/>
+            <a:r>
+              <a:rPr lang="en-US" altLang="ko-KR" dirty="0"/>
+              <a:t>lib/Cylinder/Double </a:t>
+            </a:r>
+          </a:p>
+          <a:p>
+            <a:pPr algn="ctr"/>
+            <a:r>
+              <a:rPr lang="en-US" altLang="ko-KR" dirty="0"/>
+              <a:t>[Latch]5</a:t>
+            </a:r>
+            <a:endParaRPr lang="ko-KR" altLang="en-US" dirty="0"/>
+          </a:p>
+        </p:txBody>
+      </p:sp>
+      <p:grpSp>
+        <p:nvGrpSpPr>
+          <p:cNvPr id="55" name="그룹 54">
+            <a:extLst>
+              <a:ext uri="{FF2B5EF4-FFF2-40B4-BE49-F238E27FC236}">
+                <a16:creationId xmlns:a16="http://schemas.microsoft.com/office/drawing/2014/main" id="{8EE34B0D-22C8-066B-F07B-3C16D4B975E4}"/>
+              </a:ext>
+            </a:extLst>
+          </p:cNvPr>
+          <p:cNvGrpSpPr/>
+          <p:nvPr/>
+        </p:nvGrpSpPr>
+        <p:grpSpPr>
+          <a:xfrm>
+            <a:off x="8205016" y="4069"/>
+            <a:ext cx="3515488" cy="2181028"/>
+            <a:chOff x="8205016" y="4069"/>
+            <a:chExt cx="3515488" cy="2181028"/>
+          </a:xfrm>
+        </p:grpSpPr>
+        <p:sp>
+          <p:nvSpPr>
+            <p:cNvPr id="14" name="직사각형 13">
+              <a:extLst>
+                <a:ext uri="{FF2B5EF4-FFF2-40B4-BE49-F238E27FC236}">
+                  <a16:creationId xmlns:a16="http://schemas.microsoft.com/office/drawing/2014/main" id="{7F0FAA92-96A9-A5D3-0A1E-4545883E9E65}"/>
+                </a:ext>
+              </a:extLst>
+            </p:cNvPr>
+            <p:cNvSpPr/>
+            <p:nvPr/>
+          </p:nvSpPr>
+          <p:spPr>
+            <a:xfrm>
+              <a:off x="8205016" y="4069"/>
+              <a:ext cx="3515488" cy="2181028"/>
+            </a:xfrm>
+            <a:prstGeom prst="rect">
+              <a:avLst/>
+            </a:prstGeom>
+          </p:spPr>
+          <p:style>
+            <a:lnRef idx="2">
+              <a:schemeClr val="accent1">
+                <a:shade val="15000"/>
+              </a:schemeClr>
+            </a:lnRef>
+            <a:fillRef idx="1">
+              <a:schemeClr val="accent1"/>
+            </a:fillRef>
+            <a:effectRef idx="0">
+              <a:schemeClr val="accent1"/>
+            </a:effectRef>
+            <a:fontRef idx="minor">
+              <a:schemeClr val="lt1"/>
+            </a:fontRef>
+          </p:style>
+          <p:txBody>
+            <a:bodyPr rtlCol="0" anchor="ctr"/>
+            <a:lstStyle/>
+            <a:p>
+              <a:pPr algn="ctr"/>
+              <a:r>
+                <a:rPr lang="en-US" altLang="ko-KR" dirty="0"/>
+                <a:t>R4</a:t>
+              </a:r>
+              <a:endParaRPr lang="ko-KR" altLang="en-US" dirty="0"/>
+            </a:p>
+          </p:txBody>
+        </p:sp>
+        <p:sp>
+          <p:nvSpPr>
+            <p:cNvPr id="3" name="타원 2">
+              <a:extLst>
+                <a:ext uri="{FF2B5EF4-FFF2-40B4-BE49-F238E27FC236}">
+                  <a16:creationId xmlns:a16="http://schemas.microsoft.com/office/drawing/2014/main" id="{40045D59-AC9F-C1A5-B4B3-519490FD2B7A}"/>
+                </a:ext>
+              </a:extLst>
+            </p:cNvPr>
+            <p:cNvSpPr/>
+            <p:nvPr/>
+          </p:nvSpPr>
+          <p:spPr>
+            <a:xfrm>
+              <a:off x="8282021" y="407432"/>
+              <a:ext cx="758778" cy="499161"/>
+            </a:xfrm>
+            <a:prstGeom prst="ellipse">
+              <a:avLst/>
+            </a:prstGeom>
+            <a:solidFill>
+              <a:schemeClr val="accent4">
+                <a:alpha val="50000"/>
+              </a:schemeClr>
+            </a:solidFill>
+            <a:ln>
+              <a:noFill/>
+            </a:ln>
+          </p:spPr>
+          <p:style>
+            <a:lnRef idx="0">
+              <a:scrgbClr r="0" g="0" b="0"/>
+            </a:lnRef>
+            <a:fillRef idx="0">
+              <a:scrgbClr r="0" g="0" b="0"/>
+            </a:fillRef>
+            <a:effectRef idx="0">
+              <a:scrgbClr r="0" g="0" b="0"/>
+            </a:effectRef>
+            <a:fontRef idx="minor">
+              <a:schemeClr val="lt1"/>
+            </a:fontRef>
+          </p:style>
+          <p:txBody>
+            <a:bodyPr rtlCol="0" anchor="ctr"/>
+            <a:lstStyle/>
+            <a:p>
+              <a:pPr algn="ctr"/>
+              <a:r>
+                <a:rPr lang="en-US" altLang="ko-KR" sz="1050" dirty="0"/>
+                <a:t>Latch $ADV</a:t>
+              </a:r>
+              <a:endParaRPr lang="ko-KR" altLang="en-US" sz="1050" dirty="0"/>
+            </a:p>
+          </p:txBody>
+        </p:sp>
+        <p:sp>
+          <p:nvSpPr>
+            <p:cNvPr id="4" name="타원 3">
+              <a:extLst>
+                <a:ext uri="{FF2B5EF4-FFF2-40B4-BE49-F238E27FC236}">
+                  <a16:creationId xmlns:a16="http://schemas.microsoft.com/office/drawing/2014/main" id="{8DEA1278-35F2-757D-3B7E-B8F3D3BA7CA2}"/>
+                </a:ext>
+              </a:extLst>
+            </p:cNvPr>
+            <p:cNvSpPr/>
+            <p:nvPr/>
+          </p:nvSpPr>
+          <p:spPr>
+            <a:xfrm>
+              <a:off x="9321240" y="1583036"/>
+              <a:ext cx="758778" cy="499161"/>
+            </a:xfrm>
+            <a:prstGeom prst="ellipse">
+              <a:avLst/>
+            </a:prstGeom>
+            <a:solidFill>
+              <a:schemeClr val="accent4">
+                <a:alpha val="50000"/>
+              </a:schemeClr>
+            </a:solidFill>
+            <a:ln>
+              <a:noFill/>
+            </a:ln>
+          </p:spPr>
+          <p:style>
+            <a:lnRef idx="0">
+              <a:scrgbClr r="0" g="0" b="0"/>
+            </a:lnRef>
+            <a:fillRef idx="0">
+              <a:scrgbClr r="0" g="0" b="0"/>
+            </a:fillRef>
+            <a:effectRef idx="0">
+              <a:scrgbClr r="0" g="0" b="0"/>
+            </a:effectRef>
+            <a:fontRef idx="minor">
+              <a:schemeClr val="lt1"/>
+            </a:fontRef>
+          </p:style>
+          <p:txBody>
+            <a:bodyPr rtlCol="0" anchor="ctr"/>
+            <a:lstStyle/>
+            <a:p>
+              <a:pPr algn="ctr"/>
+              <a:r>
+                <a:rPr lang="en-US" altLang="ko-KR" sz="1050" dirty="0"/>
+                <a:t>Latch $RET</a:t>
+              </a:r>
+              <a:endParaRPr lang="ko-KR" altLang="en-US" sz="1050" dirty="0"/>
+            </a:p>
+          </p:txBody>
+        </p:sp>
+        <p:cxnSp>
+          <p:nvCxnSpPr>
+            <p:cNvPr id="5" name="연결선: 꺾임 4">
+              <a:extLst>
+                <a:ext uri="{FF2B5EF4-FFF2-40B4-BE49-F238E27FC236}">
+                  <a16:creationId xmlns:a16="http://schemas.microsoft.com/office/drawing/2014/main" id="{027F9686-3E3D-8C25-BCE0-DFEA98B13F0F}"/>
+                </a:ext>
+              </a:extLst>
+            </p:cNvPr>
+            <p:cNvCxnSpPr>
+              <a:cxnSpLocks/>
+              <a:stCxn id="3" idx="5"/>
+              <a:endCxn id="4" idx="1"/>
+            </p:cNvCxnSpPr>
+            <p:nvPr/>
+          </p:nvCxnSpPr>
+          <p:spPr>
+            <a:xfrm rot="16200000" flipH="1">
+              <a:off x="8769698" y="993472"/>
+              <a:ext cx="822643" cy="502682"/>
+            </a:xfrm>
+            <a:prstGeom prst="bentConnector3">
+              <a:avLst/>
+            </a:prstGeom>
+            <a:ln>
+              <a:tailEnd type="triangle"/>
+            </a:ln>
+          </p:spPr>
+          <p:style>
+            <a:lnRef idx="1">
+              <a:schemeClr val="accent4"/>
+            </a:lnRef>
+            <a:fillRef idx="0">
+              <a:schemeClr val="accent4"/>
+            </a:fillRef>
+            <a:effectRef idx="0">
+              <a:schemeClr val="accent4"/>
+            </a:effectRef>
+            <a:fontRef idx="minor">
+              <a:schemeClr val="tx1"/>
+            </a:fontRef>
+          </p:style>
+        </p:cxnSp>
+      </p:grpSp>
+      <p:grpSp>
+        <p:nvGrpSpPr>
+          <p:cNvPr id="33" name="그룹 32">
+            <a:extLst>
+              <a:ext uri="{FF2B5EF4-FFF2-40B4-BE49-F238E27FC236}">
+                <a16:creationId xmlns:a16="http://schemas.microsoft.com/office/drawing/2014/main" id="{6BFA305D-2D6E-C23C-D8C8-884D81F2F964}"/>
+              </a:ext>
+            </a:extLst>
+          </p:cNvPr>
+          <p:cNvGrpSpPr/>
+          <p:nvPr/>
+        </p:nvGrpSpPr>
+        <p:grpSpPr>
+          <a:xfrm>
+            <a:off x="6030416" y="2262565"/>
+            <a:ext cx="1601397" cy="1087145"/>
+            <a:chOff x="6037762" y="2062362"/>
+            <a:chExt cx="1601397" cy="1087145"/>
+          </a:xfrm>
+        </p:grpSpPr>
+        <p:sp>
+          <p:nvSpPr>
+            <p:cNvPr id="107" name="직사각형 106">
+              <a:extLst>
+                <a:ext uri="{FF2B5EF4-FFF2-40B4-BE49-F238E27FC236}">
+                  <a16:creationId xmlns:a16="http://schemas.microsoft.com/office/drawing/2014/main" id="{915BD835-DF4D-92B2-20EE-E079F839EBBE}"/>
+                </a:ext>
+              </a:extLst>
+            </p:cNvPr>
+            <p:cNvSpPr/>
+            <p:nvPr/>
+          </p:nvSpPr>
+          <p:spPr>
+            <a:xfrm>
+              <a:off x="6037762" y="2062362"/>
+              <a:ext cx="1531433" cy="1087145"/>
+            </a:xfrm>
+            <a:prstGeom prst="rect">
+              <a:avLst/>
+            </a:prstGeom>
+          </p:spPr>
+          <p:style>
+            <a:lnRef idx="2">
+              <a:schemeClr val="accent1">
+                <a:shade val="15000"/>
+              </a:schemeClr>
+            </a:lnRef>
+            <a:fillRef idx="1">
+              <a:schemeClr val="accent1"/>
+            </a:fillRef>
+            <a:effectRef idx="0">
+              <a:schemeClr val="accent1"/>
+            </a:effectRef>
+            <a:fontRef idx="minor">
+              <a:schemeClr val="lt1"/>
+            </a:fontRef>
+          </p:style>
+          <p:txBody>
+            <a:bodyPr rtlCol="0" anchor="ctr"/>
+            <a:lstStyle/>
+            <a:p>
+              <a:pPr algn="ctr"/>
+              <a:r>
+                <a:rPr lang="en-US" altLang="ko-KR" dirty="0"/>
+                <a:t>R2</a:t>
+              </a:r>
+              <a:endParaRPr lang="ko-KR" altLang="en-US" dirty="0"/>
+            </a:p>
+          </p:txBody>
+        </p:sp>
+        <p:sp>
+          <p:nvSpPr>
+            <p:cNvPr id="26" name="타원 25">
+              <a:extLst>
+                <a:ext uri="{FF2B5EF4-FFF2-40B4-BE49-F238E27FC236}">
+                  <a16:creationId xmlns:a16="http://schemas.microsoft.com/office/drawing/2014/main" id="{ABEE2C8E-BA8C-2B76-DD09-42AF1BB5187D}"/>
+                </a:ext>
+              </a:extLst>
+            </p:cNvPr>
+            <p:cNvSpPr/>
+            <p:nvPr/>
+          </p:nvSpPr>
+          <p:spPr>
+            <a:xfrm>
+              <a:off x="6069663" y="2124211"/>
+              <a:ext cx="758778" cy="499161"/>
+            </a:xfrm>
+            <a:prstGeom prst="ellipse">
+              <a:avLst/>
+            </a:prstGeom>
+            <a:solidFill>
+              <a:schemeClr val="accent4">
+                <a:alpha val="50000"/>
+              </a:schemeClr>
+            </a:solidFill>
+            <a:ln>
+              <a:noFill/>
+            </a:ln>
+          </p:spPr>
+          <p:style>
+            <a:lnRef idx="0">
+              <a:scrgbClr r="0" g="0" b="0"/>
+            </a:lnRef>
+            <a:fillRef idx="0">
+              <a:scrgbClr r="0" g="0" b="0"/>
+            </a:fillRef>
+            <a:effectRef idx="0">
+              <a:scrgbClr r="0" g="0" b="0"/>
+            </a:effectRef>
+            <a:fontRef idx="minor">
+              <a:schemeClr val="lt1"/>
+            </a:fontRef>
+          </p:style>
+          <p:txBody>
+            <a:bodyPr rtlCol="0" anchor="ctr"/>
+            <a:lstStyle/>
+            <a:p>
+              <a:pPr algn="ctr"/>
+              <a:r>
+                <a:rPr lang="en-US" altLang="ko-KR" sz="1050" dirty="0"/>
+                <a:t>Clamp $ADV</a:t>
+              </a:r>
+              <a:endParaRPr lang="ko-KR" altLang="en-US" sz="1050" dirty="0"/>
+            </a:p>
+          </p:txBody>
+        </p:sp>
+        <p:sp>
+          <p:nvSpPr>
+            <p:cNvPr id="28" name="타원 27">
+              <a:extLst>
+                <a:ext uri="{FF2B5EF4-FFF2-40B4-BE49-F238E27FC236}">
+                  <a16:creationId xmlns:a16="http://schemas.microsoft.com/office/drawing/2014/main" id="{D4DAA7DC-6192-4D1B-35A5-F5D032D07073}"/>
+                </a:ext>
+              </a:extLst>
+            </p:cNvPr>
+            <p:cNvSpPr/>
+            <p:nvPr/>
+          </p:nvSpPr>
+          <p:spPr>
+            <a:xfrm>
+              <a:off x="6880381" y="2575343"/>
+              <a:ext cx="758778" cy="499161"/>
+            </a:xfrm>
+            <a:prstGeom prst="ellipse">
+              <a:avLst/>
+            </a:prstGeom>
+            <a:solidFill>
+              <a:schemeClr val="accent4">
+                <a:alpha val="50000"/>
+              </a:schemeClr>
+            </a:solidFill>
+            <a:ln>
+              <a:noFill/>
+            </a:ln>
+          </p:spPr>
+          <p:style>
+            <a:lnRef idx="0">
+              <a:scrgbClr r="0" g="0" b="0"/>
+            </a:lnRef>
+            <a:fillRef idx="0">
+              <a:scrgbClr r="0" g="0" b="0"/>
+            </a:fillRef>
+            <a:effectRef idx="0">
+              <a:scrgbClr r="0" g="0" b="0"/>
+            </a:effectRef>
+            <a:fontRef idx="minor">
+              <a:schemeClr val="lt1"/>
+            </a:fontRef>
+          </p:style>
+          <p:txBody>
+            <a:bodyPr rtlCol="0" anchor="ctr"/>
+            <a:lstStyle/>
+            <a:p>
+              <a:pPr algn="ctr"/>
+              <a:r>
+                <a:rPr lang="en-US" altLang="ko-KR" sz="1050" dirty="0"/>
+                <a:t>Clamp $RET</a:t>
+              </a:r>
+              <a:endParaRPr lang="ko-KR" altLang="en-US" sz="1050" dirty="0"/>
+            </a:p>
+          </p:txBody>
+        </p:sp>
+        <p:cxnSp>
+          <p:nvCxnSpPr>
+            <p:cNvPr id="29" name="연결선: 꺾임 28">
+              <a:extLst>
+                <a:ext uri="{FF2B5EF4-FFF2-40B4-BE49-F238E27FC236}">
+                  <a16:creationId xmlns:a16="http://schemas.microsoft.com/office/drawing/2014/main" id="{2C7C2411-0A06-CFA6-9C89-8E6C7FB3F216}"/>
+                </a:ext>
+              </a:extLst>
+            </p:cNvPr>
+            <p:cNvCxnSpPr>
+              <a:cxnSpLocks/>
+              <a:stCxn id="26" idx="4"/>
+              <a:endCxn id="28" idx="3"/>
+            </p:cNvCxnSpPr>
+            <p:nvPr/>
+          </p:nvCxnSpPr>
+          <p:spPr>
+            <a:xfrm rot="16200000" flipH="1">
+              <a:off x="6531260" y="2541163"/>
+              <a:ext cx="378032" cy="542449"/>
+            </a:xfrm>
+            <a:prstGeom prst="bentConnector3">
+              <a:avLst>
+                <a:gd name="adj1" fmla="val 179808"/>
+              </a:avLst>
+            </a:prstGeom>
+            <a:ln>
+              <a:tailEnd type="triangle"/>
+            </a:ln>
+          </p:spPr>
+          <p:style>
+            <a:lnRef idx="1">
+              <a:schemeClr val="accent4"/>
+            </a:lnRef>
+            <a:fillRef idx="0">
+              <a:schemeClr val="accent4"/>
+            </a:fillRef>
+            <a:effectRef idx="0">
+              <a:schemeClr val="accent4"/>
+            </a:effectRef>
+            <a:fontRef idx="minor">
+              <a:schemeClr val="tx1"/>
+            </a:fontRef>
+          </p:style>
+        </p:cxnSp>
+      </p:grpSp>
+      <p:sp>
+        <p:nvSpPr>
+          <p:cNvPr id="34" name="사각형: 모서리가 접힌 도형 33">
+            <a:extLst>
+              <a:ext uri="{FF2B5EF4-FFF2-40B4-BE49-F238E27FC236}">
+                <a16:creationId xmlns:a16="http://schemas.microsoft.com/office/drawing/2014/main" id="{C3D2AFE5-0603-1136-2006-76B1E50AD071}"/>
+              </a:ext>
+            </a:extLst>
+          </p:cNvPr>
+          <p:cNvSpPr/>
+          <p:nvPr/>
+        </p:nvSpPr>
+        <p:spPr>
+          <a:xfrm>
+            <a:off x="6677415" y="4803028"/>
+            <a:ext cx="2437946" cy="568378"/>
+          </a:xfrm>
+          <a:prstGeom prst="foldedCorner">
+            <a:avLst/>
+          </a:prstGeom>
+          <a:solidFill>
+            <a:schemeClr val="accent3">
+              <a:alpha val="50000"/>
+            </a:schemeClr>
+          </a:solidFill>
+          <a:ln>
+            <a:noFill/>
+          </a:ln>
+        </p:spPr>
+        <p:style>
+          <a:lnRef idx="0">
+            <a:scrgbClr r="0" g="0" b="0"/>
+          </a:lnRef>
+          <a:fillRef idx="0">
+            <a:scrgbClr r="0" g="0" b="0"/>
+          </a:fillRef>
+          <a:effectRef idx="0">
+            <a:scrgbClr r="0" g="0" b="0"/>
+          </a:effectRef>
+          <a:fontRef idx="minor">
+            <a:schemeClr val="lt1"/>
+          </a:fontRef>
+        </p:style>
+        <p:txBody>
+          <a:bodyPr rtlCol="0" anchor="ctr"/>
+          <a:lstStyle/>
+          <a:p>
+            <a:pPr algn="ctr"/>
+            <a:r>
+              <a:rPr lang="en-US" altLang="ko-KR" dirty="0"/>
+              <a:t>lib/Cylinder/Double </a:t>
+            </a:r>
+          </a:p>
+          <a:p>
+            <a:pPr algn="ctr"/>
+            <a:r>
+              <a:rPr lang="en-US" altLang="ko-KR" dirty="0"/>
+              <a:t>[</a:t>
+            </a:r>
+            <a:r>
+              <a:rPr lang="en-US" altLang="ko-KR" dirty="0" err="1"/>
+              <a:t>PinA</a:t>
+            </a:r>
+            <a:r>
+              <a:rPr lang="en-US" altLang="ko-KR" dirty="0"/>
+              <a:t>]</a:t>
+            </a:r>
+            <a:endParaRPr lang="ko-KR" altLang="en-US" dirty="0"/>
+          </a:p>
+        </p:txBody>
+      </p:sp>
+      <p:grpSp>
+        <p:nvGrpSpPr>
+          <p:cNvPr id="44" name="그룹 43">
+            <a:extLst>
+              <a:ext uri="{FF2B5EF4-FFF2-40B4-BE49-F238E27FC236}">
+                <a16:creationId xmlns:a16="http://schemas.microsoft.com/office/drawing/2014/main" id="{E2B50E5B-2B39-4E96-458F-85B96ABBB3B4}"/>
+              </a:ext>
+            </a:extLst>
+          </p:cNvPr>
+          <p:cNvGrpSpPr/>
+          <p:nvPr/>
+        </p:nvGrpSpPr>
+        <p:grpSpPr>
+          <a:xfrm>
+            <a:off x="331486" y="1236651"/>
+            <a:ext cx="5282180" cy="2917639"/>
+            <a:chOff x="331486" y="1236651"/>
+            <a:chExt cx="5282180" cy="2917639"/>
+          </a:xfrm>
+        </p:grpSpPr>
+        <p:grpSp>
+          <p:nvGrpSpPr>
+            <p:cNvPr id="16" name="그룹 15">
+              <a:extLst>
+                <a:ext uri="{FF2B5EF4-FFF2-40B4-BE49-F238E27FC236}">
+                  <a16:creationId xmlns:a16="http://schemas.microsoft.com/office/drawing/2014/main" id="{90FC8CF1-2B85-11A3-58EB-E351DAA6A162}"/>
+                </a:ext>
+              </a:extLst>
+            </p:cNvPr>
+            <p:cNvGrpSpPr/>
+            <p:nvPr/>
+          </p:nvGrpSpPr>
+          <p:grpSpPr>
+            <a:xfrm>
+              <a:off x="331486" y="1236651"/>
+              <a:ext cx="5282180" cy="2917639"/>
+              <a:chOff x="356674" y="1216886"/>
+              <a:chExt cx="5282180" cy="2917639"/>
+            </a:xfrm>
+          </p:grpSpPr>
+          <p:sp>
+            <p:nvSpPr>
+              <p:cNvPr id="94" name="직사각형 93">
+                <a:extLst>
+                  <a:ext uri="{FF2B5EF4-FFF2-40B4-BE49-F238E27FC236}">
+                    <a16:creationId xmlns:a16="http://schemas.microsoft.com/office/drawing/2014/main" id="{50002DFC-06DB-5F32-EB21-2D6DF916CB2E}"/>
+                  </a:ext>
+                </a:extLst>
+              </p:cNvPr>
+              <p:cNvSpPr/>
+              <p:nvPr/>
+            </p:nvSpPr>
+            <p:spPr>
+              <a:xfrm>
+                <a:off x="356674" y="1216886"/>
+                <a:ext cx="5282180" cy="2917639"/>
+              </a:xfrm>
+              <a:prstGeom prst="rect">
+                <a:avLst/>
+              </a:prstGeom>
+            </p:spPr>
+            <p:style>
+              <a:lnRef idx="2">
+                <a:schemeClr val="accent1">
+                  <a:shade val="15000"/>
+                </a:schemeClr>
+              </a:lnRef>
+              <a:fillRef idx="1">
+                <a:schemeClr val="accent1"/>
+              </a:fillRef>
+              <a:effectRef idx="0">
+                <a:schemeClr val="accent1"/>
+              </a:effectRef>
+              <a:fontRef idx="minor">
+                <a:schemeClr val="lt1"/>
+              </a:fontRef>
+            </p:style>
+            <p:txBody>
+              <a:bodyPr rtlCol="0" anchor="ctr"/>
+              <a:lstStyle/>
+              <a:p>
+                <a:pPr algn="ctr"/>
+                <a:r>
+                  <a:rPr lang="en-US" altLang="ko-KR" dirty="0"/>
+                  <a:t>R1</a:t>
+                </a:r>
+                <a:endParaRPr lang="ko-KR" altLang="en-US" dirty="0"/>
+              </a:p>
+            </p:txBody>
+          </p:sp>
+          <p:sp>
+            <p:nvSpPr>
+              <p:cNvPr id="10" name="타원 9">
+                <a:extLst>
+                  <a:ext uri="{FF2B5EF4-FFF2-40B4-BE49-F238E27FC236}">
+                    <a16:creationId xmlns:a16="http://schemas.microsoft.com/office/drawing/2014/main" id="{FCDAA94B-9830-4764-06B1-1D60DCB829DC}"/>
+                  </a:ext>
+                </a:extLst>
+              </p:cNvPr>
+              <p:cNvSpPr/>
+              <p:nvPr/>
+            </p:nvSpPr>
+            <p:spPr>
+              <a:xfrm>
+                <a:off x="859603" y="1881292"/>
+                <a:ext cx="758778" cy="499161"/>
+              </a:xfrm>
+              <a:prstGeom prst="ellipse">
+                <a:avLst/>
+              </a:prstGeom>
+              <a:solidFill>
+                <a:schemeClr val="accent4">
+                  <a:alpha val="50000"/>
+                </a:schemeClr>
+              </a:solidFill>
+              <a:ln>
+                <a:noFill/>
+              </a:ln>
+            </p:spPr>
+            <p:style>
+              <a:lnRef idx="0">
+                <a:scrgbClr r="0" g="0" b="0"/>
+              </a:lnRef>
+              <a:fillRef idx="0">
+                <a:scrgbClr r="0" g="0" b="0"/>
+              </a:fillRef>
+              <a:effectRef idx="0">
+                <a:scrgbClr r="0" g="0" b="0"/>
+              </a:effectRef>
+              <a:fontRef idx="minor">
+                <a:schemeClr val="lt1"/>
+              </a:fontRef>
+            </p:style>
+            <p:txBody>
+              <a:bodyPr rtlCol="0" anchor="ctr"/>
+              <a:lstStyle/>
+              <a:p>
+                <a:pPr algn="ctr"/>
+                <a:r>
+                  <a:rPr lang="en-US" altLang="ko-KR" sz="1050" dirty="0" err="1"/>
+                  <a:t>PinA</a:t>
+                </a:r>
+                <a:r>
+                  <a:rPr lang="en-US" altLang="ko-KR" sz="1050" dirty="0"/>
+                  <a:t> $ADV</a:t>
+                </a:r>
+                <a:endParaRPr lang="ko-KR" altLang="en-US" sz="1050" dirty="0"/>
+              </a:p>
+            </p:txBody>
+          </p:sp>
+          <p:sp>
+            <p:nvSpPr>
+              <p:cNvPr id="11" name="타원 10">
+                <a:extLst>
+                  <a:ext uri="{FF2B5EF4-FFF2-40B4-BE49-F238E27FC236}">
+                    <a16:creationId xmlns:a16="http://schemas.microsoft.com/office/drawing/2014/main" id="{97560454-D4B5-A91B-3FF0-846F2FC2FD93}"/>
+                  </a:ext>
+                </a:extLst>
+              </p:cNvPr>
+              <p:cNvSpPr/>
+              <p:nvPr/>
+            </p:nvSpPr>
+            <p:spPr>
+              <a:xfrm>
+                <a:off x="1898822" y="3056896"/>
+                <a:ext cx="758778" cy="499161"/>
+              </a:xfrm>
+              <a:prstGeom prst="ellipse">
+                <a:avLst/>
+              </a:prstGeom>
+              <a:solidFill>
+                <a:schemeClr val="accent4">
+                  <a:alpha val="50000"/>
+                </a:schemeClr>
+              </a:solidFill>
+              <a:ln>
+                <a:noFill/>
+              </a:ln>
+            </p:spPr>
+            <p:style>
+              <a:lnRef idx="0">
+                <a:scrgbClr r="0" g="0" b="0"/>
+              </a:lnRef>
+              <a:fillRef idx="0">
+                <a:scrgbClr r="0" g="0" b="0"/>
+              </a:fillRef>
+              <a:effectRef idx="0">
+                <a:scrgbClr r="0" g="0" b="0"/>
+              </a:effectRef>
+              <a:fontRef idx="minor">
+                <a:schemeClr val="lt1"/>
+              </a:fontRef>
+            </p:style>
+            <p:txBody>
+              <a:bodyPr rtlCol="0" anchor="ctr"/>
+              <a:lstStyle/>
+              <a:p>
+                <a:pPr algn="ctr"/>
+                <a:r>
+                  <a:rPr lang="en-US" altLang="ko-KR" sz="1050" dirty="0" err="1"/>
+                  <a:t>PinA</a:t>
+                </a:r>
+                <a:r>
+                  <a:rPr lang="en-US" altLang="ko-KR" sz="1050" dirty="0"/>
+                  <a:t> $RET</a:t>
+                </a:r>
+                <a:endParaRPr lang="ko-KR" altLang="en-US" sz="1050" dirty="0"/>
+              </a:p>
+            </p:txBody>
+          </p:sp>
+          <p:cxnSp>
+            <p:nvCxnSpPr>
+              <p:cNvPr id="12" name="연결선: 꺾임 11">
+                <a:extLst>
+                  <a:ext uri="{FF2B5EF4-FFF2-40B4-BE49-F238E27FC236}">
+                    <a16:creationId xmlns:a16="http://schemas.microsoft.com/office/drawing/2014/main" id="{B82D86F6-686A-9B3A-FAFB-D9CA95D6B9EE}"/>
+                  </a:ext>
+                </a:extLst>
+              </p:cNvPr>
+              <p:cNvCxnSpPr>
+                <a:cxnSpLocks/>
+                <a:stCxn id="10" idx="5"/>
+                <a:endCxn id="11" idx="1"/>
+              </p:cNvCxnSpPr>
+              <p:nvPr/>
+            </p:nvCxnSpPr>
+            <p:spPr>
+              <a:xfrm rot="16200000" flipH="1">
+                <a:off x="1347280" y="2467332"/>
+                <a:ext cx="822643" cy="502682"/>
+              </a:xfrm>
+              <a:prstGeom prst="bentConnector3">
+                <a:avLst/>
+              </a:prstGeom>
+              <a:ln>
+                <a:tailEnd type="triangle"/>
+              </a:ln>
+            </p:spPr>
+            <p:style>
+              <a:lnRef idx="1">
+                <a:schemeClr val="accent4"/>
+              </a:lnRef>
+              <a:fillRef idx="0">
+                <a:schemeClr val="accent4"/>
+              </a:fillRef>
+              <a:effectRef idx="0">
+                <a:schemeClr val="accent4"/>
+              </a:effectRef>
+              <a:fontRef idx="minor">
+                <a:schemeClr val="tx1"/>
+              </a:fontRef>
+            </p:style>
+          </p:cxnSp>
+        </p:grpSp>
+        <p:sp>
+          <p:nvSpPr>
+            <p:cNvPr id="35" name="타원 34">
+              <a:extLst>
+                <a:ext uri="{FF2B5EF4-FFF2-40B4-BE49-F238E27FC236}">
+                  <a16:creationId xmlns:a16="http://schemas.microsoft.com/office/drawing/2014/main" id="{012DE983-D75D-B7F5-3F82-C437BB089E4F}"/>
+                </a:ext>
+              </a:extLst>
+            </p:cNvPr>
+            <p:cNvSpPr/>
+            <p:nvPr/>
+          </p:nvSpPr>
+          <p:spPr>
+            <a:xfrm>
+              <a:off x="2779948" y="1729131"/>
+              <a:ext cx="758778" cy="499161"/>
+            </a:xfrm>
+            <a:prstGeom prst="ellipse">
+              <a:avLst/>
+            </a:prstGeom>
+            <a:solidFill>
+              <a:schemeClr val="accent4">
+                <a:alpha val="50000"/>
+              </a:schemeClr>
+            </a:solidFill>
+            <a:ln>
+              <a:noFill/>
+            </a:ln>
+          </p:spPr>
+          <p:style>
+            <a:lnRef idx="0">
+              <a:scrgbClr r="0" g="0" b="0"/>
+            </a:lnRef>
+            <a:fillRef idx="0">
+              <a:scrgbClr r="0" g="0" b="0"/>
+            </a:fillRef>
+            <a:effectRef idx="0">
+              <a:scrgbClr r="0" g="0" b="0"/>
+            </a:effectRef>
+            <a:fontRef idx="minor">
+              <a:schemeClr val="lt1"/>
+            </a:fontRef>
+          </p:style>
+          <p:txBody>
+            <a:bodyPr rtlCol="0" anchor="ctr"/>
+            <a:lstStyle/>
+            <a:p>
+              <a:pPr algn="ctr"/>
+              <a:r>
+                <a:rPr lang="en-US" altLang="ko-KR" sz="1050" dirty="0" err="1"/>
+                <a:t>PinB</a:t>
+              </a:r>
+              <a:r>
+                <a:rPr lang="en-US" altLang="ko-KR" sz="1050" dirty="0"/>
+                <a:t> $ADV</a:t>
+              </a:r>
+              <a:endParaRPr lang="ko-KR" altLang="en-US" sz="1050" dirty="0"/>
+            </a:p>
+          </p:txBody>
+        </p:sp>
+        <p:sp>
+          <p:nvSpPr>
+            <p:cNvPr id="36" name="타원 35">
+              <a:extLst>
+                <a:ext uri="{FF2B5EF4-FFF2-40B4-BE49-F238E27FC236}">
+                  <a16:creationId xmlns:a16="http://schemas.microsoft.com/office/drawing/2014/main" id="{7E254FA6-B087-A662-0AA6-33D09FCECEDF}"/>
+                </a:ext>
+              </a:extLst>
+            </p:cNvPr>
+            <p:cNvSpPr/>
+            <p:nvPr/>
+          </p:nvSpPr>
+          <p:spPr>
+            <a:xfrm>
+              <a:off x="3819167" y="2904735"/>
+              <a:ext cx="758778" cy="499161"/>
+            </a:xfrm>
+            <a:prstGeom prst="ellipse">
+              <a:avLst/>
+            </a:prstGeom>
+            <a:solidFill>
+              <a:schemeClr val="accent4">
+                <a:alpha val="50000"/>
+              </a:schemeClr>
+            </a:solidFill>
+            <a:ln>
+              <a:noFill/>
+            </a:ln>
+          </p:spPr>
+          <p:style>
+            <a:lnRef idx="0">
+              <a:scrgbClr r="0" g="0" b="0"/>
+            </a:lnRef>
+            <a:fillRef idx="0">
+              <a:scrgbClr r="0" g="0" b="0"/>
+            </a:fillRef>
+            <a:effectRef idx="0">
+              <a:scrgbClr r="0" g="0" b="0"/>
+            </a:effectRef>
+            <a:fontRef idx="minor">
+              <a:schemeClr val="lt1"/>
+            </a:fontRef>
+          </p:style>
+          <p:txBody>
+            <a:bodyPr rtlCol="0" anchor="ctr"/>
+            <a:lstStyle/>
+            <a:p>
+              <a:pPr algn="ctr"/>
+              <a:r>
+                <a:rPr lang="en-US" altLang="ko-KR" sz="1050" dirty="0" err="1"/>
+                <a:t>PinB</a:t>
+              </a:r>
+              <a:r>
+                <a:rPr lang="en-US" altLang="ko-KR" sz="1050" dirty="0"/>
+                <a:t> $RET</a:t>
+              </a:r>
+              <a:endParaRPr lang="ko-KR" altLang="en-US" sz="1050" dirty="0"/>
+            </a:p>
+          </p:txBody>
+        </p:sp>
+        <p:cxnSp>
+          <p:nvCxnSpPr>
+            <p:cNvPr id="37" name="연결선: 꺾임 36">
+              <a:extLst>
+                <a:ext uri="{FF2B5EF4-FFF2-40B4-BE49-F238E27FC236}">
+                  <a16:creationId xmlns:a16="http://schemas.microsoft.com/office/drawing/2014/main" id="{B154AC2D-B472-8895-75AE-FC5DCF5D6EDB}"/>
+                </a:ext>
+              </a:extLst>
+            </p:cNvPr>
+            <p:cNvCxnSpPr>
+              <a:cxnSpLocks/>
+              <a:stCxn id="35" idx="5"/>
+              <a:endCxn id="36" idx="1"/>
+            </p:cNvCxnSpPr>
+            <p:nvPr/>
+          </p:nvCxnSpPr>
+          <p:spPr>
+            <a:xfrm rot="16200000" flipH="1">
+              <a:off x="3267625" y="2315171"/>
+              <a:ext cx="822643" cy="502682"/>
+            </a:xfrm>
+            <a:prstGeom prst="bentConnector3">
+              <a:avLst/>
+            </a:prstGeom>
+            <a:ln>
+              <a:tailEnd type="triangle"/>
+            </a:ln>
+          </p:spPr>
+          <p:style>
+            <a:lnRef idx="1">
+              <a:schemeClr val="accent4"/>
+            </a:lnRef>
+            <a:fillRef idx="0">
+              <a:schemeClr val="accent4"/>
+            </a:fillRef>
+            <a:effectRef idx="0">
+              <a:schemeClr val="accent4"/>
+            </a:effectRef>
+            <a:fontRef idx="minor">
+              <a:schemeClr val="tx1"/>
+            </a:fontRef>
+          </p:style>
+        </p:cxnSp>
+        <p:cxnSp>
+          <p:nvCxnSpPr>
+            <p:cNvPr id="38" name="연결선: 꺾임 37">
+              <a:extLst>
+                <a:ext uri="{FF2B5EF4-FFF2-40B4-BE49-F238E27FC236}">
+                  <a16:creationId xmlns:a16="http://schemas.microsoft.com/office/drawing/2014/main" id="{9FEC5249-886D-4E91-096E-1136ED2A4E38}"/>
+                </a:ext>
+              </a:extLst>
+            </p:cNvPr>
+            <p:cNvCxnSpPr>
+              <a:cxnSpLocks/>
+              <a:stCxn id="10" idx="6"/>
+              <a:endCxn id="35" idx="2"/>
+            </p:cNvCxnSpPr>
+            <p:nvPr/>
+          </p:nvCxnSpPr>
+          <p:spPr>
+            <a:xfrm flipV="1">
+              <a:off x="1593193" y="1978712"/>
+              <a:ext cx="1186755" cy="171926"/>
+            </a:xfrm>
+            <a:prstGeom prst="bentConnector3">
+              <a:avLst/>
+            </a:prstGeom>
+            <a:ln>
+              <a:tailEnd type="triangle"/>
+            </a:ln>
+          </p:spPr>
+          <p:style>
+            <a:lnRef idx="1">
+              <a:schemeClr val="accent4"/>
+            </a:lnRef>
+            <a:fillRef idx="0">
+              <a:schemeClr val="accent4"/>
+            </a:fillRef>
+            <a:effectRef idx="0">
+              <a:schemeClr val="accent4"/>
+            </a:effectRef>
+            <a:fontRef idx="minor">
+              <a:schemeClr val="tx1"/>
+            </a:fontRef>
+          </p:style>
+        </p:cxnSp>
+        <p:cxnSp>
+          <p:nvCxnSpPr>
+            <p:cNvPr id="41" name="연결선: 꺾임 40">
+              <a:extLst>
+                <a:ext uri="{FF2B5EF4-FFF2-40B4-BE49-F238E27FC236}">
+                  <a16:creationId xmlns:a16="http://schemas.microsoft.com/office/drawing/2014/main" id="{0FB9EC74-793F-271C-E581-BC517FD8F9E9}"/>
+                </a:ext>
+              </a:extLst>
+            </p:cNvPr>
+            <p:cNvCxnSpPr>
+              <a:cxnSpLocks/>
+              <a:stCxn id="11" idx="6"/>
+              <a:endCxn id="36" idx="2"/>
+            </p:cNvCxnSpPr>
+            <p:nvPr/>
+          </p:nvCxnSpPr>
+          <p:spPr>
+            <a:xfrm flipV="1">
+              <a:off x="2632412" y="3154316"/>
+              <a:ext cx="1186755" cy="171926"/>
+            </a:xfrm>
+            <a:prstGeom prst="bentConnector3">
+              <a:avLst>
+                <a:gd name="adj1" fmla="val 50000"/>
+              </a:avLst>
+            </a:prstGeom>
+            <a:ln>
+              <a:tailEnd type="triangle"/>
+            </a:ln>
+          </p:spPr>
+          <p:style>
+            <a:lnRef idx="1">
+              <a:schemeClr val="accent4"/>
+            </a:lnRef>
+            <a:fillRef idx="0">
+              <a:schemeClr val="accent4"/>
+            </a:fillRef>
+            <a:effectRef idx="0">
+              <a:schemeClr val="accent4"/>
+            </a:effectRef>
+            <a:fontRef idx="minor">
+              <a:schemeClr val="tx1"/>
+            </a:fontRef>
+          </p:style>
+        </p:cxnSp>
+      </p:grpSp>
+    </p:spTree>
+    <p:extLst>
+      <p:ext uri="{BB962C8B-B14F-4D97-AF65-F5344CB8AC3E}">
+        <p14:creationId xmlns:p14="http://schemas.microsoft.com/office/powerpoint/2010/main" val="2427790229"/>
+      </p:ext>
+    </p:extLst>
+  </p:cSld>
+  <p:clrMapOvr>
+    <a:masterClrMapping/>
+  </p:clrMapOvr>
+</p:sld>
+</file>
+
+<file path=ppt/slides/slide12.xml><?xml version="1.0" encoding="utf-8"?>
+<p:sld xmlns:a="http://schemas.openxmlformats.org/drawingml/2006/main" xmlns:r="http://schemas.openxmlformats.org/officeDocument/2006/relationships" xmlns:p="http://schemas.openxmlformats.org/presentationml/2006/main" show="0">
+  <p:cSld>
+    <p:spTree>
+      <p:nvGrpSpPr>
+        <p:cNvPr id="1" name=""/>
+        <p:cNvGrpSpPr/>
+        <p:nvPr/>
+      </p:nvGrpSpPr>
+      <p:grpSpPr>
+        <a:xfrm>
+          <a:off x="0" y="0"/>
+          <a:ext cx="0" cy="0"/>
+          <a:chOff x="0" y="0"/>
+          <a:chExt cx="0" cy="0"/>
+        </a:xfrm>
+      </p:grpSpPr>
+      <p:sp>
+        <p:nvSpPr>
+          <p:cNvPr id="2" name="제목 1">
+            <a:extLst>
+              <a:ext uri="{FF2B5EF4-FFF2-40B4-BE49-F238E27FC236}">
+                <a16:creationId xmlns:a16="http://schemas.microsoft.com/office/drawing/2014/main" id="{5E8FE27E-4086-E570-1BA4-F2B433CAA376}"/>
+              </a:ext>
+            </a:extLst>
+          </p:cNvPr>
+          <p:cNvSpPr>
+            <a:spLocks noGrp="1"/>
+          </p:cNvSpPr>
+          <p:nvPr>
+            <p:ph type="title"/>
+          </p:nvPr>
+        </p:nvSpPr>
+        <p:spPr/>
+        <p:txBody>
+          <a:bodyPr/>
+          <a:lstStyle/>
+          <a:p>
+            <a:r>
+              <a:rPr lang="en-US" altLang="ko-KR" dirty="0"/>
+              <a:t>S66</a:t>
+            </a:r>
+            <a:endParaRPr lang="ko-KR" altLang="en-US" dirty="0"/>
+          </a:p>
+        </p:txBody>
+      </p:sp>
+      <p:sp>
+        <p:nvSpPr>
+          <p:cNvPr id="91" name="직사각형 90">
+            <a:extLst>
+              <a:ext uri="{FF2B5EF4-FFF2-40B4-BE49-F238E27FC236}">
+                <a16:creationId xmlns:a16="http://schemas.microsoft.com/office/drawing/2014/main" id="{1902CC42-6799-D372-F372-07BB72F2BF14}"/>
+              </a:ext>
+            </a:extLst>
+          </p:cNvPr>
+          <p:cNvSpPr/>
+          <p:nvPr/>
+        </p:nvSpPr>
+        <p:spPr>
+          <a:xfrm>
+            <a:off x="6087687" y="988960"/>
+            <a:ext cx="847742" cy="495381"/>
+          </a:xfrm>
+          <a:prstGeom prst="rect">
+            <a:avLst/>
+          </a:prstGeom>
+        </p:spPr>
+        <p:style>
+          <a:lnRef idx="2">
+            <a:schemeClr val="accent1">
+              <a:shade val="15000"/>
+            </a:schemeClr>
+          </a:lnRef>
+          <a:fillRef idx="1">
+            <a:schemeClr val="accent1"/>
+          </a:fillRef>
+          <a:effectRef idx="0">
+            <a:schemeClr val="accent1"/>
+          </a:effectRef>
+          <a:fontRef idx="minor">
+            <a:schemeClr val="lt1"/>
+          </a:fontRef>
+        </p:style>
+        <p:txBody>
+          <a:bodyPr rtlCol="0" anchor="ctr"/>
+          <a:lstStyle/>
+          <a:p>
+            <a:pPr algn="ctr"/>
+            <a:r>
+              <a:rPr lang="en-US" altLang="ko-KR" dirty="0"/>
+              <a:t>R3</a:t>
+            </a:r>
+            <a:endParaRPr lang="ko-KR" altLang="en-US" dirty="0"/>
+          </a:p>
+        </p:txBody>
+      </p:sp>
+      <p:cxnSp>
+        <p:nvCxnSpPr>
+          <p:cNvPr id="109" name="직선 화살표 연결선 108">
+            <a:extLst>
+              <a:ext uri="{FF2B5EF4-FFF2-40B4-BE49-F238E27FC236}">
+                <a16:creationId xmlns:a16="http://schemas.microsoft.com/office/drawing/2014/main" id="{962C7EAD-50AB-B451-7AB8-AD60B0C48A7C}"/>
+              </a:ext>
+            </a:extLst>
+          </p:cNvPr>
+          <p:cNvCxnSpPr>
+            <a:cxnSpLocks/>
+            <a:stCxn id="94" idx="3"/>
+            <a:endCxn id="91" idx="1"/>
+          </p:cNvCxnSpPr>
+          <p:nvPr/>
+        </p:nvCxnSpPr>
+        <p:spPr>
+          <a:xfrm flipV="1">
+            <a:off x="5613666" y="1236651"/>
+            <a:ext cx="474021" cy="1458820"/>
+          </a:xfrm>
+          <a:prstGeom prst="straightConnector1">
+            <a:avLst/>
+          </a:prstGeom>
+          <a:ln w="38100">
+            <a:solidFill>
+              <a:srgbClr val="FFC000"/>
+            </a:solidFill>
+            <a:headEnd type="diamond" w="med" len="med"/>
+            <a:tailEnd type="triangle" w="med" len="med"/>
+          </a:ln>
+        </p:spPr>
+        <p:style>
+          <a:lnRef idx="1">
+            <a:schemeClr val="accent6"/>
+          </a:lnRef>
+          <a:fillRef idx="0">
+            <a:schemeClr val="accent6"/>
+          </a:fillRef>
+          <a:effectRef idx="0">
+            <a:schemeClr val="accent6"/>
+          </a:effectRef>
+          <a:fontRef idx="minor">
+            <a:schemeClr val="tx1"/>
+          </a:fontRef>
+        </p:style>
+      </p:cxnSp>
+      <p:cxnSp>
+        <p:nvCxnSpPr>
+          <p:cNvPr id="120" name="직선 화살표 연결선 119">
+            <a:extLst>
+              <a:ext uri="{FF2B5EF4-FFF2-40B4-BE49-F238E27FC236}">
+                <a16:creationId xmlns:a16="http://schemas.microsoft.com/office/drawing/2014/main" id="{D780E1C2-0E12-A5CD-2B49-A959AB42330A}"/>
+              </a:ext>
+            </a:extLst>
+          </p:cNvPr>
+          <p:cNvCxnSpPr>
+            <a:cxnSpLocks/>
+            <a:stCxn id="94" idx="3"/>
+            <a:endCxn id="107" idx="1"/>
+          </p:cNvCxnSpPr>
+          <p:nvPr/>
+        </p:nvCxnSpPr>
+        <p:spPr>
+          <a:xfrm>
+            <a:off x="5613666" y="2695471"/>
+            <a:ext cx="416750" cy="110667"/>
+          </a:xfrm>
+          <a:prstGeom prst="straightConnector1">
+            <a:avLst/>
+          </a:prstGeom>
+          <a:ln w="38100">
+            <a:solidFill>
+              <a:srgbClr val="FFC000"/>
+            </a:solidFill>
+            <a:headEnd type="diamond" w="med" len="med"/>
+            <a:tailEnd type="triangle" w="med" len="med"/>
+          </a:ln>
+        </p:spPr>
+        <p:style>
+          <a:lnRef idx="1">
+            <a:schemeClr val="accent6"/>
+          </a:lnRef>
+          <a:fillRef idx="0">
+            <a:schemeClr val="accent6"/>
+          </a:fillRef>
+          <a:effectRef idx="0">
+            <a:schemeClr val="accent6"/>
+          </a:effectRef>
+          <a:fontRef idx="minor">
+            <a:schemeClr val="tx1"/>
+          </a:fontRef>
+        </p:style>
+      </p:cxnSp>
+      <p:sp>
+        <p:nvSpPr>
+          <p:cNvPr id="13" name="직사각형 12">
+            <a:extLst>
+              <a:ext uri="{FF2B5EF4-FFF2-40B4-BE49-F238E27FC236}">
+                <a16:creationId xmlns:a16="http://schemas.microsoft.com/office/drawing/2014/main" id="{20D4B5AF-E245-475A-47A6-1314F9D73EE8}"/>
+              </a:ext>
+            </a:extLst>
+          </p:cNvPr>
+          <p:cNvSpPr/>
+          <p:nvPr/>
+        </p:nvSpPr>
+        <p:spPr>
+          <a:xfrm>
+            <a:off x="10080018" y="3931852"/>
+            <a:ext cx="847742" cy="495381"/>
+          </a:xfrm>
+          <a:prstGeom prst="rect">
+            <a:avLst/>
+          </a:prstGeom>
+        </p:spPr>
+        <p:style>
+          <a:lnRef idx="2">
+            <a:schemeClr val="accent1">
+              <a:shade val="15000"/>
+            </a:schemeClr>
+          </a:lnRef>
+          <a:fillRef idx="1">
+            <a:schemeClr val="accent1"/>
+          </a:fillRef>
+          <a:effectRef idx="0">
+            <a:schemeClr val="accent1"/>
+          </a:effectRef>
+          <a:fontRef idx="minor">
+            <a:schemeClr val="lt1"/>
+          </a:fontRef>
+        </p:style>
+        <p:txBody>
+          <a:bodyPr rtlCol="0" anchor="ctr"/>
+          <a:lstStyle/>
+          <a:p>
+            <a:pPr algn="ctr"/>
+            <a:r>
+              <a:rPr lang="en-US" altLang="ko-KR" dirty="0"/>
+              <a:t>R6</a:t>
+            </a:r>
+            <a:endParaRPr lang="ko-KR" altLang="en-US" dirty="0"/>
+          </a:p>
+        </p:txBody>
+      </p:sp>
+      <p:sp>
+        <p:nvSpPr>
+          <p:cNvPr id="15" name="직사각형 14">
+            <a:extLst>
+              <a:ext uri="{FF2B5EF4-FFF2-40B4-BE49-F238E27FC236}">
+                <a16:creationId xmlns:a16="http://schemas.microsoft.com/office/drawing/2014/main" id="{60198781-EBB0-10CE-8B2F-9ABD8A632D5C}"/>
+              </a:ext>
+            </a:extLst>
+          </p:cNvPr>
+          <p:cNvSpPr/>
+          <p:nvPr/>
+        </p:nvSpPr>
+        <p:spPr>
+          <a:xfrm>
+            <a:off x="7542218" y="3556057"/>
+            <a:ext cx="847742" cy="495381"/>
+          </a:xfrm>
+          <a:prstGeom prst="rect">
+            <a:avLst/>
+          </a:prstGeom>
+        </p:spPr>
+        <p:style>
+          <a:lnRef idx="2">
+            <a:schemeClr val="accent1">
+              <a:shade val="15000"/>
+            </a:schemeClr>
+          </a:lnRef>
+          <a:fillRef idx="1">
+            <a:schemeClr val="accent1"/>
+          </a:fillRef>
+          <a:effectRef idx="0">
+            <a:schemeClr val="accent1"/>
+          </a:effectRef>
+          <a:fontRef idx="minor">
+            <a:schemeClr val="lt1"/>
+          </a:fontRef>
+        </p:style>
+        <p:txBody>
+          <a:bodyPr rtlCol="0" anchor="ctr"/>
+          <a:lstStyle/>
+          <a:p>
+            <a:pPr algn="ctr"/>
+            <a:r>
+              <a:rPr lang="en-US" altLang="ko-KR" dirty="0"/>
+              <a:t>R5</a:t>
+            </a:r>
+            <a:endParaRPr lang="ko-KR" altLang="en-US" dirty="0"/>
+          </a:p>
+        </p:txBody>
+      </p:sp>
+      <p:cxnSp>
+        <p:nvCxnSpPr>
+          <p:cNvPr id="23" name="연결선: 꺾임 22">
+            <a:extLst>
+              <a:ext uri="{FF2B5EF4-FFF2-40B4-BE49-F238E27FC236}">
+                <a16:creationId xmlns:a16="http://schemas.microsoft.com/office/drawing/2014/main" id="{7784514C-ED5E-0B18-1D1B-F544B46E59B0}"/>
+              </a:ext>
+            </a:extLst>
+          </p:cNvPr>
+          <p:cNvCxnSpPr>
+            <a:cxnSpLocks/>
+            <a:stCxn id="91" idx="3"/>
+            <a:endCxn id="14" idx="1"/>
+          </p:cNvCxnSpPr>
+          <p:nvPr/>
+        </p:nvCxnSpPr>
+        <p:spPr>
+          <a:xfrm flipV="1">
+            <a:off x="6935429" y="1094583"/>
+            <a:ext cx="1269587" cy="142068"/>
+          </a:xfrm>
+          <a:prstGeom prst="bentConnector3">
+            <a:avLst>
+              <a:gd name="adj1" fmla="val 50000"/>
+            </a:avLst>
+          </a:prstGeom>
+          <a:ln w="38100">
+            <a:solidFill>
+              <a:srgbClr val="FFC000"/>
+            </a:solidFill>
+            <a:headEnd type="diamond" w="med" len="med"/>
+            <a:tailEnd type="triangle" w="med" len="med"/>
+          </a:ln>
+        </p:spPr>
+        <p:style>
+          <a:lnRef idx="1">
+            <a:schemeClr val="accent6"/>
+          </a:lnRef>
+          <a:fillRef idx="0">
+            <a:schemeClr val="accent6"/>
+          </a:fillRef>
+          <a:effectRef idx="0">
+            <a:schemeClr val="accent6"/>
+          </a:effectRef>
+          <a:fontRef idx="minor">
+            <a:schemeClr val="tx1"/>
+          </a:fontRef>
+        </p:style>
+      </p:cxnSp>
+      <p:cxnSp>
+        <p:nvCxnSpPr>
+          <p:cNvPr id="32" name="연결선: 꺾임 31">
+            <a:extLst>
+              <a:ext uri="{FF2B5EF4-FFF2-40B4-BE49-F238E27FC236}">
+                <a16:creationId xmlns:a16="http://schemas.microsoft.com/office/drawing/2014/main" id="{55996CE5-7EBC-3246-9029-B8870B968B13}"/>
+              </a:ext>
+            </a:extLst>
+          </p:cNvPr>
+          <p:cNvCxnSpPr>
+            <a:cxnSpLocks/>
+            <a:stCxn id="13" idx="2"/>
+            <a:endCxn id="94" idx="2"/>
+          </p:cNvCxnSpPr>
+          <p:nvPr/>
+        </p:nvCxnSpPr>
+        <p:spPr>
+          <a:xfrm rot="5400000" flipH="1">
+            <a:off x="6601761" y="525106"/>
+            <a:ext cx="272943" cy="7531313"/>
+          </a:xfrm>
+          <a:prstGeom prst="bentConnector3">
+            <a:avLst>
+              <a:gd name="adj1" fmla="val -83754"/>
+            </a:avLst>
+          </a:prstGeom>
+          <a:ln w="38100">
+            <a:solidFill>
+              <a:srgbClr val="FFC000"/>
+            </a:solidFill>
+            <a:headEnd type="diamond" w="med" len="med"/>
+            <a:tailEnd type="triangle" w="med" len="med"/>
+          </a:ln>
+        </p:spPr>
+        <p:style>
+          <a:lnRef idx="1">
+            <a:schemeClr val="accent6"/>
+          </a:lnRef>
+          <a:fillRef idx="0">
+            <a:schemeClr val="accent6"/>
+          </a:fillRef>
+          <a:effectRef idx="0">
+            <a:schemeClr val="accent6"/>
+          </a:effectRef>
+          <a:fontRef idx="minor">
+            <a:schemeClr val="tx1"/>
+          </a:fontRef>
+        </p:style>
+      </p:cxnSp>
+      <p:cxnSp>
+        <p:nvCxnSpPr>
+          <p:cNvPr id="48" name="연결선: 꺾임 47">
+            <a:extLst>
+              <a:ext uri="{FF2B5EF4-FFF2-40B4-BE49-F238E27FC236}">
+                <a16:creationId xmlns:a16="http://schemas.microsoft.com/office/drawing/2014/main" id="{ADAD1270-D18E-4A9B-90EA-E912E63A3DEA}"/>
+              </a:ext>
+            </a:extLst>
+          </p:cNvPr>
+          <p:cNvCxnSpPr>
+            <a:cxnSpLocks/>
+            <a:stCxn id="107" idx="3"/>
+            <a:endCxn id="14" idx="1"/>
+          </p:cNvCxnSpPr>
+          <p:nvPr/>
+        </p:nvCxnSpPr>
+        <p:spPr>
+          <a:xfrm flipV="1">
+            <a:off x="7561849" y="1094583"/>
+            <a:ext cx="643167" cy="1711555"/>
+          </a:xfrm>
+          <a:prstGeom prst="bentConnector3">
+            <a:avLst>
+              <a:gd name="adj1" fmla="val 50000"/>
+            </a:avLst>
+          </a:prstGeom>
+          <a:ln w="38100">
+            <a:solidFill>
+              <a:srgbClr val="FFC000"/>
+            </a:solidFill>
+            <a:headEnd type="diamond" w="med" len="med"/>
+            <a:tailEnd type="triangle" w="med" len="med"/>
+          </a:ln>
+        </p:spPr>
+        <p:style>
+          <a:lnRef idx="1">
+            <a:schemeClr val="accent6"/>
+          </a:lnRef>
+          <a:fillRef idx="0">
+            <a:schemeClr val="accent6"/>
+          </a:fillRef>
+          <a:effectRef idx="0">
+            <a:schemeClr val="accent6"/>
+          </a:effectRef>
+          <a:fontRef idx="minor">
+            <a:schemeClr val="tx1"/>
+          </a:fontRef>
+        </p:style>
+      </p:cxnSp>
+      <p:cxnSp>
+        <p:nvCxnSpPr>
+          <p:cNvPr id="62" name="연결선: 꺾임 61">
+            <a:extLst>
+              <a:ext uri="{FF2B5EF4-FFF2-40B4-BE49-F238E27FC236}">
+                <a16:creationId xmlns:a16="http://schemas.microsoft.com/office/drawing/2014/main" id="{D2BBF1BC-3F9C-FDD1-40CF-9CFE10E49737}"/>
+              </a:ext>
+            </a:extLst>
+          </p:cNvPr>
+          <p:cNvCxnSpPr>
+            <a:cxnSpLocks/>
+            <a:stCxn id="14" idx="2"/>
+            <a:endCxn id="15" idx="0"/>
+          </p:cNvCxnSpPr>
+          <p:nvPr/>
+        </p:nvCxnSpPr>
+        <p:spPr>
+          <a:xfrm rot="5400000">
+            <a:off x="8278945" y="1872242"/>
+            <a:ext cx="1370960" cy="1996671"/>
+          </a:xfrm>
+          <a:prstGeom prst="bentConnector3">
+            <a:avLst>
+              <a:gd name="adj1" fmla="val 50000"/>
+            </a:avLst>
+          </a:prstGeom>
+          <a:ln w="38100">
+            <a:solidFill>
+              <a:srgbClr val="FFC000"/>
+            </a:solidFill>
+            <a:headEnd type="diamond" w="med" len="med"/>
+            <a:tailEnd type="triangle" w="med" len="med"/>
+          </a:ln>
+        </p:spPr>
+        <p:style>
+          <a:lnRef idx="1">
+            <a:schemeClr val="accent6"/>
+          </a:lnRef>
+          <a:fillRef idx="0">
+            <a:schemeClr val="accent6"/>
+          </a:fillRef>
+          <a:effectRef idx="0">
+            <a:schemeClr val="accent6"/>
+          </a:effectRef>
+          <a:fontRef idx="minor">
+            <a:schemeClr val="tx1"/>
+          </a:fontRef>
+        </p:style>
+      </p:cxnSp>
+      <p:cxnSp>
+        <p:nvCxnSpPr>
+          <p:cNvPr id="68" name="연결선: 꺾임 67">
+            <a:extLst>
+              <a:ext uri="{FF2B5EF4-FFF2-40B4-BE49-F238E27FC236}">
+                <a16:creationId xmlns:a16="http://schemas.microsoft.com/office/drawing/2014/main" id="{B956E1CD-20B7-0672-1444-72F5F9EB34F5}"/>
+              </a:ext>
+            </a:extLst>
+          </p:cNvPr>
+          <p:cNvCxnSpPr>
+            <a:cxnSpLocks/>
+            <a:stCxn id="15" idx="2"/>
+            <a:endCxn id="13" idx="1"/>
+          </p:cNvCxnSpPr>
+          <p:nvPr/>
+        </p:nvCxnSpPr>
+        <p:spPr>
+          <a:xfrm rot="16200000" flipH="1">
+            <a:off x="8959001" y="3058525"/>
+            <a:ext cx="128105" cy="2113929"/>
+          </a:xfrm>
+          <a:prstGeom prst="bentConnector2">
+            <a:avLst/>
+          </a:prstGeom>
+          <a:ln w="38100">
+            <a:solidFill>
+              <a:srgbClr val="FFC000"/>
+            </a:solidFill>
+            <a:headEnd type="diamond" w="med" len="med"/>
+            <a:tailEnd type="triangle" w="med" len="med"/>
+          </a:ln>
+        </p:spPr>
+        <p:style>
+          <a:lnRef idx="1">
+            <a:schemeClr val="accent6"/>
+          </a:lnRef>
+          <a:fillRef idx="0">
+            <a:schemeClr val="accent6"/>
+          </a:fillRef>
+          <a:effectRef idx="0">
+            <a:schemeClr val="accent6"/>
+          </a:effectRef>
+          <a:fontRef idx="minor">
+            <a:schemeClr val="tx1"/>
+          </a:fontRef>
+        </p:style>
+      </p:cxnSp>
+      <p:sp>
+        <p:nvSpPr>
+          <p:cNvPr id="79" name="사각형: 모서리가 접힌 도형 78">
+            <a:extLst>
+              <a:ext uri="{FF2B5EF4-FFF2-40B4-BE49-F238E27FC236}">
+                <a16:creationId xmlns:a16="http://schemas.microsoft.com/office/drawing/2014/main" id="{4FFFC34E-AB5C-2EA7-5DA2-90E276198FD1}"/>
+              </a:ext>
+            </a:extLst>
+          </p:cNvPr>
+          <p:cNvSpPr/>
+          <p:nvPr/>
+        </p:nvSpPr>
+        <p:spPr>
+          <a:xfrm>
+            <a:off x="9232276" y="4803028"/>
+            <a:ext cx="2437946" cy="568378"/>
+          </a:xfrm>
+          <a:prstGeom prst="foldedCorner">
+            <a:avLst/>
+          </a:prstGeom>
+          <a:solidFill>
+            <a:schemeClr val="accent3">
+              <a:alpha val="50000"/>
+            </a:schemeClr>
+          </a:solidFill>
+          <a:ln>
+            <a:noFill/>
+          </a:ln>
+        </p:spPr>
+        <p:style>
+          <a:lnRef idx="0">
+            <a:scrgbClr r="0" g="0" b="0"/>
+          </a:lnRef>
+          <a:fillRef idx="0">
+            <a:scrgbClr r="0" g="0" b="0"/>
+          </a:fillRef>
+          <a:effectRef idx="0">
+            <a:scrgbClr r="0" g="0" b="0"/>
+          </a:effectRef>
+          <a:fontRef idx="minor">
+            <a:schemeClr val="lt1"/>
+          </a:fontRef>
+        </p:style>
+        <p:txBody>
+          <a:bodyPr rtlCol="0" anchor="ctr"/>
+          <a:lstStyle/>
+          <a:p>
+            <a:pPr algn="ctr"/>
+            <a:r>
+              <a:rPr lang="en-US" altLang="ko-KR" dirty="0"/>
+              <a:t>lib/Cylinder/Double </a:t>
+            </a:r>
+          </a:p>
+          <a:p>
+            <a:pPr algn="ctr"/>
+            <a:r>
+              <a:rPr lang="en-US" altLang="ko-KR" dirty="0"/>
+              <a:t>[</a:t>
+            </a:r>
+            <a:r>
+              <a:rPr lang="en-US" altLang="ko-KR" dirty="0" err="1"/>
+              <a:t>PinB</a:t>
+            </a:r>
+            <a:r>
+              <a:rPr lang="en-US" altLang="ko-KR" dirty="0"/>
+              <a:t>]</a:t>
+            </a:r>
+            <a:endParaRPr lang="ko-KR" altLang="en-US" dirty="0"/>
+          </a:p>
+        </p:txBody>
+      </p:sp>
+      <p:sp>
+        <p:nvSpPr>
+          <p:cNvPr id="7" name="사각형: 모서리가 접힌 도형 6">
+            <a:extLst>
+              <a:ext uri="{FF2B5EF4-FFF2-40B4-BE49-F238E27FC236}">
+                <a16:creationId xmlns:a16="http://schemas.microsoft.com/office/drawing/2014/main" id="{714117EE-2573-5F95-0ABC-EE82E082580E}"/>
+              </a:ext>
+            </a:extLst>
+          </p:cNvPr>
+          <p:cNvSpPr/>
+          <p:nvPr/>
+        </p:nvSpPr>
+        <p:spPr>
+          <a:xfrm>
+            <a:off x="9232276" y="5531195"/>
+            <a:ext cx="2437946" cy="568378"/>
+          </a:xfrm>
+          <a:prstGeom prst="foldedCorner">
+            <a:avLst/>
+          </a:prstGeom>
+          <a:solidFill>
+            <a:schemeClr val="accent3">
+              <a:alpha val="50000"/>
+            </a:schemeClr>
+          </a:solidFill>
+          <a:ln>
+            <a:noFill/>
+          </a:ln>
+        </p:spPr>
+        <p:style>
+          <a:lnRef idx="0">
+            <a:scrgbClr r="0" g="0" b="0"/>
+          </a:lnRef>
+          <a:fillRef idx="0">
+            <a:scrgbClr r="0" g="0" b="0"/>
+          </a:fillRef>
+          <a:effectRef idx="0">
+            <a:scrgbClr r="0" g="0" b="0"/>
+          </a:effectRef>
+          <a:fontRef idx="minor">
+            <a:schemeClr val="lt1"/>
+          </a:fontRef>
+        </p:style>
+        <p:txBody>
+          <a:bodyPr rtlCol="0" anchor="ctr"/>
+          <a:lstStyle/>
+          <a:p>
+            <a:pPr algn="ctr"/>
+            <a:r>
+              <a:rPr lang="en-US" altLang="ko-KR" dirty="0"/>
+              <a:t>lib/Cylinder/Double </a:t>
+            </a:r>
+          </a:p>
+          <a:p>
+            <a:pPr algn="ctr"/>
+            <a:r>
+              <a:rPr lang="en-US" altLang="ko-KR" dirty="0"/>
+              <a:t>[Clamp]2</a:t>
+            </a:r>
+            <a:endParaRPr lang="ko-KR" altLang="en-US" dirty="0"/>
+          </a:p>
+        </p:txBody>
+      </p:sp>
+      <p:sp>
+        <p:nvSpPr>
+          <p:cNvPr id="17" name="사각형: 모서리가 접힌 도형 16">
+            <a:extLst>
+              <a:ext uri="{FF2B5EF4-FFF2-40B4-BE49-F238E27FC236}">
+                <a16:creationId xmlns:a16="http://schemas.microsoft.com/office/drawing/2014/main" id="{E1CA3431-7566-D83F-3452-2359472A35A2}"/>
+              </a:ext>
+            </a:extLst>
+          </p:cNvPr>
+          <p:cNvSpPr/>
+          <p:nvPr/>
+        </p:nvSpPr>
+        <p:spPr>
+          <a:xfrm>
+            <a:off x="9232276" y="6259363"/>
+            <a:ext cx="2437946" cy="568378"/>
+          </a:xfrm>
+          <a:prstGeom prst="foldedCorner">
+            <a:avLst/>
+          </a:prstGeom>
+          <a:solidFill>
+            <a:schemeClr val="accent3">
+              <a:alpha val="50000"/>
+            </a:schemeClr>
+          </a:solidFill>
+          <a:ln>
+            <a:noFill/>
+          </a:ln>
+        </p:spPr>
+        <p:style>
+          <a:lnRef idx="0">
+            <a:scrgbClr r="0" g="0" b="0"/>
+          </a:lnRef>
+          <a:fillRef idx="0">
+            <a:scrgbClr r="0" g="0" b="0"/>
+          </a:fillRef>
+          <a:effectRef idx="0">
+            <a:scrgbClr r="0" g="0" b="0"/>
+          </a:effectRef>
+          <a:fontRef idx="minor">
+            <a:schemeClr val="lt1"/>
+          </a:fontRef>
+        </p:style>
+        <p:txBody>
+          <a:bodyPr rtlCol="0" anchor="ctr"/>
+          <a:lstStyle/>
+          <a:p>
+            <a:pPr algn="ctr"/>
+            <a:r>
+              <a:rPr lang="en-US" altLang="ko-KR" dirty="0"/>
+              <a:t>lib/Cylinder/Double </a:t>
+            </a:r>
+          </a:p>
+          <a:p>
+            <a:pPr algn="ctr"/>
+            <a:r>
+              <a:rPr lang="en-US" altLang="ko-KR" dirty="0"/>
+              <a:t>[Latch]5</a:t>
+            </a:r>
+            <a:endParaRPr lang="ko-KR" altLang="en-US" dirty="0"/>
+          </a:p>
+        </p:txBody>
+      </p:sp>
+      <p:grpSp>
+        <p:nvGrpSpPr>
+          <p:cNvPr id="55" name="그룹 54">
+            <a:extLst>
+              <a:ext uri="{FF2B5EF4-FFF2-40B4-BE49-F238E27FC236}">
+                <a16:creationId xmlns:a16="http://schemas.microsoft.com/office/drawing/2014/main" id="{8EE34B0D-22C8-066B-F07B-3C16D4B975E4}"/>
+              </a:ext>
+            </a:extLst>
+          </p:cNvPr>
+          <p:cNvGrpSpPr/>
+          <p:nvPr/>
+        </p:nvGrpSpPr>
+        <p:grpSpPr>
+          <a:xfrm>
+            <a:off x="8205016" y="4069"/>
+            <a:ext cx="3515488" cy="2181028"/>
+            <a:chOff x="8205016" y="4069"/>
+            <a:chExt cx="3515488" cy="2181028"/>
+          </a:xfrm>
+        </p:grpSpPr>
+        <p:sp>
+          <p:nvSpPr>
+            <p:cNvPr id="14" name="직사각형 13">
+              <a:extLst>
+                <a:ext uri="{FF2B5EF4-FFF2-40B4-BE49-F238E27FC236}">
+                  <a16:creationId xmlns:a16="http://schemas.microsoft.com/office/drawing/2014/main" id="{7F0FAA92-96A9-A5D3-0A1E-4545883E9E65}"/>
+                </a:ext>
+              </a:extLst>
+            </p:cNvPr>
+            <p:cNvSpPr/>
+            <p:nvPr/>
+          </p:nvSpPr>
+          <p:spPr>
+            <a:xfrm>
+              <a:off x="8205016" y="4069"/>
+              <a:ext cx="3515488" cy="2181028"/>
+            </a:xfrm>
+            <a:prstGeom prst="rect">
+              <a:avLst/>
+            </a:prstGeom>
+          </p:spPr>
+          <p:style>
+            <a:lnRef idx="2">
+              <a:schemeClr val="accent1">
+                <a:shade val="15000"/>
+              </a:schemeClr>
+            </a:lnRef>
+            <a:fillRef idx="1">
+              <a:schemeClr val="accent1"/>
+            </a:fillRef>
+            <a:effectRef idx="0">
+              <a:schemeClr val="accent1"/>
+            </a:effectRef>
+            <a:fontRef idx="minor">
+              <a:schemeClr val="lt1"/>
+            </a:fontRef>
+          </p:style>
+          <p:txBody>
+            <a:bodyPr rtlCol="0" anchor="ctr"/>
+            <a:lstStyle/>
+            <a:p>
+              <a:pPr algn="ctr"/>
+              <a:r>
+                <a:rPr lang="en-US" altLang="ko-KR" dirty="0"/>
+                <a:t>R4</a:t>
+              </a:r>
+              <a:endParaRPr lang="ko-KR" altLang="en-US" dirty="0"/>
+            </a:p>
+          </p:txBody>
+        </p:sp>
+        <p:sp>
+          <p:nvSpPr>
+            <p:cNvPr id="3" name="타원 2">
+              <a:extLst>
+                <a:ext uri="{FF2B5EF4-FFF2-40B4-BE49-F238E27FC236}">
+                  <a16:creationId xmlns:a16="http://schemas.microsoft.com/office/drawing/2014/main" id="{40045D59-AC9F-C1A5-B4B3-519490FD2B7A}"/>
+                </a:ext>
+              </a:extLst>
+            </p:cNvPr>
+            <p:cNvSpPr/>
+            <p:nvPr/>
+          </p:nvSpPr>
+          <p:spPr>
+            <a:xfrm>
+              <a:off x="8282021" y="407432"/>
+              <a:ext cx="758778" cy="499161"/>
+            </a:xfrm>
+            <a:prstGeom prst="ellipse">
+              <a:avLst/>
+            </a:prstGeom>
+            <a:solidFill>
+              <a:schemeClr val="accent4">
+                <a:alpha val="50000"/>
+              </a:schemeClr>
+            </a:solidFill>
+            <a:ln>
+              <a:noFill/>
+            </a:ln>
+          </p:spPr>
+          <p:style>
+            <a:lnRef idx="0">
+              <a:scrgbClr r="0" g="0" b="0"/>
+            </a:lnRef>
+            <a:fillRef idx="0">
+              <a:scrgbClr r="0" g="0" b="0"/>
+            </a:fillRef>
+            <a:effectRef idx="0">
+              <a:scrgbClr r="0" g="0" b="0"/>
+            </a:effectRef>
+            <a:fontRef idx="minor">
+              <a:schemeClr val="lt1"/>
+            </a:fontRef>
+          </p:style>
+          <p:txBody>
+            <a:bodyPr rtlCol="0" anchor="ctr"/>
+            <a:lstStyle/>
+            <a:p>
+              <a:pPr algn="ctr"/>
+              <a:r>
+                <a:rPr lang="en-US" altLang="ko-KR" sz="1050" dirty="0"/>
+                <a:t>Latch $ADV</a:t>
+              </a:r>
+              <a:endParaRPr lang="ko-KR" altLang="en-US" sz="1050" dirty="0"/>
+            </a:p>
+          </p:txBody>
+        </p:sp>
+        <p:sp>
+          <p:nvSpPr>
+            <p:cNvPr id="4" name="타원 3">
+              <a:extLst>
+                <a:ext uri="{FF2B5EF4-FFF2-40B4-BE49-F238E27FC236}">
+                  <a16:creationId xmlns:a16="http://schemas.microsoft.com/office/drawing/2014/main" id="{8DEA1278-35F2-757D-3B7E-B8F3D3BA7CA2}"/>
+                </a:ext>
+              </a:extLst>
+            </p:cNvPr>
+            <p:cNvSpPr/>
+            <p:nvPr/>
+          </p:nvSpPr>
+          <p:spPr>
+            <a:xfrm>
+              <a:off x="9321240" y="1583036"/>
+              <a:ext cx="758778" cy="499161"/>
+            </a:xfrm>
+            <a:prstGeom prst="ellipse">
+              <a:avLst/>
+            </a:prstGeom>
+            <a:solidFill>
+              <a:schemeClr val="accent4">
+                <a:alpha val="50000"/>
+              </a:schemeClr>
+            </a:solidFill>
+            <a:ln>
+              <a:noFill/>
+            </a:ln>
+          </p:spPr>
+          <p:style>
+            <a:lnRef idx="0">
+              <a:scrgbClr r="0" g="0" b="0"/>
+            </a:lnRef>
+            <a:fillRef idx="0">
+              <a:scrgbClr r="0" g="0" b="0"/>
+            </a:fillRef>
+            <a:effectRef idx="0">
+              <a:scrgbClr r="0" g="0" b="0"/>
+            </a:effectRef>
+            <a:fontRef idx="minor">
+              <a:schemeClr val="lt1"/>
+            </a:fontRef>
+          </p:style>
+          <p:txBody>
+            <a:bodyPr rtlCol="0" anchor="ctr"/>
+            <a:lstStyle/>
+            <a:p>
+              <a:pPr algn="ctr"/>
+              <a:r>
+                <a:rPr lang="en-US" altLang="ko-KR" sz="1050" dirty="0"/>
+                <a:t>Latch $RET</a:t>
+              </a:r>
+              <a:endParaRPr lang="ko-KR" altLang="en-US" sz="1050" dirty="0"/>
+            </a:p>
+          </p:txBody>
+        </p:sp>
+        <p:cxnSp>
+          <p:nvCxnSpPr>
+            <p:cNvPr id="5" name="연결선: 꺾임 4">
+              <a:extLst>
+                <a:ext uri="{FF2B5EF4-FFF2-40B4-BE49-F238E27FC236}">
+                  <a16:creationId xmlns:a16="http://schemas.microsoft.com/office/drawing/2014/main" id="{027F9686-3E3D-8C25-BCE0-DFEA98B13F0F}"/>
+                </a:ext>
+              </a:extLst>
+            </p:cNvPr>
+            <p:cNvCxnSpPr>
+              <a:cxnSpLocks/>
+              <a:stCxn id="3" idx="5"/>
+              <a:endCxn id="4" idx="1"/>
+            </p:cNvCxnSpPr>
+            <p:nvPr/>
+          </p:nvCxnSpPr>
+          <p:spPr>
+            <a:xfrm rot="16200000" flipH="1">
+              <a:off x="8769698" y="993472"/>
+              <a:ext cx="822643" cy="502682"/>
+            </a:xfrm>
+            <a:prstGeom prst="bentConnector3">
+              <a:avLst/>
+            </a:prstGeom>
+            <a:ln>
+              <a:tailEnd type="triangle"/>
+            </a:ln>
+          </p:spPr>
+          <p:style>
+            <a:lnRef idx="1">
+              <a:schemeClr val="accent4"/>
+            </a:lnRef>
+            <a:fillRef idx="0">
+              <a:schemeClr val="accent4"/>
+            </a:fillRef>
+            <a:effectRef idx="0">
+              <a:schemeClr val="accent4"/>
+            </a:effectRef>
+            <a:fontRef idx="minor">
+              <a:schemeClr val="tx1"/>
+            </a:fontRef>
+          </p:style>
+        </p:cxnSp>
+      </p:grpSp>
+      <p:grpSp>
+        <p:nvGrpSpPr>
+          <p:cNvPr id="33" name="그룹 32">
+            <a:extLst>
+              <a:ext uri="{FF2B5EF4-FFF2-40B4-BE49-F238E27FC236}">
+                <a16:creationId xmlns:a16="http://schemas.microsoft.com/office/drawing/2014/main" id="{6BFA305D-2D6E-C23C-D8C8-884D81F2F964}"/>
+              </a:ext>
+            </a:extLst>
+          </p:cNvPr>
+          <p:cNvGrpSpPr/>
+          <p:nvPr/>
+        </p:nvGrpSpPr>
+        <p:grpSpPr>
+          <a:xfrm>
+            <a:off x="6030416" y="2262565"/>
+            <a:ext cx="1601397" cy="1087145"/>
+            <a:chOff x="6037762" y="2062362"/>
+            <a:chExt cx="1601397" cy="1087145"/>
+          </a:xfrm>
+        </p:grpSpPr>
+        <p:sp>
+          <p:nvSpPr>
+            <p:cNvPr id="107" name="직사각형 106">
+              <a:extLst>
+                <a:ext uri="{FF2B5EF4-FFF2-40B4-BE49-F238E27FC236}">
+                  <a16:creationId xmlns:a16="http://schemas.microsoft.com/office/drawing/2014/main" id="{915BD835-DF4D-92B2-20EE-E079F839EBBE}"/>
+                </a:ext>
+              </a:extLst>
+            </p:cNvPr>
+            <p:cNvSpPr/>
+            <p:nvPr/>
+          </p:nvSpPr>
+          <p:spPr>
+            <a:xfrm>
+              <a:off x="6037762" y="2062362"/>
+              <a:ext cx="1531433" cy="1087145"/>
+            </a:xfrm>
+            <a:prstGeom prst="rect">
+              <a:avLst/>
+            </a:prstGeom>
+          </p:spPr>
+          <p:style>
+            <a:lnRef idx="2">
+              <a:schemeClr val="accent1">
+                <a:shade val="15000"/>
+              </a:schemeClr>
+            </a:lnRef>
+            <a:fillRef idx="1">
+              <a:schemeClr val="accent1"/>
+            </a:fillRef>
+            <a:effectRef idx="0">
+              <a:schemeClr val="accent1"/>
+            </a:effectRef>
+            <a:fontRef idx="minor">
+              <a:schemeClr val="lt1"/>
+            </a:fontRef>
+          </p:style>
+          <p:txBody>
+            <a:bodyPr rtlCol="0" anchor="ctr"/>
+            <a:lstStyle/>
+            <a:p>
+              <a:pPr algn="ctr"/>
+              <a:r>
+                <a:rPr lang="en-US" altLang="ko-KR" dirty="0"/>
+                <a:t>R2</a:t>
+              </a:r>
+              <a:endParaRPr lang="ko-KR" altLang="en-US" dirty="0"/>
+            </a:p>
+          </p:txBody>
+        </p:sp>
+        <p:sp>
+          <p:nvSpPr>
+            <p:cNvPr id="26" name="타원 25">
+              <a:extLst>
+                <a:ext uri="{FF2B5EF4-FFF2-40B4-BE49-F238E27FC236}">
+                  <a16:creationId xmlns:a16="http://schemas.microsoft.com/office/drawing/2014/main" id="{ABEE2C8E-BA8C-2B76-DD09-42AF1BB5187D}"/>
+                </a:ext>
+              </a:extLst>
+            </p:cNvPr>
+            <p:cNvSpPr/>
+            <p:nvPr/>
+          </p:nvSpPr>
+          <p:spPr>
+            <a:xfrm>
+              <a:off x="6069663" y="2124211"/>
+              <a:ext cx="758778" cy="499161"/>
+            </a:xfrm>
+            <a:prstGeom prst="ellipse">
+              <a:avLst/>
+            </a:prstGeom>
+            <a:solidFill>
+              <a:schemeClr val="accent4">
+                <a:alpha val="50000"/>
+              </a:schemeClr>
+            </a:solidFill>
+            <a:ln>
+              <a:noFill/>
+            </a:ln>
+          </p:spPr>
+          <p:style>
+            <a:lnRef idx="0">
+              <a:scrgbClr r="0" g="0" b="0"/>
+            </a:lnRef>
+            <a:fillRef idx="0">
+              <a:scrgbClr r="0" g="0" b="0"/>
+            </a:fillRef>
+            <a:effectRef idx="0">
+              <a:scrgbClr r="0" g="0" b="0"/>
+            </a:effectRef>
+            <a:fontRef idx="minor">
+              <a:schemeClr val="lt1"/>
+            </a:fontRef>
+          </p:style>
+          <p:txBody>
+            <a:bodyPr rtlCol="0" anchor="ctr"/>
+            <a:lstStyle/>
+            <a:p>
+              <a:pPr algn="ctr"/>
+              <a:r>
+                <a:rPr lang="en-US" altLang="ko-KR" sz="1050" dirty="0"/>
+                <a:t>Clamp $ADV</a:t>
+              </a:r>
+              <a:endParaRPr lang="ko-KR" altLang="en-US" sz="1050" dirty="0"/>
+            </a:p>
+          </p:txBody>
+        </p:sp>
+        <p:sp>
+          <p:nvSpPr>
+            <p:cNvPr id="28" name="타원 27">
+              <a:extLst>
+                <a:ext uri="{FF2B5EF4-FFF2-40B4-BE49-F238E27FC236}">
+                  <a16:creationId xmlns:a16="http://schemas.microsoft.com/office/drawing/2014/main" id="{D4DAA7DC-6192-4D1B-35A5-F5D032D07073}"/>
+                </a:ext>
+              </a:extLst>
+            </p:cNvPr>
+            <p:cNvSpPr/>
+            <p:nvPr/>
+          </p:nvSpPr>
+          <p:spPr>
+            <a:xfrm>
+              <a:off x="6880381" y="2575343"/>
+              <a:ext cx="758778" cy="499161"/>
+            </a:xfrm>
+            <a:prstGeom prst="ellipse">
+              <a:avLst/>
+            </a:prstGeom>
+            <a:solidFill>
+              <a:schemeClr val="accent4">
+                <a:alpha val="50000"/>
+              </a:schemeClr>
+            </a:solidFill>
+            <a:ln>
+              <a:noFill/>
+            </a:ln>
+          </p:spPr>
+          <p:style>
+            <a:lnRef idx="0">
+              <a:scrgbClr r="0" g="0" b="0"/>
+            </a:lnRef>
+            <a:fillRef idx="0">
+              <a:scrgbClr r="0" g="0" b="0"/>
+            </a:fillRef>
+            <a:effectRef idx="0">
+              <a:scrgbClr r="0" g="0" b="0"/>
+            </a:effectRef>
+            <a:fontRef idx="minor">
+              <a:schemeClr val="lt1"/>
+            </a:fontRef>
+          </p:style>
+          <p:txBody>
+            <a:bodyPr rtlCol="0" anchor="ctr"/>
+            <a:lstStyle/>
+            <a:p>
+              <a:pPr algn="ctr"/>
+              <a:r>
+                <a:rPr lang="en-US" altLang="ko-KR" sz="1050" dirty="0"/>
+                <a:t>Clamp $RET</a:t>
+              </a:r>
+              <a:endParaRPr lang="ko-KR" altLang="en-US" sz="1050" dirty="0"/>
+            </a:p>
+          </p:txBody>
+        </p:sp>
+        <p:cxnSp>
+          <p:nvCxnSpPr>
+            <p:cNvPr id="29" name="연결선: 꺾임 28">
+              <a:extLst>
+                <a:ext uri="{FF2B5EF4-FFF2-40B4-BE49-F238E27FC236}">
+                  <a16:creationId xmlns:a16="http://schemas.microsoft.com/office/drawing/2014/main" id="{2C7C2411-0A06-CFA6-9C89-8E6C7FB3F216}"/>
+                </a:ext>
+              </a:extLst>
+            </p:cNvPr>
+            <p:cNvCxnSpPr>
+              <a:cxnSpLocks/>
+              <a:stCxn id="26" idx="4"/>
+              <a:endCxn id="28" idx="3"/>
+            </p:cNvCxnSpPr>
+            <p:nvPr/>
+          </p:nvCxnSpPr>
+          <p:spPr>
+            <a:xfrm rot="16200000" flipH="1">
+              <a:off x="6531260" y="2541163"/>
+              <a:ext cx="378032" cy="542449"/>
+            </a:xfrm>
+            <a:prstGeom prst="bentConnector3">
+              <a:avLst>
+                <a:gd name="adj1" fmla="val 179808"/>
+              </a:avLst>
+            </a:prstGeom>
+            <a:ln>
+              <a:tailEnd type="triangle"/>
+            </a:ln>
+          </p:spPr>
+          <p:style>
+            <a:lnRef idx="1">
+              <a:schemeClr val="accent4"/>
+            </a:lnRef>
+            <a:fillRef idx="0">
+              <a:schemeClr val="accent4"/>
+            </a:fillRef>
+            <a:effectRef idx="0">
+              <a:schemeClr val="accent4"/>
+            </a:effectRef>
+            <a:fontRef idx="minor">
+              <a:schemeClr val="tx1"/>
+            </a:fontRef>
+          </p:style>
+        </p:cxnSp>
+      </p:grpSp>
+      <p:sp>
+        <p:nvSpPr>
+          <p:cNvPr id="34" name="사각형: 모서리가 접힌 도형 33">
+            <a:extLst>
+              <a:ext uri="{FF2B5EF4-FFF2-40B4-BE49-F238E27FC236}">
+                <a16:creationId xmlns:a16="http://schemas.microsoft.com/office/drawing/2014/main" id="{C3D2AFE5-0603-1136-2006-76B1E50AD071}"/>
+              </a:ext>
+            </a:extLst>
+          </p:cNvPr>
+          <p:cNvSpPr/>
+          <p:nvPr/>
+        </p:nvSpPr>
+        <p:spPr>
+          <a:xfrm>
+            <a:off x="6677415" y="4803028"/>
+            <a:ext cx="2437946" cy="568378"/>
+          </a:xfrm>
+          <a:prstGeom prst="foldedCorner">
+            <a:avLst/>
+          </a:prstGeom>
+          <a:solidFill>
+            <a:schemeClr val="accent3">
+              <a:alpha val="50000"/>
+            </a:schemeClr>
+          </a:solidFill>
+          <a:ln>
+            <a:noFill/>
+          </a:ln>
+        </p:spPr>
+        <p:style>
+          <a:lnRef idx="0">
+            <a:scrgbClr r="0" g="0" b="0"/>
+          </a:lnRef>
+          <a:fillRef idx="0">
+            <a:scrgbClr r="0" g="0" b="0"/>
+          </a:fillRef>
+          <a:effectRef idx="0">
+            <a:scrgbClr r="0" g="0" b="0"/>
+          </a:effectRef>
+          <a:fontRef idx="minor">
+            <a:schemeClr val="lt1"/>
+          </a:fontRef>
+        </p:style>
+        <p:txBody>
+          <a:bodyPr rtlCol="0" anchor="ctr"/>
+          <a:lstStyle/>
+          <a:p>
+            <a:pPr algn="ctr"/>
+            <a:r>
+              <a:rPr lang="en-US" altLang="ko-KR" dirty="0"/>
+              <a:t>lib/Cylinder/Double </a:t>
+            </a:r>
+          </a:p>
+          <a:p>
+            <a:pPr algn="ctr"/>
+            <a:r>
+              <a:rPr lang="en-US" altLang="ko-KR" dirty="0"/>
+              <a:t>[</a:t>
+            </a:r>
+            <a:r>
+              <a:rPr lang="en-US" altLang="ko-KR" dirty="0" err="1"/>
+              <a:t>PinA</a:t>
+            </a:r>
+            <a:r>
+              <a:rPr lang="en-US" altLang="ko-KR" dirty="0"/>
+              <a:t>]</a:t>
+            </a:r>
+            <a:endParaRPr lang="ko-KR" altLang="en-US" dirty="0"/>
+          </a:p>
+        </p:txBody>
+      </p:sp>
+      <p:grpSp>
+        <p:nvGrpSpPr>
+          <p:cNvPr id="44" name="그룹 43">
+            <a:extLst>
+              <a:ext uri="{FF2B5EF4-FFF2-40B4-BE49-F238E27FC236}">
+                <a16:creationId xmlns:a16="http://schemas.microsoft.com/office/drawing/2014/main" id="{E2B50E5B-2B39-4E96-458F-85B96ABBB3B4}"/>
+              </a:ext>
+            </a:extLst>
+          </p:cNvPr>
+          <p:cNvGrpSpPr/>
+          <p:nvPr/>
+        </p:nvGrpSpPr>
+        <p:grpSpPr>
+          <a:xfrm>
+            <a:off x="331486" y="1236651"/>
+            <a:ext cx="5282180" cy="2917639"/>
+            <a:chOff x="331486" y="1236651"/>
+            <a:chExt cx="5282180" cy="2917639"/>
+          </a:xfrm>
+        </p:grpSpPr>
+        <p:grpSp>
+          <p:nvGrpSpPr>
+            <p:cNvPr id="16" name="그룹 15">
+              <a:extLst>
+                <a:ext uri="{FF2B5EF4-FFF2-40B4-BE49-F238E27FC236}">
+                  <a16:creationId xmlns:a16="http://schemas.microsoft.com/office/drawing/2014/main" id="{90FC8CF1-2B85-11A3-58EB-E351DAA6A162}"/>
+                </a:ext>
+              </a:extLst>
+            </p:cNvPr>
+            <p:cNvGrpSpPr/>
+            <p:nvPr/>
+          </p:nvGrpSpPr>
+          <p:grpSpPr>
+            <a:xfrm>
+              <a:off x="331486" y="1236651"/>
+              <a:ext cx="5282180" cy="2917639"/>
+              <a:chOff x="356674" y="1216886"/>
+              <a:chExt cx="5282180" cy="2917639"/>
+            </a:xfrm>
+          </p:grpSpPr>
+          <p:sp>
+            <p:nvSpPr>
+              <p:cNvPr id="94" name="직사각형 93">
+                <a:extLst>
+                  <a:ext uri="{FF2B5EF4-FFF2-40B4-BE49-F238E27FC236}">
+                    <a16:creationId xmlns:a16="http://schemas.microsoft.com/office/drawing/2014/main" id="{50002DFC-06DB-5F32-EB21-2D6DF916CB2E}"/>
+                  </a:ext>
+                </a:extLst>
+              </p:cNvPr>
+              <p:cNvSpPr/>
+              <p:nvPr/>
+            </p:nvSpPr>
+            <p:spPr>
+              <a:xfrm>
+                <a:off x="356674" y="1216886"/>
+                <a:ext cx="5282180" cy="2917639"/>
+              </a:xfrm>
+              <a:prstGeom prst="rect">
+                <a:avLst/>
+              </a:prstGeom>
+            </p:spPr>
+            <p:style>
+              <a:lnRef idx="2">
+                <a:schemeClr val="accent1">
+                  <a:shade val="15000"/>
+                </a:schemeClr>
+              </a:lnRef>
+              <a:fillRef idx="1">
+                <a:schemeClr val="accent1"/>
+              </a:fillRef>
+              <a:effectRef idx="0">
+                <a:schemeClr val="accent1"/>
+              </a:effectRef>
+              <a:fontRef idx="minor">
+                <a:schemeClr val="lt1"/>
+              </a:fontRef>
+            </p:style>
+            <p:txBody>
+              <a:bodyPr rtlCol="0" anchor="ctr"/>
+              <a:lstStyle/>
+              <a:p>
+                <a:pPr algn="ctr"/>
+                <a:r>
+                  <a:rPr lang="en-US" altLang="ko-KR" dirty="0"/>
+                  <a:t>R1</a:t>
+                </a:r>
+                <a:endParaRPr lang="ko-KR" altLang="en-US" dirty="0"/>
+              </a:p>
+            </p:txBody>
+          </p:sp>
+          <p:sp>
+            <p:nvSpPr>
+              <p:cNvPr id="10" name="타원 9">
+                <a:extLst>
+                  <a:ext uri="{FF2B5EF4-FFF2-40B4-BE49-F238E27FC236}">
+                    <a16:creationId xmlns:a16="http://schemas.microsoft.com/office/drawing/2014/main" id="{FCDAA94B-9830-4764-06B1-1D60DCB829DC}"/>
+                  </a:ext>
+                </a:extLst>
+              </p:cNvPr>
+              <p:cNvSpPr/>
+              <p:nvPr/>
+            </p:nvSpPr>
+            <p:spPr>
+              <a:xfrm>
+                <a:off x="859603" y="1881292"/>
+                <a:ext cx="758778" cy="499161"/>
+              </a:xfrm>
+              <a:prstGeom prst="ellipse">
+                <a:avLst/>
+              </a:prstGeom>
+              <a:solidFill>
+                <a:schemeClr val="accent4">
+                  <a:alpha val="50000"/>
+                </a:schemeClr>
+              </a:solidFill>
+              <a:ln>
+                <a:noFill/>
+              </a:ln>
+            </p:spPr>
+            <p:style>
+              <a:lnRef idx="0">
+                <a:scrgbClr r="0" g="0" b="0"/>
+              </a:lnRef>
+              <a:fillRef idx="0">
+                <a:scrgbClr r="0" g="0" b="0"/>
+              </a:fillRef>
+              <a:effectRef idx="0">
+                <a:scrgbClr r="0" g="0" b="0"/>
+              </a:effectRef>
+              <a:fontRef idx="minor">
+                <a:schemeClr val="lt1"/>
+              </a:fontRef>
+            </p:style>
+            <p:txBody>
+              <a:bodyPr rtlCol="0" anchor="ctr"/>
+              <a:lstStyle/>
+              <a:p>
+                <a:pPr algn="ctr"/>
+                <a:r>
+                  <a:rPr lang="en-US" altLang="ko-KR" sz="1050" dirty="0" err="1"/>
+                  <a:t>PinA</a:t>
+                </a:r>
+                <a:r>
+                  <a:rPr lang="en-US" altLang="ko-KR" sz="1050" dirty="0"/>
+                  <a:t> $ADV</a:t>
+                </a:r>
+                <a:endParaRPr lang="ko-KR" altLang="en-US" sz="1050" dirty="0"/>
+              </a:p>
+            </p:txBody>
+          </p:sp>
+          <p:sp>
+            <p:nvSpPr>
+              <p:cNvPr id="11" name="타원 10">
+                <a:extLst>
+                  <a:ext uri="{FF2B5EF4-FFF2-40B4-BE49-F238E27FC236}">
+                    <a16:creationId xmlns:a16="http://schemas.microsoft.com/office/drawing/2014/main" id="{97560454-D4B5-A91B-3FF0-846F2FC2FD93}"/>
+                  </a:ext>
+                </a:extLst>
+              </p:cNvPr>
+              <p:cNvSpPr/>
+              <p:nvPr/>
+            </p:nvSpPr>
+            <p:spPr>
+              <a:xfrm>
+                <a:off x="1898822" y="3056896"/>
+                <a:ext cx="758778" cy="499161"/>
+              </a:xfrm>
+              <a:prstGeom prst="ellipse">
+                <a:avLst/>
+              </a:prstGeom>
+              <a:solidFill>
+                <a:schemeClr val="accent4">
+                  <a:alpha val="50000"/>
+                </a:schemeClr>
+              </a:solidFill>
+              <a:ln>
+                <a:noFill/>
+              </a:ln>
+            </p:spPr>
+            <p:style>
+              <a:lnRef idx="0">
+                <a:scrgbClr r="0" g="0" b="0"/>
+              </a:lnRef>
+              <a:fillRef idx="0">
+                <a:scrgbClr r="0" g="0" b="0"/>
+              </a:fillRef>
+              <a:effectRef idx="0">
+                <a:scrgbClr r="0" g="0" b="0"/>
+              </a:effectRef>
+              <a:fontRef idx="minor">
+                <a:schemeClr val="lt1"/>
+              </a:fontRef>
+            </p:style>
+            <p:txBody>
+              <a:bodyPr rtlCol="0" anchor="ctr"/>
+              <a:lstStyle/>
+              <a:p>
+                <a:pPr algn="ctr"/>
+                <a:r>
+                  <a:rPr lang="en-US" altLang="ko-KR" sz="1050" dirty="0" err="1"/>
+                  <a:t>PinA</a:t>
+                </a:r>
+                <a:r>
+                  <a:rPr lang="en-US" altLang="ko-KR" sz="1050" dirty="0"/>
+                  <a:t> $RET</a:t>
+                </a:r>
+                <a:endParaRPr lang="ko-KR" altLang="en-US" sz="1050" dirty="0"/>
+              </a:p>
+            </p:txBody>
+          </p:sp>
+          <p:cxnSp>
+            <p:nvCxnSpPr>
+              <p:cNvPr id="12" name="연결선: 꺾임 11">
+                <a:extLst>
+                  <a:ext uri="{FF2B5EF4-FFF2-40B4-BE49-F238E27FC236}">
+                    <a16:creationId xmlns:a16="http://schemas.microsoft.com/office/drawing/2014/main" id="{B82D86F6-686A-9B3A-FAFB-D9CA95D6B9EE}"/>
+                  </a:ext>
+                </a:extLst>
+              </p:cNvPr>
+              <p:cNvCxnSpPr>
+                <a:cxnSpLocks/>
+                <a:stCxn id="10" idx="5"/>
+                <a:endCxn id="11" idx="1"/>
+              </p:cNvCxnSpPr>
+              <p:nvPr/>
+            </p:nvCxnSpPr>
+            <p:spPr>
+              <a:xfrm rot="16200000" flipH="1">
+                <a:off x="1347280" y="2467332"/>
+                <a:ext cx="822643" cy="502682"/>
+              </a:xfrm>
+              <a:prstGeom prst="bentConnector3">
+                <a:avLst/>
+              </a:prstGeom>
+              <a:ln>
+                <a:tailEnd type="triangle"/>
+              </a:ln>
+            </p:spPr>
+            <p:style>
+              <a:lnRef idx="1">
+                <a:schemeClr val="accent4"/>
+              </a:lnRef>
+              <a:fillRef idx="0">
+                <a:schemeClr val="accent4"/>
+              </a:fillRef>
+              <a:effectRef idx="0">
+                <a:schemeClr val="accent4"/>
+              </a:effectRef>
+              <a:fontRef idx="minor">
+                <a:schemeClr val="tx1"/>
+              </a:fontRef>
+            </p:style>
+          </p:cxnSp>
+        </p:grpSp>
+        <p:sp>
+          <p:nvSpPr>
+            <p:cNvPr id="35" name="타원 34">
+              <a:extLst>
+                <a:ext uri="{FF2B5EF4-FFF2-40B4-BE49-F238E27FC236}">
+                  <a16:creationId xmlns:a16="http://schemas.microsoft.com/office/drawing/2014/main" id="{012DE983-D75D-B7F5-3F82-C437BB089E4F}"/>
+                </a:ext>
+              </a:extLst>
+            </p:cNvPr>
+            <p:cNvSpPr/>
+            <p:nvPr/>
+          </p:nvSpPr>
+          <p:spPr>
+            <a:xfrm>
+              <a:off x="2779948" y="1729131"/>
+              <a:ext cx="758778" cy="499161"/>
+            </a:xfrm>
+            <a:prstGeom prst="ellipse">
+              <a:avLst/>
+            </a:prstGeom>
+            <a:solidFill>
+              <a:schemeClr val="accent4">
+                <a:alpha val="50000"/>
+              </a:schemeClr>
+            </a:solidFill>
+            <a:ln>
+              <a:noFill/>
+            </a:ln>
+          </p:spPr>
+          <p:style>
+            <a:lnRef idx="0">
+              <a:scrgbClr r="0" g="0" b="0"/>
+            </a:lnRef>
+            <a:fillRef idx="0">
+              <a:scrgbClr r="0" g="0" b="0"/>
+            </a:fillRef>
+            <a:effectRef idx="0">
+              <a:scrgbClr r="0" g="0" b="0"/>
+            </a:effectRef>
+            <a:fontRef idx="minor">
+              <a:schemeClr val="lt1"/>
+            </a:fontRef>
+          </p:style>
+          <p:txBody>
+            <a:bodyPr rtlCol="0" anchor="ctr"/>
+            <a:lstStyle/>
+            <a:p>
+              <a:pPr algn="ctr"/>
+              <a:r>
+                <a:rPr lang="en-US" altLang="ko-KR" sz="1050" dirty="0" err="1"/>
+                <a:t>PinB</a:t>
+              </a:r>
+              <a:r>
+                <a:rPr lang="en-US" altLang="ko-KR" sz="1050" dirty="0"/>
+                <a:t> $ADV</a:t>
+              </a:r>
+              <a:endParaRPr lang="ko-KR" altLang="en-US" sz="1050" dirty="0"/>
+            </a:p>
+          </p:txBody>
+        </p:sp>
+        <p:sp>
+          <p:nvSpPr>
+            <p:cNvPr id="36" name="타원 35">
+              <a:extLst>
+                <a:ext uri="{FF2B5EF4-FFF2-40B4-BE49-F238E27FC236}">
+                  <a16:creationId xmlns:a16="http://schemas.microsoft.com/office/drawing/2014/main" id="{7E254FA6-B087-A662-0AA6-33D09FCECEDF}"/>
+                </a:ext>
+              </a:extLst>
+            </p:cNvPr>
+            <p:cNvSpPr/>
+            <p:nvPr/>
+          </p:nvSpPr>
+          <p:spPr>
+            <a:xfrm>
+              <a:off x="3819167" y="2904735"/>
+              <a:ext cx="758778" cy="499161"/>
+            </a:xfrm>
+            <a:prstGeom prst="ellipse">
+              <a:avLst/>
+            </a:prstGeom>
+            <a:solidFill>
+              <a:schemeClr val="accent4">
+                <a:alpha val="50000"/>
+              </a:schemeClr>
+            </a:solidFill>
+            <a:ln>
+              <a:noFill/>
+            </a:ln>
+          </p:spPr>
+          <p:style>
+            <a:lnRef idx="0">
+              <a:scrgbClr r="0" g="0" b="0"/>
+            </a:lnRef>
+            <a:fillRef idx="0">
+              <a:scrgbClr r="0" g="0" b="0"/>
+            </a:fillRef>
+            <a:effectRef idx="0">
+              <a:scrgbClr r="0" g="0" b="0"/>
+            </a:effectRef>
+            <a:fontRef idx="minor">
+              <a:schemeClr val="lt1"/>
+            </a:fontRef>
+          </p:style>
+          <p:txBody>
+            <a:bodyPr rtlCol="0" anchor="ctr"/>
+            <a:lstStyle/>
+            <a:p>
+              <a:pPr algn="ctr"/>
+              <a:r>
+                <a:rPr lang="en-US" altLang="ko-KR" sz="1050" dirty="0" err="1"/>
+                <a:t>PinB</a:t>
+              </a:r>
+              <a:r>
+                <a:rPr lang="en-US" altLang="ko-KR" sz="1050" dirty="0"/>
+                <a:t> $RET</a:t>
+              </a:r>
+              <a:endParaRPr lang="ko-KR" altLang="en-US" sz="1050" dirty="0"/>
+            </a:p>
+          </p:txBody>
+        </p:sp>
+        <p:cxnSp>
+          <p:nvCxnSpPr>
+            <p:cNvPr id="37" name="연결선: 꺾임 36">
+              <a:extLst>
+                <a:ext uri="{FF2B5EF4-FFF2-40B4-BE49-F238E27FC236}">
+                  <a16:creationId xmlns:a16="http://schemas.microsoft.com/office/drawing/2014/main" id="{B154AC2D-B472-8895-75AE-FC5DCF5D6EDB}"/>
+                </a:ext>
+              </a:extLst>
+            </p:cNvPr>
+            <p:cNvCxnSpPr>
+              <a:cxnSpLocks/>
+              <a:stCxn id="35" idx="5"/>
+              <a:endCxn id="36" idx="1"/>
+            </p:cNvCxnSpPr>
+            <p:nvPr/>
+          </p:nvCxnSpPr>
+          <p:spPr>
+            <a:xfrm rot="16200000" flipH="1">
+              <a:off x="3267625" y="2315171"/>
+              <a:ext cx="822643" cy="502682"/>
+            </a:xfrm>
+            <a:prstGeom prst="bentConnector3">
+              <a:avLst/>
+            </a:prstGeom>
+            <a:ln>
+              <a:tailEnd type="triangle"/>
+            </a:ln>
+          </p:spPr>
+          <p:style>
+            <a:lnRef idx="1">
+              <a:schemeClr val="accent4"/>
+            </a:lnRef>
+            <a:fillRef idx="0">
+              <a:schemeClr val="accent4"/>
+            </a:fillRef>
+            <a:effectRef idx="0">
+              <a:schemeClr val="accent4"/>
+            </a:effectRef>
+            <a:fontRef idx="minor">
+              <a:schemeClr val="tx1"/>
+            </a:fontRef>
+          </p:style>
+        </p:cxnSp>
+        <p:cxnSp>
+          <p:nvCxnSpPr>
+            <p:cNvPr id="38" name="연결선: 꺾임 37">
+              <a:extLst>
+                <a:ext uri="{FF2B5EF4-FFF2-40B4-BE49-F238E27FC236}">
+                  <a16:creationId xmlns:a16="http://schemas.microsoft.com/office/drawing/2014/main" id="{9FEC5249-886D-4E91-096E-1136ED2A4E38}"/>
+                </a:ext>
+              </a:extLst>
+            </p:cNvPr>
+            <p:cNvCxnSpPr>
+              <a:cxnSpLocks/>
+              <a:stCxn id="10" idx="6"/>
+              <a:endCxn id="35" idx="2"/>
+            </p:cNvCxnSpPr>
+            <p:nvPr/>
+          </p:nvCxnSpPr>
+          <p:spPr>
+            <a:xfrm flipV="1">
+              <a:off x="1593193" y="1978712"/>
+              <a:ext cx="1186755" cy="171926"/>
+            </a:xfrm>
+            <a:prstGeom prst="bentConnector3">
+              <a:avLst/>
+            </a:prstGeom>
+            <a:ln>
+              <a:tailEnd type="triangle"/>
+            </a:ln>
+          </p:spPr>
+          <p:style>
+            <a:lnRef idx="1">
+              <a:schemeClr val="accent4"/>
+            </a:lnRef>
+            <a:fillRef idx="0">
+              <a:schemeClr val="accent4"/>
+            </a:fillRef>
+            <a:effectRef idx="0">
+              <a:schemeClr val="accent4"/>
+            </a:effectRef>
+            <a:fontRef idx="minor">
+              <a:schemeClr val="tx1"/>
+            </a:fontRef>
+          </p:style>
+        </p:cxnSp>
+        <p:cxnSp>
+          <p:nvCxnSpPr>
+            <p:cNvPr id="41" name="연결선: 꺾임 40">
+              <a:extLst>
+                <a:ext uri="{FF2B5EF4-FFF2-40B4-BE49-F238E27FC236}">
+                  <a16:creationId xmlns:a16="http://schemas.microsoft.com/office/drawing/2014/main" id="{0FB9EC74-793F-271C-E581-BC517FD8F9E9}"/>
+                </a:ext>
+              </a:extLst>
+            </p:cNvPr>
+            <p:cNvCxnSpPr>
+              <a:cxnSpLocks/>
+              <a:stCxn id="11" idx="6"/>
+              <a:endCxn id="36" idx="2"/>
+            </p:cNvCxnSpPr>
+            <p:nvPr/>
+          </p:nvCxnSpPr>
+          <p:spPr>
+            <a:xfrm flipV="1">
+              <a:off x="2632412" y="3154316"/>
+              <a:ext cx="1186755" cy="171926"/>
+            </a:xfrm>
+            <a:prstGeom prst="bentConnector3">
+              <a:avLst>
+                <a:gd name="adj1" fmla="val 50000"/>
+              </a:avLst>
+            </a:prstGeom>
+            <a:ln>
+              <a:tailEnd type="triangle"/>
+            </a:ln>
+          </p:spPr>
+          <p:style>
+            <a:lnRef idx="1">
+              <a:schemeClr val="accent4"/>
+            </a:lnRef>
+            <a:fillRef idx="0">
+              <a:schemeClr val="accent4"/>
+            </a:fillRef>
+            <a:effectRef idx="0">
+              <a:schemeClr val="accent4"/>
+            </a:effectRef>
+            <a:fontRef idx="minor">
+              <a:schemeClr val="tx1"/>
+            </a:fontRef>
+          </p:style>
+        </p:cxnSp>
+      </p:grpSp>
+    </p:spTree>
+    <p:extLst>
+      <p:ext uri="{BB962C8B-B14F-4D97-AF65-F5344CB8AC3E}">
+        <p14:creationId xmlns:p14="http://schemas.microsoft.com/office/powerpoint/2010/main" val="1873170279"/>
+      </p:ext>
+    </p:extLst>
+  </p:cSld>
+  <p:clrMapOvr>
+    <a:masterClrMapping/>
+  </p:clrMapOvr>
+</p:sld>
+</file>
+
+<file path=ppt/slides/slide13.xml><?xml version="1.0" encoding="utf-8"?>
 <p:sld xmlns:a="http://schemas.openxmlformats.org/drawingml/2006/main" xmlns:r="http://schemas.openxmlformats.org/officeDocument/2006/relationships" xmlns:p="http://schemas.openxmlformats.org/presentationml/2006/main" show="0">
   <p:cSld>
     <p:spTree>
@@ -15342,7 +18892,7 @@
 </p:sld>
 </file>
 
-<file path=ppt/slides/slide12.xml><?xml version="1.0" encoding="utf-8"?>
+<file path=ppt/slides/slide14.xml><?xml version="1.0" encoding="utf-8"?>
 <p:sld xmlns:a="http://schemas.openxmlformats.org/drawingml/2006/main" xmlns:r="http://schemas.openxmlformats.org/officeDocument/2006/relationships" xmlns:p="http://schemas.openxmlformats.org/presentationml/2006/main" show="0">
   <p:cSld>
     <p:spTree>
@@ -16533,7 +20083,7 @@
 </p:sld>
 </file>
 
-<file path=ppt/slides/slide13.xml><?xml version="1.0" encoding="utf-8"?>
+<file path=ppt/slides/slide15.xml><?xml version="1.0" encoding="utf-8"?>
 <p:sld xmlns:a="http://schemas.openxmlformats.org/drawingml/2006/main" xmlns:r="http://schemas.openxmlformats.org/officeDocument/2006/relationships" xmlns:p="http://schemas.openxmlformats.org/presentationml/2006/main" show="0">
   <p:cSld>
     <p:spTree>
@@ -17730,7 +21280,7 @@
 </p:sld>
 </file>
 
-<file path=ppt/slides/slide14.xml><?xml version="1.0" encoding="utf-8"?>
+<file path=ppt/slides/slide16.xml><?xml version="1.0" encoding="utf-8"?>
 <p:sld xmlns:a="http://schemas.openxmlformats.org/drawingml/2006/main" xmlns:r="http://schemas.openxmlformats.org/officeDocument/2006/relationships" xmlns:p="http://schemas.openxmlformats.org/presentationml/2006/main" show="0">
   <p:cSld>
     <p:spTree>
@@ -18223,7 +21773,7 @@
 </p:sld>
 </file>
 
-<file path=ppt/slides/slide15.xml><?xml version="1.0" encoding="utf-8"?>
+<file path=ppt/slides/slide17.xml><?xml version="1.0" encoding="utf-8"?>
 <p:sld xmlns:a="http://schemas.openxmlformats.org/drawingml/2006/main" xmlns:r="http://schemas.openxmlformats.org/officeDocument/2006/relationships" xmlns:p="http://schemas.openxmlformats.org/presentationml/2006/main" show="0">
   <p:cSld>
     <p:spTree>
@@ -18772,7 +22322,7 @@
 </p:sld>
 </file>
 
-<file path=ppt/slides/slide16.xml><?xml version="1.0" encoding="utf-8"?>
+<file path=ppt/slides/slide18.xml><?xml version="1.0" encoding="utf-8"?>
 <p:sld xmlns:a="http://schemas.openxmlformats.org/drawingml/2006/main" xmlns:r="http://schemas.openxmlformats.org/officeDocument/2006/relationships" xmlns:p="http://schemas.openxmlformats.org/presentationml/2006/main" show="0">
   <p:cSld>
     <p:spTree>
@@ -19353,7 +22903,7 @@
 </p:sld>
 </file>
 
-<file path=ppt/slides/slide17.xml><?xml version="1.0" encoding="utf-8"?>
+<file path=ppt/slides/slide19.xml><?xml version="1.0" encoding="utf-8"?>
 <p:sld xmlns:a="http://schemas.openxmlformats.org/drawingml/2006/main" xmlns:r="http://schemas.openxmlformats.org/officeDocument/2006/relationships" xmlns:p="http://schemas.openxmlformats.org/presentationml/2006/main" show="0">
   <p:cSld>
     <p:spTree>
@@ -19898,7 +23448,400 @@
 </p:sld>
 </file>
 
-<file path=ppt/slides/slide18.xml><?xml version="1.0" encoding="utf-8"?>
+<file path=ppt/slides/slide2.xml><?xml version="1.0" encoding="utf-8"?>
+<p:sld xmlns:a="http://schemas.openxmlformats.org/drawingml/2006/main" xmlns:r="http://schemas.openxmlformats.org/officeDocument/2006/relationships" xmlns:p="http://schemas.openxmlformats.org/presentationml/2006/main" show="0">
+  <p:cSld>
+    <p:spTree>
+      <p:nvGrpSpPr>
+        <p:cNvPr id="1" name=""/>
+        <p:cNvGrpSpPr/>
+        <p:nvPr/>
+      </p:nvGrpSpPr>
+      <p:grpSpPr>
+        <a:xfrm>
+          <a:off x="0" y="0"/>
+          <a:ext cx="0" cy="0"/>
+          <a:chOff x="0" y="0"/>
+          <a:chExt cx="0" cy="0"/>
+        </a:xfrm>
+      </p:grpSpPr>
+      <p:sp>
+        <p:nvSpPr>
+          <p:cNvPr id="2" name="제목 1">
+            <a:extLst>
+              <a:ext uri="{FF2B5EF4-FFF2-40B4-BE49-F238E27FC236}">
+                <a16:creationId xmlns:a16="http://schemas.microsoft.com/office/drawing/2014/main" id="{0E7EE7A1-7B14-06A7-414F-ACB9F852EA89}"/>
+              </a:ext>
+            </a:extLst>
+          </p:cNvPr>
+          <p:cNvSpPr>
+            <a:spLocks noGrp="1"/>
+          </p:cNvSpPr>
+          <p:nvPr>
+            <p:ph type="title"/>
+          </p:nvPr>
+        </p:nvSpPr>
+        <p:spPr/>
+        <p:txBody>
+          <a:bodyPr/>
+          <a:lstStyle/>
+          <a:p>
+            <a:r>
+              <a:rPr lang="en-US" altLang="ko-KR" dirty="0"/>
+              <a:t>S101</a:t>
+            </a:r>
+            <a:endParaRPr lang="ko-KR" altLang="en-US" dirty="0"/>
+          </a:p>
+        </p:txBody>
+      </p:sp>
+      <p:sp>
+        <p:nvSpPr>
+          <p:cNvPr id="8" name="TextBox 7">
+            <a:extLst>
+              <a:ext uri="{FF2B5EF4-FFF2-40B4-BE49-F238E27FC236}">
+                <a16:creationId xmlns:a16="http://schemas.microsoft.com/office/drawing/2014/main" id="{3B6BBB1D-8F33-F2F4-5E18-D4FAFA795448}"/>
+              </a:ext>
+            </a:extLst>
+          </p:cNvPr>
+          <p:cNvSpPr txBox="1"/>
+          <p:nvPr/>
+        </p:nvSpPr>
+        <p:spPr>
+          <a:xfrm>
+            <a:off x="3985297" y="4008142"/>
+            <a:ext cx="3917732" cy="646331"/>
+          </a:xfrm>
+          <a:prstGeom prst="rect">
+            <a:avLst/>
+          </a:prstGeom>
+          <a:noFill/>
+        </p:spPr>
+        <p:txBody>
+          <a:bodyPr wrap="square" rtlCol="0">
+            <a:spAutoFit/>
+          </a:bodyPr>
+          <a:lstStyle/>
+          <a:p>
+            <a:r>
+              <a:rPr lang="en-US" altLang="ko-KR" dirty="0"/>
+              <a:t>Loading </a:t>
+            </a:r>
+            <a:r>
+              <a:rPr lang="ko-KR" altLang="en-US" dirty="0"/>
+              <a:t>시스템 경로   →</a:t>
+            </a:r>
+            <a:endParaRPr lang="en-US" altLang="ko-KR" dirty="0"/>
+          </a:p>
+          <a:p>
+            <a:r>
+              <a:rPr lang="en-US" altLang="ko-KR" dirty="0"/>
+              <a:t>[</a:t>
+            </a:r>
+            <a:r>
+              <a:rPr lang="ko-KR" altLang="en-US" dirty="0"/>
+              <a:t>이름지정</a:t>
+            </a:r>
+            <a:r>
+              <a:rPr lang="en-US" altLang="ko-KR" dirty="0"/>
+              <a:t>]   	        </a:t>
+            </a:r>
+            <a:r>
+              <a:rPr lang="ko-KR" altLang="en-US" dirty="0"/>
+              <a:t>→</a:t>
+            </a:r>
+          </a:p>
+        </p:txBody>
+      </p:sp>
+      <p:sp>
+        <p:nvSpPr>
+          <p:cNvPr id="9" name="TextBox 8">
+            <a:extLst>
+              <a:ext uri="{FF2B5EF4-FFF2-40B4-BE49-F238E27FC236}">
+                <a16:creationId xmlns:a16="http://schemas.microsoft.com/office/drawing/2014/main" id="{DEBCA628-F50A-2352-F68D-0EA3A5DEBE9B}"/>
+              </a:ext>
+            </a:extLst>
+          </p:cNvPr>
+          <p:cNvSpPr txBox="1"/>
+          <p:nvPr/>
+        </p:nvSpPr>
+        <p:spPr>
+          <a:xfrm>
+            <a:off x="652831" y="2904181"/>
+            <a:ext cx="9676274" cy="646331"/>
+          </a:xfrm>
+          <a:prstGeom prst="rect">
+            <a:avLst/>
+          </a:prstGeom>
+          <a:noFill/>
+        </p:spPr>
+        <p:txBody>
+          <a:bodyPr wrap="square" rtlCol="0">
+            <a:spAutoFit/>
+          </a:bodyPr>
+          <a:lstStyle/>
+          <a:p>
+            <a:r>
+              <a:rPr lang="ko-KR" altLang="en-US" dirty="0"/>
+              <a:t>외부 시스템 </a:t>
+            </a:r>
+            <a:r>
+              <a:rPr lang="en-US" altLang="ko-KR" dirty="0"/>
+              <a:t>Call </a:t>
+            </a:r>
+            <a:r>
+              <a:rPr lang="ko-KR" altLang="en-US" dirty="0"/>
+              <a:t>경우에는 시스템을 </a:t>
+            </a:r>
+            <a:r>
+              <a:rPr lang="en-US" altLang="ko-KR" dirty="0"/>
+              <a:t>Loading </a:t>
+            </a:r>
+            <a:r>
+              <a:rPr lang="ko-KR" altLang="en-US" dirty="0"/>
+              <a:t>해야 한다</a:t>
+            </a:r>
+            <a:r>
+              <a:rPr lang="en-US" altLang="ko-KR" dirty="0"/>
+              <a:t>.</a:t>
+            </a:r>
+          </a:p>
+          <a:p>
+            <a:r>
+              <a:rPr lang="en-US" altLang="ko-KR" dirty="0"/>
+              <a:t>Loading </a:t>
+            </a:r>
+            <a:r>
+              <a:rPr lang="ko-KR" altLang="en-US" dirty="0"/>
+              <a:t>도형 </a:t>
+            </a:r>
+            <a:r>
+              <a:rPr lang="en-US" altLang="ko-KR" dirty="0"/>
+              <a:t>: </a:t>
+            </a:r>
+            <a:r>
+              <a:rPr lang="ko-KR" altLang="en-US" dirty="0"/>
+              <a:t>모서리가 접힌 사각형  사용</a:t>
+            </a:r>
+          </a:p>
+        </p:txBody>
+      </p:sp>
+      <p:sp>
+        <p:nvSpPr>
+          <p:cNvPr id="11" name="사각형: 모서리가 접힌 도형 10">
+            <a:extLst>
+              <a:ext uri="{FF2B5EF4-FFF2-40B4-BE49-F238E27FC236}">
+                <a16:creationId xmlns:a16="http://schemas.microsoft.com/office/drawing/2014/main" id="{315E1109-CE1F-AED5-1B4F-B96C02A1EF9A}"/>
+              </a:ext>
+            </a:extLst>
+          </p:cNvPr>
+          <p:cNvSpPr/>
+          <p:nvPr/>
+        </p:nvSpPr>
+        <p:spPr>
+          <a:xfrm>
+            <a:off x="6846575" y="3930359"/>
+            <a:ext cx="2265308" cy="927391"/>
+          </a:xfrm>
+          <a:prstGeom prst="foldedCorner">
+            <a:avLst>
+              <a:gd name="adj" fmla="val 27487"/>
+            </a:avLst>
+          </a:prstGeom>
+          <a:solidFill>
+            <a:schemeClr val="accent3">
+              <a:alpha val="50000"/>
+            </a:schemeClr>
+          </a:solidFill>
+          <a:ln>
+            <a:noFill/>
+          </a:ln>
+        </p:spPr>
+        <p:style>
+          <a:lnRef idx="0">
+            <a:scrgbClr r="0" g="0" b="0"/>
+          </a:lnRef>
+          <a:fillRef idx="0">
+            <a:scrgbClr r="0" g="0" b="0"/>
+          </a:fillRef>
+          <a:effectRef idx="0">
+            <a:scrgbClr r="0" g="0" b="0"/>
+          </a:effectRef>
+          <a:fontRef idx="minor">
+            <a:schemeClr val="lt1"/>
+          </a:fontRef>
+        </p:style>
+        <p:txBody>
+          <a:bodyPr rtlCol="0" anchor="ctr"/>
+          <a:lstStyle/>
+          <a:p>
+            <a:pPr algn="ctr"/>
+            <a:r>
+              <a:rPr lang="en-US" altLang="ko-KR" sz="1600" dirty="0"/>
+              <a:t>lib/Cylinder/Double</a:t>
+            </a:r>
+          </a:p>
+          <a:p>
+            <a:pPr algn="ctr"/>
+            <a:r>
+              <a:rPr lang="en-US" altLang="ko-KR" sz="1600" dirty="0"/>
+              <a:t>[Pin]</a:t>
+            </a:r>
+            <a:endParaRPr lang="ko-KR" altLang="en-US" sz="1600" dirty="0"/>
+          </a:p>
+        </p:txBody>
+      </p:sp>
+      <p:sp>
+        <p:nvSpPr>
+          <p:cNvPr id="3" name="사각형: 모서리가 접힌 도형 2">
+            <a:extLst>
+              <a:ext uri="{FF2B5EF4-FFF2-40B4-BE49-F238E27FC236}">
+                <a16:creationId xmlns:a16="http://schemas.microsoft.com/office/drawing/2014/main" id="{03FFF656-9483-33FC-B597-3A02BDD38418}"/>
+              </a:ext>
+            </a:extLst>
+          </p:cNvPr>
+          <p:cNvSpPr/>
+          <p:nvPr/>
+        </p:nvSpPr>
+        <p:spPr>
+          <a:xfrm>
+            <a:off x="6846575" y="5237597"/>
+            <a:ext cx="2265308" cy="927391"/>
+          </a:xfrm>
+          <a:prstGeom prst="foldedCorner">
+            <a:avLst>
+              <a:gd name="adj" fmla="val 27487"/>
+            </a:avLst>
+          </a:prstGeom>
+          <a:solidFill>
+            <a:schemeClr val="accent3">
+              <a:alpha val="50000"/>
+            </a:schemeClr>
+          </a:solidFill>
+          <a:ln>
+            <a:noFill/>
+          </a:ln>
+        </p:spPr>
+        <p:style>
+          <a:lnRef idx="0">
+            <a:scrgbClr r="0" g="0" b="0"/>
+          </a:lnRef>
+          <a:fillRef idx="0">
+            <a:scrgbClr r="0" g="0" b="0"/>
+          </a:fillRef>
+          <a:effectRef idx="0">
+            <a:scrgbClr r="0" g="0" b="0"/>
+          </a:effectRef>
+          <a:fontRef idx="minor">
+            <a:schemeClr val="lt1"/>
+          </a:fontRef>
+        </p:style>
+        <p:txBody>
+          <a:bodyPr rtlCol="0" anchor="ctr"/>
+          <a:lstStyle/>
+          <a:p>
+            <a:pPr algn="ctr"/>
+            <a:r>
+              <a:rPr lang="en-US" altLang="ko-KR" sz="1600" dirty="0"/>
+              <a:t>lib/Robot/Weld</a:t>
+            </a:r>
+          </a:p>
+          <a:p>
+            <a:pPr algn="ctr"/>
+            <a:r>
+              <a:rPr lang="en-US" altLang="ko-KR" sz="1600" dirty="0"/>
+              <a:t>[Rbt1]</a:t>
+            </a:r>
+            <a:endParaRPr lang="ko-KR" altLang="en-US" sz="1600" dirty="0"/>
+          </a:p>
+        </p:txBody>
+      </p:sp>
+      <p:sp>
+        <p:nvSpPr>
+          <p:cNvPr id="4" name="사각형: 모서리가 접힌 도형 3">
+            <a:extLst>
+              <a:ext uri="{FF2B5EF4-FFF2-40B4-BE49-F238E27FC236}">
+                <a16:creationId xmlns:a16="http://schemas.microsoft.com/office/drawing/2014/main" id="{479D59D1-5025-C5B1-ED3B-A0ECB4F8AAB2}"/>
+              </a:ext>
+            </a:extLst>
+          </p:cNvPr>
+          <p:cNvSpPr/>
+          <p:nvPr/>
+        </p:nvSpPr>
+        <p:spPr>
+          <a:xfrm>
+            <a:off x="7579820" y="2213702"/>
+            <a:ext cx="2265308" cy="927391"/>
+          </a:xfrm>
+          <a:prstGeom prst="foldedCorner">
+            <a:avLst>
+              <a:gd name="adj" fmla="val 27487"/>
+            </a:avLst>
+          </a:prstGeom>
+          <a:solidFill>
+            <a:schemeClr val="accent3">
+              <a:alpha val="50000"/>
+            </a:schemeClr>
+          </a:solidFill>
+          <a:ln>
+            <a:noFill/>
+          </a:ln>
+        </p:spPr>
+        <p:style>
+          <a:lnRef idx="0">
+            <a:scrgbClr r="0" g="0" b="0"/>
+          </a:lnRef>
+          <a:fillRef idx="0">
+            <a:scrgbClr r="0" g="0" b="0"/>
+          </a:fillRef>
+          <a:effectRef idx="0">
+            <a:scrgbClr r="0" g="0" b="0"/>
+          </a:effectRef>
+          <a:fontRef idx="minor">
+            <a:schemeClr val="lt1"/>
+          </a:fontRef>
+        </p:style>
+        <p:txBody>
+          <a:bodyPr rtlCol="0" anchor="ctr"/>
+          <a:lstStyle/>
+          <a:p>
+            <a:pPr algn="ctr"/>
+            <a:r>
+              <a:rPr lang="en-US" altLang="ko-KR" sz="1600" dirty="0"/>
+              <a:t>lib/Cylinder/Double</a:t>
+            </a:r>
+          </a:p>
+          <a:p>
+            <a:pPr algn="ctr"/>
+            <a:r>
+              <a:rPr lang="en-US" altLang="ko-KR" sz="1600" dirty="0"/>
+              <a:t>[</a:t>
+            </a:r>
+            <a:r>
+              <a:rPr lang="en-US" altLang="ko-KR" sz="1600" dirty="0" err="1"/>
+              <a:t>Pin2</a:t>
+            </a:r>
+            <a:r>
+              <a:rPr lang="en-US" altLang="ko-KR" sz="1600" dirty="0"/>
+              <a:t>]</a:t>
+            </a:r>
+            <a:endParaRPr lang="ko-KR" altLang="en-US" sz="1600" dirty="0"/>
+          </a:p>
+        </p:txBody>
+      </p:sp>
+    </p:spTree>
+    <p:extLst>
+      <p:ext uri="{BB962C8B-B14F-4D97-AF65-F5344CB8AC3E}">
+        <p14:creationId xmlns:p14="http://schemas.microsoft.com/office/powerpoint/2010/main" val="2346780900"/>
+      </p:ext>
+    </p:extLst>
+  </p:cSld>
+  <p:clrMapOvr>
+    <a:masterClrMapping/>
+  </p:clrMapOvr>
+</p:sld>
+</file>
+
+<file path=ppt/slides/slide20.xml><?xml version="1.0" encoding="utf-8"?>
 <p:sld xmlns:a="http://schemas.openxmlformats.org/drawingml/2006/main" xmlns:r="http://schemas.openxmlformats.org/officeDocument/2006/relationships" xmlns:p="http://schemas.openxmlformats.org/presentationml/2006/main" show="0">
   <p:cSld>
     <p:spTree>
@@ -20477,7 +24420,7 @@
 </p:sld>
 </file>
 
-<file path=ppt/slides/slide19.xml><?xml version="1.0" encoding="utf-8"?>
+<file path=ppt/slides/slide21.xml><?xml version="1.0" encoding="utf-8"?>
 <p:sld xmlns:a="http://schemas.openxmlformats.org/drawingml/2006/main" xmlns:r="http://schemas.openxmlformats.org/officeDocument/2006/relationships" xmlns:p="http://schemas.openxmlformats.org/presentationml/2006/main" show="0">
   <p:cSld>
     <p:spTree>
@@ -21013,400 +24956,7 @@
 </p:sld>
 </file>
 
-<file path=ppt/slides/slide2.xml><?xml version="1.0" encoding="utf-8"?>
-<p:sld xmlns:a="http://schemas.openxmlformats.org/drawingml/2006/main" xmlns:r="http://schemas.openxmlformats.org/officeDocument/2006/relationships" xmlns:p="http://schemas.openxmlformats.org/presentationml/2006/main" show="0">
-  <p:cSld>
-    <p:spTree>
-      <p:nvGrpSpPr>
-        <p:cNvPr id="1" name=""/>
-        <p:cNvGrpSpPr/>
-        <p:nvPr/>
-      </p:nvGrpSpPr>
-      <p:grpSpPr>
-        <a:xfrm>
-          <a:off x="0" y="0"/>
-          <a:ext cx="0" cy="0"/>
-          <a:chOff x="0" y="0"/>
-          <a:chExt cx="0" cy="0"/>
-        </a:xfrm>
-      </p:grpSpPr>
-      <p:sp>
-        <p:nvSpPr>
-          <p:cNvPr id="2" name="제목 1">
-            <a:extLst>
-              <a:ext uri="{FF2B5EF4-FFF2-40B4-BE49-F238E27FC236}">
-                <a16:creationId xmlns:a16="http://schemas.microsoft.com/office/drawing/2014/main" id="{0E7EE7A1-7B14-06A7-414F-ACB9F852EA89}"/>
-              </a:ext>
-            </a:extLst>
-          </p:cNvPr>
-          <p:cNvSpPr>
-            <a:spLocks noGrp="1"/>
-          </p:cNvSpPr>
-          <p:nvPr>
-            <p:ph type="title"/>
-          </p:nvPr>
-        </p:nvSpPr>
-        <p:spPr/>
-        <p:txBody>
-          <a:bodyPr/>
-          <a:lstStyle/>
-          <a:p>
-            <a:r>
-              <a:rPr lang="en-US" altLang="ko-KR" dirty="0"/>
-              <a:t>S101</a:t>
-            </a:r>
-            <a:endParaRPr lang="ko-KR" altLang="en-US" dirty="0"/>
-          </a:p>
-        </p:txBody>
-      </p:sp>
-      <p:sp>
-        <p:nvSpPr>
-          <p:cNvPr id="8" name="TextBox 7">
-            <a:extLst>
-              <a:ext uri="{FF2B5EF4-FFF2-40B4-BE49-F238E27FC236}">
-                <a16:creationId xmlns:a16="http://schemas.microsoft.com/office/drawing/2014/main" id="{3B6BBB1D-8F33-F2F4-5E18-D4FAFA795448}"/>
-              </a:ext>
-            </a:extLst>
-          </p:cNvPr>
-          <p:cNvSpPr txBox="1"/>
-          <p:nvPr/>
-        </p:nvSpPr>
-        <p:spPr>
-          <a:xfrm>
-            <a:off x="3985297" y="4008142"/>
-            <a:ext cx="3917732" cy="646331"/>
-          </a:xfrm>
-          <a:prstGeom prst="rect">
-            <a:avLst/>
-          </a:prstGeom>
-          <a:noFill/>
-        </p:spPr>
-        <p:txBody>
-          <a:bodyPr wrap="square" rtlCol="0">
-            <a:spAutoFit/>
-          </a:bodyPr>
-          <a:lstStyle/>
-          <a:p>
-            <a:r>
-              <a:rPr lang="en-US" altLang="ko-KR" dirty="0"/>
-              <a:t>Loading </a:t>
-            </a:r>
-            <a:r>
-              <a:rPr lang="ko-KR" altLang="en-US" dirty="0"/>
-              <a:t>시스템 경로   →</a:t>
-            </a:r>
-            <a:endParaRPr lang="en-US" altLang="ko-KR" dirty="0"/>
-          </a:p>
-          <a:p>
-            <a:r>
-              <a:rPr lang="en-US" altLang="ko-KR" dirty="0"/>
-              <a:t>[</a:t>
-            </a:r>
-            <a:r>
-              <a:rPr lang="ko-KR" altLang="en-US" dirty="0"/>
-              <a:t>이름지정</a:t>
-            </a:r>
-            <a:r>
-              <a:rPr lang="en-US" altLang="ko-KR" dirty="0"/>
-              <a:t>]   	        </a:t>
-            </a:r>
-            <a:r>
-              <a:rPr lang="ko-KR" altLang="en-US" dirty="0"/>
-              <a:t>→</a:t>
-            </a:r>
-          </a:p>
-        </p:txBody>
-      </p:sp>
-      <p:sp>
-        <p:nvSpPr>
-          <p:cNvPr id="9" name="TextBox 8">
-            <a:extLst>
-              <a:ext uri="{FF2B5EF4-FFF2-40B4-BE49-F238E27FC236}">
-                <a16:creationId xmlns:a16="http://schemas.microsoft.com/office/drawing/2014/main" id="{DEBCA628-F50A-2352-F68D-0EA3A5DEBE9B}"/>
-              </a:ext>
-            </a:extLst>
-          </p:cNvPr>
-          <p:cNvSpPr txBox="1"/>
-          <p:nvPr/>
-        </p:nvSpPr>
-        <p:spPr>
-          <a:xfrm>
-            <a:off x="652831" y="2904181"/>
-            <a:ext cx="9676274" cy="646331"/>
-          </a:xfrm>
-          <a:prstGeom prst="rect">
-            <a:avLst/>
-          </a:prstGeom>
-          <a:noFill/>
-        </p:spPr>
-        <p:txBody>
-          <a:bodyPr wrap="square" rtlCol="0">
-            <a:spAutoFit/>
-          </a:bodyPr>
-          <a:lstStyle/>
-          <a:p>
-            <a:r>
-              <a:rPr lang="ko-KR" altLang="en-US" dirty="0"/>
-              <a:t>외부 시스템 </a:t>
-            </a:r>
-            <a:r>
-              <a:rPr lang="en-US" altLang="ko-KR" dirty="0"/>
-              <a:t>Call </a:t>
-            </a:r>
-            <a:r>
-              <a:rPr lang="ko-KR" altLang="en-US" dirty="0"/>
-              <a:t>경우에는 시스템을 </a:t>
-            </a:r>
-            <a:r>
-              <a:rPr lang="en-US" altLang="ko-KR" dirty="0"/>
-              <a:t>Loading </a:t>
-            </a:r>
-            <a:r>
-              <a:rPr lang="ko-KR" altLang="en-US" dirty="0"/>
-              <a:t>해야 한다</a:t>
-            </a:r>
-            <a:r>
-              <a:rPr lang="en-US" altLang="ko-KR" dirty="0"/>
-              <a:t>.</a:t>
-            </a:r>
-          </a:p>
-          <a:p>
-            <a:r>
-              <a:rPr lang="en-US" altLang="ko-KR" dirty="0"/>
-              <a:t>Loading </a:t>
-            </a:r>
-            <a:r>
-              <a:rPr lang="ko-KR" altLang="en-US" dirty="0"/>
-              <a:t>도형 </a:t>
-            </a:r>
-            <a:r>
-              <a:rPr lang="en-US" altLang="ko-KR" dirty="0"/>
-              <a:t>: </a:t>
-            </a:r>
-            <a:r>
-              <a:rPr lang="ko-KR" altLang="en-US" dirty="0"/>
-              <a:t>모서리가 접힌 사각형  사용</a:t>
-            </a:r>
-          </a:p>
-        </p:txBody>
-      </p:sp>
-      <p:sp>
-        <p:nvSpPr>
-          <p:cNvPr id="11" name="사각형: 모서리가 접힌 도형 10">
-            <a:extLst>
-              <a:ext uri="{FF2B5EF4-FFF2-40B4-BE49-F238E27FC236}">
-                <a16:creationId xmlns:a16="http://schemas.microsoft.com/office/drawing/2014/main" id="{315E1109-CE1F-AED5-1B4F-B96C02A1EF9A}"/>
-              </a:ext>
-            </a:extLst>
-          </p:cNvPr>
-          <p:cNvSpPr/>
-          <p:nvPr/>
-        </p:nvSpPr>
-        <p:spPr>
-          <a:xfrm>
-            <a:off x="6846575" y="3930359"/>
-            <a:ext cx="2265308" cy="927391"/>
-          </a:xfrm>
-          <a:prstGeom prst="foldedCorner">
-            <a:avLst>
-              <a:gd name="adj" fmla="val 27487"/>
-            </a:avLst>
-          </a:prstGeom>
-          <a:solidFill>
-            <a:schemeClr val="accent3">
-              <a:alpha val="50000"/>
-            </a:schemeClr>
-          </a:solidFill>
-          <a:ln>
-            <a:noFill/>
-          </a:ln>
-        </p:spPr>
-        <p:style>
-          <a:lnRef idx="0">
-            <a:scrgbClr r="0" g="0" b="0"/>
-          </a:lnRef>
-          <a:fillRef idx="0">
-            <a:scrgbClr r="0" g="0" b="0"/>
-          </a:fillRef>
-          <a:effectRef idx="0">
-            <a:scrgbClr r="0" g="0" b="0"/>
-          </a:effectRef>
-          <a:fontRef idx="minor">
-            <a:schemeClr val="lt1"/>
-          </a:fontRef>
-        </p:style>
-        <p:txBody>
-          <a:bodyPr rtlCol="0" anchor="ctr"/>
-          <a:lstStyle/>
-          <a:p>
-            <a:pPr algn="ctr"/>
-            <a:r>
-              <a:rPr lang="en-US" altLang="ko-KR" sz="1600" dirty="0"/>
-              <a:t>lib/Cylinder/Double</a:t>
-            </a:r>
-          </a:p>
-          <a:p>
-            <a:pPr algn="ctr"/>
-            <a:r>
-              <a:rPr lang="en-US" altLang="ko-KR" sz="1600" dirty="0"/>
-              <a:t>[Pin]</a:t>
-            </a:r>
-            <a:endParaRPr lang="ko-KR" altLang="en-US" sz="1600" dirty="0"/>
-          </a:p>
-        </p:txBody>
-      </p:sp>
-      <p:sp>
-        <p:nvSpPr>
-          <p:cNvPr id="3" name="사각형: 모서리가 접힌 도형 2">
-            <a:extLst>
-              <a:ext uri="{FF2B5EF4-FFF2-40B4-BE49-F238E27FC236}">
-                <a16:creationId xmlns:a16="http://schemas.microsoft.com/office/drawing/2014/main" id="{03FFF656-9483-33FC-B597-3A02BDD38418}"/>
-              </a:ext>
-            </a:extLst>
-          </p:cNvPr>
-          <p:cNvSpPr/>
-          <p:nvPr/>
-        </p:nvSpPr>
-        <p:spPr>
-          <a:xfrm>
-            <a:off x="6846575" y="5237597"/>
-            <a:ext cx="2265308" cy="927391"/>
-          </a:xfrm>
-          <a:prstGeom prst="foldedCorner">
-            <a:avLst>
-              <a:gd name="adj" fmla="val 27487"/>
-            </a:avLst>
-          </a:prstGeom>
-          <a:solidFill>
-            <a:schemeClr val="accent3">
-              <a:alpha val="50000"/>
-            </a:schemeClr>
-          </a:solidFill>
-          <a:ln>
-            <a:noFill/>
-          </a:ln>
-        </p:spPr>
-        <p:style>
-          <a:lnRef idx="0">
-            <a:scrgbClr r="0" g="0" b="0"/>
-          </a:lnRef>
-          <a:fillRef idx="0">
-            <a:scrgbClr r="0" g="0" b="0"/>
-          </a:fillRef>
-          <a:effectRef idx="0">
-            <a:scrgbClr r="0" g="0" b="0"/>
-          </a:effectRef>
-          <a:fontRef idx="minor">
-            <a:schemeClr val="lt1"/>
-          </a:fontRef>
-        </p:style>
-        <p:txBody>
-          <a:bodyPr rtlCol="0" anchor="ctr"/>
-          <a:lstStyle/>
-          <a:p>
-            <a:pPr algn="ctr"/>
-            <a:r>
-              <a:rPr lang="en-US" altLang="ko-KR" sz="1600" dirty="0"/>
-              <a:t>lib/Robot/Weld</a:t>
-            </a:r>
-          </a:p>
-          <a:p>
-            <a:pPr algn="ctr"/>
-            <a:r>
-              <a:rPr lang="en-US" altLang="ko-KR" sz="1600" dirty="0"/>
-              <a:t>[Rbt1]</a:t>
-            </a:r>
-            <a:endParaRPr lang="ko-KR" altLang="en-US" sz="1600" dirty="0"/>
-          </a:p>
-        </p:txBody>
-      </p:sp>
-      <p:sp>
-        <p:nvSpPr>
-          <p:cNvPr id="4" name="사각형: 모서리가 접힌 도형 3">
-            <a:extLst>
-              <a:ext uri="{FF2B5EF4-FFF2-40B4-BE49-F238E27FC236}">
-                <a16:creationId xmlns:a16="http://schemas.microsoft.com/office/drawing/2014/main" id="{479D59D1-5025-C5B1-ED3B-A0ECB4F8AAB2}"/>
-              </a:ext>
-            </a:extLst>
-          </p:cNvPr>
-          <p:cNvSpPr/>
-          <p:nvPr/>
-        </p:nvSpPr>
-        <p:spPr>
-          <a:xfrm>
-            <a:off x="7579820" y="2213702"/>
-            <a:ext cx="2265308" cy="927391"/>
-          </a:xfrm>
-          <a:prstGeom prst="foldedCorner">
-            <a:avLst>
-              <a:gd name="adj" fmla="val 27487"/>
-            </a:avLst>
-          </a:prstGeom>
-          <a:solidFill>
-            <a:schemeClr val="accent3">
-              <a:alpha val="50000"/>
-            </a:schemeClr>
-          </a:solidFill>
-          <a:ln>
-            <a:noFill/>
-          </a:ln>
-        </p:spPr>
-        <p:style>
-          <a:lnRef idx="0">
-            <a:scrgbClr r="0" g="0" b="0"/>
-          </a:lnRef>
-          <a:fillRef idx="0">
-            <a:scrgbClr r="0" g="0" b="0"/>
-          </a:fillRef>
-          <a:effectRef idx="0">
-            <a:scrgbClr r="0" g="0" b="0"/>
-          </a:effectRef>
-          <a:fontRef idx="minor">
-            <a:schemeClr val="lt1"/>
-          </a:fontRef>
-        </p:style>
-        <p:txBody>
-          <a:bodyPr rtlCol="0" anchor="ctr"/>
-          <a:lstStyle/>
-          <a:p>
-            <a:pPr algn="ctr"/>
-            <a:r>
-              <a:rPr lang="en-US" altLang="ko-KR" sz="1600" dirty="0"/>
-              <a:t>lib/Cylinder/Double</a:t>
-            </a:r>
-          </a:p>
-          <a:p>
-            <a:pPr algn="ctr"/>
-            <a:r>
-              <a:rPr lang="en-US" altLang="ko-KR" sz="1600" dirty="0"/>
-              <a:t>[</a:t>
-            </a:r>
-            <a:r>
-              <a:rPr lang="en-US" altLang="ko-KR" sz="1600" dirty="0" err="1"/>
-              <a:t>Pin2</a:t>
-            </a:r>
-            <a:r>
-              <a:rPr lang="en-US" altLang="ko-KR" sz="1600" dirty="0"/>
-              <a:t>]</a:t>
-            </a:r>
-            <a:endParaRPr lang="ko-KR" altLang="en-US" sz="1600" dirty="0"/>
-          </a:p>
-        </p:txBody>
-      </p:sp>
-    </p:spTree>
-    <p:extLst>
-      <p:ext uri="{BB962C8B-B14F-4D97-AF65-F5344CB8AC3E}">
-        <p14:creationId xmlns:p14="http://schemas.microsoft.com/office/powerpoint/2010/main" val="2346780900"/>
-      </p:ext>
-    </p:extLst>
-  </p:cSld>
-  <p:clrMapOvr>
-    <a:masterClrMapping/>
-  </p:clrMapOvr>
-</p:sld>
-</file>
-
-<file path=ppt/slides/slide20.xml><?xml version="1.0" encoding="utf-8"?>
+<file path=ppt/slides/slide22.xml><?xml version="1.0" encoding="utf-8"?>
 <p:sld xmlns:a="http://schemas.openxmlformats.org/drawingml/2006/main" xmlns:r="http://schemas.openxmlformats.org/officeDocument/2006/relationships" xmlns:p="http://schemas.openxmlformats.org/presentationml/2006/main" show="0">
   <p:cSld>
     <p:spTree>
@@ -22453,7 +26003,7 @@
 </p:sld>
 </file>
 
-<file path=ppt/slides/slide21.xml><?xml version="1.0" encoding="utf-8"?>
+<file path=ppt/slides/slide23.xml><?xml version="1.0" encoding="utf-8"?>
 <p:sld xmlns:a="http://schemas.openxmlformats.org/drawingml/2006/main" xmlns:r="http://schemas.openxmlformats.org/officeDocument/2006/relationships" xmlns:p="http://schemas.openxmlformats.org/presentationml/2006/main" show="0">
   <p:cSld>
     <p:spTree>
@@ -23264,7 +26814,7 @@
 </p:sld>
 </file>
 
-<file path=ppt/slides/slide22.xml><?xml version="1.0" encoding="utf-8"?>
+<file path=ppt/slides/slide24.xml><?xml version="1.0" encoding="utf-8"?>
 <p:sld xmlns:a="http://schemas.openxmlformats.org/drawingml/2006/main" xmlns:r="http://schemas.openxmlformats.org/officeDocument/2006/relationships" xmlns:p="http://schemas.openxmlformats.org/presentationml/2006/main" show="0">
   <p:cSld>
     <p:spTree>
@@ -23769,7 +27319,7 @@
 </p:sld>
 </file>
 
-<file path=ppt/slides/slide23.xml><?xml version="1.0" encoding="utf-8"?>
+<file path=ppt/slides/slide25.xml><?xml version="1.0" encoding="utf-8"?>
 <p:sld xmlns:a="http://schemas.openxmlformats.org/drawingml/2006/main" xmlns:r="http://schemas.openxmlformats.org/officeDocument/2006/relationships" xmlns:p="http://schemas.openxmlformats.org/presentationml/2006/main" show="0">
   <p:cSld>
     <p:spTree>
@@ -24124,7 +27674,7 @@
 </p:sld>
 </file>
 
-<file path=ppt/slides/slide24.xml><?xml version="1.0" encoding="utf-8"?>
+<file path=ppt/slides/slide26.xml><?xml version="1.0" encoding="utf-8"?>
 <p:sld xmlns:a="http://schemas.openxmlformats.org/drawingml/2006/main" xmlns:r="http://schemas.openxmlformats.org/officeDocument/2006/relationships" xmlns:p="http://schemas.openxmlformats.org/presentationml/2006/main" show="0">
   <p:cSld>
     <p:spTree>
@@ -24479,7 +28029,7 @@
 </p:sld>
 </file>
 
-<file path=ppt/slides/slide25.xml><?xml version="1.0" encoding="utf-8"?>
+<file path=ppt/slides/slide27.xml><?xml version="1.0" encoding="utf-8"?>
 <p:sld xmlns:a="http://schemas.openxmlformats.org/drawingml/2006/main" xmlns:r="http://schemas.openxmlformats.org/officeDocument/2006/relationships" xmlns:p="http://schemas.openxmlformats.org/presentationml/2006/main" show="0">
   <p:cSld>
     <p:spTree>
@@ -27429,8 +30979,8 @@
           <a:lstStyle/>
           <a:p>
             <a:r>
-              <a:rPr lang="en-US" altLang="ko-KR"/>
-              <a:t>S111</a:t>
+              <a:rPr lang="en-US" altLang="ko-KR" dirty="0"/>
+              <a:t>S11</a:t>
             </a:r>
             <a:endParaRPr lang="ko-KR" altLang="en-US" dirty="0"/>
           </a:p>
@@ -29204,7 +32754,7 @@
           <a:p>
             <a:r>
               <a:rPr lang="en-US" altLang="ko-KR" dirty="0"/>
-              <a:t>S222</a:t>
+              <a:t>S22</a:t>
             </a:r>
             <a:endParaRPr lang="ko-KR" altLang="en-US" dirty="0"/>
           </a:p>
@@ -30939,7 +34489,7 @@
 </file>
 
 <file path=ppt/slides/slide9.xml><?xml version="1.0" encoding="utf-8"?>
-<p:sld xmlns:a="http://schemas.openxmlformats.org/drawingml/2006/main" xmlns:r="http://schemas.openxmlformats.org/officeDocument/2006/relationships" xmlns:p="http://schemas.openxmlformats.org/presentationml/2006/main">
+<p:sld xmlns:a="http://schemas.openxmlformats.org/drawingml/2006/main" xmlns:r="http://schemas.openxmlformats.org/officeDocument/2006/relationships" xmlns:p="http://schemas.openxmlformats.org/presentationml/2006/main" show="0">
   <p:cSld>
     <p:spTree>
       <p:nvGrpSpPr>
@@ -30978,7 +34528,7 @@
           <a:p>
             <a:r>
               <a:rPr lang="en-US" altLang="ko-KR" dirty="0"/>
-              <a:t>S333</a:t>
+              <a:t>S33</a:t>
             </a:r>
             <a:endParaRPr lang="ko-KR" altLang="en-US" dirty="0"/>
           </a:p>
@@ -32702,7 +36252,7 @@
     </p:spTree>
     <p:extLst>
       <p:ext uri="{BB962C8B-B14F-4D97-AF65-F5344CB8AC3E}">
-        <p14:creationId xmlns:p14="http://schemas.microsoft.com/office/powerpoint/2010/main" val="233941044"/>
+        <p14:creationId xmlns:p14="http://schemas.microsoft.com/office/powerpoint/2010/main" val="937013217"/>
       </p:ext>
     </p:extLst>
   </p:cSld>

--- a/DsDotNet/src/UnitTest/UnitTest.Model/ImportOfficeExample/Sample/s.pptx
+++ b/DsDotNet/src/UnitTest/UnitTest.Model/ImportOfficeExample/Sample/s.pptx
@@ -13138,7 +13138,7 @@
 </file>
 
 <file path=ppt/slides/slide10.xml><?xml version="1.0" encoding="utf-8"?>
-<p:sld xmlns:a="http://schemas.openxmlformats.org/drawingml/2006/main" xmlns:r="http://schemas.openxmlformats.org/officeDocument/2006/relationships" xmlns:p="http://schemas.openxmlformats.org/presentationml/2006/main" show="0">
+<p:sld xmlns:a="http://schemas.openxmlformats.org/drawingml/2006/main" xmlns:r="http://schemas.openxmlformats.org/officeDocument/2006/relationships" xmlns:p="http://schemas.openxmlformats.org/presentationml/2006/main">
   <p:cSld>
     <p:spTree>
       <p:nvGrpSpPr>
@@ -14912,7 +14912,7 @@
 </file>
 
 <file path=ppt/slides/slide11.xml><?xml version="1.0" encoding="utf-8"?>
-<p:sld xmlns:a="http://schemas.openxmlformats.org/drawingml/2006/main" xmlns:r="http://schemas.openxmlformats.org/officeDocument/2006/relationships" xmlns:p="http://schemas.openxmlformats.org/presentationml/2006/main" show="0">
+<p:sld xmlns:a="http://schemas.openxmlformats.org/drawingml/2006/main" xmlns:r="http://schemas.openxmlformats.org/officeDocument/2006/relationships" xmlns:p="http://schemas.openxmlformats.org/presentationml/2006/main">
   <p:cSld>
     <p:spTree>
       <p:nvGrpSpPr>
@@ -16686,7 +16686,7 @@
 </file>
 
 <file path=ppt/slides/slide12.xml><?xml version="1.0" encoding="utf-8"?>
-<p:sld xmlns:a="http://schemas.openxmlformats.org/drawingml/2006/main" xmlns:r="http://schemas.openxmlformats.org/officeDocument/2006/relationships" xmlns:p="http://schemas.openxmlformats.org/presentationml/2006/main" show="0">
+<p:sld xmlns:a="http://schemas.openxmlformats.org/drawingml/2006/main" xmlns:r="http://schemas.openxmlformats.org/officeDocument/2006/relationships" xmlns:p="http://schemas.openxmlformats.org/presentationml/2006/main">
   <p:cSld>
     <p:spTree>
       <p:nvGrpSpPr>
@@ -34489,7 +34489,7 @@
 </file>
 
 <file path=ppt/slides/slide9.xml><?xml version="1.0" encoding="utf-8"?>
-<p:sld xmlns:a="http://schemas.openxmlformats.org/drawingml/2006/main" xmlns:r="http://schemas.openxmlformats.org/officeDocument/2006/relationships" xmlns:p="http://schemas.openxmlformats.org/presentationml/2006/main" show="0">
+<p:sld xmlns:a="http://schemas.openxmlformats.org/drawingml/2006/main" xmlns:r="http://schemas.openxmlformats.org/officeDocument/2006/relationships" xmlns:p="http://schemas.openxmlformats.org/presentationml/2006/main">
   <p:cSld>
     <p:spTree>
       <p:nvGrpSpPr>

--- a/DsDotNet/src/UnitTest/UnitTest.Model/ImportOfficeExample/Sample/s.pptx
+++ b/DsDotNet/src/UnitTest/UnitTest.Model/ImportOfficeExample/Sample/s.pptx
@@ -241,7 +241,7 @@
           <a:p>
             <a:fld id="{DD503887-5801-43A0-AEF9-041E8DDC2558}" type="datetimeFigureOut">
               <a:rPr lang="ko-KR" altLang="en-US" smtClean="0"/>
-              <a:t>2023-08-17</a:t>
+              <a:t>2023-08-18</a:t>
             </a:fld>
             <a:endParaRPr lang="ko-KR" altLang="en-US" dirty="0"/>
           </a:p>
@@ -418,7 +418,7 @@
           <a:p>
             <a:fld id="{95336A0E-57B1-4D4C-BD9B-2F72B5943464}" type="datetimeFigureOut">
               <a:rPr lang="ko-KR" altLang="en-US" smtClean="0"/>
-              <a:t>2023-08-17</a:t>
+              <a:t>2023-08-18</a:t>
             </a:fld>
             <a:endParaRPr lang="ko-KR" altLang="en-US" dirty="0"/>
           </a:p>
@@ -916,7 +916,7 @@
           <a:p>
             <a:fld id="{229D12C7-0FF5-4972-A033-474EFFC79F40}" type="datetime1">
               <a:rPr lang="ko-KR" altLang="en-US" smtClean="0"/>
-              <a:t>2023-08-17</a:t>
+              <a:t>2023-08-18</a:t>
             </a:fld>
             <a:endParaRPr lang="ko-KR" altLang="en-US" dirty="0"/>
           </a:p>
@@ -1114,7 +1114,7 @@
           <a:p>
             <a:fld id="{5BA19FD4-B052-4F56-8FD8-EAFD078DEFB0}" type="datetime1">
               <a:rPr lang="ko-KR" altLang="en-US" smtClean="0"/>
-              <a:t>2023-08-17</a:t>
+              <a:t>2023-08-18</a:t>
             </a:fld>
             <a:endParaRPr lang="ko-KR" altLang="en-US" dirty="0"/>
           </a:p>
@@ -1322,7 +1322,7 @@
           <a:p>
             <a:fld id="{024994B9-23A6-4B0A-A038-AC140E83DAA3}" type="datetime1">
               <a:rPr lang="ko-KR" altLang="en-US" smtClean="0"/>
-              <a:t>2023-08-17</a:t>
+              <a:t>2023-08-18</a:t>
             </a:fld>
             <a:endParaRPr lang="ko-KR" altLang="en-US" dirty="0"/>
           </a:p>
@@ -1464,7 +1464,7 @@
           <a:p>
             <a:fld id="{B5B1BBC2-B738-4C35-AEE5-660EB2DEB482}" type="datetime1">
               <a:rPr lang="ko-KR" altLang="en-US" smtClean="0"/>
-              <a:t>2023-08-17</a:t>
+              <a:t>2023-08-18</a:t>
             </a:fld>
             <a:endParaRPr lang="ko-KR" altLang="en-US" dirty="0"/>
           </a:p>
@@ -6131,7 +6131,7 @@
           <a:p>
             <a:fld id="{70D0DAB2-87CB-4028-B965-3AA710ADF2CB}" type="datetime1">
               <a:rPr lang="ko-KR" altLang="en-US" smtClean="0"/>
-              <a:t>2023-08-17</a:t>
+              <a:t>2023-08-18</a:t>
             </a:fld>
             <a:endParaRPr lang="ko-KR" altLang="en-US" dirty="0"/>
           </a:p>
@@ -6406,7 +6406,7 @@
           <a:p>
             <a:fld id="{63FA3D71-FEA8-477F-9D1E-EA860F411BC7}" type="datetime1">
               <a:rPr lang="ko-KR" altLang="en-US" smtClean="0"/>
-              <a:t>2023-08-17</a:t>
+              <a:t>2023-08-18</a:t>
             </a:fld>
             <a:endParaRPr lang="ko-KR" altLang="en-US" dirty="0"/>
           </a:p>
@@ -6671,7 +6671,7 @@
           <a:p>
             <a:fld id="{F58E3EF4-7980-4C97-BA64-EC66995BB574}" type="datetime1">
               <a:rPr lang="ko-KR" altLang="en-US" smtClean="0"/>
-              <a:t>2023-08-17</a:t>
+              <a:t>2023-08-18</a:t>
             </a:fld>
             <a:endParaRPr lang="ko-KR" altLang="en-US" dirty="0"/>
           </a:p>
@@ -7083,7 +7083,7 @@
           <a:p>
             <a:fld id="{FC9BC1D0-7D6B-4634-9D19-644040D74EAE}" type="datetime1">
               <a:rPr lang="ko-KR" altLang="en-US" smtClean="0"/>
-              <a:t>2023-08-17</a:t>
+              <a:t>2023-08-18</a:t>
             </a:fld>
             <a:endParaRPr lang="ko-KR" altLang="en-US" dirty="0"/>
           </a:p>
@@ -7224,7 +7224,7 @@
           <a:p>
             <a:fld id="{B5B1BBC2-B738-4C35-AEE5-660EB2DEB482}" type="datetime1">
               <a:rPr lang="ko-KR" altLang="en-US" smtClean="0"/>
-              <a:t>2023-08-17</a:t>
+              <a:t>2023-08-18</a:t>
             </a:fld>
             <a:endParaRPr lang="ko-KR" altLang="en-US" dirty="0"/>
           </a:p>
@@ -11806,7 +11806,7 @@
           <a:p>
             <a:fld id="{C60E9F93-7E77-4F36-B88C-A425F00C8D91}" type="datetime1">
               <a:rPr lang="ko-KR" altLang="en-US" smtClean="0"/>
-              <a:t>2023-08-17</a:t>
+              <a:t>2023-08-18</a:t>
             </a:fld>
             <a:endParaRPr lang="ko-KR" altLang="en-US" dirty="0"/>
           </a:p>
@@ -12117,7 +12117,7 @@
           <a:p>
             <a:fld id="{36BCCD0E-2A54-4016-BFFC-FEAABCDA6915}" type="datetime1">
               <a:rPr lang="ko-KR" altLang="en-US" smtClean="0"/>
-              <a:t>2023-08-17</a:t>
+              <a:t>2023-08-18</a:t>
             </a:fld>
             <a:endParaRPr lang="ko-KR" altLang="en-US" dirty="0"/>
           </a:p>
@@ -12405,7 +12405,7 @@
           <a:p>
             <a:fld id="{C984B0C4-64BA-4E4C-B5E6-A51EE3F6ED95}" type="datetime1">
               <a:rPr lang="ko-KR" altLang="en-US" smtClean="0"/>
-              <a:t>2023-08-17</a:t>
+              <a:t>2023-08-18</a:t>
             </a:fld>
             <a:endParaRPr lang="ko-KR" altLang="en-US" dirty="0"/>
           </a:p>
@@ -12647,7 +12647,7 @@
           <a:p>
             <a:fld id="{C984B0C4-64BA-4E4C-B5E6-A51EE3F6ED95}" type="datetime1">
               <a:rPr lang="ko-KR" altLang="en-US" smtClean="0"/>
-              <a:t>2023-08-17</a:t>
+              <a:t>2023-08-18</a:t>
             </a:fld>
             <a:endParaRPr lang="ko-KR" altLang="en-US" dirty="0"/>
           </a:p>
@@ -13138,7 +13138,7 @@
 </file>
 
 <file path=ppt/slides/slide10.xml><?xml version="1.0" encoding="utf-8"?>
-<p:sld xmlns:a="http://schemas.openxmlformats.org/drawingml/2006/main" xmlns:r="http://schemas.openxmlformats.org/officeDocument/2006/relationships" xmlns:p="http://schemas.openxmlformats.org/presentationml/2006/main">
+<p:sld xmlns:a="http://schemas.openxmlformats.org/drawingml/2006/main" xmlns:r="http://schemas.openxmlformats.org/officeDocument/2006/relationships" xmlns:p="http://schemas.openxmlformats.org/presentationml/2006/main" show="0">
   <p:cSld>
     <p:spTree>
       <p:nvGrpSpPr>
@@ -14912,7 +14912,7 @@
 </file>
 
 <file path=ppt/slides/slide11.xml><?xml version="1.0" encoding="utf-8"?>
-<p:sld xmlns:a="http://schemas.openxmlformats.org/drawingml/2006/main" xmlns:r="http://schemas.openxmlformats.org/officeDocument/2006/relationships" xmlns:p="http://schemas.openxmlformats.org/presentationml/2006/main">
+<p:sld xmlns:a="http://schemas.openxmlformats.org/drawingml/2006/main" xmlns:r="http://schemas.openxmlformats.org/officeDocument/2006/relationships" xmlns:p="http://schemas.openxmlformats.org/presentationml/2006/main" show="0">
   <p:cSld>
     <p:spTree>
       <p:nvGrpSpPr>
@@ -16686,7 +16686,7 @@
 </file>
 
 <file path=ppt/slides/slide12.xml><?xml version="1.0" encoding="utf-8"?>
-<p:sld xmlns:a="http://schemas.openxmlformats.org/drawingml/2006/main" xmlns:r="http://schemas.openxmlformats.org/officeDocument/2006/relationships" xmlns:p="http://schemas.openxmlformats.org/presentationml/2006/main">
+<p:sld xmlns:a="http://schemas.openxmlformats.org/drawingml/2006/main" xmlns:r="http://schemas.openxmlformats.org/officeDocument/2006/relationships" xmlns:p="http://schemas.openxmlformats.org/presentationml/2006/main" show="0">
   <p:cSld>
     <p:spTree>
       <p:nvGrpSpPr>
@@ -32715,7 +32715,7 @@
 </file>
 
 <file path=ppt/slides/slide8.xml><?xml version="1.0" encoding="utf-8"?>
-<p:sld xmlns:a="http://schemas.openxmlformats.org/drawingml/2006/main" xmlns:r="http://schemas.openxmlformats.org/officeDocument/2006/relationships" xmlns:p="http://schemas.openxmlformats.org/presentationml/2006/main">
+<p:sld xmlns:a="http://schemas.openxmlformats.org/drawingml/2006/main" xmlns:r="http://schemas.openxmlformats.org/officeDocument/2006/relationships" xmlns:p="http://schemas.openxmlformats.org/presentationml/2006/main" show="0">
   <p:cSld>
     <p:spTree>
       <p:nvGrpSpPr>
@@ -34489,7 +34489,7 @@
 </file>
 
 <file path=ppt/slides/slide9.xml><?xml version="1.0" encoding="utf-8"?>
-<p:sld xmlns:a="http://schemas.openxmlformats.org/drawingml/2006/main" xmlns:r="http://schemas.openxmlformats.org/officeDocument/2006/relationships" xmlns:p="http://schemas.openxmlformats.org/presentationml/2006/main">
+<p:sld xmlns:a="http://schemas.openxmlformats.org/drawingml/2006/main" xmlns:r="http://schemas.openxmlformats.org/officeDocument/2006/relationships" xmlns:p="http://schemas.openxmlformats.org/presentationml/2006/main" show="0">
   <p:cSld>
     <p:spTree>
       <p:nvGrpSpPr>

--- a/DsDotNet/src/UnitTest/UnitTest.Model/ImportOfficeExample/Sample/s.pptx
+++ b/DsDotNet/src/UnitTest/UnitTest.Model/ImportOfficeExample/Sample/s.pptx
@@ -32715,7 +32715,7 @@
 </file>
 
 <file path=ppt/slides/slide8.xml><?xml version="1.0" encoding="utf-8"?>
-<p:sld xmlns:a="http://schemas.openxmlformats.org/drawingml/2006/main" xmlns:r="http://schemas.openxmlformats.org/officeDocument/2006/relationships" xmlns:p="http://schemas.openxmlformats.org/presentationml/2006/main" show="0">
+<p:sld xmlns:a="http://schemas.openxmlformats.org/drawingml/2006/main" xmlns:r="http://schemas.openxmlformats.org/officeDocument/2006/relationships" xmlns:p="http://schemas.openxmlformats.org/presentationml/2006/main">
   <p:cSld>
     <p:spTree>
       <p:nvGrpSpPr>

--- a/DsDotNet/src/UnitTest/UnitTest.Model/ImportOfficeExample/Sample/s.pptx
+++ b/DsDotNet/src/UnitTest/UnitTest.Model/ImportOfficeExample/Sample/s.pptx
@@ -18,8 +18,8 @@
     <p:sldId id="721" r:id="rId6"/>
     <p:sldId id="722" r:id="rId7"/>
     <p:sldId id="719" r:id="rId8"/>
-    <p:sldId id="723" r:id="rId9"/>
-    <p:sldId id="724" r:id="rId10"/>
+    <p:sldId id="724" r:id="rId9"/>
+    <p:sldId id="728" r:id="rId10"/>
     <p:sldId id="725" r:id="rId11"/>
     <p:sldId id="726" r:id="rId12"/>
     <p:sldId id="727" r:id="rId13"/>
@@ -241,7 +241,7 @@
           <a:p>
             <a:fld id="{DD503887-5801-43A0-AEF9-041E8DDC2558}" type="datetimeFigureOut">
               <a:rPr lang="ko-KR" altLang="en-US" smtClean="0"/>
-              <a:t>2023-08-18</a:t>
+              <a:t>2023-08-19</a:t>
             </a:fld>
             <a:endParaRPr lang="ko-KR" altLang="en-US" dirty="0"/>
           </a:p>
@@ -418,7 +418,7 @@
           <a:p>
             <a:fld id="{95336A0E-57B1-4D4C-BD9B-2F72B5943464}" type="datetimeFigureOut">
               <a:rPr lang="ko-KR" altLang="en-US" smtClean="0"/>
-              <a:t>2023-08-18</a:t>
+              <a:t>2023-08-19</a:t>
             </a:fld>
             <a:endParaRPr lang="ko-KR" altLang="en-US" dirty="0"/>
           </a:p>
@@ -916,7 +916,7 @@
           <a:p>
             <a:fld id="{229D12C7-0FF5-4972-A033-474EFFC79F40}" type="datetime1">
               <a:rPr lang="ko-KR" altLang="en-US" smtClean="0"/>
-              <a:t>2023-08-18</a:t>
+              <a:t>2023-08-19</a:t>
             </a:fld>
             <a:endParaRPr lang="ko-KR" altLang="en-US" dirty="0"/>
           </a:p>
@@ -1114,7 +1114,7 @@
           <a:p>
             <a:fld id="{5BA19FD4-B052-4F56-8FD8-EAFD078DEFB0}" type="datetime1">
               <a:rPr lang="ko-KR" altLang="en-US" smtClean="0"/>
-              <a:t>2023-08-18</a:t>
+              <a:t>2023-08-19</a:t>
             </a:fld>
             <a:endParaRPr lang="ko-KR" altLang="en-US" dirty="0"/>
           </a:p>
@@ -1322,7 +1322,7 @@
           <a:p>
             <a:fld id="{024994B9-23A6-4B0A-A038-AC140E83DAA3}" type="datetime1">
               <a:rPr lang="ko-KR" altLang="en-US" smtClean="0"/>
-              <a:t>2023-08-18</a:t>
+              <a:t>2023-08-19</a:t>
             </a:fld>
             <a:endParaRPr lang="ko-KR" altLang="en-US" dirty="0"/>
           </a:p>
@@ -1464,7 +1464,7 @@
           <a:p>
             <a:fld id="{B5B1BBC2-B738-4C35-AEE5-660EB2DEB482}" type="datetime1">
               <a:rPr lang="ko-KR" altLang="en-US" smtClean="0"/>
-              <a:t>2023-08-18</a:t>
+              <a:t>2023-08-19</a:t>
             </a:fld>
             <a:endParaRPr lang="ko-KR" altLang="en-US" dirty="0"/>
           </a:p>
@@ -6131,7 +6131,7 @@
           <a:p>
             <a:fld id="{70D0DAB2-87CB-4028-B965-3AA710ADF2CB}" type="datetime1">
               <a:rPr lang="ko-KR" altLang="en-US" smtClean="0"/>
-              <a:t>2023-08-18</a:t>
+              <a:t>2023-08-19</a:t>
             </a:fld>
             <a:endParaRPr lang="ko-KR" altLang="en-US" dirty="0"/>
           </a:p>
@@ -6406,7 +6406,7 @@
           <a:p>
             <a:fld id="{63FA3D71-FEA8-477F-9D1E-EA860F411BC7}" type="datetime1">
               <a:rPr lang="ko-KR" altLang="en-US" smtClean="0"/>
-              <a:t>2023-08-18</a:t>
+              <a:t>2023-08-19</a:t>
             </a:fld>
             <a:endParaRPr lang="ko-KR" altLang="en-US" dirty="0"/>
           </a:p>
@@ -6671,7 +6671,7 @@
           <a:p>
             <a:fld id="{F58E3EF4-7980-4C97-BA64-EC66995BB574}" type="datetime1">
               <a:rPr lang="ko-KR" altLang="en-US" smtClean="0"/>
-              <a:t>2023-08-18</a:t>
+              <a:t>2023-08-19</a:t>
             </a:fld>
             <a:endParaRPr lang="ko-KR" altLang="en-US" dirty="0"/>
           </a:p>
@@ -7083,7 +7083,7 @@
           <a:p>
             <a:fld id="{FC9BC1D0-7D6B-4634-9D19-644040D74EAE}" type="datetime1">
               <a:rPr lang="ko-KR" altLang="en-US" smtClean="0"/>
-              <a:t>2023-08-18</a:t>
+              <a:t>2023-08-19</a:t>
             </a:fld>
             <a:endParaRPr lang="ko-KR" altLang="en-US" dirty="0"/>
           </a:p>
@@ -7224,7 +7224,7 @@
           <a:p>
             <a:fld id="{B5B1BBC2-B738-4C35-AEE5-660EB2DEB482}" type="datetime1">
               <a:rPr lang="ko-KR" altLang="en-US" smtClean="0"/>
-              <a:t>2023-08-18</a:t>
+              <a:t>2023-08-19</a:t>
             </a:fld>
             <a:endParaRPr lang="ko-KR" altLang="en-US" dirty="0"/>
           </a:p>
@@ -11806,7 +11806,7 @@
           <a:p>
             <a:fld id="{C60E9F93-7E77-4F36-B88C-A425F00C8D91}" type="datetime1">
               <a:rPr lang="ko-KR" altLang="en-US" smtClean="0"/>
-              <a:t>2023-08-18</a:t>
+              <a:t>2023-08-19</a:t>
             </a:fld>
             <a:endParaRPr lang="ko-KR" altLang="en-US" dirty="0"/>
           </a:p>
@@ -12117,7 +12117,7 @@
           <a:p>
             <a:fld id="{36BCCD0E-2A54-4016-BFFC-FEAABCDA6915}" type="datetime1">
               <a:rPr lang="ko-KR" altLang="en-US" smtClean="0"/>
-              <a:t>2023-08-18</a:t>
+              <a:t>2023-08-19</a:t>
             </a:fld>
             <a:endParaRPr lang="ko-KR" altLang="en-US" dirty="0"/>
           </a:p>
@@ -12405,7 +12405,7 @@
           <a:p>
             <a:fld id="{C984B0C4-64BA-4E4C-B5E6-A51EE3F6ED95}" type="datetime1">
               <a:rPr lang="ko-KR" altLang="en-US" smtClean="0"/>
-              <a:t>2023-08-18</a:t>
+              <a:t>2023-08-19</a:t>
             </a:fld>
             <a:endParaRPr lang="ko-KR" altLang="en-US" dirty="0"/>
           </a:p>
@@ -12647,7 +12647,7 @@
           <a:p>
             <a:fld id="{C984B0C4-64BA-4E4C-B5E6-A51EE3F6ED95}" type="datetime1">
               <a:rPr lang="ko-KR" altLang="en-US" smtClean="0"/>
-              <a:t>2023-08-18</a:t>
+              <a:t>2023-08-19</a:t>
             </a:fld>
             <a:endParaRPr lang="ko-KR" altLang="en-US" dirty="0"/>
           </a:p>
@@ -13138,7 +13138,7 @@
 </file>
 
 <file path=ppt/slides/slide10.xml><?xml version="1.0" encoding="utf-8"?>
-<p:sld xmlns:a="http://schemas.openxmlformats.org/drawingml/2006/main" xmlns:r="http://schemas.openxmlformats.org/officeDocument/2006/relationships" xmlns:p="http://schemas.openxmlformats.org/presentationml/2006/main" show="0">
+<p:sld xmlns:a="http://schemas.openxmlformats.org/drawingml/2006/main" xmlns:r="http://schemas.openxmlformats.org/officeDocument/2006/relationships" xmlns:p="http://schemas.openxmlformats.org/presentationml/2006/main">
   <p:cSld>
     <p:spTree>
       <p:nvGrpSpPr>
@@ -14912,7 +14912,7 @@
 </file>
 
 <file path=ppt/slides/slide11.xml><?xml version="1.0" encoding="utf-8"?>
-<p:sld xmlns:a="http://schemas.openxmlformats.org/drawingml/2006/main" xmlns:r="http://schemas.openxmlformats.org/officeDocument/2006/relationships" xmlns:p="http://schemas.openxmlformats.org/presentationml/2006/main" show="0">
+<p:sld xmlns:a="http://schemas.openxmlformats.org/drawingml/2006/main" xmlns:r="http://schemas.openxmlformats.org/officeDocument/2006/relationships" xmlns:p="http://schemas.openxmlformats.org/presentationml/2006/main">
   <p:cSld>
     <p:spTree>
       <p:nvGrpSpPr>
@@ -16686,7 +16686,7 @@
 </file>
 
 <file path=ppt/slides/slide12.xml><?xml version="1.0" encoding="utf-8"?>
-<p:sld xmlns:a="http://schemas.openxmlformats.org/drawingml/2006/main" xmlns:r="http://schemas.openxmlformats.org/officeDocument/2006/relationships" xmlns:p="http://schemas.openxmlformats.org/presentationml/2006/main" show="0">
+<p:sld xmlns:a="http://schemas.openxmlformats.org/drawingml/2006/main" xmlns:r="http://schemas.openxmlformats.org/officeDocument/2006/relationships" xmlns:p="http://schemas.openxmlformats.org/presentationml/2006/main">
   <p:cSld>
     <p:spTree>
       <p:nvGrpSpPr>
@@ -31664,7 +31664,7 @@
             <a:pPr algn="ctr"/>
             <a:r>
               <a:rPr lang="en-US" altLang="ko-KR" dirty="0"/>
-              <a:t>[Latch]5</a:t>
+              <a:t>[Latch]</a:t>
             </a:r>
             <a:endParaRPr lang="ko-KR" altLang="en-US" dirty="0"/>
           </a:p>
@@ -32753,1782 +32753,8 @@
           <a:lstStyle/>
           <a:p>
             <a:r>
-              <a:rPr lang="en-US" altLang="ko-KR" dirty="0"/>
+              <a:rPr lang="en-US" altLang="ko-KR"/>
               <a:t>S22</a:t>
-            </a:r>
-            <a:endParaRPr lang="ko-KR" altLang="en-US" dirty="0"/>
-          </a:p>
-        </p:txBody>
-      </p:sp>
-      <p:sp>
-        <p:nvSpPr>
-          <p:cNvPr id="91" name="직사각형 90">
-            <a:extLst>
-              <a:ext uri="{FF2B5EF4-FFF2-40B4-BE49-F238E27FC236}">
-                <a16:creationId xmlns:a16="http://schemas.microsoft.com/office/drawing/2014/main" id="{1902CC42-6799-D372-F372-07BB72F2BF14}"/>
-              </a:ext>
-            </a:extLst>
-          </p:cNvPr>
-          <p:cNvSpPr/>
-          <p:nvPr/>
-        </p:nvSpPr>
-        <p:spPr>
-          <a:xfrm>
-            <a:off x="6087687" y="988960"/>
-            <a:ext cx="847742" cy="495381"/>
-          </a:xfrm>
-          <a:prstGeom prst="rect">
-            <a:avLst/>
-          </a:prstGeom>
-        </p:spPr>
-        <p:style>
-          <a:lnRef idx="2">
-            <a:schemeClr val="accent1">
-              <a:shade val="15000"/>
-            </a:schemeClr>
-          </a:lnRef>
-          <a:fillRef idx="1">
-            <a:schemeClr val="accent1"/>
-          </a:fillRef>
-          <a:effectRef idx="0">
-            <a:schemeClr val="accent1"/>
-          </a:effectRef>
-          <a:fontRef idx="minor">
-            <a:schemeClr val="lt1"/>
-          </a:fontRef>
-        </p:style>
-        <p:txBody>
-          <a:bodyPr rtlCol="0" anchor="ctr"/>
-          <a:lstStyle/>
-          <a:p>
-            <a:pPr algn="ctr"/>
-            <a:r>
-              <a:rPr lang="en-US" altLang="ko-KR" dirty="0"/>
-              <a:t>R3</a:t>
-            </a:r>
-            <a:endParaRPr lang="ko-KR" altLang="en-US" dirty="0"/>
-          </a:p>
-        </p:txBody>
-      </p:sp>
-      <p:cxnSp>
-        <p:nvCxnSpPr>
-          <p:cNvPr id="109" name="직선 화살표 연결선 108">
-            <a:extLst>
-              <a:ext uri="{FF2B5EF4-FFF2-40B4-BE49-F238E27FC236}">
-                <a16:creationId xmlns:a16="http://schemas.microsoft.com/office/drawing/2014/main" id="{962C7EAD-50AB-B451-7AB8-AD60B0C48A7C}"/>
-              </a:ext>
-            </a:extLst>
-          </p:cNvPr>
-          <p:cNvCxnSpPr>
-            <a:cxnSpLocks/>
-            <a:stCxn id="94" idx="3"/>
-            <a:endCxn id="91" idx="1"/>
-          </p:cNvCxnSpPr>
-          <p:nvPr/>
-        </p:nvCxnSpPr>
-        <p:spPr>
-          <a:xfrm flipV="1">
-            <a:off x="5613666" y="1236651"/>
-            <a:ext cx="474021" cy="1458820"/>
-          </a:xfrm>
-          <a:prstGeom prst="straightConnector1">
-            <a:avLst/>
-          </a:prstGeom>
-          <a:ln w="38100">
-            <a:solidFill>
-              <a:srgbClr val="FFC000"/>
-            </a:solidFill>
-            <a:headEnd type="diamond" w="med" len="med"/>
-            <a:tailEnd type="triangle" w="med" len="med"/>
-          </a:ln>
-        </p:spPr>
-        <p:style>
-          <a:lnRef idx="1">
-            <a:schemeClr val="accent6"/>
-          </a:lnRef>
-          <a:fillRef idx="0">
-            <a:schemeClr val="accent6"/>
-          </a:fillRef>
-          <a:effectRef idx="0">
-            <a:schemeClr val="accent6"/>
-          </a:effectRef>
-          <a:fontRef idx="minor">
-            <a:schemeClr val="tx1"/>
-          </a:fontRef>
-        </p:style>
-      </p:cxnSp>
-      <p:cxnSp>
-        <p:nvCxnSpPr>
-          <p:cNvPr id="120" name="직선 화살표 연결선 119">
-            <a:extLst>
-              <a:ext uri="{FF2B5EF4-FFF2-40B4-BE49-F238E27FC236}">
-                <a16:creationId xmlns:a16="http://schemas.microsoft.com/office/drawing/2014/main" id="{D780E1C2-0E12-A5CD-2B49-A959AB42330A}"/>
-              </a:ext>
-            </a:extLst>
-          </p:cNvPr>
-          <p:cNvCxnSpPr>
-            <a:cxnSpLocks/>
-            <a:stCxn id="94" idx="3"/>
-            <a:endCxn id="107" idx="1"/>
-          </p:cNvCxnSpPr>
-          <p:nvPr/>
-        </p:nvCxnSpPr>
-        <p:spPr>
-          <a:xfrm>
-            <a:off x="5613666" y="2695471"/>
-            <a:ext cx="416750" cy="110667"/>
-          </a:xfrm>
-          <a:prstGeom prst="straightConnector1">
-            <a:avLst/>
-          </a:prstGeom>
-          <a:ln w="38100">
-            <a:solidFill>
-              <a:srgbClr val="FFC000"/>
-            </a:solidFill>
-            <a:headEnd type="diamond" w="med" len="med"/>
-            <a:tailEnd type="triangle" w="med" len="med"/>
-          </a:ln>
-        </p:spPr>
-        <p:style>
-          <a:lnRef idx="1">
-            <a:schemeClr val="accent6"/>
-          </a:lnRef>
-          <a:fillRef idx="0">
-            <a:schemeClr val="accent6"/>
-          </a:fillRef>
-          <a:effectRef idx="0">
-            <a:schemeClr val="accent6"/>
-          </a:effectRef>
-          <a:fontRef idx="minor">
-            <a:schemeClr val="tx1"/>
-          </a:fontRef>
-        </p:style>
-      </p:cxnSp>
-      <p:sp>
-        <p:nvSpPr>
-          <p:cNvPr id="13" name="직사각형 12">
-            <a:extLst>
-              <a:ext uri="{FF2B5EF4-FFF2-40B4-BE49-F238E27FC236}">
-                <a16:creationId xmlns:a16="http://schemas.microsoft.com/office/drawing/2014/main" id="{20D4B5AF-E245-475A-47A6-1314F9D73EE8}"/>
-              </a:ext>
-            </a:extLst>
-          </p:cNvPr>
-          <p:cNvSpPr/>
-          <p:nvPr/>
-        </p:nvSpPr>
-        <p:spPr>
-          <a:xfrm>
-            <a:off x="10080018" y="3931852"/>
-            <a:ext cx="847742" cy="495381"/>
-          </a:xfrm>
-          <a:prstGeom prst="rect">
-            <a:avLst/>
-          </a:prstGeom>
-        </p:spPr>
-        <p:style>
-          <a:lnRef idx="2">
-            <a:schemeClr val="accent1">
-              <a:shade val="15000"/>
-            </a:schemeClr>
-          </a:lnRef>
-          <a:fillRef idx="1">
-            <a:schemeClr val="accent1"/>
-          </a:fillRef>
-          <a:effectRef idx="0">
-            <a:schemeClr val="accent1"/>
-          </a:effectRef>
-          <a:fontRef idx="minor">
-            <a:schemeClr val="lt1"/>
-          </a:fontRef>
-        </p:style>
-        <p:txBody>
-          <a:bodyPr rtlCol="0" anchor="ctr"/>
-          <a:lstStyle/>
-          <a:p>
-            <a:pPr algn="ctr"/>
-            <a:r>
-              <a:rPr lang="en-US" altLang="ko-KR" dirty="0"/>
-              <a:t>R6</a:t>
-            </a:r>
-            <a:endParaRPr lang="ko-KR" altLang="en-US" dirty="0"/>
-          </a:p>
-        </p:txBody>
-      </p:sp>
-      <p:sp>
-        <p:nvSpPr>
-          <p:cNvPr id="15" name="직사각형 14">
-            <a:extLst>
-              <a:ext uri="{FF2B5EF4-FFF2-40B4-BE49-F238E27FC236}">
-                <a16:creationId xmlns:a16="http://schemas.microsoft.com/office/drawing/2014/main" id="{60198781-EBB0-10CE-8B2F-9ABD8A632D5C}"/>
-              </a:ext>
-            </a:extLst>
-          </p:cNvPr>
-          <p:cNvSpPr/>
-          <p:nvPr/>
-        </p:nvSpPr>
-        <p:spPr>
-          <a:xfrm>
-            <a:off x="7542218" y="3556057"/>
-            <a:ext cx="847742" cy="495381"/>
-          </a:xfrm>
-          <a:prstGeom prst="rect">
-            <a:avLst/>
-          </a:prstGeom>
-        </p:spPr>
-        <p:style>
-          <a:lnRef idx="2">
-            <a:schemeClr val="accent1">
-              <a:shade val="15000"/>
-            </a:schemeClr>
-          </a:lnRef>
-          <a:fillRef idx="1">
-            <a:schemeClr val="accent1"/>
-          </a:fillRef>
-          <a:effectRef idx="0">
-            <a:schemeClr val="accent1"/>
-          </a:effectRef>
-          <a:fontRef idx="minor">
-            <a:schemeClr val="lt1"/>
-          </a:fontRef>
-        </p:style>
-        <p:txBody>
-          <a:bodyPr rtlCol="0" anchor="ctr"/>
-          <a:lstStyle/>
-          <a:p>
-            <a:pPr algn="ctr"/>
-            <a:r>
-              <a:rPr lang="en-US" altLang="ko-KR" dirty="0"/>
-              <a:t>R5</a:t>
-            </a:r>
-            <a:endParaRPr lang="ko-KR" altLang="en-US" dirty="0"/>
-          </a:p>
-        </p:txBody>
-      </p:sp>
-      <p:cxnSp>
-        <p:nvCxnSpPr>
-          <p:cNvPr id="23" name="연결선: 꺾임 22">
-            <a:extLst>
-              <a:ext uri="{FF2B5EF4-FFF2-40B4-BE49-F238E27FC236}">
-                <a16:creationId xmlns:a16="http://schemas.microsoft.com/office/drawing/2014/main" id="{7784514C-ED5E-0B18-1D1B-F544B46E59B0}"/>
-              </a:ext>
-            </a:extLst>
-          </p:cNvPr>
-          <p:cNvCxnSpPr>
-            <a:cxnSpLocks/>
-            <a:stCxn id="91" idx="3"/>
-            <a:endCxn id="14" idx="1"/>
-          </p:cNvCxnSpPr>
-          <p:nvPr/>
-        </p:nvCxnSpPr>
-        <p:spPr>
-          <a:xfrm flipV="1">
-            <a:off x="6935429" y="1094583"/>
-            <a:ext cx="1269587" cy="142068"/>
-          </a:xfrm>
-          <a:prstGeom prst="bentConnector3">
-            <a:avLst>
-              <a:gd name="adj1" fmla="val 50000"/>
-            </a:avLst>
-          </a:prstGeom>
-          <a:ln w="38100">
-            <a:solidFill>
-              <a:srgbClr val="FFC000"/>
-            </a:solidFill>
-            <a:headEnd type="diamond" w="med" len="med"/>
-            <a:tailEnd type="triangle" w="med" len="med"/>
-          </a:ln>
-        </p:spPr>
-        <p:style>
-          <a:lnRef idx="1">
-            <a:schemeClr val="accent6"/>
-          </a:lnRef>
-          <a:fillRef idx="0">
-            <a:schemeClr val="accent6"/>
-          </a:fillRef>
-          <a:effectRef idx="0">
-            <a:schemeClr val="accent6"/>
-          </a:effectRef>
-          <a:fontRef idx="minor">
-            <a:schemeClr val="tx1"/>
-          </a:fontRef>
-        </p:style>
-      </p:cxnSp>
-      <p:cxnSp>
-        <p:nvCxnSpPr>
-          <p:cNvPr id="32" name="연결선: 꺾임 31">
-            <a:extLst>
-              <a:ext uri="{FF2B5EF4-FFF2-40B4-BE49-F238E27FC236}">
-                <a16:creationId xmlns:a16="http://schemas.microsoft.com/office/drawing/2014/main" id="{55996CE5-7EBC-3246-9029-B8870B968B13}"/>
-              </a:ext>
-            </a:extLst>
-          </p:cNvPr>
-          <p:cNvCxnSpPr>
-            <a:cxnSpLocks/>
-            <a:stCxn id="13" idx="2"/>
-            <a:endCxn id="94" idx="2"/>
-          </p:cNvCxnSpPr>
-          <p:nvPr/>
-        </p:nvCxnSpPr>
-        <p:spPr>
-          <a:xfrm rot="5400000" flipH="1">
-            <a:off x="6601761" y="525106"/>
-            <a:ext cx="272943" cy="7531313"/>
-          </a:xfrm>
-          <a:prstGeom prst="bentConnector3">
-            <a:avLst>
-              <a:gd name="adj1" fmla="val -83754"/>
-            </a:avLst>
-          </a:prstGeom>
-          <a:ln w="38100">
-            <a:solidFill>
-              <a:srgbClr val="FFC000"/>
-            </a:solidFill>
-            <a:headEnd type="diamond" w="med" len="med"/>
-            <a:tailEnd type="triangle" w="med" len="med"/>
-          </a:ln>
-        </p:spPr>
-        <p:style>
-          <a:lnRef idx="1">
-            <a:schemeClr val="accent6"/>
-          </a:lnRef>
-          <a:fillRef idx="0">
-            <a:schemeClr val="accent6"/>
-          </a:fillRef>
-          <a:effectRef idx="0">
-            <a:schemeClr val="accent6"/>
-          </a:effectRef>
-          <a:fontRef idx="minor">
-            <a:schemeClr val="tx1"/>
-          </a:fontRef>
-        </p:style>
-      </p:cxnSp>
-      <p:cxnSp>
-        <p:nvCxnSpPr>
-          <p:cNvPr id="48" name="연결선: 꺾임 47">
-            <a:extLst>
-              <a:ext uri="{FF2B5EF4-FFF2-40B4-BE49-F238E27FC236}">
-                <a16:creationId xmlns:a16="http://schemas.microsoft.com/office/drawing/2014/main" id="{ADAD1270-D18E-4A9B-90EA-E912E63A3DEA}"/>
-              </a:ext>
-            </a:extLst>
-          </p:cNvPr>
-          <p:cNvCxnSpPr>
-            <a:cxnSpLocks/>
-            <a:stCxn id="107" idx="3"/>
-            <a:endCxn id="14" idx="1"/>
-          </p:cNvCxnSpPr>
-          <p:nvPr/>
-        </p:nvCxnSpPr>
-        <p:spPr>
-          <a:xfrm flipV="1">
-            <a:off x="7561849" y="1094583"/>
-            <a:ext cx="643167" cy="1711555"/>
-          </a:xfrm>
-          <a:prstGeom prst="bentConnector3">
-            <a:avLst>
-              <a:gd name="adj1" fmla="val 50000"/>
-            </a:avLst>
-          </a:prstGeom>
-          <a:ln w="38100">
-            <a:solidFill>
-              <a:srgbClr val="FFC000"/>
-            </a:solidFill>
-            <a:headEnd type="diamond" w="med" len="med"/>
-            <a:tailEnd type="triangle" w="med" len="med"/>
-          </a:ln>
-        </p:spPr>
-        <p:style>
-          <a:lnRef idx="1">
-            <a:schemeClr val="accent6"/>
-          </a:lnRef>
-          <a:fillRef idx="0">
-            <a:schemeClr val="accent6"/>
-          </a:fillRef>
-          <a:effectRef idx="0">
-            <a:schemeClr val="accent6"/>
-          </a:effectRef>
-          <a:fontRef idx="minor">
-            <a:schemeClr val="tx1"/>
-          </a:fontRef>
-        </p:style>
-      </p:cxnSp>
-      <p:cxnSp>
-        <p:nvCxnSpPr>
-          <p:cNvPr id="62" name="연결선: 꺾임 61">
-            <a:extLst>
-              <a:ext uri="{FF2B5EF4-FFF2-40B4-BE49-F238E27FC236}">
-                <a16:creationId xmlns:a16="http://schemas.microsoft.com/office/drawing/2014/main" id="{D2BBF1BC-3F9C-FDD1-40CF-9CFE10E49737}"/>
-              </a:ext>
-            </a:extLst>
-          </p:cNvPr>
-          <p:cNvCxnSpPr>
-            <a:cxnSpLocks/>
-            <a:stCxn id="14" idx="2"/>
-            <a:endCxn id="15" idx="0"/>
-          </p:cNvCxnSpPr>
-          <p:nvPr/>
-        </p:nvCxnSpPr>
-        <p:spPr>
-          <a:xfrm rot="5400000">
-            <a:off x="8278945" y="1872242"/>
-            <a:ext cx="1370960" cy="1996671"/>
-          </a:xfrm>
-          <a:prstGeom prst="bentConnector3">
-            <a:avLst>
-              <a:gd name="adj1" fmla="val 50000"/>
-            </a:avLst>
-          </a:prstGeom>
-          <a:ln w="38100">
-            <a:solidFill>
-              <a:srgbClr val="FFC000"/>
-            </a:solidFill>
-            <a:headEnd type="diamond" w="med" len="med"/>
-            <a:tailEnd type="triangle" w="med" len="med"/>
-          </a:ln>
-        </p:spPr>
-        <p:style>
-          <a:lnRef idx="1">
-            <a:schemeClr val="accent6"/>
-          </a:lnRef>
-          <a:fillRef idx="0">
-            <a:schemeClr val="accent6"/>
-          </a:fillRef>
-          <a:effectRef idx="0">
-            <a:schemeClr val="accent6"/>
-          </a:effectRef>
-          <a:fontRef idx="minor">
-            <a:schemeClr val="tx1"/>
-          </a:fontRef>
-        </p:style>
-      </p:cxnSp>
-      <p:cxnSp>
-        <p:nvCxnSpPr>
-          <p:cNvPr id="68" name="연결선: 꺾임 67">
-            <a:extLst>
-              <a:ext uri="{FF2B5EF4-FFF2-40B4-BE49-F238E27FC236}">
-                <a16:creationId xmlns:a16="http://schemas.microsoft.com/office/drawing/2014/main" id="{B956E1CD-20B7-0672-1444-72F5F9EB34F5}"/>
-              </a:ext>
-            </a:extLst>
-          </p:cNvPr>
-          <p:cNvCxnSpPr>
-            <a:cxnSpLocks/>
-            <a:stCxn id="15" idx="2"/>
-            <a:endCxn id="13" idx="1"/>
-          </p:cNvCxnSpPr>
-          <p:nvPr/>
-        </p:nvCxnSpPr>
-        <p:spPr>
-          <a:xfrm rot="16200000" flipH="1">
-            <a:off x="8959001" y="3058525"/>
-            <a:ext cx="128105" cy="2113929"/>
-          </a:xfrm>
-          <a:prstGeom prst="bentConnector2">
-            <a:avLst/>
-          </a:prstGeom>
-          <a:ln w="38100">
-            <a:solidFill>
-              <a:srgbClr val="FFC000"/>
-            </a:solidFill>
-            <a:headEnd type="diamond" w="med" len="med"/>
-            <a:tailEnd type="triangle" w="med" len="med"/>
-          </a:ln>
-        </p:spPr>
-        <p:style>
-          <a:lnRef idx="1">
-            <a:schemeClr val="accent6"/>
-          </a:lnRef>
-          <a:fillRef idx="0">
-            <a:schemeClr val="accent6"/>
-          </a:fillRef>
-          <a:effectRef idx="0">
-            <a:schemeClr val="accent6"/>
-          </a:effectRef>
-          <a:fontRef idx="minor">
-            <a:schemeClr val="tx1"/>
-          </a:fontRef>
-        </p:style>
-      </p:cxnSp>
-      <p:sp>
-        <p:nvSpPr>
-          <p:cNvPr id="79" name="사각형: 모서리가 접힌 도형 78">
-            <a:extLst>
-              <a:ext uri="{FF2B5EF4-FFF2-40B4-BE49-F238E27FC236}">
-                <a16:creationId xmlns:a16="http://schemas.microsoft.com/office/drawing/2014/main" id="{4FFFC34E-AB5C-2EA7-5DA2-90E276198FD1}"/>
-              </a:ext>
-            </a:extLst>
-          </p:cNvPr>
-          <p:cNvSpPr/>
-          <p:nvPr/>
-        </p:nvSpPr>
-        <p:spPr>
-          <a:xfrm>
-            <a:off x="9232276" y="4803028"/>
-            <a:ext cx="2437946" cy="568378"/>
-          </a:xfrm>
-          <a:prstGeom prst="foldedCorner">
-            <a:avLst/>
-          </a:prstGeom>
-          <a:solidFill>
-            <a:schemeClr val="accent3">
-              <a:alpha val="50000"/>
-            </a:schemeClr>
-          </a:solidFill>
-          <a:ln>
-            <a:noFill/>
-          </a:ln>
-        </p:spPr>
-        <p:style>
-          <a:lnRef idx="0">
-            <a:scrgbClr r="0" g="0" b="0"/>
-          </a:lnRef>
-          <a:fillRef idx="0">
-            <a:scrgbClr r="0" g="0" b="0"/>
-          </a:fillRef>
-          <a:effectRef idx="0">
-            <a:scrgbClr r="0" g="0" b="0"/>
-          </a:effectRef>
-          <a:fontRef idx="minor">
-            <a:schemeClr val="lt1"/>
-          </a:fontRef>
-        </p:style>
-        <p:txBody>
-          <a:bodyPr rtlCol="0" anchor="ctr"/>
-          <a:lstStyle/>
-          <a:p>
-            <a:pPr algn="ctr"/>
-            <a:r>
-              <a:rPr lang="en-US" altLang="ko-KR" dirty="0"/>
-              <a:t>lib/Cylinder/Double </a:t>
-            </a:r>
-          </a:p>
-          <a:p>
-            <a:pPr algn="ctr"/>
-            <a:r>
-              <a:rPr lang="en-US" altLang="ko-KR" dirty="0"/>
-              <a:t>[</a:t>
-            </a:r>
-            <a:r>
-              <a:rPr lang="en-US" altLang="ko-KR" dirty="0" err="1"/>
-              <a:t>PinB</a:t>
-            </a:r>
-            <a:r>
-              <a:rPr lang="en-US" altLang="ko-KR" dirty="0"/>
-              <a:t>]</a:t>
-            </a:r>
-            <a:endParaRPr lang="ko-KR" altLang="en-US" dirty="0"/>
-          </a:p>
-        </p:txBody>
-      </p:sp>
-      <p:sp>
-        <p:nvSpPr>
-          <p:cNvPr id="7" name="사각형: 모서리가 접힌 도형 6">
-            <a:extLst>
-              <a:ext uri="{FF2B5EF4-FFF2-40B4-BE49-F238E27FC236}">
-                <a16:creationId xmlns:a16="http://schemas.microsoft.com/office/drawing/2014/main" id="{714117EE-2573-5F95-0ABC-EE82E082580E}"/>
-              </a:ext>
-            </a:extLst>
-          </p:cNvPr>
-          <p:cNvSpPr/>
-          <p:nvPr/>
-        </p:nvSpPr>
-        <p:spPr>
-          <a:xfrm>
-            <a:off x="9232276" y="5531195"/>
-            <a:ext cx="2437946" cy="568378"/>
-          </a:xfrm>
-          <a:prstGeom prst="foldedCorner">
-            <a:avLst/>
-          </a:prstGeom>
-          <a:solidFill>
-            <a:schemeClr val="accent3">
-              <a:alpha val="50000"/>
-            </a:schemeClr>
-          </a:solidFill>
-          <a:ln>
-            <a:noFill/>
-          </a:ln>
-        </p:spPr>
-        <p:style>
-          <a:lnRef idx="0">
-            <a:scrgbClr r="0" g="0" b="0"/>
-          </a:lnRef>
-          <a:fillRef idx="0">
-            <a:scrgbClr r="0" g="0" b="0"/>
-          </a:fillRef>
-          <a:effectRef idx="0">
-            <a:scrgbClr r="0" g="0" b="0"/>
-          </a:effectRef>
-          <a:fontRef idx="minor">
-            <a:schemeClr val="lt1"/>
-          </a:fontRef>
-        </p:style>
-        <p:txBody>
-          <a:bodyPr rtlCol="0" anchor="ctr"/>
-          <a:lstStyle/>
-          <a:p>
-            <a:pPr algn="ctr"/>
-            <a:r>
-              <a:rPr lang="en-US" altLang="ko-KR" dirty="0"/>
-              <a:t>lib/Cylinder/Double </a:t>
-            </a:r>
-          </a:p>
-          <a:p>
-            <a:pPr algn="ctr"/>
-            <a:r>
-              <a:rPr lang="en-US" altLang="ko-KR" dirty="0"/>
-              <a:t>[Clamp]2</a:t>
-            </a:r>
-            <a:endParaRPr lang="ko-KR" altLang="en-US" dirty="0"/>
-          </a:p>
-        </p:txBody>
-      </p:sp>
-      <p:sp>
-        <p:nvSpPr>
-          <p:cNvPr id="17" name="사각형: 모서리가 접힌 도형 16">
-            <a:extLst>
-              <a:ext uri="{FF2B5EF4-FFF2-40B4-BE49-F238E27FC236}">
-                <a16:creationId xmlns:a16="http://schemas.microsoft.com/office/drawing/2014/main" id="{E1CA3431-7566-D83F-3452-2359472A35A2}"/>
-              </a:ext>
-            </a:extLst>
-          </p:cNvPr>
-          <p:cNvSpPr/>
-          <p:nvPr/>
-        </p:nvSpPr>
-        <p:spPr>
-          <a:xfrm>
-            <a:off x="9232276" y="6259363"/>
-            <a:ext cx="2437946" cy="568378"/>
-          </a:xfrm>
-          <a:prstGeom prst="foldedCorner">
-            <a:avLst/>
-          </a:prstGeom>
-          <a:solidFill>
-            <a:schemeClr val="accent3">
-              <a:alpha val="50000"/>
-            </a:schemeClr>
-          </a:solidFill>
-          <a:ln>
-            <a:noFill/>
-          </a:ln>
-        </p:spPr>
-        <p:style>
-          <a:lnRef idx="0">
-            <a:scrgbClr r="0" g="0" b="0"/>
-          </a:lnRef>
-          <a:fillRef idx="0">
-            <a:scrgbClr r="0" g="0" b="0"/>
-          </a:fillRef>
-          <a:effectRef idx="0">
-            <a:scrgbClr r="0" g="0" b="0"/>
-          </a:effectRef>
-          <a:fontRef idx="minor">
-            <a:schemeClr val="lt1"/>
-          </a:fontRef>
-        </p:style>
-        <p:txBody>
-          <a:bodyPr rtlCol="0" anchor="ctr"/>
-          <a:lstStyle/>
-          <a:p>
-            <a:pPr algn="ctr"/>
-            <a:r>
-              <a:rPr lang="en-US" altLang="ko-KR" dirty="0"/>
-              <a:t>lib/Cylinder/Double </a:t>
-            </a:r>
-          </a:p>
-          <a:p>
-            <a:pPr algn="ctr"/>
-            <a:r>
-              <a:rPr lang="en-US" altLang="ko-KR" dirty="0"/>
-              <a:t>[Latch]5</a:t>
-            </a:r>
-            <a:endParaRPr lang="ko-KR" altLang="en-US" dirty="0"/>
-          </a:p>
-        </p:txBody>
-      </p:sp>
-      <p:grpSp>
-        <p:nvGrpSpPr>
-          <p:cNvPr id="55" name="그룹 54">
-            <a:extLst>
-              <a:ext uri="{FF2B5EF4-FFF2-40B4-BE49-F238E27FC236}">
-                <a16:creationId xmlns:a16="http://schemas.microsoft.com/office/drawing/2014/main" id="{8EE34B0D-22C8-066B-F07B-3C16D4B975E4}"/>
-              </a:ext>
-            </a:extLst>
-          </p:cNvPr>
-          <p:cNvGrpSpPr/>
-          <p:nvPr/>
-        </p:nvGrpSpPr>
-        <p:grpSpPr>
-          <a:xfrm>
-            <a:off x="8205016" y="4069"/>
-            <a:ext cx="3515488" cy="2181028"/>
-            <a:chOff x="8205016" y="4069"/>
-            <a:chExt cx="3515488" cy="2181028"/>
-          </a:xfrm>
-        </p:grpSpPr>
-        <p:sp>
-          <p:nvSpPr>
-            <p:cNvPr id="14" name="직사각형 13">
-              <a:extLst>
-                <a:ext uri="{FF2B5EF4-FFF2-40B4-BE49-F238E27FC236}">
-                  <a16:creationId xmlns:a16="http://schemas.microsoft.com/office/drawing/2014/main" id="{7F0FAA92-96A9-A5D3-0A1E-4545883E9E65}"/>
-                </a:ext>
-              </a:extLst>
-            </p:cNvPr>
-            <p:cNvSpPr/>
-            <p:nvPr/>
-          </p:nvSpPr>
-          <p:spPr>
-            <a:xfrm>
-              <a:off x="8205016" y="4069"/>
-              <a:ext cx="3515488" cy="2181028"/>
-            </a:xfrm>
-            <a:prstGeom prst="rect">
-              <a:avLst/>
-            </a:prstGeom>
-          </p:spPr>
-          <p:style>
-            <a:lnRef idx="2">
-              <a:schemeClr val="accent1">
-                <a:shade val="15000"/>
-              </a:schemeClr>
-            </a:lnRef>
-            <a:fillRef idx="1">
-              <a:schemeClr val="accent1"/>
-            </a:fillRef>
-            <a:effectRef idx="0">
-              <a:schemeClr val="accent1"/>
-            </a:effectRef>
-            <a:fontRef idx="minor">
-              <a:schemeClr val="lt1"/>
-            </a:fontRef>
-          </p:style>
-          <p:txBody>
-            <a:bodyPr rtlCol="0" anchor="ctr"/>
-            <a:lstStyle/>
-            <a:p>
-              <a:pPr algn="ctr"/>
-              <a:r>
-                <a:rPr lang="en-US" altLang="ko-KR" dirty="0"/>
-                <a:t>R4</a:t>
-              </a:r>
-              <a:endParaRPr lang="ko-KR" altLang="en-US" dirty="0"/>
-            </a:p>
-          </p:txBody>
-        </p:sp>
-        <p:sp>
-          <p:nvSpPr>
-            <p:cNvPr id="3" name="타원 2">
-              <a:extLst>
-                <a:ext uri="{FF2B5EF4-FFF2-40B4-BE49-F238E27FC236}">
-                  <a16:creationId xmlns:a16="http://schemas.microsoft.com/office/drawing/2014/main" id="{40045D59-AC9F-C1A5-B4B3-519490FD2B7A}"/>
-                </a:ext>
-              </a:extLst>
-            </p:cNvPr>
-            <p:cNvSpPr/>
-            <p:nvPr/>
-          </p:nvSpPr>
-          <p:spPr>
-            <a:xfrm>
-              <a:off x="8282021" y="407432"/>
-              <a:ext cx="758778" cy="499161"/>
-            </a:xfrm>
-            <a:prstGeom prst="ellipse">
-              <a:avLst/>
-            </a:prstGeom>
-            <a:solidFill>
-              <a:schemeClr val="accent4">
-                <a:alpha val="50000"/>
-              </a:schemeClr>
-            </a:solidFill>
-            <a:ln>
-              <a:noFill/>
-            </a:ln>
-          </p:spPr>
-          <p:style>
-            <a:lnRef idx="0">
-              <a:scrgbClr r="0" g="0" b="0"/>
-            </a:lnRef>
-            <a:fillRef idx="0">
-              <a:scrgbClr r="0" g="0" b="0"/>
-            </a:fillRef>
-            <a:effectRef idx="0">
-              <a:scrgbClr r="0" g="0" b="0"/>
-            </a:effectRef>
-            <a:fontRef idx="minor">
-              <a:schemeClr val="lt1"/>
-            </a:fontRef>
-          </p:style>
-          <p:txBody>
-            <a:bodyPr rtlCol="0" anchor="ctr"/>
-            <a:lstStyle/>
-            <a:p>
-              <a:pPr algn="ctr"/>
-              <a:r>
-                <a:rPr lang="en-US" altLang="ko-KR" sz="1050" dirty="0"/>
-                <a:t>Latch $ADV</a:t>
-              </a:r>
-              <a:endParaRPr lang="ko-KR" altLang="en-US" sz="1050" dirty="0"/>
-            </a:p>
-          </p:txBody>
-        </p:sp>
-        <p:sp>
-          <p:nvSpPr>
-            <p:cNvPr id="4" name="타원 3">
-              <a:extLst>
-                <a:ext uri="{FF2B5EF4-FFF2-40B4-BE49-F238E27FC236}">
-                  <a16:creationId xmlns:a16="http://schemas.microsoft.com/office/drawing/2014/main" id="{8DEA1278-35F2-757D-3B7E-B8F3D3BA7CA2}"/>
-                </a:ext>
-              </a:extLst>
-            </p:cNvPr>
-            <p:cNvSpPr/>
-            <p:nvPr/>
-          </p:nvSpPr>
-          <p:spPr>
-            <a:xfrm>
-              <a:off x="9321240" y="1583036"/>
-              <a:ext cx="758778" cy="499161"/>
-            </a:xfrm>
-            <a:prstGeom prst="ellipse">
-              <a:avLst/>
-            </a:prstGeom>
-            <a:solidFill>
-              <a:schemeClr val="accent4">
-                <a:alpha val="50000"/>
-              </a:schemeClr>
-            </a:solidFill>
-            <a:ln>
-              <a:noFill/>
-            </a:ln>
-          </p:spPr>
-          <p:style>
-            <a:lnRef idx="0">
-              <a:scrgbClr r="0" g="0" b="0"/>
-            </a:lnRef>
-            <a:fillRef idx="0">
-              <a:scrgbClr r="0" g="0" b="0"/>
-            </a:fillRef>
-            <a:effectRef idx="0">
-              <a:scrgbClr r="0" g="0" b="0"/>
-            </a:effectRef>
-            <a:fontRef idx="minor">
-              <a:schemeClr val="lt1"/>
-            </a:fontRef>
-          </p:style>
-          <p:txBody>
-            <a:bodyPr rtlCol="0" anchor="ctr"/>
-            <a:lstStyle/>
-            <a:p>
-              <a:pPr algn="ctr"/>
-              <a:r>
-                <a:rPr lang="en-US" altLang="ko-KR" sz="1050" dirty="0"/>
-                <a:t>Latch $RET</a:t>
-              </a:r>
-              <a:endParaRPr lang="ko-KR" altLang="en-US" sz="1050" dirty="0"/>
-            </a:p>
-          </p:txBody>
-        </p:sp>
-        <p:cxnSp>
-          <p:nvCxnSpPr>
-            <p:cNvPr id="5" name="연결선: 꺾임 4">
-              <a:extLst>
-                <a:ext uri="{FF2B5EF4-FFF2-40B4-BE49-F238E27FC236}">
-                  <a16:creationId xmlns:a16="http://schemas.microsoft.com/office/drawing/2014/main" id="{027F9686-3E3D-8C25-BCE0-DFEA98B13F0F}"/>
-                </a:ext>
-              </a:extLst>
-            </p:cNvPr>
-            <p:cNvCxnSpPr>
-              <a:cxnSpLocks/>
-              <a:stCxn id="3" idx="5"/>
-              <a:endCxn id="4" idx="1"/>
-            </p:cNvCxnSpPr>
-            <p:nvPr/>
-          </p:nvCxnSpPr>
-          <p:spPr>
-            <a:xfrm rot="16200000" flipH="1">
-              <a:off x="8769698" y="993472"/>
-              <a:ext cx="822643" cy="502682"/>
-            </a:xfrm>
-            <a:prstGeom prst="bentConnector3">
-              <a:avLst/>
-            </a:prstGeom>
-            <a:ln>
-              <a:tailEnd type="triangle"/>
-            </a:ln>
-          </p:spPr>
-          <p:style>
-            <a:lnRef idx="1">
-              <a:schemeClr val="accent4"/>
-            </a:lnRef>
-            <a:fillRef idx="0">
-              <a:schemeClr val="accent4"/>
-            </a:fillRef>
-            <a:effectRef idx="0">
-              <a:schemeClr val="accent4"/>
-            </a:effectRef>
-            <a:fontRef idx="minor">
-              <a:schemeClr val="tx1"/>
-            </a:fontRef>
-          </p:style>
-        </p:cxnSp>
-      </p:grpSp>
-      <p:grpSp>
-        <p:nvGrpSpPr>
-          <p:cNvPr id="33" name="그룹 32">
-            <a:extLst>
-              <a:ext uri="{FF2B5EF4-FFF2-40B4-BE49-F238E27FC236}">
-                <a16:creationId xmlns:a16="http://schemas.microsoft.com/office/drawing/2014/main" id="{6BFA305D-2D6E-C23C-D8C8-884D81F2F964}"/>
-              </a:ext>
-            </a:extLst>
-          </p:cNvPr>
-          <p:cNvGrpSpPr/>
-          <p:nvPr/>
-        </p:nvGrpSpPr>
-        <p:grpSpPr>
-          <a:xfrm>
-            <a:off x="6030416" y="2262565"/>
-            <a:ext cx="1601397" cy="1087145"/>
-            <a:chOff x="6037762" y="2062362"/>
-            <a:chExt cx="1601397" cy="1087145"/>
-          </a:xfrm>
-        </p:grpSpPr>
-        <p:sp>
-          <p:nvSpPr>
-            <p:cNvPr id="107" name="직사각형 106">
-              <a:extLst>
-                <a:ext uri="{FF2B5EF4-FFF2-40B4-BE49-F238E27FC236}">
-                  <a16:creationId xmlns:a16="http://schemas.microsoft.com/office/drawing/2014/main" id="{915BD835-DF4D-92B2-20EE-E079F839EBBE}"/>
-                </a:ext>
-              </a:extLst>
-            </p:cNvPr>
-            <p:cNvSpPr/>
-            <p:nvPr/>
-          </p:nvSpPr>
-          <p:spPr>
-            <a:xfrm>
-              <a:off x="6037762" y="2062362"/>
-              <a:ext cx="1531433" cy="1087145"/>
-            </a:xfrm>
-            <a:prstGeom prst="rect">
-              <a:avLst/>
-            </a:prstGeom>
-          </p:spPr>
-          <p:style>
-            <a:lnRef idx="2">
-              <a:schemeClr val="accent1">
-                <a:shade val="15000"/>
-              </a:schemeClr>
-            </a:lnRef>
-            <a:fillRef idx="1">
-              <a:schemeClr val="accent1"/>
-            </a:fillRef>
-            <a:effectRef idx="0">
-              <a:schemeClr val="accent1"/>
-            </a:effectRef>
-            <a:fontRef idx="minor">
-              <a:schemeClr val="lt1"/>
-            </a:fontRef>
-          </p:style>
-          <p:txBody>
-            <a:bodyPr rtlCol="0" anchor="ctr"/>
-            <a:lstStyle/>
-            <a:p>
-              <a:pPr algn="ctr"/>
-              <a:r>
-                <a:rPr lang="en-US" altLang="ko-KR" dirty="0"/>
-                <a:t>R2</a:t>
-              </a:r>
-              <a:endParaRPr lang="ko-KR" altLang="en-US" dirty="0"/>
-            </a:p>
-          </p:txBody>
-        </p:sp>
-        <p:sp>
-          <p:nvSpPr>
-            <p:cNvPr id="26" name="타원 25">
-              <a:extLst>
-                <a:ext uri="{FF2B5EF4-FFF2-40B4-BE49-F238E27FC236}">
-                  <a16:creationId xmlns:a16="http://schemas.microsoft.com/office/drawing/2014/main" id="{ABEE2C8E-BA8C-2B76-DD09-42AF1BB5187D}"/>
-                </a:ext>
-              </a:extLst>
-            </p:cNvPr>
-            <p:cNvSpPr/>
-            <p:nvPr/>
-          </p:nvSpPr>
-          <p:spPr>
-            <a:xfrm>
-              <a:off x="6069663" y="2124211"/>
-              <a:ext cx="758778" cy="499161"/>
-            </a:xfrm>
-            <a:prstGeom prst="ellipse">
-              <a:avLst/>
-            </a:prstGeom>
-            <a:solidFill>
-              <a:schemeClr val="accent4">
-                <a:alpha val="50000"/>
-              </a:schemeClr>
-            </a:solidFill>
-            <a:ln>
-              <a:noFill/>
-            </a:ln>
-          </p:spPr>
-          <p:style>
-            <a:lnRef idx="0">
-              <a:scrgbClr r="0" g="0" b="0"/>
-            </a:lnRef>
-            <a:fillRef idx="0">
-              <a:scrgbClr r="0" g="0" b="0"/>
-            </a:fillRef>
-            <a:effectRef idx="0">
-              <a:scrgbClr r="0" g="0" b="0"/>
-            </a:effectRef>
-            <a:fontRef idx="minor">
-              <a:schemeClr val="lt1"/>
-            </a:fontRef>
-          </p:style>
-          <p:txBody>
-            <a:bodyPr rtlCol="0" anchor="ctr"/>
-            <a:lstStyle/>
-            <a:p>
-              <a:pPr algn="ctr"/>
-              <a:r>
-                <a:rPr lang="en-US" altLang="ko-KR" sz="1050" dirty="0"/>
-                <a:t>Clamp $ADV</a:t>
-              </a:r>
-              <a:endParaRPr lang="ko-KR" altLang="en-US" sz="1050" dirty="0"/>
-            </a:p>
-          </p:txBody>
-        </p:sp>
-        <p:sp>
-          <p:nvSpPr>
-            <p:cNvPr id="28" name="타원 27">
-              <a:extLst>
-                <a:ext uri="{FF2B5EF4-FFF2-40B4-BE49-F238E27FC236}">
-                  <a16:creationId xmlns:a16="http://schemas.microsoft.com/office/drawing/2014/main" id="{D4DAA7DC-6192-4D1B-35A5-F5D032D07073}"/>
-                </a:ext>
-              </a:extLst>
-            </p:cNvPr>
-            <p:cNvSpPr/>
-            <p:nvPr/>
-          </p:nvSpPr>
-          <p:spPr>
-            <a:xfrm>
-              <a:off x="6880381" y="2575343"/>
-              <a:ext cx="758778" cy="499161"/>
-            </a:xfrm>
-            <a:prstGeom prst="ellipse">
-              <a:avLst/>
-            </a:prstGeom>
-            <a:solidFill>
-              <a:schemeClr val="accent4">
-                <a:alpha val="50000"/>
-              </a:schemeClr>
-            </a:solidFill>
-            <a:ln>
-              <a:noFill/>
-            </a:ln>
-          </p:spPr>
-          <p:style>
-            <a:lnRef idx="0">
-              <a:scrgbClr r="0" g="0" b="0"/>
-            </a:lnRef>
-            <a:fillRef idx="0">
-              <a:scrgbClr r="0" g="0" b="0"/>
-            </a:fillRef>
-            <a:effectRef idx="0">
-              <a:scrgbClr r="0" g="0" b="0"/>
-            </a:effectRef>
-            <a:fontRef idx="minor">
-              <a:schemeClr val="lt1"/>
-            </a:fontRef>
-          </p:style>
-          <p:txBody>
-            <a:bodyPr rtlCol="0" anchor="ctr"/>
-            <a:lstStyle/>
-            <a:p>
-              <a:pPr algn="ctr"/>
-              <a:r>
-                <a:rPr lang="en-US" altLang="ko-KR" sz="1050" dirty="0"/>
-                <a:t>Clamp $RET</a:t>
-              </a:r>
-              <a:endParaRPr lang="ko-KR" altLang="en-US" sz="1050" dirty="0"/>
-            </a:p>
-          </p:txBody>
-        </p:sp>
-        <p:cxnSp>
-          <p:nvCxnSpPr>
-            <p:cNvPr id="29" name="연결선: 꺾임 28">
-              <a:extLst>
-                <a:ext uri="{FF2B5EF4-FFF2-40B4-BE49-F238E27FC236}">
-                  <a16:creationId xmlns:a16="http://schemas.microsoft.com/office/drawing/2014/main" id="{2C7C2411-0A06-CFA6-9C89-8E6C7FB3F216}"/>
-                </a:ext>
-              </a:extLst>
-            </p:cNvPr>
-            <p:cNvCxnSpPr>
-              <a:cxnSpLocks/>
-              <a:stCxn id="26" idx="4"/>
-              <a:endCxn id="28" idx="3"/>
-            </p:cNvCxnSpPr>
-            <p:nvPr/>
-          </p:nvCxnSpPr>
-          <p:spPr>
-            <a:xfrm rot="16200000" flipH="1">
-              <a:off x="6531260" y="2541163"/>
-              <a:ext cx="378032" cy="542449"/>
-            </a:xfrm>
-            <a:prstGeom prst="bentConnector3">
-              <a:avLst>
-                <a:gd name="adj1" fmla="val 179808"/>
-              </a:avLst>
-            </a:prstGeom>
-            <a:ln>
-              <a:tailEnd type="triangle"/>
-            </a:ln>
-          </p:spPr>
-          <p:style>
-            <a:lnRef idx="1">
-              <a:schemeClr val="accent4"/>
-            </a:lnRef>
-            <a:fillRef idx="0">
-              <a:schemeClr val="accent4"/>
-            </a:fillRef>
-            <a:effectRef idx="0">
-              <a:schemeClr val="accent4"/>
-            </a:effectRef>
-            <a:fontRef idx="minor">
-              <a:schemeClr val="tx1"/>
-            </a:fontRef>
-          </p:style>
-        </p:cxnSp>
-      </p:grpSp>
-      <p:sp>
-        <p:nvSpPr>
-          <p:cNvPr id="34" name="사각형: 모서리가 접힌 도형 33">
-            <a:extLst>
-              <a:ext uri="{FF2B5EF4-FFF2-40B4-BE49-F238E27FC236}">
-                <a16:creationId xmlns:a16="http://schemas.microsoft.com/office/drawing/2014/main" id="{C3D2AFE5-0603-1136-2006-76B1E50AD071}"/>
-              </a:ext>
-            </a:extLst>
-          </p:cNvPr>
-          <p:cNvSpPr/>
-          <p:nvPr/>
-        </p:nvSpPr>
-        <p:spPr>
-          <a:xfrm>
-            <a:off x="6677415" y="4803028"/>
-            <a:ext cx="2437946" cy="568378"/>
-          </a:xfrm>
-          <a:prstGeom prst="foldedCorner">
-            <a:avLst/>
-          </a:prstGeom>
-          <a:solidFill>
-            <a:schemeClr val="accent3">
-              <a:alpha val="50000"/>
-            </a:schemeClr>
-          </a:solidFill>
-          <a:ln>
-            <a:noFill/>
-          </a:ln>
-        </p:spPr>
-        <p:style>
-          <a:lnRef idx="0">
-            <a:scrgbClr r="0" g="0" b="0"/>
-          </a:lnRef>
-          <a:fillRef idx="0">
-            <a:scrgbClr r="0" g="0" b="0"/>
-          </a:fillRef>
-          <a:effectRef idx="0">
-            <a:scrgbClr r="0" g="0" b="0"/>
-          </a:effectRef>
-          <a:fontRef idx="minor">
-            <a:schemeClr val="lt1"/>
-          </a:fontRef>
-        </p:style>
-        <p:txBody>
-          <a:bodyPr rtlCol="0" anchor="ctr"/>
-          <a:lstStyle/>
-          <a:p>
-            <a:pPr algn="ctr"/>
-            <a:r>
-              <a:rPr lang="en-US" altLang="ko-KR" dirty="0"/>
-              <a:t>lib/Cylinder/Double </a:t>
-            </a:r>
-          </a:p>
-          <a:p>
-            <a:pPr algn="ctr"/>
-            <a:r>
-              <a:rPr lang="en-US" altLang="ko-KR" dirty="0"/>
-              <a:t>[</a:t>
-            </a:r>
-            <a:r>
-              <a:rPr lang="en-US" altLang="ko-KR" dirty="0" err="1"/>
-              <a:t>PinA</a:t>
-            </a:r>
-            <a:r>
-              <a:rPr lang="en-US" altLang="ko-KR" dirty="0"/>
-              <a:t>]</a:t>
-            </a:r>
-            <a:endParaRPr lang="ko-KR" altLang="en-US" dirty="0"/>
-          </a:p>
-        </p:txBody>
-      </p:sp>
-      <p:grpSp>
-        <p:nvGrpSpPr>
-          <p:cNvPr id="44" name="그룹 43">
-            <a:extLst>
-              <a:ext uri="{FF2B5EF4-FFF2-40B4-BE49-F238E27FC236}">
-                <a16:creationId xmlns:a16="http://schemas.microsoft.com/office/drawing/2014/main" id="{E2B50E5B-2B39-4E96-458F-85B96ABBB3B4}"/>
-              </a:ext>
-            </a:extLst>
-          </p:cNvPr>
-          <p:cNvGrpSpPr/>
-          <p:nvPr/>
-        </p:nvGrpSpPr>
-        <p:grpSpPr>
-          <a:xfrm>
-            <a:off x="331486" y="1236651"/>
-            <a:ext cx="5282180" cy="2917639"/>
-            <a:chOff x="331486" y="1236651"/>
-            <a:chExt cx="5282180" cy="2917639"/>
-          </a:xfrm>
-        </p:grpSpPr>
-        <p:grpSp>
-          <p:nvGrpSpPr>
-            <p:cNvPr id="16" name="그룹 15">
-              <a:extLst>
-                <a:ext uri="{FF2B5EF4-FFF2-40B4-BE49-F238E27FC236}">
-                  <a16:creationId xmlns:a16="http://schemas.microsoft.com/office/drawing/2014/main" id="{90FC8CF1-2B85-11A3-58EB-E351DAA6A162}"/>
-                </a:ext>
-              </a:extLst>
-            </p:cNvPr>
-            <p:cNvGrpSpPr/>
-            <p:nvPr/>
-          </p:nvGrpSpPr>
-          <p:grpSpPr>
-            <a:xfrm>
-              <a:off x="331486" y="1236651"/>
-              <a:ext cx="5282180" cy="2917639"/>
-              <a:chOff x="356674" y="1216886"/>
-              <a:chExt cx="5282180" cy="2917639"/>
-            </a:xfrm>
-          </p:grpSpPr>
-          <p:sp>
-            <p:nvSpPr>
-              <p:cNvPr id="94" name="직사각형 93">
-                <a:extLst>
-                  <a:ext uri="{FF2B5EF4-FFF2-40B4-BE49-F238E27FC236}">
-                    <a16:creationId xmlns:a16="http://schemas.microsoft.com/office/drawing/2014/main" id="{50002DFC-06DB-5F32-EB21-2D6DF916CB2E}"/>
-                  </a:ext>
-                </a:extLst>
-              </p:cNvPr>
-              <p:cNvSpPr/>
-              <p:nvPr/>
-            </p:nvSpPr>
-            <p:spPr>
-              <a:xfrm>
-                <a:off x="356674" y="1216886"/>
-                <a:ext cx="5282180" cy="2917639"/>
-              </a:xfrm>
-              <a:prstGeom prst="rect">
-                <a:avLst/>
-              </a:prstGeom>
-            </p:spPr>
-            <p:style>
-              <a:lnRef idx="2">
-                <a:schemeClr val="accent1">
-                  <a:shade val="15000"/>
-                </a:schemeClr>
-              </a:lnRef>
-              <a:fillRef idx="1">
-                <a:schemeClr val="accent1"/>
-              </a:fillRef>
-              <a:effectRef idx="0">
-                <a:schemeClr val="accent1"/>
-              </a:effectRef>
-              <a:fontRef idx="minor">
-                <a:schemeClr val="lt1"/>
-              </a:fontRef>
-            </p:style>
-            <p:txBody>
-              <a:bodyPr rtlCol="0" anchor="ctr"/>
-              <a:lstStyle/>
-              <a:p>
-                <a:pPr algn="ctr"/>
-                <a:r>
-                  <a:rPr lang="en-US" altLang="ko-KR" dirty="0"/>
-                  <a:t>R1</a:t>
-                </a:r>
-                <a:endParaRPr lang="ko-KR" altLang="en-US" dirty="0"/>
-              </a:p>
-            </p:txBody>
-          </p:sp>
-          <p:sp>
-            <p:nvSpPr>
-              <p:cNvPr id="10" name="타원 9">
-                <a:extLst>
-                  <a:ext uri="{FF2B5EF4-FFF2-40B4-BE49-F238E27FC236}">
-                    <a16:creationId xmlns:a16="http://schemas.microsoft.com/office/drawing/2014/main" id="{FCDAA94B-9830-4764-06B1-1D60DCB829DC}"/>
-                  </a:ext>
-                </a:extLst>
-              </p:cNvPr>
-              <p:cNvSpPr/>
-              <p:nvPr/>
-            </p:nvSpPr>
-            <p:spPr>
-              <a:xfrm>
-                <a:off x="859603" y="1881292"/>
-                <a:ext cx="758778" cy="499161"/>
-              </a:xfrm>
-              <a:prstGeom prst="ellipse">
-                <a:avLst/>
-              </a:prstGeom>
-              <a:solidFill>
-                <a:schemeClr val="accent4">
-                  <a:alpha val="50000"/>
-                </a:schemeClr>
-              </a:solidFill>
-              <a:ln>
-                <a:noFill/>
-              </a:ln>
-            </p:spPr>
-            <p:style>
-              <a:lnRef idx="0">
-                <a:scrgbClr r="0" g="0" b="0"/>
-              </a:lnRef>
-              <a:fillRef idx="0">
-                <a:scrgbClr r="0" g="0" b="0"/>
-              </a:fillRef>
-              <a:effectRef idx="0">
-                <a:scrgbClr r="0" g="0" b="0"/>
-              </a:effectRef>
-              <a:fontRef idx="minor">
-                <a:schemeClr val="lt1"/>
-              </a:fontRef>
-            </p:style>
-            <p:txBody>
-              <a:bodyPr rtlCol="0" anchor="ctr"/>
-              <a:lstStyle/>
-              <a:p>
-                <a:pPr algn="ctr"/>
-                <a:r>
-                  <a:rPr lang="en-US" altLang="ko-KR" sz="1050" dirty="0" err="1"/>
-                  <a:t>PinA</a:t>
-                </a:r>
-                <a:r>
-                  <a:rPr lang="en-US" altLang="ko-KR" sz="1050" dirty="0"/>
-                  <a:t> $ADV</a:t>
-                </a:r>
-                <a:endParaRPr lang="ko-KR" altLang="en-US" sz="1050" dirty="0"/>
-              </a:p>
-            </p:txBody>
-          </p:sp>
-          <p:sp>
-            <p:nvSpPr>
-              <p:cNvPr id="11" name="타원 10">
-                <a:extLst>
-                  <a:ext uri="{FF2B5EF4-FFF2-40B4-BE49-F238E27FC236}">
-                    <a16:creationId xmlns:a16="http://schemas.microsoft.com/office/drawing/2014/main" id="{97560454-D4B5-A91B-3FF0-846F2FC2FD93}"/>
-                  </a:ext>
-                </a:extLst>
-              </p:cNvPr>
-              <p:cNvSpPr/>
-              <p:nvPr/>
-            </p:nvSpPr>
-            <p:spPr>
-              <a:xfrm>
-                <a:off x="1898822" y="3056896"/>
-                <a:ext cx="758778" cy="499161"/>
-              </a:xfrm>
-              <a:prstGeom prst="ellipse">
-                <a:avLst/>
-              </a:prstGeom>
-              <a:solidFill>
-                <a:schemeClr val="accent4">
-                  <a:alpha val="50000"/>
-                </a:schemeClr>
-              </a:solidFill>
-              <a:ln>
-                <a:noFill/>
-              </a:ln>
-            </p:spPr>
-            <p:style>
-              <a:lnRef idx="0">
-                <a:scrgbClr r="0" g="0" b="0"/>
-              </a:lnRef>
-              <a:fillRef idx="0">
-                <a:scrgbClr r="0" g="0" b="0"/>
-              </a:fillRef>
-              <a:effectRef idx="0">
-                <a:scrgbClr r="0" g="0" b="0"/>
-              </a:effectRef>
-              <a:fontRef idx="minor">
-                <a:schemeClr val="lt1"/>
-              </a:fontRef>
-            </p:style>
-            <p:txBody>
-              <a:bodyPr rtlCol="0" anchor="ctr"/>
-              <a:lstStyle/>
-              <a:p>
-                <a:pPr algn="ctr"/>
-                <a:r>
-                  <a:rPr lang="en-US" altLang="ko-KR" sz="1050" dirty="0" err="1"/>
-                  <a:t>PinA</a:t>
-                </a:r>
-                <a:r>
-                  <a:rPr lang="en-US" altLang="ko-KR" sz="1050" dirty="0"/>
-                  <a:t> $RET</a:t>
-                </a:r>
-                <a:endParaRPr lang="ko-KR" altLang="en-US" sz="1050" dirty="0"/>
-              </a:p>
-            </p:txBody>
-          </p:sp>
-          <p:cxnSp>
-            <p:nvCxnSpPr>
-              <p:cNvPr id="12" name="연결선: 꺾임 11">
-                <a:extLst>
-                  <a:ext uri="{FF2B5EF4-FFF2-40B4-BE49-F238E27FC236}">
-                    <a16:creationId xmlns:a16="http://schemas.microsoft.com/office/drawing/2014/main" id="{B82D86F6-686A-9B3A-FAFB-D9CA95D6B9EE}"/>
-                  </a:ext>
-                </a:extLst>
-              </p:cNvPr>
-              <p:cNvCxnSpPr>
-                <a:cxnSpLocks/>
-                <a:stCxn id="10" idx="5"/>
-                <a:endCxn id="11" idx="1"/>
-              </p:cNvCxnSpPr>
-              <p:nvPr/>
-            </p:nvCxnSpPr>
-            <p:spPr>
-              <a:xfrm rot="16200000" flipH="1">
-                <a:off x="1347280" y="2467332"/>
-                <a:ext cx="822643" cy="502682"/>
-              </a:xfrm>
-              <a:prstGeom prst="bentConnector3">
-                <a:avLst/>
-              </a:prstGeom>
-              <a:ln>
-                <a:tailEnd type="triangle"/>
-              </a:ln>
-            </p:spPr>
-            <p:style>
-              <a:lnRef idx="1">
-                <a:schemeClr val="accent4"/>
-              </a:lnRef>
-              <a:fillRef idx="0">
-                <a:schemeClr val="accent4"/>
-              </a:fillRef>
-              <a:effectRef idx="0">
-                <a:schemeClr val="accent4"/>
-              </a:effectRef>
-              <a:fontRef idx="minor">
-                <a:schemeClr val="tx1"/>
-              </a:fontRef>
-            </p:style>
-          </p:cxnSp>
-        </p:grpSp>
-        <p:sp>
-          <p:nvSpPr>
-            <p:cNvPr id="35" name="타원 34">
-              <a:extLst>
-                <a:ext uri="{FF2B5EF4-FFF2-40B4-BE49-F238E27FC236}">
-                  <a16:creationId xmlns:a16="http://schemas.microsoft.com/office/drawing/2014/main" id="{012DE983-D75D-B7F5-3F82-C437BB089E4F}"/>
-                </a:ext>
-              </a:extLst>
-            </p:cNvPr>
-            <p:cNvSpPr/>
-            <p:nvPr/>
-          </p:nvSpPr>
-          <p:spPr>
-            <a:xfrm>
-              <a:off x="2779948" y="1729131"/>
-              <a:ext cx="758778" cy="499161"/>
-            </a:xfrm>
-            <a:prstGeom prst="ellipse">
-              <a:avLst/>
-            </a:prstGeom>
-            <a:solidFill>
-              <a:schemeClr val="accent4">
-                <a:alpha val="50000"/>
-              </a:schemeClr>
-            </a:solidFill>
-            <a:ln>
-              <a:noFill/>
-            </a:ln>
-          </p:spPr>
-          <p:style>
-            <a:lnRef idx="0">
-              <a:scrgbClr r="0" g="0" b="0"/>
-            </a:lnRef>
-            <a:fillRef idx="0">
-              <a:scrgbClr r="0" g="0" b="0"/>
-            </a:fillRef>
-            <a:effectRef idx="0">
-              <a:scrgbClr r="0" g="0" b="0"/>
-            </a:effectRef>
-            <a:fontRef idx="minor">
-              <a:schemeClr val="lt1"/>
-            </a:fontRef>
-          </p:style>
-          <p:txBody>
-            <a:bodyPr rtlCol="0" anchor="ctr"/>
-            <a:lstStyle/>
-            <a:p>
-              <a:pPr algn="ctr"/>
-              <a:r>
-                <a:rPr lang="en-US" altLang="ko-KR" sz="1050" dirty="0" err="1"/>
-                <a:t>PinB</a:t>
-              </a:r>
-              <a:r>
-                <a:rPr lang="en-US" altLang="ko-KR" sz="1050" dirty="0"/>
-                <a:t> $ADV</a:t>
-              </a:r>
-              <a:endParaRPr lang="ko-KR" altLang="en-US" sz="1050" dirty="0"/>
-            </a:p>
-          </p:txBody>
-        </p:sp>
-        <p:sp>
-          <p:nvSpPr>
-            <p:cNvPr id="36" name="타원 35">
-              <a:extLst>
-                <a:ext uri="{FF2B5EF4-FFF2-40B4-BE49-F238E27FC236}">
-                  <a16:creationId xmlns:a16="http://schemas.microsoft.com/office/drawing/2014/main" id="{7E254FA6-B087-A662-0AA6-33D09FCECEDF}"/>
-                </a:ext>
-              </a:extLst>
-            </p:cNvPr>
-            <p:cNvSpPr/>
-            <p:nvPr/>
-          </p:nvSpPr>
-          <p:spPr>
-            <a:xfrm>
-              <a:off x="3819167" y="2904735"/>
-              <a:ext cx="758778" cy="499161"/>
-            </a:xfrm>
-            <a:prstGeom prst="ellipse">
-              <a:avLst/>
-            </a:prstGeom>
-            <a:solidFill>
-              <a:schemeClr val="accent4">
-                <a:alpha val="50000"/>
-              </a:schemeClr>
-            </a:solidFill>
-            <a:ln>
-              <a:noFill/>
-            </a:ln>
-          </p:spPr>
-          <p:style>
-            <a:lnRef idx="0">
-              <a:scrgbClr r="0" g="0" b="0"/>
-            </a:lnRef>
-            <a:fillRef idx="0">
-              <a:scrgbClr r="0" g="0" b="0"/>
-            </a:fillRef>
-            <a:effectRef idx="0">
-              <a:scrgbClr r="0" g="0" b="0"/>
-            </a:effectRef>
-            <a:fontRef idx="minor">
-              <a:schemeClr val="lt1"/>
-            </a:fontRef>
-          </p:style>
-          <p:txBody>
-            <a:bodyPr rtlCol="0" anchor="ctr"/>
-            <a:lstStyle/>
-            <a:p>
-              <a:pPr algn="ctr"/>
-              <a:r>
-                <a:rPr lang="en-US" altLang="ko-KR" sz="1050" dirty="0" err="1"/>
-                <a:t>PinB</a:t>
-              </a:r>
-              <a:r>
-                <a:rPr lang="en-US" altLang="ko-KR" sz="1050" dirty="0"/>
-                <a:t> $RET</a:t>
-              </a:r>
-              <a:endParaRPr lang="ko-KR" altLang="en-US" sz="1050" dirty="0"/>
-            </a:p>
-          </p:txBody>
-        </p:sp>
-        <p:cxnSp>
-          <p:nvCxnSpPr>
-            <p:cNvPr id="37" name="연결선: 꺾임 36">
-              <a:extLst>
-                <a:ext uri="{FF2B5EF4-FFF2-40B4-BE49-F238E27FC236}">
-                  <a16:creationId xmlns:a16="http://schemas.microsoft.com/office/drawing/2014/main" id="{B154AC2D-B472-8895-75AE-FC5DCF5D6EDB}"/>
-                </a:ext>
-              </a:extLst>
-            </p:cNvPr>
-            <p:cNvCxnSpPr>
-              <a:cxnSpLocks/>
-              <a:stCxn id="35" idx="5"/>
-              <a:endCxn id="36" idx="1"/>
-            </p:cNvCxnSpPr>
-            <p:nvPr/>
-          </p:nvCxnSpPr>
-          <p:spPr>
-            <a:xfrm rot="16200000" flipH="1">
-              <a:off x="3267625" y="2315171"/>
-              <a:ext cx="822643" cy="502682"/>
-            </a:xfrm>
-            <a:prstGeom prst="bentConnector3">
-              <a:avLst/>
-            </a:prstGeom>
-            <a:ln>
-              <a:tailEnd type="triangle"/>
-            </a:ln>
-          </p:spPr>
-          <p:style>
-            <a:lnRef idx="1">
-              <a:schemeClr val="accent4"/>
-            </a:lnRef>
-            <a:fillRef idx="0">
-              <a:schemeClr val="accent4"/>
-            </a:fillRef>
-            <a:effectRef idx="0">
-              <a:schemeClr val="accent4"/>
-            </a:effectRef>
-            <a:fontRef idx="minor">
-              <a:schemeClr val="tx1"/>
-            </a:fontRef>
-          </p:style>
-        </p:cxnSp>
-        <p:cxnSp>
-          <p:nvCxnSpPr>
-            <p:cNvPr id="38" name="연결선: 꺾임 37">
-              <a:extLst>
-                <a:ext uri="{FF2B5EF4-FFF2-40B4-BE49-F238E27FC236}">
-                  <a16:creationId xmlns:a16="http://schemas.microsoft.com/office/drawing/2014/main" id="{9FEC5249-886D-4E91-096E-1136ED2A4E38}"/>
-                </a:ext>
-              </a:extLst>
-            </p:cNvPr>
-            <p:cNvCxnSpPr>
-              <a:cxnSpLocks/>
-              <a:stCxn id="10" idx="6"/>
-              <a:endCxn id="35" idx="2"/>
-            </p:cNvCxnSpPr>
-            <p:nvPr/>
-          </p:nvCxnSpPr>
-          <p:spPr>
-            <a:xfrm flipV="1">
-              <a:off x="1593193" y="1978712"/>
-              <a:ext cx="1186755" cy="171926"/>
-            </a:xfrm>
-            <a:prstGeom prst="bentConnector3">
-              <a:avLst/>
-            </a:prstGeom>
-            <a:ln>
-              <a:tailEnd type="triangle"/>
-            </a:ln>
-          </p:spPr>
-          <p:style>
-            <a:lnRef idx="1">
-              <a:schemeClr val="accent4"/>
-            </a:lnRef>
-            <a:fillRef idx="0">
-              <a:schemeClr val="accent4"/>
-            </a:fillRef>
-            <a:effectRef idx="0">
-              <a:schemeClr val="accent4"/>
-            </a:effectRef>
-            <a:fontRef idx="minor">
-              <a:schemeClr val="tx1"/>
-            </a:fontRef>
-          </p:style>
-        </p:cxnSp>
-        <p:cxnSp>
-          <p:nvCxnSpPr>
-            <p:cNvPr id="41" name="연결선: 꺾임 40">
-              <a:extLst>
-                <a:ext uri="{FF2B5EF4-FFF2-40B4-BE49-F238E27FC236}">
-                  <a16:creationId xmlns:a16="http://schemas.microsoft.com/office/drawing/2014/main" id="{0FB9EC74-793F-271C-E581-BC517FD8F9E9}"/>
-                </a:ext>
-              </a:extLst>
-            </p:cNvPr>
-            <p:cNvCxnSpPr>
-              <a:cxnSpLocks/>
-              <a:stCxn id="11" idx="6"/>
-              <a:endCxn id="36" idx="2"/>
-            </p:cNvCxnSpPr>
-            <p:nvPr/>
-          </p:nvCxnSpPr>
-          <p:spPr>
-            <a:xfrm flipV="1">
-              <a:off x="2632412" y="3154316"/>
-              <a:ext cx="1186755" cy="171926"/>
-            </a:xfrm>
-            <a:prstGeom prst="bentConnector3">
-              <a:avLst>
-                <a:gd name="adj1" fmla="val 50000"/>
-              </a:avLst>
-            </a:prstGeom>
-            <a:ln>
-              <a:tailEnd type="triangle"/>
-            </a:ln>
-          </p:spPr>
-          <p:style>
-            <a:lnRef idx="1">
-              <a:schemeClr val="accent4"/>
-            </a:lnRef>
-            <a:fillRef idx="0">
-              <a:schemeClr val="accent4"/>
-            </a:fillRef>
-            <a:effectRef idx="0">
-              <a:schemeClr val="accent4"/>
-            </a:effectRef>
-            <a:fontRef idx="minor">
-              <a:schemeClr val="tx1"/>
-            </a:fontRef>
-          </p:style>
-        </p:cxnSp>
-      </p:grpSp>
-    </p:spTree>
-    <p:extLst>
-      <p:ext uri="{BB962C8B-B14F-4D97-AF65-F5344CB8AC3E}">
-        <p14:creationId xmlns:p14="http://schemas.microsoft.com/office/powerpoint/2010/main" val="2547884442"/>
-      </p:ext>
-    </p:extLst>
-  </p:cSld>
-  <p:clrMapOvr>
-    <a:masterClrMapping/>
-  </p:clrMapOvr>
-</p:sld>
-</file>
-
-<file path=ppt/slides/slide9.xml><?xml version="1.0" encoding="utf-8"?>
-<p:sld xmlns:a="http://schemas.openxmlformats.org/drawingml/2006/main" xmlns:r="http://schemas.openxmlformats.org/officeDocument/2006/relationships" xmlns:p="http://schemas.openxmlformats.org/presentationml/2006/main" show="0">
-  <p:cSld>
-    <p:spTree>
-      <p:nvGrpSpPr>
-        <p:cNvPr id="1" name=""/>
-        <p:cNvGrpSpPr/>
-        <p:nvPr/>
-      </p:nvGrpSpPr>
-      <p:grpSpPr>
-        <a:xfrm>
-          <a:off x="0" y="0"/>
-          <a:ext cx="0" cy="0"/>
-          <a:chOff x="0" y="0"/>
-          <a:chExt cx="0" cy="0"/>
-        </a:xfrm>
-      </p:grpSpPr>
-      <p:sp>
-        <p:nvSpPr>
-          <p:cNvPr id="2" name="제목 1">
-            <a:extLst>
-              <a:ext uri="{FF2B5EF4-FFF2-40B4-BE49-F238E27FC236}">
-                <a16:creationId xmlns:a16="http://schemas.microsoft.com/office/drawing/2014/main" id="{5E8FE27E-4086-E570-1BA4-F2B433CAA376}"/>
-              </a:ext>
-            </a:extLst>
-          </p:cNvPr>
-          <p:cNvSpPr>
-            <a:spLocks noGrp="1"/>
-          </p:cNvSpPr>
-          <p:nvPr>
-            <p:ph type="title"/>
-          </p:nvPr>
-        </p:nvSpPr>
-        <p:spPr/>
-        <p:txBody>
-          <a:bodyPr/>
-          <a:lstStyle/>
-          <a:p>
-            <a:r>
-              <a:rPr lang="en-US" altLang="ko-KR" dirty="0"/>
-              <a:t>S33</a:t>
             </a:r>
             <a:endParaRPr lang="ko-KR" altLang="en-US" dirty="0"/>
           </a:p>
@@ -36253,6 +34479,1780 @@
     <p:extLst>
       <p:ext uri="{BB962C8B-B14F-4D97-AF65-F5344CB8AC3E}">
         <p14:creationId xmlns:p14="http://schemas.microsoft.com/office/powerpoint/2010/main" val="937013217"/>
+      </p:ext>
+    </p:extLst>
+  </p:cSld>
+  <p:clrMapOvr>
+    <a:masterClrMapping/>
+  </p:clrMapOvr>
+</p:sld>
+</file>
+
+<file path=ppt/slides/slide9.xml><?xml version="1.0" encoding="utf-8"?>
+<p:sld xmlns:a="http://schemas.openxmlformats.org/drawingml/2006/main" xmlns:r="http://schemas.openxmlformats.org/officeDocument/2006/relationships" xmlns:p="http://schemas.openxmlformats.org/presentationml/2006/main">
+  <p:cSld>
+    <p:spTree>
+      <p:nvGrpSpPr>
+        <p:cNvPr id="1" name=""/>
+        <p:cNvGrpSpPr/>
+        <p:nvPr/>
+      </p:nvGrpSpPr>
+      <p:grpSpPr>
+        <a:xfrm>
+          <a:off x="0" y="0"/>
+          <a:ext cx="0" cy="0"/>
+          <a:chOff x="0" y="0"/>
+          <a:chExt cx="0" cy="0"/>
+        </a:xfrm>
+      </p:grpSpPr>
+      <p:sp>
+        <p:nvSpPr>
+          <p:cNvPr id="2" name="제목 1">
+            <a:extLst>
+              <a:ext uri="{FF2B5EF4-FFF2-40B4-BE49-F238E27FC236}">
+                <a16:creationId xmlns:a16="http://schemas.microsoft.com/office/drawing/2014/main" id="{5E8FE27E-4086-E570-1BA4-F2B433CAA376}"/>
+              </a:ext>
+            </a:extLst>
+          </p:cNvPr>
+          <p:cNvSpPr>
+            <a:spLocks noGrp="1"/>
+          </p:cNvSpPr>
+          <p:nvPr>
+            <p:ph type="title"/>
+          </p:nvPr>
+        </p:nvSpPr>
+        <p:spPr/>
+        <p:txBody>
+          <a:bodyPr/>
+          <a:lstStyle/>
+          <a:p>
+            <a:r>
+              <a:rPr lang="en-US" altLang="ko-KR" dirty="0"/>
+              <a:t>S33</a:t>
+            </a:r>
+            <a:endParaRPr lang="ko-KR" altLang="en-US" dirty="0"/>
+          </a:p>
+        </p:txBody>
+      </p:sp>
+      <p:sp>
+        <p:nvSpPr>
+          <p:cNvPr id="91" name="직사각형 90">
+            <a:extLst>
+              <a:ext uri="{FF2B5EF4-FFF2-40B4-BE49-F238E27FC236}">
+                <a16:creationId xmlns:a16="http://schemas.microsoft.com/office/drawing/2014/main" id="{1902CC42-6799-D372-F372-07BB72F2BF14}"/>
+              </a:ext>
+            </a:extLst>
+          </p:cNvPr>
+          <p:cNvSpPr/>
+          <p:nvPr/>
+        </p:nvSpPr>
+        <p:spPr>
+          <a:xfrm>
+            <a:off x="6087687" y="988960"/>
+            <a:ext cx="847742" cy="495381"/>
+          </a:xfrm>
+          <a:prstGeom prst="rect">
+            <a:avLst/>
+          </a:prstGeom>
+        </p:spPr>
+        <p:style>
+          <a:lnRef idx="2">
+            <a:schemeClr val="accent1">
+              <a:shade val="15000"/>
+            </a:schemeClr>
+          </a:lnRef>
+          <a:fillRef idx="1">
+            <a:schemeClr val="accent1"/>
+          </a:fillRef>
+          <a:effectRef idx="0">
+            <a:schemeClr val="accent1"/>
+          </a:effectRef>
+          <a:fontRef idx="minor">
+            <a:schemeClr val="lt1"/>
+          </a:fontRef>
+        </p:style>
+        <p:txBody>
+          <a:bodyPr rtlCol="0" anchor="ctr"/>
+          <a:lstStyle/>
+          <a:p>
+            <a:pPr algn="ctr"/>
+            <a:r>
+              <a:rPr lang="en-US" altLang="ko-KR" dirty="0"/>
+              <a:t>R3</a:t>
+            </a:r>
+            <a:endParaRPr lang="ko-KR" altLang="en-US" dirty="0"/>
+          </a:p>
+        </p:txBody>
+      </p:sp>
+      <p:cxnSp>
+        <p:nvCxnSpPr>
+          <p:cNvPr id="109" name="직선 화살표 연결선 108">
+            <a:extLst>
+              <a:ext uri="{FF2B5EF4-FFF2-40B4-BE49-F238E27FC236}">
+                <a16:creationId xmlns:a16="http://schemas.microsoft.com/office/drawing/2014/main" id="{962C7EAD-50AB-B451-7AB8-AD60B0C48A7C}"/>
+              </a:ext>
+            </a:extLst>
+          </p:cNvPr>
+          <p:cNvCxnSpPr>
+            <a:cxnSpLocks/>
+            <a:stCxn id="94" idx="3"/>
+            <a:endCxn id="91" idx="1"/>
+          </p:cNvCxnSpPr>
+          <p:nvPr/>
+        </p:nvCxnSpPr>
+        <p:spPr>
+          <a:xfrm flipV="1">
+            <a:off x="5613666" y="1236651"/>
+            <a:ext cx="474021" cy="1458820"/>
+          </a:xfrm>
+          <a:prstGeom prst="straightConnector1">
+            <a:avLst/>
+          </a:prstGeom>
+          <a:ln w="38100">
+            <a:solidFill>
+              <a:srgbClr val="FFC000"/>
+            </a:solidFill>
+            <a:headEnd type="diamond" w="med" len="med"/>
+            <a:tailEnd type="triangle" w="med" len="med"/>
+          </a:ln>
+        </p:spPr>
+        <p:style>
+          <a:lnRef idx="1">
+            <a:schemeClr val="accent6"/>
+          </a:lnRef>
+          <a:fillRef idx="0">
+            <a:schemeClr val="accent6"/>
+          </a:fillRef>
+          <a:effectRef idx="0">
+            <a:schemeClr val="accent6"/>
+          </a:effectRef>
+          <a:fontRef idx="minor">
+            <a:schemeClr val="tx1"/>
+          </a:fontRef>
+        </p:style>
+      </p:cxnSp>
+      <p:cxnSp>
+        <p:nvCxnSpPr>
+          <p:cNvPr id="120" name="직선 화살표 연결선 119">
+            <a:extLst>
+              <a:ext uri="{FF2B5EF4-FFF2-40B4-BE49-F238E27FC236}">
+                <a16:creationId xmlns:a16="http://schemas.microsoft.com/office/drawing/2014/main" id="{D780E1C2-0E12-A5CD-2B49-A959AB42330A}"/>
+              </a:ext>
+            </a:extLst>
+          </p:cNvPr>
+          <p:cNvCxnSpPr>
+            <a:cxnSpLocks/>
+            <a:stCxn id="94" idx="3"/>
+            <a:endCxn id="107" idx="1"/>
+          </p:cNvCxnSpPr>
+          <p:nvPr/>
+        </p:nvCxnSpPr>
+        <p:spPr>
+          <a:xfrm>
+            <a:off x="5613666" y="2695471"/>
+            <a:ext cx="416750" cy="110667"/>
+          </a:xfrm>
+          <a:prstGeom prst="straightConnector1">
+            <a:avLst/>
+          </a:prstGeom>
+          <a:ln w="38100">
+            <a:solidFill>
+              <a:srgbClr val="FFC000"/>
+            </a:solidFill>
+            <a:headEnd type="diamond" w="med" len="med"/>
+            <a:tailEnd type="triangle" w="med" len="med"/>
+          </a:ln>
+        </p:spPr>
+        <p:style>
+          <a:lnRef idx="1">
+            <a:schemeClr val="accent6"/>
+          </a:lnRef>
+          <a:fillRef idx="0">
+            <a:schemeClr val="accent6"/>
+          </a:fillRef>
+          <a:effectRef idx="0">
+            <a:schemeClr val="accent6"/>
+          </a:effectRef>
+          <a:fontRef idx="minor">
+            <a:schemeClr val="tx1"/>
+          </a:fontRef>
+        </p:style>
+      </p:cxnSp>
+      <p:sp>
+        <p:nvSpPr>
+          <p:cNvPr id="13" name="직사각형 12">
+            <a:extLst>
+              <a:ext uri="{FF2B5EF4-FFF2-40B4-BE49-F238E27FC236}">
+                <a16:creationId xmlns:a16="http://schemas.microsoft.com/office/drawing/2014/main" id="{20D4B5AF-E245-475A-47A6-1314F9D73EE8}"/>
+              </a:ext>
+            </a:extLst>
+          </p:cNvPr>
+          <p:cNvSpPr/>
+          <p:nvPr/>
+        </p:nvSpPr>
+        <p:spPr>
+          <a:xfrm>
+            <a:off x="10080018" y="3931852"/>
+            <a:ext cx="847742" cy="495381"/>
+          </a:xfrm>
+          <a:prstGeom prst="rect">
+            <a:avLst/>
+          </a:prstGeom>
+        </p:spPr>
+        <p:style>
+          <a:lnRef idx="2">
+            <a:schemeClr val="accent1">
+              <a:shade val="15000"/>
+            </a:schemeClr>
+          </a:lnRef>
+          <a:fillRef idx="1">
+            <a:schemeClr val="accent1"/>
+          </a:fillRef>
+          <a:effectRef idx="0">
+            <a:schemeClr val="accent1"/>
+          </a:effectRef>
+          <a:fontRef idx="minor">
+            <a:schemeClr val="lt1"/>
+          </a:fontRef>
+        </p:style>
+        <p:txBody>
+          <a:bodyPr rtlCol="0" anchor="ctr"/>
+          <a:lstStyle/>
+          <a:p>
+            <a:pPr algn="ctr"/>
+            <a:r>
+              <a:rPr lang="en-US" altLang="ko-KR" dirty="0"/>
+              <a:t>R6</a:t>
+            </a:r>
+            <a:endParaRPr lang="ko-KR" altLang="en-US" dirty="0"/>
+          </a:p>
+        </p:txBody>
+      </p:sp>
+      <p:sp>
+        <p:nvSpPr>
+          <p:cNvPr id="15" name="직사각형 14">
+            <a:extLst>
+              <a:ext uri="{FF2B5EF4-FFF2-40B4-BE49-F238E27FC236}">
+                <a16:creationId xmlns:a16="http://schemas.microsoft.com/office/drawing/2014/main" id="{60198781-EBB0-10CE-8B2F-9ABD8A632D5C}"/>
+              </a:ext>
+            </a:extLst>
+          </p:cNvPr>
+          <p:cNvSpPr/>
+          <p:nvPr/>
+        </p:nvSpPr>
+        <p:spPr>
+          <a:xfrm>
+            <a:off x="7542218" y="3556057"/>
+            <a:ext cx="847742" cy="495381"/>
+          </a:xfrm>
+          <a:prstGeom prst="rect">
+            <a:avLst/>
+          </a:prstGeom>
+        </p:spPr>
+        <p:style>
+          <a:lnRef idx="2">
+            <a:schemeClr val="accent1">
+              <a:shade val="15000"/>
+            </a:schemeClr>
+          </a:lnRef>
+          <a:fillRef idx="1">
+            <a:schemeClr val="accent1"/>
+          </a:fillRef>
+          <a:effectRef idx="0">
+            <a:schemeClr val="accent1"/>
+          </a:effectRef>
+          <a:fontRef idx="minor">
+            <a:schemeClr val="lt1"/>
+          </a:fontRef>
+        </p:style>
+        <p:txBody>
+          <a:bodyPr rtlCol="0" anchor="ctr"/>
+          <a:lstStyle/>
+          <a:p>
+            <a:pPr algn="ctr"/>
+            <a:r>
+              <a:rPr lang="en-US" altLang="ko-KR" dirty="0"/>
+              <a:t>R5</a:t>
+            </a:r>
+            <a:endParaRPr lang="ko-KR" altLang="en-US" dirty="0"/>
+          </a:p>
+        </p:txBody>
+      </p:sp>
+      <p:cxnSp>
+        <p:nvCxnSpPr>
+          <p:cNvPr id="23" name="연결선: 꺾임 22">
+            <a:extLst>
+              <a:ext uri="{FF2B5EF4-FFF2-40B4-BE49-F238E27FC236}">
+                <a16:creationId xmlns:a16="http://schemas.microsoft.com/office/drawing/2014/main" id="{7784514C-ED5E-0B18-1D1B-F544B46E59B0}"/>
+              </a:ext>
+            </a:extLst>
+          </p:cNvPr>
+          <p:cNvCxnSpPr>
+            <a:cxnSpLocks/>
+            <a:stCxn id="91" idx="3"/>
+            <a:endCxn id="14" idx="1"/>
+          </p:cNvCxnSpPr>
+          <p:nvPr/>
+        </p:nvCxnSpPr>
+        <p:spPr>
+          <a:xfrm flipV="1">
+            <a:off x="6935429" y="1094583"/>
+            <a:ext cx="1269587" cy="142068"/>
+          </a:xfrm>
+          <a:prstGeom prst="bentConnector3">
+            <a:avLst>
+              <a:gd name="adj1" fmla="val 50000"/>
+            </a:avLst>
+          </a:prstGeom>
+          <a:ln w="38100">
+            <a:solidFill>
+              <a:srgbClr val="FFC000"/>
+            </a:solidFill>
+            <a:headEnd type="diamond" w="med" len="med"/>
+            <a:tailEnd type="triangle" w="med" len="med"/>
+          </a:ln>
+        </p:spPr>
+        <p:style>
+          <a:lnRef idx="1">
+            <a:schemeClr val="accent6"/>
+          </a:lnRef>
+          <a:fillRef idx="0">
+            <a:schemeClr val="accent6"/>
+          </a:fillRef>
+          <a:effectRef idx="0">
+            <a:schemeClr val="accent6"/>
+          </a:effectRef>
+          <a:fontRef idx="minor">
+            <a:schemeClr val="tx1"/>
+          </a:fontRef>
+        </p:style>
+      </p:cxnSp>
+      <p:cxnSp>
+        <p:nvCxnSpPr>
+          <p:cNvPr id="32" name="연결선: 꺾임 31">
+            <a:extLst>
+              <a:ext uri="{FF2B5EF4-FFF2-40B4-BE49-F238E27FC236}">
+                <a16:creationId xmlns:a16="http://schemas.microsoft.com/office/drawing/2014/main" id="{55996CE5-7EBC-3246-9029-B8870B968B13}"/>
+              </a:ext>
+            </a:extLst>
+          </p:cNvPr>
+          <p:cNvCxnSpPr>
+            <a:cxnSpLocks/>
+            <a:stCxn id="13" idx="2"/>
+            <a:endCxn id="94" idx="2"/>
+          </p:cNvCxnSpPr>
+          <p:nvPr/>
+        </p:nvCxnSpPr>
+        <p:spPr>
+          <a:xfrm rot="5400000" flipH="1">
+            <a:off x="6601761" y="525106"/>
+            <a:ext cx="272943" cy="7531313"/>
+          </a:xfrm>
+          <a:prstGeom prst="bentConnector3">
+            <a:avLst>
+              <a:gd name="adj1" fmla="val -83754"/>
+            </a:avLst>
+          </a:prstGeom>
+          <a:ln w="38100">
+            <a:solidFill>
+              <a:srgbClr val="FFC000"/>
+            </a:solidFill>
+            <a:headEnd type="diamond" w="med" len="med"/>
+            <a:tailEnd type="triangle" w="med" len="med"/>
+          </a:ln>
+        </p:spPr>
+        <p:style>
+          <a:lnRef idx="1">
+            <a:schemeClr val="accent6"/>
+          </a:lnRef>
+          <a:fillRef idx="0">
+            <a:schemeClr val="accent6"/>
+          </a:fillRef>
+          <a:effectRef idx="0">
+            <a:schemeClr val="accent6"/>
+          </a:effectRef>
+          <a:fontRef idx="minor">
+            <a:schemeClr val="tx1"/>
+          </a:fontRef>
+        </p:style>
+      </p:cxnSp>
+      <p:cxnSp>
+        <p:nvCxnSpPr>
+          <p:cNvPr id="48" name="연결선: 꺾임 47">
+            <a:extLst>
+              <a:ext uri="{FF2B5EF4-FFF2-40B4-BE49-F238E27FC236}">
+                <a16:creationId xmlns:a16="http://schemas.microsoft.com/office/drawing/2014/main" id="{ADAD1270-D18E-4A9B-90EA-E912E63A3DEA}"/>
+              </a:ext>
+            </a:extLst>
+          </p:cNvPr>
+          <p:cNvCxnSpPr>
+            <a:cxnSpLocks/>
+            <a:stCxn id="107" idx="3"/>
+            <a:endCxn id="14" idx="1"/>
+          </p:cNvCxnSpPr>
+          <p:nvPr/>
+        </p:nvCxnSpPr>
+        <p:spPr>
+          <a:xfrm flipV="1">
+            <a:off x="7561849" y="1094583"/>
+            <a:ext cx="643167" cy="1711555"/>
+          </a:xfrm>
+          <a:prstGeom prst="bentConnector3">
+            <a:avLst>
+              <a:gd name="adj1" fmla="val 50000"/>
+            </a:avLst>
+          </a:prstGeom>
+          <a:ln w="38100">
+            <a:solidFill>
+              <a:srgbClr val="FFC000"/>
+            </a:solidFill>
+            <a:headEnd type="diamond" w="med" len="med"/>
+            <a:tailEnd type="triangle" w="med" len="med"/>
+          </a:ln>
+        </p:spPr>
+        <p:style>
+          <a:lnRef idx="1">
+            <a:schemeClr val="accent6"/>
+          </a:lnRef>
+          <a:fillRef idx="0">
+            <a:schemeClr val="accent6"/>
+          </a:fillRef>
+          <a:effectRef idx="0">
+            <a:schemeClr val="accent6"/>
+          </a:effectRef>
+          <a:fontRef idx="minor">
+            <a:schemeClr val="tx1"/>
+          </a:fontRef>
+        </p:style>
+      </p:cxnSp>
+      <p:cxnSp>
+        <p:nvCxnSpPr>
+          <p:cNvPr id="62" name="연결선: 꺾임 61">
+            <a:extLst>
+              <a:ext uri="{FF2B5EF4-FFF2-40B4-BE49-F238E27FC236}">
+                <a16:creationId xmlns:a16="http://schemas.microsoft.com/office/drawing/2014/main" id="{D2BBF1BC-3F9C-FDD1-40CF-9CFE10E49737}"/>
+              </a:ext>
+            </a:extLst>
+          </p:cNvPr>
+          <p:cNvCxnSpPr>
+            <a:cxnSpLocks/>
+            <a:stCxn id="14" idx="2"/>
+            <a:endCxn id="15" idx="0"/>
+          </p:cNvCxnSpPr>
+          <p:nvPr/>
+        </p:nvCxnSpPr>
+        <p:spPr>
+          <a:xfrm rot="5400000">
+            <a:off x="8278945" y="1872242"/>
+            <a:ext cx="1370960" cy="1996671"/>
+          </a:xfrm>
+          <a:prstGeom prst="bentConnector3">
+            <a:avLst>
+              <a:gd name="adj1" fmla="val 50000"/>
+            </a:avLst>
+          </a:prstGeom>
+          <a:ln w="38100">
+            <a:solidFill>
+              <a:srgbClr val="FFC000"/>
+            </a:solidFill>
+            <a:headEnd type="diamond" w="med" len="med"/>
+            <a:tailEnd type="triangle" w="med" len="med"/>
+          </a:ln>
+        </p:spPr>
+        <p:style>
+          <a:lnRef idx="1">
+            <a:schemeClr val="accent6"/>
+          </a:lnRef>
+          <a:fillRef idx="0">
+            <a:schemeClr val="accent6"/>
+          </a:fillRef>
+          <a:effectRef idx="0">
+            <a:schemeClr val="accent6"/>
+          </a:effectRef>
+          <a:fontRef idx="minor">
+            <a:schemeClr val="tx1"/>
+          </a:fontRef>
+        </p:style>
+      </p:cxnSp>
+      <p:cxnSp>
+        <p:nvCxnSpPr>
+          <p:cNvPr id="68" name="연결선: 꺾임 67">
+            <a:extLst>
+              <a:ext uri="{FF2B5EF4-FFF2-40B4-BE49-F238E27FC236}">
+                <a16:creationId xmlns:a16="http://schemas.microsoft.com/office/drawing/2014/main" id="{B956E1CD-20B7-0672-1444-72F5F9EB34F5}"/>
+              </a:ext>
+            </a:extLst>
+          </p:cNvPr>
+          <p:cNvCxnSpPr>
+            <a:cxnSpLocks/>
+            <a:stCxn id="15" idx="2"/>
+            <a:endCxn id="13" idx="1"/>
+          </p:cNvCxnSpPr>
+          <p:nvPr/>
+        </p:nvCxnSpPr>
+        <p:spPr>
+          <a:xfrm rot="16200000" flipH="1">
+            <a:off x="8959001" y="3058525"/>
+            <a:ext cx="128105" cy="2113929"/>
+          </a:xfrm>
+          <a:prstGeom prst="bentConnector2">
+            <a:avLst/>
+          </a:prstGeom>
+          <a:ln w="38100">
+            <a:solidFill>
+              <a:srgbClr val="FFC000"/>
+            </a:solidFill>
+            <a:headEnd type="diamond" w="med" len="med"/>
+            <a:tailEnd type="triangle" w="med" len="med"/>
+          </a:ln>
+        </p:spPr>
+        <p:style>
+          <a:lnRef idx="1">
+            <a:schemeClr val="accent6"/>
+          </a:lnRef>
+          <a:fillRef idx="0">
+            <a:schemeClr val="accent6"/>
+          </a:fillRef>
+          <a:effectRef idx="0">
+            <a:schemeClr val="accent6"/>
+          </a:effectRef>
+          <a:fontRef idx="minor">
+            <a:schemeClr val="tx1"/>
+          </a:fontRef>
+        </p:style>
+      </p:cxnSp>
+      <p:sp>
+        <p:nvSpPr>
+          <p:cNvPr id="79" name="사각형: 모서리가 접힌 도형 78">
+            <a:extLst>
+              <a:ext uri="{FF2B5EF4-FFF2-40B4-BE49-F238E27FC236}">
+                <a16:creationId xmlns:a16="http://schemas.microsoft.com/office/drawing/2014/main" id="{4FFFC34E-AB5C-2EA7-5DA2-90E276198FD1}"/>
+              </a:ext>
+            </a:extLst>
+          </p:cNvPr>
+          <p:cNvSpPr/>
+          <p:nvPr/>
+        </p:nvSpPr>
+        <p:spPr>
+          <a:xfrm>
+            <a:off x="9232276" y="4803028"/>
+            <a:ext cx="2437946" cy="568378"/>
+          </a:xfrm>
+          <a:prstGeom prst="foldedCorner">
+            <a:avLst/>
+          </a:prstGeom>
+          <a:solidFill>
+            <a:schemeClr val="accent3">
+              <a:alpha val="50000"/>
+            </a:schemeClr>
+          </a:solidFill>
+          <a:ln>
+            <a:noFill/>
+          </a:ln>
+        </p:spPr>
+        <p:style>
+          <a:lnRef idx="0">
+            <a:scrgbClr r="0" g="0" b="0"/>
+          </a:lnRef>
+          <a:fillRef idx="0">
+            <a:scrgbClr r="0" g="0" b="0"/>
+          </a:fillRef>
+          <a:effectRef idx="0">
+            <a:scrgbClr r="0" g="0" b="0"/>
+          </a:effectRef>
+          <a:fontRef idx="minor">
+            <a:schemeClr val="lt1"/>
+          </a:fontRef>
+        </p:style>
+        <p:txBody>
+          <a:bodyPr rtlCol="0" anchor="ctr"/>
+          <a:lstStyle/>
+          <a:p>
+            <a:pPr algn="ctr"/>
+            <a:r>
+              <a:rPr lang="en-US" altLang="ko-KR" dirty="0"/>
+              <a:t>lib/Cylinder/Double </a:t>
+            </a:r>
+          </a:p>
+          <a:p>
+            <a:pPr algn="ctr"/>
+            <a:r>
+              <a:rPr lang="en-US" altLang="ko-KR" dirty="0"/>
+              <a:t>[</a:t>
+            </a:r>
+            <a:r>
+              <a:rPr lang="en-US" altLang="ko-KR" dirty="0" err="1"/>
+              <a:t>PinB</a:t>
+            </a:r>
+            <a:r>
+              <a:rPr lang="en-US" altLang="ko-KR" dirty="0"/>
+              <a:t>]</a:t>
+            </a:r>
+            <a:endParaRPr lang="ko-KR" altLang="en-US" dirty="0"/>
+          </a:p>
+        </p:txBody>
+      </p:sp>
+      <p:sp>
+        <p:nvSpPr>
+          <p:cNvPr id="7" name="사각형: 모서리가 접힌 도형 6">
+            <a:extLst>
+              <a:ext uri="{FF2B5EF4-FFF2-40B4-BE49-F238E27FC236}">
+                <a16:creationId xmlns:a16="http://schemas.microsoft.com/office/drawing/2014/main" id="{714117EE-2573-5F95-0ABC-EE82E082580E}"/>
+              </a:ext>
+            </a:extLst>
+          </p:cNvPr>
+          <p:cNvSpPr/>
+          <p:nvPr/>
+        </p:nvSpPr>
+        <p:spPr>
+          <a:xfrm>
+            <a:off x="9232276" y="5531195"/>
+            <a:ext cx="2437946" cy="568378"/>
+          </a:xfrm>
+          <a:prstGeom prst="foldedCorner">
+            <a:avLst/>
+          </a:prstGeom>
+          <a:solidFill>
+            <a:schemeClr val="accent3">
+              <a:alpha val="50000"/>
+            </a:schemeClr>
+          </a:solidFill>
+          <a:ln>
+            <a:noFill/>
+          </a:ln>
+        </p:spPr>
+        <p:style>
+          <a:lnRef idx="0">
+            <a:scrgbClr r="0" g="0" b="0"/>
+          </a:lnRef>
+          <a:fillRef idx="0">
+            <a:scrgbClr r="0" g="0" b="0"/>
+          </a:fillRef>
+          <a:effectRef idx="0">
+            <a:scrgbClr r="0" g="0" b="0"/>
+          </a:effectRef>
+          <a:fontRef idx="minor">
+            <a:schemeClr val="lt1"/>
+          </a:fontRef>
+        </p:style>
+        <p:txBody>
+          <a:bodyPr rtlCol="0" anchor="ctr"/>
+          <a:lstStyle/>
+          <a:p>
+            <a:pPr algn="ctr"/>
+            <a:r>
+              <a:rPr lang="en-US" altLang="ko-KR" dirty="0"/>
+              <a:t>lib/Cylinder/Double </a:t>
+            </a:r>
+          </a:p>
+          <a:p>
+            <a:pPr algn="ctr"/>
+            <a:r>
+              <a:rPr lang="en-US" altLang="ko-KR" dirty="0"/>
+              <a:t>[Clamp]2</a:t>
+            </a:r>
+            <a:endParaRPr lang="ko-KR" altLang="en-US" dirty="0"/>
+          </a:p>
+        </p:txBody>
+      </p:sp>
+      <p:sp>
+        <p:nvSpPr>
+          <p:cNvPr id="17" name="사각형: 모서리가 접힌 도형 16">
+            <a:extLst>
+              <a:ext uri="{FF2B5EF4-FFF2-40B4-BE49-F238E27FC236}">
+                <a16:creationId xmlns:a16="http://schemas.microsoft.com/office/drawing/2014/main" id="{E1CA3431-7566-D83F-3452-2359472A35A2}"/>
+              </a:ext>
+            </a:extLst>
+          </p:cNvPr>
+          <p:cNvSpPr/>
+          <p:nvPr/>
+        </p:nvSpPr>
+        <p:spPr>
+          <a:xfrm>
+            <a:off x="9232276" y="6259363"/>
+            <a:ext cx="2437946" cy="568378"/>
+          </a:xfrm>
+          <a:prstGeom prst="foldedCorner">
+            <a:avLst/>
+          </a:prstGeom>
+          <a:solidFill>
+            <a:schemeClr val="accent3">
+              <a:alpha val="50000"/>
+            </a:schemeClr>
+          </a:solidFill>
+          <a:ln>
+            <a:noFill/>
+          </a:ln>
+        </p:spPr>
+        <p:style>
+          <a:lnRef idx="0">
+            <a:scrgbClr r="0" g="0" b="0"/>
+          </a:lnRef>
+          <a:fillRef idx="0">
+            <a:scrgbClr r="0" g="0" b="0"/>
+          </a:fillRef>
+          <a:effectRef idx="0">
+            <a:scrgbClr r="0" g="0" b="0"/>
+          </a:effectRef>
+          <a:fontRef idx="minor">
+            <a:schemeClr val="lt1"/>
+          </a:fontRef>
+        </p:style>
+        <p:txBody>
+          <a:bodyPr rtlCol="0" anchor="ctr"/>
+          <a:lstStyle/>
+          <a:p>
+            <a:pPr algn="ctr"/>
+            <a:r>
+              <a:rPr lang="en-US" altLang="ko-KR" dirty="0"/>
+              <a:t>lib/Cylinder/Double </a:t>
+            </a:r>
+          </a:p>
+          <a:p>
+            <a:pPr algn="ctr"/>
+            <a:r>
+              <a:rPr lang="en-US" altLang="ko-KR" dirty="0"/>
+              <a:t>[Latch]5</a:t>
+            </a:r>
+            <a:endParaRPr lang="ko-KR" altLang="en-US" dirty="0"/>
+          </a:p>
+        </p:txBody>
+      </p:sp>
+      <p:grpSp>
+        <p:nvGrpSpPr>
+          <p:cNvPr id="55" name="그룹 54">
+            <a:extLst>
+              <a:ext uri="{FF2B5EF4-FFF2-40B4-BE49-F238E27FC236}">
+                <a16:creationId xmlns:a16="http://schemas.microsoft.com/office/drawing/2014/main" id="{8EE34B0D-22C8-066B-F07B-3C16D4B975E4}"/>
+              </a:ext>
+            </a:extLst>
+          </p:cNvPr>
+          <p:cNvGrpSpPr/>
+          <p:nvPr/>
+        </p:nvGrpSpPr>
+        <p:grpSpPr>
+          <a:xfrm>
+            <a:off x="8205016" y="4069"/>
+            <a:ext cx="3515488" cy="2181028"/>
+            <a:chOff x="8205016" y="4069"/>
+            <a:chExt cx="3515488" cy="2181028"/>
+          </a:xfrm>
+        </p:grpSpPr>
+        <p:sp>
+          <p:nvSpPr>
+            <p:cNvPr id="14" name="직사각형 13">
+              <a:extLst>
+                <a:ext uri="{FF2B5EF4-FFF2-40B4-BE49-F238E27FC236}">
+                  <a16:creationId xmlns:a16="http://schemas.microsoft.com/office/drawing/2014/main" id="{7F0FAA92-96A9-A5D3-0A1E-4545883E9E65}"/>
+                </a:ext>
+              </a:extLst>
+            </p:cNvPr>
+            <p:cNvSpPr/>
+            <p:nvPr/>
+          </p:nvSpPr>
+          <p:spPr>
+            <a:xfrm>
+              <a:off x="8205016" y="4069"/>
+              <a:ext cx="3515488" cy="2181028"/>
+            </a:xfrm>
+            <a:prstGeom prst="rect">
+              <a:avLst/>
+            </a:prstGeom>
+          </p:spPr>
+          <p:style>
+            <a:lnRef idx="2">
+              <a:schemeClr val="accent1">
+                <a:shade val="15000"/>
+              </a:schemeClr>
+            </a:lnRef>
+            <a:fillRef idx="1">
+              <a:schemeClr val="accent1"/>
+            </a:fillRef>
+            <a:effectRef idx="0">
+              <a:schemeClr val="accent1"/>
+            </a:effectRef>
+            <a:fontRef idx="minor">
+              <a:schemeClr val="lt1"/>
+            </a:fontRef>
+          </p:style>
+          <p:txBody>
+            <a:bodyPr rtlCol="0" anchor="ctr"/>
+            <a:lstStyle/>
+            <a:p>
+              <a:pPr algn="ctr"/>
+              <a:r>
+                <a:rPr lang="en-US" altLang="ko-KR" dirty="0"/>
+                <a:t>R4</a:t>
+              </a:r>
+              <a:endParaRPr lang="ko-KR" altLang="en-US" dirty="0"/>
+            </a:p>
+          </p:txBody>
+        </p:sp>
+        <p:sp>
+          <p:nvSpPr>
+            <p:cNvPr id="3" name="타원 2">
+              <a:extLst>
+                <a:ext uri="{FF2B5EF4-FFF2-40B4-BE49-F238E27FC236}">
+                  <a16:creationId xmlns:a16="http://schemas.microsoft.com/office/drawing/2014/main" id="{40045D59-AC9F-C1A5-B4B3-519490FD2B7A}"/>
+                </a:ext>
+              </a:extLst>
+            </p:cNvPr>
+            <p:cNvSpPr/>
+            <p:nvPr/>
+          </p:nvSpPr>
+          <p:spPr>
+            <a:xfrm>
+              <a:off x="8282021" y="407432"/>
+              <a:ext cx="758778" cy="499161"/>
+            </a:xfrm>
+            <a:prstGeom prst="ellipse">
+              <a:avLst/>
+            </a:prstGeom>
+            <a:solidFill>
+              <a:schemeClr val="accent4">
+                <a:alpha val="50000"/>
+              </a:schemeClr>
+            </a:solidFill>
+            <a:ln>
+              <a:noFill/>
+            </a:ln>
+          </p:spPr>
+          <p:style>
+            <a:lnRef idx="0">
+              <a:scrgbClr r="0" g="0" b="0"/>
+            </a:lnRef>
+            <a:fillRef idx="0">
+              <a:scrgbClr r="0" g="0" b="0"/>
+            </a:fillRef>
+            <a:effectRef idx="0">
+              <a:scrgbClr r="0" g="0" b="0"/>
+            </a:effectRef>
+            <a:fontRef idx="minor">
+              <a:schemeClr val="lt1"/>
+            </a:fontRef>
+          </p:style>
+          <p:txBody>
+            <a:bodyPr rtlCol="0" anchor="ctr"/>
+            <a:lstStyle/>
+            <a:p>
+              <a:pPr algn="ctr"/>
+              <a:r>
+                <a:rPr lang="en-US" altLang="ko-KR" sz="1050" dirty="0"/>
+                <a:t>Latch $ADV</a:t>
+              </a:r>
+              <a:endParaRPr lang="ko-KR" altLang="en-US" sz="1050" dirty="0"/>
+            </a:p>
+          </p:txBody>
+        </p:sp>
+        <p:sp>
+          <p:nvSpPr>
+            <p:cNvPr id="4" name="타원 3">
+              <a:extLst>
+                <a:ext uri="{FF2B5EF4-FFF2-40B4-BE49-F238E27FC236}">
+                  <a16:creationId xmlns:a16="http://schemas.microsoft.com/office/drawing/2014/main" id="{8DEA1278-35F2-757D-3B7E-B8F3D3BA7CA2}"/>
+                </a:ext>
+              </a:extLst>
+            </p:cNvPr>
+            <p:cNvSpPr/>
+            <p:nvPr/>
+          </p:nvSpPr>
+          <p:spPr>
+            <a:xfrm>
+              <a:off x="9321240" y="1583036"/>
+              <a:ext cx="758778" cy="499161"/>
+            </a:xfrm>
+            <a:prstGeom prst="ellipse">
+              <a:avLst/>
+            </a:prstGeom>
+            <a:solidFill>
+              <a:schemeClr val="accent4">
+                <a:alpha val="50000"/>
+              </a:schemeClr>
+            </a:solidFill>
+            <a:ln>
+              <a:noFill/>
+            </a:ln>
+          </p:spPr>
+          <p:style>
+            <a:lnRef idx="0">
+              <a:scrgbClr r="0" g="0" b="0"/>
+            </a:lnRef>
+            <a:fillRef idx="0">
+              <a:scrgbClr r="0" g="0" b="0"/>
+            </a:fillRef>
+            <a:effectRef idx="0">
+              <a:scrgbClr r="0" g="0" b="0"/>
+            </a:effectRef>
+            <a:fontRef idx="minor">
+              <a:schemeClr val="lt1"/>
+            </a:fontRef>
+          </p:style>
+          <p:txBody>
+            <a:bodyPr rtlCol="0" anchor="ctr"/>
+            <a:lstStyle/>
+            <a:p>
+              <a:pPr algn="ctr"/>
+              <a:r>
+                <a:rPr lang="en-US" altLang="ko-KR" sz="1050" dirty="0"/>
+                <a:t>Latch $RET</a:t>
+              </a:r>
+              <a:endParaRPr lang="ko-KR" altLang="en-US" sz="1050" dirty="0"/>
+            </a:p>
+          </p:txBody>
+        </p:sp>
+        <p:cxnSp>
+          <p:nvCxnSpPr>
+            <p:cNvPr id="5" name="연결선: 꺾임 4">
+              <a:extLst>
+                <a:ext uri="{FF2B5EF4-FFF2-40B4-BE49-F238E27FC236}">
+                  <a16:creationId xmlns:a16="http://schemas.microsoft.com/office/drawing/2014/main" id="{027F9686-3E3D-8C25-BCE0-DFEA98B13F0F}"/>
+                </a:ext>
+              </a:extLst>
+            </p:cNvPr>
+            <p:cNvCxnSpPr>
+              <a:cxnSpLocks/>
+              <a:stCxn id="3" idx="5"/>
+              <a:endCxn id="4" idx="1"/>
+            </p:cNvCxnSpPr>
+            <p:nvPr/>
+          </p:nvCxnSpPr>
+          <p:spPr>
+            <a:xfrm rot="16200000" flipH="1">
+              <a:off x="8769698" y="993472"/>
+              <a:ext cx="822643" cy="502682"/>
+            </a:xfrm>
+            <a:prstGeom prst="bentConnector3">
+              <a:avLst/>
+            </a:prstGeom>
+            <a:ln>
+              <a:tailEnd type="triangle"/>
+            </a:ln>
+          </p:spPr>
+          <p:style>
+            <a:lnRef idx="1">
+              <a:schemeClr val="accent4"/>
+            </a:lnRef>
+            <a:fillRef idx="0">
+              <a:schemeClr val="accent4"/>
+            </a:fillRef>
+            <a:effectRef idx="0">
+              <a:schemeClr val="accent4"/>
+            </a:effectRef>
+            <a:fontRef idx="minor">
+              <a:schemeClr val="tx1"/>
+            </a:fontRef>
+          </p:style>
+        </p:cxnSp>
+      </p:grpSp>
+      <p:grpSp>
+        <p:nvGrpSpPr>
+          <p:cNvPr id="33" name="그룹 32">
+            <a:extLst>
+              <a:ext uri="{FF2B5EF4-FFF2-40B4-BE49-F238E27FC236}">
+                <a16:creationId xmlns:a16="http://schemas.microsoft.com/office/drawing/2014/main" id="{6BFA305D-2D6E-C23C-D8C8-884D81F2F964}"/>
+              </a:ext>
+            </a:extLst>
+          </p:cNvPr>
+          <p:cNvGrpSpPr/>
+          <p:nvPr/>
+        </p:nvGrpSpPr>
+        <p:grpSpPr>
+          <a:xfrm>
+            <a:off x="6030416" y="2262565"/>
+            <a:ext cx="1601397" cy="1087145"/>
+            <a:chOff x="6037762" y="2062362"/>
+            <a:chExt cx="1601397" cy="1087145"/>
+          </a:xfrm>
+        </p:grpSpPr>
+        <p:sp>
+          <p:nvSpPr>
+            <p:cNvPr id="107" name="직사각형 106">
+              <a:extLst>
+                <a:ext uri="{FF2B5EF4-FFF2-40B4-BE49-F238E27FC236}">
+                  <a16:creationId xmlns:a16="http://schemas.microsoft.com/office/drawing/2014/main" id="{915BD835-DF4D-92B2-20EE-E079F839EBBE}"/>
+                </a:ext>
+              </a:extLst>
+            </p:cNvPr>
+            <p:cNvSpPr/>
+            <p:nvPr/>
+          </p:nvSpPr>
+          <p:spPr>
+            <a:xfrm>
+              <a:off x="6037762" y="2062362"/>
+              <a:ext cx="1531433" cy="1087145"/>
+            </a:xfrm>
+            <a:prstGeom prst="rect">
+              <a:avLst/>
+            </a:prstGeom>
+          </p:spPr>
+          <p:style>
+            <a:lnRef idx="2">
+              <a:schemeClr val="accent1">
+                <a:shade val="15000"/>
+              </a:schemeClr>
+            </a:lnRef>
+            <a:fillRef idx="1">
+              <a:schemeClr val="accent1"/>
+            </a:fillRef>
+            <a:effectRef idx="0">
+              <a:schemeClr val="accent1"/>
+            </a:effectRef>
+            <a:fontRef idx="minor">
+              <a:schemeClr val="lt1"/>
+            </a:fontRef>
+          </p:style>
+          <p:txBody>
+            <a:bodyPr rtlCol="0" anchor="ctr"/>
+            <a:lstStyle/>
+            <a:p>
+              <a:pPr algn="ctr"/>
+              <a:r>
+                <a:rPr lang="en-US" altLang="ko-KR" dirty="0"/>
+                <a:t>R2</a:t>
+              </a:r>
+              <a:endParaRPr lang="ko-KR" altLang="en-US" dirty="0"/>
+            </a:p>
+          </p:txBody>
+        </p:sp>
+        <p:sp>
+          <p:nvSpPr>
+            <p:cNvPr id="26" name="타원 25">
+              <a:extLst>
+                <a:ext uri="{FF2B5EF4-FFF2-40B4-BE49-F238E27FC236}">
+                  <a16:creationId xmlns:a16="http://schemas.microsoft.com/office/drawing/2014/main" id="{ABEE2C8E-BA8C-2B76-DD09-42AF1BB5187D}"/>
+                </a:ext>
+              </a:extLst>
+            </p:cNvPr>
+            <p:cNvSpPr/>
+            <p:nvPr/>
+          </p:nvSpPr>
+          <p:spPr>
+            <a:xfrm>
+              <a:off x="6069663" y="2124211"/>
+              <a:ext cx="758778" cy="499161"/>
+            </a:xfrm>
+            <a:prstGeom prst="ellipse">
+              <a:avLst/>
+            </a:prstGeom>
+            <a:solidFill>
+              <a:schemeClr val="accent4">
+                <a:alpha val="50000"/>
+              </a:schemeClr>
+            </a:solidFill>
+            <a:ln>
+              <a:noFill/>
+            </a:ln>
+          </p:spPr>
+          <p:style>
+            <a:lnRef idx="0">
+              <a:scrgbClr r="0" g="0" b="0"/>
+            </a:lnRef>
+            <a:fillRef idx="0">
+              <a:scrgbClr r="0" g="0" b="0"/>
+            </a:fillRef>
+            <a:effectRef idx="0">
+              <a:scrgbClr r="0" g="0" b="0"/>
+            </a:effectRef>
+            <a:fontRef idx="minor">
+              <a:schemeClr val="lt1"/>
+            </a:fontRef>
+          </p:style>
+          <p:txBody>
+            <a:bodyPr rtlCol="0" anchor="ctr"/>
+            <a:lstStyle/>
+            <a:p>
+              <a:pPr algn="ctr"/>
+              <a:r>
+                <a:rPr lang="en-US" altLang="ko-KR" sz="1050" dirty="0"/>
+                <a:t>Clamp $ADV</a:t>
+              </a:r>
+              <a:endParaRPr lang="ko-KR" altLang="en-US" sz="1050" dirty="0"/>
+            </a:p>
+          </p:txBody>
+        </p:sp>
+        <p:sp>
+          <p:nvSpPr>
+            <p:cNvPr id="28" name="타원 27">
+              <a:extLst>
+                <a:ext uri="{FF2B5EF4-FFF2-40B4-BE49-F238E27FC236}">
+                  <a16:creationId xmlns:a16="http://schemas.microsoft.com/office/drawing/2014/main" id="{D4DAA7DC-6192-4D1B-35A5-F5D032D07073}"/>
+                </a:ext>
+              </a:extLst>
+            </p:cNvPr>
+            <p:cNvSpPr/>
+            <p:nvPr/>
+          </p:nvSpPr>
+          <p:spPr>
+            <a:xfrm>
+              <a:off x="6880381" y="2575343"/>
+              <a:ext cx="758778" cy="499161"/>
+            </a:xfrm>
+            <a:prstGeom prst="ellipse">
+              <a:avLst/>
+            </a:prstGeom>
+            <a:solidFill>
+              <a:schemeClr val="accent4">
+                <a:alpha val="50000"/>
+              </a:schemeClr>
+            </a:solidFill>
+            <a:ln>
+              <a:noFill/>
+            </a:ln>
+          </p:spPr>
+          <p:style>
+            <a:lnRef idx="0">
+              <a:scrgbClr r="0" g="0" b="0"/>
+            </a:lnRef>
+            <a:fillRef idx="0">
+              <a:scrgbClr r="0" g="0" b="0"/>
+            </a:fillRef>
+            <a:effectRef idx="0">
+              <a:scrgbClr r="0" g="0" b="0"/>
+            </a:effectRef>
+            <a:fontRef idx="minor">
+              <a:schemeClr val="lt1"/>
+            </a:fontRef>
+          </p:style>
+          <p:txBody>
+            <a:bodyPr rtlCol="0" anchor="ctr"/>
+            <a:lstStyle/>
+            <a:p>
+              <a:pPr algn="ctr"/>
+              <a:r>
+                <a:rPr lang="en-US" altLang="ko-KR" sz="1050" dirty="0"/>
+                <a:t>Clamp $RET</a:t>
+              </a:r>
+              <a:endParaRPr lang="ko-KR" altLang="en-US" sz="1050" dirty="0"/>
+            </a:p>
+          </p:txBody>
+        </p:sp>
+        <p:cxnSp>
+          <p:nvCxnSpPr>
+            <p:cNvPr id="29" name="연결선: 꺾임 28">
+              <a:extLst>
+                <a:ext uri="{FF2B5EF4-FFF2-40B4-BE49-F238E27FC236}">
+                  <a16:creationId xmlns:a16="http://schemas.microsoft.com/office/drawing/2014/main" id="{2C7C2411-0A06-CFA6-9C89-8E6C7FB3F216}"/>
+                </a:ext>
+              </a:extLst>
+            </p:cNvPr>
+            <p:cNvCxnSpPr>
+              <a:cxnSpLocks/>
+              <a:stCxn id="26" idx="4"/>
+              <a:endCxn id="28" idx="3"/>
+            </p:cNvCxnSpPr>
+            <p:nvPr/>
+          </p:nvCxnSpPr>
+          <p:spPr>
+            <a:xfrm rot="16200000" flipH="1">
+              <a:off x="6531260" y="2541163"/>
+              <a:ext cx="378032" cy="542449"/>
+            </a:xfrm>
+            <a:prstGeom prst="bentConnector3">
+              <a:avLst>
+                <a:gd name="adj1" fmla="val 179808"/>
+              </a:avLst>
+            </a:prstGeom>
+            <a:ln>
+              <a:tailEnd type="triangle"/>
+            </a:ln>
+          </p:spPr>
+          <p:style>
+            <a:lnRef idx="1">
+              <a:schemeClr val="accent4"/>
+            </a:lnRef>
+            <a:fillRef idx="0">
+              <a:schemeClr val="accent4"/>
+            </a:fillRef>
+            <a:effectRef idx="0">
+              <a:schemeClr val="accent4"/>
+            </a:effectRef>
+            <a:fontRef idx="minor">
+              <a:schemeClr val="tx1"/>
+            </a:fontRef>
+          </p:style>
+        </p:cxnSp>
+      </p:grpSp>
+      <p:sp>
+        <p:nvSpPr>
+          <p:cNvPr id="34" name="사각형: 모서리가 접힌 도형 33">
+            <a:extLst>
+              <a:ext uri="{FF2B5EF4-FFF2-40B4-BE49-F238E27FC236}">
+                <a16:creationId xmlns:a16="http://schemas.microsoft.com/office/drawing/2014/main" id="{C3D2AFE5-0603-1136-2006-76B1E50AD071}"/>
+              </a:ext>
+            </a:extLst>
+          </p:cNvPr>
+          <p:cNvSpPr/>
+          <p:nvPr/>
+        </p:nvSpPr>
+        <p:spPr>
+          <a:xfrm>
+            <a:off x="6677415" y="4803028"/>
+            <a:ext cx="2437946" cy="568378"/>
+          </a:xfrm>
+          <a:prstGeom prst="foldedCorner">
+            <a:avLst/>
+          </a:prstGeom>
+          <a:solidFill>
+            <a:schemeClr val="accent3">
+              <a:alpha val="50000"/>
+            </a:schemeClr>
+          </a:solidFill>
+          <a:ln>
+            <a:noFill/>
+          </a:ln>
+        </p:spPr>
+        <p:style>
+          <a:lnRef idx="0">
+            <a:scrgbClr r="0" g="0" b="0"/>
+          </a:lnRef>
+          <a:fillRef idx="0">
+            <a:scrgbClr r="0" g="0" b="0"/>
+          </a:fillRef>
+          <a:effectRef idx="0">
+            <a:scrgbClr r="0" g="0" b="0"/>
+          </a:effectRef>
+          <a:fontRef idx="minor">
+            <a:schemeClr val="lt1"/>
+          </a:fontRef>
+        </p:style>
+        <p:txBody>
+          <a:bodyPr rtlCol="0" anchor="ctr"/>
+          <a:lstStyle/>
+          <a:p>
+            <a:pPr algn="ctr"/>
+            <a:r>
+              <a:rPr lang="en-US" altLang="ko-KR" dirty="0"/>
+              <a:t>lib/Cylinder/Double </a:t>
+            </a:r>
+          </a:p>
+          <a:p>
+            <a:pPr algn="ctr"/>
+            <a:r>
+              <a:rPr lang="en-US" altLang="ko-KR" dirty="0"/>
+              <a:t>[</a:t>
+            </a:r>
+            <a:r>
+              <a:rPr lang="en-US" altLang="ko-KR" dirty="0" err="1"/>
+              <a:t>PinA</a:t>
+            </a:r>
+            <a:r>
+              <a:rPr lang="en-US" altLang="ko-KR" dirty="0"/>
+              <a:t>]</a:t>
+            </a:r>
+            <a:endParaRPr lang="ko-KR" altLang="en-US" dirty="0"/>
+          </a:p>
+        </p:txBody>
+      </p:sp>
+      <p:grpSp>
+        <p:nvGrpSpPr>
+          <p:cNvPr id="44" name="그룹 43">
+            <a:extLst>
+              <a:ext uri="{FF2B5EF4-FFF2-40B4-BE49-F238E27FC236}">
+                <a16:creationId xmlns:a16="http://schemas.microsoft.com/office/drawing/2014/main" id="{E2B50E5B-2B39-4E96-458F-85B96ABBB3B4}"/>
+              </a:ext>
+            </a:extLst>
+          </p:cNvPr>
+          <p:cNvGrpSpPr/>
+          <p:nvPr/>
+        </p:nvGrpSpPr>
+        <p:grpSpPr>
+          <a:xfrm>
+            <a:off x="331486" y="1236651"/>
+            <a:ext cx="5282180" cy="2917639"/>
+            <a:chOff x="331486" y="1236651"/>
+            <a:chExt cx="5282180" cy="2917639"/>
+          </a:xfrm>
+        </p:grpSpPr>
+        <p:grpSp>
+          <p:nvGrpSpPr>
+            <p:cNvPr id="16" name="그룹 15">
+              <a:extLst>
+                <a:ext uri="{FF2B5EF4-FFF2-40B4-BE49-F238E27FC236}">
+                  <a16:creationId xmlns:a16="http://schemas.microsoft.com/office/drawing/2014/main" id="{90FC8CF1-2B85-11A3-58EB-E351DAA6A162}"/>
+                </a:ext>
+              </a:extLst>
+            </p:cNvPr>
+            <p:cNvGrpSpPr/>
+            <p:nvPr/>
+          </p:nvGrpSpPr>
+          <p:grpSpPr>
+            <a:xfrm>
+              <a:off x="331486" y="1236651"/>
+              <a:ext cx="5282180" cy="2917639"/>
+              <a:chOff x="356674" y="1216886"/>
+              <a:chExt cx="5282180" cy="2917639"/>
+            </a:xfrm>
+          </p:grpSpPr>
+          <p:sp>
+            <p:nvSpPr>
+              <p:cNvPr id="94" name="직사각형 93">
+                <a:extLst>
+                  <a:ext uri="{FF2B5EF4-FFF2-40B4-BE49-F238E27FC236}">
+                    <a16:creationId xmlns:a16="http://schemas.microsoft.com/office/drawing/2014/main" id="{50002DFC-06DB-5F32-EB21-2D6DF916CB2E}"/>
+                  </a:ext>
+                </a:extLst>
+              </p:cNvPr>
+              <p:cNvSpPr/>
+              <p:nvPr/>
+            </p:nvSpPr>
+            <p:spPr>
+              <a:xfrm>
+                <a:off x="356674" y="1216886"/>
+                <a:ext cx="5282180" cy="2917639"/>
+              </a:xfrm>
+              <a:prstGeom prst="rect">
+                <a:avLst/>
+              </a:prstGeom>
+            </p:spPr>
+            <p:style>
+              <a:lnRef idx="2">
+                <a:schemeClr val="accent1">
+                  <a:shade val="15000"/>
+                </a:schemeClr>
+              </a:lnRef>
+              <a:fillRef idx="1">
+                <a:schemeClr val="accent1"/>
+              </a:fillRef>
+              <a:effectRef idx="0">
+                <a:schemeClr val="accent1"/>
+              </a:effectRef>
+              <a:fontRef idx="minor">
+                <a:schemeClr val="lt1"/>
+              </a:fontRef>
+            </p:style>
+            <p:txBody>
+              <a:bodyPr rtlCol="0" anchor="ctr"/>
+              <a:lstStyle/>
+              <a:p>
+                <a:pPr algn="ctr"/>
+                <a:r>
+                  <a:rPr lang="en-US" altLang="ko-KR" dirty="0"/>
+                  <a:t>R1</a:t>
+                </a:r>
+                <a:endParaRPr lang="ko-KR" altLang="en-US" dirty="0"/>
+              </a:p>
+            </p:txBody>
+          </p:sp>
+          <p:sp>
+            <p:nvSpPr>
+              <p:cNvPr id="10" name="타원 9">
+                <a:extLst>
+                  <a:ext uri="{FF2B5EF4-FFF2-40B4-BE49-F238E27FC236}">
+                    <a16:creationId xmlns:a16="http://schemas.microsoft.com/office/drawing/2014/main" id="{FCDAA94B-9830-4764-06B1-1D60DCB829DC}"/>
+                  </a:ext>
+                </a:extLst>
+              </p:cNvPr>
+              <p:cNvSpPr/>
+              <p:nvPr/>
+            </p:nvSpPr>
+            <p:spPr>
+              <a:xfrm>
+                <a:off x="859603" y="1881292"/>
+                <a:ext cx="758778" cy="499161"/>
+              </a:xfrm>
+              <a:prstGeom prst="ellipse">
+                <a:avLst/>
+              </a:prstGeom>
+              <a:solidFill>
+                <a:schemeClr val="accent4">
+                  <a:alpha val="50000"/>
+                </a:schemeClr>
+              </a:solidFill>
+              <a:ln>
+                <a:noFill/>
+              </a:ln>
+            </p:spPr>
+            <p:style>
+              <a:lnRef idx="0">
+                <a:scrgbClr r="0" g="0" b="0"/>
+              </a:lnRef>
+              <a:fillRef idx="0">
+                <a:scrgbClr r="0" g="0" b="0"/>
+              </a:fillRef>
+              <a:effectRef idx="0">
+                <a:scrgbClr r="0" g="0" b="0"/>
+              </a:effectRef>
+              <a:fontRef idx="minor">
+                <a:schemeClr val="lt1"/>
+              </a:fontRef>
+            </p:style>
+            <p:txBody>
+              <a:bodyPr rtlCol="0" anchor="ctr"/>
+              <a:lstStyle/>
+              <a:p>
+                <a:pPr algn="ctr"/>
+                <a:r>
+                  <a:rPr lang="en-US" altLang="ko-KR" sz="1050" dirty="0" err="1"/>
+                  <a:t>PinA</a:t>
+                </a:r>
+                <a:r>
+                  <a:rPr lang="en-US" altLang="ko-KR" sz="1050" dirty="0"/>
+                  <a:t> $ADV</a:t>
+                </a:r>
+                <a:endParaRPr lang="ko-KR" altLang="en-US" sz="1050" dirty="0"/>
+              </a:p>
+            </p:txBody>
+          </p:sp>
+          <p:sp>
+            <p:nvSpPr>
+              <p:cNvPr id="11" name="타원 10">
+                <a:extLst>
+                  <a:ext uri="{FF2B5EF4-FFF2-40B4-BE49-F238E27FC236}">
+                    <a16:creationId xmlns:a16="http://schemas.microsoft.com/office/drawing/2014/main" id="{97560454-D4B5-A91B-3FF0-846F2FC2FD93}"/>
+                  </a:ext>
+                </a:extLst>
+              </p:cNvPr>
+              <p:cNvSpPr/>
+              <p:nvPr/>
+            </p:nvSpPr>
+            <p:spPr>
+              <a:xfrm>
+                <a:off x="1898822" y="3056896"/>
+                <a:ext cx="758778" cy="499161"/>
+              </a:xfrm>
+              <a:prstGeom prst="ellipse">
+                <a:avLst/>
+              </a:prstGeom>
+              <a:solidFill>
+                <a:schemeClr val="accent4">
+                  <a:alpha val="50000"/>
+                </a:schemeClr>
+              </a:solidFill>
+              <a:ln>
+                <a:noFill/>
+              </a:ln>
+            </p:spPr>
+            <p:style>
+              <a:lnRef idx="0">
+                <a:scrgbClr r="0" g="0" b="0"/>
+              </a:lnRef>
+              <a:fillRef idx="0">
+                <a:scrgbClr r="0" g="0" b="0"/>
+              </a:fillRef>
+              <a:effectRef idx="0">
+                <a:scrgbClr r="0" g="0" b="0"/>
+              </a:effectRef>
+              <a:fontRef idx="minor">
+                <a:schemeClr val="lt1"/>
+              </a:fontRef>
+            </p:style>
+            <p:txBody>
+              <a:bodyPr rtlCol="0" anchor="ctr"/>
+              <a:lstStyle/>
+              <a:p>
+                <a:pPr algn="ctr"/>
+                <a:r>
+                  <a:rPr lang="en-US" altLang="ko-KR" sz="1050" dirty="0" err="1"/>
+                  <a:t>PinA</a:t>
+                </a:r>
+                <a:r>
+                  <a:rPr lang="en-US" altLang="ko-KR" sz="1050" dirty="0"/>
+                  <a:t> $RET</a:t>
+                </a:r>
+                <a:endParaRPr lang="ko-KR" altLang="en-US" sz="1050" dirty="0"/>
+              </a:p>
+            </p:txBody>
+          </p:sp>
+          <p:cxnSp>
+            <p:nvCxnSpPr>
+              <p:cNvPr id="12" name="연결선: 꺾임 11">
+                <a:extLst>
+                  <a:ext uri="{FF2B5EF4-FFF2-40B4-BE49-F238E27FC236}">
+                    <a16:creationId xmlns:a16="http://schemas.microsoft.com/office/drawing/2014/main" id="{B82D86F6-686A-9B3A-FAFB-D9CA95D6B9EE}"/>
+                  </a:ext>
+                </a:extLst>
+              </p:cNvPr>
+              <p:cNvCxnSpPr>
+                <a:cxnSpLocks/>
+                <a:stCxn id="10" idx="5"/>
+                <a:endCxn id="11" idx="1"/>
+              </p:cNvCxnSpPr>
+              <p:nvPr/>
+            </p:nvCxnSpPr>
+            <p:spPr>
+              <a:xfrm rot="16200000" flipH="1">
+                <a:off x="1347280" y="2467332"/>
+                <a:ext cx="822643" cy="502682"/>
+              </a:xfrm>
+              <a:prstGeom prst="bentConnector3">
+                <a:avLst/>
+              </a:prstGeom>
+              <a:ln>
+                <a:tailEnd type="triangle"/>
+              </a:ln>
+            </p:spPr>
+            <p:style>
+              <a:lnRef idx="1">
+                <a:schemeClr val="accent4"/>
+              </a:lnRef>
+              <a:fillRef idx="0">
+                <a:schemeClr val="accent4"/>
+              </a:fillRef>
+              <a:effectRef idx="0">
+                <a:schemeClr val="accent4"/>
+              </a:effectRef>
+              <a:fontRef idx="minor">
+                <a:schemeClr val="tx1"/>
+              </a:fontRef>
+            </p:style>
+          </p:cxnSp>
+        </p:grpSp>
+        <p:sp>
+          <p:nvSpPr>
+            <p:cNvPr id="35" name="타원 34">
+              <a:extLst>
+                <a:ext uri="{FF2B5EF4-FFF2-40B4-BE49-F238E27FC236}">
+                  <a16:creationId xmlns:a16="http://schemas.microsoft.com/office/drawing/2014/main" id="{012DE983-D75D-B7F5-3F82-C437BB089E4F}"/>
+                </a:ext>
+              </a:extLst>
+            </p:cNvPr>
+            <p:cNvSpPr/>
+            <p:nvPr/>
+          </p:nvSpPr>
+          <p:spPr>
+            <a:xfrm>
+              <a:off x="2779948" y="1729131"/>
+              <a:ext cx="758778" cy="499161"/>
+            </a:xfrm>
+            <a:prstGeom prst="ellipse">
+              <a:avLst/>
+            </a:prstGeom>
+            <a:solidFill>
+              <a:schemeClr val="accent4">
+                <a:alpha val="50000"/>
+              </a:schemeClr>
+            </a:solidFill>
+            <a:ln>
+              <a:noFill/>
+            </a:ln>
+          </p:spPr>
+          <p:style>
+            <a:lnRef idx="0">
+              <a:scrgbClr r="0" g="0" b="0"/>
+            </a:lnRef>
+            <a:fillRef idx="0">
+              <a:scrgbClr r="0" g="0" b="0"/>
+            </a:fillRef>
+            <a:effectRef idx="0">
+              <a:scrgbClr r="0" g="0" b="0"/>
+            </a:effectRef>
+            <a:fontRef idx="minor">
+              <a:schemeClr val="lt1"/>
+            </a:fontRef>
+          </p:style>
+          <p:txBody>
+            <a:bodyPr rtlCol="0" anchor="ctr"/>
+            <a:lstStyle/>
+            <a:p>
+              <a:pPr algn="ctr"/>
+              <a:r>
+                <a:rPr lang="en-US" altLang="ko-KR" sz="1050" dirty="0" err="1"/>
+                <a:t>PinB</a:t>
+              </a:r>
+              <a:r>
+                <a:rPr lang="en-US" altLang="ko-KR" sz="1050" dirty="0"/>
+                <a:t> $ADV</a:t>
+              </a:r>
+              <a:endParaRPr lang="ko-KR" altLang="en-US" sz="1050" dirty="0"/>
+            </a:p>
+          </p:txBody>
+        </p:sp>
+        <p:sp>
+          <p:nvSpPr>
+            <p:cNvPr id="36" name="타원 35">
+              <a:extLst>
+                <a:ext uri="{FF2B5EF4-FFF2-40B4-BE49-F238E27FC236}">
+                  <a16:creationId xmlns:a16="http://schemas.microsoft.com/office/drawing/2014/main" id="{7E254FA6-B087-A662-0AA6-33D09FCECEDF}"/>
+                </a:ext>
+              </a:extLst>
+            </p:cNvPr>
+            <p:cNvSpPr/>
+            <p:nvPr/>
+          </p:nvSpPr>
+          <p:spPr>
+            <a:xfrm>
+              <a:off x="3819167" y="2904735"/>
+              <a:ext cx="758778" cy="499161"/>
+            </a:xfrm>
+            <a:prstGeom prst="ellipse">
+              <a:avLst/>
+            </a:prstGeom>
+            <a:solidFill>
+              <a:schemeClr val="accent4">
+                <a:alpha val="50000"/>
+              </a:schemeClr>
+            </a:solidFill>
+            <a:ln>
+              <a:noFill/>
+            </a:ln>
+          </p:spPr>
+          <p:style>
+            <a:lnRef idx="0">
+              <a:scrgbClr r="0" g="0" b="0"/>
+            </a:lnRef>
+            <a:fillRef idx="0">
+              <a:scrgbClr r="0" g="0" b="0"/>
+            </a:fillRef>
+            <a:effectRef idx="0">
+              <a:scrgbClr r="0" g="0" b="0"/>
+            </a:effectRef>
+            <a:fontRef idx="minor">
+              <a:schemeClr val="lt1"/>
+            </a:fontRef>
+          </p:style>
+          <p:txBody>
+            <a:bodyPr rtlCol="0" anchor="ctr"/>
+            <a:lstStyle/>
+            <a:p>
+              <a:pPr algn="ctr"/>
+              <a:r>
+                <a:rPr lang="en-US" altLang="ko-KR" sz="1050" dirty="0" err="1"/>
+                <a:t>PinB</a:t>
+              </a:r>
+              <a:r>
+                <a:rPr lang="en-US" altLang="ko-KR" sz="1050" dirty="0"/>
+                <a:t> $RET</a:t>
+              </a:r>
+              <a:endParaRPr lang="ko-KR" altLang="en-US" sz="1050" dirty="0"/>
+            </a:p>
+          </p:txBody>
+        </p:sp>
+        <p:cxnSp>
+          <p:nvCxnSpPr>
+            <p:cNvPr id="37" name="연결선: 꺾임 36">
+              <a:extLst>
+                <a:ext uri="{FF2B5EF4-FFF2-40B4-BE49-F238E27FC236}">
+                  <a16:creationId xmlns:a16="http://schemas.microsoft.com/office/drawing/2014/main" id="{B154AC2D-B472-8895-75AE-FC5DCF5D6EDB}"/>
+                </a:ext>
+              </a:extLst>
+            </p:cNvPr>
+            <p:cNvCxnSpPr>
+              <a:cxnSpLocks/>
+              <a:stCxn id="35" idx="5"/>
+              <a:endCxn id="36" idx="1"/>
+            </p:cNvCxnSpPr>
+            <p:nvPr/>
+          </p:nvCxnSpPr>
+          <p:spPr>
+            <a:xfrm rot="16200000" flipH="1">
+              <a:off x="3267625" y="2315171"/>
+              <a:ext cx="822643" cy="502682"/>
+            </a:xfrm>
+            <a:prstGeom prst="bentConnector3">
+              <a:avLst/>
+            </a:prstGeom>
+            <a:ln>
+              <a:tailEnd type="triangle"/>
+            </a:ln>
+          </p:spPr>
+          <p:style>
+            <a:lnRef idx="1">
+              <a:schemeClr val="accent4"/>
+            </a:lnRef>
+            <a:fillRef idx="0">
+              <a:schemeClr val="accent4"/>
+            </a:fillRef>
+            <a:effectRef idx="0">
+              <a:schemeClr val="accent4"/>
+            </a:effectRef>
+            <a:fontRef idx="minor">
+              <a:schemeClr val="tx1"/>
+            </a:fontRef>
+          </p:style>
+        </p:cxnSp>
+        <p:cxnSp>
+          <p:nvCxnSpPr>
+            <p:cNvPr id="38" name="연결선: 꺾임 37">
+              <a:extLst>
+                <a:ext uri="{FF2B5EF4-FFF2-40B4-BE49-F238E27FC236}">
+                  <a16:creationId xmlns:a16="http://schemas.microsoft.com/office/drawing/2014/main" id="{9FEC5249-886D-4E91-096E-1136ED2A4E38}"/>
+                </a:ext>
+              </a:extLst>
+            </p:cNvPr>
+            <p:cNvCxnSpPr>
+              <a:cxnSpLocks/>
+              <a:stCxn id="10" idx="6"/>
+              <a:endCxn id="35" idx="2"/>
+            </p:cNvCxnSpPr>
+            <p:nvPr/>
+          </p:nvCxnSpPr>
+          <p:spPr>
+            <a:xfrm flipV="1">
+              <a:off x="1593193" y="1978712"/>
+              <a:ext cx="1186755" cy="171926"/>
+            </a:xfrm>
+            <a:prstGeom prst="bentConnector3">
+              <a:avLst/>
+            </a:prstGeom>
+            <a:ln>
+              <a:tailEnd type="triangle"/>
+            </a:ln>
+          </p:spPr>
+          <p:style>
+            <a:lnRef idx="1">
+              <a:schemeClr val="accent4"/>
+            </a:lnRef>
+            <a:fillRef idx="0">
+              <a:schemeClr val="accent4"/>
+            </a:fillRef>
+            <a:effectRef idx="0">
+              <a:schemeClr val="accent4"/>
+            </a:effectRef>
+            <a:fontRef idx="minor">
+              <a:schemeClr val="tx1"/>
+            </a:fontRef>
+          </p:style>
+        </p:cxnSp>
+        <p:cxnSp>
+          <p:nvCxnSpPr>
+            <p:cNvPr id="41" name="연결선: 꺾임 40">
+              <a:extLst>
+                <a:ext uri="{FF2B5EF4-FFF2-40B4-BE49-F238E27FC236}">
+                  <a16:creationId xmlns:a16="http://schemas.microsoft.com/office/drawing/2014/main" id="{0FB9EC74-793F-271C-E581-BC517FD8F9E9}"/>
+                </a:ext>
+              </a:extLst>
+            </p:cNvPr>
+            <p:cNvCxnSpPr>
+              <a:cxnSpLocks/>
+              <a:stCxn id="11" idx="6"/>
+              <a:endCxn id="36" idx="2"/>
+            </p:cNvCxnSpPr>
+            <p:nvPr/>
+          </p:nvCxnSpPr>
+          <p:spPr>
+            <a:xfrm flipV="1">
+              <a:off x="2632412" y="3154316"/>
+              <a:ext cx="1186755" cy="171926"/>
+            </a:xfrm>
+            <a:prstGeom prst="bentConnector3">
+              <a:avLst>
+                <a:gd name="adj1" fmla="val 50000"/>
+              </a:avLst>
+            </a:prstGeom>
+            <a:ln>
+              <a:tailEnd type="triangle"/>
+            </a:ln>
+          </p:spPr>
+          <p:style>
+            <a:lnRef idx="1">
+              <a:schemeClr val="accent4"/>
+            </a:lnRef>
+            <a:fillRef idx="0">
+              <a:schemeClr val="accent4"/>
+            </a:fillRef>
+            <a:effectRef idx="0">
+              <a:schemeClr val="accent4"/>
+            </a:effectRef>
+            <a:fontRef idx="minor">
+              <a:schemeClr val="tx1"/>
+            </a:fontRef>
+          </p:style>
+        </p:cxnSp>
+      </p:grpSp>
+    </p:spTree>
+    <p:extLst>
+      <p:ext uri="{BB962C8B-B14F-4D97-AF65-F5344CB8AC3E}">
+        <p14:creationId xmlns:p14="http://schemas.microsoft.com/office/powerpoint/2010/main" val="2435041536"/>
       </p:ext>
     </p:extLst>
   </p:cSld>

--- a/DsDotNet/src/UnitTest/UnitTest.Model/ImportOfficeExample/Sample/s.pptx
+++ b/DsDotNet/src/UnitTest/UnitTest.Model/ImportOfficeExample/Sample/s.pptx
@@ -13138,7 +13138,7 @@
 </file>
 
 <file path=ppt/slides/slide10.xml><?xml version="1.0" encoding="utf-8"?>
-<p:sld xmlns:a="http://schemas.openxmlformats.org/drawingml/2006/main" xmlns:r="http://schemas.openxmlformats.org/officeDocument/2006/relationships" xmlns:p="http://schemas.openxmlformats.org/presentationml/2006/main">
+<p:sld xmlns:a="http://schemas.openxmlformats.org/drawingml/2006/main" xmlns:r="http://schemas.openxmlformats.org/officeDocument/2006/relationships" xmlns:p="http://schemas.openxmlformats.org/presentationml/2006/main" show="0">
   <p:cSld>
     <p:spTree>
       <p:nvGrpSpPr>
@@ -14912,7 +14912,7 @@
 </file>
 
 <file path=ppt/slides/slide11.xml><?xml version="1.0" encoding="utf-8"?>
-<p:sld xmlns:a="http://schemas.openxmlformats.org/drawingml/2006/main" xmlns:r="http://schemas.openxmlformats.org/officeDocument/2006/relationships" xmlns:p="http://schemas.openxmlformats.org/presentationml/2006/main">
+<p:sld xmlns:a="http://schemas.openxmlformats.org/drawingml/2006/main" xmlns:r="http://schemas.openxmlformats.org/officeDocument/2006/relationships" xmlns:p="http://schemas.openxmlformats.org/presentationml/2006/main" show="0">
   <p:cSld>
     <p:spTree>
       <p:nvGrpSpPr>
@@ -16686,7 +16686,7 @@
 </file>
 
 <file path=ppt/slides/slide12.xml><?xml version="1.0" encoding="utf-8"?>
-<p:sld xmlns:a="http://schemas.openxmlformats.org/drawingml/2006/main" xmlns:r="http://schemas.openxmlformats.org/officeDocument/2006/relationships" xmlns:p="http://schemas.openxmlformats.org/presentationml/2006/main">
+<p:sld xmlns:a="http://schemas.openxmlformats.org/drawingml/2006/main" xmlns:r="http://schemas.openxmlformats.org/officeDocument/2006/relationships" xmlns:p="http://schemas.openxmlformats.org/presentationml/2006/main" show="0">
   <p:cSld>
     <p:spTree>
       <p:nvGrpSpPr>
@@ -34489,7 +34489,7 @@
 </file>
 
 <file path=ppt/slides/slide9.xml><?xml version="1.0" encoding="utf-8"?>
-<p:sld xmlns:a="http://schemas.openxmlformats.org/drawingml/2006/main" xmlns:r="http://schemas.openxmlformats.org/officeDocument/2006/relationships" xmlns:p="http://schemas.openxmlformats.org/presentationml/2006/main">
+<p:sld xmlns:a="http://schemas.openxmlformats.org/drawingml/2006/main" xmlns:r="http://schemas.openxmlformats.org/officeDocument/2006/relationships" xmlns:p="http://schemas.openxmlformats.org/presentationml/2006/main" show="0">
   <p:cSld>
     <p:spTree>
       <p:nvGrpSpPr>

--- a/DsDotNet/src/UnitTest/UnitTest.Model/ImportOfficeExample/Sample/s.pptx
+++ b/DsDotNet/src/UnitTest/UnitTest.Model/ImportOfficeExample/Sample/s.pptx
@@ -241,7 +241,7 @@
           <a:p>
             <a:fld id="{DD503887-5801-43A0-AEF9-041E8DDC2558}" type="datetimeFigureOut">
               <a:rPr lang="ko-KR" altLang="en-US" smtClean="0"/>
-              <a:t>2023-08-19</a:t>
+              <a:t>2023-08-27</a:t>
             </a:fld>
             <a:endParaRPr lang="ko-KR" altLang="en-US" dirty="0"/>
           </a:p>
@@ -418,7 +418,7 @@
           <a:p>
             <a:fld id="{95336A0E-57B1-4D4C-BD9B-2F72B5943464}" type="datetimeFigureOut">
               <a:rPr lang="ko-KR" altLang="en-US" smtClean="0"/>
-              <a:t>2023-08-19</a:t>
+              <a:t>2023-08-27</a:t>
             </a:fld>
             <a:endParaRPr lang="ko-KR" altLang="en-US" dirty="0"/>
           </a:p>
@@ -729,7 +729,14 @@
           <a:bodyPr/>
           <a:lstStyle/>
           <a:p>
-            <a:endParaRPr lang="ko-KR" altLang="en-US" dirty="0"/>
+            <a:endParaRPr lang="en-US" altLang="ko-KR" sz="1800" b="1" i="0" u="none" strike="noStrike" dirty="0">
+              <a:solidFill>
+                <a:srgbClr val="000000"/>
+              </a:solidFill>
+              <a:effectLst/>
+              <a:latin typeface="맑은 고딕" panose="020B0503020000020004" pitchFamily="50" charset="-127"/>
+              <a:ea typeface="맑은 고딕" panose="020B0503020000020004" pitchFamily="50" charset="-127"/>
+            </a:endParaRPr>
           </a:p>
         </p:txBody>
       </p:sp>
@@ -916,7 +923,7 @@
           <a:p>
             <a:fld id="{229D12C7-0FF5-4972-A033-474EFFC79F40}" type="datetime1">
               <a:rPr lang="ko-KR" altLang="en-US" smtClean="0"/>
-              <a:t>2023-08-19</a:t>
+              <a:t>2023-08-27</a:t>
             </a:fld>
             <a:endParaRPr lang="ko-KR" altLang="en-US" dirty="0"/>
           </a:p>
@@ -1114,7 +1121,7 @@
           <a:p>
             <a:fld id="{5BA19FD4-B052-4F56-8FD8-EAFD078DEFB0}" type="datetime1">
               <a:rPr lang="ko-KR" altLang="en-US" smtClean="0"/>
-              <a:t>2023-08-19</a:t>
+              <a:t>2023-08-27</a:t>
             </a:fld>
             <a:endParaRPr lang="ko-KR" altLang="en-US" dirty="0"/>
           </a:p>
@@ -1322,7 +1329,7 @@
           <a:p>
             <a:fld id="{024994B9-23A6-4B0A-A038-AC140E83DAA3}" type="datetime1">
               <a:rPr lang="ko-KR" altLang="en-US" smtClean="0"/>
-              <a:t>2023-08-19</a:t>
+              <a:t>2023-08-27</a:t>
             </a:fld>
             <a:endParaRPr lang="ko-KR" altLang="en-US" dirty="0"/>
           </a:p>
@@ -1464,7 +1471,7 @@
           <a:p>
             <a:fld id="{B5B1BBC2-B738-4C35-AEE5-660EB2DEB482}" type="datetime1">
               <a:rPr lang="ko-KR" altLang="en-US" smtClean="0"/>
-              <a:t>2023-08-19</a:t>
+              <a:t>2023-08-27</a:t>
             </a:fld>
             <a:endParaRPr lang="ko-KR" altLang="en-US" dirty="0"/>
           </a:p>
@@ -6131,7 +6138,7 @@
           <a:p>
             <a:fld id="{70D0DAB2-87CB-4028-B965-3AA710ADF2CB}" type="datetime1">
               <a:rPr lang="ko-KR" altLang="en-US" smtClean="0"/>
-              <a:t>2023-08-19</a:t>
+              <a:t>2023-08-27</a:t>
             </a:fld>
             <a:endParaRPr lang="ko-KR" altLang="en-US" dirty="0"/>
           </a:p>
@@ -6406,7 +6413,7 @@
           <a:p>
             <a:fld id="{63FA3D71-FEA8-477F-9D1E-EA860F411BC7}" type="datetime1">
               <a:rPr lang="ko-KR" altLang="en-US" smtClean="0"/>
-              <a:t>2023-08-19</a:t>
+              <a:t>2023-08-27</a:t>
             </a:fld>
             <a:endParaRPr lang="ko-KR" altLang="en-US" dirty="0"/>
           </a:p>
@@ -6671,7 +6678,7 @@
           <a:p>
             <a:fld id="{F58E3EF4-7980-4C97-BA64-EC66995BB574}" type="datetime1">
               <a:rPr lang="ko-KR" altLang="en-US" smtClean="0"/>
-              <a:t>2023-08-19</a:t>
+              <a:t>2023-08-27</a:t>
             </a:fld>
             <a:endParaRPr lang="ko-KR" altLang="en-US" dirty="0"/>
           </a:p>
@@ -7083,7 +7090,7 @@
           <a:p>
             <a:fld id="{FC9BC1D0-7D6B-4634-9D19-644040D74EAE}" type="datetime1">
               <a:rPr lang="ko-KR" altLang="en-US" smtClean="0"/>
-              <a:t>2023-08-19</a:t>
+              <a:t>2023-08-27</a:t>
             </a:fld>
             <a:endParaRPr lang="ko-KR" altLang="en-US" dirty="0"/>
           </a:p>
@@ -7224,7 +7231,7 @@
           <a:p>
             <a:fld id="{B5B1BBC2-B738-4C35-AEE5-660EB2DEB482}" type="datetime1">
               <a:rPr lang="ko-KR" altLang="en-US" smtClean="0"/>
-              <a:t>2023-08-19</a:t>
+              <a:t>2023-08-27</a:t>
             </a:fld>
             <a:endParaRPr lang="ko-KR" altLang="en-US" dirty="0"/>
           </a:p>
@@ -11806,7 +11813,7 @@
           <a:p>
             <a:fld id="{C60E9F93-7E77-4F36-B88C-A425F00C8D91}" type="datetime1">
               <a:rPr lang="ko-KR" altLang="en-US" smtClean="0"/>
-              <a:t>2023-08-19</a:t>
+              <a:t>2023-08-27</a:t>
             </a:fld>
             <a:endParaRPr lang="ko-KR" altLang="en-US" dirty="0"/>
           </a:p>
@@ -12117,7 +12124,7 @@
           <a:p>
             <a:fld id="{36BCCD0E-2A54-4016-BFFC-FEAABCDA6915}" type="datetime1">
               <a:rPr lang="ko-KR" altLang="en-US" smtClean="0"/>
-              <a:t>2023-08-19</a:t>
+              <a:t>2023-08-27</a:t>
             </a:fld>
             <a:endParaRPr lang="ko-KR" altLang="en-US" dirty="0"/>
           </a:p>
@@ -12405,7 +12412,7 @@
           <a:p>
             <a:fld id="{C984B0C4-64BA-4E4C-B5E6-A51EE3F6ED95}" type="datetime1">
               <a:rPr lang="ko-KR" altLang="en-US" smtClean="0"/>
-              <a:t>2023-08-19</a:t>
+              <a:t>2023-08-27</a:t>
             </a:fld>
             <a:endParaRPr lang="ko-KR" altLang="en-US" dirty="0"/>
           </a:p>
@@ -12647,7 +12654,7 @@
           <a:p>
             <a:fld id="{C984B0C4-64BA-4E4C-B5E6-A51EE3F6ED95}" type="datetime1">
               <a:rPr lang="ko-KR" altLang="en-US" smtClean="0"/>
-              <a:t>2023-08-19</a:t>
+              <a:t>2023-08-27</a:t>
             </a:fld>
             <a:endParaRPr lang="ko-KR" altLang="en-US" dirty="0"/>
           </a:p>
@@ -13124,6 +13131,6566 @@
           </a:p>
         </p:txBody>
       </p:sp>
+      <p:graphicFrame>
+        <p:nvGraphicFramePr>
+          <p:cNvPr id="4" name="표 3">
+            <a:extLst>
+              <a:ext uri="{FF2B5EF4-FFF2-40B4-BE49-F238E27FC236}">
+                <a16:creationId xmlns:a16="http://schemas.microsoft.com/office/drawing/2014/main" id="{4D58CAFA-D9D6-2A46-7D0D-1A4B00CD578E}"/>
+              </a:ext>
+            </a:extLst>
+          </p:cNvPr>
+          <p:cNvGraphicFramePr>
+            <a:graphicFrameLocks noGrp="1"/>
+          </p:cNvGraphicFramePr>
+          <p:nvPr>
+            <p:extLst>
+              <p:ext uri="{D42A27DB-BD31-4B8C-83A1-F6EECF244321}">
+                <p14:modId xmlns:p14="http://schemas.microsoft.com/office/powerpoint/2010/main" val="1746028111"/>
+              </p:ext>
+            </p:extLst>
+          </p:nvPr>
+        </p:nvGraphicFramePr>
+        <p:xfrm>
+          <a:off x="8379678" y="2195250"/>
+          <a:ext cx="3535240" cy="4351348"/>
+        </p:xfrm>
+        <a:graphic>
+          <a:graphicData uri="http://schemas.openxmlformats.org/drawingml/2006/table">
+            <a:tbl>
+              <a:tblPr>
+                <a:tableStyleId>{5C22544A-7EE6-4342-B048-85BDC9FD1C3A}</a:tableStyleId>
+              </a:tblPr>
+              <a:tblGrid>
+                <a:gridCol w="398939">
+                  <a:extLst>
+                    <a:ext uri="{9D8B030D-6E8A-4147-A177-3AD203B41FA5}">
+                      <a16:colId xmlns:a16="http://schemas.microsoft.com/office/drawing/2014/main" val="2453668729"/>
+                    </a:ext>
+                  </a:extLst>
+                </a:gridCol>
+                <a:gridCol w="762258">
+                  <a:extLst>
+                    <a:ext uri="{9D8B030D-6E8A-4147-A177-3AD203B41FA5}">
+                      <a16:colId xmlns:a16="http://schemas.microsoft.com/office/drawing/2014/main" val="3932162449"/>
+                    </a:ext>
+                  </a:extLst>
+                </a:gridCol>
+                <a:gridCol w="520045">
+                  <a:extLst>
+                    <a:ext uri="{9D8B030D-6E8A-4147-A177-3AD203B41FA5}">
+                      <a16:colId xmlns:a16="http://schemas.microsoft.com/office/drawing/2014/main" val="390501593"/>
+                    </a:ext>
+                  </a:extLst>
+                </a:gridCol>
+                <a:gridCol w="363319">
+                  <a:extLst>
+                    <a:ext uri="{9D8B030D-6E8A-4147-A177-3AD203B41FA5}">
+                      <a16:colId xmlns:a16="http://schemas.microsoft.com/office/drawing/2014/main" val="3612733420"/>
+                    </a:ext>
+                  </a:extLst>
+                </a:gridCol>
+                <a:gridCol w="434559">
+                  <a:extLst>
+                    <a:ext uri="{9D8B030D-6E8A-4147-A177-3AD203B41FA5}">
+                      <a16:colId xmlns:a16="http://schemas.microsoft.com/office/drawing/2014/main" val="2565388001"/>
+                    </a:ext>
+                  </a:extLst>
+                </a:gridCol>
+                <a:gridCol w="719515">
+                  <a:extLst>
+                    <a:ext uri="{9D8B030D-6E8A-4147-A177-3AD203B41FA5}">
+                      <a16:colId xmlns:a16="http://schemas.microsoft.com/office/drawing/2014/main" val="1763997463"/>
+                    </a:ext>
+                  </a:extLst>
+                </a:gridCol>
+                <a:gridCol w="336605">
+                  <a:extLst>
+                    <a:ext uri="{9D8B030D-6E8A-4147-A177-3AD203B41FA5}">
+                      <a16:colId xmlns:a16="http://schemas.microsoft.com/office/drawing/2014/main" val="1591705495"/>
+                    </a:ext>
+                  </a:extLst>
+                </a:gridCol>
+              </a:tblGrid>
+              <a:tr h="117604">
+                <a:tc>
+                  <a:txBody>
+                    <a:bodyPr/>
+                    <a:lstStyle/>
+                    <a:p>
+                      <a:pPr algn="l" fontAlgn="ctr"/>
+                      <a:r>
+                        <a:rPr lang="en-US" sz="600" u="none" strike="noStrike">
+                          <a:effectLst/>
+                        </a:rPr>
+                        <a:t>Case</a:t>
+                      </a:r>
+                      <a:endParaRPr lang="en-US" sz="600" b="1" i="0" u="none" strike="noStrike">
+                        <a:solidFill>
+                          <a:srgbClr val="000000"/>
+                        </a:solidFill>
+                        <a:effectLst/>
+                        <a:latin typeface="맑은 고딕" panose="020B0503020000020004" pitchFamily="50" charset="-127"/>
+                        <a:ea typeface="맑은 고딕" panose="020B0503020000020004" pitchFamily="50" charset="-127"/>
+                      </a:endParaRPr>
+                    </a:p>
+                  </a:txBody>
+                  <a:tcPr marL="5346" marR="5346" marT="5346" marB="0" anchor="ctr"/>
+                </a:tc>
+                <a:tc>
+                  <a:txBody>
+                    <a:bodyPr/>
+                    <a:lstStyle/>
+                    <a:p>
+                      <a:pPr algn="l" fontAlgn="ctr"/>
+                      <a:r>
+                        <a:rPr lang="en-US" sz="600" u="none" strike="noStrike">
+                          <a:effectLst/>
+                        </a:rPr>
+                        <a:t>Name</a:t>
+                      </a:r>
+                      <a:endParaRPr lang="en-US" sz="600" b="1" i="0" u="none" strike="noStrike">
+                        <a:solidFill>
+                          <a:srgbClr val="000000"/>
+                        </a:solidFill>
+                        <a:effectLst/>
+                        <a:latin typeface="맑은 고딕" panose="020B0503020000020004" pitchFamily="50" charset="-127"/>
+                        <a:ea typeface="맑은 고딕" panose="020B0503020000020004" pitchFamily="50" charset="-127"/>
+                      </a:endParaRPr>
+                    </a:p>
+                  </a:txBody>
+                  <a:tcPr marL="5346" marR="5346" marT="5346" marB="0" anchor="ctr"/>
+                </a:tc>
+                <a:tc>
+                  <a:txBody>
+                    <a:bodyPr/>
+                    <a:lstStyle/>
+                    <a:p>
+                      <a:pPr algn="l" fontAlgn="ctr"/>
+                      <a:r>
+                        <a:rPr lang="en-US" sz="600" u="none" strike="noStrike">
+                          <a:effectLst/>
+                        </a:rPr>
+                        <a:t>DataType</a:t>
+                      </a:r>
+                      <a:endParaRPr lang="en-US" sz="600" b="1" i="0" u="none" strike="noStrike">
+                        <a:solidFill>
+                          <a:srgbClr val="000000"/>
+                        </a:solidFill>
+                        <a:effectLst/>
+                        <a:latin typeface="맑은 고딕" panose="020B0503020000020004" pitchFamily="50" charset="-127"/>
+                        <a:ea typeface="맑은 고딕" panose="020B0503020000020004" pitchFamily="50" charset="-127"/>
+                      </a:endParaRPr>
+                    </a:p>
+                  </a:txBody>
+                  <a:tcPr marL="5346" marR="5346" marT="5346" marB="0" anchor="ctr"/>
+                </a:tc>
+                <a:tc>
+                  <a:txBody>
+                    <a:bodyPr/>
+                    <a:lstStyle/>
+                    <a:p>
+                      <a:pPr algn="l" fontAlgn="ctr"/>
+                      <a:r>
+                        <a:rPr lang="en-US" sz="600" u="none" strike="noStrike">
+                          <a:effectLst/>
+                        </a:rPr>
+                        <a:t>Input</a:t>
+                      </a:r>
+                      <a:endParaRPr lang="en-US" sz="600" b="1" i="0" u="none" strike="noStrike">
+                        <a:solidFill>
+                          <a:srgbClr val="000000"/>
+                        </a:solidFill>
+                        <a:effectLst/>
+                        <a:latin typeface="맑은 고딕" panose="020B0503020000020004" pitchFamily="50" charset="-127"/>
+                        <a:ea typeface="맑은 고딕" panose="020B0503020000020004" pitchFamily="50" charset="-127"/>
+                      </a:endParaRPr>
+                    </a:p>
+                  </a:txBody>
+                  <a:tcPr marL="5346" marR="5346" marT="5346" marB="0" anchor="ctr"/>
+                </a:tc>
+                <a:tc>
+                  <a:txBody>
+                    <a:bodyPr/>
+                    <a:lstStyle/>
+                    <a:p>
+                      <a:pPr algn="l" fontAlgn="ctr"/>
+                      <a:r>
+                        <a:rPr lang="en-US" sz="600" u="none" strike="noStrike">
+                          <a:effectLst/>
+                        </a:rPr>
+                        <a:t>Output</a:t>
+                      </a:r>
+                      <a:endParaRPr lang="en-US" sz="600" b="1" i="0" u="none" strike="noStrike">
+                        <a:solidFill>
+                          <a:srgbClr val="000000"/>
+                        </a:solidFill>
+                        <a:effectLst/>
+                        <a:latin typeface="맑은 고딕" panose="020B0503020000020004" pitchFamily="50" charset="-127"/>
+                        <a:ea typeface="맑은 고딕" panose="020B0503020000020004" pitchFamily="50" charset="-127"/>
+                      </a:endParaRPr>
+                    </a:p>
+                  </a:txBody>
+                  <a:tcPr marL="5346" marR="5346" marT="5346" marB="0" anchor="ctr"/>
+                </a:tc>
+                <a:tc>
+                  <a:txBody>
+                    <a:bodyPr/>
+                    <a:lstStyle/>
+                    <a:p>
+                      <a:pPr algn="l" fontAlgn="ctr"/>
+                      <a:r>
+                        <a:rPr lang="en-US" sz="600" u="none" strike="noStrike">
+                          <a:effectLst/>
+                        </a:rPr>
+                        <a:t>Job</a:t>
+                      </a:r>
+                      <a:endParaRPr lang="en-US" sz="600" b="1" i="0" u="none" strike="noStrike">
+                        <a:solidFill>
+                          <a:srgbClr val="000000"/>
+                        </a:solidFill>
+                        <a:effectLst/>
+                        <a:latin typeface="맑은 고딕" panose="020B0503020000020004" pitchFamily="50" charset="-127"/>
+                        <a:ea typeface="맑은 고딕" panose="020B0503020000020004" pitchFamily="50" charset="-127"/>
+                      </a:endParaRPr>
+                    </a:p>
+                  </a:txBody>
+                  <a:tcPr marL="5346" marR="5346" marT="5346" marB="0" anchor="ctr"/>
+                </a:tc>
+                <a:tc>
+                  <a:txBody>
+                    <a:bodyPr/>
+                    <a:lstStyle/>
+                    <a:p>
+                      <a:pPr algn="l" fontAlgn="ctr"/>
+                      <a:r>
+                        <a:rPr lang="en-US" sz="600" u="none" strike="noStrike">
+                          <a:effectLst/>
+                        </a:rPr>
+                        <a:t>Func</a:t>
+                      </a:r>
+                      <a:endParaRPr lang="en-US" sz="600" b="1" i="0" u="none" strike="noStrike">
+                        <a:solidFill>
+                          <a:srgbClr val="000000"/>
+                        </a:solidFill>
+                        <a:effectLst/>
+                        <a:latin typeface="맑은 고딕" panose="020B0503020000020004" pitchFamily="50" charset="-127"/>
+                        <a:ea typeface="맑은 고딕" panose="020B0503020000020004" pitchFamily="50" charset="-127"/>
+                      </a:endParaRPr>
+                    </a:p>
+                  </a:txBody>
+                  <a:tcPr marL="5346" marR="5346" marT="5346" marB="0" anchor="ctr"/>
+                </a:tc>
+                <a:extLst>
+                  <a:ext uri="{0D108BD9-81ED-4DB2-BD59-A6C34878D82A}">
+                    <a16:rowId xmlns:a16="http://schemas.microsoft.com/office/drawing/2014/main" val="476922306"/>
+                  </a:ext>
+                </a:extLst>
+              </a:tr>
+              <a:tr h="117604">
+                <a:tc>
+                  <a:txBody>
+                    <a:bodyPr/>
+                    <a:lstStyle/>
+                    <a:p>
+                      <a:pPr algn="l" fontAlgn="ctr"/>
+                      <a:r>
+                        <a:rPr lang="ko-KR" altLang="en-US" sz="600" u="none" strike="noStrike">
+                          <a:effectLst/>
+                        </a:rPr>
+                        <a:t>외부주소</a:t>
+                      </a:r>
+                      <a:endParaRPr lang="ko-KR" altLang="en-US" sz="600" b="1" i="0" u="none" strike="noStrike">
+                        <a:solidFill>
+                          <a:srgbClr val="000000"/>
+                        </a:solidFill>
+                        <a:effectLst/>
+                        <a:latin typeface="맑은 고딕" panose="020B0503020000020004" pitchFamily="50" charset="-127"/>
+                        <a:ea typeface="맑은 고딕" panose="020B0503020000020004" pitchFamily="50" charset="-127"/>
+                      </a:endParaRPr>
+                    </a:p>
+                  </a:txBody>
+                  <a:tcPr marL="5346" marR="5346" marT="5346" marB="0" anchor="ctr"/>
+                </a:tc>
+                <a:tc>
+                  <a:txBody>
+                    <a:bodyPr/>
+                    <a:lstStyle/>
+                    <a:p>
+                      <a:pPr algn="l" fontAlgn="ctr"/>
+                      <a:r>
+                        <a:rPr lang="en-US" sz="600" u="none" strike="noStrike">
+                          <a:effectLst/>
+                        </a:rPr>
+                        <a:t>S11_Clamp1.ADV</a:t>
+                      </a:r>
+                      <a:endParaRPr lang="en-US" sz="600" b="1" i="0" u="none" strike="noStrike">
+                        <a:solidFill>
+                          <a:srgbClr val="000000"/>
+                        </a:solidFill>
+                        <a:effectLst/>
+                        <a:latin typeface="맑은 고딕" panose="020B0503020000020004" pitchFamily="50" charset="-127"/>
+                        <a:ea typeface="맑은 고딕" panose="020B0503020000020004" pitchFamily="50" charset="-127"/>
+                      </a:endParaRPr>
+                    </a:p>
+                  </a:txBody>
+                  <a:tcPr marL="5346" marR="5346" marT="5346" marB="0" anchor="ctr"/>
+                </a:tc>
+                <a:tc>
+                  <a:txBody>
+                    <a:bodyPr/>
+                    <a:lstStyle/>
+                    <a:p>
+                      <a:pPr algn="l" fontAlgn="ctr"/>
+                      <a:r>
+                        <a:rPr lang="en-US" sz="600" u="none" strike="noStrike">
+                          <a:effectLst/>
+                        </a:rPr>
+                        <a:t>bool</a:t>
+                      </a:r>
+                      <a:endParaRPr lang="en-US" sz="600" b="1" i="0" u="none" strike="noStrike">
+                        <a:solidFill>
+                          <a:srgbClr val="000000"/>
+                        </a:solidFill>
+                        <a:effectLst/>
+                        <a:latin typeface="맑은 고딕" panose="020B0503020000020004" pitchFamily="50" charset="-127"/>
+                        <a:ea typeface="맑은 고딕" panose="020B0503020000020004" pitchFamily="50" charset="-127"/>
+                      </a:endParaRPr>
+                    </a:p>
+                  </a:txBody>
+                  <a:tcPr marL="5346" marR="5346" marT="5346" marB="0" anchor="ctr"/>
+                </a:tc>
+                <a:tc>
+                  <a:txBody>
+                    <a:bodyPr/>
+                    <a:lstStyle/>
+                    <a:p>
+                      <a:pPr algn="l" fontAlgn="ctr"/>
+                      <a:r>
+                        <a:rPr lang="en-US" sz="600" u="none" strike="noStrike">
+                          <a:effectLst/>
+                        </a:rPr>
+                        <a:t>I2</a:t>
+                      </a:r>
+                      <a:endParaRPr lang="en-US" sz="600" b="1" i="0" u="none" strike="noStrike">
+                        <a:solidFill>
+                          <a:srgbClr val="000000"/>
+                        </a:solidFill>
+                        <a:effectLst/>
+                        <a:latin typeface="맑은 고딕" panose="020B0503020000020004" pitchFamily="50" charset="-127"/>
+                        <a:ea typeface="맑은 고딕" panose="020B0503020000020004" pitchFamily="50" charset="-127"/>
+                      </a:endParaRPr>
+                    </a:p>
+                  </a:txBody>
+                  <a:tcPr marL="5346" marR="5346" marT="5346" marB="0" anchor="ctr"/>
+                </a:tc>
+                <a:tc>
+                  <a:txBody>
+                    <a:bodyPr/>
+                    <a:lstStyle/>
+                    <a:p>
+                      <a:pPr algn="l" fontAlgn="ctr"/>
+                      <a:r>
+                        <a:rPr lang="en-US" sz="600" u="none" strike="noStrike">
+                          <a:effectLst/>
+                        </a:rPr>
+                        <a:t>O2</a:t>
+                      </a:r>
+                      <a:endParaRPr lang="en-US" sz="600" b="1" i="0" u="none" strike="noStrike">
+                        <a:solidFill>
+                          <a:srgbClr val="000000"/>
+                        </a:solidFill>
+                        <a:effectLst/>
+                        <a:latin typeface="맑은 고딕" panose="020B0503020000020004" pitchFamily="50" charset="-127"/>
+                        <a:ea typeface="맑은 고딕" panose="020B0503020000020004" pitchFamily="50" charset="-127"/>
+                      </a:endParaRPr>
+                    </a:p>
+                  </a:txBody>
+                  <a:tcPr marL="5346" marR="5346" marT="5346" marB="0" anchor="ctr"/>
+                </a:tc>
+                <a:tc>
+                  <a:txBody>
+                    <a:bodyPr/>
+                    <a:lstStyle/>
+                    <a:p>
+                      <a:pPr algn="l" fontAlgn="ctr"/>
+                      <a:r>
+                        <a:rPr lang="en-US" sz="600" u="none" strike="noStrike">
+                          <a:effectLst/>
+                        </a:rPr>
+                        <a:t>S11_Clamp_ADV</a:t>
+                      </a:r>
+                      <a:endParaRPr lang="en-US" sz="600" b="1" i="0" u="none" strike="noStrike">
+                        <a:solidFill>
+                          <a:srgbClr val="000000"/>
+                        </a:solidFill>
+                        <a:effectLst/>
+                        <a:latin typeface="맑은 고딕" panose="020B0503020000020004" pitchFamily="50" charset="-127"/>
+                        <a:ea typeface="맑은 고딕" panose="020B0503020000020004" pitchFamily="50" charset="-127"/>
+                      </a:endParaRPr>
+                    </a:p>
+                  </a:txBody>
+                  <a:tcPr marL="5346" marR="5346" marT="5346" marB="0" anchor="ctr"/>
+                </a:tc>
+                <a:tc>
+                  <a:txBody>
+                    <a:bodyPr/>
+                    <a:lstStyle/>
+                    <a:p>
+                      <a:pPr algn="l" fontAlgn="ctr"/>
+                      <a:r>
+                        <a:rPr lang="ko-KR" altLang="en-US" sz="600" u="none" strike="noStrike">
+                          <a:effectLst/>
+                        </a:rPr>
+                        <a:t>　</a:t>
+                      </a:r>
+                      <a:endParaRPr lang="ko-KR" altLang="en-US" sz="600" b="1" i="0" u="none" strike="noStrike">
+                        <a:solidFill>
+                          <a:srgbClr val="000000"/>
+                        </a:solidFill>
+                        <a:effectLst/>
+                        <a:latin typeface="맑은 고딕" panose="020B0503020000020004" pitchFamily="50" charset="-127"/>
+                        <a:ea typeface="맑은 고딕" panose="020B0503020000020004" pitchFamily="50" charset="-127"/>
+                      </a:endParaRPr>
+                    </a:p>
+                  </a:txBody>
+                  <a:tcPr marL="5346" marR="5346" marT="5346" marB="0" anchor="ctr"/>
+                </a:tc>
+                <a:extLst>
+                  <a:ext uri="{0D108BD9-81ED-4DB2-BD59-A6C34878D82A}">
+                    <a16:rowId xmlns:a16="http://schemas.microsoft.com/office/drawing/2014/main" val="1918777801"/>
+                  </a:ext>
+                </a:extLst>
+              </a:tr>
+              <a:tr h="117604">
+                <a:tc>
+                  <a:txBody>
+                    <a:bodyPr/>
+                    <a:lstStyle/>
+                    <a:p>
+                      <a:pPr algn="l" fontAlgn="ctr"/>
+                      <a:r>
+                        <a:rPr lang="ko-KR" altLang="en-US" sz="600" u="none" strike="noStrike">
+                          <a:effectLst/>
+                        </a:rPr>
+                        <a:t>외부주소</a:t>
+                      </a:r>
+                      <a:endParaRPr lang="ko-KR" altLang="en-US" sz="600" b="1" i="0" u="none" strike="noStrike">
+                        <a:solidFill>
+                          <a:srgbClr val="000000"/>
+                        </a:solidFill>
+                        <a:effectLst/>
+                        <a:latin typeface="맑은 고딕" panose="020B0503020000020004" pitchFamily="50" charset="-127"/>
+                        <a:ea typeface="맑은 고딕" panose="020B0503020000020004" pitchFamily="50" charset="-127"/>
+                      </a:endParaRPr>
+                    </a:p>
+                  </a:txBody>
+                  <a:tcPr marL="5346" marR="5346" marT="5346" marB="0" anchor="ctr"/>
+                </a:tc>
+                <a:tc>
+                  <a:txBody>
+                    <a:bodyPr/>
+                    <a:lstStyle/>
+                    <a:p>
+                      <a:pPr algn="l" fontAlgn="ctr"/>
+                      <a:r>
+                        <a:rPr lang="en-US" sz="600" u="none" strike="noStrike">
+                          <a:effectLst/>
+                        </a:rPr>
+                        <a:t>S11_Clamp2.ADV</a:t>
+                      </a:r>
+                      <a:endParaRPr lang="en-US" sz="600" b="1" i="0" u="none" strike="noStrike">
+                        <a:solidFill>
+                          <a:srgbClr val="000000"/>
+                        </a:solidFill>
+                        <a:effectLst/>
+                        <a:latin typeface="맑은 고딕" panose="020B0503020000020004" pitchFamily="50" charset="-127"/>
+                        <a:ea typeface="맑은 고딕" panose="020B0503020000020004" pitchFamily="50" charset="-127"/>
+                      </a:endParaRPr>
+                    </a:p>
+                  </a:txBody>
+                  <a:tcPr marL="5346" marR="5346" marT="5346" marB="0" anchor="ctr"/>
+                </a:tc>
+                <a:tc>
+                  <a:txBody>
+                    <a:bodyPr/>
+                    <a:lstStyle/>
+                    <a:p>
+                      <a:pPr algn="l" fontAlgn="ctr"/>
+                      <a:r>
+                        <a:rPr lang="en-US" sz="600" u="none" strike="noStrike">
+                          <a:effectLst/>
+                        </a:rPr>
+                        <a:t>bool</a:t>
+                      </a:r>
+                      <a:endParaRPr lang="en-US" sz="600" b="1" i="0" u="none" strike="noStrike">
+                        <a:solidFill>
+                          <a:srgbClr val="000000"/>
+                        </a:solidFill>
+                        <a:effectLst/>
+                        <a:latin typeface="맑은 고딕" panose="020B0503020000020004" pitchFamily="50" charset="-127"/>
+                        <a:ea typeface="맑은 고딕" panose="020B0503020000020004" pitchFamily="50" charset="-127"/>
+                      </a:endParaRPr>
+                    </a:p>
+                  </a:txBody>
+                  <a:tcPr marL="5346" marR="5346" marT="5346" marB="0" anchor="ctr"/>
+                </a:tc>
+                <a:tc>
+                  <a:txBody>
+                    <a:bodyPr/>
+                    <a:lstStyle/>
+                    <a:p>
+                      <a:pPr algn="l" fontAlgn="ctr"/>
+                      <a:r>
+                        <a:rPr lang="en-US" sz="600" u="none" strike="noStrike">
+                          <a:effectLst/>
+                        </a:rPr>
+                        <a:t>I3</a:t>
+                      </a:r>
+                      <a:endParaRPr lang="en-US" sz="600" b="1" i="0" u="none" strike="noStrike">
+                        <a:solidFill>
+                          <a:srgbClr val="000000"/>
+                        </a:solidFill>
+                        <a:effectLst/>
+                        <a:latin typeface="맑은 고딕" panose="020B0503020000020004" pitchFamily="50" charset="-127"/>
+                        <a:ea typeface="맑은 고딕" panose="020B0503020000020004" pitchFamily="50" charset="-127"/>
+                      </a:endParaRPr>
+                    </a:p>
+                  </a:txBody>
+                  <a:tcPr marL="5346" marR="5346" marT="5346" marB="0" anchor="ctr"/>
+                </a:tc>
+                <a:tc>
+                  <a:txBody>
+                    <a:bodyPr/>
+                    <a:lstStyle/>
+                    <a:p>
+                      <a:pPr algn="l" fontAlgn="ctr"/>
+                      <a:r>
+                        <a:rPr lang="en-US" sz="600" u="none" strike="noStrike">
+                          <a:effectLst/>
+                        </a:rPr>
+                        <a:t>O3</a:t>
+                      </a:r>
+                      <a:endParaRPr lang="en-US" sz="600" b="1" i="0" u="none" strike="noStrike">
+                        <a:solidFill>
+                          <a:srgbClr val="000000"/>
+                        </a:solidFill>
+                        <a:effectLst/>
+                        <a:latin typeface="맑은 고딕" panose="020B0503020000020004" pitchFamily="50" charset="-127"/>
+                        <a:ea typeface="맑은 고딕" panose="020B0503020000020004" pitchFamily="50" charset="-127"/>
+                      </a:endParaRPr>
+                    </a:p>
+                  </a:txBody>
+                  <a:tcPr marL="5346" marR="5346" marT="5346" marB="0" anchor="ctr"/>
+                </a:tc>
+                <a:tc>
+                  <a:txBody>
+                    <a:bodyPr/>
+                    <a:lstStyle/>
+                    <a:p>
+                      <a:pPr algn="l" fontAlgn="ctr"/>
+                      <a:r>
+                        <a:rPr lang="ko-KR" altLang="en-US" sz="600" u="none" strike="noStrike">
+                          <a:effectLst/>
+                        </a:rPr>
+                        <a:t>↑</a:t>
+                      </a:r>
+                      <a:endParaRPr lang="ko-KR" altLang="en-US" sz="600" b="1" i="0" u="none" strike="noStrike">
+                        <a:solidFill>
+                          <a:srgbClr val="000000"/>
+                        </a:solidFill>
+                        <a:effectLst/>
+                        <a:latin typeface="맑은 고딕" panose="020B0503020000020004" pitchFamily="50" charset="-127"/>
+                        <a:ea typeface="맑은 고딕" panose="020B0503020000020004" pitchFamily="50" charset="-127"/>
+                      </a:endParaRPr>
+                    </a:p>
+                  </a:txBody>
+                  <a:tcPr marL="5346" marR="5346" marT="5346" marB="0" anchor="ctr"/>
+                </a:tc>
+                <a:tc>
+                  <a:txBody>
+                    <a:bodyPr/>
+                    <a:lstStyle/>
+                    <a:p>
+                      <a:pPr algn="l" fontAlgn="ctr"/>
+                      <a:r>
+                        <a:rPr lang="ko-KR" altLang="en-US" sz="600" u="none" strike="noStrike">
+                          <a:effectLst/>
+                        </a:rPr>
+                        <a:t>↑</a:t>
+                      </a:r>
+                      <a:endParaRPr lang="ko-KR" altLang="en-US" sz="600" b="1" i="0" u="none" strike="noStrike">
+                        <a:solidFill>
+                          <a:srgbClr val="000000"/>
+                        </a:solidFill>
+                        <a:effectLst/>
+                        <a:latin typeface="맑은 고딕" panose="020B0503020000020004" pitchFamily="50" charset="-127"/>
+                        <a:ea typeface="맑은 고딕" panose="020B0503020000020004" pitchFamily="50" charset="-127"/>
+                      </a:endParaRPr>
+                    </a:p>
+                  </a:txBody>
+                  <a:tcPr marL="5346" marR="5346" marT="5346" marB="0" anchor="ctr"/>
+                </a:tc>
+                <a:extLst>
+                  <a:ext uri="{0D108BD9-81ED-4DB2-BD59-A6C34878D82A}">
+                    <a16:rowId xmlns:a16="http://schemas.microsoft.com/office/drawing/2014/main" val="3775209084"/>
+                  </a:ext>
+                </a:extLst>
+              </a:tr>
+              <a:tr h="117604">
+                <a:tc>
+                  <a:txBody>
+                    <a:bodyPr/>
+                    <a:lstStyle/>
+                    <a:p>
+                      <a:pPr algn="l" fontAlgn="ctr"/>
+                      <a:r>
+                        <a:rPr lang="ko-KR" altLang="en-US" sz="600" u="none" strike="noStrike">
+                          <a:effectLst/>
+                        </a:rPr>
+                        <a:t>외부주소</a:t>
+                      </a:r>
+                      <a:endParaRPr lang="ko-KR" altLang="en-US" sz="600" b="1" i="0" u="none" strike="noStrike">
+                        <a:solidFill>
+                          <a:srgbClr val="000000"/>
+                        </a:solidFill>
+                        <a:effectLst/>
+                        <a:latin typeface="맑은 고딕" panose="020B0503020000020004" pitchFamily="50" charset="-127"/>
+                        <a:ea typeface="맑은 고딕" panose="020B0503020000020004" pitchFamily="50" charset="-127"/>
+                      </a:endParaRPr>
+                    </a:p>
+                  </a:txBody>
+                  <a:tcPr marL="5346" marR="5346" marT="5346" marB="0" anchor="ctr"/>
+                </a:tc>
+                <a:tc>
+                  <a:txBody>
+                    <a:bodyPr/>
+                    <a:lstStyle/>
+                    <a:p>
+                      <a:pPr algn="l" fontAlgn="ctr"/>
+                      <a:r>
+                        <a:rPr lang="en-US" sz="600" u="none" strike="noStrike">
+                          <a:effectLst/>
+                        </a:rPr>
+                        <a:t>S11_Clamp1.RET</a:t>
+                      </a:r>
+                      <a:endParaRPr lang="en-US" sz="600" b="1" i="0" u="none" strike="noStrike">
+                        <a:solidFill>
+                          <a:srgbClr val="000000"/>
+                        </a:solidFill>
+                        <a:effectLst/>
+                        <a:latin typeface="맑은 고딕" panose="020B0503020000020004" pitchFamily="50" charset="-127"/>
+                        <a:ea typeface="맑은 고딕" panose="020B0503020000020004" pitchFamily="50" charset="-127"/>
+                      </a:endParaRPr>
+                    </a:p>
+                  </a:txBody>
+                  <a:tcPr marL="5346" marR="5346" marT="5346" marB="0" anchor="ctr"/>
+                </a:tc>
+                <a:tc>
+                  <a:txBody>
+                    <a:bodyPr/>
+                    <a:lstStyle/>
+                    <a:p>
+                      <a:pPr algn="l" fontAlgn="ctr"/>
+                      <a:r>
+                        <a:rPr lang="en-US" sz="600" u="none" strike="noStrike">
+                          <a:effectLst/>
+                        </a:rPr>
+                        <a:t>bool</a:t>
+                      </a:r>
+                      <a:endParaRPr lang="en-US" sz="600" b="1" i="0" u="none" strike="noStrike">
+                        <a:solidFill>
+                          <a:srgbClr val="000000"/>
+                        </a:solidFill>
+                        <a:effectLst/>
+                        <a:latin typeface="맑은 고딕" panose="020B0503020000020004" pitchFamily="50" charset="-127"/>
+                        <a:ea typeface="맑은 고딕" panose="020B0503020000020004" pitchFamily="50" charset="-127"/>
+                      </a:endParaRPr>
+                    </a:p>
+                  </a:txBody>
+                  <a:tcPr marL="5346" marR="5346" marT="5346" marB="0" anchor="ctr"/>
+                </a:tc>
+                <a:tc>
+                  <a:txBody>
+                    <a:bodyPr/>
+                    <a:lstStyle/>
+                    <a:p>
+                      <a:pPr algn="l" fontAlgn="ctr"/>
+                      <a:r>
+                        <a:rPr lang="en-US" sz="600" u="none" strike="noStrike">
+                          <a:effectLst/>
+                        </a:rPr>
+                        <a:t>I4</a:t>
+                      </a:r>
+                      <a:endParaRPr lang="en-US" sz="600" b="1" i="0" u="none" strike="noStrike">
+                        <a:solidFill>
+                          <a:srgbClr val="000000"/>
+                        </a:solidFill>
+                        <a:effectLst/>
+                        <a:latin typeface="맑은 고딕" panose="020B0503020000020004" pitchFamily="50" charset="-127"/>
+                        <a:ea typeface="맑은 고딕" panose="020B0503020000020004" pitchFamily="50" charset="-127"/>
+                      </a:endParaRPr>
+                    </a:p>
+                  </a:txBody>
+                  <a:tcPr marL="5346" marR="5346" marT="5346" marB="0" anchor="ctr"/>
+                </a:tc>
+                <a:tc>
+                  <a:txBody>
+                    <a:bodyPr/>
+                    <a:lstStyle/>
+                    <a:p>
+                      <a:pPr algn="l" fontAlgn="ctr"/>
+                      <a:r>
+                        <a:rPr lang="en-US" sz="600" u="none" strike="noStrike">
+                          <a:effectLst/>
+                        </a:rPr>
+                        <a:t>O4</a:t>
+                      </a:r>
+                      <a:endParaRPr lang="en-US" sz="600" b="1" i="0" u="none" strike="noStrike">
+                        <a:solidFill>
+                          <a:srgbClr val="000000"/>
+                        </a:solidFill>
+                        <a:effectLst/>
+                        <a:latin typeface="맑은 고딕" panose="020B0503020000020004" pitchFamily="50" charset="-127"/>
+                        <a:ea typeface="맑은 고딕" panose="020B0503020000020004" pitchFamily="50" charset="-127"/>
+                      </a:endParaRPr>
+                    </a:p>
+                  </a:txBody>
+                  <a:tcPr marL="5346" marR="5346" marT="5346" marB="0" anchor="ctr"/>
+                </a:tc>
+                <a:tc>
+                  <a:txBody>
+                    <a:bodyPr/>
+                    <a:lstStyle/>
+                    <a:p>
+                      <a:pPr algn="l" fontAlgn="ctr"/>
+                      <a:r>
+                        <a:rPr lang="en-US" sz="600" u="none" strike="noStrike">
+                          <a:effectLst/>
+                        </a:rPr>
+                        <a:t>S11_Clamp_RET</a:t>
+                      </a:r>
+                      <a:endParaRPr lang="en-US" sz="600" b="1" i="0" u="none" strike="noStrike">
+                        <a:solidFill>
+                          <a:srgbClr val="000000"/>
+                        </a:solidFill>
+                        <a:effectLst/>
+                        <a:latin typeface="맑은 고딕" panose="020B0503020000020004" pitchFamily="50" charset="-127"/>
+                        <a:ea typeface="맑은 고딕" panose="020B0503020000020004" pitchFamily="50" charset="-127"/>
+                      </a:endParaRPr>
+                    </a:p>
+                  </a:txBody>
+                  <a:tcPr marL="5346" marR="5346" marT="5346" marB="0" anchor="ctr"/>
+                </a:tc>
+                <a:tc>
+                  <a:txBody>
+                    <a:bodyPr/>
+                    <a:lstStyle/>
+                    <a:p>
+                      <a:pPr algn="l" fontAlgn="ctr"/>
+                      <a:r>
+                        <a:rPr lang="ko-KR" altLang="en-US" sz="600" u="none" strike="noStrike">
+                          <a:effectLst/>
+                        </a:rPr>
+                        <a:t>　</a:t>
+                      </a:r>
+                      <a:endParaRPr lang="ko-KR" altLang="en-US" sz="600" b="1" i="0" u="none" strike="noStrike">
+                        <a:solidFill>
+                          <a:srgbClr val="000000"/>
+                        </a:solidFill>
+                        <a:effectLst/>
+                        <a:latin typeface="맑은 고딕" panose="020B0503020000020004" pitchFamily="50" charset="-127"/>
+                        <a:ea typeface="맑은 고딕" panose="020B0503020000020004" pitchFamily="50" charset="-127"/>
+                      </a:endParaRPr>
+                    </a:p>
+                  </a:txBody>
+                  <a:tcPr marL="5346" marR="5346" marT="5346" marB="0" anchor="ctr"/>
+                </a:tc>
+                <a:extLst>
+                  <a:ext uri="{0D108BD9-81ED-4DB2-BD59-A6C34878D82A}">
+                    <a16:rowId xmlns:a16="http://schemas.microsoft.com/office/drawing/2014/main" val="2395700224"/>
+                  </a:ext>
+                </a:extLst>
+              </a:tr>
+              <a:tr h="117604">
+                <a:tc>
+                  <a:txBody>
+                    <a:bodyPr/>
+                    <a:lstStyle/>
+                    <a:p>
+                      <a:pPr algn="l" fontAlgn="ctr"/>
+                      <a:r>
+                        <a:rPr lang="ko-KR" altLang="en-US" sz="600" u="none" strike="noStrike">
+                          <a:effectLst/>
+                        </a:rPr>
+                        <a:t>외부주소</a:t>
+                      </a:r>
+                      <a:endParaRPr lang="ko-KR" altLang="en-US" sz="600" b="1" i="0" u="none" strike="noStrike">
+                        <a:solidFill>
+                          <a:srgbClr val="000000"/>
+                        </a:solidFill>
+                        <a:effectLst/>
+                        <a:latin typeface="맑은 고딕" panose="020B0503020000020004" pitchFamily="50" charset="-127"/>
+                        <a:ea typeface="맑은 고딕" panose="020B0503020000020004" pitchFamily="50" charset="-127"/>
+                      </a:endParaRPr>
+                    </a:p>
+                  </a:txBody>
+                  <a:tcPr marL="5346" marR="5346" marT="5346" marB="0" anchor="ctr"/>
+                </a:tc>
+                <a:tc>
+                  <a:txBody>
+                    <a:bodyPr/>
+                    <a:lstStyle/>
+                    <a:p>
+                      <a:pPr algn="l" fontAlgn="ctr"/>
+                      <a:r>
+                        <a:rPr lang="en-US" sz="600" u="none" strike="noStrike">
+                          <a:effectLst/>
+                        </a:rPr>
+                        <a:t>S11_Clamp2.RET</a:t>
+                      </a:r>
+                      <a:endParaRPr lang="en-US" sz="600" b="1" i="0" u="none" strike="noStrike">
+                        <a:solidFill>
+                          <a:srgbClr val="000000"/>
+                        </a:solidFill>
+                        <a:effectLst/>
+                        <a:latin typeface="맑은 고딕" panose="020B0503020000020004" pitchFamily="50" charset="-127"/>
+                        <a:ea typeface="맑은 고딕" panose="020B0503020000020004" pitchFamily="50" charset="-127"/>
+                      </a:endParaRPr>
+                    </a:p>
+                  </a:txBody>
+                  <a:tcPr marL="5346" marR="5346" marT="5346" marB="0" anchor="ctr"/>
+                </a:tc>
+                <a:tc>
+                  <a:txBody>
+                    <a:bodyPr/>
+                    <a:lstStyle/>
+                    <a:p>
+                      <a:pPr algn="l" fontAlgn="ctr"/>
+                      <a:r>
+                        <a:rPr lang="en-US" sz="600" u="none" strike="noStrike">
+                          <a:effectLst/>
+                        </a:rPr>
+                        <a:t>bool</a:t>
+                      </a:r>
+                      <a:endParaRPr lang="en-US" sz="600" b="1" i="0" u="none" strike="noStrike">
+                        <a:solidFill>
+                          <a:srgbClr val="000000"/>
+                        </a:solidFill>
+                        <a:effectLst/>
+                        <a:latin typeface="맑은 고딕" panose="020B0503020000020004" pitchFamily="50" charset="-127"/>
+                        <a:ea typeface="맑은 고딕" panose="020B0503020000020004" pitchFamily="50" charset="-127"/>
+                      </a:endParaRPr>
+                    </a:p>
+                  </a:txBody>
+                  <a:tcPr marL="5346" marR="5346" marT="5346" marB="0" anchor="ctr"/>
+                </a:tc>
+                <a:tc>
+                  <a:txBody>
+                    <a:bodyPr/>
+                    <a:lstStyle/>
+                    <a:p>
+                      <a:pPr algn="l" fontAlgn="ctr"/>
+                      <a:r>
+                        <a:rPr lang="en-US" sz="600" u="none" strike="noStrike">
+                          <a:effectLst/>
+                        </a:rPr>
+                        <a:t>I5</a:t>
+                      </a:r>
+                      <a:endParaRPr lang="en-US" sz="600" b="1" i="0" u="none" strike="noStrike">
+                        <a:solidFill>
+                          <a:srgbClr val="000000"/>
+                        </a:solidFill>
+                        <a:effectLst/>
+                        <a:latin typeface="맑은 고딕" panose="020B0503020000020004" pitchFamily="50" charset="-127"/>
+                        <a:ea typeface="맑은 고딕" panose="020B0503020000020004" pitchFamily="50" charset="-127"/>
+                      </a:endParaRPr>
+                    </a:p>
+                  </a:txBody>
+                  <a:tcPr marL="5346" marR="5346" marT="5346" marB="0" anchor="ctr"/>
+                </a:tc>
+                <a:tc>
+                  <a:txBody>
+                    <a:bodyPr/>
+                    <a:lstStyle/>
+                    <a:p>
+                      <a:pPr algn="l" fontAlgn="ctr"/>
+                      <a:r>
+                        <a:rPr lang="en-US" sz="600" u="none" strike="noStrike">
+                          <a:effectLst/>
+                        </a:rPr>
+                        <a:t>O5</a:t>
+                      </a:r>
+                      <a:endParaRPr lang="en-US" sz="600" b="1" i="0" u="none" strike="noStrike">
+                        <a:solidFill>
+                          <a:srgbClr val="000000"/>
+                        </a:solidFill>
+                        <a:effectLst/>
+                        <a:latin typeface="맑은 고딕" panose="020B0503020000020004" pitchFamily="50" charset="-127"/>
+                        <a:ea typeface="맑은 고딕" panose="020B0503020000020004" pitchFamily="50" charset="-127"/>
+                      </a:endParaRPr>
+                    </a:p>
+                  </a:txBody>
+                  <a:tcPr marL="5346" marR="5346" marT="5346" marB="0" anchor="ctr"/>
+                </a:tc>
+                <a:tc>
+                  <a:txBody>
+                    <a:bodyPr/>
+                    <a:lstStyle/>
+                    <a:p>
+                      <a:pPr algn="l" fontAlgn="ctr"/>
+                      <a:r>
+                        <a:rPr lang="ko-KR" altLang="en-US" sz="600" u="none" strike="noStrike">
+                          <a:effectLst/>
+                        </a:rPr>
+                        <a:t>↑</a:t>
+                      </a:r>
+                      <a:endParaRPr lang="ko-KR" altLang="en-US" sz="600" b="1" i="0" u="none" strike="noStrike">
+                        <a:solidFill>
+                          <a:srgbClr val="000000"/>
+                        </a:solidFill>
+                        <a:effectLst/>
+                        <a:latin typeface="맑은 고딕" panose="020B0503020000020004" pitchFamily="50" charset="-127"/>
+                        <a:ea typeface="맑은 고딕" panose="020B0503020000020004" pitchFamily="50" charset="-127"/>
+                      </a:endParaRPr>
+                    </a:p>
+                  </a:txBody>
+                  <a:tcPr marL="5346" marR="5346" marT="5346" marB="0" anchor="ctr"/>
+                </a:tc>
+                <a:tc>
+                  <a:txBody>
+                    <a:bodyPr/>
+                    <a:lstStyle/>
+                    <a:p>
+                      <a:pPr algn="l" fontAlgn="ctr"/>
+                      <a:r>
+                        <a:rPr lang="ko-KR" altLang="en-US" sz="600" u="none" strike="noStrike">
+                          <a:effectLst/>
+                        </a:rPr>
+                        <a:t>↑</a:t>
+                      </a:r>
+                      <a:endParaRPr lang="ko-KR" altLang="en-US" sz="600" b="1" i="0" u="none" strike="noStrike">
+                        <a:solidFill>
+                          <a:srgbClr val="000000"/>
+                        </a:solidFill>
+                        <a:effectLst/>
+                        <a:latin typeface="맑은 고딕" panose="020B0503020000020004" pitchFamily="50" charset="-127"/>
+                        <a:ea typeface="맑은 고딕" panose="020B0503020000020004" pitchFamily="50" charset="-127"/>
+                      </a:endParaRPr>
+                    </a:p>
+                  </a:txBody>
+                  <a:tcPr marL="5346" marR="5346" marT="5346" marB="0" anchor="ctr"/>
+                </a:tc>
+                <a:extLst>
+                  <a:ext uri="{0D108BD9-81ED-4DB2-BD59-A6C34878D82A}">
+                    <a16:rowId xmlns:a16="http://schemas.microsoft.com/office/drawing/2014/main" val="1763893205"/>
+                  </a:ext>
+                </a:extLst>
+              </a:tr>
+              <a:tr h="117604">
+                <a:tc>
+                  <a:txBody>
+                    <a:bodyPr/>
+                    <a:lstStyle/>
+                    <a:p>
+                      <a:pPr algn="l" fontAlgn="ctr"/>
+                      <a:r>
+                        <a:rPr lang="ko-KR" altLang="en-US" sz="600" u="none" strike="noStrike">
+                          <a:effectLst/>
+                        </a:rPr>
+                        <a:t>외부주소</a:t>
+                      </a:r>
+                      <a:endParaRPr lang="ko-KR" altLang="en-US" sz="600" b="1" i="0" u="none" strike="noStrike">
+                        <a:solidFill>
+                          <a:srgbClr val="000000"/>
+                        </a:solidFill>
+                        <a:effectLst/>
+                        <a:latin typeface="맑은 고딕" panose="020B0503020000020004" pitchFamily="50" charset="-127"/>
+                        <a:ea typeface="맑은 고딕" panose="020B0503020000020004" pitchFamily="50" charset="-127"/>
+                      </a:endParaRPr>
+                    </a:p>
+                  </a:txBody>
+                  <a:tcPr marL="5346" marR="5346" marT="5346" marB="0" anchor="ctr"/>
+                </a:tc>
+                <a:tc>
+                  <a:txBody>
+                    <a:bodyPr/>
+                    <a:lstStyle/>
+                    <a:p>
+                      <a:pPr algn="l" fontAlgn="ctr"/>
+                      <a:r>
+                        <a:rPr lang="en-US" sz="600" u="none" strike="noStrike">
+                          <a:effectLst/>
+                        </a:rPr>
+                        <a:t>S11_Latch.ADV</a:t>
+                      </a:r>
+                      <a:endParaRPr lang="en-US" sz="600" b="1" i="0" u="none" strike="noStrike">
+                        <a:solidFill>
+                          <a:srgbClr val="000000"/>
+                        </a:solidFill>
+                        <a:effectLst/>
+                        <a:latin typeface="맑은 고딕" panose="020B0503020000020004" pitchFamily="50" charset="-127"/>
+                        <a:ea typeface="맑은 고딕" panose="020B0503020000020004" pitchFamily="50" charset="-127"/>
+                      </a:endParaRPr>
+                    </a:p>
+                  </a:txBody>
+                  <a:tcPr marL="5346" marR="5346" marT="5346" marB="0" anchor="ctr"/>
+                </a:tc>
+                <a:tc>
+                  <a:txBody>
+                    <a:bodyPr/>
+                    <a:lstStyle/>
+                    <a:p>
+                      <a:pPr algn="l" fontAlgn="ctr"/>
+                      <a:r>
+                        <a:rPr lang="en-US" sz="600" u="none" strike="noStrike">
+                          <a:effectLst/>
+                        </a:rPr>
+                        <a:t>bool</a:t>
+                      </a:r>
+                      <a:endParaRPr lang="en-US" sz="600" b="1" i="0" u="none" strike="noStrike">
+                        <a:solidFill>
+                          <a:srgbClr val="000000"/>
+                        </a:solidFill>
+                        <a:effectLst/>
+                        <a:latin typeface="맑은 고딕" panose="020B0503020000020004" pitchFamily="50" charset="-127"/>
+                        <a:ea typeface="맑은 고딕" panose="020B0503020000020004" pitchFamily="50" charset="-127"/>
+                      </a:endParaRPr>
+                    </a:p>
+                  </a:txBody>
+                  <a:tcPr marL="5346" marR="5346" marT="5346" marB="0" anchor="ctr"/>
+                </a:tc>
+                <a:tc>
+                  <a:txBody>
+                    <a:bodyPr/>
+                    <a:lstStyle/>
+                    <a:p>
+                      <a:pPr algn="l" fontAlgn="ctr"/>
+                      <a:r>
+                        <a:rPr lang="en-US" sz="600" u="none" strike="noStrike">
+                          <a:effectLst/>
+                        </a:rPr>
+                        <a:t>I6</a:t>
+                      </a:r>
+                      <a:endParaRPr lang="en-US" sz="600" b="1" i="0" u="none" strike="noStrike">
+                        <a:solidFill>
+                          <a:srgbClr val="000000"/>
+                        </a:solidFill>
+                        <a:effectLst/>
+                        <a:latin typeface="맑은 고딕" panose="020B0503020000020004" pitchFamily="50" charset="-127"/>
+                        <a:ea typeface="맑은 고딕" panose="020B0503020000020004" pitchFamily="50" charset="-127"/>
+                      </a:endParaRPr>
+                    </a:p>
+                  </a:txBody>
+                  <a:tcPr marL="5346" marR="5346" marT="5346" marB="0" anchor="ctr"/>
+                </a:tc>
+                <a:tc>
+                  <a:txBody>
+                    <a:bodyPr/>
+                    <a:lstStyle/>
+                    <a:p>
+                      <a:pPr algn="l" fontAlgn="ctr"/>
+                      <a:r>
+                        <a:rPr lang="en-US" sz="600" u="none" strike="noStrike">
+                          <a:effectLst/>
+                        </a:rPr>
+                        <a:t>O6</a:t>
+                      </a:r>
+                      <a:endParaRPr lang="en-US" sz="600" b="1" i="0" u="none" strike="noStrike">
+                        <a:solidFill>
+                          <a:srgbClr val="000000"/>
+                        </a:solidFill>
+                        <a:effectLst/>
+                        <a:latin typeface="맑은 고딕" panose="020B0503020000020004" pitchFamily="50" charset="-127"/>
+                        <a:ea typeface="맑은 고딕" panose="020B0503020000020004" pitchFamily="50" charset="-127"/>
+                      </a:endParaRPr>
+                    </a:p>
+                  </a:txBody>
+                  <a:tcPr marL="5346" marR="5346" marT="5346" marB="0" anchor="ctr"/>
+                </a:tc>
+                <a:tc>
+                  <a:txBody>
+                    <a:bodyPr/>
+                    <a:lstStyle/>
+                    <a:p>
+                      <a:pPr algn="l" fontAlgn="ctr"/>
+                      <a:r>
+                        <a:rPr lang="en-US" sz="600" u="none" strike="noStrike">
+                          <a:effectLst/>
+                        </a:rPr>
+                        <a:t>S11_Latch_ADV</a:t>
+                      </a:r>
+                      <a:endParaRPr lang="en-US" sz="600" b="1" i="0" u="none" strike="noStrike">
+                        <a:solidFill>
+                          <a:srgbClr val="000000"/>
+                        </a:solidFill>
+                        <a:effectLst/>
+                        <a:latin typeface="맑은 고딕" panose="020B0503020000020004" pitchFamily="50" charset="-127"/>
+                        <a:ea typeface="맑은 고딕" panose="020B0503020000020004" pitchFamily="50" charset="-127"/>
+                      </a:endParaRPr>
+                    </a:p>
+                  </a:txBody>
+                  <a:tcPr marL="5346" marR="5346" marT="5346" marB="0" anchor="ctr"/>
+                </a:tc>
+                <a:tc>
+                  <a:txBody>
+                    <a:bodyPr/>
+                    <a:lstStyle/>
+                    <a:p>
+                      <a:pPr algn="l" fontAlgn="ctr"/>
+                      <a:r>
+                        <a:rPr lang="ko-KR" altLang="en-US" sz="600" u="none" strike="noStrike">
+                          <a:effectLst/>
+                        </a:rPr>
+                        <a:t>　</a:t>
+                      </a:r>
+                      <a:endParaRPr lang="ko-KR" altLang="en-US" sz="600" b="1" i="0" u="none" strike="noStrike">
+                        <a:solidFill>
+                          <a:srgbClr val="000000"/>
+                        </a:solidFill>
+                        <a:effectLst/>
+                        <a:latin typeface="맑은 고딕" panose="020B0503020000020004" pitchFamily="50" charset="-127"/>
+                        <a:ea typeface="맑은 고딕" panose="020B0503020000020004" pitchFamily="50" charset="-127"/>
+                      </a:endParaRPr>
+                    </a:p>
+                  </a:txBody>
+                  <a:tcPr marL="5346" marR="5346" marT="5346" marB="0" anchor="ctr"/>
+                </a:tc>
+                <a:extLst>
+                  <a:ext uri="{0D108BD9-81ED-4DB2-BD59-A6C34878D82A}">
+                    <a16:rowId xmlns:a16="http://schemas.microsoft.com/office/drawing/2014/main" val="2625742484"/>
+                  </a:ext>
+                </a:extLst>
+              </a:tr>
+              <a:tr h="117604">
+                <a:tc>
+                  <a:txBody>
+                    <a:bodyPr/>
+                    <a:lstStyle/>
+                    <a:p>
+                      <a:pPr algn="l" fontAlgn="ctr"/>
+                      <a:r>
+                        <a:rPr lang="ko-KR" altLang="en-US" sz="600" u="none" strike="noStrike">
+                          <a:effectLst/>
+                        </a:rPr>
+                        <a:t>외부주소</a:t>
+                      </a:r>
+                      <a:endParaRPr lang="ko-KR" altLang="en-US" sz="600" b="1" i="0" u="none" strike="noStrike">
+                        <a:solidFill>
+                          <a:srgbClr val="000000"/>
+                        </a:solidFill>
+                        <a:effectLst/>
+                        <a:latin typeface="맑은 고딕" panose="020B0503020000020004" pitchFamily="50" charset="-127"/>
+                        <a:ea typeface="맑은 고딕" panose="020B0503020000020004" pitchFamily="50" charset="-127"/>
+                      </a:endParaRPr>
+                    </a:p>
+                  </a:txBody>
+                  <a:tcPr marL="5346" marR="5346" marT="5346" marB="0" anchor="ctr"/>
+                </a:tc>
+                <a:tc>
+                  <a:txBody>
+                    <a:bodyPr/>
+                    <a:lstStyle/>
+                    <a:p>
+                      <a:pPr algn="l" fontAlgn="ctr"/>
+                      <a:r>
+                        <a:rPr lang="en-US" sz="600" u="none" strike="noStrike">
+                          <a:effectLst/>
+                        </a:rPr>
+                        <a:t>S11_Latch.RET</a:t>
+                      </a:r>
+                      <a:endParaRPr lang="en-US" sz="600" b="1" i="0" u="none" strike="noStrike">
+                        <a:solidFill>
+                          <a:srgbClr val="000000"/>
+                        </a:solidFill>
+                        <a:effectLst/>
+                        <a:latin typeface="맑은 고딕" panose="020B0503020000020004" pitchFamily="50" charset="-127"/>
+                        <a:ea typeface="맑은 고딕" panose="020B0503020000020004" pitchFamily="50" charset="-127"/>
+                      </a:endParaRPr>
+                    </a:p>
+                  </a:txBody>
+                  <a:tcPr marL="5346" marR="5346" marT="5346" marB="0" anchor="ctr"/>
+                </a:tc>
+                <a:tc>
+                  <a:txBody>
+                    <a:bodyPr/>
+                    <a:lstStyle/>
+                    <a:p>
+                      <a:pPr algn="l" fontAlgn="ctr"/>
+                      <a:r>
+                        <a:rPr lang="en-US" sz="600" u="none" strike="noStrike">
+                          <a:effectLst/>
+                        </a:rPr>
+                        <a:t>bool</a:t>
+                      </a:r>
+                      <a:endParaRPr lang="en-US" sz="600" b="1" i="0" u="none" strike="noStrike">
+                        <a:solidFill>
+                          <a:srgbClr val="000000"/>
+                        </a:solidFill>
+                        <a:effectLst/>
+                        <a:latin typeface="맑은 고딕" panose="020B0503020000020004" pitchFamily="50" charset="-127"/>
+                        <a:ea typeface="맑은 고딕" panose="020B0503020000020004" pitchFamily="50" charset="-127"/>
+                      </a:endParaRPr>
+                    </a:p>
+                  </a:txBody>
+                  <a:tcPr marL="5346" marR="5346" marT="5346" marB="0" anchor="ctr"/>
+                </a:tc>
+                <a:tc>
+                  <a:txBody>
+                    <a:bodyPr/>
+                    <a:lstStyle/>
+                    <a:p>
+                      <a:pPr algn="l" fontAlgn="ctr"/>
+                      <a:r>
+                        <a:rPr lang="en-US" sz="600" u="none" strike="noStrike">
+                          <a:effectLst/>
+                        </a:rPr>
+                        <a:t>I7</a:t>
+                      </a:r>
+                      <a:endParaRPr lang="en-US" sz="600" b="1" i="0" u="none" strike="noStrike">
+                        <a:solidFill>
+                          <a:srgbClr val="000000"/>
+                        </a:solidFill>
+                        <a:effectLst/>
+                        <a:latin typeface="맑은 고딕" panose="020B0503020000020004" pitchFamily="50" charset="-127"/>
+                        <a:ea typeface="맑은 고딕" panose="020B0503020000020004" pitchFamily="50" charset="-127"/>
+                      </a:endParaRPr>
+                    </a:p>
+                  </a:txBody>
+                  <a:tcPr marL="5346" marR="5346" marT="5346" marB="0" anchor="ctr"/>
+                </a:tc>
+                <a:tc>
+                  <a:txBody>
+                    <a:bodyPr/>
+                    <a:lstStyle/>
+                    <a:p>
+                      <a:pPr algn="l" fontAlgn="ctr"/>
+                      <a:r>
+                        <a:rPr lang="en-US" sz="600" u="none" strike="noStrike">
+                          <a:effectLst/>
+                        </a:rPr>
+                        <a:t>O7</a:t>
+                      </a:r>
+                      <a:endParaRPr lang="en-US" sz="600" b="1" i="0" u="none" strike="noStrike">
+                        <a:solidFill>
+                          <a:srgbClr val="000000"/>
+                        </a:solidFill>
+                        <a:effectLst/>
+                        <a:latin typeface="맑은 고딕" panose="020B0503020000020004" pitchFamily="50" charset="-127"/>
+                        <a:ea typeface="맑은 고딕" panose="020B0503020000020004" pitchFamily="50" charset="-127"/>
+                      </a:endParaRPr>
+                    </a:p>
+                  </a:txBody>
+                  <a:tcPr marL="5346" marR="5346" marT="5346" marB="0" anchor="ctr"/>
+                </a:tc>
+                <a:tc>
+                  <a:txBody>
+                    <a:bodyPr/>
+                    <a:lstStyle/>
+                    <a:p>
+                      <a:pPr algn="l" fontAlgn="ctr"/>
+                      <a:r>
+                        <a:rPr lang="en-US" sz="600" u="none" strike="noStrike">
+                          <a:effectLst/>
+                        </a:rPr>
+                        <a:t>S11_Latch_RET</a:t>
+                      </a:r>
+                      <a:endParaRPr lang="en-US" sz="600" b="1" i="0" u="none" strike="noStrike">
+                        <a:solidFill>
+                          <a:srgbClr val="000000"/>
+                        </a:solidFill>
+                        <a:effectLst/>
+                        <a:latin typeface="맑은 고딕" panose="020B0503020000020004" pitchFamily="50" charset="-127"/>
+                        <a:ea typeface="맑은 고딕" panose="020B0503020000020004" pitchFamily="50" charset="-127"/>
+                      </a:endParaRPr>
+                    </a:p>
+                  </a:txBody>
+                  <a:tcPr marL="5346" marR="5346" marT="5346" marB="0" anchor="ctr"/>
+                </a:tc>
+                <a:tc>
+                  <a:txBody>
+                    <a:bodyPr/>
+                    <a:lstStyle/>
+                    <a:p>
+                      <a:pPr algn="l" fontAlgn="ctr"/>
+                      <a:r>
+                        <a:rPr lang="ko-KR" altLang="en-US" sz="600" u="none" strike="noStrike">
+                          <a:effectLst/>
+                        </a:rPr>
+                        <a:t>　</a:t>
+                      </a:r>
+                      <a:endParaRPr lang="ko-KR" altLang="en-US" sz="600" b="1" i="0" u="none" strike="noStrike">
+                        <a:solidFill>
+                          <a:srgbClr val="000000"/>
+                        </a:solidFill>
+                        <a:effectLst/>
+                        <a:latin typeface="맑은 고딕" panose="020B0503020000020004" pitchFamily="50" charset="-127"/>
+                        <a:ea typeface="맑은 고딕" panose="020B0503020000020004" pitchFamily="50" charset="-127"/>
+                      </a:endParaRPr>
+                    </a:p>
+                  </a:txBody>
+                  <a:tcPr marL="5346" marR="5346" marT="5346" marB="0" anchor="ctr"/>
+                </a:tc>
+                <a:extLst>
+                  <a:ext uri="{0D108BD9-81ED-4DB2-BD59-A6C34878D82A}">
+                    <a16:rowId xmlns:a16="http://schemas.microsoft.com/office/drawing/2014/main" val="3137092436"/>
+                  </a:ext>
+                </a:extLst>
+              </a:tr>
+              <a:tr h="117604">
+                <a:tc>
+                  <a:txBody>
+                    <a:bodyPr/>
+                    <a:lstStyle/>
+                    <a:p>
+                      <a:pPr algn="l" fontAlgn="ctr"/>
+                      <a:r>
+                        <a:rPr lang="ko-KR" altLang="en-US" sz="600" u="none" strike="noStrike">
+                          <a:effectLst/>
+                        </a:rPr>
+                        <a:t>외부주소</a:t>
+                      </a:r>
+                      <a:endParaRPr lang="ko-KR" altLang="en-US" sz="600" b="1" i="0" u="none" strike="noStrike">
+                        <a:solidFill>
+                          <a:srgbClr val="000000"/>
+                        </a:solidFill>
+                        <a:effectLst/>
+                        <a:latin typeface="맑은 고딕" panose="020B0503020000020004" pitchFamily="50" charset="-127"/>
+                        <a:ea typeface="맑은 고딕" panose="020B0503020000020004" pitchFamily="50" charset="-127"/>
+                      </a:endParaRPr>
+                    </a:p>
+                  </a:txBody>
+                  <a:tcPr marL="5346" marR="5346" marT="5346" marB="0" anchor="ctr"/>
+                </a:tc>
+                <a:tc>
+                  <a:txBody>
+                    <a:bodyPr/>
+                    <a:lstStyle/>
+                    <a:p>
+                      <a:pPr algn="l" fontAlgn="ctr"/>
+                      <a:r>
+                        <a:rPr lang="en-US" sz="600" u="none" strike="noStrike">
+                          <a:effectLst/>
+                        </a:rPr>
+                        <a:t>S11_PinA.ADV</a:t>
+                      </a:r>
+                      <a:endParaRPr lang="en-US" sz="600" b="1" i="0" u="none" strike="noStrike">
+                        <a:solidFill>
+                          <a:srgbClr val="000000"/>
+                        </a:solidFill>
+                        <a:effectLst/>
+                        <a:latin typeface="맑은 고딕" panose="020B0503020000020004" pitchFamily="50" charset="-127"/>
+                        <a:ea typeface="맑은 고딕" panose="020B0503020000020004" pitchFamily="50" charset="-127"/>
+                      </a:endParaRPr>
+                    </a:p>
+                  </a:txBody>
+                  <a:tcPr marL="5346" marR="5346" marT="5346" marB="0" anchor="ctr"/>
+                </a:tc>
+                <a:tc>
+                  <a:txBody>
+                    <a:bodyPr/>
+                    <a:lstStyle/>
+                    <a:p>
+                      <a:pPr algn="l" fontAlgn="ctr"/>
+                      <a:r>
+                        <a:rPr lang="en-US" sz="600" u="none" strike="noStrike">
+                          <a:effectLst/>
+                        </a:rPr>
+                        <a:t>bool</a:t>
+                      </a:r>
+                      <a:endParaRPr lang="en-US" sz="600" b="1" i="0" u="none" strike="noStrike">
+                        <a:solidFill>
+                          <a:srgbClr val="000000"/>
+                        </a:solidFill>
+                        <a:effectLst/>
+                        <a:latin typeface="맑은 고딕" panose="020B0503020000020004" pitchFamily="50" charset="-127"/>
+                        <a:ea typeface="맑은 고딕" panose="020B0503020000020004" pitchFamily="50" charset="-127"/>
+                      </a:endParaRPr>
+                    </a:p>
+                  </a:txBody>
+                  <a:tcPr marL="5346" marR="5346" marT="5346" marB="0" anchor="ctr"/>
+                </a:tc>
+                <a:tc>
+                  <a:txBody>
+                    <a:bodyPr/>
+                    <a:lstStyle/>
+                    <a:p>
+                      <a:pPr algn="l" fontAlgn="ctr"/>
+                      <a:r>
+                        <a:rPr lang="en-US" sz="600" u="none" strike="noStrike">
+                          <a:effectLst/>
+                        </a:rPr>
+                        <a:t>I8</a:t>
+                      </a:r>
+                      <a:endParaRPr lang="en-US" sz="600" b="1" i="0" u="none" strike="noStrike">
+                        <a:solidFill>
+                          <a:srgbClr val="000000"/>
+                        </a:solidFill>
+                        <a:effectLst/>
+                        <a:latin typeface="맑은 고딕" panose="020B0503020000020004" pitchFamily="50" charset="-127"/>
+                        <a:ea typeface="맑은 고딕" panose="020B0503020000020004" pitchFamily="50" charset="-127"/>
+                      </a:endParaRPr>
+                    </a:p>
+                  </a:txBody>
+                  <a:tcPr marL="5346" marR="5346" marT="5346" marB="0" anchor="ctr"/>
+                </a:tc>
+                <a:tc>
+                  <a:txBody>
+                    <a:bodyPr/>
+                    <a:lstStyle/>
+                    <a:p>
+                      <a:pPr algn="l" fontAlgn="ctr"/>
+                      <a:r>
+                        <a:rPr lang="en-US" sz="600" u="none" strike="noStrike">
+                          <a:effectLst/>
+                        </a:rPr>
+                        <a:t>O8</a:t>
+                      </a:r>
+                      <a:endParaRPr lang="en-US" sz="600" b="1" i="0" u="none" strike="noStrike">
+                        <a:solidFill>
+                          <a:srgbClr val="000000"/>
+                        </a:solidFill>
+                        <a:effectLst/>
+                        <a:latin typeface="맑은 고딕" panose="020B0503020000020004" pitchFamily="50" charset="-127"/>
+                        <a:ea typeface="맑은 고딕" panose="020B0503020000020004" pitchFamily="50" charset="-127"/>
+                      </a:endParaRPr>
+                    </a:p>
+                  </a:txBody>
+                  <a:tcPr marL="5346" marR="5346" marT="5346" marB="0" anchor="ctr"/>
+                </a:tc>
+                <a:tc>
+                  <a:txBody>
+                    <a:bodyPr/>
+                    <a:lstStyle/>
+                    <a:p>
+                      <a:pPr algn="l" fontAlgn="ctr"/>
+                      <a:r>
+                        <a:rPr lang="en-US" sz="600" u="none" strike="noStrike">
+                          <a:effectLst/>
+                        </a:rPr>
+                        <a:t>S11_PinA_ADV</a:t>
+                      </a:r>
+                      <a:endParaRPr lang="en-US" sz="600" b="1" i="0" u="none" strike="noStrike">
+                        <a:solidFill>
+                          <a:srgbClr val="000000"/>
+                        </a:solidFill>
+                        <a:effectLst/>
+                        <a:latin typeface="맑은 고딕" panose="020B0503020000020004" pitchFamily="50" charset="-127"/>
+                        <a:ea typeface="맑은 고딕" panose="020B0503020000020004" pitchFamily="50" charset="-127"/>
+                      </a:endParaRPr>
+                    </a:p>
+                  </a:txBody>
+                  <a:tcPr marL="5346" marR="5346" marT="5346" marB="0" anchor="ctr"/>
+                </a:tc>
+                <a:tc>
+                  <a:txBody>
+                    <a:bodyPr/>
+                    <a:lstStyle/>
+                    <a:p>
+                      <a:pPr algn="l" fontAlgn="ctr"/>
+                      <a:r>
+                        <a:rPr lang="ko-KR" altLang="en-US" sz="600" u="none" strike="noStrike">
+                          <a:effectLst/>
+                        </a:rPr>
+                        <a:t>　</a:t>
+                      </a:r>
+                      <a:endParaRPr lang="ko-KR" altLang="en-US" sz="600" b="1" i="0" u="none" strike="noStrike">
+                        <a:solidFill>
+                          <a:srgbClr val="000000"/>
+                        </a:solidFill>
+                        <a:effectLst/>
+                        <a:latin typeface="맑은 고딕" panose="020B0503020000020004" pitchFamily="50" charset="-127"/>
+                        <a:ea typeface="맑은 고딕" panose="020B0503020000020004" pitchFamily="50" charset="-127"/>
+                      </a:endParaRPr>
+                    </a:p>
+                  </a:txBody>
+                  <a:tcPr marL="5346" marR="5346" marT="5346" marB="0" anchor="ctr"/>
+                </a:tc>
+                <a:extLst>
+                  <a:ext uri="{0D108BD9-81ED-4DB2-BD59-A6C34878D82A}">
+                    <a16:rowId xmlns:a16="http://schemas.microsoft.com/office/drawing/2014/main" val="4119832413"/>
+                  </a:ext>
+                </a:extLst>
+              </a:tr>
+              <a:tr h="117604">
+                <a:tc>
+                  <a:txBody>
+                    <a:bodyPr/>
+                    <a:lstStyle/>
+                    <a:p>
+                      <a:pPr algn="l" fontAlgn="ctr"/>
+                      <a:r>
+                        <a:rPr lang="ko-KR" altLang="en-US" sz="600" u="none" strike="noStrike">
+                          <a:effectLst/>
+                        </a:rPr>
+                        <a:t>외부주소</a:t>
+                      </a:r>
+                      <a:endParaRPr lang="ko-KR" altLang="en-US" sz="600" b="1" i="0" u="none" strike="noStrike">
+                        <a:solidFill>
+                          <a:srgbClr val="000000"/>
+                        </a:solidFill>
+                        <a:effectLst/>
+                        <a:latin typeface="맑은 고딕" panose="020B0503020000020004" pitchFamily="50" charset="-127"/>
+                        <a:ea typeface="맑은 고딕" panose="020B0503020000020004" pitchFamily="50" charset="-127"/>
+                      </a:endParaRPr>
+                    </a:p>
+                  </a:txBody>
+                  <a:tcPr marL="5346" marR="5346" marT="5346" marB="0" anchor="ctr"/>
+                </a:tc>
+                <a:tc>
+                  <a:txBody>
+                    <a:bodyPr/>
+                    <a:lstStyle/>
+                    <a:p>
+                      <a:pPr algn="l" fontAlgn="ctr"/>
+                      <a:r>
+                        <a:rPr lang="en-US" sz="600" u="none" strike="noStrike">
+                          <a:effectLst/>
+                        </a:rPr>
+                        <a:t>S11_PinA.RET</a:t>
+                      </a:r>
+                      <a:endParaRPr lang="en-US" sz="600" b="1" i="0" u="none" strike="noStrike">
+                        <a:solidFill>
+                          <a:srgbClr val="000000"/>
+                        </a:solidFill>
+                        <a:effectLst/>
+                        <a:latin typeface="맑은 고딕" panose="020B0503020000020004" pitchFamily="50" charset="-127"/>
+                        <a:ea typeface="맑은 고딕" panose="020B0503020000020004" pitchFamily="50" charset="-127"/>
+                      </a:endParaRPr>
+                    </a:p>
+                  </a:txBody>
+                  <a:tcPr marL="5346" marR="5346" marT="5346" marB="0" anchor="ctr"/>
+                </a:tc>
+                <a:tc>
+                  <a:txBody>
+                    <a:bodyPr/>
+                    <a:lstStyle/>
+                    <a:p>
+                      <a:pPr algn="l" fontAlgn="ctr"/>
+                      <a:r>
+                        <a:rPr lang="en-US" sz="600" u="none" strike="noStrike">
+                          <a:effectLst/>
+                        </a:rPr>
+                        <a:t>bool</a:t>
+                      </a:r>
+                      <a:endParaRPr lang="en-US" sz="600" b="1" i="0" u="none" strike="noStrike">
+                        <a:solidFill>
+                          <a:srgbClr val="000000"/>
+                        </a:solidFill>
+                        <a:effectLst/>
+                        <a:latin typeface="맑은 고딕" panose="020B0503020000020004" pitchFamily="50" charset="-127"/>
+                        <a:ea typeface="맑은 고딕" panose="020B0503020000020004" pitchFamily="50" charset="-127"/>
+                      </a:endParaRPr>
+                    </a:p>
+                  </a:txBody>
+                  <a:tcPr marL="5346" marR="5346" marT="5346" marB="0" anchor="ctr"/>
+                </a:tc>
+                <a:tc>
+                  <a:txBody>
+                    <a:bodyPr/>
+                    <a:lstStyle/>
+                    <a:p>
+                      <a:pPr algn="l" fontAlgn="ctr"/>
+                      <a:r>
+                        <a:rPr lang="en-US" sz="600" u="none" strike="noStrike">
+                          <a:effectLst/>
+                        </a:rPr>
+                        <a:t>I9</a:t>
+                      </a:r>
+                      <a:endParaRPr lang="en-US" sz="600" b="1" i="0" u="none" strike="noStrike">
+                        <a:solidFill>
+                          <a:srgbClr val="000000"/>
+                        </a:solidFill>
+                        <a:effectLst/>
+                        <a:latin typeface="맑은 고딕" panose="020B0503020000020004" pitchFamily="50" charset="-127"/>
+                        <a:ea typeface="맑은 고딕" panose="020B0503020000020004" pitchFamily="50" charset="-127"/>
+                      </a:endParaRPr>
+                    </a:p>
+                  </a:txBody>
+                  <a:tcPr marL="5346" marR="5346" marT="5346" marB="0" anchor="ctr"/>
+                </a:tc>
+                <a:tc>
+                  <a:txBody>
+                    <a:bodyPr/>
+                    <a:lstStyle/>
+                    <a:p>
+                      <a:pPr algn="l" fontAlgn="ctr"/>
+                      <a:r>
+                        <a:rPr lang="en-US" sz="600" u="none" strike="noStrike">
+                          <a:effectLst/>
+                        </a:rPr>
+                        <a:t>O9</a:t>
+                      </a:r>
+                      <a:endParaRPr lang="en-US" sz="600" b="1" i="0" u="none" strike="noStrike">
+                        <a:solidFill>
+                          <a:srgbClr val="000000"/>
+                        </a:solidFill>
+                        <a:effectLst/>
+                        <a:latin typeface="맑은 고딕" panose="020B0503020000020004" pitchFamily="50" charset="-127"/>
+                        <a:ea typeface="맑은 고딕" panose="020B0503020000020004" pitchFamily="50" charset="-127"/>
+                      </a:endParaRPr>
+                    </a:p>
+                  </a:txBody>
+                  <a:tcPr marL="5346" marR="5346" marT="5346" marB="0" anchor="ctr"/>
+                </a:tc>
+                <a:tc>
+                  <a:txBody>
+                    <a:bodyPr/>
+                    <a:lstStyle/>
+                    <a:p>
+                      <a:pPr algn="l" fontAlgn="ctr"/>
+                      <a:r>
+                        <a:rPr lang="en-US" sz="600" u="none" strike="noStrike">
+                          <a:effectLst/>
+                        </a:rPr>
+                        <a:t>S11_PinA_RET</a:t>
+                      </a:r>
+                      <a:endParaRPr lang="en-US" sz="600" b="1" i="0" u="none" strike="noStrike">
+                        <a:solidFill>
+                          <a:srgbClr val="000000"/>
+                        </a:solidFill>
+                        <a:effectLst/>
+                        <a:latin typeface="맑은 고딕" panose="020B0503020000020004" pitchFamily="50" charset="-127"/>
+                        <a:ea typeface="맑은 고딕" panose="020B0503020000020004" pitchFamily="50" charset="-127"/>
+                      </a:endParaRPr>
+                    </a:p>
+                  </a:txBody>
+                  <a:tcPr marL="5346" marR="5346" marT="5346" marB="0" anchor="ctr"/>
+                </a:tc>
+                <a:tc>
+                  <a:txBody>
+                    <a:bodyPr/>
+                    <a:lstStyle/>
+                    <a:p>
+                      <a:pPr algn="l" fontAlgn="ctr"/>
+                      <a:r>
+                        <a:rPr lang="ko-KR" altLang="en-US" sz="600" u="none" strike="noStrike">
+                          <a:effectLst/>
+                        </a:rPr>
+                        <a:t>　</a:t>
+                      </a:r>
+                      <a:endParaRPr lang="ko-KR" altLang="en-US" sz="600" b="1" i="0" u="none" strike="noStrike">
+                        <a:solidFill>
+                          <a:srgbClr val="000000"/>
+                        </a:solidFill>
+                        <a:effectLst/>
+                        <a:latin typeface="맑은 고딕" panose="020B0503020000020004" pitchFamily="50" charset="-127"/>
+                        <a:ea typeface="맑은 고딕" panose="020B0503020000020004" pitchFamily="50" charset="-127"/>
+                      </a:endParaRPr>
+                    </a:p>
+                  </a:txBody>
+                  <a:tcPr marL="5346" marR="5346" marT="5346" marB="0" anchor="ctr"/>
+                </a:tc>
+                <a:extLst>
+                  <a:ext uri="{0D108BD9-81ED-4DB2-BD59-A6C34878D82A}">
+                    <a16:rowId xmlns:a16="http://schemas.microsoft.com/office/drawing/2014/main" val="251246450"/>
+                  </a:ext>
+                </a:extLst>
+              </a:tr>
+              <a:tr h="117604">
+                <a:tc>
+                  <a:txBody>
+                    <a:bodyPr/>
+                    <a:lstStyle/>
+                    <a:p>
+                      <a:pPr algn="l" fontAlgn="ctr"/>
+                      <a:r>
+                        <a:rPr lang="ko-KR" altLang="en-US" sz="600" u="none" strike="noStrike">
+                          <a:effectLst/>
+                        </a:rPr>
+                        <a:t>외부주소</a:t>
+                      </a:r>
+                      <a:endParaRPr lang="ko-KR" altLang="en-US" sz="600" b="1" i="0" u="none" strike="noStrike">
+                        <a:solidFill>
+                          <a:srgbClr val="000000"/>
+                        </a:solidFill>
+                        <a:effectLst/>
+                        <a:latin typeface="맑은 고딕" panose="020B0503020000020004" pitchFamily="50" charset="-127"/>
+                        <a:ea typeface="맑은 고딕" panose="020B0503020000020004" pitchFamily="50" charset="-127"/>
+                      </a:endParaRPr>
+                    </a:p>
+                  </a:txBody>
+                  <a:tcPr marL="5346" marR="5346" marT="5346" marB="0" anchor="ctr"/>
+                </a:tc>
+                <a:tc>
+                  <a:txBody>
+                    <a:bodyPr/>
+                    <a:lstStyle/>
+                    <a:p>
+                      <a:pPr algn="l" fontAlgn="ctr"/>
+                      <a:r>
+                        <a:rPr lang="en-US" sz="600" u="none" strike="noStrike">
+                          <a:effectLst/>
+                        </a:rPr>
+                        <a:t>S11_PinB.ADV</a:t>
+                      </a:r>
+                      <a:endParaRPr lang="en-US" sz="600" b="1" i="0" u="none" strike="noStrike">
+                        <a:solidFill>
+                          <a:srgbClr val="000000"/>
+                        </a:solidFill>
+                        <a:effectLst/>
+                        <a:latin typeface="맑은 고딕" panose="020B0503020000020004" pitchFamily="50" charset="-127"/>
+                        <a:ea typeface="맑은 고딕" panose="020B0503020000020004" pitchFamily="50" charset="-127"/>
+                      </a:endParaRPr>
+                    </a:p>
+                  </a:txBody>
+                  <a:tcPr marL="5346" marR="5346" marT="5346" marB="0" anchor="ctr"/>
+                </a:tc>
+                <a:tc>
+                  <a:txBody>
+                    <a:bodyPr/>
+                    <a:lstStyle/>
+                    <a:p>
+                      <a:pPr algn="l" fontAlgn="ctr"/>
+                      <a:r>
+                        <a:rPr lang="en-US" sz="600" u="none" strike="noStrike">
+                          <a:effectLst/>
+                        </a:rPr>
+                        <a:t>bool</a:t>
+                      </a:r>
+                      <a:endParaRPr lang="en-US" sz="600" b="1" i="0" u="none" strike="noStrike">
+                        <a:solidFill>
+                          <a:srgbClr val="000000"/>
+                        </a:solidFill>
+                        <a:effectLst/>
+                        <a:latin typeface="맑은 고딕" panose="020B0503020000020004" pitchFamily="50" charset="-127"/>
+                        <a:ea typeface="맑은 고딕" panose="020B0503020000020004" pitchFamily="50" charset="-127"/>
+                      </a:endParaRPr>
+                    </a:p>
+                  </a:txBody>
+                  <a:tcPr marL="5346" marR="5346" marT="5346" marB="0" anchor="ctr"/>
+                </a:tc>
+                <a:tc>
+                  <a:txBody>
+                    <a:bodyPr/>
+                    <a:lstStyle/>
+                    <a:p>
+                      <a:pPr algn="l" fontAlgn="ctr"/>
+                      <a:r>
+                        <a:rPr lang="en-US" sz="600" u="none" strike="noStrike">
+                          <a:effectLst/>
+                        </a:rPr>
+                        <a:t>I0</a:t>
+                      </a:r>
+                      <a:endParaRPr lang="en-US" sz="600" b="1" i="0" u="none" strike="noStrike">
+                        <a:solidFill>
+                          <a:srgbClr val="000000"/>
+                        </a:solidFill>
+                        <a:effectLst/>
+                        <a:latin typeface="맑은 고딕" panose="020B0503020000020004" pitchFamily="50" charset="-127"/>
+                        <a:ea typeface="맑은 고딕" panose="020B0503020000020004" pitchFamily="50" charset="-127"/>
+                      </a:endParaRPr>
+                    </a:p>
+                  </a:txBody>
+                  <a:tcPr marL="5346" marR="5346" marT="5346" marB="0" anchor="ctr"/>
+                </a:tc>
+                <a:tc>
+                  <a:txBody>
+                    <a:bodyPr/>
+                    <a:lstStyle/>
+                    <a:p>
+                      <a:pPr algn="l" fontAlgn="ctr"/>
+                      <a:r>
+                        <a:rPr lang="en-US" sz="600" u="none" strike="noStrike">
+                          <a:effectLst/>
+                        </a:rPr>
+                        <a:t>O0</a:t>
+                      </a:r>
+                      <a:endParaRPr lang="en-US" sz="600" b="1" i="0" u="none" strike="noStrike">
+                        <a:solidFill>
+                          <a:srgbClr val="000000"/>
+                        </a:solidFill>
+                        <a:effectLst/>
+                        <a:latin typeface="맑은 고딕" panose="020B0503020000020004" pitchFamily="50" charset="-127"/>
+                        <a:ea typeface="맑은 고딕" panose="020B0503020000020004" pitchFamily="50" charset="-127"/>
+                      </a:endParaRPr>
+                    </a:p>
+                  </a:txBody>
+                  <a:tcPr marL="5346" marR="5346" marT="5346" marB="0" anchor="ctr"/>
+                </a:tc>
+                <a:tc>
+                  <a:txBody>
+                    <a:bodyPr/>
+                    <a:lstStyle/>
+                    <a:p>
+                      <a:pPr algn="l" fontAlgn="ctr"/>
+                      <a:r>
+                        <a:rPr lang="en-US" sz="600" u="none" strike="noStrike">
+                          <a:effectLst/>
+                        </a:rPr>
+                        <a:t>S11_PinB_ADV</a:t>
+                      </a:r>
+                      <a:endParaRPr lang="en-US" sz="600" b="1" i="0" u="none" strike="noStrike">
+                        <a:solidFill>
+                          <a:srgbClr val="000000"/>
+                        </a:solidFill>
+                        <a:effectLst/>
+                        <a:latin typeface="맑은 고딕" panose="020B0503020000020004" pitchFamily="50" charset="-127"/>
+                        <a:ea typeface="맑은 고딕" panose="020B0503020000020004" pitchFamily="50" charset="-127"/>
+                      </a:endParaRPr>
+                    </a:p>
+                  </a:txBody>
+                  <a:tcPr marL="5346" marR="5346" marT="5346" marB="0" anchor="ctr"/>
+                </a:tc>
+                <a:tc>
+                  <a:txBody>
+                    <a:bodyPr/>
+                    <a:lstStyle/>
+                    <a:p>
+                      <a:pPr algn="l" fontAlgn="ctr"/>
+                      <a:r>
+                        <a:rPr lang="ko-KR" altLang="en-US" sz="600" u="none" strike="noStrike">
+                          <a:effectLst/>
+                        </a:rPr>
+                        <a:t>　</a:t>
+                      </a:r>
+                      <a:endParaRPr lang="ko-KR" altLang="en-US" sz="600" b="1" i="0" u="none" strike="noStrike">
+                        <a:solidFill>
+                          <a:srgbClr val="000000"/>
+                        </a:solidFill>
+                        <a:effectLst/>
+                        <a:latin typeface="맑은 고딕" panose="020B0503020000020004" pitchFamily="50" charset="-127"/>
+                        <a:ea typeface="맑은 고딕" panose="020B0503020000020004" pitchFamily="50" charset="-127"/>
+                      </a:endParaRPr>
+                    </a:p>
+                  </a:txBody>
+                  <a:tcPr marL="5346" marR="5346" marT="5346" marB="0" anchor="ctr"/>
+                </a:tc>
+                <a:extLst>
+                  <a:ext uri="{0D108BD9-81ED-4DB2-BD59-A6C34878D82A}">
+                    <a16:rowId xmlns:a16="http://schemas.microsoft.com/office/drawing/2014/main" val="595457479"/>
+                  </a:ext>
+                </a:extLst>
+              </a:tr>
+              <a:tr h="117604">
+                <a:tc>
+                  <a:txBody>
+                    <a:bodyPr/>
+                    <a:lstStyle/>
+                    <a:p>
+                      <a:pPr algn="l" fontAlgn="ctr"/>
+                      <a:r>
+                        <a:rPr lang="ko-KR" altLang="en-US" sz="600" u="none" strike="noStrike">
+                          <a:effectLst/>
+                        </a:rPr>
+                        <a:t>외부주소</a:t>
+                      </a:r>
+                      <a:endParaRPr lang="ko-KR" altLang="en-US" sz="600" b="1" i="0" u="none" strike="noStrike">
+                        <a:solidFill>
+                          <a:srgbClr val="000000"/>
+                        </a:solidFill>
+                        <a:effectLst/>
+                        <a:latin typeface="맑은 고딕" panose="020B0503020000020004" pitchFamily="50" charset="-127"/>
+                        <a:ea typeface="맑은 고딕" panose="020B0503020000020004" pitchFamily="50" charset="-127"/>
+                      </a:endParaRPr>
+                    </a:p>
+                  </a:txBody>
+                  <a:tcPr marL="5346" marR="5346" marT="5346" marB="0" anchor="ctr"/>
+                </a:tc>
+                <a:tc>
+                  <a:txBody>
+                    <a:bodyPr/>
+                    <a:lstStyle/>
+                    <a:p>
+                      <a:pPr algn="l" fontAlgn="ctr"/>
+                      <a:r>
+                        <a:rPr lang="en-US" sz="600" u="none" strike="noStrike">
+                          <a:effectLst/>
+                        </a:rPr>
+                        <a:t>S11_PinB.RET</a:t>
+                      </a:r>
+                      <a:endParaRPr lang="en-US" sz="600" b="1" i="0" u="none" strike="noStrike">
+                        <a:solidFill>
+                          <a:srgbClr val="000000"/>
+                        </a:solidFill>
+                        <a:effectLst/>
+                        <a:latin typeface="맑은 고딕" panose="020B0503020000020004" pitchFamily="50" charset="-127"/>
+                        <a:ea typeface="맑은 고딕" panose="020B0503020000020004" pitchFamily="50" charset="-127"/>
+                      </a:endParaRPr>
+                    </a:p>
+                  </a:txBody>
+                  <a:tcPr marL="5346" marR="5346" marT="5346" marB="0" anchor="ctr"/>
+                </a:tc>
+                <a:tc>
+                  <a:txBody>
+                    <a:bodyPr/>
+                    <a:lstStyle/>
+                    <a:p>
+                      <a:pPr algn="l" fontAlgn="ctr"/>
+                      <a:r>
+                        <a:rPr lang="en-US" sz="600" u="none" strike="noStrike">
+                          <a:effectLst/>
+                        </a:rPr>
+                        <a:t>bool</a:t>
+                      </a:r>
+                      <a:endParaRPr lang="en-US" sz="600" b="1" i="0" u="none" strike="noStrike">
+                        <a:solidFill>
+                          <a:srgbClr val="000000"/>
+                        </a:solidFill>
+                        <a:effectLst/>
+                        <a:latin typeface="맑은 고딕" panose="020B0503020000020004" pitchFamily="50" charset="-127"/>
+                        <a:ea typeface="맑은 고딕" panose="020B0503020000020004" pitchFamily="50" charset="-127"/>
+                      </a:endParaRPr>
+                    </a:p>
+                  </a:txBody>
+                  <a:tcPr marL="5346" marR="5346" marT="5346" marB="0" anchor="ctr"/>
+                </a:tc>
+                <a:tc>
+                  <a:txBody>
+                    <a:bodyPr/>
+                    <a:lstStyle/>
+                    <a:p>
+                      <a:pPr algn="l" fontAlgn="ctr"/>
+                      <a:r>
+                        <a:rPr lang="en-US" sz="600" u="none" strike="noStrike">
+                          <a:effectLst/>
+                        </a:rPr>
+                        <a:t>I1</a:t>
+                      </a:r>
+                      <a:endParaRPr lang="en-US" sz="600" b="1" i="0" u="none" strike="noStrike">
+                        <a:solidFill>
+                          <a:srgbClr val="000000"/>
+                        </a:solidFill>
+                        <a:effectLst/>
+                        <a:latin typeface="맑은 고딕" panose="020B0503020000020004" pitchFamily="50" charset="-127"/>
+                        <a:ea typeface="맑은 고딕" panose="020B0503020000020004" pitchFamily="50" charset="-127"/>
+                      </a:endParaRPr>
+                    </a:p>
+                  </a:txBody>
+                  <a:tcPr marL="5346" marR="5346" marT="5346" marB="0" anchor="ctr"/>
+                </a:tc>
+                <a:tc>
+                  <a:txBody>
+                    <a:bodyPr/>
+                    <a:lstStyle/>
+                    <a:p>
+                      <a:pPr algn="l" fontAlgn="ctr"/>
+                      <a:r>
+                        <a:rPr lang="en-US" sz="600" u="none" strike="noStrike">
+                          <a:effectLst/>
+                        </a:rPr>
+                        <a:t>O1</a:t>
+                      </a:r>
+                      <a:endParaRPr lang="en-US" sz="600" b="1" i="0" u="none" strike="noStrike">
+                        <a:solidFill>
+                          <a:srgbClr val="000000"/>
+                        </a:solidFill>
+                        <a:effectLst/>
+                        <a:latin typeface="맑은 고딕" panose="020B0503020000020004" pitchFamily="50" charset="-127"/>
+                        <a:ea typeface="맑은 고딕" panose="020B0503020000020004" pitchFamily="50" charset="-127"/>
+                      </a:endParaRPr>
+                    </a:p>
+                  </a:txBody>
+                  <a:tcPr marL="5346" marR="5346" marT="5346" marB="0" anchor="ctr"/>
+                </a:tc>
+                <a:tc>
+                  <a:txBody>
+                    <a:bodyPr/>
+                    <a:lstStyle/>
+                    <a:p>
+                      <a:pPr algn="l" fontAlgn="ctr"/>
+                      <a:r>
+                        <a:rPr lang="en-US" sz="600" u="none" strike="noStrike">
+                          <a:effectLst/>
+                        </a:rPr>
+                        <a:t>S11_PinB_RET</a:t>
+                      </a:r>
+                      <a:endParaRPr lang="en-US" sz="600" b="1" i="0" u="none" strike="noStrike">
+                        <a:solidFill>
+                          <a:srgbClr val="000000"/>
+                        </a:solidFill>
+                        <a:effectLst/>
+                        <a:latin typeface="맑은 고딕" panose="020B0503020000020004" pitchFamily="50" charset="-127"/>
+                        <a:ea typeface="맑은 고딕" panose="020B0503020000020004" pitchFamily="50" charset="-127"/>
+                      </a:endParaRPr>
+                    </a:p>
+                  </a:txBody>
+                  <a:tcPr marL="5346" marR="5346" marT="5346" marB="0" anchor="ctr"/>
+                </a:tc>
+                <a:tc>
+                  <a:txBody>
+                    <a:bodyPr/>
+                    <a:lstStyle/>
+                    <a:p>
+                      <a:pPr algn="l" fontAlgn="ctr"/>
+                      <a:r>
+                        <a:rPr lang="ko-KR" altLang="en-US" sz="600" u="none" strike="noStrike">
+                          <a:effectLst/>
+                        </a:rPr>
+                        <a:t>　</a:t>
+                      </a:r>
+                      <a:endParaRPr lang="ko-KR" altLang="en-US" sz="600" b="1" i="0" u="none" strike="noStrike">
+                        <a:solidFill>
+                          <a:srgbClr val="000000"/>
+                        </a:solidFill>
+                        <a:effectLst/>
+                        <a:latin typeface="맑은 고딕" panose="020B0503020000020004" pitchFamily="50" charset="-127"/>
+                        <a:ea typeface="맑은 고딕" panose="020B0503020000020004" pitchFamily="50" charset="-127"/>
+                      </a:endParaRPr>
+                    </a:p>
+                  </a:txBody>
+                  <a:tcPr marL="5346" marR="5346" marT="5346" marB="0" anchor="ctr"/>
+                </a:tc>
+                <a:extLst>
+                  <a:ext uri="{0D108BD9-81ED-4DB2-BD59-A6C34878D82A}">
+                    <a16:rowId xmlns:a16="http://schemas.microsoft.com/office/drawing/2014/main" val="3130589323"/>
+                  </a:ext>
+                </a:extLst>
+              </a:tr>
+              <a:tr h="117604">
+                <a:tc>
+                  <a:txBody>
+                    <a:bodyPr/>
+                    <a:lstStyle/>
+                    <a:p>
+                      <a:pPr algn="l" fontAlgn="ctr"/>
+                      <a:r>
+                        <a:rPr lang="ko-KR" altLang="en-US" sz="600" u="none" strike="noStrike">
+                          <a:effectLst/>
+                        </a:rPr>
+                        <a:t>외부주소</a:t>
+                      </a:r>
+                      <a:endParaRPr lang="ko-KR" altLang="en-US" sz="600" b="1" i="0" u="none" strike="noStrike">
+                        <a:solidFill>
+                          <a:srgbClr val="000000"/>
+                        </a:solidFill>
+                        <a:effectLst/>
+                        <a:latin typeface="맑은 고딕" panose="020B0503020000020004" pitchFamily="50" charset="-127"/>
+                        <a:ea typeface="맑은 고딕" panose="020B0503020000020004" pitchFamily="50" charset="-127"/>
+                      </a:endParaRPr>
+                    </a:p>
+                  </a:txBody>
+                  <a:tcPr marL="5346" marR="5346" marT="5346" marB="0" anchor="ctr"/>
+                </a:tc>
+                <a:tc>
+                  <a:txBody>
+                    <a:bodyPr/>
+                    <a:lstStyle/>
+                    <a:p>
+                      <a:pPr algn="l" fontAlgn="ctr"/>
+                      <a:r>
+                        <a:rPr lang="en-US" sz="600" u="none" strike="noStrike">
+                          <a:effectLst/>
+                        </a:rPr>
+                        <a:t>S22_Clamp1.ADV</a:t>
+                      </a:r>
+                      <a:endParaRPr lang="en-US" sz="600" b="1" i="0" u="none" strike="noStrike">
+                        <a:solidFill>
+                          <a:srgbClr val="000000"/>
+                        </a:solidFill>
+                        <a:effectLst/>
+                        <a:latin typeface="맑은 고딕" panose="020B0503020000020004" pitchFamily="50" charset="-127"/>
+                        <a:ea typeface="맑은 고딕" panose="020B0503020000020004" pitchFamily="50" charset="-127"/>
+                      </a:endParaRPr>
+                    </a:p>
+                  </a:txBody>
+                  <a:tcPr marL="5346" marR="5346" marT="5346" marB="0" anchor="ctr"/>
+                </a:tc>
+                <a:tc>
+                  <a:txBody>
+                    <a:bodyPr/>
+                    <a:lstStyle/>
+                    <a:p>
+                      <a:pPr algn="l" fontAlgn="ctr"/>
+                      <a:r>
+                        <a:rPr lang="en-US" sz="600" u="none" strike="noStrike">
+                          <a:effectLst/>
+                        </a:rPr>
+                        <a:t>bool</a:t>
+                      </a:r>
+                      <a:endParaRPr lang="en-US" sz="600" b="1" i="0" u="none" strike="noStrike">
+                        <a:solidFill>
+                          <a:srgbClr val="000000"/>
+                        </a:solidFill>
+                        <a:effectLst/>
+                        <a:latin typeface="맑은 고딕" panose="020B0503020000020004" pitchFamily="50" charset="-127"/>
+                        <a:ea typeface="맑은 고딕" panose="020B0503020000020004" pitchFamily="50" charset="-127"/>
+                      </a:endParaRPr>
+                    </a:p>
+                  </a:txBody>
+                  <a:tcPr marL="5346" marR="5346" marT="5346" marB="0" anchor="ctr"/>
+                </a:tc>
+                <a:tc>
+                  <a:txBody>
+                    <a:bodyPr/>
+                    <a:lstStyle/>
+                    <a:p>
+                      <a:pPr algn="l" fontAlgn="ctr"/>
+                      <a:r>
+                        <a:rPr lang="en-US" sz="600" u="none" strike="noStrike">
+                          <a:effectLst/>
+                        </a:rPr>
+                        <a:t>I12</a:t>
+                      </a:r>
+                      <a:endParaRPr lang="en-US" sz="600" b="1" i="0" u="none" strike="noStrike">
+                        <a:solidFill>
+                          <a:srgbClr val="000000"/>
+                        </a:solidFill>
+                        <a:effectLst/>
+                        <a:latin typeface="맑은 고딕" panose="020B0503020000020004" pitchFamily="50" charset="-127"/>
+                        <a:ea typeface="맑은 고딕" panose="020B0503020000020004" pitchFamily="50" charset="-127"/>
+                      </a:endParaRPr>
+                    </a:p>
+                  </a:txBody>
+                  <a:tcPr marL="5346" marR="5346" marT="5346" marB="0" anchor="ctr"/>
+                </a:tc>
+                <a:tc>
+                  <a:txBody>
+                    <a:bodyPr/>
+                    <a:lstStyle/>
+                    <a:p>
+                      <a:pPr algn="l" fontAlgn="ctr"/>
+                      <a:r>
+                        <a:rPr lang="en-US" sz="600" u="none" strike="noStrike">
+                          <a:effectLst/>
+                        </a:rPr>
+                        <a:t>O12</a:t>
+                      </a:r>
+                      <a:endParaRPr lang="en-US" sz="600" b="1" i="0" u="none" strike="noStrike">
+                        <a:solidFill>
+                          <a:srgbClr val="000000"/>
+                        </a:solidFill>
+                        <a:effectLst/>
+                        <a:latin typeface="맑은 고딕" panose="020B0503020000020004" pitchFamily="50" charset="-127"/>
+                        <a:ea typeface="맑은 고딕" panose="020B0503020000020004" pitchFamily="50" charset="-127"/>
+                      </a:endParaRPr>
+                    </a:p>
+                  </a:txBody>
+                  <a:tcPr marL="5346" marR="5346" marT="5346" marB="0" anchor="ctr"/>
+                </a:tc>
+                <a:tc>
+                  <a:txBody>
+                    <a:bodyPr/>
+                    <a:lstStyle/>
+                    <a:p>
+                      <a:pPr algn="l" fontAlgn="ctr"/>
+                      <a:r>
+                        <a:rPr lang="en-US" sz="600" u="none" strike="noStrike">
+                          <a:effectLst/>
+                        </a:rPr>
+                        <a:t>S22_Clamp_ADV</a:t>
+                      </a:r>
+                      <a:endParaRPr lang="en-US" sz="600" b="1" i="0" u="none" strike="noStrike">
+                        <a:solidFill>
+                          <a:srgbClr val="000000"/>
+                        </a:solidFill>
+                        <a:effectLst/>
+                        <a:latin typeface="맑은 고딕" panose="020B0503020000020004" pitchFamily="50" charset="-127"/>
+                        <a:ea typeface="맑은 고딕" panose="020B0503020000020004" pitchFamily="50" charset="-127"/>
+                      </a:endParaRPr>
+                    </a:p>
+                  </a:txBody>
+                  <a:tcPr marL="5346" marR="5346" marT="5346" marB="0" anchor="ctr"/>
+                </a:tc>
+                <a:tc>
+                  <a:txBody>
+                    <a:bodyPr/>
+                    <a:lstStyle/>
+                    <a:p>
+                      <a:pPr algn="l" fontAlgn="ctr"/>
+                      <a:r>
+                        <a:rPr lang="ko-KR" altLang="en-US" sz="600" u="none" strike="noStrike">
+                          <a:effectLst/>
+                        </a:rPr>
+                        <a:t>　</a:t>
+                      </a:r>
+                      <a:endParaRPr lang="ko-KR" altLang="en-US" sz="600" b="1" i="0" u="none" strike="noStrike">
+                        <a:solidFill>
+                          <a:srgbClr val="000000"/>
+                        </a:solidFill>
+                        <a:effectLst/>
+                        <a:latin typeface="맑은 고딕" panose="020B0503020000020004" pitchFamily="50" charset="-127"/>
+                        <a:ea typeface="맑은 고딕" panose="020B0503020000020004" pitchFamily="50" charset="-127"/>
+                      </a:endParaRPr>
+                    </a:p>
+                  </a:txBody>
+                  <a:tcPr marL="5346" marR="5346" marT="5346" marB="0" anchor="ctr"/>
+                </a:tc>
+                <a:extLst>
+                  <a:ext uri="{0D108BD9-81ED-4DB2-BD59-A6C34878D82A}">
+                    <a16:rowId xmlns:a16="http://schemas.microsoft.com/office/drawing/2014/main" val="1249125609"/>
+                  </a:ext>
+                </a:extLst>
+              </a:tr>
+              <a:tr h="117604">
+                <a:tc>
+                  <a:txBody>
+                    <a:bodyPr/>
+                    <a:lstStyle/>
+                    <a:p>
+                      <a:pPr algn="l" fontAlgn="ctr"/>
+                      <a:r>
+                        <a:rPr lang="ko-KR" altLang="en-US" sz="600" u="none" strike="noStrike">
+                          <a:effectLst/>
+                        </a:rPr>
+                        <a:t>외부주소</a:t>
+                      </a:r>
+                      <a:endParaRPr lang="ko-KR" altLang="en-US" sz="600" b="1" i="0" u="none" strike="noStrike">
+                        <a:solidFill>
+                          <a:srgbClr val="000000"/>
+                        </a:solidFill>
+                        <a:effectLst/>
+                        <a:latin typeface="맑은 고딕" panose="020B0503020000020004" pitchFamily="50" charset="-127"/>
+                        <a:ea typeface="맑은 고딕" panose="020B0503020000020004" pitchFamily="50" charset="-127"/>
+                      </a:endParaRPr>
+                    </a:p>
+                  </a:txBody>
+                  <a:tcPr marL="5346" marR="5346" marT="5346" marB="0" anchor="ctr"/>
+                </a:tc>
+                <a:tc>
+                  <a:txBody>
+                    <a:bodyPr/>
+                    <a:lstStyle/>
+                    <a:p>
+                      <a:pPr algn="l" fontAlgn="ctr"/>
+                      <a:r>
+                        <a:rPr lang="en-US" sz="600" u="none" strike="noStrike">
+                          <a:effectLst/>
+                        </a:rPr>
+                        <a:t>S22_Clamp2.ADV</a:t>
+                      </a:r>
+                      <a:endParaRPr lang="en-US" sz="600" b="1" i="0" u="none" strike="noStrike">
+                        <a:solidFill>
+                          <a:srgbClr val="000000"/>
+                        </a:solidFill>
+                        <a:effectLst/>
+                        <a:latin typeface="맑은 고딕" panose="020B0503020000020004" pitchFamily="50" charset="-127"/>
+                        <a:ea typeface="맑은 고딕" panose="020B0503020000020004" pitchFamily="50" charset="-127"/>
+                      </a:endParaRPr>
+                    </a:p>
+                  </a:txBody>
+                  <a:tcPr marL="5346" marR="5346" marT="5346" marB="0" anchor="ctr"/>
+                </a:tc>
+                <a:tc>
+                  <a:txBody>
+                    <a:bodyPr/>
+                    <a:lstStyle/>
+                    <a:p>
+                      <a:pPr algn="l" fontAlgn="ctr"/>
+                      <a:r>
+                        <a:rPr lang="en-US" sz="600" u="none" strike="noStrike">
+                          <a:effectLst/>
+                        </a:rPr>
+                        <a:t>bool</a:t>
+                      </a:r>
+                      <a:endParaRPr lang="en-US" sz="600" b="1" i="0" u="none" strike="noStrike">
+                        <a:solidFill>
+                          <a:srgbClr val="000000"/>
+                        </a:solidFill>
+                        <a:effectLst/>
+                        <a:latin typeface="맑은 고딕" panose="020B0503020000020004" pitchFamily="50" charset="-127"/>
+                        <a:ea typeface="맑은 고딕" panose="020B0503020000020004" pitchFamily="50" charset="-127"/>
+                      </a:endParaRPr>
+                    </a:p>
+                  </a:txBody>
+                  <a:tcPr marL="5346" marR="5346" marT="5346" marB="0" anchor="ctr"/>
+                </a:tc>
+                <a:tc>
+                  <a:txBody>
+                    <a:bodyPr/>
+                    <a:lstStyle/>
+                    <a:p>
+                      <a:pPr algn="l" fontAlgn="ctr"/>
+                      <a:r>
+                        <a:rPr lang="en-US" sz="600" u="none" strike="noStrike">
+                          <a:effectLst/>
+                        </a:rPr>
+                        <a:t>I13</a:t>
+                      </a:r>
+                      <a:endParaRPr lang="en-US" sz="600" b="1" i="0" u="none" strike="noStrike">
+                        <a:solidFill>
+                          <a:srgbClr val="000000"/>
+                        </a:solidFill>
+                        <a:effectLst/>
+                        <a:latin typeface="맑은 고딕" panose="020B0503020000020004" pitchFamily="50" charset="-127"/>
+                        <a:ea typeface="맑은 고딕" panose="020B0503020000020004" pitchFamily="50" charset="-127"/>
+                      </a:endParaRPr>
+                    </a:p>
+                  </a:txBody>
+                  <a:tcPr marL="5346" marR="5346" marT="5346" marB="0" anchor="ctr"/>
+                </a:tc>
+                <a:tc>
+                  <a:txBody>
+                    <a:bodyPr/>
+                    <a:lstStyle/>
+                    <a:p>
+                      <a:pPr algn="l" fontAlgn="ctr"/>
+                      <a:r>
+                        <a:rPr lang="en-US" sz="600" u="none" strike="noStrike">
+                          <a:effectLst/>
+                        </a:rPr>
+                        <a:t>O13</a:t>
+                      </a:r>
+                      <a:endParaRPr lang="en-US" sz="600" b="1" i="0" u="none" strike="noStrike">
+                        <a:solidFill>
+                          <a:srgbClr val="000000"/>
+                        </a:solidFill>
+                        <a:effectLst/>
+                        <a:latin typeface="맑은 고딕" panose="020B0503020000020004" pitchFamily="50" charset="-127"/>
+                        <a:ea typeface="맑은 고딕" panose="020B0503020000020004" pitchFamily="50" charset="-127"/>
+                      </a:endParaRPr>
+                    </a:p>
+                  </a:txBody>
+                  <a:tcPr marL="5346" marR="5346" marT="5346" marB="0" anchor="ctr"/>
+                </a:tc>
+                <a:tc>
+                  <a:txBody>
+                    <a:bodyPr/>
+                    <a:lstStyle/>
+                    <a:p>
+                      <a:pPr algn="l" fontAlgn="ctr"/>
+                      <a:r>
+                        <a:rPr lang="ko-KR" altLang="en-US" sz="600" u="none" strike="noStrike">
+                          <a:effectLst/>
+                        </a:rPr>
+                        <a:t>↑</a:t>
+                      </a:r>
+                      <a:endParaRPr lang="ko-KR" altLang="en-US" sz="600" b="1" i="0" u="none" strike="noStrike">
+                        <a:solidFill>
+                          <a:srgbClr val="000000"/>
+                        </a:solidFill>
+                        <a:effectLst/>
+                        <a:latin typeface="맑은 고딕" panose="020B0503020000020004" pitchFamily="50" charset="-127"/>
+                        <a:ea typeface="맑은 고딕" panose="020B0503020000020004" pitchFamily="50" charset="-127"/>
+                      </a:endParaRPr>
+                    </a:p>
+                  </a:txBody>
+                  <a:tcPr marL="5346" marR="5346" marT="5346" marB="0" anchor="ctr"/>
+                </a:tc>
+                <a:tc>
+                  <a:txBody>
+                    <a:bodyPr/>
+                    <a:lstStyle/>
+                    <a:p>
+                      <a:pPr algn="l" fontAlgn="ctr"/>
+                      <a:r>
+                        <a:rPr lang="ko-KR" altLang="en-US" sz="600" u="none" strike="noStrike">
+                          <a:effectLst/>
+                        </a:rPr>
+                        <a:t>↑</a:t>
+                      </a:r>
+                      <a:endParaRPr lang="ko-KR" altLang="en-US" sz="600" b="1" i="0" u="none" strike="noStrike">
+                        <a:solidFill>
+                          <a:srgbClr val="000000"/>
+                        </a:solidFill>
+                        <a:effectLst/>
+                        <a:latin typeface="맑은 고딕" panose="020B0503020000020004" pitchFamily="50" charset="-127"/>
+                        <a:ea typeface="맑은 고딕" panose="020B0503020000020004" pitchFamily="50" charset="-127"/>
+                      </a:endParaRPr>
+                    </a:p>
+                  </a:txBody>
+                  <a:tcPr marL="5346" marR="5346" marT="5346" marB="0" anchor="ctr"/>
+                </a:tc>
+                <a:extLst>
+                  <a:ext uri="{0D108BD9-81ED-4DB2-BD59-A6C34878D82A}">
+                    <a16:rowId xmlns:a16="http://schemas.microsoft.com/office/drawing/2014/main" val="1724044275"/>
+                  </a:ext>
+                </a:extLst>
+              </a:tr>
+              <a:tr h="117604">
+                <a:tc>
+                  <a:txBody>
+                    <a:bodyPr/>
+                    <a:lstStyle/>
+                    <a:p>
+                      <a:pPr algn="l" fontAlgn="ctr"/>
+                      <a:r>
+                        <a:rPr lang="ko-KR" altLang="en-US" sz="600" u="none" strike="noStrike">
+                          <a:effectLst/>
+                        </a:rPr>
+                        <a:t>외부주소</a:t>
+                      </a:r>
+                      <a:endParaRPr lang="ko-KR" altLang="en-US" sz="600" b="1" i="0" u="none" strike="noStrike">
+                        <a:solidFill>
+                          <a:srgbClr val="000000"/>
+                        </a:solidFill>
+                        <a:effectLst/>
+                        <a:latin typeface="맑은 고딕" panose="020B0503020000020004" pitchFamily="50" charset="-127"/>
+                        <a:ea typeface="맑은 고딕" panose="020B0503020000020004" pitchFamily="50" charset="-127"/>
+                      </a:endParaRPr>
+                    </a:p>
+                  </a:txBody>
+                  <a:tcPr marL="5346" marR="5346" marT="5346" marB="0" anchor="ctr"/>
+                </a:tc>
+                <a:tc>
+                  <a:txBody>
+                    <a:bodyPr/>
+                    <a:lstStyle/>
+                    <a:p>
+                      <a:pPr algn="l" fontAlgn="ctr"/>
+                      <a:r>
+                        <a:rPr lang="en-US" sz="600" u="none" strike="noStrike">
+                          <a:effectLst/>
+                        </a:rPr>
+                        <a:t>S22_Clamp1.RET</a:t>
+                      </a:r>
+                      <a:endParaRPr lang="en-US" sz="600" b="1" i="0" u="none" strike="noStrike">
+                        <a:solidFill>
+                          <a:srgbClr val="000000"/>
+                        </a:solidFill>
+                        <a:effectLst/>
+                        <a:latin typeface="맑은 고딕" panose="020B0503020000020004" pitchFamily="50" charset="-127"/>
+                        <a:ea typeface="맑은 고딕" panose="020B0503020000020004" pitchFamily="50" charset="-127"/>
+                      </a:endParaRPr>
+                    </a:p>
+                  </a:txBody>
+                  <a:tcPr marL="5346" marR="5346" marT="5346" marB="0" anchor="ctr"/>
+                </a:tc>
+                <a:tc>
+                  <a:txBody>
+                    <a:bodyPr/>
+                    <a:lstStyle/>
+                    <a:p>
+                      <a:pPr algn="l" fontAlgn="ctr"/>
+                      <a:r>
+                        <a:rPr lang="en-US" sz="600" u="none" strike="noStrike">
+                          <a:effectLst/>
+                        </a:rPr>
+                        <a:t>bool</a:t>
+                      </a:r>
+                      <a:endParaRPr lang="en-US" sz="600" b="1" i="0" u="none" strike="noStrike">
+                        <a:solidFill>
+                          <a:srgbClr val="000000"/>
+                        </a:solidFill>
+                        <a:effectLst/>
+                        <a:latin typeface="맑은 고딕" panose="020B0503020000020004" pitchFamily="50" charset="-127"/>
+                        <a:ea typeface="맑은 고딕" panose="020B0503020000020004" pitchFamily="50" charset="-127"/>
+                      </a:endParaRPr>
+                    </a:p>
+                  </a:txBody>
+                  <a:tcPr marL="5346" marR="5346" marT="5346" marB="0" anchor="ctr"/>
+                </a:tc>
+                <a:tc>
+                  <a:txBody>
+                    <a:bodyPr/>
+                    <a:lstStyle/>
+                    <a:p>
+                      <a:pPr algn="l" fontAlgn="ctr"/>
+                      <a:r>
+                        <a:rPr lang="en-US" sz="600" u="none" strike="noStrike">
+                          <a:effectLst/>
+                        </a:rPr>
+                        <a:t>I14</a:t>
+                      </a:r>
+                      <a:endParaRPr lang="en-US" sz="600" b="1" i="0" u="none" strike="noStrike">
+                        <a:solidFill>
+                          <a:srgbClr val="000000"/>
+                        </a:solidFill>
+                        <a:effectLst/>
+                        <a:latin typeface="맑은 고딕" panose="020B0503020000020004" pitchFamily="50" charset="-127"/>
+                        <a:ea typeface="맑은 고딕" panose="020B0503020000020004" pitchFamily="50" charset="-127"/>
+                      </a:endParaRPr>
+                    </a:p>
+                  </a:txBody>
+                  <a:tcPr marL="5346" marR="5346" marT="5346" marB="0" anchor="ctr"/>
+                </a:tc>
+                <a:tc>
+                  <a:txBody>
+                    <a:bodyPr/>
+                    <a:lstStyle/>
+                    <a:p>
+                      <a:pPr algn="l" fontAlgn="ctr"/>
+                      <a:r>
+                        <a:rPr lang="en-US" sz="600" u="none" strike="noStrike">
+                          <a:effectLst/>
+                        </a:rPr>
+                        <a:t>O14</a:t>
+                      </a:r>
+                      <a:endParaRPr lang="en-US" sz="600" b="1" i="0" u="none" strike="noStrike">
+                        <a:solidFill>
+                          <a:srgbClr val="000000"/>
+                        </a:solidFill>
+                        <a:effectLst/>
+                        <a:latin typeface="맑은 고딕" panose="020B0503020000020004" pitchFamily="50" charset="-127"/>
+                        <a:ea typeface="맑은 고딕" panose="020B0503020000020004" pitchFamily="50" charset="-127"/>
+                      </a:endParaRPr>
+                    </a:p>
+                  </a:txBody>
+                  <a:tcPr marL="5346" marR="5346" marT="5346" marB="0" anchor="ctr"/>
+                </a:tc>
+                <a:tc>
+                  <a:txBody>
+                    <a:bodyPr/>
+                    <a:lstStyle/>
+                    <a:p>
+                      <a:pPr algn="l" fontAlgn="ctr"/>
+                      <a:r>
+                        <a:rPr lang="en-US" sz="600" u="none" strike="noStrike">
+                          <a:effectLst/>
+                        </a:rPr>
+                        <a:t>S22_Clamp_RET</a:t>
+                      </a:r>
+                      <a:endParaRPr lang="en-US" sz="600" b="1" i="0" u="none" strike="noStrike">
+                        <a:solidFill>
+                          <a:srgbClr val="000000"/>
+                        </a:solidFill>
+                        <a:effectLst/>
+                        <a:latin typeface="맑은 고딕" panose="020B0503020000020004" pitchFamily="50" charset="-127"/>
+                        <a:ea typeface="맑은 고딕" panose="020B0503020000020004" pitchFamily="50" charset="-127"/>
+                      </a:endParaRPr>
+                    </a:p>
+                  </a:txBody>
+                  <a:tcPr marL="5346" marR="5346" marT="5346" marB="0" anchor="ctr"/>
+                </a:tc>
+                <a:tc>
+                  <a:txBody>
+                    <a:bodyPr/>
+                    <a:lstStyle/>
+                    <a:p>
+                      <a:pPr algn="l" fontAlgn="ctr"/>
+                      <a:r>
+                        <a:rPr lang="ko-KR" altLang="en-US" sz="600" u="none" strike="noStrike">
+                          <a:effectLst/>
+                        </a:rPr>
+                        <a:t>　</a:t>
+                      </a:r>
+                      <a:endParaRPr lang="ko-KR" altLang="en-US" sz="600" b="1" i="0" u="none" strike="noStrike">
+                        <a:solidFill>
+                          <a:srgbClr val="000000"/>
+                        </a:solidFill>
+                        <a:effectLst/>
+                        <a:latin typeface="맑은 고딕" panose="020B0503020000020004" pitchFamily="50" charset="-127"/>
+                        <a:ea typeface="맑은 고딕" panose="020B0503020000020004" pitchFamily="50" charset="-127"/>
+                      </a:endParaRPr>
+                    </a:p>
+                  </a:txBody>
+                  <a:tcPr marL="5346" marR="5346" marT="5346" marB="0" anchor="ctr"/>
+                </a:tc>
+                <a:extLst>
+                  <a:ext uri="{0D108BD9-81ED-4DB2-BD59-A6C34878D82A}">
+                    <a16:rowId xmlns:a16="http://schemas.microsoft.com/office/drawing/2014/main" val="1843401973"/>
+                  </a:ext>
+                </a:extLst>
+              </a:tr>
+              <a:tr h="117604">
+                <a:tc>
+                  <a:txBody>
+                    <a:bodyPr/>
+                    <a:lstStyle/>
+                    <a:p>
+                      <a:pPr algn="l" fontAlgn="ctr"/>
+                      <a:r>
+                        <a:rPr lang="ko-KR" altLang="en-US" sz="600" u="none" strike="noStrike">
+                          <a:effectLst/>
+                        </a:rPr>
+                        <a:t>외부주소</a:t>
+                      </a:r>
+                      <a:endParaRPr lang="ko-KR" altLang="en-US" sz="600" b="1" i="0" u="none" strike="noStrike">
+                        <a:solidFill>
+                          <a:srgbClr val="000000"/>
+                        </a:solidFill>
+                        <a:effectLst/>
+                        <a:latin typeface="맑은 고딕" panose="020B0503020000020004" pitchFamily="50" charset="-127"/>
+                        <a:ea typeface="맑은 고딕" panose="020B0503020000020004" pitchFamily="50" charset="-127"/>
+                      </a:endParaRPr>
+                    </a:p>
+                  </a:txBody>
+                  <a:tcPr marL="5346" marR="5346" marT="5346" marB="0" anchor="ctr"/>
+                </a:tc>
+                <a:tc>
+                  <a:txBody>
+                    <a:bodyPr/>
+                    <a:lstStyle/>
+                    <a:p>
+                      <a:pPr algn="l" fontAlgn="ctr"/>
+                      <a:r>
+                        <a:rPr lang="en-US" sz="600" u="none" strike="noStrike">
+                          <a:effectLst/>
+                        </a:rPr>
+                        <a:t>S22_Clamp2.RET</a:t>
+                      </a:r>
+                      <a:endParaRPr lang="en-US" sz="600" b="1" i="0" u="none" strike="noStrike">
+                        <a:solidFill>
+                          <a:srgbClr val="000000"/>
+                        </a:solidFill>
+                        <a:effectLst/>
+                        <a:latin typeface="맑은 고딕" panose="020B0503020000020004" pitchFamily="50" charset="-127"/>
+                        <a:ea typeface="맑은 고딕" panose="020B0503020000020004" pitchFamily="50" charset="-127"/>
+                      </a:endParaRPr>
+                    </a:p>
+                  </a:txBody>
+                  <a:tcPr marL="5346" marR="5346" marT="5346" marB="0" anchor="ctr"/>
+                </a:tc>
+                <a:tc>
+                  <a:txBody>
+                    <a:bodyPr/>
+                    <a:lstStyle/>
+                    <a:p>
+                      <a:pPr algn="l" fontAlgn="ctr"/>
+                      <a:r>
+                        <a:rPr lang="en-US" sz="600" u="none" strike="noStrike">
+                          <a:effectLst/>
+                        </a:rPr>
+                        <a:t>bool</a:t>
+                      </a:r>
+                      <a:endParaRPr lang="en-US" sz="600" b="1" i="0" u="none" strike="noStrike">
+                        <a:solidFill>
+                          <a:srgbClr val="000000"/>
+                        </a:solidFill>
+                        <a:effectLst/>
+                        <a:latin typeface="맑은 고딕" panose="020B0503020000020004" pitchFamily="50" charset="-127"/>
+                        <a:ea typeface="맑은 고딕" panose="020B0503020000020004" pitchFamily="50" charset="-127"/>
+                      </a:endParaRPr>
+                    </a:p>
+                  </a:txBody>
+                  <a:tcPr marL="5346" marR="5346" marT="5346" marB="0" anchor="ctr"/>
+                </a:tc>
+                <a:tc>
+                  <a:txBody>
+                    <a:bodyPr/>
+                    <a:lstStyle/>
+                    <a:p>
+                      <a:pPr algn="l" fontAlgn="ctr"/>
+                      <a:r>
+                        <a:rPr lang="en-US" sz="600" u="none" strike="noStrike">
+                          <a:effectLst/>
+                        </a:rPr>
+                        <a:t>I15</a:t>
+                      </a:r>
+                      <a:endParaRPr lang="en-US" sz="600" b="1" i="0" u="none" strike="noStrike">
+                        <a:solidFill>
+                          <a:srgbClr val="000000"/>
+                        </a:solidFill>
+                        <a:effectLst/>
+                        <a:latin typeface="맑은 고딕" panose="020B0503020000020004" pitchFamily="50" charset="-127"/>
+                        <a:ea typeface="맑은 고딕" panose="020B0503020000020004" pitchFamily="50" charset="-127"/>
+                      </a:endParaRPr>
+                    </a:p>
+                  </a:txBody>
+                  <a:tcPr marL="5346" marR="5346" marT="5346" marB="0" anchor="ctr"/>
+                </a:tc>
+                <a:tc>
+                  <a:txBody>
+                    <a:bodyPr/>
+                    <a:lstStyle/>
+                    <a:p>
+                      <a:pPr algn="l" fontAlgn="ctr"/>
+                      <a:r>
+                        <a:rPr lang="en-US" sz="600" u="none" strike="noStrike">
+                          <a:effectLst/>
+                        </a:rPr>
+                        <a:t>O15</a:t>
+                      </a:r>
+                      <a:endParaRPr lang="en-US" sz="600" b="1" i="0" u="none" strike="noStrike">
+                        <a:solidFill>
+                          <a:srgbClr val="000000"/>
+                        </a:solidFill>
+                        <a:effectLst/>
+                        <a:latin typeface="맑은 고딕" panose="020B0503020000020004" pitchFamily="50" charset="-127"/>
+                        <a:ea typeface="맑은 고딕" panose="020B0503020000020004" pitchFamily="50" charset="-127"/>
+                      </a:endParaRPr>
+                    </a:p>
+                  </a:txBody>
+                  <a:tcPr marL="5346" marR="5346" marT="5346" marB="0" anchor="ctr"/>
+                </a:tc>
+                <a:tc>
+                  <a:txBody>
+                    <a:bodyPr/>
+                    <a:lstStyle/>
+                    <a:p>
+                      <a:pPr algn="l" fontAlgn="ctr"/>
+                      <a:r>
+                        <a:rPr lang="ko-KR" altLang="en-US" sz="600" u="none" strike="noStrike">
+                          <a:effectLst/>
+                        </a:rPr>
+                        <a:t>↑</a:t>
+                      </a:r>
+                      <a:endParaRPr lang="ko-KR" altLang="en-US" sz="600" b="1" i="0" u="none" strike="noStrike">
+                        <a:solidFill>
+                          <a:srgbClr val="000000"/>
+                        </a:solidFill>
+                        <a:effectLst/>
+                        <a:latin typeface="맑은 고딕" panose="020B0503020000020004" pitchFamily="50" charset="-127"/>
+                        <a:ea typeface="맑은 고딕" panose="020B0503020000020004" pitchFamily="50" charset="-127"/>
+                      </a:endParaRPr>
+                    </a:p>
+                  </a:txBody>
+                  <a:tcPr marL="5346" marR="5346" marT="5346" marB="0" anchor="ctr"/>
+                </a:tc>
+                <a:tc>
+                  <a:txBody>
+                    <a:bodyPr/>
+                    <a:lstStyle/>
+                    <a:p>
+                      <a:pPr algn="l" fontAlgn="ctr"/>
+                      <a:r>
+                        <a:rPr lang="ko-KR" altLang="en-US" sz="600" u="none" strike="noStrike">
+                          <a:effectLst/>
+                        </a:rPr>
+                        <a:t>↑</a:t>
+                      </a:r>
+                      <a:endParaRPr lang="ko-KR" altLang="en-US" sz="600" b="1" i="0" u="none" strike="noStrike">
+                        <a:solidFill>
+                          <a:srgbClr val="000000"/>
+                        </a:solidFill>
+                        <a:effectLst/>
+                        <a:latin typeface="맑은 고딕" panose="020B0503020000020004" pitchFamily="50" charset="-127"/>
+                        <a:ea typeface="맑은 고딕" panose="020B0503020000020004" pitchFamily="50" charset="-127"/>
+                      </a:endParaRPr>
+                    </a:p>
+                  </a:txBody>
+                  <a:tcPr marL="5346" marR="5346" marT="5346" marB="0" anchor="ctr"/>
+                </a:tc>
+                <a:extLst>
+                  <a:ext uri="{0D108BD9-81ED-4DB2-BD59-A6C34878D82A}">
+                    <a16:rowId xmlns:a16="http://schemas.microsoft.com/office/drawing/2014/main" val="119961497"/>
+                  </a:ext>
+                </a:extLst>
+              </a:tr>
+              <a:tr h="117604">
+                <a:tc>
+                  <a:txBody>
+                    <a:bodyPr/>
+                    <a:lstStyle/>
+                    <a:p>
+                      <a:pPr algn="l" fontAlgn="ctr"/>
+                      <a:r>
+                        <a:rPr lang="ko-KR" altLang="en-US" sz="600" u="none" strike="noStrike">
+                          <a:effectLst/>
+                        </a:rPr>
+                        <a:t>외부주소</a:t>
+                      </a:r>
+                      <a:endParaRPr lang="ko-KR" altLang="en-US" sz="600" b="1" i="0" u="none" strike="noStrike">
+                        <a:solidFill>
+                          <a:srgbClr val="000000"/>
+                        </a:solidFill>
+                        <a:effectLst/>
+                        <a:latin typeface="맑은 고딕" panose="020B0503020000020004" pitchFamily="50" charset="-127"/>
+                        <a:ea typeface="맑은 고딕" panose="020B0503020000020004" pitchFamily="50" charset="-127"/>
+                      </a:endParaRPr>
+                    </a:p>
+                  </a:txBody>
+                  <a:tcPr marL="5346" marR="5346" marT="5346" marB="0" anchor="ctr"/>
+                </a:tc>
+                <a:tc>
+                  <a:txBody>
+                    <a:bodyPr/>
+                    <a:lstStyle/>
+                    <a:p>
+                      <a:pPr algn="l" fontAlgn="ctr"/>
+                      <a:r>
+                        <a:rPr lang="en-US" sz="600" u="none" strike="noStrike">
+                          <a:effectLst/>
+                        </a:rPr>
+                        <a:t>S22_Latch1.ADV</a:t>
+                      </a:r>
+                      <a:endParaRPr lang="en-US" sz="600" b="1" i="0" u="none" strike="noStrike">
+                        <a:solidFill>
+                          <a:srgbClr val="000000"/>
+                        </a:solidFill>
+                        <a:effectLst/>
+                        <a:latin typeface="맑은 고딕" panose="020B0503020000020004" pitchFamily="50" charset="-127"/>
+                        <a:ea typeface="맑은 고딕" panose="020B0503020000020004" pitchFamily="50" charset="-127"/>
+                      </a:endParaRPr>
+                    </a:p>
+                  </a:txBody>
+                  <a:tcPr marL="5346" marR="5346" marT="5346" marB="0" anchor="ctr"/>
+                </a:tc>
+                <a:tc>
+                  <a:txBody>
+                    <a:bodyPr/>
+                    <a:lstStyle/>
+                    <a:p>
+                      <a:pPr algn="l" fontAlgn="ctr"/>
+                      <a:r>
+                        <a:rPr lang="en-US" sz="600" u="none" strike="noStrike">
+                          <a:effectLst/>
+                        </a:rPr>
+                        <a:t>bool</a:t>
+                      </a:r>
+                      <a:endParaRPr lang="en-US" sz="600" b="1" i="0" u="none" strike="noStrike">
+                        <a:solidFill>
+                          <a:srgbClr val="000000"/>
+                        </a:solidFill>
+                        <a:effectLst/>
+                        <a:latin typeface="맑은 고딕" panose="020B0503020000020004" pitchFamily="50" charset="-127"/>
+                        <a:ea typeface="맑은 고딕" panose="020B0503020000020004" pitchFamily="50" charset="-127"/>
+                      </a:endParaRPr>
+                    </a:p>
+                  </a:txBody>
+                  <a:tcPr marL="5346" marR="5346" marT="5346" marB="0" anchor="ctr"/>
+                </a:tc>
+                <a:tc>
+                  <a:txBody>
+                    <a:bodyPr/>
+                    <a:lstStyle/>
+                    <a:p>
+                      <a:pPr algn="l" fontAlgn="ctr"/>
+                      <a:r>
+                        <a:rPr lang="en-US" sz="600" u="none" strike="noStrike">
+                          <a:effectLst/>
+                        </a:rPr>
+                        <a:t>I16</a:t>
+                      </a:r>
+                      <a:endParaRPr lang="en-US" sz="600" b="1" i="0" u="none" strike="noStrike">
+                        <a:solidFill>
+                          <a:srgbClr val="000000"/>
+                        </a:solidFill>
+                        <a:effectLst/>
+                        <a:latin typeface="맑은 고딕" panose="020B0503020000020004" pitchFamily="50" charset="-127"/>
+                        <a:ea typeface="맑은 고딕" panose="020B0503020000020004" pitchFamily="50" charset="-127"/>
+                      </a:endParaRPr>
+                    </a:p>
+                  </a:txBody>
+                  <a:tcPr marL="5346" marR="5346" marT="5346" marB="0" anchor="ctr"/>
+                </a:tc>
+                <a:tc>
+                  <a:txBody>
+                    <a:bodyPr/>
+                    <a:lstStyle/>
+                    <a:p>
+                      <a:pPr algn="l" fontAlgn="ctr"/>
+                      <a:r>
+                        <a:rPr lang="en-US" sz="600" u="none" strike="noStrike">
+                          <a:effectLst/>
+                        </a:rPr>
+                        <a:t>O16</a:t>
+                      </a:r>
+                      <a:endParaRPr lang="en-US" sz="600" b="1" i="0" u="none" strike="noStrike">
+                        <a:solidFill>
+                          <a:srgbClr val="000000"/>
+                        </a:solidFill>
+                        <a:effectLst/>
+                        <a:latin typeface="맑은 고딕" panose="020B0503020000020004" pitchFamily="50" charset="-127"/>
+                        <a:ea typeface="맑은 고딕" panose="020B0503020000020004" pitchFamily="50" charset="-127"/>
+                      </a:endParaRPr>
+                    </a:p>
+                  </a:txBody>
+                  <a:tcPr marL="5346" marR="5346" marT="5346" marB="0" anchor="ctr"/>
+                </a:tc>
+                <a:tc>
+                  <a:txBody>
+                    <a:bodyPr/>
+                    <a:lstStyle/>
+                    <a:p>
+                      <a:pPr algn="l" fontAlgn="ctr"/>
+                      <a:r>
+                        <a:rPr lang="en-US" sz="600" u="none" strike="noStrike">
+                          <a:effectLst/>
+                        </a:rPr>
+                        <a:t>S22_Latch_ADV</a:t>
+                      </a:r>
+                      <a:endParaRPr lang="en-US" sz="600" b="1" i="0" u="none" strike="noStrike">
+                        <a:solidFill>
+                          <a:srgbClr val="000000"/>
+                        </a:solidFill>
+                        <a:effectLst/>
+                        <a:latin typeface="맑은 고딕" panose="020B0503020000020004" pitchFamily="50" charset="-127"/>
+                        <a:ea typeface="맑은 고딕" panose="020B0503020000020004" pitchFamily="50" charset="-127"/>
+                      </a:endParaRPr>
+                    </a:p>
+                  </a:txBody>
+                  <a:tcPr marL="5346" marR="5346" marT="5346" marB="0" anchor="ctr"/>
+                </a:tc>
+                <a:tc>
+                  <a:txBody>
+                    <a:bodyPr/>
+                    <a:lstStyle/>
+                    <a:p>
+                      <a:pPr algn="l" fontAlgn="ctr"/>
+                      <a:r>
+                        <a:rPr lang="ko-KR" altLang="en-US" sz="600" u="none" strike="noStrike">
+                          <a:effectLst/>
+                        </a:rPr>
+                        <a:t>　</a:t>
+                      </a:r>
+                      <a:endParaRPr lang="ko-KR" altLang="en-US" sz="600" b="1" i="0" u="none" strike="noStrike">
+                        <a:solidFill>
+                          <a:srgbClr val="000000"/>
+                        </a:solidFill>
+                        <a:effectLst/>
+                        <a:latin typeface="맑은 고딕" panose="020B0503020000020004" pitchFamily="50" charset="-127"/>
+                        <a:ea typeface="맑은 고딕" panose="020B0503020000020004" pitchFamily="50" charset="-127"/>
+                      </a:endParaRPr>
+                    </a:p>
+                  </a:txBody>
+                  <a:tcPr marL="5346" marR="5346" marT="5346" marB="0" anchor="ctr"/>
+                </a:tc>
+                <a:extLst>
+                  <a:ext uri="{0D108BD9-81ED-4DB2-BD59-A6C34878D82A}">
+                    <a16:rowId xmlns:a16="http://schemas.microsoft.com/office/drawing/2014/main" val="3908777281"/>
+                  </a:ext>
+                </a:extLst>
+              </a:tr>
+              <a:tr h="117604">
+                <a:tc>
+                  <a:txBody>
+                    <a:bodyPr/>
+                    <a:lstStyle/>
+                    <a:p>
+                      <a:pPr algn="l" fontAlgn="ctr"/>
+                      <a:r>
+                        <a:rPr lang="ko-KR" altLang="en-US" sz="600" u="none" strike="noStrike">
+                          <a:effectLst/>
+                        </a:rPr>
+                        <a:t>외부주소</a:t>
+                      </a:r>
+                      <a:endParaRPr lang="ko-KR" altLang="en-US" sz="600" b="1" i="0" u="none" strike="noStrike">
+                        <a:solidFill>
+                          <a:srgbClr val="000000"/>
+                        </a:solidFill>
+                        <a:effectLst/>
+                        <a:latin typeface="맑은 고딕" panose="020B0503020000020004" pitchFamily="50" charset="-127"/>
+                        <a:ea typeface="맑은 고딕" panose="020B0503020000020004" pitchFamily="50" charset="-127"/>
+                      </a:endParaRPr>
+                    </a:p>
+                  </a:txBody>
+                  <a:tcPr marL="5346" marR="5346" marT="5346" marB="0" anchor="ctr"/>
+                </a:tc>
+                <a:tc>
+                  <a:txBody>
+                    <a:bodyPr/>
+                    <a:lstStyle/>
+                    <a:p>
+                      <a:pPr algn="l" fontAlgn="ctr"/>
+                      <a:r>
+                        <a:rPr lang="en-US" sz="600" u="none" strike="noStrike">
+                          <a:effectLst/>
+                        </a:rPr>
+                        <a:t>S22_Latch2.ADV</a:t>
+                      </a:r>
+                      <a:endParaRPr lang="en-US" sz="600" b="1" i="0" u="none" strike="noStrike">
+                        <a:solidFill>
+                          <a:srgbClr val="000000"/>
+                        </a:solidFill>
+                        <a:effectLst/>
+                        <a:latin typeface="맑은 고딕" panose="020B0503020000020004" pitchFamily="50" charset="-127"/>
+                        <a:ea typeface="맑은 고딕" panose="020B0503020000020004" pitchFamily="50" charset="-127"/>
+                      </a:endParaRPr>
+                    </a:p>
+                  </a:txBody>
+                  <a:tcPr marL="5346" marR="5346" marT="5346" marB="0" anchor="ctr"/>
+                </a:tc>
+                <a:tc>
+                  <a:txBody>
+                    <a:bodyPr/>
+                    <a:lstStyle/>
+                    <a:p>
+                      <a:pPr algn="l" fontAlgn="ctr"/>
+                      <a:r>
+                        <a:rPr lang="en-US" sz="600" u="none" strike="noStrike">
+                          <a:effectLst/>
+                        </a:rPr>
+                        <a:t>bool</a:t>
+                      </a:r>
+                      <a:endParaRPr lang="en-US" sz="600" b="1" i="0" u="none" strike="noStrike">
+                        <a:solidFill>
+                          <a:srgbClr val="000000"/>
+                        </a:solidFill>
+                        <a:effectLst/>
+                        <a:latin typeface="맑은 고딕" panose="020B0503020000020004" pitchFamily="50" charset="-127"/>
+                        <a:ea typeface="맑은 고딕" panose="020B0503020000020004" pitchFamily="50" charset="-127"/>
+                      </a:endParaRPr>
+                    </a:p>
+                  </a:txBody>
+                  <a:tcPr marL="5346" marR="5346" marT="5346" marB="0" anchor="ctr"/>
+                </a:tc>
+                <a:tc>
+                  <a:txBody>
+                    <a:bodyPr/>
+                    <a:lstStyle/>
+                    <a:p>
+                      <a:pPr algn="l" fontAlgn="ctr"/>
+                      <a:r>
+                        <a:rPr lang="en-US" sz="600" u="none" strike="noStrike">
+                          <a:effectLst/>
+                        </a:rPr>
+                        <a:t>I17</a:t>
+                      </a:r>
+                      <a:endParaRPr lang="en-US" sz="600" b="1" i="0" u="none" strike="noStrike">
+                        <a:solidFill>
+                          <a:srgbClr val="000000"/>
+                        </a:solidFill>
+                        <a:effectLst/>
+                        <a:latin typeface="맑은 고딕" panose="020B0503020000020004" pitchFamily="50" charset="-127"/>
+                        <a:ea typeface="맑은 고딕" panose="020B0503020000020004" pitchFamily="50" charset="-127"/>
+                      </a:endParaRPr>
+                    </a:p>
+                  </a:txBody>
+                  <a:tcPr marL="5346" marR="5346" marT="5346" marB="0" anchor="ctr"/>
+                </a:tc>
+                <a:tc>
+                  <a:txBody>
+                    <a:bodyPr/>
+                    <a:lstStyle/>
+                    <a:p>
+                      <a:pPr algn="l" fontAlgn="ctr"/>
+                      <a:r>
+                        <a:rPr lang="en-US" sz="600" u="none" strike="noStrike">
+                          <a:effectLst/>
+                        </a:rPr>
+                        <a:t>O17</a:t>
+                      </a:r>
+                      <a:endParaRPr lang="en-US" sz="600" b="1" i="0" u="none" strike="noStrike">
+                        <a:solidFill>
+                          <a:srgbClr val="000000"/>
+                        </a:solidFill>
+                        <a:effectLst/>
+                        <a:latin typeface="맑은 고딕" panose="020B0503020000020004" pitchFamily="50" charset="-127"/>
+                        <a:ea typeface="맑은 고딕" panose="020B0503020000020004" pitchFamily="50" charset="-127"/>
+                      </a:endParaRPr>
+                    </a:p>
+                  </a:txBody>
+                  <a:tcPr marL="5346" marR="5346" marT="5346" marB="0" anchor="ctr"/>
+                </a:tc>
+                <a:tc>
+                  <a:txBody>
+                    <a:bodyPr/>
+                    <a:lstStyle/>
+                    <a:p>
+                      <a:pPr algn="l" fontAlgn="ctr"/>
+                      <a:r>
+                        <a:rPr lang="ko-KR" altLang="en-US" sz="600" u="none" strike="noStrike">
+                          <a:effectLst/>
+                        </a:rPr>
+                        <a:t>↑</a:t>
+                      </a:r>
+                      <a:endParaRPr lang="ko-KR" altLang="en-US" sz="600" b="1" i="0" u="none" strike="noStrike">
+                        <a:solidFill>
+                          <a:srgbClr val="000000"/>
+                        </a:solidFill>
+                        <a:effectLst/>
+                        <a:latin typeface="맑은 고딕" panose="020B0503020000020004" pitchFamily="50" charset="-127"/>
+                        <a:ea typeface="맑은 고딕" panose="020B0503020000020004" pitchFamily="50" charset="-127"/>
+                      </a:endParaRPr>
+                    </a:p>
+                  </a:txBody>
+                  <a:tcPr marL="5346" marR="5346" marT="5346" marB="0" anchor="ctr"/>
+                </a:tc>
+                <a:tc>
+                  <a:txBody>
+                    <a:bodyPr/>
+                    <a:lstStyle/>
+                    <a:p>
+                      <a:pPr algn="l" fontAlgn="ctr"/>
+                      <a:r>
+                        <a:rPr lang="ko-KR" altLang="en-US" sz="600" u="none" strike="noStrike">
+                          <a:effectLst/>
+                        </a:rPr>
+                        <a:t>↑</a:t>
+                      </a:r>
+                      <a:endParaRPr lang="ko-KR" altLang="en-US" sz="600" b="1" i="0" u="none" strike="noStrike">
+                        <a:solidFill>
+                          <a:srgbClr val="000000"/>
+                        </a:solidFill>
+                        <a:effectLst/>
+                        <a:latin typeface="맑은 고딕" panose="020B0503020000020004" pitchFamily="50" charset="-127"/>
+                        <a:ea typeface="맑은 고딕" panose="020B0503020000020004" pitchFamily="50" charset="-127"/>
+                      </a:endParaRPr>
+                    </a:p>
+                  </a:txBody>
+                  <a:tcPr marL="5346" marR="5346" marT="5346" marB="0" anchor="ctr"/>
+                </a:tc>
+                <a:extLst>
+                  <a:ext uri="{0D108BD9-81ED-4DB2-BD59-A6C34878D82A}">
+                    <a16:rowId xmlns:a16="http://schemas.microsoft.com/office/drawing/2014/main" val="3838544405"/>
+                  </a:ext>
+                </a:extLst>
+              </a:tr>
+              <a:tr h="117604">
+                <a:tc>
+                  <a:txBody>
+                    <a:bodyPr/>
+                    <a:lstStyle/>
+                    <a:p>
+                      <a:pPr algn="l" fontAlgn="ctr"/>
+                      <a:r>
+                        <a:rPr lang="ko-KR" altLang="en-US" sz="600" u="none" strike="noStrike">
+                          <a:effectLst/>
+                        </a:rPr>
+                        <a:t>외부주소</a:t>
+                      </a:r>
+                      <a:endParaRPr lang="ko-KR" altLang="en-US" sz="600" b="1" i="0" u="none" strike="noStrike">
+                        <a:solidFill>
+                          <a:srgbClr val="000000"/>
+                        </a:solidFill>
+                        <a:effectLst/>
+                        <a:latin typeface="맑은 고딕" panose="020B0503020000020004" pitchFamily="50" charset="-127"/>
+                        <a:ea typeface="맑은 고딕" panose="020B0503020000020004" pitchFamily="50" charset="-127"/>
+                      </a:endParaRPr>
+                    </a:p>
+                  </a:txBody>
+                  <a:tcPr marL="5346" marR="5346" marT="5346" marB="0" anchor="ctr"/>
+                </a:tc>
+                <a:tc>
+                  <a:txBody>
+                    <a:bodyPr/>
+                    <a:lstStyle/>
+                    <a:p>
+                      <a:pPr algn="l" fontAlgn="ctr"/>
+                      <a:r>
+                        <a:rPr lang="en-US" sz="600" u="none" strike="noStrike">
+                          <a:effectLst/>
+                        </a:rPr>
+                        <a:t>S22_Latch3.ADV</a:t>
+                      </a:r>
+                      <a:endParaRPr lang="en-US" sz="600" b="1" i="0" u="none" strike="noStrike">
+                        <a:solidFill>
+                          <a:srgbClr val="000000"/>
+                        </a:solidFill>
+                        <a:effectLst/>
+                        <a:latin typeface="맑은 고딕" panose="020B0503020000020004" pitchFamily="50" charset="-127"/>
+                        <a:ea typeface="맑은 고딕" panose="020B0503020000020004" pitchFamily="50" charset="-127"/>
+                      </a:endParaRPr>
+                    </a:p>
+                  </a:txBody>
+                  <a:tcPr marL="5346" marR="5346" marT="5346" marB="0" anchor="ctr"/>
+                </a:tc>
+                <a:tc>
+                  <a:txBody>
+                    <a:bodyPr/>
+                    <a:lstStyle/>
+                    <a:p>
+                      <a:pPr algn="l" fontAlgn="ctr"/>
+                      <a:r>
+                        <a:rPr lang="en-US" sz="600" u="none" strike="noStrike">
+                          <a:effectLst/>
+                        </a:rPr>
+                        <a:t>bool</a:t>
+                      </a:r>
+                      <a:endParaRPr lang="en-US" sz="600" b="1" i="0" u="none" strike="noStrike">
+                        <a:solidFill>
+                          <a:srgbClr val="000000"/>
+                        </a:solidFill>
+                        <a:effectLst/>
+                        <a:latin typeface="맑은 고딕" panose="020B0503020000020004" pitchFamily="50" charset="-127"/>
+                        <a:ea typeface="맑은 고딕" panose="020B0503020000020004" pitchFamily="50" charset="-127"/>
+                      </a:endParaRPr>
+                    </a:p>
+                  </a:txBody>
+                  <a:tcPr marL="5346" marR="5346" marT="5346" marB="0" anchor="ctr"/>
+                </a:tc>
+                <a:tc>
+                  <a:txBody>
+                    <a:bodyPr/>
+                    <a:lstStyle/>
+                    <a:p>
+                      <a:pPr algn="l" fontAlgn="ctr"/>
+                      <a:r>
+                        <a:rPr lang="en-US" sz="600" u="none" strike="noStrike">
+                          <a:effectLst/>
+                        </a:rPr>
+                        <a:t>I18</a:t>
+                      </a:r>
+                      <a:endParaRPr lang="en-US" sz="600" b="1" i="0" u="none" strike="noStrike">
+                        <a:solidFill>
+                          <a:srgbClr val="000000"/>
+                        </a:solidFill>
+                        <a:effectLst/>
+                        <a:latin typeface="맑은 고딕" panose="020B0503020000020004" pitchFamily="50" charset="-127"/>
+                        <a:ea typeface="맑은 고딕" panose="020B0503020000020004" pitchFamily="50" charset="-127"/>
+                      </a:endParaRPr>
+                    </a:p>
+                  </a:txBody>
+                  <a:tcPr marL="5346" marR="5346" marT="5346" marB="0" anchor="ctr"/>
+                </a:tc>
+                <a:tc>
+                  <a:txBody>
+                    <a:bodyPr/>
+                    <a:lstStyle/>
+                    <a:p>
+                      <a:pPr algn="l" fontAlgn="ctr"/>
+                      <a:r>
+                        <a:rPr lang="en-US" sz="600" u="none" strike="noStrike">
+                          <a:effectLst/>
+                        </a:rPr>
+                        <a:t>O18</a:t>
+                      </a:r>
+                      <a:endParaRPr lang="en-US" sz="600" b="1" i="0" u="none" strike="noStrike">
+                        <a:solidFill>
+                          <a:srgbClr val="000000"/>
+                        </a:solidFill>
+                        <a:effectLst/>
+                        <a:latin typeface="맑은 고딕" panose="020B0503020000020004" pitchFamily="50" charset="-127"/>
+                        <a:ea typeface="맑은 고딕" panose="020B0503020000020004" pitchFamily="50" charset="-127"/>
+                      </a:endParaRPr>
+                    </a:p>
+                  </a:txBody>
+                  <a:tcPr marL="5346" marR="5346" marT="5346" marB="0" anchor="ctr"/>
+                </a:tc>
+                <a:tc>
+                  <a:txBody>
+                    <a:bodyPr/>
+                    <a:lstStyle/>
+                    <a:p>
+                      <a:pPr algn="l" fontAlgn="ctr"/>
+                      <a:r>
+                        <a:rPr lang="ko-KR" altLang="en-US" sz="600" u="none" strike="noStrike">
+                          <a:effectLst/>
+                        </a:rPr>
+                        <a:t>↑</a:t>
+                      </a:r>
+                      <a:endParaRPr lang="ko-KR" altLang="en-US" sz="600" b="1" i="0" u="none" strike="noStrike">
+                        <a:solidFill>
+                          <a:srgbClr val="000000"/>
+                        </a:solidFill>
+                        <a:effectLst/>
+                        <a:latin typeface="맑은 고딕" panose="020B0503020000020004" pitchFamily="50" charset="-127"/>
+                        <a:ea typeface="맑은 고딕" panose="020B0503020000020004" pitchFamily="50" charset="-127"/>
+                      </a:endParaRPr>
+                    </a:p>
+                  </a:txBody>
+                  <a:tcPr marL="5346" marR="5346" marT="5346" marB="0" anchor="ctr"/>
+                </a:tc>
+                <a:tc>
+                  <a:txBody>
+                    <a:bodyPr/>
+                    <a:lstStyle/>
+                    <a:p>
+                      <a:pPr algn="l" fontAlgn="ctr"/>
+                      <a:r>
+                        <a:rPr lang="ko-KR" altLang="en-US" sz="600" u="none" strike="noStrike">
+                          <a:effectLst/>
+                        </a:rPr>
+                        <a:t>↑</a:t>
+                      </a:r>
+                      <a:endParaRPr lang="ko-KR" altLang="en-US" sz="600" b="1" i="0" u="none" strike="noStrike">
+                        <a:solidFill>
+                          <a:srgbClr val="000000"/>
+                        </a:solidFill>
+                        <a:effectLst/>
+                        <a:latin typeface="맑은 고딕" panose="020B0503020000020004" pitchFamily="50" charset="-127"/>
+                        <a:ea typeface="맑은 고딕" panose="020B0503020000020004" pitchFamily="50" charset="-127"/>
+                      </a:endParaRPr>
+                    </a:p>
+                  </a:txBody>
+                  <a:tcPr marL="5346" marR="5346" marT="5346" marB="0" anchor="ctr"/>
+                </a:tc>
+                <a:extLst>
+                  <a:ext uri="{0D108BD9-81ED-4DB2-BD59-A6C34878D82A}">
+                    <a16:rowId xmlns:a16="http://schemas.microsoft.com/office/drawing/2014/main" val="980458858"/>
+                  </a:ext>
+                </a:extLst>
+              </a:tr>
+              <a:tr h="117604">
+                <a:tc>
+                  <a:txBody>
+                    <a:bodyPr/>
+                    <a:lstStyle/>
+                    <a:p>
+                      <a:pPr algn="l" fontAlgn="ctr"/>
+                      <a:r>
+                        <a:rPr lang="ko-KR" altLang="en-US" sz="600" u="none" strike="noStrike">
+                          <a:effectLst/>
+                        </a:rPr>
+                        <a:t>외부주소</a:t>
+                      </a:r>
+                      <a:endParaRPr lang="ko-KR" altLang="en-US" sz="600" b="1" i="0" u="none" strike="noStrike">
+                        <a:solidFill>
+                          <a:srgbClr val="000000"/>
+                        </a:solidFill>
+                        <a:effectLst/>
+                        <a:latin typeface="맑은 고딕" panose="020B0503020000020004" pitchFamily="50" charset="-127"/>
+                        <a:ea typeface="맑은 고딕" panose="020B0503020000020004" pitchFamily="50" charset="-127"/>
+                      </a:endParaRPr>
+                    </a:p>
+                  </a:txBody>
+                  <a:tcPr marL="5346" marR="5346" marT="5346" marB="0" anchor="ctr"/>
+                </a:tc>
+                <a:tc>
+                  <a:txBody>
+                    <a:bodyPr/>
+                    <a:lstStyle/>
+                    <a:p>
+                      <a:pPr algn="l" fontAlgn="ctr"/>
+                      <a:r>
+                        <a:rPr lang="en-US" sz="600" u="none" strike="noStrike">
+                          <a:effectLst/>
+                        </a:rPr>
+                        <a:t>S22_Latch4.ADV</a:t>
+                      </a:r>
+                      <a:endParaRPr lang="en-US" sz="600" b="1" i="0" u="none" strike="noStrike">
+                        <a:solidFill>
+                          <a:srgbClr val="000000"/>
+                        </a:solidFill>
+                        <a:effectLst/>
+                        <a:latin typeface="맑은 고딕" panose="020B0503020000020004" pitchFamily="50" charset="-127"/>
+                        <a:ea typeface="맑은 고딕" panose="020B0503020000020004" pitchFamily="50" charset="-127"/>
+                      </a:endParaRPr>
+                    </a:p>
+                  </a:txBody>
+                  <a:tcPr marL="5346" marR="5346" marT="5346" marB="0" anchor="ctr"/>
+                </a:tc>
+                <a:tc>
+                  <a:txBody>
+                    <a:bodyPr/>
+                    <a:lstStyle/>
+                    <a:p>
+                      <a:pPr algn="l" fontAlgn="ctr"/>
+                      <a:r>
+                        <a:rPr lang="en-US" sz="600" u="none" strike="noStrike">
+                          <a:effectLst/>
+                        </a:rPr>
+                        <a:t>bool</a:t>
+                      </a:r>
+                      <a:endParaRPr lang="en-US" sz="600" b="1" i="0" u="none" strike="noStrike">
+                        <a:solidFill>
+                          <a:srgbClr val="000000"/>
+                        </a:solidFill>
+                        <a:effectLst/>
+                        <a:latin typeface="맑은 고딕" panose="020B0503020000020004" pitchFamily="50" charset="-127"/>
+                        <a:ea typeface="맑은 고딕" panose="020B0503020000020004" pitchFamily="50" charset="-127"/>
+                      </a:endParaRPr>
+                    </a:p>
+                  </a:txBody>
+                  <a:tcPr marL="5346" marR="5346" marT="5346" marB="0" anchor="ctr"/>
+                </a:tc>
+                <a:tc>
+                  <a:txBody>
+                    <a:bodyPr/>
+                    <a:lstStyle/>
+                    <a:p>
+                      <a:pPr algn="l" fontAlgn="ctr"/>
+                      <a:r>
+                        <a:rPr lang="en-US" sz="600" u="none" strike="noStrike">
+                          <a:effectLst/>
+                        </a:rPr>
+                        <a:t>I19</a:t>
+                      </a:r>
+                      <a:endParaRPr lang="en-US" sz="600" b="1" i="0" u="none" strike="noStrike">
+                        <a:solidFill>
+                          <a:srgbClr val="000000"/>
+                        </a:solidFill>
+                        <a:effectLst/>
+                        <a:latin typeface="맑은 고딕" panose="020B0503020000020004" pitchFamily="50" charset="-127"/>
+                        <a:ea typeface="맑은 고딕" panose="020B0503020000020004" pitchFamily="50" charset="-127"/>
+                      </a:endParaRPr>
+                    </a:p>
+                  </a:txBody>
+                  <a:tcPr marL="5346" marR="5346" marT="5346" marB="0" anchor="ctr"/>
+                </a:tc>
+                <a:tc>
+                  <a:txBody>
+                    <a:bodyPr/>
+                    <a:lstStyle/>
+                    <a:p>
+                      <a:pPr algn="l" fontAlgn="ctr"/>
+                      <a:r>
+                        <a:rPr lang="en-US" sz="600" u="none" strike="noStrike">
+                          <a:effectLst/>
+                        </a:rPr>
+                        <a:t>O19</a:t>
+                      </a:r>
+                      <a:endParaRPr lang="en-US" sz="600" b="1" i="0" u="none" strike="noStrike">
+                        <a:solidFill>
+                          <a:srgbClr val="000000"/>
+                        </a:solidFill>
+                        <a:effectLst/>
+                        <a:latin typeface="맑은 고딕" panose="020B0503020000020004" pitchFamily="50" charset="-127"/>
+                        <a:ea typeface="맑은 고딕" panose="020B0503020000020004" pitchFamily="50" charset="-127"/>
+                      </a:endParaRPr>
+                    </a:p>
+                  </a:txBody>
+                  <a:tcPr marL="5346" marR="5346" marT="5346" marB="0" anchor="ctr"/>
+                </a:tc>
+                <a:tc>
+                  <a:txBody>
+                    <a:bodyPr/>
+                    <a:lstStyle/>
+                    <a:p>
+                      <a:pPr algn="l" fontAlgn="ctr"/>
+                      <a:r>
+                        <a:rPr lang="ko-KR" altLang="en-US" sz="600" u="none" strike="noStrike">
+                          <a:effectLst/>
+                        </a:rPr>
+                        <a:t>↑</a:t>
+                      </a:r>
+                      <a:endParaRPr lang="ko-KR" altLang="en-US" sz="600" b="1" i="0" u="none" strike="noStrike">
+                        <a:solidFill>
+                          <a:srgbClr val="000000"/>
+                        </a:solidFill>
+                        <a:effectLst/>
+                        <a:latin typeface="맑은 고딕" panose="020B0503020000020004" pitchFamily="50" charset="-127"/>
+                        <a:ea typeface="맑은 고딕" panose="020B0503020000020004" pitchFamily="50" charset="-127"/>
+                      </a:endParaRPr>
+                    </a:p>
+                  </a:txBody>
+                  <a:tcPr marL="5346" marR="5346" marT="5346" marB="0" anchor="ctr"/>
+                </a:tc>
+                <a:tc>
+                  <a:txBody>
+                    <a:bodyPr/>
+                    <a:lstStyle/>
+                    <a:p>
+                      <a:pPr algn="l" fontAlgn="ctr"/>
+                      <a:r>
+                        <a:rPr lang="ko-KR" altLang="en-US" sz="600" u="none" strike="noStrike" dirty="0">
+                          <a:effectLst/>
+                        </a:rPr>
+                        <a:t>↑</a:t>
+                      </a:r>
+                      <a:endParaRPr lang="ko-KR" altLang="en-US" sz="600" b="1" i="0" u="none" strike="noStrike" dirty="0">
+                        <a:solidFill>
+                          <a:srgbClr val="000000"/>
+                        </a:solidFill>
+                        <a:effectLst/>
+                        <a:latin typeface="맑은 고딕" panose="020B0503020000020004" pitchFamily="50" charset="-127"/>
+                        <a:ea typeface="맑은 고딕" panose="020B0503020000020004" pitchFamily="50" charset="-127"/>
+                      </a:endParaRPr>
+                    </a:p>
+                  </a:txBody>
+                  <a:tcPr marL="5346" marR="5346" marT="5346" marB="0" anchor="ctr"/>
+                </a:tc>
+                <a:extLst>
+                  <a:ext uri="{0D108BD9-81ED-4DB2-BD59-A6C34878D82A}">
+                    <a16:rowId xmlns:a16="http://schemas.microsoft.com/office/drawing/2014/main" val="138697008"/>
+                  </a:ext>
+                </a:extLst>
+              </a:tr>
+              <a:tr h="117604">
+                <a:tc>
+                  <a:txBody>
+                    <a:bodyPr/>
+                    <a:lstStyle/>
+                    <a:p>
+                      <a:pPr algn="l" fontAlgn="ctr"/>
+                      <a:r>
+                        <a:rPr lang="ko-KR" altLang="en-US" sz="600" u="none" strike="noStrike">
+                          <a:effectLst/>
+                        </a:rPr>
+                        <a:t>외부주소</a:t>
+                      </a:r>
+                      <a:endParaRPr lang="ko-KR" altLang="en-US" sz="600" b="1" i="0" u="none" strike="noStrike">
+                        <a:solidFill>
+                          <a:srgbClr val="000000"/>
+                        </a:solidFill>
+                        <a:effectLst/>
+                        <a:latin typeface="맑은 고딕" panose="020B0503020000020004" pitchFamily="50" charset="-127"/>
+                        <a:ea typeface="맑은 고딕" panose="020B0503020000020004" pitchFamily="50" charset="-127"/>
+                      </a:endParaRPr>
+                    </a:p>
+                  </a:txBody>
+                  <a:tcPr marL="5346" marR="5346" marT="5346" marB="0" anchor="ctr"/>
+                </a:tc>
+                <a:tc>
+                  <a:txBody>
+                    <a:bodyPr/>
+                    <a:lstStyle/>
+                    <a:p>
+                      <a:pPr algn="l" fontAlgn="ctr"/>
+                      <a:r>
+                        <a:rPr lang="en-US" sz="600" u="none" strike="noStrike">
+                          <a:effectLst/>
+                        </a:rPr>
+                        <a:t>S22_Latch5.ADV</a:t>
+                      </a:r>
+                      <a:endParaRPr lang="en-US" sz="600" b="1" i="0" u="none" strike="noStrike">
+                        <a:solidFill>
+                          <a:srgbClr val="000000"/>
+                        </a:solidFill>
+                        <a:effectLst/>
+                        <a:latin typeface="맑은 고딕" panose="020B0503020000020004" pitchFamily="50" charset="-127"/>
+                        <a:ea typeface="맑은 고딕" panose="020B0503020000020004" pitchFamily="50" charset="-127"/>
+                      </a:endParaRPr>
+                    </a:p>
+                  </a:txBody>
+                  <a:tcPr marL="5346" marR="5346" marT="5346" marB="0" anchor="ctr"/>
+                </a:tc>
+                <a:tc>
+                  <a:txBody>
+                    <a:bodyPr/>
+                    <a:lstStyle/>
+                    <a:p>
+                      <a:pPr algn="l" fontAlgn="ctr"/>
+                      <a:r>
+                        <a:rPr lang="en-US" sz="600" u="none" strike="noStrike">
+                          <a:effectLst/>
+                        </a:rPr>
+                        <a:t>bool</a:t>
+                      </a:r>
+                      <a:endParaRPr lang="en-US" sz="600" b="1" i="0" u="none" strike="noStrike">
+                        <a:solidFill>
+                          <a:srgbClr val="000000"/>
+                        </a:solidFill>
+                        <a:effectLst/>
+                        <a:latin typeface="맑은 고딕" panose="020B0503020000020004" pitchFamily="50" charset="-127"/>
+                        <a:ea typeface="맑은 고딕" panose="020B0503020000020004" pitchFamily="50" charset="-127"/>
+                      </a:endParaRPr>
+                    </a:p>
+                  </a:txBody>
+                  <a:tcPr marL="5346" marR="5346" marT="5346" marB="0" anchor="ctr"/>
+                </a:tc>
+                <a:tc>
+                  <a:txBody>
+                    <a:bodyPr/>
+                    <a:lstStyle/>
+                    <a:p>
+                      <a:pPr algn="l" fontAlgn="ctr"/>
+                      <a:r>
+                        <a:rPr lang="en-US" sz="600" u="none" strike="noStrike">
+                          <a:effectLst/>
+                        </a:rPr>
+                        <a:t>I20</a:t>
+                      </a:r>
+                      <a:endParaRPr lang="en-US" sz="600" b="1" i="0" u="none" strike="noStrike">
+                        <a:solidFill>
+                          <a:srgbClr val="000000"/>
+                        </a:solidFill>
+                        <a:effectLst/>
+                        <a:latin typeface="맑은 고딕" panose="020B0503020000020004" pitchFamily="50" charset="-127"/>
+                        <a:ea typeface="맑은 고딕" panose="020B0503020000020004" pitchFamily="50" charset="-127"/>
+                      </a:endParaRPr>
+                    </a:p>
+                  </a:txBody>
+                  <a:tcPr marL="5346" marR="5346" marT="5346" marB="0" anchor="ctr"/>
+                </a:tc>
+                <a:tc>
+                  <a:txBody>
+                    <a:bodyPr/>
+                    <a:lstStyle/>
+                    <a:p>
+                      <a:pPr algn="l" fontAlgn="ctr"/>
+                      <a:r>
+                        <a:rPr lang="en-US" sz="600" u="none" strike="noStrike">
+                          <a:effectLst/>
+                        </a:rPr>
+                        <a:t>O20</a:t>
+                      </a:r>
+                      <a:endParaRPr lang="en-US" sz="600" b="1" i="0" u="none" strike="noStrike">
+                        <a:solidFill>
+                          <a:srgbClr val="000000"/>
+                        </a:solidFill>
+                        <a:effectLst/>
+                        <a:latin typeface="맑은 고딕" panose="020B0503020000020004" pitchFamily="50" charset="-127"/>
+                        <a:ea typeface="맑은 고딕" panose="020B0503020000020004" pitchFamily="50" charset="-127"/>
+                      </a:endParaRPr>
+                    </a:p>
+                  </a:txBody>
+                  <a:tcPr marL="5346" marR="5346" marT="5346" marB="0" anchor="ctr"/>
+                </a:tc>
+                <a:tc>
+                  <a:txBody>
+                    <a:bodyPr/>
+                    <a:lstStyle/>
+                    <a:p>
+                      <a:pPr algn="l" fontAlgn="ctr"/>
+                      <a:r>
+                        <a:rPr lang="ko-KR" altLang="en-US" sz="600" u="none" strike="noStrike">
+                          <a:effectLst/>
+                        </a:rPr>
+                        <a:t>↑</a:t>
+                      </a:r>
+                      <a:endParaRPr lang="ko-KR" altLang="en-US" sz="600" b="1" i="0" u="none" strike="noStrike">
+                        <a:solidFill>
+                          <a:srgbClr val="000000"/>
+                        </a:solidFill>
+                        <a:effectLst/>
+                        <a:latin typeface="맑은 고딕" panose="020B0503020000020004" pitchFamily="50" charset="-127"/>
+                        <a:ea typeface="맑은 고딕" panose="020B0503020000020004" pitchFamily="50" charset="-127"/>
+                      </a:endParaRPr>
+                    </a:p>
+                  </a:txBody>
+                  <a:tcPr marL="5346" marR="5346" marT="5346" marB="0" anchor="ctr"/>
+                </a:tc>
+                <a:tc>
+                  <a:txBody>
+                    <a:bodyPr/>
+                    <a:lstStyle/>
+                    <a:p>
+                      <a:pPr algn="l" fontAlgn="ctr"/>
+                      <a:r>
+                        <a:rPr lang="ko-KR" altLang="en-US" sz="600" u="none" strike="noStrike">
+                          <a:effectLst/>
+                        </a:rPr>
+                        <a:t>↑</a:t>
+                      </a:r>
+                      <a:endParaRPr lang="ko-KR" altLang="en-US" sz="600" b="1" i="0" u="none" strike="noStrike">
+                        <a:solidFill>
+                          <a:srgbClr val="000000"/>
+                        </a:solidFill>
+                        <a:effectLst/>
+                        <a:latin typeface="맑은 고딕" panose="020B0503020000020004" pitchFamily="50" charset="-127"/>
+                        <a:ea typeface="맑은 고딕" panose="020B0503020000020004" pitchFamily="50" charset="-127"/>
+                      </a:endParaRPr>
+                    </a:p>
+                  </a:txBody>
+                  <a:tcPr marL="5346" marR="5346" marT="5346" marB="0" anchor="ctr"/>
+                </a:tc>
+                <a:extLst>
+                  <a:ext uri="{0D108BD9-81ED-4DB2-BD59-A6C34878D82A}">
+                    <a16:rowId xmlns:a16="http://schemas.microsoft.com/office/drawing/2014/main" val="237998329"/>
+                  </a:ext>
+                </a:extLst>
+              </a:tr>
+              <a:tr h="117604">
+                <a:tc>
+                  <a:txBody>
+                    <a:bodyPr/>
+                    <a:lstStyle/>
+                    <a:p>
+                      <a:pPr algn="l" fontAlgn="ctr"/>
+                      <a:r>
+                        <a:rPr lang="ko-KR" altLang="en-US" sz="600" u="none" strike="noStrike">
+                          <a:effectLst/>
+                        </a:rPr>
+                        <a:t>외부주소</a:t>
+                      </a:r>
+                      <a:endParaRPr lang="ko-KR" altLang="en-US" sz="600" b="1" i="0" u="none" strike="noStrike">
+                        <a:solidFill>
+                          <a:srgbClr val="000000"/>
+                        </a:solidFill>
+                        <a:effectLst/>
+                        <a:latin typeface="맑은 고딕" panose="020B0503020000020004" pitchFamily="50" charset="-127"/>
+                        <a:ea typeface="맑은 고딕" panose="020B0503020000020004" pitchFamily="50" charset="-127"/>
+                      </a:endParaRPr>
+                    </a:p>
+                  </a:txBody>
+                  <a:tcPr marL="5346" marR="5346" marT="5346" marB="0" anchor="ctr"/>
+                </a:tc>
+                <a:tc>
+                  <a:txBody>
+                    <a:bodyPr/>
+                    <a:lstStyle/>
+                    <a:p>
+                      <a:pPr algn="l" fontAlgn="ctr"/>
+                      <a:r>
+                        <a:rPr lang="en-US" sz="600" u="none" strike="noStrike">
+                          <a:effectLst/>
+                        </a:rPr>
+                        <a:t>S22_Latch1.RET</a:t>
+                      </a:r>
+                      <a:endParaRPr lang="en-US" sz="600" b="1" i="0" u="none" strike="noStrike">
+                        <a:solidFill>
+                          <a:srgbClr val="000000"/>
+                        </a:solidFill>
+                        <a:effectLst/>
+                        <a:latin typeface="맑은 고딕" panose="020B0503020000020004" pitchFamily="50" charset="-127"/>
+                        <a:ea typeface="맑은 고딕" panose="020B0503020000020004" pitchFamily="50" charset="-127"/>
+                      </a:endParaRPr>
+                    </a:p>
+                  </a:txBody>
+                  <a:tcPr marL="5346" marR="5346" marT="5346" marB="0" anchor="ctr"/>
+                </a:tc>
+                <a:tc>
+                  <a:txBody>
+                    <a:bodyPr/>
+                    <a:lstStyle/>
+                    <a:p>
+                      <a:pPr algn="l" fontAlgn="ctr"/>
+                      <a:r>
+                        <a:rPr lang="en-US" sz="600" u="none" strike="noStrike">
+                          <a:effectLst/>
+                        </a:rPr>
+                        <a:t>bool</a:t>
+                      </a:r>
+                      <a:endParaRPr lang="en-US" sz="600" b="1" i="0" u="none" strike="noStrike">
+                        <a:solidFill>
+                          <a:srgbClr val="000000"/>
+                        </a:solidFill>
+                        <a:effectLst/>
+                        <a:latin typeface="맑은 고딕" panose="020B0503020000020004" pitchFamily="50" charset="-127"/>
+                        <a:ea typeface="맑은 고딕" panose="020B0503020000020004" pitchFamily="50" charset="-127"/>
+                      </a:endParaRPr>
+                    </a:p>
+                  </a:txBody>
+                  <a:tcPr marL="5346" marR="5346" marT="5346" marB="0" anchor="ctr"/>
+                </a:tc>
+                <a:tc>
+                  <a:txBody>
+                    <a:bodyPr/>
+                    <a:lstStyle/>
+                    <a:p>
+                      <a:pPr algn="l" fontAlgn="ctr"/>
+                      <a:r>
+                        <a:rPr lang="en-US" sz="600" u="none" strike="noStrike">
+                          <a:effectLst/>
+                        </a:rPr>
+                        <a:t>I21</a:t>
+                      </a:r>
+                      <a:endParaRPr lang="en-US" sz="600" b="1" i="0" u="none" strike="noStrike">
+                        <a:solidFill>
+                          <a:srgbClr val="000000"/>
+                        </a:solidFill>
+                        <a:effectLst/>
+                        <a:latin typeface="맑은 고딕" panose="020B0503020000020004" pitchFamily="50" charset="-127"/>
+                        <a:ea typeface="맑은 고딕" panose="020B0503020000020004" pitchFamily="50" charset="-127"/>
+                      </a:endParaRPr>
+                    </a:p>
+                  </a:txBody>
+                  <a:tcPr marL="5346" marR="5346" marT="5346" marB="0" anchor="ctr"/>
+                </a:tc>
+                <a:tc>
+                  <a:txBody>
+                    <a:bodyPr/>
+                    <a:lstStyle/>
+                    <a:p>
+                      <a:pPr algn="l" fontAlgn="ctr"/>
+                      <a:r>
+                        <a:rPr lang="en-US" sz="600" u="none" strike="noStrike">
+                          <a:effectLst/>
+                        </a:rPr>
+                        <a:t>O21</a:t>
+                      </a:r>
+                      <a:endParaRPr lang="en-US" sz="600" b="1" i="0" u="none" strike="noStrike">
+                        <a:solidFill>
+                          <a:srgbClr val="000000"/>
+                        </a:solidFill>
+                        <a:effectLst/>
+                        <a:latin typeface="맑은 고딕" panose="020B0503020000020004" pitchFamily="50" charset="-127"/>
+                        <a:ea typeface="맑은 고딕" panose="020B0503020000020004" pitchFamily="50" charset="-127"/>
+                      </a:endParaRPr>
+                    </a:p>
+                  </a:txBody>
+                  <a:tcPr marL="5346" marR="5346" marT="5346" marB="0" anchor="ctr"/>
+                </a:tc>
+                <a:tc>
+                  <a:txBody>
+                    <a:bodyPr/>
+                    <a:lstStyle/>
+                    <a:p>
+                      <a:pPr algn="l" fontAlgn="ctr"/>
+                      <a:r>
+                        <a:rPr lang="en-US" sz="600" u="none" strike="noStrike">
+                          <a:effectLst/>
+                        </a:rPr>
+                        <a:t>S22_Latch_RET</a:t>
+                      </a:r>
+                      <a:endParaRPr lang="en-US" sz="600" b="1" i="0" u="none" strike="noStrike">
+                        <a:solidFill>
+                          <a:srgbClr val="000000"/>
+                        </a:solidFill>
+                        <a:effectLst/>
+                        <a:latin typeface="맑은 고딕" panose="020B0503020000020004" pitchFamily="50" charset="-127"/>
+                        <a:ea typeface="맑은 고딕" panose="020B0503020000020004" pitchFamily="50" charset="-127"/>
+                      </a:endParaRPr>
+                    </a:p>
+                  </a:txBody>
+                  <a:tcPr marL="5346" marR="5346" marT="5346" marB="0" anchor="ctr"/>
+                </a:tc>
+                <a:tc>
+                  <a:txBody>
+                    <a:bodyPr/>
+                    <a:lstStyle/>
+                    <a:p>
+                      <a:pPr algn="l" fontAlgn="ctr"/>
+                      <a:r>
+                        <a:rPr lang="ko-KR" altLang="en-US" sz="600" u="none" strike="noStrike">
+                          <a:effectLst/>
+                        </a:rPr>
+                        <a:t>　</a:t>
+                      </a:r>
+                      <a:endParaRPr lang="ko-KR" altLang="en-US" sz="600" b="1" i="0" u="none" strike="noStrike">
+                        <a:solidFill>
+                          <a:srgbClr val="000000"/>
+                        </a:solidFill>
+                        <a:effectLst/>
+                        <a:latin typeface="맑은 고딕" panose="020B0503020000020004" pitchFamily="50" charset="-127"/>
+                        <a:ea typeface="맑은 고딕" panose="020B0503020000020004" pitchFamily="50" charset="-127"/>
+                      </a:endParaRPr>
+                    </a:p>
+                  </a:txBody>
+                  <a:tcPr marL="5346" marR="5346" marT="5346" marB="0" anchor="ctr"/>
+                </a:tc>
+                <a:extLst>
+                  <a:ext uri="{0D108BD9-81ED-4DB2-BD59-A6C34878D82A}">
+                    <a16:rowId xmlns:a16="http://schemas.microsoft.com/office/drawing/2014/main" val="2358239147"/>
+                  </a:ext>
+                </a:extLst>
+              </a:tr>
+              <a:tr h="117604">
+                <a:tc>
+                  <a:txBody>
+                    <a:bodyPr/>
+                    <a:lstStyle/>
+                    <a:p>
+                      <a:pPr algn="l" fontAlgn="ctr"/>
+                      <a:r>
+                        <a:rPr lang="ko-KR" altLang="en-US" sz="600" u="none" strike="noStrike">
+                          <a:effectLst/>
+                        </a:rPr>
+                        <a:t>외부주소</a:t>
+                      </a:r>
+                      <a:endParaRPr lang="ko-KR" altLang="en-US" sz="600" b="1" i="0" u="none" strike="noStrike">
+                        <a:solidFill>
+                          <a:srgbClr val="000000"/>
+                        </a:solidFill>
+                        <a:effectLst/>
+                        <a:latin typeface="맑은 고딕" panose="020B0503020000020004" pitchFamily="50" charset="-127"/>
+                        <a:ea typeface="맑은 고딕" panose="020B0503020000020004" pitchFamily="50" charset="-127"/>
+                      </a:endParaRPr>
+                    </a:p>
+                  </a:txBody>
+                  <a:tcPr marL="5346" marR="5346" marT="5346" marB="0" anchor="ctr"/>
+                </a:tc>
+                <a:tc>
+                  <a:txBody>
+                    <a:bodyPr/>
+                    <a:lstStyle/>
+                    <a:p>
+                      <a:pPr algn="l" fontAlgn="ctr"/>
+                      <a:r>
+                        <a:rPr lang="en-US" sz="600" u="none" strike="noStrike">
+                          <a:effectLst/>
+                        </a:rPr>
+                        <a:t>S22_Latch2.RET</a:t>
+                      </a:r>
+                      <a:endParaRPr lang="en-US" sz="600" b="1" i="0" u="none" strike="noStrike">
+                        <a:solidFill>
+                          <a:srgbClr val="000000"/>
+                        </a:solidFill>
+                        <a:effectLst/>
+                        <a:latin typeface="맑은 고딕" panose="020B0503020000020004" pitchFamily="50" charset="-127"/>
+                        <a:ea typeface="맑은 고딕" panose="020B0503020000020004" pitchFamily="50" charset="-127"/>
+                      </a:endParaRPr>
+                    </a:p>
+                  </a:txBody>
+                  <a:tcPr marL="5346" marR="5346" marT="5346" marB="0" anchor="ctr"/>
+                </a:tc>
+                <a:tc>
+                  <a:txBody>
+                    <a:bodyPr/>
+                    <a:lstStyle/>
+                    <a:p>
+                      <a:pPr algn="l" fontAlgn="ctr"/>
+                      <a:r>
+                        <a:rPr lang="en-US" sz="600" u="none" strike="noStrike">
+                          <a:effectLst/>
+                        </a:rPr>
+                        <a:t>bool</a:t>
+                      </a:r>
+                      <a:endParaRPr lang="en-US" sz="600" b="1" i="0" u="none" strike="noStrike">
+                        <a:solidFill>
+                          <a:srgbClr val="000000"/>
+                        </a:solidFill>
+                        <a:effectLst/>
+                        <a:latin typeface="맑은 고딕" panose="020B0503020000020004" pitchFamily="50" charset="-127"/>
+                        <a:ea typeface="맑은 고딕" panose="020B0503020000020004" pitchFamily="50" charset="-127"/>
+                      </a:endParaRPr>
+                    </a:p>
+                  </a:txBody>
+                  <a:tcPr marL="5346" marR="5346" marT="5346" marB="0" anchor="ctr"/>
+                </a:tc>
+                <a:tc>
+                  <a:txBody>
+                    <a:bodyPr/>
+                    <a:lstStyle/>
+                    <a:p>
+                      <a:pPr algn="l" fontAlgn="ctr"/>
+                      <a:r>
+                        <a:rPr lang="en-US" sz="600" u="none" strike="noStrike">
+                          <a:effectLst/>
+                        </a:rPr>
+                        <a:t>I22</a:t>
+                      </a:r>
+                      <a:endParaRPr lang="en-US" sz="600" b="1" i="0" u="none" strike="noStrike">
+                        <a:solidFill>
+                          <a:srgbClr val="000000"/>
+                        </a:solidFill>
+                        <a:effectLst/>
+                        <a:latin typeface="맑은 고딕" panose="020B0503020000020004" pitchFamily="50" charset="-127"/>
+                        <a:ea typeface="맑은 고딕" panose="020B0503020000020004" pitchFamily="50" charset="-127"/>
+                      </a:endParaRPr>
+                    </a:p>
+                  </a:txBody>
+                  <a:tcPr marL="5346" marR="5346" marT="5346" marB="0" anchor="ctr"/>
+                </a:tc>
+                <a:tc>
+                  <a:txBody>
+                    <a:bodyPr/>
+                    <a:lstStyle/>
+                    <a:p>
+                      <a:pPr algn="l" fontAlgn="ctr"/>
+                      <a:r>
+                        <a:rPr lang="en-US" sz="600" u="none" strike="noStrike">
+                          <a:effectLst/>
+                        </a:rPr>
+                        <a:t>O22</a:t>
+                      </a:r>
+                      <a:endParaRPr lang="en-US" sz="600" b="1" i="0" u="none" strike="noStrike">
+                        <a:solidFill>
+                          <a:srgbClr val="000000"/>
+                        </a:solidFill>
+                        <a:effectLst/>
+                        <a:latin typeface="맑은 고딕" panose="020B0503020000020004" pitchFamily="50" charset="-127"/>
+                        <a:ea typeface="맑은 고딕" panose="020B0503020000020004" pitchFamily="50" charset="-127"/>
+                      </a:endParaRPr>
+                    </a:p>
+                  </a:txBody>
+                  <a:tcPr marL="5346" marR="5346" marT="5346" marB="0" anchor="ctr"/>
+                </a:tc>
+                <a:tc>
+                  <a:txBody>
+                    <a:bodyPr/>
+                    <a:lstStyle/>
+                    <a:p>
+                      <a:pPr algn="l" fontAlgn="ctr"/>
+                      <a:r>
+                        <a:rPr lang="ko-KR" altLang="en-US" sz="600" u="none" strike="noStrike">
+                          <a:effectLst/>
+                        </a:rPr>
+                        <a:t>↑</a:t>
+                      </a:r>
+                      <a:endParaRPr lang="ko-KR" altLang="en-US" sz="600" b="1" i="0" u="none" strike="noStrike">
+                        <a:solidFill>
+                          <a:srgbClr val="000000"/>
+                        </a:solidFill>
+                        <a:effectLst/>
+                        <a:latin typeface="맑은 고딕" panose="020B0503020000020004" pitchFamily="50" charset="-127"/>
+                        <a:ea typeface="맑은 고딕" panose="020B0503020000020004" pitchFamily="50" charset="-127"/>
+                      </a:endParaRPr>
+                    </a:p>
+                  </a:txBody>
+                  <a:tcPr marL="5346" marR="5346" marT="5346" marB="0" anchor="ctr"/>
+                </a:tc>
+                <a:tc>
+                  <a:txBody>
+                    <a:bodyPr/>
+                    <a:lstStyle/>
+                    <a:p>
+                      <a:pPr algn="l" fontAlgn="ctr"/>
+                      <a:r>
+                        <a:rPr lang="ko-KR" altLang="en-US" sz="600" u="none" strike="noStrike">
+                          <a:effectLst/>
+                        </a:rPr>
+                        <a:t>↑</a:t>
+                      </a:r>
+                      <a:endParaRPr lang="ko-KR" altLang="en-US" sz="600" b="1" i="0" u="none" strike="noStrike">
+                        <a:solidFill>
+                          <a:srgbClr val="000000"/>
+                        </a:solidFill>
+                        <a:effectLst/>
+                        <a:latin typeface="맑은 고딕" panose="020B0503020000020004" pitchFamily="50" charset="-127"/>
+                        <a:ea typeface="맑은 고딕" panose="020B0503020000020004" pitchFamily="50" charset="-127"/>
+                      </a:endParaRPr>
+                    </a:p>
+                  </a:txBody>
+                  <a:tcPr marL="5346" marR="5346" marT="5346" marB="0" anchor="ctr"/>
+                </a:tc>
+                <a:extLst>
+                  <a:ext uri="{0D108BD9-81ED-4DB2-BD59-A6C34878D82A}">
+                    <a16:rowId xmlns:a16="http://schemas.microsoft.com/office/drawing/2014/main" val="2619960471"/>
+                  </a:ext>
+                </a:extLst>
+              </a:tr>
+              <a:tr h="117604">
+                <a:tc>
+                  <a:txBody>
+                    <a:bodyPr/>
+                    <a:lstStyle/>
+                    <a:p>
+                      <a:pPr algn="l" fontAlgn="ctr"/>
+                      <a:r>
+                        <a:rPr lang="ko-KR" altLang="en-US" sz="600" u="none" strike="noStrike">
+                          <a:effectLst/>
+                        </a:rPr>
+                        <a:t>외부주소</a:t>
+                      </a:r>
+                      <a:endParaRPr lang="ko-KR" altLang="en-US" sz="600" b="1" i="0" u="none" strike="noStrike">
+                        <a:solidFill>
+                          <a:srgbClr val="000000"/>
+                        </a:solidFill>
+                        <a:effectLst/>
+                        <a:latin typeface="맑은 고딕" panose="020B0503020000020004" pitchFamily="50" charset="-127"/>
+                        <a:ea typeface="맑은 고딕" panose="020B0503020000020004" pitchFamily="50" charset="-127"/>
+                      </a:endParaRPr>
+                    </a:p>
+                  </a:txBody>
+                  <a:tcPr marL="5346" marR="5346" marT="5346" marB="0" anchor="ctr"/>
+                </a:tc>
+                <a:tc>
+                  <a:txBody>
+                    <a:bodyPr/>
+                    <a:lstStyle/>
+                    <a:p>
+                      <a:pPr algn="l" fontAlgn="ctr"/>
+                      <a:r>
+                        <a:rPr lang="en-US" sz="600" u="none" strike="noStrike" dirty="0">
+                          <a:effectLst/>
+                        </a:rPr>
+                        <a:t>S22_Latch3.RET</a:t>
+                      </a:r>
+                      <a:endParaRPr lang="en-US" sz="600" b="1" i="0" u="none" strike="noStrike" dirty="0">
+                        <a:solidFill>
+                          <a:srgbClr val="000000"/>
+                        </a:solidFill>
+                        <a:effectLst/>
+                        <a:latin typeface="맑은 고딕" panose="020B0503020000020004" pitchFamily="50" charset="-127"/>
+                        <a:ea typeface="맑은 고딕" panose="020B0503020000020004" pitchFamily="50" charset="-127"/>
+                      </a:endParaRPr>
+                    </a:p>
+                  </a:txBody>
+                  <a:tcPr marL="5346" marR="5346" marT="5346" marB="0" anchor="ctr"/>
+                </a:tc>
+                <a:tc>
+                  <a:txBody>
+                    <a:bodyPr/>
+                    <a:lstStyle/>
+                    <a:p>
+                      <a:pPr algn="l" fontAlgn="ctr"/>
+                      <a:r>
+                        <a:rPr lang="en-US" sz="600" u="none" strike="noStrike">
+                          <a:effectLst/>
+                        </a:rPr>
+                        <a:t>bool</a:t>
+                      </a:r>
+                      <a:endParaRPr lang="en-US" sz="600" b="1" i="0" u="none" strike="noStrike">
+                        <a:solidFill>
+                          <a:srgbClr val="000000"/>
+                        </a:solidFill>
+                        <a:effectLst/>
+                        <a:latin typeface="맑은 고딕" panose="020B0503020000020004" pitchFamily="50" charset="-127"/>
+                        <a:ea typeface="맑은 고딕" panose="020B0503020000020004" pitchFamily="50" charset="-127"/>
+                      </a:endParaRPr>
+                    </a:p>
+                  </a:txBody>
+                  <a:tcPr marL="5346" marR="5346" marT="5346" marB="0" anchor="ctr"/>
+                </a:tc>
+                <a:tc>
+                  <a:txBody>
+                    <a:bodyPr/>
+                    <a:lstStyle/>
+                    <a:p>
+                      <a:pPr algn="l" fontAlgn="ctr"/>
+                      <a:r>
+                        <a:rPr lang="en-US" sz="600" u="none" strike="noStrike">
+                          <a:effectLst/>
+                        </a:rPr>
+                        <a:t>I23</a:t>
+                      </a:r>
+                      <a:endParaRPr lang="en-US" sz="600" b="1" i="0" u="none" strike="noStrike">
+                        <a:solidFill>
+                          <a:srgbClr val="000000"/>
+                        </a:solidFill>
+                        <a:effectLst/>
+                        <a:latin typeface="맑은 고딕" panose="020B0503020000020004" pitchFamily="50" charset="-127"/>
+                        <a:ea typeface="맑은 고딕" panose="020B0503020000020004" pitchFamily="50" charset="-127"/>
+                      </a:endParaRPr>
+                    </a:p>
+                  </a:txBody>
+                  <a:tcPr marL="5346" marR="5346" marT="5346" marB="0" anchor="ctr"/>
+                </a:tc>
+                <a:tc>
+                  <a:txBody>
+                    <a:bodyPr/>
+                    <a:lstStyle/>
+                    <a:p>
+                      <a:pPr algn="l" fontAlgn="ctr"/>
+                      <a:r>
+                        <a:rPr lang="en-US" sz="600" u="none" strike="noStrike">
+                          <a:effectLst/>
+                        </a:rPr>
+                        <a:t>O23</a:t>
+                      </a:r>
+                      <a:endParaRPr lang="en-US" sz="600" b="1" i="0" u="none" strike="noStrike">
+                        <a:solidFill>
+                          <a:srgbClr val="000000"/>
+                        </a:solidFill>
+                        <a:effectLst/>
+                        <a:latin typeface="맑은 고딕" panose="020B0503020000020004" pitchFamily="50" charset="-127"/>
+                        <a:ea typeface="맑은 고딕" panose="020B0503020000020004" pitchFamily="50" charset="-127"/>
+                      </a:endParaRPr>
+                    </a:p>
+                  </a:txBody>
+                  <a:tcPr marL="5346" marR="5346" marT="5346" marB="0" anchor="ctr"/>
+                </a:tc>
+                <a:tc>
+                  <a:txBody>
+                    <a:bodyPr/>
+                    <a:lstStyle/>
+                    <a:p>
+                      <a:pPr algn="l" fontAlgn="ctr"/>
+                      <a:r>
+                        <a:rPr lang="ko-KR" altLang="en-US" sz="600" u="none" strike="noStrike">
+                          <a:effectLst/>
+                        </a:rPr>
+                        <a:t>↑</a:t>
+                      </a:r>
+                      <a:endParaRPr lang="ko-KR" altLang="en-US" sz="600" b="1" i="0" u="none" strike="noStrike">
+                        <a:solidFill>
+                          <a:srgbClr val="000000"/>
+                        </a:solidFill>
+                        <a:effectLst/>
+                        <a:latin typeface="맑은 고딕" panose="020B0503020000020004" pitchFamily="50" charset="-127"/>
+                        <a:ea typeface="맑은 고딕" panose="020B0503020000020004" pitchFamily="50" charset="-127"/>
+                      </a:endParaRPr>
+                    </a:p>
+                  </a:txBody>
+                  <a:tcPr marL="5346" marR="5346" marT="5346" marB="0" anchor="ctr"/>
+                </a:tc>
+                <a:tc>
+                  <a:txBody>
+                    <a:bodyPr/>
+                    <a:lstStyle/>
+                    <a:p>
+                      <a:pPr algn="l" fontAlgn="ctr"/>
+                      <a:r>
+                        <a:rPr lang="ko-KR" altLang="en-US" sz="600" u="none" strike="noStrike">
+                          <a:effectLst/>
+                        </a:rPr>
+                        <a:t>↑</a:t>
+                      </a:r>
+                      <a:endParaRPr lang="ko-KR" altLang="en-US" sz="600" b="1" i="0" u="none" strike="noStrike">
+                        <a:solidFill>
+                          <a:srgbClr val="000000"/>
+                        </a:solidFill>
+                        <a:effectLst/>
+                        <a:latin typeface="맑은 고딕" panose="020B0503020000020004" pitchFamily="50" charset="-127"/>
+                        <a:ea typeface="맑은 고딕" panose="020B0503020000020004" pitchFamily="50" charset="-127"/>
+                      </a:endParaRPr>
+                    </a:p>
+                  </a:txBody>
+                  <a:tcPr marL="5346" marR="5346" marT="5346" marB="0" anchor="ctr"/>
+                </a:tc>
+                <a:extLst>
+                  <a:ext uri="{0D108BD9-81ED-4DB2-BD59-A6C34878D82A}">
+                    <a16:rowId xmlns:a16="http://schemas.microsoft.com/office/drawing/2014/main" val="2454543297"/>
+                  </a:ext>
+                </a:extLst>
+              </a:tr>
+              <a:tr h="117604">
+                <a:tc>
+                  <a:txBody>
+                    <a:bodyPr/>
+                    <a:lstStyle/>
+                    <a:p>
+                      <a:pPr algn="l" fontAlgn="ctr"/>
+                      <a:r>
+                        <a:rPr lang="ko-KR" altLang="en-US" sz="600" u="none" strike="noStrike">
+                          <a:effectLst/>
+                        </a:rPr>
+                        <a:t>외부주소</a:t>
+                      </a:r>
+                      <a:endParaRPr lang="ko-KR" altLang="en-US" sz="600" b="1" i="0" u="none" strike="noStrike">
+                        <a:solidFill>
+                          <a:srgbClr val="000000"/>
+                        </a:solidFill>
+                        <a:effectLst/>
+                        <a:latin typeface="맑은 고딕" panose="020B0503020000020004" pitchFamily="50" charset="-127"/>
+                        <a:ea typeface="맑은 고딕" panose="020B0503020000020004" pitchFamily="50" charset="-127"/>
+                      </a:endParaRPr>
+                    </a:p>
+                  </a:txBody>
+                  <a:tcPr marL="5346" marR="5346" marT="5346" marB="0" anchor="ctr"/>
+                </a:tc>
+                <a:tc>
+                  <a:txBody>
+                    <a:bodyPr/>
+                    <a:lstStyle/>
+                    <a:p>
+                      <a:pPr algn="l" fontAlgn="ctr"/>
+                      <a:r>
+                        <a:rPr lang="en-US" sz="600" u="none" strike="noStrike">
+                          <a:effectLst/>
+                        </a:rPr>
+                        <a:t>S22_Latch4.RET</a:t>
+                      </a:r>
+                      <a:endParaRPr lang="en-US" sz="600" b="1" i="0" u="none" strike="noStrike">
+                        <a:solidFill>
+                          <a:srgbClr val="000000"/>
+                        </a:solidFill>
+                        <a:effectLst/>
+                        <a:latin typeface="맑은 고딕" panose="020B0503020000020004" pitchFamily="50" charset="-127"/>
+                        <a:ea typeface="맑은 고딕" panose="020B0503020000020004" pitchFamily="50" charset="-127"/>
+                      </a:endParaRPr>
+                    </a:p>
+                  </a:txBody>
+                  <a:tcPr marL="5346" marR="5346" marT="5346" marB="0" anchor="ctr"/>
+                </a:tc>
+                <a:tc>
+                  <a:txBody>
+                    <a:bodyPr/>
+                    <a:lstStyle/>
+                    <a:p>
+                      <a:pPr algn="l" fontAlgn="ctr"/>
+                      <a:r>
+                        <a:rPr lang="en-US" sz="600" u="none" strike="noStrike">
+                          <a:effectLst/>
+                        </a:rPr>
+                        <a:t>bool</a:t>
+                      </a:r>
+                      <a:endParaRPr lang="en-US" sz="600" b="1" i="0" u="none" strike="noStrike">
+                        <a:solidFill>
+                          <a:srgbClr val="000000"/>
+                        </a:solidFill>
+                        <a:effectLst/>
+                        <a:latin typeface="맑은 고딕" panose="020B0503020000020004" pitchFamily="50" charset="-127"/>
+                        <a:ea typeface="맑은 고딕" panose="020B0503020000020004" pitchFamily="50" charset="-127"/>
+                      </a:endParaRPr>
+                    </a:p>
+                  </a:txBody>
+                  <a:tcPr marL="5346" marR="5346" marT="5346" marB="0" anchor="ctr"/>
+                </a:tc>
+                <a:tc>
+                  <a:txBody>
+                    <a:bodyPr/>
+                    <a:lstStyle/>
+                    <a:p>
+                      <a:pPr algn="l" fontAlgn="ctr"/>
+                      <a:r>
+                        <a:rPr lang="en-US" sz="600" u="none" strike="noStrike">
+                          <a:effectLst/>
+                        </a:rPr>
+                        <a:t>I24</a:t>
+                      </a:r>
+                      <a:endParaRPr lang="en-US" sz="600" b="1" i="0" u="none" strike="noStrike">
+                        <a:solidFill>
+                          <a:srgbClr val="000000"/>
+                        </a:solidFill>
+                        <a:effectLst/>
+                        <a:latin typeface="맑은 고딕" panose="020B0503020000020004" pitchFamily="50" charset="-127"/>
+                        <a:ea typeface="맑은 고딕" panose="020B0503020000020004" pitchFamily="50" charset="-127"/>
+                      </a:endParaRPr>
+                    </a:p>
+                  </a:txBody>
+                  <a:tcPr marL="5346" marR="5346" marT="5346" marB="0" anchor="ctr"/>
+                </a:tc>
+                <a:tc>
+                  <a:txBody>
+                    <a:bodyPr/>
+                    <a:lstStyle/>
+                    <a:p>
+                      <a:pPr algn="l" fontAlgn="ctr"/>
+                      <a:r>
+                        <a:rPr lang="en-US" sz="600" u="none" strike="noStrike">
+                          <a:effectLst/>
+                        </a:rPr>
+                        <a:t>O24</a:t>
+                      </a:r>
+                      <a:endParaRPr lang="en-US" sz="600" b="1" i="0" u="none" strike="noStrike">
+                        <a:solidFill>
+                          <a:srgbClr val="000000"/>
+                        </a:solidFill>
+                        <a:effectLst/>
+                        <a:latin typeface="맑은 고딕" panose="020B0503020000020004" pitchFamily="50" charset="-127"/>
+                        <a:ea typeface="맑은 고딕" panose="020B0503020000020004" pitchFamily="50" charset="-127"/>
+                      </a:endParaRPr>
+                    </a:p>
+                  </a:txBody>
+                  <a:tcPr marL="5346" marR="5346" marT="5346" marB="0" anchor="ctr"/>
+                </a:tc>
+                <a:tc>
+                  <a:txBody>
+                    <a:bodyPr/>
+                    <a:lstStyle/>
+                    <a:p>
+                      <a:pPr algn="l" fontAlgn="ctr"/>
+                      <a:r>
+                        <a:rPr lang="ko-KR" altLang="en-US" sz="600" u="none" strike="noStrike">
+                          <a:effectLst/>
+                        </a:rPr>
+                        <a:t>↑</a:t>
+                      </a:r>
+                      <a:endParaRPr lang="ko-KR" altLang="en-US" sz="600" b="1" i="0" u="none" strike="noStrike">
+                        <a:solidFill>
+                          <a:srgbClr val="000000"/>
+                        </a:solidFill>
+                        <a:effectLst/>
+                        <a:latin typeface="맑은 고딕" panose="020B0503020000020004" pitchFamily="50" charset="-127"/>
+                        <a:ea typeface="맑은 고딕" panose="020B0503020000020004" pitchFamily="50" charset="-127"/>
+                      </a:endParaRPr>
+                    </a:p>
+                  </a:txBody>
+                  <a:tcPr marL="5346" marR="5346" marT="5346" marB="0" anchor="ctr"/>
+                </a:tc>
+                <a:tc>
+                  <a:txBody>
+                    <a:bodyPr/>
+                    <a:lstStyle/>
+                    <a:p>
+                      <a:pPr algn="l" fontAlgn="ctr"/>
+                      <a:r>
+                        <a:rPr lang="ko-KR" altLang="en-US" sz="600" u="none" strike="noStrike">
+                          <a:effectLst/>
+                        </a:rPr>
+                        <a:t>↑</a:t>
+                      </a:r>
+                      <a:endParaRPr lang="ko-KR" altLang="en-US" sz="600" b="1" i="0" u="none" strike="noStrike">
+                        <a:solidFill>
+                          <a:srgbClr val="000000"/>
+                        </a:solidFill>
+                        <a:effectLst/>
+                        <a:latin typeface="맑은 고딕" panose="020B0503020000020004" pitchFamily="50" charset="-127"/>
+                        <a:ea typeface="맑은 고딕" panose="020B0503020000020004" pitchFamily="50" charset="-127"/>
+                      </a:endParaRPr>
+                    </a:p>
+                  </a:txBody>
+                  <a:tcPr marL="5346" marR="5346" marT="5346" marB="0" anchor="ctr"/>
+                </a:tc>
+                <a:extLst>
+                  <a:ext uri="{0D108BD9-81ED-4DB2-BD59-A6C34878D82A}">
+                    <a16:rowId xmlns:a16="http://schemas.microsoft.com/office/drawing/2014/main" val="1229325824"/>
+                  </a:ext>
+                </a:extLst>
+              </a:tr>
+              <a:tr h="117604">
+                <a:tc>
+                  <a:txBody>
+                    <a:bodyPr/>
+                    <a:lstStyle/>
+                    <a:p>
+                      <a:pPr algn="l" fontAlgn="ctr"/>
+                      <a:r>
+                        <a:rPr lang="ko-KR" altLang="en-US" sz="600" u="none" strike="noStrike">
+                          <a:effectLst/>
+                        </a:rPr>
+                        <a:t>외부주소</a:t>
+                      </a:r>
+                      <a:endParaRPr lang="ko-KR" altLang="en-US" sz="600" b="1" i="0" u="none" strike="noStrike">
+                        <a:solidFill>
+                          <a:srgbClr val="000000"/>
+                        </a:solidFill>
+                        <a:effectLst/>
+                        <a:latin typeface="맑은 고딕" panose="020B0503020000020004" pitchFamily="50" charset="-127"/>
+                        <a:ea typeface="맑은 고딕" panose="020B0503020000020004" pitchFamily="50" charset="-127"/>
+                      </a:endParaRPr>
+                    </a:p>
+                  </a:txBody>
+                  <a:tcPr marL="5346" marR="5346" marT="5346" marB="0" anchor="ctr"/>
+                </a:tc>
+                <a:tc>
+                  <a:txBody>
+                    <a:bodyPr/>
+                    <a:lstStyle/>
+                    <a:p>
+                      <a:pPr algn="l" fontAlgn="ctr"/>
+                      <a:r>
+                        <a:rPr lang="en-US" sz="600" u="none" strike="noStrike">
+                          <a:effectLst/>
+                        </a:rPr>
+                        <a:t>S22_Latch5.RET</a:t>
+                      </a:r>
+                      <a:endParaRPr lang="en-US" sz="600" b="1" i="0" u="none" strike="noStrike">
+                        <a:solidFill>
+                          <a:srgbClr val="000000"/>
+                        </a:solidFill>
+                        <a:effectLst/>
+                        <a:latin typeface="맑은 고딕" panose="020B0503020000020004" pitchFamily="50" charset="-127"/>
+                        <a:ea typeface="맑은 고딕" panose="020B0503020000020004" pitchFamily="50" charset="-127"/>
+                      </a:endParaRPr>
+                    </a:p>
+                  </a:txBody>
+                  <a:tcPr marL="5346" marR="5346" marT="5346" marB="0" anchor="ctr"/>
+                </a:tc>
+                <a:tc>
+                  <a:txBody>
+                    <a:bodyPr/>
+                    <a:lstStyle/>
+                    <a:p>
+                      <a:pPr algn="l" fontAlgn="ctr"/>
+                      <a:r>
+                        <a:rPr lang="en-US" sz="600" u="none" strike="noStrike">
+                          <a:effectLst/>
+                        </a:rPr>
+                        <a:t>bool</a:t>
+                      </a:r>
+                      <a:endParaRPr lang="en-US" sz="600" b="1" i="0" u="none" strike="noStrike">
+                        <a:solidFill>
+                          <a:srgbClr val="000000"/>
+                        </a:solidFill>
+                        <a:effectLst/>
+                        <a:latin typeface="맑은 고딕" panose="020B0503020000020004" pitchFamily="50" charset="-127"/>
+                        <a:ea typeface="맑은 고딕" panose="020B0503020000020004" pitchFamily="50" charset="-127"/>
+                      </a:endParaRPr>
+                    </a:p>
+                  </a:txBody>
+                  <a:tcPr marL="5346" marR="5346" marT="5346" marB="0" anchor="ctr"/>
+                </a:tc>
+                <a:tc>
+                  <a:txBody>
+                    <a:bodyPr/>
+                    <a:lstStyle/>
+                    <a:p>
+                      <a:pPr algn="l" fontAlgn="ctr"/>
+                      <a:r>
+                        <a:rPr lang="en-US" sz="600" u="none" strike="noStrike">
+                          <a:effectLst/>
+                        </a:rPr>
+                        <a:t>I25</a:t>
+                      </a:r>
+                      <a:endParaRPr lang="en-US" sz="600" b="1" i="0" u="none" strike="noStrike">
+                        <a:solidFill>
+                          <a:srgbClr val="000000"/>
+                        </a:solidFill>
+                        <a:effectLst/>
+                        <a:latin typeface="맑은 고딕" panose="020B0503020000020004" pitchFamily="50" charset="-127"/>
+                        <a:ea typeface="맑은 고딕" panose="020B0503020000020004" pitchFamily="50" charset="-127"/>
+                      </a:endParaRPr>
+                    </a:p>
+                  </a:txBody>
+                  <a:tcPr marL="5346" marR="5346" marT="5346" marB="0" anchor="ctr"/>
+                </a:tc>
+                <a:tc>
+                  <a:txBody>
+                    <a:bodyPr/>
+                    <a:lstStyle/>
+                    <a:p>
+                      <a:pPr algn="l" fontAlgn="ctr"/>
+                      <a:r>
+                        <a:rPr lang="en-US" sz="600" u="none" strike="noStrike">
+                          <a:effectLst/>
+                        </a:rPr>
+                        <a:t>O25</a:t>
+                      </a:r>
+                      <a:endParaRPr lang="en-US" sz="600" b="1" i="0" u="none" strike="noStrike">
+                        <a:solidFill>
+                          <a:srgbClr val="000000"/>
+                        </a:solidFill>
+                        <a:effectLst/>
+                        <a:latin typeface="맑은 고딕" panose="020B0503020000020004" pitchFamily="50" charset="-127"/>
+                        <a:ea typeface="맑은 고딕" panose="020B0503020000020004" pitchFamily="50" charset="-127"/>
+                      </a:endParaRPr>
+                    </a:p>
+                  </a:txBody>
+                  <a:tcPr marL="5346" marR="5346" marT="5346" marB="0" anchor="ctr"/>
+                </a:tc>
+                <a:tc>
+                  <a:txBody>
+                    <a:bodyPr/>
+                    <a:lstStyle/>
+                    <a:p>
+                      <a:pPr algn="l" fontAlgn="ctr"/>
+                      <a:r>
+                        <a:rPr lang="ko-KR" altLang="en-US" sz="600" u="none" strike="noStrike" dirty="0">
+                          <a:effectLst/>
+                        </a:rPr>
+                        <a:t>↑</a:t>
+                      </a:r>
+                      <a:endParaRPr lang="ko-KR" altLang="en-US" sz="600" b="1" i="0" u="none" strike="noStrike" dirty="0">
+                        <a:solidFill>
+                          <a:srgbClr val="000000"/>
+                        </a:solidFill>
+                        <a:effectLst/>
+                        <a:latin typeface="맑은 고딕" panose="020B0503020000020004" pitchFamily="50" charset="-127"/>
+                        <a:ea typeface="맑은 고딕" panose="020B0503020000020004" pitchFamily="50" charset="-127"/>
+                      </a:endParaRPr>
+                    </a:p>
+                  </a:txBody>
+                  <a:tcPr marL="5346" marR="5346" marT="5346" marB="0" anchor="ctr"/>
+                </a:tc>
+                <a:tc>
+                  <a:txBody>
+                    <a:bodyPr/>
+                    <a:lstStyle/>
+                    <a:p>
+                      <a:pPr algn="l" fontAlgn="ctr"/>
+                      <a:r>
+                        <a:rPr lang="ko-KR" altLang="en-US" sz="600" u="none" strike="noStrike">
+                          <a:effectLst/>
+                        </a:rPr>
+                        <a:t>↑</a:t>
+                      </a:r>
+                      <a:endParaRPr lang="ko-KR" altLang="en-US" sz="600" b="1" i="0" u="none" strike="noStrike">
+                        <a:solidFill>
+                          <a:srgbClr val="000000"/>
+                        </a:solidFill>
+                        <a:effectLst/>
+                        <a:latin typeface="맑은 고딕" panose="020B0503020000020004" pitchFamily="50" charset="-127"/>
+                        <a:ea typeface="맑은 고딕" panose="020B0503020000020004" pitchFamily="50" charset="-127"/>
+                      </a:endParaRPr>
+                    </a:p>
+                  </a:txBody>
+                  <a:tcPr marL="5346" marR="5346" marT="5346" marB="0" anchor="ctr"/>
+                </a:tc>
+                <a:extLst>
+                  <a:ext uri="{0D108BD9-81ED-4DB2-BD59-A6C34878D82A}">
+                    <a16:rowId xmlns:a16="http://schemas.microsoft.com/office/drawing/2014/main" val="1002390651"/>
+                  </a:ext>
+                </a:extLst>
+              </a:tr>
+              <a:tr h="117604">
+                <a:tc>
+                  <a:txBody>
+                    <a:bodyPr/>
+                    <a:lstStyle/>
+                    <a:p>
+                      <a:pPr algn="l" fontAlgn="ctr"/>
+                      <a:r>
+                        <a:rPr lang="ko-KR" altLang="en-US" sz="600" u="none" strike="noStrike">
+                          <a:effectLst/>
+                        </a:rPr>
+                        <a:t>외부주소</a:t>
+                      </a:r>
+                      <a:endParaRPr lang="ko-KR" altLang="en-US" sz="600" b="1" i="0" u="none" strike="noStrike">
+                        <a:solidFill>
+                          <a:srgbClr val="000000"/>
+                        </a:solidFill>
+                        <a:effectLst/>
+                        <a:latin typeface="맑은 고딕" panose="020B0503020000020004" pitchFamily="50" charset="-127"/>
+                        <a:ea typeface="맑은 고딕" panose="020B0503020000020004" pitchFamily="50" charset="-127"/>
+                      </a:endParaRPr>
+                    </a:p>
+                  </a:txBody>
+                  <a:tcPr marL="5346" marR="5346" marT="5346" marB="0" anchor="ctr"/>
+                </a:tc>
+                <a:tc>
+                  <a:txBody>
+                    <a:bodyPr/>
+                    <a:lstStyle/>
+                    <a:p>
+                      <a:pPr algn="l" fontAlgn="ctr"/>
+                      <a:r>
+                        <a:rPr lang="en-US" sz="600" u="none" strike="noStrike">
+                          <a:effectLst/>
+                        </a:rPr>
+                        <a:t>S22_PinA.ADV</a:t>
+                      </a:r>
+                      <a:endParaRPr lang="en-US" sz="600" b="1" i="0" u="none" strike="noStrike">
+                        <a:solidFill>
+                          <a:srgbClr val="000000"/>
+                        </a:solidFill>
+                        <a:effectLst/>
+                        <a:latin typeface="맑은 고딕" panose="020B0503020000020004" pitchFamily="50" charset="-127"/>
+                        <a:ea typeface="맑은 고딕" panose="020B0503020000020004" pitchFamily="50" charset="-127"/>
+                      </a:endParaRPr>
+                    </a:p>
+                  </a:txBody>
+                  <a:tcPr marL="5346" marR="5346" marT="5346" marB="0" anchor="ctr"/>
+                </a:tc>
+                <a:tc>
+                  <a:txBody>
+                    <a:bodyPr/>
+                    <a:lstStyle/>
+                    <a:p>
+                      <a:pPr algn="l" fontAlgn="ctr"/>
+                      <a:r>
+                        <a:rPr lang="en-US" sz="600" u="none" strike="noStrike">
+                          <a:effectLst/>
+                        </a:rPr>
+                        <a:t>bool</a:t>
+                      </a:r>
+                      <a:endParaRPr lang="en-US" sz="600" b="1" i="0" u="none" strike="noStrike">
+                        <a:solidFill>
+                          <a:srgbClr val="000000"/>
+                        </a:solidFill>
+                        <a:effectLst/>
+                        <a:latin typeface="맑은 고딕" panose="020B0503020000020004" pitchFamily="50" charset="-127"/>
+                        <a:ea typeface="맑은 고딕" panose="020B0503020000020004" pitchFamily="50" charset="-127"/>
+                      </a:endParaRPr>
+                    </a:p>
+                  </a:txBody>
+                  <a:tcPr marL="5346" marR="5346" marT="5346" marB="0" anchor="ctr"/>
+                </a:tc>
+                <a:tc>
+                  <a:txBody>
+                    <a:bodyPr/>
+                    <a:lstStyle/>
+                    <a:p>
+                      <a:pPr algn="l" fontAlgn="ctr"/>
+                      <a:r>
+                        <a:rPr lang="en-US" sz="600" u="none" strike="noStrike">
+                          <a:effectLst/>
+                        </a:rPr>
+                        <a:t>I26</a:t>
+                      </a:r>
+                      <a:endParaRPr lang="en-US" sz="600" b="1" i="0" u="none" strike="noStrike">
+                        <a:solidFill>
+                          <a:srgbClr val="000000"/>
+                        </a:solidFill>
+                        <a:effectLst/>
+                        <a:latin typeface="맑은 고딕" panose="020B0503020000020004" pitchFamily="50" charset="-127"/>
+                        <a:ea typeface="맑은 고딕" panose="020B0503020000020004" pitchFamily="50" charset="-127"/>
+                      </a:endParaRPr>
+                    </a:p>
+                  </a:txBody>
+                  <a:tcPr marL="5346" marR="5346" marT="5346" marB="0" anchor="ctr"/>
+                </a:tc>
+                <a:tc>
+                  <a:txBody>
+                    <a:bodyPr/>
+                    <a:lstStyle/>
+                    <a:p>
+                      <a:pPr algn="l" fontAlgn="ctr"/>
+                      <a:r>
+                        <a:rPr lang="en-US" sz="600" u="none" strike="noStrike">
+                          <a:effectLst/>
+                        </a:rPr>
+                        <a:t>O26</a:t>
+                      </a:r>
+                      <a:endParaRPr lang="en-US" sz="600" b="1" i="0" u="none" strike="noStrike">
+                        <a:solidFill>
+                          <a:srgbClr val="000000"/>
+                        </a:solidFill>
+                        <a:effectLst/>
+                        <a:latin typeface="맑은 고딕" panose="020B0503020000020004" pitchFamily="50" charset="-127"/>
+                        <a:ea typeface="맑은 고딕" panose="020B0503020000020004" pitchFamily="50" charset="-127"/>
+                      </a:endParaRPr>
+                    </a:p>
+                  </a:txBody>
+                  <a:tcPr marL="5346" marR="5346" marT="5346" marB="0" anchor="ctr"/>
+                </a:tc>
+                <a:tc>
+                  <a:txBody>
+                    <a:bodyPr/>
+                    <a:lstStyle/>
+                    <a:p>
+                      <a:pPr algn="l" fontAlgn="ctr"/>
+                      <a:r>
+                        <a:rPr lang="en-US" sz="600" u="none" strike="noStrike">
+                          <a:effectLst/>
+                        </a:rPr>
+                        <a:t>S22_PinA_ADV</a:t>
+                      </a:r>
+                      <a:endParaRPr lang="en-US" sz="600" b="1" i="0" u="none" strike="noStrike">
+                        <a:solidFill>
+                          <a:srgbClr val="000000"/>
+                        </a:solidFill>
+                        <a:effectLst/>
+                        <a:latin typeface="맑은 고딕" panose="020B0503020000020004" pitchFamily="50" charset="-127"/>
+                        <a:ea typeface="맑은 고딕" panose="020B0503020000020004" pitchFamily="50" charset="-127"/>
+                      </a:endParaRPr>
+                    </a:p>
+                  </a:txBody>
+                  <a:tcPr marL="5346" marR="5346" marT="5346" marB="0" anchor="ctr"/>
+                </a:tc>
+                <a:tc>
+                  <a:txBody>
+                    <a:bodyPr/>
+                    <a:lstStyle/>
+                    <a:p>
+                      <a:pPr algn="l" fontAlgn="ctr"/>
+                      <a:r>
+                        <a:rPr lang="ko-KR" altLang="en-US" sz="600" u="none" strike="noStrike">
+                          <a:effectLst/>
+                        </a:rPr>
+                        <a:t>　</a:t>
+                      </a:r>
+                      <a:endParaRPr lang="ko-KR" altLang="en-US" sz="600" b="1" i="0" u="none" strike="noStrike">
+                        <a:solidFill>
+                          <a:srgbClr val="000000"/>
+                        </a:solidFill>
+                        <a:effectLst/>
+                        <a:latin typeface="맑은 고딕" panose="020B0503020000020004" pitchFamily="50" charset="-127"/>
+                        <a:ea typeface="맑은 고딕" panose="020B0503020000020004" pitchFamily="50" charset="-127"/>
+                      </a:endParaRPr>
+                    </a:p>
+                  </a:txBody>
+                  <a:tcPr marL="5346" marR="5346" marT="5346" marB="0" anchor="ctr"/>
+                </a:tc>
+                <a:extLst>
+                  <a:ext uri="{0D108BD9-81ED-4DB2-BD59-A6C34878D82A}">
+                    <a16:rowId xmlns:a16="http://schemas.microsoft.com/office/drawing/2014/main" val="152742261"/>
+                  </a:ext>
+                </a:extLst>
+              </a:tr>
+              <a:tr h="117604">
+                <a:tc>
+                  <a:txBody>
+                    <a:bodyPr/>
+                    <a:lstStyle/>
+                    <a:p>
+                      <a:pPr algn="l" fontAlgn="ctr"/>
+                      <a:r>
+                        <a:rPr lang="ko-KR" altLang="en-US" sz="600" u="none" strike="noStrike">
+                          <a:effectLst/>
+                        </a:rPr>
+                        <a:t>외부주소</a:t>
+                      </a:r>
+                      <a:endParaRPr lang="ko-KR" altLang="en-US" sz="600" b="1" i="0" u="none" strike="noStrike">
+                        <a:solidFill>
+                          <a:srgbClr val="000000"/>
+                        </a:solidFill>
+                        <a:effectLst/>
+                        <a:latin typeface="맑은 고딕" panose="020B0503020000020004" pitchFamily="50" charset="-127"/>
+                        <a:ea typeface="맑은 고딕" panose="020B0503020000020004" pitchFamily="50" charset="-127"/>
+                      </a:endParaRPr>
+                    </a:p>
+                  </a:txBody>
+                  <a:tcPr marL="5346" marR="5346" marT="5346" marB="0" anchor="ctr"/>
+                </a:tc>
+                <a:tc>
+                  <a:txBody>
+                    <a:bodyPr/>
+                    <a:lstStyle/>
+                    <a:p>
+                      <a:pPr algn="l" fontAlgn="ctr"/>
+                      <a:r>
+                        <a:rPr lang="en-US" sz="600" u="none" strike="noStrike">
+                          <a:effectLst/>
+                        </a:rPr>
+                        <a:t>S22_PinA.RET</a:t>
+                      </a:r>
+                      <a:endParaRPr lang="en-US" sz="600" b="1" i="0" u="none" strike="noStrike">
+                        <a:solidFill>
+                          <a:srgbClr val="000000"/>
+                        </a:solidFill>
+                        <a:effectLst/>
+                        <a:latin typeface="맑은 고딕" panose="020B0503020000020004" pitchFamily="50" charset="-127"/>
+                        <a:ea typeface="맑은 고딕" panose="020B0503020000020004" pitchFamily="50" charset="-127"/>
+                      </a:endParaRPr>
+                    </a:p>
+                  </a:txBody>
+                  <a:tcPr marL="5346" marR="5346" marT="5346" marB="0" anchor="ctr"/>
+                </a:tc>
+                <a:tc>
+                  <a:txBody>
+                    <a:bodyPr/>
+                    <a:lstStyle/>
+                    <a:p>
+                      <a:pPr algn="l" fontAlgn="ctr"/>
+                      <a:r>
+                        <a:rPr lang="en-US" sz="600" u="none" strike="noStrike">
+                          <a:effectLst/>
+                        </a:rPr>
+                        <a:t>bool</a:t>
+                      </a:r>
+                      <a:endParaRPr lang="en-US" sz="600" b="1" i="0" u="none" strike="noStrike">
+                        <a:solidFill>
+                          <a:srgbClr val="000000"/>
+                        </a:solidFill>
+                        <a:effectLst/>
+                        <a:latin typeface="맑은 고딕" panose="020B0503020000020004" pitchFamily="50" charset="-127"/>
+                        <a:ea typeface="맑은 고딕" panose="020B0503020000020004" pitchFamily="50" charset="-127"/>
+                      </a:endParaRPr>
+                    </a:p>
+                  </a:txBody>
+                  <a:tcPr marL="5346" marR="5346" marT="5346" marB="0" anchor="ctr"/>
+                </a:tc>
+                <a:tc>
+                  <a:txBody>
+                    <a:bodyPr/>
+                    <a:lstStyle/>
+                    <a:p>
+                      <a:pPr algn="l" fontAlgn="ctr"/>
+                      <a:r>
+                        <a:rPr lang="en-US" sz="600" u="none" strike="noStrike">
+                          <a:effectLst/>
+                        </a:rPr>
+                        <a:t>I27</a:t>
+                      </a:r>
+                      <a:endParaRPr lang="en-US" sz="600" b="1" i="0" u="none" strike="noStrike">
+                        <a:solidFill>
+                          <a:srgbClr val="000000"/>
+                        </a:solidFill>
+                        <a:effectLst/>
+                        <a:latin typeface="맑은 고딕" panose="020B0503020000020004" pitchFamily="50" charset="-127"/>
+                        <a:ea typeface="맑은 고딕" panose="020B0503020000020004" pitchFamily="50" charset="-127"/>
+                      </a:endParaRPr>
+                    </a:p>
+                  </a:txBody>
+                  <a:tcPr marL="5346" marR="5346" marT="5346" marB="0" anchor="ctr"/>
+                </a:tc>
+                <a:tc>
+                  <a:txBody>
+                    <a:bodyPr/>
+                    <a:lstStyle/>
+                    <a:p>
+                      <a:pPr algn="l" fontAlgn="ctr"/>
+                      <a:r>
+                        <a:rPr lang="en-US" sz="600" u="none" strike="noStrike">
+                          <a:effectLst/>
+                        </a:rPr>
+                        <a:t>O27</a:t>
+                      </a:r>
+                      <a:endParaRPr lang="en-US" sz="600" b="1" i="0" u="none" strike="noStrike">
+                        <a:solidFill>
+                          <a:srgbClr val="000000"/>
+                        </a:solidFill>
+                        <a:effectLst/>
+                        <a:latin typeface="맑은 고딕" panose="020B0503020000020004" pitchFamily="50" charset="-127"/>
+                        <a:ea typeface="맑은 고딕" panose="020B0503020000020004" pitchFamily="50" charset="-127"/>
+                      </a:endParaRPr>
+                    </a:p>
+                  </a:txBody>
+                  <a:tcPr marL="5346" marR="5346" marT="5346" marB="0" anchor="ctr"/>
+                </a:tc>
+                <a:tc>
+                  <a:txBody>
+                    <a:bodyPr/>
+                    <a:lstStyle/>
+                    <a:p>
+                      <a:pPr algn="l" fontAlgn="ctr"/>
+                      <a:r>
+                        <a:rPr lang="en-US" sz="600" u="none" strike="noStrike">
+                          <a:effectLst/>
+                        </a:rPr>
+                        <a:t>S22_PinA_RET</a:t>
+                      </a:r>
+                      <a:endParaRPr lang="en-US" sz="600" b="1" i="0" u="none" strike="noStrike">
+                        <a:solidFill>
+                          <a:srgbClr val="000000"/>
+                        </a:solidFill>
+                        <a:effectLst/>
+                        <a:latin typeface="맑은 고딕" panose="020B0503020000020004" pitchFamily="50" charset="-127"/>
+                        <a:ea typeface="맑은 고딕" panose="020B0503020000020004" pitchFamily="50" charset="-127"/>
+                      </a:endParaRPr>
+                    </a:p>
+                  </a:txBody>
+                  <a:tcPr marL="5346" marR="5346" marT="5346" marB="0" anchor="ctr"/>
+                </a:tc>
+                <a:tc>
+                  <a:txBody>
+                    <a:bodyPr/>
+                    <a:lstStyle/>
+                    <a:p>
+                      <a:pPr algn="l" fontAlgn="ctr"/>
+                      <a:r>
+                        <a:rPr lang="ko-KR" altLang="en-US" sz="600" u="none" strike="noStrike">
+                          <a:effectLst/>
+                        </a:rPr>
+                        <a:t>　</a:t>
+                      </a:r>
+                      <a:endParaRPr lang="ko-KR" altLang="en-US" sz="600" b="1" i="0" u="none" strike="noStrike">
+                        <a:solidFill>
+                          <a:srgbClr val="000000"/>
+                        </a:solidFill>
+                        <a:effectLst/>
+                        <a:latin typeface="맑은 고딕" panose="020B0503020000020004" pitchFamily="50" charset="-127"/>
+                        <a:ea typeface="맑은 고딕" panose="020B0503020000020004" pitchFamily="50" charset="-127"/>
+                      </a:endParaRPr>
+                    </a:p>
+                  </a:txBody>
+                  <a:tcPr marL="5346" marR="5346" marT="5346" marB="0" anchor="ctr"/>
+                </a:tc>
+                <a:extLst>
+                  <a:ext uri="{0D108BD9-81ED-4DB2-BD59-A6C34878D82A}">
+                    <a16:rowId xmlns:a16="http://schemas.microsoft.com/office/drawing/2014/main" val="3459882617"/>
+                  </a:ext>
+                </a:extLst>
+              </a:tr>
+              <a:tr h="117604">
+                <a:tc>
+                  <a:txBody>
+                    <a:bodyPr/>
+                    <a:lstStyle/>
+                    <a:p>
+                      <a:pPr algn="l" fontAlgn="ctr"/>
+                      <a:r>
+                        <a:rPr lang="ko-KR" altLang="en-US" sz="600" u="none" strike="noStrike">
+                          <a:effectLst/>
+                        </a:rPr>
+                        <a:t>외부주소</a:t>
+                      </a:r>
+                      <a:endParaRPr lang="ko-KR" altLang="en-US" sz="600" b="1" i="0" u="none" strike="noStrike">
+                        <a:solidFill>
+                          <a:srgbClr val="000000"/>
+                        </a:solidFill>
+                        <a:effectLst/>
+                        <a:latin typeface="맑은 고딕" panose="020B0503020000020004" pitchFamily="50" charset="-127"/>
+                        <a:ea typeface="맑은 고딕" panose="020B0503020000020004" pitchFamily="50" charset="-127"/>
+                      </a:endParaRPr>
+                    </a:p>
+                  </a:txBody>
+                  <a:tcPr marL="5346" marR="5346" marT="5346" marB="0" anchor="ctr"/>
+                </a:tc>
+                <a:tc>
+                  <a:txBody>
+                    <a:bodyPr/>
+                    <a:lstStyle/>
+                    <a:p>
+                      <a:pPr algn="l" fontAlgn="ctr"/>
+                      <a:r>
+                        <a:rPr lang="en-US" sz="600" u="none" strike="noStrike">
+                          <a:effectLst/>
+                        </a:rPr>
+                        <a:t>S22_PinB.ADV</a:t>
+                      </a:r>
+                      <a:endParaRPr lang="en-US" sz="600" b="1" i="0" u="none" strike="noStrike">
+                        <a:solidFill>
+                          <a:srgbClr val="000000"/>
+                        </a:solidFill>
+                        <a:effectLst/>
+                        <a:latin typeface="맑은 고딕" panose="020B0503020000020004" pitchFamily="50" charset="-127"/>
+                        <a:ea typeface="맑은 고딕" panose="020B0503020000020004" pitchFamily="50" charset="-127"/>
+                      </a:endParaRPr>
+                    </a:p>
+                  </a:txBody>
+                  <a:tcPr marL="5346" marR="5346" marT="5346" marB="0" anchor="ctr"/>
+                </a:tc>
+                <a:tc>
+                  <a:txBody>
+                    <a:bodyPr/>
+                    <a:lstStyle/>
+                    <a:p>
+                      <a:pPr algn="l" fontAlgn="ctr"/>
+                      <a:r>
+                        <a:rPr lang="en-US" sz="600" u="none" strike="noStrike">
+                          <a:effectLst/>
+                        </a:rPr>
+                        <a:t>bool</a:t>
+                      </a:r>
+                      <a:endParaRPr lang="en-US" sz="600" b="1" i="0" u="none" strike="noStrike">
+                        <a:solidFill>
+                          <a:srgbClr val="000000"/>
+                        </a:solidFill>
+                        <a:effectLst/>
+                        <a:latin typeface="맑은 고딕" panose="020B0503020000020004" pitchFamily="50" charset="-127"/>
+                        <a:ea typeface="맑은 고딕" panose="020B0503020000020004" pitchFamily="50" charset="-127"/>
+                      </a:endParaRPr>
+                    </a:p>
+                  </a:txBody>
+                  <a:tcPr marL="5346" marR="5346" marT="5346" marB="0" anchor="ctr"/>
+                </a:tc>
+                <a:tc>
+                  <a:txBody>
+                    <a:bodyPr/>
+                    <a:lstStyle/>
+                    <a:p>
+                      <a:pPr algn="l" fontAlgn="ctr"/>
+                      <a:r>
+                        <a:rPr lang="en-US" sz="600" u="none" strike="noStrike">
+                          <a:effectLst/>
+                        </a:rPr>
+                        <a:t>I10</a:t>
+                      </a:r>
+                      <a:endParaRPr lang="en-US" sz="600" b="1" i="0" u="none" strike="noStrike">
+                        <a:solidFill>
+                          <a:srgbClr val="000000"/>
+                        </a:solidFill>
+                        <a:effectLst/>
+                        <a:latin typeface="맑은 고딕" panose="020B0503020000020004" pitchFamily="50" charset="-127"/>
+                        <a:ea typeface="맑은 고딕" panose="020B0503020000020004" pitchFamily="50" charset="-127"/>
+                      </a:endParaRPr>
+                    </a:p>
+                  </a:txBody>
+                  <a:tcPr marL="5346" marR="5346" marT="5346" marB="0" anchor="ctr"/>
+                </a:tc>
+                <a:tc>
+                  <a:txBody>
+                    <a:bodyPr/>
+                    <a:lstStyle/>
+                    <a:p>
+                      <a:pPr algn="l" fontAlgn="ctr"/>
+                      <a:r>
+                        <a:rPr lang="en-US" sz="600" u="none" strike="noStrike">
+                          <a:effectLst/>
+                        </a:rPr>
+                        <a:t>O10</a:t>
+                      </a:r>
+                      <a:endParaRPr lang="en-US" sz="600" b="1" i="0" u="none" strike="noStrike">
+                        <a:solidFill>
+                          <a:srgbClr val="000000"/>
+                        </a:solidFill>
+                        <a:effectLst/>
+                        <a:latin typeface="맑은 고딕" panose="020B0503020000020004" pitchFamily="50" charset="-127"/>
+                        <a:ea typeface="맑은 고딕" panose="020B0503020000020004" pitchFamily="50" charset="-127"/>
+                      </a:endParaRPr>
+                    </a:p>
+                  </a:txBody>
+                  <a:tcPr marL="5346" marR="5346" marT="5346" marB="0" anchor="ctr"/>
+                </a:tc>
+                <a:tc>
+                  <a:txBody>
+                    <a:bodyPr/>
+                    <a:lstStyle/>
+                    <a:p>
+                      <a:pPr algn="l" fontAlgn="ctr"/>
+                      <a:r>
+                        <a:rPr lang="en-US" sz="600" u="none" strike="noStrike">
+                          <a:effectLst/>
+                        </a:rPr>
+                        <a:t>S22_PinB_ADV</a:t>
+                      </a:r>
+                      <a:endParaRPr lang="en-US" sz="600" b="1" i="0" u="none" strike="noStrike">
+                        <a:solidFill>
+                          <a:srgbClr val="000000"/>
+                        </a:solidFill>
+                        <a:effectLst/>
+                        <a:latin typeface="맑은 고딕" panose="020B0503020000020004" pitchFamily="50" charset="-127"/>
+                        <a:ea typeface="맑은 고딕" panose="020B0503020000020004" pitchFamily="50" charset="-127"/>
+                      </a:endParaRPr>
+                    </a:p>
+                  </a:txBody>
+                  <a:tcPr marL="5346" marR="5346" marT="5346" marB="0" anchor="ctr"/>
+                </a:tc>
+                <a:tc>
+                  <a:txBody>
+                    <a:bodyPr/>
+                    <a:lstStyle/>
+                    <a:p>
+                      <a:pPr algn="l" fontAlgn="ctr"/>
+                      <a:r>
+                        <a:rPr lang="ko-KR" altLang="en-US" sz="600" u="none" strike="noStrike">
+                          <a:effectLst/>
+                        </a:rPr>
+                        <a:t>　</a:t>
+                      </a:r>
+                      <a:endParaRPr lang="ko-KR" altLang="en-US" sz="600" b="1" i="0" u="none" strike="noStrike">
+                        <a:solidFill>
+                          <a:srgbClr val="000000"/>
+                        </a:solidFill>
+                        <a:effectLst/>
+                        <a:latin typeface="맑은 고딕" panose="020B0503020000020004" pitchFamily="50" charset="-127"/>
+                        <a:ea typeface="맑은 고딕" panose="020B0503020000020004" pitchFamily="50" charset="-127"/>
+                      </a:endParaRPr>
+                    </a:p>
+                  </a:txBody>
+                  <a:tcPr marL="5346" marR="5346" marT="5346" marB="0" anchor="ctr"/>
+                </a:tc>
+                <a:extLst>
+                  <a:ext uri="{0D108BD9-81ED-4DB2-BD59-A6C34878D82A}">
+                    <a16:rowId xmlns:a16="http://schemas.microsoft.com/office/drawing/2014/main" val="2752306482"/>
+                  </a:ext>
+                </a:extLst>
+              </a:tr>
+              <a:tr h="117604">
+                <a:tc>
+                  <a:txBody>
+                    <a:bodyPr/>
+                    <a:lstStyle/>
+                    <a:p>
+                      <a:pPr algn="l" fontAlgn="ctr"/>
+                      <a:r>
+                        <a:rPr lang="ko-KR" altLang="en-US" sz="600" u="none" strike="noStrike">
+                          <a:effectLst/>
+                        </a:rPr>
+                        <a:t>외부주소</a:t>
+                      </a:r>
+                      <a:endParaRPr lang="ko-KR" altLang="en-US" sz="600" b="1" i="0" u="none" strike="noStrike">
+                        <a:solidFill>
+                          <a:srgbClr val="000000"/>
+                        </a:solidFill>
+                        <a:effectLst/>
+                        <a:latin typeface="맑은 고딕" panose="020B0503020000020004" pitchFamily="50" charset="-127"/>
+                        <a:ea typeface="맑은 고딕" panose="020B0503020000020004" pitchFamily="50" charset="-127"/>
+                      </a:endParaRPr>
+                    </a:p>
+                  </a:txBody>
+                  <a:tcPr marL="5346" marR="5346" marT="5346" marB="0" anchor="ctr"/>
+                </a:tc>
+                <a:tc>
+                  <a:txBody>
+                    <a:bodyPr/>
+                    <a:lstStyle/>
+                    <a:p>
+                      <a:pPr algn="l" fontAlgn="ctr"/>
+                      <a:r>
+                        <a:rPr lang="en-US" sz="600" u="none" strike="noStrike">
+                          <a:effectLst/>
+                        </a:rPr>
+                        <a:t>S22_PinB.RET</a:t>
+                      </a:r>
+                      <a:endParaRPr lang="en-US" sz="600" b="1" i="0" u="none" strike="noStrike">
+                        <a:solidFill>
+                          <a:srgbClr val="000000"/>
+                        </a:solidFill>
+                        <a:effectLst/>
+                        <a:latin typeface="맑은 고딕" panose="020B0503020000020004" pitchFamily="50" charset="-127"/>
+                        <a:ea typeface="맑은 고딕" panose="020B0503020000020004" pitchFamily="50" charset="-127"/>
+                      </a:endParaRPr>
+                    </a:p>
+                  </a:txBody>
+                  <a:tcPr marL="5346" marR="5346" marT="5346" marB="0" anchor="ctr"/>
+                </a:tc>
+                <a:tc>
+                  <a:txBody>
+                    <a:bodyPr/>
+                    <a:lstStyle/>
+                    <a:p>
+                      <a:pPr algn="l" fontAlgn="ctr"/>
+                      <a:r>
+                        <a:rPr lang="en-US" sz="600" u="none" strike="noStrike">
+                          <a:effectLst/>
+                        </a:rPr>
+                        <a:t>bool</a:t>
+                      </a:r>
+                      <a:endParaRPr lang="en-US" sz="600" b="1" i="0" u="none" strike="noStrike">
+                        <a:solidFill>
+                          <a:srgbClr val="000000"/>
+                        </a:solidFill>
+                        <a:effectLst/>
+                        <a:latin typeface="맑은 고딕" panose="020B0503020000020004" pitchFamily="50" charset="-127"/>
+                        <a:ea typeface="맑은 고딕" panose="020B0503020000020004" pitchFamily="50" charset="-127"/>
+                      </a:endParaRPr>
+                    </a:p>
+                  </a:txBody>
+                  <a:tcPr marL="5346" marR="5346" marT="5346" marB="0" anchor="ctr"/>
+                </a:tc>
+                <a:tc>
+                  <a:txBody>
+                    <a:bodyPr/>
+                    <a:lstStyle/>
+                    <a:p>
+                      <a:pPr algn="l" fontAlgn="ctr"/>
+                      <a:r>
+                        <a:rPr lang="en-US" sz="600" u="none" strike="noStrike">
+                          <a:effectLst/>
+                        </a:rPr>
+                        <a:t>I11</a:t>
+                      </a:r>
+                      <a:endParaRPr lang="en-US" sz="600" b="1" i="0" u="none" strike="noStrike">
+                        <a:solidFill>
+                          <a:srgbClr val="000000"/>
+                        </a:solidFill>
+                        <a:effectLst/>
+                        <a:latin typeface="맑은 고딕" panose="020B0503020000020004" pitchFamily="50" charset="-127"/>
+                        <a:ea typeface="맑은 고딕" panose="020B0503020000020004" pitchFamily="50" charset="-127"/>
+                      </a:endParaRPr>
+                    </a:p>
+                  </a:txBody>
+                  <a:tcPr marL="5346" marR="5346" marT="5346" marB="0" anchor="ctr"/>
+                </a:tc>
+                <a:tc>
+                  <a:txBody>
+                    <a:bodyPr/>
+                    <a:lstStyle/>
+                    <a:p>
+                      <a:pPr algn="l" fontAlgn="ctr"/>
+                      <a:r>
+                        <a:rPr lang="en-US" sz="600" u="none" strike="noStrike">
+                          <a:effectLst/>
+                        </a:rPr>
+                        <a:t>O11</a:t>
+                      </a:r>
+                      <a:endParaRPr lang="en-US" sz="600" b="1" i="0" u="none" strike="noStrike">
+                        <a:solidFill>
+                          <a:srgbClr val="000000"/>
+                        </a:solidFill>
+                        <a:effectLst/>
+                        <a:latin typeface="맑은 고딕" panose="020B0503020000020004" pitchFamily="50" charset="-127"/>
+                        <a:ea typeface="맑은 고딕" panose="020B0503020000020004" pitchFamily="50" charset="-127"/>
+                      </a:endParaRPr>
+                    </a:p>
+                  </a:txBody>
+                  <a:tcPr marL="5346" marR="5346" marT="5346" marB="0" anchor="ctr"/>
+                </a:tc>
+                <a:tc>
+                  <a:txBody>
+                    <a:bodyPr/>
+                    <a:lstStyle/>
+                    <a:p>
+                      <a:pPr algn="l" fontAlgn="ctr"/>
+                      <a:r>
+                        <a:rPr lang="en-US" sz="600" u="none" strike="noStrike">
+                          <a:effectLst/>
+                        </a:rPr>
+                        <a:t>S22_PinB_RET</a:t>
+                      </a:r>
+                      <a:endParaRPr lang="en-US" sz="600" b="1" i="0" u="none" strike="noStrike">
+                        <a:solidFill>
+                          <a:srgbClr val="000000"/>
+                        </a:solidFill>
+                        <a:effectLst/>
+                        <a:latin typeface="맑은 고딕" panose="020B0503020000020004" pitchFamily="50" charset="-127"/>
+                        <a:ea typeface="맑은 고딕" panose="020B0503020000020004" pitchFamily="50" charset="-127"/>
+                      </a:endParaRPr>
+                    </a:p>
+                  </a:txBody>
+                  <a:tcPr marL="5346" marR="5346" marT="5346" marB="0" anchor="ctr"/>
+                </a:tc>
+                <a:tc>
+                  <a:txBody>
+                    <a:bodyPr/>
+                    <a:lstStyle/>
+                    <a:p>
+                      <a:pPr algn="l" fontAlgn="ctr"/>
+                      <a:r>
+                        <a:rPr lang="ko-KR" altLang="en-US" sz="600" u="none" strike="noStrike">
+                          <a:effectLst/>
+                        </a:rPr>
+                        <a:t>　</a:t>
+                      </a:r>
+                      <a:endParaRPr lang="ko-KR" altLang="en-US" sz="600" b="1" i="0" u="none" strike="noStrike">
+                        <a:solidFill>
+                          <a:srgbClr val="000000"/>
+                        </a:solidFill>
+                        <a:effectLst/>
+                        <a:latin typeface="맑은 고딕" panose="020B0503020000020004" pitchFamily="50" charset="-127"/>
+                        <a:ea typeface="맑은 고딕" panose="020B0503020000020004" pitchFamily="50" charset="-127"/>
+                      </a:endParaRPr>
+                    </a:p>
+                  </a:txBody>
+                  <a:tcPr marL="5346" marR="5346" marT="5346" marB="0" anchor="ctr"/>
+                </a:tc>
+                <a:extLst>
+                  <a:ext uri="{0D108BD9-81ED-4DB2-BD59-A6C34878D82A}">
+                    <a16:rowId xmlns:a16="http://schemas.microsoft.com/office/drawing/2014/main" val="224908568"/>
+                  </a:ext>
+                </a:extLst>
+              </a:tr>
+              <a:tr h="117604">
+                <a:tc>
+                  <a:txBody>
+                    <a:bodyPr/>
+                    <a:lstStyle/>
+                    <a:p>
+                      <a:pPr algn="l" fontAlgn="ctr"/>
+                      <a:r>
+                        <a:rPr lang="en-US" altLang="ko-KR" sz="600" u="none" strike="noStrike">
+                          <a:effectLst/>
+                        </a:rPr>
+                        <a:t>-</a:t>
+                      </a:r>
+                      <a:endParaRPr lang="en-US" altLang="ko-KR" sz="600" b="1" i="0" u="none" strike="noStrike">
+                        <a:solidFill>
+                          <a:srgbClr val="000000"/>
+                        </a:solidFill>
+                        <a:effectLst/>
+                        <a:latin typeface="맑은 고딕" panose="020B0503020000020004" pitchFamily="50" charset="-127"/>
+                        <a:ea typeface="맑은 고딕" panose="020B0503020000020004" pitchFamily="50" charset="-127"/>
+                      </a:endParaRPr>
+                    </a:p>
+                  </a:txBody>
+                  <a:tcPr marL="5346" marR="5346" marT="5346" marB="0" anchor="ctr"/>
+                </a:tc>
+                <a:tc>
+                  <a:txBody>
+                    <a:bodyPr/>
+                    <a:lstStyle/>
+                    <a:p>
+                      <a:pPr algn="l" fontAlgn="ctr"/>
+                      <a:r>
+                        <a:rPr lang="en-US" altLang="ko-KR" sz="600" u="none" strike="noStrike">
+                          <a:effectLst/>
+                        </a:rPr>
+                        <a:t>-</a:t>
+                      </a:r>
+                      <a:endParaRPr lang="en-US" altLang="ko-KR" sz="600" b="1" i="0" u="none" strike="noStrike">
+                        <a:solidFill>
+                          <a:srgbClr val="000000"/>
+                        </a:solidFill>
+                        <a:effectLst/>
+                        <a:latin typeface="맑은 고딕" panose="020B0503020000020004" pitchFamily="50" charset="-127"/>
+                        <a:ea typeface="맑은 고딕" panose="020B0503020000020004" pitchFamily="50" charset="-127"/>
+                      </a:endParaRPr>
+                    </a:p>
+                  </a:txBody>
+                  <a:tcPr marL="5346" marR="5346" marT="5346" marB="0" anchor="ctr"/>
+                </a:tc>
+                <a:tc>
+                  <a:txBody>
+                    <a:bodyPr/>
+                    <a:lstStyle/>
+                    <a:p>
+                      <a:pPr algn="l" fontAlgn="ctr"/>
+                      <a:r>
+                        <a:rPr lang="en-US" altLang="ko-KR" sz="600" u="none" strike="noStrike">
+                          <a:effectLst/>
+                        </a:rPr>
+                        <a:t>-</a:t>
+                      </a:r>
+                      <a:endParaRPr lang="en-US" altLang="ko-KR" sz="600" b="1" i="0" u="none" strike="noStrike">
+                        <a:solidFill>
+                          <a:srgbClr val="000000"/>
+                        </a:solidFill>
+                        <a:effectLst/>
+                        <a:latin typeface="맑은 고딕" panose="020B0503020000020004" pitchFamily="50" charset="-127"/>
+                        <a:ea typeface="맑은 고딕" panose="020B0503020000020004" pitchFamily="50" charset="-127"/>
+                      </a:endParaRPr>
+                    </a:p>
+                  </a:txBody>
+                  <a:tcPr marL="5346" marR="5346" marT="5346" marB="0" anchor="ctr"/>
+                </a:tc>
+                <a:tc>
+                  <a:txBody>
+                    <a:bodyPr/>
+                    <a:lstStyle/>
+                    <a:p>
+                      <a:pPr algn="l" fontAlgn="ctr"/>
+                      <a:r>
+                        <a:rPr lang="en-US" altLang="ko-KR" sz="600" u="none" strike="noStrike">
+                          <a:effectLst/>
+                        </a:rPr>
+                        <a:t>-</a:t>
+                      </a:r>
+                      <a:endParaRPr lang="en-US" altLang="ko-KR" sz="600" b="1" i="0" u="none" strike="noStrike">
+                        <a:solidFill>
+                          <a:srgbClr val="000000"/>
+                        </a:solidFill>
+                        <a:effectLst/>
+                        <a:latin typeface="맑은 고딕" panose="020B0503020000020004" pitchFamily="50" charset="-127"/>
+                        <a:ea typeface="맑은 고딕" panose="020B0503020000020004" pitchFamily="50" charset="-127"/>
+                      </a:endParaRPr>
+                    </a:p>
+                  </a:txBody>
+                  <a:tcPr marL="5346" marR="5346" marT="5346" marB="0" anchor="ctr"/>
+                </a:tc>
+                <a:tc>
+                  <a:txBody>
+                    <a:bodyPr/>
+                    <a:lstStyle/>
+                    <a:p>
+                      <a:pPr algn="l" fontAlgn="ctr"/>
+                      <a:r>
+                        <a:rPr lang="en-US" altLang="ko-KR" sz="600" u="none" strike="noStrike">
+                          <a:effectLst/>
+                        </a:rPr>
+                        <a:t>-</a:t>
+                      </a:r>
+                      <a:endParaRPr lang="en-US" altLang="ko-KR" sz="600" b="1" i="0" u="none" strike="noStrike">
+                        <a:solidFill>
+                          <a:srgbClr val="000000"/>
+                        </a:solidFill>
+                        <a:effectLst/>
+                        <a:latin typeface="맑은 고딕" panose="020B0503020000020004" pitchFamily="50" charset="-127"/>
+                        <a:ea typeface="맑은 고딕" panose="020B0503020000020004" pitchFamily="50" charset="-127"/>
+                      </a:endParaRPr>
+                    </a:p>
+                  </a:txBody>
+                  <a:tcPr marL="5346" marR="5346" marT="5346" marB="0" anchor="ctr"/>
+                </a:tc>
+                <a:tc>
+                  <a:txBody>
+                    <a:bodyPr/>
+                    <a:lstStyle/>
+                    <a:p>
+                      <a:pPr algn="l" fontAlgn="ctr"/>
+                      <a:r>
+                        <a:rPr lang="en-US" altLang="ko-KR" sz="600" u="none" strike="noStrike">
+                          <a:effectLst/>
+                        </a:rPr>
+                        <a:t>-</a:t>
+                      </a:r>
+                      <a:endParaRPr lang="en-US" altLang="ko-KR" sz="600" b="1" i="0" u="none" strike="noStrike">
+                        <a:solidFill>
+                          <a:srgbClr val="000000"/>
+                        </a:solidFill>
+                        <a:effectLst/>
+                        <a:latin typeface="맑은 고딕" panose="020B0503020000020004" pitchFamily="50" charset="-127"/>
+                        <a:ea typeface="맑은 고딕" panose="020B0503020000020004" pitchFamily="50" charset="-127"/>
+                      </a:endParaRPr>
+                    </a:p>
+                  </a:txBody>
+                  <a:tcPr marL="5346" marR="5346" marT="5346" marB="0" anchor="ctr"/>
+                </a:tc>
+                <a:tc>
+                  <a:txBody>
+                    <a:bodyPr/>
+                    <a:lstStyle/>
+                    <a:p>
+                      <a:pPr algn="l" fontAlgn="ctr"/>
+                      <a:r>
+                        <a:rPr lang="en-US" altLang="ko-KR" sz="600" u="none" strike="noStrike">
+                          <a:effectLst/>
+                        </a:rPr>
+                        <a:t>-</a:t>
+                      </a:r>
+                      <a:endParaRPr lang="en-US" altLang="ko-KR" sz="600" b="1" i="0" u="none" strike="noStrike">
+                        <a:solidFill>
+                          <a:srgbClr val="000000"/>
+                        </a:solidFill>
+                        <a:effectLst/>
+                        <a:latin typeface="맑은 고딕" panose="020B0503020000020004" pitchFamily="50" charset="-127"/>
+                        <a:ea typeface="맑은 고딕" panose="020B0503020000020004" pitchFamily="50" charset="-127"/>
+                      </a:endParaRPr>
+                    </a:p>
+                  </a:txBody>
+                  <a:tcPr marL="5346" marR="5346" marT="5346" marB="0" anchor="ctr"/>
+                </a:tc>
+                <a:extLst>
+                  <a:ext uri="{0D108BD9-81ED-4DB2-BD59-A6C34878D82A}">
+                    <a16:rowId xmlns:a16="http://schemas.microsoft.com/office/drawing/2014/main" val="1151663972"/>
+                  </a:ext>
+                </a:extLst>
+              </a:tr>
+              <a:tr h="117604">
+                <a:tc>
+                  <a:txBody>
+                    <a:bodyPr/>
+                    <a:lstStyle/>
+                    <a:p>
+                      <a:pPr algn="l" fontAlgn="ctr"/>
+                      <a:r>
+                        <a:rPr lang="en-US" altLang="ko-KR" sz="600" u="none" strike="noStrike">
+                          <a:effectLst/>
+                        </a:rPr>
+                        <a:t>-</a:t>
+                      </a:r>
+                      <a:endParaRPr lang="en-US" altLang="ko-KR" sz="600" b="1" i="0" u="none" strike="noStrike">
+                        <a:solidFill>
+                          <a:srgbClr val="000000"/>
+                        </a:solidFill>
+                        <a:effectLst/>
+                        <a:latin typeface="맑은 고딕" panose="020B0503020000020004" pitchFamily="50" charset="-127"/>
+                        <a:ea typeface="맑은 고딕" panose="020B0503020000020004" pitchFamily="50" charset="-127"/>
+                      </a:endParaRPr>
+                    </a:p>
+                  </a:txBody>
+                  <a:tcPr marL="5346" marR="5346" marT="5346" marB="0" anchor="ctr"/>
+                </a:tc>
+                <a:tc>
+                  <a:txBody>
+                    <a:bodyPr/>
+                    <a:lstStyle/>
+                    <a:p>
+                      <a:pPr algn="l" fontAlgn="ctr"/>
+                      <a:r>
+                        <a:rPr lang="en-US" altLang="ko-KR" sz="600" u="none" strike="noStrike">
+                          <a:effectLst/>
+                        </a:rPr>
+                        <a:t>-</a:t>
+                      </a:r>
+                      <a:endParaRPr lang="en-US" altLang="ko-KR" sz="600" b="1" i="0" u="none" strike="noStrike">
+                        <a:solidFill>
+                          <a:srgbClr val="000000"/>
+                        </a:solidFill>
+                        <a:effectLst/>
+                        <a:latin typeface="맑은 고딕" panose="020B0503020000020004" pitchFamily="50" charset="-127"/>
+                        <a:ea typeface="맑은 고딕" panose="020B0503020000020004" pitchFamily="50" charset="-127"/>
+                      </a:endParaRPr>
+                    </a:p>
+                  </a:txBody>
+                  <a:tcPr marL="5346" marR="5346" marT="5346" marB="0" anchor="ctr"/>
+                </a:tc>
+                <a:tc>
+                  <a:txBody>
+                    <a:bodyPr/>
+                    <a:lstStyle/>
+                    <a:p>
+                      <a:pPr algn="l" fontAlgn="ctr"/>
+                      <a:r>
+                        <a:rPr lang="en-US" altLang="ko-KR" sz="600" u="none" strike="noStrike">
+                          <a:effectLst/>
+                        </a:rPr>
+                        <a:t>-</a:t>
+                      </a:r>
+                      <a:endParaRPr lang="en-US" altLang="ko-KR" sz="600" b="1" i="0" u="none" strike="noStrike">
+                        <a:solidFill>
+                          <a:srgbClr val="000000"/>
+                        </a:solidFill>
+                        <a:effectLst/>
+                        <a:latin typeface="맑은 고딕" panose="020B0503020000020004" pitchFamily="50" charset="-127"/>
+                        <a:ea typeface="맑은 고딕" panose="020B0503020000020004" pitchFamily="50" charset="-127"/>
+                      </a:endParaRPr>
+                    </a:p>
+                  </a:txBody>
+                  <a:tcPr marL="5346" marR="5346" marT="5346" marB="0" anchor="ctr"/>
+                </a:tc>
+                <a:tc>
+                  <a:txBody>
+                    <a:bodyPr/>
+                    <a:lstStyle/>
+                    <a:p>
+                      <a:pPr algn="l" fontAlgn="ctr"/>
+                      <a:r>
+                        <a:rPr lang="en-US" altLang="ko-KR" sz="600" u="none" strike="noStrike">
+                          <a:effectLst/>
+                        </a:rPr>
+                        <a:t>-</a:t>
+                      </a:r>
+                      <a:endParaRPr lang="en-US" altLang="ko-KR" sz="600" b="1" i="0" u="none" strike="noStrike">
+                        <a:solidFill>
+                          <a:srgbClr val="000000"/>
+                        </a:solidFill>
+                        <a:effectLst/>
+                        <a:latin typeface="맑은 고딕" panose="020B0503020000020004" pitchFamily="50" charset="-127"/>
+                        <a:ea typeface="맑은 고딕" panose="020B0503020000020004" pitchFamily="50" charset="-127"/>
+                      </a:endParaRPr>
+                    </a:p>
+                  </a:txBody>
+                  <a:tcPr marL="5346" marR="5346" marT="5346" marB="0" anchor="ctr"/>
+                </a:tc>
+                <a:tc>
+                  <a:txBody>
+                    <a:bodyPr/>
+                    <a:lstStyle/>
+                    <a:p>
+                      <a:pPr algn="l" fontAlgn="ctr"/>
+                      <a:r>
+                        <a:rPr lang="en-US" altLang="ko-KR" sz="600" u="none" strike="noStrike">
+                          <a:effectLst/>
+                        </a:rPr>
+                        <a:t>-</a:t>
+                      </a:r>
+                      <a:endParaRPr lang="en-US" altLang="ko-KR" sz="600" b="1" i="0" u="none" strike="noStrike">
+                        <a:solidFill>
+                          <a:srgbClr val="000000"/>
+                        </a:solidFill>
+                        <a:effectLst/>
+                        <a:latin typeface="맑은 고딕" panose="020B0503020000020004" pitchFamily="50" charset="-127"/>
+                        <a:ea typeface="맑은 고딕" panose="020B0503020000020004" pitchFamily="50" charset="-127"/>
+                      </a:endParaRPr>
+                    </a:p>
+                  </a:txBody>
+                  <a:tcPr marL="5346" marR="5346" marT="5346" marB="0" anchor="ctr"/>
+                </a:tc>
+                <a:tc>
+                  <a:txBody>
+                    <a:bodyPr/>
+                    <a:lstStyle/>
+                    <a:p>
+                      <a:pPr algn="l" fontAlgn="ctr"/>
+                      <a:r>
+                        <a:rPr lang="en-US" altLang="ko-KR" sz="600" u="none" strike="noStrike">
+                          <a:effectLst/>
+                        </a:rPr>
+                        <a:t>-</a:t>
+                      </a:r>
+                      <a:endParaRPr lang="en-US" altLang="ko-KR" sz="600" b="1" i="0" u="none" strike="noStrike">
+                        <a:solidFill>
+                          <a:srgbClr val="000000"/>
+                        </a:solidFill>
+                        <a:effectLst/>
+                        <a:latin typeface="맑은 고딕" panose="020B0503020000020004" pitchFamily="50" charset="-127"/>
+                        <a:ea typeface="맑은 고딕" panose="020B0503020000020004" pitchFamily="50" charset="-127"/>
+                      </a:endParaRPr>
+                    </a:p>
+                  </a:txBody>
+                  <a:tcPr marL="5346" marR="5346" marT="5346" marB="0" anchor="ctr"/>
+                </a:tc>
+                <a:tc>
+                  <a:txBody>
+                    <a:bodyPr/>
+                    <a:lstStyle/>
+                    <a:p>
+                      <a:pPr algn="l" fontAlgn="ctr"/>
+                      <a:r>
+                        <a:rPr lang="en-US" altLang="ko-KR" sz="600" u="none" strike="noStrike">
+                          <a:effectLst/>
+                        </a:rPr>
+                        <a:t>-</a:t>
+                      </a:r>
+                      <a:endParaRPr lang="en-US" altLang="ko-KR" sz="600" b="1" i="0" u="none" strike="noStrike">
+                        <a:solidFill>
+                          <a:srgbClr val="000000"/>
+                        </a:solidFill>
+                        <a:effectLst/>
+                        <a:latin typeface="맑은 고딕" panose="020B0503020000020004" pitchFamily="50" charset="-127"/>
+                        <a:ea typeface="맑은 고딕" panose="020B0503020000020004" pitchFamily="50" charset="-127"/>
+                      </a:endParaRPr>
+                    </a:p>
+                  </a:txBody>
+                  <a:tcPr marL="5346" marR="5346" marT="5346" marB="0" anchor="ctr"/>
+                </a:tc>
+                <a:extLst>
+                  <a:ext uri="{0D108BD9-81ED-4DB2-BD59-A6C34878D82A}">
+                    <a16:rowId xmlns:a16="http://schemas.microsoft.com/office/drawing/2014/main" val="2413862811"/>
+                  </a:ext>
+                </a:extLst>
+              </a:tr>
+              <a:tr h="117604">
+                <a:tc>
+                  <a:txBody>
+                    <a:bodyPr/>
+                    <a:lstStyle/>
+                    <a:p>
+                      <a:pPr algn="l" fontAlgn="ctr"/>
+                      <a:r>
+                        <a:rPr lang="en-US" altLang="ko-KR" sz="600" u="none" strike="noStrike">
+                          <a:effectLst/>
+                        </a:rPr>
+                        <a:t>-</a:t>
+                      </a:r>
+                      <a:endParaRPr lang="en-US" altLang="ko-KR" sz="600" b="1" i="0" u="none" strike="noStrike">
+                        <a:solidFill>
+                          <a:srgbClr val="000000"/>
+                        </a:solidFill>
+                        <a:effectLst/>
+                        <a:latin typeface="맑은 고딕" panose="020B0503020000020004" pitchFamily="50" charset="-127"/>
+                        <a:ea typeface="맑은 고딕" panose="020B0503020000020004" pitchFamily="50" charset="-127"/>
+                      </a:endParaRPr>
+                    </a:p>
+                  </a:txBody>
+                  <a:tcPr marL="5346" marR="5346" marT="5346" marB="0" anchor="ctr"/>
+                </a:tc>
+                <a:tc>
+                  <a:txBody>
+                    <a:bodyPr/>
+                    <a:lstStyle/>
+                    <a:p>
+                      <a:pPr algn="l" fontAlgn="ctr"/>
+                      <a:r>
+                        <a:rPr lang="en-US" altLang="ko-KR" sz="600" u="none" strike="noStrike">
+                          <a:effectLst/>
+                        </a:rPr>
+                        <a:t>-</a:t>
+                      </a:r>
+                      <a:endParaRPr lang="en-US" altLang="ko-KR" sz="600" b="1" i="0" u="none" strike="noStrike">
+                        <a:solidFill>
+                          <a:srgbClr val="000000"/>
+                        </a:solidFill>
+                        <a:effectLst/>
+                        <a:latin typeface="맑은 고딕" panose="020B0503020000020004" pitchFamily="50" charset="-127"/>
+                        <a:ea typeface="맑은 고딕" panose="020B0503020000020004" pitchFamily="50" charset="-127"/>
+                      </a:endParaRPr>
+                    </a:p>
+                  </a:txBody>
+                  <a:tcPr marL="5346" marR="5346" marT="5346" marB="0" anchor="ctr"/>
+                </a:tc>
+                <a:tc>
+                  <a:txBody>
+                    <a:bodyPr/>
+                    <a:lstStyle/>
+                    <a:p>
+                      <a:pPr algn="l" fontAlgn="ctr"/>
+                      <a:r>
+                        <a:rPr lang="en-US" altLang="ko-KR" sz="600" u="none" strike="noStrike">
+                          <a:effectLst/>
+                        </a:rPr>
+                        <a:t>-</a:t>
+                      </a:r>
+                      <a:endParaRPr lang="en-US" altLang="ko-KR" sz="600" b="1" i="0" u="none" strike="noStrike">
+                        <a:solidFill>
+                          <a:srgbClr val="000000"/>
+                        </a:solidFill>
+                        <a:effectLst/>
+                        <a:latin typeface="맑은 고딕" panose="020B0503020000020004" pitchFamily="50" charset="-127"/>
+                        <a:ea typeface="맑은 고딕" panose="020B0503020000020004" pitchFamily="50" charset="-127"/>
+                      </a:endParaRPr>
+                    </a:p>
+                  </a:txBody>
+                  <a:tcPr marL="5346" marR="5346" marT="5346" marB="0" anchor="ctr"/>
+                </a:tc>
+                <a:tc>
+                  <a:txBody>
+                    <a:bodyPr/>
+                    <a:lstStyle/>
+                    <a:p>
+                      <a:pPr algn="l" fontAlgn="ctr"/>
+                      <a:r>
+                        <a:rPr lang="en-US" altLang="ko-KR" sz="600" u="none" strike="noStrike">
+                          <a:effectLst/>
+                        </a:rPr>
+                        <a:t>-</a:t>
+                      </a:r>
+                      <a:endParaRPr lang="en-US" altLang="ko-KR" sz="600" b="1" i="0" u="none" strike="noStrike">
+                        <a:solidFill>
+                          <a:srgbClr val="000000"/>
+                        </a:solidFill>
+                        <a:effectLst/>
+                        <a:latin typeface="맑은 고딕" panose="020B0503020000020004" pitchFamily="50" charset="-127"/>
+                        <a:ea typeface="맑은 고딕" panose="020B0503020000020004" pitchFamily="50" charset="-127"/>
+                      </a:endParaRPr>
+                    </a:p>
+                  </a:txBody>
+                  <a:tcPr marL="5346" marR="5346" marT="5346" marB="0" anchor="ctr"/>
+                </a:tc>
+                <a:tc>
+                  <a:txBody>
+                    <a:bodyPr/>
+                    <a:lstStyle/>
+                    <a:p>
+                      <a:pPr algn="l" fontAlgn="ctr"/>
+                      <a:r>
+                        <a:rPr lang="en-US" altLang="ko-KR" sz="600" u="none" strike="noStrike">
+                          <a:effectLst/>
+                        </a:rPr>
+                        <a:t>-</a:t>
+                      </a:r>
+                      <a:endParaRPr lang="en-US" altLang="ko-KR" sz="600" b="1" i="0" u="none" strike="noStrike">
+                        <a:solidFill>
+                          <a:srgbClr val="000000"/>
+                        </a:solidFill>
+                        <a:effectLst/>
+                        <a:latin typeface="맑은 고딕" panose="020B0503020000020004" pitchFamily="50" charset="-127"/>
+                        <a:ea typeface="맑은 고딕" panose="020B0503020000020004" pitchFamily="50" charset="-127"/>
+                      </a:endParaRPr>
+                    </a:p>
+                  </a:txBody>
+                  <a:tcPr marL="5346" marR="5346" marT="5346" marB="0" anchor="ctr"/>
+                </a:tc>
+                <a:tc>
+                  <a:txBody>
+                    <a:bodyPr/>
+                    <a:lstStyle/>
+                    <a:p>
+                      <a:pPr algn="l" fontAlgn="ctr"/>
+                      <a:r>
+                        <a:rPr lang="en-US" altLang="ko-KR" sz="600" u="none" strike="noStrike">
+                          <a:effectLst/>
+                        </a:rPr>
+                        <a:t>-</a:t>
+                      </a:r>
+                      <a:endParaRPr lang="en-US" altLang="ko-KR" sz="600" b="1" i="0" u="none" strike="noStrike">
+                        <a:solidFill>
+                          <a:srgbClr val="000000"/>
+                        </a:solidFill>
+                        <a:effectLst/>
+                        <a:latin typeface="맑은 고딕" panose="020B0503020000020004" pitchFamily="50" charset="-127"/>
+                        <a:ea typeface="맑은 고딕" panose="020B0503020000020004" pitchFamily="50" charset="-127"/>
+                      </a:endParaRPr>
+                    </a:p>
+                  </a:txBody>
+                  <a:tcPr marL="5346" marR="5346" marT="5346" marB="0" anchor="ctr"/>
+                </a:tc>
+                <a:tc>
+                  <a:txBody>
+                    <a:bodyPr/>
+                    <a:lstStyle/>
+                    <a:p>
+                      <a:pPr algn="l" fontAlgn="ctr"/>
+                      <a:r>
+                        <a:rPr lang="en-US" altLang="ko-KR" sz="600" u="none" strike="noStrike">
+                          <a:effectLst/>
+                        </a:rPr>
+                        <a:t>-</a:t>
+                      </a:r>
+                      <a:endParaRPr lang="en-US" altLang="ko-KR" sz="600" b="1" i="0" u="none" strike="noStrike">
+                        <a:solidFill>
+                          <a:srgbClr val="000000"/>
+                        </a:solidFill>
+                        <a:effectLst/>
+                        <a:latin typeface="맑은 고딕" panose="020B0503020000020004" pitchFamily="50" charset="-127"/>
+                        <a:ea typeface="맑은 고딕" panose="020B0503020000020004" pitchFamily="50" charset="-127"/>
+                      </a:endParaRPr>
+                    </a:p>
+                  </a:txBody>
+                  <a:tcPr marL="5346" marR="5346" marT="5346" marB="0" anchor="ctr"/>
+                </a:tc>
+                <a:extLst>
+                  <a:ext uri="{0D108BD9-81ED-4DB2-BD59-A6C34878D82A}">
+                    <a16:rowId xmlns:a16="http://schemas.microsoft.com/office/drawing/2014/main" val="201288852"/>
+                  </a:ext>
+                </a:extLst>
+              </a:tr>
+              <a:tr h="117604">
+                <a:tc>
+                  <a:txBody>
+                    <a:bodyPr/>
+                    <a:lstStyle/>
+                    <a:p>
+                      <a:pPr algn="l" fontAlgn="ctr"/>
+                      <a:r>
+                        <a:rPr lang="en-US" altLang="ko-KR" sz="600" u="none" strike="noStrike">
+                          <a:effectLst/>
+                        </a:rPr>
+                        <a:t>-</a:t>
+                      </a:r>
+                      <a:endParaRPr lang="en-US" altLang="ko-KR" sz="600" b="1" i="0" u="none" strike="noStrike">
+                        <a:solidFill>
+                          <a:srgbClr val="000000"/>
+                        </a:solidFill>
+                        <a:effectLst/>
+                        <a:latin typeface="맑은 고딕" panose="020B0503020000020004" pitchFamily="50" charset="-127"/>
+                        <a:ea typeface="맑은 고딕" panose="020B0503020000020004" pitchFamily="50" charset="-127"/>
+                      </a:endParaRPr>
+                    </a:p>
+                  </a:txBody>
+                  <a:tcPr marL="5346" marR="5346" marT="5346" marB="0" anchor="ctr"/>
+                </a:tc>
+                <a:tc>
+                  <a:txBody>
+                    <a:bodyPr/>
+                    <a:lstStyle/>
+                    <a:p>
+                      <a:pPr algn="l" fontAlgn="ctr"/>
+                      <a:r>
+                        <a:rPr lang="en-US" altLang="ko-KR" sz="600" u="none" strike="noStrike">
+                          <a:effectLst/>
+                        </a:rPr>
+                        <a:t>-</a:t>
+                      </a:r>
+                      <a:endParaRPr lang="en-US" altLang="ko-KR" sz="600" b="1" i="0" u="none" strike="noStrike">
+                        <a:solidFill>
+                          <a:srgbClr val="000000"/>
+                        </a:solidFill>
+                        <a:effectLst/>
+                        <a:latin typeface="맑은 고딕" panose="020B0503020000020004" pitchFamily="50" charset="-127"/>
+                        <a:ea typeface="맑은 고딕" panose="020B0503020000020004" pitchFamily="50" charset="-127"/>
+                      </a:endParaRPr>
+                    </a:p>
+                  </a:txBody>
+                  <a:tcPr marL="5346" marR="5346" marT="5346" marB="0" anchor="ctr"/>
+                </a:tc>
+                <a:tc>
+                  <a:txBody>
+                    <a:bodyPr/>
+                    <a:lstStyle/>
+                    <a:p>
+                      <a:pPr algn="l" fontAlgn="ctr"/>
+                      <a:r>
+                        <a:rPr lang="en-US" altLang="ko-KR" sz="600" u="none" strike="noStrike">
+                          <a:effectLst/>
+                        </a:rPr>
+                        <a:t>-</a:t>
+                      </a:r>
+                      <a:endParaRPr lang="en-US" altLang="ko-KR" sz="600" b="1" i="0" u="none" strike="noStrike">
+                        <a:solidFill>
+                          <a:srgbClr val="000000"/>
+                        </a:solidFill>
+                        <a:effectLst/>
+                        <a:latin typeface="맑은 고딕" panose="020B0503020000020004" pitchFamily="50" charset="-127"/>
+                        <a:ea typeface="맑은 고딕" panose="020B0503020000020004" pitchFamily="50" charset="-127"/>
+                      </a:endParaRPr>
+                    </a:p>
+                  </a:txBody>
+                  <a:tcPr marL="5346" marR="5346" marT="5346" marB="0" anchor="ctr"/>
+                </a:tc>
+                <a:tc>
+                  <a:txBody>
+                    <a:bodyPr/>
+                    <a:lstStyle/>
+                    <a:p>
+                      <a:pPr algn="l" fontAlgn="ctr"/>
+                      <a:r>
+                        <a:rPr lang="en-US" altLang="ko-KR" sz="600" u="none" strike="noStrike">
+                          <a:effectLst/>
+                        </a:rPr>
+                        <a:t>-</a:t>
+                      </a:r>
+                      <a:endParaRPr lang="en-US" altLang="ko-KR" sz="600" b="1" i="0" u="none" strike="noStrike">
+                        <a:solidFill>
+                          <a:srgbClr val="000000"/>
+                        </a:solidFill>
+                        <a:effectLst/>
+                        <a:latin typeface="맑은 고딕" panose="020B0503020000020004" pitchFamily="50" charset="-127"/>
+                        <a:ea typeface="맑은 고딕" panose="020B0503020000020004" pitchFamily="50" charset="-127"/>
+                      </a:endParaRPr>
+                    </a:p>
+                  </a:txBody>
+                  <a:tcPr marL="5346" marR="5346" marT="5346" marB="0" anchor="ctr"/>
+                </a:tc>
+                <a:tc>
+                  <a:txBody>
+                    <a:bodyPr/>
+                    <a:lstStyle/>
+                    <a:p>
+                      <a:pPr algn="l" fontAlgn="ctr"/>
+                      <a:r>
+                        <a:rPr lang="en-US" altLang="ko-KR" sz="600" u="none" strike="noStrike">
+                          <a:effectLst/>
+                        </a:rPr>
+                        <a:t>-</a:t>
+                      </a:r>
+                      <a:endParaRPr lang="en-US" altLang="ko-KR" sz="600" b="1" i="0" u="none" strike="noStrike">
+                        <a:solidFill>
+                          <a:srgbClr val="000000"/>
+                        </a:solidFill>
+                        <a:effectLst/>
+                        <a:latin typeface="맑은 고딕" panose="020B0503020000020004" pitchFamily="50" charset="-127"/>
+                        <a:ea typeface="맑은 고딕" panose="020B0503020000020004" pitchFamily="50" charset="-127"/>
+                      </a:endParaRPr>
+                    </a:p>
+                  </a:txBody>
+                  <a:tcPr marL="5346" marR="5346" marT="5346" marB="0" anchor="ctr"/>
+                </a:tc>
+                <a:tc>
+                  <a:txBody>
+                    <a:bodyPr/>
+                    <a:lstStyle/>
+                    <a:p>
+                      <a:pPr algn="l" fontAlgn="ctr"/>
+                      <a:r>
+                        <a:rPr lang="en-US" altLang="ko-KR" sz="600" u="none" strike="noStrike">
+                          <a:effectLst/>
+                        </a:rPr>
+                        <a:t>-</a:t>
+                      </a:r>
+                      <a:endParaRPr lang="en-US" altLang="ko-KR" sz="600" b="1" i="0" u="none" strike="noStrike">
+                        <a:solidFill>
+                          <a:srgbClr val="000000"/>
+                        </a:solidFill>
+                        <a:effectLst/>
+                        <a:latin typeface="맑은 고딕" panose="020B0503020000020004" pitchFamily="50" charset="-127"/>
+                        <a:ea typeface="맑은 고딕" panose="020B0503020000020004" pitchFamily="50" charset="-127"/>
+                      </a:endParaRPr>
+                    </a:p>
+                  </a:txBody>
+                  <a:tcPr marL="5346" marR="5346" marT="5346" marB="0" anchor="ctr"/>
+                </a:tc>
+                <a:tc>
+                  <a:txBody>
+                    <a:bodyPr/>
+                    <a:lstStyle/>
+                    <a:p>
+                      <a:pPr algn="l" fontAlgn="ctr"/>
+                      <a:r>
+                        <a:rPr lang="en-US" altLang="ko-KR" sz="600" u="none" strike="noStrike">
+                          <a:effectLst/>
+                        </a:rPr>
+                        <a:t>-</a:t>
+                      </a:r>
+                      <a:endParaRPr lang="en-US" altLang="ko-KR" sz="600" b="1" i="0" u="none" strike="noStrike">
+                        <a:solidFill>
+                          <a:srgbClr val="000000"/>
+                        </a:solidFill>
+                        <a:effectLst/>
+                        <a:latin typeface="맑은 고딕" panose="020B0503020000020004" pitchFamily="50" charset="-127"/>
+                        <a:ea typeface="맑은 고딕" panose="020B0503020000020004" pitchFamily="50" charset="-127"/>
+                      </a:endParaRPr>
+                    </a:p>
+                  </a:txBody>
+                  <a:tcPr marL="5346" marR="5346" marT="5346" marB="0" anchor="ctr"/>
+                </a:tc>
+                <a:extLst>
+                  <a:ext uri="{0D108BD9-81ED-4DB2-BD59-A6C34878D82A}">
+                    <a16:rowId xmlns:a16="http://schemas.microsoft.com/office/drawing/2014/main" val="2013773713"/>
+                  </a:ext>
+                </a:extLst>
+              </a:tr>
+              <a:tr h="117604">
+                <a:tc>
+                  <a:txBody>
+                    <a:bodyPr/>
+                    <a:lstStyle/>
+                    <a:p>
+                      <a:pPr algn="l" fontAlgn="ctr"/>
+                      <a:r>
+                        <a:rPr lang="en-US" altLang="ko-KR" sz="600" u="none" strike="noStrike">
+                          <a:effectLst/>
+                        </a:rPr>
+                        <a:t>-</a:t>
+                      </a:r>
+                      <a:endParaRPr lang="en-US" altLang="ko-KR" sz="600" b="1" i="0" u="none" strike="noStrike">
+                        <a:solidFill>
+                          <a:srgbClr val="000000"/>
+                        </a:solidFill>
+                        <a:effectLst/>
+                        <a:latin typeface="맑은 고딕" panose="020B0503020000020004" pitchFamily="50" charset="-127"/>
+                        <a:ea typeface="맑은 고딕" panose="020B0503020000020004" pitchFamily="50" charset="-127"/>
+                      </a:endParaRPr>
+                    </a:p>
+                  </a:txBody>
+                  <a:tcPr marL="5346" marR="5346" marT="5346" marB="0" anchor="ctr"/>
+                </a:tc>
+                <a:tc>
+                  <a:txBody>
+                    <a:bodyPr/>
+                    <a:lstStyle/>
+                    <a:p>
+                      <a:pPr algn="l" fontAlgn="ctr"/>
+                      <a:r>
+                        <a:rPr lang="en-US" altLang="ko-KR" sz="600" u="none" strike="noStrike">
+                          <a:effectLst/>
+                        </a:rPr>
+                        <a:t>-</a:t>
+                      </a:r>
+                      <a:endParaRPr lang="en-US" altLang="ko-KR" sz="600" b="1" i="0" u="none" strike="noStrike">
+                        <a:solidFill>
+                          <a:srgbClr val="000000"/>
+                        </a:solidFill>
+                        <a:effectLst/>
+                        <a:latin typeface="맑은 고딕" panose="020B0503020000020004" pitchFamily="50" charset="-127"/>
+                        <a:ea typeface="맑은 고딕" panose="020B0503020000020004" pitchFamily="50" charset="-127"/>
+                      </a:endParaRPr>
+                    </a:p>
+                  </a:txBody>
+                  <a:tcPr marL="5346" marR="5346" marT="5346" marB="0" anchor="ctr"/>
+                </a:tc>
+                <a:tc>
+                  <a:txBody>
+                    <a:bodyPr/>
+                    <a:lstStyle/>
+                    <a:p>
+                      <a:pPr algn="l" fontAlgn="ctr"/>
+                      <a:r>
+                        <a:rPr lang="en-US" altLang="ko-KR" sz="600" u="none" strike="noStrike">
+                          <a:effectLst/>
+                        </a:rPr>
+                        <a:t>-</a:t>
+                      </a:r>
+                      <a:endParaRPr lang="en-US" altLang="ko-KR" sz="600" b="1" i="0" u="none" strike="noStrike">
+                        <a:solidFill>
+                          <a:srgbClr val="000000"/>
+                        </a:solidFill>
+                        <a:effectLst/>
+                        <a:latin typeface="맑은 고딕" panose="020B0503020000020004" pitchFamily="50" charset="-127"/>
+                        <a:ea typeface="맑은 고딕" panose="020B0503020000020004" pitchFamily="50" charset="-127"/>
+                      </a:endParaRPr>
+                    </a:p>
+                  </a:txBody>
+                  <a:tcPr marL="5346" marR="5346" marT="5346" marB="0" anchor="ctr"/>
+                </a:tc>
+                <a:tc>
+                  <a:txBody>
+                    <a:bodyPr/>
+                    <a:lstStyle/>
+                    <a:p>
+                      <a:pPr algn="l" fontAlgn="ctr"/>
+                      <a:r>
+                        <a:rPr lang="en-US" altLang="ko-KR" sz="600" u="none" strike="noStrike">
+                          <a:effectLst/>
+                        </a:rPr>
+                        <a:t>-</a:t>
+                      </a:r>
+                      <a:endParaRPr lang="en-US" altLang="ko-KR" sz="600" b="1" i="0" u="none" strike="noStrike">
+                        <a:solidFill>
+                          <a:srgbClr val="000000"/>
+                        </a:solidFill>
+                        <a:effectLst/>
+                        <a:latin typeface="맑은 고딕" panose="020B0503020000020004" pitchFamily="50" charset="-127"/>
+                        <a:ea typeface="맑은 고딕" panose="020B0503020000020004" pitchFamily="50" charset="-127"/>
+                      </a:endParaRPr>
+                    </a:p>
+                  </a:txBody>
+                  <a:tcPr marL="5346" marR="5346" marT="5346" marB="0" anchor="ctr"/>
+                </a:tc>
+                <a:tc>
+                  <a:txBody>
+                    <a:bodyPr/>
+                    <a:lstStyle/>
+                    <a:p>
+                      <a:pPr algn="l" fontAlgn="ctr"/>
+                      <a:r>
+                        <a:rPr lang="en-US" altLang="ko-KR" sz="600" u="none" strike="noStrike">
+                          <a:effectLst/>
+                        </a:rPr>
+                        <a:t>-</a:t>
+                      </a:r>
+                      <a:endParaRPr lang="en-US" altLang="ko-KR" sz="600" b="1" i="0" u="none" strike="noStrike">
+                        <a:solidFill>
+                          <a:srgbClr val="000000"/>
+                        </a:solidFill>
+                        <a:effectLst/>
+                        <a:latin typeface="맑은 고딕" panose="020B0503020000020004" pitchFamily="50" charset="-127"/>
+                        <a:ea typeface="맑은 고딕" panose="020B0503020000020004" pitchFamily="50" charset="-127"/>
+                      </a:endParaRPr>
+                    </a:p>
+                  </a:txBody>
+                  <a:tcPr marL="5346" marR="5346" marT="5346" marB="0" anchor="ctr"/>
+                </a:tc>
+                <a:tc>
+                  <a:txBody>
+                    <a:bodyPr/>
+                    <a:lstStyle/>
+                    <a:p>
+                      <a:pPr algn="l" fontAlgn="ctr"/>
+                      <a:r>
+                        <a:rPr lang="en-US" altLang="ko-KR" sz="600" u="none" strike="noStrike">
+                          <a:effectLst/>
+                        </a:rPr>
+                        <a:t>-</a:t>
+                      </a:r>
+                      <a:endParaRPr lang="en-US" altLang="ko-KR" sz="600" b="1" i="0" u="none" strike="noStrike">
+                        <a:solidFill>
+                          <a:srgbClr val="000000"/>
+                        </a:solidFill>
+                        <a:effectLst/>
+                        <a:latin typeface="맑은 고딕" panose="020B0503020000020004" pitchFamily="50" charset="-127"/>
+                        <a:ea typeface="맑은 고딕" panose="020B0503020000020004" pitchFamily="50" charset="-127"/>
+                      </a:endParaRPr>
+                    </a:p>
+                  </a:txBody>
+                  <a:tcPr marL="5346" marR="5346" marT="5346" marB="0" anchor="ctr"/>
+                </a:tc>
+                <a:tc>
+                  <a:txBody>
+                    <a:bodyPr/>
+                    <a:lstStyle/>
+                    <a:p>
+                      <a:pPr algn="l" fontAlgn="ctr"/>
+                      <a:r>
+                        <a:rPr lang="en-US" altLang="ko-KR" sz="600" u="none" strike="noStrike">
+                          <a:effectLst/>
+                        </a:rPr>
+                        <a:t>-</a:t>
+                      </a:r>
+                      <a:endParaRPr lang="en-US" altLang="ko-KR" sz="600" b="1" i="0" u="none" strike="noStrike">
+                        <a:solidFill>
+                          <a:srgbClr val="000000"/>
+                        </a:solidFill>
+                        <a:effectLst/>
+                        <a:latin typeface="맑은 고딕" panose="020B0503020000020004" pitchFamily="50" charset="-127"/>
+                        <a:ea typeface="맑은 고딕" panose="020B0503020000020004" pitchFamily="50" charset="-127"/>
+                      </a:endParaRPr>
+                    </a:p>
+                  </a:txBody>
+                  <a:tcPr marL="5346" marR="5346" marT="5346" marB="0" anchor="ctr"/>
+                </a:tc>
+                <a:extLst>
+                  <a:ext uri="{0D108BD9-81ED-4DB2-BD59-A6C34878D82A}">
+                    <a16:rowId xmlns:a16="http://schemas.microsoft.com/office/drawing/2014/main" val="2567058099"/>
+                  </a:ext>
+                </a:extLst>
+              </a:tr>
+              <a:tr h="117604">
+                <a:tc>
+                  <a:txBody>
+                    <a:bodyPr/>
+                    <a:lstStyle/>
+                    <a:p>
+                      <a:pPr algn="l" fontAlgn="ctr"/>
+                      <a:r>
+                        <a:rPr lang="en-US" altLang="ko-KR" sz="600" u="none" strike="noStrike">
+                          <a:effectLst/>
+                        </a:rPr>
+                        <a:t>-</a:t>
+                      </a:r>
+                      <a:endParaRPr lang="en-US" altLang="ko-KR" sz="600" b="1" i="0" u="none" strike="noStrike">
+                        <a:solidFill>
+                          <a:srgbClr val="000000"/>
+                        </a:solidFill>
+                        <a:effectLst/>
+                        <a:latin typeface="맑은 고딕" panose="020B0503020000020004" pitchFamily="50" charset="-127"/>
+                        <a:ea typeface="맑은 고딕" panose="020B0503020000020004" pitchFamily="50" charset="-127"/>
+                      </a:endParaRPr>
+                    </a:p>
+                  </a:txBody>
+                  <a:tcPr marL="5346" marR="5346" marT="5346" marB="0" anchor="ctr"/>
+                </a:tc>
+                <a:tc>
+                  <a:txBody>
+                    <a:bodyPr/>
+                    <a:lstStyle/>
+                    <a:p>
+                      <a:pPr algn="l" fontAlgn="ctr"/>
+                      <a:r>
+                        <a:rPr lang="en-US" altLang="ko-KR" sz="600" u="none" strike="noStrike">
+                          <a:effectLst/>
+                        </a:rPr>
+                        <a:t>-</a:t>
+                      </a:r>
+                      <a:endParaRPr lang="en-US" altLang="ko-KR" sz="600" b="1" i="0" u="none" strike="noStrike">
+                        <a:solidFill>
+                          <a:srgbClr val="000000"/>
+                        </a:solidFill>
+                        <a:effectLst/>
+                        <a:latin typeface="맑은 고딕" panose="020B0503020000020004" pitchFamily="50" charset="-127"/>
+                        <a:ea typeface="맑은 고딕" panose="020B0503020000020004" pitchFamily="50" charset="-127"/>
+                      </a:endParaRPr>
+                    </a:p>
+                  </a:txBody>
+                  <a:tcPr marL="5346" marR="5346" marT="5346" marB="0" anchor="ctr"/>
+                </a:tc>
+                <a:tc>
+                  <a:txBody>
+                    <a:bodyPr/>
+                    <a:lstStyle/>
+                    <a:p>
+                      <a:pPr algn="l" fontAlgn="ctr"/>
+                      <a:r>
+                        <a:rPr lang="en-US" altLang="ko-KR" sz="600" u="none" strike="noStrike">
+                          <a:effectLst/>
+                        </a:rPr>
+                        <a:t>-</a:t>
+                      </a:r>
+                      <a:endParaRPr lang="en-US" altLang="ko-KR" sz="600" b="1" i="0" u="none" strike="noStrike">
+                        <a:solidFill>
+                          <a:srgbClr val="000000"/>
+                        </a:solidFill>
+                        <a:effectLst/>
+                        <a:latin typeface="맑은 고딕" panose="020B0503020000020004" pitchFamily="50" charset="-127"/>
+                        <a:ea typeface="맑은 고딕" panose="020B0503020000020004" pitchFamily="50" charset="-127"/>
+                      </a:endParaRPr>
+                    </a:p>
+                  </a:txBody>
+                  <a:tcPr marL="5346" marR="5346" marT="5346" marB="0" anchor="ctr"/>
+                </a:tc>
+                <a:tc>
+                  <a:txBody>
+                    <a:bodyPr/>
+                    <a:lstStyle/>
+                    <a:p>
+                      <a:pPr algn="l" fontAlgn="ctr"/>
+                      <a:r>
+                        <a:rPr lang="en-US" altLang="ko-KR" sz="600" u="none" strike="noStrike">
+                          <a:effectLst/>
+                        </a:rPr>
+                        <a:t>-</a:t>
+                      </a:r>
+                      <a:endParaRPr lang="en-US" altLang="ko-KR" sz="600" b="1" i="0" u="none" strike="noStrike">
+                        <a:solidFill>
+                          <a:srgbClr val="000000"/>
+                        </a:solidFill>
+                        <a:effectLst/>
+                        <a:latin typeface="맑은 고딕" panose="020B0503020000020004" pitchFamily="50" charset="-127"/>
+                        <a:ea typeface="맑은 고딕" panose="020B0503020000020004" pitchFamily="50" charset="-127"/>
+                      </a:endParaRPr>
+                    </a:p>
+                  </a:txBody>
+                  <a:tcPr marL="5346" marR="5346" marT="5346" marB="0" anchor="ctr"/>
+                </a:tc>
+                <a:tc>
+                  <a:txBody>
+                    <a:bodyPr/>
+                    <a:lstStyle/>
+                    <a:p>
+                      <a:pPr algn="l" fontAlgn="ctr"/>
+                      <a:r>
+                        <a:rPr lang="en-US" altLang="ko-KR" sz="600" u="none" strike="noStrike">
+                          <a:effectLst/>
+                        </a:rPr>
+                        <a:t>-</a:t>
+                      </a:r>
+                      <a:endParaRPr lang="en-US" altLang="ko-KR" sz="600" b="1" i="0" u="none" strike="noStrike">
+                        <a:solidFill>
+                          <a:srgbClr val="000000"/>
+                        </a:solidFill>
+                        <a:effectLst/>
+                        <a:latin typeface="맑은 고딕" panose="020B0503020000020004" pitchFamily="50" charset="-127"/>
+                        <a:ea typeface="맑은 고딕" panose="020B0503020000020004" pitchFamily="50" charset="-127"/>
+                      </a:endParaRPr>
+                    </a:p>
+                  </a:txBody>
+                  <a:tcPr marL="5346" marR="5346" marT="5346" marB="0" anchor="ctr"/>
+                </a:tc>
+                <a:tc>
+                  <a:txBody>
+                    <a:bodyPr/>
+                    <a:lstStyle/>
+                    <a:p>
+                      <a:pPr algn="l" fontAlgn="ctr"/>
+                      <a:r>
+                        <a:rPr lang="en-US" altLang="ko-KR" sz="600" u="none" strike="noStrike">
+                          <a:effectLst/>
+                        </a:rPr>
+                        <a:t>-</a:t>
+                      </a:r>
+                      <a:endParaRPr lang="en-US" altLang="ko-KR" sz="600" b="1" i="0" u="none" strike="noStrike">
+                        <a:solidFill>
+                          <a:srgbClr val="000000"/>
+                        </a:solidFill>
+                        <a:effectLst/>
+                        <a:latin typeface="맑은 고딕" panose="020B0503020000020004" pitchFamily="50" charset="-127"/>
+                        <a:ea typeface="맑은 고딕" panose="020B0503020000020004" pitchFamily="50" charset="-127"/>
+                      </a:endParaRPr>
+                    </a:p>
+                  </a:txBody>
+                  <a:tcPr marL="5346" marR="5346" marT="5346" marB="0" anchor="ctr"/>
+                </a:tc>
+                <a:tc>
+                  <a:txBody>
+                    <a:bodyPr/>
+                    <a:lstStyle/>
+                    <a:p>
+                      <a:pPr algn="l" fontAlgn="ctr"/>
+                      <a:r>
+                        <a:rPr lang="en-US" altLang="ko-KR" sz="600" u="none" strike="noStrike">
+                          <a:effectLst/>
+                        </a:rPr>
+                        <a:t>-</a:t>
+                      </a:r>
+                      <a:endParaRPr lang="en-US" altLang="ko-KR" sz="600" b="1" i="0" u="none" strike="noStrike">
+                        <a:solidFill>
+                          <a:srgbClr val="000000"/>
+                        </a:solidFill>
+                        <a:effectLst/>
+                        <a:latin typeface="맑은 고딕" panose="020B0503020000020004" pitchFamily="50" charset="-127"/>
+                        <a:ea typeface="맑은 고딕" panose="020B0503020000020004" pitchFamily="50" charset="-127"/>
+                      </a:endParaRPr>
+                    </a:p>
+                  </a:txBody>
+                  <a:tcPr marL="5346" marR="5346" marT="5346" marB="0" anchor="ctr"/>
+                </a:tc>
+                <a:extLst>
+                  <a:ext uri="{0D108BD9-81ED-4DB2-BD59-A6C34878D82A}">
+                    <a16:rowId xmlns:a16="http://schemas.microsoft.com/office/drawing/2014/main" val="301714425"/>
+                  </a:ext>
+                </a:extLst>
+              </a:tr>
+              <a:tr h="117604">
+                <a:tc>
+                  <a:txBody>
+                    <a:bodyPr/>
+                    <a:lstStyle/>
+                    <a:p>
+                      <a:pPr algn="l" fontAlgn="ctr"/>
+                      <a:r>
+                        <a:rPr lang="ko-KR" altLang="en-US" sz="600" u="none" strike="noStrike">
+                          <a:effectLst/>
+                        </a:rPr>
+                        <a:t>내부변수</a:t>
+                      </a:r>
+                      <a:endParaRPr lang="ko-KR" altLang="en-US" sz="600" b="1" i="0" u="none" strike="noStrike">
+                        <a:solidFill>
+                          <a:srgbClr val="000000"/>
+                        </a:solidFill>
+                        <a:effectLst/>
+                        <a:latin typeface="맑은 고딕" panose="020B0503020000020004" pitchFamily="50" charset="-127"/>
+                        <a:ea typeface="맑은 고딕" panose="020B0503020000020004" pitchFamily="50" charset="-127"/>
+                      </a:endParaRPr>
+                    </a:p>
+                  </a:txBody>
+                  <a:tcPr marL="5346" marR="5346" marT="5346" marB="0" anchor="ctr"/>
+                </a:tc>
+                <a:tc>
+                  <a:txBody>
+                    <a:bodyPr/>
+                    <a:lstStyle/>
+                    <a:p>
+                      <a:pPr algn="l" fontAlgn="ctr"/>
+                      <a:r>
+                        <a:rPr lang="ko-KR" altLang="en-US" sz="600" u="none" strike="noStrike">
+                          <a:effectLst/>
+                        </a:rPr>
+                        <a:t>　</a:t>
+                      </a:r>
+                      <a:endParaRPr lang="ko-KR" altLang="en-US" sz="600" b="1" i="0" u="none" strike="noStrike">
+                        <a:solidFill>
+                          <a:srgbClr val="000000"/>
+                        </a:solidFill>
+                        <a:effectLst/>
+                        <a:latin typeface="맑은 고딕" panose="020B0503020000020004" pitchFamily="50" charset="-127"/>
+                        <a:ea typeface="맑은 고딕" panose="020B0503020000020004" pitchFamily="50" charset="-127"/>
+                      </a:endParaRPr>
+                    </a:p>
+                  </a:txBody>
+                  <a:tcPr marL="5346" marR="5346" marT="5346" marB="0" anchor="ctr"/>
+                </a:tc>
+                <a:tc>
+                  <a:txBody>
+                    <a:bodyPr/>
+                    <a:lstStyle/>
+                    <a:p>
+                      <a:pPr algn="l" fontAlgn="ctr"/>
+                      <a:r>
+                        <a:rPr lang="ko-KR" altLang="en-US" sz="600" u="none" strike="noStrike">
+                          <a:effectLst/>
+                        </a:rPr>
+                        <a:t>　</a:t>
+                      </a:r>
+                      <a:endParaRPr lang="ko-KR" altLang="en-US" sz="600" b="1" i="0" u="none" strike="noStrike">
+                        <a:solidFill>
+                          <a:srgbClr val="000000"/>
+                        </a:solidFill>
+                        <a:effectLst/>
+                        <a:latin typeface="맑은 고딕" panose="020B0503020000020004" pitchFamily="50" charset="-127"/>
+                        <a:ea typeface="맑은 고딕" panose="020B0503020000020004" pitchFamily="50" charset="-127"/>
+                      </a:endParaRPr>
+                    </a:p>
+                  </a:txBody>
+                  <a:tcPr marL="5346" marR="5346" marT="5346" marB="0" anchor="ctr"/>
+                </a:tc>
+                <a:tc>
+                  <a:txBody>
+                    <a:bodyPr/>
+                    <a:lstStyle/>
+                    <a:p>
+                      <a:pPr algn="l" fontAlgn="ctr"/>
+                      <a:r>
+                        <a:rPr lang="en-US" altLang="ko-KR" sz="600" u="none" strike="noStrike">
+                          <a:effectLst/>
+                        </a:rPr>
+                        <a:t>-</a:t>
+                      </a:r>
+                      <a:endParaRPr lang="en-US" altLang="ko-KR" sz="600" b="1" i="0" u="none" strike="noStrike">
+                        <a:solidFill>
+                          <a:srgbClr val="000000"/>
+                        </a:solidFill>
+                        <a:effectLst/>
+                        <a:latin typeface="맑은 고딕" panose="020B0503020000020004" pitchFamily="50" charset="-127"/>
+                        <a:ea typeface="맑은 고딕" panose="020B0503020000020004" pitchFamily="50" charset="-127"/>
+                      </a:endParaRPr>
+                    </a:p>
+                  </a:txBody>
+                  <a:tcPr marL="5346" marR="5346" marT="5346" marB="0" anchor="ctr"/>
+                </a:tc>
+                <a:tc>
+                  <a:txBody>
+                    <a:bodyPr/>
+                    <a:lstStyle/>
+                    <a:p>
+                      <a:pPr algn="l" fontAlgn="ctr"/>
+                      <a:r>
+                        <a:rPr lang="en-US" altLang="ko-KR" sz="600" u="none" strike="noStrike">
+                          <a:effectLst/>
+                        </a:rPr>
+                        <a:t>-</a:t>
+                      </a:r>
+                      <a:endParaRPr lang="en-US" altLang="ko-KR" sz="600" b="1" i="0" u="none" strike="noStrike">
+                        <a:solidFill>
+                          <a:srgbClr val="000000"/>
+                        </a:solidFill>
+                        <a:effectLst/>
+                        <a:latin typeface="맑은 고딕" panose="020B0503020000020004" pitchFamily="50" charset="-127"/>
+                        <a:ea typeface="맑은 고딕" panose="020B0503020000020004" pitchFamily="50" charset="-127"/>
+                      </a:endParaRPr>
+                    </a:p>
+                  </a:txBody>
+                  <a:tcPr marL="5346" marR="5346" marT="5346" marB="0" anchor="ctr"/>
+                </a:tc>
+                <a:tc>
+                  <a:txBody>
+                    <a:bodyPr/>
+                    <a:lstStyle/>
+                    <a:p>
+                      <a:pPr algn="l" fontAlgn="ctr"/>
+                      <a:r>
+                        <a:rPr lang="en-US" altLang="ko-KR" sz="600" u="none" strike="noStrike">
+                          <a:effectLst/>
+                        </a:rPr>
+                        <a:t>-</a:t>
+                      </a:r>
+                      <a:endParaRPr lang="en-US" altLang="ko-KR" sz="600" b="1" i="0" u="none" strike="noStrike">
+                        <a:solidFill>
+                          <a:srgbClr val="000000"/>
+                        </a:solidFill>
+                        <a:effectLst/>
+                        <a:latin typeface="맑은 고딕" panose="020B0503020000020004" pitchFamily="50" charset="-127"/>
+                        <a:ea typeface="맑은 고딕" panose="020B0503020000020004" pitchFamily="50" charset="-127"/>
+                      </a:endParaRPr>
+                    </a:p>
+                  </a:txBody>
+                  <a:tcPr marL="5346" marR="5346" marT="5346" marB="0" anchor="ctr"/>
+                </a:tc>
+                <a:tc>
+                  <a:txBody>
+                    <a:bodyPr/>
+                    <a:lstStyle/>
+                    <a:p>
+                      <a:pPr algn="l" fontAlgn="ctr"/>
+                      <a:r>
+                        <a:rPr lang="en-US" altLang="ko-KR" sz="600" u="none" strike="noStrike">
+                          <a:effectLst/>
+                        </a:rPr>
+                        <a:t>-</a:t>
+                      </a:r>
+                      <a:endParaRPr lang="en-US" altLang="ko-KR" sz="600" b="1" i="0" u="none" strike="noStrike">
+                        <a:solidFill>
+                          <a:srgbClr val="000000"/>
+                        </a:solidFill>
+                        <a:effectLst/>
+                        <a:latin typeface="맑은 고딕" panose="020B0503020000020004" pitchFamily="50" charset="-127"/>
+                        <a:ea typeface="맑은 고딕" panose="020B0503020000020004" pitchFamily="50" charset="-127"/>
+                      </a:endParaRPr>
+                    </a:p>
+                  </a:txBody>
+                  <a:tcPr marL="5346" marR="5346" marT="5346" marB="0" anchor="ctr"/>
+                </a:tc>
+                <a:extLst>
+                  <a:ext uri="{0D108BD9-81ED-4DB2-BD59-A6C34878D82A}">
+                    <a16:rowId xmlns:a16="http://schemas.microsoft.com/office/drawing/2014/main" val="2144325118"/>
+                  </a:ext>
+                </a:extLst>
+              </a:tr>
+              <a:tr h="117604">
+                <a:tc>
+                  <a:txBody>
+                    <a:bodyPr/>
+                    <a:lstStyle/>
+                    <a:p>
+                      <a:pPr algn="l" fontAlgn="ctr"/>
+                      <a:r>
+                        <a:rPr lang="en-US" altLang="ko-KR" sz="600" u="none" strike="noStrike">
+                          <a:effectLst/>
+                        </a:rPr>
+                        <a:t>-</a:t>
+                      </a:r>
+                      <a:endParaRPr lang="en-US" altLang="ko-KR" sz="600" b="1" i="0" u="none" strike="noStrike">
+                        <a:solidFill>
+                          <a:srgbClr val="000000"/>
+                        </a:solidFill>
+                        <a:effectLst/>
+                        <a:latin typeface="맑은 고딕" panose="020B0503020000020004" pitchFamily="50" charset="-127"/>
+                        <a:ea typeface="맑은 고딕" panose="020B0503020000020004" pitchFamily="50" charset="-127"/>
+                      </a:endParaRPr>
+                    </a:p>
+                  </a:txBody>
+                  <a:tcPr marL="5346" marR="5346" marT="5346" marB="0" anchor="ctr"/>
+                </a:tc>
+                <a:tc>
+                  <a:txBody>
+                    <a:bodyPr/>
+                    <a:lstStyle/>
+                    <a:p>
+                      <a:pPr algn="l" fontAlgn="ctr"/>
+                      <a:r>
+                        <a:rPr lang="en-US" altLang="ko-KR" sz="600" u="none" strike="noStrike">
+                          <a:effectLst/>
+                        </a:rPr>
+                        <a:t>-</a:t>
+                      </a:r>
+                      <a:endParaRPr lang="en-US" altLang="ko-KR" sz="600" b="1" i="0" u="none" strike="noStrike">
+                        <a:solidFill>
+                          <a:srgbClr val="000000"/>
+                        </a:solidFill>
+                        <a:effectLst/>
+                        <a:latin typeface="맑은 고딕" panose="020B0503020000020004" pitchFamily="50" charset="-127"/>
+                        <a:ea typeface="맑은 고딕" panose="020B0503020000020004" pitchFamily="50" charset="-127"/>
+                      </a:endParaRPr>
+                    </a:p>
+                  </a:txBody>
+                  <a:tcPr marL="5346" marR="5346" marT="5346" marB="0" anchor="ctr"/>
+                </a:tc>
+                <a:tc>
+                  <a:txBody>
+                    <a:bodyPr/>
+                    <a:lstStyle/>
+                    <a:p>
+                      <a:pPr algn="l" fontAlgn="ctr"/>
+                      <a:r>
+                        <a:rPr lang="en-US" altLang="ko-KR" sz="600" u="none" strike="noStrike">
+                          <a:effectLst/>
+                        </a:rPr>
+                        <a:t>-</a:t>
+                      </a:r>
+                      <a:endParaRPr lang="en-US" altLang="ko-KR" sz="600" b="1" i="0" u="none" strike="noStrike">
+                        <a:solidFill>
+                          <a:srgbClr val="000000"/>
+                        </a:solidFill>
+                        <a:effectLst/>
+                        <a:latin typeface="맑은 고딕" panose="020B0503020000020004" pitchFamily="50" charset="-127"/>
+                        <a:ea typeface="맑은 고딕" panose="020B0503020000020004" pitchFamily="50" charset="-127"/>
+                      </a:endParaRPr>
+                    </a:p>
+                  </a:txBody>
+                  <a:tcPr marL="5346" marR="5346" marT="5346" marB="0" anchor="ctr"/>
+                </a:tc>
+                <a:tc>
+                  <a:txBody>
+                    <a:bodyPr/>
+                    <a:lstStyle/>
+                    <a:p>
+                      <a:pPr algn="l" fontAlgn="ctr"/>
+                      <a:r>
+                        <a:rPr lang="en-US" altLang="ko-KR" sz="600" u="none" strike="noStrike">
+                          <a:effectLst/>
+                        </a:rPr>
+                        <a:t>-</a:t>
+                      </a:r>
+                      <a:endParaRPr lang="en-US" altLang="ko-KR" sz="600" b="1" i="0" u="none" strike="noStrike">
+                        <a:solidFill>
+                          <a:srgbClr val="000000"/>
+                        </a:solidFill>
+                        <a:effectLst/>
+                        <a:latin typeface="맑은 고딕" panose="020B0503020000020004" pitchFamily="50" charset="-127"/>
+                        <a:ea typeface="맑은 고딕" panose="020B0503020000020004" pitchFamily="50" charset="-127"/>
+                      </a:endParaRPr>
+                    </a:p>
+                  </a:txBody>
+                  <a:tcPr marL="5346" marR="5346" marT="5346" marB="0" anchor="ctr"/>
+                </a:tc>
+                <a:tc>
+                  <a:txBody>
+                    <a:bodyPr/>
+                    <a:lstStyle/>
+                    <a:p>
+                      <a:pPr algn="l" fontAlgn="ctr"/>
+                      <a:r>
+                        <a:rPr lang="en-US" altLang="ko-KR" sz="600" u="none" strike="noStrike">
+                          <a:effectLst/>
+                        </a:rPr>
+                        <a:t>-</a:t>
+                      </a:r>
+                      <a:endParaRPr lang="en-US" altLang="ko-KR" sz="600" b="1" i="0" u="none" strike="noStrike">
+                        <a:solidFill>
+                          <a:srgbClr val="000000"/>
+                        </a:solidFill>
+                        <a:effectLst/>
+                        <a:latin typeface="맑은 고딕" panose="020B0503020000020004" pitchFamily="50" charset="-127"/>
+                        <a:ea typeface="맑은 고딕" panose="020B0503020000020004" pitchFamily="50" charset="-127"/>
+                      </a:endParaRPr>
+                    </a:p>
+                  </a:txBody>
+                  <a:tcPr marL="5346" marR="5346" marT="5346" marB="0" anchor="ctr"/>
+                </a:tc>
+                <a:tc>
+                  <a:txBody>
+                    <a:bodyPr/>
+                    <a:lstStyle/>
+                    <a:p>
+                      <a:pPr algn="l" fontAlgn="ctr"/>
+                      <a:r>
+                        <a:rPr lang="en-US" altLang="ko-KR" sz="600" u="none" strike="noStrike">
+                          <a:effectLst/>
+                        </a:rPr>
+                        <a:t>-</a:t>
+                      </a:r>
+                      <a:endParaRPr lang="en-US" altLang="ko-KR" sz="600" b="1" i="0" u="none" strike="noStrike">
+                        <a:solidFill>
+                          <a:srgbClr val="000000"/>
+                        </a:solidFill>
+                        <a:effectLst/>
+                        <a:latin typeface="맑은 고딕" panose="020B0503020000020004" pitchFamily="50" charset="-127"/>
+                        <a:ea typeface="맑은 고딕" panose="020B0503020000020004" pitchFamily="50" charset="-127"/>
+                      </a:endParaRPr>
+                    </a:p>
+                  </a:txBody>
+                  <a:tcPr marL="5346" marR="5346" marT="5346" marB="0" anchor="ctr"/>
+                </a:tc>
+                <a:tc>
+                  <a:txBody>
+                    <a:bodyPr/>
+                    <a:lstStyle/>
+                    <a:p>
+                      <a:pPr algn="l" fontAlgn="ctr"/>
+                      <a:r>
+                        <a:rPr lang="en-US" altLang="ko-KR" sz="600" u="none" strike="noStrike" dirty="0">
+                          <a:effectLst/>
+                        </a:rPr>
+                        <a:t>-</a:t>
+                      </a:r>
+                      <a:endParaRPr lang="en-US" altLang="ko-KR" sz="600" b="1" i="0" u="none" strike="noStrike" dirty="0">
+                        <a:solidFill>
+                          <a:srgbClr val="000000"/>
+                        </a:solidFill>
+                        <a:effectLst/>
+                        <a:latin typeface="맑은 고딕" panose="020B0503020000020004" pitchFamily="50" charset="-127"/>
+                        <a:ea typeface="맑은 고딕" panose="020B0503020000020004" pitchFamily="50" charset="-127"/>
+                      </a:endParaRPr>
+                    </a:p>
+                  </a:txBody>
+                  <a:tcPr marL="5346" marR="5346" marT="5346" marB="0" anchor="ctr"/>
+                </a:tc>
+                <a:extLst>
+                  <a:ext uri="{0D108BD9-81ED-4DB2-BD59-A6C34878D82A}">
+                    <a16:rowId xmlns:a16="http://schemas.microsoft.com/office/drawing/2014/main" val="1725567449"/>
+                  </a:ext>
+                </a:extLst>
+              </a:tr>
+            </a:tbl>
+          </a:graphicData>
+        </a:graphic>
+      </p:graphicFrame>
     </p:spTree>
     <p:extLst>
       <p:ext uri="{BB962C8B-B14F-4D97-AF65-F5344CB8AC3E}">

--- a/DsDotNet/src/UnitTest/UnitTest.Model/ImportOfficeExample/Sample/s.pptx
+++ b/DsDotNet/src/UnitTest/UnitTest.Model/ImportOfficeExample/Sample/s.pptx
@@ -241,7 +241,7 @@
           <a:p>
             <a:fld id="{DD503887-5801-43A0-AEF9-041E8DDC2558}" type="datetimeFigureOut">
               <a:rPr lang="ko-KR" altLang="en-US" smtClean="0"/>
-              <a:t>2023-08-27</a:t>
+              <a:t>2023-08-29</a:t>
             </a:fld>
             <a:endParaRPr lang="ko-KR" altLang="en-US" dirty="0"/>
           </a:p>
@@ -418,7 +418,7 @@
           <a:p>
             <a:fld id="{95336A0E-57B1-4D4C-BD9B-2F72B5943464}" type="datetimeFigureOut">
               <a:rPr lang="ko-KR" altLang="en-US" smtClean="0"/>
-              <a:t>2023-08-27</a:t>
+              <a:t>2023-08-29</a:t>
             </a:fld>
             <a:endParaRPr lang="ko-KR" altLang="en-US" dirty="0"/>
           </a:p>
@@ -923,7 +923,7 @@
           <a:p>
             <a:fld id="{229D12C7-0FF5-4972-A033-474EFFC79F40}" type="datetime1">
               <a:rPr lang="ko-KR" altLang="en-US" smtClean="0"/>
-              <a:t>2023-08-27</a:t>
+              <a:t>2023-08-29</a:t>
             </a:fld>
             <a:endParaRPr lang="ko-KR" altLang="en-US" dirty="0"/>
           </a:p>
@@ -1121,7 +1121,7 @@
           <a:p>
             <a:fld id="{5BA19FD4-B052-4F56-8FD8-EAFD078DEFB0}" type="datetime1">
               <a:rPr lang="ko-KR" altLang="en-US" smtClean="0"/>
-              <a:t>2023-08-27</a:t>
+              <a:t>2023-08-29</a:t>
             </a:fld>
             <a:endParaRPr lang="ko-KR" altLang="en-US" dirty="0"/>
           </a:p>
@@ -1329,7 +1329,7 @@
           <a:p>
             <a:fld id="{024994B9-23A6-4B0A-A038-AC140E83DAA3}" type="datetime1">
               <a:rPr lang="ko-KR" altLang="en-US" smtClean="0"/>
-              <a:t>2023-08-27</a:t>
+              <a:t>2023-08-29</a:t>
             </a:fld>
             <a:endParaRPr lang="ko-KR" altLang="en-US" dirty="0"/>
           </a:p>
@@ -1471,7 +1471,7 @@
           <a:p>
             <a:fld id="{B5B1BBC2-B738-4C35-AEE5-660EB2DEB482}" type="datetime1">
               <a:rPr lang="ko-KR" altLang="en-US" smtClean="0"/>
-              <a:t>2023-08-27</a:t>
+              <a:t>2023-08-29</a:t>
             </a:fld>
             <a:endParaRPr lang="ko-KR" altLang="en-US" dirty="0"/>
           </a:p>
@@ -6138,7 +6138,7 @@
           <a:p>
             <a:fld id="{70D0DAB2-87CB-4028-B965-3AA710ADF2CB}" type="datetime1">
               <a:rPr lang="ko-KR" altLang="en-US" smtClean="0"/>
-              <a:t>2023-08-27</a:t>
+              <a:t>2023-08-29</a:t>
             </a:fld>
             <a:endParaRPr lang="ko-KR" altLang="en-US" dirty="0"/>
           </a:p>
@@ -6413,7 +6413,7 @@
           <a:p>
             <a:fld id="{63FA3D71-FEA8-477F-9D1E-EA860F411BC7}" type="datetime1">
               <a:rPr lang="ko-KR" altLang="en-US" smtClean="0"/>
-              <a:t>2023-08-27</a:t>
+              <a:t>2023-08-29</a:t>
             </a:fld>
             <a:endParaRPr lang="ko-KR" altLang="en-US" dirty="0"/>
           </a:p>
@@ -6678,7 +6678,7 @@
           <a:p>
             <a:fld id="{F58E3EF4-7980-4C97-BA64-EC66995BB574}" type="datetime1">
               <a:rPr lang="ko-KR" altLang="en-US" smtClean="0"/>
-              <a:t>2023-08-27</a:t>
+              <a:t>2023-08-29</a:t>
             </a:fld>
             <a:endParaRPr lang="ko-KR" altLang="en-US" dirty="0"/>
           </a:p>
@@ -7090,7 +7090,7 @@
           <a:p>
             <a:fld id="{FC9BC1D0-7D6B-4634-9D19-644040D74EAE}" type="datetime1">
               <a:rPr lang="ko-KR" altLang="en-US" smtClean="0"/>
-              <a:t>2023-08-27</a:t>
+              <a:t>2023-08-29</a:t>
             </a:fld>
             <a:endParaRPr lang="ko-KR" altLang="en-US" dirty="0"/>
           </a:p>
@@ -7231,7 +7231,7 @@
           <a:p>
             <a:fld id="{B5B1BBC2-B738-4C35-AEE5-660EB2DEB482}" type="datetime1">
               <a:rPr lang="ko-KR" altLang="en-US" smtClean="0"/>
-              <a:t>2023-08-27</a:t>
+              <a:t>2023-08-29</a:t>
             </a:fld>
             <a:endParaRPr lang="ko-KR" altLang="en-US" dirty="0"/>
           </a:p>
@@ -11813,7 +11813,7 @@
           <a:p>
             <a:fld id="{C60E9F93-7E77-4F36-B88C-A425F00C8D91}" type="datetime1">
               <a:rPr lang="ko-KR" altLang="en-US" smtClean="0"/>
-              <a:t>2023-08-27</a:t>
+              <a:t>2023-08-29</a:t>
             </a:fld>
             <a:endParaRPr lang="ko-KR" altLang="en-US" dirty="0"/>
           </a:p>
@@ -12124,7 +12124,7 @@
           <a:p>
             <a:fld id="{36BCCD0E-2A54-4016-BFFC-FEAABCDA6915}" type="datetime1">
               <a:rPr lang="ko-KR" altLang="en-US" smtClean="0"/>
-              <a:t>2023-08-27</a:t>
+              <a:t>2023-08-29</a:t>
             </a:fld>
             <a:endParaRPr lang="ko-KR" altLang="en-US" dirty="0"/>
           </a:p>
@@ -12412,7 +12412,7 @@
           <a:p>
             <a:fld id="{C984B0C4-64BA-4E4C-B5E6-A51EE3F6ED95}" type="datetime1">
               <a:rPr lang="ko-KR" altLang="en-US" smtClean="0"/>
-              <a:t>2023-08-27</a:t>
+              <a:t>2023-08-29</a:t>
             </a:fld>
             <a:endParaRPr lang="ko-KR" altLang="en-US" dirty="0"/>
           </a:p>
@@ -12654,7 +12654,7 @@
           <a:p>
             <a:fld id="{C984B0C4-64BA-4E4C-B5E6-A51EE3F6ED95}" type="datetime1">
               <a:rPr lang="ko-KR" altLang="en-US" smtClean="0"/>
-              <a:t>2023-08-27</a:t>
+              <a:t>2023-08-29</a:t>
             </a:fld>
             <a:endParaRPr lang="ko-KR" altLang="en-US" dirty="0"/>
           </a:p>
@@ -13133,10 +13133,10 @@
       </p:sp>
       <p:graphicFrame>
         <p:nvGraphicFramePr>
-          <p:cNvPr id="4" name="표 3">
+          <p:cNvPr id="7" name="표 6">
             <a:extLst>
               <a:ext uri="{FF2B5EF4-FFF2-40B4-BE49-F238E27FC236}">
-                <a16:creationId xmlns:a16="http://schemas.microsoft.com/office/drawing/2014/main" id="{4D58CAFA-D9D6-2A46-7D0D-1A4B00CD578E}"/>
+                <a16:creationId xmlns:a16="http://schemas.microsoft.com/office/drawing/2014/main" id="{409C3176-9A9E-0FD3-200A-0841EF068DDB}"/>
               </a:ext>
             </a:extLst>
           </p:cNvPr>
@@ -13146,14 +13146,14 @@
           <p:nvPr>
             <p:extLst>
               <p:ext uri="{D42A27DB-BD31-4B8C-83A1-F6EECF244321}">
-                <p14:modId xmlns:p14="http://schemas.microsoft.com/office/powerpoint/2010/main" val="1746028111"/>
+                <p14:modId xmlns:p14="http://schemas.microsoft.com/office/powerpoint/2010/main" val="3782401992"/>
               </p:ext>
             </p:extLst>
           </p:nvPr>
         </p:nvGraphicFramePr>
         <p:xfrm>
-          <a:off x="8379678" y="2195250"/>
-          <a:ext cx="3535240" cy="4351348"/>
+          <a:off x="5084763" y="1254125"/>
+          <a:ext cx="2021015" cy="4351347"/>
         </p:xfrm>
         <a:graphic>
           <a:graphicData uri="http://schemas.openxmlformats.org/drawingml/2006/table">
@@ -13162,57 +13162,57 @@
                 <a:tableStyleId>{5C22544A-7EE6-4342-B048-85BDC9FD1C3A}</a:tableStyleId>
               </a:tblPr>
               <a:tblGrid>
-                <a:gridCol w="398939">
+                <a:gridCol w="198556">
                   <a:extLst>
                     <a:ext uri="{9D8B030D-6E8A-4147-A177-3AD203B41FA5}">
-                      <a16:colId xmlns:a16="http://schemas.microsoft.com/office/drawing/2014/main" val="2453668729"/>
+                      <a16:colId xmlns:a16="http://schemas.microsoft.com/office/drawing/2014/main" val="3936964135"/>
                     </a:ext>
                   </a:extLst>
                 </a:gridCol>
-                <a:gridCol w="762258">
+                <a:gridCol w="421931">
                   <a:extLst>
                     <a:ext uri="{9D8B030D-6E8A-4147-A177-3AD203B41FA5}">
-                      <a16:colId xmlns:a16="http://schemas.microsoft.com/office/drawing/2014/main" val="3932162449"/>
+                      <a16:colId xmlns:a16="http://schemas.microsoft.com/office/drawing/2014/main" val="366082257"/>
                     </a:ext>
                   </a:extLst>
                 </a:gridCol>
-                <a:gridCol w="520045">
+                <a:gridCol w="322653">
                   <a:extLst>
                     <a:ext uri="{9D8B030D-6E8A-4147-A177-3AD203B41FA5}">
-                      <a16:colId xmlns:a16="http://schemas.microsoft.com/office/drawing/2014/main" val="390501593"/>
+                      <a16:colId xmlns:a16="http://schemas.microsoft.com/office/drawing/2014/main" val="1897050685"/>
                     </a:ext>
                   </a:extLst>
                 </a:gridCol>
-                <a:gridCol w="363319">
+                <a:gridCol w="217466">
                   <a:extLst>
                     <a:ext uri="{9D8B030D-6E8A-4147-A177-3AD203B41FA5}">
-                      <a16:colId xmlns:a16="http://schemas.microsoft.com/office/drawing/2014/main" val="3612733420"/>
+                      <a16:colId xmlns:a16="http://schemas.microsoft.com/office/drawing/2014/main" val="1099460905"/>
                     </a:ext>
                   </a:extLst>
                 </a:gridCol>
-                <a:gridCol w="434559">
+                <a:gridCol w="255286">
                   <a:extLst>
                     <a:ext uri="{9D8B030D-6E8A-4147-A177-3AD203B41FA5}">
-                      <a16:colId xmlns:a16="http://schemas.microsoft.com/office/drawing/2014/main" val="2565388001"/>
+                      <a16:colId xmlns:a16="http://schemas.microsoft.com/office/drawing/2014/main" val="1798776273"/>
                     </a:ext>
                   </a:extLst>
                 </a:gridCol>
-                <a:gridCol w="719515">
+                <a:gridCol w="406567">
                   <a:extLst>
                     <a:ext uri="{9D8B030D-6E8A-4147-A177-3AD203B41FA5}">
-                      <a16:colId xmlns:a16="http://schemas.microsoft.com/office/drawing/2014/main" val="1763997463"/>
+                      <a16:colId xmlns:a16="http://schemas.microsoft.com/office/drawing/2014/main" val="3584572"/>
                     </a:ext>
                   </a:extLst>
                 </a:gridCol>
-                <a:gridCol w="336605">
+                <a:gridCol w="198556">
                   <a:extLst>
                     <a:ext uri="{9D8B030D-6E8A-4147-A177-3AD203B41FA5}">
-                      <a16:colId xmlns:a16="http://schemas.microsoft.com/office/drawing/2014/main" val="1591705495"/>
+                      <a16:colId xmlns:a16="http://schemas.microsoft.com/office/drawing/2014/main" val="3302552679"/>
                     </a:ext>
                   </a:extLst>
                 </a:gridCol>
               </a:tblGrid>
-              <a:tr h="117604">
+              <a:tr h="78095">
                 <a:tc>
                   <a:txBody>
                     <a:bodyPr/>
@@ -13220,12 +13220,12 @@
                     <a:p>
                       <a:pPr algn="l" fontAlgn="ctr"/>
                       <a:r>
-                        <a:rPr lang="en-US" sz="600" u="none" strike="noStrike">
+                        <a:rPr lang="en-US" sz="400" u="none" strike="noStrike">
                           <a:effectLst/>
                         </a:rPr>
                         <a:t>Case</a:t>
                       </a:r>
-                      <a:endParaRPr lang="en-US" sz="600" b="1" i="0" u="none" strike="noStrike">
+                      <a:endParaRPr lang="en-US" sz="400" b="0" i="0" u="none" strike="noStrike">
                         <a:solidFill>
                           <a:srgbClr val="000000"/>
                         </a:solidFill>
@@ -13235,7 +13235,7 @@
                       </a:endParaRPr>
                     </a:p>
                   </a:txBody>
-                  <a:tcPr marL="5346" marR="5346" marT="5346" marB="0" anchor="ctr"/>
+                  <a:tcPr marL="3550" marR="3550" marT="3550" marB="0" anchor="ctr"/>
                 </a:tc>
                 <a:tc>
                   <a:txBody>
@@ -13244,12 +13244,12 @@
                     <a:p>
                       <a:pPr algn="l" fontAlgn="ctr"/>
                       <a:r>
-                        <a:rPr lang="en-US" sz="600" u="none" strike="noStrike">
+                        <a:rPr lang="en-US" sz="400" u="none" strike="noStrike">
                           <a:effectLst/>
                         </a:rPr>
                         <a:t>Name</a:t>
                       </a:r>
-                      <a:endParaRPr lang="en-US" sz="600" b="1" i="0" u="none" strike="noStrike">
+                      <a:endParaRPr lang="en-US" sz="400" b="0" i="0" u="none" strike="noStrike">
                         <a:solidFill>
                           <a:srgbClr val="000000"/>
                         </a:solidFill>
@@ -13259,7 +13259,7 @@
                       </a:endParaRPr>
                     </a:p>
                   </a:txBody>
-                  <a:tcPr marL="5346" marR="5346" marT="5346" marB="0" anchor="ctr"/>
+                  <a:tcPr marL="3550" marR="3550" marT="3550" marB="0" anchor="ctr"/>
                 </a:tc>
                 <a:tc>
                   <a:txBody>
@@ -13268,12 +13268,12 @@
                     <a:p>
                       <a:pPr algn="l" fontAlgn="ctr"/>
                       <a:r>
-                        <a:rPr lang="en-US" sz="600" u="none" strike="noStrike">
+                        <a:rPr lang="en-US" sz="400" u="none" strike="noStrike">
                           <a:effectLst/>
                         </a:rPr>
-                        <a:t>DataType</a:t>
+                        <a:t>Data Type</a:t>
                       </a:r>
-                      <a:endParaRPr lang="en-US" sz="600" b="1" i="0" u="none" strike="noStrike">
+                      <a:endParaRPr lang="en-US" sz="400" b="0" i="0" u="none" strike="noStrike">
                         <a:solidFill>
                           <a:srgbClr val="000000"/>
                         </a:solidFill>
@@ -13283,7 +13283,7 @@
                       </a:endParaRPr>
                     </a:p>
                   </a:txBody>
-                  <a:tcPr marL="5346" marR="5346" marT="5346" marB="0" anchor="ctr"/>
+                  <a:tcPr marL="3550" marR="3550" marT="3550" marB="0" anchor="ctr"/>
                 </a:tc>
                 <a:tc>
                   <a:txBody>
@@ -13292,12 +13292,12 @@
                     <a:p>
                       <a:pPr algn="l" fontAlgn="ctr"/>
                       <a:r>
-                        <a:rPr lang="en-US" sz="600" u="none" strike="noStrike">
+                        <a:rPr lang="en-US" sz="400" u="none" strike="noStrike">
                           <a:effectLst/>
                         </a:rPr>
                         <a:t>Input</a:t>
                       </a:r>
-                      <a:endParaRPr lang="en-US" sz="600" b="1" i="0" u="none" strike="noStrike">
+                      <a:endParaRPr lang="en-US" sz="400" b="0" i="0" u="none" strike="noStrike">
                         <a:solidFill>
                           <a:srgbClr val="000000"/>
                         </a:solidFill>
@@ -13307,7 +13307,7 @@
                       </a:endParaRPr>
                     </a:p>
                   </a:txBody>
-                  <a:tcPr marL="5346" marR="5346" marT="5346" marB="0" anchor="ctr"/>
+                  <a:tcPr marL="3550" marR="3550" marT="3550" marB="0" anchor="ctr"/>
                 </a:tc>
                 <a:tc>
                   <a:txBody>
@@ -13316,12 +13316,12 @@
                     <a:p>
                       <a:pPr algn="l" fontAlgn="ctr"/>
                       <a:r>
-                        <a:rPr lang="en-US" sz="600" u="none" strike="noStrike">
+                        <a:rPr lang="en-US" sz="400" u="none" strike="noStrike">
                           <a:effectLst/>
                         </a:rPr>
                         <a:t>Output</a:t>
                       </a:r>
-                      <a:endParaRPr lang="en-US" sz="600" b="1" i="0" u="none" strike="noStrike">
+                      <a:endParaRPr lang="en-US" sz="400" b="0" i="0" u="none" strike="noStrike">
                         <a:solidFill>
                           <a:srgbClr val="000000"/>
                         </a:solidFill>
@@ -13331,7 +13331,7 @@
                       </a:endParaRPr>
                     </a:p>
                   </a:txBody>
-                  <a:tcPr marL="5346" marR="5346" marT="5346" marB="0" anchor="ctr"/>
+                  <a:tcPr marL="3550" marR="3550" marT="3550" marB="0" anchor="ctr"/>
                 </a:tc>
                 <a:tc>
                   <a:txBody>
@@ -13340,12 +13340,12 @@
                     <a:p>
                       <a:pPr algn="l" fontAlgn="ctr"/>
                       <a:r>
-                        <a:rPr lang="en-US" sz="600" u="none" strike="noStrike">
+                        <a:rPr lang="en-US" sz="400" u="none" strike="noStrike">
                           <a:effectLst/>
                         </a:rPr>
                         <a:t>Job</a:t>
                       </a:r>
-                      <a:endParaRPr lang="en-US" sz="600" b="1" i="0" u="none" strike="noStrike">
+                      <a:endParaRPr lang="en-US" sz="400" b="0" i="0" u="none" strike="noStrike">
                         <a:solidFill>
                           <a:srgbClr val="000000"/>
                         </a:solidFill>
@@ -13355,7 +13355,7 @@
                       </a:endParaRPr>
                     </a:p>
                   </a:txBody>
-                  <a:tcPr marL="5346" marR="5346" marT="5346" marB="0" anchor="ctr"/>
+                  <a:tcPr marL="3550" marR="3550" marT="3550" marB="0" anchor="ctr"/>
                 </a:tc>
                 <a:tc>
                   <a:txBody>
@@ -13364,12 +13364,12 @@
                     <a:p>
                       <a:pPr algn="l" fontAlgn="ctr"/>
                       <a:r>
-                        <a:rPr lang="en-US" sz="600" u="none" strike="noStrike">
+                        <a:rPr lang="en-US" sz="400" u="none" strike="noStrike">
                           <a:effectLst/>
                         </a:rPr>
                         <a:t>Func</a:t>
                       </a:r>
-                      <a:endParaRPr lang="en-US" sz="600" b="1" i="0" u="none" strike="noStrike">
+                      <a:endParaRPr lang="en-US" sz="400" b="0" i="0" u="none" strike="noStrike">
                         <a:solidFill>
                           <a:srgbClr val="000000"/>
                         </a:solidFill>
@@ -13379,15 +13379,15 @@
                       </a:endParaRPr>
                     </a:p>
                   </a:txBody>
-                  <a:tcPr marL="5346" marR="5346" marT="5346" marB="0" anchor="ctr"/>
+                  <a:tcPr marL="3550" marR="3550" marT="3550" marB="0" anchor="ctr"/>
                 </a:tc>
                 <a:extLst>
                   <a:ext uri="{0D108BD9-81ED-4DB2-BD59-A6C34878D82A}">
-                    <a16:rowId xmlns:a16="http://schemas.microsoft.com/office/drawing/2014/main" val="476922306"/>
+                    <a16:rowId xmlns:a16="http://schemas.microsoft.com/office/drawing/2014/main" val="3841817328"/>
                   </a:ext>
                 </a:extLst>
               </a:tr>
-              <a:tr h="117604">
+              <a:tr h="128503">
                 <a:tc>
                   <a:txBody>
                     <a:bodyPr/>
@@ -13395,12 +13395,12 @@
                     <a:p>
                       <a:pPr algn="l" fontAlgn="ctr"/>
                       <a:r>
-                        <a:rPr lang="ko-KR" altLang="en-US" sz="600" u="none" strike="noStrike">
+                        <a:rPr lang="ko-KR" altLang="en-US" sz="400" u="none" strike="noStrike">
                           <a:effectLst/>
                         </a:rPr>
                         <a:t>외부주소</a:t>
                       </a:r>
-                      <a:endParaRPr lang="ko-KR" altLang="en-US" sz="600" b="1" i="0" u="none" strike="noStrike">
+                      <a:endParaRPr lang="ko-KR" altLang="en-US" sz="400" b="0" i="0" u="none" strike="noStrike">
                         <a:solidFill>
                           <a:srgbClr val="000000"/>
                         </a:solidFill>
@@ -13410,7 +13410,7 @@
                       </a:endParaRPr>
                     </a:p>
                   </a:txBody>
-                  <a:tcPr marL="5346" marR="5346" marT="5346" marB="0" anchor="ctr"/>
+                  <a:tcPr marL="3550" marR="3550" marT="3550" marB="0" anchor="ctr"/>
                 </a:tc>
                 <a:tc>
                   <a:txBody>
@@ -13419,12 +13419,12 @@
                     <a:p>
                       <a:pPr algn="l" fontAlgn="ctr"/>
                       <a:r>
-                        <a:rPr lang="en-US" sz="600" u="none" strike="noStrike">
+                        <a:rPr lang="en-US" sz="400" u="none" strike="noStrike">
                           <a:effectLst/>
                         </a:rPr>
                         <a:t>S11_Clamp1.ADV</a:t>
                       </a:r>
-                      <a:endParaRPr lang="en-US" sz="600" b="1" i="0" u="none" strike="noStrike">
+                      <a:endParaRPr lang="en-US" sz="400" b="0" i="0" u="none" strike="noStrike">
                         <a:solidFill>
                           <a:srgbClr val="000000"/>
                         </a:solidFill>
@@ -13434,7 +13434,7 @@
                       </a:endParaRPr>
                     </a:p>
                   </a:txBody>
-                  <a:tcPr marL="5346" marR="5346" marT="5346" marB="0" anchor="ctr"/>
+                  <a:tcPr marL="3550" marR="3550" marT="3550" marB="0" anchor="ctr"/>
                 </a:tc>
                 <a:tc>
                   <a:txBody>
@@ -13443,12 +13443,12 @@
                     <a:p>
                       <a:pPr algn="l" fontAlgn="ctr"/>
                       <a:r>
-                        <a:rPr lang="en-US" sz="600" u="none" strike="noStrike">
+                        <a:rPr lang="en-US" sz="400" u="none" strike="noStrike">
                           <a:effectLst/>
                         </a:rPr>
                         <a:t>bool</a:t>
                       </a:r>
-                      <a:endParaRPr lang="en-US" sz="600" b="1" i="0" u="none" strike="noStrike">
+                      <a:endParaRPr lang="en-US" sz="400" b="0" i="0" u="none" strike="noStrike">
                         <a:solidFill>
                           <a:srgbClr val="000000"/>
                         </a:solidFill>
@@ -13458,7 +13458,7 @@
                       </a:endParaRPr>
                     </a:p>
                   </a:txBody>
-                  <a:tcPr marL="5346" marR="5346" marT="5346" marB="0" anchor="ctr"/>
+                  <a:tcPr marL="3550" marR="3550" marT="3550" marB="0" anchor="ctr"/>
                 </a:tc>
                 <a:tc>
                   <a:txBody>
@@ -13467,12 +13467,18 @@
                     <a:p>
                       <a:pPr algn="l" fontAlgn="ctr"/>
                       <a:r>
-                        <a:rPr lang="en-US" sz="600" u="none" strike="noStrike">
+                        <a:rPr lang="en-US" sz="400" u="none" strike="noStrike">
                           <a:effectLst/>
                         </a:rPr>
-                        <a:t>I2</a:t>
+                        <a:t>I0</a:t>
                       </a:r>
-                      <a:endParaRPr lang="en-US" sz="600" b="1" i="0" u="none" strike="noStrike">
+                      <a:r>
+                        <a:rPr lang="en-US" altLang="ko-KR" sz="400" u="none" strike="noStrike">
+                          <a:effectLst/>
+                        </a:rPr>
+                        <a:t>.2</a:t>
+                      </a:r>
+                      <a:endParaRPr lang="en-US" sz="400" b="0" i="0" u="none" strike="noStrike" dirty="0">
                         <a:solidFill>
                           <a:srgbClr val="000000"/>
                         </a:solidFill>
@@ -13482,7 +13488,7 @@
                       </a:endParaRPr>
                     </a:p>
                   </a:txBody>
-                  <a:tcPr marL="5346" marR="5346" marT="5346" marB="0" anchor="ctr"/>
+                  <a:tcPr marL="3550" marR="3550" marT="3550" marB="0" anchor="ctr"/>
                 </a:tc>
                 <a:tc>
                   <a:txBody>
@@ -13491,12 +13497,24 @@
                     <a:p>
                       <a:pPr algn="l" fontAlgn="ctr"/>
                       <a:r>
-                        <a:rPr lang="en-US" sz="600" u="none" strike="noStrike">
+                        <a:rPr lang="en-US" sz="400" u="none" strike="noStrike" dirty="0">
                           <a:effectLst/>
                         </a:rPr>
-                        <a:t>O2</a:t>
+                        <a:t>O</a:t>
                       </a:r>
-                      <a:endParaRPr lang="en-US" sz="600" b="1" i="0" u="none" strike="noStrike">
+                      <a:r>
+                        <a:rPr lang="en-US" altLang="ko-KR" sz="400" u="none" strike="noStrike" dirty="0">
+                          <a:effectLst/>
+                        </a:rPr>
+                        <a:t>1</a:t>
+                      </a:r>
+                      <a:r>
+                        <a:rPr lang="en-US" sz="400" u="none" strike="noStrike" dirty="0">
+                          <a:effectLst/>
+                        </a:rPr>
+                        <a:t>0.2</a:t>
+                      </a:r>
+                      <a:endParaRPr lang="en-US" sz="400" b="0" i="0" u="none" strike="noStrike" dirty="0">
                         <a:solidFill>
                           <a:srgbClr val="000000"/>
                         </a:solidFill>
@@ -13506,7 +13524,7 @@
                       </a:endParaRPr>
                     </a:p>
                   </a:txBody>
-                  <a:tcPr marL="5346" marR="5346" marT="5346" marB="0" anchor="ctr"/>
+                  <a:tcPr marL="3550" marR="3550" marT="3550" marB="0" anchor="ctr"/>
                 </a:tc>
                 <a:tc>
                   <a:txBody>
@@ -13515,12 +13533,12 @@
                     <a:p>
                       <a:pPr algn="l" fontAlgn="ctr"/>
                       <a:r>
-                        <a:rPr lang="en-US" sz="600" u="none" strike="noStrike">
+                        <a:rPr lang="en-US" sz="400" u="none" strike="noStrike">
                           <a:effectLst/>
                         </a:rPr>
                         <a:t>S11_Clamp_ADV</a:t>
                       </a:r>
-                      <a:endParaRPr lang="en-US" sz="600" b="1" i="0" u="none" strike="noStrike">
+                      <a:endParaRPr lang="en-US" sz="400" b="0" i="0" u="none" strike="noStrike">
                         <a:solidFill>
                           <a:srgbClr val="000000"/>
                         </a:solidFill>
@@ -13530,7 +13548,7 @@
                       </a:endParaRPr>
                     </a:p>
                   </a:txBody>
-                  <a:tcPr marL="5346" marR="5346" marT="5346" marB="0" anchor="ctr"/>
+                  <a:tcPr marL="3550" marR="3550" marT="3550" marB="0" anchor="ctr"/>
                 </a:tc>
                 <a:tc>
                   <a:txBody>
@@ -13539,12 +13557,12 @@
                     <a:p>
                       <a:pPr algn="l" fontAlgn="ctr"/>
                       <a:r>
-                        <a:rPr lang="ko-KR" altLang="en-US" sz="600" u="none" strike="noStrike">
+                        <a:rPr lang="ko-KR" altLang="en-US" sz="400" u="none" strike="noStrike">
                           <a:effectLst/>
                         </a:rPr>
                         <a:t>　</a:t>
                       </a:r>
-                      <a:endParaRPr lang="ko-KR" altLang="en-US" sz="600" b="1" i="0" u="none" strike="noStrike">
+                      <a:endParaRPr lang="ko-KR" altLang="en-US" sz="400" b="0" i="0" u="none" strike="noStrike">
                         <a:solidFill>
                           <a:srgbClr val="000000"/>
                         </a:solidFill>
@@ -13554,15 +13572,15 @@
                       </a:endParaRPr>
                     </a:p>
                   </a:txBody>
-                  <a:tcPr marL="5346" marR="5346" marT="5346" marB="0" anchor="ctr"/>
+                  <a:tcPr marL="3550" marR="3550" marT="3550" marB="0" anchor="ctr"/>
                 </a:tc>
                 <a:extLst>
                   <a:ext uri="{0D108BD9-81ED-4DB2-BD59-A6C34878D82A}">
-                    <a16:rowId xmlns:a16="http://schemas.microsoft.com/office/drawing/2014/main" val="1918777801"/>
+                    <a16:rowId xmlns:a16="http://schemas.microsoft.com/office/drawing/2014/main" val="4032145796"/>
                   </a:ext>
                 </a:extLst>
               </a:tr>
-              <a:tr h="117604">
+              <a:tr h="128503">
                 <a:tc>
                   <a:txBody>
                     <a:bodyPr/>
@@ -13570,12 +13588,12 @@
                     <a:p>
                       <a:pPr algn="l" fontAlgn="ctr"/>
                       <a:r>
-                        <a:rPr lang="ko-KR" altLang="en-US" sz="600" u="none" strike="noStrike">
+                        <a:rPr lang="ko-KR" altLang="en-US" sz="400" u="none" strike="noStrike">
                           <a:effectLst/>
                         </a:rPr>
                         <a:t>외부주소</a:t>
                       </a:r>
-                      <a:endParaRPr lang="ko-KR" altLang="en-US" sz="600" b="1" i="0" u="none" strike="noStrike">
+                      <a:endParaRPr lang="ko-KR" altLang="en-US" sz="400" b="0" i="0" u="none" strike="noStrike">
                         <a:solidFill>
                           <a:srgbClr val="000000"/>
                         </a:solidFill>
@@ -13585,7 +13603,7 @@
                       </a:endParaRPr>
                     </a:p>
                   </a:txBody>
-                  <a:tcPr marL="5346" marR="5346" marT="5346" marB="0" anchor="ctr"/>
+                  <a:tcPr marL="3550" marR="3550" marT="3550" marB="0" anchor="ctr"/>
                 </a:tc>
                 <a:tc>
                   <a:txBody>
@@ -13594,12 +13612,12 @@
                     <a:p>
                       <a:pPr algn="l" fontAlgn="ctr"/>
                       <a:r>
-                        <a:rPr lang="en-US" sz="600" u="none" strike="noStrike">
+                        <a:rPr lang="en-US" sz="400" u="none" strike="noStrike">
                           <a:effectLst/>
                         </a:rPr>
                         <a:t>S11_Clamp2.ADV</a:t>
                       </a:r>
-                      <a:endParaRPr lang="en-US" sz="600" b="1" i="0" u="none" strike="noStrike">
+                      <a:endParaRPr lang="en-US" sz="400" b="0" i="0" u="none" strike="noStrike">
                         <a:solidFill>
                           <a:srgbClr val="000000"/>
                         </a:solidFill>
@@ -13609,7 +13627,7 @@
                       </a:endParaRPr>
                     </a:p>
                   </a:txBody>
-                  <a:tcPr marL="5346" marR="5346" marT="5346" marB="0" anchor="ctr"/>
+                  <a:tcPr marL="3550" marR="3550" marT="3550" marB="0" anchor="ctr"/>
                 </a:tc>
                 <a:tc>
                   <a:txBody>
@@ -13618,12 +13636,12 @@
                     <a:p>
                       <a:pPr algn="l" fontAlgn="ctr"/>
                       <a:r>
-                        <a:rPr lang="en-US" sz="600" u="none" strike="noStrike">
+                        <a:rPr lang="en-US" sz="400" u="none" strike="noStrike">
                           <a:effectLst/>
                         </a:rPr>
                         <a:t>bool</a:t>
                       </a:r>
-                      <a:endParaRPr lang="en-US" sz="600" b="1" i="0" u="none" strike="noStrike">
+                      <a:endParaRPr lang="en-US" sz="400" b="0" i="0" u="none" strike="noStrike">
                         <a:solidFill>
                           <a:srgbClr val="000000"/>
                         </a:solidFill>
@@ -13633,7 +13651,7 @@
                       </a:endParaRPr>
                     </a:p>
                   </a:txBody>
-                  <a:tcPr marL="5346" marR="5346" marT="5346" marB="0" anchor="ctr"/>
+                  <a:tcPr marL="3550" marR="3550" marT="3550" marB="0" anchor="ctr"/>
                 </a:tc>
                 <a:tc>
                   <a:txBody>
@@ -13642,12 +13660,12 @@
                     <a:p>
                       <a:pPr algn="l" fontAlgn="ctr"/>
                       <a:r>
-                        <a:rPr lang="en-US" sz="600" u="none" strike="noStrike">
+                        <a:rPr lang="en-US" sz="400" u="none" strike="noStrike">
                           <a:effectLst/>
                         </a:rPr>
-                        <a:t>I3</a:t>
+                        <a:t>I0.3</a:t>
                       </a:r>
-                      <a:endParaRPr lang="en-US" sz="600" b="1" i="0" u="none" strike="noStrike">
+                      <a:endParaRPr lang="en-US" sz="400" b="0" i="0" u="none" strike="noStrike">
                         <a:solidFill>
                           <a:srgbClr val="000000"/>
                         </a:solidFill>
@@ -13657,7 +13675,7 @@
                       </a:endParaRPr>
                     </a:p>
                   </a:txBody>
-                  <a:tcPr marL="5346" marR="5346" marT="5346" marB="0" anchor="ctr"/>
+                  <a:tcPr marL="3550" marR="3550" marT="3550" marB="0" anchor="ctr"/>
                 </a:tc>
                 <a:tc>
                   <a:txBody>
@@ -13666,12 +13684,12 @@
                     <a:p>
                       <a:pPr algn="l" fontAlgn="ctr"/>
                       <a:r>
-                        <a:rPr lang="en-US" sz="600" u="none" strike="noStrike">
+                        <a:rPr lang="en-US" sz="400" u="none" strike="noStrike">
                           <a:effectLst/>
                         </a:rPr>
-                        <a:t>O3</a:t>
+                        <a:t>O0.3</a:t>
                       </a:r>
-                      <a:endParaRPr lang="en-US" sz="600" b="1" i="0" u="none" strike="noStrike">
+                      <a:endParaRPr lang="en-US" sz="400" b="0" i="0" u="none" strike="noStrike">
                         <a:solidFill>
                           <a:srgbClr val="000000"/>
                         </a:solidFill>
@@ -13681,7 +13699,7 @@
                       </a:endParaRPr>
                     </a:p>
                   </a:txBody>
-                  <a:tcPr marL="5346" marR="5346" marT="5346" marB="0" anchor="ctr"/>
+                  <a:tcPr marL="3550" marR="3550" marT="3550" marB="0" anchor="ctr"/>
                 </a:tc>
                 <a:tc>
                   <a:txBody>
@@ -13690,12 +13708,12 @@
                     <a:p>
                       <a:pPr algn="l" fontAlgn="ctr"/>
                       <a:r>
-                        <a:rPr lang="ko-KR" altLang="en-US" sz="600" u="none" strike="noStrike">
+                        <a:rPr lang="ko-KR" altLang="en-US" sz="400" u="none" strike="noStrike">
                           <a:effectLst/>
                         </a:rPr>
                         <a:t>↑</a:t>
                       </a:r>
-                      <a:endParaRPr lang="ko-KR" altLang="en-US" sz="600" b="1" i="0" u="none" strike="noStrike">
+                      <a:endParaRPr lang="ko-KR" altLang="en-US" sz="400" b="0" i="0" u="none" strike="noStrike">
                         <a:solidFill>
                           <a:srgbClr val="000000"/>
                         </a:solidFill>
@@ -13705,7 +13723,7 @@
                       </a:endParaRPr>
                     </a:p>
                   </a:txBody>
-                  <a:tcPr marL="5346" marR="5346" marT="5346" marB="0" anchor="ctr"/>
+                  <a:tcPr marL="3550" marR="3550" marT="3550" marB="0" anchor="ctr"/>
                 </a:tc>
                 <a:tc>
                   <a:txBody>
@@ -13714,12 +13732,12 @@
                     <a:p>
                       <a:pPr algn="l" fontAlgn="ctr"/>
                       <a:r>
-                        <a:rPr lang="ko-KR" altLang="en-US" sz="600" u="none" strike="noStrike">
+                        <a:rPr lang="ko-KR" altLang="en-US" sz="400" u="none" strike="noStrike">
                           <a:effectLst/>
                         </a:rPr>
                         <a:t>↑</a:t>
                       </a:r>
-                      <a:endParaRPr lang="ko-KR" altLang="en-US" sz="600" b="1" i="0" u="none" strike="noStrike">
+                      <a:endParaRPr lang="ko-KR" altLang="en-US" sz="400" b="0" i="0" u="none" strike="noStrike">
                         <a:solidFill>
                           <a:srgbClr val="000000"/>
                         </a:solidFill>
@@ -13729,15 +13747,15 @@
                       </a:endParaRPr>
                     </a:p>
                   </a:txBody>
-                  <a:tcPr marL="5346" marR="5346" marT="5346" marB="0" anchor="ctr"/>
+                  <a:tcPr marL="3550" marR="3550" marT="3550" marB="0" anchor="ctr"/>
                 </a:tc>
                 <a:extLst>
                   <a:ext uri="{0D108BD9-81ED-4DB2-BD59-A6C34878D82A}">
-                    <a16:rowId xmlns:a16="http://schemas.microsoft.com/office/drawing/2014/main" val="3775209084"/>
+                    <a16:rowId xmlns:a16="http://schemas.microsoft.com/office/drawing/2014/main" val="3344681063"/>
                   </a:ext>
                 </a:extLst>
               </a:tr>
-              <a:tr h="117604">
+              <a:tr h="128503">
                 <a:tc>
                   <a:txBody>
                     <a:bodyPr/>
@@ -13745,12 +13763,12 @@
                     <a:p>
                       <a:pPr algn="l" fontAlgn="ctr"/>
                       <a:r>
-                        <a:rPr lang="ko-KR" altLang="en-US" sz="600" u="none" strike="noStrike">
+                        <a:rPr lang="ko-KR" altLang="en-US" sz="400" u="none" strike="noStrike">
                           <a:effectLst/>
                         </a:rPr>
                         <a:t>외부주소</a:t>
                       </a:r>
-                      <a:endParaRPr lang="ko-KR" altLang="en-US" sz="600" b="1" i="0" u="none" strike="noStrike">
+                      <a:endParaRPr lang="ko-KR" altLang="en-US" sz="400" b="0" i="0" u="none" strike="noStrike">
                         <a:solidFill>
                           <a:srgbClr val="000000"/>
                         </a:solidFill>
@@ -13760,7 +13778,7 @@
                       </a:endParaRPr>
                     </a:p>
                   </a:txBody>
-                  <a:tcPr marL="5346" marR="5346" marT="5346" marB="0" anchor="ctr"/>
+                  <a:tcPr marL="3550" marR="3550" marT="3550" marB="0" anchor="ctr"/>
                 </a:tc>
                 <a:tc>
                   <a:txBody>
@@ -13769,12 +13787,12 @@
                     <a:p>
                       <a:pPr algn="l" fontAlgn="ctr"/>
                       <a:r>
-                        <a:rPr lang="en-US" sz="600" u="none" strike="noStrike">
+                        <a:rPr lang="en-US" sz="400" u="none" strike="noStrike">
                           <a:effectLst/>
                         </a:rPr>
                         <a:t>S11_Clamp1.RET</a:t>
                       </a:r>
-                      <a:endParaRPr lang="en-US" sz="600" b="1" i="0" u="none" strike="noStrike">
+                      <a:endParaRPr lang="en-US" sz="400" b="0" i="0" u="none" strike="noStrike">
                         <a:solidFill>
                           <a:srgbClr val="000000"/>
                         </a:solidFill>
@@ -13784,7 +13802,7 @@
                       </a:endParaRPr>
                     </a:p>
                   </a:txBody>
-                  <a:tcPr marL="5346" marR="5346" marT="5346" marB="0" anchor="ctr"/>
+                  <a:tcPr marL="3550" marR="3550" marT="3550" marB="0" anchor="ctr"/>
                 </a:tc>
                 <a:tc>
                   <a:txBody>
@@ -13793,12 +13811,12 @@
                     <a:p>
                       <a:pPr algn="l" fontAlgn="ctr"/>
                       <a:r>
-                        <a:rPr lang="en-US" sz="600" u="none" strike="noStrike">
+                        <a:rPr lang="en-US" sz="400" u="none" strike="noStrike">
                           <a:effectLst/>
                         </a:rPr>
                         <a:t>bool</a:t>
                       </a:r>
-                      <a:endParaRPr lang="en-US" sz="600" b="1" i="0" u="none" strike="noStrike">
+                      <a:endParaRPr lang="en-US" sz="400" b="0" i="0" u="none" strike="noStrike">
                         <a:solidFill>
                           <a:srgbClr val="000000"/>
                         </a:solidFill>
@@ -13808,7 +13826,7 @@
                       </a:endParaRPr>
                     </a:p>
                   </a:txBody>
-                  <a:tcPr marL="5346" marR="5346" marT="5346" marB="0" anchor="ctr"/>
+                  <a:tcPr marL="3550" marR="3550" marT="3550" marB="0" anchor="ctr"/>
                 </a:tc>
                 <a:tc>
                   <a:txBody>
@@ -13817,12 +13835,12 @@
                     <a:p>
                       <a:pPr algn="l" fontAlgn="ctr"/>
                       <a:r>
-                        <a:rPr lang="en-US" sz="600" u="none" strike="noStrike">
+                        <a:rPr lang="en-US" sz="400" u="none" strike="noStrike">
                           <a:effectLst/>
                         </a:rPr>
-                        <a:t>I4</a:t>
+                        <a:t>I0.4</a:t>
                       </a:r>
-                      <a:endParaRPr lang="en-US" sz="600" b="1" i="0" u="none" strike="noStrike">
+                      <a:endParaRPr lang="en-US" sz="400" b="0" i="0" u="none" strike="noStrike">
                         <a:solidFill>
                           <a:srgbClr val="000000"/>
                         </a:solidFill>
@@ -13832,7 +13850,7 @@
                       </a:endParaRPr>
                     </a:p>
                   </a:txBody>
-                  <a:tcPr marL="5346" marR="5346" marT="5346" marB="0" anchor="ctr"/>
+                  <a:tcPr marL="3550" marR="3550" marT="3550" marB="0" anchor="ctr"/>
                 </a:tc>
                 <a:tc>
                   <a:txBody>
@@ -13841,12 +13859,12 @@
                     <a:p>
                       <a:pPr algn="l" fontAlgn="ctr"/>
                       <a:r>
-                        <a:rPr lang="en-US" sz="600" u="none" strike="noStrike">
+                        <a:rPr lang="en-US" sz="400" u="none" strike="noStrike">
                           <a:effectLst/>
                         </a:rPr>
-                        <a:t>O4</a:t>
+                        <a:t>O0.4</a:t>
                       </a:r>
-                      <a:endParaRPr lang="en-US" sz="600" b="1" i="0" u="none" strike="noStrike">
+                      <a:endParaRPr lang="en-US" sz="400" b="0" i="0" u="none" strike="noStrike">
                         <a:solidFill>
                           <a:srgbClr val="000000"/>
                         </a:solidFill>
@@ -13856,7 +13874,7 @@
                       </a:endParaRPr>
                     </a:p>
                   </a:txBody>
-                  <a:tcPr marL="5346" marR="5346" marT="5346" marB="0" anchor="ctr"/>
+                  <a:tcPr marL="3550" marR="3550" marT="3550" marB="0" anchor="ctr"/>
                 </a:tc>
                 <a:tc>
                   <a:txBody>
@@ -13865,12 +13883,12 @@
                     <a:p>
                       <a:pPr algn="l" fontAlgn="ctr"/>
                       <a:r>
-                        <a:rPr lang="en-US" sz="600" u="none" strike="noStrike">
+                        <a:rPr lang="en-US" sz="400" u="none" strike="noStrike">
                           <a:effectLst/>
                         </a:rPr>
                         <a:t>S11_Clamp_RET</a:t>
                       </a:r>
-                      <a:endParaRPr lang="en-US" sz="600" b="1" i="0" u="none" strike="noStrike">
+                      <a:endParaRPr lang="en-US" sz="400" b="0" i="0" u="none" strike="noStrike">
                         <a:solidFill>
                           <a:srgbClr val="000000"/>
                         </a:solidFill>
@@ -13880,7 +13898,7 @@
                       </a:endParaRPr>
                     </a:p>
                   </a:txBody>
-                  <a:tcPr marL="5346" marR="5346" marT="5346" marB="0" anchor="ctr"/>
+                  <a:tcPr marL="3550" marR="3550" marT="3550" marB="0" anchor="ctr"/>
                 </a:tc>
                 <a:tc>
                   <a:txBody>
@@ -13889,12 +13907,12 @@
                     <a:p>
                       <a:pPr algn="l" fontAlgn="ctr"/>
                       <a:r>
-                        <a:rPr lang="ko-KR" altLang="en-US" sz="600" u="none" strike="noStrike">
+                        <a:rPr lang="ko-KR" altLang="en-US" sz="400" u="none" strike="noStrike">
                           <a:effectLst/>
                         </a:rPr>
                         <a:t>　</a:t>
                       </a:r>
-                      <a:endParaRPr lang="ko-KR" altLang="en-US" sz="600" b="1" i="0" u="none" strike="noStrike">
+                      <a:endParaRPr lang="ko-KR" altLang="en-US" sz="400" b="0" i="0" u="none" strike="noStrike">
                         <a:solidFill>
                           <a:srgbClr val="000000"/>
                         </a:solidFill>
@@ -13904,15 +13922,15 @@
                       </a:endParaRPr>
                     </a:p>
                   </a:txBody>
-                  <a:tcPr marL="5346" marR="5346" marT="5346" marB="0" anchor="ctr"/>
+                  <a:tcPr marL="3550" marR="3550" marT="3550" marB="0" anchor="ctr"/>
                 </a:tc>
                 <a:extLst>
                   <a:ext uri="{0D108BD9-81ED-4DB2-BD59-A6C34878D82A}">
-                    <a16:rowId xmlns:a16="http://schemas.microsoft.com/office/drawing/2014/main" val="2395700224"/>
+                    <a16:rowId xmlns:a16="http://schemas.microsoft.com/office/drawing/2014/main" val="3950985542"/>
                   </a:ext>
                 </a:extLst>
               </a:tr>
-              <a:tr h="117604">
+              <a:tr h="128503">
                 <a:tc>
                   <a:txBody>
                     <a:bodyPr/>
@@ -13920,12 +13938,12 @@
                     <a:p>
                       <a:pPr algn="l" fontAlgn="ctr"/>
                       <a:r>
-                        <a:rPr lang="ko-KR" altLang="en-US" sz="600" u="none" strike="noStrike">
+                        <a:rPr lang="ko-KR" altLang="en-US" sz="400" u="none" strike="noStrike">
                           <a:effectLst/>
                         </a:rPr>
                         <a:t>외부주소</a:t>
                       </a:r>
-                      <a:endParaRPr lang="ko-KR" altLang="en-US" sz="600" b="1" i="0" u="none" strike="noStrike">
+                      <a:endParaRPr lang="ko-KR" altLang="en-US" sz="400" b="0" i="0" u="none" strike="noStrike">
                         <a:solidFill>
                           <a:srgbClr val="000000"/>
                         </a:solidFill>
@@ -13935,7 +13953,7 @@
                       </a:endParaRPr>
                     </a:p>
                   </a:txBody>
-                  <a:tcPr marL="5346" marR="5346" marT="5346" marB="0" anchor="ctr"/>
+                  <a:tcPr marL="3550" marR="3550" marT="3550" marB="0" anchor="ctr"/>
                 </a:tc>
                 <a:tc>
                   <a:txBody>
@@ -13944,12 +13962,12 @@
                     <a:p>
                       <a:pPr algn="l" fontAlgn="ctr"/>
                       <a:r>
-                        <a:rPr lang="en-US" sz="600" u="none" strike="noStrike">
+                        <a:rPr lang="en-US" sz="400" u="none" strike="noStrike">
                           <a:effectLst/>
                         </a:rPr>
                         <a:t>S11_Clamp2.RET</a:t>
                       </a:r>
-                      <a:endParaRPr lang="en-US" sz="600" b="1" i="0" u="none" strike="noStrike">
+                      <a:endParaRPr lang="en-US" sz="400" b="0" i="0" u="none" strike="noStrike">
                         <a:solidFill>
                           <a:srgbClr val="000000"/>
                         </a:solidFill>
@@ -13959,7 +13977,7 @@
                       </a:endParaRPr>
                     </a:p>
                   </a:txBody>
-                  <a:tcPr marL="5346" marR="5346" marT="5346" marB="0" anchor="ctr"/>
+                  <a:tcPr marL="3550" marR="3550" marT="3550" marB="0" anchor="ctr"/>
                 </a:tc>
                 <a:tc>
                   <a:txBody>
@@ -13968,12 +13986,12 @@
                     <a:p>
                       <a:pPr algn="l" fontAlgn="ctr"/>
                       <a:r>
-                        <a:rPr lang="en-US" sz="600" u="none" strike="noStrike">
+                        <a:rPr lang="en-US" sz="400" u="none" strike="noStrike">
                           <a:effectLst/>
                         </a:rPr>
                         <a:t>bool</a:t>
                       </a:r>
-                      <a:endParaRPr lang="en-US" sz="600" b="1" i="0" u="none" strike="noStrike">
+                      <a:endParaRPr lang="en-US" sz="400" b="0" i="0" u="none" strike="noStrike">
                         <a:solidFill>
                           <a:srgbClr val="000000"/>
                         </a:solidFill>
@@ -13983,7 +14001,7 @@
                       </a:endParaRPr>
                     </a:p>
                   </a:txBody>
-                  <a:tcPr marL="5346" marR="5346" marT="5346" marB="0" anchor="ctr"/>
+                  <a:tcPr marL="3550" marR="3550" marT="3550" marB="0" anchor="ctr"/>
                 </a:tc>
                 <a:tc>
                   <a:txBody>
@@ -13992,12 +14010,12 @@
                     <a:p>
                       <a:pPr algn="l" fontAlgn="ctr"/>
                       <a:r>
-                        <a:rPr lang="en-US" sz="600" u="none" strike="noStrike">
+                        <a:rPr lang="en-US" sz="400" u="none" strike="noStrike">
                           <a:effectLst/>
                         </a:rPr>
-                        <a:t>I5</a:t>
+                        <a:t>I0.5</a:t>
                       </a:r>
-                      <a:endParaRPr lang="en-US" sz="600" b="1" i="0" u="none" strike="noStrike">
+                      <a:endParaRPr lang="en-US" sz="400" b="0" i="0" u="none" strike="noStrike">
                         <a:solidFill>
                           <a:srgbClr val="000000"/>
                         </a:solidFill>
@@ -14007,7 +14025,7 @@
                       </a:endParaRPr>
                     </a:p>
                   </a:txBody>
-                  <a:tcPr marL="5346" marR="5346" marT="5346" marB="0" anchor="ctr"/>
+                  <a:tcPr marL="3550" marR="3550" marT="3550" marB="0" anchor="ctr"/>
                 </a:tc>
                 <a:tc>
                   <a:txBody>
@@ -14016,12 +14034,12 @@
                     <a:p>
                       <a:pPr algn="l" fontAlgn="ctr"/>
                       <a:r>
-                        <a:rPr lang="en-US" sz="600" u="none" strike="noStrike">
+                        <a:rPr lang="en-US" sz="400" u="none" strike="noStrike">
                           <a:effectLst/>
                         </a:rPr>
-                        <a:t>O5</a:t>
+                        <a:t>O0.5</a:t>
                       </a:r>
-                      <a:endParaRPr lang="en-US" sz="600" b="1" i="0" u="none" strike="noStrike">
+                      <a:endParaRPr lang="en-US" sz="400" b="0" i="0" u="none" strike="noStrike">
                         <a:solidFill>
                           <a:srgbClr val="000000"/>
                         </a:solidFill>
@@ -14031,7 +14049,7 @@
                       </a:endParaRPr>
                     </a:p>
                   </a:txBody>
-                  <a:tcPr marL="5346" marR="5346" marT="5346" marB="0" anchor="ctr"/>
+                  <a:tcPr marL="3550" marR="3550" marT="3550" marB="0" anchor="ctr"/>
                 </a:tc>
                 <a:tc>
                   <a:txBody>
@@ -14040,12 +14058,12 @@
                     <a:p>
                       <a:pPr algn="l" fontAlgn="ctr"/>
                       <a:r>
-                        <a:rPr lang="ko-KR" altLang="en-US" sz="600" u="none" strike="noStrike">
+                        <a:rPr lang="ko-KR" altLang="en-US" sz="400" u="none" strike="noStrike">
                           <a:effectLst/>
                         </a:rPr>
                         <a:t>↑</a:t>
                       </a:r>
-                      <a:endParaRPr lang="ko-KR" altLang="en-US" sz="600" b="1" i="0" u="none" strike="noStrike">
+                      <a:endParaRPr lang="ko-KR" altLang="en-US" sz="400" b="0" i="0" u="none" strike="noStrike">
                         <a:solidFill>
                           <a:srgbClr val="000000"/>
                         </a:solidFill>
@@ -14055,7 +14073,7 @@
                       </a:endParaRPr>
                     </a:p>
                   </a:txBody>
-                  <a:tcPr marL="5346" marR="5346" marT="5346" marB="0" anchor="ctr"/>
+                  <a:tcPr marL="3550" marR="3550" marT="3550" marB="0" anchor="ctr"/>
                 </a:tc>
                 <a:tc>
                   <a:txBody>
@@ -14064,12 +14082,12 @@
                     <a:p>
                       <a:pPr algn="l" fontAlgn="ctr"/>
                       <a:r>
-                        <a:rPr lang="ko-KR" altLang="en-US" sz="600" u="none" strike="noStrike">
+                        <a:rPr lang="ko-KR" altLang="en-US" sz="400" u="none" strike="noStrike">
                           <a:effectLst/>
                         </a:rPr>
                         <a:t>↑</a:t>
                       </a:r>
-                      <a:endParaRPr lang="ko-KR" altLang="en-US" sz="600" b="1" i="0" u="none" strike="noStrike">
+                      <a:endParaRPr lang="ko-KR" altLang="en-US" sz="400" b="0" i="0" u="none" strike="noStrike">
                         <a:solidFill>
                           <a:srgbClr val="000000"/>
                         </a:solidFill>
@@ -14079,15 +14097,15 @@
                       </a:endParaRPr>
                     </a:p>
                   </a:txBody>
-                  <a:tcPr marL="5346" marR="5346" marT="5346" marB="0" anchor="ctr"/>
+                  <a:tcPr marL="3550" marR="3550" marT="3550" marB="0" anchor="ctr"/>
                 </a:tc>
                 <a:extLst>
                   <a:ext uri="{0D108BD9-81ED-4DB2-BD59-A6C34878D82A}">
-                    <a16:rowId xmlns:a16="http://schemas.microsoft.com/office/drawing/2014/main" val="1763893205"/>
+                    <a16:rowId xmlns:a16="http://schemas.microsoft.com/office/drawing/2014/main" val="1721646963"/>
                   </a:ext>
                 </a:extLst>
               </a:tr>
-              <a:tr h="117604">
+              <a:tr h="128503">
                 <a:tc>
                   <a:txBody>
                     <a:bodyPr/>
@@ -14095,12 +14113,12 @@
                     <a:p>
                       <a:pPr algn="l" fontAlgn="ctr"/>
                       <a:r>
-                        <a:rPr lang="ko-KR" altLang="en-US" sz="600" u="none" strike="noStrike">
+                        <a:rPr lang="ko-KR" altLang="en-US" sz="400" u="none" strike="noStrike">
                           <a:effectLst/>
                         </a:rPr>
                         <a:t>외부주소</a:t>
                       </a:r>
-                      <a:endParaRPr lang="ko-KR" altLang="en-US" sz="600" b="1" i="0" u="none" strike="noStrike">
+                      <a:endParaRPr lang="ko-KR" altLang="en-US" sz="400" b="0" i="0" u="none" strike="noStrike">
                         <a:solidFill>
                           <a:srgbClr val="000000"/>
                         </a:solidFill>
@@ -14110,7 +14128,7 @@
                       </a:endParaRPr>
                     </a:p>
                   </a:txBody>
-                  <a:tcPr marL="5346" marR="5346" marT="5346" marB="0" anchor="ctr"/>
+                  <a:tcPr marL="3550" marR="3550" marT="3550" marB="0" anchor="ctr"/>
                 </a:tc>
                 <a:tc>
                   <a:txBody>
@@ -14119,12 +14137,12 @@
                     <a:p>
                       <a:pPr algn="l" fontAlgn="ctr"/>
                       <a:r>
-                        <a:rPr lang="en-US" sz="600" u="none" strike="noStrike">
+                        <a:rPr lang="en-US" sz="400" u="none" strike="noStrike">
                           <a:effectLst/>
                         </a:rPr>
                         <a:t>S11_Latch.ADV</a:t>
                       </a:r>
-                      <a:endParaRPr lang="en-US" sz="600" b="1" i="0" u="none" strike="noStrike">
+                      <a:endParaRPr lang="en-US" sz="400" b="0" i="0" u="none" strike="noStrike">
                         <a:solidFill>
                           <a:srgbClr val="000000"/>
                         </a:solidFill>
@@ -14134,7 +14152,7 @@
                       </a:endParaRPr>
                     </a:p>
                   </a:txBody>
-                  <a:tcPr marL="5346" marR="5346" marT="5346" marB="0" anchor="ctr"/>
+                  <a:tcPr marL="3550" marR="3550" marT="3550" marB="0" anchor="ctr"/>
                 </a:tc>
                 <a:tc>
                   <a:txBody>
@@ -14143,12 +14161,12 @@
                     <a:p>
                       <a:pPr algn="l" fontAlgn="ctr"/>
                       <a:r>
-                        <a:rPr lang="en-US" sz="600" u="none" strike="noStrike">
+                        <a:rPr lang="en-US" sz="400" u="none" strike="noStrike">
                           <a:effectLst/>
                         </a:rPr>
                         <a:t>bool</a:t>
                       </a:r>
-                      <a:endParaRPr lang="en-US" sz="600" b="1" i="0" u="none" strike="noStrike">
+                      <a:endParaRPr lang="en-US" sz="400" b="0" i="0" u="none" strike="noStrike">
                         <a:solidFill>
                           <a:srgbClr val="000000"/>
                         </a:solidFill>
@@ -14158,7 +14176,7 @@
                       </a:endParaRPr>
                     </a:p>
                   </a:txBody>
-                  <a:tcPr marL="5346" marR="5346" marT="5346" marB="0" anchor="ctr"/>
+                  <a:tcPr marL="3550" marR="3550" marT="3550" marB="0" anchor="ctr"/>
                 </a:tc>
                 <a:tc>
                   <a:txBody>
@@ -14167,12 +14185,12 @@
                     <a:p>
                       <a:pPr algn="l" fontAlgn="ctr"/>
                       <a:r>
-                        <a:rPr lang="en-US" sz="600" u="none" strike="noStrike">
+                        <a:rPr lang="en-US" sz="400" u="none" strike="noStrike">
                           <a:effectLst/>
                         </a:rPr>
-                        <a:t>I6</a:t>
+                        <a:t>I0.6</a:t>
                       </a:r>
-                      <a:endParaRPr lang="en-US" sz="600" b="1" i="0" u="none" strike="noStrike">
+                      <a:endParaRPr lang="en-US" sz="400" b="0" i="0" u="none" strike="noStrike">
                         <a:solidFill>
                           <a:srgbClr val="000000"/>
                         </a:solidFill>
@@ -14182,7 +14200,7 @@
                       </a:endParaRPr>
                     </a:p>
                   </a:txBody>
-                  <a:tcPr marL="5346" marR="5346" marT="5346" marB="0" anchor="ctr"/>
+                  <a:tcPr marL="3550" marR="3550" marT="3550" marB="0" anchor="ctr"/>
                 </a:tc>
                 <a:tc>
                   <a:txBody>
@@ -14191,12 +14209,12 @@
                     <a:p>
                       <a:pPr algn="l" fontAlgn="ctr"/>
                       <a:r>
-                        <a:rPr lang="en-US" sz="600" u="none" strike="noStrike">
+                        <a:rPr lang="en-US" sz="400" u="none" strike="noStrike">
                           <a:effectLst/>
                         </a:rPr>
-                        <a:t>O6</a:t>
+                        <a:t>O0.6</a:t>
                       </a:r>
-                      <a:endParaRPr lang="en-US" sz="600" b="1" i="0" u="none" strike="noStrike">
+                      <a:endParaRPr lang="en-US" sz="400" b="0" i="0" u="none" strike="noStrike">
                         <a:solidFill>
                           <a:srgbClr val="000000"/>
                         </a:solidFill>
@@ -14206,7 +14224,7 @@
                       </a:endParaRPr>
                     </a:p>
                   </a:txBody>
-                  <a:tcPr marL="5346" marR="5346" marT="5346" marB="0" anchor="ctr"/>
+                  <a:tcPr marL="3550" marR="3550" marT="3550" marB="0" anchor="ctr"/>
                 </a:tc>
                 <a:tc>
                   <a:txBody>
@@ -14215,12 +14233,12 @@
                     <a:p>
                       <a:pPr algn="l" fontAlgn="ctr"/>
                       <a:r>
-                        <a:rPr lang="en-US" sz="600" u="none" strike="noStrike">
+                        <a:rPr lang="en-US" sz="400" u="none" strike="noStrike">
                           <a:effectLst/>
                         </a:rPr>
                         <a:t>S11_Latch_ADV</a:t>
                       </a:r>
-                      <a:endParaRPr lang="en-US" sz="600" b="1" i="0" u="none" strike="noStrike">
+                      <a:endParaRPr lang="en-US" sz="400" b="0" i="0" u="none" strike="noStrike">
                         <a:solidFill>
                           <a:srgbClr val="000000"/>
                         </a:solidFill>
@@ -14230,7 +14248,7 @@
                       </a:endParaRPr>
                     </a:p>
                   </a:txBody>
-                  <a:tcPr marL="5346" marR="5346" marT="5346" marB="0" anchor="ctr"/>
+                  <a:tcPr marL="3550" marR="3550" marT="3550" marB="0" anchor="ctr"/>
                 </a:tc>
                 <a:tc>
                   <a:txBody>
@@ -14239,12 +14257,12 @@
                     <a:p>
                       <a:pPr algn="l" fontAlgn="ctr"/>
                       <a:r>
-                        <a:rPr lang="ko-KR" altLang="en-US" sz="600" u="none" strike="noStrike">
+                        <a:rPr lang="ko-KR" altLang="en-US" sz="400" u="none" strike="noStrike">
                           <a:effectLst/>
                         </a:rPr>
                         <a:t>　</a:t>
                       </a:r>
-                      <a:endParaRPr lang="ko-KR" altLang="en-US" sz="600" b="1" i="0" u="none" strike="noStrike">
+                      <a:endParaRPr lang="ko-KR" altLang="en-US" sz="400" b="0" i="0" u="none" strike="noStrike">
                         <a:solidFill>
                           <a:srgbClr val="000000"/>
                         </a:solidFill>
@@ -14254,15 +14272,15 @@
                       </a:endParaRPr>
                     </a:p>
                   </a:txBody>
-                  <a:tcPr marL="5346" marR="5346" marT="5346" marB="0" anchor="ctr"/>
+                  <a:tcPr marL="3550" marR="3550" marT="3550" marB="0" anchor="ctr"/>
                 </a:tc>
                 <a:extLst>
                   <a:ext uri="{0D108BD9-81ED-4DB2-BD59-A6C34878D82A}">
-                    <a16:rowId xmlns:a16="http://schemas.microsoft.com/office/drawing/2014/main" val="2625742484"/>
+                    <a16:rowId xmlns:a16="http://schemas.microsoft.com/office/drawing/2014/main" val="3966671355"/>
                   </a:ext>
                 </a:extLst>
               </a:tr>
-              <a:tr h="117604">
+              <a:tr h="128503">
                 <a:tc>
                   <a:txBody>
                     <a:bodyPr/>
@@ -14270,12 +14288,12 @@
                     <a:p>
                       <a:pPr algn="l" fontAlgn="ctr"/>
                       <a:r>
-                        <a:rPr lang="ko-KR" altLang="en-US" sz="600" u="none" strike="noStrike">
+                        <a:rPr lang="ko-KR" altLang="en-US" sz="400" u="none" strike="noStrike">
                           <a:effectLst/>
                         </a:rPr>
                         <a:t>외부주소</a:t>
                       </a:r>
-                      <a:endParaRPr lang="ko-KR" altLang="en-US" sz="600" b="1" i="0" u="none" strike="noStrike">
+                      <a:endParaRPr lang="ko-KR" altLang="en-US" sz="400" b="0" i="0" u="none" strike="noStrike">
                         <a:solidFill>
                           <a:srgbClr val="000000"/>
                         </a:solidFill>
@@ -14285,7 +14303,7 @@
                       </a:endParaRPr>
                     </a:p>
                   </a:txBody>
-                  <a:tcPr marL="5346" marR="5346" marT="5346" marB="0" anchor="ctr"/>
+                  <a:tcPr marL="3550" marR="3550" marT="3550" marB="0" anchor="ctr"/>
                 </a:tc>
                 <a:tc>
                   <a:txBody>
@@ -14294,12 +14312,12 @@
                     <a:p>
                       <a:pPr algn="l" fontAlgn="ctr"/>
                       <a:r>
-                        <a:rPr lang="en-US" sz="600" u="none" strike="noStrike">
+                        <a:rPr lang="en-US" sz="400" u="none" strike="noStrike">
                           <a:effectLst/>
                         </a:rPr>
                         <a:t>S11_Latch.RET</a:t>
                       </a:r>
-                      <a:endParaRPr lang="en-US" sz="600" b="1" i="0" u="none" strike="noStrike">
+                      <a:endParaRPr lang="en-US" sz="400" b="0" i="0" u="none" strike="noStrike">
                         <a:solidFill>
                           <a:srgbClr val="000000"/>
                         </a:solidFill>
@@ -14309,7 +14327,7 @@
                       </a:endParaRPr>
                     </a:p>
                   </a:txBody>
-                  <a:tcPr marL="5346" marR="5346" marT="5346" marB="0" anchor="ctr"/>
+                  <a:tcPr marL="3550" marR="3550" marT="3550" marB="0" anchor="ctr"/>
                 </a:tc>
                 <a:tc>
                   <a:txBody>
@@ -14318,12 +14336,12 @@
                     <a:p>
                       <a:pPr algn="l" fontAlgn="ctr"/>
                       <a:r>
-                        <a:rPr lang="en-US" sz="600" u="none" strike="noStrike">
+                        <a:rPr lang="en-US" sz="400" u="none" strike="noStrike">
                           <a:effectLst/>
                         </a:rPr>
                         <a:t>bool</a:t>
                       </a:r>
-                      <a:endParaRPr lang="en-US" sz="600" b="1" i="0" u="none" strike="noStrike">
+                      <a:endParaRPr lang="en-US" sz="400" b="0" i="0" u="none" strike="noStrike">
                         <a:solidFill>
                           <a:srgbClr val="000000"/>
                         </a:solidFill>
@@ -14333,7 +14351,7 @@
                       </a:endParaRPr>
                     </a:p>
                   </a:txBody>
-                  <a:tcPr marL="5346" marR="5346" marT="5346" marB="0" anchor="ctr"/>
+                  <a:tcPr marL="3550" marR="3550" marT="3550" marB="0" anchor="ctr"/>
                 </a:tc>
                 <a:tc>
                   <a:txBody>
@@ -14342,12 +14360,12 @@
                     <a:p>
                       <a:pPr algn="l" fontAlgn="ctr"/>
                       <a:r>
-                        <a:rPr lang="en-US" sz="600" u="none" strike="noStrike">
+                        <a:rPr lang="en-US" sz="400" u="none" strike="noStrike">
                           <a:effectLst/>
                         </a:rPr>
-                        <a:t>I7</a:t>
+                        <a:t>I0.7</a:t>
                       </a:r>
-                      <a:endParaRPr lang="en-US" sz="600" b="1" i="0" u="none" strike="noStrike">
+                      <a:endParaRPr lang="en-US" sz="400" b="0" i="0" u="none" strike="noStrike">
                         <a:solidFill>
                           <a:srgbClr val="000000"/>
                         </a:solidFill>
@@ -14357,7 +14375,7 @@
                       </a:endParaRPr>
                     </a:p>
                   </a:txBody>
-                  <a:tcPr marL="5346" marR="5346" marT="5346" marB="0" anchor="ctr"/>
+                  <a:tcPr marL="3550" marR="3550" marT="3550" marB="0" anchor="ctr"/>
                 </a:tc>
                 <a:tc>
                   <a:txBody>
@@ -14366,12 +14384,12 @@
                     <a:p>
                       <a:pPr algn="l" fontAlgn="ctr"/>
                       <a:r>
-                        <a:rPr lang="en-US" sz="600" u="none" strike="noStrike">
+                        <a:rPr lang="en-US" sz="400" u="none" strike="noStrike">
                           <a:effectLst/>
                         </a:rPr>
-                        <a:t>O7</a:t>
+                        <a:t>O0.7</a:t>
                       </a:r>
-                      <a:endParaRPr lang="en-US" sz="600" b="1" i="0" u="none" strike="noStrike">
+                      <a:endParaRPr lang="en-US" sz="400" b="0" i="0" u="none" strike="noStrike">
                         <a:solidFill>
                           <a:srgbClr val="000000"/>
                         </a:solidFill>
@@ -14381,7 +14399,7 @@
                       </a:endParaRPr>
                     </a:p>
                   </a:txBody>
-                  <a:tcPr marL="5346" marR="5346" marT="5346" marB="0" anchor="ctr"/>
+                  <a:tcPr marL="3550" marR="3550" marT="3550" marB="0" anchor="ctr"/>
                 </a:tc>
                 <a:tc>
                   <a:txBody>
@@ -14390,12 +14408,12 @@
                     <a:p>
                       <a:pPr algn="l" fontAlgn="ctr"/>
                       <a:r>
-                        <a:rPr lang="en-US" sz="600" u="none" strike="noStrike">
+                        <a:rPr lang="en-US" sz="400" u="none" strike="noStrike">
                           <a:effectLst/>
                         </a:rPr>
                         <a:t>S11_Latch_RET</a:t>
                       </a:r>
-                      <a:endParaRPr lang="en-US" sz="600" b="1" i="0" u="none" strike="noStrike">
+                      <a:endParaRPr lang="en-US" sz="400" b="0" i="0" u="none" strike="noStrike">
                         <a:solidFill>
                           <a:srgbClr val="000000"/>
                         </a:solidFill>
@@ -14405,7 +14423,7 @@
                       </a:endParaRPr>
                     </a:p>
                   </a:txBody>
-                  <a:tcPr marL="5346" marR="5346" marT="5346" marB="0" anchor="ctr"/>
+                  <a:tcPr marL="3550" marR="3550" marT="3550" marB="0" anchor="ctr"/>
                 </a:tc>
                 <a:tc>
                   <a:txBody>
@@ -14414,12 +14432,12 @@
                     <a:p>
                       <a:pPr algn="l" fontAlgn="ctr"/>
                       <a:r>
-                        <a:rPr lang="ko-KR" altLang="en-US" sz="600" u="none" strike="noStrike">
+                        <a:rPr lang="ko-KR" altLang="en-US" sz="400" u="none" strike="noStrike">
                           <a:effectLst/>
                         </a:rPr>
                         <a:t>　</a:t>
                       </a:r>
-                      <a:endParaRPr lang="ko-KR" altLang="en-US" sz="600" b="1" i="0" u="none" strike="noStrike">
+                      <a:endParaRPr lang="ko-KR" altLang="en-US" sz="400" b="0" i="0" u="none" strike="noStrike">
                         <a:solidFill>
                           <a:srgbClr val="000000"/>
                         </a:solidFill>
@@ -14429,15 +14447,15 @@
                       </a:endParaRPr>
                     </a:p>
                   </a:txBody>
-                  <a:tcPr marL="5346" marR="5346" marT="5346" marB="0" anchor="ctr"/>
+                  <a:tcPr marL="3550" marR="3550" marT="3550" marB="0" anchor="ctr"/>
                 </a:tc>
                 <a:extLst>
                   <a:ext uri="{0D108BD9-81ED-4DB2-BD59-A6C34878D82A}">
-                    <a16:rowId xmlns:a16="http://schemas.microsoft.com/office/drawing/2014/main" val="3137092436"/>
+                    <a16:rowId xmlns:a16="http://schemas.microsoft.com/office/drawing/2014/main" val="4209432781"/>
                   </a:ext>
                 </a:extLst>
               </a:tr>
-              <a:tr h="117604">
+              <a:tr h="128503">
                 <a:tc>
                   <a:txBody>
                     <a:bodyPr/>
@@ -14445,12 +14463,12 @@
                     <a:p>
                       <a:pPr algn="l" fontAlgn="ctr"/>
                       <a:r>
-                        <a:rPr lang="ko-KR" altLang="en-US" sz="600" u="none" strike="noStrike">
+                        <a:rPr lang="ko-KR" altLang="en-US" sz="400" u="none" strike="noStrike">
                           <a:effectLst/>
                         </a:rPr>
                         <a:t>외부주소</a:t>
                       </a:r>
-                      <a:endParaRPr lang="ko-KR" altLang="en-US" sz="600" b="1" i="0" u="none" strike="noStrike">
+                      <a:endParaRPr lang="ko-KR" altLang="en-US" sz="400" b="0" i="0" u="none" strike="noStrike">
                         <a:solidFill>
                           <a:srgbClr val="000000"/>
                         </a:solidFill>
@@ -14460,7 +14478,7 @@
                       </a:endParaRPr>
                     </a:p>
                   </a:txBody>
-                  <a:tcPr marL="5346" marR="5346" marT="5346" marB="0" anchor="ctr"/>
+                  <a:tcPr marL="3550" marR="3550" marT="3550" marB="0" anchor="ctr"/>
                 </a:tc>
                 <a:tc>
                   <a:txBody>
@@ -14469,12 +14487,12 @@
                     <a:p>
                       <a:pPr algn="l" fontAlgn="ctr"/>
                       <a:r>
-                        <a:rPr lang="en-US" sz="600" u="none" strike="noStrike">
+                        <a:rPr lang="en-US" sz="400" u="none" strike="noStrike">
                           <a:effectLst/>
                         </a:rPr>
                         <a:t>S11_PinA.ADV</a:t>
                       </a:r>
-                      <a:endParaRPr lang="en-US" sz="600" b="1" i="0" u="none" strike="noStrike">
+                      <a:endParaRPr lang="en-US" sz="400" b="0" i="0" u="none" strike="noStrike">
                         <a:solidFill>
                           <a:srgbClr val="000000"/>
                         </a:solidFill>
@@ -14484,7 +14502,7 @@
                       </a:endParaRPr>
                     </a:p>
                   </a:txBody>
-                  <a:tcPr marL="5346" marR="5346" marT="5346" marB="0" anchor="ctr"/>
+                  <a:tcPr marL="3550" marR="3550" marT="3550" marB="0" anchor="ctr"/>
                 </a:tc>
                 <a:tc>
                   <a:txBody>
@@ -14493,12 +14511,12 @@
                     <a:p>
                       <a:pPr algn="l" fontAlgn="ctr"/>
                       <a:r>
-                        <a:rPr lang="en-US" sz="600" u="none" strike="noStrike">
+                        <a:rPr lang="en-US" sz="400" u="none" strike="noStrike">
                           <a:effectLst/>
                         </a:rPr>
                         <a:t>bool</a:t>
                       </a:r>
-                      <a:endParaRPr lang="en-US" sz="600" b="1" i="0" u="none" strike="noStrike">
+                      <a:endParaRPr lang="en-US" sz="400" b="0" i="0" u="none" strike="noStrike">
                         <a:solidFill>
                           <a:srgbClr val="000000"/>
                         </a:solidFill>
@@ -14508,7 +14526,7 @@
                       </a:endParaRPr>
                     </a:p>
                   </a:txBody>
-                  <a:tcPr marL="5346" marR="5346" marT="5346" marB="0" anchor="ctr"/>
+                  <a:tcPr marL="3550" marR="3550" marT="3550" marB="0" anchor="ctr"/>
                 </a:tc>
                 <a:tc>
                   <a:txBody>
@@ -14517,12 +14535,12 @@
                     <a:p>
                       <a:pPr algn="l" fontAlgn="ctr"/>
                       <a:r>
-                        <a:rPr lang="en-US" sz="600" u="none" strike="noStrike">
+                        <a:rPr lang="en-US" sz="400" u="none" strike="noStrike">
                           <a:effectLst/>
                         </a:rPr>
-                        <a:t>I8</a:t>
+                        <a:t>I1.0</a:t>
                       </a:r>
-                      <a:endParaRPr lang="en-US" sz="600" b="1" i="0" u="none" strike="noStrike">
+                      <a:endParaRPr lang="en-US" sz="400" b="0" i="0" u="none" strike="noStrike">
                         <a:solidFill>
                           <a:srgbClr val="000000"/>
                         </a:solidFill>
@@ -14532,7 +14550,7 @@
                       </a:endParaRPr>
                     </a:p>
                   </a:txBody>
-                  <a:tcPr marL="5346" marR="5346" marT="5346" marB="0" anchor="ctr"/>
+                  <a:tcPr marL="3550" marR="3550" marT="3550" marB="0" anchor="ctr"/>
                 </a:tc>
                 <a:tc>
                   <a:txBody>
@@ -14541,12 +14559,12 @@
                     <a:p>
                       <a:pPr algn="l" fontAlgn="ctr"/>
                       <a:r>
-                        <a:rPr lang="en-US" sz="600" u="none" strike="noStrike">
+                        <a:rPr lang="en-US" sz="400" u="none" strike="noStrike">
                           <a:effectLst/>
                         </a:rPr>
-                        <a:t>O8</a:t>
+                        <a:t>O1.0</a:t>
                       </a:r>
-                      <a:endParaRPr lang="en-US" sz="600" b="1" i="0" u="none" strike="noStrike">
+                      <a:endParaRPr lang="en-US" sz="400" b="0" i="0" u="none" strike="noStrike">
                         <a:solidFill>
                           <a:srgbClr val="000000"/>
                         </a:solidFill>
@@ -14556,7 +14574,7 @@
                       </a:endParaRPr>
                     </a:p>
                   </a:txBody>
-                  <a:tcPr marL="5346" marR="5346" marT="5346" marB="0" anchor="ctr"/>
+                  <a:tcPr marL="3550" marR="3550" marT="3550" marB="0" anchor="ctr"/>
                 </a:tc>
                 <a:tc>
                   <a:txBody>
@@ -14565,12 +14583,12 @@
                     <a:p>
                       <a:pPr algn="l" fontAlgn="ctr"/>
                       <a:r>
-                        <a:rPr lang="en-US" sz="600" u="none" strike="noStrike">
+                        <a:rPr lang="en-US" sz="400" u="none" strike="noStrike">
                           <a:effectLst/>
                         </a:rPr>
                         <a:t>S11_PinA_ADV</a:t>
                       </a:r>
-                      <a:endParaRPr lang="en-US" sz="600" b="1" i="0" u="none" strike="noStrike">
+                      <a:endParaRPr lang="en-US" sz="400" b="0" i="0" u="none" strike="noStrike">
                         <a:solidFill>
                           <a:srgbClr val="000000"/>
                         </a:solidFill>
@@ -14580,7 +14598,7 @@
                       </a:endParaRPr>
                     </a:p>
                   </a:txBody>
-                  <a:tcPr marL="5346" marR="5346" marT="5346" marB="0" anchor="ctr"/>
+                  <a:tcPr marL="3550" marR="3550" marT="3550" marB="0" anchor="ctr"/>
                 </a:tc>
                 <a:tc>
                   <a:txBody>
@@ -14589,12 +14607,12 @@
                     <a:p>
                       <a:pPr algn="l" fontAlgn="ctr"/>
                       <a:r>
-                        <a:rPr lang="ko-KR" altLang="en-US" sz="600" u="none" strike="noStrike">
+                        <a:rPr lang="ko-KR" altLang="en-US" sz="400" u="none" strike="noStrike">
                           <a:effectLst/>
                         </a:rPr>
                         <a:t>　</a:t>
                       </a:r>
-                      <a:endParaRPr lang="ko-KR" altLang="en-US" sz="600" b="1" i="0" u="none" strike="noStrike">
+                      <a:endParaRPr lang="ko-KR" altLang="en-US" sz="400" b="0" i="0" u="none" strike="noStrike">
                         <a:solidFill>
                           <a:srgbClr val="000000"/>
                         </a:solidFill>
@@ -14604,15 +14622,15 @@
                       </a:endParaRPr>
                     </a:p>
                   </a:txBody>
-                  <a:tcPr marL="5346" marR="5346" marT="5346" marB="0" anchor="ctr"/>
+                  <a:tcPr marL="3550" marR="3550" marT="3550" marB="0" anchor="ctr"/>
                 </a:tc>
                 <a:extLst>
                   <a:ext uri="{0D108BD9-81ED-4DB2-BD59-A6C34878D82A}">
-                    <a16:rowId xmlns:a16="http://schemas.microsoft.com/office/drawing/2014/main" val="4119832413"/>
+                    <a16:rowId xmlns:a16="http://schemas.microsoft.com/office/drawing/2014/main" val="2910754091"/>
                   </a:ext>
                 </a:extLst>
               </a:tr>
-              <a:tr h="117604">
+              <a:tr h="128503">
                 <a:tc>
                   <a:txBody>
                     <a:bodyPr/>
@@ -14620,12 +14638,12 @@
                     <a:p>
                       <a:pPr algn="l" fontAlgn="ctr"/>
                       <a:r>
-                        <a:rPr lang="ko-KR" altLang="en-US" sz="600" u="none" strike="noStrike">
+                        <a:rPr lang="ko-KR" altLang="en-US" sz="400" u="none" strike="noStrike">
                           <a:effectLst/>
                         </a:rPr>
                         <a:t>외부주소</a:t>
                       </a:r>
-                      <a:endParaRPr lang="ko-KR" altLang="en-US" sz="600" b="1" i="0" u="none" strike="noStrike">
+                      <a:endParaRPr lang="ko-KR" altLang="en-US" sz="400" b="0" i="0" u="none" strike="noStrike">
                         <a:solidFill>
                           <a:srgbClr val="000000"/>
                         </a:solidFill>
@@ -14635,7 +14653,7 @@
                       </a:endParaRPr>
                     </a:p>
                   </a:txBody>
-                  <a:tcPr marL="5346" marR="5346" marT="5346" marB="0" anchor="ctr"/>
+                  <a:tcPr marL="3550" marR="3550" marT="3550" marB="0" anchor="ctr"/>
                 </a:tc>
                 <a:tc>
                   <a:txBody>
@@ -14644,12 +14662,12 @@
                     <a:p>
                       <a:pPr algn="l" fontAlgn="ctr"/>
                       <a:r>
-                        <a:rPr lang="en-US" sz="600" u="none" strike="noStrike">
+                        <a:rPr lang="en-US" sz="400" u="none" strike="noStrike">
                           <a:effectLst/>
                         </a:rPr>
                         <a:t>S11_PinA.RET</a:t>
                       </a:r>
-                      <a:endParaRPr lang="en-US" sz="600" b="1" i="0" u="none" strike="noStrike">
+                      <a:endParaRPr lang="en-US" sz="400" b="0" i="0" u="none" strike="noStrike">
                         <a:solidFill>
                           <a:srgbClr val="000000"/>
                         </a:solidFill>
@@ -14659,7 +14677,7 @@
                       </a:endParaRPr>
                     </a:p>
                   </a:txBody>
-                  <a:tcPr marL="5346" marR="5346" marT="5346" marB="0" anchor="ctr"/>
+                  <a:tcPr marL="3550" marR="3550" marT="3550" marB="0" anchor="ctr"/>
                 </a:tc>
                 <a:tc>
                   <a:txBody>
@@ -14668,12 +14686,12 @@
                     <a:p>
                       <a:pPr algn="l" fontAlgn="ctr"/>
                       <a:r>
-                        <a:rPr lang="en-US" sz="600" u="none" strike="noStrike">
+                        <a:rPr lang="en-US" sz="400" u="none" strike="noStrike">
                           <a:effectLst/>
                         </a:rPr>
                         <a:t>bool</a:t>
                       </a:r>
-                      <a:endParaRPr lang="en-US" sz="600" b="1" i="0" u="none" strike="noStrike">
+                      <a:endParaRPr lang="en-US" sz="400" b="0" i="0" u="none" strike="noStrike">
                         <a:solidFill>
                           <a:srgbClr val="000000"/>
                         </a:solidFill>
@@ -14683,7 +14701,7 @@
                       </a:endParaRPr>
                     </a:p>
                   </a:txBody>
-                  <a:tcPr marL="5346" marR="5346" marT="5346" marB="0" anchor="ctr"/>
+                  <a:tcPr marL="3550" marR="3550" marT="3550" marB="0" anchor="ctr"/>
                 </a:tc>
                 <a:tc>
                   <a:txBody>
@@ -14692,12 +14710,12 @@
                     <a:p>
                       <a:pPr algn="l" fontAlgn="ctr"/>
                       <a:r>
-                        <a:rPr lang="en-US" sz="600" u="none" strike="noStrike">
+                        <a:rPr lang="en-US" sz="400" u="none" strike="noStrike">
                           <a:effectLst/>
                         </a:rPr>
-                        <a:t>I9</a:t>
+                        <a:t>I1.1</a:t>
                       </a:r>
-                      <a:endParaRPr lang="en-US" sz="600" b="1" i="0" u="none" strike="noStrike">
+                      <a:endParaRPr lang="en-US" sz="400" b="0" i="0" u="none" strike="noStrike">
                         <a:solidFill>
                           <a:srgbClr val="000000"/>
                         </a:solidFill>
@@ -14707,7 +14725,7 @@
                       </a:endParaRPr>
                     </a:p>
                   </a:txBody>
-                  <a:tcPr marL="5346" marR="5346" marT="5346" marB="0" anchor="ctr"/>
+                  <a:tcPr marL="3550" marR="3550" marT="3550" marB="0" anchor="ctr"/>
                 </a:tc>
                 <a:tc>
                   <a:txBody>
@@ -14716,12 +14734,12 @@
                     <a:p>
                       <a:pPr algn="l" fontAlgn="ctr"/>
                       <a:r>
-                        <a:rPr lang="en-US" sz="600" u="none" strike="noStrike">
+                        <a:rPr lang="en-US" sz="400" u="none" strike="noStrike">
                           <a:effectLst/>
                         </a:rPr>
-                        <a:t>O9</a:t>
+                        <a:t>O1.1</a:t>
                       </a:r>
-                      <a:endParaRPr lang="en-US" sz="600" b="1" i="0" u="none" strike="noStrike">
+                      <a:endParaRPr lang="en-US" sz="400" b="0" i="0" u="none" strike="noStrike">
                         <a:solidFill>
                           <a:srgbClr val="000000"/>
                         </a:solidFill>
@@ -14731,7 +14749,7 @@
                       </a:endParaRPr>
                     </a:p>
                   </a:txBody>
-                  <a:tcPr marL="5346" marR="5346" marT="5346" marB="0" anchor="ctr"/>
+                  <a:tcPr marL="3550" marR="3550" marT="3550" marB="0" anchor="ctr"/>
                 </a:tc>
                 <a:tc>
                   <a:txBody>
@@ -14740,12 +14758,12 @@
                     <a:p>
                       <a:pPr algn="l" fontAlgn="ctr"/>
                       <a:r>
-                        <a:rPr lang="en-US" sz="600" u="none" strike="noStrike">
+                        <a:rPr lang="en-US" sz="400" u="none" strike="noStrike">
                           <a:effectLst/>
                         </a:rPr>
                         <a:t>S11_PinA_RET</a:t>
                       </a:r>
-                      <a:endParaRPr lang="en-US" sz="600" b="1" i="0" u="none" strike="noStrike">
+                      <a:endParaRPr lang="en-US" sz="400" b="0" i="0" u="none" strike="noStrike">
                         <a:solidFill>
                           <a:srgbClr val="000000"/>
                         </a:solidFill>
@@ -14755,7 +14773,7 @@
                       </a:endParaRPr>
                     </a:p>
                   </a:txBody>
-                  <a:tcPr marL="5346" marR="5346" marT="5346" marB="0" anchor="ctr"/>
+                  <a:tcPr marL="3550" marR="3550" marT="3550" marB="0" anchor="ctr"/>
                 </a:tc>
                 <a:tc>
                   <a:txBody>
@@ -14764,12 +14782,12 @@
                     <a:p>
                       <a:pPr algn="l" fontAlgn="ctr"/>
                       <a:r>
-                        <a:rPr lang="ko-KR" altLang="en-US" sz="600" u="none" strike="noStrike">
+                        <a:rPr lang="ko-KR" altLang="en-US" sz="400" u="none" strike="noStrike">
                           <a:effectLst/>
                         </a:rPr>
                         <a:t>　</a:t>
                       </a:r>
-                      <a:endParaRPr lang="ko-KR" altLang="en-US" sz="600" b="1" i="0" u="none" strike="noStrike">
+                      <a:endParaRPr lang="ko-KR" altLang="en-US" sz="400" b="0" i="0" u="none" strike="noStrike">
                         <a:solidFill>
                           <a:srgbClr val="000000"/>
                         </a:solidFill>
@@ -14779,15 +14797,15 @@
                       </a:endParaRPr>
                     </a:p>
                   </a:txBody>
-                  <a:tcPr marL="5346" marR="5346" marT="5346" marB="0" anchor="ctr"/>
+                  <a:tcPr marL="3550" marR="3550" marT="3550" marB="0" anchor="ctr"/>
                 </a:tc>
                 <a:extLst>
                   <a:ext uri="{0D108BD9-81ED-4DB2-BD59-A6C34878D82A}">
-                    <a16:rowId xmlns:a16="http://schemas.microsoft.com/office/drawing/2014/main" val="251246450"/>
+                    <a16:rowId xmlns:a16="http://schemas.microsoft.com/office/drawing/2014/main" val="1427570809"/>
                   </a:ext>
                 </a:extLst>
               </a:tr>
-              <a:tr h="117604">
+              <a:tr h="128503">
                 <a:tc>
                   <a:txBody>
                     <a:bodyPr/>
@@ -14795,12 +14813,12 @@
                     <a:p>
                       <a:pPr algn="l" fontAlgn="ctr"/>
                       <a:r>
-                        <a:rPr lang="ko-KR" altLang="en-US" sz="600" u="none" strike="noStrike">
+                        <a:rPr lang="ko-KR" altLang="en-US" sz="400" u="none" strike="noStrike">
                           <a:effectLst/>
                         </a:rPr>
                         <a:t>외부주소</a:t>
                       </a:r>
-                      <a:endParaRPr lang="ko-KR" altLang="en-US" sz="600" b="1" i="0" u="none" strike="noStrike">
+                      <a:endParaRPr lang="ko-KR" altLang="en-US" sz="400" b="0" i="0" u="none" strike="noStrike">
                         <a:solidFill>
                           <a:srgbClr val="000000"/>
                         </a:solidFill>
@@ -14810,7 +14828,7 @@
                       </a:endParaRPr>
                     </a:p>
                   </a:txBody>
-                  <a:tcPr marL="5346" marR="5346" marT="5346" marB="0" anchor="ctr"/>
+                  <a:tcPr marL="3550" marR="3550" marT="3550" marB="0" anchor="ctr"/>
                 </a:tc>
                 <a:tc>
                   <a:txBody>
@@ -14819,12 +14837,12 @@
                     <a:p>
                       <a:pPr algn="l" fontAlgn="ctr"/>
                       <a:r>
-                        <a:rPr lang="en-US" sz="600" u="none" strike="noStrike">
+                        <a:rPr lang="en-US" sz="400" u="none" strike="noStrike">
                           <a:effectLst/>
                         </a:rPr>
                         <a:t>S11_PinB.ADV</a:t>
                       </a:r>
-                      <a:endParaRPr lang="en-US" sz="600" b="1" i="0" u="none" strike="noStrike">
+                      <a:endParaRPr lang="en-US" sz="400" b="0" i="0" u="none" strike="noStrike">
                         <a:solidFill>
                           <a:srgbClr val="000000"/>
                         </a:solidFill>
@@ -14834,7 +14852,7 @@
                       </a:endParaRPr>
                     </a:p>
                   </a:txBody>
-                  <a:tcPr marL="5346" marR="5346" marT="5346" marB="0" anchor="ctr"/>
+                  <a:tcPr marL="3550" marR="3550" marT="3550" marB="0" anchor="ctr"/>
                 </a:tc>
                 <a:tc>
                   <a:txBody>
@@ -14843,12 +14861,12 @@
                     <a:p>
                       <a:pPr algn="l" fontAlgn="ctr"/>
                       <a:r>
-                        <a:rPr lang="en-US" sz="600" u="none" strike="noStrike">
+                        <a:rPr lang="en-US" sz="400" u="none" strike="noStrike">
                           <a:effectLst/>
                         </a:rPr>
                         <a:t>bool</a:t>
                       </a:r>
-                      <a:endParaRPr lang="en-US" sz="600" b="1" i="0" u="none" strike="noStrike">
+                      <a:endParaRPr lang="en-US" sz="400" b="0" i="0" u="none" strike="noStrike">
                         <a:solidFill>
                           <a:srgbClr val="000000"/>
                         </a:solidFill>
@@ -14858,7 +14876,7 @@
                       </a:endParaRPr>
                     </a:p>
                   </a:txBody>
-                  <a:tcPr marL="5346" marR="5346" marT="5346" marB="0" anchor="ctr"/>
+                  <a:tcPr marL="3550" marR="3550" marT="3550" marB="0" anchor="ctr"/>
                 </a:tc>
                 <a:tc>
                   <a:txBody>
@@ -14867,12 +14885,12 @@
                     <a:p>
                       <a:pPr algn="l" fontAlgn="ctr"/>
                       <a:r>
-                        <a:rPr lang="en-US" sz="600" u="none" strike="noStrike">
+                        <a:rPr lang="en-US" sz="400" u="none" strike="noStrike">
                           <a:effectLst/>
                         </a:rPr>
-                        <a:t>I0</a:t>
+                        <a:t>I0.0</a:t>
                       </a:r>
-                      <a:endParaRPr lang="en-US" sz="600" b="1" i="0" u="none" strike="noStrike">
+                      <a:endParaRPr lang="en-US" sz="400" b="0" i="0" u="none" strike="noStrike">
                         <a:solidFill>
                           <a:srgbClr val="000000"/>
                         </a:solidFill>
@@ -14882,7 +14900,7 @@
                       </a:endParaRPr>
                     </a:p>
                   </a:txBody>
-                  <a:tcPr marL="5346" marR="5346" marT="5346" marB="0" anchor="ctr"/>
+                  <a:tcPr marL="3550" marR="3550" marT="3550" marB="0" anchor="ctr"/>
                 </a:tc>
                 <a:tc>
                   <a:txBody>
@@ -14891,12 +14909,12 @@
                     <a:p>
                       <a:pPr algn="l" fontAlgn="ctr"/>
                       <a:r>
-                        <a:rPr lang="en-US" sz="600" u="none" strike="noStrike">
+                        <a:rPr lang="en-US" sz="400" u="none" strike="noStrike">
                           <a:effectLst/>
                         </a:rPr>
-                        <a:t>O0</a:t>
+                        <a:t>O0.0</a:t>
                       </a:r>
-                      <a:endParaRPr lang="en-US" sz="600" b="1" i="0" u="none" strike="noStrike">
+                      <a:endParaRPr lang="en-US" sz="400" b="0" i="0" u="none" strike="noStrike">
                         <a:solidFill>
                           <a:srgbClr val="000000"/>
                         </a:solidFill>
@@ -14906,7 +14924,7 @@
                       </a:endParaRPr>
                     </a:p>
                   </a:txBody>
-                  <a:tcPr marL="5346" marR="5346" marT="5346" marB="0" anchor="ctr"/>
+                  <a:tcPr marL="3550" marR="3550" marT="3550" marB="0" anchor="ctr"/>
                 </a:tc>
                 <a:tc>
                   <a:txBody>
@@ -14915,12 +14933,12 @@
                     <a:p>
                       <a:pPr algn="l" fontAlgn="ctr"/>
                       <a:r>
-                        <a:rPr lang="en-US" sz="600" u="none" strike="noStrike">
+                        <a:rPr lang="en-US" sz="400" u="none" strike="noStrike">
                           <a:effectLst/>
                         </a:rPr>
                         <a:t>S11_PinB_ADV</a:t>
                       </a:r>
-                      <a:endParaRPr lang="en-US" sz="600" b="1" i="0" u="none" strike="noStrike">
+                      <a:endParaRPr lang="en-US" sz="400" b="0" i="0" u="none" strike="noStrike">
                         <a:solidFill>
                           <a:srgbClr val="000000"/>
                         </a:solidFill>
@@ -14930,7 +14948,7 @@
                       </a:endParaRPr>
                     </a:p>
                   </a:txBody>
-                  <a:tcPr marL="5346" marR="5346" marT="5346" marB="0" anchor="ctr"/>
+                  <a:tcPr marL="3550" marR="3550" marT="3550" marB="0" anchor="ctr"/>
                 </a:tc>
                 <a:tc>
                   <a:txBody>
@@ -14939,12 +14957,12 @@
                     <a:p>
                       <a:pPr algn="l" fontAlgn="ctr"/>
                       <a:r>
-                        <a:rPr lang="ko-KR" altLang="en-US" sz="600" u="none" strike="noStrike">
+                        <a:rPr lang="ko-KR" altLang="en-US" sz="400" u="none" strike="noStrike">
                           <a:effectLst/>
                         </a:rPr>
                         <a:t>　</a:t>
                       </a:r>
-                      <a:endParaRPr lang="ko-KR" altLang="en-US" sz="600" b="1" i="0" u="none" strike="noStrike">
+                      <a:endParaRPr lang="ko-KR" altLang="en-US" sz="400" b="0" i="0" u="none" strike="noStrike">
                         <a:solidFill>
                           <a:srgbClr val="000000"/>
                         </a:solidFill>
@@ -14954,15 +14972,15 @@
                       </a:endParaRPr>
                     </a:p>
                   </a:txBody>
-                  <a:tcPr marL="5346" marR="5346" marT="5346" marB="0" anchor="ctr"/>
+                  <a:tcPr marL="3550" marR="3550" marT="3550" marB="0" anchor="ctr"/>
                 </a:tc>
                 <a:extLst>
                   <a:ext uri="{0D108BD9-81ED-4DB2-BD59-A6C34878D82A}">
-                    <a16:rowId xmlns:a16="http://schemas.microsoft.com/office/drawing/2014/main" val="595457479"/>
+                    <a16:rowId xmlns:a16="http://schemas.microsoft.com/office/drawing/2014/main" val="894684054"/>
                   </a:ext>
                 </a:extLst>
               </a:tr>
-              <a:tr h="117604">
+              <a:tr h="128503">
                 <a:tc>
                   <a:txBody>
                     <a:bodyPr/>
@@ -14970,12 +14988,12 @@
                     <a:p>
                       <a:pPr algn="l" fontAlgn="ctr"/>
                       <a:r>
-                        <a:rPr lang="ko-KR" altLang="en-US" sz="600" u="none" strike="noStrike">
+                        <a:rPr lang="ko-KR" altLang="en-US" sz="400" u="none" strike="noStrike">
                           <a:effectLst/>
                         </a:rPr>
                         <a:t>외부주소</a:t>
                       </a:r>
-                      <a:endParaRPr lang="ko-KR" altLang="en-US" sz="600" b="1" i="0" u="none" strike="noStrike">
+                      <a:endParaRPr lang="ko-KR" altLang="en-US" sz="400" b="0" i="0" u="none" strike="noStrike">
                         <a:solidFill>
                           <a:srgbClr val="000000"/>
                         </a:solidFill>
@@ -14985,7 +15003,7 @@
                       </a:endParaRPr>
                     </a:p>
                   </a:txBody>
-                  <a:tcPr marL="5346" marR="5346" marT="5346" marB="0" anchor="ctr"/>
+                  <a:tcPr marL="3550" marR="3550" marT="3550" marB="0" anchor="ctr"/>
                 </a:tc>
                 <a:tc>
                   <a:txBody>
@@ -14994,12 +15012,12 @@
                     <a:p>
                       <a:pPr algn="l" fontAlgn="ctr"/>
                       <a:r>
-                        <a:rPr lang="en-US" sz="600" u="none" strike="noStrike">
+                        <a:rPr lang="en-US" sz="400" u="none" strike="noStrike">
                           <a:effectLst/>
                         </a:rPr>
                         <a:t>S11_PinB.RET</a:t>
                       </a:r>
-                      <a:endParaRPr lang="en-US" sz="600" b="1" i="0" u="none" strike="noStrike">
+                      <a:endParaRPr lang="en-US" sz="400" b="0" i="0" u="none" strike="noStrike">
                         <a:solidFill>
                           <a:srgbClr val="000000"/>
                         </a:solidFill>
@@ -15009,7 +15027,7 @@
                       </a:endParaRPr>
                     </a:p>
                   </a:txBody>
-                  <a:tcPr marL="5346" marR="5346" marT="5346" marB="0" anchor="ctr"/>
+                  <a:tcPr marL="3550" marR="3550" marT="3550" marB="0" anchor="ctr"/>
                 </a:tc>
                 <a:tc>
                   <a:txBody>
@@ -15018,12 +15036,12 @@
                     <a:p>
                       <a:pPr algn="l" fontAlgn="ctr"/>
                       <a:r>
-                        <a:rPr lang="en-US" sz="600" u="none" strike="noStrike">
+                        <a:rPr lang="en-US" sz="400" u="none" strike="noStrike">
                           <a:effectLst/>
                         </a:rPr>
                         <a:t>bool</a:t>
                       </a:r>
-                      <a:endParaRPr lang="en-US" sz="600" b="1" i="0" u="none" strike="noStrike">
+                      <a:endParaRPr lang="en-US" sz="400" b="0" i="0" u="none" strike="noStrike">
                         <a:solidFill>
                           <a:srgbClr val="000000"/>
                         </a:solidFill>
@@ -15033,7 +15051,7 @@
                       </a:endParaRPr>
                     </a:p>
                   </a:txBody>
-                  <a:tcPr marL="5346" marR="5346" marT="5346" marB="0" anchor="ctr"/>
+                  <a:tcPr marL="3550" marR="3550" marT="3550" marB="0" anchor="ctr"/>
                 </a:tc>
                 <a:tc>
                   <a:txBody>
@@ -15042,12 +15060,12 @@
                     <a:p>
                       <a:pPr algn="l" fontAlgn="ctr"/>
                       <a:r>
-                        <a:rPr lang="en-US" sz="600" u="none" strike="noStrike">
+                        <a:rPr lang="en-US" sz="400" u="none" strike="noStrike">
                           <a:effectLst/>
                         </a:rPr>
-                        <a:t>I1</a:t>
+                        <a:t>I0.1</a:t>
                       </a:r>
-                      <a:endParaRPr lang="en-US" sz="600" b="1" i="0" u="none" strike="noStrike">
+                      <a:endParaRPr lang="en-US" sz="400" b="0" i="0" u="none" strike="noStrike">
                         <a:solidFill>
                           <a:srgbClr val="000000"/>
                         </a:solidFill>
@@ -15057,7 +15075,7 @@
                       </a:endParaRPr>
                     </a:p>
                   </a:txBody>
-                  <a:tcPr marL="5346" marR="5346" marT="5346" marB="0" anchor="ctr"/>
+                  <a:tcPr marL="3550" marR="3550" marT="3550" marB="0" anchor="ctr"/>
                 </a:tc>
                 <a:tc>
                   <a:txBody>
@@ -15066,12 +15084,12 @@
                     <a:p>
                       <a:pPr algn="l" fontAlgn="ctr"/>
                       <a:r>
-                        <a:rPr lang="en-US" sz="600" u="none" strike="noStrike">
+                        <a:rPr lang="en-US" sz="400" u="none" strike="noStrike">
                           <a:effectLst/>
                         </a:rPr>
-                        <a:t>O1</a:t>
+                        <a:t>O0.1</a:t>
                       </a:r>
-                      <a:endParaRPr lang="en-US" sz="600" b="1" i="0" u="none" strike="noStrike">
+                      <a:endParaRPr lang="en-US" sz="400" b="0" i="0" u="none" strike="noStrike">
                         <a:solidFill>
                           <a:srgbClr val="000000"/>
                         </a:solidFill>
@@ -15081,7 +15099,7 @@
                       </a:endParaRPr>
                     </a:p>
                   </a:txBody>
-                  <a:tcPr marL="5346" marR="5346" marT="5346" marB="0" anchor="ctr"/>
+                  <a:tcPr marL="3550" marR="3550" marT="3550" marB="0" anchor="ctr"/>
                 </a:tc>
                 <a:tc>
                   <a:txBody>
@@ -15090,12 +15108,12 @@
                     <a:p>
                       <a:pPr algn="l" fontAlgn="ctr"/>
                       <a:r>
-                        <a:rPr lang="en-US" sz="600" u="none" strike="noStrike">
+                        <a:rPr lang="en-US" sz="400" u="none" strike="noStrike">
                           <a:effectLst/>
                         </a:rPr>
                         <a:t>S11_PinB_RET</a:t>
                       </a:r>
-                      <a:endParaRPr lang="en-US" sz="600" b="1" i="0" u="none" strike="noStrike">
+                      <a:endParaRPr lang="en-US" sz="400" b="0" i="0" u="none" strike="noStrike">
                         <a:solidFill>
                           <a:srgbClr val="000000"/>
                         </a:solidFill>
@@ -15105,7 +15123,7 @@
                       </a:endParaRPr>
                     </a:p>
                   </a:txBody>
-                  <a:tcPr marL="5346" marR="5346" marT="5346" marB="0" anchor="ctr"/>
+                  <a:tcPr marL="3550" marR="3550" marT="3550" marB="0" anchor="ctr"/>
                 </a:tc>
                 <a:tc>
                   <a:txBody>
@@ -15114,12 +15132,12 @@
                     <a:p>
                       <a:pPr algn="l" fontAlgn="ctr"/>
                       <a:r>
-                        <a:rPr lang="ko-KR" altLang="en-US" sz="600" u="none" strike="noStrike">
+                        <a:rPr lang="ko-KR" altLang="en-US" sz="400" u="none" strike="noStrike">
                           <a:effectLst/>
                         </a:rPr>
                         <a:t>　</a:t>
                       </a:r>
-                      <a:endParaRPr lang="ko-KR" altLang="en-US" sz="600" b="1" i="0" u="none" strike="noStrike">
+                      <a:endParaRPr lang="ko-KR" altLang="en-US" sz="400" b="0" i="0" u="none" strike="noStrike">
                         <a:solidFill>
                           <a:srgbClr val="000000"/>
                         </a:solidFill>
@@ -15129,15 +15147,15 @@
                       </a:endParaRPr>
                     </a:p>
                   </a:txBody>
-                  <a:tcPr marL="5346" marR="5346" marT="5346" marB="0" anchor="ctr"/>
+                  <a:tcPr marL="3550" marR="3550" marT="3550" marB="0" anchor="ctr"/>
                 </a:tc>
                 <a:extLst>
                   <a:ext uri="{0D108BD9-81ED-4DB2-BD59-A6C34878D82A}">
-                    <a16:rowId xmlns:a16="http://schemas.microsoft.com/office/drawing/2014/main" val="3130589323"/>
+                    <a16:rowId xmlns:a16="http://schemas.microsoft.com/office/drawing/2014/main" val="3781701538"/>
                   </a:ext>
                 </a:extLst>
               </a:tr>
-              <a:tr h="117604">
+              <a:tr h="128503">
                 <a:tc>
                   <a:txBody>
                     <a:bodyPr/>
@@ -15145,12 +15163,12 @@
                     <a:p>
                       <a:pPr algn="l" fontAlgn="ctr"/>
                       <a:r>
-                        <a:rPr lang="ko-KR" altLang="en-US" sz="600" u="none" strike="noStrike">
+                        <a:rPr lang="ko-KR" altLang="en-US" sz="400" u="none" strike="noStrike">
                           <a:effectLst/>
                         </a:rPr>
                         <a:t>외부주소</a:t>
                       </a:r>
-                      <a:endParaRPr lang="ko-KR" altLang="en-US" sz="600" b="1" i="0" u="none" strike="noStrike">
+                      <a:endParaRPr lang="ko-KR" altLang="en-US" sz="400" b="0" i="0" u="none" strike="noStrike">
                         <a:solidFill>
                           <a:srgbClr val="000000"/>
                         </a:solidFill>
@@ -15160,7 +15178,7 @@
                       </a:endParaRPr>
                     </a:p>
                   </a:txBody>
-                  <a:tcPr marL="5346" marR="5346" marT="5346" marB="0" anchor="ctr"/>
+                  <a:tcPr marL="3550" marR="3550" marT="3550" marB="0" anchor="ctr"/>
                 </a:tc>
                 <a:tc>
                   <a:txBody>
@@ -15169,12 +15187,12 @@
                     <a:p>
                       <a:pPr algn="l" fontAlgn="ctr"/>
                       <a:r>
-                        <a:rPr lang="en-US" sz="600" u="none" strike="noStrike">
+                        <a:rPr lang="en-US" sz="400" u="none" strike="noStrike">
                           <a:effectLst/>
                         </a:rPr>
                         <a:t>S22_Clamp1.ADV</a:t>
                       </a:r>
-                      <a:endParaRPr lang="en-US" sz="600" b="1" i="0" u="none" strike="noStrike">
+                      <a:endParaRPr lang="en-US" sz="400" b="0" i="0" u="none" strike="noStrike">
                         <a:solidFill>
                           <a:srgbClr val="000000"/>
                         </a:solidFill>
@@ -15184,7 +15202,7 @@
                       </a:endParaRPr>
                     </a:p>
                   </a:txBody>
-                  <a:tcPr marL="5346" marR="5346" marT="5346" marB="0" anchor="ctr"/>
+                  <a:tcPr marL="3550" marR="3550" marT="3550" marB="0" anchor="ctr"/>
                 </a:tc>
                 <a:tc>
                   <a:txBody>
@@ -15193,12 +15211,12 @@
                     <a:p>
                       <a:pPr algn="l" fontAlgn="ctr"/>
                       <a:r>
-                        <a:rPr lang="en-US" sz="600" u="none" strike="noStrike">
+                        <a:rPr lang="en-US" sz="400" u="none" strike="noStrike">
                           <a:effectLst/>
                         </a:rPr>
                         <a:t>bool</a:t>
                       </a:r>
-                      <a:endParaRPr lang="en-US" sz="600" b="1" i="0" u="none" strike="noStrike">
+                      <a:endParaRPr lang="en-US" sz="400" b="0" i="0" u="none" strike="noStrike">
                         <a:solidFill>
                           <a:srgbClr val="000000"/>
                         </a:solidFill>
@@ -15208,7 +15226,7 @@
                       </a:endParaRPr>
                     </a:p>
                   </a:txBody>
-                  <a:tcPr marL="5346" marR="5346" marT="5346" marB="0" anchor="ctr"/>
+                  <a:tcPr marL="3550" marR="3550" marT="3550" marB="0" anchor="ctr"/>
                 </a:tc>
                 <a:tc>
                   <a:txBody>
@@ -15217,12 +15235,12 @@
                     <a:p>
                       <a:pPr algn="l" fontAlgn="ctr"/>
                       <a:r>
-                        <a:rPr lang="en-US" sz="600" u="none" strike="noStrike">
+                        <a:rPr lang="en-US" sz="400" u="none" strike="noStrike" dirty="0">
                           <a:effectLst/>
                         </a:rPr>
-                        <a:t>I12</a:t>
+                        <a:t>I1.4</a:t>
                       </a:r>
-                      <a:endParaRPr lang="en-US" sz="600" b="1" i="0" u="none" strike="noStrike">
+                      <a:endParaRPr lang="en-US" sz="400" b="0" i="0" u="none" strike="noStrike" dirty="0">
                         <a:solidFill>
                           <a:srgbClr val="000000"/>
                         </a:solidFill>
@@ -15232,7 +15250,7 @@
                       </a:endParaRPr>
                     </a:p>
                   </a:txBody>
-                  <a:tcPr marL="5346" marR="5346" marT="5346" marB="0" anchor="ctr"/>
+                  <a:tcPr marL="3550" marR="3550" marT="3550" marB="0" anchor="ctr"/>
                 </a:tc>
                 <a:tc>
                   <a:txBody>
@@ -15241,12 +15259,12 @@
                     <a:p>
                       <a:pPr algn="l" fontAlgn="ctr"/>
                       <a:r>
-                        <a:rPr lang="en-US" sz="600" u="none" strike="noStrike">
+                        <a:rPr lang="en-US" sz="400" u="none" strike="noStrike">
                           <a:effectLst/>
                         </a:rPr>
-                        <a:t>O12</a:t>
+                        <a:t>O1.4</a:t>
                       </a:r>
-                      <a:endParaRPr lang="en-US" sz="600" b="1" i="0" u="none" strike="noStrike">
+                      <a:endParaRPr lang="en-US" sz="400" b="0" i="0" u="none" strike="noStrike">
                         <a:solidFill>
                           <a:srgbClr val="000000"/>
                         </a:solidFill>
@@ -15256,7 +15274,7 @@
                       </a:endParaRPr>
                     </a:p>
                   </a:txBody>
-                  <a:tcPr marL="5346" marR="5346" marT="5346" marB="0" anchor="ctr"/>
+                  <a:tcPr marL="3550" marR="3550" marT="3550" marB="0" anchor="ctr"/>
                 </a:tc>
                 <a:tc>
                   <a:txBody>
@@ -15265,12 +15283,12 @@
                     <a:p>
                       <a:pPr algn="l" fontAlgn="ctr"/>
                       <a:r>
-                        <a:rPr lang="en-US" sz="600" u="none" strike="noStrike">
+                        <a:rPr lang="en-US" sz="400" u="none" strike="noStrike">
                           <a:effectLst/>
                         </a:rPr>
                         <a:t>S22_Clamp_ADV</a:t>
                       </a:r>
-                      <a:endParaRPr lang="en-US" sz="600" b="1" i="0" u="none" strike="noStrike">
+                      <a:endParaRPr lang="en-US" sz="400" b="0" i="0" u="none" strike="noStrike">
                         <a:solidFill>
                           <a:srgbClr val="000000"/>
                         </a:solidFill>
@@ -15280,7 +15298,7 @@
                       </a:endParaRPr>
                     </a:p>
                   </a:txBody>
-                  <a:tcPr marL="5346" marR="5346" marT="5346" marB="0" anchor="ctr"/>
+                  <a:tcPr marL="3550" marR="3550" marT="3550" marB="0" anchor="ctr"/>
                 </a:tc>
                 <a:tc>
                   <a:txBody>
@@ -15289,12 +15307,12 @@
                     <a:p>
                       <a:pPr algn="l" fontAlgn="ctr"/>
                       <a:r>
-                        <a:rPr lang="ko-KR" altLang="en-US" sz="600" u="none" strike="noStrike">
+                        <a:rPr lang="ko-KR" altLang="en-US" sz="400" u="none" strike="noStrike">
                           <a:effectLst/>
                         </a:rPr>
                         <a:t>　</a:t>
                       </a:r>
-                      <a:endParaRPr lang="ko-KR" altLang="en-US" sz="600" b="1" i="0" u="none" strike="noStrike">
+                      <a:endParaRPr lang="ko-KR" altLang="en-US" sz="400" b="0" i="0" u="none" strike="noStrike">
                         <a:solidFill>
                           <a:srgbClr val="000000"/>
                         </a:solidFill>
@@ -15304,15 +15322,15 @@
                       </a:endParaRPr>
                     </a:p>
                   </a:txBody>
-                  <a:tcPr marL="5346" marR="5346" marT="5346" marB="0" anchor="ctr"/>
+                  <a:tcPr marL="3550" marR="3550" marT="3550" marB="0" anchor="ctr"/>
                 </a:tc>
                 <a:extLst>
                   <a:ext uri="{0D108BD9-81ED-4DB2-BD59-A6C34878D82A}">
-                    <a16:rowId xmlns:a16="http://schemas.microsoft.com/office/drawing/2014/main" val="1249125609"/>
+                    <a16:rowId xmlns:a16="http://schemas.microsoft.com/office/drawing/2014/main" val="1768659675"/>
                   </a:ext>
                 </a:extLst>
               </a:tr>
-              <a:tr h="117604">
+              <a:tr h="128503">
                 <a:tc>
                   <a:txBody>
                     <a:bodyPr/>
@@ -15320,12 +15338,12 @@
                     <a:p>
                       <a:pPr algn="l" fontAlgn="ctr"/>
                       <a:r>
-                        <a:rPr lang="ko-KR" altLang="en-US" sz="600" u="none" strike="noStrike">
+                        <a:rPr lang="ko-KR" altLang="en-US" sz="400" u="none" strike="noStrike">
                           <a:effectLst/>
                         </a:rPr>
                         <a:t>외부주소</a:t>
                       </a:r>
-                      <a:endParaRPr lang="ko-KR" altLang="en-US" sz="600" b="1" i="0" u="none" strike="noStrike">
+                      <a:endParaRPr lang="ko-KR" altLang="en-US" sz="400" b="0" i="0" u="none" strike="noStrike">
                         <a:solidFill>
                           <a:srgbClr val="000000"/>
                         </a:solidFill>
@@ -15335,7 +15353,7 @@
                       </a:endParaRPr>
                     </a:p>
                   </a:txBody>
-                  <a:tcPr marL="5346" marR="5346" marT="5346" marB="0" anchor="ctr"/>
+                  <a:tcPr marL="3550" marR="3550" marT="3550" marB="0" anchor="ctr"/>
                 </a:tc>
                 <a:tc>
                   <a:txBody>
@@ -15344,12 +15362,12 @@
                     <a:p>
                       <a:pPr algn="l" fontAlgn="ctr"/>
                       <a:r>
-                        <a:rPr lang="en-US" sz="600" u="none" strike="noStrike">
+                        <a:rPr lang="en-US" sz="400" u="none" strike="noStrike">
                           <a:effectLst/>
                         </a:rPr>
                         <a:t>S22_Clamp2.ADV</a:t>
                       </a:r>
-                      <a:endParaRPr lang="en-US" sz="600" b="1" i="0" u="none" strike="noStrike">
+                      <a:endParaRPr lang="en-US" sz="400" b="0" i="0" u="none" strike="noStrike">
                         <a:solidFill>
                           <a:srgbClr val="000000"/>
                         </a:solidFill>
@@ -15359,7 +15377,7 @@
                       </a:endParaRPr>
                     </a:p>
                   </a:txBody>
-                  <a:tcPr marL="5346" marR="5346" marT="5346" marB="0" anchor="ctr"/>
+                  <a:tcPr marL="3550" marR="3550" marT="3550" marB="0" anchor="ctr"/>
                 </a:tc>
                 <a:tc>
                   <a:txBody>
@@ -15368,12 +15386,12 @@
                     <a:p>
                       <a:pPr algn="l" fontAlgn="ctr"/>
                       <a:r>
-                        <a:rPr lang="en-US" sz="600" u="none" strike="noStrike">
+                        <a:rPr lang="en-US" sz="400" u="none" strike="noStrike">
                           <a:effectLst/>
                         </a:rPr>
                         <a:t>bool</a:t>
                       </a:r>
-                      <a:endParaRPr lang="en-US" sz="600" b="1" i="0" u="none" strike="noStrike">
+                      <a:endParaRPr lang="en-US" sz="400" b="0" i="0" u="none" strike="noStrike">
                         <a:solidFill>
                           <a:srgbClr val="000000"/>
                         </a:solidFill>
@@ -15383,7 +15401,7 @@
                       </a:endParaRPr>
                     </a:p>
                   </a:txBody>
-                  <a:tcPr marL="5346" marR="5346" marT="5346" marB="0" anchor="ctr"/>
+                  <a:tcPr marL="3550" marR="3550" marT="3550" marB="0" anchor="ctr"/>
                 </a:tc>
                 <a:tc>
                   <a:txBody>
@@ -15392,12 +15410,12 @@
                     <a:p>
                       <a:pPr algn="l" fontAlgn="ctr"/>
                       <a:r>
-                        <a:rPr lang="en-US" sz="600" u="none" strike="noStrike">
+                        <a:rPr lang="en-US" sz="400" u="none" strike="noStrike">
                           <a:effectLst/>
                         </a:rPr>
-                        <a:t>I13</a:t>
+                        <a:t>I1.5</a:t>
                       </a:r>
-                      <a:endParaRPr lang="en-US" sz="600" b="1" i="0" u="none" strike="noStrike">
+                      <a:endParaRPr lang="en-US" sz="400" b="0" i="0" u="none" strike="noStrike">
                         <a:solidFill>
                           <a:srgbClr val="000000"/>
                         </a:solidFill>
@@ -15407,7 +15425,7 @@
                       </a:endParaRPr>
                     </a:p>
                   </a:txBody>
-                  <a:tcPr marL="5346" marR="5346" marT="5346" marB="0" anchor="ctr"/>
+                  <a:tcPr marL="3550" marR="3550" marT="3550" marB="0" anchor="ctr"/>
                 </a:tc>
                 <a:tc>
                   <a:txBody>
@@ -15416,12 +15434,12 @@
                     <a:p>
                       <a:pPr algn="l" fontAlgn="ctr"/>
                       <a:r>
-                        <a:rPr lang="en-US" sz="600" u="none" strike="noStrike">
+                        <a:rPr lang="en-US" sz="400" u="none" strike="noStrike">
                           <a:effectLst/>
                         </a:rPr>
-                        <a:t>O13</a:t>
+                        <a:t>O1.5</a:t>
                       </a:r>
-                      <a:endParaRPr lang="en-US" sz="600" b="1" i="0" u="none" strike="noStrike">
+                      <a:endParaRPr lang="en-US" sz="400" b="0" i="0" u="none" strike="noStrike">
                         <a:solidFill>
                           <a:srgbClr val="000000"/>
                         </a:solidFill>
@@ -15431,7 +15449,7 @@
                       </a:endParaRPr>
                     </a:p>
                   </a:txBody>
-                  <a:tcPr marL="5346" marR="5346" marT="5346" marB="0" anchor="ctr"/>
+                  <a:tcPr marL="3550" marR="3550" marT="3550" marB="0" anchor="ctr"/>
                 </a:tc>
                 <a:tc>
                   <a:txBody>
@@ -15440,12 +15458,12 @@
                     <a:p>
                       <a:pPr algn="l" fontAlgn="ctr"/>
                       <a:r>
-                        <a:rPr lang="ko-KR" altLang="en-US" sz="600" u="none" strike="noStrike">
+                        <a:rPr lang="ko-KR" altLang="en-US" sz="400" u="none" strike="noStrike">
                           <a:effectLst/>
                         </a:rPr>
                         <a:t>↑</a:t>
                       </a:r>
-                      <a:endParaRPr lang="ko-KR" altLang="en-US" sz="600" b="1" i="0" u="none" strike="noStrike">
+                      <a:endParaRPr lang="ko-KR" altLang="en-US" sz="400" b="0" i="0" u="none" strike="noStrike">
                         <a:solidFill>
                           <a:srgbClr val="000000"/>
                         </a:solidFill>
@@ -15455,7 +15473,7 @@
                       </a:endParaRPr>
                     </a:p>
                   </a:txBody>
-                  <a:tcPr marL="5346" marR="5346" marT="5346" marB="0" anchor="ctr"/>
+                  <a:tcPr marL="3550" marR="3550" marT="3550" marB="0" anchor="ctr"/>
                 </a:tc>
                 <a:tc>
                   <a:txBody>
@@ -15464,12 +15482,12 @@
                     <a:p>
                       <a:pPr algn="l" fontAlgn="ctr"/>
                       <a:r>
-                        <a:rPr lang="ko-KR" altLang="en-US" sz="600" u="none" strike="noStrike">
+                        <a:rPr lang="ko-KR" altLang="en-US" sz="400" u="none" strike="noStrike">
                           <a:effectLst/>
                         </a:rPr>
                         <a:t>↑</a:t>
                       </a:r>
-                      <a:endParaRPr lang="ko-KR" altLang="en-US" sz="600" b="1" i="0" u="none" strike="noStrike">
+                      <a:endParaRPr lang="ko-KR" altLang="en-US" sz="400" b="0" i="0" u="none" strike="noStrike">
                         <a:solidFill>
                           <a:srgbClr val="000000"/>
                         </a:solidFill>
@@ -15479,15 +15497,15 @@
                       </a:endParaRPr>
                     </a:p>
                   </a:txBody>
-                  <a:tcPr marL="5346" marR="5346" marT="5346" marB="0" anchor="ctr"/>
+                  <a:tcPr marL="3550" marR="3550" marT="3550" marB="0" anchor="ctr"/>
                 </a:tc>
                 <a:extLst>
                   <a:ext uri="{0D108BD9-81ED-4DB2-BD59-A6C34878D82A}">
-                    <a16:rowId xmlns:a16="http://schemas.microsoft.com/office/drawing/2014/main" val="1724044275"/>
+                    <a16:rowId xmlns:a16="http://schemas.microsoft.com/office/drawing/2014/main" val="3982507164"/>
                   </a:ext>
                 </a:extLst>
               </a:tr>
-              <a:tr h="117604">
+              <a:tr h="128503">
                 <a:tc>
                   <a:txBody>
                     <a:bodyPr/>
@@ -15495,12 +15513,12 @@
                     <a:p>
                       <a:pPr algn="l" fontAlgn="ctr"/>
                       <a:r>
-                        <a:rPr lang="ko-KR" altLang="en-US" sz="600" u="none" strike="noStrike">
+                        <a:rPr lang="ko-KR" altLang="en-US" sz="400" u="none" strike="noStrike">
                           <a:effectLst/>
                         </a:rPr>
                         <a:t>외부주소</a:t>
                       </a:r>
-                      <a:endParaRPr lang="ko-KR" altLang="en-US" sz="600" b="1" i="0" u="none" strike="noStrike">
+                      <a:endParaRPr lang="ko-KR" altLang="en-US" sz="400" b="0" i="0" u="none" strike="noStrike">
                         <a:solidFill>
                           <a:srgbClr val="000000"/>
                         </a:solidFill>
@@ -15510,7 +15528,7 @@
                       </a:endParaRPr>
                     </a:p>
                   </a:txBody>
-                  <a:tcPr marL="5346" marR="5346" marT="5346" marB="0" anchor="ctr"/>
+                  <a:tcPr marL="3550" marR="3550" marT="3550" marB="0" anchor="ctr"/>
                 </a:tc>
                 <a:tc>
                   <a:txBody>
@@ -15519,12 +15537,12 @@
                     <a:p>
                       <a:pPr algn="l" fontAlgn="ctr"/>
                       <a:r>
-                        <a:rPr lang="en-US" sz="600" u="none" strike="noStrike">
+                        <a:rPr lang="en-US" sz="400" u="none" strike="noStrike">
                           <a:effectLst/>
                         </a:rPr>
                         <a:t>S22_Clamp1.RET</a:t>
                       </a:r>
-                      <a:endParaRPr lang="en-US" sz="600" b="1" i="0" u="none" strike="noStrike">
+                      <a:endParaRPr lang="en-US" sz="400" b="0" i="0" u="none" strike="noStrike">
                         <a:solidFill>
                           <a:srgbClr val="000000"/>
                         </a:solidFill>
@@ -15534,7 +15552,7 @@
                       </a:endParaRPr>
                     </a:p>
                   </a:txBody>
-                  <a:tcPr marL="5346" marR="5346" marT="5346" marB="0" anchor="ctr"/>
+                  <a:tcPr marL="3550" marR="3550" marT="3550" marB="0" anchor="ctr"/>
                 </a:tc>
                 <a:tc>
                   <a:txBody>
@@ -15543,12 +15561,12 @@
                     <a:p>
                       <a:pPr algn="l" fontAlgn="ctr"/>
                       <a:r>
-                        <a:rPr lang="en-US" sz="600" u="none" strike="noStrike">
+                        <a:rPr lang="en-US" sz="400" u="none" strike="noStrike">
                           <a:effectLst/>
                         </a:rPr>
                         <a:t>bool</a:t>
                       </a:r>
-                      <a:endParaRPr lang="en-US" sz="600" b="1" i="0" u="none" strike="noStrike">
+                      <a:endParaRPr lang="en-US" sz="400" b="0" i="0" u="none" strike="noStrike">
                         <a:solidFill>
                           <a:srgbClr val="000000"/>
                         </a:solidFill>
@@ -15558,7 +15576,7 @@
                       </a:endParaRPr>
                     </a:p>
                   </a:txBody>
-                  <a:tcPr marL="5346" marR="5346" marT="5346" marB="0" anchor="ctr"/>
+                  <a:tcPr marL="3550" marR="3550" marT="3550" marB="0" anchor="ctr"/>
                 </a:tc>
                 <a:tc>
                   <a:txBody>
@@ -15567,12 +15585,12 @@
                     <a:p>
                       <a:pPr algn="l" fontAlgn="ctr"/>
                       <a:r>
-                        <a:rPr lang="en-US" sz="600" u="none" strike="noStrike">
+                        <a:rPr lang="en-US" sz="400" u="none" strike="noStrike" dirty="0">
                           <a:effectLst/>
                         </a:rPr>
-                        <a:t>I14</a:t>
+                        <a:t>I1.6</a:t>
                       </a:r>
-                      <a:endParaRPr lang="en-US" sz="600" b="1" i="0" u="none" strike="noStrike">
+                      <a:endParaRPr lang="en-US" sz="400" b="0" i="0" u="none" strike="noStrike" dirty="0">
                         <a:solidFill>
                           <a:srgbClr val="000000"/>
                         </a:solidFill>
@@ -15582,7 +15600,7 @@
                       </a:endParaRPr>
                     </a:p>
                   </a:txBody>
-                  <a:tcPr marL="5346" marR="5346" marT="5346" marB="0" anchor="ctr"/>
+                  <a:tcPr marL="3550" marR="3550" marT="3550" marB="0" anchor="ctr"/>
                 </a:tc>
                 <a:tc>
                   <a:txBody>
@@ -15591,12 +15609,12 @@
                     <a:p>
                       <a:pPr algn="l" fontAlgn="ctr"/>
                       <a:r>
-                        <a:rPr lang="en-US" sz="600" u="none" strike="noStrike">
+                        <a:rPr lang="en-US" sz="400" u="none" strike="noStrike">
                           <a:effectLst/>
                         </a:rPr>
-                        <a:t>O14</a:t>
+                        <a:t>O1.6</a:t>
                       </a:r>
-                      <a:endParaRPr lang="en-US" sz="600" b="1" i="0" u="none" strike="noStrike">
+                      <a:endParaRPr lang="en-US" sz="400" b="0" i="0" u="none" strike="noStrike">
                         <a:solidFill>
                           <a:srgbClr val="000000"/>
                         </a:solidFill>
@@ -15606,7 +15624,7 @@
                       </a:endParaRPr>
                     </a:p>
                   </a:txBody>
-                  <a:tcPr marL="5346" marR="5346" marT="5346" marB="0" anchor="ctr"/>
+                  <a:tcPr marL="3550" marR="3550" marT="3550" marB="0" anchor="ctr"/>
                 </a:tc>
                 <a:tc>
                   <a:txBody>
@@ -15615,12 +15633,12 @@
                     <a:p>
                       <a:pPr algn="l" fontAlgn="ctr"/>
                       <a:r>
-                        <a:rPr lang="en-US" sz="600" u="none" strike="noStrike">
+                        <a:rPr lang="en-US" sz="400" u="none" strike="noStrike">
                           <a:effectLst/>
                         </a:rPr>
                         <a:t>S22_Clamp_RET</a:t>
                       </a:r>
-                      <a:endParaRPr lang="en-US" sz="600" b="1" i="0" u="none" strike="noStrike">
+                      <a:endParaRPr lang="en-US" sz="400" b="0" i="0" u="none" strike="noStrike">
                         <a:solidFill>
                           <a:srgbClr val="000000"/>
                         </a:solidFill>
@@ -15630,7 +15648,7 @@
                       </a:endParaRPr>
                     </a:p>
                   </a:txBody>
-                  <a:tcPr marL="5346" marR="5346" marT="5346" marB="0" anchor="ctr"/>
+                  <a:tcPr marL="3550" marR="3550" marT="3550" marB="0" anchor="ctr"/>
                 </a:tc>
                 <a:tc>
                   <a:txBody>
@@ -15639,12 +15657,12 @@
                     <a:p>
                       <a:pPr algn="l" fontAlgn="ctr"/>
                       <a:r>
-                        <a:rPr lang="ko-KR" altLang="en-US" sz="600" u="none" strike="noStrike">
+                        <a:rPr lang="ko-KR" altLang="en-US" sz="400" u="none" strike="noStrike">
                           <a:effectLst/>
                         </a:rPr>
                         <a:t>　</a:t>
                       </a:r>
-                      <a:endParaRPr lang="ko-KR" altLang="en-US" sz="600" b="1" i="0" u="none" strike="noStrike">
+                      <a:endParaRPr lang="ko-KR" altLang="en-US" sz="400" b="0" i="0" u="none" strike="noStrike">
                         <a:solidFill>
                           <a:srgbClr val="000000"/>
                         </a:solidFill>
@@ -15654,15 +15672,15 @@
                       </a:endParaRPr>
                     </a:p>
                   </a:txBody>
-                  <a:tcPr marL="5346" marR="5346" marT="5346" marB="0" anchor="ctr"/>
+                  <a:tcPr marL="3550" marR="3550" marT="3550" marB="0" anchor="ctr"/>
                 </a:tc>
                 <a:extLst>
                   <a:ext uri="{0D108BD9-81ED-4DB2-BD59-A6C34878D82A}">
-                    <a16:rowId xmlns:a16="http://schemas.microsoft.com/office/drawing/2014/main" val="1843401973"/>
+                    <a16:rowId xmlns:a16="http://schemas.microsoft.com/office/drawing/2014/main" val="3968744963"/>
                   </a:ext>
                 </a:extLst>
               </a:tr>
-              <a:tr h="117604">
+              <a:tr h="128503">
                 <a:tc>
                   <a:txBody>
                     <a:bodyPr/>
@@ -15670,12 +15688,12 @@
                     <a:p>
                       <a:pPr algn="l" fontAlgn="ctr"/>
                       <a:r>
-                        <a:rPr lang="ko-KR" altLang="en-US" sz="600" u="none" strike="noStrike">
+                        <a:rPr lang="ko-KR" altLang="en-US" sz="400" u="none" strike="noStrike">
                           <a:effectLst/>
                         </a:rPr>
                         <a:t>외부주소</a:t>
                       </a:r>
-                      <a:endParaRPr lang="ko-KR" altLang="en-US" sz="600" b="1" i="0" u="none" strike="noStrike">
+                      <a:endParaRPr lang="ko-KR" altLang="en-US" sz="400" b="0" i="0" u="none" strike="noStrike">
                         <a:solidFill>
                           <a:srgbClr val="000000"/>
                         </a:solidFill>
@@ -15685,7 +15703,7 @@
                       </a:endParaRPr>
                     </a:p>
                   </a:txBody>
-                  <a:tcPr marL="5346" marR="5346" marT="5346" marB="0" anchor="ctr"/>
+                  <a:tcPr marL="3550" marR="3550" marT="3550" marB="0" anchor="ctr"/>
                 </a:tc>
                 <a:tc>
                   <a:txBody>
@@ -15694,12 +15712,12 @@
                     <a:p>
                       <a:pPr algn="l" fontAlgn="ctr"/>
                       <a:r>
-                        <a:rPr lang="en-US" sz="600" u="none" strike="noStrike">
+                        <a:rPr lang="en-US" sz="400" u="none" strike="noStrike">
                           <a:effectLst/>
                         </a:rPr>
                         <a:t>S22_Clamp2.RET</a:t>
                       </a:r>
-                      <a:endParaRPr lang="en-US" sz="600" b="1" i="0" u="none" strike="noStrike">
+                      <a:endParaRPr lang="en-US" sz="400" b="0" i="0" u="none" strike="noStrike">
                         <a:solidFill>
                           <a:srgbClr val="000000"/>
                         </a:solidFill>
@@ -15709,7 +15727,7 @@
                       </a:endParaRPr>
                     </a:p>
                   </a:txBody>
-                  <a:tcPr marL="5346" marR="5346" marT="5346" marB="0" anchor="ctr"/>
+                  <a:tcPr marL="3550" marR="3550" marT="3550" marB="0" anchor="ctr"/>
                 </a:tc>
                 <a:tc>
                   <a:txBody>
@@ -15718,12 +15736,12 @@
                     <a:p>
                       <a:pPr algn="l" fontAlgn="ctr"/>
                       <a:r>
-                        <a:rPr lang="en-US" sz="600" u="none" strike="noStrike">
+                        <a:rPr lang="en-US" sz="400" u="none" strike="noStrike">
                           <a:effectLst/>
                         </a:rPr>
                         <a:t>bool</a:t>
                       </a:r>
-                      <a:endParaRPr lang="en-US" sz="600" b="1" i="0" u="none" strike="noStrike">
+                      <a:endParaRPr lang="en-US" sz="400" b="0" i="0" u="none" strike="noStrike">
                         <a:solidFill>
                           <a:srgbClr val="000000"/>
                         </a:solidFill>
@@ -15733,7 +15751,7 @@
                       </a:endParaRPr>
                     </a:p>
                   </a:txBody>
-                  <a:tcPr marL="5346" marR="5346" marT="5346" marB="0" anchor="ctr"/>
+                  <a:tcPr marL="3550" marR="3550" marT="3550" marB="0" anchor="ctr"/>
                 </a:tc>
                 <a:tc>
                   <a:txBody>
@@ -15742,12 +15760,12 @@
                     <a:p>
                       <a:pPr algn="l" fontAlgn="ctr"/>
                       <a:r>
-                        <a:rPr lang="en-US" sz="600" u="none" strike="noStrike">
+                        <a:rPr lang="en-US" sz="400" u="none" strike="noStrike">
                           <a:effectLst/>
                         </a:rPr>
-                        <a:t>I15</a:t>
+                        <a:t>I1.7</a:t>
                       </a:r>
-                      <a:endParaRPr lang="en-US" sz="600" b="1" i="0" u="none" strike="noStrike">
+                      <a:endParaRPr lang="en-US" sz="400" b="0" i="0" u="none" strike="noStrike">
                         <a:solidFill>
                           <a:srgbClr val="000000"/>
                         </a:solidFill>
@@ -15757,7 +15775,7 @@
                       </a:endParaRPr>
                     </a:p>
                   </a:txBody>
-                  <a:tcPr marL="5346" marR="5346" marT="5346" marB="0" anchor="ctr"/>
+                  <a:tcPr marL="3550" marR="3550" marT="3550" marB="0" anchor="ctr"/>
                 </a:tc>
                 <a:tc>
                   <a:txBody>
@@ -15766,12 +15784,12 @@
                     <a:p>
                       <a:pPr algn="l" fontAlgn="ctr"/>
                       <a:r>
-                        <a:rPr lang="en-US" sz="600" u="none" strike="noStrike">
+                        <a:rPr lang="en-US" sz="400" u="none" strike="noStrike">
                           <a:effectLst/>
                         </a:rPr>
-                        <a:t>O15</a:t>
+                        <a:t>O1.7</a:t>
                       </a:r>
-                      <a:endParaRPr lang="en-US" sz="600" b="1" i="0" u="none" strike="noStrike">
+                      <a:endParaRPr lang="en-US" sz="400" b="0" i="0" u="none" strike="noStrike">
                         <a:solidFill>
                           <a:srgbClr val="000000"/>
                         </a:solidFill>
@@ -15781,7 +15799,7 @@
                       </a:endParaRPr>
                     </a:p>
                   </a:txBody>
-                  <a:tcPr marL="5346" marR="5346" marT="5346" marB="0" anchor="ctr"/>
+                  <a:tcPr marL="3550" marR="3550" marT="3550" marB="0" anchor="ctr"/>
                 </a:tc>
                 <a:tc>
                   <a:txBody>
@@ -15790,12 +15808,12 @@
                     <a:p>
                       <a:pPr algn="l" fontAlgn="ctr"/>
                       <a:r>
-                        <a:rPr lang="ko-KR" altLang="en-US" sz="600" u="none" strike="noStrike">
+                        <a:rPr lang="ko-KR" altLang="en-US" sz="400" u="none" strike="noStrike">
                           <a:effectLst/>
                         </a:rPr>
                         <a:t>↑</a:t>
                       </a:r>
-                      <a:endParaRPr lang="ko-KR" altLang="en-US" sz="600" b="1" i="0" u="none" strike="noStrike">
+                      <a:endParaRPr lang="ko-KR" altLang="en-US" sz="400" b="0" i="0" u="none" strike="noStrike">
                         <a:solidFill>
                           <a:srgbClr val="000000"/>
                         </a:solidFill>
@@ -15805,7 +15823,7 @@
                       </a:endParaRPr>
                     </a:p>
                   </a:txBody>
-                  <a:tcPr marL="5346" marR="5346" marT="5346" marB="0" anchor="ctr"/>
+                  <a:tcPr marL="3550" marR="3550" marT="3550" marB="0" anchor="ctr"/>
                 </a:tc>
                 <a:tc>
                   <a:txBody>
@@ -15814,12 +15832,12 @@
                     <a:p>
                       <a:pPr algn="l" fontAlgn="ctr"/>
                       <a:r>
-                        <a:rPr lang="ko-KR" altLang="en-US" sz="600" u="none" strike="noStrike">
+                        <a:rPr lang="ko-KR" altLang="en-US" sz="400" u="none" strike="noStrike">
                           <a:effectLst/>
                         </a:rPr>
                         <a:t>↑</a:t>
                       </a:r>
-                      <a:endParaRPr lang="ko-KR" altLang="en-US" sz="600" b="1" i="0" u="none" strike="noStrike">
+                      <a:endParaRPr lang="ko-KR" altLang="en-US" sz="400" b="0" i="0" u="none" strike="noStrike">
                         <a:solidFill>
                           <a:srgbClr val="000000"/>
                         </a:solidFill>
@@ -15829,15 +15847,15 @@
                       </a:endParaRPr>
                     </a:p>
                   </a:txBody>
-                  <a:tcPr marL="5346" marR="5346" marT="5346" marB="0" anchor="ctr"/>
+                  <a:tcPr marL="3550" marR="3550" marT="3550" marB="0" anchor="ctr"/>
                 </a:tc>
                 <a:extLst>
                   <a:ext uri="{0D108BD9-81ED-4DB2-BD59-A6C34878D82A}">
-                    <a16:rowId xmlns:a16="http://schemas.microsoft.com/office/drawing/2014/main" val="119961497"/>
+                    <a16:rowId xmlns:a16="http://schemas.microsoft.com/office/drawing/2014/main" val="2480999037"/>
                   </a:ext>
                 </a:extLst>
               </a:tr>
-              <a:tr h="117604">
+              <a:tr h="128503">
                 <a:tc>
                   <a:txBody>
                     <a:bodyPr/>
@@ -15845,12 +15863,12 @@
                     <a:p>
                       <a:pPr algn="l" fontAlgn="ctr"/>
                       <a:r>
-                        <a:rPr lang="ko-KR" altLang="en-US" sz="600" u="none" strike="noStrike">
+                        <a:rPr lang="ko-KR" altLang="en-US" sz="400" u="none" strike="noStrike">
                           <a:effectLst/>
                         </a:rPr>
                         <a:t>외부주소</a:t>
                       </a:r>
-                      <a:endParaRPr lang="ko-KR" altLang="en-US" sz="600" b="1" i="0" u="none" strike="noStrike">
+                      <a:endParaRPr lang="ko-KR" altLang="en-US" sz="400" b="0" i="0" u="none" strike="noStrike">
                         <a:solidFill>
                           <a:srgbClr val="000000"/>
                         </a:solidFill>
@@ -15860,7 +15878,7 @@
                       </a:endParaRPr>
                     </a:p>
                   </a:txBody>
-                  <a:tcPr marL="5346" marR="5346" marT="5346" marB="0" anchor="ctr"/>
+                  <a:tcPr marL="3550" marR="3550" marT="3550" marB="0" anchor="ctr"/>
                 </a:tc>
                 <a:tc>
                   <a:txBody>
@@ -15869,12 +15887,12 @@
                     <a:p>
                       <a:pPr algn="l" fontAlgn="ctr"/>
                       <a:r>
-                        <a:rPr lang="en-US" sz="600" u="none" strike="noStrike">
+                        <a:rPr lang="en-US" sz="400" u="none" strike="noStrike">
                           <a:effectLst/>
                         </a:rPr>
                         <a:t>S22_Latch1.ADV</a:t>
                       </a:r>
-                      <a:endParaRPr lang="en-US" sz="600" b="1" i="0" u="none" strike="noStrike">
+                      <a:endParaRPr lang="en-US" sz="400" b="0" i="0" u="none" strike="noStrike">
                         <a:solidFill>
                           <a:srgbClr val="000000"/>
                         </a:solidFill>
@@ -15884,7 +15902,7 @@
                       </a:endParaRPr>
                     </a:p>
                   </a:txBody>
-                  <a:tcPr marL="5346" marR="5346" marT="5346" marB="0" anchor="ctr"/>
+                  <a:tcPr marL="3550" marR="3550" marT="3550" marB="0" anchor="ctr"/>
                 </a:tc>
                 <a:tc>
                   <a:txBody>
@@ -15893,12 +15911,12 @@
                     <a:p>
                       <a:pPr algn="l" fontAlgn="ctr"/>
                       <a:r>
-                        <a:rPr lang="en-US" sz="600" u="none" strike="noStrike">
+                        <a:rPr lang="en-US" sz="400" u="none" strike="noStrike">
                           <a:effectLst/>
                         </a:rPr>
                         <a:t>bool</a:t>
                       </a:r>
-                      <a:endParaRPr lang="en-US" sz="600" b="1" i="0" u="none" strike="noStrike">
+                      <a:endParaRPr lang="en-US" sz="400" b="0" i="0" u="none" strike="noStrike">
                         <a:solidFill>
                           <a:srgbClr val="000000"/>
                         </a:solidFill>
@@ -15908,7 +15926,7 @@
                       </a:endParaRPr>
                     </a:p>
                   </a:txBody>
-                  <a:tcPr marL="5346" marR="5346" marT="5346" marB="0" anchor="ctr"/>
+                  <a:tcPr marL="3550" marR="3550" marT="3550" marB="0" anchor="ctr"/>
                 </a:tc>
                 <a:tc>
                   <a:txBody>
@@ -15917,12 +15935,12 @@
                     <a:p>
                       <a:pPr algn="l" fontAlgn="ctr"/>
                       <a:r>
-                        <a:rPr lang="en-US" sz="600" u="none" strike="noStrike">
+                        <a:rPr lang="en-US" sz="400" u="none" strike="noStrike" dirty="0">
                           <a:effectLst/>
                         </a:rPr>
-                        <a:t>I16</a:t>
+                        <a:t>I2.0</a:t>
                       </a:r>
-                      <a:endParaRPr lang="en-US" sz="600" b="1" i="0" u="none" strike="noStrike">
+                      <a:endParaRPr lang="en-US" sz="400" b="0" i="0" u="none" strike="noStrike" dirty="0">
                         <a:solidFill>
                           <a:srgbClr val="000000"/>
                         </a:solidFill>
@@ -15932,7 +15950,7 @@
                       </a:endParaRPr>
                     </a:p>
                   </a:txBody>
-                  <a:tcPr marL="5346" marR="5346" marT="5346" marB="0" anchor="ctr"/>
+                  <a:tcPr marL="3550" marR="3550" marT="3550" marB="0" anchor="ctr"/>
                 </a:tc>
                 <a:tc>
                   <a:txBody>
@@ -15941,12 +15959,12 @@
                     <a:p>
                       <a:pPr algn="l" fontAlgn="ctr"/>
                       <a:r>
-                        <a:rPr lang="en-US" sz="600" u="none" strike="noStrike">
+                        <a:rPr lang="en-US" sz="400" u="none" strike="noStrike">
                           <a:effectLst/>
                         </a:rPr>
-                        <a:t>O16</a:t>
+                        <a:t>O2.0</a:t>
                       </a:r>
-                      <a:endParaRPr lang="en-US" sz="600" b="1" i="0" u="none" strike="noStrike">
+                      <a:endParaRPr lang="en-US" sz="400" b="0" i="0" u="none" strike="noStrike">
                         <a:solidFill>
                           <a:srgbClr val="000000"/>
                         </a:solidFill>
@@ -15956,7 +15974,7 @@
                       </a:endParaRPr>
                     </a:p>
                   </a:txBody>
-                  <a:tcPr marL="5346" marR="5346" marT="5346" marB="0" anchor="ctr"/>
+                  <a:tcPr marL="3550" marR="3550" marT="3550" marB="0" anchor="ctr"/>
                 </a:tc>
                 <a:tc>
                   <a:txBody>
@@ -15965,12 +15983,12 @@
                     <a:p>
                       <a:pPr algn="l" fontAlgn="ctr"/>
                       <a:r>
-                        <a:rPr lang="en-US" sz="600" u="none" strike="noStrike">
+                        <a:rPr lang="en-US" sz="400" u="none" strike="noStrike">
                           <a:effectLst/>
                         </a:rPr>
                         <a:t>S22_Latch_ADV</a:t>
                       </a:r>
-                      <a:endParaRPr lang="en-US" sz="600" b="1" i="0" u="none" strike="noStrike">
+                      <a:endParaRPr lang="en-US" sz="400" b="0" i="0" u="none" strike="noStrike">
                         <a:solidFill>
                           <a:srgbClr val="000000"/>
                         </a:solidFill>
@@ -15980,7 +15998,7 @@
                       </a:endParaRPr>
                     </a:p>
                   </a:txBody>
-                  <a:tcPr marL="5346" marR="5346" marT="5346" marB="0" anchor="ctr"/>
+                  <a:tcPr marL="3550" marR="3550" marT="3550" marB="0" anchor="ctr"/>
                 </a:tc>
                 <a:tc>
                   <a:txBody>
@@ -15989,12 +16007,12 @@
                     <a:p>
                       <a:pPr algn="l" fontAlgn="ctr"/>
                       <a:r>
-                        <a:rPr lang="ko-KR" altLang="en-US" sz="600" u="none" strike="noStrike">
+                        <a:rPr lang="ko-KR" altLang="en-US" sz="400" u="none" strike="noStrike">
                           <a:effectLst/>
                         </a:rPr>
                         <a:t>　</a:t>
                       </a:r>
-                      <a:endParaRPr lang="ko-KR" altLang="en-US" sz="600" b="1" i="0" u="none" strike="noStrike">
+                      <a:endParaRPr lang="ko-KR" altLang="en-US" sz="400" b="0" i="0" u="none" strike="noStrike">
                         <a:solidFill>
                           <a:srgbClr val="000000"/>
                         </a:solidFill>
@@ -16004,15 +16022,15 @@
                       </a:endParaRPr>
                     </a:p>
                   </a:txBody>
-                  <a:tcPr marL="5346" marR="5346" marT="5346" marB="0" anchor="ctr"/>
+                  <a:tcPr marL="3550" marR="3550" marT="3550" marB="0" anchor="ctr"/>
                 </a:tc>
                 <a:extLst>
                   <a:ext uri="{0D108BD9-81ED-4DB2-BD59-A6C34878D82A}">
-                    <a16:rowId xmlns:a16="http://schemas.microsoft.com/office/drawing/2014/main" val="3908777281"/>
+                    <a16:rowId xmlns:a16="http://schemas.microsoft.com/office/drawing/2014/main" val="4235847622"/>
                   </a:ext>
                 </a:extLst>
               </a:tr>
-              <a:tr h="117604">
+              <a:tr h="128503">
                 <a:tc>
                   <a:txBody>
                     <a:bodyPr/>
@@ -16020,12 +16038,12 @@
                     <a:p>
                       <a:pPr algn="l" fontAlgn="ctr"/>
                       <a:r>
-                        <a:rPr lang="ko-KR" altLang="en-US" sz="600" u="none" strike="noStrike">
+                        <a:rPr lang="ko-KR" altLang="en-US" sz="400" u="none" strike="noStrike">
                           <a:effectLst/>
                         </a:rPr>
                         <a:t>외부주소</a:t>
                       </a:r>
-                      <a:endParaRPr lang="ko-KR" altLang="en-US" sz="600" b="1" i="0" u="none" strike="noStrike">
+                      <a:endParaRPr lang="ko-KR" altLang="en-US" sz="400" b="0" i="0" u="none" strike="noStrike">
                         <a:solidFill>
                           <a:srgbClr val="000000"/>
                         </a:solidFill>
@@ -16035,7 +16053,7 @@
                       </a:endParaRPr>
                     </a:p>
                   </a:txBody>
-                  <a:tcPr marL="5346" marR="5346" marT="5346" marB="0" anchor="ctr"/>
+                  <a:tcPr marL="3550" marR="3550" marT="3550" marB="0" anchor="ctr"/>
                 </a:tc>
                 <a:tc>
                   <a:txBody>
@@ -16044,12 +16062,12 @@
                     <a:p>
                       <a:pPr algn="l" fontAlgn="ctr"/>
                       <a:r>
-                        <a:rPr lang="en-US" sz="600" u="none" strike="noStrike">
+                        <a:rPr lang="en-US" sz="400" u="none" strike="noStrike">
                           <a:effectLst/>
                         </a:rPr>
                         <a:t>S22_Latch2.ADV</a:t>
                       </a:r>
-                      <a:endParaRPr lang="en-US" sz="600" b="1" i="0" u="none" strike="noStrike">
+                      <a:endParaRPr lang="en-US" sz="400" b="0" i="0" u="none" strike="noStrike">
                         <a:solidFill>
                           <a:srgbClr val="000000"/>
                         </a:solidFill>
@@ -16059,7 +16077,7 @@
                       </a:endParaRPr>
                     </a:p>
                   </a:txBody>
-                  <a:tcPr marL="5346" marR="5346" marT="5346" marB="0" anchor="ctr"/>
+                  <a:tcPr marL="3550" marR="3550" marT="3550" marB="0" anchor="ctr"/>
                 </a:tc>
                 <a:tc>
                   <a:txBody>
@@ -16068,12 +16086,12 @@
                     <a:p>
                       <a:pPr algn="l" fontAlgn="ctr"/>
                       <a:r>
-                        <a:rPr lang="en-US" sz="600" u="none" strike="noStrike">
+                        <a:rPr lang="en-US" sz="400" u="none" strike="noStrike">
                           <a:effectLst/>
                         </a:rPr>
                         <a:t>bool</a:t>
                       </a:r>
-                      <a:endParaRPr lang="en-US" sz="600" b="1" i="0" u="none" strike="noStrike">
+                      <a:endParaRPr lang="en-US" sz="400" b="0" i="0" u="none" strike="noStrike">
                         <a:solidFill>
                           <a:srgbClr val="000000"/>
                         </a:solidFill>
@@ -16083,7 +16101,7 @@
                       </a:endParaRPr>
                     </a:p>
                   </a:txBody>
-                  <a:tcPr marL="5346" marR="5346" marT="5346" marB="0" anchor="ctr"/>
+                  <a:tcPr marL="3550" marR="3550" marT="3550" marB="0" anchor="ctr"/>
                 </a:tc>
                 <a:tc>
                   <a:txBody>
@@ -16092,12 +16110,12 @@
                     <a:p>
                       <a:pPr algn="l" fontAlgn="ctr"/>
                       <a:r>
-                        <a:rPr lang="en-US" sz="600" u="none" strike="noStrike">
+                        <a:rPr lang="en-US" sz="400" u="none" strike="noStrike">
                           <a:effectLst/>
                         </a:rPr>
-                        <a:t>I17</a:t>
+                        <a:t>I2.1</a:t>
                       </a:r>
-                      <a:endParaRPr lang="en-US" sz="600" b="1" i="0" u="none" strike="noStrike">
+                      <a:endParaRPr lang="en-US" sz="400" b="0" i="0" u="none" strike="noStrike">
                         <a:solidFill>
                           <a:srgbClr val="000000"/>
                         </a:solidFill>
@@ -16107,7 +16125,7 @@
                       </a:endParaRPr>
                     </a:p>
                   </a:txBody>
-                  <a:tcPr marL="5346" marR="5346" marT="5346" marB="0" anchor="ctr"/>
+                  <a:tcPr marL="3550" marR="3550" marT="3550" marB="0" anchor="ctr"/>
                 </a:tc>
                 <a:tc>
                   <a:txBody>
@@ -16116,12 +16134,12 @@
                     <a:p>
                       <a:pPr algn="l" fontAlgn="ctr"/>
                       <a:r>
-                        <a:rPr lang="en-US" sz="600" u="none" strike="noStrike">
+                        <a:rPr lang="en-US" sz="400" u="none" strike="noStrike">
                           <a:effectLst/>
                         </a:rPr>
-                        <a:t>O17</a:t>
+                        <a:t>O2.1</a:t>
                       </a:r>
-                      <a:endParaRPr lang="en-US" sz="600" b="1" i="0" u="none" strike="noStrike">
+                      <a:endParaRPr lang="en-US" sz="400" b="0" i="0" u="none" strike="noStrike">
                         <a:solidFill>
                           <a:srgbClr val="000000"/>
                         </a:solidFill>
@@ -16131,7 +16149,7 @@
                       </a:endParaRPr>
                     </a:p>
                   </a:txBody>
-                  <a:tcPr marL="5346" marR="5346" marT="5346" marB="0" anchor="ctr"/>
+                  <a:tcPr marL="3550" marR="3550" marT="3550" marB="0" anchor="ctr"/>
                 </a:tc>
                 <a:tc>
                   <a:txBody>
@@ -16140,12 +16158,12 @@
                     <a:p>
                       <a:pPr algn="l" fontAlgn="ctr"/>
                       <a:r>
-                        <a:rPr lang="ko-KR" altLang="en-US" sz="600" u="none" strike="noStrike">
+                        <a:rPr lang="ko-KR" altLang="en-US" sz="400" u="none" strike="noStrike">
                           <a:effectLst/>
                         </a:rPr>
                         <a:t>↑</a:t>
                       </a:r>
-                      <a:endParaRPr lang="ko-KR" altLang="en-US" sz="600" b="1" i="0" u="none" strike="noStrike">
+                      <a:endParaRPr lang="ko-KR" altLang="en-US" sz="400" b="0" i="0" u="none" strike="noStrike">
                         <a:solidFill>
                           <a:srgbClr val="000000"/>
                         </a:solidFill>
@@ -16155,7 +16173,7 @@
                       </a:endParaRPr>
                     </a:p>
                   </a:txBody>
-                  <a:tcPr marL="5346" marR="5346" marT="5346" marB="0" anchor="ctr"/>
+                  <a:tcPr marL="3550" marR="3550" marT="3550" marB="0" anchor="ctr"/>
                 </a:tc>
                 <a:tc>
                   <a:txBody>
@@ -16164,12 +16182,12 @@
                     <a:p>
                       <a:pPr algn="l" fontAlgn="ctr"/>
                       <a:r>
-                        <a:rPr lang="ko-KR" altLang="en-US" sz="600" u="none" strike="noStrike">
+                        <a:rPr lang="ko-KR" altLang="en-US" sz="400" u="none" strike="noStrike">
                           <a:effectLst/>
                         </a:rPr>
                         <a:t>↑</a:t>
                       </a:r>
-                      <a:endParaRPr lang="ko-KR" altLang="en-US" sz="600" b="1" i="0" u="none" strike="noStrike">
+                      <a:endParaRPr lang="ko-KR" altLang="en-US" sz="400" b="0" i="0" u="none" strike="noStrike">
                         <a:solidFill>
                           <a:srgbClr val="000000"/>
                         </a:solidFill>
@@ -16179,15 +16197,15 @@
                       </a:endParaRPr>
                     </a:p>
                   </a:txBody>
-                  <a:tcPr marL="5346" marR="5346" marT="5346" marB="0" anchor="ctr"/>
+                  <a:tcPr marL="3550" marR="3550" marT="3550" marB="0" anchor="ctr"/>
                 </a:tc>
                 <a:extLst>
                   <a:ext uri="{0D108BD9-81ED-4DB2-BD59-A6C34878D82A}">
-                    <a16:rowId xmlns:a16="http://schemas.microsoft.com/office/drawing/2014/main" val="3838544405"/>
+                    <a16:rowId xmlns:a16="http://schemas.microsoft.com/office/drawing/2014/main" val="2323219535"/>
                   </a:ext>
                 </a:extLst>
               </a:tr>
-              <a:tr h="117604">
+              <a:tr h="128503">
                 <a:tc>
                   <a:txBody>
                     <a:bodyPr/>
@@ -16195,12 +16213,12 @@
                     <a:p>
                       <a:pPr algn="l" fontAlgn="ctr"/>
                       <a:r>
-                        <a:rPr lang="ko-KR" altLang="en-US" sz="600" u="none" strike="noStrike">
+                        <a:rPr lang="ko-KR" altLang="en-US" sz="400" u="none" strike="noStrike">
                           <a:effectLst/>
                         </a:rPr>
                         <a:t>외부주소</a:t>
                       </a:r>
-                      <a:endParaRPr lang="ko-KR" altLang="en-US" sz="600" b="1" i="0" u="none" strike="noStrike">
+                      <a:endParaRPr lang="ko-KR" altLang="en-US" sz="400" b="0" i="0" u="none" strike="noStrike">
                         <a:solidFill>
                           <a:srgbClr val="000000"/>
                         </a:solidFill>
@@ -16210,7 +16228,7 @@
                       </a:endParaRPr>
                     </a:p>
                   </a:txBody>
-                  <a:tcPr marL="5346" marR="5346" marT="5346" marB="0" anchor="ctr"/>
+                  <a:tcPr marL="3550" marR="3550" marT="3550" marB="0" anchor="ctr"/>
                 </a:tc>
                 <a:tc>
                   <a:txBody>
@@ -16219,12 +16237,12 @@
                     <a:p>
                       <a:pPr algn="l" fontAlgn="ctr"/>
                       <a:r>
-                        <a:rPr lang="en-US" sz="600" u="none" strike="noStrike">
+                        <a:rPr lang="en-US" sz="400" u="none" strike="noStrike">
                           <a:effectLst/>
                         </a:rPr>
                         <a:t>S22_Latch3.ADV</a:t>
                       </a:r>
-                      <a:endParaRPr lang="en-US" sz="600" b="1" i="0" u="none" strike="noStrike">
+                      <a:endParaRPr lang="en-US" sz="400" b="0" i="0" u="none" strike="noStrike">
                         <a:solidFill>
                           <a:srgbClr val="000000"/>
                         </a:solidFill>
@@ -16234,7 +16252,7 @@
                       </a:endParaRPr>
                     </a:p>
                   </a:txBody>
-                  <a:tcPr marL="5346" marR="5346" marT="5346" marB="0" anchor="ctr"/>
+                  <a:tcPr marL="3550" marR="3550" marT="3550" marB="0" anchor="ctr"/>
                 </a:tc>
                 <a:tc>
                   <a:txBody>
@@ -16243,12 +16261,12 @@
                     <a:p>
                       <a:pPr algn="l" fontAlgn="ctr"/>
                       <a:r>
-                        <a:rPr lang="en-US" sz="600" u="none" strike="noStrike">
+                        <a:rPr lang="en-US" sz="400" u="none" strike="noStrike">
                           <a:effectLst/>
                         </a:rPr>
                         <a:t>bool</a:t>
                       </a:r>
-                      <a:endParaRPr lang="en-US" sz="600" b="1" i="0" u="none" strike="noStrike">
+                      <a:endParaRPr lang="en-US" sz="400" b="0" i="0" u="none" strike="noStrike">
                         <a:solidFill>
                           <a:srgbClr val="000000"/>
                         </a:solidFill>
@@ -16258,7 +16276,7 @@
                       </a:endParaRPr>
                     </a:p>
                   </a:txBody>
-                  <a:tcPr marL="5346" marR="5346" marT="5346" marB="0" anchor="ctr"/>
+                  <a:tcPr marL="3550" marR="3550" marT="3550" marB="0" anchor="ctr"/>
                 </a:tc>
                 <a:tc>
                   <a:txBody>
@@ -16267,12 +16285,12 @@
                     <a:p>
                       <a:pPr algn="l" fontAlgn="ctr"/>
                       <a:r>
-                        <a:rPr lang="en-US" sz="600" u="none" strike="noStrike">
+                        <a:rPr lang="en-US" sz="400" u="none" strike="noStrike">
                           <a:effectLst/>
                         </a:rPr>
-                        <a:t>I18</a:t>
+                        <a:t>I2.2</a:t>
                       </a:r>
-                      <a:endParaRPr lang="en-US" sz="600" b="1" i="0" u="none" strike="noStrike">
+                      <a:endParaRPr lang="en-US" sz="400" b="0" i="0" u="none" strike="noStrike">
                         <a:solidFill>
                           <a:srgbClr val="000000"/>
                         </a:solidFill>
@@ -16282,7 +16300,7 @@
                       </a:endParaRPr>
                     </a:p>
                   </a:txBody>
-                  <a:tcPr marL="5346" marR="5346" marT="5346" marB="0" anchor="ctr"/>
+                  <a:tcPr marL="3550" marR="3550" marT="3550" marB="0" anchor="ctr"/>
                 </a:tc>
                 <a:tc>
                   <a:txBody>
@@ -16291,12 +16309,12 @@
                     <a:p>
                       <a:pPr algn="l" fontAlgn="ctr"/>
                       <a:r>
-                        <a:rPr lang="en-US" sz="600" u="none" strike="noStrike">
+                        <a:rPr lang="en-US" sz="400" u="none" strike="noStrike">
                           <a:effectLst/>
                         </a:rPr>
-                        <a:t>O18</a:t>
+                        <a:t>O2.2</a:t>
                       </a:r>
-                      <a:endParaRPr lang="en-US" sz="600" b="1" i="0" u="none" strike="noStrike">
+                      <a:endParaRPr lang="en-US" sz="400" b="0" i="0" u="none" strike="noStrike">
                         <a:solidFill>
                           <a:srgbClr val="000000"/>
                         </a:solidFill>
@@ -16306,7 +16324,7 @@
                       </a:endParaRPr>
                     </a:p>
                   </a:txBody>
-                  <a:tcPr marL="5346" marR="5346" marT="5346" marB="0" anchor="ctr"/>
+                  <a:tcPr marL="3550" marR="3550" marT="3550" marB="0" anchor="ctr"/>
                 </a:tc>
                 <a:tc>
                   <a:txBody>
@@ -16315,12 +16333,12 @@
                     <a:p>
                       <a:pPr algn="l" fontAlgn="ctr"/>
                       <a:r>
-                        <a:rPr lang="ko-KR" altLang="en-US" sz="600" u="none" strike="noStrike">
+                        <a:rPr lang="ko-KR" altLang="en-US" sz="400" u="none" strike="noStrike">
                           <a:effectLst/>
                         </a:rPr>
                         <a:t>↑</a:t>
                       </a:r>
-                      <a:endParaRPr lang="ko-KR" altLang="en-US" sz="600" b="1" i="0" u="none" strike="noStrike">
+                      <a:endParaRPr lang="ko-KR" altLang="en-US" sz="400" b="0" i="0" u="none" strike="noStrike">
                         <a:solidFill>
                           <a:srgbClr val="000000"/>
                         </a:solidFill>
@@ -16330,7 +16348,7 @@
                       </a:endParaRPr>
                     </a:p>
                   </a:txBody>
-                  <a:tcPr marL="5346" marR="5346" marT="5346" marB="0" anchor="ctr"/>
+                  <a:tcPr marL="3550" marR="3550" marT="3550" marB="0" anchor="ctr"/>
                 </a:tc>
                 <a:tc>
                   <a:txBody>
@@ -16339,12 +16357,12 @@
                     <a:p>
                       <a:pPr algn="l" fontAlgn="ctr"/>
                       <a:r>
-                        <a:rPr lang="ko-KR" altLang="en-US" sz="600" u="none" strike="noStrike">
+                        <a:rPr lang="ko-KR" altLang="en-US" sz="400" u="none" strike="noStrike">
                           <a:effectLst/>
                         </a:rPr>
                         <a:t>↑</a:t>
                       </a:r>
-                      <a:endParaRPr lang="ko-KR" altLang="en-US" sz="600" b="1" i="0" u="none" strike="noStrike">
+                      <a:endParaRPr lang="ko-KR" altLang="en-US" sz="400" b="0" i="0" u="none" strike="noStrike">
                         <a:solidFill>
                           <a:srgbClr val="000000"/>
                         </a:solidFill>
@@ -16354,15 +16372,15 @@
                       </a:endParaRPr>
                     </a:p>
                   </a:txBody>
-                  <a:tcPr marL="5346" marR="5346" marT="5346" marB="0" anchor="ctr"/>
+                  <a:tcPr marL="3550" marR="3550" marT="3550" marB="0" anchor="ctr"/>
                 </a:tc>
                 <a:extLst>
                   <a:ext uri="{0D108BD9-81ED-4DB2-BD59-A6C34878D82A}">
-                    <a16:rowId xmlns:a16="http://schemas.microsoft.com/office/drawing/2014/main" val="980458858"/>
+                    <a16:rowId xmlns:a16="http://schemas.microsoft.com/office/drawing/2014/main" val="568855438"/>
                   </a:ext>
                 </a:extLst>
               </a:tr>
-              <a:tr h="117604">
+              <a:tr h="128503">
                 <a:tc>
                   <a:txBody>
                     <a:bodyPr/>
@@ -16370,12 +16388,12 @@
                     <a:p>
                       <a:pPr algn="l" fontAlgn="ctr"/>
                       <a:r>
-                        <a:rPr lang="ko-KR" altLang="en-US" sz="600" u="none" strike="noStrike">
+                        <a:rPr lang="ko-KR" altLang="en-US" sz="400" u="none" strike="noStrike">
                           <a:effectLst/>
                         </a:rPr>
                         <a:t>외부주소</a:t>
                       </a:r>
-                      <a:endParaRPr lang="ko-KR" altLang="en-US" sz="600" b="1" i="0" u="none" strike="noStrike">
+                      <a:endParaRPr lang="ko-KR" altLang="en-US" sz="400" b="0" i="0" u="none" strike="noStrike">
                         <a:solidFill>
                           <a:srgbClr val="000000"/>
                         </a:solidFill>
@@ -16385,7 +16403,7 @@
                       </a:endParaRPr>
                     </a:p>
                   </a:txBody>
-                  <a:tcPr marL="5346" marR="5346" marT="5346" marB="0" anchor="ctr"/>
+                  <a:tcPr marL="3550" marR="3550" marT="3550" marB="0" anchor="ctr"/>
                 </a:tc>
                 <a:tc>
                   <a:txBody>
@@ -16394,12 +16412,12 @@
                     <a:p>
                       <a:pPr algn="l" fontAlgn="ctr"/>
                       <a:r>
-                        <a:rPr lang="en-US" sz="600" u="none" strike="noStrike">
+                        <a:rPr lang="en-US" sz="400" u="none" strike="noStrike">
                           <a:effectLst/>
                         </a:rPr>
                         <a:t>S22_Latch4.ADV</a:t>
                       </a:r>
-                      <a:endParaRPr lang="en-US" sz="600" b="1" i="0" u="none" strike="noStrike">
+                      <a:endParaRPr lang="en-US" sz="400" b="0" i="0" u="none" strike="noStrike">
                         <a:solidFill>
                           <a:srgbClr val="000000"/>
                         </a:solidFill>
@@ -16409,7 +16427,7 @@
                       </a:endParaRPr>
                     </a:p>
                   </a:txBody>
-                  <a:tcPr marL="5346" marR="5346" marT="5346" marB="0" anchor="ctr"/>
+                  <a:tcPr marL="3550" marR="3550" marT="3550" marB="0" anchor="ctr"/>
                 </a:tc>
                 <a:tc>
                   <a:txBody>
@@ -16418,12 +16436,12 @@
                     <a:p>
                       <a:pPr algn="l" fontAlgn="ctr"/>
                       <a:r>
-                        <a:rPr lang="en-US" sz="600" u="none" strike="noStrike">
+                        <a:rPr lang="en-US" sz="400" u="none" strike="noStrike">
                           <a:effectLst/>
                         </a:rPr>
                         <a:t>bool</a:t>
                       </a:r>
-                      <a:endParaRPr lang="en-US" sz="600" b="1" i="0" u="none" strike="noStrike">
+                      <a:endParaRPr lang="en-US" sz="400" b="0" i="0" u="none" strike="noStrike">
                         <a:solidFill>
                           <a:srgbClr val="000000"/>
                         </a:solidFill>
@@ -16433,7 +16451,7 @@
                       </a:endParaRPr>
                     </a:p>
                   </a:txBody>
-                  <a:tcPr marL="5346" marR="5346" marT="5346" marB="0" anchor="ctr"/>
+                  <a:tcPr marL="3550" marR="3550" marT="3550" marB="0" anchor="ctr"/>
                 </a:tc>
                 <a:tc>
                   <a:txBody>
@@ -16442,12 +16460,12 @@
                     <a:p>
                       <a:pPr algn="l" fontAlgn="ctr"/>
                       <a:r>
-                        <a:rPr lang="en-US" sz="600" u="none" strike="noStrike">
+                        <a:rPr lang="en-US" sz="400" u="none" strike="noStrike">
                           <a:effectLst/>
                         </a:rPr>
-                        <a:t>I19</a:t>
+                        <a:t>I2.3</a:t>
                       </a:r>
-                      <a:endParaRPr lang="en-US" sz="600" b="1" i="0" u="none" strike="noStrike">
+                      <a:endParaRPr lang="en-US" sz="400" b="0" i="0" u="none" strike="noStrike">
                         <a:solidFill>
                           <a:srgbClr val="000000"/>
                         </a:solidFill>
@@ -16457,7 +16475,7 @@
                       </a:endParaRPr>
                     </a:p>
                   </a:txBody>
-                  <a:tcPr marL="5346" marR="5346" marT="5346" marB="0" anchor="ctr"/>
+                  <a:tcPr marL="3550" marR="3550" marT="3550" marB="0" anchor="ctr"/>
                 </a:tc>
                 <a:tc>
                   <a:txBody>
@@ -16466,12 +16484,12 @@
                     <a:p>
                       <a:pPr algn="l" fontAlgn="ctr"/>
                       <a:r>
-                        <a:rPr lang="en-US" sz="600" u="none" strike="noStrike">
+                        <a:rPr lang="en-US" sz="400" u="none" strike="noStrike">
                           <a:effectLst/>
                         </a:rPr>
-                        <a:t>O19</a:t>
+                        <a:t>O2.3</a:t>
                       </a:r>
-                      <a:endParaRPr lang="en-US" sz="600" b="1" i="0" u="none" strike="noStrike">
+                      <a:endParaRPr lang="en-US" sz="400" b="0" i="0" u="none" strike="noStrike">
                         <a:solidFill>
                           <a:srgbClr val="000000"/>
                         </a:solidFill>
@@ -16481,7 +16499,7 @@
                       </a:endParaRPr>
                     </a:p>
                   </a:txBody>
-                  <a:tcPr marL="5346" marR="5346" marT="5346" marB="0" anchor="ctr"/>
+                  <a:tcPr marL="3550" marR="3550" marT="3550" marB="0" anchor="ctr"/>
                 </a:tc>
                 <a:tc>
                   <a:txBody>
@@ -16490,12 +16508,12 @@
                     <a:p>
                       <a:pPr algn="l" fontAlgn="ctr"/>
                       <a:r>
-                        <a:rPr lang="ko-KR" altLang="en-US" sz="600" u="none" strike="noStrike">
+                        <a:rPr lang="ko-KR" altLang="en-US" sz="400" u="none" strike="noStrike">
                           <a:effectLst/>
                         </a:rPr>
                         <a:t>↑</a:t>
                       </a:r>
-                      <a:endParaRPr lang="ko-KR" altLang="en-US" sz="600" b="1" i="0" u="none" strike="noStrike">
+                      <a:endParaRPr lang="ko-KR" altLang="en-US" sz="400" b="0" i="0" u="none" strike="noStrike">
                         <a:solidFill>
                           <a:srgbClr val="000000"/>
                         </a:solidFill>
@@ -16505,7 +16523,7 @@
                       </a:endParaRPr>
                     </a:p>
                   </a:txBody>
-                  <a:tcPr marL="5346" marR="5346" marT="5346" marB="0" anchor="ctr"/>
+                  <a:tcPr marL="3550" marR="3550" marT="3550" marB="0" anchor="ctr"/>
                 </a:tc>
                 <a:tc>
                   <a:txBody>
@@ -16514,12 +16532,12 @@
                     <a:p>
                       <a:pPr algn="l" fontAlgn="ctr"/>
                       <a:r>
-                        <a:rPr lang="ko-KR" altLang="en-US" sz="600" u="none" strike="noStrike" dirty="0">
+                        <a:rPr lang="ko-KR" altLang="en-US" sz="400" u="none" strike="noStrike">
                           <a:effectLst/>
                         </a:rPr>
                         <a:t>↑</a:t>
                       </a:r>
-                      <a:endParaRPr lang="ko-KR" altLang="en-US" sz="600" b="1" i="0" u="none" strike="noStrike" dirty="0">
+                      <a:endParaRPr lang="ko-KR" altLang="en-US" sz="400" b="0" i="0" u="none" strike="noStrike">
                         <a:solidFill>
                           <a:srgbClr val="000000"/>
                         </a:solidFill>
@@ -16529,15 +16547,15 @@
                       </a:endParaRPr>
                     </a:p>
                   </a:txBody>
-                  <a:tcPr marL="5346" marR="5346" marT="5346" marB="0" anchor="ctr"/>
+                  <a:tcPr marL="3550" marR="3550" marT="3550" marB="0" anchor="ctr"/>
                 </a:tc>
                 <a:extLst>
                   <a:ext uri="{0D108BD9-81ED-4DB2-BD59-A6C34878D82A}">
-                    <a16:rowId xmlns:a16="http://schemas.microsoft.com/office/drawing/2014/main" val="138697008"/>
+                    <a16:rowId xmlns:a16="http://schemas.microsoft.com/office/drawing/2014/main" val="814503193"/>
                   </a:ext>
                 </a:extLst>
               </a:tr>
-              <a:tr h="117604">
+              <a:tr h="128503">
                 <a:tc>
                   <a:txBody>
                     <a:bodyPr/>
@@ -16545,12 +16563,12 @@
                     <a:p>
                       <a:pPr algn="l" fontAlgn="ctr"/>
                       <a:r>
-                        <a:rPr lang="ko-KR" altLang="en-US" sz="600" u="none" strike="noStrike">
+                        <a:rPr lang="ko-KR" altLang="en-US" sz="400" u="none" strike="noStrike">
                           <a:effectLst/>
                         </a:rPr>
                         <a:t>외부주소</a:t>
                       </a:r>
-                      <a:endParaRPr lang="ko-KR" altLang="en-US" sz="600" b="1" i="0" u="none" strike="noStrike">
+                      <a:endParaRPr lang="ko-KR" altLang="en-US" sz="400" b="0" i="0" u="none" strike="noStrike">
                         <a:solidFill>
                           <a:srgbClr val="000000"/>
                         </a:solidFill>
@@ -16560,7 +16578,7 @@
                       </a:endParaRPr>
                     </a:p>
                   </a:txBody>
-                  <a:tcPr marL="5346" marR="5346" marT="5346" marB="0" anchor="ctr"/>
+                  <a:tcPr marL="3550" marR="3550" marT="3550" marB="0" anchor="ctr"/>
                 </a:tc>
                 <a:tc>
                   <a:txBody>
@@ -16569,12 +16587,12 @@
                     <a:p>
                       <a:pPr algn="l" fontAlgn="ctr"/>
                       <a:r>
-                        <a:rPr lang="en-US" sz="600" u="none" strike="noStrike">
+                        <a:rPr lang="en-US" sz="400" u="none" strike="noStrike">
                           <a:effectLst/>
                         </a:rPr>
                         <a:t>S22_Latch5.ADV</a:t>
                       </a:r>
-                      <a:endParaRPr lang="en-US" sz="600" b="1" i="0" u="none" strike="noStrike">
+                      <a:endParaRPr lang="en-US" sz="400" b="0" i="0" u="none" strike="noStrike">
                         <a:solidFill>
                           <a:srgbClr val="000000"/>
                         </a:solidFill>
@@ -16584,7 +16602,7 @@
                       </a:endParaRPr>
                     </a:p>
                   </a:txBody>
-                  <a:tcPr marL="5346" marR="5346" marT="5346" marB="0" anchor="ctr"/>
+                  <a:tcPr marL="3550" marR="3550" marT="3550" marB="0" anchor="ctr"/>
                 </a:tc>
                 <a:tc>
                   <a:txBody>
@@ -16593,12 +16611,12 @@
                     <a:p>
                       <a:pPr algn="l" fontAlgn="ctr"/>
                       <a:r>
-                        <a:rPr lang="en-US" sz="600" u="none" strike="noStrike">
+                        <a:rPr lang="en-US" sz="400" u="none" strike="noStrike">
                           <a:effectLst/>
                         </a:rPr>
                         <a:t>bool</a:t>
                       </a:r>
-                      <a:endParaRPr lang="en-US" sz="600" b="1" i="0" u="none" strike="noStrike">
+                      <a:endParaRPr lang="en-US" sz="400" b="0" i="0" u="none" strike="noStrike">
                         <a:solidFill>
                           <a:srgbClr val="000000"/>
                         </a:solidFill>
@@ -16608,7 +16626,7 @@
                       </a:endParaRPr>
                     </a:p>
                   </a:txBody>
-                  <a:tcPr marL="5346" marR="5346" marT="5346" marB="0" anchor="ctr"/>
+                  <a:tcPr marL="3550" marR="3550" marT="3550" marB="0" anchor="ctr"/>
                 </a:tc>
                 <a:tc>
                   <a:txBody>
@@ -16617,12 +16635,12 @@
                     <a:p>
                       <a:pPr algn="l" fontAlgn="ctr"/>
                       <a:r>
-                        <a:rPr lang="en-US" sz="600" u="none" strike="noStrike">
+                        <a:rPr lang="en-US" sz="400" u="none" strike="noStrike" dirty="0">
                           <a:effectLst/>
                         </a:rPr>
-                        <a:t>I20</a:t>
+                        <a:t>I2.4</a:t>
                       </a:r>
-                      <a:endParaRPr lang="en-US" sz="600" b="1" i="0" u="none" strike="noStrike">
+                      <a:endParaRPr lang="en-US" sz="400" b="0" i="0" u="none" strike="noStrike" dirty="0">
                         <a:solidFill>
                           <a:srgbClr val="000000"/>
                         </a:solidFill>
@@ -16632,7 +16650,7 @@
                       </a:endParaRPr>
                     </a:p>
                   </a:txBody>
-                  <a:tcPr marL="5346" marR="5346" marT="5346" marB="0" anchor="ctr"/>
+                  <a:tcPr marL="3550" marR="3550" marT="3550" marB="0" anchor="ctr"/>
                 </a:tc>
                 <a:tc>
                   <a:txBody>
@@ -16641,12 +16659,12 @@
                     <a:p>
                       <a:pPr algn="l" fontAlgn="ctr"/>
                       <a:r>
-                        <a:rPr lang="en-US" sz="600" u="none" strike="noStrike">
+                        <a:rPr lang="en-US" sz="400" u="none" strike="noStrike">
                           <a:effectLst/>
                         </a:rPr>
-                        <a:t>O20</a:t>
+                        <a:t>O2.4</a:t>
                       </a:r>
-                      <a:endParaRPr lang="en-US" sz="600" b="1" i="0" u="none" strike="noStrike">
+                      <a:endParaRPr lang="en-US" sz="400" b="0" i="0" u="none" strike="noStrike">
                         <a:solidFill>
                           <a:srgbClr val="000000"/>
                         </a:solidFill>
@@ -16656,7 +16674,7 @@
                       </a:endParaRPr>
                     </a:p>
                   </a:txBody>
-                  <a:tcPr marL="5346" marR="5346" marT="5346" marB="0" anchor="ctr"/>
+                  <a:tcPr marL="3550" marR="3550" marT="3550" marB="0" anchor="ctr"/>
                 </a:tc>
                 <a:tc>
                   <a:txBody>
@@ -16665,12 +16683,12 @@
                     <a:p>
                       <a:pPr algn="l" fontAlgn="ctr"/>
                       <a:r>
-                        <a:rPr lang="ko-KR" altLang="en-US" sz="600" u="none" strike="noStrike">
+                        <a:rPr lang="ko-KR" altLang="en-US" sz="400" u="none" strike="noStrike">
                           <a:effectLst/>
                         </a:rPr>
                         <a:t>↑</a:t>
                       </a:r>
-                      <a:endParaRPr lang="ko-KR" altLang="en-US" sz="600" b="1" i="0" u="none" strike="noStrike">
+                      <a:endParaRPr lang="ko-KR" altLang="en-US" sz="400" b="0" i="0" u="none" strike="noStrike">
                         <a:solidFill>
                           <a:srgbClr val="000000"/>
                         </a:solidFill>
@@ -16680,7 +16698,7 @@
                       </a:endParaRPr>
                     </a:p>
                   </a:txBody>
-                  <a:tcPr marL="5346" marR="5346" marT="5346" marB="0" anchor="ctr"/>
+                  <a:tcPr marL="3550" marR="3550" marT="3550" marB="0" anchor="ctr"/>
                 </a:tc>
                 <a:tc>
                   <a:txBody>
@@ -16689,12 +16707,12 @@
                     <a:p>
                       <a:pPr algn="l" fontAlgn="ctr"/>
                       <a:r>
-                        <a:rPr lang="ko-KR" altLang="en-US" sz="600" u="none" strike="noStrike">
+                        <a:rPr lang="ko-KR" altLang="en-US" sz="400" u="none" strike="noStrike">
                           <a:effectLst/>
                         </a:rPr>
                         <a:t>↑</a:t>
                       </a:r>
-                      <a:endParaRPr lang="ko-KR" altLang="en-US" sz="600" b="1" i="0" u="none" strike="noStrike">
+                      <a:endParaRPr lang="ko-KR" altLang="en-US" sz="400" b="0" i="0" u="none" strike="noStrike">
                         <a:solidFill>
                           <a:srgbClr val="000000"/>
                         </a:solidFill>
@@ -16704,15 +16722,15 @@
                       </a:endParaRPr>
                     </a:p>
                   </a:txBody>
-                  <a:tcPr marL="5346" marR="5346" marT="5346" marB="0" anchor="ctr"/>
+                  <a:tcPr marL="3550" marR="3550" marT="3550" marB="0" anchor="ctr"/>
                 </a:tc>
                 <a:extLst>
                   <a:ext uri="{0D108BD9-81ED-4DB2-BD59-A6C34878D82A}">
-                    <a16:rowId xmlns:a16="http://schemas.microsoft.com/office/drawing/2014/main" val="237998329"/>
+                    <a16:rowId xmlns:a16="http://schemas.microsoft.com/office/drawing/2014/main" val="2856055385"/>
                   </a:ext>
                 </a:extLst>
               </a:tr>
-              <a:tr h="117604">
+              <a:tr h="128503">
                 <a:tc>
                   <a:txBody>
                     <a:bodyPr/>
@@ -16720,12 +16738,12 @@
                     <a:p>
                       <a:pPr algn="l" fontAlgn="ctr"/>
                       <a:r>
-                        <a:rPr lang="ko-KR" altLang="en-US" sz="600" u="none" strike="noStrike">
+                        <a:rPr lang="ko-KR" altLang="en-US" sz="400" u="none" strike="noStrike">
                           <a:effectLst/>
                         </a:rPr>
                         <a:t>외부주소</a:t>
                       </a:r>
-                      <a:endParaRPr lang="ko-KR" altLang="en-US" sz="600" b="1" i="0" u="none" strike="noStrike">
+                      <a:endParaRPr lang="ko-KR" altLang="en-US" sz="400" b="0" i="0" u="none" strike="noStrike">
                         <a:solidFill>
                           <a:srgbClr val="000000"/>
                         </a:solidFill>
@@ -16735,7 +16753,7 @@
                       </a:endParaRPr>
                     </a:p>
                   </a:txBody>
-                  <a:tcPr marL="5346" marR="5346" marT="5346" marB="0" anchor="ctr"/>
+                  <a:tcPr marL="3550" marR="3550" marT="3550" marB="0" anchor="ctr"/>
                 </a:tc>
                 <a:tc>
                   <a:txBody>
@@ -16744,12 +16762,12 @@
                     <a:p>
                       <a:pPr algn="l" fontAlgn="ctr"/>
                       <a:r>
-                        <a:rPr lang="en-US" sz="600" u="none" strike="noStrike">
+                        <a:rPr lang="en-US" sz="400" u="none" strike="noStrike">
                           <a:effectLst/>
                         </a:rPr>
                         <a:t>S22_Latch1.RET</a:t>
                       </a:r>
-                      <a:endParaRPr lang="en-US" sz="600" b="1" i="0" u="none" strike="noStrike">
+                      <a:endParaRPr lang="en-US" sz="400" b="0" i="0" u="none" strike="noStrike">
                         <a:solidFill>
                           <a:srgbClr val="000000"/>
                         </a:solidFill>
@@ -16759,7 +16777,7 @@
                       </a:endParaRPr>
                     </a:p>
                   </a:txBody>
-                  <a:tcPr marL="5346" marR="5346" marT="5346" marB="0" anchor="ctr"/>
+                  <a:tcPr marL="3550" marR="3550" marT="3550" marB="0" anchor="ctr"/>
                 </a:tc>
                 <a:tc>
                   <a:txBody>
@@ -16768,12 +16786,12 @@
                     <a:p>
                       <a:pPr algn="l" fontAlgn="ctr"/>
                       <a:r>
-                        <a:rPr lang="en-US" sz="600" u="none" strike="noStrike">
+                        <a:rPr lang="en-US" sz="400" u="none" strike="noStrike">
                           <a:effectLst/>
                         </a:rPr>
                         <a:t>bool</a:t>
                       </a:r>
-                      <a:endParaRPr lang="en-US" sz="600" b="1" i="0" u="none" strike="noStrike">
+                      <a:endParaRPr lang="en-US" sz="400" b="0" i="0" u="none" strike="noStrike">
                         <a:solidFill>
                           <a:srgbClr val="000000"/>
                         </a:solidFill>
@@ -16783,7 +16801,7 @@
                       </a:endParaRPr>
                     </a:p>
                   </a:txBody>
-                  <a:tcPr marL="5346" marR="5346" marT="5346" marB="0" anchor="ctr"/>
+                  <a:tcPr marL="3550" marR="3550" marT="3550" marB="0" anchor="ctr"/>
                 </a:tc>
                 <a:tc>
                   <a:txBody>
@@ -16792,12 +16810,12 @@
                     <a:p>
                       <a:pPr algn="l" fontAlgn="ctr"/>
                       <a:r>
-                        <a:rPr lang="en-US" sz="600" u="none" strike="noStrike">
+                        <a:rPr lang="en-US" sz="400" u="none" strike="noStrike">
                           <a:effectLst/>
                         </a:rPr>
-                        <a:t>I21</a:t>
+                        <a:t>I2.5</a:t>
                       </a:r>
-                      <a:endParaRPr lang="en-US" sz="600" b="1" i="0" u="none" strike="noStrike">
+                      <a:endParaRPr lang="en-US" sz="400" b="0" i="0" u="none" strike="noStrike">
                         <a:solidFill>
                           <a:srgbClr val="000000"/>
                         </a:solidFill>
@@ -16807,7 +16825,7 @@
                       </a:endParaRPr>
                     </a:p>
                   </a:txBody>
-                  <a:tcPr marL="5346" marR="5346" marT="5346" marB="0" anchor="ctr"/>
+                  <a:tcPr marL="3550" marR="3550" marT="3550" marB="0" anchor="ctr"/>
                 </a:tc>
                 <a:tc>
                   <a:txBody>
@@ -16816,12 +16834,12 @@
                     <a:p>
                       <a:pPr algn="l" fontAlgn="ctr"/>
                       <a:r>
-                        <a:rPr lang="en-US" sz="600" u="none" strike="noStrike">
+                        <a:rPr lang="en-US" sz="400" u="none" strike="noStrike">
                           <a:effectLst/>
                         </a:rPr>
-                        <a:t>O21</a:t>
+                        <a:t>O2.5</a:t>
                       </a:r>
-                      <a:endParaRPr lang="en-US" sz="600" b="1" i="0" u="none" strike="noStrike">
+                      <a:endParaRPr lang="en-US" sz="400" b="0" i="0" u="none" strike="noStrike">
                         <a:solidFill>
                           <a:srgbClr val="000000"/>
                         </a:solidFill>
@@ -16831,7 +16849,7 @@
                       </a:endParaRPr>
                     </a:p>
                   </a:txBody>
-                  <a:tcPr marL="5346" marR="5346" marT="5346" marB="0" anchor="ctr"/>
+                  <a:tcPr marL="3550" marR="3550" marT="3550" marB="0" anchor="ctr"/>
                 </a:tc>
                 <a:tc>
                   <a:txBody>
@@ -16840,12 +16858,12 @@
                     <a:p>
                       <a:pPr algn="l" fontAlgn="ctr"/>
                       <a:r>
-                        <a:rPr lang="en-US" sz="600" u="none" strike="noStrike">
+                        <a:rPr lang="en-US" sz="400" u="none" strike="noStrike">
                           <a:effectLst/>
                         </a:rPr>
                         <a:t>S22_Latch_RET</a:t>
                       </a:r>
-                      <a:endParaRPr lang="en-US" sz="600" b="1" i="0" u="none" strike="noStrike">
+                      <a:endParaRPr lang="en-US" sz="400" b="0" i="0" u="none" strike="noStrike">
                         <a:solidFill>
                           <a:srgbClr val="000000"/>
                         </a:solidFill>
@@ -16855,7 +16873,7 @@
                       </a:endParaRPr>
                     </a:p>
                   </a:txBody>
-                  <a:tcPr marL="5346" marR="5346" marT="5346" marB="0" anchor="ctr"/>
+                  <a:tcPr marL="3550" marR="3550" marT="3550" marB="0" anchor="ctr"/>
                 </a:tc>
                 <a:tc>
                   <a:txBody>
@@ -16864,12 +16882,12 @@
                     <a:p>
                       <a:pPr algn="l" fontAlgn="ctr"/>
                       <a:r>
-                        <a:rPr lang="ko-KR" altLang="en-US" sz="600" u="none" strike="noStrike">
+                        <a:rPr lang="ko-KR" altLang="en-US" sz="400" u="none" strike="noStrike">
                           <a:effectLst/>
                         </a:rPr>
                         <a:t>　</a:t>
                       </a:r>
-                      <a:endParaRPr lang="ko-KR" altLang="en-US" sz="600" b="1" i="0" u="none" strike="noStrike">
+                      <a:endParaRPr lang="ko-KR" altLang="en-US" sz="400" b="0" i="0" u="none" strike="noStrike">
                         <a:solidFill>
                           <a:srgbClr val="000000"/>
                         </a:solidFill>
@@ -16879,15 +16897,15 @@
                       </a:endParaRPr>
                     </a:p>
                   </a:txBody>
-                  <a:tcPr marL="5346" marR="5346" marT="5346" marB="0" anchor="ctr"/>
+                  <a:tcPr marL="3550" marR="3550" marT="3550" marB="0" anchor="ctr"/>
                 </a:tc>
                 <a:extLst>
                   <a:ext uri="{0D108BD9-81ED-4DB2-BD59-A6C34878D82A}">
-                    <a16:rowId xmlns:a16="http://schemas.microsoft.com/office/drawing/2014/main" val="2358239147"/>
+                    <a16:rowId xmlns:a16="http://schemas.microsoft.com/office/drawing/2014/main" val="3191559272"/>
                   </a:ext>
                 </a:extLst>
               </a:tr>
-              <a:tr h="117604">
+              <a:tr h="128503">
                 <a:tc>
                   <a:txBody>
                     <a:bodyPr/>
@@ -16895,12 +16913,12 @@
                     <a:p>
                       <a:pPr algn="l" fontAlgn="ctr"/>
                       <a:r>
-                        <a:rPr lang="ko-KR" altLang="en-US" sz="600" u="none" strike="noStrike">
+                        <a:rPr lang="ko-KR" altLang="en-US" sz="400" u="none" strike="noStrike">
                           <a:effectLst/>
                         </a:rPr>
                         <a:t>외부주소</a:t>
                       </a:r>
-                      <a:endParaRPr lang="ko-KR" altLang="en-US" sz="600" b="1" i="0" u="none" strike="noStrike">
+                      <a:endParaRPr lang="ko-KR" altLang="en-US" sz="400" b="0" i="0" u="none" strike="noStrike">
                         <a:solidFill>
                           <a:srgbClr val="000000"/>
                         </a:solidFill>
@@ -16910,7 +16928,7 @@
                       </a:endParaRPr>
                     </a:p>
                   </a:txBody>
-                  <a:tcPr marL="5346" marR="5346" marT="5346" marB="0" anchor="ctr"/>
+                  <a:tcPr marL="3550" marR="3550" marT="3550" marB="0" anchor="ctr"/>
                 </a:tc>
                 <a:tc>
                   <a:txBody>
@@ -16919,12 +16937,12 @@
                     <a:p>
                       <a:pPr algn="l" fontAlgn="ctr"/>
                       <a:r>
-                        <a:rPr lang="en-US" sz="600" u="none" strike="noStrike">
+                        <a:rPr lang="en-US" sz="400" u="none" strike="noStrike">
                           <a:effectLst/>
                         </a:rPr>
                         <a:t>S22_Latch2.RET</a:t>
                       </a:r>
-                      <a:endParaRPr lang="en-US" sz="600" b="1" i="0" u="none" strike="noStrike">
+                      <a:endParaRPr lang="en-US" sz="400" b="0" i="0" u="none" strike="noStrike">
                         <a:solidFill>
                           <a:srgbClr val="000000"/>
                         </a:solidFill>
@@ -16934,7 +16952,7 @@
                       </a:endParaRPr>
                     </a:p>
                   </a:txBody>
-                  <a:tcPr marL="5346" marR="5346" marT="5346" marB="0" anchor="ctr"/>
+                  <a:tcPr marL="3550" marR="3550" marT="3550" marB="0" anchor="ctr"/>
                 </a:tc>
                 <a:tc>
                   <a:txBody>
@@ -16943,12 +16961,12 @@
                     <a:p>
                       <a:pPr algn="l" fontAlgn="ctr"/>
                       <a:r>
-                        <a:rPr lang="en-US" sz="600" u="none" strike="noStrike">
+                        <a:rPr lang="en-US" sz="400" u="none" strike="noStrike">
                           <a:effectLst/>
                         </a:rPr>
                         <a:t>bool</a:t>
                       </a:r>
-                      <a:endParaRPr lang="en-US" sz="600" b="1" i="0" u="none" strike="noStrike">
+                      <a:endParaRPr lang="en-US" sz="400" b="0" i="0" u="none" strike="noStrike">
                         <a:solidFill>
                           <a:srgbClr val="000000"/>
                         </a:solidFill>
@@ -16958,7 +16976,7 @@
                       </a:endParaRPr>
                     </a:p>
                   </a:txBody>
-                  <a:tcPr marL="5346" marR="5346" marT="5346" marB="0" anchor="ctr"/>
+                  <a:tcPr marL="3550" marR="3550" marT="3550" marB="0" anchor="ctr"/>
                 </a:tc>
                 <a:tc>
                   <a:txBody>
@@ -16967,12 +16985,12 @@
                     <a:p>
                       <a:pPr algn="l" fontAlgn="ctr"/>
                       <a:r>
-                        <a:rPr lang="en-US" sz="600" u="none" strike="noStrike">
+                        <a:rPr lang="en-US" sz="400" u="none" strike="noStrike">
                           <a:effectLst/>
                         </a:rPr>
-                        <a:t>I22</a:t>
+                        <a:t>I2.6</a:t>
                       </a:r>
-                      <a:endParaRPr lang="en-US" sz="600" b="1" i="0" u="none" strike="noStrike">
+                      <a:endParaRPr lang="en-US" sz="400" b="0" i="0" u="none" strike="noStrike">
                         <a:solidFill>
                           <a:srgbClr val="000000"/>
                         </a:solidFill>
@@ -16982,7 +17000,7 @@
                       </a:endParaRPr>
                     </a:p>
                   </a:txBody>
-                  <a:tcPr marL="5346" marR="5346" marT="5346" marB="0" anchor="ctr"/>
+                  <a:tcPr marL="3550" marR="3550" marT="3550" marB="0" anchor="ctr"/>
                 </a:tc>
                 <a:tc>
                   <a:txBody>
@@ -16991,12 +17009,12 @@
                     <a:p>
                       <a:pPr algn="l" fontAlgn="ctr"/>
                       <a:r>
-                        <a:rPr lang="en-US" sz="600" u="none" strike="noStrike">
+                        <a:rPr lang="en-US" sz="400" u="none" strike="noStrike">
                           <a:effectLst/>
                         </a:rPr>
-                        <a:t>O22</a:t>
+                        <a:t>O2.6</a:t>
                       </a:r>
-                      <a:endParaRPr lang="en-US" sz="600" b="1" i="0" u="none" strike="noStrike">
+                      <a:endParaRPr lang="en-US" sz="400" b="0" i="0" u="none" strike="noStrike">
                         <a:solidFill>
                           <a:srgbClr val="000000"/>
                         </a:solidFill>
@@ -17006,7 +17024,7 @@
                       </a:endParaRPr>
                     </a:p>
                   </a:txBody>
-                  <a:tcPr marL="5346" marR="5346" marT="5346" marB="0" anchor="ctr"/>
+                  <a:tcPr marL="3550" marR="3550" marT="3550" marB="0" anchor="ctr"/>
                 </a:tc>
                 <a:tc>
                   <a:txBody>
@@ -17015,12 +17033,12 @@
                     <a:p>
                       <a:pPr algn="l" fontAlgn="ctr"/>
                       <a:r>
-                        <a:rPr lang="ko-KR" altLang="en-US" sz="600" u="none" strike="noStrike">
+                        <a:rPr lang="ko-KR" altLang="en-US" sz="400" u="none" strike="noStrike">
                           <a:effectLst/>
                         </a:rPr>
                         <a:t>↑</a:t>
                       </a:r>
-                      <a:endParaRPr lang="ko-KR" altLang="en-US" sz="600" b="1" i="0" u="none" strike="noStrike">
+                      <a:endParaRPr lang="ko-KR" altLang="en-US" sz="400" b="0" i="0" u="none" strike="noStrike">
                         <a:solidFill>
                           <a:srgbClr val="000000"/>
                         </a:solidFill>
@@ -17030,7 +17048,7 @@
                       </a:endParaRPr>
                     </a:p>
                   </a:txBody>
-                  <a:tcPr marL="5346" marR="5346" marT="5346" marB="0" anchor="ctr"/>
+                  <a:tcPr marL="3550" marR="3550" marT="3550" marB="0" anchor="ctr"/>
                 </a:tc>
                 <a:tc>
                   <a:txBody>
@@ -17039,12 +17057,12 @@
                     <a:p>
                       <a:pPr algn="l" fontAlgn="ctr"/>
                       <a:r>
-                        <a:rPr lang="ko-KR" altLang="en-US" sz="600" u="none" strike="noStrike">
+                        <a:rPr lang="ko-KR" altLang="en-US" sz="400" u="none" strike="noStrike">
                           <a:effectLst/>
                         </a:rPr>
                         <a:t>↑</a:t>
                       </a:r>
-                      <a:endParaRPr lang="ko-KR" altLang="en-US" sz="600" b="1" i="0" u="none" strike="noStrike">
+                      <a:endParaRPr lang="ko-KR" altLang="en-US" sz="400" b="0" i="0" u="none" strike="noStrike">
                         <a:solidFill>
                           <a:srgbClr val="000000"/>
                         </a:solidFill>
@@ -17054,15 +17072,15 @@
                       </a:endParaRPr>
                     </a:p>
                   </a:txBody>
-                  <a:tcPr marL="5346" marR="5346" marT="5346" marB="0" anchor="ctr"/>
+                  <a:tcPr marL="3550" marR="3550" marT="3550" marB="0" anchor="ctr"/>
                 </a:tc>
                 <a:extLst>
                   <a:ext uri="{0D108BD9-81ED-4DB2-BD59-A6C34878D82A}">
-                    <a16:rowId xmlns:a16="http://schemas.microsoft.com/office/drawing/2014/main" val="2619960471"/>
+                    <a16:rowId xmlns:a16="http://schemas.microsoft.com/office/drawing/2014/main" val="152839820"/>
                   </a:ext>
                 </a:extLst>
               </a:tr>
-              <a:tr h="117604">
+              <a:tr h="128503">
                 <a:tc>
                   <a:txBody>
                     <a:bodyPr/>
@@ -17070,12 +17088,12 @@
                     <a:p>
                       <a:pPr algn="l" fontAlgn="ctr"/>
                       <a:r>
-                        <a:rPr lang="ko-KR" altLang="en-US" sz="600" u="none" strike="noStrike">
+                        <a:rPr lang="ko-KR" altLang="en-US" sz="400" u="none" strike="noStrike">
                           <a:effectLst/>
                         </a:rPr>
                         <a:t>외부주소</a:t>
                       </a:r>
-                      <a:endParaRPr lang="ko-KR" altLang="en-US" sz="600" b="1" i="0" u="none" strike="noStrike">
+                      <a:endParaRPr lang="ko-KR" altLang="en-US" sz="400" b="0" i="0" u="none" strike="noStrike">
                         <a:solidFill>
                           <a:srgbClr val="000000"/>
                         </a:solidFill>
@@ -17085,7 +17103,7 @@
                       </a:endParaRPr>
                     </a:p>
                   </a:txBody>
-                  <a:tcPr marL="5346" marR="5346" marT="5346" marB="0" anchor="ctr"/>
+                  <a:tcPr marL="3550" marR="3550" marT="3550" marB="0" anchor="ctr"/>
                 </a:tc>
                 <a:tc>
                   <a:txBody>
@@ -17094,12 +17112,12 @@
                     <a:p>
                       <a:pPr algn="l" fontAlgn="ctr"/>
                       <a:r>
-                        <a:rPr lang="en-US" sz="600" u="none" strike="noStrike" dirty="0">
+                        <a:rPr lang="en-US" sz="400" u="none" strike="noStrike">
                           <a:effectLst/>
                         </a:rPr>
                         <a:t>S22_Latch3.RET</a:t>
                       </a:r>
-                      <a:endParaRPr lang="en-US" sz="600" b="1" i="0" u="none" strike="noStrike" dirty="0">
+                      <a:endParaRPr lang="en-US" sz="400" b="0" i="0" u="none" strike="noStrike">
                         <a:solidFill>
                           <a:srgbClr val="000000"/>
                         </a:solidFill>
@@ -17109,7 +17127,7 @@
                       </a:endParaRPr>
                     </a:p>
                   </a:txBody>
-                  <a:tcPr marL="5346" marR="5346" marT="5346" marB="0" anchor="ctr"/>
+                  <a:tcPr marL="3550" marR="3550" marT="3550" marB="0" anchor="ctr"/>
                 </a:tc>
                 <a:tc>
                   <a:txBody>
@@ -17118,12 +17136,12 @@
                     <a:p>
                       <a:pPr algn="l" fontAlgn="ctr"/>
                       <a:r>
-                        <a:rPr lang="en-US" sz="600" u="none" strike="noStrike">
+                        <a:rPr lang="en-US" sz="400" u="none" strike="noStrike">
                           <a:effectLst/>
                         </a:rPr>
                         <a:t>bool</a:t>
                       </a:r>
-                      <a:endParaRPr lang="en-US" sz="600" b="1" i="0" u="none" strike="noStrike">
+                      <a:endParaRPr lang="en-US" sz="400" b="0" i="0" u="none" strike="noStrike">
                         <a:solidFill>
                           <a:srgbClr val="000000"/>
                         </a:solidFill>
@@ -17133,7 +17151,7 @@
                       </a:endParaRPr>
                     </a:p>
                   </a:txBody>
-                  <a:tcPr marL="5346" marR="5346" marT="5346" marB="0" anchor="ctr"/>
+                  <a:tcPr marL="3550" marR="3550" marT="3550" marB="0" anchor="ctr"/>
                 </a:tc>
                 <a:tc>
                   <a:txBody>
@@ -17142,12 +17160,12 @@
                     <a:p>
                       <a:pPr algn="l" fontAlgn="ctr"/>
                       <a:r>
-                        <a:rPr lang="en-US" sz="600" u="none" strike="noStrike">
+                        <a:rPr lang="en-US" sz="400" u="none" strike="noStrike">
                           <a:effectLst/>
                         </a:rPr>
-                        <a:t>I23</a:t>
+                        <a:t>I2.7</a:t>
                       </a:r>
-                      <a:endParaRPr lang="en-US" sz="600" b="1" i="0" u="none" strike="noStrike">
+                      <a:endParaRPr lang="en-US" sz="400" b="0" i="0" u="none" strike="noStrike">
                         <a:solidFill>
                           <a:srgbClr val="000000"/>
                         </a:solidFill>
@@ -17157,7 +17175,7 @@
                       </a:endParaRPr>
                     </a:p>
                   </a:txBody>
-                  <a:tcPr marL="5346" marR="5346" marT="5346" marB="0" anchor="ctr"/>
+                  <a:tcPr marL="3550" marR="3550" marT="3550" marB="0" anchor="ctr"/>
                 </a:tc>
                 <a:tc>
                   <a:txBody>
@@ -17166,12 +17184,12 @@
                     <a:p>
                       <a:pPr algn="l" fontAlgn="ctr"/>
                       <a:r>
-                        <a:rPr lang="en-US" sz="600" u="none" strike="noStrike">
+                        <a:rPr lang="en-US" sz="400" u="none" strike="noStrike">
                           <a:effectLst/>
                         </a:rPr>
-                        <a:t>O23</a:t>
+                        <a:t>O2.7</a:t>
                       </a:r>
-                      <a:endParaRPr lang="en-US" sz="600" b="1" i="0" u="none" strike="noStrike">
+                      <a:endParaRPr lang="en-US" sz="400" b="0" i="0" u="none" strike="noStrike">
                         <a:solidFill>
                           <a:srgbClr val="000000"/>
                         </a:solidFill>
@@ -17181,7 +17199,7 @@
                       </a:endParaRPr>
                     </a:p>
                   </a:txBody>
-                  <a:tcPr marL="5346" marR="5346" marT="5346" marB="0" anchor="ctr"/>
+                  <a:tcPr marL="3550" marR="3550" marT="3550" marB="0" anchor="ctr"/>
                 </a:tc>
                 <a:tc>
                   <a:txBody>
@@ -17190,12 +17208,12 @@
                     <a:p>
                       <a:pPr algn="l" fontAlgn="ctr"/>
                       <a:r>
-                        <a:rPr lang="ko-KR" altLang="en-US" sz="600" u="none" strike="noStrike">
+                        <a:rPr lang="ko-KR" altLang="en-US" sz="400" u="none" strike="noStrike">
                           <a:effectLst/>
                         </a:rPr>
                         <a:t>↑</a:t>
                       </a:r>
-                      <a:endParaRPr lang="ko-KR" altLang="en-US" sz="600" b="1" i="0" u="none" strike="noStrike">
+                      <a:endParaRPr lang="ko-KR" altLang="en-US" sz="400" b="0" i="0" u="none" strike="noStrike">
                         <a:solidFill>
                           <a:srgbClr val="000000"/>
                         </a:solidFill>
@@ -17205,7 +17223,7 @@
                       </a:endParaRPr>
                     </a:p>
                   </a:txBody>
-                  <a:tcPr marL="5346" marR="5346" marT="5346" marB="0" anchor="ctr"/>
+                  <a:tcPr marL="3550" marR="3550" marT="3550" marB="0" anchor="ctr"/>
                 </a:tc>
                 <a:tc>
                   <a:txBody>
@@ -17214,12 +17232,12 @@
                     <a:p>
                       <a:pPr algn="l" fontAlgn="ctr"/>
                       <a:r>
-                        <a:rPr lang="ko-KR" altLang="en-US" sz="600" u="none" strike="noStrike">
+                        <a:rPr lang="ko-KR" altLang="en-US" sz="400" u="none" strike="noStrike">
                           <a:effectLst/>
                         </a:rPr>
                         <a:t>↑</a:t>
                       </a:r>
-                      <a:endParaRPr lang="ko-KR" altLang="en-US" sz="600" b="1" i="0" u="none" strike="noStrike">
+                      <a:endParaRPr lang="ko-KR" altLang="en-US" sz="400" b="0" i="0" u="none" strike="noStrike">
                         <a:solidFill>
                           <a:srgbClr val="000000"/>
                         </a:solidFill>
@@ -17229,15 +17247,15 @@
                       </a:endParaRPr>
                     </a:p>
                   </a:txBody>
-                  <a:tcPr marL="5346" marR="5346" marT="5346" marB="0" anchor="ctr"/>
+                  <a:tcPr marL="3550" marR="3550" marT="3550" marB="0" anchor="ctr"/>
                 </a:tc>
                 <a:extLst>
                   <a:ext uri="{0D108BD9-81ED-4DB2-BD59-A6C34878D82A}">
-                    <a16:rowId xmlns:a16="http://schemas.microsoft.com/office/drawing/2014/main" val="2454543297"/>
+                    <a16:rowId xmlns:a16="http://schemas.microsoft.com/office/drawing/2014/main" val="1710937246"/>
                   </a:ext>
                 </a:extLst>
               </a:tr>
-              <a:tr h="117604">
+              <a:tr h="128503">
                 <a:tc>
                   <a:txBody>
                     <a:bodyPr/>
@@ -17245,12 +17263,12 @@
                     <a:p>
                       <a:pPr algn="l" fontAlgn="ctr"/>
                       <a:r>
-                        <a:rPr lang="ko-KR" altLang="en-US" sz="600" u="none" strike="noStrike">
+                        <a:rPr lang="ko-KR" altLang="en-US" sz="400" u="none" strike="noStrike">
                           <a:effectLst/>
                         </a:rPr>
                         <a:t>외부주소</a:t>
                       </a:r>
-                      <a:endParaRPr lang="ko-KR" altLang="en-US" sz="600" b="1" i="0" u="none" strike="noStrike">
+                      <a:endParaRPr lang="ko-KR" altLang="en-US" sz="400" b="0" i="0" u="none" strike="noStrike">
                         <a:solidFill>
                           <a:srgbClr val="000000"/>
                         </a:solidFill>
@@ -17260,7 +17278,7 @@
                       </a:endParaRPr>
                     </a:p>
                   </a:txBody>
-                  <a:tcPr marL="5346" marR="5346" marT="5346" marB="0" anchor="ctr"/>
+                  <a:tcPr marL="3550" marR="3550" marT="3550" marB="0" anchor="ctr"/>
                 </a:tc>
                 <a:tc>
                   <a:txBody>
@@ -17269,12 +17287,12 @@
                     <a:p>
                       <a:pPr algn="l" fontAlgn="ctr"/>
                       <a:r>
-                        <a:rPr lang="en-US" sz="600" u="none" strike="noStrike">
+                        <a:rPr lang="en-US" sz="400" u="none" strike="noStrike">
                           <a:effectLst/>
                         </a:rPr>
                         <a:t>S22_Latch4.RET</a:t>
                       </a:r>
-                      <a:endParaRPr lang="en-US" sz="600" b="1" i="0" u="none" strike="noStrike">
+                      <a:endParaRPr lang="en-US" sz="400" b="0" i="0" u="none" strike="noStrike">
                         <a:solidFill>
                           <a:srgbClr val="000000"/>
                         </a:solidFill>
@@ -17284,7 +17302,7 @@
                       </a:endParaRPr>
                     </a:p>
                   </a:txBody>
-                  <a:tcPr marL="5346" marR="5346" marT="5346" marB="0" anchor="ctr"/>
+                  <a:tcPr marL="3550" marR="3550" marT="3550" marB="0" anchor="ctr"/>
                 </a:tc>
                 <a:tc>
                   <a:txBody>
@@ -17293,12 +17311,12 @@
                     <a:p>
                       <a:pPr algn="l" fontAlgn="ctr"/>
                       <a:r>
-                        <a:rPr lang="en-US" sz="600" u="none" strike="noStrike">
+                        <a:rPr lang="en-US" sz="400" u="none" strike="noStrike">
                           <a:effectLst/>
                         </a:rPr>
                         <a:t>bool</a:t>
                       </a:r>
-                      <a:endParaRPr lang="en-US" sz="600" b="1" i="0" u="none" strike="noStrike">
+                      <a:endParaRPr lang="en-US" sz="400" b="0" i="0" u="none" strike="noStrike">
                         <a:solidFill>
                           <a:srgbClr val="000000"/>
                         </a:solidFill>
@@ -17308,7 +17326,7 @@
                       </a:endParaRPr>
                     </a:p>
                   </a:txBody>
-                  <a:tcPr marL="5346" marR="5346" marT="5346" marB="0" anchor="ctr"/>
+                  <a:tcPr marL="3550" marR="3550" marT="3550" marB="0" anchor="ctr"/>
                 </a:tc>
                 <a:tc>
                   <a:txBody>
@@ -17317,12 +17335,12 @@
                     <a:p>
                       <a:pPr algn="l" fontAlgn="ctr"/>
                       <a:r>
-                        <a:rPr lang="en-US" sz="600" u="none" strike="noStrike">
+                        <a:rPr lang="en-US" sz="400" u="none" strike="noStrike">
                           <a:effectLst/>
                         </a:rPr>
-                        <a:t>I24</a:t>
+                        <a:t>I3.0</a:t>
                       </a:r>
-                      <a:endParaRPr lang="en-US" sz="600" b="1" i="0" u="none" strike="noStrike">
+                      <a:endParaRPr lang="en-US" sz="400" b="0" i="0" u="none" strike="noStrike">
                         <a:solidFill>
                           <a:srgbClr val="000000"/>
                         </a:solidFill>
@@ -17332,7 +17350,7 @@
                       </a:endParaRPr>
                     </a:p>
                   </a:txBody>
-                  <a:tcPr marL="5346" marR="5346" marT="5346" marB="0" anchor="ctr"/>
+                  <a:tcPr marL="3550" marR="3550" marT="3550" marB="0" anchor="ctr"/>
                 </a:tc>
                 <a:tc>
                   <a:txBody>
@@ -17341,12 +17359,12 @@
                     <a:p>
                       <a:pPr algn="l" fontAlgn="ctr"/>
                       <a:r>
-                        <a:rPr lang="en-US" sz="600" u="none" strike="noStrike">
+                        <a:rPr lang="en-US" sz="400" u="none" strike="noStrike">
                           <a:effectLst/>
                         </a:rPr>
-                        <a:t>O24</a:t>
+                        <a:t>O3.0</a:t>
                       </a:r>
-                      <a:endParaRPr lang="en-US" sz="600" b="1" i="0" u="none" strike="noStrike">
+                      <a:endParaRPr lang="en-US" sz="400" b="0" i="0" u="none" strike="noStrike">
                         <a:solidFill>
                           <a:srgbClr val="000000"/>
                         </a:solidFill>
@@ -17356,7 +17374,7 @@
                       </a:endParaRPr>
                     </a:p>
                   </a:txBody>
-                  <a:tcPr marL="5346" marR="5346" marT="5346" marB="0" anchor="ctr"/>
+                  <a:tcPr marL="3550" marR="3550" marT="3550" marB="0" anchor="ctr"/>
                 </a:tc>
                 <a:tc>
                   <a:txBody>
@@ -17365,12 +17383,12 @@
                     <a:p>
                       <a:pPr algn="l" fontAlgn="ctr"/>
                       <a:r>
-                        <a:rPr lang="ko-KR" altLang="en-US" sz="600" u="none" strike="noStrike">
+                        <a:rPr lang="ko-KR" altLang="en-US" sz="400" u="none" strike="noStrike">
                           <a:effectLst/>
                         </a:rPr>
                         <a:t>↑</a:t>
                       </a:r>
-                      <a:endParaRPr lang="ko-KR" altLang="en-US" sz="600" b="1" i="0" u="none" strike="noStrike">
+                      <a:endParaRPr lang="ko-KR" altLang="en-US" sz="400" b="0" i="0" u="none" strike="noStrike">
                         <a:solidFill>
                           <a:srgbClr val="000000"/>
                         </a:solidFill>
@@ -17380,7 +17398,7 @@
                       </a:endParaRPr>
                     </a:p>
                   </a:txBody>
-                  <a:tcPr marL="5346" marR="5346" marT="5346" marB="0" anchor="ctr"/>
+                  <a:tcPr marL="3550" marR="3550" marT="3550" marB="0" anchor="ctr"/>
                 </a:tc>
                 <a:tc>
                   <a:txBody>
@@ -17389,12 +17407,12 @@
                     <a:p>
                       <a:pPr algn="l" fontAlgn="ctr"/>
                       <a:r>
-                        <a:rPr lang="ko-KR" altLang="en-US" sz="600" u="none" strike="noStrike">
+                        <a:rPr lang="ko-KR" altLang="en-US" sz="400" u="none" strike="noStrike">
                           <a:effectLst/>
                         </a:rPr>
                         <a:t>↑</a:t>
                       </a:r>
-                      <a:endParaRPr lang="ko-KR" altLang="en-US" sz="600" b="1" i="0" u="none" strike="noStrike">
+                      <a:endParaRPr lang="ko-KR" altLang="en-US" sz="400" b="0" i="0" u="none" strike="noStrike">
                         <a:solidFill>
                           <a:srgbClr val="000000"/>
                         </a:solidFill>
@@ -17404,15 +17422,15 @@
                       </a:endParaRPr>
                     </a:p>
                   </a:txBody>
-                  <a:tcPr marL="5346" marR="5346" marT="5346" marB="0" anchor="ctr"/>
+                  <a:tcPr marL="3550" marR="3550" marT="3550" marB="0" anchor="ctr"/>
                 </a:tc>
                 <a:extLst>
                   <a:ext uri="{0D108BD9-81ED-4DB2-BD59-A6C34878D82A}">
-                    <a16:rowId xmlns:a16="http://schemas.microsoft.com/office/drawing/2014/main" val="1229325824"/>
+                    <a16:rowId xmlns:a16="http://schemas.microsoft.com/office/drawing/2014/main" val="3162684622"/>
                   </a:ext>
                 </a:extLst>
               </a:tr>
-              <a:tr h="117604">
+              <a:tr h="128503">
                 <a:tc>
                   <a:txBody>
                     <a:bodyPr/>
@@ -17420,12 +17438,12 @@
                     <a:p>
                       <a:pPr algn="l" fontAlgn="ctr"/>
                       <a:r>
-                        <a:rPr lang="ko-KR" altLang="en-US" sz="600" u="none" strike="noStrike">
+                        <a:rPr lang="ko-KR" altLang="en-US" sz="400" u="none" strike="noStrike">
                           <a:effectLst/>
                         </a:rPr>
                         <a:t>외부주소</a:t>
                       </a:r>
-                      <a:endParaRPr lang="ko-KR" altLang="en-US" sz="600" b="1" i="0" u="none" strike="noStrike">
+                      <a:endParaRPr lang="ko-KR" altLang="en-US" sz="400" b="0" i="0" u="none" strike="noStrike">
                         <a:solidFill>
                           <a:srgbClr val="000000"/>
                         </a:solidFill>
@@ -17435,7 +17453,7 @@
                       </a:endParaRPr>
                     </a:p>
                   </a:txBody>
-                  <a:tcPr marL="5346" marR="5346" marT="5346" marB="0" anchor="ctr"/>
+                  <a:tcPr marL="3550" marR="3550" marT="3550" marB="0" anchor="ctr"/>
                 </a:tc>
                 <a:tc>
                   <a:txBody>
@@ -17444,12 +17462,12 @@
                     <a:p>
                       <a:pPr algn="l" fontAlgn="ctr"/>
                       <a:r>
-                        <a:rPr lang="en-US" sz="600" u="none" strike="noStrike">
+                        <a:rPr lang="en-US" sz="400" u="none" strike="noStrike">
                           <a:effectLst/>
                         </a:rPr>
                         <a:t>S22_Latch5.RET</a:t>
                       </a:r>
-                      <a:endParaRPr lang="en-US" sz="600" b="1" i="0" u="none" strike="noStrike">
+                      <a:endParaRPr lang="en-US" sz="400" b="0" i="0" u="none" strike="noStrike">
                         <a:solidFill>
                           <a:srgbClr val="000000"/>
                         </a:solidFill>
@@ -17459,7 +17477,7 @@
                       </a:endParaRPr>
                     </a:p>
                   </a:txBody>
-                  <a:tcPr marL="5346" marR="5346" marT="5346" marB="0" anchor="ctr"/>
+                  <a:tcPr marL="3550" marR="3550" marT="3550" marB="0" anchor="ctr"/>
                 </a:tc>
                 <a:tc>
                   <a:txBody>
@@ -17468,12 +17486,12 @@
                     <a:p>
                       <a:pPr algn="l" fontAlgn="ctr"/>
                       <a:r>
-                        <a:rPr lang="en-US" sz="600" u="none" strike="noStrike">
+                        <a:rPr lang="en-US" sz="400" u="none" strike="noStrike">
                           <a:effectLst/>
                         </a:rPr>
                         <a:t>bool</a:t>
                       </a:r>
-                      <a:endParaRPr lang="en-US" sz="600" b="1" i="0" u="none" strike="noStrike">
+                      <a:endParaRPr lang="en-US" sz="400" b="0" i="0" u="none" strike="noStrike">
                         <a:solidFill>
                           <a:srgbClr val="000000"/>
                         </a:solidFill>
@@ -17483,7 +17501,7 @@
                       </a:endParaRPr>
                     </a:p>
                   </a:txBody>
-                  <a:tcPr marL="5346" marR="5346" marT="5346" marB="0" anchor="ctr"/>
+                  <a:tcPr marL="3550" marR="3550" marT="3550" marB="0" anchor="ctr"/>
                 </a:tc>
                 <a:tc>
                   <a:txBody>
@@ -17492,12 +17510,12 @@
                     <a:p>
                       <a:pPr algn="l" fontAlgn="ctr"/>
                       <a:r>
-                        <a:rPr lang="en-US" sz="600" u="none" strike="noStrike">
+                        <a:rPr lang="en-US" sz="400" u="none" strike="noStrike">
                           <a:effectLst/>
                         </a:rPr>
-                        <a:t>I25</a:t>
+                        <a:t>I3.1</a:t>
                       </a:r>
-                      <a:endParaRPr lang="en-US" sz="600" b="1" i="0" u="none" strike="noStrike">
+                      <a:endParaRPr lang="en-US" sz="400" b="0" i="0" u="none" strike="noStrike">
                         <a:solidFill>
                           <a:srgbClr val="000000"/>
                         </a:solidFill>
@@ -17507,7 +17525,7 @@
                       </a:endParaRPr>
                     </a:p>
                   </a:txBody>
-                  <a:tcPr marL="5346" marR="5346" marT="5346" marB="0" anchor="ctr"/>
+                  <a:tcPr marL="3550" marR="3550" marT="3550" marB="0" anchor="ctr"/>
                 </a:tc>
                 <a:tc>
                   <a:txBody>
@@ -17516,12 +17534,12 @@
                     <a:p>
                       <a:pPr algn="l" fontAlgn="ctr"/>
                       <a:r>
-                        <a:rPr lang="en-US" sz="600" u="none" strike="noStrike">
+                        <a:rPr lang="en-US" sz="400" u="none" strike="noStrike">
                           <a:effectLst/>
                         </a:rPr>
-                        <a:t>O25</a:t>
+                        <a:t>O3.1</a:t>
                       </a:r>
-                      <a:endParaRPr lang="en-US" sz="600" b="1" i="0" u="none" strike="noStrike">
+                      <a:endParaRPr lang="en-US" sz="400" b="0" i="0" u="none" strike="noStrike">
                         <a:solidFill>
                           <a:srgbClr val="000000"/>
                         </a:solidFill>
@@ -17531,7 +17549,7 @@
                       </a:endParaRPr>
                     </a:p>
                   </a:txBody>
-                  <a:tcPr marL="5346" marR="5346" marT="5346" marB="0" anchor="ctr"/>
+                  <a:tcPr marL="3550" marR="3550" marT="3550" marB="0" anchor="ctr"/>
                 </a:tc>
                 <a:tc>
                   <a:txBody>
@@ -17540,12 +17558,12 @@
                     <a:p>
                       <a:pPr algn="l" fontAlgn="ctr"/>
                       <a:r>
-                        <a:rPr lang="ko-KR" altLang="en-US" sz="600" u="none" strike="noStrike" dirty="0">
+                        <a:rPr lang="ko-KR" altLang="en-US" sz="400" u="none" strike="noStrike">
                           <a:effectLst/>
                         </a:rPr>
                         <a:t>↑</a:t>
                       </a:r>
-                      <a:endParaRPr lang="ko-KR" altLang="en-US" sz="600" b="1" i="0" u="none" strike="noStrike" dirty="0">
+                      <a:endParaRPr lang="ko-KR" altLang="en-US" sz="400" b="0" i="0" u="none" strike="noStrike">
                         <a:solidFill>
                           <a:srgbClr val="000000"/>
                         </a:solidFill>
@@ -17555,7 +17573,7 @@
                       </a:endParaRPr>
                     </a:p>
                   </a:txBody>
-                  <a:tcPr marL="5346" marR="5346" marT="5346" marB="0" anchor="ctr"/>
+                  <a:tcPr marL="3550" marR="3550" marT="3550" marB="0" anchor="ctr"/>
                 </a:tc>
                 <a:tc>
                   <a:txBody>
@@ -17564,12 +17582,12 @@
                     <a:p>
                       <a:pPr algn="l" fontAlgn="ctr"/>
                       <a:r>
-                        <a:rPr lang="ko-KR" altLang="en-US" sz="600" u="none" strike="noStrike">
+                        <a:rPr lang="ko-KR" altLang="en-US" sz="400" u="none" strike="noStrike">
                           <a:effectLst/>
                         </a:rPr>
                         <a:t>↑</a:t>
                       </a:r>
-                      <a:endParaRPr lang="ko-KR" altLang="en-US" sz="600" b="1" i="0" u="none" strike="noStrike">
+                      <a:endParaRPr lang="ko-KR" altLang="en-US" sz="400" b="0" i="0" u="none" strike="noStrike">
                         <a:solidFill>
                           <a:srgbClr val="000000"/>
                         </a:solidFill>
@@ -17579,15 +17597,15 @@
                       </a:endParaRPr>
                     </a:p>
                   </a:txBody>
-                  <a:tcPr marL="5346" marR="5346" marT="5346" marB="0" anchor="ctr"/>
+                  <a:tcPr marL="3550" marR="3550" marT="3550" marB="0" anchor="ctr"/>
                 </a:tc>
                 <a:extLst>
                   <a:ext uri="{0D108BD9-81ED-4DB2-BD59-A6C34878D82A}">
-                    <a16:rowId xmlns:a16="http://schemas.microsoft.com/office/drawing/2014/main" val="1002390651"/>
+                    <a16:rowId xmlns:a16="http://schemas.microsoft.com/office/drawing/2014/main" val="2046280394"/>
                   </a:ext>
                 </a:extLst>
               </a:tr>
-              <a:tr h="117604">
+              <a:tr h="128503">
                 <a:tc>
                   <a:txBody>
                     <a:bodyPr/>
@@ -17595,12 +17613,12 @@
                     <a:p>
                       <a:pPr algn="l" fontAlgn="ctr"/>
                       <a:r>
-                        <a:rPr lang="ko-KR" altLang="en-US" sz="600" u="none" strike="noStrike">
+                        <a:rPr lang="ko-KR" altLang="en-US" sz="400" u="none" strike="noStrike">
                           <a:effectLst/>
                         </a:rPr>
                         <a:t>외부주소</a:t>
                       </a:r>
-                      <a:endParaRPr lang="ko-KR" altLang="en-US" sz="600" b="1" i="0" u="none" strike="noStrike">
+                      <a:endParaRPr lang="ko-KR" altLang="en-US" sz="400" b="0" i="0" u="none" strike="noStrike">
                         <a:solidFill>
                           <a:srgbClr val="000000"/>
                         </a:solidFill>
@@ -17610,7 +17628,7 @@
                       </a:endParaRPr>
                     </a:p>
                   </a:txBody>
-                  <a:tcPr marL="5346" marR="5346" marT="5346" marB="0" anchor="ctr"/>
+                  <a:tcPr marL="3550" marR="3550" marT="3550" marB="0" anchor="ctr"/>
                 </a:tc>
                 <a:tc>
                   <a:txBody>
@@ -17619,12 +17637,12 @@
                     <a:p>
                       <a:pPr algn="l" fontAlgn="ctr"/>
                       <a:r>
-                        <a:rPr lang="en-US" sz="600" u="none" strike="noStrike">
+                        <a:rPr lang="en-US" sz="400" u="none" strike="noStrike">
                           <a:effectLst/>
                         </a:rPr>
                         <a:t>S22_PinA.ADV</a:t>
                       </a:r>
-                      <a:endParaRPr lang="en-US" sz="600" b="1" i="0" u="none" strike="noStrike">
+                      <a:endParaRPr lang="en-US" sz="400" b="0" i="0" u="none" strike="noStrike">
                         <a:solidFill>
                           <a:srgbClr val="000000"/>
                         </a:solidFill>
@@ -17634,7 +17652,7 @@
                       </a:endParaRPr>
                     </a:p>
                   </a:txBody>
-                  <a:tcPr marL="5346" marR="5346" marT="5346" marB="0" anchor="ctr"/>
+                  <a:tcPr marL="3550" marR="3550" marT="3550" marB="0" anchor="ctr"/>
                 </a:tc>
                 <a:tc>
                   <a:txBody>
@@ -17643,12 +17661,12 @@
                     <a:p>
                       <a:pPr algn="l" fontAlgn="ctr"/>
                       <a:r>
-                        <a:rPr lang="en-US" sz="600" u="none" strike="noStrike">
+                        <a:rPr lang="en-US" sz="400" u="none" strike="noStrike">
                           <a:effectLst/>
                         </a:rPr>
                         <a:t>bool</a:t>
                       </a:r>
-                      <a:endParaRPr lang="en-US" sz="600" b="1" i="0" u="none" strike="noStrike">
+                      <a:endParaRPr lang="en-US" sz="400" b="0" i="0" u="none" strike="noStrike">
                         <a:solidFill>
                           <a:srgbClr val="000000"/>
                         </a:solidFill>
@@ -17658,7 +17676,7 @@
                       </a:endParaRPr>
                     </a:p>
                   </a:txBody>
-                  <a:tcPr marL="5346" marR="5346" marT="5346" marB="0" anchor="ctr"/>
+                  <a:tcPr marL="3550" marR="3550" marT="3550" marB="0" anchor="ctr"/>
                 </a:tc>
                 <a:tc>
                   <a:txBody>
@@ -17667,12 +17685,12 @@
                     <a:p>
                       <a:pPr algn="l" fontAlgn="ctr"/>
                       <a:r>
-                        <a:rPr lang="en-US" sz="600" u="none" strike="noStrike">
+                        <a:rPr lang="en-US" sz="400" u="none" strike="noStrike">
                           <a:effectLst/>
                         </a:rPr>
-                        <a:t>I26</a:t>
+                        <a:t>I3.2</a:t>
                       </a:r>
-                      <a:endParaRPr lang="en-US" sz="600" b="1" i="0" u="none" strike="noStrike">
+                      <a:endParaRPr lang="en-US" sz="400" b="0" i="0" u="none" strike="noStrike">
                         <a:solidFill>
                           <a:srgbClr val="000000"/>
                         </a:solidFill>
@@ -17682,7 +17700,7 @@
                       </a:endParaRPr>
                     </a:p>
                   </a:txBody>
-                  <a:tcPr marL="5346" marR="5346" marT="5346" marB="0" anchor="ctr"/>
+                  <a:tcPr marL="3550" marR="3550" marT="3550" marB="0" anchor="ctr"/>
                 </a:tc>
                 <a:tc>
                   <a:txBody>
@@ -17691,12 +17709,12 @@
                     <a:p>
                       <a:pPr algn="l" fontAlgn="ctr"/>
                       <a:r>
-                        <a:rPr lang="en-US" sz="600" u="none" strike="noStrike">
+                        <a:rPr lang="en-US" sz="400" u="none" strike="noStrike">
                           <a:effectLst/>
                         </a:rPr>
-                        <a:t>O26</a:t>
+                        <a:t>O3.2</a:t>
                       </a:r>
-                      <a:endParaRPr lang="en-US" sz="600" b="1" i="0" u="none" strike="noStrike">
+                      <a:endParaRPr lang="en-US" sz="400" b="0" i="0" u="none" strike="noStrike">
                         <a:solidFill>
                           <a:srgbClr val="000000"/>
                         </a:solidFill>
@@ -17706,7 +17724,7 @@
                       </a:endParaRPr>
                     </a:p>
                   </a:txBody>
-                  <a:tcPr marL="5346" marR="5346" marT="5346" marB="0" anchor="ctr"/>
+                  <a:tcPr marL="3550" marR="3550" marT="3550" marB="0" anchor="ctr"/>
                 </a:tc>
                 <a:tc>
                   <a:txBody>
@@ -17715,12 +17733,12 @@
                     <a:p>
                       <a:pPr algn="l" fontAlgn="ctr"/>
                       <a:r>
-                        <a:rPr lang="en-US" sz="600" u="none" strike="noStrike">
+                        <a:rPr lang="en-US" sz="400" u="none" strike="noStrike">
                           <a:effectLst/>
                         </a:rPr>
                         <a:t>S22_PinA_ADV</a:t>
                       </a:r>
-                      <a:endParaRPr lang="en-US" sz="600" b="1" i="0" u="none" strike="noStrike">
+                      <a:endParaRPr lang="en-US" sz="400" b="0" i="0" u="none" strike="noStrike">
                         <a:solidFill>
                           <a:srgbClr val="000000"/>
                         </a:solidFill>
@@ -17730,7 +17748,7 @@
                       </a:endParaRPr>
                     </a:p>
                   </a:txBody>
-                  <a:tcPr marL="5346" marR="5346" marT="5346" marB="0" anchor="ctr"/>
+                  <a:tcPr marL="3550" marR="3550" marT="3550" marB="0" anchor="ctr"/>
                 </a:tc>
                 <a:tc>
                   <a:txBody>
@@ -17739,12 +17757,12 @@
                     <a:p>
                       <a:pPr algn="l" fontAlgn="ctr"/>
                       <a:r>
-                        <a:rPr lang="ko-KR" altLang="en-US" sz="600" u="none" strike="noStrike">
+                        <a:rPr lang="ko-KR" altLang="en-US" sz="400" u="none" strike="noStrike">
                           <a:effectLst/>
                         </a:rPr>
                         <a:t>　</a:t>
                       </a:r>
-                      <a:endParaRPr lang="ko-KR" altLang="en-US" sz="600" b="1" i="0" u="none" strike="noStrike">
+                      <a:endParaRPr lang="ko-KR" altLang="en-US" sz="400" b="0" i="0" u="none" strike="noStrike">
                         <a:solidFill>
                           <a:srgbClr val="000000"/>
                         </a:solidFill>
@@ -17754,15 +17772,15 @@
                       </a:endParaRPr>
                     </a:p>
                   </a:txBody>
-                  <a:tcPr marL="5346" marR="5346" marT="5346" marB="0" anchor="ctr"/>
+                  <a:tcPr marL="3550" marR="3550" marT="3550" marB="0" anchor="ctr"/>
                 </a:tc>
                 <a:extLst>
                   <a:ext uri="{0D108BD9-81ED-4DB2-BD59-A6C34878D82A}">
-                    <a16:rowId xmlns:a16="http://schemas.microsoft.com/office/drawing/2014/main" val="152742261"/>
+                    <a16:rowId xmlns:a16="http://schemas.microsoft.com/office/drawing/2014/main" val="639199610"/>
                   </a:ext>
                 </a:extLst>
               </a:tr>
-              <a:tr h="117604">
+              <a:tr h="128503">
                 <a:tc>
                   <a:txBody>
                     <a:bodyPr/>
@@ -17770,12 +17788,12 @@
                     <a:p>
                       <a:pPr algn="l" fontAlgn="ctr"/>
                       <a:r>
-                        <a:rPr lang="ko-KR" altLang="en-US" sz="600" u="none" strike="noStrike">
+                        <a:rPr lang="ko-KR" altLang="en-US" sz="400" u="none" strike="noStrike">
                           <a:effectLst/>
                         </a:rPr>
                         <a:t>외부주소</a:t>
                       </a:r>
-                      <a:endParaRPr lang="ko-KR" altLang="en-US" sz="600" b="1" i="0" u="none" strike="noStrike">
+                      <a:endParaRPr lang="ko-KR" altLang="en-US" sz="400" b="0" i="0" u="none" strike="noStrike">
                         <a:solidFill>
                           <a:srgbClr val="000000"/>
                         </a:solidFill>
@@ -17785,7 +17803,7 @@
                       </a:endParaRPr>
                     </a:p>
                   </a:txBody>
-                  <a:tcPr marL="5346" marR="5346" marT="5346" marB="0" anchor="ctr"/>
+                  <a:tcPr marL="3550" marR="3550" marT="3550" marB="0" anchor="ctr"/>
                 </a:tc>
                 <a:tc>
                   <a:txBody>
@@ -17794,12 +17812,12 @@
                     <a:p>
                       <a:pPr algn="l" fontAlgn="ctr"/>
                       <a:r>
-                        <a:rPr lang="en-US" sz="600" u="none" strike="noStrike">
+                        <a:rPr lang="en-US" sz="400" u="none" strike="noStrike">
                           <a:effectLst/>
                         </a:rPr>
                         <a:t>S22_PinA.RET</a:t>
                       </a:r>
-                      <a:endParaRPr lang="en-US" sz="600" b="1" i="0" u="none" strike="noStrike">
+                      <a:endParaRPr lang="en-US" sz="400" b="0" i="0" u="none" strike="noStrike">
                         <a:solidFill>
                           <a:srgbClr val="000000"/>
                         </a:solidFill>
@@ -17809,7 +17827,7 @@
                       </a:endParaRPr>
                     </a:p>
                   </a:txBody>
-                  <a:tcPr marL="5346" marR="5346" marT="5346" marB="0" anchor="ctr"/>
+                  <a:tcPr marL="3550" marR="3550" marT="3550" marB="0" anchor="ctr"/>
                 </a:tc>
                 <a:tc>
                   <a:txBody>
@@ -17818,12 +17836,12 @@
                     <a:p>
                       <a:pPr algn="l" fontAlgn="ctr"/>
                       <a:r>
-                        <a:rPr lang="en-US" sz="600" u="none" strike="noStrike">
+                        <a:rPr lang="en-US" sz="400" u="none" strike="noStrike">
                           <a:effectLst/>
                         </a:rPr>
                         <a:t>bool</a:t>
                       </a:r>
-                      <a:endParaRPr lang="en-US" sz="600" b="1" i="0" u="none" strike="noStrike">
+                      <a:endParaRPr lang="en-US" sz="400" b="0" i="0" u="none" strike="noStrike">
                         <a:solidFill>
                           <a:srgbClr val="000000"/>
                         </a:solidFill>
@@ -17833,7 +17851,7 @@
                       </a:endParaRPr>
                     </a:p>
                   </a:txBody>
-                  <a:tcPr marL="5346" marR="5346" marT="5346" marB="0" anchor="ctr"/>
+                  <a:tcPr marL="3550" marR="3550" marT="3550" marB="0" anchor="ctr"/>
                 </a:tc>
                 <a:tc>
                   <a:txBody>
@@ -17842,12 +17860,12 @@
                     <a:p>
                       <a:pPr algn="l" fontAlgn="ctr"/>
                       <a:r>
-                        <a:rPr lang="en-US" sz="600" u="none" strike="noStrike">
+                        <a:rPr lang="en-US" sz="400" u="none" strike="noStrike">
                           <a:effectLst/>
                         </a:rPr>
-                        <a:t>I27</a:t>
+                        <a:t>I3.3</a:t>
                       </a:r>
-                      <a:endParaRPr lang="en-US" sz="600" b="1" i="0" u="none" strike="noStrike">
+                      <a:endParaRPr lang="en-US" sz="400" b="0" i="0" u="none" strike="noStrike">
                         <a:solidFill>
                           <a:srgbClr val="000000"/>
                         </a:solidFill>
@@ -17857,7 +17875,7 @@
                       </a:endParaRPr>
                     </a:p>
                   </a:txBody>
-                  <a:tcPr marL="5346" marR="5346" marT="5346" marB="0" anchor="ctr"/>
+                  <a:tcPr marL="3550" marR="3550" marT="3550" marB="0" anchor="ctr"/>
                 </a:tc>
                 <a:tc>
                   <a:txBody>
@@ -17866,12 +17884,12 @@
                     <a:p>
                       <a:pPr algn="l" fontAlgn="ctr"/>
                       <a:r>
-                        <a:rPr lang="en-US" sz="600" u="none" strike="noStrike">
+                        <a:rPr lang="en-US" sz="400" u="none" strike="noStrike">
                           <a:effectLst/>
                         </a:rPr>
-                        <a:t>O27</a:t>
+                        <a:t>O3.3</a:t>
                       </a:r>
-                      <a:endParaRPr lang="en-US" sz="600" b="1" i="0" u="none" strike="noStrike">
+                      <a:endParaRPr lang="en-US" sz="400" b="0" i="0" u="none" strike="noStrike">
                         <a:solidFill>
                           <a:srgbClr val="000000"/>
                         </a:solidFill>
@@ -17881,7 +17899,7 @@
                       </a:endParaRPr>
                     </a:p>
                   </a:txBody>
-                  <a:tcPr marL="5346" marR="5346" marT="5346" marB="0" anchor="ctr"/>
+                  <a:tcPr marL="3550" marR="3550" marT="3550" marB="0" anchor="ctr"/>
                 </a:tc>
                 <a:tc>
                   <a:txBody>
@@ -17890,12 +17908,12 @@
                     <a:p>
                       <a:pPr algn="l" fontAlgn="ctr"/>
                       <a:r>
-                        <a:rPr lang="en-US" sz="600" u="none" strike="noStrike">
+                        <a:rPr lang="en-US" sz="400" u="none" strike="noStrike">
                           <a:effectLst/>
                         </a:rPr>
                         <a:t>S22_PinA_RET</a:t>
                       </a:r>
-                      <a:endParaRPr lang="en-US" sz="600" b="1" i="0" u="none" strike="noStrike">
+                      <a:endParaRPr lang="en-US" sz="400" b="0" i="0" u="none" strike="noStrike">
                         <a:solidFill>
                           <a:srgbClr val="000000"/>
                         </a:solidFill>
@@ -17905,7 +17923,7 @@
                       </a:endParaRPr>
                     </a:p>
                   </a:txBody>
-                  <a:tcPr marL="5346" marR="5346" marT="5346" marB="0" anchor="ctr"/>
+                  <a:tcPr marL="3550" marR="3550" marT="3550" marB="0" anchor="ctr"/>
                 </a:tc>
                 <a:tc>
                   <a:txBody>
@@ -17914,12 +17932,12 @@
                     <a:p>
                       <a:pPr algn="l" fontAlgn="ctr"/>
                       <a:r>
-                        <a:rPr lang="ko-KR" altLang="en-US" sz="600" u="none" strike="noStrike">
+                        <a:rPr lang="ko-KR" altLang="en-US" sz="400" u="none" strike="noStrike">
                           <a:effectLst/>
                         </a:rPr>
                         <a:t>　</a:t>
                       </a:r>
-                      <a:endParaRPr lang="ko-KR" altLang="en-US" sz="600" b="1" i="0" u="none" strike="noStrike">
+                      <a:endParaRPr lang="ko-KR" altLang="en-US" sz="400" b="0" i="0" u="none" strike="noStrike">
                         <a:solidFill>
                           <a:srgbClr val="000000"/>
                         </a:solidFill>
@@ -17929,15 +17947,15 @@
                       </a:endParaRPr>
                     </a:p>
                   </a:txBody>
-                  <a:tcPr marL="5346" marR="5346" marT="5346" marB="0" anchor="ctr"/>
+                  <a:tcPr marL="3550" marR="3550" marT="3550" marB="0" anchor="ctr"/>
                 </a:tc>
                 <a:extLst>
                   <a:ext uri="{0D108BD9-81ED-4DB2-BD59-A6C34878D82A}">
-                    <a16:rowId xmlns:a16="http://schemas.microsoft.com/office/drawing/2014/main" val="3459882617"/>
+                    <a16:rowId xmlns:a16="http://schemas.microsoft.com/office/drawing/2014/main" val="729513089"/>
                   </a:ext>
                 </a:extLst>
               </a:tr>
-              <a:tr h="117604">
+              <a:tr h="128503">
                 <a:tc>
                   <a:txBody>
                     <a:bodyPr/>
@@ -17945,12 +17963,12 @@
                     <a:p>
                       <a:pPr algn="l" fontAlgn="ctr"/>
                       <a:r>
-                        <a:rPr lang="ko-KR" altLang="en-US" sz="600" u="none" strike="noStrike">
+                        <a:rPr lang="ko-KR" altLang="en-US" sz="400" u="none" strike="noStrike">
                           <a:effectLst/>
                         </a:rPr>
                         <a:t>외부주소</a:t>
                       </a:r>
-                      <a:endParaRPr lang="ko-KR" altLang="en-US" sz="600" b="1" i="0" u="none" strike="noStrike">
+                      <a:endParaRPr lang="ko-KR" altLang="en-US" sz="400" b="0" i="0" u="none" strike="noStrike">
                         <a:solidFill>
                           <a:srgbClr val="000000"/>
                         </a:solidFill>
@@ -17960,7 +17978,7 @@
                       </a:endParaRPr>
                     </a:p>
                   </a:txBody>
-                  <a:tcPr marL="5346" marR="5346" marT="5346" marB="0" anchor="ctr"/>
+                  <a:tcPr marL="3550" marR="3550" marT="3550" marB="0" anchor="ctr"/>
                 </a:tc>
                 <a:tc>
                   <a:txBody>
@@ -17969,12 +17987,12 @@
                     <a:p>
                       <a:pPr algn="l" fontAlgn="ctr"/>
                       <a:r>
-                        <a:rPr lang="en-US" sz="600" u="none" strike="noStrike">
+                        <a:rPr lang="en-US" sz="400" u="none" strike="noStrike">
                           <a:effectLst/>
                         </a:rPr>
                         <a:t>S22_PinB.ADV</a:t>
                       </a:r>
-                      <a:endParaRPr lang="en-US" sz="600" b="1" i="0" u="none" strike="noStrike">
+                      <a:endParaRPr lang="en-US" sz="400" b="0" i="0" u="none" strike="noStrike">
                         <a:solidFill>
                           <a:srgbClr val="000000"/>
                         </a:solidFill>
@@ -17984,7 +18002,7 @@
                       </a:endParaRPr>
                     </a:p>
                   </a:txBody>
-                  <a:tcPr marL="5346" marR="5346" marT="5346" marB="0" anchor="ctr"/>
+                  <a:tcPr marL="3550" marR="3550" marT="3550" marB="0" anchor="ctr"/>
                 </a:tc>
                 <a:tc>
                   <a:txBody>
@@ -17993,12 +18011,12 @@
                     <a:p>
                       <a:pPr algn="l" fontAlgn="ctr"/>
                       <a:r>
-                        <a:rPr lang="en-US" sz="600" u="none" strike="noStrike">
+                        <a:rPr lang="en-US" sz="400" u="none" strike="noStrike">
                           <a:effectLst/>
                         </a:rPr>
                         <a:t>bool</a:t>
                       </a:r>
-                      <a:endParaRPr lang="en-US" sz="600" b="1" i="0" u="none" strike="noStrike">
+                      <a:endParaRPr lang="en-US" sz="400" b="0" i="0" u="none" strike="noStrike">
                         <a:solidFill>
                           <a:srgbClr val="000000"/>
                         </a:solidFill>
@@ -18008,7 +18026,7 @@
                       </a:endParaRPr>
                     </a:p>
                   </a:txBody>
-                  <a:tcPr marL="5346" marR="5346" marT="5346" marB="0" anchor="ctr"/>
+                  <a:tcPr marL="3550" marR="3550" marT="3550" marB="0" anchor="ctr"/>
                 </a:tc>
                 <a:tc>
                   <a:txBody>
@@ -18017,12 +18035,12 @@
                     <a:p>
                       <a:pPr algn="l" fontAlgn="ctr"/>
                       <a:r>
-                        <a:rPr lang="en-US" sz="600" u="none" strike="noStrike">
+                        <a:rPr lang="en-US" sz="400" u="none" strike="noStrike">
                           <a:effectLst/>
                         </a:rPr>
-                        <a:t>I10</a:t>
+                        <a:t>I1.2</a:t>
                       </a:r>
-                      <a:endParaRPr lang="en-US" sz="600" b="1" i="0" u="none" strike="noStrike">
+                      <a:endParaRPr lang="en-US" sz="400" b="0" i="0" u="none" strike="noStrike">
                         <a:solidFill>
                           <a:srgbClr val="000000"/>
                         </a:solidFill>
@@ -18032,7 +18050,7 @@
                       </a:endParaRPr>
                     </a:p>
                   </a:txBody>
-                  <a:tcPr marL="5346" marR="5346" marT="5346" marB="0" anchor="ctr"/>
+                  <a:tcPr marL="3550" marR="3550" marT="3550" marB="0" anchor="ctr"/>
                 </a:tc>
                 <a:tc>
                   <a:txBody>
@@ -18041,12 +18059,12 @@
                     <a:p>
                       <a:pPr algn="l" fontAlgn="ctr"/>
                       <a:r>
-                        <a:rPr lang="en-US" sz="600" u="none" strike="noStrike">
+                        <a:rPr lang="en-US" sz="400" u="none" strike="noStrike">
                           <a:effectLst/>
                         </a:rPr>
-                        <a:t>O10</a:t>
+                        <a:t>O1.2</a:t>
                       </a:r>
-                      <a:endParaRPr lang="en-US" sz="600" b="1" i="0" u="none" strike="noStrike">
+                      <a:endParaRPr lang="en-US" sz="400" b="0" i="0" u="none" strike="noStrike">
                         <a:solidFill>
                           <a:srgbClr val="000000"/>
                         </a:solidFill>
@@ -18056,7 +18074,7 @@
                       </a:endParaRPr>
                     </a:p>
                   </a:txBody>
-                  <a:tcPr marL="5346" marR="5346" marT="5346" marB="0" anchor="ctr"/>
+                  <a:tcPr marL="3550" marR="3550" marT="3550" marB="0" anchor="ctr"/>
                 </a:tc>
                 <a:tc>
                   <a:txBody>
@@ -18065,12 +18083,12 @@
                     <a:p>
                       <a:pPr algn="l" fontAlgn="ctr"/>
                       <a:r>
-                        <a:rPr lang="en-US" sz="600" u="none" strike="noStrike">
+                        <a:rPr lang="en-US" sz="400" u="none" strike="noStrike">
                           <a:effectLst/>
                         </a:rPr>
                         <a:t>S22_PinB_ADV</a:t>
                       </a:r>
-                      <a:endParaRPr lang="en-US" sz="600" b="1" i="0" u="none" strike="noStrike">
+                      <a:endParaRPr lang="en-US" sz="400" b="0" i="0" u="none" strike="noStrike">
                         <a:solidFill>
                           <a:srgbClr val="000000"/>
                         </a:solidFill>
@@ -18080,7 +18098,7 @@
                       </a:endParaRPr>
                     </a:p>
                   </a:txBody>
-                  <a:tcPr marL="5346" marR="5346" marT="5346" marB="0" anchor="ctr"/>
+                  <a:tcPr marL="3550" marR="3550" marT="3550" marB="0" anchor="ctr"/>
                 </a:tc>
                 <a:tc>
                   <a:txBody>
@@ -18089,12 +18107,12 @@
                     <a:p>
                       <a:pPr algn="l" fontAlgn="ctr"/>
                       <a:r>
-                        <a:rPr lang="ko-KR" altLang="en-US" sz="600" u="none" strike="noStrike">
+                        <a:rPr lang="ko-KR" altLang="en-US" sz="400" u="none" strike="noStrike">
                           <a:effectLst/>
                         </a:rPr>
                         <a:t>　</a:t>
                       </a:r>
-                      <a:endParaRPr lang="ko-KR" altLang="en-US" sz="600" b="1" i="0" u="none" strike="noStrike">
+                      <a:endParaRPr lang="ko-KR" altLang="en-US" sz="400" b="0" i="0" u="none" strike="noStrike">
                         <a:solidFill>
                           <a:srgbClr val="000000"/>
                         </a:solidFill>
@@ -18104,15 +18122,15 @@
                       </a:endParaRPr>
                     </a:p>
                   </a:txBody>
-                  <a:tcPr marL="5346" marR="5346" marT="5346" marB="0" anchor="ctr"/>
+                  <a:tcPr marL="3550" marR="3550" marT="3550" marB="0" anchor="ctr"/>
                 </a:tc>
                 <a:extLst>
                   <a:ext uri="{0D108BD9-81ED-4DB2-BD59-A6C34878D82A}">
-                    <a16:rowId xmlns:a16="http://schemas.microsoft.com/office/drawing/2014/main" val="2752306482"/>
+                    <a16:rowId xmlns:a16="http://schemas.microsoft.com/office/drawing/2014/main" val="710453127"/>
                   </a:ext>
                 </a:extLst>
               </a:tr>
-              <a:tr h="117604">
+              <a:tr h="128503">
                 <a:tc>
                   <a:txBody>
                     <a:bodyPr/>
@@ -18120,12 +18138,12 @@
                     <a:p>
                       <a:pPr algn="l" fontAlgn="ctr"/>
                       <a:r>
-                        <a:rPr lang="ko-KR" altLang="en-US" sz="600" u="none" strike="noStrike">
+                        <a:rPr lang="ko-KR" altLang="en-US" sz="400" u="none" strike="noStrike">
                           <a:effectLst/>
                         </a:rPr>
                         <a:t>외부주소</a:t>
                       </a:r>
-                      <a:endParaRPr lang="ko-KR" altLang="en-US" sz="600" b="1" i="0" u="none" strike="noStrike">
+                      <a:endParaRPr lang="ko-KR" altLang="en-US" sz="400" b="0" i="0" u="none" strike="noStrike">
                         <a:solidFill>
                           <a:srgbClr val="000000"/>
                         </a:solidFill>
@@ -18135,7 +18153,7 @@
                       </a:endParaRPr>
                     </a:p>
                   </a:txBody>
-                  <a:tcPr marL="5346" marR="5346" marT="5346" marB="0" anchor="ctr"/>
+                  <a:tcPr marL="3550" marR="3550" marT="3550" marB="0" anchor="ctr"/>
                 </a:tc>
                 <a:tc>
                   <a:txBody>
@@ -18144,12 +18162,12 @@
                     <a:p>
                       <a:pPr algn="l" fontAlgn="ctr"/>
                       <a:r>
-                        <a:rPr lang="en-US" sz="600" u="none" strike="noStrike">
+                        <a:rPr lang="en-US" sz="400" u="none" strike="noStrike">
                           <a:effectLst/>
                         </a:rPr>
                         <a:t>S22_PinB.RET</a:t>
                       </a:r>
-                      <a:endParaRPr lang="en-US" sz="600" b="1" i="0" u="none" strike="noStrike">
+                      <a:endParaRPr lang="en-US" sz="400" b="0" i="0" u="none" strike="noStrike">
                         <a:solidFill>
                           <a:srgbClr val="000000"/>
                         </a:solidFill>
@@ -18159,7 +18177,7 @@
                       </a:endParaRPr>
                     </a:p>
                   </a:txBody>
-                  <a:tcPr marL="5346" marR="5346" marT="5346" marB="0" anchor="ctr"/>
+                  <a:tcPr marL="3550" marR="3550" marT="3550" marB="0" anchor="ctr"/>
                 </a:tc>
                 <a:tc>
                   <a:txBody>
@@ -18168,12 +18186,12 @@
                     <a:p>
                       <a:pPr algn="l" fontAlgn="ctr"/>
                       <a:r>
-                        <a:rPr lang="en-US" sz="600" u="none" strike="noStrike">
+                        <a:rPr lang="en-US" sz="400" u="none" strike="noStrike">
                           <a:effectLst/>
                         </a:rPr>
                         <a:t>bool</a:t>
                       </a:r>
-                      <a:endParaRPr lang="en-US" sz="600" b="1" i="0" u="none" strike="noStrike">
+                      <a:endParaRPr lang="en-US" sz="400" b="0" i="0" u="none" strike="noStrike">
                         <a:solidFill>
                           <a:srgbClr val="000000"/>
                         </a:solidFill>
@@ -18183,7 +18201,7 @@
                       </a:endParaRPr>
                     </a:p>
                   </a:txBody>
-                  <a:tcPr marL="5346" marR="5346" marT="5346" marB="0" anchor="ctr"/>
+                  <a:tcPr marL="3550" marR="3550" marT="3550" marB="0" anchor="ctr"/>
                 </a:tc>
                 <a:tc>
                   <a:txBody>
@@ -18192,12 +18210,12 @@
                     <a:p>
                       <a:pPr algn="l" fontAlgn="ctr"/>
                       <a:r>
-                        <a:rPr lang="en-US" sz="600" u="none" strike="noStrike">
+                        <a:rPr lang="en-US" sz="400" u="none" strike="noStrike">
                           <a:effectLst/>
                         </a:rPr>
-                        <a:t>I11</a:t>
+                        <a:t>I1.3</a:t>
                       </a:r>
-                      <a:endParaRPr lang="en-US" sz="600" b="1" i="0" u="none" strike="noStrike">
+                      <a:endParaRPr lang="en-US" sz="400" b="0" i="0" u="none" strike="noStrike">
                         <a:solidFill>
                           <a:srgbClr val="000000"/>
                         </a:solidFill>
@@ -18207,7 +18225,7 @@
                       </a:endParaRPr>
                     </a:p>
                   </a:txBody>
-                  <a:tcPr marL="5346" marR="5346" marT="5346" marB="0" anchor="ctr"/>
+                  <a:tcPr marL="3550" marR="3550" marT="3550" marB="0" anchor="ctr"/>
                 </a:tc>
                 <a:tc>
                   <a:txBody>
@@ -18216,12 +18234,12 @@
                     <a:p>
                       <a:pPr algn="l" fontAlgn="ctr"/>
                       <a:r>
-                        <a:rPr lang="en-US" sz="600" u="none" strike="noStrike">
+                        <a:rPr lang="en-US" sz="400" u="none" strike="noStrike">
                           <a:effectLst/>
                         </a:rPr>
-                        <a:t>O11</a:t>
+                        <a:t>O1.3</a:t>
                       </a:r>
-                      <a:endParaRPr lang="en-US" sz="600" b="1" i="0" u="none" strike="noStrike">
+                      <a:endParaRPr lang="en-US" sz="400" b="0" i="0" u="none" strike="noStrike">
                         <a:solidFill>
                           <a:srgbClr val="000000"/>
                         </a:solidFill>
@@ -18231,7 +18249,7 @@
                       </a:endParaRPr>
                     </a:p>
                   </a:txBody>
-                  <a:tcPr marL="5346" marR="5346" marT="5346" marB="0" anchor="ctr"/>
+                  <a:tcPr marL="3550" marR="3550" marT="3550" marB="0" anchor="ctr"/>
                 </a:tc>
                 <a:tc>
                   <a:txBody>
@@ -18240,12 +18258,12 @@
                     <a:p>
                       <a:pPr algn="l" fontAlgn="ctr"/>
                       <a:r>
-                        <a:rPr lang="en-US" sz="600" u="none" strike="noStrike">
+                        <a:rPr lang="en-US" sz="400" u="none" strike="noStrike">
                           <a:effectLst/>
                         </a:rPr>
                         <a:t>S22_PinB_RET</a:t>
                       </a:r>
-                      <a:endParaRPr lang="en-US" sz="600" b="1" i="0" u="none" strike="noStrike">
+                      <a:endParaRPr lang="en-US" sz="400" b="0" i="0" u="none" strike="noStrike">
                         <a:solidFill>
                           <a:srgbClr val="000000"/>
                         </a:solidFill>
@@ -18255,7 +18273,7 @@
                       </a:endParaRPr>
                     </a:p>
                   </a:txBody>
-                  <a:tcPr marL="5346" marR="5346" marT="5346" marB="0" anchor="ctr"/>
+                  <a:tcPr marL="3550" marR="3550" marT="3550" marB="0" anchor="ctr"/>
                 </a:tc>
                 <a:tc>
                   <a:txBody>
@@ -18264,12 +18282,12 @@
                     <a:p>
                       <a:pPr algn="l" fontAlgn="ctr"/>
                       <a:r>
-                        <a:rPr lang="ko-KR" altLang="en-US" sz="600" u="none" strike="noStrike">
+                        <a:rPr lang="ko-KR" altLang="en-US" sz="400" u="none" strike="noStrike">
                           <a:effectLst/>
                         </a:rPr>
                         <a:t>　</a:t>
                       </a:r>
-                      <a:endParaRPr lang="ko-KR" altLang="en-US" sz="600" b="1" i="0" u="none" strike="noStrike">
+                      <a:endParaRPr lang="ko-KR" altLang="en-US" sz="400" b="0" i="0" u="none" strike="noStrike">
                         <a:solidFill>
                           <a:srgbClr val="000000"/>
                         </a:solidFill>
@@ -18279,15 +18297,15 @@
                       </a:endParaRPr>
                     </a:p>
                   </a:txBody>
-                  <a:tcPr marL="5346" marR="5346" marT="5346" marB="0" anchor="ctr"/>
+                  <a:tcPr marL="3550" marR="3550" marT="3550" marB="0" anchor="ctr"/>
                 </a:tc>
                 <a:extLst>
                   <a:ext uri="{0D108BD9-81ED-4DB2-BD59-A6C34878D82A}">
-                    <a16:rowId xmlns:a16="http://schemas.microsoft.com/office/drawing/2014/main" val="224908568"/>
+                    <a16:rowId xmlns:a16="http://schemas.microsoft.com/office/drawing/2014/main" val="2306962950"/>
                   </a:ext>
                 </a:extLst>
               </a:tr>
-              <a:tr h="117604">
+              <a:tr h="78095">
                 <a:tc>
                   <a:txBody>
                     <a:bodyPr/>
@@ -18295,12 +18313,12 @@
                     <a:p>
                       <a:pPr algn="l" fontAlgn="ctr"/>
                       <a:r>
-                        <a:rPr lang="en-US" altLang="ko-KR" sz="600" u="none" strike="noStrike">
+                        <a:rPr lang="ko-KR" altLang="en-US" sz="400" u="none" strike="noStrike">
                           <a:effectLst/>
                         </a:rPr>
-                        <a:t>-</a:t>
+                        <a:t>　</a:t>
                       </a:r>
-                      <a:endParaRPr lang="en-US" altLang="ko-KR" sz="600" 